--- a/slides/T320_Redes_Neurais_Artificiais (Parte II).pptx
+++ b/slides/T320_Redes_Neurais_Artificiais (Parte II).pptx
@@ -5,66 +5,67 @@
     <p:sldMasterId id="2147483648" r:id="rId1"/>
   </p:sldMasterIdLst>
   <p:notesMasterIdLst>
-    <p:notesMasterId r:id="rId59"/>
+    <p:notesMasterId r:id="rId60"/>
   </p:notesMasterIdLst>
   <p:sldIdLst>
     <p:sldId id="300" r:id="rId2"/>
     <p:sldId id="292" r:id="rId3"/>
     <p:sldId id="304" r:id="rId4"/>
     <p:sldId id="305" r:id="rId5"/>
-    <p:sldId id="306" r:id="rId6"/>
+    <p:sldId id="355" r:id="rId6"/>
     <p:sldId id="307" r:id="rId7"/>
     <p:sldId id="308" r:id="rId8"/>
     <p:sldId id="309" r:id="rId9"/>
     <p:sldId id="310" r:id="rId10"/>
     <p:sldId id="311" r:id="rId11"/>
-    <p:sldId id="312" r:id="rId12"/>
-    <p:sldId id="353" r:id="rId13"/>
-    <p:sldId id="313" r:id="rId14"/>
-    <p:sldId id="314" r:id="rId15"/>
-    <p:sldId id="315" r:id="rId16"/>
-    <p:sldId id="316" r:id="rId17"/>
-    <p:sldId id="317" r:id="rId18"/>
-    <p:sldId id="318" r:id="rId19"/>
-    <p:sldId id="319" r:id="rId20"/>
-    <p:sldId id="320" r:id="rId21"/>
-    <p:sldId id="321" r:id="rId22"/>
-    <p:sldId id="322" r:id="rId23"/>
-    <p:sldId id="323" r:id="rId24"/>
-    <p:sldId id="324" r:id="rId25"/>
-    <p:sldId id="325" r:id="rId26"/>
-    <p:sldId id="326" r:id="rId27"/>
-    <p:sldId id="327" r:id="rId28"/>
-    <p:sldId id="328" r:id="rId29"/>
-    <p:sldId id="329" r:id="rId30"/>
-    <p:sldId id="330" r:id="rId31"/>
-    <p:sldId id="331" r:id="rId32"/>
-    <p:sldId id="332" r:id="rId33"/>
-    <p:sldId id="333" r:id="rId34"/>
-    <p:sldId id="334" r:id="rId35"/>
-    <p:sldId id="335" r:id="rId36"/>
-    <p:sldId id="336" r:id="rId37"/>
-    <p:sldId id="337" r:id="rId38"/>
-    <p:sldId id="338" r:id="rId39"/>
-    <p:sldId id="339" r:id="rId40"/>
-    <p:sldId id="340" r:id="rId41"/>
-    <p:sldId id="341" r:id="rId42"/>
-    <p:sldId id="342" r:id="rId43"/>
-    <p:sldId id="343" r:id="rId44"/>
-    <p:sldId id="344" r:id="rId45"/>
-    <p:sldId id="345" r:id="rId46"/>
-    <p:sldId id="346" r:id="rId47"/>
-    <p:sldId id="347" r:id="rId48"/>
-    <p:sldId id="348" r:id="rId49"/>
-    <p:sldId id="349" r:id="rId50"/>
-    <p:sldId id="350" r:id="rId51"/>
-    <p:sldId id="351" r:id="rId52"/>
-    <p:sldId id="352" r:id="rId53"/>
-    <p:sldId id="302" r:id="rId54"/>
-    <p:sldId id="301" r:id="rId55"/>
-    <p:sldId id="269" r:id="rId56"/>
-    <p:sldId id="303" r:id="rId57"/>
-    <p:sldId id="271" r:id="rId58"/>
+    <p:sldId id="354" r:id="rId12"/>
+    <p:sldId id="312" r:id="rId13"/>
+    <p:sldId id="353" r:id="rId14"/>
+    <p:sldId id="313" r:id="rId15"/>
+    <p:sldId id="314" r:id="rId16"/>
+    <p:sldId id="315" r:id="rId17"/>
+    <p:sldId id="316" r:id="rId18"/>
+    <p:sldId id="317" r:id="rId19"/>
+    <p:sldId id="318" r:id="rId20"/>
+    <p:sldId id="319" r:id="rId21"/>
+    <p:sldId id="320" r:id="rId22"/>
+    <p:sldId id="321" r:id="rId23"/>
+    <p:sldId id="322" r:id="rId24"/>
+    <p:sldId id="323" r:id="rId25"/>
+    <p:sldId id="324" r:id="rId26"/>
+    <p:sldId id="325" r:id="rId27"/>
+    <p:sldId id="326" r:id="rId28"/>
+    <p:sldId id="327" r:id="rId29"/>
+    <p:sldId id="328" r:id="rId30"/>
+    <p:sldId id="329" r:id="rId31"/>
+    <p:sldId id="330" r:id="rId32"/>
+    <p:sldId id="331" r:id="rId33"/>
+    <p:sldId id="332" r:id="rId34"/>
+    <p:sldId id="333" r:id="rId35"/>
+    <p:sldId id="334" r:id="rId36"/>
+    <p:sldId id="335" r:id="rId37"/>
+    <p:sldId id="336" r:id="rId38"/>
+    <p:sldId id="337" r:id="rId39"/>
+    <p:sldId id="338" r:id="rId40"/>
+    <p:sldId id="339" r:id="rId41"/>
+    <p:sldId id="340" r:id="rId42"/>
+    <p:sldId id="341" r:id="rId43"/>
+    <p:sldId id="342" r:id="rId44"/>
+    <p:sldId id="343" r:id="rId45"/>
+    <p:sldId id="344" r:id="rId46"/>
+    <p:sldId id="345" r:id="rId47"/>
+    <p:sldId id="346" r:id="rId48"/>
+    <p:sldId id="347" r:id="rId49"/>
+    <p:sldId id="348" r:id="rId50"/>
+    <p:sldId id="349" r:id="rId51"/>
+    <p:sldId id="350" r:id="rId52"/>
+    <p:sldId id="351" r:id="rId53"/>
+    <p:sldId id="352" r:id="rId54"/>
+    <p:sldId id="302" r:id="rId55"/>
+    <p:sldId id="301" r:id="rId56"/>
+    <p:sldId id="269" r:id="rId57"/>
+    <p:sldId id="303" r:id="rId58"/>
+    <p:sldId id="271" r:id="rId59"/>
   </p:sldIdLst>
   <p:sldSz cx="12192000" cy="6858000"/>
   <p:notesSz cx="6858000" cy="9144000"/>
@@ -290,7 +291,7 @@
           <a:p>
             <a:fld id="{C3C82C08-3EFC-4473-8294-F0E229C19EFF}" type="datetimeFigureOut">
               <a:rPr lang="pt-BR" smtClean="0"/>
-              <a:t>03/09/2021</a:t>
+              <a:t>18/09/2021</a:t>
             </a:fld>
             <a:endParaRPr lang="pt-BR"/>
           </a:p>
@@ -707,7 +708,7 @@
           <a:p>
             <a:fld id="{F430A2A4-8C14-4B1A-AD48-7B6401078BF7}" type="slidenum">
               <a:rPr lang="pt-BR" smtClean="0"/>
-              <a:t>14</a:t>
+              <a:t>15</a:t>
             </a:fld>
             <a:endParaRPr lang="pt-BR"/>
           </a:p>
@@ -818,7 +819,7 @@
           <a:p>
             <a:fld id="{F430A2A4-8C14-4B1A-AD48-7B6401078BF7}" type="slidenum">
               <a:rPr lang="pt-BR" smtClean="0"/>
-              <a:t>16</a:t>
+              <a:t>17</a:t>
             </a:fld>
             <a:endParaRPr lang="pt-BR"/>
           </a:p>
@@ -910,7 +911,7 @@
           <a:p>
             <a:fld id="{F430A2A4-8C14-4B1A-AD48-7B6401078BF7}" type="slidenum">
               <a:rPr lang="pt-BR" smtClean="0"/>
-              <a:t>17</a:t>
+              <a:t>18</a:t>
             </a:fld>
             <a:endParaRPr lang="pt-BR"/>
           </a:p>
@@ -1005,7 +1006,7 @@
           <a:p>
             <a:fld id="{F430A2A4-8C14-4B1A-AD48-7B6401078BF7}" type="slidenum">
               <a:rPr lang="pt-BR" smtClean="0"/>
-              <a:t>20</a:t>
+              <a:t>21</a:t>
             </a:fld>
             <a:endParaRPr lang="pt-BR"/>
           </a:p>
@@ -1214,7 +1215,7 @@
           <a:p>
             <a:fld id="{F430A2A4-8C14-4B1A-AD48-7B6401078BF7}" type="slidenum">
               <a:rPr lang="pt-BR" smtClean="0"/>
-              <a:t>22</a:t>
+              <a:t>23</a:t>
             </a:fld>
             <a:endParaRPr lang="pt-BR"/>
           </a:p>
@@ -1317,7 +1318,7 @@
           <a:p>
             <a:fld id="{F430A2A4-8C14-4B1A-AD48-7B6401078BF7}" type="slidenum">
               <a:rPr lang="pt-BR" smtClean="0"/>
-              <a:t>23</a:t>
+              <a:t>24</a:t>
             </a:fld>
             <a:endParaRPr lang="pt-BR"/>
           </a:p>
@@ -1412,7 +1413,7 @@
           <a:p>
             <a:fld id="{F430A2A4-8C14-4B1A-AD48-7B6401078BF7}" type="slidenum">
               <a:rPr lang="pt-BR" smtClean="0"/>
-              <a:t>27</a:t>
+              <a:t>28</a:t>
             </a:fld>
             <a:endParaRPr lang="pt-BR"/>
           </a:p>
@@ -1496,7 +1497,7 @@
           <a:p>
             <a:fld id="{F430A2A4-8C14-4B1A-AD48-7B6401078BF7}" type="slidenum">
               <a:rPr lang="pt-BR" smtClean="0"/>
-              <a:t>29</a:t>
+              <a:t>30</a:t>
             </a:fld>
             <a:endParaRPr lang="pt-BR"/>
           </a:p>
@@ -1580,7 +1581,7 @@
           <a:p>
             <a:fld id="{F430A2A4-8C14-4B1A-AD48-7B6401078BF7}" type="slidenum">
               <a:rPr lang="pt-BR" smtClean="0"/>
-              <a:t>32</a:t>
+              <a:t>33</a:t>
             </a:fld>
             <a:endParaRPr lang="pt-BR"/>
           </a:p>
@@ -1792,7 +1793,7 @@
           <a:p>
             <a:fld id="{F430A2A4-8C14-4B1A-AD48-7B6401078BF7}" type="slidenum">
               <a:rPr lang="pt-BR" smtClean="0"/>
-              <a:t>33</a:t>
+              <a:t>34</a:t>
             </a:fld>
             <a:endParaRPr lang="pt-BR"/>
           </a:p>
@@ -2002,7 +2003,7 @@
           <a:p>
             <a:fld id="{F430A2A4-8C14-4B1A-AD48-7B6401078BF7}" type="slidenum">
               <a:rPr lang="pt-BR" smtClean="0"/>
-              <a:t>44</a:t>
+              <a:t>45</a:t>
             </a:fld>
             <a:endParaRPr lang="pt-BR"/>
           </a:p>
@@ -2494,7 +2495,7 @@
           <a:p>
             <a:fld id="{F430A2A4-8C14-4B1A-AD48-7B6401078BF7}" type="slidenum">
               <a:rPr lang="pt-BR" smtClean="0"/>
-              <a:t>45</a:t>
+              <a:t>46</a:t>
             </a:fld>
             <a:endParaRPr lang="pt-BR"/>
           </a:p>
@@ -2673,7 +2674,7 @@
           <a:p>
             <a:fld id="{F430A2A4-8C14-4B1A-AD48-7B6401078BF7}" type="slidenum">
               <a:rPr lang="pt-BR" smtClean="0"/>
-              <a:t>46</a:t>
+              <a:t>47</a:t>
             </a:fld>
             <a:endParaRPr lang="pt-BR"/>
           </a:p>
@@ -2801,7 +2802,7 @@
           <a:p>
             <a:fld id="{F430A2A4-8C14-4B1A-AD48-7B6401078BF7}" type="slidenum">
               <a:rPr lang="pt-BR" smtClean="0"/>
-              <a:t>47</a:t>
+              <a:t>48</a:t>
             </a:fld>
             <a:endParaRPr lang="pt-BR"/>
           </a:p>
@@ -2885,7 +2886,7 @@
           <a:p>
             <a:fld id="{F430A2A4-8C14-4B1A-AD48-7B6401078BF7}" type="slidenum">
               <a:rPr lang="pt-BR" smtClean="0"/>
-              <a:t>48</a:t>
+              <a:t>49</a:t>
             </a:fld>
             <a:endParaRPr lang="pt-BR"/>
           </a:p>
@@ -3094,7 +3095,7 @@
           <a:p>
             <a:fld id="{F430A2A4-8C14-4B1A-AD48-7B6401078BF7}" type="slidenum">
               <a:rPr lang="pt-BR" smtClean="0"/>
-              <a:t>49</a:t>
+              <a:t>50</a:t>
             </a:fld>
             <a:endParaRPr lang="pt-BR"/>
           </a:p>
@@ -3197,7 +3198,7 @@
           <a:p>
             <a:fld id="{F430A2A4-8C14-4B1A-AD48-7B6401078BF7}" type="slidenum">
               <a:rPr lang="pt-BR" smtClean="0"/>
-              <a:t>50</a:t>
+              <a:t>51</a:t>
             </a:fld>
             <a:endParaRPr lang="pt-BR"/>
           </a:p>
@@ -3288,7 +3289,7 @@
           <a:p>
             <a:fld id="{F430A2A4-8C14-4B1A-AD48-7B6401078BF7}" type="slidenum">
               <a:rPr lang="pt-BR" smtClean="0"/>
-              <a:t>51</a:t>
+              <a:t>52</a:t>
             </a:fld>
             <a:endParaRPr lang="pt-BR"/>
           </a:p>
@@ -3393,7 +3394,7 @@
           <a:p>
             <a:fld id="{F430A2A4-8C14-4B1A-AD48-7B6401078BF7}" type="slidenum">
               <a:rPr lang="pt-BR" smtClean="0"/>
-              <a:t>52</a:t>
+              <a:t>53</a:t>
             </a:fld>
             <a:endParaRPr lang="pt-BR"/>
           </a:p>
@@ -3462,13 +3463,8 @@
             </a:r>
             <a:r>
               <a:rPr lang="pt-BR" sz="1200" dirty="0" smtClean="0"/>
-              <a:t> https://</a:t>
-            </a:r>
-            <a:r>
-              <a:rPr lang="pt-BR" sz="1200" dirty="0" smtClean="0"/>
-              <a:t>mybinder.org/v2/gh/zz4fap/t320_aprendizado_de_maquina/main?filepath=labs%2FLaboratorio7.ipynb</a:t>
-            </a:r>
-            <a:endParaRPr lang="pt-BR" sz="1200" dirty="0" smtClean="0"/>
+              <a:t> https://mybinder.org/v2/gh/zz4fap/t320_aprendizado_de_maquina/main?filepath=labs%2FLaboratorio7.ipynb</a:t>
+            </a:r>
           </a:p>
           <a:p>
             <a:endParaRPr lang="pt-BR" sz="1200" dirty="0"/>
@@ -3492,7 +3488,7 @@
           <a:p>
             <a:fld id="{6FC8D850-966F-45A6-8DE7-15B891E7D40D}" type="slidenum">
               <a:rPr lang="pt-BR" smtClean="0"/>
-              <a:t>54</a:t>
+              <a:t>55</a:t>
             </a:fld>
             <a:endParaRPr lang="pt-BR"/>
           </a:p>
@@ -4080,8 +4076,32 @@
               <a:rPr lang="pt-BR" dirty="0" smtClean="0">
                 <a:hlinkClick r:id="rId3"/>
               </a:rPr>
-              <a:t>https://en.wikipedia.org/wiki/Activation_function#Comparison_of_activation_functions</a:t>
-            </a:r>
+              <a:t>https://</a:t>
+            </a:r>
+            <a:r>
+              <a:rPr lang="pt-BR" dirty="0" smtClean="0">
+                <a:hlinkClick r:id="rId3"/>
+              </a:rPr>
+              <a:t>en.wikipedia.org/wiki/Activation_function#Comparison_of_activation_functions</a:t>
+            </a:r>
+            <a:endParaRPr lang="pt-BR" dirty="0" smtClean="0"/>
+          </a:p>
+          <a:p>
+            <a:endParaRPr lang="pt-BR" dirty="0" smtClean="0"/>
+          </a:p>
+          <a:p>
+            <a:r>
+              <a:rPr lang="pt-BR" dirty="0" smtClean="0"/>
+              <a:t>Referências</a:t>
+            </a:r>
+          </a:p>
+          <a:p>
+            <a:r>
+              <a:rPr lang="pt-BR" dirty="0" smtClean="0"/>
+              <a:t>[1] https://en.wikipedia.org/wiki/Activation_function</a:t>
+            </a:r>
+          </a:p>
+          <a:p>
             <a:endParaRPr lang="pt-BR" dirty="0" smtClean="0"/>
           </a:p>
         </p:txBody>
@@ -5100,7 +5120,7 @@
           <a:p>
             <a:fld id="{F430A2A4-8C14-4B1A-AD48-7B6401078BF7}" type="slidenum">
               <a:rPr lang="pt-BR" smtClean="0"/>
-              <a:t>11</a:t>
+              <a:t>12</a:t>
             </a:fld>
             <a:endParaRPr lang="pt-BR"/>
           </a:p>
@@ -5184,7 +5204,7 @@
           <a:p>
             <a:fld id="{F430A2A4-8C14-4B1A-AD48-7B6401078BF7}" type="slidenum">
               <a:rPr lang="pt-BR" smtClean="0"/>
-              <a:t>13</a:t>
+              <a:t>14</a:t>
             </a:fld>
             <a:endParaRPr lang="pt-BR"/>
           </a:p>
@@ -5334,7 +5354,7 @@
           <a:p>
             <a:fld id="{221D0464-8C8A-49C0-859F-777E51766A35}" type="datetimeFigureOut">
               <a:rPr lang="pt-BR" smtClean="0"/>
-              <a:t>03/09/2021</a:t>
+              <a:t>18/09/2021</a:t>
             </a:fld>
             <a:endParaRPr lang="pt-BR"/>
           </a:p>
@@ -5504,7 +5524,7 @@
           <a:p>
             <a:fld id="{221D0464-8C8A-49C0-859F-777E51766A35}" type="datetimeFigureOut">
               <a:rPr lang="pt-BR" smtClean="0"/>
-              <a:t>03/09/2021</a:t>
+              <a:t>18/09/2021</a:t>
             </a:fld>
             <a:endParaRPr lang="pt-BR"/>
           </a:p>
@@ -5684,7 +5704,7 @@
           <a:p>
             <a:fld id="{221D0464-8C8A-49C0-859F-777E51766A35}" type="datetimeFigureOut">
               <a:rPr lang="pt-BR" smtClean="0"/>
-              <a:t>03/09/2021</a:t>
+              <a:t>18/09/2021</a:t>
             </a:fld>
             <a:endParaRPr lang="pt-BR"/>
           </a:p>
@@ -5854,7 +5874,7 @@
           <a:p>
             <a:fld id="{221D0464-8C8A-49C0-859F-777E51766A35}" type="datetimeFigureOut">
               <a:rPr lang="pt-BR" smtClean="0"/>
-              <a:t>03/09/2021</a:t>
+              <a:t>18/09/2021</a:t>
             </a:fld>
             <a:endParaRPr lang="pt-BR"/>
           </a:p>
@@ -6100,7 +6120,7 @@
           <a:p>
             <a:fld id="{221D0464-8C8A-49C0-859F-777E51766A35}" type="datetimeFigureOut">
               <a:rPr lang="pt-BR" smtClean="0"/>
-              <a:t>03/09/2021</a:t>
+              <a:t>18/09/2021</a:t>
             </a:fld>
             <a:endParaRPr lang="pt-BR"/>
           </a:p>
@@ -6332,7 +6352,7 @@
           <a:p>
             <a:fld id="{221D0464-8C8A-49C0-859F-777E51766A35}" type="datetimeFigureOut">
               <a:rPr lang="pt-BR" smtClean="0"/>
-              <a:t>03/09/2021</a:t>
+              <a:t>18/09/2021</a:t>
             </a:fld>
             <a:endParaRPr lang="pt-BR"/>
           </a:p>
@@ -6699,7 +6719,7 @@
           <a:p>
             <a:fld id="{221D0464-8C8A-49C0-859F-777E51766A35}" type="datetimeFigureOut">
               <a:rPr lang="pt-BR" smtClean="0"/>
-              <a:t>03/09/2021</a:t>
+              <a:t>18/09/2021</a:t>
             </a:fld>
             <a:endParaRPr lang="pt-BR"/>
           </a:p>
@@ -6817,7 +6837,7 @@
           <a:p>
             <a:fld id="{221D0464-8C8A-49C0-859F-777E51766A35}" type="datetimeFigureOut">
               <a:rPr lang="pt-BR" smtClean="0"/>
-              <a:t>03/09/2021</a:t>
+              <a:t>18/09/2021</a:t>
             </a:fld>
             <a:endParaRPr lang="pt-BR"/>
           </a:p>
@@ -6912,7 +6932,7 @@
           <a:p>
             <a:fld id="{221D0464-8C8A-49C0-859F-777E51766A35}" type="datetimeFigureOut">
               <a:rPr lang="pt-BR" smtClean="0"/>
-              <a:t>03/09/2021</a:t>
+              <a:t>18/09/2021</a:t>
             </a:fld>
             <a:endParaRPr lang="pt-BR"/>
           </a:p>
@@ -7189,7 +7209,7 @@
           <a:p>
             <a:fld id="{221D0464-8C8A-49C0-859F-777E51766A35}" type="datetimeFigureOut">
               <a:rPr lang="pt-BR" smtClean="0"/>
-              <a:t>03/09/2021</a:t>
+              <a:t>18/09/2021</a:t>
             </a:fld>
             <a:endParaRPr lang="pt-BR"/>
           </a:p>
@@ -7442,7 +7462,7 @@
           <a:p>
             <a:fld id="{221D0464-8C8A-49C0-859F-777E51766A35}" type="datetimeFigureOut">
               <a:rPr lang="pt-BR" smtClean="0"/>
-              <a:t>03/09/2021</a:t>
+              <a:t>18/09/2021</a:t>
             </a:fld>
             <a:endParaRPr lang="pt-BR"/>
           </a:p>
@@ -7655,7 +7675,7 @@
           <a:p>
             <a:fld id="{221D0464-8C8A-49C0-859F-777E51766A35}" type="datetimeFigureOut">
               <a:rPr lang="pt-BR" smtClean="0"/>
-              <a:t>03/09/2021</a:t>
+              <a:t>18/09/2021</a:t>
             </a:fld>
             <a:endParaRPr lang="pt-BR"/>
           </a:p>
@@ -8299,8 +8319,8 @@
           </a:p>
         </p:txBody>
       </p:sp>
-      <mc:AlternateContent xmlns:mc="http://schemas.openxmlformats.org/markup-compatibility/2006" xmlns:a14="http://schemas.microsoft.com/office/drawing/2010/main">
-        <mc:Choice Requires="a14">
+      <mc:AlternateContent xmlns:mc="http://schemas.openxmlformats.org/markup-compatibility/2006">
+        <mc:Choice xmlns:a14="http://schemas.microsoft.com/office/drawing/2010/main" Requires="a14">
           <p:sp>
             <p:nvSpPr>
               <p:cNvPr id="3" name="Content Placeholder 2"/>
@@ -8313,27 +8333,23 @@
             </p:nvSpPr>
             <p:spPr>
               <a:xfrm>
-                <a:off x="838200" y="1457326"/>
-                <a:ext cx="8802522" cy="5400676"/>
+                <a:off x="838201" y="1457326"/>
+                <a:ext cx="7884886" cy="5400676"/>
               </a:xfrm>
             </p:spPr>
             <p:txBody>
               <a:bodyPr>
-                <a:normAutofit fontScale="85000" lnSpcReduction="20000"/>
+                <a:normAutofit fontScale="92500" lnSpcReduction="20000"/>
               </a:bodyPr>
               <a:lstStyle/>
               <a:p>
                 <a:r>
+                  <a:rPr lang="pt-BR" dirty="0" smtClean="0"/>
+                  <a:t>Com </a:t>
+                </a:r>
+                <a:r>
                   <a:rPr lang="pt-BR" dirty="0"/>
-                  <a:t>Embora as duas funções apresentadas anteriormente sejam </a:t>
-                </a:r>
-                <a:r>
-                  <a:rPr lang="pt-BR" dirty="0" smtClean="0"/>
-                  <a:t>clássicas, </a:t>
-                </a:r>
-                <a:r>
-                  <a:rPr lang="pt-BR" dirty="0"/>
-                  <a:t>com o surgimento das </a:t>
+                  <a:t>o surgimento das </a:t>
                 </a:r>
                 <a:r>
                   <a:rPr lang="pt-BR" b="1" dirty="0"/>
@@ -8749,7 +8765,11 @@
                 </a:pPr>
                 <a:r>
                   <a:rPr lang="pt-BR" dirty="0"/>
-                  <a:t>e indefinido em </a:t>
+                  <a:t>e </a:t>
+                </a:r>
+                <a:r>
+                  <a:rPr lang="pt-BR" dirty="0" smtClean="0"/>
+                  <a:t>é indefinida para </a:t>
                 </a:r>
                 <a14:m>
                   <m:oMath xmlns:m="http://schemas.openxmlformats.org/officeDocument/2006/math">
@@ -8810,8 +8830,29 @@
                 </a:r>
                 <a:r>
                   <a:rPr lang="pt-BR" dirty="0"/>
-                  <a:t>é chamado de ReLU (rectified linear unit).</a:t>
-                </a:r>
+                  <a:t>é chamado de </a:t>
+                </a:r>
+                <a:r>
+                  <a:rPr lang="pt-BR" b="1" i="1" dirty="0" smtClean="0"/>
+                  <a:t>rectified </a:t>
+                </a:r>
+                <a:r>
+                  <a:rPr lang="pt-BR" b="1" i="1" dirty="0"/>
+                  <a:t>linear </a:t>
+                </a:r>
+                <a:r>
+                  <a:rPr lang="pt-BR" b="1" i="1" dirty="0" smtClean="0"/>
+                  <a:t>unit</a:t>
+                </a:r>
+                <a:r>
+                  <a:rPr lang="pt-BR" b="1" i="1" dirty="0"/>
+                  <a:t> </a:t>
+                </a:r>
+                <a:r>
+                  <a:rPr lang="pt-BR" dirty="0" smtClean="0"/>
+                  <a:t>(ReLU)</a:t>
+                </a:r>
+                <a:endParaRPr lang="pt-BR" dirty="0"/>
               </a:p>
               <a:p>
                 <a:r>
@@ -8835,7 +8876,7 @@
             </p:txBody>
           </p:sp>
         </mc:Choice>
-        <mc:Fallback xmlns="">
+        <mc:Fallback>
           <p:sp>
             <p:nvSpPr>
               <p:cNvPr id="3" name="Content Placeholder 2"/>
@@ -8848,13 +8889,13 @@
             </p:nvSpPr>
             <p:spPr>
               <a:xfrm>
-                <a:off x="838200" y="1457326"/>
-                <a:ext cx="8802522" cy="5400676"/>
+                <a:off x="838201" y="1457326"/>
+                <a:ext cx="7884886" cy="5400676"/>
               </a:xfrm>
               <a:blipFill rotWithShape="0">
                 <a:blip r:embed="rId3"/>
                 <a:stretch>
-                  <a:fillRect l="-1109" t="-2596" b="-790"/>
+                  <a:fillRect l="-1392" t="-2822" r="-1933" b="-2822"/>
                 </a:stretch>
               </a:blipFill>
             </p:spPr>
@@ -8888,8 +8929,8 @@
         </p:blipFill>
         <p:spPr>
           <a:xfrm>
-            <a:off x="9578494" y="657147"/>
-            <a:ext cx="2523675" cy="2337655"/>
+            <a:off x="8723087" y="146045"/>
+            <a:ext cx="3411739" cy="3160261"/>
           </a:xfrm>
           <a:prstGeom prst="rect">
             <a:avLst/>
@@ -8904,8 +8945,8 @@
         </p:nvSpPr>
         <p:spPr>
           <a:xfrm>
-            <a:off x="9578494" y="2988376"/>
-            <a:ext cx="2523675" cy="369332"/>
+            <a:off x="9194864" y="620279"/>
+            <a:ext cx="1411513" cy="646331"/>
           </a:xfrm>
           <a:prstGeom prst="rect">
             <a:avLst/>
@@ -8920,37 +8961,13 @@
             <a:pPr algn="ctr"/>
             <a:r>
               <a:rPr lang="pt-BR" dirty="0"/>
-              <a:t>Função Retificadora.</a:t>
-            </a:r>
-          </a:p>
-        </p:txBody>
-      </p:sp>
-      <p:sp>
-        <p:nvSpPr>
-          <p:cNvPr id="6" name="Rectangle 5"/>
-          <p:cNvSpPr/>
-          <p:nvPr/>
-        </p:nvSpPr>
-        <p:spPr>
-          <a:xfrm>
-            <a:off x="9640722" y="5933621"/>
-            <a:ext cx="2450923" cy="646331"/>
-          </a:xfrm>
-          <a:prstGeom prst="rect">
-            <a:avLst/>
-          </a:prstGeom>
-        </p:spPr>
-        <p:txBody>
-          <a:bodyPr wrap="square">
-            <a:spAutoFit/>
-          </a:bodyPr>
-          <a:lstStyle/>
-          <a:p>
-            <a:pPr algn="ctr"/>
-            <a:r>
-              <a:rPr lang="pt-BR" dirty="0"/>
-              <a:t>Derivada da Função Retificadora.</a:t>
-            </a:r>
+              <a:t>Função </a:t>
+            </a:r>
+            <a:r>
+              <a:rPr lang="pt-BR" dirty="0" smtClean="0"/>
+              <a:t>Retificadora</a:t>
+            </a:r>
+            <a:endParaRPr lang="pt-BR" dirty="0"/>
           </a:p>
         </p:txBody>
       </p:sp>
@@ -8969,14 +8986,48 @@
         </p:blipFill>
         <p:spPr>
           <a:xfrm>
-            <a:off x="9578494" y="3602602"/>
-            <a:ext cx="2513151" cy="2343871"/>
+            <a:off x="8578820" y="3510802"/>
+            <a:ext cx="3556006" cy="3316483"/>
           </a:xfrm>
           <a:prstGeom prst="rect">
             <a:avLst/>
           </a:prstGeom>
         </p:spPr>
       </p:pic>
+      <p:sp>
+        <p:nvSpPr>
+          <p:cNvPr id="6" name="Rectangle 5"/>
+          <p:cNvSpPr/>
+          <p:nvPr/>
+        </p:nvSpPr>
+        <p:spPr>
+          <a:xfrm>
+            <a:off x="8973458" y="3973315"/>
+            <a:ext cx="1446892" cy="923330"/>
+          </a:xfrm>
+          <a:prstGeom prst="rect">
+            <a:avLst/>
+          </a:prstGeom>
+        </p:spPr>
+        <p:txBody>
+          <a:bodyPr wrap="square">
+            <a:spAutoFit/>
+          </a:bodyPr>
+          <a:lstStyle/>
+          <a:p>
+            <a:pPr algn="ctr"/>
+            <a:r>
+              <a:rPr lang="pt-BR" dirty="0"/>
+              <a:t>Derivada da Função </a:t>
+            </a:r>
+            <a:r>
+              <a:rPr lang="pt-BR" dirty="0" smtClean="0"/>
+              <a:t>Retificadora</a:t>
+            </a:r>
+            <a:endParaRPr lang="pt-BR" dirty="0"/>
+          </a:p>
+        </p:txBody>
+      </p:sp>
     </p:spTree>
     <p:extLst>
       <p:ext uri="{BB962C8B-B14F-4D97-AF65-F5344CB8AC3E}">
@@ -9030,14 +9081,10 @@
           <a:lstStyle/>
           <a:p>
             <a:r>
-              <a:rPr lang="pt-BR" dirty="0"/>
-              <a:t>Funções de </a:t>
-            </a:r>
-            <a:r>
-              <a:rPr lang="pt-BR" dirty="0" smtClean="0"/>
-              <a:t>ativação</a:t>
-            </a:r>
-            <a:endParaRPr lang="pt-BR" dirty="0"/>
+              <a:rPr lang="pt-BR" smtClean="0"/>
+              <a:t>PAREI AQUI!!!!!!!!!</a:t>
+            </a:r>
+            <a:endParaRPr lang="pt-BR"/>
           </a:p>
         </p:txBody>
       </p:sp>
@@ -9051,12 +9098,7 @@
             <p:ph idx="1"/>
           </p:nvPr>
         </p:nvSpPr>
-        <p:spPr>
-          <a:xfrm>
-            <a:off x="838200" y="1825624"/>
-            <a:ext cx="11120438" cy="4760914"/>
-          </a:xfrm>
-        </p:spPr>
+        <p:spPr/>
         <p:txBody>
           <a:bodyPr>
             <a:normAutofit/>
@@ -9064,153 +9106,25 @@
           <a:lstStyle/>
           <a:p>
             <a:r>
-              <a:rPr lang="pt-BR" dirty="0" smtClean="0"/>
-              <a:t>Vantagens </a:t>
-            </a:r>
-            <a:r>
-              <a:rPr lang="pt-BR" dirty="0"/>
-              <a:t>da </a:t>
-            </a:r>
-            <a:r>
-              <a:rPr lang="pt-BR" b="1" i="1" dirty="0" smtClean="0"/>
-              <a:t>função retificadora</a:t>
-            </a:r>
-            <a:r>
-              <a:rPr lang="pt-BR" dirty="0"/>
-              <a:t>:</a:t>
-            </a:r>
-            <a:endParaRPr lang="pt-BR" dirty="0" smtClean="0"/>
-          </a:p>
-          <a:p>
-            <a:pPr lvl="1">
-              <a:buFont typeface="Wingdings" panose="05000000000000000000" pitchFamily="2" charset="2"/>
-              <a:buChar char="§"/>
-            </a:pPr>
-            <a:r>
-              <a:rPr lang="pt-BR" dirty="0" smtClean="0"/>
-              <a:t>A função e sua derivada são mais rápidas </a:t>
-            </a:r>
-            <a:r>
-              <a:rPr lang="pt-BR" dirty="0"/>
-              <a:t>de calcular do que a </a:t>
-            </a:r>
-            <a:r>
-              <a:rPr lang="pt-BR" dirty="0" smtClean="0"/>
-              <a:t>funções logística e tangente hiperbólica.</a:t>
-            </a:r>
-          </a:p>
-          <a:p>
-            <a:pPr lvl="1">
-              <a:buFont typeface="Wingdings" panose="05000000000000000000" pitchFamily="2" charset="2"/>
-              <a:buChar char="§"/>
-            </a:pPr>
-            <a:r>
-              <a:rPr lang="pt-BR" dirty="0" smtClean="0"/>
-              <a:t>Não sofre com </a:t>
-            </a:r>
-            <a:r>
-              <a:rPr lang="pt-BR" dirty="0"/>
-              <a:t>o problema </a:t>
-            </a:r>
-            <a:r>
-              <a:rPr lang="pt-BR" dirty="0" smtClean="0"/>
-              <a:t>da diminuição do gradiente</a:t>
-            </a:r>
-            <a:r>
-              <a:rPr lang="pt-BR" dirty="0"/>
-              <a:t>: </a:t>
-            </a:r>
-            <a:r>
-              <a:rPr lang="pt-BR" dirty="0" smtClean="0"/>
-              <a:t>o </a:t>
-            </a:r>
-            <a:r>
-              <a:rPr lang="pt-BR" dirty="0"/>
-              <a:t>gradiente é multiplicado várias vezes </a:t>
-            </a:r>
-            <a:r>
-              <a:rPr lang="pt-BR" dirty="0" smtClean="0"/>
-              <a:t>com o algoritmo da </a:t>
-            </a:r>
-            <a:r>
-              <a:rPr lang="pt-BR" b="1" i="1" dirty="0" smtClean="0"/>
-              <a:t>retropropagação</a:t>
-            </a:r>
-            <a:r>
-              <a:rPr lang="pt-BR" dirty="0"/>
-              <a:t>, o que faz com que o gradiente se torne menor para as camadas inferiores, levando a uma mudança muito pequena ou até mesmo nenhuma mudança nos pesos das camadas inferiores</a:t>
-            </a:r>
-            <a:r>
-              <a:rPr lang="pt-BR" dirty="0" smtClean="0"/>
-              <a:t>.</a:t>
-            </a:r>
-          </a:p>
-          <a:p>
-            <a:r>
-              <a:rPr lang="pt-BR" dirty="0" smtClean="0"/>
-              <a:t>Outras funções de ativação são:</a:t>
-            </a:r>
-          </a:p>
-          <a:p>
-            <a:pPr lvl="1">
-              <a:buFont typeface="Wingdings" panose="05000000000000000000" pitchFamily="2" charset="2"/>
-              <a:buChar char="§"/>
-            </a:pPr>
-            <a:r>
-              <a:rPr lang="pt-BR" dirty="0" smtClean="0"/>
-              <a:t>Identidade ou linear</a:t>
-            </a:r>
-          </a:p>
-          <a:p>
-            <a:pPr lvl="1">
-              <a:buFont typeface="Wingdings" panose="05000000000000000000" pitchFamily="2" charset="2"/>
-              <a:buChar char="§"/>
-            </a:pPr>
-            <a:r>
-              <a:rPr lang="pt-BR" dirty="0"/>
-              <a:t>Gaussian Error Linear Unit (GELU</a:t>
-            </a:r>
-            <a:r>
-              <a:rPr lang="pt-BR" dirty="0" smtClean="0"/>
-              <a:t>)</a:t>
-            </a:r>
-          </a:p>
-          <a:p>
-            <a:pPr lvl="1">
-              <a:buFont typeface="Wingdings" panose="05000000000000000000" pitchFamily="2" charset="2"/>
-              <a:buChar char="§"/>
-            </a:pPr>
-            <a:r>
-              <a:rPr lang="en-US" dirty="0"/>
-              <a:t>Leaky rectified linear unit (Leaky </a:t>
-            </a:r>
-            <a:r>
-              <a:rPr lang="en-US" dirty="0" err="1"/>
-              <a:t>ReLU</a:t>
-            </a:r>
-            <a:r>
-              <a:rPr lang="en-US" dirty="0"/>
-              <a:t>)</a:t>
-            </a:r>
-            <a:endParaRPr lang="pt-BR" dirty="0" smtClean="0"/>
-          </a:p>
-          <a:p>
-            <a:pPr lvl="1">
-              <a:buFont typeface="Wingdings" panose="05000000000000000000" pitchFamily="2" charset="2"/>
-              <a:buChar char="§"/>
-            </a:pPr>
-            <a:r>
-              <a:rPr lang="pt-BR" dirty="0" smtClean="0"/>
-              <a:t>Gaussiana</a:t>
-            </a:r>
-            <a:endParaRPr lang="pt-BR" dirty="0"/>
+              <a:rPr lang="pt-BR" sz="5400" dirty="0" smtClean="0">
+                <a:solidFill>
+                  <a:srgbClr val="FF0000"/>
+                </a:solidFill>
+              </a:rPr>
+              <a:t>E o PROBLEMA DO VANISHING GRADIENTE????????????????????????????</a:t>
+            </a:r>
+            <a:endParaRPr lang="pt-BR" sz="5400" dirty="0">
+              <a:solidFill>
+                <a:srgbClr val="FF0000"/>
+              </a:solidFill>
+            </a:endParaRPr>
           </a:p>
         </p:txBody>
       </p:sp>
     </p:spTree>
     <p:extLst>
       <p:ext uri="{BB962C8B-B14F-4D97-AF65-F5344CB8AC3E}">
-        <p14:creationId xmlns:p14="http://schemas.microsoft.com/office/powerpoint/2010/main" val="2996423218"/>
+        <p14:creationId xmlns:p14="http://schemas.microsoft.com/office/powerpoint/2010/main" val="4043493133"/>
       </p:ext>
     </p:extLst>
   </p:cSld>
@@ -9260,6 +9174,236 @@
           <a:lstStyle/>
           <a:p>
             <a:r>
+              <a:rPr lang="pt-BR" dirty="0"/>
+              <a:t>Funções de </a:t>
+            </a:r>
+            <a:r>
+              <a:rPr lang="pt-BR" dirty="0" smtClean="0"/>
+              <a:t>ativação</a:t>
+            </a:r>
+            <a:endParaRPr lang="pt-BR" dirty="0"/>
+          </a:p>
+        </p:txBody>
+      </p:sp>
+      <p:sp>
+        <p:nvSpPr>
+          <p:cNvPr id="3" name="Content Placeholder 2"/>
+          <p:cNvSpPr>
+            <a:spLocks noGrp="1"/>
+          </p:cNvSpPr>
+          <p:nvPr>
+            <p:ph idx="1"/>
+          </p:nvPr>
+        </p:nvSpPr>
+        <p:spPr>
+          <a:xfrm>
+            <a:off x="838200" y="1825624"/>
+            <a:ext cx="11120438" cy="4760914"/>
+          </a:xfrm>
+        </p:spPr>
+        <p:txBody>
+          <a:bodyPr>
+            <a:normAutofit/>
+          </a:bodyPr>
+          <a:lstStyle/>
+          <a:p>
+            <a:r>
+              <a:rPr lang="pt-BR" dirty="0" smtClean="0"/>
+              <a:t>Vantagens </a:t>
+            </a:r>
+            <a:r>
+              <a:rPr lang="pt-BR" dirty="0"/>
+              <a:t>da </a:t>
+            </a:r>
+            <a:r>
+              <a:rPr lang="pt-BR" b="1" i="1" dirty="0" smtClean="0"/>
+              <a:t>função retificadora</a:t>
+            </a:r>
+            <a:r>
+              <a:rPr lang="pt-BR" dirty="0"/>
+              <a:t>:</a:t>
+            </a:r>
+            <a:endParaRPr lang="pt-BR" dirty="0" smtClean="0"/>
+          </a:p>
+          <a:p>
+            <a:pPr lvl="1">
+              <a:buFont typeface="Wingdings" panose="05000000000000000000" pitchFamily="2" charset="2"/>
+              <a:buChar char="§"/>
+            </a:pPr>
+            <a:r>
+              <a:rPr lang="pt-BR" dirty="0" smtClean="0"/>
+              <a:t>A função e sua derivada são mais rápidas </a:t>
+            </a:r>
+            <a:r>
+              <a:rPr lang="pt-BR" dirty="0"/>
+              <a:t>de calcular do que a </a:t>
+            </a:r>
+            <a:r>
+              <a:rPr lang="pt-BR" dirty="0" smtClean="0"/>
+              <a:t>funções logística e tangente hiperbólica.</a:t>
+            </a:r>
+          </a:p>
+          <a:p>
+            <a:pPr lvl="1">
+              <a:buFont typeface="Wingdings" panose="05000000000000000000" pitchFamily="2" charset="2"/>
+              <a:buChar char="§"/>
+            </a:pPr>
+            <a:r>
+              <a:rPr lang="pt-BR" dirty="0" smtClean="0"/>
+              <a:t>Não sofre com </a:t>
+            </a:r>
+            <a:r>
+              <a:rPr lang="pt-BR" dirty="0"/>
+              <a:t>o problema </a:t>
+            </a:r>
+            <a:r>
+              <a:rPr lang="pt-BR" dirty="0" smtClean="0"/>
+              <a:t>da diminuição do gradiente</a:t>
+            </a:r>
+            <a:r>
+              <a:rPr lang="pt-BR" dirty="0"/>
+              <a:t>: </a:t>
+            </a:r>
+            <a:r>
+              <a:rPr lang="pt-BR" dirty="0" smtClean="0"/>
+              <a:t>o </a:t>
+            </a:r>
+            <a:r>
+              <a:rPr lang="pt-BR" dirty="0"/>
+              <a:t>gradiente é multiplicado várias vezes </a:t>
+            </a:r>
+            <a:r>
+              <a:rPr lang="pt-BR" dirty="0" smtClean="0"/>
+              <a:t>com o algoritmo da </a:t>
+            </a:r>
+            <a:r>
+              <a:rPr lang="pt-BR" b="1" i="1" dirty="0" smtClean="0"/>
+              <a:t>retropropagação</a:t>
+            </a:r>
+            <a:r>
+              <a:rPr lang="pt-BR" dirty="0"/>
+              <a:t>, o que faz com que o gradiente se torne menor para as camadas inferiores, levando a uma mudança muito pequena ou até mesmo nenhuma mudança nos pesos das camadas inferiores</a:t>
+            </a:r>
+            <a:r>
+              <a:rPr lang="pt-BR" dirty="0" smtClean="0"/>
+              <a:t>.</a:t>
+            </a:r>
+          </a:p>
+          <a:p>
+            <a:r>
+              <a:rPr lang="pt-BR" dirty="0" smtClean="0"/>
+              <a:t>Outras funções de ativação são:</a:t>
+            </a:r>
+          </a:p>
+          <a:p>
+            <a:pPr lvl="1">
+              <a:buFont typeface="Wingdings" panose="05000000000000000000" pitchFamily="2" charset="2"/>
+              <a:buChar char="§"/>
+            </a:pPr>
+            <a:r>
+              <a:rPr lang="pt-BR" dirty="0" smtClean="0"/>
+              <a:t>Identidade ou linear</a:t>
+            </a:r>
+          </a:p>
+          <a:p>
+            <a:pPr lvl="1">
+              <a:buFont typeface="Wingdings" panose="05000000000000000000" pitchFamily="2" charset="2"/>
+              <a:buChar char="§"/>
+            </a:pPr>
+            <a:r>
+              <a:rPr lang="pt-BR" dirty="0"/>
+              <a:t>Gaussian Error Linear Unit (GELU</a:t>
+            </a:r>
+            <a:r>
+              <a:rPr lang="pt-BR" dirty="0" smtClean="0"/>
+              <a:t>)</a:t>
+            </a:r>
+          </a:p>
+          <a:p>
+            <a:pPr lvl="1">
+              <a:buFont typeface="Wingdings" panose="05000000000000000000" pitchFamily="2" charset="2"/>
+              <a:buChar char="§"/>
+            </a:pPr>
+            <a:r>
+              <a:rPr lang="en-US" dirty="0"/>
+              <a:t>Leaky rectified linear unit (Leaky </a:t>
+            </a:r>
+            <a:r>
+              <a:rPr lang="en-US" dirty="0" err="1"/>
+              <a:t>ReLU</a:t>
+            </a:r>
+            <a:r>
+              <a:rPr lang="en-US" dirty="0"/>
+              <a:t>)</a:t>
+            </a:r>
+            <a:endParaRPr lang="pt-BR" dirty="0" smtClean="0"/>
+          </a:p>
+          <a:p>
+            <a:pPr lvl="1">
+              <a:buFont typeface="Wingdings" panose="05000000000000000000" pitchFamily="2" charset="2"/>
+              <a:buChar char="§"/>
+            </a:pPr>
+            <a:r>
+              <a:rPr lang="pt-BR" dirty="0" smtClean="0"/>
+              <a:t>Gaussiana</a:t>
+            </a:r>
+            <a:endParaRPr lang="pt-BR" dirty="0"/>
+          </a:p>
+        </p:txBody>
+      </p:sp>
+    </p:spTree>
+    <p:extLst>
+      <p:ext uri="{BB962C8B-B14F-4D97-AF65-F5344CB8AC3E}">
+        <p14:creationId xmlns:p14="http://schemas.microsoft.com/office/powerpoint/2010/main" val="2996423218"/>
+      </p:ext>
+    </p:extLst>
+  </p:cSld>
+  <p:clrMapOvr>
+    <a:masterClrMapping/>
+  </p:clrMapOvr>
+  <p:timing>
+    <p:tnLst>
+      <p:par>
+        <p:cTn id="1" dur="indefinite" restart="never" nodeType="tmRoot"/>
+      </p:par>
+    </p:tnLst>
+  </p:timing>
+</p:sld>
+</file>
+
+<file path=ppt/slides/slide13.xml><?xml version="1.0" encoding="utf-8"?>
+<p:sld xmlns:a="http://schemas.openxmlformats.org/drawingml/2006/main" xmlns:r="http://schemas.openxmlformats.org/officeDocument/2006/relationships" xmlns:p="http://schemas.openxmlformats.org/presentationml/2006/main">
+  <p:cSld>
+    <p:spTree>
+      <p:nvGrpSpPr>
+        <p:cNvPr id="1" name=""/>
+        <p:cNvGrpSpPr/>
+        <p:nvPr/>
+      </p:nvGrpSpPr>
+      <p:grpSpPr>
+        <a:xfrm>
+          <a:off x="0" y="0"/>
+          <a:ext cx="0" cy="0"/>
+          <a:chOff x="0" y="0"/>
+          <a:chExt cx="0" cy="0"/>
+        </a:xfrm>
+      </p:grpSpPr>
+      <p:sp>
+        <p:nvSpPr>
+          <p:cNvPr id="2" name="Title 1"/>
+          <p:cNvSpPr>
+            <a:spLocks noGrp="1"/>
+          </p:cNvSpPr>
+          <p:nvPr>
+            <p:ph type="title"/>
+          </p:nvPr>
+        </p:nvSpPr>
+        <p:spPr/>
+        <p:txBody>
+          <a:bodyPr/>
+          <a:lstStyle/>
+          <a:p>
+            <a:r>
               <a:rPr lang="pt-BR" smtClean="0"/>
               <a:t>Parte II até aqui?</a:t>
             </a:r>
@@ -9299,7 +9443,7 @@
 </p:sld>
 </file>
 
-<file path=ppt/slides/slide13.xml><?xml version="1.0" encoding="utf-8"?>
+<file path=ppt/slides/slide14.xml><?xml version="1.0" encoding="utf-8"?>
 <p:sld xmlns:a="http://schemas.openxmlformats.org/drawingml/2006/main" xmlns:r="http://schemas.openxmlformats.org/officeDocument/2006/relationships" xmlns:p="http://schemas.openxmlformats.org/presentationml/2006/main">
   <p:cSld>
     <p:spTree>
@@ -9522,7 +9666,7 @@
 </p:sld>
 </file>
 
-<file path=ppt/slides/slide14.xml><?xml version="1.0" encoding="utf-8"?>
+<file path=ppt/slides/slide15.xml><?xml version="1.0" encoding="utf-8"?>
 <p:sld xmlns:a="http://schemas.openxmlformats.org/drawingml/2006/main" xmlns:r="http://schemas.openxmlformats.org/officeDocument/2006/relationships" xmlns:p="http://schemas.openxmlformats.org/presentationml/2006/main">
   <p:cSld>
     <p:spTree>
@@ -9737,7 +9881,7 @@
 </p:sld>
 </file>
 
-<file path=ppt/slides/slide15.xml><?xml version="1.0" encoding="utf-8"?>
+<file path=ppt/slides/slide16.xml><?xml version="1.0" encoding="utf-8"?>
 <p:sld xmlns:a="http://schemas.openxmlformats.org/drawingml/2006/main" xmlns:r="http://schemas.openxmlformats.org/officeDocument/2006/relationships" xmlns:p="http://schemas.openxmlformats.org/presentationml/2006/main">
   <p:cSld>
     <p:spTree>
@@ -10074,7 +10218,7 @@
 </p:sld>
 </file>
 
-<file path=ppt/slides/slide16.xml><?xml version="1.0" encoding="utf-8"?>
+<file path=ppt/slides/slide17.xml><?xml version="1.0" encoding="utf-8"?>
 <p:sld xmlns:a="http://schemas.openxmlformats.org/drawingml/2006/main" xmlns:r="http://schemas.openxmlformats.org/officeDocument/2006/relationships" xmlns:p="http://schemas.openxmlformats.org/presentationml/2006/main">
   <p:cSld>
     <p:spTree>
@@ -10465,7 +10609,7 @@
 </p:sld>
 </file>
 
-<file path=ppt/slides/slide17.xml><?xml version="1.0" encoding="utf-8"?>
+<file path=ppt/slides/slide18.xml><?xml version="1.0" encoding="utf-8"?>
 <p:sld xmlns:a="http://schemas.openxmlformats.org/drawingml/2006/main" xmlns:r="http://schemas.openxmlformats.org/officeDocument/2006/relationships" xmlns:p="http://schemas.openxmlformats.org/presentationml/2006/main">
   <p:cSld>
     <p:spTree>
@@ -10786,7 +10930,7 @@
 </p:sld>
 </file>
 
-<file path=ppt/slides/slide18.xml><?xml version="1.0" encoding="utf-8"?>
+<file path=ppt/slides/slide19.xml><?xml version="1.0" encoding="utf-8"?>
 <p:sld xmlns:a="http://schemas.openxmlformats.org/drawingml/2006/main" xmlns:r="http://schemas.openxmlformats.org/officeDocument/2006/relationships" xmlns:p="http://schemas.openxmlformats.org/presentationml/2006/main">
   <p:cSld>
     <p:spTree>
@@ -11354,7 +11498,185 @@
 </p:sld>
 </file>
 
-<file path=ppt/slides/slide19.xml><?xml version="1.0" encoding="utf-8"?>
+<file path=ppt/slides/slide2.xml><?xml version="1.0" encoding="utf-8"?>
+<p:sld xmlns:a="http://schemas.openxmlformats.org/drawingml/2006/main" xmlns:r="http://schemas.openxmlformats.org/officeDocument/2006/relationships" xmlns:p="http://schemas.openxmlformats.org/presentationml/2006/main">
+  <p:cSld>
+    <p:spTree>
+      <p:nvGrpSpPr>
+        <p:cNvPr id="1" name=""/>
+        <p:cNvGrpSpPr/>
+        <p:nvPr/>
+      </p:nvGrpSpPr>
+      <p:grpSpPr>
+        <a:xfrm>
+          <a:off x="0" y="0"/>
+          <a:ext cx="0" cy="0"/>
+          <a:chOff x="0" y="0"/>
+          <a:chExt cx="0" cy="0"/>
+        </a:xfrm>
+      </p:grpSpPr>
+      <p:sp>
+        <p:nvSpPr>
+          <p:cNvPr id="2" name="Title 1"/>
+          <p:cNvSpPr>
+            <a:spLocks noGrp="1"/>
+          </p:cNvSpPr>
+          <p:nvPr>
+            <p:ph type="title"/>
+          </p:nvPr>
+        </p:nvSpPr>
+        <p:spPr/>
+        <p:txBody>
+          <a:bodyPr/>
+          <a:lstStyle/>
+          <a:p>
+            <a:r>
+              <a:rPr lang="pt-BR" dirty="0" smtClean="0"/>
+              <a:t>Recapitulando</a:t>
+            </a:r>
+            <a:endParaRPr lang="pt-BR" dirty="0"/>
+          </a:p>
+        </p:txBody>
+      </p:sp>
+      <p:sp>
+        <p:nvSpPr>
+          <p:cNvPr id="3" name="Content Placeholder 2"/>
+          <p:cNvSpPr>
+            <a:spLocks noGrp="1"/>
+          </p:cNvSpPr>
+          <p:nvPr>
+            <p:ph idx="1"/>
+          </p:nvPr>
+        </p:nvSpPr>
+        <p:spPr>
+          <a:xfrm>
+            <a:off x="838199" y="1825624"/>
+            <a:ext cx="10994409" cy="5032376"/>
+          </a:xfrm>
+        </p:spPr>
+        <p:txBody>
+          <a:bodyPr>
+            <a:normAutofit lnSpcReduction="10000"/>
+          </a:bodyPr>
+          <a:lstStyle/>
+          <a:p>
+            <a:r>
+              <a:rPr lang="pt-BR" dirty="0" smtClean="0"/>
+              <a:t>Fizemos </a:t>
+            </a:r>
+            <a:r>
+              <a:rPr lang="pt-BR" dirty="0"/>
+              <a:t>uma analogia entre um neurônio e os modelos de McCulloch e Pitts e do </a:t>
+            </a:r>
+            <a:r>
+              <a:rPr lang="pt-BR" dirty="0" smtClean="0"/>
+              <a:t>Perceptron.</a:t>
+            </a:r>
+          </a:p>
+          <a:p>
+            <a:r>
+              <a:rPr lang="pt-BR" dirty="0" smtClean="0"/>
+              <a:t>Vimos </a:t>
+            </a:r>
+            <a:r>
+              <a:rPr lang="pt-BR" dirty="0"/>
+              <a:t>a evolução dos modelos de McCulloch e Pitts para o </a:t>
+            </a:r>
+            <a:r>
+              <a:rPr lang="pt-BR" dirty="0" smtClean="0"/>
+              <a:t>Perceptron.</a:t>
+            </a:r>
+          </a:p>
+          <a:p>
+            <a:r>
+              <a:rPr lang="pt-BR" dirty="0" smtClean="0"/>
+              <a:t>Aprendemos </a:t>
+            </a:r>
+            <a:r>
+              <a:rPr lang="pt-BR" dirty="0"/>
+              <a:t>suas características e como ambos </a:t>
+            </a:r>
+            <a:r>
+              <a:rPr lang="pt-BR" dirty="0" smtClean="0"/>
+              <a:t>funcionam.</a:t>
+            </a:r>
+          </a:p>
+          <a:p>
+            <a:r>
+              <a:rPr lang="pt-BR" dirty="0" smtClean="0"/>
+              <a:t>Verificamos </a:t>
+            </a:r>
+            <a:r>
+              <a:rPr lang="pt-BR" dirty="0"/>
+              <a:t>que um Perceptron é semelhante ao regressor </a:t>
+            </a:r>
+            <a:r>
+              <a:rPr lang="pt-BR" dirty="0" smtClean="0"/>
+              <a:t>logístico.</a:t>
+            </a:r>
+          </a:p>
+          <a:p>
+            <a:r>
+              <a:rPr lang="pt-BR" dirty="0" smtClean="0"/>
+              <a:t>Constatamos </a:t>
+            </a:r>
+            <a:r>
+              <a:rPr lang="pt-BR" dirty="0"/>
+              <a:t>que um único Perceptron não é capaz de separar classes não-lineares, como por exemplo, o problema do </a:t>
+            </a:r>
+            <a:r>
+              <a:rPr lang="pt-BR" dirty="0" smtClean="0"/>
+              <a:t>XOR.</a:t>
+            </a:r>
+          </a:p>
+          <a:p>
+            <a:r>
+              <a:rPr lang="pt-BR" dirty="0" smtClean="0"/>
+              <a:t>Porém</a:t>
+            </a:r>
+            <a:r>
+              <a:rPr lang="pt-BR" dirty="0"/>
+              <a:t>, quando combinamos vários deles, conseguimos criar um separador </a:t>
+            </a:r>
+            <a:r>
+              <a:rPr lang="pt-BR" dirty="0" smtClean="0"/>
+              <a:t>não-linear.</a:t>
+            </a:r>
+          </a:p>
+          <a:p>
+            <a:r>
+              <a:rPr lang="pt-BR" dirty="0" smtClean="0"/>
+              <a:t>Neste </a:t>
+            </a:r>
+            <a:r>
+              <a:rPr lang="pt-BR" dirty="0"/>
+              <a:t>tópico, veremos que esta união de Perceptrons origina o que chamamos de </a:t>
+            </a:r>
+            <a:r>
+              <a:rPr lang="pt-BR" b="1" dirty="0"/>
+              <a:t>redes neurais artificiais</a:t>
+            </a:r>
+            <a:r>
+              <a:rPr lang="pt-BR" dirty="0"/>
+              <a:t>.</a:t>
+            </a:r>
+          </a:p>
+        </p:txBody>
+      </p:sp>
+    </p:spTree>
+    <p:extLst>
+      <p:ext uri="{BB962C8B-B14F-4D97-AF65-F5344CB8AC3E}">
+        <p14:creationId xmlns:p14="http://schemas.microsoft.com/office/powerpoint/2010/main" val="3946202173"/>
+      </p:ext>
+    </p:extLst>
+  </p:cSld>
+  <p:clrMapOvr>
+    <a:masterClrMapping/>
+  </p:clrMapOvr>
+</p:sld>
+</file>
+
+<file path=ppt/slides/slide20.xml><?xml version="1.0" encoding="utf-8"?>
 <p:sld xmlns:a="http://schemas.openxmlformats.org/drawingml/2006/main" xmlns:r="http://schemas.openxmlformats.org/officeDocument/2006/relationships" xmlns:p="http://schemas.openxmlformats.org/presentationml/2006/main">
   <p:cSld>
     <p:spTree>
@@ -13185,86 +13507,7 @@
 </p:sld>
 </file>
 
-<file path=ppt/slides/slide2.xml><?xml version="1.0" encoding="utf-8"?>
-<p:sld xmlns:a="http://schemas.openxmlformats.org/drawingml/2006/main" xmlns:r="http://schemas.openxmlformats.org/officeDocument/2006/relationships" xmlns:p="http://schemas.openxmlformats.org/presentationml/2006/main">
-  <p:cSld>
-    <p:spTree>
-      <p:nvGrpSpPr>
-        <p:cNvPr id="1" name=""/>
-        <p:cNvGrpSpPr/>
-        <p:nvPr/>
-      </p:nvGrpSpPr>
-      <p:grpSpPr>
-        <a:xfrm>
-          <a:off x="0" y="0"/>
-          <a:ext cx="0" cy="0"/>
-          <a:chOff x="0" y="0"/>
-          <a:chExt cx="0" cy="0"/>
-        </a:xfrm>
-      </p:grpSpPr>
-      <p:sp>
-        <p:nvSpPr>
-          <p:cNvPr id="2" name="Title 1"/>
-          <p:cNvSpPr>
-            <a:spLocks noGrp="1"/>
-          </p:cNvSpPr>
-          <p:nvPr>
-            <p:ph type="title"/>
-          </p:nvPr>
-        </p:nvSpPr>
-        <p:spPr/>
-        <p:txBody>
-          <a:bodyPr/>
-          <a:lstStyle/>
-          <a:p>
-            <a:r>
-              <a:rPr lang="pt-BR" dirty="0" smtClean="0"/>
-              <a:t>Recapitulando</a:t>
-            </a:r>
-            <a:endParaRPr lang="pt-BR" dirty="0"/>
-          </a:p>
-        </p:txBody>
-      </p:sp>
-      <p:sp>
-        <p:nvSpPr>
-          <p:cNvPr id="3" name="Content Placeholder 2"/>
-          <p:cNvSpPr>
-            <a:spLocks noGrp="1"/>
-          </p:cNvSpPr>
-          <p:nvPr>
-            <p:ph idx="1"/>
-          </p:nvPr>
-        </p:nvSpPr>
-        <p:spPr>
-          <a:xfrm>
-            <a:off x="838199" y="1825624"/>
-            <a:ext cx="10994409" cy="4793539"/>
-          </a:xfrm>
-        </p:spPr>
-        <p:txBody>
-          <a:bodyPr>
-            <a:normAutofit/>
-          </a:bodyPr>
-          <a:lstStyle/>
-          <a:p>
-            <a:endParaRPr lang="pt-BR" dirty="0"/>
-          </a:p>
-        </p:txBody>
-      </p:sp>
-    </p:spTree>
-    <p:extLst>
-      <p:ext uri="{BB962C8B-B14F-4D97-AF65-F5344CB8AC3E}">
-        <p14:creationId xmlns:p14="http://schemas.microsoft.com/office/powerpoint/2010/main" val="3946202173"/>
-      </p:ext>
-    </p:extLst>
-  </p:cSld>
-  <p:clrMapOvr>
-    <a:masterClrMapping/>
-  </p:clrMapOvr>
-</p:sld>
-</file>
-
-<file path=ppt/slides/slide20.xml><?xml version="1.0" encoding="utf-8"?>
+<file path=ppt/slides/slide21.xml><?xml version="1.0" encoding="utf-8"?>
 <p:sld xmlns:a="http://schemas.openxmlformats.org/drawingml/2006/main" xmlns:r="http://schemas.openxmlformats.org/officeDocument/2006/relationships" xmlns:p="http://schemas.openxmlformats.org/presentationml/2006/main">
   <p:cSld>
     <p:spTree>
@@ -13788,7 +14031,7 @@
 </p:sld>
 </file>
 
-<file path=ppt/slides/slide21.xml><?xml version="1.0" encoding="utf-8"?>
+<file path=ppt/slides/slide22.xml><?xml version="1.0" encoding="utf-8"?>
 <p:sld xmlns:a="http://schemas.openxmlformats.org/drawingml/2006/main" xmlns:r="http://schemas.openxmlformats.org/officeDocument/2006/relationships" xmlns:p="http://schemas.openxmlformats.org/presentationml/2006/main">
   <p:cSld>
     <p:spTree>
@@ -14131,7 +14374,7 @@
 </p:sld>
 </file>
 
-<file path=ppt/slides/slide22.xml><?xml version="1.0" encoding="utf-8"?>
+<file path=ppt/slides/slide23.xml><?xml version="1.0" encoding="utf-8"?>
 <p:sld xmlns:a="http://schemas.openxmlformats.org/drawingml/2006/main" xmlns:r="http://schemas.openxmlformats.org/officeDocument/2006/relationships" xmlns:p="http://schemas.openxmlformats.org/presentationml/2006/main">
   <p:cSld>
     <p:spTree>
@@ -14576,7 +14819,7 @@
 </p:sld>
 </file>
 
-<file path=ppt/slides/slide23.xml><?xml version="1.0" encoding="utf-8"?>
+<file path=ppt/slides/slide24.xml><?xml version="1.0" encoding="utf-8"?>
 <p:sld xmlns:a="http://schemas.openxmlformats.org/drawingml/2006/main" xmlns:r="http://schemas.openxmlformats.org/officeDocument/2006/relationships" xmlns:p="http://schemas.openxmlformats.org/presentationml/2006/main">
   <p:cSld>
     <p:spTree>
@@ -15200,7 +15443,7 @@
 </p:sld>
 </file>
 
-<file path=ppt/slides/slide24.xml><?xml version="1.0" encoding="utf-8"?>
+<file path=ppt/slides/slide25.xml><?xml version="1.0" encoding="utf-8"?>
 <p:sld xmlns:a="http://schemas.openxmlformats.org/drawingml/2006/main" xmlns:r="http://schemas.openxmlformats.org/officeDocument/2006/relationships" xmlns:p="http://schemas.openxmlformats.org/presentationml/2006/main">
   <p:cSld>
     <p:spTree>
@@ -15927,7 +16170,7 @@
 </p:sld>
 </file>
 
-<file path=ppt/slides/slide25.xml><?xml version="1.0" encoding="utf-8"?>
+<file path=ppt/slides/slide26.xml><?xml version="1.0" encoding="utf-8"?>
 <p:sld xmlns:a="http://schemas.openxmlformats.org/drawingml/2006/main" xmlns:r="http://schemas.openxmlformats.org/officeDocument/2006/relationships" xmlns:p="http://schemas.openxmlformats.org/presentationml/2006/main">
   <p:cSld>
     <p:spTree>
@@ -17650,7 +17893,7 @@
 </p:sld>
 </file>
 
-<file path=ppt/slides/slide26.xml><?xml version="1.0" encoding="utf-8"?>
+<file path=ppt/slides/slide27.xml><?xml version="1.0" encoding="utf-8"?>
 <p:sld xmlns:a="http://schemas.openxmlformats.org/drawingml/2006/main" xmlns:r="http://schemas.openxmlformats.org/officeDocument/2006/relationships" xmlns:p="http://schemas.openxmlformats.org/presentationml/2006/main">
   <p:cSld>
     <p:spTree>
@@ -17770,7 +18013,7 @@
 </p:sld>
 </file>
 
-<file path=ppt/slides/slide27.xml><?xml version="1.0" encoding="utf-8"?>
+<file path=ppt/slides/slide28.xml><?xml version="1.0" encoding="utf-8"?>
 <p:sld xmlns:a="http://schemas.openxmlformats.org/drawingml/2006/main" xmlns:r="http://schemas.openxmlformats.org/officeDocument/2006/relationships" xmlns:p="http://schemas.openxmlformats.org/presentationml/2006/main">
   <p:cSld>
     <p:spTree>
@@ -18623,7 +18866,7 @@
 </p:sld>
 </file>
 
-<file path=ppt/slides/slide28.xml><?xml version="1.0" encoding="utf-8"?>
+<file path=ppt/slides/slide29.xml><?xml version="1.0" encoding="utf-8"?>
 <p:sld xmlns:a="http://schemas.openxmlformats.org/drawingml/2006/main" xmlns:r="http://schemas.openxmlformats.org/officeDocument/2006/relationships" xmlns:p="http://schemas.openxmlformats.org/presentationml/2006/main">
   <p:cSld>
     <p:spTree>
@@ -19616,7 +19859,284 @@
 </p:sld>
 </file>
 
-<file path=ppt/slides/slide29.xml><?xml version="1.0" encoding="utf-8"?>
+<file path=ppt/slides/slide3.xml><?xml version="1.0" encoding="utf-8"?>
+<p:sld xmlns:a="http://schemas.openxmlformats.org/drawingml/2006/main" xmlns:r="http://schemas.openxmlformats.org/officeDocument/2006/relationships" xmlns:p="http://schemas.openxmlformats.org/presentationml/2006/main">
+  <p:cSld>
+    <p:spTree>
+      <p:nvGrpSpPr>
+        <p:cNvPr id="1" name=""/>
+        <p:cNvGrpSpPr/>
+        <p:nvPr/>
+      </p:nvGrpSpPr>
+      <p:grpSpPr>
+        <a:xfrm>
+          <a:off x="0" y="0"/>
+          <a:ext cx="0" cy="0"/>
+          <a:chOff x="0" y="0"/>
+          <a:chExt cx="0" cy="0"/>
+        </a:xfrm>
+      </p:grpSpPr>
+      <p:sp>
+        <p:nvSpPr>
+          <p:cNvPr id="2" name="Title 1"/>
+          <p:cNvSpPr>
+            <a:spLocks noGrp="1"/>
+          </p:cNvSpPr>
+          <p:nvPr>
+            <p:ph type="title"/>
+          </p:nvPr>
+        </p:nvSpPr>
+        <p:spPr>
+          <a:xfrm>
+            <a:off x="838200" y="15572"/>
+            <a:ext cx="10515600" cy="1325563"/>
+          </a:xfrm>
+        </p:spPr>
+        <p:txBody>
+          <a:bodyPr/>
+          <a:lstStyle/>
+          <a:p>
+            <a:r>
+              <a:rPr lang="pt-BR" dirty="0"/>
+              <a:t>Perceptron de Múltiplas Camadas</a:t>
+            </a:r>
+          </a:p>
+        </p:txBody>
+      </p:sp>
+      <p:sp>
+        <p:nvSpPr>
+          <p:cNvPr id="3" name="Content Placeholder 2"/>
+          <p:cNvSpPr>
+            <a:spLocks noGrp="1"/>
+          </p:cNvSpPr>
+          <p:nvPr>
+            <p:ph idx="1"/>
+          </p:nvPr>
+        </p:nvSpPr>
+        <p:spPr>
+          <a:xfrm>
+            <a:off x="838200" y="1513490"/>
+            <a:ext cx="7206021" cy="5344510"/>
+          </a:xfrm>
+        </p:spPr>
+        <p:txBody>
+          <a:bodyPr>
+            <a:normAutofit fontScale="92500" lnSpcReduction="10000"/>
+          </a:bodyPr>
+          <a:lstStyle/>
+          <a:p>
+            <a:r>
+              <a:rPr lang="pt-BR" dirty="0"/>
+              <a:t>Em termos gerais, uma </a:t>
+            </a:r>
+            <a:r>
+              <a:rPr lang="pt-BR" b="1" i="1" dirty="0"/>
+              <a:t>rede neural </a:t>
+            </a:r>
+            <a:r>
+              <a:rPr lang="pt-BR" dirty="0"/>
+              <a:t>nada mais é do que uma coleção de </a:t>
+            </a:r>
+            <a:r>
+              <a:rPr lang="pt-BR" b="1" i="1" dirty="0"/>
+              <a:t>neurônios </a:t>
+            </a:r>
+            <a:r>
+              <a:rPr lang="pt-BR" dirty="0"/>
+              <a:t>(que também são chamados de </a:t>
+            </a:r>
+            <a:r>
+              <a:rPr lang="pt-BR" b="1" i="1" dirty="0"/>
+              <a:t>nós</a:t>
+            </a:r>
+            <a:r>
+              <a:rPr lang="pt-BR" dirty="0"/>
+              <a:t> ou </a:t>
+            </a:r>
+            <a:r>
+              <a:rPr lang="pt-BR" b="1" i="1" dirty="0"/>
+              <a:t>unidades</a:t>
+            </a:r>
+            <a:r>
+              <a:rPr lang="pt-BR" dirty="0"/>
+              <a:t>) conectados entre si através de </a:t>
+            </a:r>
+            <a:r>
+              <a:rPr lang="pt-BR" b="1" i="1" dirty="0"/>
+              <a:t>ligações </a:t>
+            </a:r>
+            <a:r>
+              <a:rPr lang="pt-BR" b="1" i="1" dirty="0" smtClean="0"/>
+              <a:t>direcionadas </a:t>
+            </a:r>
+            <a:r>
+              <a:rPr lang="pt-BR" dirty="0" smtClean="0"/>
+              <a:t>(ou seja, as conexões têm uma direção associada). </a:t>
+            </a:r>
+            <a:endParaRPr lang="pt-BR" dirty="0"/>
+          </a:p>
+          <a:p>
+            <a:r>
+              <a:rPr lang="pt-BR" dirty="0"/>
+              <a:t>As propriedades da </a:t>
+            </a:r>
+            <a:r>
+              <a:rPr lang="pt-BR" b="1" i="1" dirty="0"/>
+              <a:t>rede neural </a:t>
+            </a:r>
+            <a:r>
+              <a:rPr lang="pt-BR" dirty="0"/>
+              <a:t>são determinadas por sua </a:t>
+            </a:r>
+            <a:r>
+              <a:rPr lang="pt-BR" b="1" i="1" dirty="0"/>
+              <a:t>topologia</a:t>
+            </a:r>
+            <a:r>
+              <a:rPr lang="pt-BR" dirty="0"/>
+              <a:t> e pelas propriedades dos </a:t>
+            </a:r>
+            <a:r>
+              <a:rPr lang="pt-BR" b="1" i="1" dirty="0" smtClean="0"/>
+              <a:t>neurônios</a:t>
+            </a:r>
+            <a:r>
+              <a:rPr lang="pt-BR" dirty="0" smtClean="0"/>
+              <a:t> (e.g., função de ativação e pesos).</a:t>
+            </a:r>
+            <a:endParaRPr lang="pt-BR" dirty="0"/>
+          </a:p>
+          <a:p>
+            <a:r>
+              <a:rPr lang="pt-BR" dirty="0"/>
+              <a:t>Algumas das limitações dos </a:t>
+            </a:r>
+            <a:r>
+              <a:rPr lang="pt-BR" b="1" i="1" dirty="0"/>
+              <a:t>perceptrons</a:t>
+            </a:r>
+            <a:r>
+              <a:rPr lang="pt-BR" dirty="0"/>
+              <a:t> (e.g., classificação apenas de classes linearmente separáveis) podem ser eliminadas adicionando-se camadas intermediárias de </a:t>
+            </a:r>
+            <a:r>
+              <a:rPr lang="pt-BR" b="1" i="1" dirty="0"/>
+              <a:t>perceptrons</a:t>
+            </a:r>
+            <a:r>
+              <a:rPr lang="pt-BR" dirty="0"/>
+              <a:t>. </a:t>
+            </a:r>
+          </a:p>
+          <a:p>
+            <a:r>
+              <a:rPr lang="pt-BR" dirty="0"/>
+              <a:t>A RNA resultante é denominada Perceptron de Múltiplas Camadas (do inglês </a:t>
+            </a:r>
+            <a:r>
+              <a:rPr lang="pt-BR" i="1" dirty="0"/>
+              <a:t>Multilayer Perceptron</a:t>
+            </a:r>
+            <a:r>
+              <a:rPr lang="pt-BR" dirty="0"/>
+              <a:t> - MLP).</a:t>
+            </a:r>
+          </a:p>
+          <a:p>
+            <a:endParaRPr lang="pt-BR" dirty="0"/>
+          </a:p>
+        </p:txBody>
+      </p:sp>
+      <p:pic>
+        <p:nvPicPr>
+          <p:cNvPr id="4" name="Picture 3"/>
+          <p:cNvPicPr>
+            <a:picLocks noChangeAspect="1"/>
+          </p:cNvPicPr>
+          <p:nvPr/>
+        </p:nvPicPr>
+        <p:blipFill>
+          <a:blip r:embed="rId3" cstate="print">
+            <a:extLst>
+              <a:ext uri="{28A0092B-C50C-407E-A947-70E740481C1C}">
+                <a14:useLocalDpi xmlns:a14="http://schemas.microsoft.com/office/drawing/2010/main" val="0"/>
+              </a:ext>
+            </a:extLst>
+          </a:blip>
+          <a:stretch>
+            <a:fillRect/>
+          </a:stretch>
+        </p:blipFill>
+        <p:spPr>
+          <a:xfrm>
+            <a:off x="7866993" y="2240280"/>
+            <a:ext cx="4325007" cy="3537386"/>
+          </a:xfrm>
+          <a:prstGeom prst="rect">
+            <a:avLst/>
+          </a:prstGeom>
+        </p:spPr>
+      </p:pic>
+      <p:sp>
+        <p:nvSpPr>
+          <p:cNvPr id="5" name="TextBox 4"/>
+          <p:cNvSpPr txBox="1"/>
+          <p:nvPr/>
+        </p:nvSpPr>
+        <p:spPr>
+          <a:xfrm>
+            <a:off x="8689427" y="5994667"/>
+            <a:ext cx="2680138" cy="646331"/>
+          </a:xfrm>
+          <a:prstGeom prst="rect">
+            <a:avLst/>
+          </a:prstGeom>
+          <a:noFill/>
+        </p:spPr>
+        <p:txBody>
+          <a:bodyPr wrap="square" rtlCol="0">
+            <a:spAutoFit/>
+          </a:bodyPr>
+          <a:lstStyle/>
+          <a:p>
+            <a:pPr algn="ctr"/>
+            <a:r>
+              <a:rPr lang="pt-BR" b="1" dirty="0" smtClean="0">
+                <a:solidFill>
+                  <a:srgbClr val="FF0000"/>
+                </a:solidFill>
+              </a:rPr>
+              <a:t>Cada ligação tem um peso (sináptico) associado.</a:t>
+            </a:r>
+            <a:endParaRPr lang="pt-BR" b="1" dirty="0">
+              <a:solidFill>
+                <a:srgbClr val="FF0000"/>
+              </a:solidFill>
+            </a:endParaRPr>
+          </a:p>
+        </p:txBody>
+      </p:sp>
+    </p:spTree>
+    <p:extLst>
+      <p:ext uri="{BB962C8B-B14F-4D97-AF65-F5344CB8AC3E}">
+        <p14:creationId xmlns:p14="http://schemas.microsoft.com/office/powerpoint/2010/main" val="1083551918"/>
+      </p:ext>
+    </p:extLst>
+  </p:cSld>
+  <p:clrMapOvr>
+    <a:masterClrMapping/>
+  </p:clrMapOvr>
+  <p:timing>
+    <p:tnLst>
+      <p:par>
+        <p:cTn id="1" dur="indefinite" restart="never" nodeType="tmRoot"/>
+      </p:par>
+    </p:tnLst>
+  </p:timing>
+</p:sld>
+</file>
+
+<file path=ppt/slides/slide30.xml><?xml version="1.0" encoding="utf-8"?>
 <p:sld xmlns:a="http://schemas.openxmlformats.org/drawingml/2006/main" xmlns:r="http://schemas.openxmlformats.org/officeDocument/2006/relationships" xmlns:p="http://schemas.openxmlformats.org/presentationml/2006/main">
   <p:cSld>
     <p:spTree>
@@ -20937,245 +21457,7 @@
 </p:sld>
 </file>
 
-<file path=ppt/slides/slide3.xml><?xml version="1.0" encoding="utf-8"?>
-<p:sld xmlns:a="http://schemas.openxmlformats.org/drawingml/2006/main" xmlns:r="http://schemas.openxmlformats.org/officeDocument/2006/relationships" xmlns:p="http://schemas.openxmlformats.org/presentationml/2006/main">
-  <p:cSld>
-    <p:spTree>
-      <p:nvGrpSpPr>
-        <p:cNvPr id="1" name=""/>
-        <p:cNvGrpSpPr/>
-        <p:nvPr/>
-      </p:nvGrpSpPr>
-      <p:grpSpPr>
-        <a:xfrm>
-          <a:off x="0" y="0"/>
-          <a:ext cx="0" cy="0"/>
-          <a:chOff x="0" y="0"/>
-          <a:chExt cx="0" cy="0"/>
-        </a:xfrm>
-      </p:grpSpPr>
-      <p:sp>
-        <p:nvSpPr>
-          <p:cNvPr id="2" name="Title 1"/>
-          <p:cNvSpPr>
-            <a:spLocks noGrp="1"/>
-          </p:cNvSpPr>
-          <p:nvPr>
-            <p:ph type="title"/>
-          </p:nvPr>
-        </p:nvSpPr>
-        <p:spPr>
-          <a:xfrm>
-            <a:off x="838200" y="15572"/>
-            <a:ext cx="10515600" cy="1325563"/>
-          </a:xfrm>
-        </p:spPr>
-        <p:txBody>
-          <a:bodyPr/>
-          <a:lstStyle/>
-          <a:p>
-            <a:r>
-              <a:rPr lang="pt-BR" dirty="0"/>
-              <a:t>Perceptron de Múltiplas Camadas</a:t>
-            </a:r>
-          </a:p>
-        </p:txBody>
-      </p:sp>
-      <p:sp>
-        <p:nvSpPr>
-          <p:cNvPr id="3" name="Content Placeholder 2"/>
-          <p:cNvSpPr>
-            <a:spLocks noGrp="1"/>
-          </p:cNvSpPr>
-          <p:nvPr>
-            <p:ph idx="1"/>
-          </p:nvPr>
-        </p:nvSpPr>
-        <p:spPr>
-          <a:xfrm>
-            <a:off x="838200" y="1341135"/>
-            <a:ext cx="7330441" cy="5303505"/>
-          </a:xfrm>
-        </p:spPr>
-        <p:txBody>
-          <a:bodyPr>
-            <a:normAutofit fontScale="92500" lnSpcReduction="10000"/>
-          </a:bodyPr>
-          <a:lstStyle/>
-          <a:p>
-            <a:r>
-              <a:rPr lang="pt-BR" dirty="0"/>
-              <a:t>Em termos gerais, uma </a:t>
-            </a:r>
-            <a:r>
-              <a:rPr lang="pt-BR" b="1" i="1" dirty="0"/>
-              <a:t>rede neural </a:t>
-            </a:r>
-            <a:r>
-              <a:rPr lang="pt-BR" dirty="0"/>
-              <a:t>nada mais é do que uma coleção de </a:t>
-            </a:r>
-            <a:r>
-              <a:rPr lang="pt-BR" b="1" i="1" dirty="0"/>
-              <a:t>neurônios </a:t>
-            </a:r>
-            <a:r>
-              <a:rPr lang="pt-BR" dirty="0"/>
-              <a:t>(que também são chamados de </a:t>
-            </a:r>
-            <a:r>
-              <a:rPr lang="pt-BR" b="1" i="1" dirty="0"/>
-              <a:t>nós</a:t>
-            </a:r>
-            <a:r>
-              <a:rPr lang="pt-BR" dirty="0"/>
-              <a:t> ou </a:t>
-            </a:r>
-            <a:r>
-              <a:rPr lang="pt-BR" b="1" i="1" dirty="0"/>
-              <a:t>unidades</a:t>
-            </a:r>
-            <a:r>
-              <a:rPr lang="pt-BR" dirty="0"/>
-              <a:t>) conectados entre si através de </a:t>
-            </a:r>
-            <a:r>
-              <a:rPr lang="pt-BR" b="1" i="1" dirty="0"/>
-              <a:t>ligações </a:t>
-            </a:r>
-            <a:r>
-              <a:rPr lang="pt-BR" b="1" i="1" dirty="0" smtClean="0"/>
-              <a:t>direcionadas </a:t>
-            </a:r>
-            <a:r>
-              <a:rPr lang="pt-BR" dirty="0" smtClean="0"/>
-              <a:t>(ou seja, as conexões têm uma direção associada). </a:t>
-            </a:r>
-            <a:endParaRPr lang="pt-BR" dirty="0"/>
-          </a:p>
-          <a:p>
-            <a:r>
-              <a:rPr lang="pt-BR" dirty="0"/>
-              <a:t>As propriedades da </a:t>
-            </a:r>
-            <a:r>
-              <a:rPr lang="pt-BR" b="1" i="1" dirty="0"/>
-              <a:t>rede neural </a:t>
-            </a:r>
-            <a:r>
-              <a:rPr lang="pt-BR" dirty="0"/>
-              <a:t>são determinadas por sua </a:t>
-            </a:r>
-            <a:r>
-              <a:rPr lang="pt-BR" b="1" i="1" dirty="0"/>
-              <a:t>topologia</a:t>
-            </a:r>
-            <a:r>
-              <a:rPr lang="pt-BR" dirty="0"/>
-              <a:t> e pelas propriedades dos </a:t>
-            </a:r>
-            <a:r>
-              <a:rPr lang="pt-BR" b="1" i="1" dirty="0" smtClean="0"/>
-              <a:t>neurônios</a:t>
-            </a:r>
-            <a:r>
-              <a:rPr lang="pt-BR" dirty="0" smtClean="0"/>
-              <a:t> (e.g., função de ativação e pesos).</a:t>
-            </a:r>
-            <a:endParaRPr lang="pt-BR" dirty="0"/>
-          </a:p>
-          <a:p>
-            <a:r>
-              <a:rPr lang="pt-BR" dirty="0"/>
-              <a:t>Algumas das limitações dos </a:t>
-            </a:r>
-            <a:r>
-              <a:rPr lang="pt-BR" b="1" i="1" dirty="0"/>
-              <a:t>perceptrons</a:t>
-            </a:r>
-            <a:r>
-              <a:rPr lang="pt-BR" dirty="0"/>
-              <a:t> (e.g., classificação apenas de classes linearmente separáveis) podem ser eliminadas adicionando-se camadas intermediárias de </a:t>
-            </a:r>
-            <a:r>
-              <a:rPr lang="pt-BR" b="1" i="1" dirty="0"/>
-              <a:t>perceptrons</a:t>
-            </a:r>
-            <a:r>
-              <a:rPr lang="pt-BR" dirty="0"/>
-              <a:t>. </a:t>
-            </a:r>
-          </a:p>
-          <a:p>
-            <a:r>
-              <a:rPr lang="pt-BR" dirty="0"/>
-              <a:t>A RNA resultante é denominada Perceptron de Múltiplas Camadas (do inglês </a:t>
-            </a:r>
-            <a:r>
-              <a:rPr lang="pt-BR" i="1" dirty="0"/>
-              <a:t>Multilayer Perceptron</a:t>
-            </a:r>
-            <a:r>
-              <a:rPr lang="pt-BR" dirty="0"/>
-              <a:t> - MLP).</a:t>
-            </a:r>
-          </a:p>
-          <a:p>
-            <a:endParaRPr lang="pt-BR" dirty="0"/>
-          </a:p>
-        </p:txBody>
-      </p:sp>
-      <p:pic>
-        <p:nvPicPr>
-          <p:cNvPr id="4" name="Picture 3"/>
-          <p:cNvPicPr>
-            <a:picLocks noChangeAspect="1"/>
-          </p:cNvPicPr>
-          <p:nvPr/>
-        </p:nvPicPr>
-        <p:blipFill>
-          <a:blip r:embed="rId3" cstate="print">
-            <a:extLst>
-              <a:ext uri="{28A0092B-C50C-407E-A947-70E740481C1C}">
-                <a14:useLocalDpi xmlns:a14="http://schemas.microsoft.com/office/drawing/2010/main" val="0"/>
-              </a:ext>
-            </a:extLst>
-          </a:blip>
-          <a:stretch>
-            <a:fillRect/>
-          </a:stretch>
-        </p:blipFill>
-        <p:spPr>
-          <a:xfrm>
-            <a:off x="8044222" y="2240280"/>
-            <a:ext cx="4102058" cy="3355038"/>
-          </a:xfrm>
-          <a:prstGeom prst="rect">
-            <a:avLst/>
-          </a:prstGeom>
-        </p:spPr>
-      </p:pic>
-    </p:spTree>
-    <p:extLst>
-      <p:ext uri="{BB962C8B-B14F-4D97-AF65-F5344CB8AC3E}">
-        <p14:creationId xmlns:p14="http://schemas.microsoft.com/office/powerpoint/2010/main" val="1083551918"/>
-      </p:ext>
-    </p:extLst>
-  </p:cSld>
-  <p:clrMapOvr>
-    <a:masterClrMapping/>
-  </p:clrMapOvr>
-  <p:timing>
-    <p:tnLst>
-      <p:par>
-        <p:cTn id="1" dur="indefinite" restart="never" nodeType="tmRoot"/>
-      </p:par>
-    </p:tnLst>
-  </p:timing>
-</p:sld>
-</file>
-
-<file path=ppt/slides/slide30.xml><?xml version="1.0" encoding="utf-8"?>
+<file path=ppt/slides/slide31.xml><?xml version="1.0" encoding="utf-8"?>
 <p:sld xmlns:a="http://schemas.openxmlformats.org/drawingml/2006/main" xmlns:r="http://schemas.openxmlformats.org/officeDocument/2006/relationships" xmlns:p="http://schemas.openxmlformats.org/presentationml/2006/main">
   <p:cSld>
     <p:spTree>
@@ -22281,7 +22563,7 @@
 </p:sld>
 </file>
 
-<file path=ppt/slides/slide31.xml><?xml version="1.0" encoding="utf-8"?>
+<file path=ppt/slides/slide32.xml><?xml version="1.0" encoding="utf-8"?>
 <p:sld xmlns:a="http://schemas.openxmlformats.org/drawingml/2006/main" xmlns:r="http://schemas.openxmlformats.org/officeDocument/2006/relationships" xmlns:p="http://schemas.openxmlformats.org/presentationml/2006/main">
   <p:cSld>
     <p:spTree>
@@ -23538,7 +23820,7 @@
 </p:sld>
 </file>
 
-<file path=ppt/slides/slide32.xml><?xml version="1.0" encoding="utf-8"?>
+<file path=ppt/slides/slide33.xml><?xml version="1.0" encoding="utf-8"?>
 <p:sld xmlns:a="http://schemas.openxmlformats.org/drawingml/2006/main" xmlns:r="http://schemas.openxmlformats.org/officeDocument/2006/relationships" xmlns:p="http://schemas.openxmlformats.org/presentationml/2006/main">
   <p:cSld>
     <p:spTree>
@@ -23918,7 +24200,7 @@
 </p:sld>
 </file>
 
-<file path=ppt/slides/slide33.xml><?xml version="1.0" encoding="utf-8"?>
+<file path=ppt/slides/slide34.xml><?xml version="1.0" encoding="utf-8"?>
 <p:sld xmlns:a="http://schemas.openxmlformats.org/drawingml/2006/main" xmlns:r="http://schemas.openxmlformats.org/officeDocument/2006/relationships" xmlns:p="http://schemas.openxmlformats.org/presentationml/2006/main">
   <p:cSld>
     <p:spTree>
@@ -25166,7 +25448,7 @@
 </p:sld>
 </file>
 
-<file path=ppt/slides/slide34.xml><?xml version="1.0" encoding="utf-8"?>
+<file path=ppt/slides/slide35.xml><?xml version="1.0" encoding="utf-8"?>
 <p:sld xmlns:a="http://schemas.openxmlformats.org/drawingml/2006/main" xmlns:r="http://schemas.openxmlformats.org/officeDocument/2006/relationships" xmlns:p="http://schemas.openxmlformats.org/presentationml/2006/main">
   <p:cSld>
     <p:spTree>
@@ -26315,7 +26597,7 @@
 </p:sld>
 </file>
 
-<file path=ppt/slides/slide35.xml><?xml version="1.0" encoding="utf-8"?>
+<file path=ppt/slides/slide36.xml><?xml version="1.0" encoding="utf-8"?>
 <p:sld xmlns:a="http://schemas.openxmlformats.org/drawingml/2006/main" xmlns:r="http://schemas.openxmlformats.org/officeDocument/2006/relationships" xmlns:p="http://schemas.openxmlformats.org/presentationml/2006/main">
   <p:cSld>
     <p:spTree>
@@ -29006,7 +29288,7 @@
 </p:sld>
 </file>
 
-<file path=ppt/slides/slide36.xml><?xml version="1.0" encoding="utf-8"?>
+<file path=ppt/slides/slide37.xml><?xml version="1.0" encoding="utf-8"?>
 <p:sld xmlns:a="http://schemas.openxmlformats.org/drawingml/2006/main" xmlns:r="http://schemas.openxmlformats.org/officeDocument/2006/relationships" xmlns:p="http://schemas.openxmlformats.org/presentationml/2006/main">
   <p:cSld>
     <p:spTree>
@@ -29113,7 +29395,7 @@
 </p:sld>
 </file>
 
-<file path=ppt/slides/slide37.xml><?xml version="1.0" encoding="utf-8"?>
+<file path=ppt/slides/slide38.xml><?xml version="1.0" encoding="utf-8"?>
 <p:sld xmlns:a="http://schemas.openxmlformats.org/drawingml/2006/main" xmlns:r="http://schemas.openxmlformats.org/officeDocument/2006/relationships" xmlns:p="http://schemas.openxmlformats.org/presentationml/2006/main">
   <p:cSld>
     <p:spTree>
@@ -29271,7 +29553,7 @@
 </p:sld>
 </file>
 
-<file path=ppt/slides/slide38.xml><?xml version="1.0" encoding="utf-8"?>
+<file path=ppt/slides/slide39.xml><?xml version="1.0" encoding="utf-8"?>
 <p:sld xmlns:a="http://schemas.openxmlformats.org/drawingml/2006/main" xmlns:r="http://schemas.openxmlformats.org/officeDocument/2006/relationships" xmlns:p="http://schemas.openxmlformats.org/presentationml/2006/main">
   <p:cSld>
     <p:spTree>
@@ -29757,7 +30039,261 @@
 </p:sld>
 </file>
 
-<file path=ppt/slides/slide39.xml><?xml version="1.0" encoding="utf-8"?>
+<file path=ppt/slides/slide4.xml><?xml version="1.0" encoding="utf-8"?>
+<p:sld xmlns:a="http://schemas.openxmlformats.org/drawingml/2006/main" xmlns:r="http://schemas.openxmlformats.org/officeDocument/2006/relationships" xmlns:p="http://schemas.openxmlformats.org/presentationml/2006/main">
+  <p:cSld>
+    <p:spTree>
+      <p:nvGrpSpPr>
+        <p:cNvPr id="1" name=""/>
+        <p:cNvGrpSpPr/>
+        <p:nvPr/>
+      </p:nvGrpSpPr>
+      <p:grpSpPr>
+        <a:xfrm>
+          <a:off x="0" y="0"/>
+          <a:ext cx="0" cy="0"/>
+          <a:chOff x="0" y="0"/>
+          <a:chExt cx="0" cy="0"/>
+        </a:xfrm>
+      </p:grpSpPr>
+      <p:sp>
+        <p:nvSpPr>
+          <p:cNvPr id="2" name="Title 1"/>
+          <p:cNvSpPr>
+            <a:spLocks noGrp="1"/>
+          </p:cNvSpPr>
+          <p:nvPr>
+            <p:ph type="title"/>
+          </p:nvPr>
+        </p:nvSpPr>
+        <p:spPr>
+          <a:xfrm>
+            <a:off x="838200" y="15572"/>
+            <a:ext cx="10515600" cy="1325563"/>
+          </a:xfrm>
+        </p:spPr>
+        <p:txBody>
+          <a:bodyPr/>
+          <a:lstStyle/>
+          <a:p>
+            <a:r>
+              <a:rPr lang="pt-BR" dirty="0"/>
+              <a:t>Perceptron de Múltiplas Camadas</a:t>
+            </a:r>
+          </a:p>
+        </p:txBody>
+      </p:sp>
+      <p:sp>
+        <p:nvSpPr>
+          <p:cNvPr id="3" name="Content Placeholder 2"/>
+          <p:cNvSpPr>
+            <a:spLocks noGrp="1"/>
+          </p:cNvSpPr>
+          <p:nvPr>
+            <p:ph idx="1"/>
+          </p:nvPr>
+        </p:nvSpPr>
+        <p:spPr>
+          <a:xfrm>
+            <a:off x="838200" y="1778614"/>
+            <a:ext cx="6665564" cy="5028580"/>
+          </a:xfrm>
+        </p:spPr>
+        <p:txBody>
+          <a:bodyPr>
+            <a:normAutofit/>
+          </a:bodyPr>
+          <a:lstStyle/>
+          <a:p>
+            <a:r>
+              <a:rPr lang="pt-BR" dirty="0"/>
+              <a:t>Um exemplo de rede MLP, com duas camadas intermediárias (ou escondidas, ocultas), é mostrado na figura ao lado.</a:t>
+            </a:r>
+          </a:p>
+          <a:p>
+            <a:r>
+              <a:rPr lang="pt-BR" dirty="0"/>
+              <a:t>As RNAs são o coração do Deep Learning. Quando uma RNA tem duas ou mais camadas escondidas, ela é chamada de </a:t>
+            </a:r>
+            <a:r>
+              <a:rPr lang="pt-BR" b="1" i="1" dirty="0"/>
+              <a:t>rede neural profunda</a:t>
+            </a:r>
+            <a:r>
+              <a:rPr lang="pt-BR" dirty="0"/>
+              <a:t> (ou do inglês Deep Neural Network - DNN).</a:t>
+            </a:r>
+          </a:p>
+          <a:p>
+            <a:r>
+              <a:rPr lang="pt-BR" b="1" dirty="0"/>
+              <a:t>OBS</a:t>
+            </a:r>
+            <a:r>
+              <a:rPr lang="pt-BR" dirty="0"/>
+              <a:t>.: Em particular, uma MLP pode resolver o problema do XOR (lembre-se que um </a:t>
+            </a:r>
+            <a:r>
+              <a:rPr lang="pt-BR" b="1" i="1" dirty="0"/>
+              <a:t>perceptron</a:t>
+            </a:r>
+            <a:r>
+              <a:rPr lang="pt-BR" dirty="0"/>
+              <a:t> não é capaz de realizar essa tarefa).</a:t>
+            </a:r>
+          </a:p>
+          <a:p>
+            <a:endParaRPr lang="pt-BR" dirty="0"/>
+          </a:p>
+          <a:p>
+            <a:endParaRPr lang="pt-BR" dirty="0"/>
+          </a:p>
+        </p:txBody>
+      </p:sp>
+      <p:pic>
+        <p:nvPicPr>
+          <p:cNvPr id="4" name="Picture 3"/>
+          <p:cNvPicPr>
+            <a:picLocks noChangeAspect="1"/>
+          </p:cNvPicPr>
+          <p:nvPr/>
+        </p:nvPicPr>
+        <p:blipFill>
+          <a:blip r:embed="rId3" cstate="print">
+            <a:extLst>
+              <a:ext uri="{28A0092B-C50C-407E-A947-70E740481C1C}">
+                <a14:useLocalDpi xmlns:a14="http://schemas.microsoft.com/office/drawing/2010/main" val="0"/>
+              </a:ext>
+            </a:extLst>
+          </a:blip>
+          <a:stretch>
+            <a:fillRect/>
+          </a:stretch>
+        </p:blipFill>
+        <p:spPr>
+          <a:xfrm>
+            <a:off x="7225856" y="2240280"/>
+            <a:ext cx="4951955" cy="4050161"/>
+          </a:xfrm>
+          <a:prstGeom prst="rect">
+            <a:avLst/>
+          </a:prstGeom>
+        </p:spPr>
+      </p:pic>
+      <p:sp>
+        <p:nvSpPr>
+          <p:cNvPr id="5" name="TextBox 4"/>
+          <p:cNvSpPr txBox="1"/>
+          <p:nvPr/>
+        </p:nvSpPr>
+        <p:spPr>
+          <a:xfrm>
+            <a:off x="8044222" y="1778614"/>
+            <a:ext cx="867905" cy="461665"/>
+          </a:xfrm>
+          <a:prstGeom prst="rect">
+            <a:avLst/>
+          </a:prstGeom>
+          <a:noFill/>
+        </p:spPr>
+        <p:txBody>
+          <a:bodyPr wrap="square" rtlCol="0">
+            <a:spAutoFit/>
+          </a:bodyPr>
+          <a:lstStyle/>
+          <a:p>
+            <a:pPr algn="ctr"/>
+            <a:r>
+              <a:rPr lang="pt-BR" sz="1200" dirty="0" smtClean="0"/>
+              <a:t>Camada de entrada</a:t>
+            </a:r>
+            <a:endParaRPr lang="pt-BR" sz="1200" dirty="0"/>
+          </a:p>
+        </p:txBody>
+      </p:sp>
+      <p:sp>
+        <p:nvSpPr>
+          <p:cNvPr id="6" name="TextBox 5"/>
+          <p:cNvSpPr txBox="1"/>
+          <p:nvPr/>
+        </p:nvSpPr>
+        <p:spPr>
+          <a:xfrm>
+            <a:off x="11063808" y="2009446"/>
+            <a:ext cx="867905" cy="461665"/>
+          </a:xfrm>
+          <a:prstGeom prst="rect">
+            <a:avLst/>
+          </a:prstGeom>
+          <a:noFill/>
+        </p:spPr>
+        <p:txBody>
+          <a:bodyPr wrap="square" rtlCol="0">
+            <a:spAutoFit/>
+          </a:bodyPr>
+          <a:lstStyle/>
+          <a:p>
+            <a:pPr algn="ctr"/>
+            <a:r>
+              <a:rPr lang="pt-BR" sz="1200" dirty="0" smtClean="0"/>
+              <a:t>Camada de saída</a:t>
+            </a:r>
+            <a:endParaRPr lang="pt-BR" sz="1200" dirty="0"/>
+          </a:p>
+        </p:txBody>
+      </p:sp>
+      <p:sp>
+        <p:nvSpPr>
+          <p:cNvPr id="7" name="TextBox 6"/>
+          <p:cNvSpPr txBox="1"/>
+          <p:nvPr/>
+        </p:nvSpPr>
+        <p:spPr>
+          <a:xfrm>
+            <a:off x="9205994" y="1663198"/>
+            <a:ext cx="1317356" cy="461665"/>
+          </a:xfrm>
+          <a:prstGeom prst="rect">
+            <a:avLst/>
+          </a:prstGeom>
+          <a:noFill/>
+        </p:spPr>
+        <p:txBody>
+          <a:bodyPr wrap="square" rtlCol="0">
+            <a:spAutoFit/>
+          </a:bodyPr>
+          <a:lstStyle/>
+          <a:p>
+            <a:pPr algn="ctr"/>
+            <a:r>
+              <a:rPr lang="pt-BR" sz="1200" dirty="0" smtClean="0"/>
+              <a:t>Camadas de intermediárias</a:t>
+            </a:r>
+            <a:endParaRPr lang="pt-BR" sz="1200" dirty="0"/>
+          </a:p>
+        </p:txBody>
+      </p:sp>
+    </p:spTree>
+    <p:extLst>
+      <p:ext uri="{BB962C8B-B14F-4D97-AF65-F5344CB8AC3E}">
+        <p14:creationId xmlns:p14="http://schemas.microsoft.com/office/powerpoint/2010/main" val="3961419804"/>
+      </p:ext>
+    </p:extLst>
+  </p:cSld>
+  <p:clrMapOvr>
+    <a:masterClrMapping/>
+  </p:clrMapOvr>
+  <p:timing>
+    <p:tnLst>
+      <p:par>
+        <p:cTn id="1" dur="indefinite" restart="never" nodeType="tmRoot"/>
+      </p:par>
+    </p:tnLst>
+  </p:timing>
+</p:sld>
+</file>
+
+<file path=ppt/slides/slide40.xml><?xml version="1.0" encoding="utf-8"?>
 <p:sld xmlns:a="http://schemas.openxmlformats.org/drawingml/2006/main" xmlns:r="http://schemas.openxmlformats.org/officeDocument/2006/relationships" xmlns:p="http://schemas.openxmlformats.org/presentationml/2006/main">
   <p:cSld>
     <p:spTree>
@@ -30619,261 +31155,7 @@
 </p:sld>
 </file>
 
-<file path=ppt/slides/slide4.xml><?xml version="1.0" encoding="utf-8"?>
-<p:sld xmlns:a="http://schemas.openxmlformats.org/drawingml/2006/main" xmlns:r="http://schemas.openxmlformats.org/officeDocument/2006/relationships" xmlns:p="http://schemas.openxmlformats.org/presentationml/2006/main">
-  <p:cSld>
-    <p:spTree>
-      <p:nvGrpSpPr>
-        <p:cNvPr id="1" name=""/>
-        <p:cNvGrpSpPr/>
-        <p:nvPr/>
-      </p:nvGrpSpPr>
-      <p:grpSpPr>
-        <a:xfrm>
-          <a:off x="0" y="0"/>
-          <a:ext cx="0" cy="0"/>
-          <a:chOff x="0" y="0"/>
-          <a:chExt cx="0" cy="0"/>
-        </a:xfrm>
-      </p:grpSpPr>
-      <p:sp>
-        <p:nvSpPr>
-          <p:cNvPr id="2" name="Title 1"/>
-          <p:cNvSpPr>
-            <a:spLocks noGrp="1"/>
-          </p:cNvSpPr>
-          <p:nvPr>
-            <p:ph type="title"/>
-          </p:nvPr>
-        </p:nvSpPr>
-        <p:spPr>
-          <a:xfrm>
-            <a:off x="838200" y="15572"/>
-            <a:ext cx="10515600" cy="1325563"/>
-          </a:xfrm>
-        </p:spPr>
-        <p:txBody>
-          <a:bodyPr/>
-          <a:lstStyle/>
-          <a:p>
-            <a:r>
-              <a:rPr lang="pt-BR" dirty="0"/>
-              <a:t>Perceptron de Múltiplas Camadas</a:t>
-            </a:r>
-          </a:p>
-        </p:txBody>
-      </p:sp>
-      <p:sp>
-        <p:nvSpPr>
-          <p:cNvPr id="3" name="Content Placeholder 2"/>
-          <p:cNvSpPr>
-            <a:spLocks noGrp="1"/>
-          </p:cNvSpPr>
-          <p:nvPr>
-            <p:ph idx="1"/>
-          </p:nvPr>
-        </p:nvSpPr>
-        <p:spPr>
-          <a:xfrm>
-            <a:off x="838199" y="1341136"/>
-            <a:ext cx="7206023" cy="5466058"/>
-          </a:xfrm>
-        </p:spPr>
-        <p:txBody>
-          <a:bodyPr>
-            <a:normAutofit/>
-          </a:bodyPr>
-          <a:lstStyle/>
-          <a:p>
-            <a:r>
-              <a:rPr lang="pt-BR" dirty="0"/>
-              <a:t>Um exemplo de rede MLP, com duas camadas intermediárias (ou escondidas, ocultas), é mostrado na figura ao lado.</a:t>
-            </a:r>
-          </a:p>
-          <a:p>
-            <a:r>
-              <a:rPr lang="pt-BR" dirty="0"/>
-              <a:t>As RNAs são o coração do Deep Learning. Quando uma RNA tem duas ou mais camadas escondidas, ela é chamada </a:t>
-            </a:r>
-            <a:r>
-              <a:rPr lang="pt-BR" b="1" i="1" dirty="0"/>
-              <a:t>de rede neural profunda</a:t>
-            </a:r>
-            <a:r>
-              <a:rPr lang="pt-BR" dirty="0"/>
-              <a:t> (ou do inglês Deep Neural Network - DNN).</a:t>
-            </a:r>
-          </a:p>
-          <a:p>
-            <a:r>
-              <a:rPr lang="pt-BR" b="1" dirty="0"/>
-              <a:t>OBS</a:t>
-            </a:r>
-            <a:r>
-              <a:rPr lang="pt-BR" dirty="0"/>
-              <a:t>.: Em particular, uma MLP pode resolver o problema do XOR (lembre-se que um </a:t>
-            </a:r>
-            <a:r>
-              <a:rPr lang="pt-BR" b="1" i="1" dirty="0"/>
-              <a:t>perceptron</a:t>
-            </a:r>
-            <a:r>
-              <a:rPr lang="pt-BR" dirty="0"/>
-              <a:t> não é capaz de realizar essa tarefa).</a:t>
-            </a:r>
-          </a:p>
-          <a:p>
-            <a:endParaRPr lang="pt-BR" dirty="0"/>
-          </a:p>
-          <a:p>
-            <a:endParaRPr lang="pt-BR" dirty="0"/>
-          </a:p>
-        </p:txBody>
-      </p:sp>
-      <p:pic>
-        <p:nvPicPr>
-          <p:cNvPr id="4" name="Picture 3"/>
-          <p:cNvPicPr>
-            <a:picLocks noChangeAspect="1"/>
-          </p:cNvPicPr>
-          <p:nvPr/>
-        </p:nvPicPr>
-        <p:blipFill>
-          <a:blip r:embed="rId3" cstate="print">
-            <a:extLst>
-              <a:ext uri="{28A0092B-C50C-407E-A947-70E740481C1C}">
-                <a14:useLocalDpi xmlns:a14="http://schemas.microsoft.com/office/drawing/2010/main" val="0"/>
-              </a:ext>
-            </a:extLst>
-          </a:blip>
-          <a:stretch>
-            <a:fillRect/>
-          </a:stretch>
-        </p:blipFill>
-        <p:spPr>
-          <a:xfrm>
-            <a:off x="8044222" y="2240280"/>
-            <a:ext cx="4102058" cy="3355038"/>
-          </a:xfrm>
-          <a:prstGeom prst="rect">
-            <a:avLst/>
-          </a:prstGeom>
-        </p:spPr>
-      </p:pic>
-      <p:sp>
-        <p:nvSpPr>
-          <p:cNvPr id="5" name="TextBox 4"/>
-          <p:cNvSpPr txBox="1"/>
-          <p:nvPr/>
-        </p:nvSpPr>
-        <p:spPr>
-          <a:xfrm>
-            <a:off x="8044222" y="1778614"/>
-            <a:ext cx="867905" cy="461665"/>
-          </a:xfrm>
-          <a:prstGeom prst="rect">
-            <a:avLst/>
-          </a:prstGeom>
-          <a:noFill/>
-        </p:spPr>
-        <p:txBody>
-          <a:bodyPr wrap="square" rtlCol="0">
-            <a:spAutoFit/>
-          </a:bodyPr>
-          <a:lstStyle/>
-          <a:p>
-            <a:pPr algn="ctr"/>
-            <a:r>
-              <a:rPr lang="pt-BR" sz="1200" dirty="0" smtClean="0"/>
-              <a:t>Camada de entrada</a:t>
-            </a:r>
-            <a:endParaRPr lang="pt-BR" sz="1200" dirty="0"/>
-          </a:p>
-        </p:txBody>
-      </p:sp>
-      <p:sp>
-        <p:nvSpPr>
-          <p:cNvPr id="6" name="TextBox 5"/>
-          <p:cNvSpPr txBox="1"/>
-          <p:nvPr/>
-        </p:nvSpPr>
-        <p:spPr>
-          <a:xfrm>
-            <a:off x="11063808" y="2009446"/>
-            <a:ext cx="867905" cy="461665"/>
-          </a:xfrm>
-          <a:prstGeom prst="rect">
-            <a:avLst/>
-          </a:prstGeom>
-          <a:noFill/>
-        </p:spPr>
-        <p:txBody>
-          <a:bodyPr wrap="square" rtlCol="0">
-            <a:spAutoFit/>
-          </a:bodyPr>
-          <a:lstStyle/>
-          <a:p>
-            <a:pPr algn="ctr"/>
-            <a:r>
-              <a:rPr lang="pt-BR" sz="1200" dirty="0" smtClean="0"/>
-              <a:t>Camada de saída</a:t>
-            </a:r>
-            <a:endParaRPr lang="pt-BR" sz="1200" dirty="0"/>
-          </a:p>
-        </p:txBody>
-      </p:sp>
-      <p:sp>
-        <p:nvSpPr>
-          <p:cNvPr id="7" name="TextBox 6"/>
-          <p:cNvSpPr txBox="1"/>
-          <p:nvPr/>
-        </p:nvSpPr>
-        <p:spPr>
-          <a:xfrm>
-            <a:off x="9205994" y="1663198"/>
-            <a:ext cx="1317356" cy="461665"/>
-          </a:xfrm>
-          <a:prstGeom prst="rect">
-            <a:avLst/>
-          </a:prstGeom>
-          <a:noFill/>
-        </p:spPr>
-        <p:txBody>
-          <a:bodyPr wrap="square" rtlCol="0">
-            <a:spAutoFit/>
-          </a:bodyPr>
-          <a:lstStyle/>
-          <a:p>
-            <a:pPr algn="ctr"/>
-            <a:r>
-              <a:rPr lang="pt-BR" sz="1200" dirty="0" smtClean="0"/>
-              <a:t>Camadas de intermediárias</a:t>
-            </a:r>
-            <a:endParaRPr lang="pt-BR" sz="1200" dirty="0"/>
-          </a:p>
-        </p:txBody>
-      </p:sp>
-    </p:spTree>
-    <p:extLst>
-      <p:ext uri="{BB962C8B-B14F-4D97-AF65-F5344CB8AC3E}">
-        <p14:creationId xmlns:p14="http://schemas.microsoft.com/office/powerpoint/2010/main" val="3961419804"/>
-      </p:ext>
-    </p:extLst>
-  </p:cSld>
-  <p:clrMapOvr>
-    <a:masterClrMapping/>
-  </p:clrMapOvr>
-  <p:timing>
-    <p:tnLst>
-      <p:par>
-        <p:cTn id="1" dur="indefinite" restart="never" nodeType="tmRoot"/>
-      </p:par>
-    </p:tnLst>
-  </p:timing>
-</p:sld>
-</file>
-
-<file path=ppt/slides/slide40.xml><?xml version="1.0" encoding="utf-8"?>
+<file path=ppt/slides/slide41.xml><?xml version="1.0" encoding="utf-8"?>
 <p:sld xmlns:a="http://schemas.openxmlformats.org/drawingml/2006/main" xmlns:r="http://schemas.openxmlformats.org/officeDocument/2006/relationships" xmlns:p="http://schemas.openxmlformats.org/presentationml/2006/main">
   <p:cSld>
     <p:spTree>
@@ -31725,7 +32007,7 @@
 </p:sld>
 </file>
 
-<file path=ppt/slides/slide41.xml><?xml version="1.0" encoding="utf-8"?>
+<file path=ppt/slides/slide42.xml><?xml version="1.0" encoding="utf-8"?>
 <p:sld xmlns:a="http://schemas.openxmlformats.org/drawingml/2006/main" xmlns:r="http://schemas.openxmlformats.org/officeDocument/2006/relationships" xmlns:p="http://schemas.openxmlformats.org/presentationml/2006/main">
   <p:cSld>
     <p:spTree>
@@ -32631,7 +32913,7 @@
 </p:sld>
 </file>
 
-<file path=ppt/slides/slide42.xml><?xml version="1.0" encoding="utf-8"?>
+<file path=ppt/slides/slide43.xml><?xml version="1.0" encoding="utf-8"?>
 <p:sld xmlns:a="http://schemas.openxmlformats.org/drawingml/2006/main" xmlns:r="http://schemas.openxmlformats.org/officeDocument/2006/relationships" xmlns:p="http://schemas.openxmlformats.org/presentationml/2006/main">
   <p:cSld>
     <p:spTree>
@@ -32860,7 +33142,7 @@
 </p:sld>
 </file>
 
-<file path=ppt/slides/slide43.xml><?xml version="1.0" encoding="utf-8"?>
+<file path=ppt/slides/slide44.xml><?xml version="1.0" encoding="utf-8"?>
 <p:sld xmlns:a="http://schemas.openxmlformats.org/drawingml/2006/main" xmlns:r="http://schemas.openxmlformats.org/officeDocument/2006/relationships" xmlns:p="http://schemas.openxmlformats.org/presentationml/2006/main">
   <p:cSld>
     <p:spTree>
@@ -33700,7 +33982,7 @@
 </p:sld>
 </file>
 
-<file path=ppt/slides/slide44.xml><?xml version="1.0" encoding="utf-8"?>
+<file path=ppt/slides/slide45.xml><?xml version="1.0" encoding="utf-8"?>
 <p:sld xmlns:a="http://schemas.openxmlformats.org/drawingml/2006/main" xmlns:r="http://schemas.openxmlformats.org/officeDocument/2006/relationships" xmlns:p="http://schemas.openxmlformats.org/presentationml/2006/main">
   <p:cSld>
     <p:spTree>
@@ -34125,7 +34407,7 @@
 </p:sld>
 </file>
 
-<file path=ppt/slides/slide45.xml><?xml version="1.0" encoding="utf-8"?>
+<file path=ppt/slides/slide46.xml><?xml version="1.0" encoding="utf-8"?>
 <p:sld xmlns:a="http://schemas.openxmlformats.org/drawingml/2006/main" xmlns:r="http://schemas.openxmlformats.org/officeDocument/2006/relationships" xmlns:p="http://schemas.openxmlformats.org/presentationml/2006/main">
   <p:cSld>
     <p:spTree>
@@ -34643,7 +34925,7 @@
 </p:sld>
 </file>
 
-<file path=ppt/slides/slide46.xml><?xml version="1.0" encoding="utf-8"?>
+<file path=ppt/slides/slide47.xml><?xml version="1.0" encoding="utf-8"?>
 <p:sld xmlns:a="http://schemas.openxmlformats.org/drawingml/2006/main" xmlns:r="http://schemas.openxmlformats.org/officeDocument/2006/relationships" xmlns:p="http://schemas.openxmlformats.org/presentationml/2006/main">
   <p:cSld>
     <p:spTree>
@@ -34937,218 +35219,6 @@
     <p:extLst>
       <p:ext uri="{BB962C8B-B14F-4D97-AF65-F5344CB8AC3E}">
         <p14:creationId xmlns:p14="http://schemas.microsoft.com/office/powerpoint/2010/main" val="2266778616"/>
-      </p:ext>
-    </p:extLst>
-  </p:cSld>
-  <p:clrMapOvr>
-    <a:masterClrMapping/>
-  </p:clrMapOvr>
-</p:sld>
-</file>
-
-<file path=ppt/slides/slide47.xml><?xml version="1.0" encoding="utf-8"?>
-<p:sld xmlns:a="http://schemas.openxmlformats.org/drawingml/2006/main" xmlns:r="http://schemas.openxmlformats.org/officeDocument/2006/relationships" xmlns:p="http://schemas.openxmlformats.org/presentationml/2006/main">
-  <p:cSld>
-    <p:spTree>
-      <p:nvGrpSpPr>
-        <p:cNvPr id="1" name=""/>
-        <p:cNvGrpSpPr/>
-        <p:nvPr/>
-      </p:nvGrpSpPr>
-      <p:grpSpPr>
-        <a:xfrm>
-          <a:off x="0" y="0"/>
-          <a:ext cx="0" cy="0"/>
-          <a:chOff x="0" y="0"/>
-          <a:chExt cx="0" cy="0"/>
-        </a:xfrm>
-      </p:grpSpPr>
-      <p:sp>
-        <p:nvSpPr>
-          <p:cNvPr id="2" name="Title 1"/>
-          <p:cNvSpPr>
-            <a:spLocks noGrp="1"/>
-          </p:cNvSpPr>
-          <p:nvPr>
-            <p:ph type="title"/>
-          </p:nvPr>
-        </p:nvSpPr>
-        <p:spPr/>
-        <p:txBody>
-          <a:bodyPr/>
-          <a:lstStyle/>
-          <a:p>
-            <a:r>
-              <a:rPr lang="pt-BR" dirty="0"/>
-              <a:t>Inicialização dos Pesos</a:t>
-            </a:r>
-          </a:p>
-        </p:txBody>
-      </p:sp>
-      <p:sp>
-        <p:nvSpPr>
-          <p:cNvPr id="3" name="Content Placeholder 2"/>
-          <p:cNvSpPr>
-            <a:spLocks noGrp="1"/>
-          </p:cNvSpPr>
-          <p:nvPr>
-            <p:ph idx="1"/>
-          </p:nvPr>
-        </p:nvSpPr>
-        <p:spPr>
-          <a:xfrm>
-            <a:off x="838200" y="1825624"/>
-            <a:ext cx="11150600" cy="5032376"/>
-          </a:xfrm>
-        </p:spPr>
-        <p:txBody>
-          <a:bodyPr>
-            <a:normAutofit fontScale="92500" lnSpcReduction="10000"/>
-          </a:bodyPr>
-          <a:lstStyle/>
-          <a:p>
-            <a:r>
-              <a:rPr lang="pt-BR" dirty="0"/>
-              <a:t>Uma vez que os métodos de treinamento de </a:t>
-            </a:r>
-            <a:r>
-              <a:rPr lang="pt-BR" b="1" i="1" dirty="0"/>
-              <a:t>redes neurais MLP </a:t>
-            </a:r>
-            <a:r>
-              <a:rPr lang="pt-BR" dirty="0"/>
-              <a:t>são iterativos, eles dependem de uma </a:t>
-            </a:r>
-            <a:r>
-              <a:rPr lang="pt-BR" b="1" i="1" dirty="0"/>
-              <a:t>inicialização dos pesos</a:t>
-            </a:r>
-            <a:r>
-              <a:rPr lang="pt-BR" dirty="0"/>
-              <a:t>. </a:t>
-            </a:r>
-          </a:p>
-          <a:p>
-            <a:r>
-              <a:rPr lang="pt-BR" dirty="0"/>
-              <a:t>Como os métodos são de </a:t>
-            </a:r>
-            <a:r>
-              <a:rPr lang="pt-BR" b="1" i="1" dirty="0"/>
-              <a:t>busca local</a:t>
-            </a:r>
-            <a:r>
-              <a:rPr lang="pt-BR" dirty="0"/>
-              <a:t>, a inicialização pode afetar drasticamente a qualidade da solução obtida.</a:t>
-            </a:r>
-          </a:p>
-          <a:p>
-            <a:r>
-              <a:rPr lang="pt-BR" dirty="0"/>
-              <a:t>O </a:t>
-            </a:r>
-            <a:r>
-              <a:rPr lang="pt-BR" b="1" i="1" dirty="0"/>
-              <a:t>ponto de inicialização </a:t>
-            </a:r>
-            <a:r>
-              <a:rPr lang="pt-BR" dirty="0"/>
-              <a:t>pode determinar se o algoritmo converge, sendo alguns pontos iniciais tão instáveis que o algoritmo encontra dificuldades numéricas e falha completamente em convergir.</a:t>
-            </a:r>
-          </a:p>
-          <a:p>
-            <a:r>
-              <a:rPr lang="pt-BR" dirty="0"/>
-              <a:t>Também pode haver variações expressivas na </a:t>
-            </a:r>
-            <a:r>
-              <a:rPr lang="pt-BR" b="1" i="1" dirty="0"/>
-              <a:t>velocidade de convergência</a:t>
-            </a:r>
-            <a:r>
-              <a:rPr lang="pt-BR" dirty="0"/>
-              <a:t>.</a:t>
-            </a:r>
-          </a:p>
-          <a:p>
-            <a:r>
-              <a:rPr lang="pt-BR" dirty="0"/>
-              <a:t>Um ponto importante da inicialização é “</a:t>
-            </a:r>
-            <a:r>
-              <a:rPr lang="pt-BR" b="1" i="1" dirty="0"/>
-              <a:t>quebrar a simetria</a:t>
-            </a:r>
-            <a:r>
-              <a:rPr lang="pt-BR" dirty="0"/>
-              <a:t>” entre os </a:t>
-            </a:r>
-            <a:r>
-              <a:rPr lang="pt-BR" b="1" i="1" dirty="0"/>
-              <a:t>nós</a:t>
-            </a:r>
-            <a:r>
-              <a:rPr lang="pt-BR" dirty="0"/>
-              <a:t>, ou seja, se dois </a:t>
-            </a:r>
-            <a:r>
-              <a:rPr lang="pt-BR" b="1" i="1" dirty="0"/>
-              <a:t>nós</a:t>
-            </a:r>
-            <a:r>
-              <a:rPr lang="pt-BR" dirty="0"/>
-              <a:t> ocultos (i.e., </a:t>
-            </a:r>
-            <a:r>
-              <a:rPr lang="pt-BR" b="1" i="1" dirty="0"/>
-              <a:t>nós</a:t>
-            </a:r>
-            <a:r>
-              <a:rPr lang="pt-BR" dirty="0"/>
-              <a:t> de camadas ocultas) com a mesma </a:t>
-            </a:r>
-            <a:r>
-              <a:rPr lang="pt-BR" b="1" i="1" dirty="0"/>
-              <a:t>função de ativação </a:t>
-            </a:r>
-            <a:r>
-              <a:rPr lang="pt-BR" dirty="0"/>
-              <a:t>estiverem conectados às mesmas entradas, esses </a:t>
-            </a:r>
-            <a:r>
-              <a:rPr lang="pt-BR" b="1" i="1" dirty="0"/>
-              <a:t>nós</a:t>
-            </a:r>
-            <a:r>
-              <a:rPr lang="pt-BR" dirty="0"/>
-              <a:t> deverão ter pesos iniciais diferentes. </a:t>
-            </a:r>
-            <a:endParaRPr lang="pt-BR" dirty="0" smtClean="0"/>
-          </a:p>
-          <a:p>
-            <a:r>
-              <a:rPr lang="pt-BR" dirty="0" smtClean="0"/>
-              <a:t>Isso</a:t>
-            </a:r>
-            <a:r>
-              <a:rPr lang="pt-BR" dirty="0"/>
-              <a:t>, portanto, sugere uma </a:t>
-            </a:r>
-            <a:r>
-              <a:rPr lang="pt-BR" b="1" i="1" dirty="0"/>
-              <a:t>abordagem aleatória</a:t>
-            </a:r>
-            <a:r>
-              <a:rPr lang="pt-BR" dirty="0"/>
-              <a:t>.</a:t>
-            </a:r>
-          </a:p>
-        </p:txBody>
-      </p:sp>
-    </p:spTree>
-    <p:extLst>
-      <p:ext uri="{BB962C8B-B14F-4D97-AF65-F5344CB8AC3E}">
-        <p14:creationId xmlns:p14="http://schemas.microsoft.com/office/powerpoint/2010/main" val="3992928782"/>
       </p:ext>
     </p:extLst>
   </p:cSld>
@@ -35209,6 +35279,218 @@
         </p:nvSpPr>
         <p:spPr>
           <a:xfrm>
+            <a:off x="838200" y="1825624"/>
+            <a:ext cx="11150600" cy="5032376"/>
+          </a:xfrm>
+        </p:spPr>
+        <p:txBody>
+          <a:bodyPr>
+            <a:normAutofit fontScale="92500" lnSpcReduction="10000"/>
+          </a:bodyPr>
+          <a:lstStyle/>
+          <a:p>
+            <a:r>
+              <a:rPr lang="pt-BR" dirty="0"/>
+              <a:t>Uma vez que os métodos de treinamento de </a:t>
+            </a:r>
+            <a:r>
+              <a:rPr lang="pt-BR" b="1" i="1" dirty="0"/>
+              <a:t>redes neurais MLP </a:t>
+            </a:r>
+            <a:r>
+              <a:rPr lang="pt-BR" dirty="0"/>
+              <a:t>são iterativos, eles dependem de uma </a:t>
+            </a:r>
+            <a:r>
+              <a:rPr lang="pt-BR" b="1" i="1" dirty="0"/>
+              <a:t>inicialização dos pesos</a:t>
+            </a:r>
+            <a:r>
+              <a:rPr lang="pt-BR" dirty="0"/>
+              <a:t>. </a:t>
+            </a:r>
+          </a:p>
+          <a:p>
+            <a:r>
+              <a:rPr lang="pt-BR" dirty="0"/>
+              <a:t>Como os métodos são de </a:t>
+            </a:r>
+            <a:r>
+              <a:rPr lang="pt-BR" b="1" i="1" dirty="0"/>
+              <a:t>busca local</a:t>
+            </a:r>
+            <a:r>
+              <a:rPr lang="pt-BR" dirty="0"/>
+              <a:t>, a inicialização pode afetar drasticamente a qualidade da solução obtida.</a:t>
+            </a:r>
+          </a:p>
+          <a:p>
+            <a:r>
+              <a:rPr lang="pt-BR" dirty="0"/>
+              <a:t>O </a:t>
+            </a:r>
+            <a:r>
+              <a:rPr lang="pt-BR" b="1" i="1" dirty="0"/>
+              <a:t>ponto de inicialização </a:t>
+            </a:r>
+            <a:r>
+              <a:rPr lang="pt-BR" dirty="0"/>
+              <a:t>pode determinar se o algoritmo converge, sendo alguns pontos iniciais tão instáveis que o algoritmo encontra dificuldades numéricas e falha completamente em convergir.</a:t>
+            </a:r>
+          </a:p>
+          <a:p>
+            <a:r>
+              <a:rPr lang="pt-BR" dirty="0"/>
+              <a:t>Também pode haver variações expressivas na </a:t>
+            </a:r>
+            <a:r>
+              <a:rPr lang="pt-BR" b="1" i="1" dirty="0"/>
+              <a:t>velocidade de convergência</a:t>
+            </a:r>
+            <a:r>
+              <a:rPr lang="pt-BR" dirty="0"/>
+              <a:t>.</a:t>
+            </a:r>
+          </a:p>
+          <a:p>
+            <a:r>
+              <a:rPr lang="pt-BR" dirty="0"/>
+              <a:t>Um ponto importante da inicialização é “</a:t>
+            </a:r>
+            <a:r>
+              <a:rPr lang="pt-BR" b="1" i="1" dirty="0"/>
+              <a:t>quebrar a simetria</a:t>
+            </a:r>
+            <a:r>
+              <a:rPr lang="pt-BR" dirty="0"/>
+              <a:t>” entre os </a:t>
+            </a:r>
+            <a:r>
+              <a:rPr lang="pt-BR" b="1" i="1" dirty="0"/>
+              <a:t>nós</a:t>
+            </a:r>
+            <a:r>
+              <a:rPr lang="pt-BR" dirty="0"/>
+              <a:t>, ou seja, se dois </a:t>
+            </a:r>
+            <a:r>
+              <a:rPr lang="pt-BR" b="1" i="1" dirty="0"/>
+              <a:t>nós</a:t>
+            </a:r>
+            <a:r>
+              <a:rPr lang="pt-BR" dirty="0"/>
+              <a:t> ocultos (i.e., </a:t>
+            </a:r>
+            <a:r>
+              <a:rPr lang="pt-BR" b="1" i="1" dirty="0"/>
+              <a:t>nós</a:t>
+            </a:r>
+            <a:r>
+              <a:rPr lang="pt-BR" dirty="0"/>
+              <a:t> de camadas ocultas) com a mesma </a:t>
+            </a:r>
+            <a:r>
+              <a:rPr lang="pt-BR" b="1" i="1" dirty="0"/>
+              <a:t>função de ativação </a:t>
+            </a:r>
+            <a:r>
+              <a:rPr lang="pt-BR" dirty="0"/>
+              <a:t>estiverem conectados às mesmas entradas, esses </a:t>
+            </a:r>
+            <a:r>
+              <a:rPr lang="pt-BR" b="1" i="1" dirty="0"/>
+              <a:t>nós</a:t>
+            </a:r>
+            <a:r>
+              <a:rPr lang="pt-BR" dirty="0"/>
+              <a:t> deverão ter pesos iniciais diferentes. </a:t>
+            </a:r>
+            <a:endParaRPr lang="pt-BR" dirty="0" smtClean="0"/>
+          </a:p>
+          <a:p>
+            <a:r>
+              <a:rPr lang="pt-BR" dirty="0" smtClean="0"/>
+              <a:t>Isso</a:t>
+            </a:r>
+            <a:r>
+              <a:rPr lang="pt-BR" dirty="0"/>
+              <a:t>, portanto, sugere uma </a:t>
+            </a:r>
+            <a:r>
+              <a:rPr lang="pt-BR" b="1" i="1" dirty="0"/>
+              <a:t>abordagem aleatória</a:t>
+            </a:r>
+            <a:r>
+              <a:rPr lang="pt-BR" dirty="0"/>
+              <a:t>.</a:t>
+            </a:r>
+          </a:p>
+        </p:txBody>
+      </p:sp>
+    </p:spTree>
+    <p:extLst>
+      <p:ext uri="{BB962C8B-B14F-4D97-AF65-F5344CB8AC3E}">
+        <p14:creationId xmlns:p14="http://schemas.microsoft.com/office/powerpoint/2010/main" val="3992928782"/>
+      </p:ext>
+    </p:extLst>
+  </p:cSld>
+  <p:clrMapOvr>
+    <a:masterClrMapping/>
+  </p:clrMapOvr>
+</p:sld>
+</file>
+
+<file path=ppt/slides/slide49.xml><?xml version="1.0" encoding="utf-8"?>
+<p:sld xmlns:a="http://schemas.openxmlformats.org/drawingml/2006/main" xmlns:r="http://schemas.openxmlformats.org/officeDocument/2006/relationships" xmlns:p="http://schemas.openxmlformats.org/presentationml/2006/main">
+  <p:cSld>
+    <p:spTree>
+      <p:nvGrpSpPr>
+        <p:cNvPr id="1" name=""/>
+        <p:cNvGrpSpPr/>
+        <p:nvPr/>
+      </p:nvGrpSpPr>
+      <p:grpSpPr>
+        <a:xfrm>
+          <a:off x="0" y="0"/>
+          <a:ext cx="0" cy="0"/>
+          <a:chOff x="0" y="0"/>
+          <a:chExt cx="0" cy="0"/>
+        </a:xfrm>
+      </p:grpSpPr>
+      <p:sp>
+        <p:nvSpPr>
+          <p:cNvPr id="2" name="Title 1"/>
+          <p:cNvSpPr>
+            <a:spLocks noGrp="1"/>
+          </p:cNvSpPr>
+          <p:nvPr>
+            <p:ph type="title"/>
+          </p:nvPr>
+        </p:nvSpPr>
+        <p:spPr/>
+        <p:txBody>
+          <a:bodyPr/>
+          <a:lstStyle/>
+          <a:p>
+            <a:r>
+              <a:rPr lang="pt-BR" dirty="0"/>
+              <a:t>Inicialização dos Pesos</a:t>
+            </a:r>
+          </a:p>
+        </p:txBody>
+      </p:sp>
+      <p:sp>
+        <p:nvSpPr>
+          <p:cNvPr id="3" name="Content Placeholder 2"/>
+          <p:cNvSpPr>
+            <a:spLocks noGrp="1"/>
+          </p:cNvSpPr>
+          <p:nvPr>
+            <p:ph idx="1"/>
+          </p:nvPr>
+        </p:nvSpPr>
+        <p:spPr>
+          <a:xfrm>
             <a:off x="838199" y="1825625"/>
             <a:ext cx="11133667" cy="4693708"/>
           </a:xfrm>
@@ -35336,7 +35618,203 @@
 </p:sld>
 </file>
 
-<file path=ppt/slides/slide49.xml><?xml version="1.0" encoding="utf-8"?>
+<file path=ppt/slides/slide5.xml><?xml version="1.0" encoding="utf-8"?>
+<p:sld xmlns:a="http://schemas.openxmlformats.org/drawingml/2006/main" xmlns:r="http://schemas.openxmlformats.org/officeDocument/2006/relationships" xmlns:p="http://schemas.openxmlformats.org/presentationml/2006/main">
+  <p:cSld>
+    <p:spTree>
+      <p:nvGrpSpPr>
+        <p:cNvPr id="1" name=""/>
+        <p:cNvGrpSpPr/>
+        <p:nvPr/>
+      </p:nvGrpSpPr>
+      <p:grpSpPr>
+        <a:xfrm>
+          <a:off x="0" y="0"/>
+          <a:ext cx="0" cy="0"/>
+          <a:chOff x="0" y="0"/>
+          <a:chExt cx="0" cy="0"/>
+        </a:xfrm>
+      </p:grpSpPr>
+      <p:sp>
+        <p:nvSpPr>
+          <p:cNvPr id="2" name="Title 1"/>
+          <p:cNvSpPr>
+            <a:spLocks noGrp="1"/>
+          </p:cNvSpPr>
+          <p:nvPr>
+            <p:ph type="title"/>
+          </p:nvPr>
+        </p:nvSpPr>
+        <p:spPr/>
+        <p:txBody>
+          <a:bodyPr/>
+          <a:lstStyle/>
+          <a:p>
+            <a:r>
+              <a:rPr lang="pt-BR" dirty="0"/>
+              <a:t>Perceptron de Múltiplas Camadas</a:t>
+            </a:r>
+          </a:p>
+        </p:txBody>
+      </p:sp>
+      <p:sp>
+        <p:nvSpPr>
+          <p:cNvPr id="3" name="Content Placeholder 2"/>
+          <p:cNvSpPr>
+            <a:spLocks noGrp="1"/>
+          </p:cNvSpPr>
+          <p:nvPr>
+            <p:ph idx="1"/>
+          </p:nvPr>
+        </p:nvSpPr>
+        <p:spPr>
+          <a:xfrm>
+            <a:off x="838200" y="1825624"/>
+            <a:ext cx="10670628" cy="4858955"/>
+          </a:xfrm>
+        </p:spPr>
+        <p:txBody>
+          <a:bodyPr>
+            <a:normAutofit/>
+          </a:bodyPr>
+          <a:lstStyle/>
+          <a:p>
+            <a:r>
+              <a:rPr lang="pt-BR" dirty="0"/>
+              <a:t>A </a:t>
+            </a:r>
+            <a:r>
+              <a:rPr lang="pt-BR" b="1" i="1" dirty="0"/>
+              <a:t>camada de entrada </a:t>
+            </a:r>
+            <a:r>
+              <a:rPr lang="pt-BR" dirty="0"/>
+              <a:t>é o ponto de transferência dos </a:t>
+            </a:r>
+            <a:r>
+              <a:rPr lang="pt-BR" b="1" i="1" dirty="0"/>
+              <a:t>atributos</a:t>
+            </a:r>
+            <a:r>
+              <a:rPr lang="pt-BR" dirty="0"/>
+              <a:t> à rede. </a:t>
+            </a:r>
+          </a:p>
+          <a:p>
+            <a:r>
+              <a:rPr lang="pt-BR" dirty="0"/>
+              <a:t>As </a:t>
+            </a:r>
+            <a:r>
+              <a:rPr lang="pt-BR" b="1" i="1" dirty="0"/>
+              <a:t>camadas intermediárias </a:t>
+            </a:r>
+            <a:r>
+              <a:rPr lang="pt-BR" dirty="0"/>
+              <a:t>realizam </a:t>
+            </a:r>
+            <a:r>
+              <a:rPr lang="pt-BR" b="1" i="1" dirty="0"/>
+              <a:t>mapeamentos não-lineares </a:t>
+            </a:r>
+            <a:r>
+              <a:rPr lang="pt-BR" dirty="0"/>
+              <a:t>que, idealmente, vão tornando a informação contida nos dados mais </a:t>
+            </a:r>
+            <a:r>
+              <a:rPr lang="pt-BR" b="1" i="1" dirty="0"/>
+              <a:t>“explícita” </a:t>
+            </a:r>
+            <a:r>
+              <a:rPr lang="pt-BR" dirty="0"/>
+              <a:t>do ponto de vista da tarefa que se deseja realizar. </a:t>
+            </a:r>
+          </a:p>
+          <a:p>
+            <a:r>
+              <a:rPr lang="pt-BR" dirty="0"/>
+              <a:t>Por fim, os </a:t>
+            </a:r>
+            <a:r>
+              <a:rPr lang="pt-BR" b="1" i="1" dirty="0"/>
+              <a:t>neurônios</a:t>
+            </a:r>
+            <a:r>
+              <a:rPr lang="pt-BR" dirty="0"/>
+              <a:t> da </a:t>
+            </a:r>
+            <a:r>
+              <a:rPr lang="pt-BR" b="1" i="1" dirty="0"/>
+              <a:t>camada de saída </a:t>
+            </a:r>
+            <a:r>
+              <a:rPr lang="pt-BR" dirty="0"/>
+              <a:t>combinam a informação que lhes é oferecida pela última camada intermediária para formar as saídas.</a:t>
+            </a:r>
+          </a:p>
+          <a:p>
+            <a:r>
+              <a:rPr lang="pt-BR" dirty="0"/>
+              <a:t>Redes MLPs são formadas por múltiplas camadas de </a:t>
+            </a:r>
+            <a:r>
+              <a:rPr lang="pt-BR" b="1" i="1" dirty="0"/>
+              <a:t>Perceptrons</a:t>
+            </a:r>
+            <a:r>
+              <a:rPr lang="pt-BR" dirty="0"/>
+              <a:t>:</a:t>
+            </a:r>
+          </a:p>
+          <a:p>
+            <a:pPr lvl="1">
+              <a:buFont typeface="Wingdings" panose="05000000000000000000" pitchFamily="2" charset="2"/>
+              <a:buChar char="§"/>
+            </a:pPr>
+            <a:r>
+              <a:rPr lang="pt-BR" dirty="0"/>
+              <a:t>portanto, tais redes têm por base o </a:t>
+            </a:r>
+            <a:r>
+              <a:rPr lang="pt-BR" b="1" i="1" dirty="0"/>
+              <a:t>modelo de neurônio do </a:t>
+            </a:r>
+            <a:r>
+              <a:rPr lang="pt-BR" b="1" i="1" dirty="0" smtClean="0"/>
+              <a:t>Perceptron</a:t>
+            </a:r>
+            <a:r>
+              <a:rPr lang="pt-BR" dirty="0"/>
+              <a:t>. </a:t>
+            </a:r>
+          </a:p>
+          <a:p>
+            <a:r>
+              <a:rPr lang="pt-BR" dirty="0"/>
+              <a:t>Esse modelo, discutido anteriormente, é mostrado na figura seguinte</a:t>
+            </a:r>
+            <a:r>
+              <a:rPr lang="pt-BR" dirty="0" smtClean="0"/>
+              <a:t>.</a:t>
+            </a:r>
+            <a:endParaRPr lang="pt-BR" dirty="0"/>
+          </a:p>
+        </p:txBody>
+      </p:sp>
+    </p:spTree>
+    <p:extLst>
+      <p:ext uri="{BB962C8B-B14F-4D97-AF65-F5344CB8AC3E}">
+        <p14:creationId xmlns:p14="http://schemas.microsoft.com/office/powerpoint/2010/main" val="1994026610"/>
+      </p:ext>
+    </p:extLst>
+  </p:cSld>
+  <p:clrMapOvr>
+    <a:masterClrMapping/>
+  </p:clrMapOvr>
+</p:sld>
+</file>
+
+<file path=ppt/slides/slide50.xml><?xml version="1.0" encoding="utf-8"?>
 <p:sld xmlns:a="http://schemas.openxmlformats.org/drawingml/2006/main" xmlns:r="http://schemas.openxmlformats.org/officeDocument/2006/relationships" xmlns:p="http://schemas.openxmlformats.org/presentationml/2006/main">
   <p:cSld>
     <p:spTree>
@@ -35988,192 +36466,7 @@
 </p:sld>
 </file>
 
-<file path=ppt/slides/slide5.xml><?xml version="1.0" encoding="utf-8"?>
-<p:sld xmlns:a="http://schemas.openxmlformats.org/drawingml/2006/main" xmlns:r="http://schemas.openxmlformats.org/officeDocument/2006/relationships" xmlns:p="http://schemas.openxmlformats.org/presentationml/2006/main">
-  <p:cSld>
-    <p:spTree>
-      <p:nvGrpSpPr>
-        <p:cNvPr id="1" name=""/>
-        <p:cNvGrpSpPr/>
-        <p:nvPr/>
-      </p:nvGrpSpPr>
-      <p:grpSpPr>
-        <a:xfrm>
-          <a:off x="0" y="0"/>
-          <a:ext cx="0" cy="0"/>
-          <a:chOff x="0" y="0"/>
-          <a:chExt cx="0" cy="0"/>
-        </a:xfrm>
-      </p:grpSpPr>
-      <p:sp>
-        <p:nvSpPr>
-          <p:cNvPr id="2" name="Title 1"/>
-          <p:cNvSpPr>
-            <a:spLocks noGrp="1"/>
-          </p:cNvSpPr>
-          <p:nvPr>
-            <p:ph type="title"/>
-          </p:nvPr>
-        </p:nvSpPr>
-        <p:spPr/>
-        <p:txBody>
-          <a:bodyPr/>
-          <a:lstStyle/>
-          <a:p>
-            <a:r>
-              <a:rPr lang="pt-BR" dirty="0"/>
-              <a:t>Perceptron de Múltiplas Camadas</a:t>
-            </a:r>
-          </a:p>
-        </p:txBody>
-      </p:sp>
-      <p:sp>
-        <p:nvSpPr>
-          <p:cNvPr id="3" name="Content Placeholder 2"/>
-          <p:cNvSpPr>
-            <a:spLocks noGrp="1"/>
-          </p:cNvSpPr>
-          <p:nvPr>
-            <p:ph idx="1"/>
-          </p:nvPr>
-        </p:nvSpPr>
-        <p:spPr>
-          <a:xfrm>
-            <a:off x="838199" y="1825624"/>
-            <a:ext cx="10987007" cy="4879975"/>
-          </a:xfrm>
-        </p:spPr>
-        <p:txBody>
-          <a:bodyPr>
-            <a:normAutofit/>
-          </a:bodyPr>
-          <a:lstStyle/>
-          <a:p>
-            <a:r>
-              <a:rPr lang="pt-BR" dirty="0"/>
-              <a:t>A </a:t>
-            </a:r>
-            <a:r>
-              <a:rPr lang="pt-BR" b="1" i="1" dirty="0"/>
-              <a:t>camada de entrada </a:t>
-            </a:r>
-            <a:r>
-              <a:rPr lang="pt-BR" dirty="0"/>
-              <a:t>nada mais é que o ponto de passagem dos </a:t>
-            </a:r>
-            <a:r>
-              <a:rPr lang="pt-BR" b="1" i="1" dirty="0"/>
-              <a:t>atributos</a:t>
-            </a:r>
-            <a:r>
-              <a:rPr lang="pt-BR" dirty="0"/>
-              <a:t> à rede. </a:t>
-            </a:r>
-          </a:p>
-          <a:p>
-            <a:r>
-              <a:rPr lang="pt-BR" dirty="0"/>
-              <a:t>As </a:t>
-            </a:r>
-            <a:r>
-              <a:rPr lang="pt-BR" b="1" i="1" dirty="0"/>
-              <a:t>camadas intermediárias </a:t>
-            </a:r>
-            <a:r>
-              <a:rPr lang="pt-BR" dirty="0"/>
-              <a:t>realizam </a:t>
-            </a:r>
-            <a:r>
-              <a:rPr lang="pt-BR" b="1" i="1" dirty="0"/>
-              <a:t>mapeamentos não-lineares </a:t>
-            </a:r>
-            <a:r>
-              <a:rPr lang="pt-BR" dirty="0"/>
-              <a:t>que, idealmente, vão tornando a informação contida nos dados mais </a:t>
-            </a:r>
-            <a:r>
-              <a:rPr lang="pt-BR" b="1" i="1" dirty="0"/>
-              <a:t>“explícita” </a:t>
-            </a:r>
-            <a:r>
-              <a:rPr lang="pt-BR" dirty="0"/>
-              <a:t>do ponto de vista da tarefa que se deseja realizar. </a:t>
-            </a:r>
-          </a:p>
-          <a:p>
-            <a:r>
-              <a:rPr lang="pt-BR" dirty="0"/>
-              <a:t>Por fim, os </a:t>
-            </a:r>
-            <a:r>
-              <a:rPr lang="pt-BR" b="1" i="1" dirty="0"/>
-              <a:t>neurônios</a:t>
-            </a:r>
-            <a:r>
-              <a:rPr lang="pt-BR" dirty="0"/>
-              <a:t> da </a:t>
-            </a:r>
-            <a:r>
-              <a:rPr lang="pt-BR" b="1" i="1" dirty="0"/>
-              <a:t>camada de saída </a:t>
-            </a:r>
-            <a:r>
-              <a:rPr lang="pt-BR" dirty="0"/>
-              <a:t>combinam a informação que lhes é oferecida pela última camada </a:t>
-            </a:r>
-            <a:r>
-              <a:rPr lang="pt-BR" dirty="0" smtClean="0"/>
-              <a:t>intermediária para formar as saídas.</a:t>
-            </a:r>
-            <a:endParaRPr lang="pt-BR" dirty="0"/>
-          </a:p>
-          <a:p>
-            <a:r>
-              <a:rPr lang="pt-BR" dirty="0"/>
-              <a:t>Redes MLPs são formadas por múltiplas camadas de </a:t>
-            </a:r>
-            <a:r>
-              <a:rPr lang="pt-BR" b="1" i="1" dirty="0"/>
-              <a:t>perceptrons</a:t>
-            </a:r>
-            <a:r>
-              <a:rPr lang="pt-BR" dirty="0"/>
-              <a:t>: portanto, naturalmente, tais redes têm por base o </a:t>
-            </a:r>
-            <a:r>
-              <a:rPr lang="pt-BR" b="1" i="1" dirty="0"/>
-              <a:t>modelo de neurônio do perceptron</a:t>
-            </a:r>
-            <a:r>
-              <a:rPr lang="pt-BR" dirty="0"/>
-              <a:t>. </a:t>
-            </a:r>
-          </a:p>
-          <a:p>
-            <a:r>
-              <a:rPr lang="pt-BR" dirty="0"/>
-              <a:t>Esse modelo, discutido na aula anterior, é mostrado na figura seguinte.</a:t>
-            </a:r>
-          </a:p>
-          <a:p>
-            <a:endParaRPr lang="pt-BR" dirty="0"/>
-          </a:p>
-        </p:txBody>
-      </p:sp>
-    </p:spTree>
-    <p:extLst>
-      <p:ext uri="{BB962C8B-B14F-4D97-AF65-F5344CB8AC3E}">
-        <p14:creationId xmlns:p14="http://schemas.microsoft.com/office/powerpoint/2010/main" val="3857006152"/>
-      </p:ext>
-    </p:extLst>
-  </p:cSld>
-  <p:clrMapOvr>
-    <a:masterClrMapping/>
-  </p:clrMapOvr>
-</p:sld>
-</file>
-
-<file path=ppt/slides/slide50.xml><?xml version="1.0" encoding="utf-8"?>
+<file path=ppt/slides/slide51.xml><?xml version="1.0" encoding="utf-8"?>
 <p:sld xmlns:a="http://schemas.openxmlformats.org/drawingml/2006/main" xmlns:r="http://schemas.openxmlformats.org/officeDocument/2006/relationships" xmlns:p="http://schemas.openxmlformats.org/presentationml/2006/main">
   <p:cSld>
     <p:spTree>
@@ -36348,7 +36641,7 @@
 </p:sld>
 </file>
 
-<file path=ppt/slides/slide51.xml><?xml version="1.0" encoding="utf-8"?>
+<file path=ppt/slides/slide52.xml><?xml version="1.0" encoding="utf-8"?>
 <p:sld xmlns:a="http://schemas.openxmlformats.org/drawingml/2006/main" xmlns:r="http://schemas.openxmlformats.org/officeDocument/2006/relationships" xmlns:p="http://schemas.openxmlformats.org/presentationml/2006/main">
   <p:cSld>
     <p:spTree>
@@ -40255,7 +40548,7 @@
 </p:sld>
 </file>
 
-<file path=ppt/slides/slide52.xml><?xml version="1.0" encoding="utf-8"?>
+<file path=ppt/slides/slide53.xml><?xml version="1.0" encoding="utf-8"?>
 <p:sld xmlns:a="http://schemas.openxmlformats.org/drawingml/2006/main" xmlns:r="http://schemas.openxmlformats.org/officeDocument/2006/relationships" xmlns:p="http://schemas.openxmlformats.org/presentationml/2006/main">
   <p:cSld>
     <p:spTree>
@@ -43883,74 +44176,6 @@
 </p:sld>
 </file>
 
-<file path=ppt/slides/slide53.xml><?xml version="1.0" encoding="utf-8"?>
-<p:sld xmlns:a="http://schemas.openxmlformats.org/drawingml/2006/main" xmlns:r="http://schemas.openxmlformats.org/officeDocument/2006/relationships" xmlns:p="http://schemas.openxmlformats.org/presentationml/2006/main">
-  <p:cSld>
-    <p:spTree>
-      <p:nvGrpSpPr>
-        <p:cNvPr id="1" name=""/>
-        <p:cNvGrpSpPr/>
-        <p:nvPr/>
-      </p:nvGrpSpPr>
-      <p:grpSpPr>
-        <a:xfrm>
-          <a:off x="0" y="0"/>
-          <a:ext cx="0" cy="0"/>
-          <a:chOff x="0" y="0"/>
-          <a:chExt cx="0" cy="0"/>
-        </a:xfrm>
-      </p:grpSpPr>
-      <p:sp>
-        <p:nvSpPr>
-          <p:cNvPr id="2" name="Title 1"/>
-          <p:cNvSpPr>
-            <a:spLocks noGrp="1"/>
-          </p:cNvSpPr>
-          <p:nvPr>
-            <p:ph type="title"/>
-          </p:nvPr>
-        </p:nvSpPr>
-        <p:spPr/>
-        <p:txBody>
-          <a:bodyPr/>
-          <a:lstStyle/>
-          <a:p>
-            <a:endParaRPr lang="pt-BR"/>
-          </a:p>
-        </p:txBody>
-      </p:sp>
-      <p:sp>
-        <p:nvSpPr>
-          <p:cNvPr id="3" name="Content Placeholder 2"/>
-          <p:cNvSpPr>
-            <a:spLocks noGrp="1"/>
-          </p:cNvSpPr>
-          <p:nvPr>
-            <p:ph idx="1"/>
-          </p:nvPr>
-        </p:nvSpPr>
-        <p:spPr/>
-        <p:txBody>
-          <a:bodyPr/>
-          <a:lstStyle/>
-          <a:p>
-            <a:endParaRPr lang="pt-BR"/>
-          </a:p>
-        </p:txBody>
-      </p:sp>
-    </p:spTree>
-    <p:extLst>
-      <p:ext uri="{BB962C8B-B14F-4D97-AF65-F5344CB8AC3E}">
-        <p14:creationId xmlns:p14="http://schemas.microsoft.com/office/powerpoint/2010/main" val="3247495193"/>
-      </p:ext>
-    </p:extLst>
-  </p:cSld>
-  <p:clrMapOvr>
-    <a:masterClrMapping/>
-  </p:clrMapOvr>
-</p:sld>
-</file>
-
 <file path=ppt/slides/slide54.xml><?xml version="1.0" encoding="utf-8"?>
 <p:sld xmlns:a="http://schemas.openxmlformats.org/drawingml/2006/main" xmlns:r="http://schemas.openxmlformats.org/officeDocument/2006/relationships" xmlns:p="http://schemas.openxmlformats.org/presentationml/2006/main">
   <p:cSld>
@@ -43983,6 +44208,74 @@
           <a:bodyPr/>
           <a:lstStyle/>
           <a:p>
+            <a:endParaRPr lang="pt-BR"/>
+          </a:p>
+        </p:txBody>
+      </p:sp>
+      <p:sp>
+        <p:nvSpPr>
+          <p:cNvPr id="3" name="Content Placeholder 2"/>
+          <p:cNvSpPr>
+            <a:spLocks noGrp="1"/>
+          </p:cNvSpPr>
+          <p:nvPr>
+            <p:ph idx="1"/>
+          </p:nvPr>
+        </p:nvSpPr>
+        <p:spPr/>
+        <p:txBody>
+          <a:bodyPr/>
+          <a:lstStyle/>
+          <a:p>
+            <a:endParaRPr lang="pt-BR"/>
+          </a:p>
+        </p:txBody>
+      </p:sp>
+    </p:spTree>
+    <p:extLst>
+      <p:ext uri="{BB962C8B-B14F-4D97-AF65-F5344CB8AC3E}">
+        <p14:creationId xmlns:p14="http://schemas.microsoft.com/office/powerpoint/2010/main" val="3247495193"/>
+      </p:ext>
+    </p:extLst>
+  </p:cSld>
+  <p:clrMapOvr>
+    <a:masterClrMapping/>
+  </p:clrMapOvr>
+</p:sld>
+</file>
+
+<file path=ppt/slides/slide55.xml><?xml version="1.0" encoding="utf-8"?>
+<p:sld xmlns:a="http://schemas.openxmlformats.org/drawingml/2006/main" xmlns:r="http://schemas.openxmlformats.org/officeDocument/2006/relationships" xmlns:p="http://schemas.openxmlformats.org/presentationml/2006/main">
+  <p:cSld>
+    <p:spTree>
+      <p:nvGrpSpPr>
+        <p:cNvPr id="1" name=""/>
+        <p:cNvGrpSpPr/>
+        <p:nvPr/>
+      </p:nvGrpSpPr>
+      <p:grpSpPr>
+        <a:xfrm>
+          <a:off x="0" y="0"/>
+          <a:ext cx="0" cy="0"/>
+          <a:chOff x="0" y="0"/>
+          <a:chExt cx="0" cy="0"/>
+        </a:xfrm>
+      </p:grpSpPr>
+      <p:sp>
+        <p:nvSpPr>
+          <p:cNvPr id="2" name="Title 1"/>
+          <p:cNvSpPr>
+            <a:spLocks noGrp="1"/>
+          </p:cNvSpPr>
+          <p:nvPr>
+            <p:ph type="title"/>
+          </p:nvPr>
+        </p:nvSpPr>
+        <p:spPr/>
+        <p:txBody>
+          <a:bodyPr/>
+          <a:lstStyle/>
+          <a:p>
             <a:r>
               <a:rPr lang="pt-BR" dirty="0" smtClean="0"/>
               <a:t>Tarefas</a:t>
@@ -44021,19 +44314,11 @@
             </a:r>
             <a:r>
               <a:rPr lang="pt-BR" i="1" dirty="0" smtClean="0"/>
-              <a:t>T320 - Quiz – Redes Neurais Artificiais (Parte </a:t>
-            </a:r>
-            <a:r>
-              <a:rPr lang="pt-BR" i="1" dirty="0" smtClean="0"/>
-              <a:t>III)</a:t>
+              <a:t>T320 - Quiz – Redes Neurais Artificiais (Parte III)</a:t>
             </a:r>
             <a:r>
               <a:rPr lang="pt-BR" dirty="0" smtClean="0"/>
-              <a:t>” </a:t>
-            </a:r>
-            <a:r>
-              <a:rPr lang="pt-BR" dirty="0" smtClean="0"/>
-              <a:t>que se encontra no MS Teams.</a:t>
+              <a:t>” que se encontra no MS Teams.</a:t>
             </a:r>
           </a:p>
           <a:p>
@@ -44049,13 +44334,7 @@
               <a:rPr lang="pt-BR" b="1" dirty="0" smtClean="0">
                 <a:hlinkClick r:id="rId3"/>
               </a:rPr>
-              <a:t>Laboratório </a:t>
-            </a:r>
-            <a:r>
-              <a:rPr lang="pt-BR" b="1" dirty="0" smtClean="0">
-                <a:hlinkClick r:id="rId3"/>
-              </a:rPr>
-              <a:t>#</a:t>
+              <a:t>Laboratório #</a:t>
             </a:r>
             <a:r>
               <a:rPr lang="pt-BR" b="1" dirty="0">
@@ -44067,7 +44346,6 @@
               <a:rPr lang="pt-BR" dirty="0" smtClean="0"/>
               <a:t>.</a:t>
             </a:r>
-            <a:endParaRPr lang="pt-BR" dirty="0" smtClean="0"/>
           </a:p>
           <a:p>
             <a:pPr lvl="1"/>
@@ -44153,7 +44431,7 @@
 </p:sld>
 </file>
 
-<file path=ppt/slides/slide55.xml><?xml version="1.0" encoding="utf-8"?>
+<file path=ppt/slides/slide56.xml><?xml version="1.0" encoding="utf-8"?>
 <p:sld xmlns:a="http://schemas.openxmlformats.org/drawingml/2006/main" xmlns:r="http://schemas.openxmlformats.org/officeDocument/2006/relationships" xmlns:p="http://schemas.openxmlformats.org/presentationml/2006/main">
   <p:cSld>
     <p:spTree>
@@ -44238,7 +44516,7 @@
 </p:sld>
 </file>
 
-<file path=ppt/slides/slide56.xml><?xml version="1.0" encoding="utf-8"?>
+<file path=ppt/slides/slide57.xml><?xml version="1.0" encoding="utf-8"?>
 <p:sld xmlns:a="http://schemas.openxmlformats.org/drawingml/2006/main" xmlns:r="http://schemas.openxmlformats.org/officeDocument/2006/relationships" xmlns:p="http://schemas.openxmlformats.org/presentationml/2006/main">
   <p:cSld>
     <p:spTree>
@@ -44512,7 +44790,7 @@
 </p:sld>
 </file>
 
-<file path=ppt/slides/slide57.xml><?xml version="1.0" encoding="utf-8"?>
+<file path=ppt/slides/slide58.xml><?xml version="1.0" encoding="utf-8"?>
 <p:sld xmlns:a="http://schemas.openxmlformats.org/drawingml/2006/main" xmlns:r="http://schemas.openxmlformats.org/officeDocument/2006/relationships" xmlns:p="http://schemas.openxmlformats.org/presentationml/2006/main">
   <p:cSld>
     <p:spTree>
@@ -44636,8 +44914,8 @@
           </a:p>
         </p:txBody>
       </p:sp>
-      <mc:AlternateContent xmlns:mc="http://schemas.openxmlformats.org/markup-compatibility/2006" xmlns:a14="http://schemas.microsoft.com/office/drawing/2010/main">
-        <mc:Choice Requires="a14">
+      <mc:AlternateContent xmlns:mc="http://schemas.openxmlformats.org/markup-compatibility/2006">
+        <mc:Choice xmlns:a14="http://schemas.microsoft.com/office/drawing/2010/main" Requires="a14">
           <p:sp>
             <p:nvSpPr>
               <p:cNvPr id="3" name="Content Placeholder 2"/>
@@ -44651,7 +44929,7 @@
             <p:spPr>
               <a:xfrm>
                 <a:off x="838200" y="1825624"/>
-                <a:ext cx="7188200" cy="4918076"/>
+                <a:ext cx="7188200" cy="5032376"/>
               </a:xfrm>
             </p:spPr>
             <p:txBody>
@@ -44836,16 +45114,8 @@
               </a:p>
               <a:p>
                 <a:r>
-                  <a:rPr lang="pt-BR" dirty="0"/>
-                  <a:t>Assim como nos modelos de </a:t>
-                </a:r>
-                <a:r>
-                  <a:rPr lang="pt-BR" b="1" i="1" dirty="0"/>
-                  <a:t>regressão linear</a:t>
-                </a:r>
-                <a:r>
-                  <a:rPr lang="pt-BR" dirty="0"/>
-                  <a:t>, cada </a:t>
+                  <a:rPr lang="pt-BR" dirty="0" smtClean="0"/>
+                  <a:t>Cada </a:t>
                 </a:r>
                 <a:r>
                   <a:rPr lang="pt-BR" b="1" i="1" dirty="0"/>
@@ -44853,7 +45123,7 @@
                 </a:r>
                 <a:r>
                   <a:rPr lang="pt-BR" dirty="0"/>
-                  <a:t> tem a entrada 0, i.e., </a:t>
+                  <a:t> tem a entrada </a:t>
                 </a:r>
                 <a14:m>
                   <m:oMath xmlns:m="http://schemas.openxmlformats.org/officeDocument/2006/math">
@@ -44885,8 +45155,12 @@
                   </m:oMath>
                 </a14:m>
                 <a:r>
+                  <a:rPr lang="pt-BR" dirty="0" smtClean="0"/>
+                  <a:t> sempre </a:t>
+                </a:r>
+                <a:r>
                   <a:rPr lang="pt-BR" dirty="0"/>
-                  <a:t>, sempre com valor igual a 1 e um peso associado </a:t>
+                  <a:t>com valor igual a 1 e um peso associado </a:t>
                 </a:r>
                 <a14:m>
                   <m:oMath xmlns:m="http://schemas.openxmlformats.org/officeDocument/2006/math">
@@ -44961,7 +45235,15 @@
                 </a14:m>
                 <a:r>
                   <a:rPr lang="pt-BR" dirty="0"/>
-                  <a:t>, calcula inicialmente uma soma ponderada de suas entrada da seguinte forma</a:t>
+                  <a:t>, calcula </a:t>
+                </a:r>
+                <a:r>
+                  <a:rPr lang="pt-BR" dirty="0" smtClean="0"/>
+                  <a:t>a soma </a:t>
+                </a:r>
+                <a:r>
+                  <a:rPr lang="pt-BR" dirty="0"/>
+                  <a:t>ponderada de suas entrada da seguinte forma</a:t>
                 </a:r>
               </a:p>
               <a:p>
@@ -45387,40 +45669,32 @@
               </a:p>
               <a:p>
                 <a:r>
+                  <a:rPr lang="pt-BR" dirty="0" smtClean="0"/>
+                  <a:t>Existem </a:t>
+                </a:r>
+                <a:r>
                   <a:rPr lang="pt-BR" dirty="0"/>
-                  <a:t>Veremos a seguir que existem vários tipos de </a:t>
+                  <a:t>vários tipos de </a:t>
                 </a:r>
                 <a:r>
                   <a:rPr lang="pt-BR" b="1" i="1" dirty="0"/>
-                  <a:t>funções de ativação</a:t>
+                  <a:t>funções de </a:t>
+                </a:r>
+                <a:r>
+                  <a:rPr lang="pt-BR" b="1" i="1" dirty="0" smtClean="0"/>
+                  <a:t>ativação</a:t>
                 </a:r>
                 <a:r>
                   <a:rPr lang="pt-BR" dirty="0"/>
-                  <a:t>,</a:t>
-                </a:r>
-                <a:r>
-                  <a:rPr lang="pt-BR" b="1" i="1" dirty="0"/>
                   <a:t> </a:t>
                 </a:r>
-                <a14:m>
-                  <m:oMath xmlns:m="http://schemas.openxmlformats.org/officeDocument/2006/math">
-                    <m:r>
-                      <a:rPr lang="pt-BR" i="1">
-                        <a:latin typeface="Cambria Math" panose="02040503050406030204" pitchFamily="18" charset="0"/>
-                      </a:rPr>
-                      <m:t>𝑓</m:t>
-                    </m:r>
-                    <m:r>
-                      <a:rPr lang="pt-BR" i="1">
-                        <a:latin typeface="Cambria Math" panose="02040503050406030204" pitchFamily="18" charset="0"/>
-                      </a:rPr>
-                      <m:t>(.)</m:t>
-                    </m:r>
-                  </m:oMath>
-                </a14:m>
+                <a:r>
+                  <a:rPr lang="pt-BR" dirty="0" smtClean="0"/>
+                  <a:t>que </a:t>
+                </a:r>
                 <a:r>
                   <a:rPr lang="pt-BR" dirty="0"/>
-                  <a:t>, que podem ser utilizadas pelos </a:t>
+                  <a:t>podem ser utilizadas pelos </a:t>
                 </a:r>
                 <a:r>
                   <a:rPr lang="pt-BR" b="1" i="1" dirty="0"/>
@@ -45432,6 +45706,10 @@
                 </a:r>
               </a:p>
               <a:p>
+                <a:r>
+                  <a:rPr lang="pt-BR" dirty="0" smtClean="0"/>
+                  <a:t>Cada camada da rede pode usar funções de ativação diferentes.</a:t>
+                </a:r>
                 <a:endParaRPr lang="pt-BR" dirty="0"/>
               </a:p>
               <a:p>
@@ -45443,7 +45721,7 @@
             </p:txBody>
           </p:sp>
         </mc:Choice>
-        <mc:Fallback xmlns="">
+        <mc:Fallback>
           <p:sp>
             <p:nvSpPr>
               <p:cNvPr id="3" name="Content Placeholder 2"/>
@@ -45457,12 +45735,12 @@
             <p:spPr>
               <a:xfrm>
                 <a:off x="838200" y="1825624"/>
-                <a:ext cx="7188200" cy="4918076"/>
+                <a:ext cx="7188200" cy="5032376"/>
               </a:xfrm>
               <a:blipFill rotWithShape="0">
                 <a:blip r:embed="rId3"/>
                 <a:stretch>
-                  <a:fillRect l="-1018" t="-2478" r="-1442"/>
+                  <a:fillRect l="-1018" t="-2421" r="-1442"/>
                 </a:stretch>
               </a:blipFill>
             </p:spPr>
@@ -45511,8 +45789,8 @@
           </a:prstGeom>
         </p:spPr>
       </p:pic>
-      <mc:AlternateContent xmlns:mc="http://schemas.openxmlformats.org/markup-compatibility/2006" xmlns:a14="http://schemas.microsoft.com/office/drawing/2010/main">
-        <mc:Choice Requires="a14">
+      <mc:AlternateContent xmlns:mc="http://schemas.openxmlformats.org/markup-compatibility/2006">
+        <mc:Choice xmlns:a14="http://schemas.microsoft.com/office/drawing/2010/main" Requires="a14">
           <p:sp>
             <p:nvSpPr>
               <p:cNvPr id="5" name="TextBox 4"/>
@@ -45521,7 +45799,7 @@
             </p:nvSpPr>
             <p:spPr>
               <a:xfrm>
-                <a:off x="8210901" y="4473875"/>
+                <a:off x="8210901" y="4536939"/>
                 <a:ext cx="3860800" cy="1264705"/>
               </a:xfrm>
               <a:prstGeom prst="rect">
@@ -45797,7 +46075,7 @@
             </p:txBody>
           </p:sp>
         </mc:Choice>
-        <mc:Fallback xmlns="">
+        <mc:Fallback>
           <p:sp>
             <p:nvSpPr>
               <p:cNvPr id="5" name="TextBox 4"/>
@@ -45808,7 +46086,7 @@
             </p:nvSpPr>
             <p:spPr>
               <a:xfrm>
-                <a:off x="8210901" y="4473875"/>
+                <a:off x="8210901" y="4536939"/>
                 <a:ext cx="3860800" cy="1264705"/>
               </a:xfrm>
               <a:prstGeom prst="rect">
@@ -45817,7 +46095,7 @@
               <a:blipFill rotWithShape="0">
                 <a:blip r:embed="rId5"/>
                 <a:stretch>
-                  <a:fillRect l="-1422" t="-33333" b="-7246"/>
+                  <a:fillRect l="-1422" t="-33173" b="-6731"/>
                 </a:stretch>
               </a:blipFill>
             </p:spPr>
@@ -45895,8 +46173,8 @@
           </a:p>
         </p:txBody>
       </p:sp>
-      <mc:AlternateContent xmlns:mc="http://schemas.openxmlformats.org/markup-compatibility/2006" xmlns:a14="http://schemas.microsoft.com/office/drawing/2010/main">
-        <mc:Choice Requires="a14">
+      <mc:AlternateContent xmlns:mc="http://schemas.openxmlformats.org/markup-compatibility/2006">
+        <mc:Choice xmlns:a14="http://schemas.microsoft.com/office/drawing/2010/main" Requires="a14">
           <p:sp>
             <p:nvSpPr>
               <p:cNvPr id="3" name="Content Placeholder 2"/>
@@ -45915,7 +46193,7 @@
             </p:spPr>
             <p:txBody>
               <a:bodyPr>
-                <a:normAutofit fontScale="85000" lnSpcReduction="20000"/>
+                <a:normAutofit fontScale="92500" lnSpcReduction="10000"/>
               </a:bodyPr>
               <a:lstStyle/>
               <a:p>
@@ -45929,7 +46207,15 @@
                 </a:r>
                 <a:r>
                   <a:rPr lang="pt-BR" dirty="0"/>
-                  <a:t>, não é comum se empregar a </a:t>
+                  <a:t>, não </a:t>
+                </a:r>
+                <a:r>
+                  <a:rPr lang="pt-BR" dirty="0" smtClean="0"/>
+                  <a:t>se utiliza </a:t>
+                </a:r>
+                <a:r>
+                  <a:rPr lang="pt-BR" dirty="0" smtClean="0"/>
+                  <a:t>a </a:t>
                 </a:r>
                 <a:r>
                   <a:rPr lang="pt-BR" b="1" i="1" dirty="0"/>
@@ -45937,8 +46223,13 @@
                 </a:r>
                 <a:r>
                   <a:rPr lang="pt-BR" dirty="0"/>
-                  <a:t> como função de ativação em MLPs pois ela possui derivada igual a 0 em todos os pontos, exceto em torno de 0, onde ela é indefinida. </a:t>
-                </a:r>
+                  <a:t> como função de ativação em </a:t>
+                </a:r>
+                <a:r>
+                  <a:rPr lang="pt-BR" dirty="0" smtClean="0"/>
+                  <a:t>MLPs. </a:t>
+                </a:r>
+                <a:endParaRPr lang="pt-BR" dirty="0"/>
               </a:p>
               <a:p>
                 <a:r>
@@ -45951,32 +46242,33 @@
                 </a:r>
                 <a:r>
                   <a:rPr lang="pt-BR" dirty="0"/>
-                  <a:t>, a regra era se utilizar duas funções que são, em essência, versões suavizadas da</a:t>
+                  <a:t>, a regra era se utilizar </a:t>
+                </a:r>
+                <a:r>
+                  <a:rPr lang="pt-BR" dirty="0" smtClean="0"/>
+                  <a:t>as </a:t>
+                </a:r>
+                <a:r>
+                  <a:rPr lang="pt-BR" b="1" i="1" dirty="0" smtClean="0"/>
+                  <a:t>funções </a:t>
                 </a:r>
                 <a:r>
                   <a:rPr lang="pt-BR" b="1" i="1" dirty="0"/>
-                  <a:t> função degrau</a:t>
+                  <a:t>logística </a:t>
                 </a:r>
                 <a:r>
                   <a:rPr lang="pt-BR" dirty="0"/>
-                  <a:t>: a </a:t>
-                </a:r>
-                <a:r>
-                  <a:rPr lang="pt-BR" b="1" i="1" dirty="0"/>
-                  <a:t>função logística </a:t>
-                </a:r>
-                <a:r>
-                  <a:rPr lang="pt-BR" dirty="0"/>
-                  <a:t>ou a </a:t>
-                </a:r>
-                <a:r>
-                  <a:rPr lang="pt-BR" b="1" i="1" dirty="0"/>
-                  <a:t>função tangente hiperbólica</a:t>
-                </a:r>
-                <a:r>
-                  <a:rPr lang="pt-BR" dirty="0"/>
-                  <a:t>.</a:t>
-                </a:r>
+                  <a:t>ou </a:t>
+                </a:r>
+                <a:r>
+                  <a:rPr lang="pt-BR" b="1" i="1" dirty="0" smtClean="0"/>
+                  <a:t>tangente hiperbólica </a:t>
+                </a:r>
+                <a:r>
+                  <a:rPr lang="pt-BR" dirty="0" smtClean="0"/>
+                  <a:t>(versões suavizadas da degrau).</a:t>
+                </a:r>
+                <a:endParaRPr lang="pt-BR" dirty="0"/>
               </a:p>
               <a:p>
                 <a:r>
@@ -46509,13 +46801,21 @@
               <a:p>
                 <a:r>
                   <a:rPr lang="pt-BR" dirty="0"/>
-                  <a:t>A derivada será importante, como veremos, no processo de aprendizado da rede neural.</a:t>
+                  <a:t>A derivada </a:t>
+                </a:r>
+                <a:r>
+                  <a:rPr lang="pt-BR" dirty="0" smtClean="0"/>
+                  <a:t>é importante durante o processo </a:t>
+                </a:r>
+                <a:r>
+                  <a:rPr lang="pt-BR" dirty="0"/>
+                  <a:t>de aprendizado da rede neural.</a:t>
                 </a:r>
               </a:p>
             </p:txBody>
           </p:sp>
         </mc:Choice>
-        <mc:Fallback xmlns="">
+        <mc:Fallback>
           <p:sp>
             <p:nvSpPr>
               <p:cNvPr id="3" name="Content Placeholder 2"/>
@@ -46534,7 +46834,7 @@
               <a:blipFill rotWithShape="0">
                 <a:blip r:embed="rId3"/>
                 <a:stretch>
-                  <a:fillRect l="-884" t="-2712" b="-708"/>
+                  <a:fillRect l="-995" t="-2358" b="-825"/>
                 </a:stretch>
               </a:blipFill>
             </p:spPr>

--- a/slides/T320_Redes_Neurais_Artificiais (Parte II).pptx
+++ b/slides/T320_Redes_Neurais_Artificiais (Parte II).pptx
@@ -257,7 +257,7 @@
           <a:p>
             <a:fld id="{C3C82C08-3EFC-4473-8294-F0E229C19EFF}" type="datetimeFigureOut">
               <a:rPr lang="pt-BR" smtClean="0"/>
-              <a:t>24/09/2021</a:t>
+              <a:t>29/10/2021</a:t>
             </a:fld>
             <a:endParaRPr lang="pt-BR"/>
           </a:p>
@@ -3520,7 +3520,7 @@
           <a:p>
             <a:fld id="{221D0464-8C8A-49C0-859F-777E51766A35}" type="datetimeFigureOut">
               <a:rPr lang="pt-BR" smtClean="0"/>
-              <a:t>24/09/2021</a:t>
+              <a:t>29/10/2021</a:t>
             </a:fld>
             <a:endParaRPr lang="pt-BR"/>
           </a:p>
@@ -3690,7 +3690,7 @@
           <a:p>
             <a:fld id="{221D0464-8C8A-49C0-859F-777E51766A35}" type="datetimeFigureOut">
               <a:rPr lang="pt-BR" smtClean="0"/>
-              <a:t>24/09/2021</a:t>
+              <a:t>29/10/2021</a:t>
             </a:fld>
             <a:endParaRPr lang="pt-BR"/>
           </a:p>
@@ -3870,7 +3870,7 @@
           <a:p>
             <a:fld id="{221D0464-8C8A-49C0-859F-777E51766A35}" type="datetimeFigureOut">
               <a:rPr lang="pt-BR" smtClean="0"/>
-              <a:t>24/09/2021</a:t>
+              <a:t>29/10/2021</a:t>
             </a:fld>
             <a:endParaRPr lang="pt-BR"/>
           </a:p>
@@ -4040,7 +4040,7 @@
           <a:p>
             <a:fld id="{221D0464-8C8A-49C0-859F-777E51766A35}" type="datetimeFigureOut">
               <a:rPr lang="pt-BR" smtClean="0"/>
-              <a:t>24/09/2021</a:t>
+              <a:t>29/10/2021</a:t>
             </a:fld>
             <a:endParaRPr lang="pt-BR"/>
           </a:p>
@@ -4286,7 +4286,7 @@
           <a:p>
             <a:fld id="{221D0464-8C8A-49C0-859F-777E51766A35}" type="datetimeFigureOut">
               <a:rPr lang="pt-BR" smtClean="0"/>
-              <a:t>24/09/2021</a:t>
+              <a:t>29/10/2021</a:t>
             </a:fld>
             <a:endParaRPr lang="pt-BR"/>
           </a:p>
@@ -4518,7 +4518,7 @@
           <a:p>
             <a:fld id="{221D0464-8C8A-49C0-859F-777E51766A35}" type="datetimeFigureOut">
               <a:rPr lang="pt-BR" smtClean="0"/>
-              <a:t>24/09/2021</a:t>
+              <a:t>29/10/2021</a:t>
             </a:fld>
             <a:endParaRPr lang="pt-BR"/>
           </a:p>
@@ -4885,7 +4885,7 @@
           <a:p>
             <a:fld id="{221D0464-8C8A-49C0-859F-777E51766A35}" type="datetimeFigureOut">
               <a:rPr lang="pt-BR" smtClean="0"/>
-              <a:t>24/09/2021</a:t>
+              <a:t>29/10/2021</a:t>
             </a:fld>
             <a:endParaRPr lang="pt-BR"/>
           </a:p>
@@ -5003,7 +5003,7 @@
           <a:p>
             <a:fld id="{221D0464-8C8A-49C0-859F-777E51766A35}" type="datetimeFigureOut">
               <a:rPr lang="pt-BR" smtClean="0"/>
-              <a:t>24/09/2021</a:t>
+              <a:t>29/10/2021</a:t>
             </a:fld>
             <a:endParaRPr lang="pt-BR"/>
           </a:p>
@@ -5098,7 +5098,7 @@
           <a:p>
             <a:fld id="{221D0464-8C8A-49C0-859F-777E51766A35}" type="datetimeFigureOut">
               <a:rPr lang="pt-BR" smtClean="0"/>
-              <a:t>24/09/2021</a:t>
+              <a:t>29/10/2021</a:t>
             </a:fld>
             <a:endParaRPr lang="pt-BR"/>
           </a:p>
@@ -5375,7 +5375,7 @@
           <a:p>
             <a:fld id="{221D0464-8C8A-49C0-859F-777E51766A35}" type="datetimeFigureOut">
               <a:rPr lang="pt-BR" smtClean="0"/>
-              <a:t>24/09/2021</a:t>
+              <a:t>29/10/2021</a:t>
             </a:fld>
             <a:endParaRPr lang="pt-BR"/>
           </a:p>
@@ -5628,7 +5628,7 @@
           <a:p>
             <a:fld id="{221D0464-8C8A-49C0-859F-777E51766A35}" type="datetimeFigureOut">
               <a:rPr lang="pt-BR" smtClean="0"/>
-              <a:t>24/09/2021</a:t>
+              <a:t>29/10/2021</a:t>
             </a:fld>
             <a:endParaRPr lang="pt-BR"/>
           </a:p>
@@ -5841,7 +5841,7 @@
           <a:p>
             <a:fld id="{221D0464-8C8A-49C0-859F-777E51766A35}" type="datetimeFigureOut">
               <a:rPr lang="pt-BR" smtClean="0"/>
-              <a:t>24/09/2021</a:t>
+              <a:t>29/10/2021</a:t>
             </a:fld>
             <a:endParaRPr lang="pt-BR"/>
           </a:p>
@@ -6251,7 +6251,7 @@
           <p:cNvPr id="2" name="Título 1">
             <a:extLst>
               <a:ext uri="{FF2B5EF4-FFF2-40B4-BE49-F238E27FC236}">
-                <a16:creationId xmlns:a16="http://schemas.microsoft.com/office/drawing/2014/main" xmlns="" id="{32666AC8-2E17-4DB4-B0F5-60C640CCFD2E}"/>
+                <a16:creationId xmlns="" xmlns:a16="http://schemas.microsoft.com/office/drawing/2014/main" id="{32666AC8-2E17-4DB4-B0F5-60C640CCFD2E}"/>
               </a:ext>
             </a:extLst>
           </p:cNvPr>
@@ -6302,7 +6302,7 @@
           <p:cNvPr id="4" name="CaixaDeTexto 3">
             <a:extLst>
               <a:ext uri="{FF2B5EF4-FFF2-40B4-BE49-F238E27FC236}">
-                <a16:creationId xmlns:a16="http://schemas.microsoft.com/office/drawing/2014/main" xmlns="" id="{430EB894-B7D4-434C-9D1A-A14094D9BEEC}"/>
+                <a16:creationId xmlns="" xmlns:a16="http://schemas.microsoft.com/office/drawing/2014/main" id="{430EB894-B7D4-434C-9D1A-A14094D9BEEC}"/>
               </a:ext>
             </a:extLst>
           </p:cNvPr>
@@ -6343,7 +6343,7 @@
           <p:cNvPr id="1026" name="Picture 2" descr="Logo">
             <a:extLst>
               <a:ext uri="{FF2B5EF4-FFF2-40B4-BE49-F238E27FC236}">
-                <a16:creationId xmlns:a16="http://schemas.microsoft.com/office/drawing/2014/main" xmlns="" id="{3F2642E0-4F6A-4196-8F58-E77D36E9A33F}"/>
+                <a16:creationId xmlns="" xmlns:a16="http://schemas.microsoft.com/office/drawing/2014/main" id="{3F2642E0-4F6A-4196-8F58-E77D36E9A33F}"/>
               </a:ext>
             </a:extLst>
           </p:cNvPr>
@@ -6388,7 +6388,7 @@
           <p:cNvPr id="5122" name="Picture 2" descr="Image result for machine learning">
             <a:extLst>
               <a:ext uri="{FF2B5EF4-FFF2-40B4-BE49-F238E27FC236}">
-                <a16:creationId xmlns:a16="http://schemas.microsoft.com/office/drawing/2014/main" xmlns="" id="{810CE0A2-4102-44A6-A370-175E7896CDCB}"/>
+                <a16:creationId xmlns="" xmlns:a16="http://schemas.microsoft.com/office/drawing/2014/main" id="{810CE0A2-4102-44A6-A370-175E7896CDCB}"/>
               </a:ext>
             </a:extLst>
           </p:cNvPr>
@@ -6504,7 +6504,11 @@
           <a:p>
             <a:r>
               <a:rPr lang="pt-BR" dirty="0" smtClean="0"/>
-              <a:t>Problema encontrado quando treinamos </a:t>
+              <a:t>É um problema </a:t>
+            </a:r>
+            <a:r>
+              <a:rPr lang="pt-BR" dirty="0" smtClean="0"/>
+              <a:t>encontrado quando treinamos </a:t>
             </a:r>
             <a:r>
               <a:rPr lang="pt-BR" b="1" i="1" dirty="0" smtClean="0"/>
@@ -6630,8 +6634,8 @@
           </a:p>
         </p:txBody>
       </p:sp>
-      <mc:AlternateContent xmlns:mc="http://schemas.openxmlformats.org/markup-compatibility/2006" xmlns:a14="http://schemas.microsoft.com/office/drawing/2010/main">
-        <mc:Choice Requires="a14">
+      <mc:AlternateContent xmlns:mc="http://schemas.openxmlformats.org/markup-compatibility/2006">
+        <mc:Choice xmlns:a14="http://schemas.microsoft.com/office/drawing/2010/main" Requires="a14">
           <p:sp>
             <p:nvSpPr>
               <p:cNvPr id="3" name="Content Placeholder 2"/>
@@ -6688,7 +6692,15 @@
                 </a:r>
                 <a:r>
                   <a:rPr lang="pt-BR" dirty="0" smtClean="0"/>
-                  <a:t>gradientes (i.e., derivadas) no intervalo de 0 até aproximadamente 1.</a:t>
+                  <a:t>gradientes (i.e., </a:t>
+                </a:r>
+                <a:r>
+                  <a:rPr lang="pt-BR" dirty="0" smtClean="0"/>
+                  <a:t>derivadas parciais) </a:t>
+                </a:r>
+                <a:r>
+                  <a:rPr lang="pt-BR" dirty="0" smtClean="0"/>
+                  <a:t>no intervalo de 0 até aproximadamente 1.</a:t>
                 </a:r>
               </a:p>
               <a:p>
@@ -7193,7 +7205,7 @@
             </p:txBody>
           </p:sp>
         </mc:Choice>
-        <mc:Fallback xmlns="">
+        <mc:Fallback>
           <p:sp>
             <p:nvSpPr>
               <p:cNvPr id="3" name="Content Placeholder 2"/>
@@ -7296,12 +7308,12 @@
         <p:spPr>
           <a:xfrm>
             <a:off x="838199" y="1825624"/>
-            <a:ext cx="11005457" cy="3022147"/>
+            <a:ext cx="11198470" cy="3022147"/>
           </a:xfrm>
         </p:spPr>
         <p:txBody>
           <a:bodyPr>
-            <a:normAutofit lnSpcReduction="10000"/>
+            <a:normAutofit fontScale="92500"/>
           </a:bodyPr>
           <a:lstStyle/>
           <a:p>
@@ -7420,7 +7432,11 @@
             </a:r>
             <a:r>
               <a:rPr lang="pt-BR" dirty="0" smtClean="0"/>
-              <a:t>finais, pois o valor do gradiente é muito pequeno, fazendo com que a atualização dos pesos também seja.</a:t>
+              <a:t>finais, pois o valor do gradiente é muito pequeno, fazendo com que a atualização dos pesos também </a:t>
+            </a:r>
+            <a:r>
+              <a:rPr lang="pt-BR" dirty="0" smtClean="0"/>
+              <a:t>seja lenta.</a:t>
             </a:r>
             <a:endParaRPr lang="pt-BR" dirty="0"/>
           </a:p>
@@ -7448,7 +7464,7 @@
         </p:blipFill>
         <p:spPr>
           <a:xfrm>
-            <a:off x="3309257" y="4556846"/>
+            <a:off x="3309257" y="4627182"/>
             <a:ext cx="6144364" cy="2164947"/>
           </a:xfrm>
           <a:prstGeom prst="rect">
@@ -7513,8 +7529,8 @@
           </a:p>
         </p:txBody>
       </p:sp>
-      <mc:AlternateContent xmlns:mc="http://schemas.openxmlformats.org/markup-compatibility/2006" xmlns:a14="http://schemas.microsoft.com/office/drawing/2010/main">
-        <mc:Choice Requires="a14">
+      <mc:AlternateContent xmlns:mc="http://schemas.openxmlformats.org/markup-compatibility/2006">
+        <mc:Choice xmlns:a14="http://schemas.microsoft.com/office/drawing/2010/main" Requires="a14">
           <p:sp>
             <p:nvSpPr>
               <p:cNvPr id="3" name="Content Placeholder 2"/>
@@ -8087,7 +8103,7 @@
             </p:txBody>
           </p:sp>
         </mc:Choice>
-        <mc:Fallback xmlns="">
+        <mc:Fallback>
           <p:sp>
             <p:nvSpPr>
               <p:cNvPr id="3" name="Content Placeholder 2"/>
@@ -8362,7 +8378,11 @@
             </a:r>
             <a:r>
               <a:rPr lang="pt-BR" dirty="0"/>
-              <a:t>do que a </a:t>
+              <a:t>do que </a:t>
+            </a:r>
+            <a:r>
+              <a:rPr lang="pt-BR" dirty="0" smtClean="0"/>
+              <a:t>as </a:t>
             </a:r>
             <a:r>
               <a:rPr lang="pt-BR" dirty="0" smtClean="0"/>
@@ -8421,8 +8441,13 @@
             </a:pPr>
             <a:r>
               <a:rPr lang="pt-BR" dirty="0" smtClean="0"/>
-              <a:t>Identidade ou linear</a:t>
-            </a:r>
+              <a:t>Identidade ou </a:t>
+            </a:r>
+            <a:r>
+              <a:rPr lang="pt-BR" dirty="0" smtClean="0"/>
+              <a:t>linear.</a:t>
+            </a:r>
+            <a:endParaRPr lang="pt-BR" dirty="0" smtClean="0"/>
           </a:p>
           <a:p>
             <a:pPr lvl="1">
@@ -8435,8 +8460,9 @@
             </a:r>
             <a:r>
               <a:rPr lang="pt-BR" dirty="0" smtClean="0"/>
-              <a:t>)</a:t>
-            </a:r>
+              <a:t>).</a:t>
+            </a:r>
+            <a:endParaRPr lang="pt-BR" dirty="0" smtClean="0"/>
           </a:p>
           <a:p>
             <a:pPr lvl="1">
@@ -8452,8 +8478,8 @@
               <a:t>ReLU</a:t>
             </a:r>
             <a:r>
-              <a:rPr lang="en-US" dirty="0"/>
-              <a:t>)</a:t>
+              <a:rPr lang="en-US" dirty="0" smtClean="0"/>
+              <a:t>).</a:t>
             </a:r>
             <a:endParaRPr lang="pt-BR" dirty="0" smtClean="0"/>
           </a:p>
@@ -8464,8 +8490,9 @@
             </a:pPr>
             <a:r>
               <a:rPr lang="pt-BR" dirty="0" smtClean="0"/>
-              <a:t>Gaussiana</a:t>
-            </a:r>
+              <a:t>Gaussiana.</a:t>
+            </a:r>
+            <a:endParaRPr lang="pt-BR" dirty="0" smtClean="0"/>
           </a:p>
           <a:p>
             <a:pPr lvl="1">
@@ -10066,8 +10093,8 @@
           </a:p>
         </p:txBody>
       </p:sp>
-      <mc:AlternateContent xmlns:mc="http://schemas.openxmlformats.org/markup-compatibility/2006">
-        <mc:Choice xmlns:a14="http://schemas.microsoft.com/office/drawing/2010/main" Requires="a14">
+      <mc:AlternateContent xmlns:mc="http://schemas.openxmlformats.org/markup-compatibility/2006" xmlns:a14="http://schemas.microsoft.com/office/drawing/2010/main">
+        <mc:Choice Requires="a14">
           <p:sp>
             <p:nvSpPr>
               <p:cNvPr id="3" name="Content Placeholder 2"/>
@@ -10415,7 +10442,7 @@
             </p:txBody>
           </p:sp>
         </mc:Choice>
-        <mc:Fallback>
+        <mc:Fallback xmlns="">
           <p:sp>
             <p:nvSpPr>
               <p:cNvPr id="3" name="Content Placeholder 2"/>
@@ -10482,8 +10509,8 @@
           </a:prstGeom>
         </p:spPr>
       </p:pic>
-      <mc:AlternateContent xmlns:mc="http://schemas.openxmlformats.org/markup-compatibility/2006">
-        <mc:Choice xmlns:a14="http://schemas.microsoft.com/office/drawing/2010/main" Requires="a14">
+      <mc:AlternateContent xmlns:mc="http://schemas.openxmlformats.org/markup-compatibility/2006" xmlns:a14="http://schemas.microsoft.com/office/drawing/2010/main">
+        <mc:Choice Requires="a14">
           <p:sp>
             <p:nvSpPr>
               <p:cNvPr id="9" name="Rectangle 8"/>
@@ -10505,6 +10532,7 @@
               </a:bodyPr>
               <a:lstStyle/>
               <a:p>
+                <a:pPr/>
                 <a14:m>
                   <m:oMathPara xmlns:m="http://schemas.openxmlformats.org/officeDocument/2006/math">
                     <m:oMathParaPr>
@@ -10573,7 +10601,7 @@
             </p:txBody>
           </p:sp>
         </mc:Choice>
-        <mc:Fallback>
+        <mc:Fallback xmlns="">
           <p:sp>
             <p:nvSpPr>
               <p:cNvPr id="9" name="Rectangle 8"/>
@@ -10641,8 +10669,8 @@
           </a:prstGeom>
         </p:spPr>
       </p:pic>
-      <mc:AlternateContent xmlns:mc="http://schemas.openxmlformats.org/markup-compatibility/2006">
-        <mc:Choice xmlns:a14="http://schemas.microsoft.com/office/drawing/2010/main" Requires="a14">
+      <mc:AlternateContent xmlns:mc="http://schemas.openxmlformats.org/markup-compatibility/2006" xmlns:a14="http://schemas.microsoft.com/office/drawing/2010/main">
+        <mc:Choice Requires="a14">
           <p:sp>
             <p:nvSpPr>
               <p:cNvPr id="12" name="Rectangle 11"/>
@@ -10664,6 +10692,7 @@
               </a:bodyPr>
               <a:lstStyle/>
               <a:p>
+                <a:pPr/>
                 <a14:m>
                   <m:oMathPara xmlns:m="http://schemas.openxmlformats.org/officeDocument/2006/math">
                     <m:oMathParaPr>
@@ -10732,7 +10761,7 @@
             </p:txBody>
           </p:sp>
         </mc:Choice>
-        <mc:Fallback>
+        <mc:Fallback xmlns="">
           <p:sp>
             <p:nvSpPr>
               <p:cNvPr id="12" name="Rectangle 11"/>
@@ -10841,8 +10870,8 @@
           </a:prstGeom>
         </p:spPr>
       </p:pic>
-      <mc:AlternateContent xmlns:mc="http://schemas.openxmlformats.org/markup-compatibility/2006">
-        <mc:Choice xmlns:a14="http://schemas.microsoft.com/office/drawing/2010/main" Requires="a14">
+      <mc:AlternateContent xmlns:mc="http://schemas.openxmlformats.org/markup-compatibility/2006" xmlns:a14="http://schemas.microsoft.com/office/drawing/2010/main">
+        <mc:Choice Requires="a14">
           <p:sp>
             <p:nvSpPr>
               <p:cNvPr id="15" name="Rectangle 14"/>
@@ -10864,6 +10893,7 @@
               </a:bodyPr>
               <a:lstStyle/>
               <a:p>
+                <a:pPr/>
                 <a14:m>
                   <m:oMathPara xmlns:m="http://schemas.openxmlformats.org/officeDocument/2006/math">
                     <m:oMathParaPr>
@@ -10947,7 +10977,7 @@
             </p:txBody>
           </p:sp>
         </mc:Choice>
-        <mc:Fallback>
+        <mc:Fallback xmlns="">
           <p:sp>
             <p:nvSpPr>
               <p:cNvPr id="15" name="Rectangle 14"/>
@@ -11195,7 +11225,7 @@
           <p:cNvPr id="4" name="Título 1">
             <a:extLst>
               <a:ext uri="{FF2B5EF4-FFF2-40B4-BE49-F238E27FC236}">
-                <a16:creationId xmlns:a16="http://schemas.microsoft.com/office/drawing/2014/main" xmlns="" id="{32666AC8-2E17-4DB4-B0F5-60C640CCFD2E}"/>
+                <a16:creationId xmlns="" xmlns:a16="http://schemas.microsoft.com/office/drawing/2014/main" id="{32666AC8-2E17-4DB4-B0F5-60C640CCFD2E}"/>
               </a:ext>
             </a:extLst>
           </p:cNvPr>
@@ -11554,7 +11584,7 @@
           <p:cNvPr id="4" name="Título 1">
             <a:extLst>
               <a:ext uri="{FF2B5EF4-FFF2-40B4-BE49-F238E27FC236}">
-                <a16:creationId xmlns:a16="http://schemas.microsoft.com/office/drawing/2014/main" xmlns="" id="{32666AC8-2E17-4DB4-B0F5-60C640CCFD2E}"/>
+                <a16:creationId xmlns="" xmlns:a16="http://schemas.microsoft.com/office/drawing/2014/main" id="{32666AC8-2E17-4DB4-B0F5-60C640CCFD2E}"/>
               </a:ext>
             </a:extLst>
           </p:cNvPr>
@@ -11700,24 +11730,12 @@
               <a:t>neurônios </a:t>
             </a:r>
             <a:r>
+              <a:rPr lang="pt-BR" dirty="0" smtClean="0"/>
+              <a:t>conectados </a:t>
+            </a:r>
+            <a:r>
               <a:rPr lang="pt-BR" dirty="0"/>
-              <a:t>(que também são chamados de </a:t>
-            </a:r>
-            <a:r>
-              <a:rPr lang="pt-BR" b="1" i="1" dirty="0"/>
-              <a:t>nós</a:t>
-            </a:r>
-            <a:r>
-              <a:rPr lang="pt-BR" dirty="0"/>
-              <a:t> ou </a:t>
-            </a:r>
-            <a:r>
-              <a:rPr lang="pt-BR" b="1" i="1" dirty="0"/>
-              <a:t>unidades</a:t>
-            </a:r>
-            <a:r>
-              <a:rPr lang="pt-BR" dirty="0"/>
-              <a:t>) conectados entre si através de </a:t>
+              <a:t>entre si através de </a:t>
             </a:r>
             <a:r>
               <a:rPr lang="pt-BR" b="1" i="1" dirty="0"/>
@@ -11775,7 +11793,15 @@
             </a:r>
             <a:r>
               <a:rPr lang="pt-BR" dirty="0"/>
-              <a:t> (e.g., classificação apenas de classes linearmente separáveis) podem ser eliminadas adicionando-se camadas intermediárias de </a:t>
+              <a:t> (e.g., classificação apenas de classes linearmente separáveis) podem ser eliminadas adicionando-se camadas </a:t>
+            </a:r>
+            <a:r>
+              <a:rPr lang="pt-BR" dirty="0" smtClean="0"/>
+              <a:t>intermediárias (também chamadas de ocultas ou escondidas) </a:t>
+            </a:r>
+            <a:r>
+              <a:rPr lang="pt-BR" dirty="0"/>
+              <a:t>de </a:t>
             </a:r>
             <a:r>
               <a:rPr lang="pt-BR" b="1" i="1" dirty="0"/>
@@ -11789,7 +11815,11 @@
           <a:p>
             <a:r>
               <a:rPr lang="pt-BR" dirty="0"/>
-              <a:t>A RNA resultante é denominada Perceptron de Múltiplas Camadas (do inglês </a:t>
+              <a:t>A RNA resultante é denominada Perceptron de Múltiplas Camadas </a:t>
+            </a:r>
+            <a:r>
+              <a:rPr lang="pt-BR" dirty="0" smtClean="0"/>
+              <a:t>(em inglês, </a:t>
             </a:r>
             <a:r>
               <a:rPr lang="pt-BR" i="1" dirty="0"/>
@@ -11843,8 +11873,8 @@
         </p:nvSpPr>
         <p:spPr>
           <a:xfrm>
-            <a:off x="8689427" y="5994667"/>
-            <a:ext cx="2680138" cy="646331"/>
+            <a:off x="8663405" y="1559875"/>
+            <a:ext cx="1877369" cy="461665"/>
           </a:xfrm>
           <a:prstGeom prst="rect">
             <a:avLst/>
@@ -11859,18 +11889,72 @@
           <a:p>
             <a:pPr algn="ctr"/>
             <a:r>
-              <a:rPr lang="pt-BR" b="1" dirty="0" smtClean="0">
+              <a:rPr lang="pt-BR" sz="1200" b="1" dirty="0" smtClean="0">
                 <a:solidFill>
                   <a:srgbClr val="FF0000"/>
                 </a:solidFill>
               </a:rPr>
               <a:t>Cada ligação tem um peso (sináptico) associado.</a:t>
             </a:r>
-            <a:endParaRPr lang="pt-BR" b="1" dirty="0">
+            <a:endParaRPr lang="pt-BR" sz="1200" b="1" dirty="0">
               <a:solidFill>
                 <a:srgbClr val="FF0000"/>
               </a:solidFill>
             </a:endParaRPr>
+          </a:p>
+        </p:txBody>
+      </p:sp>
+      <p:sp>
+        <p:nvSpPr>
+          <p:cNvPr id="6" name="Rectangle 5"/>
+          <p:cNvSpPr/>
+          <p:nvPr/>
+        </p:nvSpPr>
+        <p:spPr>
+          <a:xfrm>
+            <a:off x="9008162" y="6056223"/>
+            <a:ext cx="2466083" cy="523220"/>
+          </a:xfrm>
+          <a:prstGeom prst="rect">
+            <a:avLst/>
+          </a:prstGeom>
+        </p:spPr>
+        <p:txBody>
+          <a:bodyPr wrap="square">
+            <a:spAutoFit/>
+          </a:bodyPr>
+          <a:lstStyle/>
+          <a:p>
+            <a:pPr algn="ctr"/>
+            <a:r>
+              <a:rPr lang="pt-BR" sz="1400" b="1" dirty="0" smtClean="0"/>
+              <a:t>OBS.</a:t>
+            </a:r>
+            <a:r>
+              <a:rPr lang="pt-BR" sz="1400" dirty="0" smtClean="0"/>
+              <a:t>: Neurônios também </a:t>
+            </a:r>
+            <a:r>
+              <a:rPr lang="pt-BR" sz="1400" dirty="0"/>
+              <a:t>são chamados de </a:t>
+            </a:r>
+            <a:r>
+              <a:rPr lang="pt-BR" sz="1400" b="1" i="1" dirty="0"/>
+              <a:t>nós</a:t>
+            </a:r>
+            <a:r>
+              <a:rPr lang="pt-BR" sz="1400" dirty="0"/>
+              <a:t> ou </a:t>
+            </a:r>
+            <a:r>
+              <a:rPr lang="pt-BR" sz="1400" b="1" i="1" dirty="0" smtClean="0"/>
+              <a:t>unidades</a:t>
+            </a:r>
+            <a:r>
+              <a:rPr lang="pt-BR" sz="1400" dirty="0" smtClean="0"/>
+              <a:t>.</a:t>
+            </a:r>
+            <a:endParaRPr lang="pt-BR" sz="1400" dirty="0"/>
           </a:p>
         </p:txBody>
       </p:sp>
@@ -11951,7 +12035,7 @@
         <p:spPr>
           <a:xfrm>
             <a:off x="838200" y="1778614"/>
-            <a:ext cx="6665564" cy="5028580"/>
+            <a:ext cx="6387656" cy="5079386"/>
           </a:xfrm>
         </p:spPr>
         <p:txBody>
@@ -11962,13 +12046,44 @@
           <a:p>
             <a:r>
               <a:rPr lang="pt-BR" dirty="0"/>
-              <a:t>Um exemplo de rede MLP, com duas camadas intermediárias (ou escondidas, ocultas), é mostrado na figura ao lado.</a:t>
-            </a:r>
-          </a:p>
-          <a:p>
+              <a:t>Um exemplo de rede </a:t>
+            </a:r>
+            <a:r>
+              <a:rPr lang="pt-BR" dirty="0" smtClean="0"/>
+              <a:t>MLP </a:t>
+            </a:r>
             <a:r>
               <a:rPr lang="pt-BR" dirty="0"/>
-              <a:t>As RNAs são o coração do Deep Learning. Quando uma RNA tem duas ou mais camadas escondidas, ela é chamada de </a:t>
+              <a:t>com duas </a:t>
+            </a:r>
+            <a:r>
+              <a:rPr lang="pt-BR" dirty="0" smtClean="0"/>
+              <a:t>camadas intermediárias </a:t>
+            </a:r>
+            <a:r>
+              <a:rPr lang="pt-BR" dirty="0"/>
+              <a:t>é mostrado na figura ao lado.</a:t>
+            </a:r>
+          </a:p>
+          <a:p>
+            <a:r>
+              <a:rPr lang="pt-BR" dirty="0"/>
+              <a:t>As RNAs são o coração do Deep Learning. </a:t>
+            </a:r>
+            <a:endParaRPr lang="pt-BR" dirty="0" smtClean="0"/>
+          </a:p>
+          <a:p>
+            <a:pPr lvl="1">
+              <a:buFont typeface="Wingdings" panose="05000000000000000000" pitchFamily="2" charset="2"/>
+              <a:buChar char="§"/>
+            </a:pPr>
+            <a:r>
+              <a:rPr lang="pt-BR" dirty="0" smtClean="0"/>
+              <a:t>Quando </a:t>
+            </a:r>
+            <a:r>
+              <a:rPr lang="pt-BR" dirty="0"/>
+              <a:t>uma RNA tem duas ou mais camadas escondidas, ela é chamada de </a:t>
             </a:r>
             <a:r>
               <a:rPr lang="pt-BR" b="1" i="1" dirty="0"/>
@@ -11976,7 +12091,27 @@
             </a:r>
             <a:r>
               <a:rPr lang="pt-BR" dirty="0"/>
-              <a:t> (ou do inglês Deep Neural Network - DNN).</a:t>
+              <a:t> (ou </a:t>
+            </a:r>
+            <a:r>
+              <a:rPr lang="pt-BR" dirty="0" smtClean="0"/>
+              <a:t>em</a:t>
+            </a:r>
+            <a:r>
+              <a:rPr lang="pt-BR" dirty="0" smtClean="0"/>
+              <a:t> </a:t>
+            </a:r>
+            <a:r>
+              <a:rPr lang="pt-BR" dirty="0"/>
+              <a:t>inglês </a:t>
+            </a:r>
+            <a:r>
+              <a:rPr lang="pt-BR" i="1" dirty="0"/>
+              <a:t>Deep Neural Network </a:t>
+            </a:r>
+            <a:r>
+              <a:rPr lang="pt-BR" dirty="0"/>
+              <a:t>- DNN).</a:t>
             </a:r>
           </a:p>
           <a:p>
@@ -11994,13 +12129,12 @@
             </a:r>
             <a:r>
               <a:rPr lang="pt-BR" dirty="0"/>
-              <a:t> não é capaz de realizar essa tarefa).</a:t>
-            </a:r>
-          </a:p>
-          <a:p>
-            <a:endParaRPr lang="pt-BR" dirty="0"/>
-          </a:p>
-          <a:p>
+              <a:t> não é capaz de realizar essa tarefa</a:t>
+            </a:r>
+            <a:r>
+              <a:rPr lang="pt-BR" dirty="0" smtClean="0"/>
+              <a:t>).</a:t>
+            </a:r>
             <a:endParaRPr lang="pt-BR" dirty="0"/>
           </a:p>
         </p:txBody>
@@ -12199,8 +12333,8 @@
         </p:nvSpPr>
         <p:spPr>
           <a:xfrm>
-            <a:off x="838200" y="1825624"/>
-            <a:ext cx="10670628" cy="4858955"/>
+            <a:off x="838199" y="1825624"/>
+            <a:ext cx="11078497" cy="5032376"/>
           </a:xfrm>
         </p:spPr>
         <p:txBody>
@@ -12259,42 +12393,7 @@
               <a:rPr lang="pt-BR" dirty="0"/>
               <a:t>do ponto de vista da tarefa que se deseja realizar. </a:t>
             </a:r>
-          </a:p>
-          <a:p>
-            <a:r>
-              <a:rPr lang="pt-BR" dirty="0"/>
-              <a:t>Por fim, os </a:t>
-            </a:r>
-            <a:r>
-              <a:rPr lang="pt-BR" b="1" i="1" dirty="0"/>
-              <a:t>neurônios</a:t>
-            </a:r>
-            <a:r>
-              <a:rPr lang="pt-BR" dirty="0"/>
-              <a:t> da </a:t>
-            </a:r>
-            <a:r>
-              <a:rPr lang="pt-BR" b="1" i="1" dirty="0"/>
-              <a:t>camada de saída </a:t>
-            </a:r>
-            <a:r>
-              <a:rPr lang="pt-BR" dirty="0"/>
-              <a:t>combinam a informação que lhes é oferecida pela última camada intermediária para formar as saídas.</a:t>
-            </a:r>
-          </a:p>
-          <a:p>
-            <a:r>
-              <a:rPr lang="pt-BR" dirty="0"/>
-              <a:t>Redes MLPs são formadas por múltiplas camadas de </a:t>
-            </a:r>
-            <a:r>
-              <a:rPr lang="pt-BR" b="1" i="1" dirty="0"/>
-              <a:t>Perceptrons</a:t>
-            </a:r>
-            <a:r>
-              <a:rPr lang="pt-BR" dirty="0"/>
-              <a:t>:</a:t>
-            </a:r>
+            <a:endParaRPr lang="pt-BR" dirty="0" smtClean="0"/>
           </a:p>
           <a:p>
             <a:pPr lvl="1">
@@ -12302,8 +12401,63 @@
               <a:buChar char="§"/>
             </a:pPr>
             <a:r>
+              <a:rPr lang="pt-BR" dirty="0" smtClean="0"/>
+              <a:t>Os mapeamentos são não-lineares devido às funções de ativação utilizadas.</a:t>
+            </a:r>
+            <a:endParaRPr lang="pt-BR" dirty="0"/>
+          </a:p>
+          <a:p>
+            <a:r>
               <a:rPr lang="pt-BR" dirty="0"/>
-              <a:t>portanto, tais redes têm por base o </a:t>
+              <a:t>Por fim, os </a:t>
+            </a:r>
+            <a:r>
+              <a:rPr lang="pt-BR" b="1" i="1" dirty="0"/>
+              <a:t>neurônios</a:t>
+            </a:r>
+            <a:r>
+              <a:rPr lang="pt-BR" dirty="0"/>
+              <a:t> da </a:t>
+            </a:r>
+            <a:r>
+              <a:rPr lang="pt-BR" b="1" i="1" dirty="0"/>
+              <a:t>camada de saída </a:t>
+            </a:r>
+            <a:r>
+              <a:rPr lang="pt-BR" dirty="0"/>
+              <a:t>combinam a informação que lhes é oferecida pela última camada intermediária para formar as saídas.</a:t>
+            </a:r>
+          </a:p>
+          <a:p>
+            <a:r>
+              <a:rPr lang="pt-BR" dirty="0"/>
+              <a:t>Redes MLPs são formadas por múltiplas camadas de </a:t>
+            </a:r>
+            <a:r>
+              <a:rPr lang="pt-BR" b="1" i="1" dirty="0"/>
+              <a:t>Perceptrons</a:t>
+            </a:r>
+            <a:r>
+              <a:rPr lang="pt-BR" dirty="0"/>
+              <a:t>:</a:t>
+            </a:r>
+          </a:p>
+          <a:p>
+            <a:pPr lvl="1">
+              <a:buFont typeface="Wingdings" panose="05000000000000000000" pitchFamily="2" charset="2"/>
+              <a:buChar char="§"/>
+            </a:pPr>
+            <a:r>
+              <a:rPr lang="pt-BR" dirty="0"/>
+              <a:t>P</a:t>
+            </a:r>
+            <a:r>
+              <a:rPr lang="pt-BR" dirty="0" smtClean="0"/>
+              <a:t>ortanto</a:t>
+            </a:r>
+            <a:r>
+              <a:rPr lang="pt-BR" dirty="0"/>
+              <a:t>, tais redes têm por base o </a:t>
             </a:r>
             <a:r>
               <a:rPr lang="pt-BR" b="1" i="1" dirty="0"/>
@@ -12383,8 +12537,8 @@
           </a:p>
         </p:txBody>
       </p:sp>
-      <mc:AlternateContent xmlns:mc="http://schemas.openxmlformats.org/markup-compatibility/2006" xmlns:a14="http://schemas.microsoft.com/office/drawing/2010/main">
-        <mc:Choice Requires="a14">
+      <mc:AlternateContent xmlns:mc="http://schemas.openxmlformats.org/markup-compatibility/2006">
+        <mc:Choice xmlns:a14="http://schemas.microsoft.com/office/drawing/2010/main" Requires="a14">
           <p:sp>
             <p:nvSpPr>
               <p:cNvPr id="3" name="Content Placeholder 2"/>
@@ -12505,7 +12659,11 @@
                 </a14:m>
                 <a:r>
                   <a:rPr lang="pt-BR" dirty="0"/>
-                  <a:t>. Cada </a:t>
+                  <a:t>. </a:t>
+                </a:r>
+                <a:r>
+                  <a:rPr lang="pt-BR" dirty="0" smtClean="0"/>
+                  <a:t>Cada </a:t>
                 </a:r>
                 <a:r>
                   <a:rPr lang="pt-BR" b="1" i="1" dirty="0"/>
@@ -12625,7 +12783,11 @@
                 </a14:m>
                 <a:r>
                   <a:rPr lang="pt-BR" dirty="0" smtClean="0"/>
-                  <a:t> sempre </a:t>
+                  <a:t> </a:t>
+                </a:r>
+                <a:r>
+                  <a:rPr lang="pt-BR" dirty="0" smtClean="0"/>
+                  <a:t>sempre </a:t>
                 </a:r>
                 <a:r>
                   <a:rPr lang="pt-BR" dirty="0"/>
@@ -13190,7 +13352,7 @@
             </p:txBody>
           </p:sp>
         </mc:Choice>
-        <mc:Fallback xmlns="">
+        <mc:Fallback>
           <p:sp>
             <p:nvSpPr>
               <p:cNvPr id="3" name="Content Placeholder 2"/>
@@ -13258,8 +13420,8 @@
           </a:prstGeom>
         </p:spPr>
       </p:pic>
-      <mc:AlternateContent xmlns:mc="http://schemas.openxmlformats.org/markup-compatibility/2006" xmlns:a14="http://schemas.microsoft.com/office/drawing/2010/main">
-        <mc:Choice Requires="a14">
+      <mc:AlternateContent xmlns:mc="http://schemas.openxmlformats.org/markup-compatibility/2006">
+        <mc:Choice xmlns:a14="http://schemas.microsoft.com/office/drawing/2010/main" Requires="a14">
           <p:sp>
             <p:nvSpPr>
               <p:cNvPr id="5" name="TextBox 4"/>
@@ -13268,8 +13430,8 @@
             </p:nvSpPr>
             <p:spPr>
               <a:xfrm>
-                <a:off x="8210901" y="4536939"/>
-                <a:ext cx="3860800" cy="1264705"/>
+                <a:off x="8026400" y="4536939"/>
+                <a:ext cx="4086942" cy="1264705"/>
               </a:xfrm>
               <a:prstGeom prst="rect">
                 <a:avLst/>
@@ -13544,7 +13706,7 @@
             </p:txBody>
           </p:sp>
         </mc:Choice>
-        <mc:Fallback xmlns="">
+        <mc:Fallback>
           <p:sp>
             <p:nvSpPr>
               <p:cNvPr id="5" name="TextBox 4"/>
@@ -13555,8 +13717,8 @@
             </p:nvSpPr>
             <p:spPr>
               <a:xfrm>
-                <a:off x="8210901" y="4536939"/>
-                <a:ext cx="3860800" cy="1264705"/>
+                <a:off x="8026400" y="4536939"/>
+                <a:ext cx="4086942" cy="1264705"/>
               </a:xfrm>
               <a:prstGeom prst="rect">
                 <a:avLst/>
@@ -13564,7 +13726,7 @@
               <a:blipFill rotWithShape="0">
                 <a:blip r:embed="rId5"/>
                 <a:stretch>
-                  <a:fillRect l="-1422" t="-33173" b="-6731"/>
+                  <a:fillRect l="-1343" t="-33173" b="-6731"/>
                 </a:stretch>
               </a:blipFill>
             </p:spPr>
@@ -13642,8 +13804,8 @@
           </a:p>
         </p:txBody>
       </p:sp>
-      <mc:AlternateContent xmlns:mc="http://schemas.openxmlformats.org/markup-compatibility/2006" xmlns:a14="http://schemas.microsoft.com/office/drawing/2010/main">
-        <mc:Choice Requires="a14">
+      <mc:AlternateContent xmlns:mc="http://schemas.openxmlformats.org/markup-compatibility/2006">
+        <mc:Choice xmlns:a14="http://schemas.microsoft.com/office/drawing/2010/main" Requires="a14">
           <p:sp>
             <p:nvSpPr>
               <p:cNvPr id="3" name="Content Placeholder 2"/>
@@ -13707,7 +13869,15 @@
                 </a:r>
                 <a:r>
                   <a:rPr lang="pt-BR" dirty="0"/>
-                  <a:t>, a regra era se utilizar </a:t>
+                  <a:t>, a regra </a:t>
+                </a:r>
+                <a:r>
+                  <a:rPr lang="pt-BR" dirty="0" smtClean="0"/>
+                  <a:t>era </a:t>
+                </a:r>
+                <a:r>
+                  <a:rPr lang="pt-BR" dirty="0"/>
+                  <a:t>utilizar </a:t>
                 </a:r>
                 <a:r>
                   <a:rPr lang="pt-BR" dirty="0" smtClean="0"/>
@@ -13727,15 +13897,39 @@
                 </a:r>
                 <a:r>
                   <a:rPr lang="pt-BR" b="1" i="1" dirty="0" smtClean="0"/>
-                  <a:t>tangente hiperbólica </a:t>
+                  <a:t>tangente </a:t>
+                </a:r>
+                <a:r>
+                  <a:rPr lang="pt-BR" b="1" i="1" dirty="0" smtClean="0"/>
+                  <a:t>hiperbólica</a:t>
                 </a:r>
                 <a:r>
                   <a:rPr lang="pt-BR" dirty="0" smtClean="0"/>
-                  <a:t>(versões suavizadas da degrau).</a:t>
+                  <a:t>, que são </a:t>
+                </a:r>
+                <a:r>
+                  <a:rPr lang="pt-BR" dirty="0" smtClean="0"/>
+                  <a:t>versões </a:t>
+                </a:r>
+                <a:r>
+                  <a:rPr lang="pt-BR" dirty="0" smtClean="0"/>
+                  <a:t>suavizadas da </a:t>
+                </a:r>
+                <a:r>
+                  <a:rPr lang="pt-BR" dirty="0" smtClean="0"/>
+                  <a:t>degrau</a:t>
+                </a:r>
+                <a:r>
+                  <a:rPr lang="pt-BR" dirty="0"/>
+                  <a:t>.</a:t>
                 </a:r>
                 <a:endParaRPr lang="pt-BR" dirty="0"/>
               </a:p>
               <a:p>
+                <a:pPr lvl="1">
+                  <a:buFont typeface="Wingdings" panose="05000000000000000000" pitchFamily="2" charset="2"/>
+                  <a:buChar char="§"/>
+                </a:pPr>
                 <a:r>
                   <a:rPr lang="pt-BR" dirty="0"/>
                   <a:t>Essas funções possuem derivada definida e diferente de 0 em todos os pontos.</a:t>
@@ -14270,7 +14464,15 @@
                 </a:r>
                 <a:r>
                   <a:rPr lang="pt-BR" dirty="0" smtClean="0"/>
-                  <a:t>é importante durante o processo </a:t>
+                  <a:t>será</a:t>
+                </a:r>
+                <a:r>
+                  <a:rPr lang="pt-BR" dirty="0" smtClean="0"/>
+                  <a:t> </a:t>
+                </a:r>
+                <a:r>
+                  <a:rPr lang="pt-BR" dirty="0" smtClean="0"/>
+                  <a:t>importante durante o processo </a:t>
                 </a:r>
                 <a:r>
                   <a:rPr lang="pt-BR" dirty="0"/>
@@ -14280,7 +14482,7 @@
             </p:txBody>
           </p:sp>
         </mc:Choice>
-        <mc:Fallback xmlns="">
+        <mc:Fallback>
           <p:sp>
             <p:nvSpPr>
               <p:cNvPr id="3" name="Content Placeholder 2"/>
@@ -14299,7 +14501,7 @@
               <a:blipFill rotWithShape="0">
                 <a:blip r:embed="rId3"/>
                 <a:stretch>
-                  <a:fillRect l="-995" t="-2358" b="-825"/>
+                  <a:fillRect l="-995" t="-2358" r="-276"/>
                 </a:stretch>
               </a:blipFill>
             </p:spPr>
@@ -14377,49 +14579,116 @@
           </a:p>
         </p:txBody>
       </p:sp>
-      <p:sp>
-        <p:nvSpPr>
-          <p:cNvPr id="3" name="Content Placeholder 2"/>
-          <p:cNvSpPr>
-            <a:spLocks noGrp="1"/>
-          </p:cNvSpPr>
-          <p:nvPr>
-            <p:ph idx="1"/>
-          </p:nvPr>
-        </p:nvSpPr>
-        <p:spPr/>
-        <p:txBody>
-          <a:bodyPr/>
-          <a:lstStyle/>
-          <a:p>
-            <a:r>
-              <a:rPr lang="pt-BR" dirty="0"/>
-              <a:t>A </a:t>
-            </a:r>
-            <a:r>
-              <a:rPr lang="pt-BR" b="1" i="1" dirty="0"/>
-              <a:t>função logística</a:t>
-            </a:r>
-            <a:r>
-              <a:rPr lang="pt-BR" dirty="0"/>
-              <a:t> e sua derivada para alguns valores do </a:t>
-            </a:r>
-            <a:r>
-              <a:rPr lang="pt-BR" b="1" i="1" dirty="0"/>
-              <a:t>fator de suavização </a:t>
-            </a:r>
-            <a:r>
-              <a:rPr lang="pt-BR" dirty="0"/>
-              <a:t>são mostradas nas figuras ao </a:t>
-            </a:r>
-            <a:r>
-              <a:rPr lang="pt-BR" dirty="0" smtClean="0"/>
-              <a:t>lado.</a:t>
-            </a:r>
-            <a:endParaRPr lang="pt-BR" dirty="0"/>
-          </a:p>
-        </p:txBody>
-      </p:sp>
+      <mc:AlternateContent xmlns:mc="http://schemas.openxmlformats.org/markup-compatibility/2006">
+        <mc:Choice xmlns:a14="http://schemas.microsoft.com/office/drawing/2010/main" Requires="a14">
+          <p:sp>
+            <p:nvSpPr>
+              <p:cNvPr id="3" name="Content Placeholder 2"/>
+              <p:cNvSpPr>
+                <a:spLocks noGrp="1"/>
+              </p:cNvSpPr>
+              <p:nvPr>
+                <p:ph idx="1"/>
+              </p:nvPr>
+            </p:nvSpPr>
+            <p:spPr/>
+            <p:txBody>
+              <a:bodyPr/>
+              <a:lstStyle/>
+              <a:p>
+                <a:r>
+                  <a:rPr lang="pt-BR" dirty="0" smtClean="0"/>
+                  <a:t>A </a:t>
+                </a:r>
+                <a:r>
+                  <a:rPr lang="pt-BR" b="1" i="1" dirty="0"/>
+                  <a:t>função logística</a:t>
+                </a:r>
+                <a:r>
+                  <a:rPr lang="pt-BR" dirty="0"/>
+                  <a:t> e sua derivada para alguns valores do </a:t>
+                </a:r>
+                <a:r>
+                  <a:rPr lang="pt-BR" b="1" i="1" dirty="0"/>
+                  <a:t>fator de suavização </a:t>
+                </a:r>
+                <a:r>
+                  <a:rPr lang="pt-BR" dirty="0"/>
+                  <a:t>são mostradas nas figuras ao </a:t>
+                </a:r>
+                <a:r>
+                  <a:rPr lang="pt-BR" dirty="0" smtClean="0"/>
+                  <a:t>lado</a:t>
+                </a:r>
+                <a:r>
+                  <a:rPr lang="pt-BR" dirty="0" smtClean="0"/>
+                  <a:t>.</a:t>
+                </a:r>
+              </a:p>
+              <a:p>
+                <a:pPr lvl="1">
+                  <a:buFont typeface="Wingdings" panose="05000000000000000000" pitchFamily="2" charset="2"/>
+                  <a:buChar char="§"/>
+                </a:pPr>
+                <a:r>
+                  <a:rPr lang="pt-BR" dirty="0" smtClean="0"/>
+                  <a:t>Normalmente, se utiliza </a:t>
+                </a:r>
+                <a14:m>
+                  <m:oMath xmlns:m="http://schemas.openxmlformats.org/officeDocument/2006/math">
+                    <m:r>
+                      <a:rPr lang="pt-BR" i="1">
+                        <a:latin typeface="Cambria Math" panose="02040503050406030204" pitchFamily="18" charset="0"/>
+                      </a:rPr>
+                      <m:t>𝑝</m:t>
+                    </m:r>
+                    <m:r>
+                      <a:rPr lang="pt-BR" b="0" i="1" smtClean="0">
+                        <a:latin typeface="Cambria Math" panose="02040503050406030204" pitchFamily="18" charset="0"/>
+                      </a:rPr>
+                      <m:t>=1.</m:t>
+                    </m:r>
+                  </m:oMath>
+                </a14:m>
+                <a:endParaRPr lang="pt-BR" dirty="0"/>
+              </a:p>
+            </p:txBody>
+          </p:sp>
+        </mc:Choice>
+        <mc:Fallback>
+          <p:sp>
+            <p:nvSpPr>
+              <p:cNvPr id="3" name="Content Placeholder 2"/>
+              <p:cNvSpPr>
+                <a:spLocks noGrp="1" noRot="1" noChangeAspect="1" noMove="1" noResize="1" noEditPoints="1" noAdjustHandles="1" noChangeArrowheads="1" noChangeShapeType="1" noTextEdit="1"/>
+              </p:cNvSpPr>
+              <p:nvPr>
+                <p:ph idx="1"/>
+              </p:nvPr>
+            </p:nvSpPr>
+            <p:spPr>
+              <a:blipFill rotWithShape="0">
+                <a:blip r:embed="rId2"/>
+                <a:stretch>
+                  <a:fillRect l="-1043" t="-2241"/>
+                </a:stretch>
+              </a:blipFill>
+            </p:spPr>
+            <p:txBody>
+              <a:bodyPr/>
+              <a:lstStyle/>
+              <a:p>
+                <a:r>
+                  <a:rPr lang="pt-BR">
+                    <a:noFill/>
+                  </a:rPr>
+                  <a:t> </a:t>
+                </a:r>
+              </a:p>
+            </p:txBody>
+          </p:sp>
+        </mc:Fallback>
+      </mc:AlternateContent>
       <p:sp>
         <p:nvSpPr>
           <p:cNvPr id="7" name="Rectangle 6"/>
@@ -14428,7 +14697,7 @@
         </p:nvSpPr>
         <p:spPr>
           <a:xfrm>
-            <a:off x="2203450" y="6127671"/>
+            <a:off x="2203450" y="6435391"/>
             <a:ext cx="3619500" cy="369332"/>
           </a:xfrm>
           <a:prstGeom prst="rect">
@@ -14444,8 +14713,13 @@
             <a:pPr algn="ctr"/>
             <a:r>
               <a:rPr lang="pt-BR" dirty="0"/>
-              <a:t>Função Logística.</a:t>
-            </a:r>
+              <a:t>Função </a:t>
+            </a:r>
+            <a:r>
+              <a:rPr lang="pt-BR" dirty="0" smtClean="0"/>
+              <a:t>Logística</a:t>
+            </a:r>
+            <a:endParaRPr lang="pt-BR" dirty="0"/>
           </a:p>
         </p:txBody>
       </p:sp>
@@ -14457,7 +14731,7 @@
         </p:nvSpPr>
         <p:spPr>
           <a:xfrm>
-            <a:off x="6413500" y="6098540"/>
+            <a:off x="6413500" y="6406260"/>
             <a:ext cx="3594100" cy="369332"/>
           </a:xfrm>
           <a:prstGeom prst="rect">
@@ -14473,13 +14747,18 @@
             <a:pPr algn="ctr"/>
             <a:r>
               <a:rPr lang="pt-BR" dirty="0"/>
-              <a:t>Derivada da Função Logística.</a:t>
-            </a:r>
+              <a:t>Derivada da Função </a:t>
+            </a:r>
+            <a:r>
+              <a:rPr lang="pt-BR" dirty="0" smtClean="0"/>
+              <a:t>Logística</a:t>
+            </a:r>
+            <a:endParaRPr lang="pt-BR" dirty="0"/>
           </a:p>
         </p:txBody>
       </p:sp>
-      <mc:AlternateContent xmlns:mc="http://schemas.openxmlformats.org/markup-compatibility/2006" xmlns:a14="http://schemas.microsoft.com/office/drawing/2010/main">
-        <mc:Choice Requires="a14">
+      <mc:AlternateContent xmlns:mc="http://schemas.openxmlformats.org/markup-compatibility/2006">
+        <mc:Choice xmlns:a14="http://schemas.microsoft.com/office/drawing/2010/main" Requires="a14">
           <p:sp>
             <p:nvSpPr>
               <p:cNvPr id="6" name="TextBox 5"/>
@@ -14488,8 +14767,8 @@
             </p:nvSpPr>
             <p:spPr>
               <a:xfrm>
-                <a:off x="164976" y="3572177"/>
-                <a:ext cx="2032969" cy="1200329"/>
+                <a:off x="164976" y="3879897"/>
+                <a:ext cx="2032969" cy="830997"/>
               </a:xfrm>
               <a:prstGeom prst="rect">
                 <a:avLst/>
@@ -14504,17 +14783,17 @@
               <a:p>
                 <a:pPr algn="ctr"/>
                 <a:r>
-                  <a:rPr lang="pt-BR" b="1" dirty="0" smtClean="0"/>
+                  <a:rPr lang="pt-BR" sz="1600" b="1" dirty="0" smtClean="0"/>
                   <a:t>OBS</a:t>
                 </a:r>
                 <a:r>
-                  <a:rPr lang="pt-BR" dirty="0" smtClean="0"/>
+                  <a:rPr lang="pt-BR" sz="1600" dirty="0" smtClean="0"/>
                   <a:t>.: Quanto maior </a:t>
                 </a:r>
                 <a14:m>
                   <m:oMath xmlns:m="http://schemas.openxmlformats.org/officeDocument/2006/math">
                     <m:r>
-                      <a:rPr lang="pt-BR" i="1">
+                      <a:rPr lang="pt-BR" sz="1600" i="1">
                         <a:latin typeface="Cambria Math" panose="02040503050406030204" pitchFamily="18" charset="0"/>
                       </a:rPr>
                       <m:t>𝑝</m:t>
@@ -14522,15 +14801,15 @@
                   </m:oMath>
                 </a14:m>
                 <a:r>
-                  <a:rPr lang="pt-BR" dirty="0" smtClean="0"/>
+                  <a:rPr lang="pt-BR" sz="1600" dirty="0" smtClean="0"/>
                   <a:t>, mais próxima ela fica da função degrau.</a:t>
                 </a:r>
-                <a:endParaRPr lang="pt-BR" dirty="0"/>
+                <a:endParaRPr lang="pt-BR" sz="1600" dirty="0"/>
               </a:p>
             </p:txBody>
           </p:sp>
         </mc:Choice>
-        <mc:Fallback xmlns="">
+        <mc:Fallback>
           <p:sp>
             <p:nvSpPr>
               <p:cNvPr id="6" name="TextBox 5"/>
@@ -14541,16 +14820,16 @@
             </p:nvSpPr>
             <p:spPr>
               <a:xfrm>
-                <a:off x="164976" y="3572177"/>
-                <a:ext cx="2032969" cy="1200329"/>
+                <a:off x="164976" y="3879897"/>
+                <a:ext cx="2032969" cy="830997"/>
               </a:xfrm>
               <a:prstGeom prst="rect">
                 <a:avLst/>
               </a:prstGeom>
               <a:blipFill rotWithShape="0">
-                <a:blip r:embed="rId4"/>
+                <a:blip r:embed="rId3"/>
                 <a:stretch>
-                  <a:fillRect t="-3046" r="-2395" b="-7107"/>
+                  <a:fillRect l="-599" t="-2190" r="-599" b="-8029"/>
                 </a:stretch>
               </a:blipFill>
             </p:spPr>
@@ -14569,8 +14848,8 @@
           </p:sp>
         </mc:Fallback>
       </mc:AlternateContent>
-      <mc:AlternateContent xmlns:mc="http://schemas.openxmlformats.org/markup-compatibility/2006" xmlns:a14="http://schemas.microsoft.com/office/drawing/2010/main">
-        <mc:Choice Requires="a14">
+      <mc:AlternateContent xmlns:mc="http://schemas.openxmlformats.org/markup-compatibility/2006">
+        <mc:Choice xmlns:a14="http://schemas.microsoft.com/office/drawing/2010/main" Requires="a14">
           <p:sp>
             <p:nvSpPr>
               <p:cNvPr id="12" name="TextBox 11"/>
@@ -14579,7 +14858,7 @@
             </p:nvSpPr>
             <p:spPr>
               <a:xfrm>
-                <a:off x="10002837" y="3961305"/>
+                <a:off x="10002837" y="4269025"/>
                 <a:ext cx="2013918" cy="923330"/>
               </a:xfrm>
               <a:prstGeom prst="rect">
@@ -14621,7 +14900,7 @@
             </p:txBody>
           </p:sp>
         </mc:Choice>
-        <mc:Fallback xmlns="">
+        <mc:Fallback>
           <p:sp>
             <p:nvSpPr>
               <p:cNvPr id="12" name="TextBox 11"/>
@@ -14632,16 +14911,16 @@
             </p:nvSpPr>
             <p:spPr>
               <a:xfrm>
-                <a:off x="10002837" y="3961305"/>
+                <a:off x="10002837" y="4269025"/>
                 <a:ext cx="2013918" cy="923330"/>
               </a:xfrm>
               <a:prstGeom prst="rect">
                 <a:avLst/>
               </a:prstGeom>
               <a:blipFill rotWithShape="0">
-                <a:blip r:embed="rId5"/>
+                <a:blip r:embed="rId4"/>
                 <a:stretch>
-                  <a:fillRect t="-3974" r="-909" b="-9934"/>
+                  <a:fillRect t="-3289" r="-909" b="-9211"/>
                 </a:stretch>
               </a:blipFill>
             </p:spPr>
@@ -14669,13 +14948,13 @@
           <p:nvPr/>
         </p:nvPicPr>
         <p:blipFill rotWithShape="1">
-          <a:blip r:embed="rId6"/>
+          <a:blip r:embed="rId5"/>
           <a:srcRect l="5507" t="6094" r="8403" b="2572"/>
           <a:stretch/>
         </p:blipFill>
         <p:spPr>
           <a:xfrm>
-            <a:off x="6368268" y="2776532"/>
+            <a:off x="6368268" y="3084252"/>
             <a:ext cx="3634569" cy="3351140"/>
           </a:xfrm>
           <a:prstGeom prst="rect">
@@ -14692,13 +14971,13 @@
           <p:nvPr/>
         </p:nvPicPr>
         <p:blipFill rotWithShape="1">
-          <a:blip r:embed="rId7"/>
+          <a:blip r:embed="rId6"/>
           <a:srcRect l="6493" t="5542" r="8751" b="3126"/>
           <a:stretch/>
         </p:blipFill>
         <p:spPr>
           <a:xfrm>
-            <a:off x="2186514" y="2776532"/>
+            <a:off x="2186514" y="3084252"/>
             <a:ext cx="3630868" cy="3400431"/>
           </a:xfrm>
           <a:prstGeom prst="rect">
@@ -14714,7 +14993,7 @@
         </p:nvCxnSpPr>
         <p:spPr>
           <a:xfrm flipV="1">
-            <a:off x="2043338" y="3401130"/>
+            <a:off x="2043338" y="3708850"/>
             <a:ext cx="2187699" cy="600163"/>
           </a:xfrm>
           <a:prstGeom prst="straightConnector1">
@@ -15514,64 +15793,6 @@
           </p:sp>
         </mc:Fallback>
       </mc:AlternateContent>
-      <p:sp>
-        <p:nvSpPr>
-          <p:cNvPr id="6" name="Rectangle 5"/>
-          <p:cNvSpPr/>
-          <p:nvPr/>
-        </p:nvSpPr>
-        <p:spPr>
-          <a:xfrm>
-            <a:off x="838200" y="4905847"/>
-            <a:ext cx="1718234" cy="923330"/>
-          </a:xfrm>
-          <a:prstGeom prst="rect">
-            <a:avLst/>
-          </a:prstGeom>
-        </p:spPr>
-        <p:txBody>
-          <a:bodyPr wrap="square">
-            <a:spAutoFit/>
-          </a:bodyPr>
-          <a:lstStyle/>
-          <a:p>
-            <a:pPr algn="ctr"/>
-            <a:r>
-              <a:rPr lang="pt-BR" dirty="0"/>
-              <a:t>Função Tangente Hiperbólica.</a:t>
-            </a:r>
-          </a:p>
-        </p:txBody>
-      </p:sp>
-      <p:sp>
-        <p:nvSpPr>
-          <p:cNvPr id="7" name="Rectangle 6"/>
-          <p:cNvSpPr/>
-          <p:nvPr/>
-        </p:nvSpPr>
-        <p:spPr>
-          <a:xfrm>
-            <a:off x="9736426" y="4767347"/>
-            <a:ext cx="1313824" cy="923330"/>
-          </a:xfrm>
-          <a:prstGeom prst="rect">
-            <a:avLst/>
-          </a:prstGeom>
-        </p:spPr>
-        <p:txBody>
-          <a:bodyPr wrap="square">
-            <a:spAutoFit/>
-          </a:bodyPr>
-          <a:lstStyle/>
-          <a:p>
-            <a:pPr algn="ctr"/>
-            <a:r>
-              <a:rPr lang="pt-BR" dirty="0"/>
-              <a:t>Derivada da Tangente Hiperbólica.</a:t>
-            </a:r>
-          </a:p>
-        </p:txBody>
-      </p:sp>
       <p:pic>
         <p:nvPicPr>
           <p:cNvPr id="5" name="Picture 4"/>
@@ -15618,6 +15839,312 @@
           </a:prstGeom>
         </p:spPr>
       </p:pic>
+      <mc:AlternateContent xmlns:mc="http://schemas.openxmlformats.org/markup-compatibility/2006">
+        <mc:Choice xmlns:a14="http://schemas.microsoft.com/office/drawing/2010/main" Requires="a14">
+          <p:sp>
+            <p:nvSpPr>
+              <p:cNvPr id="8" name="TextBox 7"/>
+              <p:cNvSpPr txBox="1"/>
+              <p:nvPr/>
+            </p:nvSpPr>
+            <p:spPr>
+              <a:xfrm>
+                <a:off x="132291" y="5353049"/>
+                <a:ext cx="2032969" cy="1323439"/>
+              </a:xfrm>
+              <a:prstGeom prst="rect">
+                <a:avLst/>
+              </a:prstGeom>
+              <a:noFill/>
+            </p:spPr>
+            <p:txBody>
+              <a:bodyPr wrap="square" rtlCol="0">
+                <a:spAutoFit/>
+              </a:bodyPr>
+              <a:lstStyle/>
+              <a:p>
+                <a:pPr algn="ctr"/>
+                <a:r>
+                  <a:rPr lang="pt-BR" sz="1600" b="1" dirty="0" smtClean="0"/>
+                  <a:t>OBS</a:t>
+                </a:r>
+                <a:r>
+                  <a:rPr lang="pt-BR" sz="1600" dirty="0" smtClean="0"/>
+                  <a:t>.: Quanto maior </a:t>
+                </a:r>
+                <a14:m>
+                  <m:oMath xmlns:m="http://schemas.openxmlformats.org/officeDocument/2006/math">
+                    <m:r>
+                      <a:rPr lang="pt-BR" sz="1600" i="1">
+                        <a:latin typeface="Cambria Math" panose="02040503050406030204" pitchFamily="18" charset="0"/>
+                      </a:rPr>
+                      <m:t>𝑝</m:t>
+                    </m:r>
+                  </m:oMath>
+                </a14:m>
+                <a:r>
+                  <a:rPr lang="pt-BR" sz="1600" dirty="0" smtClean="0"/>
+                  <a:t>, mais próxima ela fica da função degrau</a:t>
+                </a:r>
+                <a:r>
+                  <a:rPr lang="pt-BR" sz="1600" dirty="0" smtClean="0"/>
+                  <a:t>. Porém, normalmente, se usa </a:t>
+                </a:r>
+                <a14:m>
+                  <m:oMath xmlns:m="http://schemas.openxmlformats.org/officeDocument/2006/math">
+                    <m:r>
+                      <a:rPr lang="pt-BR" sz="1600" i="1">
+                        <a:latin typeface="Cambria Math" panose="02040503050406030204" pitchFamily="18" charset="0"/>
+                      </a:rPr>
+                      <m:t>𝑝</m:t>
+                    </m:r>
+                    <m:r>
+                      <a:rPr lang="pt-BR" sz="1600" b="0" i="1" smtClean="0">
+                        <a:latin typeface="Cambria Math" panose="02040503050406030204" pitchFamily="18" charset="0"/>
+                      </a:rPr>
+                      <m:t>=1.</m:t>
+                    </m:r>
+                  </m:oMath>
+                </a14:m>
+                <a:endParaRPr lang="pt-BR" sz="1600" dirty="0"/>
+              </a:p>
+            </p:txBody>
+          </p:sp>
+        </mc:Choice>
+        <mc:Fallback>
+          <p:sp>
+            <p:nvSpPr>
+              <p:cNvPr id="8" name="TextBox 7"/>
+              <p:cNvSpPr txBox="1">
+                <a:spLocks noRot="1" noChangeAspect="1" noMove="1" noResize="1" noEditPoints="1" noAdjustHandles="1" noChangeArrowheads="1" noChangeShapeType="1" noTextEdit="1"/>
+              </p:cNvSpPr>
+              <p:nvPr/>
+            </p:nvSpPr>
+            <p:spPr>
+              <a:xfrm>
+                <a:off x="132291" y="5353049"/>
+                <a:ext cx="2032969" cy="1323439"/>
+              </a:xfrm>
+              <a:prstGeom prst="rect">
+                <a:avLst/>
+              </a:prstGeom>
+              <a:blipFill rotWithShape="0">
+                <a:blip r:embed="rId6"/>
+                <a:stretch>
+                  <a:fillRect l="-901" t="-1382" r="-3303" b="-5069"/>
+                </a:stretch>
+              </a:blipFill>
+            </p:spPr>
+            <p:txBody>
+              <a:bodyPr/>
+              <a:lstStyle/>
+              <a:p>
+                <a:r>
+                  <a:rPr lang="pt-BR">
+                    <a:noFill/>
+                  </a:rPr>
+                  <a:t> </a:t>
+                </a:r>
+              </a:p>
+            </p:txBody>
+          </p:sp>
+        </mc:Fallback>
+      </mc:AlternateContent>
+      <p:cxnSp>
+        <p:nvCxnSpPr>
+          <p:cNvPr id="11" name="Straight Arrow Connector 10"/>
+          <p:cNvCxnSpPr/>
+          <p:nvPr/>
+        </p:nvCxnSpPr>
+        <p:spPr>
+          <a:xfrm flipV="1">
+            <a:off x="2077753" y="4704572"/>
+            <a:ext cx="2001878" cy="1272535"/>
+          </a:xfrm>
+          <a:prstGeom prst="straightConnector1">
+            <a:avLst/>
+          </a:prstGeom>
+          <a:ln>
+            <a:solidFill>
+              <a:srgbClr val="FF0000"/>
+            </a:solidFill>
+            <a:tailEnd type="triangle"/>
+          </a:ln>
+        </p:spPr>
+        <p:style>
+          <a:lnRef idx="1">
+            <a:schemeClr val="accent1"/>
+          </a:lnRef>
+          <a:fillRef idx="0">
+            <a:schemeClr val="accent1"/>
+          </a:fillRef>
+          <a:effectRef idx="0">
+            <a:schemeClr val="accent1"/>
+          </a:effectRef>
+          <a:fontRef idx="minor">
+            <a:schemeClr val="tx1"/>
+          </a:fontRef>
+        </p:style>
+      </p:cxnSp>
+      <mc:AlternateContent xmlns:mc="http://schemas.openxmlformats.org/markup-compatibility/2006">
+        <mc:Choice xmlns:a14="http://schemas.microsoft.com/office/drawing/2010/main" Requires="a14">
+          <p:sp>
+            <p:nvSpPr>
+              <p:cNvPr id="12" name="TextBox 11"/>
+              <p:cNvSpPr txBox="1"/>
+              <p:nvPr/>
+            </p:nvSpPr>
+            <p:spPr>
+              <a:xfrm>
+                <a:off x="9825973" y="5226196"/>
+                <a:ext cx="2013918" cy="830997"/>
+              </a:xfrm>
+              <a:prstGeom prst="rect">
+                <a:avLst/>
+              </a:prstGeom>
+              <a:noFill/>
+            </p:spPr>
+            <p:txBody>
+              <a:bodyPr wrap="square" rtlCol="0">
+                <a:spAutoFit/>
+              </a:bodyPr>
+              <a:lstStyle/>
+              <a:p>
+                <a:pPr algn="ctr"/>
+                <a:r>
+                  <a:rPr lang="pt-BR" sz="1600" b="1" dirty="0" smtClean="0"/>
+                  <a:t>OBS</a:t>
+                </a:r>
+                <a:r>
+                  <a:rPr lang="pt-BR" sz="1600" dirty="0" smtClean="0"/>
+                  <a:t>.: tende ao impulso conforme </a:t>
+                </a:r>
+                <a14:m>
+                  <m:oMath xmlns:m="http://schemas.openxmlformats.org/officeDocument/2006/math">
+                    <m:r>
+                      <a:rPr lang="pt-BR" sz="1600" i="1">
+                        <a:latin typeface="Cambria Math" panose="02040503050406030204" pitchFamily="18" charset="0"/>
+                      </a:rPr>
+                      <m:t>𝑝</m:t>
+                    </m:r>
+                  </m:oMath>
+                </a14:m>
+                <a:r>
+                  <a:rPr lang="pt-BR" sz="1600" dirty="0" smtClean="0"/>
+                  <a:t> aumenta.</a:t>
+                </a:r>
+                <a:endParaRPr lang="pt-BR" sz="1600" dirty="0"/>
+              </a:p>
+            </p:txBody>
+          </p:sp>
+        </mc:Choice>
+        <mc:Fallback>
+          <p:sp>
+            <p:nvSpPr>
+              <p:cNvPr id="12" name="TextBox 11"/>
+              <p:cNvSpPr txBox="1">
+                <a:spLocks noRot="1" noChangeAspect="1" noMove="1" noResize="1" noEditPoints="1" noAdjustHandles="1" noChangeArrowheads="1" noChangeShapeType="1" noTextEdit="1"/>
+              </p:cNvSpPr>
+              <p:nvPr/>
+            </p:nvSpPr>
+            <p:spPr>
+              <a:xfrm>
+                <a:off x="9825973" y="5226196"/>
+                <a:ext cx="2013918" cy="830997"/>
+              </a:xfrm>
+              <a:prstGeom prst="rect">
+                <a:avLst/>
+              </a:prstGeom>
+              <a:blipFill rotWithShape="0">
+                <a:blip r:embed="rId7"/>
+                <a:stretch>
+                  <a:fillRect t="-2190" b="-8029"/>
+                </a:stretch>
+              </a:blipFill>
+            </p:spPr>
+            <p:txBody>
+              <a:bodyPr/>
+              <a:lstStyle/>
+              <a:p>
+                <a:r>
+                  <a:rPr lang="pt-BR">
+                    <a:noFill/>
+                  </a:rPr>
+                  <a:t> </a:t>
+                </a:r>
+              </a:p>
+            </p:txBody>
+          </p:sp>
+        </mc:Fallback>
+      </mc:AlternateContent>
+      <p:sp>
+        <p:nvSpPr>
+          <p:cNvPr id="6" name="Rectangle 5"/>
+          <p:cNvSpPr/>
+          <p:nvPr/>
+        </p:nvSpPr>
+        <p:spPr>
+          <a:xfrm>
+            <a:off x="2436963" y="3909399"/>
+            <a:ext cx="1718234" cy="923330"/>
+          </a:xfrm>
+          <a:prstGeom prst="rect">
+            <a:avLst/>
+          </a:prstGeom>
+        </p:spPr>
+        <p:txBody>
+          <a:bodyPr wrap="square">
+            <a:spAutoFit/>
+          </a:bodyPr>
+          <a:lstStyle/>
+          <a:p>
+            <a:pPr algn="ctr"/>
+            <a:r>
+              <a:rPr lang="pt-BR" dirty="0"/>
+              <a:t>Função Tangente </a:t>
+            </a:r>
+            <a:r>
+              <a:rPr lang="pt-BR" dirty="0" smtClean="0"/>
+              <a:t>Hiperbólica</a:t>
+            </a:r>
+            <a:endParaRPr lang="pt-BR" dirty="0"/>
+          </a:p>
+        </p:txBody>
+      </p:sp>
+      <p:sp>
+        <p:nvSpPr>
+          <p:cNvPr id="7" name="Rectangle 6"/>
+          <p:cNvSpPr/>
+          <p:nvPr/>
+        </p:nvSpPr>
+        <p:spPr>
+          <a:xfrm>
+            <a:off x="6786926" y="3908116"/>
+            <a:ext cx="1313824" cy="923330"/>
+          </a:xfrm>
+          <a:prstGeom prst="rect">
+            <a:avLst/>
+          </a:prstGeom>
+        </p:spPr>
+        <p:txBody>
+          <a:bodyPr wrap="square">
+            <a:spAutoFit/>
+          </a:bodyPr>
+          <a:lstStyle/>
+          <a:p>
+            <a:pPr algn="ctr"/>
+            <a:r>
+              <a:rPr lang="pt-BR" dirty="0"/>
+              <a:t>Derivada da Tangente </a:t>
+            </a:r>
+            <a:r>
+              <a:rPr lang="pt-BR" dirty="0" smtClean="0"/>
+              <a:t>Hiperbólica</a:t>
+            </a:r>
+            <a:endParaRPr lang="pt-BR" dirty="0"/>
+          </a:p>
+        </p:txBody>
+      </p:sp>
     </p:spTree>
     <p:extLst>
       <p:ext uri="{BB962C8B-B14F-4D97-AF65-F5344CB8AC3E}">

--- a/slides/T320_Redes_Neurais_Artificiais (Parte II).pptx
+++ b/slides/T320_Redes_Neurais_Artificiais (Parte II).pptx
@@ -257,7 +257,7 @@
           <a:p>
             <a:fld id="{C3C82C08-3EFC-4473-8294-F0E229C19EFF}" type="datetimeFigureOut">
               <a:rPr lang="pt-BR" smtClean="0"/>
-              <a:t>29/10/2021</a:t>
+              <a:t>05/11/2021</a:t>
             </a:fld>
             <a:endParaRPr lang="pt-BR"/>
           </a:p>
@@ -3059,6 +3059,12 @@
               <a:rPr lang="pt-BR" dirty="0" smtClean="0"/>
               <a:t>[1] https://www.kaggle.com/getting-started/118228</a:t>
             </a:r>
+          </a:p>
+          <a:p>
+            <a:r>
+              <a:rPr lang="pt-BR" dirty="0" smtClean="0"/>
+              <a:t>[2] https://medium.com/analytics-vidhya/how-batch-normalization-and-relu-solve-vanishing-gradients-3f1a8ace1c88</a:t>
+            </a:r>
             <a:endParaRPr lang="pt-BR" dirty="0"/>
           </a:p>
         </p:txBody>
@@ -3520,7 +3526,7 @@
           <a:p>
             <a:fld id="{221D0464-8C8A-49C0-859F-777E51766A35}" type="datetimeFigureOut">
               <a:rPr lang="pt-BR" smtClean="0"/>
-              <a:t>29/10/2021</a:t>
+              <a:t>05/11/2021</a:t>
             </a:fld>
             <a:endParaRPr lang="pt-BR"/>
           </a:p>
@@ -3690,7 +3696,7 @@
           <a:p>
             <a:fld id="{221D0464-8C8A-49C0-859F-777E51766A35}" type="datetimeFigureOut">
               <a:rPr lang="pt-BR" smtClean="0"/>
-              <a:t>29/10/2021</a:t>
+              <a:t>05/11/2021</a:t>
             </a:fld>
             <a:endParaRPr lang="pt-BR"/>
           </a:p>
@@ -3870,7 +3876,7 @@
           <a:p>
             <a:fld id="{221D0464-8C8A-49C0-859F-777E51766A35}" type="datetimeFigureOut">
               <a:rPr lang="pt-BR" smtClean="0"/>
-              <a:t>29/10/2021</a:t>
+              <a:t>05/11/2021</a:t>
             </a:fld>
             <a:endParaRPr lang="pt-BR"/>
           </a:p>
@@ -4040,7 +4046,7 @@
           <a:p>
             <a:fld id="{221D0464-8C8A-49C0-859F-777E51766A35}" type="datetimeFigureOut">
               <a:rPr lang="pt-BR" smtClean="0"/>
-              <a:t>29/10/2021</a:t>
+              <a:t>05/11/2021</a:t>
             </a:fld>
             <a:endParaRPr lang="pt-BR"/>
           </a:p>
@@ -4286,7 +4292,7 @@
           <a:p>
             <a:fld id="{221D0464-8C8A-49C0-859F-777E51766A35}" type="datetimeFigureOut">
               <a:rPr lang="pt-BR" smtClean="0"/>
-              <a:t>29/10/2021</a:t>
+              <a:t>05/11/2021</a:t>
             </a:fld>
             <a:endParaRPr lang="pt-BR"/>
           </a:p>
@@ -4518,7 +4524,7 @@
           <a:p>
             <a:fld id="{221D0464-8C8A-49C0-859F-777E51766A35}" type="datetimeFigureOut">
               <a:rPr lang="pt-BR" smtClean="0"/>
-              <a:t>29/10/2021</a:t>
+              <a:t>05/11/2021</a:t>
             </a:fld>
             <a:endParaRPr lang="pt-BR"/>
           </a:p>
@@ -4885,7 +4891,7 @@
           <a:p>
             <a:fld id="{221D0464-8C8A-49C0-859F-777E51766A35}" type="datetimeFigureOut">
               <a:rPr lang="pt-BR" smtClean="0"/>
-              <a:t>29/10/2021</a:t>
+              <a:t>05/11/2021</a:t>
             </a:fld>
             <a:endParaRPr lang="pt-BR"/>
           </a:p>
@@ -5003,7 +5009,7 @@
           <a:p>
             <a:fld id="{221D0464-8C8A-49C0-859F-777E51766A35}" type="datetimeFigureOut">
               <a:rPr lang="pt-BR" smtClean="0"/>
-              <a:t>29/10/2021</a:t>
+              <a:t>05/11/2021</a:t>
             </a:fld>
             <a:endParaRPr lang="pt-BR"/>
           </a:p>
@@ -5098,7 +5104,7 @@
           <a:p>
             <a:fld id="{221D0464-8C8A-49C0-859F-777E51766A35}" type="datetimeFigureOut">
               <a:rPr lang="pt-BR" smtClean="0"/>
-              <a:t>29/10/2021</a:t>
+              <a:t>05/11/2021</a:t>
             </a:fld>
             <a:endParaRPr lang="pt-BR"/>
           </a:p>
@@ -5375,7 +5381,7 @@
           <a:p>
             <a:fld id="{221D0464-8C8A-49C0-859F-777E51766A35}" type="datetimeFigureOut">
               <a:rPr lang="pt-BR" smtClean="0"/>
-              <a:t>29/10/2021</a:t>
+              <a:t>05/11/2021</a:t>
             </a:fld>
             <a:endParaRPr lang="pt-BR"/>
           </a:p>
@@ -5628,7 +5634,7 @@
           <a:p>
             <a:fld id="{221D0464-8C8A-49C0-859F-777E51766A35}" type="datetimeFigureOut">
               <a:rPr lang="pt-BR" smtClean="0"/>
-              <a:t>29/10/2021</a:t>
+              <a:t>05/11/2021</a:t>
             </a:fld>
             <a:endParaRPr lang="pt-BR"/>
           </a:p>
@@ -5841,7 +5847,7 @@
           <a:p>
             <a:fld id="{221D0464-8C8A-49C0-859F-777E51766A35}" type="datetimeFigureOut">
               <a:rPr lang="pt-BR" smtClean="0"/>
-              <a:t>29/10/2021</a:t>
+              <a:t>05/11/2021</a:t>
             </a:fld>
             <a:endParaRPr lang="pt-BR"/>
           </a:p>
@@ -6504,11 +6510,7 @@
           <a:p>
             <a:r>
               <a:rPr lang="pt-BR" dirty="0" smtClean="0"/>
-              <a:t>É um problema </a:t>
-            </a:r>
-            <a:r>
-              <a:rPr lang="pt-BR" dirty="0" smtClean="0"/>
-              <a:t>encontrado quando treinamos </a:t>
+              <a:t>É um problema encontrado quando treinamos </a:t>
             </a:r>
             <a:r>
               <a:rPr lang="pt-BR" b="1" i="1" dirty="0" smtClean="0"/>
@@ -6524,7 +6526,7 @@
             </a:r>
             <a:r>
               <a:rPr lang="pt-BR" dirty="0" smtClean="0"/>
-              <a:t>em informações do gradiente.</a:t>
+              <a:t>em informações do gradiente e funções de ativação sigmóide.</a:t>
             </a:r>
           </a:p>
           <a:p>
@@ -6634,8 +6636,8 @@
           </a:p>
         </p:txBody>
       </p:sp>
-      <mc:AlternateContent xmlns:mc="http://schemas.openxmlformats.org/markup-compatibility/2006">
-        <mc:Choice xmlns:a14="http://schemas.microsoft.com/office/drawing/2010/main" Requires="a14">
+      <mc:AlternateContent xmlns:mc="http://schemas.openxmlformats.org/markup-compatibility/2006" xmlns:a14="http://schemas.microsoft.com/office/drawing/2010/main">
+        <mc:Choice Requires="a14">
           <p:sp>
             <p:nvSpPr>
               <p:cNvPr id="3" name="Content Placeholder 2"/>
@@ -6680,7 +6682,7 @@
                 </a:r>
                 <a:r>
                   <a:rPr lang="pt-BR" b="1" i="1" dirty="0" smtClean="0"/>
-                  <a:t> sigmóide</a:t>
+                  <a:t> logística</a:t>
                 </a:r>
                 <a:r>
                   <a:rPr lang="pt-BR" dirty="0" smtClean="0"/>
@@ -6692,15 +6694,7 @@
                 </a:r>
                 <a:r>
                   <a:rPr lang="pt-BR" dirty="0" smtClean="0"/>
-                  <a:t>gradientes (i.e., </a:t>
-                </a:r>
-                <a:r>
-                  <a:rPr lang="pt-BR" dirty="0" smtClean="0"/>
-                  <a:t>derivadas parciais) </a:t>
-                </a:r>
-                <a:r>
-                  <a:rPr lang="pt-BR" dirty="0" smtClean="0"/>
-                  <a:t>no intervalo de 0 até aproximadamente 1.</a:t>
+                  <a:t>gradientes (i.e., derivadas parciais) no intervalo de 0 até aproximadamente 1.</a:t>
                 </a:r>
               </a:p>
               <a:p>
@@ -7205,7 +7199,7 @@
             </p:txBody>
           </p:sp>
         </mc:Choice>
-        <mc:Fallback>
+        <mc:Fallback xmlns="">
           <p:sp>
             <p:nvSpPr>
               <p:cNvPr id="3" name="Content Placeholder 2"/>
@@ -7432,11 +7426,7 @@
             </a:r>
             <a:r>
               <a:rPr lang="pt-BR" dirty="0" smtClean="0"/>
-              <a:t>finais, pois o valor do gradiente é muito pequeno, fazendo com que a atualização dos pesos também </a:t>
-            </a:r>
-            <a:r>
-              <a:rPr lang="pt-BR" dirty="0" smtClean="0"/>
-              <a:t>seja lenta.</a:t>
+              <a:t>finais, pois o valor do gradiente é muito pequeno, fazendo com que a atualização dos pesos também seja pequena (i.e., lenta).</a:t>
             </a:r>
             <a:endParaRPr lang="pt-BR" dirty="0"/>
           </a:p>
@@ -7529,8 +7519,8 @@
           </a:p>
         </p:txBody>
       </p:sp>
-      <mc:AlternateContent xmlns:mc="http://schemas.openxmlformats.org/markup-compatibility/2006">
-        <mc:Choice xmlns:a14="http://schemas.microsoft.com/office/drawing/2010/main" Requires="a14">
+      <mc:AlternateContent xmlns:mc="http://schemas.openxmlformats.org/markup-compatibility/2006" xmlns:a14="http://schemas.microsoft.com/office/drawing/2010/main">
+        <mc:Choice Requires="a14">
           <p:sp>
             <p:nvSpPr>
               <p:cNvPr id="3" name="Content Placeholder 2"/>
@@ -7807,6 +7797,98 @@
                             </m:r>
                           </m:sub>
                         </m:sSub>
+                      </m:num>
+                      <m:den>
+                        <m:r>
+                          <a:rPr lang="pt-BR" i="1">
+                            <a:latin typeface="Cambria Math" panose="02040503050406030204" pitchFamily="18" charset="0"/>
+                          </a:rPr>
+                          <m:t>𝑑</m:t>
+                        </m:r>
+                        <m:sSub>
+                          <m:sSubPr>
+                            <m:ctrlPr>
+                              <a:rPr lang="pt-BR" i="1">
+                                <a:latin typeface="Cambria Math" panose="02040503050406030204" pitchFamily="18" charset="0"/>
+                              </a:rPr>
+                            </m:ctrlPr>
+                          </m:sSubPr>
+                          <m:e>
+                            <m:r>
+                              <a:rPr lang="pt-BR" i="1">
+                                <a:latin typeface="Cambria Math" panose="02040503050406030204" pitchFamily="18" charset="0"/>
+                              </a:rPr>
+                              <m:t>𝑧</m:t>
+                            </m:r>
+                          </m:e>
+                          <m:sub>
+                            <m:r>
+                              <a:rPr lang="pt-BR" i="1">
+                                <a:latin typeface="Cambria Math" panose="02040503050406030204" pitchFamily="18" charset="0"/>
+                              </a:rPr>
+                              <m:t>𝑗</m:t>
+                            </m:r>
+                          </m:sub>
+                        </m:sSub>
+                      </m:den>
+                    </m:f>
+                    <m:r>
+                      <a:rPr lang="pt-BR" b="0" i="1" smtClean="0">
+                        <a:latin typeface="Cambria Math" panose="02040503050406030204" pitchFamily="18" charset="0"/>
+                      </a:rPr>
+                      <m:t>=</m:t>
+                    </m:r>
+                    <m:f>
+                      <m:fPr>
+                        <m:ctrlPr>
+                          <a:rPr lang="pt-BR" i="1">
+                            <a:latin typeface="Cambria Math" panose="02040503050406030204" pitchFamily="18" charset="0"/>
+                          </a:rPr>
+                        </m:ctrlPr>
+                      </m:fPr>
+                      <m:num>
+                        <m:r>
+                          <a:rPr lang="pt-BR" i="1">
+                            <a:latin typeface="Cambria Math" panose="02040503050406030204" pitchFamily="18" charset="0"/>
+                          </a:rPr>
+                          <m:t>𝑑𝑓</m:t>
+                        </m:r>
+                        <m:d>
+                          <m:dPr>
+                            <m:ctrlPr>
+                              <a:rPr lang="pt-BR" i="1">
+                                <a:latin typeface="Cambria Math" panose="02040503050406030204" pitchFamily="18" charset="0"/>
+                              </a:rPr>
+                            </m:ctrlPr>
+                          </m:dPr>
+                          <m:e>
+                            <m:sSub>
+                              <m:sSubPr>
+                                <m:ctrlPr>
+                                  <a:rPr lang="pt-BR" i="1">
+                                    <a:latin typeface="Cambria Math" panose="02040503050406030204" pitchFamily="18" charset="0"/>
+                                  </a:rPr>
+                                </m:ctrlPr>
+                              </m:sSubPr>
+                              <m:e>
+                                <m:r>
+                                  <a:rPr lang="pt-BR" i="1">
+                                    <a:latin typeface="Cambria Math" panose="02040503050406030204" pitchFamily="18" charset="0"/>
+                                  </a:rPr>
+                                  <m:t>𝑧</m:t>
+                                </m:r>
+                              </m:e>
+                              <m:sub>
+                                <m:r>
+                                  <a:rPr lang="pt-BR" i="1">
+                                    <a:latin typeface="Cambria Math" panose="02040503050406030204" pitchFamily="18" charset="0"/>
+                                  </a:rPr>
+                                  <m:t>𝑗</m:t>
+                                </m:r>
+                              </m:sub>
+                            </m:sSub>
+                          </m:e>
+                        </m:d>
                       </m:num>
                       <m:den>
                         <m:r>
@@ -8103,7 +8185,7 @@
             </p:txBody>
           </p:sp>
         </mc:Choice>
-        <mc:Fallback>
+        <mc:Fallback xmlns="">
           <p:sp>
             <p:nvSpPr>
               <p:cNvPr id="3" name="Content Placeholder 2"/>
@@ -8382,11 +8464,7 @@
             </a:r>
             <a:r>
               <a:rPr lang="pt-BR" dirty="0" smtClean="0"/>
-              <a:t>as </a:t>
-            </a:r>
-            <a:r>
-              <a:rPr lang="pt-BR" dirty="0" smtClean="0"/>
-              <a:t>funções sigmóide e tangente hiperbólica.</a:t>
+              <a:t>as funções sigmóide e tangente hiperbólica.</a:t>
             </a:r>
           </a:p>
           <a:p>
@@ -8441,13 +8519,8 @@
             </a:pPr>
             <a:r>
               <a:rPr lang="pt-BR" dirty="0" smtClean="0"/>
-              <a:t>Identidade ou </a:t>
-            </a:r>
-            <a:r>
-              <a:rPr lang="pt-BR" dirty="0" smtClean="0"/>
-              <a:t>linear.</a:t>
-            </a:r>
-            <a:endParaRPr lang="pt-BR" dirty="0" smtClean="0"/>
+              <a:t>Identidade ou linear.</a:t>
+            </a:r>
           </a:p>
           <a:p>
             <a:pPr lvl="1">
@@ -8462,7 +8535,6 @@
               <a:rPr lang="pt-BR" dirty="0" smtClean="0"/>
               <a:t>).</a:t>
             </a:r>
-            <a:endParaRPr lang="pt-BR" dirty="0" smtClean="0"/>
           </a:p>
           <a:p>
             <a:pPr lvl="1">
@@ -8492,7 +8564,6 @@
               <a:rPr lang="pt-BR" dirty="0" smtClean="0"/>
               <a:t>Gaussiana.</a:t>
             </a:r>
-            <a:endParaRPr lang="pt-BR" dirty="0" smtClean="0"/>
           </a:p>
           <a:p>
             <a:pPr lvl="1">
@@ -8686,7 +8757,7 @@
         <p:spPr>
           <a:xfrm>
             <a:off x="838199" y="1825624"/>
-            <a:ext cx="7721640" cy="4879976"/>
+            <a:ext cx="7721640" cy="5032376"/>
           </a:xfrm>
         </p:spPr>
         <p:txBody>
@@ -8705,15 +8776,15 @@
             </a:r>
             <a:r>
               <a:rPr lang="pt-BR" dirty="0"/>
-              <a:t> (ou </a:t>
-            </a:r>
-            <a:r>
-              <a:rPr lang="pt-BR" b="1" i="1" dirty="0"/>
-              <a:t>neurônios</a:t>
+              <a:t> </a:t>
+            </a:r>
+            <a:r>
+              <a:rPr lang="pt-BR" dirty="0" smtClean="0"/>
+              <a:t>de </a:t>
             </a:r>
             <a:r>
               <a:rPr lang="pt-BR" dirty="0"/>
-              <a:t>) de uma rede.</a:t>
+              <a:t>uma rede.</a:t>
             </a:r>
           </a:p>
           <a:p>
@@ -9127,8 +9198,8 @@
           </a:p>
         </p:txBody>
       </p:sp>
-      <mc:AlternateContent xmlns:mc="http://schemas.openxmlformats.org/markup-compatibility/2006" xmlns:a14="http://schemas.microsoft.com/office/drawing/2010/main">
-        <mc:Choice Requires="a14">
+      <mc:AlternateContent xmlns:mc="http://schemas.openxmlformats.org/markup-compatibility/2006">
+        <mc:Choice xmlns:a14="http://schemas.microsoft.com/office/drawing/2010/main" Requires="a14">
           <p:sp>
             <p:nvSpPr>
               <p:cNvPr id="5" name="Content Placeholder 4"/>
@@ -9142,7 +9213,7 @@
             <p:spPr>
               <a:xfrm>
                 <a:off x="838199" y="1825624"/>
-                <a:ext cx="10925175" cy="4909005"/>
+                <a:ext cx="11182351" cy="5032376"/>
               </a:xfrm>
             </p:spPr>
             <p:txBody>
@@ -9287,7 +9358,15 @@
               <a:p>
                 <a:r>
                   <a:rPr lang="pt-BR" dirty="0"/>
-                  <a:t>Sendo assim, as funções que uma rede pode representar podem ser </a:t>
+                  <a:t>Sendo assim, as funções que uma rede </a:t>
+                </a:r>
+                <a:r>
+                  <a:rPr lang="pt-BR" dirty="0" smtClean="0"/>
+                  <a:t>neural pode </a:t>
+                </a:r>
+                <a:r>
+                  <a:rPr lang="pt-BR" dirty="0"/>
+                  <a:t>representar podem ser </a:t>
                 </a:r>
                 <a:r>
                   <a:rPr lang="pt-BR" b="1" i="1" dirty="0"/>
@@ -9359,7 +9438,7 @@
             </p:txBody>
           </p:sp>
         </mc:Choice>
-        <mc:Fallback xmlns="">
+        <mc:Fallback>
           <p:sp>
             <p:nvSpPr>
               <p:cNvPr id="5" name="Content Placeholder 4"/>
@@ -9373,12 +9452,12 @@
             <p:spPr>
               <a:xfrm>
                 <a:off x="838199" y="1825624"/>
-                <a:ext cx="10925175" cy="4909005"/>
+                <a:ext cx="11182351" cy="5032376"/>
               </a:xfrm>
               <a:blipFill rotWithShape="0">
                 <a:blip r:embed="rId2"/>
                 <a:stretch>
-                  <a:fillRect l="-669" t="-2481" r="-725"/>
+                  <a:fillRect l="-654" t="-2421" r="-1199"/>
                 </a:stretch>
               </a:blipFill>
             </p:spPr>
@@ -9972,7 +10051,15 @@
             </a:r>
             <a:r>
               <a:rPr lang="pt-BR" dirty="0"/>
-              <a:t>suas características e como ambos </a:t>
+              <a:t>suas </a:t>
+            </a:r>
+            <a:r>
+              <a:rPr lang="pt-BR" dirty="0" smtClean="0"/>
+              <a:t>características, diferenças </a:t>
+            </a:r>
+            <a:r>
+              <a:rPr lang="pt-BR" dirty="0"/>
+              <a:t>e como ambos </a:t>
             </a:r>
             <a:r>
               <a:rPr lang="pt-BR" dirty="0" smtClean="0"/>
@@ -11815,7 +11902,15 @@
           <a:p>
             <a:r>
               <a:rPr lang="pt-BR" dirty="0"/>
-              <a:t>A RNA resultante é denominada Perceptron de Múltiplas Camadas </a:t>
+              <a:t>A RNA resultante é denominada </a:t>
+            </a:r>
+            <a:r>
+              <a:rPr lang="pt-BR" b="1" i="1" dirty="0"/>
+              <a:t>Perceptron de Múltiplas Camadas</a:t>
+            </a:r>
+            <a:r>
+              <a:rPr lang="pt-BR" dirty="0"/>
+              <a:t> </a:t>
             </a:r>
             <a:r>
               <a:rPr lang="pt-BR" dirty="0" smtClean="0"/>
@@ -12095,11 +12190,7 @@
             </a:r>
             <a:r>
               <a:rPr lang="pt-BR" dirty="0" smtClean="0"/>
-              <a:t>em</a:t>
-            </a:r>
-            <a:r>
-              <a:rPr lang="pt-BR" dirty="0" smtClean="0"/>
-              <a:t> </a:t>
+              <a:t>em </a:t>
             </a:r>
             <a:r>
               <a:rPr lang="pt-BR" dirty="0"/>
@@ -12171,14 +12262,14 @@
       </p:pic>
       <p:sp>
         <p:nvSpPr>
-          <p:cNvPr id="5" name="TextBox 4"/>
+          <p:cNvPr id="8" name="TextBox 7"/>
           <p:cNvSpPr txBox="1"/>
           <p:nvPr/>
         </p:nvSpPr>
         <p:spPr>
           <a:xfrm>
-            <a:off x="8044222" y="1778614"/>
-            <a:ext cx="867905" cy="461665"/>
+            <a:off x="8296323" y="1571968"/>
+            <a:ext cx="1877369" cy="461665"/>
           </a:xfrm>
           <a:prstGeom prst="rect">
             <a:avLst/>
@@ -12193,72 +12284,18 @@
           <a:p>
             <a:pPr algn="ctr"/>
             <a:r>
-              <a:rPr lang="pt-BR" sz="1200" dirty="0" smtClean="0"/>
-              <a:t>Camada de entrada</a:t>
-            </a:r>
-            <a:endParaRPr lang="pt-BR" sz="1200" dirty="0"/>
-          </a:p>
-        </p:txBody>
-      </p:sp>
-      <p:sp>
-        <p:nvSpPr>
-          <p:cNvPr id="6" name="TextBox 5"/>
-          <p:cNvSpPr txBox="1"/>
-          <p:nvPr/>
-        </p:nvSpPr>
-        <p:spPr>
-          <a:xfrm>
-            <a:off x="11063808" y="2009446"/>
-            <a:ext cx="867905" cy="461665"/>
-          </a:xfrm>
-          <a:prstGeom prst="rect">
-            <a:avLst/>
-          </a:prstGeom>
-          <a:noFill/>
-        </p:spPr>
-        <p:txBody>
-          <a:bodyPr wrap="square" rtlCol="0">
-            <a:spAutoFit/>
-          </a:bodyPr>
-          <a:lstStyle/>
-          <a:p>
-            <a:pPr algn="ctr"/>
-            <a:r>
-              <a:rPr lang="pt-BR" sz="1200" dirty="0" smtClean="0"/>
-              <a:t>Camada de saída</a:t>
-            </a:r>
-            <a:endParaRPr lang="pt-BR" sz="1200" dirty="0"/>
-          </a:p>
-        </p:txBody>
-      </p:sp>
-      <p:sp>
-        <p:nvSpPr>
-          <p:cNvPr id="7" name="TextBox 6"/>
-          <p:cNvSpPr txBox="1"/>
-          <p:nvPr/>
-        </p:nvSpPr>
-        <p:spPr>
-          <a:xfrm>
-            <a:off x="9205994" y="1663198"/>
-            <a:ext cx="1317356" cy="461665"/>
-          </a:xfrm>
-          <a:prstGeom prst="rect">
-            <a:avLst/>
-          </a:prstGeom>
-          <a:noFill/>
-        </p:spPr>
-        <p:txBody>
-          <a:bodyPr wrap="square" rtlCol="0">
-            <a:spAutoFit/>
-          </a:bodyPr>
-          <a:lstStyle/>
-          <a:p>
-            <a:pPr algn="ctr"/>
-            <a:r>
-              <a:rPr lang="pt-BR" sz="1200" dirty="0" smtClean="0"/>
-              <a:t>Camadas de intermediárias</a:t>
-            </a:r>
-            <a:endParaRPr lang="pt-BR" sz="1200" dirty="0"/>
+              <a:rPr lang="pt-BR" sz="1200" b="1" dirty="0" smtClean="0">
+                <a:solidFill>
+                  <a:srgbClr val="FF0000"/>
+                </a:solidFill>
+              </a:rPr>
+              <a:t>Cada ligação tem um peso (sináptico) associado.</a:t>
+            </a:r>
+            <a:endParaRPr lang="pt-BR" sz="1200" b="1" dirty="0">
+              <a:solidFill>
+                <a:srgbClr val="FF0000"/>
+              </a:solidFill>
+            </a:endParaRPr>
           </a:p>
         </p:txBody>
       </p:sp>
@@ -12402,7 +12439,7 @@
             </a:pPr>
             <a:r>
               <a:rPr lang="pt-BR" dirty="0" smtClean="0"/>
-              <a:t>Os mapeamentos são não-lineares devido às funções de ativação utilizadas.</a:t>
+              <a:t>Os mapeamentos são não-lineares devido às funções de ativação utilizadas não serem lineares.</a:t>
             </a:r>
             <a:endParaRPr lang="pt-BR" dirty="0"/>
           </a:p>
@@ -12537,8 +12574,8 @@
           </a:p>
         </p:txBody>
       </p:sp>
-      <mc:AlternateContent xmlns:mc="http://schemas.openxmlformats.org/markup-compatibility/2006">
-        <mc:Choice xmlns:a14="http://schemas.microsoft.com/office/drawing/2010/main" Requires="a14">
+      <mc:AlternateContent xmlns:mc="http://schemas.openxmlformats.org/markup-compatibility/2006" xmlns:a14="http://schemas.microsoft.com/office/drawing/2010/main">
+        <mc:Choice Requires="a14">
           <p:sp>
             <p:nvSpPr>
               <p:cNvPr id="3" name="Content Placeholder 2"/>
@@ -12783,11 +12820,7 @@
                 </a14:m>
                 <a:r>
                   <a:rPr lang="pt-BR" dirty="0" smtClean="0"/>
-                  <a:t> </a:t>
-                </a:r>
-                <a:r>
-                  <a:rPr lang="pt-BR" dirty="0" smtClean="0"/>
-                  <a:t>sempre </a:t>
+                  <a:t> sempre </a:t>
                 </a:r>
                 <a:r>
                   <a:rPr lang="pt-BR" dirty="0"/>
@@ -13352,7 +13385,7 @@
             </p:txBody>
           </p:sp>
         </mc:Choice>
-        <mc:Fallback>
+        <mc:Fallback xmlns="">
           <p:sp>
             <p:nvSpPr>
               <p:cNvPr id="3" name="Content Placeholder 2"/>
@@ -13420,8 +13453,8 @@
           </a:prstGeom>
         </p:spPr>
       </p:pic>
-      <mc:AlternateContent xmlns:mc="http://schemas.openxmlformats.org/markup-compatibility/2006">
-        <mc:Choice xmlns:a14="http://schemas.microsoft.com/office/drawing/2010/main" Requires="a14">
+      <mc:AlternateContent xmlns:mc="http://schemas.openxmlformats.org/markup-compatibility/2006" xmlns:a14="http://schemas.microsoft.com/office/drawing/2010/main">
+        <mc:Choice Requires="a14">
           <p:sp>
             <p:nvSpPr>
               <p:cNvPr id="5" name="TextBox 4"/>
@@ -13625,7 +13658,11 @@
                 </a14:m>
                 <a:r>
                   <a:rPr lang="pt-BR" dirty="0"/>
-                  <a:t> é a saída da unidade </a:t>
+                  <a:t> é a saída d</a:t>
+                </a:r>
+                <a:r>
+                  <a:rPr lang="pt-BR" dirty="0" smtClean="0"/>
+                  <a:t>o nó </a:t>
                 </a:r>
                 <a14:m>
                   <m:oMath xmlns:m="http://schemas.openxmlformats.org/officeDocument/2006/math">
@@ -13672,7 +13709,11 @@
                 </a14:m>
                 <a:r>
                   <a:rPr lang="pt-BR" dirty="0"/>
-                  <a:t> é o peso conectando a saída da unidade </a:t>
+                  <a:t> é o peso conectando a saída d</a:t>
+                </a:r>
+                <a:r>
+                  <a:rPr lang="pt-BR" dirty="0" smtClean="0"/>
+                  <a:t>o nó </a:t>
                 </a:r>
                 <a14:m>
                   <m:oMath xmlns:m="http://schemas.openxmlformats.org/officeDocument/2006/math">
@@ -13686,7 +13727,19 @@
                 </a14:m>
                 <a:r>
                   <a:rPr lang="pt-BR" dirty="0"/>
-                  <a:t> para esta unidade, a unidade </a:t>
+                  <a:t> para </a:t>
+                </a:r>
+                <a:r>
+                  <a:rPr lang="pt-BR" dirty="0" smtClean="0"/>
+                  <a:t>este nó, </a:t>
+                </a:r>
+                <a:r>
+                  <a:rPr lang="pt-BR" dirty="0"/>
+                  <a:t>o</a:t>
+                </a:r>
+                <a:r>
+                  <a:rPr lang="pt-BR" dirty="0" smtClean="0"/>
+                  <a:t> nó </a:t>
                 </a:r>
                 <a14:m>
                   <m:oMath xmlns:m="http://schemas.openxmlformats.org/officeDocument/2006/math">
@@ -13706,7 +13759,7 @@
             </p:txBody>
           </p:sp>
         </mc:Choice>
-        <mc:Fallback>
+        <mc:Fallback xmlns="">
           <p:sp>
             <p:nvSpPr>
               <p:cNvPr id="5" name="TextBox 4"/>
@@ -13804,8 +13857,8 @@
           </a:p>
         </p:txBody>
       </p:sp>
-      <mc:AlternateContent xmlns:mc="http://schemas.openxmlformats.org/markup-compatibility/2006">
-        <mc:Choice xmlns:a14="http://schemas.microsoft.com/office/drawing/2010/main" Requires="a14">
+      <mc:AlternateContent xmlns:mc="http://schemas.openxmlformats.org/markup-compatibility/2006" xmlns:a14="http://schemas.microsoft.com/office/drawing/2010/main">
+        <mc:Choice Requires="a14">
           <p:sp>
             <p:nvSpPr>
               <p:cNvPr id="3" name="Content Placeholder 2"/>
@@ -13819,7 +13872,7 @@
             <p:spPr>
               <a:xfrm>
                 <a:off x="838200" y="1690688"/>
-                <a:ext cx="11033502" cy="5167312"/>
+                <a:ext cx="11233638" cy="5167312"/>
               </a:xfrm>
             </p:spPr>
             <p:txBody>
@@ -13829,12 +13882,8 @@
               <a:lstStyle/>
               <a:p>
                 <a:r>
-                  <a:rPr lang="pt-BR" dirty="0"/>
-                  <a:t>Devido às suas </a:t>
-                </a:r>
-                <a:r>
                   <a:rPr lang="pt-BR" dirty="0" smtClean="0"/>
-                  <a:t>características</a:t>
+                  <a:t>Devido às suas características</a:t>
                 </a:r>
                 <a:r>
                   <a:rPr lang="pt-BR" dirty="0"/>
@@ -13897,33 +13946,16 @@
                 </a:r>
                 <a:r>
                   <a:rPr lang="pt-BR" b="1" i="1" dirty="0" smtClean="0"/>
-                  <a:t>tangente </a:t>
-                </a:r>
-                <a:r>
-                  <a:rPr lang="pt-BR" b="1" i="1" dirty="0" smtClean="0"/>
-                  <a:t>hiperbólica</a:t>
+                  <a:t>tangente hiperbólica</a:t>
                 </a:r>
                 <a:r>
                   <a:rPr lang="pt-BR" dirty="0" smtClean="0"/>
-                  <a:t>, que são </a:t>
-                </a:r>
-                <a:r>
-                  <a:rPr lang="pt-BR" dirty="0" smtClean="0"/>
-                  <a:t>versões </a:t>
-                </a:r>
-                <a:r>
-                  <a:rPr lang="pt-BR" dirty="0" smtClean="0"/>
-                  <a:t>suavizadas da </a:t>
-                </a:r>
-                <a:r>
-                  <a:rPr lang="pt-BR" dirty="0" smtClean="0"/>
-                  <a:t>degrau</a:t>
+                  <a:t>, que são versões suavizadas da função degrau</a:t>
                 </a:r>
                 <a:r>
                   <a:rPr lang="pt-BR" dirty="0"/>
                   <a:t>.</a:t>
                 </a:r>
-                <a:endParaRPr lang="pt-BR" dirty="0"/>
               </a:p>
               <a:p>
                 <a:pPr lvl="1">
@@ -13954,298 +13986,306 @@
                   <a:buNone/>
                 </a:pPr>
                 <a14:m>
-                  <m:oMath xmlns:m="http://schemas.openxmlformats.org/officeDocument/2006/math">
-                    <m:sSub>
-                      <m:sSubPr>
-                        <m:ctrlPr>
-                          <a:rPr lang="pt-BR" i="1" smtClean="0">
-                            <a:latin typeface="Cambria Math" panose="02040503050406030204" pitchFamily="18" charset="0"/>
-                          </a:rPr>
-                        </m:ctrlPr>
-                      </m:sSubPr>
-                      <m:e>
-                        <m:r>
-                          <a:rPr lang="pt-BR" b="0" i="1" smtClean="0">
-                            <a:latin typeface="Cambria Math" panose="02040503050406030204" pitchFamily="18" charset="0"/>
-                          </a:rPr>
-                          <m:t>𝑦</m:t>
-                        </m:r>
-                      </m:e>
-                      <m:sub>
-                        <m:r>
-                          <a:rPr lang="pt-BR" b="0" i="1" smtClean="0">
-                            <a:latin typeface="Cambria Math" panose="02040503050406030204" pitchFamily="18" charset="0"/>
-                          </a:rPr>
-                          <m:t>𝑗</m:t>
-                        </m:r>
-                      </m:sub>
-                    </m:sSub>
-                    <m:r>
-                      <a:rPr lang="pt-BR" b="0" i="1" smtClean="0">
-                        <a:latin typeface="Cambria Math" panose="02040503050406030204" pitchFamily="18" charset="0"/>
-                      </a:rPr>
-                      <m:t>=</m:t>
-                    </m:r>
-                    <m:r>
-                      <a:rPr lang="pt-BR" b="0" i="1" smtClean="0">
-                        <a:latin typeface="Cambria Math" panose="02040503050406030204" pitchFamily="18" charset="0"/>
-                      </a:rPr>
-                      <m:t>𝑓</m:t>
-                    </m:r>
-                    <m:d>
-                      <m:dPr>
-                        <m:ctrlPr>
-                          <a:rPr lang="pt-BR" b="0" i="1" smtClean="0">
-                            <a:latin typeface="Cambria Math" panose="02040503050406030204" pitchFamily="18" charset="0"/>
-                          </a:rPr>
-                        </m:ctrlPr>
-                      </m:dPr>
-                      <m:e>
-                        <m:sSub>
-                          <m:sSubPr>
-                            <m:ctrlPr>
-                              <a:rPr lang="pt-BR" b="0" i="1" smtClean="0">
-                                <a:latin typeface="Cambria Math" panose="02040503050406030204" pitchFamily="18" charset="0"/>
-                              </a:rPr>
-                            </m:ctrlPr>
-                          </m:sSubPr>
-                          <m:e>
-                            <m:r>
-                              <a:rPr lang="pt-BR" b="0" i="1" smtClean="0">
-                                <a:latin typeface="Cambria Math" panose="02040503050406030204" pitchFamily="18" charset="0"/>
-                              </a:rPr>
-                              <m:t>𝑧</m:t>
-                            </m:r>
-                          </m:e>
-                          <m:sub>
-                            <m:r>
-                              <a:rPr lang="pt-BR" b="0" i="1" smtClean="0">
-                                <a:latin typeface="Cambria Math" panose="02040503050406030204" pitchFamily="18" charset="0"/>
-                              </a:rPr>
-                              <m:t>𝑗</m:t>
-                            </m:r>
-                          </m:sub>
-                        </m:sSub>
-                      </m:e>
-                    </m:d>
-                    <m:r>
-                      <a:rPr lang="pt-BR" b="0" i="1" smtClean="0">
-                        <a:latin typeface="Cambria Math" panose="02040503050406030204" pitchFamily="18" charset="0"/>
-                      </a:rPr>
-                      <m:t>=</m:t>
-                    </m:r>
-                    <m:f>
-                      <m:fPr>
-                        <m:ctrlPr>
-                          <a:rPr lang="pt-BR" b="0" i="1" smtClean="0">
-                            <a:latin typeface="Cambria Math" panose="02040503050406030204" pitchFamily="18" charset="0"/>
-                          </a:rPr>
-                        </m:ctrlPr>
-                      </m:fPr>
-                      <m:num>
-                        <m:sSup>
-                          <m:sSupPr>
-                            <m:ctrlPr>
-                              <a:rPr lang="pt-BR" b="0" i="1" smtClean="0">
-                                <a:latin typeface="Cambria Math" panose="02040503050406030204" pitchFamily="18" charset="0"/>
-                              </a:rPr>
-                            </m:ctrlPr>
-                          </m:sSupPr>
-                          <m:e>
-                            <m:r>
-                              <a:rPr lang="pt-BR" b="0" i="1" smtClean="0">
-                                <a:latin typeface="Cambria Math" panose="02040503050406030204" pitchFamily="18" charset="0"/>
-                              </a:rPr>
-                              <m:t>𝑒</m:t>
-                            </m:r>
-                          </m:e>
-                          <m:sup>
-                            <m:r>
-                              <a:rPr lang="pt-BR" b="0" i="1" smtClean="0">
-                                <a:latin typeface="Cambria Math" panose="02040503050406030204" pitchFamily="18" charset="0"/>
-                              </a:rPr>
-                              <m:t>𝑝</m:t>
-                            </m:r>
-                            <m:sSub>
-                              <m:sSubPr>
-                                <m:ctrlPr>
-                                  <a:rPr lang="pt-BR" i="1">
-                                    <a:latin typeface="Cambria Math" panose="02040503050406030204" pitchFamily="18" charset="0"/>
-                                  </a:rPr>
-                                </m:ctrlPr>
-                              </m:sSubPr>
-                              <m:e>
-                                <m:r>
-                                  <a:rPr lang="pt-BR" i="1">
-                                    <a:latin typeface="Cambria Math" panose="02040503050406030204" pitchFamily="18" charset="0"/>
-                                  </a:rPr>
-                                  <m:t>𝑧</m:t>
-                                </m:r>
-                              </m:e>
-                              <m:sub>
-                                <m:r>
-                                  <a:rPr lang="pt-BR" i="1">
-                                    <a:latin typeface="Cambria Math" panose="02040503050406030204" pitchFamily="18" charset="0"/>
-                                  </a:rPr>
-                                  <m:t>𝑗</m:t>
-                                </m:r>
-                              </m:sub>
-                            </m:sSub>
-                          </m:sup>
-                        </m:sSup>
-                      </m:num>
-                      <m:den>
-                        <m:sSup>
-                          <m:sSupPr>
-                            <m:ctrlPr>
-                              <a:rPr lang="pt-BR" i="1">
-                                <a:latin typeface="Cambria Math" panose="02040503050406030204" pitchFamily="18" charset="0"/>
-                              </a:rPr>
-                            </m:ctrlPr>
-                          </m:sSupPr>
-                          <m:e>
-                            <m:r>
-                              <a:rPr lang="pt-BR" i="1">
-                                <a:latin typeface="Cambria Math" panose="02040503050406030204" pitchFamily="18" charset="0"/>
-                              </a:rPr>
-                              <m:t>𝑒</m:t>
-                            </m:r>
-                          </m:e>
-                          <m:sup>
-                            <m:r>
-                              <a:rPr lang="pt-BR" i="1">
-                                <a:latin typeface="Cambria Math" panose="02040503050406030204" pitchFamily="18" charset="0"/>
-                              </a:rPr>
-                              <m:t>𝑝</m:t>
-                            </m:r>
-                            <m:sSub>
-                              <m:sSubPr>
-                                <m:ctrlPr>
-                                  <a:rPr lang="pt-BR" i="1">
-                                    <a:latin typeface="Cambria Math" panose="02040503050406030204" pitchFamily="18" charset="0"/>
-                                  </a:rPr>
-                                </m:ctrlPr>
-                              </m:sSubPr>
-                              <m:e>
-                                <m:r>
-                                  <a:rPr lang="pt-BR" i="1">
-                                    <a:latin typeface="Cambria Math" panose="02040503050406030204" pitchFamily="18" charset="0"/>
-                                  </a:rPr>
-                                  <m:t>𝑧</m:t>
-                                </m:r>
-                              </m:e>
-                              <m:sub>
-                                <m:r>
-                                  <a:rPr lang="pt-BR" i="1">
-                                    <a:latin typeface="Cambria Math" panose="02040503050406030204" pitchFamily="18" charset="0"/>
-                                  </a:rPr>
-                                  <m:t>𝑗</m:t>
-                                </m:r>
-                              </m:sub>
-                            </m:sSub>
-                          </m:sup>
-                        </m:sSup>
-                        <m:r>
-                          <a:rPr lang="pt-BR" b="0" i="1" smtClean="0">
-                            <a:latin typeface="Cambria Math" panose="02040503050406030204" pitchFamily="18" charset="0"/>
-                          </a:rPr>
-                          <m:t>+1</m:t>
-                        </m:r>
-                      </m:den>
-                    </m:f>
-                    <m:r>
-                      <a:rPr lang="pt-BR" b="0" i="1" smtClean="0">
-                        <a:latin typeface="Cambria Math" panose="02040503050406030204" pitchFamily="18" charset="0"/>
-                      </a:rPr>
-                      <m:t>=</m:t>
-                    </m:r>
-                    <m:f>
-                      <m:fPr>
-                        <m:ctrlPr>
-                          <a:rPr lang="pt-BR" b="0" i="1" smtClean="0">
-                            <a:latin typeface="Cambria Math" panose="02040503050406030204" pitchFamily="18" charset="0"/>
-                          </a:rPr>
-                        </m:ctrlPr>
-                      </m:fPr>
-                      <m:num>
-                        <m:r>
-                          <a:rPr lang="pt-BR" b="0" i="1" smtClean="0">
-                            <a:latin typeface="Cambria Math" panose="02040503050406030204" pitchFamily="18" charset="0"/>
-                          </a:rPr>
-                          <m:t>1</m:t>
-                        </m:r>
-                      </m:num>
-                      <m:den>
-                        <m:r>
-                          <a:rPr lang="pt-BR" b="0" i="1" smtClean="0">
-                            <a:latin typeface="Cambria Math" panose="02040503050406030204" pitchFamily="18" charset="0"/>
-                          </a:rPr>
-                          <m:t>1+</m:t>
-                        </m:r>
-                        <m:sSup>
-                          <m:sSupPr>
-                            <m:ctrlPr>
-                              <a:rPr lang="pt-BR" i="1">
-                                <a:latin typeface="Cambria Math" panose="02040503050406030204" pitchFamily="18" charset="0"/>
-                              </a:rPr>
-                            </m:ctrlPr>
-                          </m:sSupPr>
-                          <m:e>
-                            <m:r>
-                              <a:rPr lang="pt-BR" i="1">
-                                <a:latin typeface="Cambria Math" panose="02040503050406030204" pitchFamily="18" charset="0"/>
-                              </a:rPr>
-                              <m:t>𝑒</m:t>
-                            </m:r>
-                          </m:e>
-                          <m:sup>
-                            <m:r>
-                              <a:rPr lang="pt-BR" b="0" i="1" smtClean="0">
-                                <a:latin typeface="Cambria Math" panose="02040503050406030204" pitchFamily="18" charset="0"/>
-                              </a:rPr>
-                              <m:t>−</m:t>
-                            </m:r>
-                            <m:r>
-                              <a:rPr lang="pt-BR" i="1">
-                                <a:latin typeface="Cambria Math" panose="02040503050406030204" pitchFamily="18" charset="0"/>
-                              </a:rPr>
-                              <m:t>𝑝</m:t>
-                            </m:r>
-                            <m:sSub>
-                              <m:sSubPr>
-                                <m:ctrlPr>
-                                  <a:rPr lang="pt-BR" i="1">
-                                    <a:latin typeface="Cambria Math" panose="02040503050406030204" pitchFamily="18" charset="0"/>
-                                  </a:rPr>
-                                </m:ctrlPr>
-                              </m:sSubPr>
-                              <m:e>
-                                <m:r>
-                                  <a:rPr lang="pt-BR" i="1">
-                                    <a:latin typeface="Cambria Math" panose="02040503050406030204" pitchFamily="18" charset="0"/>
-                                  </a:rPr>
-                                  <m:t>𝑧</m:t>
-                                </m:r>
-                              </m:e>
-                              <m:sub>
-                                <m:r>
-                                  <a:rPr lang="pt-BR" i="1">
-                                    <a:latin typeface="Cambria Math" panose="02040503050406030204" pitchFamily="18" charset="0"/>
-                                  </a:rPr>
-                                  <m:t>𝑗</m:t>
-                                </m:r>
-                              </m:sub>
-                            </m:sSub>
-                          </m:sup>
-                        </m:sSup>
-                      </m:den>
-                    </m:f>
-                  </m:oMath>
+                  <m:oMathPara xmlns:m="http://schemas.openxmlformats.org/officeDocument/2006/math">
+                    <m:oMathParaPr>
+                      <m:jc m:val="centerGroup"/>
+                    </m:oMathParaPr>
+                    <m:oMath xmlns:m="http://schemas.openxmlformats.org/officeDocument/2006/math">
+                      <m:sSub>
+                        <m:sSubPr>
+                          <m:ctrlPr>
+                            <a:rPr lang="pt-BR" i="1" smtClean="0">
+                              <a:latin typeface="Cambria Math" panose="02040503050406030204" pitchFamily="18" charset="0"/>
+                            </a:rPr>
+                          </m:ctrlPr>
+                        </m:sSubPr>
+                        <m:e>
+                          <m:r>
+                            <a:rPr lang="pt-BR" b="0" i="1" smtClean="0">
+                              <a:latin typeface="Cambria Math" panose="02040503050406030204" pitchFamily="18" charset="0"/>
+                            </a:rPr>
+                            <m:t>𝑦</m:t>
+                          </m:r>
+                        </m:e>
+                        <m:sub>
+                          <m:r>
+                            <a:rPr lang="pt-BR" b="0" i="1" smtClean="0">
+                              <a:latin typeface="Cambria Math" panose="02040503050406030204" pitchFamily="18" charset="0"/>
+                            </a:rPr>
+                            <m:t>𝑗</m:t>
+                          </m:r>
+                        </m:sub>
+                      </m:sSub>
+                      <m:r>
+                        <a:rPr lang="pt-BR" b="0" i="1" smtClean="0">
+                          <a:latin typeface="Cambria Math" panose="02040503050406030204" pitchFamily="18" charset="0"/>
+                        </a:rPr>
+                        <m:t>=</m:t>
+                      </m:r>
+                      <m:r>
+                        <a:rPr lang="pt-BR" b="0" i="1" smtClean="0">
+                          <a:latin typeface="Cambria Math" panose="02040503050406030204" pitchFamily="18" charset="0"/>
+                        </a:rPr>
+                        <m:t>𝑓</m:t>
+                      </m:r>
+                      <m:d>
+                        <m:dPr>
+                          <m:ctrlPr>
+                            <a:rPr lang="pt-BR" b="0" i="1" smtClean="0">
+                              <a:latin typeface="Cambria Math" panose="02040503050406030204" pitchFamily="18" charset="0"/>
+                            </a:rPr>
+                          </m:ctrlPr>
+                        </m:dPr>
+                        <m:e>
+                          <m:sSub>
+                            <m:sSubPr>
+                              <m:ctrlPr>
+                                <a:rPr lang="pt-BR" b="0" i="1" smtClean="0">
+                                  <a:latin typeface="Cambria Math" panose="02040503050406030204" pitchFamily="18" charset="0"/>
+                                </a:rPr>
+                              </m:ctrlPr>
+                            </m:sSubPr>
+                            <m:e>
+                              <m:r>
+                                <a:rPr lang="pt-BR" b="0" i="1" smtClean="0">
+                                  <a:latin typeface="Cambria Math" panose="02040503050406030204" pitchFamily="18" charset="0"/>
+                                </a:rPr>
+                                <m:t>𝑧</m:t>
+                              </m:r>
+                            </m:e>
+                            <m:sub>
+                              <m:r>
+                                <a:rPr lang="pt-BR" b="0" i="1" smtClean="0">
+                                  <a:latin typeface="Cambria Math" panose="02040503050406030204" pitchFamily="18" charset="0"/>
+                                </a:rPr>
+                                <m:t>𝑗</m:t>
+                              </m:r>
+                            </m:sub>
+                          </m:sSub>
+                        </m:e>
+                      </m:d>
+                      <m:r>
+                        <a:rPr lang="pt-BR" b="0" i="1" smtClean="0">
+                          <a:latin typeface="Cambria Math" panose="02040503050406030204" pitchFamily="18" charset="0"/>
+                        </a:rPr>
+                        <m:t>=</m:t>
+                      </m:r>
+                      <m:f>
+                        <m:fPr>
+                          <m:ctrlPr>
+                            <a:rPr lang="pt-BR" b="0" i="1" smtClean="0">
+                              <a:latin typeface="Cambria Math" panose="02040503050406030204" pitchFamily="18" charset="0"/>
+                            </a:rPr>
+                          </m:ctrlPr>
+                        </m:fPr>
+                        <m:num>
+                          <m:sSup>
+                            <m:sSupPr>
+                              <m:ctrlPr>
+                                <a:rPr lang="pt-BR" b="0" i="1" smtClean="0">
+                                  <a:latin typeface="Cambria Math" panose="02040503050406030204" pitchFamily="18" charset="0"/>
+                                </a:rPr>
+                              </m:ctrlPr>
+                            </m:sSupPr>
+                            <m:e>
+                              <m:r>
+                                <a:rPr lang="pt-BR" b="0" i="1" smtClean="0">
+                                  <a:latin typeface="Cambria Math" panose="02040503050406030204" pitchFamily="18" charset="0"/>
+                                </a:rPr>
+                                <m:t>𝑒</m:t>
+                              </m:r>
+                            </m:e>
+                            <m:sup>
+                              <m:r>
+                                <a:rPr lang="pt-BR" b="0" i="1" smtClean="0">
+                                  <a:latin typeface="Cambria Math" panose="02040503050406030204" pitchFamily="18" charset="0"/>
+                                </a:rPr>
+                                <m:t>𝑝</m:t>
+                              </m:r>
+                              <m:sSub>
+                                <m:sSubPr>
+                                  <m:ctrlPr>
+                                    <a:rPr lang="pt-BR" i="1">
+                                      <a:latin typeface="Cambria Math" panose="02040503050406030204" pitchFamily="18" charset="0"/>
+                                    </a:rPr>
+                                  </m:ctrlPr>
+                                </m:sSubPr>
+                                <m:e>
+                                  <m:r>
+                                    <a:rPr lang="pt-BR" i="1">
+                                      <a:latin typeface="Cambria Math" panose="02040503050406030204" pitchFamily="18" charset="0"/>
+                                    </a:rPr>
+                                    <m:t>𝑧</m:t>
+                                  </m:r>
+                                </m:e>
+                                <m:sub>
+                                  <m:r>
+                                    <a:rPr lang="pt-BR" i="1">
+                                      <a:latin typeface="Cambria Math" panose="02040503050406030204" pitchFamily="18" charset="0"/>
+                                    </a:rPr>
+                                    <m:t>𝑗</m:t>
+                                  </m:r>
+                                </m:sub>
+                              </m:sSub>
+                            </m:sup>
+                          </m:sSup>
+                        </m:num>
+                        <m:den>
+                          <m:sSup>
+                            <m:sSupPr>
+                              <m:ctrlPr>
+                                <a:rPr lang="pt-BR" i="1">
+                                  <a:latin typeface="Cambria Math" panose="02040503050406030204" pitchFamily="18" charset="0"/>
+                                </a:rPr>
+                              </m:ctrlPr>
+                            </m:sSupPr>
+                            <m:e>
+                              <m:r>
+                                <a:rPr lang="pt-BR" i="1">
+                                  <a:latin typeface="Cambria Math" panose="02040503050406030204" pitchFamily="18" charset="0"/>
+                                </a:rPr>
+                                <m:t>𝑒</m:t>
+                              </m:r>
+                            </m:e>
+                            <m:sup>
+                              <m:r>
+                                <a:rPr lang="pt-BR" i="1">
+                                  <a:latin typeface="Cambria Math" panose="02040503050406030204" pitchFamily="18" charset="0"/>
+                                </a:rPr>
+                                <m:t>𝑝</m:t>
+                              </m:r>
+                              <m:sSub>
+                                <m:sSubPr>
+                                  <m:ctrlPr>
+                                    <a:rPr lang="pt-BR" i="1">
+                                      <a:latin typeface="Cambria Math" panose="02040503050406030204" pitchFamily="18" charset="0"/>
+                                    </a:rPr>
+                                  </m:ctrlPr>
+                                </m:sSubPr>
+                                <m:e>
+                                  <m:r>
+                                    <a:rPr lang="pt-BR" i="1">
+                                      <a:latin typeface="Cambria Math" panose="02040503050406030204" pitchFamily="18" charset="0"/>
+                                    </a:rPr>
+                                    <m:t>𝑧</m:t>
+                                  </m:r>
+                                </m:e>
+                                <m:sub>
+                                  <m:r>
+                                    <a:rPr lang="pt-BR" i="1">
+                                      <a:latin typeface="Cambria Math" panose="02040503050406030204" pitchFamily="18" charset="0"/>
+                                    </a:rPr>
+                                    <m:t>𝑗</m:t>
+                                  </m:r>
+                                </m:sub>
+                              </m:sSub>
+                            </m:sup>
+                          </m:sSup>
+                          <m:r>
+                            <a:rPr lang="pt-BR" b="0" i="1" smtClean="0">
+                              <a:latin typeface="Cambria Math" panose="02040503050406030204" pitchFamily="18" charset="0"/>
+                            </a:rPr>
+                            <m:t>+1</m:t>
+                          </m:r>
+                        </m:den>
+                      </m:f>
+                      <m:r>
+                        <a:rPr lang="pt-BR" b="0" i="1" smtClean="0">
+                          <a:latin typeface="Cambria Math" panose="02040503050406030204" pitchFamily="18" charset="0"/>
+                        </a:rPr>
+                        <m:t>=</m:t>
+                      </m:r>
+                      <m:f>
+                        <m:fPr>
+                          <m:ctrlPr>
+                            <a:rPr lang="pt-BR" b="0" i="1" smtClean="0">
+                              <a:latin typeface="Cambria Math" panose="02040503050406030204" pitchFamily="18" charset="0"/>
+                            </a:rPr>
+                          </m:ctrlPr>
+                        </m:fPr>
+                        <m:num>
+                          <m:r>
+                            <a:rPr lang="pt-BR" b="0" i="1" smtClean="0">
+                              <a:latin typeface="Cambria Math" panose="02040503050406030204" pitchFamily="18" charset="0"/>
+                            </a:rPr>
+                            <m:t>1</m:t>
+                          </m:r>
+                        </m:num>
+                        <m:den>
+                          <m:r>
+                            <a:rPr lang="pt-BR" b="0" i="1" smtClean="0">
+                              <a:latin typeface="Cambria Math" panose="02040503050406030204" pitchFamily="18" charset="0"/>
+                            </a:rPr>
+                            <m:t>1+</m:t>
+                          </m:r>
+                          <m:sSup>
+                            <m:sSupPr>
+                              <m:ctrlPr>
+                                <a:rPr lang="pt-BR" i="1">
+                                  <a:latin typeface="Cambria Math" panose="02040503050406030204" pitchFamily="18" charset="0"/>
+                                </a:rPr>
+                              </m:ctrlPr>
+                            </m:sSupPr>
+                            <m:e>
+                              <m:r>
+                                <a:rPr lang="pt-BR" i="1">
+                                  <a:latin typeface="Cambria Math" panose="02040503050406030204" pitchFamily="18" charset="0"/>
+                                </a:rPr>
+                                <m:t>𝑒</m:t>
+                              </m:r>
+                            </m:e>
+                            <m:sup>
+                              <m:r>
+                                <a:rPr lang="pt-BR" b="0" i="1" smtClean="0">
+                                  <a:latin typeface="Cambria Math" panose="02040503050406030204" pitchFamily="18" charset="0"/>
+                                </a:rPr>
+                                <m:t>−</m:t>
+                              </m:r>
+                              <m:r>
+                                <a:rPr lang="pt-BR" i="1">
+                                  <a:latin typeface="Cambria Math" panose="02040503050406030204" pitchFamily="18" charset="0"/>
+                                </a:rPr>
+                                <m:t>𝑝</m:t>
+                              </m:r>
+                              <m:sSub>
+                                <m:sSubPr>
+                                  <m:ctrlPr>
+                                    <a:rPr lang="pt-BR" i="1">
+                                      <a:latin typeface="Cambria Math" panose="02040503050406030204" pitchFamily="18" charset="0"/>
+                                    </a:rPr>
+                                  </m:ctrlPr>
+                                </m:sSubPr>
+                                <m:e>
+                                  <m:r>
+                                    <a:rPr lang="pt-BR" i="1">
+                                      <a:latin typeface="Cambria Math" panose="02040503050406030204" pitchFamily="18" charset="0"/>
+                                    </a:rPr>
+                                    <m:t>𝑧</m:t>
+                                  </m:r>
+                                </m:e>
+                                <m:sub>
+                                  <m:r>
+                                    <a:rPr lang="pt-BR" i="1">
+                                      <a:latin typeface="Cambria Math" panose="02040503050406030204" pitchFamily="18" charset="0"/>
+                                    </a:rPr>
+                                    <m:t>𝑗</m:t>
+                                  </m:r>
+                                </m:sub>
+                              </m:sSub>
+                            </m:sup>
+                          </m:sSup>
+                        </m:den>
+                      </m:f>
+                      <m:r>
+                        <a:rPr lang="pt-BR" b="0" i="1" smtClean="0">
+                          <a:latin typeface="Cambria Math" panose="02040503050406030204" pitchFamily="18" charset="0"/>
+                        </a:rPr>
+                        <m:t>.</m:t>
+                      </m:r>
+                    </m:oMath>
+                  </m:oMathPara>
                 </a14:m>
-                <a:r>
-                  <a:rPr lang="pt-BR" dirty="0"/>
-                  <a:t>.</a:t>
-                </a:r>
+                <a:endParaRPr lang="pt-BR" dirty="0"/>
               </a:p>
               <a:p>
                 <a:r>
@@ -14303,6 +14343,98 @@
                       <m:den>
                         <m:r>
                           <a:rPr lang="pt-BR" i="1" smtClean="0">
+                            <a:latin typeface="Cambria Math" panose="02040503050406030204" pitchFamily="18" charset="0"/>
+                          </a:rPr>
+                          <m:t>𝑑</m:t>
+                        </m:r>
+                        <m:sSub>
+                          <m:sSubPr>
+                            <m:ctrlPr>
+                              <a:rPr lang="pt-BR" i="1">
+                                <a:latin typeface="Cambria Math" panose="02040503050406030204" pitchFamily="18" charset="0"/>
+                              </a:rPr>
+                            </m:ctrlPr>
+                          </m:sSubPr>
+                          <m:e>
+                            <m:r>
+                              <a:rPr lang="pt-BR" i="1">
+                                <a:latin typeface="Cambria Math" panose="02040503050406030204" pitchFamily="18" charset="0"/>
+                              </a:rPr>
+                              <m:t>𝑧</m:t>
+                            </m:r>
+                          </m:e>
+                          <m:sub>
+                            <m:r>
+                              <a:rPr lang="pt-BR" i="1">
+                                <a:latin typeface="Cambria Math" panose="02040503050406030204" pitchFamily="18" charset="0"/>
+                              </a:rPr>
+                              <m:t>𝑗</m:t>
+                            </m:r>
+                          </m:sub>
+                        </m:sSub>
+                      </m:den>
+                    </m:f>
+                    <m:r>
+                      <a:rPr lang="pt-BR" b="0" i="1" smtClean="0">
+                        <a:latin typeface="Cambria Math" panose="02040503050406030204" pitchFamily="18" charset="0"/>
+                      </a:rPr>
+                      <m:t>=</m:t>
+                    </m:r>
+                    <m:f>
+                      <m:fPr>
+                        <m:ctrlPr>
+                          <a:rPr lang="pt-BR" i="1">
+                            <a:latin typeface="Cambria Math" panose="02040503050406030204" pitchFamily="18" charset="0"/>
+                          </a:rPr>
+                        </m:ctrlPr>
+                      </m:fPr>
+                      <m:num>
+                        <m:r>
+                          <a:rPr lang="pt-BR" i="1">
+                            <a:latin typeface="Cambria Math" panose="02040503050406030204" pitchFamily="18" charset="0"/>
+                          </a:rPr>
+                          <m:t>𝑑𝑓</m:t>
+                        </m:r>
+                        <m:d>
+                          <m:dPr>
+                            <m:ctrlPr>
+                              <a:rPr lang="pt-BR" i="1">
+                                <a:latin typeface="Cambria Math" panose="02040503050406030204" pitchFamily="18" charset="0"/>
+                              </a:rPr>
+                            </m:ctrlPr>
+                          </m:dPr>
+                          <m:e>
+                            <m:sSub>
+                              <m:sSubPr>
+                                <m:ctrlPr>
+                                  <a:rPr lang="pt-BR" i="1">
+                                    <a:latin typeface="Cambria Math" panose="02040503050406030204" pitchFamily="18" charset="0"/>
+                                  </a:rPr>
+                                </m:ctrlPr>
+                              </m:sSubPr>
+                              <m:e>
+                                <m:r>
+                                  <a:rPr lang="pt-BR" i="1">
+                                    <a:latin typeface="Cambria Math" panose="02040503050406030204" pitchFamily="18" charset="0"/>
+                                  </a:rPr>
+                                  <m:t>𝑧</m:t>
+                                </m:r>
+                              </m:e>
+                              <m:sub>
+                                <m:r>
+                                  <a:rPr lang="pt-BR" i="1">
+                                    <a:latin typeface="Cambria Math" panose="02040503050406030204" pitchFamily="18" charset="0"/>
+                                  </a:rPr>
+                                  <m:t>𝑗</m:t>
+                                </m:r>
+                              </m:sub>
+                            </m:sSub>
+                          </m:e>
+                        </m:d>
+                      </m:num>
+                      <m:den>
+                        <m:r>
+                          <a:rPr lang="pt-BR" i="1">
                             <a:latin typeface="Cambria Math" panose="02040503050406030204" pitchFamily="18" charset="0"/>
                           </a:rPr>
                           <m:t>𝑑</m:t>
@@ -14464,15 +14596,7 @@
                 </a:r>
                 <a:r>
                   <a:rPr lang="pt-BR" dirty="0" smtClean="0"/>
-                  <a:t>será</a:t>
-                </a:r>
-                <a:r>
-                  <a:rPr lang="pt-BR" dirty="0" smtClean="0"/>
-                  <a:t> </a:t>
-                </a:r>
-                <a:r>
-                  <a:rPr lang="pt-BR" dirty="0" smtClean="0"/>
-                  <a:t>importante durante o processo </a:t>
+                  <a:t>será importante durante o processo </a:t>
                 </a:r>
                 <a:r>
                   <a:rPr lang="pt-BR" dirty="0"/>
@@ -14482,7 +14606,7 @@
             </p:txBody>
           </p:sp>
         </mc:Choice>
-        <mc:Fallback>
+        <mc:Fallback xmlns="">
           <p:sp>
             <p:nvSpPr>
               <p:cNvPr id="3" name="Content Placeholder 2"/>
@@ -14496,12 +14620,12 @@
             <p:spPr>
               <a:xfrm>
                 <a:off x="838200" y="1690688"/>
-                <a:ext cx="11033502" cy="5167312"/>
+                <a:ext cx="11233638" cy="5167312"/>
               </a:xfrm>
               <a:blipFill rotWithShape="0">
                 <a:blip r:embed="rId3"/>
                 <a:stretch>
-                  <a:fillRect l="-995" t="-2358" r="-276"/>
+                  <a:fillRect l="-977" t="-2358" r="-434" b="-354"/>
                 </a:stretch>
               </a:blipFill>
             </p:spPr>
@@ -14579,8 +14703,8 @@
           </a:p>
         </p:txBody>
       </p:sp>
-      <mc:AlternateContent xmlns:mc="http://schemas.openxmlformats.org/markup-compatibility/2006">
-        <mc:Choice xmlns:a14="http://schemas.microsoft.com/office/drawing/2010/main" Requires="a14">
+      <mc:AlternateContent xmlns:mc="http://schemas.openxmlformats.org/markup-compatibility/2006" xmlns:a14="http://schemas.microsoft.com/office/drawing/2010/main">
+        <mc:Choice Requires="a14">
           <p:sp>
             <p:nvSpPr>
               <p:cNvPr id="3" name="Content Placeholder 2"/>
@@ -14618,11 +14742,7 @@
                 </a:r>
                 <a:r>
                   <a:rPr lang="pt-BR" dirty="0" smtClean="0"/>
-                  <a:t>lado</a:t>
-                </a:r>
-                <a:r>
-                  <a:rPr lang="pt-BR" dirty="0" smtClean="0"/>
-                  <a:t>.</a:t>
+                  <a:t>lado.</a:t>
                 </a:r>
               </a:p>
               <a:p>
@@ -14655,7 +14775,7 @@
             </p:txBody>
           </p:sp>
         </mc:Choice>
-        <mc:Fallback>
+        <mc:Fallback xmlns="">
           <p:sp>
             <p:nvSpPr>
               <p:cNvPr id="3" name="Content Placeholder 2"/>
@@ -14757,8 +14877,8 @@
           </a:p>
         </p:txBody>
       </p:sp>
-      <mc:AlternateContent xmlns:mc="http://schemas.openxmlformats.org/markup-compatibility/2006">
-        <mc:Choice xmlns:a14="http://schemas.microsoft.com/office/drawing/2010/main" Requires="a14">
+      <mc:AlternateContent xmlns:mc="http://schemas.openxmlformats.org/markup-compatibility/2006" xmlns:a14="http://schemas.microsoft.com/office/drawing/2010/main">
+        <mc:Choice Requires="a14">
           <p:sp>
             <p:nvSpPr>
               <p:cNvPr id="6" name="TextBox 5"/>
@@ -14809,7 +14929,7 @@
             </p:txBody>
           </p:sp>
         </mc:Choice>
-        <mc:Fallback>
+        <mc:Fallback xmlns="">
           <p:sp>
             <p:nvSpPr>
               <p:cNvPr id="6" name="TextBox 5"/>
@@ -14848,8 +14968,8 @@
           </p:sp>
         </mc:Fallback>
       </mc:AlternateContent>
-      <mc:AlternateContent xmlns:mc="http://schemas.openxmlformats.org/markup-compatibility/2006">
-        <mc:Choice xmlns:a14="http://schemas.microsoft.com/office/drawing/2010/main" Requires="a14">
+      <mc:AlternateContent xmlns:mc="http://schemas.openxmlformats.org/markup-compatibility/2006" xmlns:a14="http://schemas.microsoft.com/office/drawing/2010/main">
+        <mc:Choice Requires="a14">
           <p:sp>
             <p:nvSpPr>
               <p:cNvPr id="12" name="TextBox 11"/>
@@ -14900,7 +15020,7 @@
             </p:txBody>
           </p:sp>
         </mc:Choice>
-        <mc:Fallback>
+        <mc:Fallback xmlns="">
           <p:sp>
             <p:nvSpPr>
               <p:cNvPr id="12" name="TextBox 11"/>
@@ -15110,7 +15230,7 @@
               <a:lstStyle/>
               <a:p>
                 <a:r>
-                  <a:rPr lang="pt-BR" dirty="0"/>
+                  <a:rPr lang="pt-BR" dirty="0" smtClean="0"/>
                   <a:t>A </a:t>
                 </a:r>
                 <a:r>
@@ -15618,6 +15738,98 @@
                       </m:den>
                     </m:f>
                     <m:r>
+                      <a:rPr lang="pt-BR" b="0" i="1" smtClean="0">
+                        <a:latin typeface="Cambria Math" panose="02040503050406030204" pitchFamily="18" charset="0"/>
+                      </a:rPr>
+                      <m:t>=</m:t>
+                    </m:r>
+                    <m:f>
+                      <m:fPr>
+                        <m:ctrlPr>
+                          <a:rPr lang="pt-BR" i="1">
+                            <a:latin typeface="Cambria Math" panose="02040503050406030204" pitchFamily="18" charset="0"/>
+                          </a:rPr>
+                        </m:ctrlPr>
+                      </m:fPr>
+                      <m:num>
+                        <m:r>
+                          <a:rPr lang="pt-BR" i="1">
+                            <a:latin typeface="Cambria Math" panose="02040503050406030204" pitchFamily="18" charset="0"/>
+                          </a:rPr>
+                          <m:t>𝑑𝑓</m:t>
+                        </m:r>
+                        <m:d>
+                          <m:dPr>
+                            <m:ctrlPr>
+                              <a:rPr lang="pt-BR" i="1">
+                                <a:latin typeface="Cambria Math" panose="02040503050406030204" pitchFamily="18" charset="0"/>
+                              </a:rPr>
+                            </m:ctrlPr>
+                          </m:dPr>
+                          <m:e>
+                            <m:sSub>
+                              <m:sSubPr>
+                                <m:ctrlPr>
+                                  <a:rPr lang="pt-BR" i="1">
+                                    <a:latin typeface="Cambria Math" panose="02040503050406030204" pitchFamily="18" charset="0"/>
+                                  </a:rPr>
+                                </m:ctrlPr>
+                              </m:sSubPr>
+                              <m:e>
+                                <m:r>
+                                  <a:rPr lang="pt-BR" i="1">
+                                    <a:latin typeface="Cambria Math" panose="02040503050406030204" pitchFamily="18" charset="0"/>
+                                  </a:rPr>
+                                  <m:t>𝑧</m:t>
+                                </m:r>
+                              </m:e>
+                              <m:sub>
+                                <m:r>
+                                  <a:rPr lang="pt-BR" i="1">
+                                    <a:latin typeface="Cambria Math" panose="02040503050406030204" pitchFamily="18" charset="0"/>
+                                  </a:rPr>
+                                  <m:t>𝑗</m:t>
+                                </m:r>
+                              </m:sub>
+                            </m:sSub>
+                          </m:e>
+                        </m:d>
+                      </m:num>
+                      <m:den>
+                        <m:r>
+                          <a:rPr lang="pt-BR" i="1">
+                            <a:latin typeface="Cambria Math" panose="02040503050406030204" pitchFamily="18" charset="0"/>
+                          </a:rPr>
+                          <m:t>𝑑</m:t>
+                        </m:r>
+                        <m:sSub>
+                          <m:sSubPr>
+                            <m:ctrlPr>
+                              <a:rPr lang="pt-BR" i="1">
+                                <a:latin typeface="Cambria Math" panose="02040503050406030204" pitchFamily="18" charset="0"/>
+                              </a:rPr>
+                            </m:ctrlPr>
+                          </m:sSubPr>
+                          <m:e>
+                            <m:r>
+                              <a:rPr lang="pt-BR" i="1">
+                                <a:latin typeface="Cambria Math" panose="02040503050406030204" pitchFamily="18" charset="0"/>
+                              </a:rPr>
+                              <m:t>𝑧</m:t>
+                            </m:r>
+                          </m:e>
+                          <m:sub>
+                            <m:r>
+                              <a:rPr lang="pt-BR" i="1">
+                                <a:latin typeface="Cambria Math" panose="02040503050406030204" pitchFamily="18" charset="0"/>
+                              </a:rPr>
+                              <m:t>𝑗</m:t>
+                            </m:r>
+                          </m:sub>
+                        </m:sSub>
+                      </m:den>
+                    </m:f>
+                    <m:r>
                       <a:rPr lang="pt-BR" i="1">
                         <a:latin typeface="Cambria Math" panose="02040503050406030204" pitchFamily="18" charset="0"/>
                       </a:rPr>
@@ -15774,7 +15986,7 @@
               <a:blipFill rotWithShape="0">
                 <a:blip r:embed="rId3"/>
                 <a:stretch>
-                  <a:fillRect l="-711" t="-4988"/>
+                  <a:fillRect l="-711" t="-4988" b="-713"/>
                 </a:stretch>
               </a:blipFill>
             </p:spPr>
@@ -15839,8 +16051,8 @@
           </a:prstGeom>
         </p:spPr>
       </p:pic>
-      <mc:AlternateContent xmlns:mc="http://schemas.openxmlformats.org/markup-compatibility/2006">
-        <mc:Choice xmlns:a14="http://schemas.microsoft.com/office/drawing/2010/main" Requires="a14">
+      <mc:AlternateContent xmlns:mc="http://schemas.openxmlformats.org/markup-compatibility/2006" xmlns:a14="http://schemas.microsoft.com/office/drawing/2010/main">
+        <mc:Choice Requires="a14">
           <p:sp>
             <p:nvSpPr>
               <p:cNvPr id="8" name="TextBox 7"/>
@@ -15884,11 +16096,7 @@
                 </a14:m>
                 <a:r>
                   <a:rPr lang="pt-BR" sz="1600" dirty="0" smtClean="0"/>
-                  <a:t>, mais próxima ela fica da função degrau</a:t>
-                </a:r>
-                <a:r>
-                  <a:rPr lang="pt-BR" sz="1600" dirty="0" smtClean="0"/>
-                  <a:t>. Porém, normalmente, se usa </a:t>
+                  <a:t>, mais próxima ela fica da função degrau. Porém, normalmente, se usa </a:t>
                 </a:r>
                 <a14:m>
                   <m:oMath xmlns:m="http://schemas.openxmlformats.org/officeDocument/2006/math">
@@ -15911,7 +16119,7 @@
             </p:txBody>
           </p:sp>
         </mc:Choice>
-        <mc:Fallback>
+        <mc:Fallback xmlns="">
           <p:sp>
             <p:nvSpPr>
               <p:cNvPr id="8" name="TextBox 7"/>
@@ -15986,8 +16194,8 @@
           </a:fontRef>
         </p:style>
       </p:cxnSp>
-      <mc:AlternateContent xmlns:mc="http://schemas.openxmlformats.org/markup-compatibility/2006">
-        <mc:Choice xmlns:a14="http://schemas.microsoft.com/office/drawing/2010/main" Requires="a14">
+      <mc:AlternateContent xmlns:mc="http://schemas.openxmlformats.org/markup-compatibility/2006" xmlns:a14="http://schemas.microsoft.com/office/drawing/2010/main">
+        <mc:Choice Requires="a14">
           <p:sp>
             <p:nvSpPr>
               <p:cNvPr id="12" name="TextBox 11"/>
@@ -16038,7 +16246,7 @@
             </p:txBody>
           </p:sp>
         </mc:Choice>
-        <mc:Fallback>
+        <mc:Fallback xmlns="">
           <p:sp>
             <p:nvSpPr>
               <p:cNvPr id="12" name="TextBox 11"/>

--- a/slides/T320_Redes_Neurais_Artificiais (Parte II).pptx
+++ b/slides/T320_Redes_Neurais_Artificiais (Parte II).pptx
@@ -257,7 +257,7 @@
           <a:p>
             <a:fld id="{C3C82C08-3EFC-4473-8294-F0E229C19EFF}" type="datetimeFigureOut">
               <a:rPr lang="pt-BR" smtClean="0"/>
-              <a:t>05/11/2021</a:t>
+              <a:t>08/11/2021</a:t>
             </a:fld>
             <a:endParaRPr lang="pt-BR"/>
           </a:p>
@@ -3526,7 +3526,7 @@
           <a:p>
             <a:fld id="{221D0464-8C8A-49C0-859F-777E51766A35}" type="datetimeFigureOut">
               <a:rPr lang="pt-BR" smtClean="0"/>
-              <a:t>05/11/2021</a:t>
+              <a:t>08/11/2021</a:t>
             </a:fld>
             <a:endParaRPr lang="pt-BR"/>
           </a:p>
@@ -3696,7 +3696,7 @@
           <a:p>
             <a:fld id="{221D0464-8C8A-49C0-859F-777E51766A35}" type="datetimeFigureOut">
               <a:rPr lang="pt-BR" smtClean="0"/>
-              <a:t>05/11/2021</a:t>
+              <a:t>08/11/2021</a:t>
             </a:fld>
             <a:endParaRPr lang="pt-BR"/>
           </a:p>
@@ -3876,7 +3876,7 @@
           <a:p>
             <a:fld id="{221D0464-8C8A-49C0-859F-777E51766A35}" type="datetimeFigureOut">
               <a:rPr lang="pt-BR" smtClean="0"/>
-              <a:t>05/11/2021</a:t>
+              <a:t>08/11/2021</a:t>
             </a:fld>
             <a:endParaRPr lang="pt-BR"/>
           </a:p>
@@ -4046,7 +4046,7 @@
           <a:p>
             <a:fld id="{221D0464-8C8A-49C0-859F-777E51766A35}" type="datetimeFigureOut">
               <a:rPr lang="pt-BR" smtClean="0"/>
-              <a:t>05/11/2021</a:t>
+              <a:t>08/11/2021</a:t>
             </a:fld>
             <a:endParaRPr lang="pt-BR"/>
           </a:p>
@@ -4292,7 +4292,7 @@
           <a:p>
             <a:fld id="{221D0464-8C8A-49C0-859F-777E51766A35}" type="datetimeFigureOut">
               <a:rPr lang="pt-BR" smtClean="0"/>
-              <a:t>05/11/2021</a:t>
+              <a:t>08/11/2021</a:t>
             </a:fld>
             <a:endParaRPr lang="pt-BR"/>
           </a:p>
@@ -4524,7 +4524,7 @@
           <a:p>
             <a:fld id="{221D0464-8C8A-49C0-859F-777E51766A35}" type="datetimeFigureOut">
               <a:rPr lang="pt-BR" smtClean="0"/>
-              <a:t>05/11/2021</a:t>
+              <a:t>08/11/2021</a:t>
             </a:fld>
             <a:endParaRPr lang="pt-BR"/>
           </a:p>
@@ -4891,7 +4891,7 @@
           <a:p>
             <a:fld id="{221D0464-8C8A-49C0-859F-777E51766A35}" type="datetimeFigureOut">
               <a:rPr lang="pt-BR" smtClean="0"/>
-              <a:t>05/11/2021</a:t>
+              <a:t>08/11/2021</a:t>
             </a:fld>
             <a:endParaRPr lang="pt-BR"/>
           </a:p>
@@ -5009,7 +5009,7 @@
           <a:p>
             <a:fld id="{221D0464-8C8A-49C0-859F-777E51766A35}" type="datetimeFigureOut">
               <a:rPr lang="pt-BR" smtClean="0"/>
-              <a:t>05/11/2021</a:t>
+              <a:t>08/11/2021</a:t>
             </a:fld>
             <a:endParaRPr lang="pt-BR"/>
           </a:p>
@@ -5104,7 +5104,7 @@
           <a:p>
             <a:fld id="{221D0464-8C8A-49C0-859F-777E51766A35}" type="datetimeFigureOut">
               <a:rPr lang="pt-BR" smtClean="0"/>
-              <a:t>05/11/2021</a:t>
+              <a:t>08/11/2021</a:t>
             </a:fld>
             <a:endParaRPr lang="pt-BR"/>
           </a:p>
@@ -5381,7 +5381,7 @@
           <a:p>
             <a:fld id="{221D0464-8C8A-49C0-859F-777E51766A35}" type="datetimeFigureOut">
               <a:rPr lang="pt-BR" smtClean="0"/>
-              <a:t>05/11/2021</a:t>
+              <a:t>08/11/2021</a:t>
             </a:fld>
             <a:endParaRPr lang="pt-BR"/>
           </a:p>
@@ -5634,7 +5634,7 @@
           <a:p>
             <a:fld id="{221D0464-8C8A-49C0-859F-777E51766A35}" type="datetimeFigureOut">
               <a:rPr lang="pt-BR" smtClean="0"/>
-              <a:t>05/11/2021</a:t>
+              <a:t>08/11/2021</a:t>
             </a:fld>
             <a:endParaRPr lang="pt-BR"/>
           </a:p>
@@ -5847,7 +5847,7 @@
           <a:p>
             <a:fld id="{221D0464-8C8A-49C0-859F-777E51766A35}" type="datetimeFigureOut">
               <a:rPr lang="pt-BR" smtClean="0"/>
-              <a:t>05/11/2021</a:t>
+              <a:t>08/11/2021</a:t>
             </a:fld>
             <a:endParaRPr lang="pt-BR"/>
           </a:p>
@@ -6257,7 +6257,7 @@
           <p:cNvPr id="2" name="Título 1">
             <a:extLst>
               <a:ext uri="{FF2B5EF4-FFF2-40B4-BE49-F238E27FC236}">
-                <a16:creationId xmlns="" xmlns:a16="http://schemas.microsoft.com/office/drawing/2014/main" id="{32666AC8-2E17-4DB4-B0F5-60C640CCFD2E}"/>
+                <a16:creationId xmlns:a16="http://schemas.microsoft.com/office/drawing/2014/main" xmlns="" id="{32666AC8-2E17-4DB4-B0F5-60C640CCFD2E}"/>
               </a:ext>
             </a:extLst>
           </p:cNvPr>
@@ -6308,7 +6308,7 @@
           <p:cNvPr id="4" name="CaixaDeTexto 3">
             <a:extLst>
               <a:ext uri="{FF2B5EF4-FFF2-40B4-BE49-F238E27FC236}">
-                <a16:creationId xmlns="" xmlns:a16="http://schemas.microsoft.com/office/drawing/2014/main" id="{430EB894-B7D4-434C-9D1A-A14094D9BEEC}"/>
+                <a16:creationId xmlns:a16="http://schemas.microsoft.com/office/drawing/2014/main" xmlns="" id="{430EB894-B7D4-434C-9D1A-A14094D9BEEC}"/>
               </a:ext>
             </a:extLst>
           </p:cNvPr>
@@ -6349,7 +6349,7 @@
           <p:cNvPr id="1026" name="Picture 2" descr="Logo">
             <a:extLst>
               <a:ext uri="{FF2B5EF4-FFF2-40B4-BE49-F238E27FC236}">
-                <a16:creationId xmlns="" xmlns:a16="http://schemas.microsoft.com/office/drawing/2014/main" id="{3F2642E0-4F6A-4196-8F58-E77D36E9A33F}"/>
+                <a16:creationId xmlns:a16="http://schemas.microsoft.com/office/drawing/2014/main" xmlns="" id="{3F2642E0-4F6A-4196-8F58-E77D36E9A33F}"/>
               </a:ext>
             </a:extLst>
           </p:cNvPr>
@@ -6394,7 +6394,7 @@
           <p:cNvPr id="5122" name="Picture 2" descr="Image result for machine learning">
             <a:extLst>
               <a:ext uri="{FF2B5EF4-FFF2-40B4-BE49-F238E27FC236}">
-                <a16:creationId xmlns="" xmlns:a16="http://schemas.microsoft.com/office/drawing/2014/main" id="{810CE0A2-4102-44A6-A370-175E7896CDCB}"/>
+                <a16:creationId xmlns:a16="http://schemas.microsoft.com/office/drawing/2014/main" xmlns="" id="{810CE0A2-4102-44A6-A370-175E7896CDCB}"/>
               </a:ext>
             </a:extLst>
           </p:cNvPr>
@@ -8419,7 +8419,7 @@
         </p:spPr>
         <p:txBody>
           <a:bodyPr>
-            <a:normAutofit lnSpcReduction="10000"/>
+            <a:normAutofit/>
           </a:bodyPr>
           <a:lstStyle/>
           <a:p>
@@ -8571,18 +8571,24 @@
               <a:buChar char="§"/>
             </a:pPr>
             <a:r>
-              <a:rPr lang="pt-BR" dirty="0">
+              <a:rPr lang="pt-BR">
                 <a:hlinkClick r:id="rId3"/>
               </a:rPr>
-              <a:t>https://</a:t>
-            </a:r>
-            <a:r>
-              <a:rPr lang="pt-BR" dirty="0" smtClean="0">
+              <a:t>https</a:t>
+            </a:r>
+            <a:r>
+              <a:rPr lang="pt-BR">
                 <a:hlinkClick r:id="rId3"/>
               </a:rPr>
-              <a:t>en.wikipedia.org/wiki/Activation_function#Sign_equivalence_to_identity_function</a:t>
-            </a:r>
-            <a:endParaRPr lang="pt-BR" dirty="0" smtClean="0"/>
+              <a:t>://</a:t>
+            </a:r>
+            <a:r>
+              <a:rPr lang="pt-BR" smtClean="0">
+                <a:hlinkClick r:id="rId3"/>
+              </a:rPr>
+              <a:t>en.wikipedia.org/wiki/Activation_function#Table_of_activation_functions</a:t>
+            </a:r>
+            <a:endParaRPr lang="pt-BR" smtClean="0"/>
           </a:p>
         </p:txBody>
       </p:sp>
@@ -9198,8 +9204,8 @@
           </a:p>
         </p:txBody>
       </p:sp>
-      <mc:AlternateContent xmlns:mc="http://schemas.openxmlformats.org/markup-compatibility/2006">
-        <mc:Choice xmlns:a14="http://schemas.microsoft.com/office/drawing/2010/main" Requires="a14">
+      <mc:AlternateContent xmlns:mc="http://schemas.openxmlformats.org/markup-compatibility/2006" xmlns:a14="http://schemas.microsoft.com/office/drawing/2010/main">
+        <mc:Choice Requires="a14">
           <p:sp>
             <p:nvSpPr>
               <p:cNvPr id="5" name="Content Placeholder 4"/>
@@ -9438,7 +9444,7 @@
             </p:txBody>
           </p:sp>
         </mc:Choice>
-        <mc:Fallback>
+        <mc:Fallback xmlns="">
           <p:sp>
             <p:nvSpPr>
               <p:cNvPr id="5" name="Content Placeholder 4"/>
@@ -11312,7 +11318,7 @@
           <p:cNvPr id="4" name="Título 1">
             <a:extLst>
               <a:ext uri="{FF2B5EF4-FFF2-40B4-BE49-F238E27FC236}">
-                <a16:creationId xmlns="" xmlns:a16="http://schemas.microsoft.com/office/drawing/2014/main" id="{32666AC8-2E17-4DB4-B0F5-60C640CCFD2E}"/>
+                <a16:creationId xmlns:a16="http://schemas.microsoft.com/office/drawing/2014/main" xmlns="" id="{32666AC8-2E17-4DB4-B0F5-60C640CCFD2E}"/>
               </a:ext>
             </a:extLst>
           </p:cNvPr>
@@ -11671,7 +11677,7 @@
           <p:cNvPr id="4" name="Título 1">
             <a:extLst>
               <a:ext uri="{FF2B5EF4-FFF2-40B4-BE49-F238E27FC236}">
-                <a16:creationId xmlns="" xmlns:a16="http://schemas.microsoft.com/office/drawing/2014/main" id="{32666AC8-2E17-4DB4-B0F5-60C640CCFD2E}"/>
+                <a16:creationId xmlns:a16="http://schemas.microsoft.com/office/drawing/2014/main" xmlns="" id="{32666AC8-2E17-4DB4-B0F5-60C640CCFD2E}"/>
               </a:ext>
             </a:extLst>
           </p:cNvPr>

--- a/slides/T320_Redes_Neurais_Artificiais (Parte II).pptx
+++ b/slides/T320_Redes_Neurais_Artificiais (Parte II).pptx
@@ -257,7 +257,7 @@
           <a:p>
             <a:fld id="{C3C82C08-3EFC-4473-8294-F0E229C19EFF}" type="datetimeFigureOut">
               <a:rPr lang="pt-BR" smtClean="0"/>
-              <a:t>08/11/2021</a:t>
+              <a:t>12/11/2021</a:t>
             </a:fld>
             <a:endParaRPr lang="pt-BR"/>
           </a:p>
@@ -3526,7 +3526,7 @@
           <a:p>
             <a:fld id="{221D0464-8C8A-49C0-859F-777E51766A35}" type="datetimeFigureOut">
               <a:rPr lang="pt-BR" smtClean="0"/>
-              <a:t>08/11/2021</a:t>
+              <a:t>12/11/2021</a:t>
             </a:fld>
             <a:endParaRPr lang="pt-BR"/>
           </a:p>
@@ -3696,7 +3696,7 @@
           <a:p>
             <a:fld id="{221D0464-8C8A-49C0-859F-777E51766A35}" type="datetimeFigureOut">
               <a:rPr lang="pt-BR" smtClean="0"/>
-              <a:t>08/11/2021</a:t>
+              <a:t>12/11/2021</a:t>
             </a:fld>
             <a:endParaRPr lang="pt-BR"/>
           </a:p>
@@ -3876,7 +3876,7 @@
           <a:p>
             <a:fld id="{221D0464-8C8A-49C0-859F-777E51766A35}" type="datetimeFigureOut">
               <a:rPr lang="pt-BR" smtClean="0"/>
-              <a:t>08/11/2021</a:t>
+              <a:t>12/11/2021</a:t>
             </a:fld>
             <a:endParaRPr lang="pt-BR"/>
           </a:p>
@@ -4046,7 +4046,7 @@
           <a:p>
             <a:fld id="{221D0464-8C8A-49C0-859F-777E51766A35}" type="datetimeFigureOut">
               <a:rPr lang="pt-BR" smtClean="0"/>
-              <a:t>08/11/2021</a:t>
+              <a:t>12/11/2021</a:t>
             </a:fld>
             <a:endParaRPr lang="pt-BR"/>
           </a:p>
@@ -4292,7 +4292,7 @@
           <a:p>
             <a:fld id="{221D0464-8C8A-49C0-859F-777E51766A35}" type="datetimeFigureOut">
               <a:rPr lang="pt-BR" smtClean="0"/>
-              <a:t>08/11/2021</a:t>
+              <a:t>12/11/2021</a:t>
             </a:fld>
             <a:endParaRPr lang="pt-BR"/>
           </a:p>
@@ -4524,7 +4524,7 @@
           <a:p>
             <a:fld id="{221D0464-8C8A-49C0-859F-777E51766A35}" type="datetimeFigureOut">
               <a:rPr lang="pt-BR" smtClean="0"/>
-              <a:t>08/11/2021</a:t>
+              <a:t>12/11/2021</a:t>
             </a:fld>
             <a:endParaRPr lang="pt-BR"/>
           </a:p>
@@ -4891,7 +4891,7 @@
           <a:p>
             <a:fld id="{221D0464-8C8A-49C0-859F-777E51766A35}" type="datetimeFigureOut">
               <a:rPr lang="pt-BR" smtClean="0"/>
-              <a:t>08/11/2021</a:t>
+              <a:t>12/11/2021</a:t>
             </a:fld>
             <a:endParaRPr lang="pt-BR"/>
           </a:p>
@@ -5009,7 +5009,7 @@
           <a:p>
             <a:fld id="{221D0464-8C8A-49C0-859F-777E51766A35}" type="datetimeFigureOut">
               <a:rPr lang="pt-BR" smtClean="0"/>
-              <a:t>08/11/2021</a:t>
+              <a:t>12/11/2021</a:t>
             </a:fld>
             <a:endParaRPr lang="pt-BR"/>
           </a:p>
@@ -5104,7 +5104,7 @@
           <a:p>
             <a:fld id="{221D0464-8C8A-49C0-859F-777E51766A35}" type="datetimeFigureOut">
               <a:rPr lang="pt-BR" smtClean="0"/>
-              <a:t>08/11/2021</a:t>
+              <a:t>12/11/2021</a:t>
             </a:fld>
             <a:endParaRPr lang="pt-BR"/>
           </a:p>
@@ -5381,7 +5381,7 @@
           <a:p>
             <a:fld id="{221D0464-8C8A-49C0-859F-777E51766A35}" type="datetimeFigureOut">
               <a:rPr lang="pt-BR" smtClean="0"/>
-              <a:t>08/11/2021</a:t>
+              <a:t>12/11/2021</a:t>
             </a:fld>
             <a:endParaRPr lang="pt-BR"/>
           </a:p>
@@ -5634,7 +5634,7 @@
           <a:p>
             <a:fld id="{221D0464-8C8A-49C0-859F-777E51766A35}" type="datetimeFigureOut">
               <a:rPr lang="pt-BR" smtClean="0"/>
-              <a:t>08/11/2021</a:t>
+              <a:t>12/11/2021</a:t>
             </a:fld>
             <a:endParaRPr lang="pt-BR"/>
           </a:p>
@@ -5847,7 +5847,7 @@
           <a:p>
             <a:fld id="{221D0464-8C8A-49C0-859F-777E51766A35}" type="datetimeFigureOut">
               <a:rPr lang="pt-BR" smtClean="0"/>
-              <a:t>08/11/2021</a:t>
+              <a:t>12/11/2021</a:t>
             </a:fld>
             <a:endParaRPr lang="pt-BR"/>
           </a:p>
@@ -6257,7 +6257,7 @@
           <p:cNvPr id="2" name="Título 1">
             <a:extLst>
               <a:ext uri="{FF2B5EF4-FFF2-40B4-BE49-F238E27FC236}">
-                <a16:creationId xmlns:a16="http://schemas.microsoft.com/office/drawing/2014/main" xmlns="" id="{32666AC8-2E17-4DB4-B0F5-60C640CCFD2E}"/>
+                <a16:creationId xmlns="" xmlns:a16="http://schemas.microsoft.com/office/drawing/2014/main" id="{32666AC8-2E17-4DB4-B0F5-60C640CCFD2E}"/>
               </a:ext>
             </a:extLst>
           </p:cNvPr>
@@ -6308,7 +6308,7 @@
           <p:cNvPr id="4" name="CaixaDeTexto 3">
             <a:extLst>
               <a:ext uri="{FF2B5EF4-FFF2-40B4-BE49-F238E27FC236}">
-                <a16:creationId xmlns:a16="http://schemas.microsoft.com/office/drawing/2014/main" xmlns="" id="{430EB894-B7D4-434C-9D1A-A14094D9BEEC}"/>
+                <a16:creationId xmlns="" xmlns:a16="http://schemas.microsoft.com/office/drawing/2014/main" id="{430EB894-B7D4-434C-9D1A-A14094D9BEEC}"/>
               </a:ext>
             </a:extLst>
           </p:cNvPr>
@@ -6349,7 +6349,7 @@
           <p:cNvPr id="1026" name="Picture 2" descr="Logo">
             <a:extLst>
               <a:ext uri="{FF2B5EF4-FFF2-40B4-BE49-F238E27FC236}">
-                <a16:creationId xmlns:a16="http://schemas.microsoft.com/office/drawing/2014/main" xmlns="" id="{3F2642E0-4F6A-4196-8F58-E77D36E9A33F}"/>
+                <a16:creationId xmlns="" xmlns:a16="http://schemas.microsoft.com/office/drawing/2014/main" id="{3F2642E0-4F6A-4196-8F58-E77D36E9A33F}"/>
               </a:ext>
             </a:extLst>
           </p:cNvPr>
@@ -6394,7 +6394,7 @@
           <p:cNvPr id="5122" name="Picture 2" descr="Image result for machine learning">
             <a:extLst>
               <a:ext uri="{FF2B5EF4-FFF2-40B4-BE49-F238E27FC236}">
-                <a16:creationId xmlns:a16="http://schemas.microsoft.com/office/drawing/2014/main" xmlns="" id="{810CE0A2-4102-44A6-A370-175E7896CDCB}"/>
+                <a16:creationId xmlns="" xmlns:a16="http://schemas.microsoft.com/office/drawing/2014/main" id="{810CE0A2-4102-44A6-A370-175E7896CDCB}"/>
               </a:ext>
             </a:extLst>
           </p:cNvPr>
@@ -8574,13 +8574,7 @@
               <a:rPr lang="pt-BR">
                 <a:hlinkClick r:id="rId3"/>
               </a:rPr>
-              <a:t>https</a:t>
-            </a:r>
-            <a:r>
-              <a:rPr lang="pt-BR">
-                <a:hlinkClick r:id="rId3"/>
-              </a:rPr>
-              <a:t>://</a:t>
+              <a:t>https://</a:t>
             </a:r>
             <a:r>
               <a:rPr lang="pt-BR" smtClean="0">
@@ -9204,8 +9198,8 @@
           </a:p>
         </p:txBody>
       </p:sp>
-      <mc:AlternateContent xmlns:mc="http://schemas.openxmlformats.org/markup-compatibility/2006" xmlns:a14="http://schemas.microsoft.com/office/drawing/2010/main">
-        <mc:Choice Requires="a14">
+      <mc:AlternateContent xmlns:mc="http://schemas.openxmlformats.org/markup-compatibility/2006">
+        <mc:Choice xmlns:a14="http://schemas.microsoft.com/office/drawing/2010/main" Requires="a14">
           <p:sp>
             <p:nvSpPr>
               <p:cNvPr id="5" name="Content Placeholder 4"/>
@@ -9229,7 +9223,7 @@
               <a:lstStyle/>
               <a:p>
                 <a:r>
-                  <a:rPr lang="pt-BR" dirty="0"/>
+                  <a:rPr lang="pt-BR" dirty="0" smtClean="0"/>
                   <a:t>A rede MLP ao lado tem sua saída definida por</a:t>
                 </a:r>
               </a:p>
@@ -9320,6 +9314,12 @@
                       </a:rPr>
                       <m:t>𝑓</m:t>
                     </m:r>
+                    <m:r>
+                      <a:rPr lang="pt-BR" b="0" i="1" smtClean="0">
+                        <a:latin typeface="Cambria Math" panose="02040503050406030204" pitchFamily="18" charset="0"/>
+                      </a:rPr>
+                      <m:t>(.)</m:t>
+                    </m:r>
                   </m:oMath>
                 </a14:m>
                 <a:r>
@@ -9405,13 +9405,29 @@
               <a:p>
                 <a:r>
                   <a:rPr lang="pt-BR" dirty="0"/>
-                  <a:t>Com uma única camada oculta suficientemente grande, é possível representar qualquer função contínua das entradas com uma precisão arbitrária.</a:t>
+                  <a:t>Com uma única camada oculta suficientemente grande, é possível representar </a:t>
+                </a:r>
+                <a:r>
+                  <a:rPr lang="pt-BR" b="1" i="1" dirty="0"/>
+                  <a:t>qualquer função contínua</a:t>
+                </a:r>
+                <a:r>
+                  <a:rPr lang="pt-BR" dirty="0"/>
+                  <a:t> das entradas com uma precisão arbitrária.</a:t>
                 </a:r>
               </a:p>
               <a:p>
                 <a:r>
                   <a:rPr lang="pt-BR" dirty="0"/>
-                  <a:t>Com duas camadas ocultas, até funções descontínuas podem ser representadas.</a:t>
+                  <a:t>Com duas camadas ocultas, até </a:t>
+                </a:r>
+                <a:r>
+                  <a:rPr lang="pt-BR" b="1" i="1" dirty="0"/>
+                  <a:t>funções descontínuas</a:t>
+                </a:r>
+                <a:r>
+                  <a:rPr lang="pt-BR" dirty="0"/>
+                  <a:t> podem ser representadas.</a:t>
                 </a:r>
               </a:p>
               <a:p>
@@ -9444,7 +9460,7 @@
             </p:txBody>
           </p:sp>
         </mc:Choice>
-        <mc:Fallback xmlns="">
+        <mc:Fallback>
           <p:sp>
             <p:nvSpPr>
               <p:cNvPr id="5" name="Content Placeholder 4"/>
@@ -9463,7 +9479,7 @@
               <a:blipFill rotWithShape="0">
                 <a:blip r:embed="rId2"/>
                 <a:stretch>
-                  <a:fillRect l="-654" t="-2421" r="-1199"/>
+                  <a:fillRect l="-654" t="-2421"/>
                 </a:stretch>
               </a:blipFill>
             </p:spPr>
@@ -11318,7 +11334,7 @@
           <p:cNvPr id="4" name="Título 1">
             <a:extLst>
               <a:ext uri="{FF2B5EF4-FFF2-40B4-BE49-F238E27FC236}">
-                <a16:creationId xmlns:a16="http://schemas.microsoft.com/office/drawing/2014/main" xmlns="" id="{32666AC8-2E17-4DB4-B0F5-60C640CCFD2E}"/>
+                <a16:creationId xmlns="" xmlns:a16="http://schemas.microsoft.com/office/drawing/2014/main" id="{32666AC8-2E17-4DB4-B0F5-60C640CCFD2E}"/>
               </a:ext>
             </a:extLst>
           </p:cNvPr>
@@ -11677,7 +11693,7 @@
           <p:cNvPr id="4" name="Título 1">
             <a:extLst>
               <a:ext uri="{FF2B5EF4-FFF2-40B4-BE49-F238E27FC236}">
-                <a16:creationId xmlns:a16="http://schemas.microsoft.com/office/drawing/2014/main" xmlns="" id="{32666AC8-2E17-4DB4-B0F5-60C640CCFD2E}"/>
+                <a16:creationId xmlns="" xmlns:a16="http://schemas.microsoft.com/office/drawing/2014/main" id="{32666AC8-2E17-4DB4-B0F5-60C640CCFD2E}"/>
               </a:ext>
             </a:extLst>
           </p:cNvPr>

--- a/slides/T320_Redes_Neurais_Artificiais (Parte II).pptx
+++ b/slides/T320_Redes_Neurais_Artificiais (Parte II).pptx
@@ -257,7 +257,7 @@
           <a:p>
             <a:fld id="{C3C82C08-3EFC-4473-8294-F0E229C19EFF}" type="datetimeFigureOut">
               <a:rPr lang="pt-BR" smtClean="0"/>
-              <a:t>12/11/2021</a:t>
+              <a:t>19/11/2021</a:t>
             </a:fld>
             <a:endParaRPr lang="pt-BR"/>
           </a:p>
@@ -3526,7 +3526,7 @@
           <a:p>
             <a:fld id="{221D0464-8C8A-49C0-859F-777E51766A35}" type="datetimeFigureOut">
               <a:rPr lang="pt-BR" smtClean="0"/>
-              <a:t>12/11/2021</a:t>
+              <a:t>19/11/2021</a:t>
             </a:fld>
             <a:endParaRPr lang="pt-BR"/>
           </a:p>
@@ -3696,7 +3696,7 @@
           <a:p>
             <a:fld id="{221D0464-8C8A-49C0-859F-777E51766A35}" type="datetimeFigureOut">
               <a:rPr lang="pt-BR" smtClean="0"/>
-              <a:t>12/11/2021</a:t>
+              <a:t>19/11/2021</a:t>
             </a:fld>
             <a:endParaRPr lang="pt-BR"/>
           </a:p>
@@ -3876,7 +3876,7 @@
           <a:p>
             <a:fld id="{221D0464-8C8A-49C0-859F-777E51766A35}" type="datetimeFigureOut">
               <a:rPr lang="pt-BR" smtClean="0"/>
-              <a:t>12/11/2021</a:t>
+              <a:t>19/11/2021</a:t>
             </a:fld>
             <a:endParaRPr lang="pt-BR"/>
           </a:p>
@@ -4046,7 +4046,7 @@
           <a:p>
             <a:fld id="{221D0464-8C8A-49C0-859F-777E51766A35}" type="datetimeFigureOut">
               <a:rPr lang="pt-BR" smtClean="0"/>
-              <a:t>12/11/2021</a:t>
+              <a:t>19/11/2021</a:t>
             </a:fld>
             <a:endParaRPr lang="pt-BR"/>
           </a:p>
@@ -4292,7 +4292,7 @@
           <a:p>
             <a:fld id="{221D0464-8C8A-49C0-859F-777E51766A35}" type="datetimeFigureOut">
               <a:rPr lang="pt-BR" smtClean="0"/>
-              <a:t>12/11/2021</a:t>
+              <a:t>19/11/2021</a:t>
             </a:fld>
             <a:endParaRPr lang="pt-BR"/>
           </a:p>
@@ -4524,7 +4524,7 @@
           <a:p>
             <a:fld id="{221D0464-8C8A-49C0-859F-777E51766A35}" type="datetimeFigureOut">
               <a:rPr lang="pt-BR" smtClean="0"/>
-              <a:t>12/11/2021</a:t>
+              <a:t>19/11/2021</a:t>
             </a:fld>
             <a:endParaRPr lang="pt-BR"/>
           </a:p>
@@ -4891,7 +4891,7 @@
           <a:p>
             <a:fld id="{221D0464-8C8A-49C0-859F-777E51766A35}" type="datetimeFigureOut">
               <a:rPr lang="pt-BR" smtClean="0"/>
-              <a:t>12/11/2021</a:t>
+              <a:t>19/11/2021</a:t>
             </a:fld>
             <a:endParaRPr lang="pt-BR"/>
           </a:p>
@@ -5009,7 +5009,7 @@
           <a:p>
             <a:fld id="{221D0464-8C8A-49C0-859F-777E51766A35}" type="datetimeFigureOut">
               <a:rPr lang="pt-BR" smtClean="0"/>
-              <a:t>12/11/2021</a:t>
+              <a:t>19/11/2021</a:t>
             </a:fld>
             <a:endParaRPr lang="pt-BR"/>
           </a:p>
@@ -5104,7 +5104,7 @@
           <a:p>
             <a:fld id="{221D0464-8C8A-49C0-859F-777E51766A35}" type="datetimeFigureOut">
               <a:rPr lang="pt-BR" smtClean="0"/>
-              <a:t>12/11/2021</a:t>
+              <a:t>19/11/2021</a:t>
             </a:fld>
             <a:endParaRPr lang="pt-BR"/>
           </a:p>
@@ -5381,7 +5381,7 @@
           <a:p>
             <a:fld id="{221D0464-8C8A-49C0-859F-777E51766A35}" type="datetimeFigureOut">
               <a:rPr lang="pt-BR" smtClean="0"/>
-              <a:t>12/11/2021</a:t>
+              <a:t>19/11/2021</a:t>
             </a:fld>
             <a:endParaRPr lang="pt-BR"/>
           </a:p>
@@ -5634,7 +5634,7 @@
           <a:p>
             <a:fld id="{221D0464-8C8A-49C0-859F-777E51766A35}" type="datetimeFigureOut">
               <a:rPr lang="pt-BR" smtClean="0"/>
-              <a:t>12/11/2021</a:t>
+              <a:t>19/11/2021</a:t>
             </a:fld>
             <a:endParaRPr lang="pt-BR"/>
           </a:p>
@@ -5847,7 +5847,7 @@
           <a:p>
             <a:fld id="{221D0464-8C8A-49C0-859F-777E51766A35}" type="datetimeFigureOut">
               <a:rPr lang="pt-BR" smtClean="0"/>
-              <a:t>12/11/2021</a:t>
+              <a:t>19/11/2021</a:t>
             </a:fld>
             <a:endParaRPr lang="pt-BR"/>
           </a:p>
@@ -6257,7 +6257,7 @@
           <p:cNvPr id="2" name="Título 1">
             <a:extLst>
               <a:ext uri="{FF2B5EF4-FFF2-40B4-BE49-F238E27FC236}">
-                <a16:creationId xmlns="" xmlns:a16="http://schemas.microsoft.com/office/drawing/2014/main" id="{32666AC8-2E17-4DB4-B0F5-60C640CCFD2E}"/>
+                <a16:creationId xmlns:a16="http://schemas.microsoft.com/office/drawing/2014/main" xmlns="" id="{32666AC8-2E17-4DB4-B0F5-60C640CCFD2E}"/>
               </a:ext>
             </a:extLst>
           </p:cNvPr>
@@ -6308,7 +6308,7 @@
           <p:cNvPr id="4" name="CaixaDeTexto 3">
             <a:extLst>
               <a:ext uri="{FF2B5EF4-FFF2-40B4-BE49-F238E27FC236}">
-                <a16:creationId xmlns="" xmlns:a16="http://schemas.microsoft.com/office/drawing/2014/main" id="{430EB894-B7D4-434C-9D1A-A14094D9BEEC}"/>
+                <a16:creationId xmlns:a16="http://schemas.microsoft.com/office/drawing/2014/main" xmlns="" id="{430EB894-B7D4-434C-9D1A-A14094D9BEEC}"/>
               </a:ext>
             </a:extLst>
           </p:cNvPr>
@@ -6349,7 +6349,7 @@
           <p:cNvPr id="1026" name="Picture 2" descr="Logo">
             <a:extLst>
               <a:ext uri="{FF2B5EF4-FFF2-40B4-BE49-F238E27FC236}">
-                <a16:creationId xmlns="" xmlns:a16="http://schemas.microsoft.com/office/drawing/2014/main" id="{3F2642E0-4F6A-4196-8F58-E77D36E9A33F}"/>
+                <a16:creationId xmlns:a16="http://schemas.microsoft.com/office/drawing/2014/main" xmlns="" id="{3F2642E0-4F6A-4196-8F58-E77D36E9A33F}"/>
               </a:ext>
             </a:extLst>
           </p:cNvPr>
@@ -6394,7 +6394,7 @@
           <p:cNvPr id="5122" name="Picture 2" descr="Image result for machine learning">
             <a:extLst>
               <a:ext uri="{FF2B5EF4-FFF2-40B4-BE49-F238E27FC236}">
-                <a16:creationId xmlns="" xmlns:a16="http://schemas.microsoft.com/office/drawing/2014/main" id="{810CE0A2-4102-44A6-A370-175E7896CDCB}"/>
+                <a16:creationId xmlns:a16="http://schemas.microsoft.com/office/drawing/2014/main" xmlns="" id="{810CE0A2-4102-44A6-A370-175E7896CDCB}"/>
               </a:ext>
             </a:extLst>
           </p:cNvPr>
@@ -6416,7 +6416,7 @@
         </p:blipFill>
         <p:spPr bwMode="auto">
           <a:xfrm>
-            <a:off x="4965305" y="3396429"/>
+            <a:off x="4965305" y="3440389"/>
             <a:ext cx="2261389" cy="2237061"/>
           </a:xfrm>
           <a:prstGeom prst="rect">
@@ -9198,8 +9198,8 @@
           </a:p>
         </p:txBody>
       </p:sp>
-      <mc:AlternateContent xmlns:mc="http://schemas.openxmlformats.org/markup-compatibility/2006">
-        <mc:Choice xmlns:a14="http://schemas.microsoft.com/office/drawing/2010/main" Requires="a14">
+      <mc:AlternateContent xmlns:mc="http://schemas.openxmlformats.org/markup-compatibility/2006" xmlns:a14="http://schemas.microsoft.com/office/drawing/2010/main">
+        <mc:Choice Requires="a14">
           <p:sp>
             <p:nvSpPr>
               <p:cNvPr id="5" name="Content Placeholder 4"/>
@@ -9460,7 +9460,7 @@
             </p:txBody>
           </p:sp>
         </mc:Choice>
-        <mc:Fallback>
+        <mc:Fallback xmlns="">
           <p:sp>
             <p:nvSpPr>
               <p:cNvPr id="5" name="Content Placeholder 4"/>
@@ -11334,7 +11334,7 @@
           <p:cNvPr id="4" name="Título 1">
             <a:extLst>
               <a:ext uri="{FF2B5EF4-FFF2-40B4-BE49-F238E27FC236}">
-                <a16:creationId xmlns="" xmlns:a16="http://schemas.microsoft.com/office/drawing/2014/main" id="{32666AC8-2E17-4DB4-B0F5-60C640CCFD2E}"/>
+                <a16:creationId xmlns:a16="http://schemas.microsoft.com/office/drawing/2014/main" xmlns="" id="{32666AC8-2E17-4DB4-B0F5-60C640CCFD2E}"/>
               </a:ext>
             </a:extLst>
           </p:cNvPr>
@@ -11693,7 +11693,7 @@
           <p:cNvPr id="4" name="Título 1">
             <a:extLst>
               <a:ext uri="{FF2B5EF4-FFF2-40B4-BE49-F238E27FC236}">
-                <a16:creationId xmlns="" xmlns:a16="http://schemas.microsoft.com/office/drawing/2014/main" id="{32666AC8-2E17-4DB4-B0F5-60C640CCFD2E}"/>
+                <a16:creationId xmlns:a16="http://schemas.microsoft.com/office/drawing/2014/main" xmlns="" id="{32666AC8-2E17-4DB4-B0F5-60C640CCFD2E}"/>
               </a:ext>
             </a:extLst>
           </p:cNvPr>

--- a/slides/T320_Redes_Neurais_Artificiais (Parte II).pptx
+++ b/slides/T320_Redes_Neurais_Artificiais (Parte II).pptx
@@ -5,7 +5,7 @@
     <p:sldMasterId id="2147483648" r:id="rId1"/>
   </p:sldMasterIdLst>
   <p:notesMasterIdLst>
-    <p:notesMasterId r:id="rId26"/>
+    <p:notesMasterId r:id="rId27"/>
   </p:notesMasterIdLst>
   <p:sldIdLst>
     <p:sldId id="300" r:id="rId2"/>
@@ -32,6 +32,7 @@
     <p:sldId id="269" r:id="rId23"/>
     <p:sldId id="303" r:id="rId24"/>
     <p:sldId id="271" r:id="rId25"/>
+    <p:sldId id="365" r:id="rId26"/>
   </p:sldIdLst>
   <p:sldSz cx="12192000" cy="6858000"/>
   <p:notesSz cx="6858000" cy="9144000"/>
@@ -257,7 +258,7 @@
           <a:p>
             <a:fld id="{C3C82C08-3EFC-4473-8294-F0E229C19EFF}" type="datetimeFigureOut">
               <a:rPr lang="pt-BR" smtClean="0"/>
-              <a:t>19/11/2021</a:t>
+              <a:t>06/05/2022</a:t>
             </a:fld>
             <a:endParaRPr lang="pt-BR"/>
           </a:p>
@@ -416,7 +417,7 @@
           <a:p>
             <a:fld id="{F430A2A4-8C14-4B1A-AD48-7B6401078BF7}" type="slidenum">
               <a:rPr lang="pt-BR" smtClean="0"/>
-              <a:t>‹#›</a:t>
+              <a:t>‹nº›</a:t>
             </a:fld>
             <a:endParaRPr lang="pt-BR"/>
           </a:p>
@@ -655,45 +656,171 @@
           <a:p>
             <a:r>
               <a:rPr lang="pt-BR" dirty="0" smtClean="0"/>
-              <a:t>Existem vários</a:t>
+              <a:t>O </a:t>
+            </a:r>
+            <a:r>
+              <a:rPr lang="pt-BR" dirty="0" smtClean="0"/>
+              <a:t>problema é que, em alguns casos, o gradiente </a:t>
+            </a:r>
+            <a:r>
+              <a:rPr lang="pt-BR" dirty="0" smtClean="0"/>
+              <a:t>em camadas iniciais será </a:t>
+            </a:r>
+            <a:r>
+              <a:rPr lang="pt-BR" dirty="0" smtClean="0"/>
+              <a:t>extremamente pequeno, </a:t>
+            </a:r>
+            <a:r>
+              <a:rPr lang="pt-BR" dirty="0" smtClean="0"/>
+              <a:t>fazendo</a:t>
             </a:r>
             <a:r>
               <a:rPr lang="pt-BR" baseline="0" dirty="0" smtClean="0"/>
-              <a:t> outros tipos de funções de ativação, cada uma com suas vantagens e desvantagens.</a:t>
-            </a:r>
-          </a:p>
-          <a:p>
-            <a:r>
-              <a:rPr lang="pt-BR" baseline="0" dirty="0" smtClean="0"/>
-              <a:t>O link abaixo contem uma lista com vários tipos de funções de ativação.</a:t>
-            </a:r>
-          </a:p>
-          <a:p>
-            <a:r>
-              <a:rPr lang="pt-BR" dirty="0" smtClean="0">
-                <a:hlinkClick r:id="rId3"/>
+              <a:t> com </a:t>
+            </a:r>
+            <a:r>
+              <a:rPr lang="pt-BR" dirty="0" smtClean="0"/>
+              <a:t>que os pesos desta camada praticamente não mudem </a:t>
+            </a:r>
+            <a:r>
+              <a:rPr lang="pt-BR" dirty="0" smtClean="0"/>
+              <a:t>de valor. </a:t>
+            </a:r>
+          </a:p>
+          <a:p>
+            <a:endParaRPr lang="pt-BR" dirty="0" smtClean="0"/>
+          </a:p>
+          <a:p>
+            <a:r>
+              <a:rPr lang="pt-BR" dirty="0" smtClean="0"/>
+              <a:t>Na </a:t>
+            </a:r>
+            <a:r>
+              <a:rPr lang="pt-BR" dirty="0" smtClean="0"/>
+              <a:t>pior das hipóteses, isso pode impedir completamente o </a:t>
+            </a:r>
+            <a:r>
+              <a:rPr lang="pt-BR" dirty="0" smtClean="0"/>
+              <a:t>aprendizado da </a:t>
+            </a:r>
+            <a:r>
+              <a:rPr lang="pt-BR" dirty="0" smtClean="0"/>
+              <a:t>rede neural.</a:t>
+            </a:r>
+          </a:p>
+          <a:p>
+            <a:r>
+              <a:rPr lang="pt-BR" sz="1200" b="0" i="0" kern="1200" dirty="0" smtClean="0">
+                <a:solidFill>
+                  <a:schemeClr val="tx1"/>
+                </a:solidFill>
+                <a:effectLst/>
+                <a:latin typeface="+mn-lt"/>
+                <a:ea typeface="+mn-ea"/>
+                <a:cs typeface="+mn-cs"/>
               </a:rPr>
-              <a:t>https://en.wikipedia.org/wiki/Activation_function#Comparison_of_activation_functions</a:t>
-            </a:r>
-            <a:endParaRPr lang="pt-BR" dirty="0" smtClean="0"/>
-          </a:p>
-          <a:p>
-            <a:endParaRPr lang="pt-BR" dirty="0" smtClean="0"/>
+              <a:t>Temos aqui uma observação importante: em pelo menos algumas redes neurais profundas, o gradiente tende a diminuir à medida que nos movemos para trás através das camadas ocultas. Isso significa que os neurônios nas camadas anteriores </a:t>
+            </a:r>
+            <a:r>
+              <a:rPr lang="pt-BR" sz="1200" b="0" i="0" kern="1200" dirty="0" smtClean="0">
+                <a:solidFill>
+                  <a:schemeClr val="tx1"/>
+                </a:solidFill>
+                <a:effectLst/>
+                <a:latin typeface="+mn-lt"/>
+                <a:ea typeface="+mn-ea"/>
+                <a:cs typeface="+mn-cs"/>
+              </a:rPr>
+              <a:t>aprendem</a:t>
+            </a:r>
+            <a:r>
+              <a:rPr lang="pt-BR" sz="1200" b="0" i="0" kern="1200" baseline="0" dirty="0" smtClean="0">
+                <a:solidFill>
+                  <a:schemeClr val="tx1"/>
+                </a:solidFill>
+                <a:effectLst/>
+                <a:latin typeface="+mn-lt"/>
+                <a:ea typeface="+mn-ea"/>
+                <a:cs typeface="+mn-cs"/>
+              </a:rPr>
+              <a:t> mais vagarosamente ou nem aprendem.</a:t>
+            </a:r>
+            <a:endParaRPr lang="pt-BR" sz="1200" b="0" i="0" kern="1200" dirty="0" smtClean="0">
+              <a:solidFill>
+                <a:schemeClr val="tx1"/>
+              </a:solidFill>
+              <a:effectLst/>
+              <a:latin typeface="+mn-lt"/>
+              <a:ea typeface="+mn-ea"/>
+              <a:cs typeface="+mn-cs"/>
+            </a:endParaRPr>
+          </a:p>
+          <a:p>
+            <a:endParaRPr lang="pt-BR" sz="1200" b="0" i="0" kern="1200" dirty="0" smtClean="0">
+              <a:solidFill>
+                <a:schemeClr val="tx1"/>
+              </a:solidFill>
+              <a:effectLst/>
+              <a:latin typeface="+mn-lt"/>
+              <a:ea typeface="+mn-ea"/>
+              <a:cs typeface="+mn-cs"/>
+            </a:endParaRPr>
           </a:p>
           <a:p>
             <a:r>
               <a:rPr lang="pt-BR" dirty="0" smtClean="0"/>
-              <a:t>Referências</a:t>
-            </a:r>
-          </a:p>
-          <a:p>
+              <a:t>o gradiente é multiplicado várias vezes com o algoritmo da </a:t>
+            </a:r>
+            <a:r>
+              <a:rPr lang="pt-BR" b="1" i="1" dirty="0" smtClean="0"/>
+              <a:t>retropropagação</a:t>
+            </a:r>
             <a:r>
               <a:rPr lang="pt-BR" dirty="0" smtClean="0"/>
-              <a:t>[1] https://en.wikipedia.org/wiki/Activation_function</a:t>
-            </a:r>
-          </a:p>
-          <a:p>
-            <a:endParaRPr lang="pt-BR" dirty="0" smtClean="0"/>
+              <a:t>, o que faz com que o gradiente se torne menor para as camadas inferiores, levando a uma mudança muito pequena ou até mesmo nenhuma mudança nos pesos das camadas inferiores</a:t>
+            </a:r>
+            <a:r>
+              <a:rPr lang="pt-BR" sz="1200" b="0" i="0" kern="1200" dirty="0" smtClean="0">
+                <a:solidFill>
+                  <a:schemeClr val="tx1"/>
+                </a:solidFill>
+                <a:effectLst/>
+                <a:latin typeface="+mn-lt"/>
+                <a:ea typeface="+mn-ea"/>
+                <a:cs typeface="+mn-cs"/>
+              </a:rPr>
+              <a:t>endem muito mais lentamente que os neurônios nas camadas posteriores</a:t>
+            </a:r>
+            <a:r>
+              <a:rPr lang="pt-BR" sz="1200" b="0" i="0" kern="1200" dirty="0" smtClean="0">
+                <a:solidFill>
+                  <a:schemeClr val="tx1"/>
+                </a:solidFill>
+                <a:effectLst/>
+                <a:latin typeface="+mn-lt"/>
+                <a:ea typeface="+mn-ea"/>
+                <a:cs typeface="+mn-cs"/>
+              </a:rPr>
+              <a:t>.</a:t>
+            </a:r>
+          </a:p>
+          <a:p>
+            <a:endParaRPr lang="pt-BR" sz="1200" b="0" i="0" kern="1200" dirty="0" smtClean="0">
+              <a:solidFill>
+                <a:schemeClr val="tx1"/>
+              </a:solidFill>
+              <a:effectLst/>
+              <a:latin typeface="+mn-lt"/>
+              <a:ea typeface="+mn-ea"/>
+              <a:cs typeface="+mn-cs"/>
+            </a:endParaRPr>
+          </a:p>
+          <a:p>
+            <a:r>
+              <a:rPr lang="pt-BR" dirty="0" smtClean="0"/>
+              <a:t>Como os gradientes frequentemente se tornam menores até ficarem próximos de zero, os novos pesos do modelo (das camadas iniciais) serão praticamente idênticos aos pesos antigos sem nenhuma atualização. Como resultado, o algoritmo do gradiente descendente nunca converge para a solução ótima.</a:t>
+            </a:r>
+            <a:endParaRPr lang="pt-BR" dirty="0"/>
           </a:p>
         </p:txBody>
       </p:sp>
@@ -714,7 +841,7 @@
           <a:p>
             <a:fld id="{F430A2A4-8C14-4B1A-AD48-7B6401078BF7}" type="slidenum">
               <a:rPr lang="pt-BR" smtClean="0"/>
-              <a:t>13</a:t>
+              <a:t>12</a:t>
             </a:fld>
             <a:endParaRPr lang="pt-BR"/>
           </a:p>
@@ -723,7 +850,7 @@
     </p:spTree>
     <p:extLst>
       <p:ext uri="{BB962C8B-B14F-4D97-AF65-F5344CB8AC3E}">
-        <p14:creationId xmlns:p14="http://schemas.microsoft.com/office/powerpoint/2010/main" val="4116391056"/>
+        <p14:creationId xmlns:p14="http://schemas.microsoft.com/office/powerpoint/2010/main" val="1850766801"/>
       </p:ext>
     </p:extLst>
   </p:cSld>
@@ -778,919 +905,46 @@
           <a:lstStyle/>
           <a:p>
             <a:r>
-              <a:rPr lang="en-US" dirty="0"/>
-              <a:t>What are the advantages of </a:t>
-            </a:r>
-            <a:r>
-              <a:rPr lang="en-US" dirty="0" err="1"/>
-              <a:t>ReLU</a:t>
-            </a:r>
-            <a:r>
-              <a:rPr lang="en-US" dirty="0"/>
-              <a:t> over sigmoid function in deep neural networks?</a:t>
-            </a:r>
-            <a:endParaRPr lang="pt-BR" dirty="0"/>
-          </a:p>
-          <a:p>
-            <a:r>
-              <a:rPr lang="pt-BR" dirty="0">
+              <a:rPr lang="pt-BR" dirty="0" smtClean="0"/>
+              <a:t>Existem vários</a:t>
+            </a:r>
+            <a:r>
+              <a:rPr lang="pt-BR" baseline="0" dirty="0" smtClean="0"/>
+              <a:t> outros tipos de funções de ativação, cada uma com suas vantagens e desvantagens.</a:t>
+            </a:r>
+          </a:p>
+          <a:p>
+            <a:r>
+              <a:rPr lang="pt-BR" baseline="0" dirty="0" smtClean="0"/>
+              <a:t>O link abaixo contem uma lista com vários tipos de funções de ativação.</a:t>
+            </a:r>
+          </a:p>
+          <a:p>
+            <a:r>
+              <a:rPr lang="pt-BR" dirty="0" smtClean="0">
                 <a:hlinkClick r:id="rId3"/>
               </a:rPr>
-              <a:t>https://stats.stackexchange.com/questions/126238/what-are-the-advantages-of-relu-over-sigmoid-function-in-deep-neural-networks#:~:text=The%20main%20reason%20why%20ReLu,deep%20network%20with%20sigmoid%20activation.</a:t>
-            </a:r>
-            <a:endParaRPr lang="pt-BR" dirty="0"/>
-          </a:p>
-          <a:p>
-            <a:endParaRPr lang="pt-BR" dirty="0"/>
-          </a:p>
-          <a:p>
-            <a:pPr fontAlgn="base"/>
-            <a:r>
-              <a:rPr lang="en-US" sz="1200" b="1" i="0" kern="1200" dirty="0">
-                <a:solidFill>
-                  <a:schemeClr val="tx1"/>
-                </a:solidFill>
-                <a:effectLst/>
-                <a:latin typeface="+mn-lt"/>
-                <a:ea typeface="+mn-ea"/>
-                <a:cs typeface="+mn-cs"/>
-              </a:rPr>
-              <a:t>Advantage:</a:t>
-            </a:r>
-          </a:p>
-          <a:p>
-            <a:pPr fontAlgn="base"/>
-            <a:endParaRPr lang="en-US" sz="1200" b="0" i="0" kern="1200" dirty="0">
-              <a:solidFill>
-                <a:schemeClr val="tx1"/>
-              </a:solidFill>
-              <a:effectLst/>
-              <a:latin typeface="+mn-lt"/>
-              <a:ea typeface="+mn-ea"/>
-              <a:cs typeface="+mn-cs"/>
-            </a:endParaRPr>
-          </a:p>
-          <a:p>
-            <a:pPr fontAlgn="base"/>
-            <a:r>
-              <a:rPr lang="en-US" sz="1200" b="0" i="0" kern="1200" dirty="0">
-                <a:solidFill>
-                  <a:schemeClr val="tx1"/>
-                </a:solidFill>
-                <a:effectLst/>
-                <a:latin typeface="+mn-lt"/>
-                <a:ea typeface="+mn-ea"/>
-                <a:cs typeface="+mn-cs"/>
-              </a:rPr>
-              <a:t>Sigmoid: not blowing up activation</a:t>
-            </a:r>
-          </a:p>
-          <a:p>
-            <a:pPr fontAlgn="base"/>
-            <a:r>
-              <a:rPr lang="en-US" sz="1200" b="0" i="0" kern="1200" dirty="0" err="1">
-                <a:solidFill>
-                  <a:schemeClr val="tx1"/>
-                </a:solidFill>
-                <a:effectLst/>
-                <a:latin typeface="+mn-lt"/>
-                <a:ea typeface="+mn-ea"/>
-                <a:cs typeface="+mn-cs"/>
-              </a:rPr>
-              <a:t>Relu</a:t>
-            </a:r>
-            <a:r>
-              <a:rPr lang="en-US" sz="1200" b="0" i="0" kern="1200" dirty="0">
-                <a:solidFill>
-                  <a:schemeClr val="tx1"/>
-                </a:solidFill>
-                <a:effectLst/>
-                <a:latin typeface="+mn-lt"/>
-                <a:ea typeface="+mn-ea"/>
-                <a:cs typeface="+mn-cs"/>
-              </a:rPr>
-              <a:t> : not vanishing gradient</a:t>
-            </a:r>
-          </a:p>
-          <a:p>
-            <a:pPr fontAlgn="base"/>
-            <a:r>
-              <a:rPr lang="en-US" sz="1200" b="0" i="0" kern="1200" dirty="0" err="1">
-                <a:solidFill>
-                  <a:schemeClr val="tx1"/>
-                </a:solidFill>
-                <a:effectLst/>
-                <a:latin typeface="+mn-lt"/>
-                <a:ea typeface="+mn-ea"/>
-                <a:cs typeface="+mn-cs"/>
-              </a:rPr>
-              <a:t>Relu</a:t>
-            </a:r>
-            <a:r>
-              <a:rPr lang="en-US" sz="1200" b="0" i="0" kern="1200" dirty="0">
-                <a:solidFill>
-                  <a:schemeClr val="tx1"/>
-                </a:solidFill>
-                <a:effectLst/>
-                <a:latin typeface="+mn-lt"/>
-                <a:ea typeface="+mn-ea"/>
-                <a:cs typeface="+mn-cs"/>
-              </a:rPr>
-              <a:t> : More computationally efficient to compute than Sigmoid like functions since </a:t>
-            </a:r>
-            <a:r>
-              <a:rPr lang="en-US" sz="1200" b="0" i="0" kern="1200" dirty="0" err="1">
-                <a:solidFill>
-                  <a:schemeClr val="tx1"/>
-                </a:solidFill>
-                <a:effectLst/>
-                <a:latin typeface="+mn-lt"/>
-                <a:ea typeface="+mn-ea"/>
-                <a:cs typeface="+mn-cs"/>
-              </a:rPr>
-              <a:t>Relu</a:t>
-            </a:r>
-            <a:r>
-              <a:rPr lang="en-US" sz="1200" b="0" i="0" kern="1200" dirty="0">
-                <a:solidFill>
-                  <a:schemeClr val="tx1"/>
-                </a:solidFill>
-                <a:effectLst/>
-                <a:latin typeface="+mn-lt"/>
-                <a:ea typeface="+mn-ea"/>
-                <a:cs typeface="+mn-cs"/>
-              </a:rPr>
-              <a:t> just needs to pick max(0,</a:t>
-            </a:r>
-            <a:r>
-              <a:rPr lang="en-US" sz="1200" b="0" i="0" u="none" strike="noStrike" kern="1200" dirty="0">
-                <a:solidFill>
-                  <a:schemeClr val="tx1"/>
-                </a:solidFill>
-                <a:effectLst/>
-                <a:latin typeface="+mn-lt"/>
-                <a:ea typeface="+mn-ea"/>
-                <a:cs typeface="+mn-cs"/>
-              </a:rPr>
-              <a:t>xx</a:t>
-            </a:r>
-            <a:r>
-              <a:rPr lang="en-US" sz="1200" b="0" i="0" kern="1200" dirty="0">
-                <a:solidFill>
-                  <a:schemeClr val="tx1"/>
-                </a:solidFill>
-                <a:effectLst/>
-                <a:latin typeface="+mn-lt"/>
-                <a:ea typeface="+mn-ea"/>
-                <a:cs typeface="+mn-cs"/>
-              </a:rPr>
-              <a:t>) and not perform expensive exponential operations as in </a:t>
-            </a:r>
-            <a:r>
-              <a:rPr lang="en-US" sz="1200" b="0" i="0" kern="1200" dirty="0" err="1">
-                <a:solidFill>
-                  <a:schemeClr val="tx1"/>
-                </a:solidFill>
-                <a:effectLst/>
-                <a:latin typeface="+mn-lt"/>
-                <a:ea typeface="+mn-ea"/>
-                <a:cs typeface="+mn-cs"/>
-              </a:rPr>
-              <a:t>Sigmoids</a:t>
-            </a:r>
-            <a:endParaRPr lang="en-US" sz="1200" b="0" i="0" kern="1200" dirty="0">
-              <a:solidFill>
-                <a:schemeClr val="tx1"/>
-              </a:solidFill>
-              <a:effectLst/>
-              <a:latin typeface="+mn-lt"/>
-              <a:ea typeface="+mn-ea"/>
-              <a:cs typeface="+mn-cs"/>
-            </a:endParaRPr>
-          </a:p>
-          <a:p>
-            <a:pPr fontAlgn="base"/>
-            <a:r>
-              <a:rPr lang="en-US" sz="1200" b="0" i="0" kern="1200" dirty="0" err="1">
-                <a:solidFill>
-                  <a:schemeClr val="tx1"/>
-                </a:solidFill>
-                <a:effectLst/>
-                <a:latin typeface="+mn-lt"/>
-                <a:ea typeface="+mn-ea"/>
-                <a:cs typeface="+mn-cs"/>
-              </a:rPr>
-              <a:t>Relu</a:t>
-            </a:r>
-            <a:r>
-              <a:rPr lang="en-US" sz="1200" b="0" i="0" kern="1200" dirty="0">
-                <a:solidFill>
-                  <a:schemeClr val="tx1"/>
-                </a:solidFill>
-                <a:effectLst/>
-                <a:latin typeface="+mn-lt"/>
-                <a:ea typeface="+mn-ea"/>
-                <a:cs typeface="+mn-cs"/>
-              </a:rPr>
-              <a:t> : In practice, networks with </a:t>
-            </a:r>
-            <a:r>
-              <a:rPr lang="en-US" sz="1200" b="0" i="0" kern="1200" dirty="0" err="1">
-                <a:solidFill>
-                  <a:schemeClr val="tx1"/>
-                </a:solidFill>
-                <a:effectLst/>
-                <a:latin typeface="+mn-lt"/>
-                <a:ea typeface="+mn-ea"/>
-                <a:cs typeface="+mn-cs"/>
-              </a:rPr>
-              <a:t>Relu</a:t>
-            </a:r>
-            <a:r>
-              <a:rPr lang="en-US" sz="1200" b="0" i="0" kern="1200" dirty="0">
-                <a:solidFill>
-                  <a:schemeClr val="tx1"/>
-                </a:solidFill>
-                <a:effectLst/>
-                <a:latin typeface="+mn-lt"/>
-                <a:ea typeface="+mn-ea"/>
-                <a:cs typeface="+mn-cs"/>
-              </a:rPr>
-              <a:t> tend to show better convergence performance than sigmoid. (</a:t>
-            </a:r>
-            <a:r>
-              <a:rPr lang="en-US" sz="1200" b="0" i="0" u="sng" kern="1200" dirty="0" err="1">
-                <a:solidFill>
-                  <a:schemeClr val="tx1"/>
-                </a:solidFill>
-                <a:effectLst/>
-                <a:latin typeface="+mn-lt"/>
-                <a:ea typeface="+mn-ea"/>
-                <a:cs typeface="+mn-cs"/>
-                <a:hlinkClick r:id="rId4"/>
-              </a:rPr>
-              <a:t>Krizhevsky</a:t>
-            </a:r>
-            <a:r>
-              <a:rPr lang="en-US" sz="1200" b="0" i="0" u="sng" kern="1200" dirty="0">
-                <a:solidFill>
-                  <a:schemeClr val="tx1"/>
-                </a:solidFill>
-                <a:effectLst/>
-                <a:latin typeface="+mn-lt"/>
-                <a:ea typeface="+mn-ea"/>
-                <a:cs typeface="+mn-cs"/>
-                <a:hlinkClick r:id="rId4"/>
-              </a:rPr>
-              <a:t> et al.</a:t>
-            </a:r>
-            <a:r>
-              <a:rPr lang="en-US" sz="1200" b="0" i="0" kern="1200" dirty="0">
-                <a:solidFill>
-                  <a:schemeClr val="tx1"/>
-                </a:solidFill>
-                <a:effectLst/>
-                <a:latin typeface="+mn-lt"/>
-                <a:ea typeface="+mn-ea"/>
-                <a:cs typeface="+mn-cs"/>
-              </a:rPr>
-              <a:t>)</a:t>
-            </a:r>
-          </a:p>
-          <a:p>
-            <a:pPr fontAlgn="base"/>
-            <a:endParaRPr lang="en-US" sz="1200" b="0" i="0" kern="1200" dirty="0">
-              <a:solidFill>
-                <a:schemeClr val="tx1"/>
-              </a:solidFill>
-              <a:effectLst/>
-              <a:latin typeface="+mn-lt"/>
-              <a:ea typeface="+mn-ea"/>
-              <a:cs typeface="+mn-cs"/>
-            </a:endParaRPr>
-          </a:p>
-          <a:p>
-            <a:pPr fontAlgn="base"/>
-            <a:r>
-              <a:rPr lang="en-US" sz="1200" b="1" i="0" kern="1200" dirty="0">
-                <a:solidFill>
-                  <a:schemeClr val="tx1"/>
-                </a:solidFill>
-                <a:effectLst/>
-                <a:latin typeface="+mn-lt"/>
-                <a:ea typeface="+mn-ea"/>
-                <a:cs typeface="+mn-cs"/>
-              </a:rPr>
-              <a:t>Disadvantage:</a:t>
-            </a:r>
-            <a:endParaRPr lang="en-US" sz="1200" b="0" i="0" kern="1200" dirty="0">
-              <a:solidFill>
-                <a:schemeClr val="tx1"/>
-              </a:solidFill>
-              <a:effectLst/>
-              <a:latin typeface="+mn-lt"/>
-              <a:ea typeface="+mn-ea"/>
-              <a:cs typeface="+mn-cs"/>
-            </a:endParaRPr>
-          </a:p>
-          <a:p>
-            <a:pPr fontAlgn="base"/>
-            <a:r>
-              <a:rPr lang="en-US" sz="1200" b="0" i="0" kern="1200" dirty="0">
-                <a:solidFill>
-                  <a:schemeClr val="tx1"/>
-                </a:solidFill>
-                <a:effectLst/>
-                <a:latin typeface="+mn-lt"/>
-                <a:ea typeface="+mn-ea"/>
-                <a:cs typeface="+mn-cs"/>
-              </a:rPr>
-              <a:t>Sigmoid: tend to vanish gradient (cause there is a mechanism to reduce the gradient as "</a:t>
-            </a:r>
-            <a:r>
-              <a:rPr lang="en-US" sz="1200" b="0" i="0" u="none" strike="noStrike" kern="1200" dirty="0">
-                <a:solidFill>
-                  <a:schemeClr val="tx1"/>
-                </a:solidFill>
-                <a:effectLst/>
-                <a:latin typeface="+mn-lt"/>
-                <a:ea typeface="+mn-ea"/>
-                <a:cs typeface="+mn-cs"/>
-              </a:rPr>
-              <a:t>aa</a:t>
-            </a:r>
-            <a:r>
-              <a:rPr lang="en-US" sz="1200" b="0" i="0" kern="1200" dirty="0">
-                <a:solidFill>
-                  <a:schemeClr val="tx1"/>
-                </a:solidFill>
-                <a:effectLst/>
-                <a:latin typeface="+mn-lt"/>
-                <a:ea typeface="+mn-ea"/>
-                <a:cs typeface="+mn-cs"/>
-              </a:rPr>
-              <a:t>" increase, where "</a:t>
-            </a:r>
-            <a:r>
-              <a:rPr lang="en-US" sz="1200" b="0" i="0" u="none" strike="noStrike" kern="1200" dirty="0">
-                <a:solidFill>
-                  <a:schemeClr val="tx1"/>
-                </a:solidFill>
-                <a:effectLst/>
-                <a:latin typeface="+mn-lt"/>
-                <a:ea typeface="+mn-ea"/>
-                <a:cs typeface="+mn-cs"/>
-              </a:rPr>
-              <a:t>aa</a:t>
-            </a:r>
-            <a:r>
-              <a:rPr lang="en-US" sz="1200" b="0" i="0" kern="1200" dirty="0">
-                <a:solidFill>
-                  <a:schemeClr val="tx1"/>
-                </a:solidFill>
-                <a:effectLst/>
-                <a:latin typeface="+mn-lt"/>
-                <a:ea typeface="+mn-ea"/>
-                <a:cs typeface="+mn-cs"/>
-              </a:rPr>
-              <a:t>" is the input of a sigmoid function. Gradient of Sigmoid: </a:t>
-            </a:r>
-            <a:r>
-              <a:rPr lang="en-US" sz="1200" b="0" i="0" u="none" strike="noStrike" kern="1200" dirty="0">
-                <a:solidFill>
-                  <a:schemeClr val="tx1"/>
-                </a:solidFill>
-                <a:effectLst/>
-                <a:latin typeface="+mn-lt"/>
-                <a:ea typeface="+mn-ea"/>
-                <a:cs typeface="+mn-cs"/>
-              </a:rPr>
-              <a:t>S′(a)=S(a)(1−S(a))S′(a)=S(a)(1−S(a))</a:t>
-            </a:r>
-            <a:r>
-              <a:rPr lang="en-US" sz="1200" b="0" i="0" kern="1200" dirty="0">
-                <a:solidFill>
-                  <a:schemeClr val="tx1"/>
-                </a:solidFill>
-                <a:effectLst/>
-                <a:latin typeface="+mn-lt"/>
-                <a:ea typeface="+mn-ea"/>
-                <a:cs typeface="+mn-cs"/>
-              </a:rPr>
-              <a:t>. When "</a:t>
-            </a:r>
-            <a:r>
-              <a:rPr lang="en-US" sz="1200" b="0" i="0" u="none" strike="noStrike" kern="1200" dirty="0">
-                <a:solidFill>
-                  <a:schemeClr val="tx1"/>
-                </a:solidFill>
-                <a:effectLst/>
-                <a:latin typeface="+mn-lt"/>
-                <a:ea typeface="+mn-ea"/>
-                <a:cs typeface="+mn-cs"/>
-              </a:rPr>
-              <a:t>aa</a:t>
-            </a:r>
-            <a:r>
-              <a:rPr lang="en-US" sz="1200" b="0" i="0" kern="1200" dirty="0">
-                <a:solidFill>
-                  <a:schemeClr val="tx1"/>
-                </a:solidFill>
-                <a:effectLst/>
-                <a:latin typeface="+mn-lt"/>
-                <a:ea typeface="+mn-ea"/>
-                <a:cs typeface="+mn-cs"/>
-              </a:rPr>
-              <a:t>" grows to infinite large , </a:t>
-            </a:r>
-            <a:r>
-              <a:rPr lang="en-US" sz="1200" b="0" i="0" u="none" strike="noStrike" kern="1200" dirty="0">
-                <a:solidFill>
-                  <a:schemeClr val="tx1"/>
-                </a:solidFill>
-                <a:effectLst/>
-                <a:latin typeface="+mn-lt"/>
-                <a:ea typeface="+mn-ea"/>
-                <a:cs typeface="+mn-cs"/>
-              </a:rPr>
-              <a:t>S′(a)=S(a)(1−S(a))=1×(1−1)=0S′(a)=S(a)(1−S(a))=1×(1−1)=0</a:t>
-            </a:r>
-            <a:r>
-              <a:rPr lang="en-US" sz="1200" b="0" i="0" kern="1200" dirty="0">
-                <a:solidFill>
-                  <a:schemeClr val="tx1"/>
-                </a:solidFill>
-                <a:effectLst/>
-                <a:latin typeface="+mn-lt"/>
-                <a:ea typeface="+mn-ea"/>
-                <a:cs typeface="+mn-cs"/>
-              </a:rPr>
-              <a:t>).</a:t>
-            </a:r>
-          </a:p>
-          <a:p>
-            <a:pPr fontAlgn="base"/>
-            <a:r>
-              <a:rPr lang="en-US" sz="1200" b="0" i="0" kern="1200" dirty="0" err="1">
-                <a:solidFill>
-                  <a:schemeClr val="tx1"/>
-                </a:solidFill>
-                <a:effectLst/>
-                <a:latin typeface="+mn-lt"/>
-                <a:ea typeface="+mn-ea"/>
-                <a:cs typeface="+mn-cs"/>
-              </a:rPr>
-              <a:t>Relu</a:t>
-            </a:r>
-            <a:r>
-              <a:rPr lang="en-US" sz="1200" b="0" i="0" kern="1200" dirty="0">
-                <a:solidFill>
-                  <a:schemeClr val="tx1"/>
-                </a:solidFill>
-                <a:effectLst/>
-                <a:latin typeface="+mn-lt"/>
-                <a:ea typeface="+mn-ea"/>
-                <a:cs typeface="+mn-cs"/>
-              </a:rPr>
-              <a:t> : tend to blow up activation (there is no mechanism to constrain the output of the neuron, as "</a:t>
-            </a:r>
-            <a:r>
-              <a:rPr lang="en-US" sz="1200" b="0" i="0" u="none" strike="noStrike" kern="1200" dirty="0">
-                <a:solidFill>
-                  <a:schemeClr val="tx1"/>
-                </a:solidFill>
-                <a:effectLst/>
-                <a:latin typeface="+mn-lt"/>
-                <a:ea typeface="+mn-ea"/>
-                <a:cs typeface="+mn-cs"/>
-              </a:rPr>
-              <a:t>aa</a:t>
-            </a:r>
-            <a:r>
-              <a:rPr lang="en-US" sz="1200" b="0" i="0" kern="1200" dirty="0">
-                <a:solidFill>
-                  <a:schemeClr val="tx1"/>
-                </a:solidFill>
-                <a:effectLst/>
-                <a:latin typeface="+mn-lt"/>
-                <a:ea typeface="+mn-ea"/>
-                <a:cs typeface="+mn-cs"/>
-              </a:rPr>
-              <a:t>" itself is the output)</a:t>
-            </a:r>
-          </a:p>
-          <a:p>
-            <a:pPr fontAlgn="base"/>
-            <a:r>
-              <a:rPr lang="en-US" sz="1200" b="0" i="0" kern="1200" dirty="0" err="1">
-                <a:solidFill>
-                  <a:schemeClr val="tx1"/>
-                </a:solidFill>
-                <a:effectLst/>
-                <a:latin typeface="+mn-lt"/>
-                <a:ea typeface="+mn-ea"/>
-                <a:cs typeface="+mn-cs"/>
-              </a:rPr>
-              <a:t>Relu</a:t>
-            </a:r>
-            <a:r>
-              <a:rPr lang="en-US" sz="1200" b="0" i="0" kern="1200" dirty="0">
-                <a:solidFill>
-                  <a:schemeClr val="tx1"/>
-                </a:solidFill>
-                <a:effectLst/>
-                <a:latin typeface="+mn-lt"/>
-                <a:ea typeface="+mn-ea"/>
-                <a:cs typeface="+mn-cs"/>
-              </a:rPr>
-              <a:t> : Dying </a:t>
-            </a:r>
-            <a:r>
-              <a:rPr lang="en-US" sz="1200" b="0" i="0" kern="1200" dirty="0" err="1">
-                <a:solidFill>
-                  <a:schemeClr val="tx1"/>
-                </a:solidFill>
-                <a:effectLst/>
-                <a:latin typeface="+mn-lt"/>
-                <a:ea typeface="+mn-ea"/>
-                <a:cs typeface="+mn-cs"/>
-              </a:rPr>
-              <a:t>Relu</a:t>
-            </a:r>
-            <a:r>
-              <a:rPr lang="en-US" sz="1200" b="0" i="0" kern="1200" dirty="0">
-                <a:solidFill>
-                  <a:schemeClr val="tx1"/>
-                </a:solidFill>
-                <a:effectLst/>
-                <a:latin typeface="+mn-lt"/>
-                <a:ea typeface="+mn-ea"/>
-                <a:cs typeface="+mn-cs"/>
-              </a:rPr>
-              <a:t> problem - if too many activations get below zero then most of the units(neurons) in network with </a:t>
-            </a:r>
-            <a:r>
-              <a:rPr lang="en-US" sz="1200" b="0" i="0" kern="1200" dirty="0" err="1">
-                <a:solidFill>
-                  <a:schemeClr val="tx1"/>
-                </a:solidFill>
-                <a:effectLst/>
-                <a:latin typeface="+mn-lt"/>
-                <a:ea typeface="+mn-ea"/>
-                <a:cs typeface="+mn-cs"/>
-              </a:rPr>
-              <a:t>Relu</a:t>
-            </a:r>
-            <a:r>
-              <a:rPr lang="en-US" sz="1200" b="0" i="0" kern="1200" dirty="0">
-                <a:solidFill>
-                  <a:schemeClr val="tx1"/>
-                </a:solidFill>
-                <a:effectLst/>
-                <a:latin typeface="+mn-lt"/>
-                <a:ea typeface="+mn-ea"/>
-                <a:cs typeface="+mn-cs"/>
-              </a:rPr>
-              <a:t> will simply output zero, in other words, die and thereby prohibiting learning.(This can be handled, to some extent, by using Leaky-</a:t>
-            </a:r>
-            <a:r>
-              <a:rPr lang="en-US" sz="1200" b="0" i="0" kern="1200" dirty="0" err="1">
-                <a:solidFill>
-                  <a:schemeClr val="tx1"/>
-                </a:solidFill>
-                <a:effectLst/>
-                <a:latin typeface="+mn-lt"/>
-                <a:ea typeface="+mn-ea"/>
-                <a:cs typeface="+mn-cs"/>
-              </a:rPr>
-              <a:t>Relu</a:t>
-            </a:r>
-            <a:r>
-              <a:rPr lang="en-US" sz="1200" b="0" i="0" kern="1200" dirty="0">
-                <a:solidFill>
-                  <a:schemeClr val="tx1"/>
-                </a:solidFill>
-                <a:effectLst/>
-                <a:latin typeface="+mn-lt"/>
-                <a:ea typeface="+mn-ea"/>
-                <a:cs typeface="+mn-cs"/>
-              </a:rPr>
-              <a:t> instead.)</a:t>
-            </a:r>
-          </a:p>
-          <a:p>
-            <a:pPr fontAlgn="base"/>
-            <a:endParaRPr lang="en-US" sz="1200" b="0" i="0" kern="1200" dirty="0">
-              <a:solidFill>
-                <a:schemeClr val="tx1"/>
-              </a:solidFill>
-              <a:effectLst/>
-              <a:latin typeface="+mn-lt"/>
-              <a:ea typeface="+mn-ea"/>
-              <a:cs typeface="+mn-cs"/>
-            </a:endParaRPr>
-          </a:p>
-          <a:p>
-            <a:pPr fontAlgn="base"/>
-            <a:r>
-              <a:rPr lang="en-US" sz="1200" b="0" i="0" kern="1200" dirty="0">
-                <a:solidFill>
-                  <a:schemeClr val="tx1"/>
-                </a:solidFill>
-                <a:effectLst/>
-                <a:latin typeface="+mn-lt"/>
-                <a:ea typeface="+mn-ea"/>
-                <a:cs typeface="+mn-cs"/>
-              </a:rPr>
-              <a:t/>
-            </a:r>
-            <a:br>
-              <a:rPr lang="en-US" sz="1200" b="0" i="0" kern="1200" dirty="0">
-                <a:solidFill>
-                  <a:schemeClr val="tx1"/>
-                </a:solidFill>
-                <a:effectLst/>
-                <a:latin typeface="+mn-lt"/>
-                <a:ea typeface="+mn-ea"/>
-                <a:cs typeface="+mn-cs"/>
-              </a:rPr>
-            </a:br>
-            <a:r>
-              <a:rPr lang="en-US" sz="1200" b="0" i="0" kern="1200" dirty="0">
-                <a:solidFill>
-                  <a:schemeClr val="tx1"/>
-                </a:solidFill>
-                <a:effectLst/>
-                <a:latin typeface="+mn-lt"/>
-                <a:ea typeface="+mn-ea"/>
-                <a:cs typeface="+mn-cs"/>
-              </a:rPr>
-              <a:t>Just complementing the other answers:</a:t>
-            </a:r>
-          </a:p>
-          <a:p>
-            <a:pPr fontAlgn="base"/>
-            <a:r>
-              <a:rPr lang="en-US" sz="1200" b="1" i="0" kern="1200" dirty="0">
-                <a:solidFill>
-                  <a:schemeClr val="tx1"/>
-                </a:solidFill>
-                <a:effectLst/>
-                <a:latin typeface="+mn-lt"/>
-                <a:ea typeface="+mn-ea"/>
-                <a:cs typeface="+mn-cs"/>
-              </a:rPr>
-              <a:t>Vanishing Gradients</a:t>
-            </a:r>
-            <a:endParaRPr lang="en-US" sz="1200" b="0" i="0" kern="1200" dirty="0">
-              <a:solidFill>
-                <a:schemeClr val="tx1"/>
-              </a:solidFill>
-              <a:effectLst/>
-              <a:latin typeface="+mn-lt"/>
-              <a:ea typeface="+mn-ea"/>
-              <a:cs typeface="+mn-cs"/>
-            </a:endParaRPr>
-          </a:p>
-          <a:p>
-            <a:pPr fontAlgn="base"/>
-            <a:r>
-              <a:rPr lang="en-US" sz="1200" b="0" i="0" kern="1200" dirty="0">
-                <a:solidFill>
-                  <a:schemeClr val="tx1"/>
-                </a:solidFill>
-                <a:effectLst/>
-                <a:latin typeface="+mn-lt"/>
-                <a:ea typeface="+mn-ea"/>
-                <a:cs typeface="+mn-cs"/>
-              </a:rPr>
-              <a:t>The other answers are right to point out that the bigger the input (in absolute value) the smaller the gradient of the sigmoid function. But, probably an even more important effect is that the derivative of the sigmoid function is </a:t>
-            </a:r>
-            <a:r>
-              <a:rPr lang="en-US" sz="1200" b="1" i="0" kern="1200" dirty="0">
-                <a:solidFill>
-                  <a:schemeClr val="tx1"/>
-                </a:solidFill>
-                <a:effectLst/>
-                <a:latin typeface="+mn-lt"/>
-                <a:ea typeface="+mn-ea"/>
-                <a:cs typeface="+mn-cs"/>
-              </a:rPr>
-              <a:t>ALWAYS smaller than one</a:t>
-            </a:r>
-            <a:r>
-              <a:rPr lang="en-US" sz="1200" b="0" i="0" kern="1200" dirty="0">
-                <a:solidFill>
-                  <a:schemeClr val="tx1"/>
-                </a:solidFill>
-                <a:effectLst/>
-                <a:latin typeface="+mn-lt"/>
-                <a:ea typeface="+mn-ea"/>
-                <a:cs typeface="+mn-cs"/>
-              </a:rPr>
-              <a:t>. In fact it is at most 0.25!</a:t>
-            </a:r>
-          </a:p>
-          <a:p>
-            <a:pPr fontAlgn="base"/>
-            <a:r>
-              <a:rPr lang="en-US" sz="1200" b="0" i="0" kern="1200" dirty="0">
-                <a:solidFill>
-                  <a:schemeClr val="tx1"/>
-                </a:solidFill>
-                <a:effectLst/>
-                <a:latin typeface="+mn-lt"/>
-                <a:ea typeface="+mn-ea"/>
-                <a:cs typeface="+mn-cs"/>
-              </a:rPr>
-              <a:t>The down side of this is that if you have many layers, you will multiply these gradients, and the product of many smaller than 1 values goes to zero very quickly.</a:t>
-            </a:r>
-          </a:p>
-          <a:p>
-            <a:pPr fontAlgn="base"/>
-            <a:r>
-              <a:rPr lang="en-US" sz="1200" b="0" i="0" kern="1200" dirty="0">
-                <a:solidFill>
-                  <a:schemeClr val="tx1"/>
-                </a:solidFill>
-                <a:effectLst/>
-                <a:latin typeface="+mn-lt"/>
-                <a:ea typeface="+mn-ea"/>
-                <a:cs typeface="+mn-cs"/>
-              </a:rPr>
-              <a:t>Since the state of the art of for Deep Learning has shown that more layers helps a lot, then this disadvantage of the Sigmoid function is a game killer. </a:t>
-            </a:r>
-            <a:r>
-              <a:rPr lang="en-US" sz="1200" b="1" i="0" kern="1200" dirty="0">
-                <a:solidFill>
-                  <a:schemeClr val="tx1"/>
-                </a:solidFill>
-                <a:effectLst/>
-                <a:latin typeface="+mn-lt"/>
-                <a:ea typeface="+mn-ea"/>
-                <a:cs typeface="+mn-cs"/>
-              </a:rPr>
-              <a:t>You just can't do Deep Learning with Sigmoid.</a:t>
-            </a:r>
-            <a:endParaRPr lang="en-US" sz="1200" b="0" i="0" kern="1200" dirty="0">
-              <a:solidFill>
-                <a:schemeClr val="tx1"/>
-              </a:solidFill>
-              <a:effectLst/>
-              <a:latin typeface="+mn-lt"/>
-              <a:ea typeface="+mn-ea"/>
-              <a:cs typeface="+mn-cs"/>
-            </a:endParaRPr>
-          </a:p>
-          <a:p>
-            <a:pPr fontAlgn="base"/>
-            <a:r>
-              <a:rPr lang="en-US" sz="1200" b="0" i="0" kern="1200" dirty="0">
-                <a:solidFill>
-                  <a:schemeClr val="tx1"/>
-                </a:solidFill>
-                <a:effectLst/>
-                <a:latin typeface="+mn-lt"/>
-                <a:ea typeface="+mn-ea"/>
-                <a:cs typeface="+mn-cs"/>
-              </a:rPr>
-              <a:t>On the other hand the gradient of the </a:t>
-            </a:r>
-            <a:r>
-              <a:rPr lang="en-US" sz="1200" b="0" i="0" kern="1200" dirty="0" err="1">
-                <a:solidFill>
-                  <a:schemeClr val="tx1"/>
-                </a:solidFill>
-                <a:effectLst/>
-                <a:latin typeface="+mn-lt"/>
-                <a:ea typeface="+mn-ea"/>
-                <a:cs typeface="+mn-cs"/>
-              </a:rPr>
-              <a:t>ReLu</a:t>
-            </a:r>
-            <a:r>
-              <a:rPr lang="en-US" sz="1200" b="0" i="0" kern="1200" dirty="0">
-                <a:solidFill>
-                  <a:schemeClr val="tx1"/>
-                </a:solidFill>
-                <a:effectLst/>
-                <a:latin typeface="+mn-lt"/>
-                <a:ea typeface="+mn-ea"/>
-                <a:cs typeface="+mn-cs"/>
-              </a:rPr>
-              <a:t> function is either </a:t>
-            </a:r>
-            <a:r>
-              <a:rPr lang="en-US" sz="1200" b="0" i="0" u="none" strike="noStrike" kern="1200" dirty="0">
-                <a:solidFill>
-                  <a:schemeClr val="tx1"/>
-                </a:solidFill>
-                <a:effectLst/>
-                <a:latin typeface="+mn-lt"/>
-                <a:ea typeface="+mn-ea"/>
-                <a:cs typeface="+mn-cs"/>
-              </a:rPr>
-              <a:t>00</a:t>
-            </a:r>
-            <a:r>
-              <a:rPr lang="en-US" sz="1200" b="0" i="0" kern="1200" dirty="0">
-                <a:solidFill>
-                  <a:schemeClr val="tx1"/>
-                </a:solidFill>
-                <a:effectLst/>
-                <a:latin typeface="+mn-lt"/>
-                <a:ea typeface="+mn-ea"/>
-                <a:cs typeface="+mn-cs"/>
-              </a:rPr>
-              <a:t> for </a:t>
-            </a:r>
-            <a:r>
-              <a:rPr lang="en-US" sz="1200" b="0" i="0" u="none" strike="noStrike" kern="1200" dirty="0">
-                <a:solidFill>
-                  <a:schemeClr val="tx1"/>
-                </a:solidFill>
-                <a:effectLst/>
-                <a:latin typeface="+mn-lt"/>
-                <a:ea typeface="+mn-ea"/>
-                <a:cs typeface="+mn-cs"/>
-              </a:rPr>
-              <a:t>a&lt;0a&lt;0</a:t>
-            </a:r>
-            <a:r>
-              <a:rPr lang="en-US" sz="1200" b="0" i="0" kern="1200" dirty="0">
-                <a:solidFill>
-                  <a:schemeClr val="tx1"/>
-                </a:solidFill>
-                <a:effectLst/>
-                <a:latin typeface="+mn-lt"/>
-                <a:ea typeface="+mn-ea"/>
-                <a:cs typeface="+mn-cs"/>
-              </a:rPr>
-              <a:t> or </a:t>
-            </a:r>
-            <a:r>
-              <a:rPr lang="en-US" sz="1200" b="0" i="0" u="none" strike="noStrike" kern="1200" dirty="0">
-                <a:solidFill>
-                  <a:schemeClr val="tx1"/>
-                </a:solidFill>
-                <a:effectLst/>
-                <a:latin typeface="+mn-lt"/>
-                <a:ea typeface="+mn-ea"/>
-                <a:cs typeface="+mn-cs"/>
-              </a:rPr>
-              <a:t>11</a:t>
-            </a:r>
-            <a:r>
-              <a:rPr lang="en-US" sz="1200" b="0" i="0" kern="1200" dirty="0">
-                <a:solidFill>
-                  <a:schemeClr val="tx1"/>
-                </a:solidFill>
-                <a:effectLst/>
-                <a:latin typeface="+mn-lt"/>
-                <a:ea typeface="+mn-ea"/>
-                <a:cs typeface="+mn-cs"/>
-              </a:rPr>
-              <a:t> for </a:t>
-            </a:r>
-            <a:r>
-              <a:rPr lang="en-US" sz="1200" b="0" i="0" u="none" strike="noStrike" kern="1200" dirty="0">
-                <a:solidFill>
-                  <a:schemeClr val="tx1"/>
-                </a:solidFill>
-                <a:effectLst/>
-                <a:latin typeface="+mn-lt"/>
-                <a:ea typeface="+mn-ea"/>
-                <a:cs typeface="+mn-cs"/>
-              </a:rPr>
-              <a:t>a&gt;0a&gt;0</a:t>
-            </a:r>
-            <a:r>
-              <a:rPr lang="en-US" sz="1200" b="0" i="0" kern="1200" dirty="0">
-                <a:solidFill>
-                  <a:schemeClr val="tx1"/>
-                </a:solidFill>
-                <a:effectLst/>
-                <a:latin typeface="+mn-lt"/>
-                <a:ea typeface="+mn-ea"/>
-                <a:cs typeface="+mn-cs"/>
-              </a:rPr>
-              <a:t>. That means that you can put as many layers as you like, because multiplying the gradients will neither vanish nor explode.</a:t>
-            </a:r>
-          </a:p>
-          <a:p>
-            <a:pPr fontAlgn="base"/>
-            <a:endParaRPr lang="en-US" sz="1200" b="0" i="0" kern="1200" dirty="0">
-              <a:solidFill>
-                <a:schemeClr val="tx1"/>
-              </a:solidFill>
-              <a:effectLst/>
-              <a:latin typeface="+mn-lt"/>
-              <a:ea typeface="+mn-ea"/>
-              <a:cs typeface="+mn-cs"/>
-            </a:endParaRPr>
-          </a:p>
-          <a:p>
-            <a:endParaRPr lang="pt-BR" dirty="0"/>
+              <a:t>https://en.wikipedia.org/wiki/Activation_function#Comparison_of_activation_functions</a:t>
+            </a:r>
+            <a:endParaRPr lang="pt-BR" dirty="0" smtClean="0"/>
+          </a:p>
+          <a:p>
+            <a:endParaRPr lang="pt-BR" dirty="0" smtClean="0"/>
+          </a:p>
+          <a:p>
+            <a:r>
+              <a:rPr lang="pt-BR" dirty="0" smtClean="0"/>
+              <a:t>Referências</a:t>
+            </a:r>
+          </a:p>
+          <a:p>
+            <a:r>
+              <a:rPr lang="pt-BR" dirty="0" smtClean="0"/>
+              <a:t>[1] https://en.wikipedia.org/wiki/Activation_function</a:t>
+            </a:r>
+          </a:p>
+          <a:p>
+            <a:endParaRPr lang="pt-BR" dirty="0" smtClean="0"/>
           </a:p>
         </p:txBody>
       </p:sp>
@@ -1711,7 +965,7 @@
           <a:p>
             <a:fld id="{F430A2A4-8C14-4B1A-AD48-7B6401078BF7}" type="slidenum">
               <a:rPr lang="pt-BR" smtClean="0"/>
-              <a:t>14</a:t>
+              <a:t>13</a:t>
             </a:fld>
             <a:endParaRPr lang="pt-BR"/>
           </a:p>
@@ -1720,7 +974,7 @@
     </p:spTree>
     <p:extLst>
       <p:ext uri="{BB962C8B-B14F-4D97-AF65-F5344CB8AC3E}">
-        <p14:creationId xmlns:p14="http://schemas.microsoft.com/office/powerpoint/2010/main" val="343368178"/>
+        <p14:creationId xmlns:p14="http://schemas.microsoft.com/office/powerpoint/2010/main" val="4116391056"/>
       </p:ext>
     </p:extLst>
   </p:cSld>
@@ -1775,16 +1029,919 @@
           <a:lstStyle/>
           <a:p>
             <a:r>
-              <a:rPr lang="pt-BR" sz="1200" b="1" dirty="0" smtClean="0"/>
-              <a:t>Laboratório #6:</a:t>
-            </a:r>
-            <a:r>
-              <a:rPr lang="pt-BR" sz="1200" dirty="0" smtClean="0"/>
-              <a:t> https://mybinder.org/v2/gh/zz4fap/t320_aprendizado_de_maquina/main?filepath=labs%2FLaboratorio6.ipynb</a:t>
-            </a:r>
-          </a:p>
-          <a:p>
-            <a:endParaRPr lang="pt-BR" sz="1200" dirty="0"/>
+              <a:rPr lang="en-US" dirty="0"/>
+              <a:t>What are the advantages of </a:t>
+            </a:r>
+            <a:r>
+              <a:rPr lang="en-US" dirty="0" err="1"/>
+              <a:t>ReLU</a:t>
+            </a:r>
+            <a:r>
+              <a:rPr lang="en-US" dirty="0"/>
+              <a:t> over sigmoid function in deep neural networks?</a:t>
+            </a:r>
+            <a:endParaRPr lang="pt-BR" dirty="0"/>
+          </a:p>
+          <a:p>
+            <a:r>
+              <a:rPr lang="pt-BR" dirty="0">
+                <a:hlinkClick r:id="rId3"/>
+              </a:rPr>
+              <a:t>https://stats.stackexchange.com/questions/126238/what-are-the-advantages-of-relu-over-sigmoid-function-in-deep-neural-networks#:~:text=The%20main%20reason%20why%20ReLu,deep%20network%20with%20sigmoid%20activation.</a:t>
+            </a:r>
+            <a:endParaRPr lang="pt-BR" dirty="0"/>
+          </a:p>
+          <a:p>
+            <a:endParaRPr lang="pt-BR" dirty="0"/>
+          </a:p>
+          <a:p>
+            <a:pPr fontAlgn="base"/>
+            <a:r>
+              <a:rPr lang="en-US" sz="1200" b="1" i="0" kern="1200" dirty="0">
+                <a:solidFill>
+                  <a:schemeClr val="tx1"/>
+                </a:solidFill>
+                <a:effectLst/>
+                <a:latin typeface="+mn-lt"/>
+                <a:ea typeface="+mn-ea"/>
+                <a:cs typeface="+mn-cs"/>
+              </a:rPr>
+              <a:t>Advantage:</a:t>
+            </a:r>
+          </a:p>
+          <a:p>
+            <a:pPr fontAlgn="base"/>
+            <a:endParaRPr lang="en-US" sz="1200" b="0" i="0" kern="1200" dirty="0">
+              <a:solidFill>
+                <a:schemeClr val="tx1"/>
+              </a:solidFill>
+              <a:effectLst/>
+              <a:latin typeface="+mn-lt"/>
+              <a:ea typeface="+mn-ea"/>
+              <a:cs typeface="+mn-cs"/>
+            </a:endParaRPr>
+          </a:p>
+          <a:p>
+            <a:pPr fontAlgn="base"/>
+            <a:r>
+              <a:rPr lang="en-US" sz="1200" b="0" i="0" kern="1200" dirty="0">
+                <a:solidFill>
+                  <a:schemeClr val="tx1"/>
+                </a:solidFill>
+                <a:effectLst/>
+                <a:latin typeface="+mn-lt"/>
+                <a:ea typeface="+mn-ea"/>
+                <a:cs typeface="+mn-cs"/>
+              </a:rPr>
+              <a:t>Sigmoid: not blowing up activation</a:t>
+            </a:r>
+          </a:p>
+          <a:p>
+            <a:pPr fontAlgn="base"/>
+            <a:r>
+              <a:rPr lang="en-US" sz="1200" b="0" i="0" kern="1200" dirty="0" err="1">
+                <a:solidFill>
+                  <a:schemeClr val="tx1"/>
+                </a:solidFill>
+                <a:effectLst/>
+                <a:latin typeface="+mn-lt"/>
+                <a:ea typeface="+mn-ea"/>
+                <a:cs typeface="+mn-cs"/>
+              </a:rPr>
+              <a:t>Relu</a:t>
+            </a:r>
+            <a:r>
+              <a:rPr lang="en-US" sz="1200" b="0" i="0" kern="1200" dirty="0">
+                <a:solidFill>
+                  <a:schemeClr val="tx1"/>
+                </a:solidFill>
+                <a:effectLst/>
+                <a:latin typeface="+mn-lt"/>
+                <a:ea typeface="+mn-ea"/>
+                <a:cs typeface="+mn-cs"/>
+              </a:rPr>
+              <a:t> : not vanishing gradient</a:t>
+            </a:r>
+          </a:p>
+          <a:p>
+            <a:pPr fontAlgn="base"/>
+            <a:r>
+              <a:rPr lang="en-US" sz="1200" b="0" i="0" kern="1200" dirty="0" err="1">
+                <a:solidFill>
+                  <a:schemeClr val="tx1"/>
+                </a:solidFill>
+                <a:effectLst/>
+                <a:latin typeface="+mn-lt"/>
+                <a:ea typeface="+mn-ea"/>
+                <a:cs typeface="+mn-cs"/>
+              </a:rPr>
+              <a:t>Relu</a:t>
+            </a:r>
+            <a:r>
+              <a:rPr lang="en-US" sz="1200" b="0" i="0" kern="1200" dirty="0">
+                <a:solidFill>
+                  <a:schemeClr val="tx1"/>
+                </a:solidFill>
+                <a:effectLst/>
+                <a:latin typeface="+mn-lt"/>
+                <a:ea typeface="+mn-ea"/>
+                <a:cs typeface="+mn-cs"/>
+              </a:rPr>
+              <a:t> : More computationally efficient to compute than Sigmoid like functions since </a:t>
+            </a:r>
+            <a:r>
+              <a:rPr lang="en-US" sz="1200" b="0" i="0" kern="1200" dirty="0" err="1">
+                <a:solidFill>
+                  <a:schemeClr val="tx1"/>
+                </a:solidFill>
+                <a:effectLst/>
+                <a:latin typeface="+mn-lt"/>
+                <a:ea typeface="+mn-ea"/>
+                <a:cs typeface="+mn-cs"/>
+              </a:rPr>
+              <a:t>Relu</a:t>
+            </a:r>
+            <a:r>
+              <a:rPr lang="en-US" sz="1200" b="0" i="0" kern="1200" dirty="0">
+                <a:solidFill>
+                  <a:schemeClr val="tx1"/>
+                </a:solidFill>
+                <a:effectLst/>
+                <a:latin typeface="+mn-lt"/>
+                <a:ea typeface="+mn-ea"/>
+                <a:cs typeface="+mn-cs"/>
+              </a:rPr>
+              <a:t> just needs to pick max(0,</a:t>
+            </a:r>
+            <a:r>
+              <a:rPr lang="en-US" sz="1200" b="0" i="0" u="none" strike="noStrike" kern="1200" dirty="0">
+                <a:solidFill>
+                  <a:schemeClr val="tx1"/>
+                </a:solidFill>
+                <a:effectLst/>
+                <a:latin typeface="+mn-lt"/>
+                <a:ea typeface="+mn-ea"/>
+                <a:cs typeface="+mn-cs"/>
+              </a:rPr>
+              <a:t>xx</a:t>
+            </a:r>
+            <a:r>
+              <a:rPr lang="en-US" sz="1200" b="0" i="0" kern="1200" dirty="0">
+                <a:solidFill>
+                  <a:schemeClr val="tx1"/>
+                </a:solidFill>
+                <a:effectLst/>
+                <a:latin typeface="+mn-lt"/>
+                <a:ea typeface="+mn-ea"/>
+                <a:cs typeface="+mn-cs"/>
+              </a:rPr>
+              <a:t>) and not perform expensive exponential operations as in </a:t>
+            </a:r>
+            <a:r>
+              <a:rPr lang="en-US" sz="1200" b="0" i="0" kern="1200" dirty="0" err="1">
+                <a:solidFill>
+                  <a:schemeClr val="tx1"/>
+                </a:solidFill>
+                <a:effectLst/>
+                <a:latin typeface="+mn-lt"/>
+                <a:ea typeface="+mn-ea"/>
+                <a:cs typeface="+mn-cs"/>
+              </a:rPr>
+              <a:t>Sigmoids</a:t>
+            </a:r>
+            <a:endParaRPr lang="en-US" sz="1200" b="0" i="0" kern="1200" dirty="0">
+              <a:solidFill>
+                <a:schemeClr val="tx1"/>
+              </a:solidFill>
+              <a:effectLst/>
+              <a:latin typeface="+mn-lt"/>
+              <a:ea typeface="+mn-ea"/>
+              <a:cs typeface="+mn-cs"/>
+            </a:endParaRPr>
+          </a:p>
+          <a:p>
+            <a:pPr fontAlgn="base"/>
+            <a:r>
+              <a:rPr lang="en-US" sz="1200" b="0" i="0" kern="1200" dirty="0" err="1">
+                <a:solidFill>
+                  <a:schemeClr val="tx1"/>
+                </a:solidFill>
+                <a:effectLst/>
+                <a:latin typeface="+mn-lt"/>
+                <a:ea typeface="+mn-ea"/>
+                <a:cs typeface="+mn-cs"/>
+              </a:rPr>
+              <a:t>Relu</a:t>
+            </a:r>
+            <a:r>
+              <a:rPr lang="en-US" sz="1200" b="0" i="0" kern="1200" dirty="0">
+                <a:solidFill>
+                  <a:schemeClr val="tx1"/>
+                </a:solidFill>
+                <a:effectLst/>
+                <a:latin typeface="+mn-lt"/>
+                <a:ea typeface="+mn-ea"/>
+                <a:cs typeface="+mn-cs"/>
+              </a:rPr>
+              <a:t> : In practice, networks with </a:t>
+            </a:r>
+            <a:r>
+              <a:rPr lang="en-US" sz="1200" b="0" i="0" kern="1200" dirty="0" err="1">
+                <a:solidFill>
+                  <a:schemeClr val="tx1"/>
+                </a:solidFill>
+                <a:effectLst/>
+                <a:latin typeface="+mn-lt"/>
+                <a:ea typeface="+mn-ea"/>
+                <a:cs typeface="+mn-cs"/>
+              </a:rPr>
+              <a:t>Relu</a:t>
+            </a:r>
+            <a:r>
+              <a:rPr lang="en-US" sz="1200" b="0" i="0" kern="1200" dirty="0">
+                <a:solidFill>
+                  <a:schemeClr val="tx1"/>
+                </a:solidFill>
+                <a:effectLst/>
+                <a:latin typeface="+mn-lt"/>
+                <a:ea typeface="+mn-ea"/>
+                <a:cs typeface="+mn-cs"/>
+              </a:rPr>
+              <a:t> tend to show better convergence performance than sigmoid. (</a:t>
+            </a:r>
+            <a:r>
+              <a:rPr lang="en-US" sz="1200" b="0" i="0" u="sng" kern="1200" dirty="0" err="1">
+                <a:solidFill>
+                  <a:schemeClr val="tx1"/>
+                </a:solidFill>
+                <a:effectLst/>
+                <a:latin typeface="+mn-lt"/>
+                <a:ea typeface="+mn-ea"/>
+                <a:cs typeface="+mn-cs"/>
+                <a:hlinkClick r:id="rId4"/>
+              </a:rPr>
+              <a:t>Krizhevsky</a:t>
+            </a:r>
+            <a:r>
+              <a:rPr lang="en-US" sz="1200" b="0" i="0" u="sng" kern="1200" dirty="0">
+                <a:solidFill>
+                  <a:schemeClr val="tx1"/>
+                </a:solidFill>
+                <a:effectLst/>
+                <a:latin typeface="+mn-lt"/>
+                <a:ea typeface="+mn-ea"/>
+                <a:cs typeface="+mn-cs"/>
+                <a:hlinkClick r:id="rId4"/>
+              </a:rPr>
+              <a:t> et al.</a:t>
+            </a:r>
+            <a:r>
+              <a:rPr lang="en-US" sz="1200" b="0" i="0" kern="1200" dirty="0">
+                <a:solidFill>
+                  <a:schemeClr val="tx1"/>
+                </a:solidFill>
+                <a:effectLst/>
+                <a:latin typeface="+mn-lt"/>
+                <a:ea typeface="+mn-ea"/>
+                <a:cs typeface="+mn-cs"/>
+              </a:rPr>
+              <a:t>)</a:t>
+            </a:r>
+          </a:p>
+          <a:p>
+            <a:pPr fontAlgn="base"/>
+            <a:endParaRPr lang="en-US" sz="1200" b="0" i="0" kern="1200" dirty="0">
+              <a:solidFill>
+                <a:schemeClr val="tx1"/>
+              </a:solidFill>
+              <a:effectLst/>
+              <a:latin typeface="+mn-lt"/>
+              <a:ea typeface="+mn-ea"/>
+              <a:cs typeface="+mn-cs"/>
+            </a:endParaRPr>
+          </a:p>
+          <a:p>
+            <a:pPr fontAlgn="base"/>
+            <a:r>
+              <a:rPr lang="en-US" sz="1200" b="1" i="0" kern="1200" dirty="0">
+                <a:solidFill>
+                  <a:schemeClr val="tx1"/>
+                </a:solidFill>
+                <a:effectLst/>
+                <a:latin typeface="+mn-lt"/>
+                <a:ea typeface="+mn-ea"/>
+                <a:cs typeface="+mn-cs"/>
+              </a:rPr>
+              <a:t>Disadvantage:</a:t>
+            </a:r>
+            <a:endParaRPr lang="en-US" sz="1200" b="0" i="0" kern="1200" dirty="0">
+              <a:solidFill>
+                <a:schemeClr val="tx1"/>
+              </a:solidFill>
+              <a:effectLst/>
+              <a:latin typeface="+mn-lt"/>
+              <a:ea typeface="+mn-ea"/>
+              <a:cs typeface="+mn-cs"/>
+            </a:endParaRPr>
+          </a:p>
+          <a:p>
+            <a:pPr fontAlgn="base"/>
+            <a:r>
+              <a:rPr lang="en-US" sz="1200" b="0" i="0" kern="1200" dirty="0">
+                <a:solidFill>
+                  <a:schemeClr val="tx1"/>
+                </a:solidFill>
+                <a:effectLst/>
+                <a:latin typeface="+mn-lt"/>
+                <a:ea typeface="+mn-ea"/>
+                <a:cs typeface="+mn-cs"/>
+              </a:rPr>
+              <a:t>Sigmoid: tend to vanish gradient (cause there is a mechanism to reduce the gradient as "</a:t>
+            </a:r>
+            <a:r>
+              <a:rPr lang="en-US" sz="1200" b="0" i="0" u="none" strike="noStrike" kern="1200" dirty="0">
+                <a:solidFill>
+                  <a:schemeClr val="tx1"/>
+                </a:solidFill>
+                <a:effectLst/>
+                <a:latin typeface="+mn-lt"/>
+                <a:ea typeface="+mn-ea"/>
+                <a:cs typeface="+mn-cs"/>
+              </a:rPr>
+              <a:t>aa</a:t>
+            </a:r>
+            <a:r>
+              <a:rPr lang="en-US" sz="1200" b="0" i="0" kern="1200" dirty="0">
+                <a:solidFill>
+                  <a:schemeClr val="tx1"/>
+                </a:solidFill>
+                <a:effectLst/>
+                <a:latin typeface="+mn-lt"/>
+                <a:ea typeface="+mn-ea"/>
+                <a:cs typeface="+mn-cs"/>
+              </a:rPr>
+              <a:t>" increase, where "</a:t>
+            </a:r>
+            <a:r>
+              <a:rPr lang="en-US" sz="1200" b="0" i="0" u="none" strike="noStrike" kern="1200" dirty="0">
+                <a:solidFill>
+                  <a:schemeClr val="tx1"/>
+                </a:solidFill>
+                <a:effectLst/>
+                <a:latin typeface="+mn-lt"/>
+                <a:ea typeface="+mn-ea"/>
+                <a:cs typeface="+mn-cs"/>
+              </a:rPr>
+              <a:t>aa</a:t>
+            </a:r>
+            <a:r>
+              <a:rPr lang="en-US" sz="1200" b="0" i="0" kern="1200" dirty="0">
+                <a:solidFill>
+                  <a:schemeClr val="tx1"/>
+                </a:solidFill>
+                <a:effectLst/>
+                <a:latin typeface="+mn-lt"/>
+                <a:ea typeface="+mn-ea"/>
+                <a:cs typeface="+mn-cs"/>
+              </a:rPr>
+              <a:t>" is the input of a sigmoid function. Gradient of Sigmoid: </a:t>
+            </a:r>
+            <a:r>
+              <a:rPr lang="en-US" sz="1200" b="0" i="0" u="none" strike="noStrike" kern="1200" dirty="0">
+                <a:solidFill>
+                  <a:schemeClr val="tx1"/>
+                </a:solidFill>
+                <a:effectLst/>
+                <a:latin typeface="+mn-lt"/>
+                <a:ea typeface="+mn-ea"/>
+                <a:cs typeface="+mn-cs"/>
+              </a:rPr>
+              <a:t>S′(a)=S(a)(1−S(a))S′(a)=S(a)(1−S(a))</a:t>
+            </a:r>
+            <a:r>
+              <a:rPr lang="en-US" sz="1200" b="0" i="0" kern="1200" dirty="0">
+                <a:solidFill>
+                  <a:schemeClr val="tx1"/>
+                </a:solidFill>
+                <a:effectLst/>
+                <a:latin typeface="+mn-lt"/>
+                <a:ea typeface="+mn-ea"/>
+                <a:cs typeface="+mn-cs"/>
+              </a:rPr>
+              <a:t>. When "</a:t>
+            </a:r>
+            <a:r>
+              <a:rPr lang="en-US" sz="1200" b="0" i="0" u="none" strike="noStrike" kern="1200" dirty="0">
+                <a:solidFill>
+                  <a:schemeClr val="tx1"/>
+                </a:solidFill>
+                <a:effectLst/>
+                <a:latin typeface="+mn-lt"/>
+                <a:ea typeface="+mn-ea"/>
+                <a:cs typeface="+mn-cs"/>
+              </a:rPr>
+              <a:t>aa</a:t>
+            </a:r>
+            <a:r>
+              <a:rPr lang="en-US" sz="1200" b="0" i="0" kern="1200" dirty="0">
+                <a:solidFill>
+                  <a:schemeClr val="tx1"/>
+                </a:solidFill>
+                <a:effectLst/>
+                <a:latin typeface="+mn-lt"/>
+                <a:ea typeface="+mn-ea"/>
+                <a:cs typeface="+mn-cs"/>
+              </a:rPr>
+              <a:t>" grows to infinite large , </a:t>
+            </a:r>
+            <a:r>
+              <a:rPr lang="en-US" sz="1200" b="0" i="0" u="none" strike="noStrike" kern="1200" dirty="0">
+                <a:solidFill>
+                  <a:schemeClr val="tx1"/>
+                </a:solidFill>
+                <a:effectLst/>
+                <a:latin typeface="+mn-lt"/>
+                <a:ea typeface="+mn-ea"/>
+                <a:cs typeface="+mn-cs"/>
+              </a:rPr>
+              <a:t>S′(a)=S(a)(1−S(a))=1×(1−1)=0S′(a)=S(a)(1−S(a))=1×(1−1)=0</a:t>
+            </a:r>
+            <a:r>
+              <a:rPr lang="en-US" sz="1200" b="0" i="0" kern="1200" dirty="0">
+                <a:solidFill>
+                  <a:schemeClr val="tx1"/>
+                </a:solidFill>
+                <a:effectLst/>
+                <a:latin typeface="+mn-lt"/>
+                <a:ea typeface="+mn-ea"/>
+                <a:cs typeface="+mn-cs"/>
+              </a:rPr>
+              <a:t>).</a:t>
+            </a:r>
+          </a:p>
+          <a:p>
+            <a:pPr fontAlgn="base"/>
+            <a:r>
+              <a:rPr lang="en-US" sz="1200" b="0" i="0" kern="1200" dirty="0" err="1">
+                <a:solidFill>
+                  <a:schemeClr val="tx1"/>
+                </a:solidFill>
+                <a:effectLst/>
+                <a:latin typeface="+mn-lt"/>
+                <a:ea typeface="+mn-ea"/>
+                <a:cs typeface="+mn-cs"/>
+              </a:rPr>
+              <a:t>Relu</a:t>
+            </a:r>
+            <a:r>
+              <a:rPr lang="en-US" sz="1200" b="0" i="0" kern="1200" dirty="0">
+                <a:solidFill>
+                  <a:schemeClr val="tx1"/>
+                </a:solidFill>
+                <a:effectLst/>
+                <a:latin typeface="+mn-lt"/>
+                <a:ea typeface="+mn-ea"/>
+                <a:cs typeface="+mn-cs"/>
+              </a:rPr>
+              <a:t> : tend to blow up activation (there is no mechanism to constrain the output of the neuron, as "</a:t>
+            </a:r>
+            <a:r>
+              <a:rPr lang="en-US" sz="1200" b="0" i="0" u="none" strike="noStrike" kern="1200" dirty="0">
+                <a:solidFill>
+                  <a:schemeClr val="tx1"/>
+                </a:solidFill>
+                <a:effectLst/>
+                <a:latin typeface="+mn-lt"/>
+                <a:ea typeface="+mn-ea"/>
+                <a:cs typeface="+mn-cs"/>
+              </a:rPr>
+              <a:t>aa</a:t>
+            </a:r>
+            <a:r>
+              <a:rPr lang="en-US" sz="1200" b="0" i="0" kern="1200" dirty="0">
+                <a:solidFill>
+                  <a:schemeClr val="tx1"/>
+                </a:solidFill>
+                <a:effectLst/>
+                <a:latin typeface="+mn-lt"/>
+                <a:ea typeface="+mn-ea"/>
+                <a:cs typeface="+mn-cs"/>
+              </a:rPr>
+              <a:t>" itself is the output)</a:t>
+            </a:r>
+          </a:p>
+          <a:p>
+            <a:pPr fontAlgn="base"/>
+            <a:r>
+              <a:rPr lang="en-US" sz="1200" b="0" i="0" kern="1200" dirty="0" err="1">
+                <a:solidFill>
+                  <a:schemeClr val="tx1"/>
+                </a:solidFill>
+                <a:effectLst/>
+                <a:latin typeface="+mn-lt"/>
+                <a:ea typeface="+mn-ea"/>
+                <a:cs typeface="+mn-cs"/>
+              </a:rPr>
+              <a:t>Relu</a:t>
+            </a:r>
+            <a:r>
+              <a:rPr lang="en-US" sz="1200" b="0" i="0" kern="1200" dirty="0">
+                <a:solidFill>
+                  <a:schemeClr val="tx1"/>
+                </a:solidFill>
+                <a:effectLst/>
+                <a:latin typeface="+mn-lt"/>
+                <a:ea typeface="+mn-ea"/>
+                <a:cs typeface="+mn-cs"/>
+              </a:rPr>
+              <a:t> : Dying </a:t>
+            </a:r>
+            <a:r>
+              <a:rPr lang="en-US" sz="1200" b="0" i="0" kern="1200" dirty="0" err="1">
+                <a:solidFill>
+                  <a:schemeClr val="tx1"/>
+                </a:solidFill>
+                <a:effectLst/>
+                <a:latin typeface="+mn-lt"/>
+                <a:ea typeface="+mn-ea"/>
+                <a:cs typeface="+mn-cs"/>
+              </a:rPr>
+              <a:t>Relu</a:t>
+            </a:r>
+            <a:r>
+              <a:rPr lang="en-US" sz="1200" b="0" i="0" kern="1200" dirty="0">
+                <a:solidFill>
+                  <a:schemeClr val="tx1"/>
+                </a:solidFill>
+                <a:effectLst/>
+                <a:latin typeface="+mn-lt"/>
+                <a:ea typeface="+mn-ea"/>
+                <a:cs typeface="+mn-cs"/>
+              </a:rPr>
+              <a:t> problem - if too many activations get below zero then most of the units(neurons) in network with </a:t>
+            </a:r>
+            <a:r>
+              <a:rPr lang="en-US" sz="1200" b="0" i="0" kern="1200" dirty="0" err="1">
+                <a:solidFill>
+                  <a:schemeClr val="tx1"/>
+                </a:solidFill>
+                <a:effectLst/>
+                <a:latin typeface="+mn-lt"/>
+                <a:ea typeface="+mn-ea"/>
+                <a:cs typeface="+mn-cs"/>
+              </a:rPr>
+              <a:t>Relu</a:t>
+            </a:r>
+            <a:r>
+              <a:rPr lang="en-US" sz="1200" b="0" i="0" kern="1200" dirty="0">
+                <a:solidFill>
+                  <a:schemeClr val="tx1"/>
+                </a:solidFill>
+                <a:effectLst/>
+                <a:latin typeface="+mn-lt"/>
+                <a:ea typeface="+mn-ea"/>
+                <a:cs typeface="+mn-cs"/>
+              </a:rPr>
+              <a:t> will simply output zero, in other words, die and thereby prohibiting learning.(This can be handled, to some extent, by using Leaky-</a:t>
+            </a:r>
+            <a:r>
+              <a:rPr lang="en-US" sz="1200" b="0" i="0" kern="1200" dirty="0" err="1">
+                <a:solidFill>
+                  <a:schemeClr val="tx1"/>
+                </a:solidFill>
+                <a:effectLst/>
+                <a:latin typeface="+mn-lt"/>
+                <a:ea typeface="+mn-ea"/>
+                <a:cs typeface="+mn-cs"/>
+              </a:rPr>
+              <a:t>Relu</a:t>
+            </a:r>
+            <a:r>
+              <a:rPr lang="en-US" sz="1200" b="0" i="0" kern="1200" dirty="0">
+                <a:solidFill>
+                  <a:schemeClr val="tx1"/>
+                </a:solidFill>
+                <a:effectLst/>
+                <a:latin typeface="+mn-lt"/>
+                <a:ea typeface="+mn-ea"/>
+                <a:cs typeface="+mn-cs"/>
+              </a:rPr>
+              <a:t> instead.)</a:t>
+            </a:r>
+          </a:p>
+          <a:p>
+            <a:pPr fontAlgn="base"/>
+            <a:endParaRPr lang="en-US" sz="1200" b="0" i="0" kern="1200" dirty="0">
+              <a:solidFill>
+                <a:schemeClr val="tx1"/>
+              </a:solidFill>
+              <a:effectLst/>
+              <a:latin typeface="+mn-lt"/>
+              <a:ea typeface="+mn-ea"/>
+              <a:cs typeface="+mn-cs"/>
+            </a:endParaRPr>
+          </a:p>
+          <a:p>
+            <a:pPr fontAlgn="base"/>
+            <a:r>
+              <a:rPr lang="en-US" sz="1200" b="0" i="0" kern="1200" dirty="0">
+                <a:solidFill>
+                  <a:schemeClr val="tx1"/>
+                </a:solidFill>
+                <a:effectLst/>
+                <a:latin typeface="+mn-lt"/>
+                <a:ea typeface="+mn-ea"/>
+                <a:cs typeface="+mn-cs"/>
+              </a:rPr>
+              <a:t/>
+            </a:r>
+            <a:br>
+              <a:rPr lang="en-US" sz="1200" b="0" i="0" kern="1200" dirty="0">
+                <a:solidFill>
+                  <a:schemeClr val="tx1"/>
+                </a:solidFill>
+                <a:effectLst/>
+                <a:latin typeface="+mn-lt"/>
+                <a:ea typeface="+mn-ea"/>
+                <a:cs typeface="+mn-cs"/>
+              </a:rPr>
+            </a:br>
+            <a:r>
+              <a:rPr lang="en-US" sz="1200" b="0" i="0" kern="1200" dirty="0">
+                <a:solidFill>
+                  <a:schemeClr val="tx1"/>
+                </a:solidFill>
+                <a:effectLst/>
+                <a:latin typeface="+mn-lt"/>
+                <a:ea typeface="+mn-ea"/>
+                <a:cs typeface="+mn-cs"/>
+              </a:rPr>
+              <a:t>Just complementing the other answers:</a:t>
+            </a:r>
+          </a:p>
+          <a:p>
+            <a:pPr fontAlgn="base"/>
+            <a:r>
+              <a:rPr lang="en-US" sz="1200" b="1" i="0" kern="1200" dirty="0">
+                <a:solidFill>
+                  <a:schemeClr val="tx1"/>
+                </a:solidFill>
+                <a:effectLst/>
+                <a:latin typeface="+mn-lt"/>
+                <a:ea typeface="+mn-ea"/>
+                <a:cs typeface="+mn-cs"/>
+              </a:rPr>
+              <a:t>Vanishing Gradients</a:t>
+            </a:r>
+            <a:endParaRPr lang="en-US" sz="1200" b="0" i="0" kern="1200" dirty="0">
+              <a:solidFill>
+                <a:schemeClr val="tx1"/>
+              </a:solidFill>
+              <a:effectLst/>
+              <a:latin typeface="+mn-lt"/>
+              <a:ea typeface="+mn-ea"/>
+              <a:cs typeface="+mn-cs"/>
+            </a:endParaRPr>
+          </a:p>
+          <a:p>
+            <a:pPr fontAlgn="base"/>
+            <a:r>
+              <a:rPr lang="en-US" sz="1200" b="0" i="0" kern="1200" dirty="0">
+                <a:solidFill>
+                  <a:schemeClr val="tx1"/>
+                </a:solidFill>
+                <a:effectLst/>
+                <a:latin typeface="+mn-lt"/>
+                <a:ea typeface="+mn-ea"/>
+                <a:cs typeface="+mn-cs"/>
+              </a:rPr>
+              <a:t>The other answers are right to point out that the bigger the input (in absolute value) the smaller the gradient of the sigmoid function. But, probably an even more important effect is that the derivative of the sigmoid function is </a:t>
+            </a:r>
+            <a:r>
+              <a:rPr lang="en-US" sz="1200" b="1" i="0" kern="1200" dirty="0">
+                <a:solidFill>
+                  <a:schemeClr val="tx1"/>
+                </a:solidFill>
+                <a:effectLst/>
+                <a:latin typeface="+mn-lt"/>
+                <a:ea typeface="+mn-ea"/>
+                <a:cs typeface="+mn-cs"/>
+              </a:rPr>
+              <a:t>ALWAYS smaller than one</a:t>
+            </a:r>
+            <a:r>
+              <a:rPr lang="en-US" sz="1200" b="0" i="0" kern="1200" dirty="0">
+                <a:solidFill>
+                  <a:schemeClr val="tx1"/>
+                </a:solidFill>
+                <a:effectLst/>
+                <a:latin typeface="+mn-lt"/>
+                <a:ea typeface="+mn-ea"/>
+                <a:cs typeface="+mn-cs"/>
+              </a:rPr>
+              <a:t>. In fact it is at most 0.25!</a:t>
+            </a:r>
+          </a:p>
+          <a:p>
+            <a:pPr fontAlgn="base"/>
+            <a:r>
+              <a:rPr lang="en-US" sz="1200" b="0" i="0" kern="1200" dirty="0">
+                <a:solidFill>
+                  <a:schemeClr val="tx1"/>
+                </a:solidFill>
+                <a:effectLst/>
+                <a:latin typeface="+mn-lt"/>
+                <a:ea typeface="+mn-ea"/>
+                <a:cs typeface="+mn-cs"/>
+              </a:rPr>
+              <a:t>The down side of this is that if you have many layers, you will multiply these gradients, and the product of many smaller than 1 values goes to zero very quickly.</a:t>
+            </a:r>
+          </a:p>
+          <a:p>
+            <a:pPr fontAlgn="base"/>
+            <a:r>
+              <a:rPr lang="en-US" sz="1200" b="0" i="0" kern="1200" dirty="0">
+                <a:solidFill>
+                  <a:schemeClr val="tx1"/>
+                </a:solidFill>
+                <a:effectLst/>
+                <a:latin typeface="+mn-lt"/>
+                <a:ea typeface="+mn-ea"/>
+                <a:cs typeface="+mn-cs"/>
+              </a:rPr>
+              <a:t>Since the state of the art of for Deep Learning has shown that more layers helps a lot, then this disadvantage of the Sigmoid function is a game killer. </a:t>
+            </a:r>
+            <a:r>
+              <a:rPr lang="en-US" sz="1200" b="1" i="0" kern="1200" dirty="0">
+                <a:solidFill>
+                  <a:schemeClr val="tx1"/>
+                </a:solidFill>
+                <a:effectLst/>
+                <a:latin typeface="+mn-lt"/>
+                <a:ea typeface="+mn-ea"/>
+                <a:cs typeface="+mn-cs"/>
+              </a:rPr>
+              <a:t>You just can't do Deep Learning with Sigmoid.</a:t>
+            </a:r>
+            <a:endParaRPr lang="en-US" sz="1200" b="0" i="0" kern="1200" dirty="0">
+              <a:solidFill>
+                <a:schemeClr val="tx1"/>
+              </a:solidFill>
+              <a:effectLst/>
+              <a:latin typeface="+mn-lt"/>
+              <a:ea typeface="+mn-ea"/>
+              <a:cs typeface="+mn-cs"/>
+            </a:endParaRPr>
+          </a:p>
+          <a:p>
+            <a:pPr fontAlgn="base"/>
+            <a:r>
+              <a:rPr lang="en-US" sz="1200" b="0" i="0" kern="1200" dirty="0">
+                <a:solidFill>
+                  <a:schemeClr val="tx1"/>
+                </a:solidFill>
+                <a:effectLst/>
+                <a:latin typeface="+mn-lt"/>
+                <a:ea typeface="+mn-ea"/>
+                <a:cs typeface="+mn-cs"/>
+              </a:rPr>
+              <a:t>On the other hand the gradient of the </a:t>
+            </a:r>
+            <a:r>
+              <a:rPr lang="en-US" sz="1200" b="0" i="0" kern="1200" dirty="0" err="1">
+                <a:solidFill>
+                  <a:schemeClr val="tx1"/>
+                </a:solidFill>
+                <a:effectLst/>
+                <a:latin typeface="+mn-lt"/>
+                <a:ea typeface="+mn-ea"/>
+                <a:cs typeface="+mn-cs"/>
+              </a:rPr>
+              <a:t>ReLu</a:t>
+            </a:r>
+            <a:r>
+              <a:rPr lang="en-US" sz="1200" b="0" i="0" kern="1200" dirty="0">
+                <a:solidFill>
+                  <a:schemeClr val="tx1"/>
+                </a:solidFill>
+                <a:effectLst/>
+                <a:latin typeface="+mn-lt"/>
+                <a:ea typeface="+mn-ea"/>
+                <a:cs typeface="+mn-cs"/>
+              </a:rPr>
+              <a:t> function is either </a:t>
+            </a:r>
+            <a:r>
+              <a:rPr lang="en-US" sz="1200" b="0" i="0" u="none" strike="noStrike" kern="1200" dirty="0">
+                <a:solidFill>
+                  <a:schemeClr val="tx1"/>
+                </a:solidFill>
+                <a:effectLst/>
+                <a:latin typeface="+mn-lt"/>
+                <a:ea typeface="+mn-ea"/>
+                <a:cs typeface="+mn-cs"/>
+              </a:rPr>
+              <a:t>00</a:t>
+            </a:r>
+            <a:r>
+              <a:rPr lang="en-US" sz="1200" b="0" i="0" kern="1200" dirty="0">
+                <a:solidFill>
+                  <a:schemeClr val="tx1"/>
+                </a:solidFill>
+                <a:effectLst/>
+                <a:latin typeface="+mn-lt"/>
+                <a:ea typeface="+mn-ea"/>
+                <a:cs typeface="+mn-cs"/>
+              </a:rPr>
+              <a:t> for </a:t>
+            </a:r>
+            <a:r>
+              <a:rPr lang="en-US" sz="1200" b="0" i="0" u="none" strike="noStrike" kern="1200" dirty="0">
+                <a:solidFill>
+                  <a:schemeClr val="tx1"/>
+                </a:solidFill>
+                <a:effectLst/>
+                <a:latin typeface="+mn-lt"/>
+                <a:ea typeface="+mn-ea"/>
+                <a:cs typeface="+mn-cs"/>
+              </a:rPr>
+              <a:t>a&lt;0a&lt;0</a:t>
+            </a:r>
+            <a:r>
+              <a:rPr lang="en-US" sz="1200" b="0" i="0" kern="1200" dirty="0">
+                <a:solidFill>
+                  <a:schemeClr val="tx1"/>
+                </a:solidFill>
+                <a:effectLst/>
+                <a:latin typeface="+mn-lt"/>
+                <a:ea typeface="+mn-ea"/>
+                <a:cs typeface="+mn-cs"/>
+              </a:rPr>
+              <a:t> or </a:t>
+            </a:r>
+            <a:r>
+              <a:rPr lang="en-US" sz="1200" b="0" i="0" u="none" strike="noStrike" kern="1200" dirty="0">
+                <a:solidFill>
+                  <a:schemeClr val="tx1"/>
+                </a:solidFill>
+                <a:effectLst/>
+                <a:latin typeface="+mn-lt"/>
+                <a:ea typeface="+mn-ea"/>
+                <a:cs typeface="+mn-cs"/>
+              </a:rPr>
+              <a:t>11</a:t>
+            </a:r>
+            <a:r>
+              <a:rPr lang="en-US" sz="1200" b="0" i="0" kern="1200" dirty="0">
+                <a:solidFill>
+                  <a:schemeClr val="tx1"/>
+                </a:solidFill>
+                <a:effectLst/>
+                <a:latin typeface="+mn-lt"/>
+                <a:ea typeface="+mn-ea"/>
+                <a:cs typeface="+mn-cs"/>
+              </a:rPr>
+              <a:t> for </a:t>
+            </a:r>
+            <a:r>
+              <a:rPr lang="en-US" sz="1200" b="0" i="0" u="none" strike="noStrike" kern="1200" dirty="0">
+                <a:solidFill>
+                  <a:schemeClr val="tx1"/>
+                </a:solidFill>
+                <a:effectLst/>
+                <a:latin typeface="+mn-lt"/>
+                <a:ea typeface="+mn-ea"/>
+                <a:cs typeface="+mn-cs"/>
+              </a:rPr>
+              <a:t>a&gt;0a&gt;0</a:t>
+            </a:r>
+            <a:r>
+              <a:rPr lang="en-US" sz="1200" b="0" i="0" kern="1200" dirty="0">
+                <a:solidFill>
+                  <a:schemeClr val="tx1"/>
+                </a:solidFill>
+                <a:effectLst/>
+                <a:latin typeface="+mn-lt"/>
+                <a:ea typeface="+mn-ea"/>
+                <a:cs typeface="+mn-cs"/>
+              </a:rPr>
+              <a:t>. That means that you can put as many layers as you like, because multiplying the gradients will neither vanish nor explode.</a:t>
+            </a:r>
+          </a:p>
+          <a:p>
+            <a:pPr fontAlgn="base"/>
+            <a:endParaRPr lang="en-US" sz="1200" b="0" i="0" kern="1200" dirty="0">
+              <a:solidFill>
+                <a:schemeClr val="tx1"/>
+              </a:solidFill>
+              <a:effectLst/>
+              <a:latin typeface="+mn-lt"/>
+              <a:ea typeface="+mn-ea"/>
+              <a:cs typeface="+mn-cs"/>
+            </a:endParaRPr>
+          </a:p>
+          <a:p>
+            <a:endParaRPr lang="pt-BR" dirty="0"/>
           </a:p>
         </p:txBody>
       </p:sp>
@@ -1803,9 +1960,9 @@
           <a:bodyPr/>
           <a:lstStyle/>
           <a:p>
-            <a:fld id="{6FC8D850-966F-45A6-8DE7-15B891E7D40D}" type="slidenum">
+            <a:fld id="{F430A2A4-8C14-4B1A-AD48-7B6401078BF7}" type="slidenum">
               <a:rPr lang="pt-BR" smtClean="0"/>
-              <a:t>15</a:t>
+              <a:t>14</a:t>
             </a:fld>
             <a:endParaRPr lang="pt-BR"/>
           </a:p>
@@ -1814,7 +1971,7 @@
     </p:spTree>
     <p:extLst>
       <p:ext uri="{BB962C8B-B14F-4D97-AF65-F5344CB8AC3E}">
-        <p14:creationId xmlns:p14="http://schemas.microsoft.com/office/powerpoint/2010/main" val="1080561815"/>
+        <p14:creationId xmlns:p14="http://schemas.microsoft.com/office/powerpoint/2010/main" val="343368178"/>
       </p:ext>
     </p:extLst>
   </p:cSld>
@@ -1868,7 +2025,17 @@
           <a:bodyPr/>
           <a:lstStyle/>
           <a:p>
-            <a:endParaRPr lang="pt-BR" dirty="0"/>
+            <a:r>
+              <a:rPr lang="pt-BR" sz="1200" b="1" dirty="0" smtClean="0"/>
+              <a:t>Laboratório #6:</a:t>
+            </a:r>
+            <a:r>
+              <a:rPr lang="pt-BR" sz="1200" dirty="0" smtClean="0"/>
+              <a:t> https://mybinder.org/v2/gh/zz4fap/t320_aprendizado_de_maquina/main?filepath=labs%2FLaboratorio6.ipynb</a:t>
+            </a:r>
+          </a:p>
+          <a:p>
+            <a:endParaRPr lang="pt-BR" sz="1200" dirty="0"/>
           </a:p>
         </p:txBody>
       </p:sp>
@@ -1887,9 +2054,9 @@
           <a:bodyPr/>
           <a:lstStyle/>
           <a:p>
-            <a:fld id="{F430A2A4-8C14-4B1A-AD48-7B6401078BF7}" type="slidenum">
+            <a:fld id="{6FC8D850-966F-45A6-8DE7-15B891E7D40D}" type="slidenum">
               <a:rPr lang="pt-BR" smtClean="0"/>
-              <a:t>16</a:t>
+              <a:t>15</a:t>
             </a:fld>
             <a:endParaRPr lang="pt-BR"/>
           </a:p>
@@ -1898,7 +2065,7 @@
     </p:spTree>
     <p:extLst>
       <p:ext uri="{BB962C8B-B14F-4D97-AF65-F5344CB8AC3E}">
-        <p14:creationId xmlns:p14="http://schemas.microsoft.com/office/powerpoint/2010/main" val="3715571900"/>
+        <p14:creationId xmlns:p14="http://schemas.microsoft.com/office/powerpoint/2010/main" val="1080561815"/>
       </p:ext>
     </p:extLst>
   </p:cSld>
@@ -1973,7 +2140,7 @@
           <a:p>
             <a:fld id="{F430A2A4-8C14-4B1A-AD48-7B6401078BF7}" type="slidenum">
               <a:rPr lang="pt-BR" smtClean="0"/>
-              <a:t>17</a:t>
+              <a:t>16</a:t>
             </a:fld>
             <a:endParaRPr lang="pt-BR"/>
           </a:p>
@@ -1982,7 +2149,7 @@
     </p:spTree>
     <p:extLst>
       <p:ext uri="{BB962C8B-B14F-4D97-AF65-F5344CB8AC3E}">
-        <p14:creationId xmlns:p14="http://schemas.microsoft.com/office/powerpoint/2010/main" val="3431715387"/>
+        <p14:creationId xmlns:p14="http://schemas.microsoft.com/office/powerpoint/2010/main" val="3715571900"/>
       </p:ext>
     </p:extLst>
   </p:cSld>
@@ -2036,73 +2203,6 @@
           <a:bodyPr/>
           <a:lstStyle/>
           <a:p>
-            <a:pPr marL="0" marR="0" lvl="0" indent="0" algn="l" defTabSz="914400" rtl="0" eaLnBrk="1" fontAlgn="auto" latinLnBrk="0" hangingPunct="1">
-              <a:lnSpc>
-                <a:spcPct val="100000"/>
-              </a:lnSpc>
-              <a:spcBef>
-                <a:spcPts val="0"/>
-              </a:spcBef>
-              <a:spcAft>
-                <a:spcPts val="0"/>
-              </a:spcAft>
-              <a:buClrTx/>
-              <a:buSzTx/>
-              <a:buFontTx/>
-              <a:buNone/>
-              <a:tabLst/>
-              <a:defRPr/>
-            </a:pPr>
-            <a:r>
-              <a:rPr lang="pt-BR" sz="1200" b="0" dirty="0" smtClean="0">
-                <a:solidFill>
-                  <a:srgbClr val="00B0F0"/>
-                </a:solidFill>
-              </a:rPr>
-              <a:t>E</a:t>
-            </a:r>
-            <a:r>
-              <a:rPr lang="pt-BR" dirty="0" smtClean="0"/>
-              <a:t>xemplo:</a:t>
-            </a:r>
-            <a:r>
-              <a:rPr lang="pt-BR" baseline="0" dirty="0" smtClean="0"/>
-              <a:t> </a:t>
-            </a:r>
-            <a:r>
-              <a:rPr lang="pt-BR" dirty="0" smtClean="0"/>
-              <a:t>https://colab.research.google.com/github/zz4fap/t320_aprendizado_de_maquina/blob/main/notebooks/mlp/</a:t>
-            </a:r>
-            <a:r>
-              <a:rPr lang="pt-BR" sz="1200" b="0" dirty="0" smtClean="0">
-                <a:solidFill>
-                  <a:srgbClr val="00B0F0"/>
-                </a:solidFill>
-              </a:rPr>
-              <a:t>FunctionApproximationWithMLP.ipynb</a:t>
-            </a:r>
-          </a:p>
-          <a:p>
-            <a:pPr marL="0" marR="0" lvl="0" indent="0" algn="l" defTabSz="914400" rtl="0" eaLnBrk="1" fontAlgn="auto" latinLnBrk="0" hangingPunct="1">
-              <a:lnSpc>
-                <a:spcPct val="100000"/>
-              </a:lnSpc>
-              <a:spcBef>
-                <a:spcPts val="0"/>
-              </a:spcBef>
-              <a:spcAft>
-                <a:spcPts val="0"/>
-              </a:spcAft>
-              <a:buClrTx/>
-              <a:buSzTx/>
-              <a:buFontTx/>
-              <a:buNone/>
-              <a:tabLst/>
-              <a:defRPr/>
-            </a:pPr>
-            <a:endParaRPr lang="pt-BR" dirty="0" smtClean="0"/>
-          </a:p>
-          <a:p>
             <a:endParaRPr lang="pt-BR" dirty="0"/>
           </a:p>
         </p:txBody>
@@ -2124,7 +2224,7 @@
           <a:p>
             <a:fld id="{F430A2A4-8C14-4B1A-AD48-7B6401078BF7}" type="slidenum">
               <a:rPr lang="pt-BR" smtClean="0"/>
-              <a:t>19</a:t>
+              <a:t>17</a:t>
             </a:fld>
             <a:endParaRPr lang="pt-BR"/>
           </a:p>
@@ -2133,7 +2233,7 @@
     </p:spTree>
     <p:extLst>
       <p:ext uri="{BB962C8B-B14F-4D97-AF65-F5344CB8AC3E}">
-        <p14:creationId xmlns:p14="http://schemas.microsoft.com/office/powerpoint/2010/main" val="1798508464"/>
+        <p14:creationId xmlns:p14="http://schemas.microsoft.com/office/powerpoint/2010/main" val="3431715387"/>
       </p:ext>
     </p:extLst>
   </p:cSld>
@@ -2230,8 +2330,28 @@
                   <a:srgbClr val="00B0F0"/>
                 </a:solidFill>
               </a:rPr>
-              <a:t>function_approximation.ipynb</a:t>
-            </a:r>
+              <a:t>FunctionApproximationWithMLP.ipynb</a:t>
+            </a:r>
+          </a:p>
+          <a:p>
+            <a:pPr marL="0" marR="0" lvl="0" indent="0" algn="l" defTabSz="914400" rtl="0" eaLnBrk="1" fontAlgn="auto" latinLnBrk="0" hangingPunct="1">
+              <a:lnSpc>
+                <a:spcPct val="100000"/>
+              </a:lnSpc>
+              <a:spcBef>
+                <a:spcPts val="0"/>
+              </a:spcBef>
+              <a:spcAft>
+                <a:spcPts val="0"/>
+              </a:spcAft>
+              <a:buClrTx/>
+              <a:buSzTx/>
+              <a:buFontTx/>
+              <a:buNone/>
+              <a:tabLst/>
+              <a:defRPr/>
+            </a:pPr>
+            <a:endParaRPr lang="pt-BR" dirty="0" smtClean="0"/>
           </a:p>
           <a:p>
             <a:endParaRPr lang="pt-BR" dirty="0"/>
@@ -2255,7 +2375,7 @@
           <a:p>
             <a:fld id="{F430A2A4-8C14-4B1A-AD48-7B6401078BF7}" type="slidenum">
               <a:rPr lang="pt-BR" smtClean="0"/>
-              <a:t>20</a:t>
+              <a:t>19</a:t>
             </a:fld>
             <a:endParaRPr lang="pt-BR"/>
           </a:p>
@@ -2264,7 +2384,7 @@
     </p:spTree>
     <p:extLst>
       <p:ext uri="{BB962C8B-B14F-4D97-AF65-F5344CB8AC3E}">
-        <p14:creationId xmlns:p14="http://schemas.microsoft.com/office/powerpoint/2010/main" val="114609286"/>
+        <p14:creationId xmlns:p14="http://schemas.microsoft.com/office/powerpoint/2010/main" val="1798508464"/>
       </p:ext>
     </p:extLst>
   </p:cSld>
@@ -2336,12 +2456,32 @@
               <a:defRPr/>
             </a:pPr>
             <a:r>
-              <a:rPr lang="pt-BR" sz="1200" b="1" dirty="0" smtClean="0"/>
-              <a:t>Laboratório #7:</a:t>
-            </a:r>
-            <a:r>
-              <a:rPr lang="pt-BR" sz="1200" dirty="0" smtClean="0"/>
-              <a:t> https://mybinder.org/v2/gh/zz4fap/t320_aprendizado_de_maquina/main?filepath=labs%2FLaboratorio7.ipynb</a:t>
+              <a:rPr lang="pt-BR" sz="1200" b="0" dirty="0" smtClean="0">
+                <a:solidFill>
+                  <a:srgbClr val="00B0F0"/>
+                </a:solidFill>
+              </a:rPr>
+              <a:t>E</a:t>
+            </a:r>
+            <a:r>
+              <a:rPr lang="pt-BR" dirty="0" smtClean="0"/>
+              <a:t>xemplo:</a:t>
+            </a:r>
+            <a:r>
+              <a:rPr lang="pt-BR" baseline="0" dirty="0" smtClean="0"/>
+              <a:t> </a:t>
+            </a:r>
+            <a:r>
+              <a:rPr lang="pt-BR" dirty="0" smtClean="0"/>
+              <a:t>https://colab.research.google.com/github/zz4fap/t320_aprendizado_de_maquina/blob/main/notebooks/mlp/</a:t>
+            </a:r>
+            <a:r>
+              <a:rPr lang="pt-BR" sz="1200" b="0" dirty="0" smtClean="0">
+                <a:solidFill>
+                  <a:srgbClr val="00B0F0"/>
+                </a:solidFill>
+              </a:rPr>
+              <a:t>function_approximation.ipynb</a:t>
             </a:r>
           </a:p>
           <a:p>
@@ -2364,18 +2504,18 @@
           <a:bodyPr/>
           <a:lstStyle/>
           <a:p>
-            <a:fld id="{DA8B99DF-01BC-492A-8CEF-4FD88D18DD9D}" type="slidenum">
-              <a:rPr lang="nl-BE" smtClean="0"/>
-              <a:t>21</a:t>
+            <a:fld id="{F430A2A4-8C14-4B1A-AD48-7B6401078BF7}" type="slidenum">
+              <a:rPr lang="pt-BR" smtClean="0"/>
+              <a:t>20</a:t>
             </a:fld>
-            <a:endParaRPr lang="nl-BE"/>
+            <a:endParaRPr lang="pt-BR"/>
           </a:p>
         </p:txBody>
       </p:sp>
     </p:spTree>
     <p:extLst>
       <p:ext uri="{BB962C8B-B14F-4D97-AF65-F5344CB8AC3E}">
-        <p14:creationId xmlns:p14="http://schemas.microsoft.com/office/powerpoint/2010/main" val="915223451"/>
+        <p14:creationId xmlns:p14="http://schemas.microsoft.com/office/powerpoint/2010/main" val="114609286"/>
       </p:ext>
     </p:extLst>
   </p:cSld>
@@ -2385,7 +2525,7 @@
 </p:notes>
 </file>
 
-<file path=ppt/notesSlides/notesSlide2.xml><?xml version="1.0" encoding="utf-8"?>
+<file path=ppt/notesSlides/notesSlide18.xml><?xml version="1.0" encoding="utf-8"?>
 <p:notes xmlns:a="http://schemas.openxmlformats.org/drawingml/2006/main" xmlns:r="http://schemas.openxmlformats.org/officeDocument/2006/relationships" xmlns:p="http://schemas.openxmlformats.org/presentationml/2006/main">
   <p:cSld>
     <p:spTree>
@@ -2429,34 +2569,30 @@
           <a:bodyPr/>
           <a:lstStyle/>
           <a:p>
-            <a:r>
-              <a:rPr lang="pt-BR" dirty="0"/>
-              <a:t>Em matemática, mais especificamente na teoria de grafos, um grafo direcionado (ou dígrafo) é um gráfico que é composto de um conjunto de vértices conectados por arestas, onde as arestas têm uma direção associada a eles.</a:t>
-            </a:r>
-          </a:p>
-          <a:p>
-            <a:endParaRPr lang="pt-BR" dirty="0"/>
-          </a:p>
-          <a:p>
-            <a:r>
-              <a:rPr lang="pt-BR" dirty="0"/>
-              <a:t>Uma MLP é frequentemente usada para </a:t>
-            </a:r>
-            <a:r>
-              <a:rPr lang="pt-BR" b="1" i="1" dirty="0"/>
-              <a:t>classificação</a:t>
-            </a:r>
-            <a:r>
-              <a:rPr lang="pt-BR" dirty="0"/>
-              <a:t>, com cada saída correspondendo a uma classe binária diferente (por exemplo, spam/ham, urgente/não-urgente etc.). Quando as classes são exclusivas (por exemplo, classes 0 a 9 para classificação de dígitos), a camada de saída é tipicamente modificada substituindo as funções de ativação individuais por uma função softmax. A saída de cada neurônio corresponde à probabilidade estimada da classe correspondente. Observe que o sinal flui apenas em uma direção (das entradas às saídas); portanto, essa arquitetura é chamada</a:t>
-            </a:r>
-            <a:r>
-              <a:rPr lang="pt-BR" baseline="0" dirty="0"/>
-              <a:t> de </a:t>
-            </a:r>
-            <a:r>
-              <a:rPr lang="pt-BR" dirty="0"/>
-              <a:t>rede neural feedforward (FNN).</a:t>
+            <a:pPr marL="0" marR="0" lvl="0" indent="0" algn="l" defTabSz="914400" rtl="0" eaLnBrk="1" fontAlgn="auto" latinLnBrk="0" hangingPunct="1">
+              <a:lnSpc>
+                <a:spcPct val="100000"/>
+              </a:lnSpc>
+              <a:spcBef>
+                <a:spcPts val="0"/>
+              </a:spcBef>
+              <a:spcAft>
+                <a:spcPts val="0"/>
+              </a:spcAft>
+              <a:buClrTx/>
+              <a:buSzTx/>
+              <a:buFontTx/>
+              <a:buNone/>
+              <a:tabLst/>
+              <a:defRPr/>
+            </a:pPr>
+            <a:r>
+              <a:rPr lang="pt-BR" sz="1200" b="1" dirty="0" smtClean="0"/>
+              <a:t>Laboratório #7:</a:t>
+            </a:r>
+            <a:r>
+              <a:rPr lang="pt-BR" sz="1200" dirty="0" smtClean="0"/>
+              <a:t> https://mybinder.org/v2/gh/zz4fap/t320_aprendizado_de_maquina/main?filepath=labs%2FLaboratorio7.ipynb</a:t>
             </a:r>
           </a:p>
           <a:p>
@@ -2479,18 +2615,202 @@
           <a:bodyPr/>
           <a:lstStyle/>
           <a:p>
-            <a:fld id="{F430A2A4-8C14-4B1A-AD48-7B6401078BF7}" type="slidenum">
-              <a:rPr lang="pt-BR" smtClean="0"/>
-              <a:t>3</a:t>
+            <a:fld id="{DA8B99DF-01BC-492A-8CEF-4FD88D18DD9D}" type="slidenum">
+              <a:rPr lang="nl-BE" smtClean="0"/>
+              <a:t>21</a:t>
             </a:fld>
-            <a:endParaRPr lang="pt-BR"/>
+            <a:endParaRPr lang="nl-BE"/>
           </a:p>
         </p:txBody>
       </p:sp>
     </p:spTree>
     <p:extLst>
       <p:ext uri="{BB962C8B-B14F-4D97-AF65-F5344CB8AC3E}">
-        <p14:creationId xmlns:p14="http://schemas.microsoft.com/office/powerpoint/2010/main" val="2037391260"/>
+        <p14:creationId xmlns:p14="http://schemas.microsoft.com/office/powerpoint/2010/main" val="915223451"/>
+      </p:ext>
+    </p:extLst>
+  </p:cSld>
+  <p:clrMapOvr>
+    <a:masterClrMapping/>
+  </p:clrMapOvr>
+</p:notes>
+</file>
+
+<file path=ppt/notesSlides/notesSlide2.xml><?xml version="1.0" encoding="utf-8"?>
+<p:notes xmlns:a="http://schemas.openxmlformats.org/drawingml/2006/main" xmlns:r="http://schemas.openxmlformats.org/officeDocument/2006/relationships" xmlns:p="http://schemas.openxmlformats.org/presentationml/2006/main">
+  <p:cSld>
+    <p:spTree>
+      <p:nvGrpSpPr>
+        <p:cNvPr id="1" name=""/>
+        <p:cNvGrpSpPr/>
+        <p:nvPr/>
+      </p:nvGrpSpPr>
+      <p:grpSpPr>
+        <a:xfrm>
+          <a:off x="0" y="0"/>
+          <a:ext cx="0" cy="0"/>
+          <a:chOff x="0" y="0"/>
+          <a:chExt cx="0" cy="0"/>
+        </a:xfrm>
+      </p:grpSpPr>
+      <p:sp>
+        <p:nvSpPr>
+          <p:cNvPr id="2" name="Espaço Reservado para Imagem de Slide 1"/>
+          <p:cNvSpPr>
+            <a:spLocks noGrp="1" noRot="1" noChangeAspect="1"/>
+          </p:cNvSpPr>
+          <p:nvPr>
+            <p:ph type="sldImg"/>
+          </p:nvPr>
+        </p:nvSpPr>
+        <p:spPr/>
+      </p:sp>
+      <p:sp>
+        <p:nvSpPr>
+          <p:cNvPr id="3" name="Espaço Reservado para Anotações 2"/>
+          <p:cNvSpPr>
+            <a:spLocks noGrp="1"/>
+          </p:cNvSpPr>
+          <p:nvPr>
+            <p:ph type="body" idx="1"/>
+          </p:nvPr>
+        </p:nvSpPr>
+        <p:spPr/>
+        <p:txBody>
+          <a:bodyPr/>
+          <a:lstStyle/>
+          <a:p>
+            <a:r>
+              <a:rPr lang="pt-BR" sz="1200" b="0" i="0" kern="1200" dirty="0" smtClean="0">
+                <a:solidFill>
+                  <a:schemeClr val="tx1"/>
+                </a:solidFill>
+                <a:effectLst/>
+                <a:latin typeface="+mn-lt"/>
+                <a:ea typeface="+mn-ea"/>
+                <a:cs typeface="+mn-cs"/>
+              </a:rPr>
+              <a:t>Frank </a:t>
+            </a:r>
+            <a:r>
+              <a:rPr lang="pt-BR" sz="1200" b="0" i="0" kern="1200" dirty="0" err="1" smtClean="0">
+                <a:solidFill>
+                  <a:schemeClr val="tx1"/>
+                </a:solidFill>
+                <a:effectLst/>
+                <a:latin typeface="+mn-lt"/>
+                <a:ea typeface="+mn-ea"/>
+                <a:cs typeface="+mn-cs"/>
+              </a:rPr>
+              <a:t>Rosenblatt</a:t>
+            </a:r>
+            <a:r>
+              <a:rPr lang="pt-BR" sz="1200" b="0" i="0" kern="1200" baseline="0" dirty="0" smtClean="0">
+                <a:solidFill>
+                  <a:schemeClr val="tx1"/>
+                </a:solidFill>
+                <a:effectLst/>
+                <a:latin typeface="+mn-lt"/>
+                <a:ea typeface="+mn-ea"/>
+                <a:cs typeface="+mn-cs"/>
+              </a:rPr>
+              <a:t> introduziu o </a:t>
+            </a:r>
+            <a:r>
+              <a:rPr lang="pt-BR" sz="1200" b="0" i="0" kern="1200" baseline="0" dirty="0" err="1" smtClean="0">
+                <a:solidFill>
+                  <a:schemeClr val="tx1"/>
+                </a:solidFill>
+                <a:effectLst/>
+                <a:latin typeface="+mn-lt"/>
+                <a:ea typeface="+mn-ea"/>
+                <a:cs typeface="+mn-cs"/>
+              </a:rPr>
+              <a:t>perceptron</a:t>
+            </a:r>
+            <a:r>
+              <a:rPr lang="pt-BR" sz="1200" b="0" i="0" kern="1200" baseline="0" dirty="0" smtClean="0">
+                <a:solidFill>
+                  <a:schemeClr val="tx1"/>
+                </a:solidFill>
+                <a:effectLst/>
+                <a:latin typeface="+mn-lt"/>
+                <a:ea typeface="+mn-ea"/>
+                <a:cs typeface="+mn-cs"/>
+              </a:rPr>
+              <a:t>, que propôs mudanças em cima do modelo de MP como pesos sinápticos, valores de entrada reais e um método para treinamento do modelo.</a:t>
+            </a:r>
+          </a:p>
+          <a:p>
+            <a:endParaRPr lang="pt-BR" sz="1200" b="0" i="0" kern="1200" baseline="0" dirty="0" smtClean="0">
+              <a:solidFill>
+                <a:schemeClr val="tx1"/>
+              </a:solidFill>
+              <a:effectLst/>
+              <a:latin typeface="+mn-lt"/>
+              <a:ea typeface="+mn-ea"/>
+              <a:cs typeface="+mn-cs"/>
+            </a:endParaRPr>
+          </a:p>
+          <a:p>
+            <a:r>
+              <a:rPr lang="pt-BR" dirty="0" err="1" smtClean="0"/>
+              <a:t>Perceptron</a:t>
+            </a:r>
+            <a:r>
+              <a:rPr lang="pt-BR" dirty="0" smtClean="0"/>
+              <a:t> é semelhante ao </a:t>
+            </a:r>
+            <a:r>
+              <a:rPr lang="pt-BR" dirty="0" err="1" smtClean="0"/>
+              <a:t>regressor</a:t>
+            </a:r>
+            <a:r>
+              <a:rPr lang="pt-BR" dirty="0" smtClean="0"/>
+              <a:t> logístico</a:t>
+            </a:r>
+            <a:r>
+              <a:rPr lang="pt-BR" baseline="0" dirty="0" smtClean="0"/>
+              <a:t> quando se usa a função degrau como função de limiar de decisão.</a:t>
+            </a:r>
+            <a:r>
+              <a:rPr lang="pt-BR" dirty="0" smtClean="0"/>
+              <a:t/>
+            </a:r>
+            <a:br>
+              <a:rPr lang="pt-BR" dirty="0" smtClean="0"/>
+            </a:br>
+            <a:endParaRPr lang="pt-BR" dirty="0"/>
+          </a:p>
+        </p:txBody>
+      </p:sp>
+      <p:sp>
+        <p:nvSpPr>
+          <p:cNvPr id="4" name="Espaço Reservado para Número de Slide 3"/>
+          <p:cNvSpPr>
+            <a:spLocks noGrp="1"/>
+          </p:cNvSpPr>
+          <p:nvPr>
+            <p:ph type="sldNum" sz="quarter" idx="10"/>
+          </p:nvPr>
+        </p:nvSpPr>
+        <p:spPr/>
+        <p:txBody>
+          <a:bodyPr/>
+          <a:lstStyle/>
+          <a:p>
+            <a:fld id="{F430A2A4-8C14-4B1A-AD48-7B6401078BF7}" type="slidenum">
+              <a:rPr lang="pt-BR" smtClean="0"/>
+              <a:t>2</a:t>
+            </a:fld>
+            <a:endParaRPr lang="pt-BR"/>
+          </a:p>
+        </p:txBody>
+      </p:sp>
+    </p:spTree>
+    <p:extLst>
+      <p:ext uri="{BB962C8B-B14F-4D97-AF65-F5344CB8AC3E}">
+        <p14:creationId xmlns:p14="http://schemas.microsoft.com/office/powerpoint/2010/main" val="594965044"/>
       </p:ext>
     </p:extLst>
   </p:cSld>
@@ -2596,7 +2916,7 @@
           <a:p>
             <a:fld id="{F430A2A4-8C14-4B1A-AD48-7B6401078BF7}" type="slidenum">
               <a:rPr lang="pt-BR" smtClean="0"/>
-              <a:t>4</a:t>
+              <a:t>3</a:t>
             </a:fld>
             <a:endParaRPr lang="pt-BR"/>
           </a:p>
@@ -2605,7 +2925,7 @@
     </p:spTree>
     <p:extLst>
       <p:ext uri="{BB962C8B-B14F-4D97-AF65-F5344CB8AC3E}">
-        <p14:creationId xmlns:p14="http://schemas.microsoft.com/office/powerpoint/2010/main" val="2957101294"/>
+        <p14:creationId xmlns:p14="http://schemas.microsoft.com/office/powerpoint/2010/main" val="2037391260"/>
       </p:ext>
     </p:extLst>
   </p:cSld>
@@ -2661,84 +2981,33 @@
           <a:p>
             <a:r>
               <a:rPr lang="pt-BR" dirty="0"/>
-              <a:t>Variando-se os pesos das</a:t>
+              <a:t>Em matemática, mais especificamente na teoria de grafos, um grafo direcionado (ou dígrafo) é um gráfico que é composto de um conjunto de vértices conectados por arestas, onde as arestas têm uma direção associada a eles.</a:t>
+            </a:r>
+          </a:p>
+          <a:p>
+            <a:endParaRPr lang="pt-BR" dirty="0"/>
+          </a:p>
+          <a:p>
+            <a:r>
+              <a:rPr lang="pt-BR" dirty="0"/>
+              <a:t>Uma MLP é frequentemente usada para </a:t>
+            </a:r>
+            <a:r>
+              <a:rPr lang="pt-BR" b="1" i="1" dirty="0"/>
+              <a:t>classificação</a:t>
+            </a:r>
+            <a:r>
+              <a:rPr lang="pt-BR" dirty="0"/>
+              <a:t>, com cada saída correspondendo a uma classe binária diferente (por exemplo, spam/ham, urgente/não-urgente etc.). Quando as classes são exclusivas (por exemplo, classes 0 a 9 para classificação de dígitos), a camada de saída é tipicamente modificada substituindo as funções de ativação individuais por uma função softmax. A saída de cada neurônio corresponde à probabilidade estimada da classe correspondente. Observe que o sinal flui apenas em uma direção (das entradas às saídas); portanto, essa arquitetura é chamada</a:t>
             </a:r>
             <a:r>
               <a:rPr lang="pt-BR" baseline="0" dirty="0"/>
-              <a:t> unidades que formam a rede</a:t>
+              <a:t> de </a:t>
             </a:r>
             <a:r>
               <a:rPr lang="pt-BR" dirty="0"/>
-              <a:t>, forma-se um repertório de diferentes</a:t>
-            </a:r>
-            <a:r>
-              <a:rPr lang="pt-BR" baseline="0" dirty="0"/>
-              <a:t> tipos de </a:t>
-            </a:r>
-            <a:r>
-              <a:rPr lang="pt-BR" dirty="0"/>
-              <a:t>funções com diferentes escalas e orientações. A partir desse repertório, por meio de algoritmos de aprendizado, a rede neural constrói mapeamentos capazes de resolver problemas.</a:t>
-            </a:r>
-          </a:p>
-          <a:p>
-            <a:endParaRPr lang="pt-BR" dirty="0"/>
-          </a:p>
-          <a:p>
-            <a:r>
-              <a:rPr lang="pt-BR" dirty="0"/>
-              <a:t>Para que uma rede MLP pudesse ser treinada corretamente, em </a:t>
-            </a:r>
-            <a:r>
-              <a:rPr lang="pt-BR" sz="1200" b="0" i="0" kern="1200" dirty="0">
-                <a:solidFill>
-                  <a:schemeClr val="tx1"/>
-                </a:solidFill>
-                <a:effectLst/>
-                <a:latin typeface="+mn-lt"/>
-                <a:ea typeface="+mn-ea"/>
-                <a:cs typeface="+mn-cs"/>
-              </a:rPr>
-              <a:t>1986 D. E. Rumelhart</a:t>
-            </a:r>
-            <a:r>
-              <a:rPr lang="pt-BR" dirty="0"/>
-              <a:t> e</a:t>
-            </a:r>
-            <a:r>
-              <a:rPr lang="pt-BR" baseline="0" dirty="0"/>
-              <a:t> seus colegas, </a:t>
-            </a:r>
-            <a:r>
-              <a:rPr lang="pt-BR" dirty="0"/>
-              <a:t>fizeram uma alteração fundamental na arquitetura do perceptron: substituíram a função step pela função logística (ou sigmoide).</a:t>
-            </a:r>
-            <a:r>
-              <a:rPr lang="pt-BR" baseline="0" dirty="0"/>
-              <a:t> </a:t>
-            </a:r>
-            <a:r>
-              <a:rPr lang="pt-BR" dirty="0"/>
-              <a:t>Isso foi essencial porque a função step contém apenas segmentos planos, portanto, não há gradiente com o qual se trabalhar (i.e.,</a:t>
-            </a:r>
-            <a:r>
-              <a:rPr lang="pt-BR" baseline="0" dirty="0"/>
-              <a:t> o algortimo do gradiente descendente </a:t>
-            </a:r>
-            <a:r>
-              <a:rPr lang="pt-BR" dirty="0"/>
-              <a:t>não pode se mover em uma superfície plana, ou seja, com gradiente igual a zero), enquanto isso, a função logística possui derivada diferente de zero e bem definida em todos os pontos, permitindo que </a:t>
-            </a:r>
-            <a:r>
-              <a:rPr lang="pt-BR" baseline="0" dirty="0"/>
-              <a:t>o algortimo do gradiente descendente </a:t>
-            </a:r>
-            <a:r>
-              <a:rPr lang="pt-BR" dirty="0"/>
-              <a:t>faça progresso a cada passo.</a:t>
-            </a:r>
-          </a:p>
-          <a:p>
-            <a:endParaRPr lang="pt-BR" dirty="0"/>
+              <a:t>rede neural feedforward (FNN).</a:t>
+            </a:r>
           </a:p>
           <a:p>
             <a:endParaRPr lang="pt-BR" dirty="0"/>
@@ -2762,7 +3031,7 @@
           <a:p>
             <a:fld id="{F430A2A4-8C14-4B1A-AD48-7B6401078BF7}" type="slidenum">
               <a:rPr lang="pt-BR" smtClean="0"/>
-              <a:t>6</a:t>
+              <a:t>4</a:t>
             </a:fld>
             <a:endParaRPr lang="pt-BR"/>
           </a:p>
@@ -2771,7 +3040,7 @@
     </p:spTree>
     <p:extLst>
       <p:ext uri="{BB962C8B-B14F-4D97-AF65-F5344CB8AC3E}">
-        <p14:creationId xmlns:p14="http://schemas.microsoft.com/office/powerpoint/2010/main" val="2736546683"/>
+        <p14:creationId xmlns:p14="http://schemas.microsoft.com/office/powerpoint/2010/main" val="2957101294"/>
       </p:ext>
     </p:extLst>
   </p:cSld>
@@ -2827,8 +3096,87 @@
           <a:p>
             <a:r>
               <a:rPr lang="pt-BR" dirty="0"/>
-              <a:t>A derivada será importante, como veremos, no processo de aprendizado da rede neural.</a:t>
-            </a:r>
+              <a:t>Variando-se os pesos das</a:t>
+            </a:r>
+            <a:r>
+              <a:rPr lang="pt-BR" baseline="0" dirty="0"/>
+              <a:t> unidades que formam a rede</a:t>
+            </a:r>
+            <a:r>
+              <a:rPr lang="pt-BR" dirty="0"/>
+              <a:t>, forma-se um repertório de diferentes</a:t>
+            </a:r>
+            <a:r>
+              <a:rPr lang="pt-BR" baseline="0" dirty="0"/>
+              <a:t> tipos de </a:t>
+            </a:r>
+            <a:r>
+              <a:rPr lang="pt-BR" dirty="0"/>
+              <a:t>funções com diferentes escalas e orientações. A partir desse repertório, por meio de algoritmos de aprendizado, a rede neural constrói mapeamentos capazes de resolver problemas.</a:t>
+            </a:r>
+          </a:p>
+          <a:p>
+            <a:endParaRPr lang="pt-BR" dirty="0"/>
+          </a:p>
+          <a:p>
+            <a:r>
+              <a:rPr lang="pt-BR" dirty="0"/>
+              <a:t>Para que uma rede MLP pudesse ser treinada corretamente, em </a:t>
+            </a:r>
+            <a:r>
+              <a:rPr lang="pt-BR" sz="1200" b="0" i="0" kern="1200" dirty="0">
+                <a:solidFill>
+                  <a:schemeClr val="tx1"/>
+                </a:solidFill>
+                <a:effectLst/>
+                <a:latin typeface="+mn-lt"/>
+                <a:ea typeface="+mn-ea"/>
+                <a:cs typeface="+mn-cs"/>
+              </a:rPr>
+              <a:t>1986 D. E. Rumelhart</a:t>
+            </a:r>
+            <a:r>
+              <a:rPr lang="pt-BR" dirty="0"/>
+              <a:t> e</a:t>
+            </a:r>
+            <a:r>
+              <a:rPr lang="pt-BR" baseline="0" dirty="0"/>
+              <a:t> seus colegas, </a:t>
+            </a:r>
+            <a:r>
+              <a:rPr lang="pt-BR" dirty="0"/>
+              <a:t>fizeram uma alteração fundamental na arquitetura do perceptron: substituíram a função step pela função logística (ou sigmoide).</a:t>
+            </a:r>
+            <a:r>
+              <a:rPr lang="pt-BR" baseline="0" dirty="0"/>
+              <a:t> </a:t>
+            </a:r>
+            <a:r>
+              <a:rPr lang="pt-BR" dirty="0"/>
+              <a:t>Isso foi essencial porque a função step contém apenas segmentos planos, portanto, não há gradiente com o qual se trabalhar (i.e.,</a:t>
+            </a:r>
+            <a:r>
+              <a:rPr lang="pt-BR" baseline="0" dirty="0"/>
+              <a:t> o algortimo do gradiente descendente </a:t>
+            </a:r>
+            <a:r>
+              <a:rPr lang="pt-BR" dirty="0"/>
+              <a:t>não pode se mover em uma superfície plana, ou seja, com gradiente igual a zero), enquanto isso, a função logística possui derivada diferente de zero e bem definida em todos os pontos, permitindo que </a:t>
+            </a:r>
+            <a:r>
+              <a:rPr lang="pt-BR" baseline="0" dirty="0"/>
+              <a:t>o algortimo do gradiente descendente </a:t>
+            </a:r>
+            <a:r>
+              <a:rPr lang="pt-BR" dirty="0"/>
+              <a:t>faça progresso a cada passo.</a:t>
+            </a:r>
+          </a:p>
+          <a:p>
+            <a:endParaRPr lang="pt-BR" dirty="0"/>
+          </a:p>
+          <a:p>
+            <a:endParaRPr lang="pt-BR" dirty="0"/>
           </a:p>
         </p:txBody>
       </p:sp>
@@ -2849,7 +3197,7 @@
           <a:p>
             <a:fld id="{F430A2A4-8C14-4B1A-AD48-7B6401078BF7}" type="slidenum">
               <a:rPr lang="pt-BR" smtClean="0"/>
-              <a:t>7</a:t>
+              <a:t>6</a:t>
             </a:fld>
             <a:endParaRPr lang="pt-BR"/>
           </a:p>
@@ -2858,7 +3206,7 @@
     </p:spTree>
     <p:extLst>
       <p:ext uri="{BB962C8B-B14F-4D97-AF65-F5344CB8AC3E}">
-        <p14:creationId xmlns:p14="http://schemas.microsoft.com/office/powerpoint/2010/main" val="1244670760"/>
+        <p14:creationId xmlns:p14="http://schemas.microsoft.com/office/powerpoint/2010/main" val="2736546683"/>
       </p:ext>
     </p:extLst>
   </p:cSld>
@@ -2930,42 +3278,42 @@
               <a:defRPr/>
             </a:pPr>
             <a:r>
-              <a:rPr lang="pt-BR" b="1" dirty="0"/>
-              <a:t>OBS</a:t>
+              <a:rPr lang="pt-BR" dirty="0" smtClean="0"/>
+              <a:t>Não se utiliza a </a:t>
+            </a:r>
+            <a:r>
+              <a:rPr lang="pt-BR" b="1" i="1" dirty="0" smtClean="0"/>
+              <a:t>função degrau</a:t>
+            </a:r>
+            <a:r>
+              <a:rPr lang="pt-BR" dirty="0" smtClean="0"/>
+              <a:t> como função de ativação em </a:t>
+            </a:r>
+            <a:r>
+              <a:rPr lang="pt-BR" dirty="0" err="1" smtClean="0"/>
+              <a:t>MLPs</a:t>
+            </a:r>
+            <a:r>
+              <a:rPr lang="pt-BR" baseline="0" dirty="0" smtClean="0"/>
+              <a:t> pois ela tem derivada igual a 0 para todos os valores exceto em 0, onde ela é indeterminada.</a:t>
+            </a:r>
+            <a:endParaRPr lang="pt-BR" dirty="0" smtClean="0"/>
+          </a:p>
+          <a:p>
+            <a:endParaRPr lang="pt-BR" dirty="0" smtClean="0"/>
+          </a:p>
+          <a:p>
+            <a:endParaRPr lang="pt-BR" dirty="0" smtClean="0"/>
+          </a:p>
+          <a:p>
+            <a:r>
+              <a:rPr lang="pt-BR" dirty="0" smtClean="0"/>
+              <a:t>A </a:t>
             </a:r>
             <a:r>
               <a:rPr lang="pt-BR" dirty="0"/>
-              <a:t>.: As funções de ativação logística e tangente hiperbólica não podem ser usadas em redes neurais profundas devido ao problema do desvanecimento do gradiente.</a:t>
-            </a:r>
-          </a:p>
-          <a:p>
-            <a:pPr marL="0" marR="0" lvl="0" indent="0" algn="l" defTabSz="914400" rtl="0" eaLnBrk="1" fontAlgn="auto" latinLnBrk="0" hangingPunct="1">
-              <a:lnSpc>
-                <a:spcPct val="100000"/>
-              </a:lnSpc>
-              <a:spcBef>
-                <a:spcPts val="0"/>
-              </a:spcBef>
-              <a:spcAft>
-                <a:spcPts val="0"/>
-              </a:spcAft>
-              <a:buClrTx/>
-              <a:buSzTx/>
-              <a:buFontTx/>
-              <a:buNone/>
-              <a:tabLst/>
-              <a:defRPr/>
-            </a:pPr>
-            <a:r>
-              <a:rPr lang="pt-BR" dirty="0">
-                <a:hlinkClick r:id="rId3"/>
-              </a:rPr>
-              <a:t>https://en.wikipedia.org/wiki/Vanishing_gradient_problem</a:t>
-            </a:r>
-            <a:endParaRPr lang="pt-BR" dirty="0"/>
-          </a:p>
-          <a:p>
-            <a:endParaRPr lang="pt-BR" dirty="0"/>
+              <a:t>derivada será importante, como veremos, no processo de aprendizado da rede neural.</a:t>
+            </a:r>
           </a:p>
         </p:txBody>
       </p:sp>
@@ -2986,7 +3334,7 @@
           <a:p>
             <a:fld id="{F430A2A4-8C14-4B1A-AD48-7B6401078BF7}" type="slidenum">
               <a:rPr lang="pt-BR" smtClean="0"/>
-              <a:t>9</a:t>
+              <a:t>7</a:t>
             </a:fld>
             <a:endParaRPr lang="pt-BR"/>
           </a:p>
@@ -2995,7 +3343,7 @@
     </p:spTree>
     <p:extLst>
       <p:ext uri="{BB962C8B-B14F-4D97-AF65-F5344CB8AC3E}">
-        <p14:creationId xmlns:p14="http://schemas.microsoft.com/office/powerpoint/2010/main" val="505246051"/>
+        <p14:creationId xmlns:p14="http://schemas.microsoft.com/office/powerpoint/2010/main" val="1244670760"/>
       </p:ext>
     </p:extLst>
   </p:cSld>
@@ -3049,22 +3397,59 @@
           <a:bodyPr/>
           <a:lstStyle/>
           <a:p>
-            <a:r>
-              <a:rPr lang="pt-BR" dirty="0" smtClean="0"/>
-              <a:t>Referências:</a:t>
-            </a:r>
-          </a:p>
-          <a:p>
-            <a:r>
-              <a:rPr lang="pt-BR" dirty="0" smtClean="0"/>
-              <a:t>[1] https://www.kaggle.com/getting-started/118228</a:t>
-            </a:r>
-          </a:p>
-          <a:p>
-            <a:r>
-              <a:rPr lang="pt-BR" dirty="0" smtClean="0"/>
-              <a:t>[2] https://medium.com/analytics-vidhya/how-batch-normalization-and-relu-solve-vanishing-gradients-3f1a8ace1c88</a:t>
-            </a:r>
+            <a:pPr marL="0" marR="0" lvl="0" indent="0" algn="l" defTabSz="914400" rtl="0" eaLnBrk="1" fontAlgn="auto" latinLnBrk="0" hangingPunct="1">
+              <a:lnSpc>
+                <a:spcPct val="100000"/>
+              </a:lnSpc>
+              <a:spcBef>
+                <a:spcPts val="0"/>
+              </a:spcBef>
+              <a:spcAft>
+                <a:spcPts val="0"/>
+              </a:spcAft>
+              <a:buClrTx/>
+              <a:buSzTx/>
+              <a:buFontTx/>
+              <a:buNone/>
+              <a:tabLst/>
+              <a:defRPr/>
+            </a:pPr>
+            <a:r>
+              <a:rPr lang="pt-BR" b="1" dirty="0"/>
+              <a:t>OBS</a:t>
+            </a:r>
+            <a:r>
+              <a:rPr lang="pt-BR" dirty="0"/>
+              <a:t>.: As funções de ativação logística e tangente hiperbólica não podem ser usadas em redes neurais profundas devido ao problema do desvanecimento do gradiente.</a:t>
+            </a:r>
+          </a:p>
+          <a:p>
+            <a:pPr marL="0" marR="0" lvl="0" indent="0" algn="l" defTabSz="914400" rtl="0" eaLnBrk="1" fontAlgn="auto" latinLnBrk="0" hangingPunct="1">
+              <a:lnSpc>
+                <a:spcPct val="100000"/>
+              </a:lnSpc>
+              <a:spcBef>
+                <a:spcPts val="0"/>
+              </a:spcBef>
+              <a:spcAft>
+                <a:spcPts val="0"/>
+              </a:spcAft>
+              <a:buClrTx/>
+              <a:buSzTx/>
+              <a:buFontTx/>
+              <a:buNone/>
+              <a:tabLst/>
+              <a:defRPr/>
+            </a:pPr>
+            <a:r>
+              <a:rPr lang="pt-BR" dirty="0">
+                <a:hlinkClick r:id="rId3"/>
+              </a:rPr>
+              <a:t>https://en.wikipedia.org/wiki/Vanishing_gradient_problem</a:t>
+            </a:r>
+            <a:endParaRPr lang="pt-BR" dirty="0"/>
+          </a:p>
+          <a:p>
             <a:endParaRPr lang="pt-BR" dirty="0"/>
           </a:p>
         </p:txBody>
@@ -3086,7 +3471,7 @@
           <a:p>
             <a:fld id="{F430A2A4-8C14-4B1A-AD48-7B6401078BF7}" type="slidenum">
               <a:rPr lang="pt-BR" smtClean="0"/>
-              <a:t>10</a:t>
+              <a:t>9</a:t>
             </a:fld>
             <a:endParaRPr lang="pt-BR"/>
           </a:p>
@@ -3095,7 +3480,7 @@
     </p:spTree>
     <p:extLst>
       <p:ext uri="{BB962C8B-B14F-4D97-AF65-F5344CB8AC3E}">
-        <p14:creationId xmlns:p14="http://schemas.microsoft.com/office/powerpoint/2010/main" val="892391279"/>
+        <p14:creationId xmlns:p14="http://schemas.microsoft.com/office/powerpoint/2010/main" val="505246051"/>
       </p:ext>
     </p:extLst>
   </p:cSld>
@@ -3151,64 +3536,19 @@
           <a:p>
             <a:r>
               <a:rPr lang="pt-BR" dirty="0" smtClean="0"/>
-              <a:t>O problema é que, em alguns casos, o gradiente será extremamente pequeno, evitando efetivamente que o peso mude de valor. </a:t>
+              <a:t>Referências:</a:t>
             </a:r>
           </a:p>
           <a:p>
             <a:r>
               <a:rPr lang="pt-BR" dirty="0" smtClean="0"/>
-              <a:t>Na pior das hipóteses, isso pode impedir completamente o treinamento adicional da rede neural.</a:t>
-            </a:r>
-          </a:p>
-          <a:p>
-            <a:r>
-              <a:rPr lang="pt-BR" sz="1200" b="0" i="0" kern="1200" dirty="0" smtClean="0">
-                <a:solidFill>
-                  <a:schemeClr val="tx1"/>
-                </a:solidFill>
-                <a:effectLst/>
-                <a:latin typeface="+mn-lt"/>
-                <a:ea typeface="+mn-ea"/>
-                <a:cs typeface="+mn-cs"/>
-              </a:rPr>
-              <a:t>Temos aqui uma observação importante: em pelo menos algumas redes neurais profundas, o gradiente tende a diminuir à medida que nos movemos para trás através das camadas ocultas. Isso significa que os neurônios nas camadas anteriores apr</a:t>
-            </a:r>
-          </a:p>
-          <a:p>
-            <a:endParaRPr lang="pt-BR" sz="1200" b="0" i="0" kern="1200" dirty="0" smtClean="0">
-              <a:solidFill>
-                <a:schemeClr val="tx1"/>
-              </a:solidFill>
-              <a:effectLst/>
-              <a:latin typeface="+mn-lt"/>
-              <a:ea typeface="+mn-ea"/>
-              <a:cs typeface="+mn-cs"/>
-            </a:endParaRPr>
+              <a:t>[1] https://www.kaggle.com/getting-started/118228</a:t>
+            </a:r>
           </a:p>
           <a:p>
             <a:r>
               <a:rPr lang="pt-BR" dirty="0" smtClean="0"/>
-              <a:t>o gradiente é multiplicado várias vezes com o algoritmo da </a:t>
-            </a:r>
-            <a:r>
-              <a:rPr lang="pt-BR" b="1" i="1" dirty="0" smtClean="0"/>
-              <a:t>retropropagação</a:t>
-            </a:r>
-            <a:r>
-              <a:rPr lang="pt-BR" dirty="0" smtClean="0"/>
-              <a:t>, o que faz com que o gradiente se torne menor para as camadas inferiores, levando a uma mudança muito pequena ou até mesmo nenhuma mudança nos pesos das camadas inferiores</a:t>
-            </a:r>
-            <a:r>
-              <a:rPr lang="pt-BR" sz="1200" b="0" i="0" kern="1200" dirty="0" smtClean="0">
-                <a:solidFill>
-                  <a:schemeClr val="tx1"/>
-                </a:solidFill>
-                <a:effectLst/>
-                <a:latin typeface="+mn-lt"/>
-                <a:ea typeface="+mn-ea"/>
-                <a:cs typeface="+mn-cs"/>
-              </a:rPr>
-              <a:t>endem muito mais lentamente que os neurônios nas camadas posteriores.</a:t>
+              <a:t>[2] https://medium.com/analytics-vidhya/how-batch-normalization-and-relu-solve-vanishing-gradients-3f1a8ace1c88</a:t>
             </a:r>
             <a:endParaRPr lang="pt-BR" dirty="0"/>
           </a:p>
@@ -3231,7 +3571,7 @@
           <a:p>
             <a:fld id="{F430A2A4-8C14-4B1A-AD48-7B6401078BF7}" type="slidenum">
               <a:rPr lang="pt-BR" smtClean="0"/>
-              <a:t>11</a:t>
+              <a:t>10</a:t>
             </a:fld>
             <a:endParaRPr lang="pt-BR"/>
           </a:p>
@@ -3240,7 +3580,7 @@
     </p:spTree>
     <p:extLst>
       <p:ext uri="{BB962C8B-B14F-4D97-AF65-F5344CB8AC3E}">
-        <p14:creationId xmlns:p14="http://schemas.microsoft.com/office/powerpoint/2010/main" val="522192254"/>
+        <p14:creationId xmlns:p14="http://schemas.microsoft.com/office/powerpoint/2010/main" val="892391279"/>
       </p:ext>
     </p:extLst>
   </p:cSld>
@@ -3376,7 +3716,7 @@
           <a:p>
             <a:fld id="{F430A2A4-8C14-4B1A-AD48-7B6401078BF7}" type="slidenum">
               <a:rPr lang="pt-BR" smtClean="0"/>
-              <a:t>12</a:t>
+              <a:t>11</a:t>
             </a:fld>
             <a:endParaRPr lang="pt-BR"/>
           </a:p>
@@ -3385,7 +3725,7 @@
     </p:spTree>
     <p:extLst>
       <p:ext uri="{BB962C8B-B14F-4D97-AF65-F5344CB8AC3E}">
-        <p14:creationId xmlns:p14="http://schemas.microsoft.com/office/powerpoint/2010/main" val="1850766801"/>
+        <p14:creationId xmlns:p14="http://schemas.microsoft.com/office/powerpoint/2010/main" val="522192254"/>
       </p:ext>
     </p:extLst>
   </p:cSld>
@@ -3526,7 +3866,7 @@
           <a:p>
             <a:fld id="{221D0464-8C8A-49C0-859F-777E51766A35}" type="datetimeFigureOut">
               <a:rPr lang="pt-BR" smtClean="0"/>
-              <a:t>19/11/2021</a:t>
+              <a:t>06/05/2022</a:t>
             </a:fld>
             <a:endParaRPr lang="pt-BR"/>
           </a:p>
@@ -3568,7 +3908,7 @@
           <a:p>
             <a:fld id="{5CB2E8FC-741C-4BF1-B071-7D772D706EF9}" type="slidenum">
               <a:rPr lang="pt-BR" smtClean="0"/>
-              <a:t>‹#›</a:t>
+              <a:t>‹nº›</a:t>
             </a:fld>
             <a:endParaRPr lang="pt-BR"/>
           </a:p>
@@ -3696,7 +4036,7 @@
           <a:p>
             <a:fld id="{221D0464-8C8A-49C0-859F-777E51766A35}" type="datetimeFigureOut">
               <a:rPr lang="pt-BR" smtClean="0"/>
-              <a:t>19/11/2021</a:t>
+              <a:t>06/05/2022</a:t>
             </a:fld>
             <a:endParaRPr lang="pt-BR"/>
           </a:p>
@@ -3738,7 +4078,7 @@
           <a:p>
             <a:fld id="{5CB2E8FC-741C-4BF1-B071-7D772D706EF9}" type="slidenum">
               <a:rPr lang="pt-BR" smtClean="0"/>
-              <a:t>‹#›</a:t>
+              <a:t>‹nº›</a:t>
             </a:fld>
             <a:endParaRPr lang="pt-BR"/>
           </a:p>
@@ -3876,7 +4216,7 @@
           <a:p>
             <a:fld id="{221D0464-8C8A-49C0-859F-777E51766A35}" type="datetimeFigureOut">
               <a:rPr lang="pt-BR" smtClean="0"/>
-              <a:t>19/11/2021</a:t>
+              <a:t>06/05/2022</a:t>
             </a:fld>
             <a:endParaRPr lang="pt-BR"/>
           </a:p>
@@ -3918,7 +4258,7 @@
           <a:p>
             <a:fld id="{5CB2E8FC-741C-4BF1-B071-7D772D706EF9}" type="slidenum">
               <a:rPr lang="pt-BR" smtClean="0"/>
-              <a:t>‹#›</a:t>
+              <a:t>‹nº›</a:t>
             </a:fld>
             <a:endParaRPr lang="pt-BR"/>
           </a:p>
@@ -4046,7 +4386,7 @@
           <a:p>
             <a:fld id="{221D0464-8C8A-49C0-859F-777E51766A35}" type="datetimeFigureOut">
               <a:rPr lang="pt-BR" smtClean="0"/>
-              <a:t>19/11/2021</a:t>
+              <a:t>06/05/2022</a:t>
             </a:fld>
             <a:endParaRPr lang="pt-BR"/>
           </a:p>
@@ -4088,7 +4428,7 @@
           <a:p>
             <a:fld id="{5CB2E8FC-741C-4BF1-B071-7D772D706EF9}" type="slidenum">
               <a:rPr lang="pt-BR" smtClean="0"/>
-              <a:t>‹#›</a:t>
+              <a:t>‹nº›</a:t>
             </a:fld>
             <a:endParaRPr lang="pt-BR"/>
           </a:p>
@@ -4292,7 +4632,7 @@
           <a:p>
             <a:fld id="{221D0464-8C8A-49C0-859F-777E51766A35}" type="datetimeFigureOut">
               <a:rPr lang="pt-BR" smtClean="0"/>
-              <a:t>19/11/2021</a:t>
+              <a:t>06/05/2022</a:t>
             </a:fld>
             <a:endParaRPr lang="pt-BR"/>
           </a:p>
@@ -4334,7 +4674,7 @@
           <a:p>
             <a:fld id="{5CB2E8FC-741C-4BF1-B071-7D772D706EF9}" type="slidenum">
               <a:rPr lang="pt-BR" smtClean="0"/>
-              <a:t>‹#›</a:t>
+              <a:t>‹nº›</a:t>
             </a:fld>
             <a:endParaRPr lang="pt-BR"/>
           </a:p>
@@ -4524,7 +4864,7 @@
           <a:p>
             <a:fld id="{221D0464-8C8A-49C0-859F-777E51766A35}" type="datetimeFigureOut">
               <a:rPr lang="pt-BR" smtClean="0"/>
-              <a:t>19/11/2021</a:t>
+              <a:t>06/05/2022</a:t>
             </a:fld>
             <a:endParaRPr lang="pt-BR"/>
           </a:p>
@@ -4566,7 +4906,7 @@
           <a:p>
             <a:fld id="{5CB2E8FC-741C-4BF1-B071-7D772D706EF9}" type="slidenum">
               <a:rPr lang="pt-BR" smtClean="0"/>
-              <a:t>‹#›</a:t>
+              <a:t>‹nº›</a:t>
             </a:fld>
             <a:endParaRPr lang="pt-BR"/>
           </a:p>
@@ -4891,7 +5231,7 @@
           <a:p>
             <a:fld id="{221D0464-8C8A-49C0-859F-777E51766A35}" type="datetimeFigureOut">
               <a:rPr lang="pt-BR" smtClean="0"/>
-              <a:t>19/11/2021</a:t>
+              <a:t>06/05/2022</a:t>
             </a:fld>
             <a:endParaRPr lang="pt-BR"/>
           </a:p>
@@ -4933,7 +5273,7 @@
           <a:p>
             <a:fld id="{5CB2E8FC-741C-4BF1-B071-7D772D706EF9}" type="slidenum">
               <a:rPr lang="pt-BR" smtClean="0"/>
-              <a:t>‹#›</a:t>
+              <a:t>‹nº›</a:t>
             </a:fld>
             <a:endParaRPr lang="pt-BR"/>
           </a:p>
@@ -5009,7 +5349,7 @@
           <a:p>
             <a:fld id="{221D0464-8C8A-49C0-859F-777E51766A35}" type="datetimeFigureOut">
               <a:rPr lang="pt-BR" smtClean="0"/>
-              <a:t>19/11/2021</a:t>
+              <a:t>06/05/2022</a:t>
             </a:fld>
             <a:endParaRPr lang="pt-BR"/>
           </a:p>
@@ -5051,7 +5391,7 @@
           <a:p>
             <a:fld id="{5CB2E8FC-741C-4BF1-B071-7D772D706EF9}" type="slidenum">
               <a:rPr lang="pt-BR" smtClean="0"/>
-              <a:t>‹#›</a:t>
+              <a:t>‹nº›</a:t>
             </a:fld>
             <a:endParaRPr lang="pt-BR"/>
           </a:p>
@@ -5104,7 +5444,7 @@
           <a:p>
             <a:fld id="{221D0464-8C8A-49C0-859F-777E51766A35}" type="datetimeFigureOut">
               <a:rPr lang="pt-BR" smtClean="0"/>
-              <a:t>19/11/2021</a:t>
+              <a:t>06/05/2022</a:t>
             </a:fld>
             <a:endParaRPr lang="pt-BR"/>
           </a:p>
@@ -5146,7 +5486,7 @@
           <a:p>
             <a:fld id="{5CB2E8FC-741C-4BF1-B071-7D772D706EF9}" type="slidenum">
               <a:rPr lang="pt-BR" smtClean="0"/>
-              <a:t>‹#›</a:t>
+              <a:t>‹nº›</a:t>
             </a:fld>
             <a:endParaRPr lang="pt-BR"/>
           </a:p>
@@ -5381,7 +5721,7 @@
           <a:p>
             <a:fld id="{221D0464-8C8A-49C0-859F-777E51766A35}" type="datetimeFigureOut">
               <a:rPr lang="pt-BR" smtClean="0"/>
-              <a:t>19/11/2021</a:t>
+              <a:t>06/05/2022</a:t>
             </a:fld>
             <a:endParaRPr lang="pt-BR"/>
           </a:p>
@@ -5423,7 +5763,7 @@
           <a:p>
             <a:fld id="{5CB2E8FC-741C-4BF1-B071-7D772D706EF9}" type="slidenum">
               <a:rPr lang="pt-BR" smtClean="0"/>
-              <a:t>‹#›</a:t>
+              <a:t>‹nº›</a:t>
             </a:fld>
             <a:endParaRPr lang="pt-BR"/>
           </a:p>
@@ -5634,7 +5974,7 @@
           <a:p>
             <a:fld id="{221D0464-8C8A-49C0-859F-777E51766A35}" type="datetimeFigureOut">
               <a:rPr lang="pt-BR" smtClean="0"/>
-              <a:t>19/11/2021</a:t>
+              <a:t>06/05/2022</a:t>
             </a:fld>
             <a:endParaRPr lang="pt-BR"/>
           </a:p>
@@ -5676,7 +6016,7 @@
           <a:p>
             <a:fld id="{5CB2E8FC-741C-4BF1-B071-7D772D706EF9}" type="slidenum">
               <a:rPr lang="pt-BR" smtClean="0"/>
-              <a:t>‹#›</a:t>
+              <a:t>‹nº›</a:t>
             </a:fld>
             <a:endParaRPr lang="pt-BR"/>
           </a:p>
@@ -5847,7 +6187,7 @@
           <a:p>
             <a:fld id="{221D0464-8C8A-49C0-859F-777E51766A35}" type="datetimeFigureOut">
               <a:rPr lang="pt-BR" smtClean="0"/>
-              <a:t>19/11/2021</a:t>
+              <a:t>06/05/2022</a:t>
             </a:fld>
             <a:endParaRPr lang="pt-BR"/>
           </a:p>
@@ -5925,7 +6265,7 @@
           <a:p>
             <a:fld id="{5CB2E8FC-741C-4BF1-B071-7D772D706EF9}" type="slidenum">
               <a:rPr lang="pt-BR" smtClean="0"/>
-              <a:t>‹#›</a:t>
+              <a:t>‹nº›</a:t>
             </a:fld>
             <a:endParaRPr lang="pt-BR"/>
           </a:p>
@@ -6257,7 +6597,7 @@
           <p:cNvPr id="2" name="Título 1">
             <a:extLst>
               <a:ext uri="{FF2B5EF4-FFF2-40B4-BE49-F238E27FC236}">
-                <a16:creationId xmlns:a16="http://schemas.microsoft.com/office/drawing/2014/main" xmlns="" id="{32666AC8-2E17-4DB4-B0F5-60C640CCFD2E}"/>
+                <a16:creationId xmlns="" xmlns:a16="http://schemas.microsoft.com/office/drawing/2014/main" id="{32666AC8-2E17-4DB4-B0F5-60C640CCFD2E}"/>
               </a:ext>
             </a:extLst>
           </p:cNvPr>
@@ -6308,7 +6648,7 @@
           <p:cNvPr id="4" name="CaixaDeTexto 3">
             <a:extLst>
               <a:ext uri="{FF2B5EF4-FFF2-40B4-BE49-F238E27FC236}">
-                <a16:creationId xmlns:a16="http://schemas.microsoft.com/office/drawing/2014/main" xmlns="" id="{430EB894-B7D4-434C-9D1A-A14094D9BEEC}"/>
+                <a16:creationId xmlns="" xmlns:a16="http://schemas.microsoft.com/office/drawing/2014/main" id="{430EB894-B7D4-434C-9D1A-A14094D9BEEC}"/>
               </a:ext>
             </a:extLst>
           </p:cNvPr>
@@ -6349,7 +6689,7 @@
           <p:cNvPr id="1026" name="Picture 2" descr="Logo">
             <a:extLst>
               <a:ext uri="{FF2B5EF4-FFF2-40B4-BE49-F238E27FC236}">
-                <a16:creationId xmlns:a16="http://schemas.microsoft.com/office/drawing/2014/main" xmlns="" id="{3F2642E0-4F6A-4196-8F58-E77D36E9A33F}"/>
+                <a16:creationId xmlns="" xmlns:a16="http://schemas.microsoft.com/office/drawing/2014/main" id="{3F2642E0-4F6A-4196-8F58-E77D36E9A33F}"/>
               </a:ext>
             </a:extLst>
           </p:cNvPr>
@@ -6394,7 +6734,7 @@
           <p:cNvPr id="5122" name="Picture 2" descr="Image result for machine learning">
             <a:extLst>
               <a:ext uri="{FF2B5EF4-FFF2-40B4-BE49-F238E27FC236}">
-                <a16:creationId xmlns:a16="http://schemas.microsoft.com/office/drawing/2014/main" xmlns="" id="{810CE0A2-4102-44A6-A370-175E7896CDCB}"/>
+                <a16:creationId xmlns="" xmlns:a16="http://schemas.microsoft.com/office/drawing/2014/main" id="{810CE0A2-4102-44A6-A370-175E7896CDCB}"/>
               </a:ext>
             </a:extLst>
           </p:cNvPr>
@@ -6504,7 +6844,7 @@
         </p:spPr>
         <p:txBody>
           <a:bodyPr>
-            <a:normAutofit/>
+            <a:normAutofit lnSpcReduction="10000"/>
           </a:bodyPr>
           <a:lstStyle/>
           <a:p>
@@ -6526,8 +6866,13 @@
             </a:r>
             <a:r>
               <a:rPr lang="pt-BR" dirty="0" smtClean="0"/>
-              <a:t>em informações do gradiente e funções de ativação sigmóide.</a:t>
-            </a:r>
+              <a:t>em informações do gradiente e funções de ativação </a:t>
+            </a:r>
+            <a:r>
+              <a:rPr lang="pt-BR" dirty="0" smtClean="0"/>
+              <a:t>sigmoide ou tangente hiperbólica.</a:t>
+            </a:r>
+            <a:endParaRPr lang="pt-BR" dirty="0" smtClean="0"/>
           </a:p>
           <a:p>
             <a:r>
@@ -6594,6 +6939,13 @@
   <p:clrMapOvr>
     <a:masterClrMapping/>
   </p:clrMapOvr>
+  <p:timing>
+    <p:tnLst>
+      <p:par>
+        <p:cTn id="1" dur="indefinite" restart="never" nodeType="tmRoot"/>
+      </p:par>
+    </p:tnLst>
+  </p:timing>
 </p:sld>
 </file>
 
@@ -6636,8 +6988,8 @@
           </a:p>
         </p:txBody>
       </p:sp>
-      <mc:AlternateContent xmlns:mc="http://schemas.openxmlformats.org/markup-compatibility/2006" xmlns:a14="http://schemas.microsoft.com/office/drawing/2010/main">
-        <mc:Choice Requires="a14">
+      <mc:AlternateContent xmlns:mc="http://schemas.openxmlformats.org/markup-compatibility/2006">
+        <mc:Choice xmlns:a14="http://schemas.microsoft.com/office/drawing/2010/main" Requires="a14">
           <p:sp>
             <p:nvSpPr>
               <p:cNvPr id="3" name="Content Placeholder 2"/>
@@ -6694,7 +7046,15 @@
                 </a:r>
                 <a:r>
                   <a:rPr lang="pt-BR" dirty="0" smtClean="0"/>
-                  <a:t>gradientes (i.e., derivadas parciais) no intervalo de 0 até aproximadamente 1.</a:t>
+                  <a:t>gradientes (i.e., derivadas parciais) no intervalo de 0 até </a:t>
+                </a:r>
+                <a:r>
+                  <a:rPr lang="pt-BR" dirty="0" smtClean="0"/>
+                  <a:t>1</a:t>
+                </a:r>
+                <a:r>
+                  <a:rPr lang="pt-BR" dirty="0" smtClean="0"/>
+                  <a:t>.</a:t>
                 </a:r>
               </a:p>
               <a:p>
@@ -7142,12 +7502,20 @@
                   <a:t>Em outras palavras, </a:t>
                 </a:r>
                 <a:r>
+                  <a:rPr lang="pt-BR" dirty="0" smtClean="0"/>
+                  <a:t>devido a regra da cadeia, a </a:t>
+                </a:r>
+                <a:r>
                   <a:rPr lang="pt-BR" dirty="0"/>
-                  <a:t>a derivada de uma função de ativação em uma </a:t>
+                  <a:t>derivada de uma função de ativação em uma </a:t>
                 </a:r>
                 <a:r>
                   <a:rPr lang="pt-BR" dirty="0" smtClean="0"/>
-                  <a:t>dada camada da rede neural torna-se </a:t>
+                  <a:t>dada camada da rede neural </a:t>
+                </a:r>
+                <a:r>
+                  <a:rPr lang="pt-BR" dirty="0" smtClean="0"/>
+                  <a:t>é </a:t>
                 </a:r>
                 <a:r>
                   <a:rPr lang="pt-BR" dirty="0"/>
@@ -7199,7 +7567,7 @@
             </p:txBody>
           </p:sp>
         </mc:Choice>
-        <mc:Fallback xmlns="">
+        <mc:Fallback>
           <p:sp>
             <p:nvSpPr>
               <p:cNvPr id="3" name="Content Placeholder 2"/>
@@ -7218,7 +7586,7 @@
               <a:blipFill rotWithShape="0">
                 <a:blip r:embed="rId3"/>
                 <a:stretch>
-                  <a:fillRect l="-993" t="-2663" r="-662"/>
+                  <a:fillRect l="-993" t="-2663" r="-1490"/>
                 </a:stretch>
               </a:blipFill>
             </p:spPr>
@@ -7313,7 +7681,23 @@
           <a:p>
             <a:r>
               <a:rPr lang="pt-BR" dirty="0" smtClean="0"/>
-              <a:t>Isso </a:t>
+              <a:t>Em </a:t>
+            </a:r>
+            <a:r>
+              <a:rPr lang="pt-BR" dirty="0"/>
+              <a:t>uma rede com </a:t>
+            </a:r>
+            <a:r>
+              <a:rPr lang="pt-BR" b="1" i="1" dirty="0"/>
+              <a:t>M</a:t>
+            </a:r>
+            <a:r>
+              <a:rPr lang="pt-BR" dirty="0"/>
+              <a:t> </a:t>
+            </a:r>
+            <a:r>
+              <a:rPr lang="pt-BR" dirty="0" smtClean="0"/>
+              <a:t>camadas, isso </a:t>
             </a:r>
             <a:r>
               <a:rPr lang="pt-BR" dirty="0"/>
@@ -7337,23 +7721,11 @@
             </a:r>
             <a:r>
               <a:rPr lang="pt-BR" dirty="0"/>
-              <a:t>gradientes das primeiras camadas em uma rede </a:t>
+              <a:t>gradientes das primeiras </a:t>
             </a:r>
             <a:r>
               <a:rPr lang="pt-BR" dirty="0" smtClean="0"/>
-              <a:t>com </a:t>
-            </a:r>
-            <a:r>
-              <a:rPr lang="pt-BR" b="1" i="1" dirty="0" smtClean="0"/>
-              <a:t>M</a:t>
-            </a:r>
-            <a:r>
-              <a:rPr lang="pt-BR" dirty="0" smtClean="0"/>
-              <a:t> camadas</a:t>
-            </a:r>
-            <a:r>
-              <a:rPr lang="pt-BR" dirty="0"/>
-              <a:t>.</a:t>
+              <a:t>camadas.</a:t>
             </a:r>
             <a:endParaRPr lang="pt-BR" dirty="0" smtClean="0"/>
           </a:p>
@@ -7519,8 +7891,8 @@
           </a:p>
         </p:txBody>
       </p:sp>
-      <mc:AlternateContent xmlns:mc="http://schemas.openxmlformats.org/markup-compatibility/2006" xmlns:a14="http://schemas.microsoft.com/office/drawing/2010/main">
-        <mc:Choice Requires="a14">
+      <mc:AlternateContent xmlns:mc="http://schemas.openxmlformats.org/markup-compatibility/2006">
+        <mc:Choice xmlns:a14="http://schemas.microsoft.com/office/drawing/2010/main" Requires="a14">
           <p:sp>
             <p:nvSpPr>
               <p:cNvPr id="3" name="Content Placeholder 2"/>
@@ -7981,10 +8353,10 @@
                               </m:sSubPr>
                               <m:e>
                                 <m:r>
-                                  <a:rPr lang="pt-BR" i="1">
+                                  <a:rPr lang="pt-BR" b="0" i="1" smtClean="0">
                                     <a:latin typeface="Cambria Math" panose="02040503050406030204" pitchFamily="18" charset="0"/>
                                   </a:rPr>
-                                  <m:t>𝑦</m:t>
+                                  <m:t>𝑧</m:t>
                                 </m:r>
                               </m:e>
                               <m:sub>
@@ -8035,10 +8407,10 @@
                                   <m:t> </m:t>
                                 </m:r>
                                 <m:r>
-                                  <a:rPr lang="pt-BR" i="1">
+                                  <a:rPr lang="pt-BR" b="0" i="1" smtClean="0">
                                     <a:latin typeface="Cambria Math" panose="02040503050406030204" pitchFamily="18" charset="0"/>
                                   </a:rPr>
-                                  <m:t>𝑦</m:t>
+                                  <m:t>𝑧</m:t>
                                 </m:r>
                               </m:e>
                               <m:sub>
@@ -8092,10 +8464,10 @@
                       </m:sSubPr>
                       <m:e>
                         <m:r>
-                          <a:rPr lang="pt-BR" i="1">
+                          <a:rPr lang="pt-BR" b="0" i="1" smtClean="0">
                             <a:latin typeface="Cambria Math" panose="02040503050406030204" pitchFamily="18" charset="0"/>
                           </a:rPr>
-                          <m:t>𝑦</m:t>
+                          <m:t>𝑧</m:t>
                         </m:r>
                       </m:e>
                       <m:sub>
@@ -8185,7 +8557,7 @@
             </p:txBody>
           </p:sp>
         </mc:Choice>
-        <mc:Fallback xmlns="">
+        <mc:Fallback>
           <p:sp>
             <p:nvSpPr>
               <p:cNvPr id="3" name="Content Placeholder 2"/>
@@ -8225,7 +8597,7 @@
       </mc:AlternateContent>
       <p:pic>
         <p:nvPicPr>
-          <p:cNvPr id="4" name="Picture 3"/>
+          <p:cNvPr id="8" name="Imagem 7"/>
           <p:cNvPicPr>
             <a:picLocks noChangeAspect="1"/>
           </p:cNvPicPr>
@@ -8233,13 +8605,13 @@
         </p:nvPicPr>
         <p:blipFill rotWithShape="1">
           <a:blip r:embed="rId4"/>
-          <a:srcRect l="6128" t="6362" r="8709" b="2871"/>
+          <a:srcRect l="5002" t="6467" r="8442" b="1020"/>
           <a:stretch/>
         </p:blipFill>
         <p:spPr>
           <a:xfrm>
-            <a:off x="8723087" y="146045"/>
-            <a:ext cx="3411739" cy="3160261"/>
+            <a:off x="8723087" y="1082776"/>
+            <a:ext cx="3345850" cy="2682043"/>
           </a:xfrm>
           <a:prstGeom prst="rect">
             <a:avLst/>
@@ -8254,7 +8626,7 @@
         </p:nvSpPr>
         <p:spPr>
           <a:xfrm>
-            <a:off x="9194864" y="620279"/>
+            <a:off x="9192786" y="1306079"/>
             <a:ext cx="1411513" cy="646331"/>
           </a:xfrm>
           <a:prstGeom prst="rect">
@@ -8282,7 +8654,7 @@
       </p:sp>
       <p:pic>
         <p:nvPicPr>
-          <p:cNvPr id="7" name="Picture 6"/>
+          <p:cNvPr id="9" name="Imagem 8"/>
           <p:cNvPicPr>
             <a:picLocks noChangeAspect="1"/>
           </p:cNvPicPr>
@@ -8290,13 +8662,13 @@
         </p:nvPicPr>
         <p:blipFill rotWithShape="1">
           <a:blip r:embed="rId5"/>
-          <a:srcRect l="5494" t="6152" r="8609" b="1671"/>
+          <a:srcRect l="4832" t="5799" r="8612"/>
           <a:stretch/>
         </p:blipFill>
         <p:spPr>
           <a:xfrm>
-            <a:off x="8578820" y="3510802"/>
-            <a:ext cx="3556006" cy="3316483"/>
+            <a:off x="8723087" y="4037243"/>
+            <a:ext cx="3345850" cy="2731015"/>
           </a:xfrm>
           <a:prstGeom prst="rect">
             <a:avLst/>
@@ -8311,7 +8683,7 @@
         </p:nvSpPr>
         <p:spPr>
           <a:xfrm>
-            <a:off x="8973458" y="3973315"/>
+            <a:off x="9073446" y="4276603"/>
             <a:ext cx="1446892" cy="923330"/>
           </a:xfrm>
           <a:prstGeom prst="rect">
@@ -10059,12 +10431,25 @@
             </a:r>
             <a:r>
               <a:rPr lang="pt-BR" dirty="0"/>
-              <a:t>a evolução dos modelos de McCulloch e Pitts para o </a:t>
+              <a:t>a evolução </a:t>
             </a:r>
             <a:r>
               <a:rPr lang="pt-BR" dirty="0" smtClean="0"/>
-              <a:t>Perceptron.</a:t>
-            </a:r>
+              <a:t>do modelo </a:t>
+            </a:r>
+            <a:r>
+              <a:rPr lang="pt-BR" dirty="0"/>
+              <a:t>de McCulloch e Pitts para o </a:t>
+            </a:r>
+            <a:r>
+              <a:rPr lang="pt-BR" dirty="0" err="1" smtClean="0"/>
+              <a:t>Perceptron</a:t>
+            </a:r>
+            <a:r>
+              <a:rPr lang="pt-BR" dirty="0" smtClean="0"/>
+              <a:t>.</a:t>
+            </a:r>
+            <a:endParaRPr lang="pt-BR" dirty="0" smtClean="0"/>
           </a:p>
           <a:p>
             <a:r>
@@ -10109,7 +10494,15 @@
             </a:r>
             <a:r>
               <a:rPr lang="pt-BR" dirty="0"/>
-              <a:t>que um único Perceptron não é capaz de separar classes não-lineares, como por exemplo, o problema do </a:t>
+              <a:t>que um </a:t>
+            </a:r>
+            <a:r>
+              <a:rPr lang="pt-BR" b="1" i="1" dirty="0"/>
+              <a:t>único </a:t>
+            </a:r>
+            <a:r>
+              <a:rPr lang="pt-BR" dirty="0"/>
+              <a:t>Perceptron não é capaz de separar classes não-lineares, como por exemplo, o problema do </a:t>
             </a:r>
             <a:r>
               <a:rPr lang="pt-BR" dirty="0" smtClean="0"/>
@@ -10140,7 +10533,7 @@
               <a:t>tópico, veremos que esta união de Perceptrons origina o que chamamos de </a:t>
             </a:r>
             <a:r>
-              <a:rPr lang="pt-BR" b="1" dirty="0"/>
+              <a:rPr lang="pt-BR" b="1" i="1" dirty="0"/>
               <a:t>redes neurais artificiais</a:t>
             </a:r>
             <a:r>
@@ -11334,7 +11727,7 @@
           <p:cNvPr id="4" name="Título 1">
             <a:extLst>
               <a:ext uri="{FF2B5EF4-FFF2-40B4-BE49-F238E27FC236}">
-                <a16:creationId xmlns:a16="http://schemas.microsoft.com/office/drawing/2014/main" xmlns="" id="{32666AC8-2E17-4DB4-B0F5-60C640CCFD2E}"/>
+                <a16:creationId xmlns="" xmlns:a16="http://schemas.microsoft.com/office/drawing/2014/main" id="{32666AC8-2E17-4DB4-B0F5-60C640CCFD2E}"/>
               </a:ext>
             </a:extLst>
           </p:cNvPr>
@@ -11693,7 +12086,7 @@
           <p:cNvPr id="4" name="Título 1">
             <a:extLst>
               <a:ext uri="{FF2B5EF4-FFF2-40B4-BE49-F238E27FC236}">
-                <a16:creationId xmlns:a16="http://schemas.microsoft.com/office/drawing/2014/main" xmlns="" id="{32666AC8-2E17-4DB4-B0F5-60C640CCFD2E}"/>
+                <a16:creationId xmlns="" xmlns:a16="http://schemas.microsoft.com/office/drawing/2014/main" id="{32666AC8-2E17-4DB4-B0F5-60C640CCFD2E}"/>
               </a:ext>
             </a:extLst>
           </p:cNvPr>
@@ -11747,6 +12140,1522 @@
     <p:extLst>
       <p:ext uri="{BB962C8B-B14F-4D97-AF65-F5344CB8AC3E}">
         <p14:creationId xmlns:p14="http://schemas.microsoft.com/office/powerpoint/2010/main" val="712819235"/>
+      </p:ext>
+    </p:extLst>
+  </p:cSld>
+  <p:clrMapOvr>
+    <a:masterClrMapping/>
+  </p:clrMapOvr>
+</p:sld>
+</file>
+
+<file path=ppt/slides/slide25.xml><?xml version="1.0" encoding="utf-8"?>
+<p:sld xmlns:a="http://schemas.openxmlformats.org/drawingml/2006/main" xmlns:r="http://schemas.openxmlformats.org/officeDocument/2006/relationships" xmlns:p="http://schemas.openxmlformats.org/presentationml/2006/main">
+  <p:cSld>
+    <p:spTree>
+      <p:nvGrpSpPr>
+        <p:cNvPr id="1" name=""/>
+        <p:cNvGrpSpPr/>
+        <p:nvPr/>
+      </p:nvGrpSpPr>
+      <p:grpSpPr>
+        <a:xfrm>
+          <a:off x="0" y="0"/>
+          <a:ext cx="0" cy="0"/>
+          <a:chOff x="0" y="0"/>
+          <a:chExt cx="0" cy="0"/>
+        </a:xfrm>
+      </p:grpSpPr>
+      <p:grpSp>
+        <p:nvGrpSpPr>
+          <p:cNvPr id="41" name="Grupo 40"/>
+          <p:cNvGrpSpPr/>
+          <p:nvPr/>
+        </p:nvGrpSpPr>
+        <p:grpSpPr>
+          <a:xfrm>
+            <a:off x="3470196" y="2403432"/>
+            <a:ext cx="3194373" cy="1413976"/>
+            <a:chOff x="3470196" y="2403432"/>
+            <a:chExt cx="3194373" cy="1413976"/>
+          </a:xfrm>
+        </p:grpSpPr>
+        <p:sp>
+          <p:nvSpPr>
+            <p:cNvPr id="4" name="Elipse 3"/>
+            <p:cNvSpPr/>
+            <p:nvPr/>
+          </p:nvSpPr>
+          <p:spPr>
+            <a:xfrm>
+              <a:off x="4475285" y="2409092"/>
+              <a:ext cx="468000" cy="468000"/>
+            </a:xfrm>
+            <a:prstGeom prst="ellipse">
+              <a:avLst/>
+            </a:prstGeom>
+          </p:spPr>
+          <p:style>
+            <a:lnRef idx="2">
+              <a:schemeClr val="accent1">
+                <a:shade val="50000"/>
+              </a:schemeClr>
+            </a:lnRef>
+            <a:fillRef idx="1">
+              <a:schemeClr val="accent1"/>
+            </a:fillRef>
+            <a:effectRef idx="0">
+              <a:schemeClr val="accent1"/>
+            </a:effectRef>
+            <a:fontRef idx="minor">
+              <a:schemeClr val="lt1"/>
+            </a:fontRef>
+          </p:style>
+          <p:txBody>
+            <a:bodyPr rtlCol="0" anchor="ctr"/>
+            <a:lstStyle/>
+            <a:p>
+              <a:pPr algn="ctr"/>
+              <a:r>
+                <a:rPr lang="pt-BR" dirty="0" smtClean="0">
+                  <a:solidFill>
+                    <a:schemeClr val="tx1"/>
+                  </a:solidFill>
+                </a:rPr>
+                <a:t>1</a:t>
+              </a:r>
+              <a:endParaRPr lang="pt-BR" dirty="0">
+                <a:solidFill>
+                  <a:schemeClr val="tx1"/>
+                </a:solidFill>
+              </a:endParaRPr>
+            </a:p>
+          </p:txBody>
+        </p:sp>
+        <p:sp>
+          <p:nvSpPr>
+            <p:cNvPr id="5" name="Elipse 4"/>
+            <p:cNvSpPr/>
+            <p:nvPr/>
+          </p:nvSpPr>
+          <p:spPr>
+            <a:xfrm>
+              <a:off x="4475285" y="3349408"/>
+              <a:ext cx="468000" cy="468000"/>
+            </a:xfrm>
+            <a:prstGeom prst="ellipse">
+              <a:avLst/>
+            </a:prstGeom>
+          </p:spPr>
+          <p:style>
+            <a:lnRef idx="2">
+              <a:schemeClr val="accent1">
+                <a:shade val="50000"/>
+              </a:schemeClr>
+            </a:lnRef>
+            <a:fillRef idx="1">
+              <a:schemeClr val="accent1"/>
+            </a:fillRef>
+            <a:effectRef idx="0">
+              <a:schemeClr val="accent1"/>
+            </a:effectRef>
+            <a:fontRef idx="minor">
+              <a:schemeClr val="lt1"/>
+            </a:fontRef>
+          </p:style>
+          <p:txBody>
+            <a:bodyPr rtlCol="0" anchor="ctr"/>
+            <a:lstStyle/>
+            <a:p>
+              <a:pPr algn="ctr"/>
+              <a:r>
+                <a:rPr lang="pt-BR" dirty="0" smtClean="0">
+                  <a:solidFill>
+                    <a:schemeClr val="tx1"/>
+                  </a:solidFill>
+                </a:rPr>
+                <a:t>2</a:t>
+              </a:r>
+              <a:endParaRPr lang="pt-BR" dirty="0">
+                <a:solidFill>
+                  <a:schemeClr val="tx1"/>
+                </a:solidFill>
+              </a:endParaRPr>
+            </a:p>
+          </p:txBody>
+        </p:sp>
+        <p:sp>
+          <p:nvSpPr>
+            <p:cNvPr id="6" name="Elipse 5"/>
+            <p:cNvSpPr/>
+            <p:nvPr/>
+          </p:nvSpPr>
+          <p:spPr>
+            <a:xfrm>
+              <a:off x="5550877" y="2881408"/>
+              <a:ext cx="468000" cy="468000"/>
+            </a:xfrm>
+            <a:prstGeom prst="ellipse">
+              <a:avLst/>
+            </a:prstGeom>
+          </p:spPr>
+          <p:style>
+            <a:lnRef idx="2">
+              <a:schemeClr val="accent1">
+                <a:shade val="50000"/>
+              </a:schemeClr>
+            </a:lnRef>
+            <a:fillRef idx="1">
+              <a:schemeClr val="accent1"/>
+            </a:fillRef>
+            <a:effectRef idx="0">
+              <a:schemeClr val="accent1"/>
+            </a:effectRef>
+            <a:fontRef idx="minor">
+              <a:schemeClr val="lt1"/>
+            </a:fontRef>
+          </p:style>
+          <p:txBody>
+            <a:bodyPr rtlCol="0" anchor="ctr"/>
+            <a:lstStyle/>
+            <a:p>
+              <a:pPr algn="ctr"/>
+              <a:r>
+                <a:rPr lang="pt-BR" dirty="0" smtClean="0">
+                  <a:solidFill>
+                    <a:schemeClr val="tx1"/>
+                  </a:solidFill>
+                </a:rPr>
+                <a:t>3</a:t>
+              </a:r>
+              <a:endParaRPr lang="pt-BR" dirty="0">
+                <a:solidFill>
+                  <a:schemeClr val="tx1"/>
+                </a:solidFill>
+              </a:endParaRPr>
+            </a:p>
+          </p:txBody>
+        </p:sp>
+        <p:cxnSp>
+          <p:nvCxnSpPr>
+            <p:cNvPr id="8" name="Conector de seta reta 7"/>
+            <p:cNvCxnSpPr>
+              <a:stCxn id="4" idx="6"/>
+              <a:endCxn id="6" idx="2"/>
+            </p:cNvCxnSpPr>
+            <p:nvPr/>
+          </p:nvCxnSpPr>
+          <p:spPr>
+            <a:xfrm>
+              <a:off x="4943285" y="2643092"/>
+              <a:ext cx="607592" cy="472316"/>
+            </a:xfrm>
+            <a:prstGeom prst="straightConnector1">
+              <a:avLst/>
+            </a:prstGeom>
+            <a:ln>
+              <a:solidFill>
+                <a:schemeClr val="tx1"/>
+              </a:solidFill>
+              <a:tailEnd type="triangle"/>
+            </a:ln>
+          </p:spPr>
+          <p:style>
+            <a:lnRef idx="1">
+              <a:schemeClr val="accent1"/>
+            </a:lnRef>
+            <a:fillRef idx="0">
+              <a:schemeClr val="accent1"/>
+            </a:fillRef>
+            <a:effectRef idx="0">
+              <a:schemeClr val="accent1"/>
+            </a:effectRef>
+            <a:fontRef idx="minor">
+              <a:schemeClr val="tx1"/>
+            </a:fontRef>
+          </p:style>
+        </p:cxnSp>
+        <p:cxnSp>
+          <p:nvCxnSpPr>
+            <p:cNvPr id="10" name="Conector de seta reta 9"/>
+            <p:cNvCxnSpPr>
+              <a:stCxn id="5" idx="6"/>
+              <a:endCxn id="6" idx="2"/>
+            </p:cNvCxnSpPr>
+            <p:nvPr/>
+          </p:nvCxnSpPr>
+          <p:spPr>
+            <a:xfrm flipV="1">
+              <a:off x="4943285" y="3115408"/>
+              <a:ext cx="607592" cy="468000"/>
+            </a:xfrm>
+            <a:prstGeom prst="straightConnector1">
+              <a:avLst/>
+            </a:prstGeom>
+            <a:ln>
+              <a:solidFill>
+                <a:schemeClr val="tx1"/>
+              </a:solidFill>
+              <a:tailEnd type="triangle"/>
+            </a:ln>
+          </p:spPr>
+          <p:style>
+            <a:lnRef idx="1">
+              <a:schemeClr val="accent1"/>
+            </a:lnRef>
+            <a:fillRef idx="0">
+              <a:schemeClr val="accent1"/>
+            </a:fillRef>
+            <a:effectRef idx="0">
+              <a:schemeClr val="accent1"/>
+            </a:effectRef>
+            <a:fontRef idx="minor">
+              <a:schemeClr val="tx1"/>
+            </a:fontRef>
+          </p:style>
+        </p:cxnSp>
+        <p:cxnSp>
+          <p:nvCxnSpPr>
+            <p:cNvPr id="11" name="Conector de seta reta 10"/>
+            <p:cNvCxnSpPr>
+              <a:stCxn id="6" idx="6"/>
+            </p:cNvCxnSpPr>
+            <p:nvPr/>
+          </p:nvCxnSpPr>
+          <p:spPr>
+            <a:xfrm>
+              <a:off x="6018877" y="3115408"/>
+              <a:ext cx="355546" cy="0"/>
+            </a:xfrm>
+            <a:prstGeom prst="straightConnector1">
+              <a:avLst/>
+            </a:prstGeom>
+            <a:ln>
+              <a:solidFill>
+                <a:schemeClr val="tx1"/>
+              </a:solidFill>
+              <a:tailEnd type="triangle"/>
+            </a:ln>
+          </p:spPr>
+          <p:style>
+            <a:lnRef idx="1">
+              <a:schemeClr val="accent1"/>
+            </a:lnRef>
+            <a:fillRef idx="0">
+              <a:schemeClr val="accent1"/>
+            </a:fillRef>
+            <a:effectRef idx="0">
+              <a:schemeClr val="accent1"/>
+            </a:effectRef>
+            <a:fontRef idx="minor">
+              <a:schemeClr val="tx1"/>
+            </a:fontRef>
+          </p:style>
+        </p:cxnSp>
+        <p:sp>
+          <p:nvSpPr>
+            <p:cNvPr id="15" name="Retângulo 14"/>
+            <p:cNvSpPr/>
+            <p:nvPr/>
+          </p:nvSpPr>
+          <p:spPr>
+            <a:xfrm>
+              <a:off x="3833103" y="2589092"/>
+              <a:ext cx="108000" cy="108000"/>
+            </a:xfrm>
+            <a:prstGeom prst="rect">
+              <a:avLst/>
+            </a:prstGeom>
+            <a:solidFill>
+              <a:schemeClr val="tx1"/>
+            </a:solidFill>
+            <a:ln>
+              <a:solidFill>
+                <a:schemeClr val="tx1"/>
+              </a:solidFill>
+            </a:ln>
+          </p:spPr>
+          <p:style>
+            <a:lnRef idx="2">
+              <a:schemeClr val="accent1">
+                <a:shade val="50000"/>
+              </a:schemeClr>
+            </a:lnRef>
+            <a:fillRef idx="1">
+              <a:schemeClr val="accent1"/>
+            </a:fillRef>
+            <a:effectRef idx="0">
+              <a:schemeClr val="accent1"/>
+            </a:effectRef>
+            <a:fontRef idx="minor">
+              <a:schemeClr val="lt1"/>
+            </a:fontRef>
+          </p:style>
+          <p:txBody>
+            <a:bodyPr rtlCol="0" anchor="ctr"/>
+            <a:lstStyle/>
+            <a:p>
+              <a:pPr algn="ctr"/>
+              <a:endParaRPr lang="pt-BR" sz="1600"/>
+            </a:p>
+          </p:txBody>
+        </p:sp>
+        <p:cxnSp>
+          <p:nvCxnSpPr>
+            <p:cNvPr id="16" name="Conector de seta reta 15"/>
+            <p:cNvCxnSpPr>
+              <a:stCxn id="15" idx="3"/>
+              <a:endCxn id="4" idx="2"/>
+            </p:cNvCxnSpPr>
+            <p:nvPr/>
+          </p:nvCxnSpPr>
+          <p:spPr>
+            <a:xfrm>
+              <a:off x="3941103" y="2643092"/>
+              <a:ext cx="534182" cy="0"/>
+            </a:xfrm>
+            <a:prstGeom prst="straightConnector1">
+              <a:avLst/>
+            </a:prstGeom>
+            <a:ln>
+              <a:solidFill>
+                <a:schemeClr val="tx1"/>
+              </a:solidFill>
+              <a:tailEnd type="triangle"/>
+            </a:ln>
+          </p:spPr>
+          <p:style>
+            <a:lnRef idx="1">
+              <a:schemeClr val="accent1"/>
+            </a:lnRef>
+            <a:fillRef idx="0">
+              <a:schemeClr val="accent1"/>
+            </a:fillRef>
+            <a:effectRef idx="0">
+              <a:schemeClr val="accent1"/>
+            </a:effectRef>
+            <a:fontRef idx="minor">
+              <a:schemeClr val="tx1"/>
+            </a:fontRef>
+          </p:style>
+        </p:cxnSp>
+        <p:sp>
+          <p:nvSpPr>
+            <p:cNvPr id="19" name="Retângulo 18"/>
+            <p:cNvSpPr/>
+            <p:nvPr/>
+          </p:nvSpPr>
+          <p:spPr>
+            <a:xfrm>
+              <a:off x="3833103" y="3529408"/>
+              <a:ext cx="108000" cy="108000"/>
+            </a:xfrm>
+            <a:prstGeom prst="rect">
+              <a:avLst/>
+            </a:prstGeom>
+            <a:solidFill>
+              <a:schemeClr val="tx1"/>
+            </a:solidFill>
+            <a:ln>
+              <a:solidFill>
+                <a:schemeClr val="tx1"/>
+              </a:solidFill>
+            </a:ln>
+          </p:spPr>
+          <p:style>
+            <a:lnRef idx="2">
+              <a:schemeClr val="accent1">
+                <a:shade val="50000"/>
+              </a:schemeClr>
+            </a:lnRef>
+            <a:fillRef idx="1">
+              <a:schemeClr val="accent1"/>
+            </a:fillRef>
+            <a:effectRef idx="0">
+              <a:schemeClr val="accent1"/>
+            </a:effectRef>
+            <a:fontRef idx="minor">
+              <a:schemeClr val="lt1"/>
+            </a:fontRef>
+          </p:style>
+          <p:txBody>
+            <a:bodyPr rtlCol="0" anchor="ctr"/>
+            <a:lstStyle/>
+            <a:p>
+              <a:pPr algn="ctr"/>
+              <a:endParaRPr lang="pt-BR" sz="1600"/>
+            </a:p>
+          </p:txBody>
+        </p:sp>
+        <p:cxnSp>
+          <p:nvCxnSpPr>
+            <p:cNvPr id="20" name="Conector de seta reta 19"/>
+            <p:cNvCxnSpPr>
+              <a:stCxn id="19" idx="3"/>
+              <a:endCxn id="5" idx="2"/>
+            </p:cNvCxnSpPr>
+            <p:nvPr/>
+          </p:nvCxnSpPr>
+          <p:spPr>
+            <a:xfrm>
+              <a:off x="3941103" y="3583408"/>
+              <a:ext cx="534182" cy="0"/>
+            </a:xfrm>
+            <a:prstGeom prst="straightConnector1">
+              <a:avLst/>
+            </a:prstGeom>
+            <a:ln>
+              <a:solidFill>
+                <a:schemeClr val="tx1"/>
+              </a:solidFill>
+              <a:tailEnd type="triangle"/>
+            </a:ln>
+          </p:spPr>
+          <p:style>
+            <a:lnRef idx="1">
+              <a:schemeClr val="accent1"/>
+            </a:lnRef>
+            <a:fillRef idx="0">
+              <a:schemeClr val="accent1"/>
+            </a:fillRef>
+            <a:effectRef idx="0">
+              <a:schemeClr val="accent1"/>
+            </a:effectRef>
+            <a:fontRef idx="minor">
+              <a:schemeClr val="tx1"/>
+            </a:fontRef>
+          </p:style>
+        </p:cxnSp>
+        <p:cxnSp>
+          <p:nvCxnSpPr>
+            <p:cNvPr id="24" name="Conector de seta reta 23"/>
+            <p:cNvCxnSpPr>
+              <a:stCxn id="15" idx="3"/>
+              <a:endCxn id="5" idx="2"/>
+            </p:cNvCxnSpPr>
+            <p:nvPr/>
+          </p:nvCxnSpPr>
+          <p:spPr>
+            <a:xfrm>
+              <a:off x="3941103" y="2643092"/>
+              <a:ext cx="534182" cy="940316"/>
+            </a:xfrm>
+            <a:prstGeom prst="straightConnector1">
+              <a:avLst/>
+            </a:prstGeom>
+            <a:ln>
+              <a:solidFill>
+                <a:schemeClr val="tx1"/>
+              </a:solidFill>
+              <a:tailEnd type="triangle"/>
+            </a:ln>
+          </p:spPr>
+          <p:style>
+            <a:lnRef idx="1">
+              <a:schemeClr val="accent1"/>
+            </a:lnRef>
+            <a:fillRef idx="0">
+              <a:schemeClr val="accent1"/>
+            </a:fillRef>
+            <a:effectRef idx="0">
+              <a:schemeClr val="accent1"/>
+            </a:effectRef>
+            <a:fontRef idx="minor">
+              <a:schemeClr val="tx1"/>
+            </a:fontRef>
+          </p:style>
+        </p:cxnSp>
+        <p:cxnSp>
+          <p:nvCxnSpPr>
+            <p:cNvPr id="26" name="Conector de seta reta 25"/>
+            <p:cNvCxnSpPr>
+              <a:stCxn id="19" idx="3"/>
+              <a:endCxn id="4" idx="2"/>
+            </p:cNvCxnSpPr>
+            <p:nvPr/>
+          </p:nvCxnSpPr>
+          <p:spPr>
+            <a:xfrm flipV="1">
+              <a:off x="3941103" y="2643092"/>
+              <a:ext cx="534182" cy="940316"/>
+            </a:xfrm>
+            <a:prstGeom prst="straightConnector1">
+              <a:avLst/>
+            </a:prstGeom>
+            <a:ln>
+              <a:solidFill>
+                <a:schemeClr val="tx1"/>
+              </a:solidFill>
+              <a:tailEnd type="triangle"/>
+            </a:ln>
+          </p:spPr>
+          <p:style>
+            <a:lnRef idx="1">
+              <a:schemeClr val="accent1"/>
+            </a:lnRef>
+            <a:fillRef idx="0">
+              <a:schemeClr val="accent1"/>
+            </a:fillRef>
+            <a:effectRef idx="0">
+              <a:schemeClr val="accent1"/>
+            </a:effectRef>
+            <a:fontRef idx="minor">
+              <a:schemeClr val="tx1"/>
+            </a:fontRef>
+          </p:style>
+        </p:cxnSp>
+        <mc:AlternateContent xmlns:mc="http://schemas.openxmlformats.org/markup-compatibility/2006">
+          <mc:Choice xmlns:a14="http://schemas.microsoft.com/office/drawing/2010/main" Requires="a14">
+            <p:sp>
+              <p:nvSpPr>
+                <p:cNvPr id="27" name="CaixaDeTexto 26"/>
+                <p:cNvSpPr txBox="1"/>
+                <p:nvPr/>
+              </p:nvSpPr>
+              <p:spPr>
+                <a:xfrm>
+                  <a:off x="3470196" y="2458426"/>
+                  <a:ext cx="290146" cy="338554"/>
+                </a:xfrm>
+                <a:prstGeom prst="rect">
+                  <a:avLst/>
+                </a:prstGeom>
+                <a:noFill/>
+              </p:spPr>
+              <p:txBody>
+                <a:bodyPr wrap="square" rtlCol="0">
+                  <a:spAutoFit/>
+                </a:bodyPr>
+                <a:lstStyle/>
+                <a:p>
+                  <a14:m>
+                    <m:oMathPara xmlns:m="http://schemas.openxmlformats.org/officeDocument/2006/math">
+                      <m:oMathParaPr>
+                        <m:jc m:val="centerGroup"/>
+                      </m:oMathParaPr>
+                      <m:oMath xmlns:m="http://schemas.openxmlformats.org/officeDocument/2006/math">
+                        <m:sSub>
+                          <m:sSubPr>
+                            <m:ctrlPr>
+                              <a:rPr lang="pt-BR" sz="1600" i="1" smtClean="0">
+                                <a:latin typeface="Cambria Math" panose="02040503050406030204" pitchFamily="18" charset="0"/>
+                              </a:rPr>
+                            </m:ctrlPr>
+                          </m:sSubPr>
+                          <m:e>
+                            <m:r>
+                              <a:rPr lang="pt-BR" sz="1600" b="0" i="1" smtClean="0">
+                                <a:latin typeface="Cambria Math" panose="02040503050406030204" pitchFamily="18" charset="0"/>
+                              </a:rPr>
+                              <m:t>𝑥</m:t>
+                            </m:r>
+                          </m:e>
+                          <m:sub>
+                            <m:r>
+                              <a:rPr lang="pt-BR" sz="1600" b="0" i="1" smtClean="0">
+                                <a:latin typeface="Cambria Math" panose="02040503050406030204" pitchFamily="18" charset="0"/>
+                              </a:rPr>
+                              <m:t>1</m:t>
+                            </m:r>
+                          </m:sub>
+                        </m:sSub>
+                      </m:oMath>
+                    </m:oMathPara>
+                  </a14:m>
+                  <a:endParaRPr lang="pt-BR" sz="1600" dirty="0"/>
+                </a:p>
+              </p:txBody>
+            </p:sp>
+          </mc:Choice>
+          <mc:Fallback>
+            <p:sp>
+              <p:nvSpPr>
+                <p:cNvPr id="27" name="CaixaDeTexto 26"/>
+                <p:cNvSpPr txBox="1">
+                  <a:spLocks noRot="1" noChangeAspect="1" noMove="1" noResize="1" noEditPoints="1" noAdjustHandles="1" noChangeArrowheads="1" noChangeShapeType="1" noTextEdit="1"/>
+                </p:cNvSpPr>
+                <p:nvPr/>
+              </p:nvSpPr>
+              <p:spPr>
+                <a:xfrm>
+                  <a:off x="3470196" y="2458426"/>
+                  <a:ext cx="290146" cy="338554"/>
+                </a:xfrm>
+                <a:prstGeom prst="rect">
+                  <a:avLst/>
+                </a:prstGeom>
+                <a:blipFill rotWithShape="0">
+                  <a:blip r:embed="rId2"/>
+                  <a:stretch>
+                    <a:fillRect r="-12500"/>
+                  </a:stretch>
+                </a:blipFill>
+              </p:spPr>
+              <p:txBody>
+                <a:bodyPr/>
+                <a:lstStyle/>
+                <a:p>
+                  <a:r>
+                    <a:rPr lang="pt-BR">
+                      <a:noFill/>
+                    </a:rPr>
+                    <a:t> </a:t>
+                  </a:r>
+                </a:p>
+              </p:txBody>
+            </p:sp>
+          </mc:Fallback>
+        </mc:AlternateContent>
+        <mc:AlternateContent xmlns:mc="http://schemas.openxmlformats.org/markup-compatibility/2006">
+          <mc:Choice xmlns:a14="http://schemas.microsoft.com/office/drawing/2010/main" Requires="a14">
+            <p:sp>
+              <p:nvSpPr>
+                <p:cNvPr id="28" name="CaixaDeTexto 27"/>
+                <p:cNvSpPr txBox="1"/>
+                <p:nvPr/>
+              </p:nvSpPr>
+              <p:spPr>
+                <a:xfrm>
+                  <a:off x="3470196" y="3398742"/>
+                  <a:ext cx="290146" cy="338554"/>
+                </a:xfrm>
+                <a:prstGeom prst="rect">
+                  <a:avLst/>
+                </a:prstGeom>
+                <a:noFill/>
+              </p:spPr>
+              <p:txBody>
+                <a:bodyPr wrap="square" rtlCol="0">
+                  <a:spAutoFit/>
+                </a:bodyPr>
+                <a:lstStyle/>
+                <a:p>
+                  <a14:m>
+                    <m:oMathPara xmlns:m="http://schemas.openxmlformats.org/officeDocument/2006/math">
+                      <m:oMathParaPr>
+                        <m:jc m:val="centerGroup"/>
+                      </m:oMathParaPr>
+                      <m:oMath xmlns:m="http://schemas.openxmlformats.org/officeDocument/2006/math">
+                        <m:sSub>
+                          <m:sSubPr>
+                            <m:ctrlPr>
+                              <a:rPr lang="pt-BR" sz="1600" i="1" smtClean="0">
+                                <a:latin typeface="Cambria Math" panose="02040503050406030204" pitchFamily="18" charset="0"/>
+                              </a:rPr>
+                            </m:ctrlPr>
+                          </m:sSubPr>
+                          <m:e>
+                            <m:r>
+                              <a:rPr lang="pt-BR" sz="1600" b="0" i="1" smtClean="0">
+                                <a:latin typeface="Cambria Math" panose="02040503050406030204" pitchFamily="18" charset="0"/>
+                              </a:rPr>
+                              <m:t>𝑥</m:t>
+                            </m:r>
+                          </m:e>
+                          <m:sub>
+                            <m:r>
+                              <a:rPr lang="pt-BR" sz="1600" b="0" i="1" smtClean="0">
+                                <a:latin typeface="Cambria Math" panose="02040503050406030204" pitchFamily="18" charset="0"/>
+                              </a:rPr>
+                              <m:t>2</m:t>
+                            </m:r>
+                          </m:sub>
+                        </m:sSub>
+                      </m:oMath>
+                    </m:oMathPara>
+                  </a14:m>
+                  <a:endParaRPr lang="pt-BR" sz="1600" dirty="0"/>
+                </a:p>
+              </p:txBody>
+            </p:sp>
+          </mc:Choice>
+          <mc:Fallback>
+            <p:sp>
+              <p:nvSpPr>
+                <p:cNvPr id="28" name="CaixaDeTexto 27"/>
+                <p:cNvSpPr txBox="1">
+                  <a:spLocks noRot="1" noChangeAspect="1" noMove="1" noResize="1" noEditPoints="1" noAdjustHandles="1" noChangeArrowheads="1" noChangeShapeType="1" noTextEdit="1"/>
+                </p:cNvSpPr>
+                <p:nvPr/>
+              </p:nvSpPr>
+              <p:spPr>
+                <a:xfrm>
+                  <a:off x="3470196" y="3398742"/>
+                  <a:ext cx="290146" cy="338554"/>
+                </a:xfrm>
+                <a:prstGeom prst="rect">
+                  <a:avLst/>
+                </a:prstGeom>
+                <a:blipFill rotWithShape="0">
+                  <a:blip r:embed="rId3"/>
+                  <a:stretch>
+                    <a:fillRect r="-14583"/>
+                  </a:stretch>
+                </a:blipFill>
+              </p:spPr>
+              <p:txBody>
+                <a:bodyPr/>
+                <a:lstStyle/>
+                <a:p>
+                  <a:r>
+                    <a:rPr lang="pt-BR">
+                      <a:noFill/>
+                    </a:rPr>
+                    <a:t> </a:t>
+                  </a:r>
+                </a:p>
+              </p:txBody>
+            </p:sp>
+          </mc:Fallback>
+        </mc:AlternateContent>
+        <mc:AlternateContent xmlns:mc="http://schemas.openxmlformats.org/markup-compatibility/2006">
+          <mc:Choice xmlns:a14="http://schemas.microsoft.com/office/drawing/2010/main" Requires="a14">
+            <p:sp>
+              <p:nvSpPr>
+                <p:cNvPr id="29" name="CaixaDeTexto 28"/>
+                <p:cNvSpPr txBox="1"/>
+                <p:nvPr/>
+              </p:nvSpPr>
+              <p:spPr>
+                <a:xfrm>
+                  <a:off x="6374423" y="2943973"/>
+                  <a:ext cx="290146" cy="338554"/>
+                </a:xfrm>
+                <a:prstGeom prst="rect">
+                  <a:avLst/>
+                </a:prstGeom>
+                <a:noFill/>
+              </p:spPr>
+              <p:txBody>
+                <a:bodyPr wrap="square" rtlCol="0">
+                  <a:spAutoFit/>
+                </a:bodyPr>
+                <a:lstStyle/>
+                <a:p>
+                  <a14:m>
+                    <m:oMathPara xmlns:m="http://schemas.openxmlformats.org/officeDocument/2006/math">
+                      <m:oMathParaPr>
+                        <m:jc m:val="centerGroup"/>
+                      </m:oMathParaPr>
+                      <m:oMath xmlns:m="http://schemas.openxmlformats.org/officeDocument/2006/math">
+                        <m:r>
+                          <a:rPr lang="pt-BR" sz="1600" b="0" i="1" smtClean="0">
+                            <a:latin typeface="Cambria Math" panose="02040503050406030204" pitchFamily="18" charset="0"/>
+                          </a:rPr>
+                          <m:t>𝑦</m:t>
+                        </m:r>
+                      </m:oMath>
+                    </m:oMathPara>
+                  </a14:m>
+                  <a:endParaRPr lang="pt-BR" sz="1600" dirty="0"/>
+                </a:p>
+              </p:txBody>
+            </p:sp>
+          </mc:Choice>
+          <mc:Fallback>
+            <p:sp>
+              <p:nvSpPr>
+                <p:cNvPr id="29" name="CaixaDeTexto 28"/>
+                <p:cNvSpPr txBox="1">
+                  <a:spLocks noRot="1" noChangeAspect="1" noMove="1" noResize="1" noEditPoints="1" noAdjustHandles="1" noChangeArrowheads="1" noChangeShapeType="1" noTextEdit="1"/>
+                </p:cNvSpPr>
+                <p:nvPr/>
+              </p:nvSpPr>
+              <p:spPr>
+                <a:xfrm>
+                  <a:off x="6374423" y="2943973"/>
+                  <a:ext cx="290146" cy="338554"/>
+                </a:xfrm>
+                <a:prstGeom prst="rect">
+                  <a:avLst/>
+                </a:prstGeom>
+                <a:blipFill rotWithShape="0">
+                  <a:blip r:embed="rId4"/>
+                  <a:stretch>
+                    <a:fillRect b="-3636"/>
+                  </a:stretch>
+                </a:blipFill>
+              </p:spPr>
+              <p:txBody>
+                <a:bodyPr/>
+                <a:lstStyle/>
+                <a:p>
+                  <a:r>
+                    <a:rPr lang="pt-BR">
+                      <a:noFill/>
+                    </a:rPr>
+                    <a:t> </a:t>
+                  </a:r>
+                </a:p>
+              </p:txBody>
+            </p:sp>
+          </mc:Fallback>
+        </mc:AlternateContent>
+        <mc:AlternateContent xmlns:mc="http://schemas.openxmlformats.org/markup-compatibility/2006">
+          <mc:Choice xmlns:a14="http://schemas.microsoft.com/office/drawing/2010/main" Requires="a14">
+            <p:sp>
+              <p:nvSpPr>
+                <p:cNvPr id="34" name="CaixaDeTexto 33"/>
+                <p:cNvSpPr txBox="1"/>
+                <p:nvPr/>
+              </p:nvSpPr>
+              <p:spPr>
+                <a:xfrm>
+                  <a:off x="5082877" y="2599173"/>
+                  <a:ext cx="290146" cy="280077"/>
+                </a:xfrm>
+                <a:prstGeom prst="rect">
+                  <a:avLst/>
+                </a:prstGeom>
+                <a:noFill/>
+              </p:spPr>
+              <p:txBody>
+                <a:bodyPr wrap="square" rtlCol="0">
+                  <a:spAutoFit/>
+                </a:bodyPr>
+                <a:lstStyle/>
+                <a:p>
+                  <a14:m>
+                    <m:oMathPara xmlns:m="http://schemas.openxmlformats.org/officeDocument/2006/math">
+                      <m:oMathParaPr>
+                        <m:jc m:val="centerGroup"/>
+                      </m:oMathParaPr>
+                      <m:oMath xmlns:m="http://schemas.openxmlformats.org/officeDocument/2006/math">
+                        <m:sSubSup>
+                          <m:sSubSupPr>
+                            <m:ctrlPr>
+                              <a:rPr lang="pt-BR" sz="1200" i="1" smtClean="0">
+                                <a:latin typeface="Cambria Math" panose="02040503050406030204" pitchFamily="18" charset="0"/>
+                              </a:rPr>
+                            </m:ctrlPr>
+                          </m:sSubSupPr>
+                          <m:e>
+                            <m:r>
+                              <a:rPr lang="pt-BR" sz="1200" b="0" i="1" smtClean="0">
+                                <a:latin typeface="Cambria Math" panose="02040503050406030204" pitchFamily="18" charset="0"/>
+                              </a:rPr>
+                              <m:t>𝑤</m:t>
+                            </m:r>
+                          </m:e>
+                          <m:sub>
+                            <m:r>
+                              <a:rPr lang="pt-BR" sz="1200" b="0" i="1" smtClean="0">
+                                <a:latin typeface="Cambria Math" panose="02040503050406030204" pitchFamily="18" charset="0"/>
+                              </a:rPr>
+                              <m:t>11</m:t>
+                            </m:r>
+                          </m:sub>
+                          <m:sup>
+                            <m:r>
+                              <a:rPr lang="pt-BR" sz="1200" b="0" i="1" smtClean="0">
+                                <a:latin typeface="Cambria Math" panose="02040503050406030204" pitchFamily="18" charset="0"/>
+                              </a:rPr>
+                              <m:t>3</m:t>
+                            </m:r>
+                          </m:sup>
+                        </m:sSubSup>
+                      </m:oMath>
+                    </m:oMathPara>
+                  </a14:m>
+                  <a:endParaRPr lang="pt-BR" sz="1200" dirty="0"/>
+                </a:p>
+              </p:txBody>
+            </p:sp>
+          </mc:Choice>
+          <mc:Fallback>
+            <p:sp>
+              <p:nvSpPr>
+                <p:cNvPr id="34" name="CaixaDeTexto 33"/>
+                <p:cNvSpPr txBox="1">
+                  <a:spLocks noRot="1" noChangeAspect="1" noMove="1" noResize="1" noEditPoints="1" noAdjustHandles="1" noChangeArrowheads="1" noChangeShapeType="1" noTextEdit="1"/>
+                </p:cNvSpPr>
+                <p:nvPr/>
+              </p:nvSpPr>
+              <p:spPr>
+                <a:xfrm>
+                  <a:off x="5082877" y="2599173"/>
+                  <a:ext cx="290146" cy="280077"/>
+                </a:xfrm>
+                <a:prstGeom prst="rect">
+                  <a:avLst/>
+                </a:prstGeom>
+                <a:blipFill rotWithShape="0">
+                  <a:blip r:embed="rId5"/>
+                  <a:stretch>
+                    <a:fillRect r="-23404"/>
+                  </a:stretch>
+                </a:blipFill>
+              </p:spPr>
+              <p:txBody>
+                <a:bodyPr/>
+                <a:lstStyle/>
+                <a:p>
+                  <a:r>
+                    <a:rPr lang="pt-BR">
+                      <a:noFill/>
+                    </a:rPr>
+                    <a:t> </a:t>
+                  </a:r>
+                </a:p>
+              </p:txBody>
+            </p:sp>
+          </mc:Fallback>
+        </mc:AlternateContent>
+        <mc:AlternateContent xmlns:mc="http://schemas.openxmlformats.org/markup-compatibility/2006">
+          <mc:Choice xmlns:a14="http://schemas.microsoft.com/office/drawing/2010/main" Requires="a14">
+            <p:sp>
+              <p:nvSpPr>
+                <p:cNvPr id="36" name="CaixaDeTexto 35"/>
+                <p:cNvSpPr txBox="1"/>
+                <p:nvPr/>
+              </p:nvSpPr>
+              <p:spPr>
+                <a:xfrm>
+                  <a:off x="5082877" y="3349408"/>
+                  <a:ext cx="290146" cy="280461"/>
+                </a:xfrm>
+                <a:prstGeom prst="rect">
+                  <a:avLst/>
+                </a:prstGeom>
+                <a:noFill/>
+              </p:spPr>
+              <p:txBody>
+                <a:bodyPr wrap="square" rtlCol="0">
+                  <a:spAutoFit/>
+                </a:bodyPr>
+                <a:lstStyle/>
+                <a:p>
+                  <a14:m>
+                    <m:oMathPara xmlns:m="http://schemas.openxmlformats.org/officeDocument/2006/math">
+                      <m:oMathParaPr>
+                        <m:jc m:val="centerGroup"/>
+                      </m:oMathParaPr>
+                      <m:oMath xmlns:m="http://schemas.openxmlformats.org/officeDocument/2006/math">
+                        <m:sSubSup>
+                          <m:sSubSupPr>
+                            <m:ctrlPr>
+                              <a:rPr lang="pt-BR" sz="1200" i="1" smtClean="0">
+                                <a:latin typeface="Cambria Math" panose="02040503050406030204" pitchFamily="18" charset="0"/>
+                              </a:rPr>
+                            </m:ctrlPr>
+                          </m:sSubSupPr>
+                          <m:e>
+                            <m:r>
+                              <a:rPr lang="pt-BR" sz="1200" b="0" i="1" smtClean="0">
+                                <a:latin typeface="Cambria Math" panose="02040503050406030204" pitchFamily="18" charset="0"/>
+                              </a:rPr>
+                              <m:t>𝑤</m:t>
+                            </m:r>
+                          </m:e>
+                          <m:sub>
+                            <m:r>
+                              <a:rPr lang="pt-BR" sz="1200" b="0" i="1" smtClean="0">
+                                <a:latin typeface="Cambria Math" panose="02040503050406030204" pitchFamily="18" charset="0"/>
+                              </a:rPr>
+                              <m:t>21</m:t>
+                            </m:r>
+                          </m:sub>
+                          <m:sup>
+                            <m:r>
+                              <a:rPr lang="pt-BR" sz="1200" b="0" i="1" smtClean="0">
+                                <a:latin typeface="Cambria Math" panose="02040503050406030204" pitchFamily="18" charset="0"/>
+                              </a:rPr>
+                              <m:t>3</m:t>
+                            </m:r>
+                          </m:sup>
+                        </m:sSubSup>
+                      </m:oMath>
+                    </m:oMathPara>
+                  </a14:m>
+                  <a:endParaRPr lang="pt-BR" sz="1200" dirty="0"/>
+                </a:p>
+              </p:txBody>
+            </p:sp>
+          </mc:Choice>
+          <mc:Fallback>
+            <p:sp>
+              <p:nvSpPr>
+                <p:cNvPr id="36" name="CaixaDeTexto 35"/>
+                <p:cNvSpPr txBox="1">
+                  <a:spLocks noRot="1" noChangeAspect="1" noMove="1" noResize="1" noEditPoints="1" noAdjustHandles="1" noChangeArrowheads="1" noChangeShapeType="1" noTextEdit="1"/>
+                </p:cNvSpPr>
+                <p:nvPr/>
+              </p:nvSpPr>
+              <p:spPr>
+                <a:xfrm>
+                  <a:off x="5082877" y="3349408"/>
+                  <a:ext cx="290146" cy="280461"/>
+                </a:xfrm>
+                <a:prstGeom prst="rect">
+                  <a:avLst/>
+                </a:prstGeom>
+                <a:blipFill rotWithShape="0">
+                  <a:blip r:embed="rId6"/>
+                  <a:stretch>
+                    <a:fillRect r="-25532"/>
+                  </a:stretch>
+                </a:blipFill>
+              </p:spPr>
+              <p:txBody>
+                <a:bodyPr/>
+                <a:lstStyle/>
+                <a:p>
+                  <a:r>
+                    <a:rPr lang="pt-BR">
+                      <a:noFill/>
+                    </a:rPr>
+                    <a:t> </a:t>
+                  </a:r>
+                </a:p>
+              </p:txBody>
+            </p:sp>
+          </mc:Fallback>
+        </mc:AlternateContent>
+        <mc:AlternateContent xmlns:mc="http://schemas.openxmlformats.org/markup-compatibility/2006">
+          <mc:Choice xmlns:a14="http://schemas.microsoft.com/office/drawing/2010/main" Requires="a14">
+            <p:sp>
+              <p:nvSpPr>
+                <p:cNvPr id="37" name="CaixaDeTexto 36"/>
+                <p:cNvSpPr txBox="1"/>
+                <p:nvPr/>
+              </p:nvSpPr>
+              <p:spPr>
+                <a:xfrm>
+                  <a:off x="3986066" y="3537844"/>
+                  <a:ext cx="290146" cy="279564"/>
+                </a:xfrm>
+                <a:prstGeom prst="rect">
+                  <a:avLst/>
+                </a:prstGeom>
+                <a:noFill/>
+              </p:spPr>
+              <p:txBody>
+                <a:bodyPr wrap="square" rtlCol="0">
+                  <a:spAutoFit/>
+                </a:bodyPr>
+                <a:lstStyle/>
+                <a:p>
+                  <a14:m>
+                    <m:oMathPara xmlns:m="http://schemas.openxmlformats.org/officeDocument/2006/math">
+                      <m:oMathParaPr>
+                        <m:jc m:val="centerGroup"/>
+                      </m:oMathParaPr>
+                      <m:oMath xmlns:m="http://schemas.openxmlformats.org/officeDocument/2006/math">
+                        <m:sSubSup>
+                          <m:sSubSupPr>
+                            <m:ctrlPr>
+                              <a:rPr lang="pt-BR" sz="1200" i="1" smtClean="0">
+                                <a:latin typeface="Cambria Math" panose="02040503050406030204" pitchFamily="18" charset="0"/>
+                              </a:rPr>
+                            </m:ctrlPr>
+                          </m:sSubSupPr>
+                          <m:e>
+                            <m:r>
+                              <a:rPr lang="pt-BR" sz="1200" b="0" i="1" smtClean="0">
+                                <a:latin typeface="Cambria Math" panose="02040503050406030204" pitchFamily="18" charset="0"/>
+                              </a:rPr>
+                              <m:t>𝑤</m:t>
+                            </m:r>
+                          </m:e>
+                          <m:sub>
+                            <m:r>
+                              <a:rPr lang="pt-BR" sz="1200" b="0" i="1" smtClean="0">
+                                <a:latin typeface="Cambria Math" panose="02040503050406030204" pitchFamily="18" charset="0"/>
+                              </a:rPr>
+                              <m:t>22</m:t>
+                            </m:r>
+                          </m:sub>
+                          <m:sup>
+                            <m:r>
+                              <a:rPr lang="pt-BR" sz="1200" b="0" i="1" smtClean="0">
+                                <a:latin typeface="Cambria Math" panose="02040503050406030204" pitchFamily="18" charset="0"/>
+                              </a:rPr>
+                              <m:t>2</m:t>
+                            </m:r>
+                          </m:sup>
+                        </m:sSubSup>
+                      </m:oMath>
+                    </m:oMathPara>
+                  </a14:m>
+                  <a:endParaRPr lang="pt-BR" sz="1200" dirty="0"/>
+                </a:p>
+              </p:txBody>
+            </p:sp>
+          </mc:Choice>
+          <mc:Fallback>
+            <p:sp>
+              <p:nvSpPr>
+                <p:cNvPr id="37" name="CaixaDeTexto 36"/>
+                <p:cNvSpPr txBox="1">
+                  <a:spLocks noRot="1" noChangeAspect="1" noMove="1" noResize="1" noEditPoints="1" noAdjustHandles="1" noChangeArrowheads="1" noChangeShapeType="1" noTextEdit="1"/>
+                </p:cNvSpPr>
+                <p:nvPr/>
+              </p:nvSpPr>
+              <p:spPr>
+                <a:xfrm>
+                  <a:off x="3986066" y="3537844"/>
+                  <a:ext cx="290146" cy="279564"/>
+                </a:xfrm>
+                <a:prstGeom prst="rect">
+                  <a:avLst/>
+                </a:prstGeom>
+                <a:blipFill rotWithShape="0">
+                  <a:blip r:embed="rId7"/>
+                  <a:stretch>
+                    <a:fillRect r="-25532"/>
+                  </a:stretch>
+                </a:blipFill>
+              </p:spPr>
+              <p:txBody>
+                <a:bodyPr/>
+                <a:lstStyle/>
+                <a:p>
+                  <a:r>
+                    <a:rPr lang="pt-BR">
+                      <a:noFill/>
+                    </a:rPr>
+                    <a:t> </a:t>
+                  </a:r>
+                </a:p>
+              </p:txBody>
+            </p:sp>
+          </mc:Fallback>
+        </mc:AlternateContent>
+        <mc:AlternateContent xmlns:mc="http://schemas.openxmlformats.org/markup-compatibility/2006">
+          <mc:Choice xmlns:a14="http://schemas.microsoft.com/office/drawing/2010/main" Requires="a14">
+            <p:sp>
+              <p:nvSpPr>
+                <p:cNvPr id="38" name="CaixaDeTexto 37"/>
+                <p:cNvSpPr txBox="1"/>
+                <p:nvPr/>
+              </p:nvSpPr>
+              <p:spPr>
+                <a:xfrm>
+                  <a:off x="3987031" y="2403432"/>
+                  <a:ext cx="290146" cy="278794"/>
+                </a:xfrm>
+                <a:prstGeom prst="rect">
+                  <a:avLst/>
+                </a:prstGeom>
+                <a:noFill/>
+              </p:spPr>
+              <p:txBody>
+                <a:bodyPr wrap="square" rtlCol="0">
+                  <a:spAutoFit/>
+                </a:bodyPr>
+                <a:lstStyle/>
+                <a:p>
+                  <a14:m>
+                    <m:oMathPara xmlns:m="http://schemas.openxmlformats.org/officeDocument/2006/math">
+                      <m:oMathParaPr>
+                        <m:jc m:val="centerGroup"/>
+                      </m:oMathParaPr>
+                      <m:oMath xmlns:m="http://schemas.openxmlformats.org/officeDocument/2006/math">
+                        <m:sSubSup>
+                          <m:sSubSupPr>
+                            <m:ctrlPr>
+                              <a:rPr lang="pt-BR" sz="1200" i="1" smtClean="0">
+                                <a:latin typeface="Cambria Math" panose="02040503050406030204" pitchFamily="18" charset="0"/>
+                              </a:rPr>
+                            </m:ctrlPr>
+                          </m:sSubSupPr>
+                          <m:e>
+                            <m:r>
+                              <a:rPr lang="pt-BR" sz="1200" b="0" i="1" smtClean="0">
+                                <a:latin typeface="Cambria Math" panose="02040503050406030204" pitchFamily="18" charset="0"/>
+                              </a:rPr>
+                              <m:t>𝑤</m:t>
+                            </m:r>
+                          </m:e>
+                          <m:sub>
+                            <m:r>
+                              <a:rPr lang="pt-BR" sz="1200" b="0" i="1" smtClean="0">
+                                <a:latin typeface="Cambria Math" panose="02040503050406030204" pitchFamily="18" charset="0"/>
+                              </a:rPr>
+                              <m:t>11</m:t>
+                            </m:r>
+                          </m:sub>
+                          <m:sup>
+                            <m:r>
+                              <a:rPr lang="pt-BR" sz="1200" b="0" i="1" smtClean="0">
+                                <a:latin typeface="Cambria Math" panose="02040503050406030204" pitchFamily="18" charset="0"/>
+                              </a:rPr>
+                              <m:t>1</m:t>
+                            </m:r>
+                          </m:sup>
+                        </m:sSubSup>
+                      </m:oMath>
+                    </m:oMathPara>
+                  </a14:m>
+                  <a:endParaRPr lang="pt-BR" sz="1200" dirty="0"/>
+                </a:p>
+              </p:txBody>
+            </p:sp>
+          </mc:Choice>
+          <mc:Fallback>
+            <p:sp>
+              <p:nvSpPr>
+                <p:cNvPr id="38" name="CaixaDeTexto 37"/>
+                <p:cNvSpPr txBox="1">
+                  <a:spLocks noRot="1" noChangeAspect="1" noMove="1" noResize="1" noEditPoints="1" noAdjustHandles="1" noChangeArrowheads="1" noChangeShapeType="1" noTextEdit="1"/>
+                </p:cNvSpPr>
+                <p:nvPr/>
+              </p:nvSpPr>
+              <p:spPr>
+                <a:xfrm>
+                  <a:off x="3987031" y="2403432"/>
+                  <a:ext cx="290146" cy="278794"/>
+                </a:xfrm>
+                <a:prstGeom prst="rect">
+                  <a:avLst/>
+                </a:prstGeom>
+                <a:blipFill rotWithShape="0">
+                  <a:blip r:embed="rId8"/>
+                  <a:stretch>
+                    <a:fillRect r="-20833"/>
+                  </a:stretch>
+                </a:blipFill>
+              </p:spPr>
+              <p:txBody>
+                <a:bodyPr/>
+                <a:lstStyle/>
+                <a:p>
+                  <a:r>
+                    <a:rPr lang="pt-BR">
+                      <a:noFill/>
+                    </a:rPr>
+                    <a:t> </a:t>
+                  </a:r>
+                </a:p>
+              </p:txBody>
+            </p:sp>
+          </mc:Fallback>
+        </mc:AlternateContent>
+        <mc:AlternateContent xmlns:mc="http://schemas.openxmlformats.org/markup-compatibility/2006">
+          <mc:Choice xmlns:a14="http://schemas.microsoft.com/office/drawing/2010/main" Requires="a14">
+            <p:sp>
+              <p:nvSpPr>
+                <p:cNvPr id="39" name="CaixaDeTexto 38"/>
+                <p:cNvSpPr txBox="1"/>
+                <p:nvPr/>
+              </p:nvSpPr>
+              <p:spPr>
+                <a:xfrm>
+                  <a:off x="3743623" y="3104766"/>
+                  <a:ext cx="290146" cy="279179"/>
+                </a:xfrm>
+                <a:prstGeom prst="rect">
+                  <a:avLst/>
+                </a:prstGeom>
+                <a:noFill/>
+              </p:spPr>
+              <p:txBody>
+                <a:bodyPr wrap="square" rtlCol="0">
+                  <a:spAutoFit/>
+                </a:bodyPr>
+                <a:lstStyle/>
+                <a:p>
+                  <a14:m>
+                    <m:oMathPara xmlns:m="http://schemas.openxmlformats.org/officeDocument/2006/math">
+                      <m:oMathParaPr>
+                        <m:jc m:val="centerGroup"/>
+                      </m:oMathParaPr>
+                      <m:oMath xmlns:m="http://schemas.openxmlformats.org/officeDocument/2006/math">
+                        <m:sSubSup>
+                          <m:sSubSupPr>
+                            <m:ctrlPr>
+                              <a:rPr lang="pt-BR" sz="1200" i="1" smtClean="0">
+                                <a:latin typeface="Cambria Math" panose="02040503050406030204" pitchFamily="18" charset="0"/>
+                              </a:rPr>
+                            </m:ctrlPr>
+                          </m:sSubSupPr>
+                          <m:e>
+                            <m:r>
+                              <a:rPr lang="pt-BR" sz="1200" b="0" i="1" smtClean="0">
+                                <a:latin typeface="Cambria Math" panose="02040503050406030204" pitchFamily="18" charset="0"/>
+                              </a:rPr>
+                              <m:t>𝑤</m:t>
+                            </m:r>
+                          </m:e>
+                          <m:sub>
+                            <m:r>
+                              <a:rPr lang="pt-BR" sz="1200" b="0" i="1" smtClean="0">
+                                <a:latin typeface="Cambria Math" panose="02040503050406030204" pitchFamily="18" charset="0"/>
+                              </a:rPr>
+                              <m:t>21</m:t>
+                            </m:r>
+                          </m:sub>
+                          <m:sup>
+                            <m:r>
+                              <a:rPr lang="pt-BR" sz="1200" b="0" i="1" smtClean="0">
+                                <a:latin typeface="Cambria Math" panose="02040503050406030204" pitchFamily="18" charset="0"/>
+                              </a:rPr>
+                              <m:t>1</m:t>
+                            </m:r>
+                          </m:sup>
+                        </m:sSubSup>
+                      </m:oMath>
+                    </m:oMathPara>
+                  </a14:m>
+                  <a:endParaRPr lang="pt-BR" sz="1200" dirty="0"/>
+                </a:p>
+              </p:txBody>
+            </p:sp>
+          </mc:Choice>
+          <mc:Fallback>
+            <p:sp>
+              <p:nvSpPr>
+                <p:cNvPr id="39" name="CaixaDeTexto 38"/>
+                <p:cNvSpPr txBox="1">
+                  <a:spLocks noRot="1" noChangeAspect="1" noMove="1" noResize="1" noEditPoints="1" noAdjustHandles="1" noChangeArrowheads="1" noChangeShapeType="1" noTextEdit="1"/>
+                </p:cNvSpPr>
+                <p:nvPr/>
+              </p:nvSpPr>
+              <p:spPr>
+                <a:xfrm>
+                  <a:off x="3743623" y="3104766"/>
+                  <a:ext cx="290146" cy="279179"/>
+                </a:xfrm>
+                <a:prstGeom prst="rect">
+                  <a:avLst/>
+                </a:prstGeom>
+                <a:blipFill rotWithShape="0">
+                  <a:blip r:embed="rId9"/>
+                  <a:stretch>
+                    <a:fillRect r="-22917"/>
+                  </a:stretch>
+                </a:blipFill>
+              </p:spPr>
+              <p:txBody>
+                <a:bodyPr/>
+                <a:lstStyle/>
+                <a:p>
+                  <a:r>
+                    <a:rPr lang="pt-BR">
+                      <a:noFill/>
+                    </a:rPr>
+                    <a:t> </a:t>
+                  </a:r>
+                </a:p>
+              </p:txBody>
+            </p:sp>
+          </mc:Fallback>
+        </mc:AlternateContent>
+        <mc:AlternateContent xmlns:mc="http://schemas.openxmlformats.org/markup-compatibility/2006">
+          <mc:Choice xmlns:a14="http://schemas.microsoft.com/office/drawing/2010/main" Requires="a14">
+            <p:sp>
+              <p:nvSpPr>
+                <p:cNvPr id="40" name="CaixaDeTexto 39"/>
+                <p:cNvSpPr txBox="1"/>
+                <p:nvPr/>
+              </p:nvSpPr>
+              <p:spPr>
+                <a:xfrm>
+                  <a:off x="3736270" y="2736226"/>
+                  <a:ext cx="290146" cy="279564"/>
+                </a:xfrm>
+                <a:prstGeom prst="rect">
+                  <a:avLst/>
+                </a:prstGeom>
+                <a:noFill/>
+              </p:spPr>
+              <p:txBody>
+                <a:bodyPr wrap="square" rtlCol="0">
+                  <a:spAutoFit/>
+                </a:bodyPr>
+                <a:lstStyle/>
+                <a:p>
+                  <a14:m>
+                    <m:oMathPara xmlns:m="http://schemas.openxmlformats.org/officeDocument/2006/math">
+                      <m:oMathParaPr>
+                        <m:jc m:val="centerGroup"/>
+                      </m:oMathParaPr>
+                      <m:oMath xmlns:m="http://schemas.openxmlformats.org/officeDocument/2006/math">
+                        <m:sSubSup>
+                          <m:sSubSupPr>
+                            <m:ctrlPr>
+                              <a:rPr lang="pt-BR" sz="1200" i="1" smtClean="0">
+                                <a:latin typeface="Cambria Math" panose="02040503050406030204" pitchFamily="18" charset="0"/>
+                              </a:rPr>
+                            </m:ctrlPr>
+                          </m:sSubSupPr>
+                          <m:e>
+                            <m:r>
+                              <a:rPr lang="pt-BR" sz="1200" b="0" i="1" smtClean="0">
+                                <a:latin typeface="Cambria Math" panose="02040503050406030204" pitchFamily="18" charset="0"/>
+                              </a:rPr>
+                              <m:t>𝑤</m:t>
+                            </m:r>
+                          </m:e>
+                          <m:sub>
+                            <m:r>
+                              <a:rPr lang="pt-BR" sz="1200" b="0" i="1" smtClean="0">
+                                <a:latin typeface="Cambria Math" panose="02040503050406030204" pitchFamily="18" charset="0"/>
+                              </a:rPr>
+                              <m:t>12</m:t>
+                            </m:r>
+                          </m:sub>
+                          <m:sup>
+                            <m:r>
+                              <a:rPr lang="pt-BR" sz="1200" b="0" i="1" smtClean="0">
+                                <a:latin typeface="Cambria Math" panose="02040503050406030204" pitchFamily="18" charset="0"/>
+                              </a:rPr>
+                              <m:t>2</m:t>
+                            </m:r>
+                          </m:sup>
+                        </m:sSubSup>
+                      </m:oMath>
+                    </m:oMathPara>
+                  </a14:m>
+                  <a:endParaRPr lang="pt-BR" sz="1200" dirty="0"/>
+                </a:p>
+              </p:txBody>
+            </p:sp>
+          </mc:Choice>
+          <mc:Fallback>
+            <p:sp>
+              <p:nvSpPr>
+                <p:cNvPr id="40" name="CaixaDeTexto 39"/>
+                <p:cNvSpPr txBox="1">
+                  <a:spLocks noRot="1" noChangeAspect="1" noMove="1" noResize="1" noEditPoints="1" noAdjustHandles="1" noChangeArrowheads="1" noChangeShapeType="1" noTextEdit="1"/>
+                </p:cNvSpPr>
+                <p:nvPr/>
+              </p:nvSpPr>
+              <p:spPr>
+                <a:xfrm>
+                  <a:off x="3736270" y="2736226"/>
+                  <a:ext cx="290146" cy="279564"/>
+                </a:xfrm>
+                <a:prstGeom prst="rect">
+                  <a:avLst/>
+                </a:prstGeom>
+                <a:blipFill rotWithShape="0">
+                  <a:blip r:embed="rId10"/>
+                  <a:stretch>
+                    <a:fillRect r="-20833"/>
+                  </a:stretch>
+                </a:blipFill>
+              </p:spPr>
+              <p:txBody>
+                <a:bodyPr/>
+                <a:lstStyle/>
+                <a:p>
+                  <a:r>
+                    <a:rPr lang="pt-BR">
+                      <a:noFill/>
+                    </a:rPr>
+                    <a:t> </a:t>
+                  </a:r>
+                </a:p>
+              </p:txBody>
+            </p:sp>
+          </mc:Fallback>
+        </mc:AlternateContent>
+      </p:grpSp>
+    </p:spTree>
+    <p:extLst>
+      <p:ext uri="{BB962C8B-B14F-4D97-AF65-F5344CB8AC3E}">
+        <p14:creationId xmlns:p14="http://schemas.microsoft.com/office/powerpoint/2010/main" val="455897722"/>
       </p:ext>
     </p:extLst>
   </p:cSld>
@@ -12234,7 +14143,11 @@
             </a:r>
             <a:r>
               <a:rPr lang="pt-BR" dirty="0"/>
-              <a:t>.: Em particular, uma MLP pode resolver o problema do XOR (lembre-se que um </a:t>
+              <a:t>.: Em particular, uma MLP pode resolver o problema do XOR (lembre-se que </a:t>
+            </a:r>
+            <a:r>
+              <a:rPr lang="pt-BR" dirty="0" smtClean="0"/>
+              <a:t>um único </a:t>
             </a:r>
             <a:r>
               <a:rPr lang="pt-BR" b="1" i="1" dirty="0"/>
@@ -12274,8 +14187,8 @@
         </p:blipFill>
         <p:spPr>
           <a:xfrm>
-            <a:off x="7225856" y="2240280"/>
-            <a:ext cx="4951955" cy="4050161"/>
+            <a:off x="7400018" y="1571967"/>
+            <a:ext cx="4188708" cy="3425908"/>
           </a:xfrm>
           <a:prstGeom prst="rect">
             <a:avLst/>
@@ -12290,7 +14203,7 @@
         </p:nvSpPr>
         <p:spPr>
           <a:xfrm>
-            <a:off x="8296323" y="1571968"/>
+            <a:off x="8296323" y="1110302"/>
             <a:ext cx="1877369" cy="461665"/>
           </a:xfrm>
           <a:prstGeom prst="rect">
@@ -12321,6 +14234,74 @@
           </a:p>
         </p:txBody>
       </p:sp>
+      <p:pic>
+        <p:nvPicPr>
+          <p:cNvPr id="5" name="Imagem 4"/>
+          <p:cNvPicPr>
+            <a:picLocks noChangeAspect="1"/>
+          </p:cNvPicPr>
+          <p:nvPr/>
+        </p:nvPicPr>
+        <p:blipFill>
+          <a:blip r:embed="rId4">
+            <a:extLst>
+              <a:ext uri="{28A0092B-C50C-407E-A947-70E740481C1C}">
+                <a14:useLocalDpi xmlns:a14="http://schemas.microsoft.com/office/drawing/2010/main" val="0"/>
+              </a:ext>
+            </a:extLst>
+          </a:blip>
+          <a:stretch>
+            <a:fillRect/>
+          </a:stretch>
+        </p:blipFill>
+        <p:spPr>
+          <a:xfrm>
+            <a:off x="8296323" y="5363308"/>
+            <a:ext cx="2946903" cy="1344102"/>
+          </a:xfrm>
+          <a:prstGeom prst="rect">
+            <a:avLst/>
+          </a:prstGeom>
+        </p:spPr>
+      </p:pic>
+      <p:cxnSp>
+        <p:nvCxnSpPr>
+          <p:cNvPr id="7" name="Conector de seta reta 6"/>
+          <p:cNvCxnSpPr>
+            <a:endCxn id="5" idx="1"/>
+          </p:cNvCxnSpPr>
+          <p:nvPr/>
+        </p:nvCxnSpPr>
+        <p:spPr>
+          <a:xfrm>
+            <a:off x="6559062" y="5767754"/>
+            <a:ext cx="1737261" cy="267605"/>
+          </a:xfrm>
+          <a:prstGeom prst="straightConnector1">
+            <a:avLst/>
+          </a:prstGeom>
+          <a:ln>
+            <a:solidFill>
+              <a:srgbClr val="FF0000"/>
+            </a:solidFill>
+            <a:tailEnd type="triangle"/>
+          </a:ln>
+        </p:spPr>
+        <p:style>
+          <a:lnRef idx="1">
+            <a:schemeClr val="accent1"/>
+          </a:lnRef>
+          <a:fillRef idx="0">
+            <a:schemeClr val="accent1"/>
+          </a:fillRef>
+          <a:effectRef idx="0">
+            <a:schemeClr val="accent1"/>
+          </a:effectRef>
+          <a:fontRef idx="minor">
+            <a:schemeClr val="tx1"/>
+          </a:fontRef>
+        </p:style>
+      </p:cxnSp>
     </p:spTree>
     <p:extLst>
       <p:ext uri="{BB962C8B-B14F-4D97-AF65-F5344CB8AC3E}">
@@ -12596,8 +14577,8 @@
           </a:p>
         </p:txBody>
       </p:sp>
-      <mc:AlternateContent xmlns:mc="http://schemas.openxmlformats.org/markup-compatibility/2006" xmlns:a14="http://schemas.microsoft.com/office/drawing/2010/main">
-        <mc:Choice Requires="a14">
+      <mc:AlternateContent xmlns:mc="http://schemas.openxmlformats.org/markup-compatibility/2006">
+        <mc:Choice xmlns:a14="http://schemas.microsoft.com/office/drawing/2010/main" Requires="a14">
           <p:sp>
             <p:nvSpPr>
               <p:cNvPr id="3" name="Content Placeholder 2"/>
@@ -12611,7 +14592,7 @@
             <p:spPr>
               <a:xfrm>
                 <a:off x="838200" y="1825624"/>
-                <a:ext cx="7188200" cy="5032376"/>
+                <a:ext cx="7077075" cy="5032376"/>
               </a:xfrm>
             </p:spPr>
             <p:txBody>
@@ -12621,16 +14602,20 @@
               <a:lstStyle/>
               <a:p>
                 <a:r>
+                  <a:rPr lang="pt-BR" dirty="0" smtClean="0"/>
+                  <a:t>A </a:t>
+                </a:r>
+                <a:r>
+                  <a:rPr lang="pt-BR" b="1" i="1" dirty="0" smtClean="0"/>
+                  <a:t>ligação</a:t>
+                </a:r>
+                <a:r>
+                  <a:rPr lang="pt-BR" dirty="0" smtClean="0"/>
+                  <a:t> </a:t>
+                </a:r>
+                <a:r>
                   <a:rPr lang="pt-BR" dirty="0"/>
-                  <a:t>Uma </a:t>
-                </a:r>
-                <a:r>
-                  <a:rPr lang="pt-BR" b="1" i="1" dirty="0"/>
-                  <a:t>ligação</a:t>
-                </a:r>
-                <a:r>
-                  <a:rPr lang="pt-BR" dirty="0"/>
-                  <a:t> do </a:t>
+                  <a:t>do </a:t>
                 </a:r>
                 <a:r>
                   <a:rPr lang="pt-BR" b="1" i="1" dirty="0"/>
@@ -12674,71 +14659,19 @@
                 </a14:m>
                 <a:r>
                   <a:rPr lang="pt-BR" dirty="0"/>
-                  <a:t> serve para propagar o sinal de ativação do </a:t>
-                </a:r>
-                <a:r>
-                  <a:rPr lang="pt-BR" b="1" i="1" dirty="0"/>
-                  <a:t>nó</a:t>
-                </a:r>
-                <a:r>
-                  <a:rPr lang="pt-BR" dirty="0"/>
                   <a:t> </a:t>
                 </a:r>
-                <a14:m>
-                  <m:oMath xmlns:m="http://schemas.openxmlformats.org/officeDocument/2006/math">
-                    <m:r>
-                      <a:rPr lang="pt-BR" i="1">
-                        <a:latin typeface="Cambria Math" panose="02040503050406030204" pitchFamily="18" charset="0"/>
-                      </a:rPr>
-                      <m:t>𝑖</m:t>
-                    </m:r>
-                  </m:oMath>
-                </a14:m>
-                <a:r>
-                  <a:rPr lang="pt-BR" dirty="0"/>
-                  <a:t> para o </a:t>
-                </a:r>
-                <a:r>
-                  <a:rPr lang="pt-BR" b="1" i="1" dirty="0"/>
-                  <a:t>nó</a:t>
-                </a:r>
-                <a:r>
-                  <a:rPr lang="pt-BR" dirty="0"/>
+                <a:r>
+                  <a:rPr lang="pt-BR" dirty="0" smtClean="0"/>
+                  <a:t>é feita através do </a:t>
+                </a:r>
+                <a:r>
+                  <a:rPr lang="pt-BR" b="1" i="1" dirty="0" smtClean="0"/>
+                  <a:t>peso</a:t>
+                </a:r>
+                <a:r>
+                  <a:rPr lang="pt-BR" dirty="0" smtClean="0"/>
                   <a:t> </a:t>
-                </a:r>
-                <a14:m>
-                  <m:oMath xmlns:m="http://schemas.openxmlformats.org/officeDocument/2006/math">
-                    <m:r>
-                      <a:rPr lang="pt-BR" i="1">
-                        <a:latin typeface="Cambria Math" panose="02040503050406030204" pitchFamily="18" charset="0"/>
-                      </a:rPr>
-                      <m:t>𝑗</m:t>
-                    </m:r>
-                  </m:oMath>
-                </a14:m>
-                <a:r>
-                  <a:rPr lang="pt-BR" dirty="0"/>
-                  <a:t>. </a:t>
-                </a:r>
-                <a:r>
-                  <a:rPr lang="pt-BR" dirty="0" smtClean="0"/>
-                  <a:t>Cada </a:t>
-                </a:r>
-                <a:r>
-                  <a:rPr lang="pt-BR" b="1" i="1" dirty="0"/>
-                  <a:t>ligação</a:t>
-                </a:r>
-                <a:r>
-                  <a:rPr lang="pt-BR" dirty="0"/>
-                  <a:t> tem um </a:t>
-                </a:r>
-                <a:r>
-                  <a:rPr lang="pt-BR" b="1" i="1" dirty="0"/>
-                  <a:t>peso</a:t>
-                </a:r>
-                <a:r>
-                  <a:rPr lang="pt-BR" dirty="0"/>
-                  <a:t> associado, </a:t>
                 </a:r>
                 <a14:m>
                   <m:oMath xmlns:m="http://schemas.openxmlformats.org/officeDocument/2006/math">
@@ -12770,8 +14703,75 @@
                   </m:oMath>
                 </a14:m>
                 <a:r>
+                  <a:rPr lang="pt-BR" dirty="0" smtClean="0"/>
+                  <a:t> e serve </a:t>
+                </a:r>
+                <a:r>
                   <a:rPr lang="pt-BR" dirty="0"/>
-                  <a:t>, que determina a </a:t>
+                  <a:t>para propagar o sinal de ativação do </a:t>
+                </a:r>
+                <a:r>
+                  <a:rPr lang="pt-BR" b="1" i="1" dirty="0"/>
+                  <a:t>nó</a:t>
+                </a:r>
+                <a:r>
+                  <a:rPr lang="pt-BR" dirty="0"/>
+                  <a:t> </a:t>
+                </a:r>
+                <a14:m>
+                  <m:oMath xmlns:m="http://schemas.openxmlformats.org/officeDocument/2006/math">
+                    <m:r>
+                      <a:rPr lang="pt-BR" i="1">
+                        <a:latin typeface="Cambria Math" panose="02040503050406030204" pitchFamily="18" charset="0"/>
+                      </a:rPr>
+                      <m:t>𝑖</m:t>
+                    </m:r>
+                  </m:oMath>
+                </a14:m>
+                <a:r>
+                  <a:rPr lang="pt-BR" dirty="0"/>
+                  <a:t> para o </a:t>
+                </a:r>
+                <a:r>
+                  <a:rPr lang="pt-BR" b="1" i="1" dirty="0"/>
+                  <a:t>nó</a:t>
+                </a:r>
+                <a:r>
+                  <a:rPr lang="pt-BR" dirty="0"/>
+                  <a:t> </a:t>
+                </a:r>
+                <a14:m>
+                  <m:oMath xmlns:m="http://schemas.openxmlformats.org/officeDocument/2006/math">
+                    <m:r>
+                      <a:rPr lang="pt-BR" i="1">
+                        <a:latin typeface="Cambria Math" panose="02040503050406030204" pitchFamily="18" charset="0"/>
+                      </a:rPr>
+                      <m:t>𝑗</m:t>
+                    </m:r>
+                  </m:oMath>
+                </a14:m>
+                <a:r>
+                  <a:rPr lang="pt-BR" dirty="0"/>
+                  <a:t>. </a:t>
+                </a:r>
+                <a:endParaRPr lang="pt-BR" dirty="0" smtClean="0"/>
+              </a:p>
+              <a:p>
+                <a:r>
+                  <a:rPr lang="pt-BR" dirty="0" smtClean="0"/>
+                  <a:t>O valor do </a:t>
+                </a:r>
+                <a:r>
+                  <a:rPr lang="pt-BR" b="1" i="1" dirty="0" smtClean="0"/>
+                  <a:t>peso</a:t>
+                </a:r>
+                <a:r>
+                  <a:rPr lang="pt-BR" dirty="0" smtClean="0"/>
+                  <a:t> determina </a:t>
+                </a:r>
+                <a:r>
+                  <a:rPr lang="pt-BR" dirty="0"/>
+                  <a:t>a </a:t>
                 </a:r>
                 <a:r>
                   <a:rPr lang="pt-BR" b="1" i="1" dirty="0"/>
@@ -13394,20 +15394,18 @@
               <a:p>
                 <a:r>
                   <a:rPr lang="pt-BR" dirty="0" smtClean="0"/>
-                  <a:t>Cada camada da rede pode usar funções de ativação diferentes.</a:t>
-                </a:r>
-                <a:endParaRPr lang="pt-BR" dirty="0"/>
-              </a:p>
-              <a:p>
-                <a:endParaRPr lang="pt-BR" dirty="0"/>
-              </a:p>
-              <a:p>
+                  <a:t>Cada camada da rede pode usar funções de ativação diferentes</a:t>
+                </a:r>
+                <a:r>
+                  <a:rPr lang="pt-BR" dirty="0" smtClean="0"/>
+                  <a:t>.</a:t>
+                </a:r>
                 <a:endParaRPr lang="pt-BR" dirty="0"/>
               </a:p>
             </p:txBody>
           </p:sp>
         </mc:Choice>
-        <mc:Fallback xmlns="">
+        <mc:Fallback>
           <p:sp>
             <p:nvSpPr>
               <p:cNvPr id="3" name="Content Placeholder 2"/>
@@ -13421,12 +15419,12 @@
             <p:spPr>
               <a:xfrm>
                 <a:off x="838200" y="1825624"/>
-                <a:ext cx="7188200" cy="5032376"/>
+                <a:ext cx="7077075" cy="5032376"/>
               </a:xfrm>
               <a:blipFill rotWithShape="0">
                 <a:blip r:embed="rId3"/>
                 <a:stretch>
-                  <a:fillRect l="-1018" t="-2421" r="-1442"/>
+                  <a:fillRect l="-1034" t="-2300" r="-1983" b="-1453"/>
                 </a:stretch>
               </a:blipFill>
             </p:spPr>
@@ -13475,8 +15473,8 @@
           </a:prstGeom>
         </p:spPr>
       </p:pic>
-      <mc:AlternateContent xmlns:mc="http://schemas.openxmlformats.org/markup-compatibility/2006" xmlns:a14="http://schemas.microsoft.com/office/drawing/2010/main">
-        <mc:Choice Requires="a14">
+      <mc:AlternateContent xmlns:mc="http://schemas.openxmlformats.org/markup-compatibility/2006">
+        <mc:Choice xmlns:a14="http://schemas.microsoft.com/office/drawing/2010/main" Requires="a14">
           <p:sp>
             <p:nvSpPr>
               <p:cNvPr id="5" name="TextBox 4"/>
@@ -13527,6 +15525,53 @@
                         </m:r>
                       </m:sub>
                     </m:sSub>
+                    <m:r>
+                      <a:rPr lang="pt-BR" b="0" i="1" smtClean="0">
+                        <a:latin typeface="Cambria Math" panose="02040503050406030204" pitchFamily="18" charset="0"/>
+                      </a:rPr>
+                      <m:t>=</m:t>
+                    </m:r>
+                    <m:r>
+                      <a:rPr lang="pt-BR" i="1">
+                        <a:latin typeface="Cambria Math" panose="02040503050406030204" pitchFamily="18" charset="0"/>
+                      </a:rPr>
+                      <m:t>𝑓</m:t>
+                    </m:r>
+                    <m:d>
+                      <m:dPr>
+                        <m:ctrlPr>
+                          <a:rPr lang="pt-BR" i="1">
+                            <a:latin typeface="Cambria Math" panose="02040503050406030204" pitchFamily="18" charset="0"/>
+                          </a:rPr>
+                        </m:ctrlPr>
+                      </m:dPr>
+                      <m:e>
+                        <m:r>
+                          <a:rPr lang="pt-BR" i="1">
+                            <a:latin typeface="Cambria Math" panose="02040503050406030204" pitchFamily="18" charset="0"/>
+                          </a:rPr>
+                          <m:t>𝑔</m:t>
+                        </m:r>
+                        <m:r>
+                          <a:rPr lang="pt-BR" i="1">
+                            <a:latin typeface="Cambria Math" panose="02040503050406030204" pitchFamily="18" charset="0"/>
+                          </a:rPr>
+                          <m:t>(</m:t>
+                        </m:r>
+                        <m:r>
+                          <a:rPr lang="pt-BR" b="1" i="1">
+                            <a:latin typeface="Cambria Math" panose="02040503050406030204" pitchFamily="18" charset="0"/>
+                          </a:rPr>
+                          <m:t>𝒙</m:t>
+                        </m:r>
+                        <m:r>
+                          <a:rPr lang="pt-BR" i="1">
+                            <a:latin typeface="Cambria Math" panose="02040503050406030204" pitchFamily="18" charset="0"/>
+                          </a:rPr>
+                          <m:t>)</m:t>
+                        </m:r>
+                      </m:e>
+                    </m:d>
                     <m:r>
                       <a:rPr lang="pt-BR" b="0" i="1" smtClean="0">
                         <a:latin typeface="Cambria Math" panose="02040503050406030204" pitchFamily="18" charset="0"/>
@@ -13781,7 +15826,7 @@
             </p:txBody>
           </p:sp>
         </mc:Choice>
-        <mc:Fallback xmlns="">
+        <mc:Fallback>
           <p:sp>
             <p:nvSpPr>
               <p:cNvPr id="5" name="TextBox 4"/>
@@ -13879,8 +15924,8 @@
           </a:p>
         </p:txBody>
       </p:sp>
-      <mc:AlternateContent xmlns:mc="http://schemas.openxmlformats.org/markup-compatibility/2006" xmlns:a14="http://schemas.microsoft.com/office/drawing/2010/main">
-        <mc:Choice Requires="a14">
+      <mc:AlternateContent xmlns:mc="http://schemas.openxmlformats.org/markup-compatibility/2006">
+        <mc:Choice xmlns:a14="http://schemas.microsoft.com/office/drawing/2010/main" Requires="a14">
           <p:sp>
             <p:nvSpPr>
               <p:cNvPr id="3" name="Content Placeholder 2"/>
@@ -13899,7 +15944,7 @@
             </p:spPr>
             <p:txBody>
               <a:bodyPr>
-                <a:normAutofit fontScale="92500" lnSpcReduction="10000"/>
+                <a:normAutofit fontScale="92500"/>
               </a:bodyPr>
               <a:lstStyle/>
               <a:p>
@@ -14118,12 +16163,6 @@
                               </m:r>
                             </m:e>
                             <m:sup>
-                              <m:r>
-                                <a:rPr lang="pt-BR" b="0" i="1" smtClean="0">
-                                  <a:latin typeface="Cambria Math" panose="02040503050406030204" pitchFamily="18" charset="0"/>
-                                </a:rPr>
-                                <m:t>𝑝</m:t>
-                              </m:r>
                               <m:sSub>
                                 <m:sSubPr>
                                   <m:ctrlPr>
@@ -14170,12 +16209,6 @@
                               </m:r>
                             </m:e>
                             <m:sup>
-                              <m:r>
-                                <a:rPr lang="pt-BR" i="1">
-                                  <a:latin typeface="Cambria Math" panose="02040503050406030204" pitchFamily="18" charset="0"/>
-                                </a:rPr>
-                                <m:t>𝑝</m:t>
-                              </m:r>
                               <m:sSub>
                                 <m:sSubPr>
                                   <m:ctrlPr>
@@ -14263,12 +16296,6 @@
                                 </a:rPr>
                                 <m:t>−</m:t>
                               </m:r>
-                              <m:r>
-                                <a:rPr lang="pt-BR" i="1">
-                                  <a:latin typeface="Cambria Math" panose="02040503050406030204" pitchFamily="18" charset="0"/>
-                                </a:rPr>
-                                <m:t>𝑝</m:t>
-                              </m:r>
                               <m:sSub>
                                 <m:sSubPr>
                                   <m:ctrlPr>
@@ -14320,301 +16347,276 @@
                   <a:buNone/>
                 </a:pPr>
                 <a14:m>
-                  <m:oMath xmlns:m="http://schemas.openxmlformats.org/officeDocument/2006/math">
-                    <m:f>
-                      <m:fPr>
-                        <m:ctrlPr>
-                          <a:rPr lang="pt-BR" i="1" smtClean="0">
-                            <a:latin typeface="Cambria Math" panose="02040503050406030204" pitchFamily="18" charset="0"/>
-                          </a:rPr>
-                        </m:ctrlPr>
-                      </m:fPr>
-                      <m:num>
-                        <m:r>
-                          <a:rPr lang="pt-BR" i="1" smtClean="0">
-                            <a:latin typeface="Cambria Math" panose="02040503050406030204" pitchFamily="18" charset="0"/>
-                          </a:rPr>
-                          <m:t>𝑑</m:t>
-                        </m:r>
-                        <m:sSub>
-                          <m:sSubPr>
-                            <m:ctrlPr>
-                              <a:rPr lang="pt-BR" i="1">
-                                <a:latin typeface="Cambria Math" panose="02040503050406030204" pitchFamily="18" charset="0"/>
-                              </a:rPr>
-                            </m:ctrlPr>
-                          </m:sSubPr>
-                          <m:e>
-                            <m:r>
-                              <a:rPr lang="pt-BR" i="1">
-                                <a:latin typeface="Cambria Math" panose="02040503050406030204" pitchFamily="18" charset="0"/>
-                              </a:rPr>
-                              <m:t>𝑦</m:t>
-                            </m:r>
-                          </m:e>
-                          <m:sub>
-                            <m:r>
-                              <a:rPr lang="pt-BR" i="1">
-                                <a:latin typeface="Cambria Math" panose="02040503050406030204" pitchFamily="18" charset="0"/>
-                              </a:rPr>
-                              <m:t>𝑗</m:t>
-                            </m:r>
-                          </m:sub>
-                        </m:sSub>
-                      </m:num>
-                      <m:den>
-                        <m:r>
-                          <a:rPr lang="pt-BR" i="1" smtClean="0">
-                            <a:latin typeface="Cambria Math" panose="02040503050406030204" pitchFamily="18" charset="0"/>
-                          </a:rPr>
-                          <m:t>𝑑</m:t>
-                        </m:r>
-                        <m:sSub>
-                          <m:sSubPr>
-                            <m:ctrlPr>
-                              <a:rPr lang="pt-BR" i="1">
-                                <a:latin typeface="Cambria Math" panose="02040503050406030204" pitchFamily="18" charset="0"/>
-                              </a:rPr>
-                            </m:ctrlPr>
-                          </m:sSubPr>
-                          <m:e>
-                            <m:r>
-                              <a:rPr lang="pt-BR" i="1">
-                                <a:latin typeface="Cambria Math" panose="02040503050406030204" pitchFamily="18" charset="0"/>
-                              </a:rPr>
-                              <m:t>𝑧</m:t>
-                            </m:r>
-                          </m:e>
-                          <m:sub>
-                            <m:r>
-                              <a:rPr lang="pt-BR" i="1">
-                                <a:latin typeface="Cambria Math" panose="02040503050406030204" pitchFamily="18" charset="0"/>
-                              </a:rPr>
-                              <m:t>𝑗</m:t>
-                            </m:r>
-                          </m:sub>
-                        </m:sSub>
-                      </m:den>
-                    </m:f>
-                    <m:r>
-                      <a:rPr lang="pt-BR" b="0" i="1" smtClean="0">
-                        <a:latin typeface="Cambria Math" panose="02040503050406030204" pitchFamily="18" charset="0"/>
-                      </a:rPr>
-                      <m:t>=</m:t>
-                    </m:r>
-                    <m:f>
-                      <m:fPr>
-                        <m:ctrlPr>
-                          <a:rPr lang="pt-BR" i="1">
-                            <a:latin typeface="Cambria Math" panose="02040503050406030204" pitchFamily="18" charset="0"/>
-                          </a:rPr>
-                        </m:ctrlPr>
-                      </m:fPr>
-                      <m:num>
-                        <m:r>
-                          <a:rPr lang="pt-BR" i="1">
-                            <a:latin typeface="Cambria Math" panose="02040503050406030204" pitchFamily="18" charset="0"/>
-                          </a:rPr>
-                          <m:t>𝑑𝑓</m:t>
-                        </m:r>
-                        <m:d>
-                          <m:dPr>
-                            <m:ctrlPr>
-                              <a:rPr lang="pt-BR" i="1">
-                                <a:latin typeface="Cambria Math" panose="02040503050406030204" pitchFamily="18" charset="0"/>
-                              </a:rPr>
-                            </m:ctrlPr>
-                          </m:dPr>
-                          <m:e>
-                            <m:sSub>
-                              <m:sSubPr>
-                                <m:ctrlPr>
-                                  <a:rPr lang="pt-BR" i="1">
-                                    <a:latin typeface="Cambria Math" panose="02040503050406030204" pitchFamily="18" charset="0"/>
-                                  </a:rPr>
-                                </m:ctrlPr>
-                              </m:sSubPr>
-                              <m:e>
-                                <m:r>
-                                  <a:rPr lang="pt-BR" i="1">
-                                    <a:latin typeface="Cambria Math" panose="02040503050406030204" pitchFamily="18" charset="0"/>
-                                  </a:rPr>
-                                  <m:t>𝑧</m:t>
-                                </m:r>
-                              </m:e>
-                              <m:sub>
-                                <m:r>
-                                  <a:rPr lang="pt-BR" i="1">
-                                    <a:latin typeface="Cambria Math" panose="02040503050406030204" pitchFamily="18" charset="0"/>
-                                  </a:rPr>
-                                  <m:t>𝑗</m:t>
-                                </m:r>
-                              </m:sub>
-                            </m:sSub>
-                          </m:e>
-                        </m:d>
-                      </m:num>
-                      <m:den>
-                        <m:r>
-                          <a:rPr lang="pt-BR" i="1">
-                            <a:latin typeface="Cambria Math" panose="02040503050406030204" pitchFamily="18" charset="0"/>
-                          </a:rPr>
-                          <m:t>𝑑</m:t>
-                        </m:r>
-                        <m:sSub>
-                          <m:sSubPr>
-                            <m:ctrlPr>
-                              <a:rPr lang="pt-BR" i="1">
-                                <a:latin typeface="Cambria Math" panose="02040503050406030204" pitchFamily="18" charset="0"/>
-                              </a:rPr>
-                            </m:ctrlPr>
-                          </m:sSubPr>
-                          <m:e>
-                            <m:r>
-                              <a:rPr lang="pt-BR" i="1">
-                                <a:latin typeface="Cambria Math" panose="02040503050406030204" pitchFamily="18" charset="0"/>
-                              </a:rPr>
-                              <m:t>𝑧</m:t>
-                            </m:r>
-                          </m:e>
-                          <m:sub>
-                            <m:r>
-                              <a:rPr lang="pt-BR" i="1">
-                                <a:latin typeface="Cambria Math" panose="02040503050406030204" pitchFamily="18" charset="0"/>
-                              </a:rPr>
-                              <m:t>𝑗</m:t>
-                            </m:r>
-                          </m:sub>
-                        </m:sSub>
-                      </m:den>
-                    </m:f>
-                    <m:r>
-                      <a:rPr lang="pt-BR" b="0" i="1" smtClean="0">
-                        <a:latin typeface="Cambria Math" panose="02040503050406030204" pitchFamily="18" charset="0"/>
-                      </a:rPr>
-                      <m:t>=</m:t>
-                    </m:r>
-                    <m:r>
-                      <a:rPr lang="pt-BR" b="0" i="1" smtClean="0">
-                        <a:latin typeface="Cambria Math" panose="02040503050406030204" pitchFamily="18" charset="0"/>
-                      </a:rPr>
-                      <m:t>𝑝</m:t>
-                    </m:r>
-                    <m:sSub>
-                      <m:sSubPr>
-                        <m:ctrlPr>
-                          <a:rPr lang="pt-BR" i="1">
-                            <a:latin typeface="Cambria Math" panose="02040503050406030204" pitchFamily="18" charset="0"/>
-                          </a:rPr>
-                        </m:ctrlPr>
-                      </m:sSubPr>
-                      <m:e>
-                        <m:r>
-                          <a:rPr lang="pt-BR" i="1">
-                            <a:latin typeface="Cambria Math" panose="02040503050406030204" pitchFamily="18" charset="0"/>
-                          </a:rPr>
-                          <m:t>𝑦</m:t>
-                        </m:r>
-                      </m:e>
-                      <m:sub>
-                        <m:r>
-                          <a:rPr lang="pt-BR" i="1">
-                            <a:latin typeface="Cambria Math" panose="02040503050406030204" pitchFamily="18" charset="0"/>
-                          </a:rPr>
-                          <m:t>𝑗</m:t>
-                        </m:r>
-                      </m:sub>
-                    </m:sSub>
-                    <m:d>
-                      <m:dPr>
-                        <m:ctrlPr>
-                          <a:rPr lang="pt-BR" i="1" smtClean="0">
-                            <a:latin typeface="Cambria Math" panose="02040503050406030204" pitchFamily="18" charset="0"/>
-                          </a:rPr>
-                        </m:ctrlPr>
-                      </m:dPr>
-                      <m:e>
-                        <m:r>
-                          <a:rPr lang="pt-BR" b="0" i="1" smtClean="0">
-                            <a:latin typeface="Cambria Math" panose="02040503050406030204" pitchFamily="18" charset="0"/>
-                          </a:rPr>
-                          <m:t>1−</m:t>
-                        </m:r>
-                        <m:sSub>
-                          <m:sSubPr>
-                            <m:ctrlPr>
-                              <a:rPr lang="pt-BR" i="1">
-                                <a:latin typeface="Cambria Math" panose="02040503050406030204" pitchFamily="18" charset="0"/>
-                              </a:rPr>
-                            </m:ctrlPr>
-                          </m:sSubPr>
-                          <m:e>
-                            <m:r>
-                              <a:rPr lang="pt-BR" i="1">
-                                <a:latin typeface="Cambria Math" panose="02040503050406030204" pitchFamily="18" charset="0"/>
-                              </a:rPr>
-                              <m:t>𝑦</m:t>
-                            </m:r>
-                          </m:e>
-                          <m:sub>
-                            <m:r>
-                              <a:rPr lang="pt-BR" i="1">
-                                <a:latin typeface="Cambria Math" panose="02040503050406030204" pitchFamily="18" charset="0"/>
-                              </a:rPr>
-                              <m:t>𝑗</m:t>
-                            </m:r>
-                          </m:sub>
-                        </m:sSub>
-                      </m:e>
-                    </m:d>
-                    <m:r>
-                      <a:rPr lang="pt-BR" b="0" i="1" smtClean="0">
-                        <a:latin typeface="Cambria Math" panose="02040503050406030204" pitchFamily="18" charset="0"/>
-                      </a:rPr>
-                      <m:t>&gt;0</m:t>
-                    </m:r>
-                  </m:oMath>
+                  <m:oMathPara xmlns:m="http://schemas.openxmlformats.org/officeDocument/2006/math">
+                    <m:oMathParaPr>
+                      <m:jc m:val="centerGroup"/>
+                    </m:oMathParaPr>
+                    <m:oMath xmlns:m="http://schemas.openxmlformats.org/officeDocument/2006/math">
+                      <m:f>
+                        <m:fPr>
+                          <m:ctrlPr>
+                            <a:rPr lang="pt-BR" i="1" smtClean="0">
+                              <a:latin typeface="Cambria Math" panose="02040503050406030204" pitchFamily="18" charset="0"/>
+                            </a:rPr>
+                          </m:ctrlPr>
+                        </m:fPr>
+                        <m:num>
+                          <m:r>
+                            <a:rPr lang="pt-BR" i="1" smtClean="0">
+                              <a:latin typeface="Cambria Math" panose="02040503050406030204" pitchFamily="18" charset="0"/>
+                            </a:rPr>
+                            <m:t>𝑑</m:t>
+                          </m:r>
+                          <m:sSub>
+                            <m:sSubPr>
+                              <m:ctrlPr>
+                                <a:rPr lang="pt-BR" i="1">
+                                  <a:latin typeface="Cambria Math" panose="02040503050406030204" pitchFamily="18" charset="0"/>
+                                </a:rPr>
+                              </m:ctrlPr>
+                            </m:sSubPr>
+                            <m:e>
+                              <m:r>
+                                <a:rPr lang="pt-BR" i="1">
+                                  <a:latin typeface="Cambria Math" panose="02040503050406030204" pitchFamily="18" charset="0"/>
+                                </a:rPr>
+                                <m:t>𝑦</m:t>
+                              </m:r>
+                            </m:e>
+                            <m:sub>
+                              <m:r>
+                                <a:rPr lang="pt-BR" i="1">
+                                  <a:latin typeface="Cambria Math" panose="02040503050406030204" pitchFamily="18" charset="0"/>
+                                </a:rPr>
+                                <m:t>𝑗</m:t>
+                              </m:r>
+                            </m:sub>
+                          </m:sSub>
+                        </m:num>
+                        <m:den>
+                          <m:r>
+                            <a:rPr lang="pt-BR" i="1" smtClean="0">
+                              <a:latin typeface="Cambria Math" panose="02040503050406030204" pitchFamily="18" charset="0"/>
+                            </a:rPr>
+                            <m:t>𝑑</m:t>
+                          </m:r>
+                          <m:sSub>
+                            <m:sSubPr>
+                              <m:ctrlPr>
+                                <a:rPr lang="pt-BR" i="1">
+                                  <a:latin typeface="Cambria Math" panose="02040503050406030204" pitchFamily="18" charset="0"/>
+                                </a:rPr>
+                              </m:ctrlPr>
+                            </m:sSubPr>
+                            <m:e>
+                              <m:r>
+                                <a:rPr lang="pt-BR" i="1">
+                                  <a:latin typeface="Cambria Math" panose="02040503050406030204" pitchFamily="18" charset="0"/>
+                                </a:rPr>
+                                <m:t>𝑧</m:t>
+                              </m:r>
+                            </m:e>
+                            <m:sub>
+                              <m:r>
+                                <a:rPr lang="pt-BR" i="1">
+                                  <a:latin typeface="Cambria Math" panose="02040503050406030204" pitchFamily="18" charset="0"/>
+                                </a:rPr>
+                                <m:t>𝑗</m:t>
+                              </m:r>
+                            </m:sub>
+                          </m:sSub>
+                        </m:den>
+                      </m:f>
+                      <m:r>
+                        <a:rPr lang="pt-BR" b="0" i="1" smtClean="0">
+                          <a:latin typeface="Cambria Math" panose="02040503050406030204" pitchFamily="18" charset="0"/>
+                        </a:rPr>
+                        <m:t>=</m:t>
+                      </m:r>
+                      <m:f>
+                        <m:fPr>
+                          <m:ctrlPr>
+                            <a:rPr lang="pt-BR" i="1">
+                              <a:latin typeface="Cambria Math" panose="02040503050406030204" pitchFamily="18" charset="0"/>
+                            </a:rPr>
+                          </m:ctrlPr>
+                        </m:fPr>
+                        <m:num>
+                          <m:r>
+                            <a:rPr lang="pt-BR" i="1">
+                              <a:latin typeface="Cambria Math" panose="02040503050406030204" pitchFamily="18" charset="0"/>
+                            </a:rPr>
+                            <m:t>𝑑𝑓</m:t>
+                          </m:r>
+                          <m:d>
+                            <m:dPr>
+                              <m:ctrlPr>
+                                <a:rPr lang="pt-BR" i="1">
+                                  <a:latin typeface="Cambria Math" panose="02040503050406030204" pitchFamily="18" charset="0"/>
+                                </a:rPr>
+                              </m:ctrlPr>
+                            </m:dPr>
+                            <m:e>
+                              <m:sSub>
+                                <m:sSubPr>
+                                  <m:ctrlPr>
+                                    <a:rPr lang="pt-BR" i="1">
+                                      <a:latin typeface="Cambria Math" panose="02040503050406030204" pitchFamily="18" charset="0"/>
+                                    </a:rPr>
+                                  </m:ctrlPr>
+                                </m:sSubPr>
+                                <m:e>
+                                  <m:r>
+                                    <a:rPr lang="pt-BR" i="1">
+                                      <a:latin typeface="Cambria Math" panose="02040503050406030204" pitchFamily="18" charset="0"/>
+                                    </a:rPr>
+                                    <m:t>𝑧</m:t>
+                                  </m:r>
+                                </m:e>
+                                <m:sub>
+                                  <m:r>
+                                    <a:rPr lang="pt-BR" i="1">
+                                      <a:latin typeface="Cambria Math" panose="02040503050406030204" pitchFamily="18" charset="0"/>
+                                    </a:rPr>
+                                    <m:t>𝑗</m:t>
+                                  </m:r>
+                                </m:sub>
+                              </m:sSub>
+                            </m:e>
+                          </m:d>
+                        </m:num>
+                        <m:den>
+                          <m:r>
+                            <a:rPr lang="pt-BR" i="1">
+                              <a:latin typeface="Cambria Math" panose="02040503050406030204" pitchFamily="18" charset="0"/>
+                            </a:rPr>
+                            <m:t>𝑑</m:t>
+                          </m:r>
+                          <m:sSub>
+                            <m:sSubPr>
+                              <m:ctrlPr>
+                                <a:rPr lang="pt-BR" i="1">
+                                  <a:latin typeface="Cambria Math" panose="02040503050406030204" pitchFamily="18" charset="0"/>
+                                </a:rPr>
+                              </m:ctrlPr>
+                            </m:sSubPr>
+                            <m:e>
+                              <m:r>
+                                <a:rPr lang="pt-BR" i="1">
+                                  <a:latin typeface="Cambria Math" panose="02040503050406030204" pitchFamily="18" charset="0"/>
+                                </a:rPr>
+                                <m:t>𝑧</m:t>
+                              </m:r>
+                            </m:e>
+                            <m:sub>
+                              <m:r>
+                                <a:rPr lang="pt-BR" i="1">
+                                  <a:latin typeface="Cambria Math" panose="02040503050406030204" pitchFamily="18" charset="0"/>
+                                </a:rPr>
+                                <m:t>𝑗</m:t>
+                              </m:r>
+                            </m:sub>
+                          </m:sSub>
+                        </m:den>
+                      </m:f>
+                      <m:r>
+                        <a:rPr lang="pt-BR" b="0" i="1" smtClean="0">
+                          <a:latin typeface="Cambria Math" panose="02040503050406030204" pitchFamily="18" charset="0"/>
+                        </a:rPr>
+                        <m:t>=</m:t>
+                      </m:r>
+                      <m:sSub>
+                        <m:sSubPr>
+                          <m:ctrlPr>
+                            <a:rPr lang="pt-BR" i="1">
+                              <a:latin typeface="Cambria Math" panose="02040503050406030204" pitchFamily="18" charset="0"/>
+                            </a:rPr>
+                          </m:ctrlPr>
+                        </m:sSubPr>
+                        <m:e>
+                          <m:r>
+                            <a:rPr lang="pt-BR" i="1">
+                              <a:latin typeface="Cambria Math" panose="02040503050406030204" pitchFamily="18" charset="0"/>
+                            </a:rPr>
+                            <m:t>𝑦</m:t>
+                          </m:r>
+                        </m:e>
+                        <m:sub>
+                          <m:r>
+                            <a:rPr lang="pt-BR" i="1">
+                              <a:latin typeface="Cambria Math" panose="02040503050406030204" pitchFamily="18" charset="0"/>
+                            </a:rPr>
+                            <m:t>𝑗</m:t>
+                          </m:r>
+                        </m:sub>
+                      </m:sSub>
+                      <m:d>
+                        <m:dPr>
+                          <m:ctrlPr>
+                            <a:rPr lang="pt-BR" i="1" smtClean="0">
+                              <a:latin typeface="Cambria Math" panose="02040503050406030204" pitchFamily="18" charset="0"/>
+                            </a:rPr>
+                          </m:ctrlPr>
+                        </m:dPr>
+                        <m:e>
+                          <m:r>
+                            <a:rPr lang="pt-BR" b="0" i="1" smtClean="0">
+                              <a:latin typeface="Cambria Math" panose="02040503050406030204" pitchFamily="18" charset="0"/>
+                            </a:rPr>
+                            <m:t>1−</m:t>
+                          </m:r>
+                          <m:sSub>
+                            <m:sSubPr>
+                              <m:ctrlPr>
+                                <a:rPr lang="pt-BR" i="1">
+                                  <a:latin typeface="Cambria Math" panose="02040503050406030204" pitchFamily="18" charset="0"/>
+                                </a:rPr>
+                              </m:ctrlPr>
+                            </m:sSubPr>
+                            <m:e>
+                              <m:r>
+                                <a:rPr lang="pt-BR" i="1">
+                                  <a:latin typeface="Cambria Math" panose="02040503050406030204" pitchFamily="18" charset="0"/>
+                                </a:rPr>
+                                <m:t>𝑦</m:t>
+                              </m:r>
+                            </m:e>
+                            <m:sub>
+                              <m:r>
+                                <a:rPr lang="pt-BR" i="1">
+                                  <a:latin typeface="Cambria Math" panose="02040503050406030204" pitchFamily="18" charset="0"/>
+                                </a:rPr>
+                                <m:t>𝑗</m:t>
+                              </m:r>
+                            </m:sub>
+                          </m:sSub>
+                        </m:e>
+                      </m:d>
+                      <m:r>
+                        <a:rPr lang="pt-BR" b="0" i="1" smtClean="0">
+                          <a:latin typeface="Cambria Math" panose="02040503050406030204" pitchFamily="18" charset="0"/>
+                        </a:rPr>
+                        <m:t>&gt;0</m:t>
+                      </m:r>
+                      <m:r>
+                        <a:rPr lang="pt-BR" b="0" i="0" smtClean="0">
+                          <a:latin typeface="Cambria Math" panose="02040503050406030204" pitchFamily="18" charset="0"/>
+                        </a:rPr>
+                        <m:t>.</m:t>
+                      </m:r>
+                    </m:oMath>
+                  </m:oMathPara>
                 </a14:m>
-                <a:r>
-                  <a:rPr lang="pt-BR" dirty="0"/>
-                  <a:t>,</a:t>
-                </a:r>
+                <a:endParaRPr lang="pt-BR" dirty="0"/>
               </a:p>
               <a:p>
-                <a:pPr marL="0" indent="0">
-                  <a:buNone/>
-                </a:pPr>
+                <a:r>
+                  <a:rPr lang="pt-BR" dirty="0" smtClean="0"/>
+                  <a:t>A </a:t>
+                </a:r>
                 <a:r>
                   <a:rPr lang="pt-BR" dirty="0"/>
-                  <a:t>onde </a:t>
-                </a:r>
-                <a14:m>
-                  <m:oMath xmlns:m="http://schemas.openxmlformats.org/officeDocument/2006/math">
-                    <m:r>
-                      <a:rPr lang="pt-BR" b="0" i="1" smtClean="0">
-                        <a:latin typeface="Cambria Math" panose="02040503050406030204" pitchFamily="18" charset="0"/>
-                      </a:rPr>
-                      <m:t>𝑝</m:t>
-                    </m:r>
-                  </m:oMath>
-                </a14:m>
-                <a:r>
-                  <a:rPr lang="pt-BR" dirty="0"/>
-                  <a:t> é o </a:t>
-                </a:r>
-                <a:r>
-                  <a:rPr lang="pt-BR" b="1" i="1" dirty="0"/>
-                  <a:t>fator de suavização </a:t>
-                </a:r>
-                <a:r>
-                  <a:rPr lang="pt-BR" dirty="0"/>
-                  <a:t>da função de ativação logística.</a:t>
-                </a:r>
-              </a:p>
-              <a:p>
-                <a:r>
-                  <a:rPr lang="pt-BR" dirty="0"/>
-                  <a:t>A derivada </a:t>
+                  <a:t>derivada </a:t>
                 </a:r>
                 <a:r>
                   <a:rPr lang="pt-BR" dirty="0" smtClean="0"/>
@@ -14628,7 +16630,7 @@
             </p:txBody>
           </p:sp>
         </mc:Choice>
-        <mc:Fallback xmlns="">
+        <mc:Fallback>
           <p:sp>
             <p:nvSpPr>
               <p:cNvPr id="3" name="Content Placeholder 2"/>
@@ -14647,7 +16649,7 @@
               <a:blipFill rotWithShape="0">
                 <a:blip r:embed="rId3"/>
                 <a:stretch>
-                  <a:fillRect l="-977" t="-2358" r="-434" b="-354"/>
+                  <a:fillRect l="-869" t="-1769" r="-434"/>
                 </a:stretch>
               </a:blipFill>
             </p:spPr>
@@ -14725,8 +16727,8 @@
           </a:p>
         </p:txBody>
       </p:sp>
-      <mc:AlternateContent xmlns:mc="http://schemas.openxmlformats.org/markup-compatibility/2006" xmlns:a14="http://schemas.microsoft.com/office/drawing/2010/main">
-        <mc:Choice Requires="a14">
+      <mc:AlternateContent xmlns:mc="http://schemas.openxmlformats.org/markup-compatibility/2006">
+        <mc:Choice xmlns:a14="http://schemas.microsoft.com/office/drawing/2010/main" Requires="a14">
           <p:sp>
             <p:nvSpPr>
               <p:cNvPr id="3" name="Content Placeholder 2"/>
@@ -14737,7 +16739,12 @@
                 <p:ph idx="1"/>
               </p:nvPr>
             </p:nvSpPr>
-            <p:spPr/>
+            <p:spPr>
+              <a:xfrm>
+                <a:off x="838200" y="1825625"/>
+                <a:ext cx="11010900" cy="4351338"/>
+              </a:xfrm>
+            </p:spPr>
             <p:txBody>
               <a:bodyPr/>
               <a:lstStyle/>
@@ -14752,52 +16759,68 @@
                 </a:r>
                 <a:r>
                   <a:rPr lang="pt-BR" dirty="0"/>
-                  <a:t> e sua derivada para alguns valores do </a:t>
-                </a:r>
-                <a:r>
-                  <a:rPr lang="pt-BR" b="1" i="1" dirty="0"/>
-                  <a:t>fator de suavização </a:t>
+                  <a:t> e sua derivada </a:t>
+                </a:r>
+                <a:r>
+                  <a:rPr lang="pt-BR" dirty="0" smtClean="0"/>
+                  <a:t>são </a:t>
                 </a:r>
                 <a:r>
                   <a:rPr lang="pt-BR" dirty="0"/>
-                  <a:t>são mostradas nas figuras ao </a:t>
+                  <a:t>mostradas nas figuras </a:t>
                 </a:r>
                 <a:r>
                   <a:rPr lang="pt-BR" dirty="0" smtClean="0"/>
-                  <a:t>lado.</a:t>
+                  <a:t>abaixo.</a:t>
                 </a:r>
               </a:p>
               <a:p>
-                <a:pPr lvl="1">
-                  <a:buFont typeface="Wingdings" panose="05000000000000000000" pitchFamily="2" charset="2"/>
-                  <a:buChar char="§"/>
-                </a:pPr>
                 <a:r>
                   <a:rPr lang="pt-BR" dirty="0" smtClean="0"/>
-                  <a:t>Normalmente, se utiliza </a:t>
+                  <a:t>Percebam que o valor da derivada, </a:t>
                 </a:r>
                 <a14:m>
                   <m:oMath xmlns:m="http://schemas.openxmlformats.org/officeDocument/2006/math">
-                    <m:r>
-                      <a:rPr lang="pt-BR" i="1">
-                        <a:latin typeface="Cambria Math" panose="02040503050406030204" pitchFamily="18" charset="0"/>
-                      </a:rPr>
-                      <m:t>𝑝</m:t>
-                    </m:r>
                     <m:r>
                       <a:rPr lang="pt-BR" b="0" i="1" smtClean="0">
                         <a:latin typeface="Cambria Math" panose="02040503050406030204" pitchFamily="18" charset="0"/>
                       </a:rPr>
-                      <m:t>=1.</m:t>
+                      <m:t>𝑑</m:t>
                     </m:r>
                   </m:oMath>
                 </a14:m>
-                <a:endParaRPr lang="pt-BR" dirty="0"/>
+                <a:r>
+                  <a:rPr lang="pt-BR" dirty="0" smtClean="0"/>
+                  <a:t>, sempre será menor do que 1.</a:t>
+                </a:r>
+              </a:p>
+              <a:p>
+                <a:r>
+                  <a:rPr lang="pt-BR" dirty="0" smtClean="0"/>
+                  <a:t>Na sequência, veremos que isso causa um problema </a:t>
+                </a:r>
+                <a:r>
+                  <a:rPr lang="pt-BR" dirty="0" smtClean="0"/>
+                  <a:t>no </a:t>
+                </a:r>
+                <a:r>
+                  <a:rPr lang="pt-BR" dirty="0"/>
+                  <a:t>a</a:t>
+                </a:r>
+                <a:r>
+                  <a:rPr lang="pt-BR" dirty="0" smtClean="0"/>
+                  <a:t>prendizado de </a:t>
+                </a:r>
+                <a:r>
+                  <a:rPr lang="pt-BR" dirty="0" smtClean="0"/>
+                  <a:t>redes com muitas camadas, i.e., redes profundas.</a:t>
+                </a:r>
+                <a:endParaRPr lang="pt-BR" dirty="0" smtClean="0"/>
               </a:p>
             </p:txBody>
           </p:sp>
         </mc:Choice>
-        <mc:Fallback xmlns="">
+        <mc:Fallback>
           <p:sp>
             <p:nvSpPr>
               <p:cNvPr id="3" name="Content Placeholder 2"/>
@@ -14809,10 +16832,14 @@
               </p:nvPr>
             </p:nvSpPr>
             <p:spPr>
+              <a:xfrm>
+                <a:off x="838200" y="1825625"/>
+                <a:ext cx="11010900" cy="4351338"/>
+              </a:xfrm>
               <a:blipFill rotWithShape="0">
                 <a:blip r:embed="rId2"/>
                 <a:stretch>
-                  <a:fillRect l="-1043" t="-2241"/>
+                  <a:fillRect l="-997" t="-2241"/>
                 </a:stretch>
               </a:blipFill>
             </p:spPr>
@@ -14839,7 +16866,7 @@
         </p:nvSpPr>
         <p:spPr>
           <a:xfrm>
-            <a:off x="2203450" y="6435391"/>
+            <a:off x="1342550" y="6431882"/>
             <a:ext cx="3619500" cy="369332"/>
           </a:xfrm>
           <a:prstGeom prst="rect">
@@ -14873,7 +16900,7 @@
         </p:nvSpPr>
         <p:spPr>
           <a:xfrm>
-            <a:off x="6413500" y="6406260"/>
+            <a:off x="7242650" y="6431882"/>
             <a:ext cx="3594100" cy="369332"/>
           </a:xfrm>
           <a:prstGeom prst="rect">
@@ -14899,205 +16926,24 @@
           </a:p>
         </p:txBody>
       </p:sp>
-      <mc:AlternateContent xmlns:mc="http://schemas.openxmlformats.org/markup-compatibility/2006" xmlns:a14="http://schemas.microsoft.com/office/drawing/2010/main">
-        <mc:Choice Requires="a14">
-          <p:sp>
-            <p:nvSpPr>
-              <p:cNvPr id="6" name="TextBox 5"/>
-              <p:cNvSpPr txBox="1"/>
-              <p:nvPr/>
-            </p:nvSpPr>
-            <p:spPr>
-              <a:xfrm>
-                <a:off x="164976" y="3879897"/>
-                <a:ext cx="2032969" cy="830997"/>
-              </a:xfrm>
-              <a:prstGeom prst="rect">
-                <a:avLst/>
-              </a:prstGeom>
-              <a:noFill/>
-            </p:spPr>
-            <p:txBody>
-              <a:bodyPr wrap="square" rtlCol="0">
-                <a:spAutoFit/>
-              </a:bodyPr>
-              <a:lstStyle/>
-              <a:p>
-                <a:pPr algn="ctr"/>
-                <a:r>
-                  <a:rPr lang="pt-BR" sz="1600" b="1" dirty="0" smtClean="0"/>
-                  <a:t>OBS</a:t>
-                </a:r>
-                <a:r>
-                  <a:rPr lang="pt-BR" sz="1600" dirty="0" smtClean="0"/>
-                  <a:t>.: Quanto maior </a:t>
-                </a:r>
-                <a14:m>
-                  <m:oMath xmlns:m="http://schemas.openxmlformats.org/officeDocument/2006/math">
-                    <m:r>
-                      <a:rPr lang="pt-BR" sz="1600" i="1">
-                        <a:latin typeface="Cambria Math" panose="02040503050406030204" pitchFamily="18" charset="0"/>
-                      </a:rPr>
-                      <m:t>𝑝</m:t>
-                    </m:r>
-                  </m:oMath>
-                </a14:m>
-                <a:r>
-                  <a:rPr lang="pt-BR" sz="1600" dirty="0" smtClean="0"/>
-                  <a:t>, mais próxima ela fica da função degrau.</a:t>
-                </a:r>
-                <a:endParaRPr lang="pt-BR" sz="1600" dirty="0"/>
-              </a:p>
-            </p:txBody>
-          </p:sp>
-        </mc:Choice>
-        <mc:Fallback xmlns="">
-          <p:sp>
-            <p:nvSpPr>
-              <p:cNvPr id="6" name="TextBox 5"/>
-              <p:cNvSpPr txBox="1">
-                <a:spLocks noRot="1" noChangeAspect="1" noMove="1" noResize="1" noEditPoints="1" noAdjustHandles="1" noChangeArrowheads="1" noChangeShapeType="1" noTextEdit="1"/>
-              </p:cNvSpPr>
-              <p:nvPr/>
-            </p:nvSpPr>
-            <p:spPr>
-              <a:xfrm>
-                <a:off x="164976" y="3879897"/>
-                <a:ext cx="2032969" cy="830997"/>
-              </a:xfrm>
-              <a:prstGeom prst="rect">
-                <a:avLst/>
-              </a:prstGeom>
-              <a:blipFill rotWithShape="0">
-                <a:blip r:embed="rId3"/>
-                <a:stretch>
-                  <a:fillRect l="-599" t="-2190" r="-599" b="-8029"/>
-                </a:stretch>
-              </a:blipFill>
-            </p:spPr>
-            <p:txBody>
-              <a:bodyPr/>
-              <a:lstStyle/>
-              <a:p>
-                <a:r>
-                  <a:rPr lang="pt-BR">
-                    <a:noFill/>
-                  </a:rPr>
-                  <a:t> </a:t>
-                </a:r>
-              </a:p>
-            </p:txBody>
-          </p:sp>
-        </mc:Fallback>
-      </mc:AlternateContent>
-      <mc:AlternateContent xmlns:mc="http://schemas.openxmlformats.org/markup-compatibility/2006" xmlns:a14="http://schemas.microsoft.com/office/drawing/2010/main">
-        <mc:Choice Requires="a14">
-          <p:sp>
-            <p:nvSpPr>
-              <p:cNvPr id="12" name="TextBox 11"/>
-              <p:cNvSpPr txBox="1"/>
-              <p:nvPr/>
-            </p:nvSpPr>
-            <p:spPr>
-              <a:xfrm>
-                <a:off x="10002837" y="4269025"/>
-                <a:ext cx="2013918" cy="923330"/>
-              </a:xfrm>
-              <a:prstGeom prst="rect">
-                <a:avLst/>
-              </a:prstGeom>
-              <a:noFill/>
-            </p:spPr>
-            <p:txBody>
-              <a:bodyPr wrap="square" rtlCol="0">
-                <a:spAutoFit/>
-              </a:bodyPr>
-              <a:lstStyle/>
-              <a:p>
-                <a:pPr algn="ctr"/>
-                <a:r>
-                  <a:rPr lang="pt-BR" b="1" dirty="0" smtClean="0"/>
-                  <a:t>OBS</a:t>
-                </a:r>
-                <a:r>
-                  <a:rPr lang="pt-BR" dirty="0" smtClean="0"/>
-                  <a:t>.: tende ao impulso conforme </a:t>
-                </a:r>
-                <a14:m>
-                  <m:oMath xmlns:m="http://schemas.openxmlformats.org/officeDocument/2006/math">
-                    <m:r>
-                      <a:rPr lang="pt-BR" i="1">
-                        <a:latin typeface="Cambria Math" panose="02040503050406030204" pitchFamily="18" charset="0"/>
-                      </a:rPr>
-                      <m:t>𝑝</m:t>
-                    </m:r>
-                  </m:oMath>
-                </a14:m>
-                <a:r>
-                  <a:rPr lang="pt-BR" dirty="0" smtClean="0"/>
-                  <a:t> aumenta.</a:t>
-                </a:r>
-                <a:endParaRPr lang="pt-BR" dirty="0"/>
-              </a:p>
-            </p:txBody>
-          </p:sp>
-        </mc:Choice>
-        <mc:Fallback xmlns="">
-          <p:sp>
-            <p:nvSpPr>
-              <p:cNvPr id="12" name="TextBox 11"/>
-              <p:cNvSpPr txBox="1">
-                <a:spLocks noRot="1" noChangeAspect="1" noMove="1" noResize="1" noEditPoints="1" noAdjustHandles="1" noChangeArrowheads="1" noChangeShapeType="1" noTextEdit="1"/>
-              </p:cNvSpPr>
-              <p:nvPr/>
-            </p:nvSpPr>
-            <p:spPr>
-              <a:xfrm>
-                <a:off x="10002837" y="4269025"/>
-                <a:ext cx="2013918" cy="923330"/>
-              </a:xfrm>
-              <a:prstGeom prst="rect">
-                <a:avLst/>
-              </a:prstGeom>
-              <a:blipFill rotWithShape="0">
-                <a:blip r:embed="rId4"/>
-                <a:stretch>
-                  <a:fillRect t="-3289" r="-909" b="-9211"/>
-                </a:stretch>
-              </a:blipFill>
-            </p:spPr>
-            <p:txBody>
-              <a:bodyPr/>
-              <a:lstStyle/>
-              <a:p>
-                <a:r>
-                  <a:rPr lang="pt-BR">
-                    <a:noFill/>
-                  </a:rPr>
-                  <a:t> </a:t>
-                </a:r>
-              </a:p>
-            </p:txBody>
-          </p:sp>
-        </mc:Fallback>
-      </mc:AlternateContent>
       <p:pic>
         <p:nvPicPr>
-          <p:cNvPr id="9" name="Picture 8"/>
+          <p:cNvPr id="15" name="Imagem 14"/>
           <p:cNvPicPr>
             <a:picLocks noChangeAspect="1"/>
           </p:cNvPicPr>
           <p:nvPr/>
         </p:nvPicPr>
-        <p:blipFill rotWithShape="1">
-          <a:blip r:embed="rId5"/>
-          <a:srcRect l="5507" t="6094" r="8403" b="2572"/>
-          <a:stretch/>
+        <p:blipFill>
+          <a:blip r:embed="rId3"/>
+          <a:stretch>
+            <a:fillRect/>
+          </a:stretch>
         </p:blipFill>
         <p:spPr>
           <a:xfrm>
-            <a:off x="6368268" y="3084252"/>
-            <a:ext cx="3634569" cy="3351140"/>
+            <a:off x="1342550" y="3726781"/>
+            <a:ext cx="3656650" cy="2742488"/>
           </a:xfrm>
           <a:prstGeom prst="rect">
             <a:avLst/>
@@ -15106,63 +16952,28 @@
       </p:pic>
       <p:pic>
         <p:nvPicPr>
-          <p:cNvPr id="13" name="Picture 12"/>
+          <p:cNvPr id="16" name="Imagem 15"/>
           <p:cNvPicPr>
             <a:picLocks noChangeAspect="1"/>
           </p:cNvPicPr>
           <p:nvPr/>
         </p:nvPicPr>
-        <p:blipFill rotWithShape="1">
-          <a:blip r:embed="rId6"/>
-          <a:srcRect l="6493" t="5542" r="8751" b="3126"/>
-          <a:stretch/>
+        <p:blipFill>
+          <a:blip r:embed="rId4"/>
+          <a:stretch>
+            <a:fillRect/>
+          </a:stretch>
         </p:blipFill>
         <p:spPr>
           <a:xfrm>
-            <a:off x="2186514" y="3084252"/>
-            <a:ext cx="3630868" cy="3400431"/>
+            <a:off x="7205500" y="3726781"/>
+            <a:ext cx="3606800" cy="2705101"/>
           </a:xfrm>
           <a:prstGeom prst="rect">
             <a:avLst/>
           </a:prstGeom>
         </p:spPr>
       </p:pic>
-      <p:cxnSp>
-        <p:nvCxnSpPr>
-          <p:cNvPr id="10" name="Straight Arrow Connector 9"/>
-          <p:cNvCxnSpPr/>
-          <p:nvPr/>
-        </p:nvCxnSpPr>
-        <p:spPr>
-          <a:xfrm flipV="1">
-            <a:off x="2043338" y="3708850"/>
-            <a:ext cx="2187699" cy="600163"/>
-          </a:xfrm>
-          <a:prstGeom prst="straightConnector1">
-            <a:avLst/>
-          </a:prstGeom>
-          <a:ln>
-            <a:solidFill>
-              <a:srgbClr val="FF0000"/>
-            </a:solidFill>
-            <a:tailEnd type="triangle"/>
-          </a:ln>
-        </p:spPr>
-        <p:style>
-          <a:lnRef idx="1">
-            <a:schemeClr val="accent1"/>
-          </a:lnRef>
-          <a:fillRef idx="0">
-            <a:schemeClr val="accent1"/>
-          </a:fillRef>
-          <a:effectRef idx="0">
-            <a:schemeClr val="accent1"/>
-          </a:effectRef>
-          <a:fontRef idx="minor">
-            <a:schemeClr val="tx1"/>
-          </a:fontRef>
-        </p:style>
-      </p:cxnSp>
     </p:spTree>
     <p:extLst>
       <p:ext uri="{BB962C8B-B14F-4D97-AF65-F5344CB8AC3E}">
@@ -15227,8 +17038,8 @@
           </a:p>
         </p:txBody>
       </p:sp>
-      <mc:AlternateContent xmlns:mc="http://schemas.openxmlformats.org/markup-compatibility/2006" xmlns:a14="http://schemas.microsoft.com/office/drawing/2010/main">
-        <mc:Choice Requires="a14">
+      <mc:AlternateContent xmlns:mc="http://schemas.openxmlformats.org/markup-compatibility/2006">
+        <mc:Choice xmlns:a14="http://schemas.microsoft.com/office/drawing/2010/main" Requires="a14">
           <p:sp>
             <p:nvSpPr>
               <p:cNvPr id="3" name="Content Placeholder 2"/>
@@ -15247,7 +17058,7 @@
             </p:spPr>
             <p:txBody>
               <a:bodyPr>
-                <a:normAutofit fontScale="77500" lnSpcReduction="20000"/>
+                <a:normAutofit fontScale="85000" lnSpcReduction="20000"/>
               </a:bodyPr>
               <a:lstStyle/>
               <a:p>
@@ -15382,12 +17193,6 @@
                               </m:ctrlPr>
                             </m:dPr>
                             <m:e>
-                              <m:r>
-                                <a:rPr lang="pt-BR" i="1">
-                                  <a:latin typeface="Cambria Math" panose="02040503050406030204" pitchFamily="18" charset="0"/>
-                                </a:rPr>
-                                <m:t>𝑝</m:t>
-                              </m:r>
                               <m:sSub>
                                 <m:sSubPr>
                                   <m:ctrlPr>
@@ -15449,12 +17254,6 @@
                               </m:r>
                             </m:e>
                             <m:sup>
-                              <m:r>
-                                <a:rPr lang="pt-BR" i="1">
-                                  <a:latin typeface="Cambria Math" panose="02040503050406030204" pitchFamily="18" charset="0"/>
-                                </a:rPr>
-                                <m:t>𝑝</m:t>
-                              </m:r>
                               <m:sSub>
                                 <m:sSubPr>
                                   <m:ctrlPr>
@@ -15511,12 +17310,6 @@
                                 </a:rPr>
                                 <m:t>−</m:t>
                               </m:r>
-                              <m:r>
-                                <a:rPr lang="pt-BR" i="1">
-                                  <a:latin typeface="Cambria Math" panose="02040503050406030204" pitchFamily="18" charset="0"/>
-                                </a:rPr>
-                                <m:t>𝑝</m:t>
-                              </m:r>
                               <m:sSub>
                                 <m:sSubPr>
                                   <m:ctrlPr>
@@ -15563,12 +17356,6 @@
                               </m:r>
                             </m:e>
                             <m:sup>
-                              <m:r>
-                                <a:rPr lang="pt-BR" i="1">
-                                  <a:latin typeface="Cambria Math" panose="02040503050406030204" pitchFamily="18" charset="0"/>
-                                </a:rPr>
-                                <m:t>𝑝</m:t>
-                              </m:r>
                               <m:sSub>
                                 <m:sSubPr>
                                   <m:ctrlPr>
@@ -15625,12 +17412,6 @@
                                 </a:rPr>
                                 <m:t>−</m:t>
                               </m:r>
-                              <m:r>
-                                <a:rPr lang="pt-BR" i="1">
-                                  <a:latin typeface="Cambria Math" panose="02040503050406030204" pitchFamily="18" charset="0"/>
-                                </a:rPr>
-                                <m:t>𝑝</m:t>
-                              </m:r>
                               <m:sSub>
                                 <m:sSubPr>
                                   <m:ctrlPr>
@@ -15683,313 +17464,289 @@
                   <a:buNone/>
                 </a:pPr>
                 <a14:m>
-                  <m:oMath xmlns:m="http://schemas.openxmlformats.org/officeDocument/2006/math">
-                    <m:f>
-                      <m:fPr>
-                        <m:ctrlPr>
-                          <a:rPr lang="pt-BR" i="1">
-                            <a:latin typeface="Cambria Math" panose="02040503050406030204" pitchFamily="18" charset="0"/>
-                          </a:rPr>
-                        </m:ctrlPr>
-                      </m:fPr>
-                      <m:num>
-                        <m:r>
-                          <a:rPr lang="pt-BR" i="1">
-                            <a:latin typeface="Cambria Math" panose="02040503050406030204" pitchFamily="18" charset="0"/>
-                          </a:rPr>
-                          <m:t>𝑑</m:t>
-                        </m:r>
-                        <m:sSub>
-                          <m:sSubPr>
-                            <m:ctrlPr>
-                              <a:rPr lang="pt-BR" i="1">
-                                <a:latin typeface="Cambria Math" panose="02040503050406030204" pitchFamily="18" charset="0"/>
-                              </a:rPr>
-                            </m:ctrlPr>
-                          </m:sSubPr>
-                          <m:e>
-                            <m:r>
-                              <a:rPr lang="pt-BR" i="1">
-                                <a:latin typeface="Cambria Math" panose="02040503050406030204" pitchFamily="18" charset="0"/>
-                              </a:rPr>
-                              <m:t>𝑦</m:t>
-                            </m:r>
-                          </m:e>
-                          <m:sub>
-                            <m:r>
-                              <a:rPr lang="pt-BR" i="1">
-                                <a:latin typeface="Cambria Math" panose="02040503050406030204" pitchFamily="18" charset="0"/>
-                              </a:rPr>
-                              <m:t>𝑗</m:t>
-                            </m:r>
-                          </m:sub>
-                        </m:sSub>
-                      </m:num>
-                      <m:den>
-                        <m:r>
-                          <a:rPr lang="pt-BR" i="1">
-                            <a:latin typeface="Cambria Math" panose="02040503050406030204" pitchFamily="18" charset="0"/>
-                          </a:rPr>
-                          <m:t>𝑑</m:t>
-                        </m:r>
-                        <m:sSub>
-                          <m:sSubPr>
-                            <m:ctrlPr>
-                              <a:rPr lang="pt-BR" i="1">
-                                <a:latin typeface="Cambria Math" panose="02040503050406030204" pitchFamily="18" charset="0"/>
-                              </a:rPr>
-                            </m:ctrlPr>
-                          </m:sSubPr>
-                          <m:e>
-                            <m:r>
-                              <a:rPr lang="pt-BR" i="1">
-                                <a:latin typeface="Cambria Math" panose="02040503050406030204" pitchFamily="18" charset="0"/>
-                              </a:rPr>
-                              <m:t>𝑧</m:t>
-                            </m:r>
-                          </m:e>
-                          <m:sub>
-                            <m:r>
-                              <a:rPr lang="pt-BR" i="1">
-                                <a:latin typeface="Cambria Math" panose="02040503050406030204" pitchFamily="18" charset="0"/>
-                              </a:rPr>
-                              <m:t>𝑗</m:t>
-                            </m:r>
-                          </m:sub>
-                        </m:sSub>
-                      </m:den>
-                    </m:f>
-                    <m:r>
-                      <a:rPr lang="pt-BR" b="0" i="1" smtClean="0">
-                        <a:latin typeface="Cambria Math" panose="02040503050406030204" pitchFamily="18" charset="0"/>
-                      </a:rPr>
-                      <m:t>=</m:t>
-                    </m:r>
-                    <m:f>
-                      <m:fPr>
-                        <m:ctrlPr>
-                          <a:rPr lang="pt-BR" i="1">
-                            <a:latin typeface="Cambria Math" panose="02040503050406030204" pitchFamily="18" charset="0"/>
-                          </a:rPr>
-                        </m:ctrlPr>
-                      </m:fPr>
-                      <m:num>
-                        <m:r>
-                          <a:rPr lang="pt-BR" i="1">
-                            <a:latin typeface="Cambria Math" panose="02040503050406030204" pitchFamily="18" charset="0"/>
-                          </a:rPr>
-                          <m:t>𝑑𝑓</m:t>
-                        </m:r>
-                        <m:d>
-                          <m:dPr>
-                            <m:ctrlPr>
-                              <a:rPr lang="pt-BR" i="1">
-                                <a:latin typeface="Cambria Math" panose="02040503050406030204" pitchFamily="18" charset="0"/>
-                              </a:rPr>
-                            </m:ctrlPr>
-                          </m:dPr>
-                          <m:e>
-                            <m:sSub>
-                              <m:sSubPr>
-                                <m:ctrlPr>
-                                  <a:rPr lang="pt-BR" i="1">
-                                    <a:latin typeface="Cambria Math" panose="02040503050406030204" pitchFamily="18" charset="0"/>
-                                  </a:rPr>
-                                </m:ctrlPr>
-                              </m:sSubPr>
-                              <m:e>
-                                <m:r>
-                                  <a:rPr lang="pt-BR" i="1">
-                                    <a:latin typeface="Cambria Math" panose="02040503050406030204" pitchFamily="18" charset="0"/>
-                                  </a:rPr>
-                                  <m:t>𝑧</m:t>
-                                </m:r>
-                              </m:e>
-                              <m:sub>
-                                <m:r>
-                                  <a:rPr lang="pt-BR" i="1">
-                                    <a:latin typeface="Cambria Math" panose="02040503050406030204" pitchFamily="18" charset="0"/>
-                                  </a:rPr>
-                                  <m:t>𝑗</m:t>
-                                </m:r>
-                              </m:sub>
-                            </m:sSub>
-                          </m:e>
-                        </m:d>
-                      </m:num>
-                      <m:den>
-                        <m:r>
-                          <a:rPr lang="pt-BR" i="1">
-                            <a:latin typeface="Cambria Math" panose="02040503050406030204" pitchFamily="18" charset="0"/>
-                          </a:rPr>
-                          <m:t>𝑑</m:t>
-                        </m:r>
-                        <m:sSub>
-                          <m:sSubPr>
-                            <m:ctrlPr>
-                              <a:rPr lang="pt-BR" i="1">
-                                <a:latin typeface="Cambria Math" panose="02040503050406030204" pitchFamily="18" charset="0"/>
-                              </a:rPr>
-                            </m:ctrlPr>
-                          </m:sSubPr>
-                          <m:e>
-                            <m:r>
-                              <a:rPr lang="pt-BR" i="1">
-                                <a:latin typeface="Cambria Math" panose="02040503050406030204" pitchFamily="18" charset="0"/>
-                              </a:rPr>
-                              <m:t>𝑧</m:t>
-                            </m:r>
-                          </m:e>
-                          <m:sub>
-                            <m:r>
-                              <a:rPr lang="pt-BR" i="1">
-                                <a:latin typeface="Cambria Math" panose="02040503050406030204" pitchFamily="18" charset="0"/>
-                              </a:rPr>
-                              <m:t>𝑗</m:t>
-                            </m:r>
-                          </m:sub>
-                        </m:sSub>
-                      </m:den>
-                    </m:f>
-                    <m:r>
-                      <a:rPr lang="pt-BR" i="1">
-                        <a:latin typeface="Cambria Math" panose="02040503050406030204" pitchFamily="18" charset="0"/>
-                      </a:rPr>
-                      <m:t>=</m:t>
-                    </m:r>
-                    <m:r>
-                      <a:rPr lang="pt-BR" i="1">
-                        <a:latin typeface="Cambria Math" panose="02040503050406030204" pitchFamily="18" charset="0"/>
-                      </a:rPr>
-                      <m:t>𝑝</m:t>
-                    </m:r>
-                    <m:d>
-                      <m:dPr>
-                        <m:ctrlPr>
-                          <a:rPr lang="pt-BR" i="1">
-                            <a:latin typeface="Cambria Math" panose="02040503050406030204" pitchFamily="18" charset="0"/>
-                          </a:rPr>
-                        </m:ctrlPr>
-                      </m:dPr>
-                      <m:e>
-                        <m:r>
-                          <a:rPr lang="pt-BR" i="1">
-                            <a:latin typeface="Cambria Math" panose="02040503050406030204" pitchFamily="18" charset="0"/>
-                          </a:rPr>
-                          <m:t>1−</m:t>
-                        </m:r>
-                        <m:sSup>
-                          <m:sSupPr>
-                            <m:ctrlPr>
-                              <a:rPr lang="pt-BR" i="1" smtClean="0">
-                                <a:latin typeface="Cambria Math" panose="02040503050406030204" pitchFamily="18" charset="0"/>
-                              </a:rPr>
-                            </m:ctrlPr>
-                          </m:sSupPr>
-                          <m:e>
-                            <m:r>
-                              <m:rPr>
-                                <m:sty m:val="p"/>
-                              </m:rPr>
-                              <a:rPr lang="pt-BR" b="0" i="0" smtClean="0">
-                                <a:latin typeface="Cambria Math" panose="02040503050406030204" pitchFamily="18" charset="0"/>
-                              </a:rPr>
-                              <m:t>tanh</m:t>
-                            </m:r>
-                          </m:e>
-                          <m:sup>
-                            <m:r>
-                              <a:rPr lang="pt-BR" b="0" i="1" smtClean="0">
-                                <a:latin typeface="Cambria Math" panose="02040503050406030204" pitchFamily="18" charset="0"/>
-                              </a:rPr>
-                              <m:t>2</m:t>
-                            </m:r>
-                          </m:sup>
-                        </m:sSup>
-                        <m:d>
-                          <m:dPr>
-                            <m:ctrlPr>
-                              <a:rPr lang="pt-BR" i="1" smtClean="0">
-                                <a:latin typeface="Cambria Math" panose="02040503050406030204" pitchFamily="18" charset="0"/>
-                              </a:rPr>
-                            </m:ctrlPr>
-                          </m:dPr>
-                          <m:e>
-                            <m:r>
-                              <a:rPr lang="pt-BR" b="0" i="1" smtClean="0">
-                                <a:latin typeface="Cambria Math" panose="02040503050406030204" pitchFamily="18" charset="0"/>
-                              </a:rPr>
-                              <m:t>𝑝</m:t>
-                            </m:r>
-                            <m:sSub>
-                              <m:sSubPr>
-                                <m:ctrlPr>
-                                  <a:rPr lang="pt-BR" i="1">
-                                    <a:latin typeface="Cambria Math" panose="02040503050406030204" pitchFamily="18" charset="0"/>
-                                  </a:rPr>
-                                </m:ctrlPr>
-                              </m:sSubPr>
-                              <m:e>
-                                <m:r>
-                                  <a:rPr lang="pt-BR" i="1">
-                                    <a:latin typeface="Cambria Math" panose="02040503050406030204" pitchFamily="18" charset="0"/>
-                                  </a:rPr>
-                                  <m:t>𝑧</m:t>
-                                </m:r>
-                              </m:e>
-                              <m:sub>
-                                <m:r>
-                                  <a:rPr lang="pt-BR" i="1">
-                                    <a:latin typeface="Cambria Math" panose="02040503050406030204" pitchFamily="18" charset="0"/>
-                                  </a:rPr>
-                                  <m:t>𝑗</m:t>
-                                </m:r>
-                              </m:sub>
-                            </m:sSub>
-                          </m:e>
-                        </m:d>
-                      </m:e>
-                    </m:d>
-                    <m:r>
-                      <a:rPr lang="pt-BR" i="1">
-                        <a:latin typeface="Cambria Math" panose="02040503050406030204" pitchFamily="18" charset="0"/>
-                      </a:rPr>
-                      <m:t>&gt;0</m:t>
-                    </m:r>
-                  </m:oMath>
+                  <m:oMathPara xmlns:m="http://schemas.openxmlformats.org/officeDocument/2006/math">
+                    <m:oMathParaPr>
+                      <m:jc m:val="centerGroup"/>
+                    </m:oMathParaPr>
+                    <m:oMath xmlns:m="http://schemas.openxmlformats.org/officeDocument/2006/math">
+                      <m:f>
+                        <m:fPr>
+                          <m:ctrlPr>
+                            <a:rPr lang="pt-BR" i="1">
+                              <a:latin typeface="Cambria Math" panose="02040503050406030204" pitchFamily="18" charset="0"/>
+                            </a:rPr>
+                          </m:ctrlPr>
+                        </m:fPr>
+                        <m:num>
+                          <m:r>
+                            <a:rPr lang="pt-BR" i="1">
+                              <a:latin typeface="Cambria Math" panose="02040503050406030204" pitchFamily="18" charset="0"/>
+                            </a:rPr>
+                            <m:t>𝑑</m:t>
+                          </m:r>
+                          <m:sSub>
+                            <m:sSubPr>
+                              <m:ctrlPr>
+                                <a:rPr lang="pt-BR" i="1">
+                                  <a:latin typeface="Cambria Math" panose="02040503050406030204" pitchFamily="18" charset="0"/>
+                                </a:rPr>
+                              </m:ctrlPr>
+                            </m:sSubPr>
+                            <m:e>
+                              <m:r>
+                                <a:rPr lang="pt-BR" i="1">
+                                  <a:latin typeface="Cambria Math" panose="02040503050406030204" pitchFamily="18" charset="0"/>
+                                </a:rPr>
+                                <m:t>𝑦</m:t>
+                              </m:r>
+                            </m:e>
+                            <m:sub>
+                              <m:r>
+                                <a:rPr lang="pt-BR" i="1">
+                                  <a:latin typeface="Cambria Math" panose="02040503050406030204" pitchFamily="18" charset="0"/>
+                                </a:rPr>
+                                <m:t>𝑗</m:t>
+                              </m:r>
+                            </m:sub>
+                          </m:sSub>
+                        </m:num>
+                        <m:den>
+                          <m:r>
+                            <a:rPr lang="pt-BR" i="1">
+                              <a:latin typeface="Cambria Math" panose="02040503050406030204" pitchFamily="18" charset="0"/>
+                            </a:rPr>
+                            <m:t>𝑑</m:t>
+                          </m:r>
+                          <m:sSub>
+                            <m:sSubPr>
+                              <m:ctrlPr>
+                                <a:rPr lang="pt-BR" i="1">
+                                  <a:latin typeface="Cambria Math" panose="02040503050406030204" pitchFamily="18" charset="0"/>
+                                </a:rPr>
+                              </m:ctrlPr>
+                            </m:sSubPr>
+                            <m:e>
+                              <m:r>
+                                <a:rPr lang="pt-BR" i="1">
+                                  <a:latin typeface="Cambria Math" panose="02040503050406030204" pitchFamily="18" charset="0"/>
+                                </a:rPr>
+                                <m:t>𝑧</m:t>
+                              </m:r>
+                            </m:e>
+                            <m:sub>
+                              <m:r>
+                                <a:rPr lang="pt-BR" i="1">
+                                  <a:latin typeface="Cambria Math" panose="02040503050406030204" pitchFamily="18" charset="0"/>
+                                </a:rPr>
+                                <m:t>𝑗</m:t>
+                              </m:r>
+                            </m:sub>
+                          </m:sSub>
+                        </m:den>
+                      </m:f>
+                      <m:r>
+                        <a:rPr lang="pt-BR" b="0" i="1" smtClean="0">
+                          <a:latin typeface="Cambria Math" panose="02040503050406030204" pitchFamily="18" charset="0"/>
+                        </a:rPr>
+                        <m:t>=</m:t>
+                      </m:r>
+                      <m:f>
+                        <m:fPr>
+                          <m:ctrlPr>
+                            <a:rPr lang="pt-BR" i="1">
+                              <a:latin typeface="Cambria Math" panose="02040503050406030204" pitchFamily="18" charset="0"/>
+                            </a:rPr>
+                          </m:ctrlPr>
+                        </m:fPr>
+                        <m:num>
+                          <m:r>
+                            <a:rPr lang="pt-BR" i="1">
+                              <a:latin typeface="Cambria Math" panose="02040503050406030204" pitchFamily="18" charset="0"/>
+                            </a:rPr>
+                            <m:t>𝑑𝑓</m:t>
+                          </m:r>
+                          <m:d>
+                            <m:dPr>
+                              <m:ctrlPr>
+                                <a:rPr lang="pt-BR" i="1">
+                                  <a:latin typeface="Cambria Math" panose="02040503050406030204" pitchFamily="18" charset="0"/>
+                                </a:rPr>
+                              </m:ctrlPr>
+                            </m:dPr>
+                            <m:e>
+                              <m:sSub>
+                                <m:sSubPr>
+                                  <m:ctrlPr>
+                                    <a:rPr lang="pt-BR" i="1">
+                                      <a:latin typeface="Cambria Math" panose="02040503050406030204" pitchFamily="18" charset="0"/>
+                                    </a:rPr>
+                                  </m:ctrlPr>
+                                </m:sSubPr>
+                                <m:e>
+                                  <m:r>
+                                    <a:rPr lang="pt-BR" i="1">
+                                      <a:latin typeface="Cambria Math" panose="02040503050406030204" pitchFamily="18" charset="0"/>
+                                    </a:rPr>
+                                    <m:t>𝑧</m:t>
+                                  </m:r>
+                                </m:e>
+                                <m:sub>
+                                  <m:r>
+                                    <a:rPr lang="pt-BR" i="1">
+                                      <a:latin typeface="Cambria Math" panose="02040503050406030204" pitchFamily="18" charset="0"/>
+                                    </a:rPr>
+                                    <m:t>𝑗</m:t>
+                                  </m:r>
+                                </m:sub>
+                              </m:sSub>
+                            </m:e>
+                          </m:d>
+                        </m:num>
+                        <m:den>
+                          <m:r>
+                            <a:rPr lang="pt-BR" i="1">
+                              <a:latin typeface="Cambria Math" panose="02040503050406030204" pitchFamily="18" charset="0"/>
+                            </a:rPr>
+                            <m:t>𝑑</m:t>
+                          </m:r>
+                          <m:sSub>
+                            <m:sSubPr>
+                              <m:ctrlPr>
+                                <a:rPr lang="pt-BR" i="1">
+                                  <a:latin typeface="Cambria Math" panose="02040503050406030204" pitchFamily="18" charset="0"/>
+                                </a:rPr>
+                              </m:ctrlPr>
+                            </m:sSubPr>
+                            <m:e>
+                              <m:r>
+                                <a:rPr lang="pt-BR" i="1">
+                                  <a:latin typeface="Cambria Math" panose="02040503050406030204" pitchFamily="18" charset="0"/>
+                                </a:rPr>
+                                <m:t>𝑧</m:t>
+                              </m:r>
+                            </m:e>
+                            <m:sub>
+                              <m:r>
+                                <a:rPr lang="pt-BR" i="1">
+                                  <a:latin typeface="Cambria Math" panose="02040503050406030204" pitchFamily="18" charset="0"/>
+                                </a:rPr>
+                                <m:t>𝑗</m:t>
+                              </m:r>
+                            </m:sub>
+                          </m:sSub>
+                        </m:den>
+                      </m:f>
+                      <m:r>
+                        <a:rPr lang="pt-BR" i="1">
+                          <a:latin typeface="Cambria Math" panose="02040503050406030204" pitchFamily="18" charset="0"/>
+                        </a:rPr>
+                        <m:t>=</m:t>
+                      </m:r>
+                      <m:r>
+                        <a:rPr lang="pt-BR" i="1">
+                          <a:latin typeface="Cambria Math" panose="02040503050406030204" pitchFamily="18" charset="0"/>
+                        </a:rPr>
+                        <m:t>1−</m:t>
+                      </m:r>
+                      <m:sSup>
+                        <m:sSupPr>
+                          <m:ctrlPr>
+                            <a:rPr lang="pt-BR" i="1">
+                              <a:latin typeface="Cambria Math" panose="02040503050406030204" pitchFamily="18" charset="0"/>
+                            </a:rPr>
+                          </m:ctrlPr>
+                        </m:sSupPr>
+                        <m:e>
+                          <m:r>
+                            <m:rPr>
+                              <m:sty m:val="p"/>
+                            </m:rPr>
+                            <a:rPr lang="pt-BR">
+                              <a:latin typeface="Cambria Math" panose="02040503050406030204" pitchFamily="18" charset="0"/>
+                            </a:rPr>
+                            <m:t>tanh</m:t>
+                          </m:r>
+                        </m:e>
+                        <m:sup>
+                          <m:r>
+                            <a:rPr lang="pt-BR" i="1">
+                              <a:latin typeface="Cambria Math" panose="02040503050406030204" pitchFamily="18" charset="0"/>
+                            </a:rPr>
+                            <m:t>2</m:t>
+                          </m:r>
+                        </m:sup>
+                      </m:sSup>
+                      <m:d>
+                        <m:dPr>
+                          <m:ctrlPr>
+                            <a:rPr lang="pt-BR" i="1">
+                              <a:latin typeface="Cambria Math" panose="02040503050406030204" pitchFamily="18" charset="0"/>
+                            </a:rPr>
+                          </m:ctrlPr>
+                        </m:dPr>
+                        <m:e>
+                          <m:sSub>
+                            <m:sSubPr>
+                              <m:ctrlPr>
+                                <a:rPr lang="pt-BR" i="1">
+                                  <a:latin typeface="Cambria Math" panose="02040503050406030204" pitchFamily="18" charset="0"/>
+                                </a:rPr>
+                              </m:ctrlPr>
+                            </m:sSubPr>
+                            <m:e>
+                              <m:r>
+                                <a:rPr lang="pt-BR" i="1">
+                                  <a:latin typeface="Cambria Math" panose="02040503050406030204" pitchFamily="18" charset="0"/>
+                                </a:rPr>
+                                <m:t>𝑧</m:t>
+                              </m:r>
+                            </m:e>
+                            <m:sub>
+                              <m:r>
+                                <a:rPr lang="pt-BR" i="1">
+                                  <a:latin typeface="Cambria Math" panose="02040503050406030204" pitchFamily="18" charset="0"/>
+                                </a:rPr>
+                                <m:t>𝑗</m:t>
+                              </m:r>
+                            </m:sub>
+                          </m:sSub>
+                        </m:e>
+                      </m:d>
+                      <m:r>
+                        <a:rPr lang="pt-BR" i="1">
+                          <a:latin typeface="Cambria Math" panose="02040503050406030204" pitchFamily="18" charset="0"/>
+                        </a:rPr>
+                        <m:t>&gt;0</m:t>
+                      </m:r>
+                      <m:r>
+                        <a:rPr lang="pt-BR" b="0" i="0" smtClean="0">
+                          <a:latin typeface="Cambria Math" panose="02040503050406030204" pitchFamily="18" charset="0"/>
+                        </a:rPr>
+                        <m:t>.</m:t>
+                      </m:r>
+                    </m:oMath>
+                  </m:oMathPara>
                 </a14:m>
-                <a:r>
-                  <a:rPr lang="pt-BR" dirty="0"/>
-                  <a:t>,</a:t>
-                </a:r>
+                <a:endParaRPr lang="pt-BR" dirty="0"/>
               </a:p>
               <a:p>
-                <a:pPr marL="0" indent="0">
-                  <a:buNone/>
-                </a:pPr>
+                <a:r>
+                  <a:rPr lang="pt-BR" dirty="0" smtClean="0"/>
+                  <a:t>A função </a:t>
+                </a:r>
                 <a:r>
                   <a:rPr lang="pt-BR" dirty="0"/>
-                  <a:t>onde mais uma vez, o parâmetro </a:t>
-                </a:r>
-                <a14:m>
-                  <m:oMath xmlns:m="http://schemas.openxmlformats.org/officeDocument/2006/math">
-                    <m:r>
-                      <a:rPr lang="pt-BR" i="1">
-                        <a:latin typeface="Cambria Math" panose="02040503050406030204" pitchFamily="18" charset="0"/>
-                      </a:rPr>
-                      <m:t>𝑝</m:t>
-                    </m:r>
-                  </m:oMath>
-                </a14:m>
-                <a:r>
-                  <a:rPr lang="pt-BR" dirty="0"/>
-                  <a:t> controla a suavidade da função. Essa função e sua derivada são mostradas nas figuras abaixo.</a:t>
+                  <a:t>e sua derivada são mostradas nas figuras abaixo</a:t>
+                </a:r>
+                <a:r>
+                  <a:rPr lang="pt-BR" dirty="0" smtClean="0"/>
+                  <a:t>.</a:t>
                 </a:r>
               </a:p>
             </p:txBody>
           </p:sp>
         </mc:Choice>
-        <mc:Fallback xmlns="">
+        <mc:Fallback>
           <p:sp>
             <p:nvSpPr>
               <p:cNvPr id="3" name="Content Placeholder 2"/>
@@ -16008,7 +17765,7 @@
               <a:blipFill rotWithShape="0">
                 <a:blip r:embed="rId3"/>
                 <a:stretch>
-                  <a:fillRect l="-711" t="-4988" b="-713"/>
+                  <a:fillRect l="-765" t="-5463" b="-4988"/>
                 </a:stretch>
               </a:blipFill>
             </p:spPr>
@@ -16029,21 +17786,22 @@
       </mc:AlternateContent>
       <p:pic>
         <p:nvPicPr>
-          <p:cNvPr id="5" name="Picture 4"/>
+          <p:cNvPr id="4" name="Imagem 3"/>
           <p:cNvPicPr>
             <a:picLocks noChangeAspect="1"/>
           </p:cNvPicPr>
           <p:nvPr/>
         </p:nvPicPr>
-        <p:blipFill rotWithShape="1">
+        <p:blipFill>
           <a:blip r:embed="rId4"/>
-          <a:srcRect l="5868" t="6027" r="8632" b="1975"/>
-          <a:stretch/>
+          <a:stretch>
+            <a:fillRect/>
+          </a:stretch>
         </p:blipFill>
         <p:spPr>
           <a:xfrm>
-            <a:off x="6517826" y="3848100"/>
-            <a:ext cx="3218600" cy="3009899"/>
+            <a:off x="838200" y="3941962"/>
+            <a:ext cx="3882075" cy="2911556"/>
           </a:xfrm>
           <a:prstGeom prst="rect">
             <a:avLst/>
@@ -16052,39 +17810,108 @@
       </p:pic>
       <p:pic>
         <p:nvPicPr>
-          <p:cNvPr id="9" name="Picture 8"/>
+          <p:cNvPr id="10" name="Imagem 9"/>
           <p:cNvPicPr>
             <a:picLocks noChangeAspect="1"/>
           </p:cNvPicPr>
           <p:nvPr/>
         </p:nvPicPr>
-        <p:blipFill rotWithShape="1">
+        <p:blipFill>
           <a:blip r:embed="rId5"/>
-          <a:srcRect l="5979" t="6028" r="8719" b="2639"/>
-          <a:stretch/>
+          <a:stretch>
+            <a:fillRect/>
+          </a:stretch>
         </p:blipFill>
         <p:spPr>
           <a:xfrm>
-            <a:off x="2323118" y="3862562"/>
-            <a:ext cx="3234518" cy="3009899"/>
+            <a:off x="7465750" y="3918924"/>
+            <a:ext cx="3888050" cy="2916038"/>
           </a:xfrm>
           <a:prstGeom prst="rect">
             <a:avLst/>
           </a:prstGeom>
         </p:spPr>
       </p:pic>
-      <mc:AlternateContent xmlns:mc="http://schemas.openxmlformats.org/markup-compatibility/2006" xmlns:a14="http://schemas.microsoft.com/office/drawing/2010/main">
-        <mc:Choice Requires="a14">
+      <p:sp>
+        <p:nvSpPr>
+          <p:cNvPr id="7" name="Rectangle 6"/>
+          <p:cNvSpPr/>
+          <p:nvPr/>
+        </p:nvSpPr>
+        <p:spPr>
+          <a:xfrm>
+            <a:off x="8008138" y="4243251"/>
+            <a:ext cx="1313824" cy="923330"/>
+          </a:xfrm>
+          <a:prstGeom prst="rect">
+            <a:avLst/>
+          </a:prstGeom>
+        </p:spPr>
+        <p:txBody>
+          <a:bodyPr wrap="square">
+            <a:spAutoFit/>
+          </a:bodyPr>
+          <a:lstStyle/>
+          <a:p>
+            <a:pPr algn="ctr"/>
+            <a:r>
+              <a:rPr lang="pt-BR" dirty="0"/>
+              <a:t>Derivada da Tangente </a:t>
+            </a:r>
+            <a:r>
+              <a:rPr lang="pt-BR" dirty="0" smtClean="0"/>
+              <a:t>Hiperbólica</a:t>
+            </a:r>
+            <a:endParaRPr lang="pt-BR" dirty="0"/>
+          </a:p>
+        </p:txBody>
+      </p:sp>
+      <p:sp>
+        <p:nvSpPr>
+          <p:cNvPr id="6" name="Rectangle 5"/>
+          <p:cNvSpPr/>
+          <p:nvPr/>
+        </p:nvSpPr>
+        <p:spPr>
+          <a:xfrm>
+            <a:off x="1218479" y="4208545"/>
+            <a:ext cx="1718234" cy="923330"/>
+          </a:xfrm>
+          <a:prstGeom prst="rect">
+            <a:avLst/>
+          </a:prstGeom>
+        </p:spPr>
+        <p:txBody>
+          <a:bodyPr wrap="square">
+            <a:spAutoFit/>
+          </a:bodyPr>
+          <a:lstStyle/>
+          <a:p>
+            <a:pPr algn="ctr"/>
+            <a:r>
+              <a:rPr lang="pt-BR" dirty="0"/>
+              <a:t>Função Tangente </a:t>
+            </a:r>
+            <a:r>
+              <a:rPr lang="pt-BR" dirty="0" smtClean="0"/>
+              <a:t>Hiperbólica</a:t>
+            </a:r>
+            <a:endParaRPr lang="pt-BR" dirty="0"/>
+          </a:p>
+        </p:txBody>
+      </p:sp>
+      <mc:AlternateContent xmlns:mc="http://schemas.openxmlformats.org/markup-compatibility/2006">
+        <mc:Choice xmlns:a14="http://schemas.microsoft.com/office/drawing/2010/main" Requires="a14">
           <p:sp>
             <p:nvSpPr>
-              <p:cNvPr id="8" name="TextBox 7"/>
+              <p:cNvPr id="13" name="CaixaDeTexto 12"/>
               <p:cNvSpPr txBox="1"/>
               <p:nvPr/>
             </p:nvSpPr>
             <p:spPr>
               <a:xfrm>
-                <a:off x="132291" y="5353049"/>
-                <a:ext cx="2032969" cy="1323439"/>
+                <a:off x="9714019" y="2862049"/>
+                <a:ext cx="2049356" cy="738664"/>
               </a:xfrm>
               <a:prstGeom prst="rect">
                 <a:avLst/>
@@ -16099,52 +17926,32 @@
               <a:p>
                 <a:pPr algn="ctr"/>
                 <a:r>
-                  <a:rPr lang="pt-BR" sz="1600" b="1" dirty="0" smtClean="0"/>
-                  <a:t>OBS</a:t>
-                </a:r>
-                <a:r>
-                  <a:rPr lang="pt-BR" sz="1600" dirty="0" smtClean="0"/>
-                  <a:t>.: Quanto maior </a:t>
+                  <a:rPr lang="pt-BR" sz="1400" dirty="0" smtClean="0"/>
+                  <a:t>A derivada é no máximo igual a 1 quando </a:t>
                 </a:r>
                 <a14:m>
                   <m:oMath xmlns:m="http://schemas.openxmlformats.org/officeDocument/2006/math">
                     <m:r>
-                      <a:rPr lang="pt-BR" sz="1600" i="1">
+                      <a:rPr lang="pt-BR" sz="1400" b="0" i="1" smtClean="0">
                         <a:latin typeface="Cambria Math" panose="02040503050406030204" pitchFamily="18" charset="0"/>
                       </a:rPr>
-                      <m:t>𝑝</m:t>
+                      <m:t>𝑧</m:t>
                     </m:r>
                   </m:oMath>
                 </a14:m>
                 <a:r>
-                  <a:rPr lang="pt-BR" sz="1600" dirty="0" smtClean="0"/>
-                  <a:t>, mais próxima ela fica da função degrau. Porém, normalmente, se usa </a:t>
-                </a:r>
-                <a14:m>
-                  <m:oMath xmlns:m="http://schemas.openxmlformats.org/officeDocument/2006/math">
-                    <m:r>
-                      <a:rPr lang="pt-BR" sz="1600" i="1">
-                        <a:latin typeface="Cambria Math" panose="02040503050406030204" pitchFamily="18" charset="0"/>
-                      </a:rPr>
-                      <m:t>𝑝</m:t>
-                    </m:r>
-                    <m:r>
-                      <a:rPr lang="pt-BR" sz="1600" b="0" i="1" smtClean="0">
-                        <a:latin typeface="Cambria Math" panose="02040503050406030204" pitchFamily="18" charset="0"/>
-                      </a:rPr>
-                      <m:t>=1.</m:t>
-                    </m:r>
-                  </m:oMath>
-                </a14:m>
-                <a:endParaRPr lang="pt-BR" sz="1600" dirty="0"/>
+                  <a:rPr lang="pt-BR" sz="1400" dirty="0" smtClean="0"/>
+                  <a:t> é exatamente igual a 0. </a:t>
+                </a:r>
+                <a:endParaRPr lang="pt-BR" sz="1400" dirty="0"/>
               </a:p>
             </p:txBody>
           </p:sp>
         </mc:Choice>
-        <mc:Fallback xmlns="">
+        <mc:Fallback>
           <p:sp>
             <p:nvSpPr>
-              <p:cNvPr id="8" name="TextBox 7"/>
+              <p:cNvPr id="13" name="CaixaDeTexto 12"/>
               <p:cNvSpPr txBox="1">
                 <a:spLocks noRot="1" noChangeAspect="1" noMove="1" noResize="1" noEditPoints="1" noAdjustHandles="1" noChangeArrowheads="1" noChangeShapeType="1" noTextEdit="1"/>
               </p:cNvSpPr>
@@ -16152,8 +17959,8 @@
             </p:nvSpPr>
             <p:spPr>
               <a:xfrm>
-                <a:off x="132291" y="5353049"/>
-                <a:ext cx="2032969" cy="1323439"/>
+                <a:off x="9714019" y="2862049"/>
+                <a:ext cx="2049356" cy="738664"/>
               </a:xfrm>
               <a:prstGeom prst="rect">
                 <a:avLst/>
@@ -16161,7 +17968,7 @@
               <a:blipFill rotWithShape="0">
                 <a:blip r:embed="rId6"/>
                 <a:stretch>
-                  <a:fillRect l="-901" t="-1382" r="-3303" b="-5069"/>
+                  <a:fillRect t="-820" b="-7377"/>
                 </a:stretch>
               </a:blipFill>
             </p:spPr>
@@ -16182,14 +17989,16 @@
       </mc:AlternateContent>
       <p:cxnSp>
         <p:nvCxnSpPr>
-          <p:cNvPr id="11" name="Straight Arrow Connector 10"/>
-          <p:cNvCxnSpPr/>
+          <p:cNvPr id="15" name="Conector de seta reta 14"/>
+          <p:cNvCxnSpPr>
+            <a:stCxn id="13" idx="2"/>
+          </p:cNvCxnSpPr>
           <p:nvPr/>
         </p:nvCxnSpPr>
         <p:spPr>
-          <a:xfrm flipV="1">
-            <a:off x="2077753" y="4704572"/>
-            <a:ext cx="2001878" cy="1272535"/>
+          <a:xfrm flipH="1">
+            <a:off x="9505951" y="3600713"/>
+            <a:ext cx="1232746" cy="452254"/>
           </a:xfrm>
           <a:prstGeom prst="straightConnector1">
             <a:avLst/>
@@ -16216,165 +18025,6 @@
           </a:fontRef>
         </p:style>
       </p:cxnSp>
-      <mc:AlternateContent xmlns:mc="http://schemas.openxmlformats.org/markup-compatibility/2006" xmlns:a14="http://schemas.microsoft.com/office/drawing/2010/main">
-        <mc:Choice Requires="a14">
-          <p:sp>
-            <p:nvSpPr>
-              <p:cNvPr id="12" name="TextBox 11"/>
-              <p:cNvSpPr txBox="1"/>
-              <p:nvPr/>
-            </p:nvSpPr>
-            <p:spPr>
-              <a:xfrm>
-                <a:off x="9825973" y="5226196"/>
-                <a:ext cx="2013918" cy="830997"/>
-              </a:xfrm>
-              <a:prstGeom prst="rect">
-                <a:avLst/>
-              </a:prstGeom>
-              <a:noFill/>
-            </p:spPr>
-            <p:txBody>
-              <a:bodyPr wrap="square" rtlCol="0">
-                <a:spAutoFit/>
-              </a:bodyPr>
-              <a:lstStyle/>
-              <a:p>
-                <a:pPr algn="ctr"/>
-                <a:r>
-                  <a:rPr lang="pt-BR" sz="1600" b="1" dirty="0" smtClean="0"/>
-                  <a:t>OBS</a:t>
-                </a:r>
-                <a:r>
-                  <a:rPr lang="pt-BR" sz="1600" dirty="0" smtClean="0"/>
-                  <a:t>.: tende ao impulso conforme </a:t>
-                </a:r>
-                <a14:m>
-                  <m:oMath xmlns:m="http://schemas.openxmlformats.org/officeDocument/2006/math">
-                    <m:r>
-                      <a:rPr lang="pt-BR" sz="1600" i="1">
-                        <a:latin typeface="Cambria Math" panose="02040503050406030204" pitchFamily="18" charset="0"/>
-                      </a:rPr>
-                      <m:t>𝑝</m:t>
-                    </m:r>
-                  </m:oMath>
-                </a14:m>
-                <a:r>
-                  <a:rPr lang="pt-BR" sz="1600" dirty="0" smtClean="0"/>
-                  <a:t> aumenta.</a:t>
-                </a:r>
-                <a:endParaRPr lang="pt-BR" sz="1600" dirty="0"/>
-              </a:p>
-            </p:txBody>
-          </p:sp>
-        </mc:Choice>
-        <mc:Fallback xmlns="">
-          <p:sp>
-            <p:nvSpPr>
-              <p:cNvPr id="12" name="TextBox 11"/>
-              <p:cNvSpPr txBox="1">
-                <a:spLocks noRot="1" noChangeAspect="1" noMove="1" noResize="1" noEditPoints="1" noAdjustHandles="1" noChangeArrowheads="1" noChangeShapeType="1" noTextEdit="1"/>
-              </p:cNvSpPr>
-              <p:nvPr/>
-            </p:nvSpPr>
-            <p:spPr>
-              <a:xfrm>
-                <a:off x="9825973" y="5226196"/>
-                <a:ext cx="2013918" cy="830997"/>
-              </a:xfrm>
-              <a:prstGeom prst="rect">
-                <a:avLst/>
-              </a:prstGeom>
-              <a:blipFill rotWithShape="0">
-                <a:blip r:embed="rId7"/>
-                <a:stretch>
-                  <a:fillRect t="-2190" b="-8029"/>
-                </a:stretch>
-              </a:blipFill>
-            </p:spPr>
-            <p:txBody>
-              <a:bodyPr/>
-              <a:lstStyle/>
-              <a:p>
-                <a:r>
-                  <a:rPr lang="pt-BR">
-                    <a:noFill/>
-                  </a:rPr>
-                  <a:t> </a:t>
-                </a:r>
-              </a:p>
-            </p:txBody>
-          </p:sp>
-        </mc:Fallback>
-      </mc:AlternateContent>
-      <p:sp>
-        <p:nvSpPr>
-          <p:cNvPr id="6" name="Rectangle 5"/>
-          <p:cNvSpPr/>
-          <p:nvPr/>
-        </p:nvSpPr>
-        <p:spPr>
-          <a:xfrm>
-            <a:off x="2436963" y="3909399"/>
-            <a:ext cx="1718234" cy="923330"/>
-          </a:xfrm>
-          <a:prstGeom prst="rect">
-            <a:avLst/>
-          </a:prstGeom>
-        </p:spPr>
-        <p:txBody>
-          <a:bodyPr wrap="square">
-            <a:spAutoFit/>
-          </a:bodyPr>
-          <a:lstStyle/>
-          <a:p>
-            <a:pPr algn="ctr"/>
-            <a:r>
-              <a:rPr lang="pt-BR" dirty="0"/>
-              <a:t>Função Tangente </a:t>
-            </a:r>
-            <a:r>
-              <a:rPr lang="pt-BR" dirty="0" smtClean="0"/>
-              <a:t>Hiperbólica</a:t>
-            </a:r>
-            <a:endParaRPr lang="pt-BR" dirty="0"/>
-          </a:p>
-        </p:txBody>
-      </p:sp>
-      <p:sp>
-        <p:nvSpPr>
-          <p:cNvPr id="7" name="Rectangle 6"/>
-          <p:cNvSpPr/>
-          <p:nvPr/>
-        </p:nvSpPr>
-        <p:spPr>
-          <a:xfrm>
-            <a:off x="6786926" y="3908116"/>
-            <a:ext cx="1313824" cy="923330"/>
-          </a:xfrm>
-          <a:prstGeom prst="rect">
-            <a:avLst/>
-          </a:prstGeom>
-        </p:spPr>
-        <p:txBody>
-          <a:bodyPr wrap="square">
-            <a:spAutoFit/>
-          </a:bodyPr>
-          <a:lstStyle/>
-          <a:p>
-            <a:pPr algn="ctr"/>
-            <a:r>
-              <a:rPr lang="pt-BR" dirty="0"/>
-              <a:t>Derivada da Tangente </a:t>
-            </a:r>
-            <a:r>
-              <a:rPr lang="pt-BR" dirty="0" smtClean="0"/>
-              <a:t>Hiperbólica</a:t>
-            </a:r>
-            <a:endParaRPr lang="pt-BR" dirty="0"/>
-          </a:p>
-        </p:txBody>
-      </p:sp>
     </p:spTree>
     <p:extLst>
       <p:ext uri="{BB962C8B-B14F-4D97-AF65-F5344CB8AC3E}">

--- a/slides/T320_Redes_Neurais_Artificiais (Parte II).pptx
+++ b/slides/T320_Redes_Neurais_Artificiais (Parte II).pptx
@@ -5,7 +5,7 @@
     <p:sldMasterId id="2147483648" r:id="rId1"/>
   </p:sldMasterIdLst>
   <p:notesMasterIdLst>
-    <p:notesMasterId r:id="rId27"/>
+    <p:notesMasterId r:id="rId28"/>
   </p:notesMasterIdLst>
   <p:sldIdLst>
     <p:sldId id="300" r:id="rId2"/>
@@ -20,19 +20,20 @@
     <p:sldId id="356" r:id="rId11"/>
     <p:sldId id="358" r:id="rId12"/>
     <p:sldId id="359" r:id="rId13"/>
-    <p:sldId id="311" r:id="rId14"/>
-    <p:sldId id="312" r:id="rId15"/>
-    <p:sldId id="360" r:id="rId16"/>
-    <p:sldId id="313" r:id="rId17"/>
-    <p:sldId id="314" r:id="rId18"/>
-    <p:sldId id="315" r:id="rId19"/>
-    <p:sldId id="316" r:id="rId20"/>
-    <p:sldId id="364" r:id="rId21"/>
-    <p:sldId id="363" r:id="rId22"/>
-    <p:sldId id="269" r:id="rId23"/>
-    <p:sldId id="303" r:id="rId24"/>
-    <p:sldId id="271" r:id="rId25"/>
-    <p:sldId id="365" r:id="rId26"/>
+    <p:sldId id="367" r:id="rId14"/>
+    <p:sldId id="311" r:id="rId15"/>
+    <p:sldId id="312" r:id="rId16"/>
+    <p:sldId id="360" r:id="rId17"/>
+    <p:sldId id="313" r:id="rId18"/>
+    <p:sldId id="314" r:id="rId19"/>
+    <p:sldId id="315" r:id="rId20"/>
+    <p:sldId id="316" r:id="rId21"/>
+    <p:sldId id="364" r:id="rId22"/>
+    <p:sldId id="363" r:id="rId23"/>
+    <p:sldId id="269" r:id="rId24"/>
+    <p:sldId id="303" r:id="rId25"/>
+    <p:sldId id="271" r:id="rId26"/>
+    <p:sldId id="365" r:id="rId27"/>
   </p:sldIdLst>
   <p:sldSz cx="12192000" cy="6858000"/>
   <p:notesSz cx="6858000" cy="9144000"/>
@@ -570,7 +571,7 @@
           <a:bodyPr/>
           <a:lstStyle/>
           <a:p>
-            <a:endParaRPr lang="pt-BR" baseline="0" dirty="0" smtClean="0"/>
+            <a:endParaRPr lang="pt-BR" baseline="0" dirty="0"/>
           </a:p>
         </p:txBody>
       </p:sp>
@@ -655,62 +656,30 @@
           <a:lstStyle/>
           <a:p>
             <a:r>
-              <a:rPr lang="pt-BR" dirty="0" smtClean="0"/>
-              <a:t>O </a:t>
-            </a:r>
-            <a:r>
-              <a:rPr lang="pt-BR" dirty="0" smtClean="0"/>
-              <a:t>problema é que, em alguns casos, o gradiente </a:t>
-            </a:r>
-            <a:r>
-              <a:rPr lang="pt-BR" dirty="0" smtClean="0"/>
-              <a:t>em camadas iniciais será </a:t>
-            </a:r>
-            <a:r>
-              <a:rPr lang="pt-BR" dirty="0" smtClean="0"/>
-              <a:t>extremamente pequeno, </a:t>
-            </a:r>
-            <a:r>
-              <a:rPr lang="pt-BR" dirty="0" smtClean="0"/>
-              <a:t>fazendo</a:t>
-            </a:r>
-            <a:r>
-              <a:rPr lang="pt-BR" baseline="0" dirty="0" smtClean="0"/>
+              <a:rPr lang="pt-BR" dirty="0"/>
+              <a:t>O problema é que, em alguns casos, o gradiente em camadas iniciais será extremamente pequeno, fazendo</a:t>
+            </a:r>
+            <a:r>
+              <a:rPr lang="pt-BR" baseline="0" dirty="0"/>
               <a:t> com </a:t>
             </a:r>
             <a:r>
-              <a:rPr lang="pt-BR" dirty="0" smtClean="0"/>
-              <a:t>que os pesos desta camada praticamente não mudem </a:t>
-            </a:r>
-            <a:r>
-              <a:rPr lang="pt-BR" dirty="0" smtClean="0"/>
-              <a:t>de valor. </a:t>
-            </a:r>
-          </a:p>
-          <a:p>
-            <a:endParaRPr lang="pt-BR" dirty="0" smtClean="0"/>
-          </a:p>
-          <a:p>
-            <a:r>
-              <a:rPr lang="pt-BR" dirty="0" smtClean="0"/>
-              <a:t>Na </a:t>
-            </a:r>
-            <a:r>
-              <a:rPr lang="pt-BR" dirty="0" smtClean="0"/>
-              <a:t>pior das hipóteses, isso pode impedir completamente o </a:t>
-            </a:r>
-            <a:r>
-              <a:rPr lang="pt-BR" dirty="0" smtClean="0"/>
-              <a:t>aprendizado da </a:t>
-            </a:r>
-            <a:r>
-              <a:rPr lang="pt-BR" dirty="0" smtClean="0"/>
-              <a:t>rede neural.</a:t>
-            </a:r>
-          </a:p>
-          <a:p>
-            <a:r>
-              <a:rPr lang="pt-BR" sz="1200" b="0" i="0" kern="1200" dirty="0" smtClean="0">
+              <a:rPr lang="pt-BR" dirty="0"/>
+              <a:t>que os pesos desta camada praticamente não mudem de valor. </a:t>
+            </a:r>
+          </a:p>
+          <a:p>
+            <a:endParaRPr lang="pt-BR" dirty="0"/>
+          </a:p>
+          <a:p>
+            <a:r>
+              <a:rPr lang="pt-BR" dirty="0"/>
+              <a:t>Na pior das hipóteses, isso pode impedir completamente o aprendizado da rede neural.</a:t>
+            </a:r>
+          </a:p>
+          <a:p>
+            <a:r>
+              <a:rPr lang="pt-BR" sz="1200" b="0" i="0" kern="1200" dirty="0">
                 <a:solidFill>
                   <a:schemeClr val="tx1"/>
                 </a:solidFill>
@@ -719,22 +688,10 @@
                 <a:ea typeface="+mn-ea"/>
                 <a:cs typeface="+mn-cs"/>
               </a:rPr>
-              <a:t>Temos aqui uma observação importante: em pelo menos algumas redes neurais profundas, o gradiente tende a diminuir à medida que nos movemos para trás através das camadas ocultas. Isso significa que os neurônios nas camadas anteriores </a:t>
-            </a:r>
-            <a:r>
-              <a:rPr lang="pt-BR" sz="1200" b="0" i="0" kern="1200" dirty="0" smtClean="0">
-                <a:solidFill>
-                  <a:schemeClr val="tx1"/>
-                </a:solidFill>
-                <a:effectLst/>
-                <a:latin typeface="+mn-lt"/>
-                <a:ea typeface="+mn-ea"/>
-                <a:cs typeface="+mn-cs"/>
-              </a:rPr>
-              <a:t>aprendem</a:t>
-            </a:r>
-            <a:r>
-              <a:rPr lang="pt-BR" sz="1200" b="0" i="0" kern="1200" baseline="0" dirty="0" smtClean="0">
+              <a:t>Temos aqui uma observação importante: em pelo menos algumas redes neurais profundas, o gradiente tende a diminuir à medida que nos movemos para trás através das camadas ocultas. Isso significa que os neurônios nas camadas anteriores aprendem</a:t>
+            </a:r>
+            <a:r>
+              <a:rPr lang="pt-BR" sz="1200" b="0" i="0" kern="1200" baseline="0" dirty="0">
                 <a:solidFill>
                   <a:schemeClr val="tx1"/>
                 </a:solidFill>
@@ -745,7 +702,7 @@
               </a:rPr>
               <a:t> mais vagarosamente ou nem aprendem.</a:t>
             </a:r>
-            <a:endParaRPr lang="pt-BR" sz="1200" b="0" i="0" kern="1200" dirty="0" smtClean="0">
+            <a:endParaRPr lang="pt-BR" sz="1200" b="0" i="0" kern="1200" dirty="0">
               <a:solidFill>
                 <a:schemeClr val="tx1"/>
               </a:solidFill>
@@ -756,7 +713,7 @@
             </a:endParaRPr>
           </a:p>
           <a:p>
-            <a:endParaRPr lang="pt-BR" sz="1200" b="0" i="0" kern="1200" dirty="0" smtClean="0">
+            <a:endParaRPr lang="pt-BR" sz="1200" b="0" i="0" kern="1200" dirty="0">
               <a:solidFill>
                 <a:schemeClr val="tx1"/>
               </a:solidFill>
@@ -768,19 +725,19 @@
           </a:p>
           <a:p>
             <a:r>
-              <a:rPr lang="pt-BR" dirty="0" smtClean="0"/>
+              <a:rPr lang="pt-BR" dirty="0"/>
               <a:t>o gradiente é multiplicado várias vezes com o algoritmo da </a:t>
             </a:r>
             <a:r>
-              <a:rPr lang="pt-BR" b="1" i="1" dirty="0" smtClean="0"/>
+              <a:rPr lang="pt-BR" b="1" i="1" dirty="0"/>
               <a:t>retropropagação</a:t>
             </a:r>
             <a:r>
-              <a:rPr lang="pt-BR" dirty="0" smtClean="0"/>
+              <a:rPr lang="pt-BR" dirty="0"/>
               <a:t>, o que faz com que o gradiente se torne menor para as camadas inferiores, levando a uma mudança muito pequena ou até mesmo nenhuma mudança nos pesos das camadas inferiores</a:t>
             </a:r>
             <a:r>
-              <a:rPr lang="pt-BR" sz="1200" b="0" i="0" kern="1200" dirty="0" smtClean="0">
+              <a:rPr lang="pt-BR" sz="1200" b="0" i="0" kern="1200" dirty="0">
                 <a:solidFill>
                   <a:schemeClr val="tx1"/>
                 </a:solidFill>
@@ -789,23 +746,11 @@
                 <a:ea typeface="+mn-ea"/>
                 <a:cs typeface="+mn-cs"/>
               </a:rPr>
-              <a:t>endem muito mais lentamente que os neurônios nas camadas posteriores</a:t>
-            </a:r>
-            <a:r>
-              <a:rPr lang="pt-BR" sz="1200" b="0" i="0" kern="1200" dirty="0" smtClean="0">
-                <a:solidFill>
-                  <a:schemeClr val="tx1"/>
-                </a:solidFill>
-                <a:effectLst/>
-                <a:latin typeface="+mn-lt"/>
-                <a:ea typeface="+mn-ea"/>
-                <a:cs typeface="+mn-cs"/>
-              </a:rPr>
-              <a:t>.</a:t>
-            </a:r>
-          </a:p>
-          <a:p>
-            <a:endParaRPr lang="pt-BR" sz="1200" b="0" i="0" kern="1200" dirty="0" smtClean="0">
+              <a:t>endem muito mais lentamente que os neurônios nas camadas posteriores.</a:t>
+            </a:r>
+          </a:p>
+          <a:p>
+            <a:endParaRPr lang="pt-BR" sz="1200" b="0" i="0" kern="1200" dirty="0">
               <a:solidFill>
                 <a:schemeClr val="tx1"/>
               </a:solidFill>
@@ -817,10 +762,9 @@
           </a:p>
           <a:p>
             <a:r>
-              <a:rPr lang="pt-BR" dirty="0" smtClean="0"/>
+              <a:rPr lang="pt-BR" dirty="0"/>
               <a:t>Como os gradientes frequentemente se tornam menores até ficarem próximos de zero, os novos pesos do modelo (das camadas iniciais) serão praticamente idênticos aos pesos antigos sem nenhuma atualização. Como resultado, o algoritmo do gradiente descendente nunca converge para a solução ótima.</a:t>
             </a:r>
-            <a:endParaRPr lang="pt-BR" dirty="0"/>
           </a:p>
         </p:txBody>
       </p:sp>
@@ -905,46 +849,46 @@
           <a:lstStyle/>
           <a:p>
             <a:r>
-              <a:rPr lang="pt-BR" dirty="0" smtClean="0"/>
+              <a:rPr lang="pt-BR" dirty="0"/>
               <a:t>Existem vários</a:t>
             </a:r>
             <a:r>
-              <a:rPr lang="pt-BR" baseline="0" dirty="0" smtClean="0"/>
+              <a:rPr lang="pt-BR" baseline="0" dirty="0"/>
               <a:t> outros tipos de funções de ativação, cada uma com suas vantagens e desvantagens.</a:t>
             </a:r>
           </a:p>
           <a:p>
             <a:r>
-              <a:rPr lang="pt-BR" baseline="0" dirty="0" smtClean="0"/>
+              <a:rPr lang="pt-BR" baseline="0" dirty="0"/>
               <a:t>O link abaixo contem uma lista com vários tipos de funções de ativação.</a:t>
             </a:r>
           </a:p>
           <a:p>
             <a:r>
-              <a:rPr lang="pt-BR" dirty="0" smtClean="0">
+              <a:rPr lang="pt-BR" dirty="0">
                 <a:hlinkClick r:id="rId3"/>
               </a:rPr>
               <a:t>https://en.wikipedia.org/wiki/Activation_function#Comparison_of_activation_functions</a:t>
             </a:r>
-            <a:endParaRPr lang="pt-BR" dirty="0" smtClean="0"/>
-          </a:p>
-          <a:p>
-            <a:endParaRPr lang="pt-BR" dirty="0" smtClean="0"/>
-          </a:p>
-          <a:p>
-            <a:r>
-              <a:rPr lang="pt-BR" dirty="0" smtClean="0"/>
+            <a:endParaRPr lang="pt-BR" dirty="0"/>
+          </a:p>
+          <a:p>
+            <a:endParaRPr lang="pt-BR" dirty="0"/>
+          </a:p>
+          <a:p>
+            <a:r>
+              <a:rPr lang="pt-BR" dirty="0"/>
               <a:t>Referências</a:t>
             </a:r>
           </a:p>
           <a:p>
             <a:r>
-              <a:rPr lang="pt-BR" dirty="0" smtClean="0"/>
+              <a:rPr lang="pt-BR" dirty="0"/>
               <a:t>[1] https://en.wikipedia.org/wiki/Activation_function</a:t>
             </a:r>
           </a:p>
           <a:p>
-            <a:endParaRPr lang="pt-BR" dirty="0" smtClean="0"/>
+            <a:endParaRPr lang="pt-BR" dirty="0"/>
           </a:p>
         </p:txBody>
       </p:sp>
@@ -965,7 +909,7 @@
           <a:p>
             <a:fld id="{F430A2A4-8C14-4B1A-AD48-7B6401078BF7}" type="slidenum">
               <a:rPr lang="pt-BR" smtClean="0"/>
-              <a:t>13</a:t>
+              <a:t>14</a:t>
             </a:fld>
             <a:endParaRPr lang="pt-BR"/>
           </a:p>
@@ -1643,18 +1587,6 @@
           </a:p>
           <a:p>
             <a:pPr fontAlgn="base"/>
-            <a:r>
-              <a:rPr lang="en-US" sz="1200" b="0" i="0" kern="1200" dirty="0">
-                <a:solidFill>
-                  <a:schemeClr val="tx1"/>
-                </a:solidFill>
-                <a:effectLst/>
-                <a:latin typeface="+mn-lt"/>
-                <a:ea typeface="+mn-ea"/>
-                <a:cs typeface="+mn-cs"/>
-              </a:rPr>
-              <a:t/>
-            </a:r>
             <a:br>
               <a:rPr lang="en-US" sz="1200" b="0" i="0" kern="1200" dirty="0">
                 <a:solidFill>
@@ -1962,7 +1894,7 @@
           <a:p>
             <a:fld id="{F430A2A4-8C14-4B1A-AD48-7B6401078BF7}" type="slidenum">
               <a:rPr lang="pt-BR" smtClean="0"/>
-              <a:t>14</a:t>
+              <a:t>15</a:t>
             </a:fld>
             <a:endParaRPr lang="pt-BR"/>
           </a:p>
@@ -2026,11 +1958,11 @@
           <a:lstStyle/>
           <a:p>
             <a:r>
-              <a:rPr lang="pt-BR" sz="1200" b="1" dirty="0" smtClean="0"/>
+              <a:rPr lang="pt-BR" sz="1200" b="1" dirty="0"/>
               <a:t>Laboratório #6:</a:t>
             </a:r>
             <a:r>
-              <a:rPr lang="pt-BR" sz="1200" dirty="0" smtClean="0"/>
+              <a:rPr lang="pt-BR" sz="1200" dirty="0"/>
               <a:t> https://mybinder.org/v2/gh/zz4fap/t320_aprendizado_de_maquina/main?filepath=labs%2FLaboratorio6.ipynb</a:t>
             </a:r>
           </a:p>
@@ -2056,7 +1988,7 @@
           <a:p>
             <a:fld id="{6FC8D850-966F-45A6-8DE7-15B891E7D40D}" type="slidenum">
               <a:rPr lang="pt-BR" smtClean="0"/>
-              <a:t>15</a:t>
+              <a:t>16</a:t>
             </a:fld>
             <a:endParaRPr lang="pt-BR"/>
           </a:p>
@@ -2140,7 +2072,7 @@
           <a:p>
             <a:fld id="{F430A2A4-8C14-4B1A-AD48-7B6401078BF7}" type="slidenum">
               <a:rPr lang="pt-BR" smtClean="0"/>
-              <a:t>16</a:t>
+              <a:t>17</a:t>
             </a:fld>
             <a:endParaRPr lang="pt-BR"/>
           </a:p>
@@ -2224,7 +2156,7 @@
           <a:p>
             <a:fld id="{F430A2A4-8C14-4B1A-AD48-7B6401078BF7}" type="slidenum">
               <a:rPr lang="pt-BR" smtClean="0"/>
-              <a:t>17</a:t>
+              <a:t>18</a:t>
             </a:fld>
             <a:endParaRPr lang="pt-BR"/>
           </a:p>
@@ -2305,7 +2237,7 @@
               <a:defRPr/>
             </a:pPr>
             <a:r>
-              <a:rPr lang="pt-BR" sz="1200" b="0" dirty="0" smtClean="0">
+              <a:rPr lang="pt-BR" sz="1200" b="0" dirty="0">
                 <a:solidFill>
                   <a:srgbClr val="00B0F0"/>
                 </a:solidFill>
@@ -2313,19 +2245,19 @@
               <a:t>E</a:t>
             </a:r>
             <a:r>
-              <a:rPr lang="pt-BR" dirty="0" smtClean="0"/>
+              <a:rPr lang="pt-BR" dirty="0"/>
               <a:t>xemplo:</a:t>
             </a:r>
             <a:r>
-              <a:rPr lang="pt-BR" baseline="0" dirty="0" smtClean="0"/>
+              <a:rPr lang="pt-BR" baseline="0" dirty="0"/>
               <a:t> </a:t>
             </a:r>
             <a:r>
-              <a:rPr lang="pt-BR" dirty="0" smtClean="0"/>
+              <a:rPr lang="pt-BR" dirty="0"/>
               <a:t>https://colab.research.google.com/github/zz4fap/t320_aprendizado_de_maquina/blob/main/notebooks/mlp/</a:t>
             </a:r>
             <a:r>
-              <a:rPr lang="pt-BR" sz="1200" b="0" dirty="0" smtClean="0">
+              <a:rPr lang="pt-BR" sz="1200" b="0" dirty="0">
                 <a:solidFill>
                   <a:srgbClr val="00B0F0"/>
                 </a:solidFill>
@@ -2351,7 +2283,7 @@
               <a:tabLst/>
               <a:defRPr/>
             </a:pPr>
-            <a:endParaRPr lang="pt-BR" dirty="0" smtClean="0"/>
+            <a:endParaRPr lang="pt-BR" dirty="0"/>
           </a:p>
           <a:p>
             <a:endParaRPr lang="pt-BR" dirty="0"/>
@@ -2375,7 +2307,7 @@
           <a:p>
             <a:fld id="{F430A2A4-8C14-4B1A-AD48-7B6401078BF7}" type="slidenum">
               <a:rPr lang="pt-BR" smtClean="0"/>
-              <a:t>19</a:t>
+              <a:t>20</a:t>
             </a:fld>
             <a:endParaRPr lang="pt-BR"/>
           </a:p>
@@ -2456,7 +2388,7 @@
               <a:defRPr/>
             </a:pPr>
             <a:r>
-              <a:rPr lang="pt-BR" sz="1200" b="0" dirty="0" smtClean="0">
+              <a:rPr lang="pt-BR" sz="1200" b="0" dirty="0">
                 <a:solidFill>
                   <a:srgbClr val="00B0F0"/>
                 </a:solidFill>
@@ -2464,19 +2396,19 @@
               <a:t>E</a:t>
             </a:r>
             <a:r>
-              <a:rPr lang="pt-BR" dirty="0" smtClean="0"/>
+              <a:rPr lang="pt-BR" dirty="0"/>
               <a:t>xemplo:</a:t>
             </a:r>
             <a:r>
-              <a:rPr lang="pt-BR" baseline="0" dirty="0" smtClean="0"/>
+              <a:rPr lang="pt-BR" baseline="0" dirty="0"/>
               <a:t> </a:t>
             </a:r>
             <a:r>
-              <a:rPr lang="pt-BR" dirty="0" smtClean="0"/>
+              <a:rPr lang="pt-BR" dirty="0"/>
               <a:t>https://colab.research.google.com/github/zz4fap/t320_aprendizado_de_maquina/blob/main/notebooks/mlp/</a:t>
             </a:r>
             <a:r>
-              <a:rPr lang="pt-BR" sz="1200" b="0" dirty="0" smtClean="0">
+              <a:rPr lang="pt-BR" sz="1200" b="0" dirty="0">
                 <a:solidFill>
                   <a:srgbClr val="00B0F0"/>
                 </a:solidFill>
@@ -2506,7 +2438,7 @@
           <a:p>
             <a:fld id="{F430A2A4-8C14-4B1A-AD48-7B6401078BF7}" type="slidenum">
               <a:rPr lang="pt-BR" smtClean="0"/>
-              <a:t>20</a:t>
+              <a:t>21</a:t>
             </a:fld>
             <a:endParaRPr lang="pt-BR"/>
           </a:p>
@@ -2587,11 +2519,11 @@
               <a:defRPr/>
             </a:pPr>
             <a:r>
-              <a:rPr lang="pt-BR" sz="1200" b="1" dirty="0" smtClean="0"/>
+              <a:rPr lang="pt-BR" sz="1200" b="1" dirty="0"/>
               <a:t>Laboratório #7:</a:t>
             </a:r>
             <a:r>
-              <a:rPr lang="pt-BR" sz="1200" dirty="0" smtClean="0"/>
+              <a:rPr lang="pt-BR" sz="1200" dirty="0"/>
               <a:t> https://mybinder.org/v2/gh/zz4fap/t320_aprendizado_de_maquina/main?filepath=labs%2FLaboratorio7.ipynb</a:t>
             </a:r>
           </a:p>
@@ -2617,7 +2549,7 @@
           <a:p>
             <a:fld id="{DA8B99DF-01BC-492A-8CEF-4FD88D18DD9D}" type="slidenum">
               <a:rPr lang="nl-BE" smtClean="0"/>
-              <a:t>21</a:t>
+              <a:t>22</a:t>
             </a:fld>
             <a:endParaRPr lang="nl-BE"/>
           </a:p>
@@ -2681,7 +2613,7 @@
           <a:lstStyle/>
           <a:p>
             <a:r>
-              <a:rPr lang="pt-BR" sz="1200" b="0" i="0" kern="1200" dirty="0" smtClean="0">
+              <a:rPr lang="pt-BR" sz="1200" b="0" i="0" kern="1200" dirty="0">
                 <a:solidFill>
                   <a:schemeClr val="tx1"/>
                 </a:solidFill>
@@ -2693,7 +2625,7 @@
               <a:t>Frank </a:t>
             </a:r>
             <a:r>
-              <a:rPr lang="pt-BR" sz="1200" b="0" i="0" kern="1200" dirty="0" err="1" smtClean="0">
+              <a:rPr lang="pt-BR" sz="1200" b="0" i="0" kern="1200" dirty="0" err="1">
                 <a:solidFill>
                   <a:schemeClr val="tx1"/>
                 </a:solidFill>
@@ -2705,7 +2637,7 @@
               <a:t>Rosenblatt</a:t>
             </a:r>
             <a:r>
-              <a:rPr lang="pt-BR" sz="1200" b="0" i="0" kern="1200" baseline="0" dirty="0" smtClean="0">
+              <a:rPr lang="pt-BR" sz="1200" b="0" i="0" kern="1200" baseline="0" dirty="0">
                 <a:solidFill>
                   <a:schemeClr val="tx1"/>
                 </a:solidFill>
@@ -2717,7 +2649,7 @@
               <a:t> introduziu o </a:t>
             </a:r>
             <a:r>
-              <a:rPr lang="pt-BR" sz="1200" b="0" i="0" kern="1200" baseline="0" dirty="0" err="1" smtClean="0">
+              <a:rPr lang="pt-BR" sz="1200" b="0" i="0" kern="1200" baseline="0" dirty="0" err="1">
                 <a:solidFill>
                   <a:schemeClr val="tx1"/>
                 </a:solidFill>
@@ -2729,7 +2661,7 @@
               <a:t>perceptron</a:t>
             </a:r>
             <a:r>
-              <a:rPr lang="pt-BR" sz="1200" b="0" i="0" kern="1200" baseline="0" dirty="0" smtClean="0">
+              <a:rPr lang="pt-BR" sz="1200" b="0" i="0" kern="1200" baseline="0" dirty="0">
                 <a:solidFill>
                   <a:schemeClr val="tx1"/>
                 </a:solidFill>
@@ -2742,7 +2674,7 @@
             </a:r>
           </a:p>
           <a:p>
-            <a:endParaRPr lang="pt-BR" sz="1200" b="0" i="0" kern="1200" baseline="0" dirty="0" smtClean="0">
+            <a:endParaRPr lang="pt-BR" sz="1200" b="0" i="0" kern="1200" baseline="0" dirty="0">
               <a:solidFill>
                 <a:schemeClr val="tx1"/>
               </a:solidFill>
@@ -2754,31 +2686,27 @@
           </a:p>
           <a:p>
             <a:r>
-              <a:rPr lang="pt-BR" dirty="0" err="1" smtClean="0"/>
+              <a:rPr lang="pt-BR" dirty="0" err="1"/>
               <a:t>Perceptron</a:t>
             </a:r>
             <a:r>
-              <a:rPr lang="pt-BR" dirty="0" smtClean="0"/>
+              <a:rPr lang="pt-BR" dirty="0"/>
               <a:t> é semelhante ao </a:t>
             </a:r>
             <a:r>
-              <a:rPr lang="pt-BR" dirty="0" err="1" smtClean="0"/>
+              <a:rPr lang="pt-BR" dirty="0" err="1"/>
               <a:t>regressor</a:t>
             </a:r>
             <a:r>
-              <a:rPr lang="pt-BR" dirty="0" smtClean="0"/>
+              <a:rPr lang="pt-BR" dirty="0"/>
               <a:t> logístico</a:t>
             </a:r>
             <a:r>
-              <a:rPr lang="pt-BR" baseline="0" dirty="0" smtClean="0"/>
+              <a:rPr lang="pt-BR" baseline="0" dirty="0"/>
               <a:t> quando se usa a função degrau como função de limiar de decisão.</a:t>
             </a:r>
-            <a:r>
-              <a:rPr lang="pt-BR" dirty="0" smtClean="0"/>
-              <a:t/>
-            </a:r>
             <a:br>
-              <a:rPr lang="pt-BR" dirty="0" smtClean="0"/>
+              <a:rPr lang="pt-BR" dirty="0"/>
             </a:br>
             <a:endParaRPr lang="pt-BR" dirty="0"/>
           </a:p>
@@ -3278,41 +3206,37 @@
               <a:defRPr/>
             </a:pPr>
             <a:r>
-              <a:rPr lang="pt-BR" dirty="0" smtClean="0"/>
+              <a:rPr lang="pt-BR" dirty="0"/>
               <a:t>Não se utiliza a </a:t>
             </a:r>
             <a:r>
-              <a:rPr lang="pt-BR" b="1" i="1" dirty="0" smtClean="0"/>
+              <a:rPr lang="pt-BR" b="1" i="1" dirty="0"/>
               <a:t>função degrau</a:t>
             </a:r>
             <a:r>
-              <a:rPr lang="pt-BR" dirty="0" smtClean="0"/>
+              <a:rPr lang="pt-BR" dirty="0"/>
               <a:t> como função de ativação em </a:t>
             </a:r>
             <a:r>
-              <a:rPr lang="pt-BR" dirty="0" err="1" smtClean="0"/>
+              <a:rPr lang="pt-BR" dirty="0" err="1"/>
               <a:t>MLPs</a:t>
             </a:r>
             <a:r>
-              <a:rPr lang="pt-BR" baseline="0" dirty="0" smtClean="0"/>
+              <a:rPr lang="pt-BR" baseline="0" dirty="0"/>
               <a:t> pois ela tem derivada igual a 0 para todos os valores exceto em 0, onde ela é indeterminada.</a:t>
             </a:r>
-            <a:endParaRPr lang="pt-BR" dirty="0" smtClean="0"/>
-          </a:p>
-          <a:p>
-            <a:endParaRPr lang="pt-BR" dirty="0" smtClean="0"/>
-          </a:p>
-          <a:p>
-            <a:endParaRPr lang="pt-BR" dirty="0" smtClean="0"/>
-          </a:p>
-          <a:p>
-            <a:r>
-              <a:rPr lang="pt-BR" dirty="0" smtClean="0"/>
-              <a:t>A </a:t>
-            </a:r>
+            <a:endParaRPr lang="pt-BR" dirty="0"/>
+          </a:p>
+          <a:p>
+            <a:endParaRPr lang="pt-BR" dirty="0"/>
+          </a:p>
+          <a:p>
+            <a:endParaRPr lang="pt-BR" dirty="0"/>
+          </a:p>
+          <a:p>
             <a:r>
               <a:rPr lang="pt-BR" dirty="0"/>
-              <a:t>derivada será importante, como veremos, no processo de aprendizado da rede neural.</a:t>
+              <a:t>A derivada será importante, como veremos, no processo de aprendizado da rede neural.</a:t>
             </a:r>
           </a:p>
         </p:txBody>
@@ -3535,22 +3459,21 @@
           <a:lstStyle/>
           <a:p>
             <a:r>
-              <a:rPr lang="pt-BR" dirty="0" smtClean="0"/>
+              <a:rPr lang="pt-BR" dirty="0"/>
               <a:t>Referências:</a:t>
             </a:r>
           </a:p>
           <a:p>
             <a:r>
-              <a:rPr lang="pt-BR" dirty="0" smtClean="0"/>
+              <a:rPr lang="pt-BR" dirty="0"/>
               <a:t>[1] https://www.kaggle.com/getting-started/118228</a:t>
             </a:r>
           </a:p>
           <a:p>
             <a:r>
-              <a:rPr lang="pt-BR" dirty="0" smtClean="0"/>
+              <a:rPr lang="pt-BR" dirty="0"/>
               <a:t>[2] https://medium.com/analytics-vidhya/how-batch-normalization-and-relu-solve-vanishing-gradients-3f1a8ace1c88</a:t>
             </a:r>
-            <a:endParaRPr lang="pt-BR" dirty="0"/>
           </a:p>
         </p:txBody>
       </p:sp>
@@ -3635,19 +3558,19 @@
           <a:lstStyle/>
           <a:p>
             <a:r>
-              <a:rPr lang="pt-BR" dirty="0" smtClean="0"/>
+              <a:rPr lang="pt-BR" dirty="0"/>
               <a:t>O problema é que, em alguns casos, o gradiente será extremamente pequeno, evitando efetivamente que o peso mude de valor. </a:t>
             </a:r>
           </a:p>
           <a:p>
             <a:r>
-              <a:rPr lang="pt-BR" dirty="0" smtClean="0"/>
+              <a:rPr lang="pt-BR" dirty="0"/>
               <a:t>Na pior das hipóteses, isso pode impedir completamente o treinamento adicional da rede neural.</a:t>
             </a:r>
           </a:p>
           <a:p>
             <a:r>
-              <a:rPr lang="pt-BR" sz="1200" b="0" i="0" kern="1200" dirty="0" smtClean="0">
+              <a:rPr lang="pt-BR" sz="1200" b="0" i="0" kern="1200" dirty="0">
                 <a:solidFill>
                   <a:schemeClr val="tx1"/>
                 </a:solidFill>
@@ -3660,7 +3583,7 @@
             </a:r>
           </a:p>
           <a:p>
-            <a:endParaRPr lang="pt-BR" sz="1200" b="0" i="0" kern="1200" dirty="0" smtClean="0">
+            <a:endParaRPr lang="pt-BR" sz="1200" b="0" i="0" kern="1200" dirty="0">
               <a:solidFill>
                 <a:schemeClr val="tx1"/>
               </a:solidFill>
@@ -3672,19 +3595,19 @@
           </a:p>
           <a:p>
             <a:r>
-              <a:rPr lang="pt-BR" dirty="0" smtClean="0"/>
+              <a:rPr lang="pt-BR" dirty="0"/>
               <a:t>o gradiente é multiplicado várias vezes com o algoritmo da </a:t>
             </a:r>
             <a:r>
-              <a:rPr lang="pt-BR" b="1" i="1" dirty="0" smtClean="0"/>
+              <a:rPr lang="pt-BR" b="1" i="1" dirty="0"/>
               <a:t>retropropagação</a:t>
             </a:r>
             <a:r>
-              <a:rPr lang="pt-BR" dirty="0" smtClean="0"/>
+              <a:rPr lang="pt-BR" dirty="0"/>
               <a:t>, o que faz com que o gradiente se torne menor para as camadas inferiores, levando a uma mudança muito pequena ou até mesmo nenhuma mudança nos pesos das camadas inferiores</a:t>
             </a:r>
             <a:r>
-              <a:rPr lang="pt-BR" sz="1200" b="0" i="0" kern="1200" dirty="0" smtClean="0">
+              <a:rPr lang="pt-BR" sz="1200" b="0" i="0" kern="1200" dirty="0">
                 <a:solidFill>
                   <a:schemeClr val="tx1"/>
                 </a:solidFill>
@@ -6597,7 +6520,7 @@
           <p:cNvPr id="2" name="Título 1">
             <a:extLst>
               <a:ext uri="{FF2B5EF4-FFF2-40B4-BE49-F238E27FC236}">
-                <a16:creationId xmlns="" xmlns:a16="http://schemas.microsoft.com/office/drawing/2014/main" id="{32666AC8-2E17-4DB4-B0F5-60C640CCFD2E}"/>
+                <a16:creationId xmlns:a16="http://schemas.microsoft.com/office/drawing/2014/main" id="{32666AC8-2E17-4DB4-B0F5-60C640CCFD2E}"/>
               </a:ext>
             </a:extLst>
           </p:cNvPr>
@@ -6621,25 +6544,16 @@
           <a:lstStyle/>
           <a:p>
             <a:r>
-              <a:rPr lang="pt-BR" sz="5400" dirty="0" smtClean="0"/>
+              <a:rPr lang="pt-BR" sz="5400" dirty="0"/>
               <a:t>T320 - Introdução ao Aprendizado de Máquina II:</a:t>
             </a:r>
-            <a:r>
-              <a:rPr lang="pt-BR" dirty="0" smtClean="0"/>
-              <a:t/>
-            </a:r>
             <a:br>
-              <a:rPr lang="pt-BR" dirty="0" smtClean="0"/>
+              <a:rPr lang="pt-BR" dirty="0"/>
             </a:br>
             <a:r>
               <a:rPr lang="pt-BR" b="1" i="1" dirty="0"/>
-              <a:t>Redes Neurais Artificiais (Parte </a:t>
-            </a:r>
-            <a:r>
-              <a:rPr lang="pt-BR" b="1" i="1" dirty="0" smtClean="0"/>
-              <a:t>II)</a:t>
-            </a:r>
-            <a:endParaRPr lang="pt-BR" b="1" i="1" dirty="0"/>
+              <a:t>Redes Neurais Artificiais (Parte II)</a:t>
+            </a:r>
           </a:p>
         </p:txBody>
       </p:sp>
@@ -6648,7 +6562,7 @@
           <p:cNvPr id="4" name="CaixaDeTexto 3">
             <a:extLst>
               <a:ext uri="{FF2B5EF4-FFF2-40B4-BE49-F238E27FC236}">
-                <a16:creationId xmlns="" xmlns:a16="http://schemas.microsoft.com/office/drawing/2014/main" id="{430EB894-B7D4-434C-9D1A-A14094D9BEEC}"/>
+                <a16:creationId xmlns:a16="http://schemas.microsoft.com/office/drawing/2014/main" id="{430EB894-B7D4-434C-9D1A-A14094D9BEEC}"/>
               </a:ext>
             </a:extLst>
           </p:cNvPr>
@@ -6689,7 +6603,7 @@
           <p:cNvPr id="1026" name="Picture 2" descr="Logo">
             <a:extLst>
               <a:ext uri="{FF2B5EF4-FFF2-40B4-BE49-F238E27FC236}">
-                <a16:creationId xmlns="" xmlns:a16="http://schemas.microsoft.com/office/drawing/2014/main" id="{3F2642E0-4F6A-4196-8F58-E77D36E9A33F}"/>
+                <a16:creationId xmlns:a16="http://schemas.microsoft.com/office/drawing/2014/main" id="{3F2642E0-4F6A-4196-8F58-E77D36E9A33F}"/>
               </a:ext>
             </a:extLst>
           </p:cNvPr>
@@ -6734,7 +6648,7 @@
           <p:cNvPr id="5122" name="Picture 2" descr="Image result for machine learning">
             <a:extLst>
               <a:ext uri="{FF2B5EF4-FFF2-40B4-BE49-F238E27FC236}">
-                <a16:creationId xmlns="" xmlns:a16="http://schemas.microsoft.com/office/drawing/2014/main" id="{810CE0A2-4102-44A6-A370-175E7896CDCB}"/>
+                <a16:creationId xmlns:a16="http://schemas.microsoft.com/office/drawing/2014/main" id="{810CE0A2-4102-44A6-A370-175E7896CDCB}"/>
               </a:ext>
             </a:extLst>
           </p:cNvPr>
@@ -6849,43 +6763,22 @@
           <a:lstStyle/>
           <a:p>
             <a:r>
-              <a:rPr lang="pt-BR" dirty="0" smtClean="0"/>
+              <a:rPr lang="pt-BR" dirty="0"/>
               <a:t>É um problema encontrado quando treinamos </a:t>
             </a:r>
             <a:r>
-              <a:rPr lang="pt-BR" b="1" i="1" dirty="0" smtClean="0"/>
+              <a:rPr lang="pt-BR" b="1" i="1" dirty="0"/>
               <a:t>redes neurais profundas</a:t>
             </a:r>
             <a:r>
-              <a:rPr lang="pt-BR" dirty="0" smtClean="0"/>
-              <a:t>, ou seja, com muitas camadas escondidas, com métodos </a:t>
-            </a:r>
-            <a:r>
               <a:rPr lang="pt-BR" dirty="0"/>
-              <a:t>de aprendizagem baseados </a:t>
-            </a:r>
-            <a:r>
-              <a:rPr lang="pt-BR" dirty="0" smtClean="0"/>
-              <a:t>em informações do gradiente e funções de ativação </a:t>
-            </a:r>
-            <a:r>
-              <a:rPr lang="pt-BR" dirty="0" smtClean="0"/>
-              <a:t>sigmoide ou tangente hiperbólica.</a:t>
-            </a:r>
-            <a:endParaRPr lang="pt-BR" dirty="0" smtClean="0"/>
+              <a:t>, ou seja, com muitas camadas escondidas, com métodos de aprendizado baseados em informações do gradiente e funções de ativação sigmoide ou tangente hiperbólica.</a:t>
+            </a:r>
           </a:p>
           <a:p>
             <a:r>
               <a:rPr lang="pt-BR" dirty="0"/>
-              <a:t>O</a:t>
-            </a:r>
-            <a:r>
-              <a:rPr lang="pt-BR" dirty="0" smtClean="0"/>
-              <a:t>corre </a:t>
-            </a:r>
-            <a:r>
-              <a:rPr lang="pt-BR" dirty="0"/>
-              <a:t>devido à natureza do </a:t>
+              <a:t>Ocorre devido à natureza do </a:t>
             </a:r>
             <a:r>
               <a:rPr lang="pt-BR" b="1" i="1" dirty="0"/>
@@ -6895,7 +6788,6 @@
               <a:rPr lang="pt-BR" dirty="0"/>
               <a:t>usado para treinar a rede neural.</a:t>
             </a:r>
-            <a:endParaRPr lang="pt-BR" dirty="0" smtClean="0"/>
           </a:p>
         </p:txBody>
       </p:sp>
@@ -6939,13 +6831,6 @@
   <p:clrMapOvr>
     <a:masterClrMapping/>
   </p:clrMapOvr>
-  <p:timing>
-    <p:tnLst>
-      <p:par>
-        <p:cTn id="1" dur="indefinite" restart="never" nodeType="tmRoot"/>
-      </p:par>
-    </p:tnLst>
-  </p:timing>
 </p:sld>
 </file>
 
@@ -6988,8 +6873,8 @@
           </a:p>
         </p:txBody>
       </p:sp>
-      <mc:AlternateContent xmlns:mc="http://schemas.openxmlformats.org/markup-compatibility/2006">
-        <mc:Choice xmlns:a14="http://schemas.microsoft.com/office/drawing/2010/main" Requires="a14">
+      <mc:AlternateContent xmlns:mc="http://schemas.openxmlformats.org/markup-compatibility/2006" xmlns:a14="http://schemas.microsoft.com/office/drawing/2010/main">
+        <mc:Choice Requires="a14">
           <p:sp>
             <p:nvSpPr>
               <p:cNvPr id="3" name="Content Placeholder 2"/>
@@ -7013,7 +6898,7 @@
               <a:lstStyle/>
               <a:p>
                 <a:r>
-                  <a:rPr lang="pt-BR" dirty="0" smtClean="0"/>
+                  <a:rPr lang="pt-BR" dirty="0"/>
                   <a:t>Lembrem-se que as </a:t>
                 </a:r>
                 <a:r>
@@ -7021,88 +6906,55 @@
                   <a:t>funções de ativação </a:t>
                 </a:r>
                 <a:r>
-                  <a:rPr lang="pt-BR" dirty="0" smtClean="0"/>
+                  <a:rPr lang="pt-BR" dirty="0"/>
                   <a:t>como </a:t>
                 </a:r>
                 <a:r>
-                  <a:rPr lang="pt-BR" b="1" i="1" dirty="0" smtClean="0"/>
+                  <a:rPr lang="pt-BR" b="1" i="1" dirty="0"/>
                   <a:t>tangente hiperbólica </a:t>
                 </a:r>
                 <a:r>
-                  <a:rPr lang="pt-BR" dirty="0" smtClean="0"/>
+                  <a:rPr lang="pt-BR" dirty="0"/>
                   <a:t>ou</a:t>
                 </a:r>
                 <a:r>
-                  <a:rPr lang="pt-BR" b="1" i="1" dirty="0" smtClean="0"/>
+                  <a:rPr lang="pt-BR" b="1" i="1" dirty="0"/>
                   <a:t> logística</a:t>
                 </a:r>
                 <a:r>
-                  <a:rPr lang="pt-BR" dirty="0" smtClean="0"/>
-                  <a:t>, </a:t>
-                </a:r>
-                <a:r>
                   <a:rPr lang="pt-BR" dirty="0"/>
-                  <a:t>têm </a:t>
-                </a:r>
-                <a:r>
-                  <a:rPr lang="pt-BR" dirty="0" smtClean="0"/>
-                  <a:t>gradientes (i.e., derivadas parciais) no intervalo de 0 até </a:t>
-                </a:r>
-                <a:r>
-                  <a:rPr lang="pt-BR" dirty="0" smtClean="0"/>
-                  <a:t>1</a:t>
-                </a:r>
-                <a:r>
-                  <a:rPr lang="pt-BR" dirty="0" smtClean="0"/>
-                  <a:t>.</a:t>
+                  <a:t>, têm gradientes (i.e., derivadas parciais) no intervalo de 0 até 1.</a:t>
                 </a:r>
               </a:p>
               <a:p>
                 <a:r>
-                  <a:rPr lang="pt-BR" dirty="0" smtClean="0"/>
-                  <a:t>Durante o treinamento, para atualizar os pesos </a:t>
+                  <a:rPr lang="pt-BR" dirty="0"/>
+                  <a:t>Durante o treinamento, para atualizar os pesos de cada camada da </a:t>
+                </a:r>
+                <a:r>
+                  <a:rPr lang="pt-BR" b="1" i="1" dirty="0"/>
+                  <a:t>rede neural</a:t>
                 </a:r>
                 <a:r>
                   <a:rPr lang="pt-BR" dirty="0"/>
-                  <a:t>de cada camada </a:t>
-                </a:r>
-                <a:r>
-                  <a:rPr lang="pt-BR" dirty="0" smtClean="0"/>
-                  <a:t>da </a:t>
-                </a:r>
-                <a:r>
-                  <a:rPr lang="pt-BR" b="1" i="1" dirty="0" smtClean="0"/>
-                  <a:t>rede neural</a:t>
-                </a:r>
-                <a:r>
-                  <a:rPr lang="pt-BR" dirty="0" smtClean="0"/>
                   <a:t>, o </a:t>
                 </a:r>
                 <a:r>
-                  <a:rPr lang="pt-BR" b="1" i="1" dirty="0" smtClean="0"/>
-                  <a:t>algoritmo de </a:t>
+                  <a:rPr lang="pt-BR" b="1" i="1" dirty="0"/>
+                  <a:t>algoritmo de retropropagação </a:t>
+                </a:r>
+                <a:r>
+                  <a:rPr lang="pt-BR" dirty="0"/>
+                  <a:t>calcula os gradientes através da </a:t>
                 </a:r>
                 <a:r>
                   <a:rPr lang="pt-BR" b="1" i="1" dirty="0"/>
-                  <a:t>retropropagação </a:t>
-                </a:r>
-                <a:r>
-                  <a:rPr lang="pt-BR" dirty="0" smtClean="0"/>
-                  <a:t>calcula os gradientes através da </a:t>
-                </a:r>
-                <a:r>
-                  <a:rPr lang="pt-BR" b="1" i="1" dirty="0" smtClean="0"/>
-                  <a:t>regra </a:t>
-                </a:r>
-                <a:r>
-                  <a:rPr lang="pt-BR" b="1" i="1" dirty="0"/>
-                  <a:t>da cadeia</a:t>
+                  <a:t>regra da cadeia</a:t>
                 </a:r>
                 <a:r>
                   <a:rPr lang="pt-BR" dirty="0"/>
                   <a:t>. </a:t>
                 </a:r>
-                <a:endParaRPr lang="pt-BR" dirty="0" smtClean="0"/>
               </a:p>
               <a:p>
                 <a:pPr marL="0" indent="0">
@@ -7494,80 +7346,24 @@
                     </m:oMath>
                   </m:oMathPara>
                 </a14:m>
-                <a:endParaRPr lang="pt-BR" dirty="0" smtClean="0"/>
+                <a:endParaRPr lang="pt-BR" dirty="0"/>
               </a:p>
               <a:p>
                 <a:r>
-                  <a:rPr lang="pt-BR" dirty="0" smtClean="0"/>
-                  <a:t>Em outras palavras, </a:t>
-                </a:r>
-                <a:r>
-                  <a:rPr lang="pt-BR" dirty="0" smtClean="0"/>
-                  <a:t>devido a regra da cadeia, a </a:t>
-                </a:r>
-                <a:r>
                   <a:rPr lang="pt-BR" dirty="0"/>
-                  <a:t>derivada de uma função de ativação em uma </a:t>
-                </a:r>
-                <a:r>
-                  <a:rPr lang="pt-BR" dirty="0" smtClean="0"/>
-                  <a:t>dada camada da rede neural </a:t>
-                </a:r>
-                <a:r>
-                  <a:rPr lang="pt-BR" dirty="0" smtClean="0"/>
-                  <a:t>é </a:t>
-                </a:r>
-                <a:r>
-                  <a:rPr lang="pt-BR" dirty="0"/>
-                  <a:t>o produto </a:t>
-                </a:r>
-                <a:r>
-                  <a:rPr lang="pt-BR" dirty="0" smtClean="0"/>
-                  <a:t>das derivadas das </a:t>
-                </a:r>
-                <a:r>
-                  <a:rPr lang="pt-BR" dirty="0"/>
-                  <a:t>funções de ativação no caminho </a:t>
-                </a:r>
-                <a:r>
-                  <a:rPr lang="pt-BR" dirty="0" smtClean="0"/>
-                  <a:t>desde a </a:t>
-                </a:r>
-                <a:r>
-                  <a:rPr lang="pt-BR" dirty="0"/>
-                  <a:t>camada final </a:t>
-                </a:r>
-                <a:r>
-                  <a:rPr lang="pt-BR" dirty="0" smtClean="0"/>
-                  <a:t>até a camada atual.</a:t>
+                  <a:t>Em outras palavras, devido a regra da cadeia, a derivada de uma função de ativação em uma dada camada da rede neural é o produto das derivadas das funções de ativação no caminho desde a camada final até a camada atual.</a:t>
                 </a:r>
               </a:p>
               <a:p>
                 <a:r>
-                  <a:rPr lang="pt-BR" dirty="0" smtClean="0"/>
-                  <a:t>Ou seja, no </a:t>
-                </a:r>
-                <a:r>
                   <a:rPr lang="pt-BR" dirty="0"/>
-                  <a:t>caminho </a:t>
-                </a:r>
-                <a:r>
-                  <a:rPr lang="pt-BR" dirty="0" smtClean="0"/>
-                  <a:t>inverso, </a:t>
-                </a:r>
-                <a:r>
-                  <a:rPr lang="pt-BR" dirty="0"/>
-                  <a:t>da camada de saída para a camada de </a:t>
-                </a:r>
-                <a:r>
-                  <a:rPr lang="pt-BR" dirty="0" smtClean="0"/>
-                  <a:t>atual.</a:t>
+                  <a:t>Ou seja, no caminho inverso, da camada de saída para a camada de atual.</a:t>
                 </a:r>
               </a:p>
             </p:txBody>
           </p:sp>
         </mc:Choice>
-        <mc:Fallback>
+        <mc:Fallback xmlns="">
           <p:sp>
             <p:nvSpPr>
               <p:cNvPr id="3" name="Content Placeholder 2"/>
@@ -7657,153 +7453,130 @@
           </a:p>
         </p:txBody>
       </p:sp>
-      <p:sp>
-        <p:nvSpPr>
-          <p:cNvPr id="3" name="Content Placeholder 2"/>
-          <p:cNvSpPr>
-            <a:spLocks noGrp="1"/>
-          </p:cNvSpPr>
-          <p:nvPr>
-            <p:ph idx="1"/>
-          </p:nvPr>
-        </p:nvSpPr>
-        <p:spPr>
-          <a:xfrm>
-            <a:off x="838199" y="1825624"/>
-            <a:ext cx="11198470" cy="3022147"/>
-          </a:xfrm>
-        </p:spPr>
-        <p:txBody>
-          <a:bodyPr>
-            <a:normAutofit fontScale="92500"/>
-          </a:bodyPr>
-          <a:lstStyle/>
-          <a:p>
-            <a:r>
-              <a:rPr lang="pt-BR" dirty="0" smtClean="0"/>
-              <a:t>Em </a:t>
-            </a:r>
-            <a:r>
-              <a:rPr lang="pt-BR" dirty="0"/>
-              <a:t>uma rede com </a:t>
-            </a:r>
-            <a:r>
-              <a:rPr lang="pt-BR" b="1" i="1" dirty="0"/>
-              <a:t>M</a:t>
-            </a:r>
-            <a:r>
-              <a:rPr lang="pt-BR" dirty="0"/>
-              <a:t> </a:t>
-            </a:r>
-            <a:r>
-              <a:rPr lang="pt-BR" dirty="0" smtClean="0"/>
-              <a:t>camadas, isso </a:t>
-            </a:r>
-            <a:r>
-              <a:rPr lang="pt-BR" dirty="0"/>
-              <a:t>tem o efeito de multiplicar </a:t>
-            </a:r>
-            <a:r>
-              <a:rPr lang="pt-BR" b="1" i="1" dirty="0"/>
-              <a:t>M</a:t>
-            </a:r>
-            <a:r>
-              <a:rPr lang="pt-BR" dirty="0" smtClean="0"/>
-              <a:t> </a:t>
-            </a:r>
-            <a:r>
-              <a:rPr lang="pt-BR" dirty="0"/>
-              <a:t>desses pequenos </a:t>
-            </a:r>
-            <a:r>
-              <a:rPr lang="pt-BR" dirty="0" smtClean="0"/>
-              <a:t>valores para calcular os </a:t>
-            </a:r>
-            <a:r>
-              <a:rPr lang="pt-BR" dirty="0"/>
-              <a:t>gradientes das primeiras </a:t>
-            </a:r>
-            <a:r>
-              <a:rPr lang="pt-BR" dirty="0" smtClean="0"/>
-              <a:t>camadas.</a:t>
-            </a:r>
-            <a:endParaRPr lang="pt-BR" dirty="0" smtClean="0"/>
-          </a:p>
-          <a:p>
-            <a:r>
-              <a:rPr lang="pt-BR" dirty="0" smtClean="0"/>
-              <a:t>O </a:t>
-            </a:r>
-            <a:r>
-              <a:rPr lang="pt-BR" dirty="0"/>
-              <a:t>que significa que o gradiente </a:t>
-            </a:r>
-            <a:r>
-              <a:rPr lang="pt-BR" dirty="0" smtClean="0"/>
-              <a:t>(i.e., o erro propagado) diminui exponencialmente </a:t>
-            </a:r>
-            <a:r>
-              <a:rPr lang="pt-BR" dirty="0"/>
-              <a:t>com </a:t>
-            </a:r>
-            <a:r>
-              <a:rPr lang="pt-BR" b="1" i="1" dirty="0" smtClean="0"/>
-              <a:t>M</a:t>
-            </a:r>
-            <a:r>
-              <a:rPr lang="pt-BR" dirty="0" smtClean="0"/>
-              <a:t>.</a:t>
-            </a:r>
-          </a:p>
-          <a:p>
-            <a:r>
-              <a:rPr lang="pt-BR" dirty="0" smtClean="0"/>
-              <a:t>Isso </a:t>
-            </a:r>
-            <a:r>
-              <a:rPr lang="pt-BR" dirty="0"/>
-              <a:t>significa que os </a:t>
-            </a:r>
-            <a:r>
-              <a:rPr lang="pt-BR" dirty="0" smtClean="0"/>
-              <a:t>nós das </a:t>
-            </a:r>
-            <a:r>
-              <a:rPr lang="pt-BR" dirty="0"/>
-              <a:t>camadas </a:t>
-            </a:r>
-            <a:r>
-              <a:rPr lang="pt-BR" dirty="0" smtClean="0"/>
-              <a:t>iniciais aprendem </a:t>
-            </a:r>
-            <a:r>
-              <a:rPr lang="pt-BR" dirty="0"/>
-              <a:t>muito mais lentamente </a:t>
-            </a:r>
-            <a:r>
-              <a:rPr lang="pt-BR" dirty="0" smtClean="0"/>
-              <a:t>do que </a:t>
-            </a:r>
-            <a:r>
-              <a:rPr lang="pt-BR" dirty="0"/>
-              <a:t>os </a:t>
-            </a:r>
-            <a:r>
-              <a:rPr lang="pt-BR" dirty="0" smtClean="0"/>
-              <a:t>nós das </a:t>
-            </a:r>
-            <a:r>
-              <a:rPr lang="pt-BR" dirty="0"/>
-              <a:t>camadas </a:t>
-            </a:r>
-            <a:r>
-              <a:rPr lang="pt-BR" dirty="0" smtClean="0"/>
-              <a:t>finais, pois o valor do gradiente é muito pequeno, fazendo com que a atualização dos pesos também seja pequena (i.e., lenta).</a:t>
-            </a:r>
-            <a:endParaRPr lang="pt-BR" dirty="0"/>
-          </a:p>
-        </p:txBody>
-      </p:sp>
+      <mc:AlternateContent xmlns:mc="http://schemas.openxmlformats.org/markup-compatibility/2006">
+        <mc:Choice xmlns:a14="http://schemas.microsoft.com/office/drawing/2010/main" Requires="a14">
+          <p:sp>
+            <p:nvSpPr>
+              <p:cNvPr id="3" name="Content Placeholder 2"/>
+              <p:cNvSpPr>
+                <a:spLocks noGrp="1"/>
+              </p:cNvSpPr>
+              <p:nvPr>
+                <p:ph idx="1"/>
+              </p:nvPr>
+            </p:nvSpPr>
+            <p:spPr>
+              <a:xfrm>
+                <a:off x="838199" y="1825624"/>
+                <a:ext cx="11198470" cy="3022147"/>
+              </a:xfrm>
+            </p:spPr>
+            <p:txBody>
+              <a:bodyPr>
+                <a:normAutofit fontScale="92500"/>
+              </a:bodyPr>
+              <a:lstStyle/>
+              <a:p>
+                <a:r>
+                  <a:rPr lang="pt-BR" dirty="0"/>
+                  <a:t>Em uma rede com </a:t>
+                </a:r>
+                <a14:m>
+                  <m:oMath xmlns:m="http://schemas.openxmlformats.org/officeDocument/2006/math">
+                    <m:r>
+                      <a:rPr lang="pt-BR" b="1" i="1" smtClean="0">
+                        <a:latin typeface="Cambria Math" panose="02040503050406030204" pitchFamily="18" charset="0"/>
+                      </a:rPr>
+                      <m:t>𝑴</m:t>
+                    </m:r>
+                  </m:oMath>
+                </a14:m>
+                <a:r>
+                  <a:rPr lang="pt-BR" dirty="0"/>
+                  <a:t> camadas, isso tem o efeito de multiplicar </a:t>
+                </a:r>
+                <a14:m>
+                  <m:oMath xmlns:m="http://schemas.openxmlformats.org/officeDocument/2006/math">
+                    <m:r>
+                      <a:rPr lang="pt-BR" b="1" i="1">
+                        <a:latin typeface="Cambria Math" panose="02040503050406030204" pitchFamily="18" charset="0"/>
+                      </a:rPr>
+                      <m:t>𝑴</m:t>
+                    </m:r>
+                  </m:oMath>
+                </a14:m>
+                <a:r>
+                  <a:rPr lang="pt-BR" dirty="0"/>
+                  <a:t> desses pequenos valores para calcular os gradientes das primeiras camadas.</a:t>
+                </a:r>
+              </a:p>
+              <a:p>
+                <a:r>
+                  <a:rPr lang="pt-BR" dirty="0"/>
+                  <a:t>O que significa que o gradiente (i.e., o erro propagado) diminui exponencialmente com </a:t>
+                </a:r>
+                <a14:m>
+                  <m:oMath xmlns:m="http://schemas.openxmlformats.org/officeDocument/2006/math">
+                    <m:r>
+                      <a:rPr lang="pt-BR" b="1" i="1">
+                        <a:latin typeface="Cambria Math" panose="02040503050406030204" pitchFamily="18" charset="0"/>
+                      </a:rPr>
+                      <m:t>𝑴</m:t>
+                    </m:r>
+                  </m:oMath>
+                </a14:m>
+                <a:r>
+                  <a:rPr lang="pt-BR" dirty="0"/>
+                  <a:t>.</a:t>
+                </a:r>
+              </a:p>
+              <a:p>
+                <a:r>
+                  <a:rPr lang="pt-BR" dirty="0"/>
+                  <a:t>Isso significa que os nós das camadas iniciais aprendem muito mais lentamente do que os nós das camadas finais, pois o valor do gradiente é muito pequeno, fazendo com que a atualização dos pesos também seja pequena (i.e., lenta).</a:t>
+                </a:r>
+              </a:p>
+            </p:txBody>
+          </p:sp>
+        </mc:Choice>
+        <mc:Fallback>
+          <p:sp>
+            <p:nvSpPr>
+              <p:cNvPr id="3" name="Content Placeholder 2"/>
+              <p:cNvSpPr>
+                <a:spLocks noGrp="1" noRot="1" noChangeAspect="1" noMove="1" noResize="1" noEditPoints="1" noAdjustHandles="1" noChangeArrowheads="1" noChangeShapeType="1" noTextEdit="1"/>
+              </p:cNvSpPr>
+              <p:nvPr>
+                <p:ph idx="1"/>
+              </p:nvPr>
+            </p:nvSpPr>
+            <p:spPr>
+              <a:xfrm>
+                <a:off x="838199" y="1825624"/>
+                <a:ext cx="11198470" cy="3022147"/>
+              </a:xfrm>
+              <a:blipFill>
+                <a:blip r:embed="rId3"/>
+                <a:stretch>
+                  <a:fillRect l="-816" t="-3024"/>
+                </a:stretch>
+              </a:blipFill>
+            </p:spPr>
+            <p:txBody>
+              <a:bodyPr/>
+              <a:lstStyle/>
+              <a:p>
+                <a:r>
+                  <a:rPr lang="en-US">
+                    <a:noFill/>
+                  </a:rPr>
+                  <a:t> </a:t>
+                </a:r>
+              </a:p>
+            </p:txBody>
+          </p:sp>
+        </mc:Fallback>
+      </mc:AlternateContent>
       <p:pic>
         <p:nvPicPr>
           <p:cNvPr id="4" name="Picture 3"/>
@@ -7813,7 +7586,7 @@
           <p:nvPr/>
         </p:nvPicPr>
         <p:blipFill>
-          <a:blip r:embed="rId3" cstate="print">
+          <a:blip r:embed="rId4" cstate="print">
             <a:extLst>
               <a:ext uri="{28A0092B-C50C-407E-A947-70E740481C1C}">
                 <a14:useLocalDpi xmlns:a14="http://schemas.microsoft.com/office/drawing/2010/main" val="0"/>
@@ -7866,6 +7639,3126 @@
       </p:grpSpPr>
       <p:sp>
         <p:nvSpPr>
+          <p:cNvPr id="2" name="Título 1">
+            <a:extLst>
+              <a:ext uri="{FF2B5EF4-FFF2-40B4-BE49-F238E27FC236}">
+                <a16:creationId xmlns:a16="http://schemas.microsoft.com/office/drawing/2014/main" id="{4E991379-1C4F-4AB9-BB38-83C7CC20155D}"/>
+              </a:ext>
+            </a:extLst>
+          </p:cNvPr>
+          <p:cNvSpPr>
+            <a:spLocks noGrp="1"/>
+          </p:cNvSpPr>
+          <p:nvPr>
+            <p:ph type="title"/>
+          </p:nvPr>
+        </p:nvSpPr>
+        <p:spPr>
+          <a:xfrm>
+            <a:off x="838200" y="254597"/>
+            <a:ext cx="10515600" cy="979733"/>
+          </a:xfrm>
+        </p:spPr>
+        <p:txBody>
+          <a:bodyPr/>
+          <a:lstStyle/>
+          <a:p>
+            <a:r>
+              <a:rPr lang="en-US" dirty="0" err="1"/>
+              <a:t>Exemplo</a:t>
+            </a:r>
+            <a:r>
+              <a:rPr lang="en-US" dirty="0"/>
+              <a:t>: </a:t>
+            </a:r>
+            <a:r>
+              <a:rPr lang="pt-BR" dirty="0"/>
+              <a:t>Dissipação do Gradiente</a:t>
+            </a:r>
+            <a:r>
+              <a:rPr lang="en-US" dirty="0"/>
+              <a:t> </a:t>
+            </a:r>
+          </a:p>
+        </p:txBody>
+      </p:sp>
+      <mc:AlternateContent xmlns:mc="http://schemas.openxmlformats.org/markup-compatibility/2006">
+        <mc:Choice xmlns:a14="http://schemas.microsoft.com/office/drawing/2010/main" Requires="a14">
+          <p:sp>
+            <p:nvSpPr>
+              <p:cNvPr id="3" name="Espaço Reservado para Conteúdo 2">
+                <a:extLst>
+                  <a:ext uri="{FF2B5EF4-FFF2-40B4-BE49-F238E27FC236}">
+                    <a16:creationId xmlns:a16="http://schemas.microsoft.com/office/drawing/2014/main" id="{68DBA540-3B58-4BC7-B375-23ABBBC057D3}"/>
+                  </a:ext>
+                </a:extLst>
+              </p:cNvPr>
+              <p:cNvSpPr>
+                <a:spLocks noGrp="1"/>
+              </p:cNvSpPr>
+              <p:nvPr>
+                <p:ph idx="1"/>
+              </p:nvPr>
+            </p:nvSpPr>
+            <p:spPr>
+              <a:xfrm>
+                <a:off x="838199" y="1898618"/>
+                <a:ext cx="11199725" cy="4959382"/>
+              </a:xfrm>
+            </p:spPr>
+            <p:txBody>
+              <a:bodyPr>
+                <a:normAutofit fontScale="77500" lnSpcReduction="20000"/>
+              </a:bodyPr>
+              <a:lstStyle/>
+              <a:p>
+                <a:pPr marL="0" indent="0">
+                  <a:buNone/>
+                </a:pPr>
+                <a:r>
+                  <a:rPr lang="en-US" dirty="0"/>
+                  <a:t>Considerações: </a:t>
+                </a:r>
+              </a:p>
+              <a:p>
+                <a:pPr marL="285750" indent="-285750"/>
+                <a:r>
+                  <a:rPr lang="en-US" dirty="0" err="1"/>
+                  <a:t>Perceptrons</a:t>
+                </a:r>
+                <a:r>
+                  <a:rPr lang="en-US" dirty="0"/>
+                  <a:t> com </a:t>
+                </a:r>
+                <a:r>
+                  <a:rPr lang="en-US" dirty="0" err="1"/>
+                  <a:t>função</a:t>
+                </a:r>
+                <a:r>
+                  <a:rPr lang="en-US" dirty="0"/>
+                  <a:t> de </a:t>
+                </a:r>
+                <a:r>
+                  <a:rPr lang="en-US" dirty="0" err="1"/>
+                  <a:t>ativação</a:t>
+                </a:r>
+                <a:r>
+                  <a:rPr lang="en-US" dirty="0"/>
+                  <a:t> </a:t>
+                </a:r>
+                <a:r>
+                  <a:rPr lang="en-US" dirty="0" err="1"/>
+                  <a:t>sigmoide</a:t>
+                </a:r>
+                <a:r>
+                  <a:rPr lang="en-US" dirty="0"/>
+                  <a:t>, </a:t>
+                </a:r>
+                <a14:m>
+                  <m:oMath xmlns:m="http://schemas.openxmlformats.org/officeDocument/2006/math">
+                    <m:r>
+                      <a:rPr lang="pt-BR" b="0" i="1" smtClean="0">
+                        <a:latin typeface="Cambria Math" panose="02040503050406030204" pitchFamily="18" charset="0"/>
+                      </a:rPr>
+                      <m:t>𝑓</m:t>
+                    </m:r>
+                    <m:r>
+                      <a:rPr lang="pt-BR" b="0" i="1" smtClean="0">
+                        <a:latin typeface="Cambria Math" panose="02040503050406030204" pitchFamily="18" charset="0"/>
+                      </a:rPr>
+                      <m:t>(.)</m:t>
+                    </m:r>
+                  </m:oMath>
+                </a14:m>
+                <a:r>
+                  <a:rPr lang="en-US" dirty="0"/>
+                  <a:t>.</a:t>
+                </a:r>
+              </a:p>
+              <a:p>
+                <a:pPr marL="285750" indent="-285750"/>
+                <a:r>
+                  <a:rPr lang="en-US" dirty="0" err="1"/>
+                  <a:t>Minimização</a:t>
+                </a:r>
+                <a:r>
+                  <a:rPr lang="en-US" dirty="0"/>
+                  <a:t> do </a:t>
+                </a:r>
+                <a:r>
+                  <a:rPr lang="en-US" dirty="0" err="1"/>
+                  <a:t>erro</a:t>
+                </a:r>
+                <a:r>
+                  <a:rPr lang="en-US" dirty="0"/>
+                  <a:t> </a:t>
+                </a:r>
+                <a:r>
+                  <a:rPr lang="en-US" dirty="0" err="1"/>
+                  <a:t>quadrático</a:t>
+                </a:r>
+                <a:r>
+                  <a:rPr lang="en-US" dirty="0"/>
+                  <a:t> </a:t>
+                </a:r>
+                <a:r>
+                  <a:rPr lang="en-US" dirty="0" err="1"/>
+                  <a:t>médio</a:t>
+                </a:r>
+                <a:r>
+                  <a:rPr lang="en-US" dirty="0"/>
+                  <a:t>, </a:t>
+                </a:r>
+                <a14:m>
+                  <m:oMath xmlns:m="http://schemas.openxmlformats.org/officeDocument/2006/math">
+                    <m:sSub>
+                      <m:sSubPr>
+                        <m:ctrlPr>
+                          <a:rPr lang="pt-BR" i="1">
+                            <a:latin typeface="Cambria Math" panose="02040503050406030204" pitchFamily="18" charset="0"/>
+                          </a:rPr>
+                        </m:ctrlPr>
+                      </m:sSubPr>
+                      <m:e>
+                        <m:r>
+                          <a:rPr lang="pt-BR" i="1">
+                            <a:latin typeface="Cambria Math" panose="02040503050406030204" pitchFamily="18" charset="0"/>
+                          </a:rPr>
+                          <m:t>𝐽</m:t>
+                        </m:r>
+                      </m:e>
+                      <m:sub>
+                        <m:r>
+                          <a:rPr lang="pt-BR" i="1">
+                            <a:latin typeface="Cambria Math" panose="02040503050406030204" pitchFamily="18" charset="0"/>
+                          </a:rPr>
+                          <m:t>𝑒</m:t>
+                        </m:r>
+                      </m:sub>
+                    </m:sSub>
+                    <m:r>
+                      <a:rPr lang="pt-BR" i="1">
+                        <a:latin typeface="Cambria Math" panose="02040503050406030204" pitchFamily="18" charset="0"/>
+                      </a:rPr>
+                      <m:t>=</m:t>
+                    </m:r>
+                    <m:f>
+                      <m:fPr>
+                        <m:ctrlPr>
+                          <a:rPr lang="pt-BR" i="1">
+                            <a:latin typeface="Cambria Math" panose="02040503050406030204" pitchFamily="18" charset="0"/>
+                          </a:rPr>
+                        </m:ctrlPr>
+                      </m:fPr>
+                      <m:num>
+                        <m:r>
+                          <a:rPr lang="pt-BR" i="1">
+                            <a:latin typeface="Cambria Math" panose="02040503050406030204" pitchFamily="18" charset="0"/>
+                          </a:rPr>
+                          <m:t>1</m:t>
+                        </m:r>
+                      </m:num>
+                      <m:den>
+                        <m:r>
+                          <a:rPr lang="pt-BR" i="1">
+                            <a:latin typeface="Cambria Math" panose="02040503050406030204" pitchFamily="18" charset="0"/>
+                          </a:rPr>
+                          <m:t>𝑁</m:t>
+                        </m:r>
+                      </m:den>
+                    </m:f>
+                    <m:nary>
+                      <m:naryPr>
+                        <m:chr m:val="∑"/>
+                        <m:ctrlPr>
+                          <a:rPr lang="pt-BR" i="1">
+                            <a:latin typeface="Cambria Math" panose="02040503050406030204" pitchFamily="18" charset="0"/>
+                          </a:rPr>
+                        </m:ctrlPr>
+                      </m:naryPr>
+                      <m:sub>
+                        <m:r>
+                          <m:rPr>
+                            <m:brk m:alnAt="23"/>
+                          </m:rPr>
+                          <a:rPr lang="pt-BR" i="1">
+                            <a:latin typeface="Cambria Math" panose="02040503050406030204" pitchFamily="18" charset="0"/>
+                          </a:rPr>
+                          <m:t>𝑖</m:t>
+                        </m:r>
+                        <m:r>
+                          <a:rPr lang="pt-BR" i="1">
+                            <a:latin typeface="Cambria Math" panose="02040503050406030204" pitchFamily="18" charset="0"/>
+                          </a:rPr>
+                          <m:t>=1</m:t>
+                        </m:r>
+                      </m:sub>
+                      <m:sup>
+                        <m:r>
+                          <a:rPr lang="pt-BR" i="1">
+                            <a:latin typeface="Cambria Math" panose="02040503050406030204" pitchFamily="18" charset="0"/>
+                          </a:rPr>
+                          <m:t>𝑁</m:t>
+                        </m:r>
+                      </m:sup>
+                      <m:e>
+                        <m:sSup>
+                          <m:sSupPr>
+                            <m:ctrlPr>
+                              <a:rPr lang="pt-BR" i="1">
+                                <a:latin typeface="Cambria Math" panose="02040503050406030204" pitchFamily="18" charset="0"/>
+                              </a:rPr>
+                            </m:ctrlPr>
+                          </m:sSupPr>
+                          <m:e>
+                            <m:r>
+                              <a:rPr lang="pt-BR" i="1">
+                                <a:latin typeface="Cambria Math" panose="02040503050406030204" pitchFamily="18" charset="0"/>
+                              </a:rPr>
+                              <m:t>(</m:t>
+                            </m:r>
+                            <m:acc>
+                              <m:accPr>
+                                <m:chr m:val="̂"/>
+                                <m:ctrlPr>
+                                  <a:rPr lang="pt-BR" i="1">
+                                    <a:latin typeface="Cambria Math" panose="02040503050406030204" pitchFamily="18" charset="0"/>
+                                  </a:rPr>
+                                </m:ctrlPr>
+                              </m:accPr>
+                              <m:e>
+                                <m:r>
+                                  <a:rPr lang="pt-BR" i="1">
+                                    <a:latin typeface="Cambria Math" panose="02040503050406030204" pitchFamily="18" charset="0"/>
+                                  </a:rPr>
+                                  <m:t>𝑦</m:t>
+                                </m:r>
+                              </m:e>
+                            </m:acc>
+                            <m:r>
+                              <a:rPr lang="pt-BR" i="1">
+                                <a:latin typeface="Cambria Math" panose="02040503050406030204" pitchFamily="18" charset="0"/>
+                              </a:rPr>
+                              <m:t>(</m:t>
+                            </m:r>
+                            <m:r>
+                              <a:rPr lang="pt-BR" i="1">
+                                <a:latin typeface="Cambria Math" panose="02040503050406030204" pitchFamily="18" charset="0"/>
+                              </a:rPr>
+                              <m:t>𝑖</m:t>
+                            </m:r>
+                            <m:r>
+                              <a:rPr lang="pt-BR" i="1">
+                                <a:latin typeface="Cambria Math" panose="02040503050406030204" pitchFamily="18" charset="0"/>
+                              </a:rPr>
+                              <m:t>)−</m:t>
+                            </m:r>
+                            <m:r>
+                              <a:rPr lang="pt-BR" i="1">
+                                <a:latin typeface="Cambria Math" panose="02040503050406030204" pitchFamily="18" charset="0"/>
+                              </a:rPr>
+                              <m:t>𝑦</m:t>
+                            </m:r>
+                            <m:r>
+                              <a:rPr lang="pt-BR" i="1">
+                                <a:latin typeface="Cambria Math" panose="02040503050406030204" pitchFamily="18" charset="0"/>
+                              </a:rPr>
+                              <m:t>(</m:t>
+                            </m:r>
+                            <m:r>
+                              <a:rPr lang="pt-BR" i="1">
+                                <a:latin typeface="Cambria Math" panose="02040503050406030204" pitchFamily="18" charset="0"/>
+                              </a:rPr>
+                              <m:t>𝑖</m:t>
+                            </m:r>
+                            <m:r>
+                              <a:rPr lang="pt-BR" i="1">
+                                <a:latin typeface="Cambria Math" panose="02040503050406030204" pitchFamily="18" charset="0"/>
+                              </a:rPr>
+                              <m:t>))</m:t>
+                            </m:r>
+                          </m:e>
+                          <m:sup>
+                            <m:r>
+                              <a:rPr lang="pt-BR" i="1">
+                                <a:latin typeface="Cambria Math" panose="02040503050406030204" pitchFamily="18" charset="0"/>
+                              </a:rPr>
+                              <m:t>2</m:t>
+                            </m:r>
+                          </m:sup>
+                        </m:sSup>
+                      </m:e>
+                    </m:nary>
+                  </m:oMath>
+                </a14:m>
+                <a:r>
+                  <a:rPr lang="en-US" dirty="0"/>
+                  <a:t>.</a:t>
+                </a:r>
+              </a:p>
+              <a:p>
+                <a:pPr marL="285750" indent="-285750"/>
+                <a14:m>
+                  <m:oMath xmlns:m="http://schemas.openxmlformats.org/officeDocument/2006/math">
+                    <m:sSub>
+                      <m:sSubPr>
+                        <m:ctrlPr>
+                          <a:rPr lang="en-US" i="1">
+                            <a:latin typeface="Cambria Math" panose="02040503050406030204" pitchFamily="18" charset="0"/>
+                          </a:rPr>
+                        </m:ctrlPr>
+                      </m:sSubPr>
+                      <m:e>
+                        <m:r>
+                          <a:rPr lang="pt-BR" i="1">
+                            <a:latin typeface="Cambria Math" panose="02040503050406030204" pitchFamily="18" charset="0"/>
+                          </a:rPr>
+                          <m:t>𝑔</m:t>
+                        </m:r>
+                      </m:e>
+                      <m:sub>
+                        <m:r>
+                          <a:rPr lang="pt-BR" i="1">
+                            <a:latin typeface="Cambria Math" panose="02040503050406030204" pitchFamily="18" charset="0"/>
+                          </a:rPr>
+                          <m:t>1</m:t>
+                        </m:r>
+                      </m:sub>
+                    </m:sSub>
+                    <m:r>
+                      <a:rPr lang="pt-BR" i="1">
+                        <a:latin typeface="Cambria Math" panose="02040503050406030204" pitchFamily="18" charset="0"/>
+                      </a:rPr>
+                      <m:t>=</m:t>
+                    </m:r>
+                    <m:r>
+                      <a:rPr lang="pt-BR" i="1">
+                        <a:latin typeface="Cambria Math" panose="02040503050406030204" pitchFamily="18" charset="0"/>
+                      </a:rPr>
+                      <m:t>𝑥</m:t>
+                    </m:r>
+                    <m:sSub>
+                      <m:sSubPr>
+                        <m:ctrlPr>
+                          <a:rPr lang="pt-BR" i="1">
+                            <a:latin typeface="Cambria Math" panose="02040503050406030204" pitchFamily="18" charset="0"/>
+                          </a:rPr>
+                        </m:ctrlPr>
+                      </m:sSubPr>
+                      <m:e>
+                        <m:r>
+                          <a:rPr lang="pt-BR" i="1">
+                            <a:latin typeface="Cambria Math" panose="02040503050406030204" pitchFamily="18" charset="0"/>
+                          </a:rPr>
+                          <m:t>𝑤</m:t>
+                        </m:r>
+                      </m:e>
+                      <m:sub>
+                        <m:r>
+                          <a:rPr lang="pt-BR" i="1">
+                            <a:latin typeface="Cambria Math" panose="02040503050406030204" pitchFamily="18" charset="0"/>
+                          </a:rPr>
+                          <m:t>1</m:t>
+                        </m:r>
+                      </m:sub>
+                    </m:sSub>
+                  </m:oMath>
+                </a14:m>
+                <a:endParaRPr lang="pt-BR" dirty="0"/>
+              </a:p>
+              <a:p>
+                <a:pPr marL="285750" indent="-285750"/>
+                <a14:m>
+                  <m:oMath xmlns:m="http://schemas.openxmlformats.org/officeDocument/2006/math">
+                    <m:sSub>
+                      <m:sSubPr>
+                        <m:ctrlPr>
+                          <a:rPr lang="en-US" i="1">
+                            <a:latin typeface="Cambria Math" panose="02040503050406030204" pitchFamily="18" charset="0"/>
+                          </a:rPr>
+                        </m:ctrlPr>
+                      </m:sSubPr>
+                      <m:e>
+                        <m:r>
+                          <a:rPr lang="pt-BR" i="1">
+                            <a:latin typeface="Cambria Math" panose="02040503050406030204" pitchFamily="18" charset="0"/>
+                          </a:rPr>
+                          <m:t>𝑎</m:t>
+                        </m:r>
+                      </m:e>
+                      <m:sub>
+                        <m:r>
+                          <a:rPr lang="pt-BR" i="1">
+                            <a:latin typeface="Cambria Math" panose="02040503050406030204" pitchFamily="18" charset="0"/>
+                          </a:rPr>
+                          <m:t>1</m:t>
+                        </m:r>
+                      </m:sub>
+                    </m:sSub>
+                    <m:r>
+                      <a:rPr lang="pt-BR" i="1">
+                        <a:latin typeface="Cambria Math" panose="02040503050406030204" pitchFamily="18" charset="0"/>
+                      </a:rPr>
+                      <m:t>=</m:t>
+                    </m:r>
+                    <m:r>
+                      <a:rPr lang="pt-BR" i="1">
+                        <a:latin typeface="Cambria Math" panose="02040503050406030204" pitchFamily="18" charset="0"/>
+                      </a:rPr>
+                      <m:t>𝑓</m:t>
+                    </m:r>
+                    <m:r>
+                      <a:rPr lang="pt-BR" i="1">
+                        <a:latin typeface="Cambria Math" panose="02040503050406030204" pitchFamily="18" charset="0"/>
+                      </a:rPr>
+                      <m:t>(</m:t>
+                    </m:r>
+                    <m:r>
+                      <a:rPr lang="pt-BR" i="1">
+                        <a:latin typeface="Cambria Math" panose="02040503050406030204" pitchFamily="18" charset="0"/>
+                      </a:rPr>
+                      <m:t>𝑥</m:t>
+                    </m:r>
+                    <m:sSub>
+                      <m:sSubPr>
+                        <m:ctrlPr>
+                          <a:rPr lang="pt-BR" i="1">
+                            <a:latin typeface="Cambria Math" panose="02040503050406030204" pitchFamily="18" charset="0"/>
+                          </a:rPr>
+                        </m:ctrlPr>
+                      </m:sSubPr>
+                      <m:e>
+                        <m:r>
+                          <a:rPr lang="pt-BR" i="1">
+                            <a:latin typeface="Cambria Math" panose="02040503050406030204" pitchFamily="18" charset="0"/>
+                          </a:rPr>
+                          <m:t>𝑤</m:t>
+                        </m:r>
+                      </m:e>
+                      <m:sub>
+                        <m:r>
+                          <a:rPr lang="pt-BR" i="1">
+                            <a:latin typeface="Cambria Math" panose="02040503050406030204" pitchFamily="18" charset="0"/>
+                          </a:rPr>
+                          <m:t>1</m:t>
+                        </m:r>
+                      </m:sub>
+                    </m:sSub>
+                    <m:r>
+                      <a:rPr lang="pt-BR" i="1">
+                        <a:latin typeface="Cambria Math" panose="02040503050406030204" pitchFamily="18" charset="0"/>
+                      </a:rPr>
+                      <m:t>)</m:t>
+                    </m:r>
+                  </m:oMath>
+                </a14:m>
+                <a:endParaRPr lang="en-US" dirty="0"/>
+              </a:p>
+              <a:p>
+                <a:pPr marL="285750" indent="-285750"/>
+                <a14:m>
+                  <m:oMath xmlns:m="http://schemas.openxmlformats.org/officeDocument/2006/math">
+                    <m:sSub>
+                      <m:sSubPr>
+                        <m:ctrlPr>
+                          <a:rPr lang="en-US" i="1">
+                            <a:latin typeface="Cambria Math" panose="02040503050406030204" pitchFamily="18" charset="0"/>
+                          </a:rPr>
+                        </m:ctrlPr>
+                      </m:sSubPr>
+                      <m:e>
+                        <m:r>
+                          <a:rPr lang="pt-BR" i="1">
+                            <a:latin typeface="Cambria Math" panose="02040503050406030204" pitchFamily="18" charset="0"/>
+                          </a:rPr>
+                          <m:t>𝑔</m:t>
+                        </m:r>
+                      </m:e>
+                      <m:sub>
+                        <m:r>
+                          <a:rPr lang="pt-BR" i="1">
+                            <a:latin typeface="Cambria Math" panose="02040503050406030204" pitchFamily="18" charset="0"/>
+                          </a:rPr>
+                          <m:t>2</m:t>
+                        </m:r>
+                      </m:sub>
+                    </m:sSub>
+                    <m:r>
+                      <a:rPr lang="pt-BR" i="1">
+                        <a:latin typeface="Cambria Math" panose="02040503050406030204" pitchFamily="18" charset="0"/>
+                      </a:rPr>
+                      <m:t>=</m:t>
+                    </m:r>
+                    <m:sSub>
+                      <m:sSubPr>
+                        <m:ctrlPr>
+                          <a:rPr lang="pt-BR" i="1">
+                            <a:latin typeface="Cambria Math" panose="02040503050406030204" pitchFamily="18" charset="0"/>
+                          </a:rPr>
+                        </m:ctrlPr>
+                      </m:sSubPr>
+                      <m:e>
+                        <m:r>
+                          <a:rPr lang="pt-BR" i="1">
+                            <a:latin typeface="Cambria Math" panose="02040503050406030204" pitchFamily="18" charset="0"/>
+                          </a:rPr>
+                          <m:t>𝑎</m:t>
+                        </m:r>
+                      </m:e>
+                      <m:sub>
+                        <m:r>
+                          <a:rPr lang="pt-BR" i="1">
+                            <a:latin typeface="Cambria Math" panose="02040503050406030204" pitchFamily="18" charset="0"/>
+                          </a:rPr>
+                          <m:t>1</m:t>
+                        </m:r>
+                      </m:sub>
+                    </m:sSub>
+                    <m:sSub>
+                      <m:sSubPr>
+                        <m:ctrlPr>
+                          <a:rPr lang="pt-BR" i="1">
+                            <a:latin typeface="Cambria Math" panose="02040503050406030204" pitchFamily="18" charset="0"/>
+                          </a:rPr>
+                        </m:ctrlPr>
+                      </m:sSubPr>
+                      <m:e>
+                        <m:r>
+                          <a:rPr lang="pt-BR" i="1">
+                            <a:latin typeface="Cambria Math" panose="02040503050406030204" pitchFamily="18" charset="0"/>
+                          </a:rPr>
+                          <m:t>𝑤</m:t>
+                        </m:r>
+                      </m:e>
+                      <m:sub>
+                        <m:r>
+                          <a:rPr lang="pt-BR" i="1">
+                            <a:latin typeface="Cambria Math" panose="02040503050406030204" pitchFamily="18" charset="0"/>
+                          </a:rPr>
+                          <m:t>2</m:t>
+                        </m:r>
+                      </m:sub>
+                    </m:sSub>
+                  </m:oMath>
+                </a14:m>
+                <a:endParaRPr lang="pt-BR" dirty="0"/>
+              </a:p>
+              <a:p>
+                <a:pPr marL="285750" indent="-285750"/>
+                <a:r>
+                  <a:rPr lang="pt-BR" dirty="0"/>
+                  <a:t>Regras de atualização dos pesos dadas por</a:t>
+                </a:r>
+              </a:p>
+              <a:p>
+                <a:pPr marL="0" indent="0">
+                  <a:buNone/>
+                </a:pPr>
+                <a14:m>
+                  <m:oMathPara xmlns:m="http://schemas.openxmlformats.org/officeDocument/2006/math">
+                    <m:oMathParaPr>
+                      <m:jc m:val="centerGroup"/>
+                    </m:oMathParaPr>
+                    <m:oMath xmlns:m="http://schemas.openxmlformats.org/officeDocument/2006/math">
+                      <m:sSub>
+                        <m:sSubPr>
+                          <m:ctrlPr>
+                            <a:rPr lang="en-US" i="1">
+                              <a:latin typeface="Cambria Math" panose="02040503050406030204" pitchFamily="18" charset="0"/>
+                            </a:rPr>
+                          </m:ctrlPr>
+                        </m:sSubPr>
+                        <m:e>
+                          <m:r>
+                            <a:rPr lang="pt-BR" i="1">
+                              <a:latin typeface="Cambria Math" panose="02040503050406030204" pitchFamily="18" charset="0"/>
+                            </a:rPr>
+                            <m:t>𝑤</m:t>
+                          </m:r>
+                        </m:e>
+                        <m:sub>
+                          <m:r>
+                            <a:rPr lang="pt-BR" i="1">
+                              <a:latin typeface="Cambria Math" panose="02040503050406030204" pitchFamily="18" charset="0"/>
+                            </a:rPr>
+                            <m:t>2</m:t>
+                          </m:r>
+                        </m:sub>
+                      </m:sSub>
+                      <m:r>
+                        <a:rPr lang="pt-BR" i="1">
+                          <a:latin typeface="Cambria Math" panose="02040503050406030204" pitchFamily="18" charset="0"/>
+                        </a:rPr>
+                        <m:t>=</m:t>
+                      </m:r>
+                      <m:sSub>
+                        <m:sSubPr>
+                          <m:ctrlPr>
+                            <a:rPr lang="en-US" i="1">
+                              <a:latin typeface="Cambria Math" panose="02040503050406030204" pitchFamily="18" charset="0"/>
+                            </a:rPr>
+                          </m:ctrlPr>
+                        </m:sSubPr>
+                        <m:e>
+                          <m:r>
+                            <a:rPr lang="pt-BR" i="1">
+                              <a:latin typeface="Cambria Math" panose="02040503050406030204" pitchFamily="18" charset="0"/>
+                            </a:rPr>
+                            <m:t>𝑤</m:t>
+                          </m:r>
+                        </m:e>
+                        <m:sub>
+                          <m:r>
+                            <a:rPr lang="pt-BR" i="1">
+                              <a:latin typeface="Cambria Math" panose="02040503050406030204" pitchFamily="18" charset="0"/>
+                            </a:rPr>
+                            <m:t>2</m:t>
+                          </m:r>
+                        </m:sub>
+                      </m:sSub>
+                      <m:r>
+                        <a:rPr lang="pt-BR" i="1">
+                          <a:latin typeface="Cambria Math" panose="02040503050406030204" pitchFamily="18" charset="0"/>
+                        </a:rPr>
+                        <m:t>−</m:t>
+                      </m:r>
+                      <m:f>
+                        <m:fPr>
+                          <m:ctrlPr>
+                            <a:rPr lang="pt-BR" i="1">
+                              <a:latin typeface="Cambria Math" panose="02040503050406030204" pitchFamily="18" charset="0"/>
+                            </a:rPr>
+                          </m:ctrlPr>
+                        </m:fPr>
+                        <m:num>
+                          <m:r>
+                            <a:rPr lang="pt-BR" i="1">
+                              <a:latin typeface="Cambria Math" panose="02040503050406030204" pitchFamily="18" charset="0"/>
+                            </a:rPr>
+                            <m:t>𝜕</m:t>
+                          </m:r>
+                          <m:sSub>
+                            <m:sSubPr>
+                              <m:ctrlPr>
+                                <a:rPr lang="pt-BR" i="1">
+                                  <a:latin typeface="Cambria Math" panose="02040503050406030204" pitchFamily="18" charset="0"/>
+                                </a:rPr>
+                              </m:ctrlPr>
+                            </m:sSubPr>
+                            <m:e>
+                              <m:r>
+                                <a:rPr lang="pt-BR" i="1">
+                                  <a:latin typeface="Cambria Math" panose="02040503050406030204" pitchFamily="18" charset="0"/>
+                                </a:rPr>
+                                <m:t>𝐽</m:t>
+                              </m:r>
+                            </m:e>
+                            <m:sub>
+                              <m:r>
+                                <a:rPr lang="pt-BR" i="1">
+                                  <a:latin typeface="Cambria Math" panose="02040503050406030204" pitchFamily="18" charset="0"/>
+                                </a:rPr>
+                                <m:t>𝑒</m:t>
+                              </m:r>
+                            </m:sub>
+                          </m:sSub>
+                        </m:num>
+                        <m:den>
+                          <m:r>
+                            <a:rPr lang="pt-BR" i="1">
+                              <a:latin typeface="Cambria Math" panose="02040503050406030204" pitchFamily="18" charset="0"/>
+                            </a:rPr>
+                            <m:t>𝜕</m:t>
+                          </m:r>
+                          <m:sSub>
+                            <m:sSubPr>
+                              <m:ctrlPr>
+                                <a:rPr lang="en-US" i="1">
+                                  <a:latin typeface="Cambria Math" panose="02040503050406030204" pitchFamily="18" charset="0"/>
+                                </a:rPr>
+                              </m:ctrlPr>
+                            </m:sSubPr>
+                            <m:e>
+                              <m:r>
+                                <a:rPr lang="pt-BR" i="1">
+                                  <a:latin typeface="Cambria Math" panose="02040503050406030204" pitchFamily="18" charset="0"/>
+                                </a:rPr>
+                                <m:t>𝑤</m:t>
+                              </m:r>
+                            </m:e>
+                            <m:sub>
+                              <m:r>
+                                <a:rPr lang="pt-BR" i="1">
+                                  <a:latin typeface="Cambria Math" panose="02040503050406030204" pitchFamily="18" charset="0"/>
+                                </a:rPr>
+                                <m:t>2</m:t>
+                              </m:r>
+                            </m:sub>
+                          </m:sSub>
+                        </m:den>
+                      </m:f>
+                      <m:r>
+                        <a:rPr lang="pt-BR" b="0" i="1" smtClean="0">
+                          <a:latin typeface="Cambria Math" panose="02040503050406030204" pitchFamily="18" charset="0"/>
+                        </a:rPr>
+                        <m:t>, </m:t>
+                      </m:r>
+                      <m:r>
+                        <m:rPr>
+                          <m:sty m:val="p"/>
+                        </m:rPr>
+                        <a:rPr lang="pt-BR" b="0" i="0" smtClean="0">
+                          <a:latin typeface="Cambria Math" panose="02040503050406030204" pitchFamily="18" charset="0"/>
+                        </a:rPr>
+                        <m:t>onde</m:t>
+                      </m:r>
+                      <m:r>
+                        <a:rPr lang="pt-BR" b="0" i="0" smtClean="0">
+                          <a:latin typeface="Cambria Math" panose="02040503050406030204" pitchFamily="18" charset="0"/>
+                        </a:rPr>
+                        <m:t> </m:t>
+                      </m:r>
+                      <m:f>
+                        <m:fPr>
+                          <m:ctrlPr>
+                            <a:rPr lang="pt-BR" i="1">
+                              <a:latin typeface="Cambria Math" panose="02040503050406030204" pitchFamily="18" charset="0"/>
+                            </a:rPr>
+                          </m:ctrlPr>
+                        </m:fPr>
+                        <m:num>
+                          <m:r>
+                            <a:rPr lang="pt-BR" i="1">
+                              <a:latin typeface="Cambria Math" panose="02040503050406030204" pitchFamily="18" charset="0"/>
+                            </a:rPr>
+                            <m:t>𝜕</m:t>
+                          </m:r>
+                          <m:sSub>
+                            <m:sSubPr>
+                              <m:ctrlPr>
+                                <a:rPr lang="pt-BR" i="1">
+                                  <a:latin typeface="Cambria Math" panose="02040503050406030204" pitchFamily="18" charset="0"/>
+                                </a:rPr>
+                              </m:ctrlPr>
+                            </m:sSubPr>
+                            <m:e>
+                              <m:r>
+                                <a:rPr lang="pt-BR" i="1">
+                                  <a:latin typeface="Cambria Math" panose="02040503050406030204" pitchFamily="18" charset="0"/>
+                                </a:rPr>
+                                <m:t>𝐽</m:t>
+                              </m:r>
+                            </m:e>
+                            <m:sub>
+                              <m:r>
+                                <a:rPr lang="pt-BR" i="1">
+                                  <a:latin typeface="Cambria Math" panose="02040503050406030204" pitchFamily="18" charset="0"/>
+                                </a:rPr>
+                                <m:t>𝑒</m:t>
+                              </m:r>
+                            </m:sub>
+                          </m:sSub>
+                        </m:num>
+                        <m:den>
+                          <m:r>
+                            <a:rPr lang="pt-BR" i="1">
+                              <a:latin typeface="Cambria Math" panose="02040503050406030204" pitchFamily="18" charset="0"/>
+                            </a:rPr>
+                            <m:t>𝜕</m:t>
+                          </m:r>
+                          <m:sSub>
+                            <m:sSubPr>
+                              <m:ctrlPr>
+                                <a:rPr lang="en-US" i="1">
+                                  <a:latin typeface="Cambria Math" panose="02040503050406030204" pitchFamily="18" charset="0"/>
+                                </a:rPr>
+                              </m:ctrlPr>
+                            </m:sSubPr>
+                            <m:e>
+                              <m:r>
+                                <a:rPr lang="pt-BR" i="1">
+                                  <a:latin typeface="Cambria Math" panose="02040503050406030204" pitchFamily="18" charset="0"/>
+                                </a:rPr>
+                                <m:t>𝑤</m:t>
+                              </m:r>
+                            </m:e>
+                            <m:sub>
+                              <m:r>
+                                <a:rPr lang="pt-BR" i="1">
+                                  <a:latin typeface="Cambria Math" panose="02040503050406030204" pitchFamily="18" charset="0"/>
+                                </a:rPr>
+                                <m:t>2</m:t>
+                              </m:r>
+                            </m:sub>
+                          </m:sSub>
+                        </m:den>
+                      </m:f>
+                      <m:r>
+                        <a:rPr lang="pt-BR" i="1">
+                          <a:latin typeface="Cambria Math" panose="02040503050406030204" pitchFamily="18" charset="0"/>
+                        </a:rPr>
+                        <m:t>=</m:t>
+                      </m:r>
+                      <m:f>
+                        <m:fPr>
+                          <m:ctrlPr>
+                            <a:rPr lang="pt-BR" i="1">
+                              <a:latin typeface="Cambria Math" panose="02040503050406030204" pitchFamily="18" charset="0"/>
+                            </a:rPr>
+                          </m:ctrlPr>
+                        </m:fPr>
+                        <m:num>
+                          <m:r>
+                            <a:rPr lang="pt-BR" i="1">
+                              <a:latin typeface="Cambria Math" panose="02040503050406030204" pitchFamily="18" charset="0"/>
+                            </a:rPr>
+                            <m:t>𝜕</m:t>
+                          </m:r>
+                          <m:sSub>
+                            <m:sSubPr>
+                              <m:ctrlPr>
+                                <a:rPr lang="pt-BR" i="1">
+                                  <a:latin typeface="Cambria Math" panose="02040503050406030204" pitchFamily="18" charset="0"/>
+                                </a:rPr>
+                              </m:ctrlPr>
+                            </m:sSubPr>
+                            <m:e>
+                              <m:r>
+                                <a:rPr lang="pt-BR" i="1">
+                                  <a:latin typeface="Cambria Math" panose="02040503050406030204" pitchFamily="18" charset="0"/>
+                                </a:rPr>
+                                <m:t>𝐽</m:t>
+                              </m:r>
+                            </m:e>
+                            <m:sub>
+                              <m:r>
+                                <a:rPr lang="pt-BR" i="1">
+                                  <a:latin typeface="Cambria Math" panose="02040503050406030204" pitchFamily="18" charset="0"/>
+                                </a:rPr>
+                                <m:t>𝑒</m:t>
+                              </m:r>
+                            </m:sub>
+                          </m:sSub>
+                        </m:num>
+                        <m:den>
+                          <m:r>
+                            <a:rPr lang="pt-BR" i="1">
+                              <a:latin typeface="Cambria Math" panose="02040503050406030204" pitchFamily="18" charset="0"/>
+                            </a:rPr>
+                            <m:t>𝜕</m:t>
+                          </m:r>
+                          <m:acc>
+                            <m:accPr>
+                              <m:chr m:val="̂"/>
+                              <m:ctrlPr>
+                                <a:rPr lang="pt-BR" i="1">
+                                  <a:latin typeface="Cambria Math" panose="02040503050406030204" pitchFamily="18" charset="0"/>
+                                </a:rPr>
+                              </m:ctrlPr>
+                            </m:accPr>
+                            <m:e>
+                              <m:r>
+                                <a:rPr lang="pt-BR" i="1">
+                                  <a:latin typeface="Cambria Math" panose="02040503050406030204" pitchFamily="18" charset="0"/>
+                                </a:rPr>
+                                <m:t>𝑦</m:t>
+                              </m:r>
+                            </m:e>
+                          </m:acc>
+                        </m:den>
+                      </m:f>
+                      <m:f>
+                        <m:fPr>
+                          <m:ctrlPr>
+                            <a:rPr lang="pt-BR" i="1">
+                              <a:latin typeface="Cambria Math" panose="02040503050406030204" pitchFamily="18" charset="0"/>
+                            </a:rPr>
+                          </m:ctrlPr>
+                        </m:fPr>
+                        <m:num>
+                          <m:r>
+                            <a:rPr lang="pt-BR" i="1">
+                              <a:latin typeface="Cambria Math" panose="02040503050406030204" pitchFamily="18" charset="0"/>
+                            </a:rPr>
+                            <m:t>𝜕</m:t>
+                          </m:r>
+                          <m:acc>
+                            <m:accPr>
+                              <m:chr m:val="̂"/>
+                              <m:ctrlPr>
+                                <a:rPr lang="pt-BR" i="1">
+                                  <a:latin typeface="Cambria Math" panose="02040503050406030204" pitchFamily="18" charset="0"/>
+                                </a:rPr>
+                              </m:ctrlPr>
+                            </m:accPr>
+                            <m:e>
+                              <m:r>
+                                <a:rPr lang="pt-BR" i="1">
+                                  <a:latin typeface="Cambria Math" panose="02040503050406030204" pitchFamily="18" charset="0"/>
+                                </a:rPr>
+                                <m:t>𝑦</m:t>
+                              </m:r>
+                            </m:e>
+                          </m:acc>
+                        </m:num>
+                        <m:den>
+                          <m:r>
+                            <a:rPr lang="pt-BR" i="1">
+                              <a:latin typeface="Cambria Math" panose="02040503050406030204" pitchFamily="18" charset="0"/>
+                            </a:rPr>
+                            <m:t>𝜕</m:t>
+                          </m:r>
+                          <m:sSub>
+                            <m:sSubPr>
+                              <m:ctrlPr>
+                                <a:rPr lang="en-US" i="1">
+                                  <a:latin typeface="Cambria Math" panose="02040503050406030204" pitchFamily="18" charset="0"/>
+                                </a:rPr>
+                              </m:ctrlPr>
+                            </m:sSubPr>
+                            <m:e>
+                              <m:r>
+                                <a:rPr lang="pt-BR" i="1">
+                                  <a:latin typeface="Cambria Math" panose="02040503050406030204" pitchFamily="18" charset="0"/>
+                                </a:rPr>
+                                <m:t>𝑔</m:t>
+                              </m:r>
+                            </m:e>
+                            <m:sub>
+                              <m:r>
+                                <a:rPr lang="pt-BR" i="1">
+                                  <a:latin typeface="Cambria Math" panose="02040503050406030204" pitchFamily="18" charset="0"/>
+                                </a:rPr>
+                                <m:t>2</m:t>
+                              </m:r>
+                            </m:sub>
+                          </m:sSub>
+                        </m:den>
+                      </m:f>
+                      <m:f>
+                        <m:fPr>
+                          <m:ctrlPr>
+                            <a:rPr lang="pt-BR" i="1">
+                              <a:latin typeface="Cambria Math" panose="02040503050406030204" pitchFamily="18" charset="0"/>
+                            </a:rPr>
+                          </m:ctrlPr>
+                        </m:fPr>
+                        <m:num>
+                          <m:r>
+                            <a:rPr lang="pt-BR" i="1">
+                              <a:latin typeface="Cambria Math" panose="02040503050406030204" pitchFamily="18" charset="0"/>
+                            </a:rPr>
+                            <m:t>𝜕</m:t>
+                          </m:r>
+                          <m:sSub>
+                            <m:sSubPr>
+                              <m:ctrlPr>
+                                <a:rPr lang="en-US" i="1">
+                                  <a:latin typeface="Cambria Math" panose="02040503050406030204" pitchFamily="18" charset="0"/>
+                                </a:rPr>
+                              </m:ctrlPr>
+                            </m:sSubPr>
+                            <m:e>
+                              <m:r>
+                                <a:rPr lang="pt-BR" i="1">
+                                  <a:latin typeface="Cambria Math" panose="02040503050406030204" pitchFamily="18" charset="0"/>
+                                </a:rPr>
+                                <m:t>𝑔</m:t>
+                              </m:r>
+                            </m:e>
+                            <m:sub>
+                              <m:r>
+                                <a:rPr lang="pt-BR" i="1">
+                                  <a:latin typeface="Cambria Math" panose="02040503050406030204" pitchFamily="18" charset="0"/>
+                                </a:rPr>
+                                <m:t>2</m:t>
+                              </m:r>
+                            </m:sub>
+                          </m:sSub>
+                        </m:num>
+                        <m:den>
+                          <m:r>
+                            <a:rPr lang="pt-BR" i="1">
+                              <a:latin typeface="Cambria Math" panose="02040503050406030204" pitchFamily="18" charset="0"/>
+                            </a:rPr>
+                            <m:t>𝜕</m:t>
+                          </m:r>
+                          <m:sSub>
+                            <m:sSubPr>
+                              <m:ctrlPr>
+                                <a:rPr lang="en-US" i="1">
+                                  <a:latin typeface="Cambria Math" panose="02040503050406030204" pitchFamily="18" charset="0"/>
+                                </a:rPr>
+                              </m:ctrlPr>
+                            </m:sSubPr>
+                            <m:e>
+                              <m:r>
+                                <a:rPr lang="pt-BR" i="1">
+                                  <a:latin typeface="Cambria Math" panose="02040503050406030204" pitchFamily="18" charset="0"/>
+                                </a:rPr>
+                                <m:t>𝑤</m:t>
+                              </m:r>
+                            </m:e>
+                            <m:sub>
+                              <m:r>
+                                <a:rPr lang="pt-BR" i="1">
+                                  <a:latin typeface="Cambria Math" panose="02040503050406030204" pitchFamily="18" charset="0"/>
+                                </a:rPr>
+                                <m:t>2</m:t>
+                              </m:r>
+                            </m:sub>
+                          </m:sSub>
+                        </m:den>
+                      </m:f>
+                      <m:r>
+                        <a:rPr lang="pt-BR" b="0" i="0" smtClean="0">
+                          <a:latin typeface="Cambria Math" panose="02040503050406030204" pitchFamily="18" charset="0"/>
+                        </a:rPr>
+                        <m:t>,</m:t>
+                      </m:r>
+                    </m:oMath>
+                  </m:oMathPara>
+                </a14:m>
+                <a:endParaRPr lang="en-US" dirty="0"/>
+              </a:p>
+              <a:p>
+                <a:pPr marL="0" indent="0">
+                  <a:buNone/>
+                </a:pPr>
+                <a:endParaRPr lang="en-US" dirty="0"/>
+              </a:p>
+              <a:p>
+                <a:pPr marL="0" indent="0">
+                  <a:buNone/>
+                </a:pPr>
+                <a14:m>
+                  <m:oMathPara xmlns:m="http://schemas.openxmlformats.org/officeDocument/2006/math">
+                    <m:oMathParaPr>
+                      <m:jc m:val="centerGroup"/>
+                    </m:oMathParaPr>
+                    <m:oMath xmlns:m="http://schemas.openxmlformats.org/officeDocument/2006/math">
+                      <m:sSub>
+                        <m:sSubPr>
+                          <m:ctrlPr>
+                            <a:rPr lang="en-US" i="1">
+                              <a:latin typeface="Cambria Math" panose="02040503050406030204" pitchFamily="18" charset="0"/>
+                            </a:rPr>
+                          </m:ctrlPr>
+                        </m:sSubPr>
+                        <m:e>
+                          <m:r>
+                            <a:rPr lang="pt-BR" i="1">
+                              <a:latin typeface="Cambria Math" panose="02040503050406030204" pitchFamily="18" charset="0"/>
+                            </a:rPr>
+                            <m:t>𝑤</m:t>
+                          </m:r>
+                        </m:e>
+                        <m:sub>
+                          <m:r>
+                            <a:rPr lang="pt-BR" i="1">
+                              <a:latin typeface="Cambria Math" panose="02040503050406030204" pitchFamily="18" charset="0"/>
+                            </a:rPr>
+                            <m:t>1</m:t>
+                          </m:r>
+                        </m:sub>
+                      </m:sSub>
+                      <m:r>
+                        <a:rPr lang="pt-BR" i="1">
+                          <a:latin typeface="Cambria Math" panose="02040503050406030204" pitchFamily="18" charset="0"/>
+                        </a:rPr>
+                        <m:t>=</m:t>
+                      </m:r>
+                      <m:sSub>
+                        <m:sSubPr>
+                          <m:ctrlPr>
+                            <a:rPr lang="en-US" i="1">
+                              <a:latin typeface="Cambria Math" panose="02040503050406030204" pitchFamily="18" charset="0"/>
+                            </a:rPr>
+                          </m:ctrlPr>
+                        </m:sSubPr>
+                        <m:e>
+                          <m:r>
+                            <a:rPr lang="pt-BR" i="1">
+                              <a:latin typeface="Cambria Math" panose="02040503050406030204" pitchFamily="18" charset="0"/>
+                            </a:rPr>
+                            <m:t>𝑤</m:t>
+                          </m:r>
+                        </m:e>
+                        <m:sub>
+                          <m:r>
+                            <a:rPr lang="pt-BR" i="1">
+                              <a:latin typeface="Cambria Math" panose="02040503050406030204" pitchFamily="18" charset="0"/>
+                            </a:rPr>
+                            <m:t>1</m:t>
+                          </m:r>
+                        </m:sub>
+                      </m:sSub>
+                      <m:r>
+                        <a:rPr lang="pt-BR" i="1">
+                          <a:latin typeface="Cambria Math" panose="02040503050406030204" pitchFamily="18" charset="0"/>
+                        </a:rPr>
+                        <m:t>−</m:t>
+                      </m:r>
+                      <m:f>
+                        <m:fPr>
+                          <m:ctrlPr>
+                            <a:rPr lang="pt-BR" i="1">
+                              <a:latin typeface="Cambria Math" panose="02040503050406030204" pitchFamily="18" charset="0"/>
+                            </a:rPr>
+                          </m:ctrlPr>
+                        </m:fPr>
+                        <m:num>
+                          <m:r>
+                            <a:rPr lang="pt-BR" i="1">
+                              <a:latin typeface="Cambria Math" panose="02040503050406030204" pitchFamily="18" charset="0"/>
+                            </a:rPr>
+                            <m:t>𝜕</m:t>
+                          </m:r>
+                          <m:sSub>
+                            <m:sSubPr>
+                              <m:ctrlPr>
+                                <a:rPr lang="pt-BR" i="1">
+                                  <a:latin typeface="Cambria Math" panose="02040503050406030204" pitchFamily="18" charset="0"/>
+                                </a:rPr>
+                              </m:ctrlPr>
+                            </m:sSubPr>
+                            <m:e>
+                              <m:r>
+                                <a:rPr lang="pt-BR" i="1">
+                                  <a:latin typeface="Cambria Math" panose="02040503050406030204" pitchFamily="18" charset="0"/>
+                                </a:rPr>
+                                <m:t>𝐽</m:t>
+                              </m:r>
+                            </m:e>
+                            <m:sub>
+                              <m:r>
+                                <a:rPr lang="pt-BR" i="1">
+                                  <a:latin typeface="Cambria Math" panose="02040503050406030204" pitchFamily="18" charset="0"/>
+                                </a:rPr>
+                                <m:t>𝑒</m:t>
+                              </m:r>
+                            </m:sub>
+                          </m:sSub>
+                        </m:num>
+                        <m:den>
+                          <m:r>
+                            <a:rPr lang="pt-BR" i="1">
+                              <a:latin typeface="Cambria Math" panose="02040503050406030204" pitchFamily="18" charset="0"/>
+                            </a:rPr>
+                            <m:t>𝜕</m:t>
+                          </m:r>
+                          <m:sSub>
+                            <m:sSubPr>
+                              <m:ctrlPr>
+                                <a:rPr lang="en-US" i="1">
+                                  <a:latin typeface="Cambria Math" panose="02040503050406030204" pitchFamily="18" charset="0"/>
+                                </a:rPr>
+                              </m:ctrlPr>
+                            </m:sSubPr>
+                            <m:e>
+                              <m:r>
+                                <a:rPr lang="pt-BR" i="1">
+                                  <a:latin typeface="Cambria Math" panose="02040503050406030204" pitchFamily="18" charset="0"/>
+                                </a:rPr>
+                                <m:t>𝑤</m:t>
+                              </m:r>
+                            </m:e>
+                            <m:sub>
+                              <m:r>
+                                <a:rPr lang="pt-BR" i="1">
+                                  <a:latin typeface="Cambria Math" panose="02040503050406030204" pitchFamily="18" charset="0"/>
+                                </a:rPr>
+                                <m:t>1</m:t>
+                              </m:r>
+                            </m:sub>
+                          </m:sSub>
+                        </m:den>
+                      </m:f>
+                      <m:r>
+                        <a:rPr lang="pt-BR" b="0" i="1" smtClean="0">
+                          <a:latin typeface="Cambria Math" panose="02040503050406030204" pitchFamily="18" charset="0"/>
+                        </a:rPr>
+                        <m:t>, </m:t>
+                      </m:r>
+                      <m:r>
+                        <m:rPr>
+                          <m:sty m:val="p"/>
+                        </m:rPr>
+                        <a:rPr lang="pt-BR" b="0" i="0" smtClean="0">
+                          <a:latin typeface="Cambria Math" panose="02040503050406030204" pitchFamily="18" charset="0"/>
+                        </a:rPr>
+                        <m:t>onde</m:t>
+                      </m:r>
+                      <m:r>
+                        <a:rPr lang="pt-BR" b="0" i="1" smtClean="0">
+                          <a:latin typeface="Cambria Math" panose="02040503050406030204" pitchFamily="18" charset="0"/>
+                        </a:rPr>
+                        <m:t> </m:t>
+                      </m:r>
+                      <m:f>
+                        <m:fPr>
+                          <m:ctrlPr>
+                            <a:rPr lang="pt-BR" i="1">
+                              <a:latin typeface="Cambria Math" panose="02040503050406030204" pitchFamily="18" charset="0"/>
+                            </a:rPr>
+                          </m:ctrlPr>
+                        </m:fPr>
+                        <m:num>
+                          <m:r>
+                            <a:rPr lang="pt-BR" i="1">
+                              <a:latin typeface="Cambria Math" panose="02040503050406030204" pitchFamily="18" charset="0"/>
+                            </a:rPr>
+                            <m:t>𝜕</m:t>
+                          </m:r>
+                          <m:sSub>
+                            <m:sSubPr>
+                              <m:ctrlPr>
+                                <a:rPr lang="pt-BR" i="1">
+                                  <a:latin typeface="Cambria Math" panose="02040503050406030204" pitchFamily="18" charset="0"/>
+                                </a:rPr>
+                              </m:ctrlPr>
+                            </m:sSubPr>
+                            <m:e>
+                              <m:r>
+                                <a:rPr lang="pt-BR" i="1">
+                                  <a:latin typeface="Cambria Math" panose="02040503050406030204" pitchFamily="18" charset="0"/>
+                                </a:rPr>
+                                <m:t>𝐽</m:t>
+                              </m:r>
+                            </m:e>
+                            <m:sub>
+                              <m:r>
+                                <a:rPr lang="pt-BR" i="1">
+                                  <a:latin typeface="Cambria Math" panose="02040503050406030204" pitchFamily="18" charset="0"/>
+                                </a:rPr>
+                                <m:t>𝑒</m:t>
+                              </m:r>
+                            </m:sub>
+                          </m:sSub>
+                        </m:num>
+                        <m:den>
+                          <m:r>
+                            <a:rPr lang="pt-BR" i="1">
+                              <a:latin typeface="Cambria Math" panose="02040503050406030204" pitchFamily="18" charset="0"/>
+                            </a:rPr>
+                            <m:t>𝜕</m:t>
+                          </m:r>
+                          <m:sSub>
+                            <m:sSubPr>
+                              <m:ctrlPr>
+                                <a:rPr lang="en-US" i="1">
+                                  <a:latin typeface="Cambria Math" panose="02040503050406030204" pitchFamily="18" charset="0"/>
+                                </a:rPr>
+                              </m:ctrlPr>
+                            </m:sSubPr>
+                            <m:e>
+                              <m:r>
+                                <a:rPr lang="pt-BR" i="1">
+                                  <a:latin typeface="Cambria Math" panose="02040503050406030204" pitchFamily="18" charset="0"/>
+                                </a:rPr>
+                                <m:t>𝑤</m:t>
+                              </m:r>
+                            </m:e>
+                            <m:sub>
+                              <m:r>
+                                <a:rPr lang="pt-BR" i="1">
+                                  <a:latin typeface="Cambria Math" panose="02040503050406030204" pitchFamily="18" charset="0"/>
+                                </a:rPr>
+                                <m:t>1</m:t>
+                              </m:r>
+                            </m:sub>
+                          </m:sSub>
+                        </m:den>
+                      </m:f>
+                      <m:r>
+                        <a:rPr lang="pt-BR" i="1">
+                          <a:latin typeface="Cambria Math" panose="02040503050406030204" pitchFamily="18" charset="0"/>
+                        </a:rPr>
+                        <m:t>=</m:t>
+                      </m:r>
+                      <m:f>
+                        <m:fPr>
+                          <m:ctrlPr>
+                            <a:rPr lang="pt-BR" i="1">
+                              <a:latin typeface="Cambria Math" panose="02040503050406030204" pitchFamily="18" charset="0"/>
+                            </a:rPr>
+                          </m:ctrlPr>
+                        </m:fPr>
+                        <m:num>
+                          <m:r>
+                            <a:rPr lang="pt-BR" i="1">
+                              <a:latin typeface="Cambria Math" panose="02040503050406030204" pitchFamily="18" charset="0"/>
+                            </a:rPr>
+                            <m:t>𝜕</m:t>
+                          </m:r>
+                          <m:sSub>
+                            <m:sSubPr>
+                              <m:ctrlPr>
+                                <a:rPr lang="pt-BR" i="1">
+                                  <a:latin typeface="Cambria Math" panose="02040503050406030204" pitchFamily="18" charset="0"/>
+                                </a:rPr>
+                              </m:ctrlPr>
+                            </m:sSubPr>
+                            <m:e>
+                              <m:r>
+                                <a:rPr lang="pt-BR" i="1">
+                                  <a:latin typeface="Cambria Math" panose="02040503050406030204" pitchFamily="18" charset="0"/>
+                                </a:rPr>
+                                <m:t>𝐽</m:t>
+                              </m:r>
+                            </m:e>
+                            <m:sub>
+                              <m:r>
+                                <a:rPr lang="pt-BR" i="1">
+                                  <a:latin typeface="Cambria Math" panose="02040503050406030204" pitchFamily="18" charset="0"/>
+                                </a:rPr>
+                                <m:t>𝑒</m:t>
+                              </m:r>
+                            </m:sub>
+                          </m:sSub>
+                        </m:num>
+                        <m:den>
+                          <m:r>
+                            <a:rPr lang="pt-BR" i="1">
+                              <a:latin typeface="Cambria Math" panose="02040503050406030204" pitchFamily="18" charset="0"/>
+                            </a:rPr>
+                            <m:t>𝜕</m:t>
+                          </m:r>
+                          <m:acc>
+                            <m:accPr>
+                              <m:chr m:val="̂"/>
+                              <m:ctrlPr>
+                                <a:rPr lang="pt-BR" i="1">
+                                  <a:latin typeface="Cambria Math" panose="02040503050406030204" pitchFamily="18" charset="0"/>
+                                </a:rPr>
+                              </m:ctrlPr>
+                            </m:accPr>
+                            <m:e>
+                              <m:r>
+                                <a:rPr lang="pt-BR" i="1">
+                                  <a:latin typeface="Cambria Math" panose="02040503050406030204" pitchFamily="18" charset="0"/>
+                                </a:rPr>
+                                <m:t>𝑦</m:t>
+                              </m:r>
+                            </m:e>
+                          </m:acc>
+                        </m:den>
+                      </m:f>
+                      <m:f>
+                        <m:fPr>
+                          <m:ctrlPr>
+                            <a:rPr lang="pt-BR" i="1">
+                              <a:latin typeface="Cambria Math" panose="02040503050406030204" pitchFamily="18" charset="0"/>
+                            </a:rPr>
+                          </m:ctrlPr>
+                        </m:fPr>
+                        <m:num>
+                          <m:r>
+                            <a:rPr lang="pt-BR" i="1">
+                              <a:latin typeface="Cambria Math" panose="02040503050406030204" pitchFamily="18" charset="0"/>
+                            </a:rPr>
+                            <m:t>𝜕</m:t>
+                          </m:r>
+                          <m:acc>
+                            <m:accPr>
+                              <m:chr m:val="̂"/>
+                              <m:ctrlPr>
+                                <a:rPr lang="pt-BR" i="1">
+                                  <a:latin typeface="Cambria Math" panose="02040503050406030204" pitchFamily="18" charset="0"/>
+                                </a:rPr>
+                              </m:ctrlPr>
+                            </m:accPr>
+                            <m:e>
+                              <m:r>
+                                <a:rPr lang="pt-BR" i="1">
+                                  <a:latin typeface="Cambria Math" panose="02040503050406030204" pitchFamily="18" charset="0"/>
+                                </a:rPr>
+                                <m:t>𝑦</m:t>
+                              </m:r>
+                            </m:e>
+                          </m:acc>
+                        </m:num>
+                        <m:den>
+                          <m:r>
+                            <a:rPr lang="pt-BR" i="1">
+                              <a:latin typeface="Cambria Math" panose="02040503050406030204" pitchFamily="18" charset="0"/>
+                            </a:rPr>
+                            <m:t>𝜕</m:t>
+                          </m:r>
+                          <m:sSub>
+                            <m:sSubPr>
+                              <m:ctrlPr>
+                                <a:rPr lang="en-US" i="1">
+                                  <a:latin typeface="Cambria Math" panose="02040503050406030204" pitchFamily="18" charset="0"/>
+                                </a:rPr>
+                              </m:ctrlPr>
+                            </m:sSubPr>
+                            <m:e>
+                              <m:r>
+                                <a:rPr lang="pt-BR" i="1">
+                                  <a:latin typeface="Cambria Math" panose="02040503050406030204" pitchFamily="18" charset="0"/>
+                                </a:rPr>
+                                <m:t>𝑔</m:t>
+                              </m:r>
+                            </m:e>
+                            <m:sub>
+                              <m:r>
+                                <a:rPr lang="pt-BR" i="1">
+                                  <a:latin typeface="Cambria Math" panose="02040503050406030204" pitchFamily="18" charset="0"/>
+                                </a:rPr>
+                                <m:t>2</m:t>
+                              </m:r>
+                            </m:sub>
+                          </m:sSub>
+                        </m:den>
+                      </m:f>
+                      <m:f>
+                        <m:fPr>
+                          <m:ctrlPr>
+                            <a:rPr lang="pt-BR" i="1">
+                              <a:latin typeface="Cambria Math" panose="02040503050406030204" pitchFamily="18" charset="0"/>
+                            </a:rPr>
+                          </m:ctrlPr>
+                        </m:fPr>
+                        <m:num>
+                          <m:r>
+                            <a:rPr lang="pt-BR" i="1">
+                              <a:latin typeface="Cambria Math" panose="02040503050406030204" pitchFamily="18" charset="0"/>
+                            </a:rPr>
+                            <m:t>𝜕</m:t>
+                          </m:r>
+                          <m:sSub>
+                            <m:sSubPr>
+                              <m:ctrlPr>
+                                <a:rPr lang="en-US" i="1">
+                                  <a:latin typeface="Cambria Math" panose="02040503050406030204" pitchFamily="18" charset="0"/>
+                                </a:rPr>
+                              </m:ctrlPr>
+                            </m:sSubPr>
+                            <m:e>
+                              <m:r>
+                                <a:rPr lang="pt-BR" i="1">
+                                  <a:latin typeface="Cambria Math" panose="02040503050406030204" pitchFamily="18" charset="0"/>
+                                </a:rPr>
+                                <m:t>𝑔</m:t>
+                              </m:r>
+                            </m:e>
+                            <m:sub>
+                              <m:r>
+                                <a:rPr lang="pt-BR" i="1">
+                                  <a:latin typeface="Cambria Math" panose="02040503050406030204" pitchFamily="18" charset="0"/>
+                                </a:rPr>
+                                <m:t>2</m:t>
+                              </m:r>
+                            </m:sub>
+                          </m:sSub>
+                        </m:num>
+                        <m:den>
+                          <m:r>
+                            <a:rPr lang="pt-BR" i="1">
+                              <a:latin typeface="Cambria Math" panose="02040503050406030204" pitchFamily="18" charset="0"/>
+                            </a:rPr>
+                            <m:t>𝜕</m:t>
+                          </m:r>
+                          <m:sSub>
+                            <m:sSubPr>
+                              <m:ctrlPr>
+                                <a:rPr lang="en-US" i="1">
+                                  <a:latin typeface="Cambria Math" panose="02040503050406030204" pitchFamily="18" charset="0"/>
+                                </a:rPr>
+                              </m:ctrlPr>
+                            </m:sSubPr>
+                            <m:e>
+                              <m:r>
+                                <a:rPr lang="pt-BR" i="1">
+                                  <a:latin typeface="Cambria Math" panose="02040503050406030204" pitchFamily="18" charset="0"/>
+                                </a:rPr>
+                                <m:t>𝑎</m:t>
+                              </m:r>
+                            </m:e>
+                            <m:sub>
+                              <m:r>
+                                <a:rPr lang="pt-BR" i="1">
+                                  <a:latin typeface="Cambria Math" panose="02040503050406030204" pitchFamily="18" charset="0"/>
+                                </a:rPr>
+                                <m:t>1</m:t>
+                              </m:r>
+                            </m:sub>
+                          </m:sSub>
+                        </m:den>
+                      </m:f>
+                      <m:f>
+                        <m:fPr>
+                          <m:ctrlPr>
+                            <a:rPr lang="pt-BR" i="1">
+                              <a:latin typeface="Cambria Math" panose="02040503050406030204" pitchFamily="18" charset="0"/>
+                            </a:rPr>
+                          </m:ctrlPr>
+                        </m:fPr>
+                        <m:num>
+                          <m:r>
+                            <a:rPr lang="pt-BR" i="1">
+                              <a:latin typeface="Cambria Math" panose="02040503050406030204" pitchFamily="18" charset="0"/>
+                            </a:rPr>
+                            <m:t>𝜕</m:t>
+                          </m:r>
+                          <m:sSub>
+                            <m:sSubPr>
+                              <m:ctrlPr>
+                                <a:rPr lang="en-US" i="1">
+                                  <a:latin typeface="Cambria Math" panose="02040503050406030204" pitchFamily="18" charset="0"/>
+                                </a:rPr>
+                              </m:ctrlPr>
+                            </m:sSubPr>
+                            <m:e>
+                              <m:r>
+                                <a:rPr lang="pt-BR" i="1">
+                                  <a:latin typeface="Cambria Math" panose="02040503050406030204" pitchFamily="18" charset="0"/>
+                                </a:rPr>
+                                <m:t>𝑎</m:t>
+                              </m:r>
+                            </m:e>
+                            <m:sub>
+                              <m:r>
+                                <a:rPr lang="pt-BR" i="1">
+                                  <a:latin typeface="Cambria Math" panose="02040503050406030204" pitchFamily="18" charset="0"/>
+                                </a:rPr>
+                                <m:t>1</m:t>
+                              </m:r>
+                            </m:sub>
+                          </m:sSub>
+                        </m:num>
+                        <m:den>
+                          <m:r>
+                            <a:rPr lang="pt-BR" i="1">
+                              <a:latin typeface="Cambria Math" panose="02040503050406030204" pitchFamily="18" charset="0"/>
+                            </a:rPr>
+                            <m:t>𝜕</m:t>
+                          </m:r>
+                          <m:sSub>
+                            <m:sSubPr>
+                              <m:ctrlPr>
+                                <a:rPr lang="en-US" i="1">
+                                  <a:latin typeface="Cambria Math" panose="02040503050406030204" pitchFamily="18" charset="0"/>
+                                </a:rPr>
+                              </m:ctrlPr>
+                            </m:sSubPr>
+                            <m:e>
+                              <m:r>
+                                <a:rPr lang="pt-BR" i="1">
+                                  <a:latin typeface="Cambria Math" panose="02040503050406030204" pitchFamily="18" charset="0"/>
+                                </a:rPr>
+                                <m:t>𝑔</m:t>
+                              </m:r>
+                            </m:e>
+                            <m:sub>
+                              <m:r>
+                                <a:rPr lang="pt-BR" i="1">
+                                  <a:latin typeface="Cambria Math" panose="02040503050406030204" pitchFamily="18" charset="0"/>
+                                </a:rPr>
+                                <m:t>1</m:t>
+                              </m:r>
+                            </m:sub>
+                          </m:sSub>
+                        </m:den>
+                      </m:f>
+                      <m:f>
+                        <m:fPr>
+                          <m:ctrlPr>
+                            <a:rPr lang="pt-BR" i="1">
+                              <a:latin typeface="Cambria Math" panose="02040503050406030204" pitchFamily="18" charset="0"/>
+                            </a:rPr>
+                          </m:ctrlPr>
+                        </m:fPr>
+                        <m:num>
+                          <m:r>
+                            <a:rPr lang="pt-BR" i="1">
+                              <a:latin typeface="Cambria Math" panose="02040503050406030204" pitchFamily="18" charset="0"/>
+                            </a:rPr>
+                            <m:t>𝜕</m:t>
+                          </m:r>
+                          <m:sSub>
+                            <m:sSubPr>
+                              <m:ctrlPr>
+                                <a:rPr lang="en-US" i="1">
+                                  <a:latin typeface="Cambria Math" panose="02040503050406030204" pitchFamily="18" charset="0"/>
+                                </a:rPr>
+                              </m:ctrlPr>
+                            </m:sSubPr>
+                            <m:e>
+                              <m:r>
+                                <a:rPr lang="pt-BR" i="1">
+                                  <a:latin typeface="Cambria Math" panose="02040503050406030204" pitchFamily="18" charset="0"/>
+                                </a:rPr>
+                                <m:t>𝑔</m:t>
+                              </m:r>
+                            </m:e>
+                            <m:sub>
+                              <m:r>
+                                <a:rPr lang="pt-BR" i="1">
+                                  <a:latin typeface="Cambria Math" panose="02040503050406030204" pitchFamily="18" charset="0"/>
+                                </a:rPr>
+                                <m:t>1</m:t>
+                              </m:r>
+                            </m:sub>
+                          </m:sSub>
+                        </m:num>
+                        <m:den>
+                          <m:r>
+                            <a:rPr lang="pt-BR" i="1">
+                              <a:latin typeface="Cambria Math" panose="02040503050406030204" pitchFamily="18" charset="0"/>
+                            </a:rPr>
+                            <m:t>𝜕</m:t>
+                          </m:r>
+                          <m:sSub>
+                            <m:sSubPr>
+                              <m:ctrlPr>
+                                <a:rPr lang="en-US" i="1">
+                                  <a:latin typeface="Cambria Math" panose="02040503050406030204" pitchFamily="18" charset="0"/>
+                                </a:rPr>
+                              </m:ctrlPr>
+                            </m:sSubPr>
+                            <m:e>
+                              <m:r>
+                                <a:rPr lang="pt-BR" i="1">
+                                  <a:latin typeface="Cambria Math" panose="02040503050406030204" pitchFamily="18" charset="0"/>
+                                </a:rPr>
+                                <m:t>𝑤</m:t>
+                              </m:r>
+                            </m:e>
+                            <m:sub>
+                              <m:r>
+                                <a:rPr lang="pt-BR" i="1">
+                                  <a:latin typeface="Cambria Math" panose="02040503050406030204" pitchFamily="18" charset="0"/>
+                                </a:rPr>
+                                <m:t>1</m:t>
+                              </m:r>
+                            </m:sub>
+                          </m:sSub>
+                        </m:den>
+                      </m:f>
+                      <m:r>
+                        <a:rPr lang="pt-BR" b="0" i="1" smtClean="0">
+                          <a:latin typeface="Cambria Math" panose="02040503050406030204" pitchFamily="18" charset="0"/>
+                        </a:rPr>
+                        <m:t>,</m:t>
+                      </m:r>
+                    </m:oMath>
+                  </m:oMathPara>
+                </a14:m>
+                <a:endParaRPr lang="en-US" dirty="0"/>
+              </a:p>
+              <a:p>
+                <a:pPr marL="0" indent="0">
+                  <a:buNone/>
+                </a:pPr>
+                <a:r>
+                  <a:rPr lang="pt-BR" dirty="0"/>
+                  <a:t>onde </a:t>
+                </a:r>
+                <a14:m>
+                  <m:oMath xmlns:m="http://schemas.openxmlformats.org/officeDocument/2006/math">
+                    <m:f>
+                      <m:fPr>
+                        <m:ctrlPr>
+                          <a:rPr lang="pt-BR" i="1">
+                            <a:latin typeface="Cambria Math" panose="02040503050406030204" pitchFamily="18" charset="0"/>
+                          </a:rPr>
+                        </m:ctrlPr>
+                      </m:fPr>
+                      <m:num>
+                        <m:r>
+                          <a:rPr lang="pt-BR" i="1">
+                            <a:latin typeface="Cambria Math" panose="02040503050406030204" pitchFamily="18" charset="0"/>
+                          </a:rPr>
+                          <m:t>𝜕</m:t>
+                        </m:r>
+                        <m:sSub>
+                          <m:sSubPr>
+                            <m:ctrlPr>
+                              <a:rPr lang="pt-BR" i="1">
+                                <a:latin typeface="Cambria Math" panose="02040503050406030204" pitchFamily="18" charset="0"/>
+                              </a:rPr>
+                            </m:ctrlPr>
+                          </m:sSubPr>
+                          <m:e>
+                            <m:r>
+                              <a:rPr lang="pt-BR" i="1">
+                                <a:latin typeface="Cambria Math" panose="02040503050406030204" pitchFamily="18" charset="0"/>
+                              </a:rPr>
+                              <m:t>𝐽</m:t>
+                            </m:r>
+                          </m:e>
+                          <m:sub>
+                            <m:r>
+                              <a:rPr lang="pt-BR" i="1">
+                                <a:latin typeface="Cambria Math" panose="02040503050406030204" pitchFamily="18" charset="0"/>
+                              </a:rPr>
+                              <m:t>𝑒</m:t>
+                            </m:r>
+                          </m:sub>
+                        </m:sSub>
+                      </m:num>
+                      <m:den>
+                        <m:r>
+                          <a:rPr lang="pt-BR" i="1">
+                            <a:latin typeface="Cambria Math" panose="02040503050406030204" pitchFamily="18" charset="0"/>
+                          </a:rPr>
+                          <m:t>𝜕</m:t>
+                        </m:r>
+                        <m:sSub>
+                          <m:sSubPr>
+                            <m:ctrlPr>
+                              <a:rPr lang="en-US" i="1">
+                                <a:latin typeface="Cambria Math" panose="02040503050406030204" pitchFamily="18" charset="0"/>
+                              </a:rPr>
+                            </m:ctrlPr>
+                          </m:sSubPr>
+                          <m:e>
+                            <m:r>
+                              <a:rPr lang="pt-BR" i="1">
+                                <a:latin typeface="Cambria Math" panose="02040503050406030204" pitchFamily="18" charset="0"/>
+                              </a:rPr>
+                              <m:t>𝑤</m:t>
+                            </m:r>
+                          </m:e>
+                          <m:sub>
+                            <m:r>
+                              <a:rPr lang="pt-BR" b="0" i="1" smtClean="0">
+                                <a:latin typeface="Cambria Math" panose="02040503050406030204" pitchFamily="18" charset="0"/>
+                              </a:rPr>
+                              <m:t>1</m:t>
+                            </m:r>
+                          </m:sub>
+                        </m:sSub>
+                      </m:den>
+                    </m:f>
+                  </m:oMath>
+                </a14:m>
+                <a:r>
+                  <a:rPr lang="pt-BR" dirty="0"/>
+                  <a:t> e </a:t>
+                </a:r>
+                <a14:m>
+                  <m:oMath xmlns:m="http://schemas.openxmlformats.org/officeDocument/2006/math">
+                    <m:f>
+                      <m:fPr>
+                        <m:ctrlPr>
+                          <a:rPr lang="pt-BR" i="1">
+                            <a:latin typeface="Cambria Math" panose="02040503050406030204" pitchFamily="18" charset="0"/>
+                          </a:rPr>
+                        </m:ctrlPr>
+                      </m:fPr>
+                      <m:num>
+                        <m:r>
+                          <a:rPr lang="pt-BR" i="1">
+                            <a:latin typeface="Cambria Math" panose="02040503050406030204" pitchFamily="18" charset="0"/>
+                          </a:rPr>
+                          <m:t>𝜕</m:t>
+                        </m:r>
+                        <m:sSub>
+                          <m:sSubPr>
+                            <m:ctrlPr>
+                              <a:rPr lang="pt-BR" i="1">
+                                <a:latin typeface="Cambria Math" panose="02040503050406030204" pitchFamily="18" charset="0"/>
+                              </a:rPr>
+                            </m:ctrlPr>
+                          </m:sSubPr>
+                          <m:e>
+                            <m:r>
+                              <a:rPr lang="pt-BR" i="1">
+                                <a:latin typeface="Cambria Math" panose="02040503050406030204" pitchFamily="18" charset="0"/>
+                              </a:rPr>
+                              <m:t>𝐽</m:t>
+                            </m:r>
+                          </m:e>
+                          <m:sub>
+                            <m:r>
+                              <a:rPr lang="pt-BR" i="1">
+                                <a:latin typeface="Cambria Math" panose="02040503050406030204" pitchFamily="18" charset="0"/>
+                              </a:rPr>
+                              <m:t>𝑒</m:t>
+                            </m:r>
+                          </m:sub>
+                        </m:sSub>
+                      </m:num>
+                      <m:den>
+                        <m:r>
+                          <a:rPr lang="pt-BR" i="1">
+                            <a:latin typeface="Cambria Math" panose="02040503050406030204" pitchFamily="18" charset="0"/>
+                          </a:rPr>
+                          <m:t>𝜕</m:t>
+                        </m:r>
+                        <m:sSub>
+                          <m:sSubPr>
+                            <m:ctrlPr>
+                              <a:rPr lang="en-US" i="1">
+                                <a:latin typeface="Cambria Math" panose="02040503050406030204" pitchFamily="18" charset="0"/>
+                              </a:rPr>
+                            </m:ctrlPr>
+                          </m:sSubPr>
+                          <m:e>
+                            <m:r>
+                              <a:rPr lang="pt-BR" i="1">
+                                <a:latin typeface="Cambria Math" panose="02040503050406030204" pitchFamily="18" charset="0"/>
+                              </a:rPr>
+                              <m:t>𝑤</m:t>
+                            </m:r>
+                          </m:e>
+                          <m:sub>
+                            <m:r>
+                              <a:rPr lang="pt-BR" b="0" i="1" smtClean="0">
+                                <a:latin typeface="Cambria Math" panose="02040503050406030204" pitchFamily="18" charset="0"/>
+                              </a:rPr>
+                              <m:t>2</m:t>
+                            </m:r>
+                          </m:sub>
+                        </m:sSub>
+                      </m:den>
+                    </m:f>
+                  </m:oMath>
+                </a14:m>
+                <a:r>
+                  <a:rPr lang="pt-BR" dirty="0"/>
+                  <a:t> são obtidos com a regra da cadeia.</a:t>
+                </a:r>
+                <a:endParaRPr lang="en-US" dirty="0"/>
+              </a:p>
+            </p:txBody>
+          </p:sp>
+        </mc:Choice>
+        <mc:Fallback>
+          <p:sp>
+            <p:nvSpPr>
+              <p:cNvPr id="3" name="Espaço Reservado para Conteúdo 2">
+                <a:extLst>
+                  <a:ext uri="{FF2B5EF4-FFF2-40B4-BE49-F238E27FC236}">
+                    <a16:creationId xmlns:a16="http://schemas.microsoft.com/office/drawing/2014/main" id="{68DBA540-3B58-4BC7-B375-23ABBBC057D3}"/>
+                  </a:ext>
+                </a:extLst>
+              </p:cNvPr>
+              <p:cNvSpPr>
+                <a:spLocks noGrp="1" noRot="1" noChangeAspect="1" noMove="1" noResize="1" noEditPoints="1" noAdjustHandles="1" noChangeArrowheads="1" noChangeShapeType="1" noTextEdit="1"/>
+              </p:cNvSpPr>
+              <p:nvPr>
+                <p:ph idx="1"/>
+              </p:nvPr>
+            </p:nvSpPr>
+            <p:spPr>
+              <a:xfrm>
+                <a:off x="838199" y="1898618"/>
+                <a:ext cx="11199725" cy="4959382"/>
+              </a:xfrm>
+              <a:blipFill>
+                <a:blip r:embed="rId2"/>
+                <a:stretch>
+                  <a:fillRect l="-653" t="-2457" b="-123"/>
+                </a:stretch>
+              </a:blipFill>
+            </p:spPr>
+            <p:txBody>
+              <a:bodyPr/>
+              <a:lstStyle/>
+              <a:p>
+                <a:r>
+                  <a:rPr lang="en-US">
+                    <a:noFill/>
+                  </a:rPr>
+                  <a:t> </a:t>
+                </a:r>
+              </a:p>
+            </p:txBody>
+          </p:sp>
+        </mc:Fallback>
+      </mc:AlternateContent>
+      <p:grpSp>
+        <p:nvGrpSpPr>
+          <p:cNvPr id="4" name="Agrupar 3">
+            <a:extLst>
+              <a:ext uri="{FF2B5EF4-FFF2-40B4-BE49-F238E27FC236}">
+                <a16:creationId xmlns:a16="http://schemas.microsoft.com/office/drawing/2014/main" id="{DDA32F11-9374-4C54-ABCD-0438654B8E82}"/>
+              </a:ext>
+            </a:extLst>
+          </p:cNvPr>
+          <p:cNvGrpSpPr/>
+          <p:nvPr/>
+        </p:nvGrpSpPr>
+        <p:grpSpPr>
+          <a:xfrm>
+            <a:off x="4902699" y="1219115"/>
+            <a:ext cx="3070723" cy="538650"/>
+            <a:chOff x="3470196" y="2338442"/>
+            <a:chExt cx="3070723" cy="538650"/>
+          </a:xfrm>
+        </p:grpSpPr>
+        <p:sp>
+          <p:nvSpPr>
+            <p:cNvPr id="5" name="Elipse 4">
+              <a:extLst>
+                <a:ext uri="{FF2B5EF4-FFF2-40B4-BE49-F238E27FC236}">
+                  <a16:creationId xmlns:a16="http://schemas.microsoft.com/office/drawing/2014/main" id="{F8EDC3E8-17CE-4493-9271-98A945347FBE}"/>
+                </a:ext>
+              </a:extLst>
+            </p:cNvPr>
+            <p:cNvSpPr/>
+            <p:nvPr/>
+          </p:nvSpPr>
+          <p:spPr>
+            <a:xfrm>
+              <a:off x="4475285" y="2409092"/>
+              <a:ext cx="468000" cy="468000"/>
+            </a:xfrm>
+            <a:prstGeom prst="ellipse">
+              <a:avLst/>
+            </a:prstGeom>
+          </p:spPr>
+          <p:style>
+            <a:lnRef idx="2">
+              <a:schemeClr val="accent1">
+                <a:shade val="50000"/>
+              </a:schemeClr>
+            </a:lnRef>
+            <a:fillRef idx="1">
+              <a:schemeClr val="accent1"/>
+            </a:fillRef>
+            <a:effectRef idx="0">
+              <a:schemeClr val="accent1"/>
+            </a:effectRef>
+            <a:fontRef idx="minor">
+              <a:schemeClr val="lt1"/>
+            </a:fontRef>
+          </p:style>
+          <p:txBody>
+            <a:bodyPr rtlCol="0" anchor="ctr"/>
+            <a:lstStyle/>
+            <a:p>
+              <a:pPr algn="ctr"/>
+              <a:r>
+                <a:rPr lang="pt-BR" dirty="0">
+                  <a:solidFill>
+                    <a:schemeClr val="tx1"/>
+                  </a:solidFill>
+                </a:rPr>
+                <a:t>1</a:t>
+              </a:r>
+            </a:p>
+          </p:txBody>
+        </p:sp>
+        <p:sp>
+          <p:nvSpPr>
+            <p:cNvPr id="6" name="Elipse 5">
+              <a:extLst>
+                <a:ext uri="{FF2B5EF4-FFF2-40B4-BE49-F238E27FC236}">
+                  <a16:creationId xmlns:a16="http://schemas.microsoft.com/office/drawing/2014/main" id="{36E0141A-9275-43DA-B6B6-60E88BED5AD5}"/>
+                </a:ext>
+              </a:extLst>
+            </p:cNvPr>
+            <p:cNvSpPr/>
+            <p:nvPr/>
+          </p:nvSpPr>
+          <p:spPr>
+            <a:xfrm>
+              <a:off x="5477467" y="2409092"/>
+              <a:ext cx="468000" cy="468000"/>
+            </a:xfrm>
+            <a:prstGeom prst="ellipse">
+              <a:avLst/>
+            </a:prstGeom>
+          </p:spPr>
+          <p:style>
+            <a:lnRef idx="2">
+              <a:schemeClr val="accent1">
+                <a:shade val="50000"/>
+              </a:schemeClr>
+            </a:lnRef>
+            <a:fillRef idx="1">
+              <a:schemeClr val="accent1"/>
+            </a:fillRef>
+            <a:effectRef idx="0">
+              <a:schemeClr val="accent1"/>
+            </a:effectRef>
+            <a:fontRef idx="minor">
+              <a:schemeClr val="lt1"/>
+            </a:fontRef>
+          </p:style>
+          <p:txBody>
+            <a:bodyPr rtlCol="0" anchor="ctr"/>
+            <a:lstStyle/>
+            <a:p>
+              <a:pPr algn="ctr"/>
+              <a:r>
+                <a:rPr lang="pt-BR" dirty="0">
+                  <a:solidFill>
+                    <a:schemeClr val="tx1"/>
+                  </a:solidFill>
+                </a:rPr>
+                <a:t>2</a:t>
+              </a:r>
+            </a:p>
+          </p:txBody>
+        </p:sp>
+        <p:cxnSp>
+          <p:nvCxnSpPr>
+            <p:cNvPr id="7" name="Conector de seta reta 10">
+              <a:extLst>
+                <a:ext uri="{FF2B5EF4-FFF2-40B4-BE49-F238E27FC236}">
+                  <a16:creationId xmlns:a16="http://schemas.microsoft.com/office/drawing/2014/main" id="{04E870F7-1DE5-4241-8990-14C74A492B08}"/>
+                </a:ext>
+              </a:extLst>
+            </p:cNvPr>
+            <p:cNvCxnSpPr>
+              <a:cxnSpLocks/>
+            </p:cNvCxnSpPr>
+            <p:nvPr/>
+          </p:nvCxnSpPr>
+          <p:spPr>
+            <a:xfrm>
+              <a:off x="5945467" y="2643092"/>
+              <a:ext cx="355546" cy="0"/>
+            </a:xfrm>
+            <a:prstGeom prst="straightConnector1">
+              <a:avLst/>
+            </a:prstGeom>
+            <a:ln>
+              <a:solidFill>
+                <a:schemeClr val="tx1"/>
+              </a:solidFill>
+              <a:tailEnd type="triangle"/>
+            </a:ln>
+          </p:spPr>
+          <p:style>
+            <a:lnRef idx="1">
+              <a:schemeClr val="accent1"/>
+            </a:lnRef>
+            <a:fillRef idx="0">
+              <a:schemeClr val="accent1"/>
+            </a:fillRef>
+            <a:effectRef idx="0">
+              <a:schemeClr val="accent1"/>
+            </a:effectRef>
+            <a:fontRef idx="minor">
+              <a:schemeClr val="tx1"/>
+            </a:fontRef>
+          </p:style>
+        </p:cxnSp>
+        <p:sp>
+          <p:nvSpPr>
+            <p:cNvPr id="8" name="Retângulo 7">
+              <a:extLst>
+                <a:ext uri="{FF2B5EF4-FFF2-40B4-BE49-F238E27FC236}">
+                  <a16:creationId xmlns:a16="http://schemas.microsoft.com/office/drawing/2014/main" id="{BE31B3DC-1229-48D6-9A56-590F8FAD4CE1}"/>
+                </a:ext>
+              </a:extLst>
+            </p:cNvPr>
+            <p:cNvSpPr/>
+            <p:nvPr/>
+          </p:nvSpPr>
+          <p:spPr>
+            <a:xfrm>
+              <a:off x="3833103" y="2589092"/>
+              <a:ext cx="108000" cy="108000"/>
+            </a:xfrm>
+            <a:prstGeom prst="rect">
+              <a:avLst/>
+            </a:prstGeom>
+            <a:solidFill>
+              <a:schemeClr val="tx1"/>
+            </a:solidFill>
+            <a:ln>
+              <a:solidFill>
+                <a:schemeClr val="tx1"/>
+              </a:solidFill>
+            </a:ln>
+          </p:spPr>
+          <p:style>
+            <a:lnRef idx="2">
+              <a:schemeClr val="accent1">
+                <a:shade val="50000"/>
+              </a:schemeClr>
+            </a:lnRef>
+            <a:fillRef idx="1">
+              <a:schemeClr val="accent1"/>
+            </a:fillRef>
+            <a:effectRef idx="0">
+              <a:schemeClr val="accent1"/>
+            </a:effectRef>
+            <a:fontRef idx="minor">
+              <a:schemeClr val="lt1"/>
+            </a:fontRef>
+          </p:style>
+          <p:txBody>
+            <a:bodyPr rtlCol="0" anchor="ctr"/>
+            <a:lstStyle/>
+            <a:p>
+              <a:pPr algn="ctr"/>
+              <a:endParaRPr lang="pt-BR" sz="1600"/>
+            </a:p>
+          </p:txBody>
+        </p:sp>
+        <p:cxnSp>
+          <p:nvCxnSpPr>
+            <p:cNvPr id="9" name="Conector de seta reta 15">
+              <a:extLst>
+                <a:ext uri="{FF2B5EF4-FFF2-40B4-BE49-F238E27FC236}">
+                  <a16:creationId xmlns:a16="http://schemas.microsoft.com/office/drawing/2014/main" id="{2FD2427F-A5C3-4856-8D64-557FA8713A40}"/>
+                </a:ext>
+              </a:extLst>
+            </p:cNvPr>
+            <p:cNvCxnSpPr>
+              <a:stCxn id="8" idx="3"/>
+              <a:endCxn id="5" idx="2"/>
+            </p:cNvCxnSpPr>
+            <p:nvPr/>
+          </p:nvCxnSpPr>
+          <p:spPr>
+            <a:xfrm>
+              <a:off x="3941103" y="2643092"/>
+              <a:ext cx="534182" cy="0"/>
+            </a:xfrm>
+            <a:prstGeom prst="straightConnector1">
+              <a:avLst/>
+            </a:prstGeom>
+            <a:ln>
+              <a:solidFill>
+                <a:schemeClr val="tx1"/>
+              </a:solidFill>
+              <a:tailEnd type="triangle"/>
+            </a:ln>
+          </p:spPr>
+          <p:style>
+            <a:lnRef idx="1">
+              <a:schemeClr val="accent1"/>
+            </a:lnRef>
+            <a:fillRef idx="0">
+              <a:schemeClr val="accent1"/>
+            </a:fillRef>
+            <a:effectRef idx="0">
+              <a:schemeClr val="accent1"/>
+            </a:effectRef>
+            <a:fontRef idx="minor">
+              <a:schemeClr val="tx1"/>
+            </a:fontRef>
+          </p:style>
+        </p:cxnSp>
+        <mc:AlternateContent xmlns:mc="http://schemas.openxmlformats.org/markup-compatibility/2006">
+          <mc:Choice xmlns:a14="http://schemas.microsoft.com/office/drawing/2010/main" Requires="a14">
+            <p:sp>
+              <p:nvSpPr>
+                <p:cNvPr id="10" name="CaixaDeTexto 9">
+                  <a:extLst>
+                    <a:ext uri="{FF2B5EF4-FFF2-40B4-BE49-F238E27FC236}">
+                      <a16:creationId xmlns:a16="http://schemas.microsoft.com/office/drawing/2014/main" id="{3463534E-1D58-4D6C-9ED5-2C2E4AA6B3A0}"/>
+                    </a:ext>
+                  </a:extLst>
+                </p:cNvPr>
+                <p:cNvSpPr txBox="1"/>
+                <p:nvPr/>
+              </p:nvSpPr>
+              <p:spPr>
+                <a:xfrm>
+                  <a:off x="3470196" y="2458426"/>
+                  <a:ext cx="290146" cy="338554"/>
+                </a:xfrm>
+                <a:prstGeom prst="rect">
+                  <a:avLst/>
+                </a:prstGeom>
+                <a:noFill/>
+              </p:spPr>
+              <p:txBody>
+                <a:bodyPr wrap="square" rtlCol="0">
+                  <a:spAutoFit/>
+                </a:bodyPr>
+                <a:lstStyle/>
+                <a:p>
+                  <a:pPr/>
+                  <a14:m>
+                    <m:oMathPara xmlns:m="http://schemas.openxmlformats.org/officeDocument/2006/math">
+                      <m:oMathParaPr>
+                        <m:jc m:val="centerGroup"/>
+                      </m:oMathParaPr>
+                      <m:oMath xmlns:m="http://schemas.openxmlformats.org/officeDocument/2006/math">
+                        <m:r>
+                          <a:rPr lang="pt-BR" sz="1600" b="0" i="1" smtClean="0">
+                            <a:latin typeface="Cambria Math" panose="02040503050406030204" pitchFamily="18" charset="0"/>
+                          </a:rPr>
+                          <m:t>𝑥</m:t>
+                        </m:r>
+                      </m:oMath>
+                    </m:oMathPara>
+                  </a14:m>
+                  <a:endParaRPr lang="pt-BR" sz="1600" dirty="0"/>
+                </a:p>
+              </p:txBody>
+            </p:sp>
+          </mc:Choice>
+          <mc:Fallback>
+            <p:sp>
+              <p:nvSpPr>
+                <p:cNvPr id="10" name="CaixaDeTexto 9">
+                  <a:extLst>
+                    <a:ext uri="{FF2B5EF4-FFF2-40B4-BE49-F238E27FC236}">
+                      <a16:creationId xmlns:a16="http://schemas.microsoft.com/office/drawing/2014/main" id="{3463534E-1D58-4D6C-9ED5-2C2E4AA6B3A0}"/>
+                    </a:ext>
+                  </a:extLst>
+                </p:cNvPr>
+                <p:cNvSpPr txBox="1">
+                  <a:spLocks noRot="1" noChangeAspect="1" noMove="1" noResize="1" noEditPoints="1" noAdjustHandles="1" noChangeArrowheads="1" noChangeShapeType="1" noTextEdit="1"/>
+                </p:cNvSpPr>
+                <p:nvPr/>
+              </p:nvSpPr>
+              <p:spPr>
+                <a:xfrm>
+                  <a:off x="3470196" y="2458426"/>
+                  <a:ext cx="290146" cy="338554"/>
+                </a:xfrm>
+                <a:prstGeom prst="rect">
+                  <a:avLst/>
+                </a:prstGeom>
+                <a:blipFill>
+                  <a:blip r:embed="rId3"/>
+                  <a:stretch>
+                    <a:fillRect/>
+                  </a:stretch>
+                </a:blipFill>
+              </p:spPr>
+              <p:txBody>
+                <a:bodyPr/>
+                <a:lstStyle/>
+                <a:p>
+                  <a:r>
+                    <a:rPr lang="en-US">
+                      <a:noFill/>
+                    </a:rPr>
+                    <a:t> </a:t>
+                  </a:r>
+                </a:p>
+              </p:txBody>
+            </p:sp>
+          </mc:Fallback>
+        </mc:AlternateContent>
+        <mc:AlternateContent xmlns:mc="http://schemas.openxmlformats.org/markup-compatibility/2006">
+          <mc:Choice xmlns:a14="http://schemas.microsoft.com/office/drawing/2010/main" Requires="a14">
+            <p:sp>
+              <p:nvSpPr>
+                <p:cNvPr id="11" name="CaixaDeTexto 10">
+                  <a:extLst>
+                    <a:ext uri="{FF2B5EF4-FFF2-40B4-BE49-F238E27FC236}">
+                      <a16:creationId xmlns:a16="http://schemas.microsoft.com/office/drawing/2014/main" id="{76F6A577-C410-4C4B-A220-E160EE1322EC}"/>
+                    </a:ext>
+                  </a:extLst>
+                </p:cNvPr>
+                <p:cNvSpPr txBox="1"/>
+                <p:nvPr/>
+              </p:nvSpPr>
+              <p:spPr>
+                <a:xfrm>
+                  <a:off x="4030030" y="2338442"/>
+                  <a:ext cx="290146" cy="338554"/>
+                </a:xfrm>
+                <a:prstGeom prst="rect">
+                  <a:avLst/>
+                </a:prstGeom>
+                <a:noFill/>
+              </p:spPr>
+              <p:txBody>
+                <a:bodyPr wrap="square" rtlCol="0">
+                  <a:spAutoFit/>
+                </a:bodyPr>
+                <a:lstStyle/>
+                <a:p>
+                  <a:pPr/>
+                  <a14:m>
+                    <m:oMathPara xmlns:m="http://schemas.openxmlformats.org/officeDocument/2006/math">
+                      <m:oMathParaPr>
+                        <m:jc m:val="centerGroup"/>
+                      </m:oMathParaPr>
+                      <m:oMath xmlns:m="http://schemas.openxmlformats.org/officeDocument/2006/math">
+                        <m:sSub>
+                          <m:sSubPr>
+                            <m:ctrlPr>
+                              <a:rPr lang="pt-BR" sz="1600" i="1" smtClean="0">
+                                <a:latin typeface="Cambria Math" panose="02040503050406030204" pitchFamily="18" charset="0"/>
+                              </a:rPr>
+                            </m:ctrlPr>
+                          </m:sSubPr>
+                          <m:e>
+                            <m:r>
+                              <a:rPr lang="pt-BR" sz="1600" b="0" i="1" smtClean="0">
+                                <a:latin typeface="Cambria Math" panose="02040503050406030204" pitchFamily="18" charset="0"/>
+                              </a:rPr>
+                              <m:t>𝑤</m:t>
+                            </m:r>
+                          </m:e>
+                          <m:sub>
+                            <m:r>
+                              <a:rPr lang="pt-BR" sz="1600" b="0" i="1" smtClean="0">
+                                <a:latin typeface="Cambria Math" panose="02040503050406030204" pitchFamily="18" charset="0"/>
+                              </a:rPr>
+                              <m:t>1</m:t>
+                            </m:r>
+                          </m:sub>
+                        </m:sSub>
+                      </m:oMath>
+                    </m:oMathPara>
+                  </a14:m>
+                  <a:endParaRPr lang="pt-BR" sz="1600" dirty="0"/>
+                </a:p>
+              </p:txBody>
+            </p:sp>
+          </mc:Choice>
+          <mc:Fallback>
+            <p:sp>
+              <p:nvSpPr>
+                <p:cNvPr id="11" name="CaixaDeTexto 10">
+                  <a:extLst>
+                    <a:ext uri="{FF2B5EF4-FFF2-40B4-BE49-F238E27FC236}">
+                      <a16:creationId xmlns:a16="http://schemas.microsoft.com/office/drawing/2014/main" id="{76F6A577-C410-4C4B-A220-E160EE1322EC}"/>
+                    </a:ext>
+                  </a:extLst>
+                </p:cNvPr>
+                <p:cNvSpPr txBox="1">
+                  <a:spLocks noRot="1" noChangeAspect="1" noMove="1" noResize="1" noEditPoints="1" noAdjustHandles="1" noChangeArrowheads="1" noChangeShapeType="1" noTextEdit="1"/>
+                </p:cNvSpPr>
+                <p:nvPr/>
+              </p:nvSpPr>
+              <p:spPr>
+                <a:xfrm>
+                  <a:off x="4030030" y="2338442"/>
+                  <a:ext cx="290146" cy="338554"/>
+                </a:xfrm>
+                <a:prstGeom prst="rect">
+                  <a:avLst/>
+                </a:prstGeom>
+                <a:blipFill>
+                  <a:blip r:embed="rId4"/>
+                  <a:stretch>
+                    <a:fillRect r="-22917"/>
+                  </a:stretch>
+                </a:blipFill>
+              </p:spPr>
+              <p:txBody>
+                <a:bodyPr/>
+                <a:lstStyle/>
+                <a:p>
+                  <a:r>
+                    <a:rPr lang="en-US">
+                      <a:noFill/>
+                    </a:rPr>
+                    <a:t> </a:t>
+                  </a:r>
+                </a:p>
+              </p:txBody>
+            </p:sp>
+          </mc:Fallback>
+        </mc:AlternateContent>
+        <mc:AlternateContent xmlns:mc="http://schemas.openxmlformats.org/markup-compatibility/2006">
+          <mc:Choice xmlns:a14="http://schemas.microsoft.com/office/drawing/2010/main" Requires="a14">
+            <p:sp>
+              <p:nvSpPr>
+                <p:cNvPr id="12" name="CaixaDeTexto 11">
+                  <a:extLst>
+                    <a:ext uri="{FF2B5EF4-FFF2-40B4-BE49-F238E27FC236}">
+                      <a16:creationId xmlns:a16="http://schemas.microsoft.com/office/drawing/2014/main" id="{9046B972-AB0D-42CF-8F0B-04E856201DD0}"/>
+                    </a:ext>
+                  </a:extLst>
+                </p:cNvPr>
+                <p:cNvSpPr txBox="1"/>
+                <p:nvPr/>
+              </p:nvSpPr>
+              <p:spPr>
+                <a:xfrm>
+                  <a:off x="6250773" y="2471657"/>
+                  <a:ext cx="290146" cy="338554"/>
+                </a:xfrm>
+                <a:prstGeom prst="rect">
+                  <a:avLst/>
+                </a:prstGeom>
+                <a:noFill/>
+              </p:spPr>
+              <p:txBody>
+                <a:bodyPr wrap="square" rtlCol="0">
+                  <a:spAutoFit/>
+                </a:bodyPr>
+                <a:lstStyle/>
+                <a:p>
+                  <a:pPr/>
+                  <a14:m>
+                    <m:oMathPara xmlns:m="http://schemas.openxmlformats.org/officeDocument/2006/math">
+                      <m:oMathParaPr>
+                        <m:jc m:val="centerGroup"/>
+                      </m:oMathParaPr>
+                      <m:oMath xmlns:m="http://schemas.openxmlformats.org/officeDocument/2006/math">
+                        <m:acc>
+                          <m:accPr>
+                            <m:chr m:val="̂"/>
+                            <m:ctrlPr>
+                              <a:rPr lang="pt-BR" sz="1600" i="1" smtClean="0">
+                                <a:latin typeface="Cambria Math" panose="02040503050406030204" pitchFamily="18" charset="0"/>
+                              </a:rPr>
+                            </m:ctrlPr>
+                          </m:accPr>
+                          <m:e>
+                            <m:r>
+                              <a:rPr lang="pt-BR" sz="1600" b="0" i="1" smtClean="0">
+                                <a:latin typeface="Cambria Math" panose="02040503050406030204" pitchFamily="18" charset="0"/>
+                              </a:rPr>
+                              <m:t>𝑦</m:t>
+                            </m:r>
+                          </m:e>
+                        </m:acc>
+                      </m:oMath>
+                    </m:oMathPara>
+                  </a14:m>
+                  <a:endParaRPr lang="pt-BR" sz="1600" dirty="0"/>
+                </a:p>
+              </p:txBody>
+            </p:sp>
+          </mc:Choice>
+          <mc:Fallback>
+            <p:sp>
+              <p:nvSpPr>
+                <p:cNvPr id="12" name="CaixaDeTexto 11">
+                  <a:extLst>
+                    <a:ext uri="{FF2B5EF4-FFF2-40B4-BE49-F238E27FC236}">
+                      <a16:creationId xmlns:a16="http://schemas.microsoft.com/office/drawing/2014/main" id="{9046B972-AB0D-42CF-8F0B-04E856201DD0}"/>
+                    </a:ext>
+                  </a:extLst>
+                </p:cNvPr>
+                <p:cNvSpPr txBox="1">
+                  <a:spLocks noRot="1" noChangeAspect="1" noMove="1" noResize="1" noEditPoints="1" noAdjustHandles="1" noChangeArrowheads="1" noChangeShapeType="1" noTextEdit="1"/>
+                </p:cNvSpPr>
+                <p:nvPr/>
+              </p:nvSpPr>
+              <p:spPr>
+                <a:xfrm>
+                  <a:off x="6250773" y="2471657"/>
+                  <a:ext cx="290146" cy="338554"/>
+                </a:xfrm>
+                <a:prstGeom prst="rect">
+                  <a:avLst/>
+                </a:prstGeom>
+                <a:blipFill>
+                  <a:blip r:embed="rId5"/>
+                  <a:stretch>
+                    <a:fillRect r="-4167" b="-3636"/>
+                  </a:stretch>
+                </a:blipFill>
+              </p:spPr>
+              <p:txBody>
+                <a:bodyPr/>
+                <a:lstStyle/>
+                <a:p>
+                  <a:r>
+                    <a:rPr lang="en-US">
+                      <a:noFill/>
+                    </a:rPr>
+                    <a:t> </a:t>
+                  </a:r>
+                </a:p>
+              </p:txBody>
+            </p:sp>
+          </mc:Fallback>
+        </mc:AlternateContent>
+        <p:cxnSp>
+          <p:nvCxnSpPr>
+            <p:cNvPr id="13" name="Conector de seta reta 15">
+              <a:extLst>
+                <a:ext uri="{FF2B5EF4-FFF2-40B4-BE49-F238E27FC236}">
+                  <a16:creationId xmlns:a16="http://schemas.microsoft.com/office/drawing/2014/main" id="{E1B54AD2-596A-4DDC-8D0D-A2CD4C086E1F}"/>
+                </a:ext>
+              </a:extLst>
+            </p:cNvPr>
+            <p:cNvCxnSpPr/>
+            <p:nvPr/>
+          </p:nvCxnSpPr>
+          <p:spPr>
+            <a:xfrm>
+              <a:off x="4943285" y="2644058"/>
+              <a:ext cx="534182" cy="0"/>
+            </a:xfrm>
+            <a:prstGeom prst="straightConnector1">
+              <a:avLst/>
+            </a:prstGeom>
+            <a:ln>
+              <a:solidFill>
+                <a:schemeClr val="tx1"/>
+              </a:solidFill>
+              <a:tailEnd type="triangle"/>
+            </a:ln>
+          </p:spPr>
+          <p:style>
+            <a:lnRef idx="1">
+              <a:schemeClr val="accent1"/>
+            </a:lnRef>
+            <a:fillRef idx="0">
+              <a:schemeClr val="accent1"/>
+            </a:fillRef>
+            <a:effectRef idx="0">
+              <a:schemeClr val="accent1"/>
+            </a:effectRef>
+            <a:fontRef idx="minor">
+              <a:schemeClr val="tx1"/>
+            </a:fontRef>
+          </p:style>
+        </p:cxnSp>
+        <mc:AlternateContent xmlns:mc="http://schemas.openxmlformats.org/markup-compatibility/2006">
+          <mc:Choice xmlns:a14="http://schemas.microsoft.com/office/drawing/2010/main" Requires="a14">
+            <p:sp>
+              <p:nvSpPr>
+                <p:cNvPr id="14" name="CaixaDeTexto 13">
+                  <a:extLst>
+                    <a:ext uri="{FF2B5EF4-FFF2-40B4-BE49-F238E27FC236}">
+                      <a16:creationId xmlns:a16="http://schemas.microsoft.com/office/drawing/2014/main" id="{74120AF5-A30A-40B3-AD02-AA0A766B82AD}"/>
+                    </a:ext>
+                  </a:extLst>
+                </p:cNvPr>
+                <p:cNvSpPr txBox="1"/>
+                <p:nvPr/>
+              </p:nvSpPr>
+              <p:spPr>
+                <a:xfrm>
+                  <a:off x="4989452" y="2338442"/>
+                  <a:ext cx="290146" cy="338554"/>
+                </a:xfrm>
+                <a:prstGeom prst="rect">
+                  <a:avLst/>
+                </a:prstGeom>
+                <a:noFill/>
+              </p:spPr>
+              <p:txBody>
+                <a:bodyPr wrap="square" rtlCol="0">
+                  <a:spAutoFit/>
+                </a:bodyPr>
+                <a:lstStyle/>
+                <a:p>
+                  <a:pPr/>
+                  <a14:m>
+                    <m:oMathPara xmlns:m="http://schemas.openxmlformats.org/officeDocument/2006/math">
+                      <m:oMathParaPr>
+                        <m:jc m:val="centerGroup"/>
+                      </m:oMathParaPr>
+                      <m:oMath xmlns:m="http://schemas.openxmlformats.org/officeDocument/2006/math">
+                        <m:sSub>
+                          <m:sSubPr>
+                            <m:ctrlPr>
+                              <a:rPr lang="pt-BR" sz="1600" i="1" smtClean="0">
+                                <a:latin typeface="Cambria Math" panose="02040503050406030204" pitchFamily="18" charset="0"/>
+                              </a:rPr>
+                            </m:ctrlPr>
+                          </m:sSubPr>
+                          <m:e>
+                            <m:r>
+                              <a:rPr lang="pt-BR" sz="1600" b="0" i="1" smtClean="0">
+                                <a:latin typeface="Cambria Math" panose="02040503050406030204" pitchFamily="18" charset="0"/>
+                              </a:rPr>
+                              <m:t>𝑤</m:t>
+                            </m:r>
+                          </m:e>
+                          <m:sub>
+                            <m:r>
+                              <a:rPr lang="pt-BR" sz="1600" b="0" i="1" smtClean="0">
+                                <a:latin typeface="Cambria Math" panose="02040503050406030204" pitchFamily="18" charset="0"/>
+                              </a:rPr>
+                              <m:t>2</m:t>
+                            </m:r>
+                          </m:sub>
+                        </m:sSub>
+                      </m:oMath>
+                    </m:oMathPara>
+                  </a14:m>
+                  <a:endParaRPr lang="pt-BR" sz="1600" dirty="0"/>
+                </a:p>
+              </p:txBody>
+            </p:sp>
+          </mc:Choice>
+          <mc:Fallback>
+            <p:sp>
+              <p:nvSpPr>
+                <p:cNvPr id="14" name="CaixaDeTexto 13">
+                  <a:extLst>
+                    <a:ext uri="{FF2B5EF4-FFF2-40B4-BE49-F238E27FC236}">
+                      <a16:creationId xmlns:a16="http://schemas.microsoft.com/office/drawing/2014/main" id="{74120AF5-A30A-40B3-AD02-AA0A766B82AD}"/>
+                    </a:ext>
+                  </a:extLst>
+                </p:cNvPr>
+                <p:cNvSpPr txBox="1">
+                  <a:spLocks noRot="1" noChangeAspect="1" noMove="1" noResize="1" noEditPoints="1" noAdjustHandles="1" noChangeArrowheads="1" noChangeShapeType="1" noTextEdit="1"/>
+                </p:cNvSpPr>
+                <p:nvPr/>
+              </p:nvSpPr>
+              <p:spPr>
+                <a:xfrm>
+                  <a:off x="4989452" y="2338442"/>
+                  <a:ext cx="290146" cy="338554"/>
+                </a:xfrm>
+                <a:prstGeom prst="rect">
+                  <a:avLst/>
+                </a:prstGeom>
+                <a:blipFill>
+                  <a:blip r:embed="rId6"/>
+                  <a:stretch>
+                    <a:fillRect r="-25000"/>
+                  </a:stretch>
+                </a:blipFill>
+              </p:spPr>
+              <p:txBody>
+                <a:bodyPr/>
+                <a:lstStyle/>
+                <a:p>
+                  <a:r>
+                    <a:rPr lang="en-US">
+                      <a:noFill/>
+                    </a:rPr>
+                    <a:t> </a:t>
+                  </a:r>
+                </a:p>
+              </p:txBody>
+            </p:sp>
+          </mc:Fallback>
+        </mc:AlternateContent>
+      </p:grpSp>
+      <p:sp>
+        <p:nvSpPr>
+          <p:cNvPr id="15" name="Elipse 14">
+            <a:extLst>
+              <a:ext uri="{FF2B5EF4-FFF2-40B4-BE49-F238E27FC236}">
+                <a16:creationId xmlns:a16="http://schemas.microsoft.com/office/drawing/2014/main" id="{E4EBB7CB-9B70-401A-B744-8CD1F89E3BB9}"/>
+              </a:ext>
+            </a:extLst>
+          </p:cNvPr>
+          <p:cNvSpPr/>
+          <p:nvPr/>
+        </p:nvSpPr>
+        <p:spPr>
+          <a:xfrm>
+            <a:off x="7857812" y="4551742"/>
+            <a:ext cx="504000" cy="864000"/>
+          </a:xfrm>
+          <a:prstGeom prst="ellipse">
+            <a:avLst/>
+          </a:prstGeom>
+          <a:noFill/>
+          <a:ln>
+            <a:solidFill>
+              <a:srgbClr val="FF0000"/>
+            </a:solidFill>
+          </a:ln>
+        </p:spPr>
+        <p:style>
+          <a:lnRef idx="2">
+            <a:schemeClr val="accent1">
+              <a:shade val="50000"/>
+            </a:schemeClr>
+          </a:lnRef>
+          <a:fillRef idx="1">
+            <a:schemeClr val="accent1"/>
+          </a:fillRef>
+          <a:effectRef idx="0">
+            <a:schemeClr val="accent1"/>
+          </a:effectRef>
+          <a:fontRef idx="minor">
+            <a:schemeClr val="lt1"/>
+          </a:fontRef>
+        </p:style>
+        <p:txBody>
+          <a:bodyPr rtlCol="0" anchor="ctr"/>
+          <a:lstStyle/>
+          <a:p>
+            <a:pPr algn="ctr"/>
+            <a:endParaRPr lang="en-US" dirty="0"/>
+          </a:p>
+        </p:txBody>
+      </p:sp>
+      <p:sp>
+        <p:nvSpPr>
+          <p:cNvPr id="18" name="CaixaDeTexto 17">
+            <a:extLst>
+              <a:ext uri="{FF2B5EF4-FFF2-40B4-BE49-F238E27FC236}">
+                <a16:creationId xmlns:a16="http://schemas.microsoft.com/office/drawing/2014/main" id="{0DE351C4-0752-4411-9A3E-0EEE16B7BAF9}"/>
+              </a:ext>
+            </a:extLst>
+          </p:cNvPr>
+          <p:cNvSpPr txBox="1"/>
+          <p:nvPr/>
+        </p:nvSpPr>
+        <p:spPr>
+          <a:xfrm>
+            <a:off x="9676410" y="5043685"/>
+            <a:ext cx="1567544" cy="523220"/>
+          </a:xfrm>
+          <a:prstGeom prst="rect">
+            <a:avLst/>
+          </a:prstGeom>
+          <a:noFill/>
+        </p:spPr>
+        <p:txBody>
+          <a:bodyPr wrap="square" rtlCol="0">
+            <a:spAutoFit/>
+          </a:bodyPr>
+          <a:lstStyle/>
+          <a:p>
+            <a:pPr algn="ctr"/>
+            <a:r>
+              <a:rPr lang="en-US" sz="1400" dirty="0" err="1"/>
+              <a:t>Derivadas</a:t>
+            </a:r>
+            <a:r>
+              <a:rPr lang="en-US" sz="1400" dirty="0"/>
+              <a:t> da </a:t>
+            </a:r>
+            <a:r>
+              <a:rPr lang="en-US" sz="1400" dirty="0" err="1"/>
+              <a:t>função</a:t>
+            </a:r>
+            <a:r>
+              <a:rPr lang="en-US" sz="1400" dirty="0"/>
+              <a:t> de </a:t>
+            </a:r>
+            <a:r>
+              <a:rPr lang="en-US" sz="1400" dirty="0" err="1"/>
+              <a:t>ativação</a:t>
+            </a:r>
+            <a:endParaRPr lang="en-US" sz="1400" dirty="0"/>
+          </a:p>
+        </p:txBody>
+      </p:sp>
+      <p:cxnSp>
+        <p:nvCxnSpPr>
+          <p:cNvPr id="20" name="Conector de Seta Reta 19">
+            <a:extLst>
+              <a:ext uri="{FF2B5EF4-FFF2-40B4-BE49-F238E27FC236}">
+                <a16:creationId xmlns:a16="http://schemas.microsoft.com/office/drawing/2014/main" id="{938A7AF6-E11B-41A9-AA12-497491ADD98E}"/>
+              </a:ext>
+            </a:extLst>
+          </p:cNvPr>
+          <p:cNvCxnSpPr>
+            <a:cxnSpLocks/>
+            <a:endCxn id="18" idx="1"/>
+          </p:cNvCxnSpPr>
+          <p:nvPr/>
+        </p:nvCxnSpPr>
+        <p:spPr>
+          <a:xfrm flipV="1">
+            <a:off x="7555743" y="5305295"/>
+            <a:ext cx="2120667" cy="213498"/>
+          </a:xfrm>
+          <a:prstGeom prst="straightConnector1">
+            <a:avLst/>
+          </a:prstGeom>
+          <a:ln>
+            <a:tailEnd type="triangle"/>
+          </a:ln>
+        </p:spPr>
+        <p:style>
+          <a:lnRef idx="1">
+            <a:schemeClr val="accent1"/>
+          </a:lnRef>
+          <a:fillRef idx="0">
+            <a:schemeClr val="accent1"/>
+          </a:fillRef>
+          <a:effectRef idx="0">
+            <a:schemeClr val="accent1"/>
+          </a:effectRef>
+          <a:fontRef idx="minor">
+            <a:schemeClr val="tx1"/>
+          </a:fontRef>
+        </p:style>
+      </p:cxnSp>
+      <p:cxnSp>
+        <p:nvCxnSpPr>
+          <p:cNvPr id="22" name="Conector de Seta Reta 21">
+            <a:extLst>
+              <a:ext uri="{FF2B5EF4-FFF2-40B4-BE49-F238E27FC236}">
+                <a16:creationId xmlns:a16="http://schemas.microsoft.com/office/drawing/2014/main" id="{E10310FC-5CF6-4BC7-A656-570DA30A65D9}"/>
+              </a:ext>
+            </a:extLst>
+          </p:cNvPr>
+          <p:cNvCxnSpPr>
+            <a:cxnSpLocks/>
+            <a:stCxn id="15" idx="0"/>
+          </p:cNvCxnSpPr>
+          <p:nvPr/>
+        </p:nvCxnSpPr>
+        <p:spPr>
+          <a:xfrm>
+            <a:off x="8109812" y="4551742"/>
+            <a:ext cx="1566598" cy="593455"/>
+          </a:xfrm>
+          <a:prstGeom prst="straightConnector1">
+            <a:avLst/>
+          </a:prstGeom>
+          <a:ln>
+            <a:tailEnd type="triangle"/>
+          </a:ln>
+        </p:spPr>
+        <p:style>
+          <a:lnRef idx="1">
+            <a:schemeClr val="accent1"/>
+          </a:lnRef>
+          <a:fillRef idx="0">
+            <a:schemeClr val="accent1"/>
+          </a:fillRef>
+          <a:effectRef idx="0">
+            <a:schemeClr val="accent1"/>
+          </a:effectRef>
+          <a:fontRef idx="minor">
+            <a:schemeClr val="tx1"/>
+          </a:fontRef>
+        </p:style>
+      </p:cxnSp>
+      <p:cxnSp>
+        <p:nvCxnSpPr>
+          <p:cNvPr id="24" name="Conector de Seta Reta 23">
+            <a:extLst>
+              <a:ext uri="{FF2B5EF4-FFF2-40B4-BE49-F238E27FC236}">
+                <a16:creationId xmlns:a16="http://schemas.microsoft.com/office/drawing/2014/main" id="{3FE3BC92-DCED-4F47-B961-CD529C513E92}"/>
+              </a:ext>
+            </a:extLst>
+          </p:cNvPr>
+          <p:cNvCxnSpPr>
+            <a:cxnSpLocks/>
+          </p:cNvCxnSpPr>
+          <p:nvPr/>
+        </p:nvCxnSpPr>
+        <p:spPr>
+          <a:xfrm flipV="1">
+            <a:off x="8757298" y="5486146"/>
+            <a:ext cx="860545" cy="136833"/>
+          </a:xfrm>
+          <a:prstGeom prst="straightConnector1">
+            <a:avLst/>
+          </a:prstGeom>
+          <a:ln>
+            <a:tailEnd type="triangle"/>
+          </a:ln>
+        </p:spPr>
+        <p:style>
+          <a:lnRef idx="1">
+            <a:schemeClr val="accent1"/>
+          </a:lnRef>
+          <a:fillRef idx="0">
+            <a:schemeClr val="accent1"/>
+          </a:fillRef>
+          <a:effectRef idx="0">
+            <a:schemeClr val="accent1"/>
+          </a:effectRef>
+          <a:fontRef idx="minor">
+            <a:schemeClr val="tx1"/>
+          </a:fontRef>
+        </p:style>
+      </p:cxnSp>
+      <p:pic>
+        <p:nvPicPr>
+          <p:cNvPr id="26" name="Imagem 25">
+            <a:extLst>
+              <a:ext uri="{FF2B5EF4-FFF2-40B4-BE49-F238E27FC236}">
+                <a16:creationId xmlns:a16="http://schemas.microsoft.com/office/drawing/2014/main" id="{63AECB77-C03B-47D6-9FCF-1CB34C247480}"/>
+              </a:ext>
+            </a:extLst>
+          </p:cNvPr>
+          <p:cNvPicPr>
+            <a:picLocks noChangeAspect="1"/>
+          </p:cNvPicPr>
+          <p:nvPr/>
+        </p:nvPicPr>
+        <p:blipFill>
+          <a:blip r:embed="rId7"/>
+          <a:stretch>
+            <a:fillRect/>
+          </a:stretch>
+        </p:blipFill>
+        <p:spPr>
+          <a:xfrm>
+            <a:off x="9046004" y="2425237"/>
+            <a:ext cx="2787860" cy="2090896"/>
+          </a:xfrm>
+          <a:prstGeom prst="rect">
+            <a:avLst/>
+          </a:prstGeom>
+        </p:spPr>
+      </p:pic>
+      <p:sp>
+        <p:nvSpPr>
+          <p:cNvPr id="27" name="Seta: para Baixo 26">
+            <a:extLst>
+              <a:ext uri="{FF2B5EF4-FFF2-40B4-BE49-F238E27FC236}">
+                <a16:creationId xmlns:a16="http://schemas.microsoft.com/office/drawing/2014/main" id="{F17E8019-DA59-4DA6-AC72-A647F45BB806}"/>
+              </a:ext>
+            </a:extLst>
+          </p:cNvPr>
+          <p:cNvSpPr/>
+          <p:nvPr/>
+        </p:nvSpPr>
+        <p:spPr>
+          <a:xfrm rot="10800000">
+            <a:off x="10274136" y="4547817"/>
+            <a:ext cx="331596" cy="432499"/>
+          </a:xfrm>
+          <a:prstGeom prst="downArrow">
+            <a:avLst/>
+          </a:prstGeom>
+        </p:spPr>
+        <p:style>
+          <a:lnRef idx="2">
+            <a:schemeClr val="accent1">
+              <a:shade val="50000"/>
+            </a:schemeClr>
+          </a:lnRef>
+          <a:fillRef idx="1">
+            <a:schemeClr val="accent1"/>
+          </a:fillRef>
+          <a:effectRef idx="0">
+            <a:schemeClr val="accent1"/>
+          </a:effectRef>
+          <a:fontRef idx="minor">
+            <a:schemeClr val="lt1"/>
+          </a:fontRef>
+        </p:style>
+        <p:txBody>
+          <a:bodyPr rtlCol="0" anchor="ctr"/>
+          <a:lstStyle/>
+          <a:p>
+            <a:pPr algn="ctr"/>
+            <a:endParaRPr lang="en-US"/>
+          </a:p>
+        </p:txBody>
+      </p:sp>
+      <p:sp>
+        <p:nvSpPr>
+          <p:cNvPr id="41" name="Elipse 40">
+            <a:extLst>
+              <a:ext uri="{FF2B5EF4-FFF2-40B4-BE49-F238E27FC236}">
+                <a16:creationId xmlns:a16="http://schemas.microsoft.com/office/drawing/2014/main" id="{921DA05B-3836-445F-BC79-728E549B3546}"/>
+              </a:ext>
+            </a:extLst>
+          </p:cNvPr>
+          <p:cNvSpPr/>
+          <p:nvPr/>
+        </p:nvSpPr>
+        <p:spPr>
+          <a:xfrm>
+            <a:off x="7344445" y="5533031"/>
+            <a:ext cx="504000" cy="864000"/>
+          </a:xfrm>
+          <a:prstGeom prst="ellipse">
+            <a:avLst/>
+          </a:prstGeom>
+          <a:noFill/>
+          <a:ln>
+            <a:solidFill>
+              <a:srgbClr val="FF0000"/>
+            </a:solidFill>
+          </a:ln>
+        </p:spPr>
+        <p:style>
+          <a:lnRef idx="2">
+            <a:schemeClr val="accent1">
+              <a:shade val="50000"/>
+            </a:schemeClr>
+          </a:lnRef>
+          <a:fillRef idx="1">
+            <a:schemeClr val="accent1"/>
+          </a:fillRef>
+          <a:effectRef idx="0">
+            <a:schemeClr val="accent1"/>
+          </a:effectRef>
+          <a:fontRef idx="minor">
+            <a:schemeClr val="lt1"/>
+          </a:fontRef>
+        </p:style>
+        <p:txBody>
+          <a:bodyPr rtlCol="0" anchor="ctr"/>
+          <a:lstStyle/>
+          <a:p>
+            <a:pPr algn="ctr"/>
+            <a:endParaRPr lang="en-US" dirty="0"/>
+          </a:p>
+        </p:txBody>
+      </p:sp>
+      <p:sp>
+        <p:nvSpPr>
+          <p:cNvPr id="42" name="Elipse 41">
+            <a:extLst>
+              <a:ext uri="{FF2B5EF4-FFF2-40B4-BE49-F238E27FC236}">
+                <a16:creationId xmlns:a16="http://schemas.microsoft.com/office/drawing/2014/main" id="{B941F51B-31BC-4A18-8D32-EC0300AE86DD}"/>
+              </a:ext>
+            </a:extLst>
+          </p:cNvPr>
+          <p:cNvSpPr/>
+          <p:nvPr/>
+        </p:nvSpPr>
+        <p:spPr>
+          <a:xfrm>
+            <a:off x="8334793" y="5512935"/>
+            <a:ext cx="504000" cy="864000"/>
+          </a:xfrm>
+          <a:prstGeom prst="ellipse">
+            <a:avLst/>
+          </a:prstGeom>
+          <a:noFill/>
+          <a:ln>
+            <a:solidFill>
+              <a:srgbClr val="FF0000"/>
+            </a:solidFill>
+          </a:ln>
+        </p:spPr>
+        <p:style>
+          <a:lnRef idx="2">
+            <a:schemeClr val="accent1">
+              <a:shade val="50000"/>
+            </a:schemeClr>
+          </a:lnRef>
+          <a:fillRef idx="1">
+            <a:schemeClr val="accent1"/>
+          </a:fillRef>
+          <a:effectRef idx="0">
+            <a:schemeClr val="accent1"/>
+          </a:effectRef>
+          <a:fontRef idx="minor">
+            <a:schemeClr val="lt1"/>
+          </a:fontRef>
+        </p:style>
+        <p:txBody>
+          <a:bodyPr rtlCol="0" anchor="ctr"/>
+          <a:lstStyle/>
+          <a:p>
+            <a:pPr algn="ctr"/>
+            <a:endParaRPr lang="en-US" dirty="0"/>
+          </a:p>
+        </p:txBody>
+      </p:sp>
+    </p:spTree>
+    <p:extLst>
+      <p:ext uri="{BB962C8B-B14F-4D97-AF65-F5344CB8AC3E}">
+        <p14:creationId xmlns:p14="http://schemas.microsoft.com/office/powerpoint/2010/main" val="1594805255"/>
+      </p:ext>
+    </p:extLst>
+  </p:cSld>
+  <p:clrMapOvr>
+    <a:masterClrMapping/>
+  </p:clrMapOvr>
+</p:sld>
+</file>
+
+<file path=ppt/slides/slide14.xml><?xml version="1.0" encoding="utf-8"?>
+<p:sld xmlns:a="http://schemas.openxmlformats.org/drawingml/2006/main" xmlns:r="http://schemas.openxmlformats.org/officeDocument/2006/relationships" xmlns:p="http://schemas.openxmlformats.org/presentationml/2006/main">
+  <p:cSld>
+    <p:spTree>
+      <p:nvGrpSpPr>
+        <p:cNvPr id="1" name=""/>
+        <p:cNvGrpSpPr/>
+        <p:nvPr/>
+      </p:nvGrpSpPr>
+      <p:grpSpPr>
+        <a:xfrm>
+          <a:off x="0" y="0"/>
+          <a:ext cx="0" cy="0"/>
+          <a:chOff x="0" y="0"/>
+          <a:chExt cx="0" cy="0"/>
+        </a:xfrm>
+      </p:grpSpPr>
+      <p:sp>
+        <p:nvSpPr>
           <p:cNvPr id="2" name="Title 1"/>
           <p:cNvSpPr>
             <a:spLocks noGrp="1"/>
@@ -7891,8 +10784,8 @@
           </a:p>
         </p:txBody>
       </p:sp>
-      <mc:AlternateContent xmlns:mc="http://schemas.openxmlformats.org/markup-compatibility/2006">
-        <mc:Choice xmlns:a14="http://schemas.microsoft.com/office/drawing/2010/main" Requires="a14">
+      <mc:AlternateContent xmlns:mc="http://schemas.openxmlformats.org/markup-compatibility/2006" xmlns:a14="http://schemas.microsoft.com/office/drawing/2010/main">
+        <mc:Choice Requires="a14">
           <p:sp>
             <p:nvSpPr>
               <p:cNvPr id="3" name="Content Placeholder 2"/>
@@ -7916,12 +10809,8 @@
               <a:lstStyle/>
               <a:p>
                 <a:r>
-                  <a:rPr lang="pt-BR" dirty="0" smtClean="0"/>
-                  <a:t>Com </a:t>
-                </a:r>
-                <a:r>
                   <a:rPr lang="pt-BR" dirty="0"/>
-                  <a:t>o surgimento das </a:t>
+                  <a:t>Com o surgimento das </a:t>
                 </a:r>
                 <a:r>
                   <a:rPr lang="pt-BR" b="1" i="1" dirty="0"/>
@@ -7937,11 +10826,7 @@
                 </a:r>
                 <a:r>
                   <a:rPr lang="pt-BR" dirty="0"/>
-                  <a:t>, passou a ser a bastante utilizada por </a:t>
-                </a:r>
-                <a:r>
-                  <a:rPr lang="pt-BR" dirty="0" smtClean="0"/>
-                  <a:t>questões </a:t>
+                  <a:t>, passou a ser a bastante utilizada por questões </a:t>
                 </a:r>
                 <a:r>
                   <a:rPr lang="pt-BR" b="1" i="1" dirty="0"/>
@@ -7956,13 +10841,13 @@
                   <a:t>computacionais</a:t>
                 </a:r>
                 <a:r>
-                  <a:rPr lang="pt-BR" dirty="0" smtClean="0"/>
+                  <a:rPr lang="pt-BR" dirty="0"/>
                   <a:t>.</a:t>
                 </a:r>
               </a:p>
               <a:p>
                 <a:r>
-                  <a:rPr lang="pt-BR" dirty="0" smtClean="0"/>
+                  <a:rPr lang="pt-BR" dirty="0"/>
                   <a:t>A </a:t>
                 </a:r>
                 <a:r>
@@ -8435,10 +11320,9 @@
                   </m:oMath>
                 </a14:m>
                 <a:r>
-                  <a:rPr lang="pt-BR" dirty="0" smtClean="0"/>
+                  <a:rPr lang="pt-BR" dirty="0"/>
                   <a:t>,</a:t>
                 </a:r>
-                <a:endParaRPr lang="pt-BR" dirty="0"/>
               </a:p>
               <a:p>
                 <a:pPr marL="0" indent="0">
@@ -8446,11 +11330,7 @@
                 </a:pPr>
                 <a:r>
                   <a:rPr lang="pt-BR" dirty="0"/>
-                  <a:t>e </a:t>
-                </a:r>
-                <a:r>
-                  <a:rPr lang="pt-BR" dirty="0" smtClean="0"/>
-                  <a:t>é indefinida para </a:t>
+                  <a:t>e é indefinida para </a:t>
                 </a:r>
                 <a14:m>
                   <m:oMath xmlns:m="http://schemas.openxmlformats.org/officeDocument/2006/math">
@@ -8514,26 +11394,13 @@
                   <a:t>é chamado de </a:t>
                 </a:r>
                 <a:r>
-                  <a:rPr lang="pt-BR" b="1" i="1" dirty="0" smtClean="0"/>
-                  <a:t>rectified </a:t>
+                  <a:rPr lang="pt-BR" b="1" i="1" dirty="0"/>
+                  <a:t>rectified linear unit </a:t>
                 </a:r>
                 <a:r>
-                  <a:rPr lang="pt-BR" b="1" i="1" dirty="0"/>
-                  <a:t>linear </a:t>
-                </a:r>
-                <a:r>
-                  <a:rPr lang="pt-BR" b="1" i="1" dirty="0" smtClean="0"/>
-                  <a:t>unit</a:t>
-                </a:r>
-                <a:r>
-                  <a:rPr lang="pt-BR" b="1" i="1" dirty="0"/>
-                  <a:t> </a:t>
-                </a:r>
-                <a:r>
-                  <a:rPr lang="pt-BR" dirty="0" smtClean="0"/>
+                  <a:rPr lang="pt-BR" dirty="0"/>
                   <a:t>(ReLU)</a:t>
                 </a:r>
-                <a:endParaRPr lang="pt-BR" dirty="0"/>
               </a:p>
               <a:p>
                 <a:r>
@@ -8546,18 +11413,13 @@
                 </a:r>
                 <a:r>
                   <a:rPr lang="pt-BR" dirty="0"/>
-                  <a:t>e sua derivada são mostradas nas figuras ao lado</a:t>
+                  <a:t>e sua derivada são mostradas nas figuras ao lado.</a:t>
                 </a:r>
-                <a:r>
-                  <a:rPr lang="pt-BR" dirty="0" smtClean="0"/>
-                  <a:t>.</a:t>
-                </a:r>
-                <a:endParaRPr lang="pt-BR" dirty="0"/>
               </a:p>
             </p:txBody>
           </p:sp>
         </mc:Choice>
-        <mc:Fallback>
+        <mc:Fallback xmlns="">
           <p:sp>
             <p:nvSpPr>
               <p:cNvPr id="3" name="Content Placeholder 2"/>
@@ -8642,13 +11504,8 @@
             <a:pPr algn="ctr"/>
             <a:r>
               <a:rPr lang="pt-BR" dirty="0"/>
-              <a:t>Função </a:t>
-            </a:r>
-            <a:r>
-              <a:rPr lang="pt-BR" dirty="0" smtClean="0"/>
-              <a:t>Retificadora</a:t>
-            </a:r>
-            <a:endParaRPr lang="pt-BR" dirty="0"/>
+              <a:t>Função Retificadora</a:t>
+            </a:r>
           </a:p>
         </p:txBody>
       </p:sp>
@@ -8699,13 +11556,8 @@
             <a:pPr algn="ctr"/>
             <a:r>
               <a:rPr lang="pt-BR" dirty="0"/>
-              <a:t>Derivada da Função </a:t>
-            </a:r>
-            <a:r>
-              <a:rPr lang="pt-BR" dirty="0" smtClean="0"/>
-              <a:t>Retificadora</a:t>
-            </a:r>
-            <a:endParaRPr lang="pt-BR" dirty="0"/>
+              <a:t>Derivada da Função Retificadora</a:t>
+            </a:r>
           </a:p>
         </p:txBody>
       </p:sp>
@@ -8719,262 +11571,6 @@
   <p:clrMapOvr>
     <a:masterClrMapping/>
   </p:clrMapOvr>
-  <p:timing>
-    <p:tnLst>
-      <p:par>
-        <p:cTn id="1" dur="indefinite" restart="never" nodeType="tmRoot"/>
-      </p:par>
-    </p:tnLst>
-  </p:timing>
-</p:sld>
-</file>
-
-<file path=ppt/slides/slide14.xml><?xml version="1.0" encoding="utf-8"?>
-<p:sld xmlns:a="http://schemas.openxmlformats.org/drawingml/2006/main" xmlns:r="http://schemas.openxmlformats.org/officeDocument/2006/relationships" xmlns:p="http://schemas.openxmlformats.org/presentationml/2006/main">
-  <p:cSld>
-    <p:spTree>
-      <p:nvGrpSpPr>
-        <p:cNvPr id="1" name=""/>
-        <p:cNvGrpSpPr/>
-        <p:nvPr/>
-      </p:nvGrpSpPr>
-      <p:grpSpPr>
-        <a:xfrm>
-          <a:off x="0" y="0"/>
-          <a:ext cx="0" cy="0"/>
-          <a:chOff x="0" y="0"/>
-          <a:chExt cx="0" cy="0"/>
-        </a:xfrm>
-      </p:grpSpPr>
-      <p:sp>
-        <p:nvSpPr>
-          <p:cNvPr id="2" name="Title 1"/>
-          <p:cNvSpPr>
-            <a:spLocks noGrp="1"/>
-          </p:cNvSpPr>
-          <p:nvPr>
-            <p:ph type="title"/>
-          </p:nvPr>
-        </p:nvSpPr>
-        <p:spPr/>
-        <p:txBody>
-          <a:bodyPr/>
-          <a:lstStyle/>
-          <a:p>
-            <a:r>
-              <a:rPr lang="pt-BR" dirty="0"/>
-              <a:t>Funções de </a:t>
-            </a:r>
-            <a:r>
-              <a:rPr lang="pt-BR" dirty="0" smtClean="0"/>
-              <a:t>ativação</a:t>
-            </a:r>
-            <a:endParaRPr lang="pt-BR" dirty="0"/>
-          </a:p>
-        </p:txBody>
-      </p:sp>
-      <p:sp>
-        <p:nvSpPr>
-          <p:cNvPr id="3" name="Content Placeholder 2"/>
-          <p:cNvSpPr>
-            <a:spLocks noGrp="1"/>
-          </p:cNvSpPr>
-          <p:nvPr>
-            <p:ph idx="1"/>
-          </p:nvPr>
-        </p:nvSpPr>
-        <p:spPr>
-          <a:xfrm>
-            <a:off x="838200" y="1825624"/>
-            <a:ext cx="11120438" cy="5032376"/>
-          </a:xfrm>
-        </p:spPr>
-        <p:txBody>
-          <a:bodyPr>
-            <a:normAutofit/>
-          </a:bodyPr>
-          <a:lstStyle/>
-          <a:p>
-            <a:r>
-              <a:rPr lang="pt-BR" dirty="0" smtClean="0"/>
-              <a:t>Vantagens </a:t>
-            </a:r>
-            <a:r>
-              <a:rPr lang="pt-BR" dirty="0"/>
-              <a:t>da </a:t>
-            </a:r>
-            <a:r>
-              <a:rPr lang="pt-BR" b="1" i="1" dirty="0" smtClean="0"/>
-              <a:t>função retificadora</a:t>
-            </a:r>
-            <a:r>
-              <a:rPr lang="pt-BR" dirty="0"/>
-              <a:t>:</a:t>
-            </a:r>
-            <a:endParaRPr lang="pt-BR" dirty="0" smtClean="0"/>
-          </a:p>
-          <a:p>
-            <a:pPr lvl="1">
-              <a:buFont typeface="Wingdings" panose="05000000000000000000" pitchFamily="2" charset="2"/>
-              <a:buChar char="§"/>
-            </a:pPr>
-            <a:r>
-              <a:rPr lang="pt-BR" dirty="0" smtClean="0"/>
-              <a:t>A função e sua derivada são </a:t>
-            </a:r>
-            <a:r>
-              <a:rPr lang="pt-BR" b="1" dirty="0" smtClean="0"/>
-              <a:t>mais rápidas de se </a:t>
-            </a:r>
-            <a:r>
-              <a:rPr lang="pt-BR" b="1" dirty="0"/>
-              <a:t>calcular </a:t>
-            </a:r>
-            <a:r>
-              <a:rPr lang="pt-BR" dirty="0"/>
-              <a:t>do que </a:t>
-            </a:r>
-            <a:r>
-              <a:rPr lang="pt-BR" dirty="0" smtClean="0"/>
-              <a:t>as funções sigmóide e tangente hiperbólica.</a:t>
-            </a:r>
-          </a:p>
-          <a:p>
-            <a:pPr lvl="1">
-              <a:buFont typeface="Wingdings" panose="05000000000000000000" pitchFamily="2" charset="2"/>
-              <a:buChar char="§"/>
-            </a:pPr>
-            <a:r>
-              <a:rPr lang="pt-BR" dirty="0" smtClean="0"/>
-              <a:t>Não sofre com </a:t>
-            </a:r>
-            <a:r>
-              <a:rPr lang="pt-BR" dirty="0"/>
-              <a:t>o </a:t>
-            </a:r>
-            <a:r>
-              <a:rPr lang="pt-BR" b="1" dirty="0"/>
-              <a:t>problema </a:t>
-            </a:r>
-            <a:r>
-              <a:rPr lang="pt-BR" b="1" dirty="0" smtClean="0"/>
-              <a:t>da dissipação </a:t>
-            </a:r>
-            <a:r>
-              <a:rPr lang="pt-BR" b="1" dirty="0"/>
-              <a:t>do </a:t>
-            </a:r>
-            <a:r>
-              <a:rPr lang="pt-BR" b="1" dirty="0" smtClean="0"/>
-              <a:t>gradiente</a:t>
-            </a:r>
-            <a:r>
-              <a:rPr lang="pt-BR" dirty="0"/>
-              <a:t> </a:t>
-            </a:r>
-            <a:r>
-              <a:rPr lang="pt-BR" dirty="0" smtClean="0"/>
-              <a:t>pois seu gradiente é igual a 0 ou 1. Mesmo se multiplicarmos vários gradientes de várias camadas, não haverá diminuição do seu valor.</a:t>
-            </a:r>
-            <a:endParaRPr lang="pt-BR" dirty="0"/>
-          </a:p>
-          <a:p>
-            <a:r>
-              <a:rPr lang="pt-BR" dirty="0" smtClean="0"/>
-              <a:t>Outras funções de ativação são:</a:t>
-            </a:r>
-          </a:p>
-          <a:p>
-            <a:pPr lvl="1">
-              <a:buFont typeface="Wingdings" panose="05000000000000000000" pitchFamily="2" charset="2"/>
-              <a:buChar char="§"/>
-            </a:pPr>
-            <a:r>
-              <a:rPr lang="pt-BR" dirty="0" smtClean="0"/>
-              <a:t>Identidade ou linear.</a:t>
-            </a:r>
-          </a:p>
-          <a:p>
-            <a:pPr lvl="1">
-              <a:buFont typeface="Wingdings" panose="05000000000000000000" pitchFamily="2" charset="2"/>
-              <a:buChar char="§"/>
-            </a:pPr>
-            <a:r>
-              <a:rPr lang="pt-BR" dirty="0"/>
-              <a:t>Gaussian Error Linear Unit (GELU</a:t>
-            </a:r>
-            <a:r>
-              <a:rPr lang="pt-BR" dirty="0" smtClean="0"/>
-              <a:t>).</a:t>
-            </a:r>
-          </a:p>
-          <a:p>
-            <a:pPr lvl="1">
-              <a:buFont typeface="Wingdings" panose="05000000000000000000" pitchFamily="2" charset="2"/>
-              <a:buChar char="§"/>
-            </a:pPr>
-            <a:r>
-              <a:rPr lang="en-US" dirty="0"/>
-              <a:t>Leaky rectified linear unit (Leaky </a:t>
-            </a:r>
-            <a:r>
-              <a:rPr lang="en-US" dirty="0" err="1"/>
-              <a:t>ReLU</a:t>
-            </a:r>
-            <a:r>
-              <a:rPr lang="en-US" dirty="0" smtClean="0"/>
-              <a:t>).</a:t>
-            </a:r>
-            <a:endParaRPr lang="pt-BR" dirty="0" smtClean="0"/>
-          </a:p>
-          <a:p>
-            <a:pPr lvl="1">
-              <a:buFont typeface="Wingdings" panose="05000000000000000000" pitchFamily="2" charset="2"/>
-              <a:buChar char="§"/>
-            </a:pPr>
-            <a:r>
-              <a:rPr lang="pt-BR" dirty="0" smtClean="0"/>
-              <a:t>Gaussiana.</a:t>
-            </a:r>
-          </a:p>
-          <a:p>
-            <a:pPr lvl="1">
-              <a:buFont typeface="Wingdings" panose="05000000000000000000" pitchFamily="2" charset="2"/>
-              <a:buChar char="§"/>
-            </a:pPr>
-            <a:r>
-              <a:rPr lang="pt-BR">
-                <a:hlinkClick r:id="rId3"/>
-              </a:rPr>
-              <a:t>https://</a:t>
-            </a:r>
-            <a:r>
-              <a:rPr lang="pt-BR" smtClean="0">
-                <a:hlinkClick r:id="rId3"/>
-              </a:rPr>
-              <a:t>en.wikipedia.org/wiki/Activation_function#Table_of_activation_functions</a:t>
-            </a:r>
-            <a:endParaRPr lang="pt-BR" smtClean="0"/>
-          </a:p>
-        </p:txBody>
-      </p:sp>
-    </p:spTree>
-    <p:extLst>
-      <p:ext uri="{BB962C8B-B14F-4D97-AF65-F5344CB8AC3E}">
-        <p14:creationId xmlns:p14="http://schemas.microsoft.com/office/powerpoint/2010/main" val="2996423218"/>
-      </p:ext>
-    </p:extLst>
-  </p:cSld>
-  <p:clrMapOvr>
-    <a:masterClrMapping/>
-  </p:clrMapOvr>
-  <p:timing>
-    <p:tnLst>
-      <p:par>
-        <p:cTn id="1" dur="indefinite" restart="never" nodeType="tmRoot"/>
-      </p:par>
-    </p:tnLst>
-  </p:timing>
 </p:sld>
 </file>
 
@@ -9011,10 +11607,9 @@
           <a:lstStyle/>
           <a:p>
             <a:r>
-              <a:rPr lang="pt-BR" dirty="0" smtClean="0"/>
-              <a:t>Tarefa</a:t>
-            </a:r>
-            <a:endParaRPr lang="pt-BR" dirty="0"/>
+              <a:rPr lang="pt-BR" dirty="0"/>
+              <a:t>Funções de ativação</a:t>
+            </a:r>
           </a:p>
         </p:txBody>
       </p:sp>
@@ -9030,50 +11625,145 @@
         </p:nvSpPr>
         <p:spPr>
           <a:xfrm>
-            <a:off x="838199" y="1825624"/>
-            <a:ext cx="10994409" cy="4547879"/>
+            <a:off x="838200" y="1825624"/>
+            <a:ext cx="11120438" cy="5032376"/>
           </a:xfrm>
         </p:spPr>
         <p:txBody>
-          <a:bodyPr/>
+          <a:bodyPr>
+            <a:normAutofit/>
+          </a:bodyPr>
           <a:lstStyle/>
           <a:p>
             <a:r>
-              <a:rPr lang="pt-BR" b="1" dirty="0" smtClean="0"/>
-              <a:t>Quiz</a:t>
-            </a:r>
-            <a:r>
-              <a:rPr lang="pt-BR" dirty="0" smtClean="0"/>
-              <a:t>: “</a:t>
-            </a:r>
-            <a:r>
-              <a:rPr lang="pt-BR" i="1" dirty="0" smtClean="0"/>
-              <a:t>T320 - Quiz – Redes Neurais Artificiais (Parte III)</a:t>
-            </a:r>
-            <a:r>
-              <a:rPr lang="pt-BR" dirty="0" smtClean="0"/>
-              <a:t>” que se encontra no MS Teams.</a:t>
-            </a:r>
+              <a:rPr lang="pt-BR" dirty="0"/>
+              <a:t>Vantagens da </a:t>
+            </a:r>
+            <a:r>
+              <a:rPr lang="pt-BR" b="1" i="1" dirty="0"/>
+              <a:t>função retificadora</a:t>
+            </a:r>
+            <a:r>
+              <a:rPr lang="pt-BR" dirty="0"/>
+              <a:t>:</a:t>
+            </a:r>
+          </a:p>
+          <a:p>
+            <a:pPr lvl="1">
+              <a:buFont typeface="Wingdings" panose="05000000000000000000" pitchFamily="2" charset="2"/>
+              <a:buChar char="§"/>
+            </a:pPr>
+            <a:r>
+              <a:rPr lang="pt-BR" dirty="0"/>
+              <a:t>A função e sua derivada são </a:t>
+            </a:r>
+            <a:r>
+              <a:rPr lang="pt-BR" b="1" i="1" dirty="0"/>
+              <a:t>mais rápidas de se calcular </a:t>
+            </a:r>
+            <a:r>
+              <a:rPr lang="pt-BR" dirty="0"/>
+              <a:t>do que as funções sigmóide e tangente hiperbólica.</a:t>
+            </a:r>
+          </a:p>
+          <a:p>
+            <a:pPr lvl="1">
+              <a:buFont typeface="Wingdings" panose="05000000000000000000" pitchFamily="2" charset="2"/>
+              <a:buChar char="§"/>
+            </a:pPr>
+            <a:r>
+              <a:rPr lang="pt-BR" dirty="0"/>
+              <a:t>Não sofre com o </a:t>
+            </a:r>
+            <a:r>
+              <a:rPr lang="pt-BR" b="1" i="1" dirty="0"/>
+              <a:t>problema da dissipação do gradiente </a:t>
+            </a:r>
+            <a:r>
+              <a:rPr lang="pt-BR" dirty="0"/>
+              <a:t>pois seu gradiente é igual a 0 ou 1. Mesmo se multiplicarmos vários gradientes de várias camadas, não haverá diminuição do seu valor.</a:t>
+            </a:r>
+          </a:p>
+          <a:p>
+            <a:r>
+              <a:rPr lang="pt-BR" dirty="0"/>
+              <a:t>Outras funções de ativação são:</a:t>
+            </a:r>
+          </a:p>
+          <a:p>
+            <a:pPr lvl="1">
+              <a:buFont typeface="Wingdings" panose="05000000000000000000" pitchFamily="2" charset="2"/>
+              <a:buChar char="§"/>
+            </a:pPr>
+            <a:r>
+              <a:rPr lang="pt-BR" dirty="0"/>
+              <a:t>Identidade ou linear.</a:t>
+            </a:r>
+          </a:p>
+          <a:p>
+            <a:pPr lvl="1">
+              <a:buFont typeface="Wingdings" panose="05000000000000000000" pitchFamily="2" charset="2"/>
+              <a:buChar char="§"/>
+            </a:pPr>
+            <a:r>
+              <a:rPr lang="pt-BR" dirty="0"/>
+              <a:t>Gaussian Error Linear Unit (GELU).</a:t>
+            </a:r>
+          </a:p>
+          <a:p>
+            <a:pPr lvl="1">
+              <a:buFont typeface="Wingdings" panose="05000000000000000000" pitchFamily="2" charset="2"/>
+              <a:buChar char="§"/>
+            </a:pPr>
+            <a:r>
+              <a:rPr lang="en-US" dirty="0"/>
+              <a:t>Leaky rectified linear unit (Leaky </a:t>
+            </a:r>
+            <a:r>
+              <a:rPr lang="en-US" dirty="0" err="1"/>
+              <a:t>ReLU</a:t>
+            </a:r>
+            <a:r>
+              <a:rPr lang="en-US" dirty="0"/>
+              <a:t>).</a:t>
+            </a:r>
+            <a:endParaRPr lang="pt-BR" dirty="0"/>
+          </a:p>
+          <a:p>
+            <a:pPr lvl="1">
+              <a:buFont typeface="Wingdings" panose="05000000000000000000" pitchFamily="2" charset="2"/>
+              <a:buChar char="§"/>
+            </a:pPr>
+            <a:r>
+              <a:rPr lang="pt-BR" dirty="0"/>
+              <a:t>Gaussiana.</a:t>
+            </a:r>
+          </a:p>
+          <a:p>
+            <a:pPr lvl="1">
+              <a:buFont typeface="Wingdings" panose="05000000000000000000" pitchFamily="2" charset="2"/>
+              <a:buChar char="§"/>
+            </a:pPr>
+            <a:r>
+              <a:rPr lang="pt-BR" dirty="0">
+                <a:hlinkClick r:id="rId3"/>
+              </a:rPr>
+              <a:t>https://en.wikipedia.org/wiki/Activation_function#Table_of_activation_functions</a:t>
+            </a:r>
+            <a:endParaRPr lang="pt-BR" dirty="0"/>
           </a:p>
         </p:txBody>
       </p:sp>
     </p:spTree>
     <p:extLst>
       <p:ext uri="{BB962C8B-B14F-4D97-AF65-F5344CB8AC3E}">
-        <p14:creationId xmlns:p14="http://schemas.microsoft.com/office/powerpoint/2010/main" val="3718311278"/>
+        <p14:creationId xmlns:p14="http://schemas.microsoft.com/office/powerpoint/2010/main" val="2996423218"/>
       </p:ext>
     </p:extLst>
   </p:cSld>
   <p:clrMapOvr>
     <a:masterClrMapping/>
   </p:clrMapOvr>
-  <p:timing>
-    <p:tnLst>
-      <p:par>
-        <p:cTn id="1" dur="indefinite" restart="never" nodeType="tmRoot"/>
-      </p:par>
-    </p:tnLst>
-  </p:timing>
 </p:sld>
 </file>
 
@@ -9111,6 +11801,97 @@
           <a:p>
             <a:r>
               <a:rPr lang="pt-BR" dirty="0"/>
+              <a:t>Tarefa</a:t>
+            </a:r>
+          </a:p>
+        </p:txBody>
+      </p:sp>
+      <p:sp>
+        <p:nvSpPr>
+          <p:cNvPr id="3" name="Content Placeholder 2"/>
+          <p:cNvSpPr>
+            <a:spLocks noGrp="1"/>
+          </p:cNvSpPr>
+          <p:nvPr>
+            <p:ph idx="1"/>
+          </p:nvPr>
+        </p:nvSpPr>
+        <p:spPr>
+          <a:xfrm>
+            <a:off x="838199" y="1825624"/>
+            <a:ext cx="10994409" cy="4547879"/>
+          </a:xfrm>
+        </p:spPr>
+        <p:txBody>
+          <a:bodyPr/>
+          <a:lstStyle/>
+          <a:p>
+            <a:r>
+              <a:rPr lang="pt-BR" b="1" dirty="0"/>
+              <a:t>Quiz</a:t>
+            </a:r>
+            <a:r>
+              <a:rPr lang="pt-BR" dirty="0"/>
+              <a:t>: “</a:t>
+            </a:r>
+            <a:r>
+              <a:rPr lang="pt-BR" i="1" dirty="0"/>
+              <a:t>T320 - Quiz – Redes Neurais Artificiais (Parte III)</a:t>
+            </a:r>
+            <a:r>
+              <a:rPr lang="pt-BR" dirty="0"/>
+              <a:t>” que se encontra no MS Teams.</a:t>
+            </a:r>
+          </a:p>
+        </p:txBody>
+      </p:sp>
+    </p:spTree>
+    <p:extLst>
+      <p:ext uri="{BB962C8B-B14F-4D97-AF65-F5344CB8AC3E}">
+        <p14:creationId xmlns:p14="http://schemas.microsoft.com/office/powerpoint/2010/main" val="3718311278"/>
+      </p:ext>
+    </p:extLst>
+  </p:cSld>
+  <p:clrMapOvr>
+    <a:masterClrMapping/>
+  </p:clrMapOvr>
+</p:sld>
+</file>
+
+<file path=ppt/slides/slide17.xml><?xml version="1.0" encoding="utf-8"?>
+<p:sld xmlns:a="http://schemas.openxmlformats.org/drawingml/2006/main" xmlns:r="http://schemas.openxmlformats.org/officeDocument/2006/relationships" xmlns:p="http://schemas.openxmlformats.org/presentationml/2006/main">
+  <p:cSld>
+    <p:spTree>
+      <p:nvGrpSpPr>
+        <p:cNvPr id="1" name=""/>
+        <p:cNvGrpSpPr/>
+        <p:nvPr/>
+      </p:nvGrpSpPr>
+      <p:grpSpPr>
+        <a:xfrm>
+          <a:off x="0" y="0"/>
+          <a:ext cx="0" cy="0"/>
+          <a:chOff x="0" y="0"/>
+          <a:chExt cx="0" cy="0"/>
+        </a:xfrm>
+      </p:grpSpPr>
+      <p:sp>
+        <p:nvSpPr>
+          <p:cNvPr id="2" name="Title 1"/>
+          <p:cNvSpPr>
+            <a:spLocks noGrp="1"/>
+          </p:cNvSpPr>
+          <p:nvPr>
+            <p:ph type="title"/>
+          </p:nvPr>
+        </p:nvSpPr>
+        <p:spPr/>
+        <p:txBody>
+          <a:bodyPr/>
+          <a:lstStyle/>
+          <a:p>
+            <a:r>
+              <a:rPr lang="pt-BR" dirty="0"/>
               <a:t>Conectando Neurônios</a:t>
             </a:r>
           </a:p>
@@ -9148,15 +11929,7 @@
             </a:r>
             <a:r>
               <a:rPr lang="pt-BR" dirty="0"/>
-              <a:t> </a:t>
-            </a:r>
-            <a:r>
-              <a:rPr lang="pt-BR" dirty="0" smtClean="0"/>
-              <a:t>de </a:t>
-            </a:r>
-            <a:r>
-              <a:rPr lang="pt-BR" dirty="0"/>
-              <a:t>uma rede.</a:t>
+              <a:t> de uma rede.</a:t>
             </a:r>
           </a:p>
           <a:p>
@@ -9170,15 +11943,7 @@
             </a:r>
             <a:r>
               <a:rPr lang="pt-BR" dirty="0"/>
-              <a:t> da rede </a:t>
-            </a:r>
-            <a:r>
-              <a:rPr lang="pt-BR" dirty="0" smtClean="0"/>
-              <a:t>têm </a:t>
-            </a:r>
-            <a:r>
-              <a:rPr lang="pt-BR" dirty="0"/>
-              <a:t>conexões em apenas uma única direção. </a:t>
+              <a:t> da rede têm conexões em apenas uma única direção. </a:t>
             </a:r>
           </a:p>
           <a:p>
@@ -9188,27 +11953,19 @@
             </a:r>
             <a:r>
               <a:rPr lang="pt-BR" b="1" i="1" dirty="0"/>
-              <a:t>rede de alimentação </a:t>
-            </a:r>
-            <a:r>
-              <a:rPr lang="pt-BR" b="1" i="1" dirty="0" smtClean="0"/>
-              <a:t>direta </a:t>
-            </a:r>
-            <a:r>
-              <a:rPr lang="pt-BR" dirty="0" smtClean="0"/>
+              <a:t>rede de alimentação direta </a:t>
+            </a:r>
+            <a:r>
+              <a:rPr lang="pt-BR" dirty="0"/>
               <a:t>(</a:t>
             </a:r>
             <a:r>
-              <a:rPr lang="pt-BR" i="1" dirty="0" smtClean="0"/>
+              <a:rPr lang="pt-BR" i="1" dirty="0"/>
               <a:t>feedforward</a:t>
             </a:r>
             <a:r>
-              <a:rPr lang="pt-BR" dirty="0" smtClean="0"/>
-              <a:t>) </a:t>
-            </a:r>
-            <a:r>
               <a:rPr lang="pt-BR" dirty="0"/>
-              <a:t>ou </a:t>
+              <a:t>) ou </a:t>
             </a:r>
             <a:r>
               <a:rPr lang="pt-BR" b="1" i="1" dirty="0"/>
@@ -9298,17 +12055,10 @@
   <p:clrMapOvr>
     <a:masterClrMapping/>
   </p:clrMapOvr>
-  <p:timing>
-    <p:tnLst>
-      <p:par>
-        <p:cTn id="1" dur="indefinite" restart="never" nodeType="tmRoot"/>
-      </p:par>
-    </p:tnLst>
-  </p:timing>
 </p:sld>
 </file>
 
-<file path=ppt/slides/slide17.xml><?xml version="1.0" encoding="utf-8"?>
+<file path=ppt/slides/slide18.xml><?xml version="1.0" encoding="utf-8"?>
 <p:sld xmlns:a="http://schemas.openxmlformats.org/drawingml/2006/main" xmlns:r="http://schemas.openxmlformats.org/officeDocument/2006/relationships" xmlns:p="http://schemas.openxmlformats.org/presentationml/2006/main">
   <p:cSld>
     <p:spTree>
@@ -9445,13 +12195,8 @@
             </a:r>
             <a:r>
               <a:rPr lang="pt-BR" dirty="0"/>
-              <a:t>que pode atingir um estado estável, exibir oscilações ou mesmo um comportamento </a:t>
-            </a:r>
-            <a:r>
-              <a:rPr lang="pt-BR" dirty="0" smtClean="0"/>
-              <a:t>caótico, ou seja, divergir.</a:t>
-            </a:r>
-            <a:endParaRPr lang="pt-BR" dirty="0"/>
+              <a:t>que pode atingir um estado estável, exibir oscilações ou mesmo um comportamento caótico, ou seja, divergir.</a:t>
+            </a:r>
           </a:p>
           <a:p>
             <a:r>
@@ -9531,7 +12276,7 @@
 </p:sld>
 </file>
 
-<file path=ppt/slides/slide18.xml><?xml version="1.0" encoding="utf-8"?>
+<file path=ppt/slides/slide19.xml><?xml version="1.0" encoding="utf-8"?>
 <p:sld xmlns:a="http://schemas.openxmlformats.org/drawingml/2006/main" xmlns:r="http://schemas.openxmlformats.org/officeDocument/2006/relationships" xmlns:p="http://schemas.openxmlformats.org/presentationml/2006/main">
   <p:cSld>
     <p:spTree>
@@ -9595,7 +12340,7 @@
               <a:lstStyle/>
               <a:p>
                 <a:r>
-                  <a:rPr lang="pt-BR" dirty="0" smtClean="0"/>
+                  <a:rPr lang="pt-BR" dirty="0"/>
                   <a:t>A rede MLP ao lado tem sua saída definida por</a:t>
                 </a:r>
               </a:p>
@@ -9709,12 +12454,8 @@
               </a:p>
               <a:p>
                 <a:r>
-                  <a:rPr lang="pt-BR" dirty="0" smtClean="0"/>
-                  <a:t>Percebam </a:t>
-                </a:r>
-                <a:r>
                   <a:rPr lang="pt-BR" dirty="0"/>
-                  <a:t>que a saída da rede é dada pelo </a:t>
+                  <a:t>Percebam que a saída da rede é dada pelo </a:t>
                 </a:r>
                 <a:r>
                   <a:rPr lang="pt-BR" b="1" i="1" dirty="0"/>
@@ -9736,15 +12477,7 @@
               <a:p>
                 <a:r>
                   <a:rPr lang="pt-BR" dirty="0"/>
-                  <a:t>Sendo assim, as funções que uma rede </a:t>
-                </a:r>
-                <a:r>
-                  <a:rPr lang="pt-BR" dirty="0" smtClean="0"/>
-                  <a:t>neural pode </a:t>
-                </a:r>
-                <a:r>
-                  <a:rPr lang="pt-BR" dirty="0"/>
-                  <a:t>representar podem ser </a:t>
+                  <a:t>Sendo assim, as funções que uma rede neural pode representar podem ser </a:t>
                 </a:r>
                 <a:r>
                   <a:rPr lang="pt-BR" b="1" i="1" dirty="0"/>
@@ -9762,17 +12495,12 @@
                 </a:r>
                 <a:r>
                   <a:rPr lang="pt-BR" b="1" i="1" dirty="0"/>
-                  <a:t>regressão </a:t>
+                  <a:t>regressão não-linear</a:t>
                 </a:r>
                 <a:r>
-                  <a:rPr lang="pt-BR" b="1" i="1" dirty="0" smtClean="0"/>
-                  <a:t>não-linear</a:t>
-                </a:r>
-                <a:r>
-                  <a:rPr lang="pt-BR" dirty="0" smtClean="0"/>
+                  <a:rPr lang="pt-BR" dirty="0"/>
                   <a:t>, mas também podemos resolver outros problemas como os de classificação.</a:t>
                 </a:r>
-                <a:endParaRPr lang="pt-BR" dirty="0"/>
               </a:p>
               <a:p>
                 <a:r>
@@ -9818,10 +12546,9 @@
               </a:p>
               <a:p>
                 <a:r>
-                  <a:rPr lang="pt-BR" dirty="0" smtClean="0"/>
+                  <a:rPr lang="pt-BR" dirty="0"/>
                   <a:t>Veremos alguns exemplos a seguir desta capacidade de aproximação.</a:t>
                 </a:r>
-                <a:endParaRPr lang="pt-BR" dirty="0"/>
               </a:p>
               <a:p>
                 <a:pPr marL="0" indent="0">
@@ -9912,7 +12639,148 @@
 </p:sld>
 </file>
 
-<file path=ppt/slides/slide19.xml><?xml version="1.0" encoding="utf-8"?>
+<file path=ppt/slides/slide2.xml><?xml version="1.0" encoding="utf-8"?>
+<p:sld xmlns:a="http://schemas.openxmlformats.org/drawingml/2006/main" xmlns:r="http://schemas.openxmlformats.org/officeDocument/2006/relationships" xmlns:p="http://schemas.openxmlformats.org/presentationml/2006/main">
+  <p:cSld>
+    <p:spTree>
+      <p:nvGrpSpPr>
+        <p:cNvPr id="1" name=""/>
+        <p:cNvGrpSpPr/>
+        <p:nvPr/>
+      </p:nvGrpSpPr>
+      <p:grpSpPr>
+        <a:xfrm>
+          <a:off x="0" y="0"/>
+          <a:ext cx="0" cy="0"/>
+          <a:chOff x="0" y="0"/>
+          <a:chExt cx="0" cy="0"/>
+        </a:xfrm>
+      </p:grpSpPr>
+      <p:sp>
+        <p:nvSpPr>
+          <p:cNvPr id="2" name="Title 1"/>
+          <p:cNvSpPr>
+            <a:spLocks noGrp="1"/>
+          </p:cNvSpPr>
+          <p:nvPr>
+            <p:ph type="title"/>
+          </p:nvPr>
+        </p:nvSpPr>
+        <p:spPr/>
+        <p:txBody>
+          <a:bodyPr/>
+          <a:lstStyle/>
+          <a:p>
+            <a:r>
+              <a:rPr lang="pt-BR" dirty="0"/>
+              <a:t>Recapitulando</a:t>
+            </a:r>
+          </a:p>
+        </p:txBody>
+      </p:sp>
+      <p:sp>
+        <p:nvSpPr>
+          <p:cNvPr id="3" name="Content Placeholder 2"/>
+          <p:cNvSpPr>
+            <a:spLocks noGrp="1"/>
+          </p:cNvSpPr>
+          <p:nvPr>
+            <p:ph idx="1"/>
+          </p:nvPr>
+        </p:nvSpPr>
+        <p:spPr>
+          <a:xfrm>
+            <a:off x="838199" y="1825624"/>
+            <a:ext cx="10994409" cy="5032376"/>
+          </a:xfrm>
+        </p:spPr>
+        <p:txBody>
+          <a:bodyPr>
+            <a:normAutofit lnSpcReduction="10000"/>
+          </a:bodyPr>
+          <a:lstStyle/>
+          <a:p>
+            <a:r>
+              <a:rPr lang="pt-BR" dirty="0"/>
+              <a:t>Fizemos uma analogia entre um neurônio e os modelos de McCulloch e Pitts e do Perceptron.</a:t>
+            </a:r>
+          </a:p>
+          <a:p>
+            <a:r>
+              <a:rPr lang="pt-BR" dirty="0"/>
+              <a:t>Vimos a evolução do modelo de McCulloch e Pitts para o </a:t>
+            </a:r>
+            <a:r>
+              <a:rPr lang="pt-BR" dirty="0" err="1"/>
+              <a:t>Perceptron</a:t>
+            </a:r>
+            <a:r>
+              <a:rPr lang="pt-BR" dirty="0"/>
+              <a:t>.</a:t>
+            </a:r>
+          </a:p>
+          <a:p>
+            <a:r>
+              <a:rPr lang="pt-BR" dirty="0"/>
+              <a:t>Aprendemos suas características, diferenças e como ambos funcionam.</a:t>
+            </a:r>
+          </a:p>
+          <a:p>
+            <a:r>
+              <a:rPr lang="pt-BR" dirty="0"/>
+              <a:t>Verificamos que um Perceptron é semelhante ao regressor logístico.</a:t>
+            </a:r>
+          </a:p>
+          <a:p>
+            <a:r>
+              <a:rPr lang="pt-BR" dirty="0"/>
+              <a:t>Constatamos que um </a:t>
+            </a:r>
+            <a:r>
+              <a:rPr lang="pt-BR" b="1" i="1" dirty="0"/>
+              <a:t>único </a:t>
+            </a:r>
+            <a:r>
+              <a:rPr lang="pt-BR" dirty="0"/>
+              <a:t>Perceptron não é capaz de separar classes não-lineares, como por exemplo, o problema do XOR.</a:t>
+            </a:r>
+          </a:p>
+          <a:p>
+            <a:r>
+              <a:rPr lang="pt-BR" dirty="0"/>
+              <a:t>Porém, quando combinamos vários deles, conseguimos criar um separador não-linear.</a:t>
+            </a:r>
+          </a:p>
+          <a:p>
+            <a:r>
+              <a:rPr lang="pt-BR" dirty="0"/>
+              <a:t>Neste tópico, veremos que esta união de Perceptrons origina o que chamamos de </a:t>
+            </a:r>
+            <a:r>
+              <a:rPr lang="pt-BR" b="1" i="1" dirty="0"/>
+              <a:t>redes neurais artificiais</a:t>
+            </a:r>
+            <a:r>
+              <a:rPr lang="pt-BR" dirty="0"/>
+              <a:t>.</a:t>
+            </a:r>
+          </a:p>
+        </p:txBody>
+      </p:sp>
+    </p:spTree>
+    <p:extLst>
+      <p:ext uri="{BB962C8B-B14F-4D97-AF65-F5344CB8AC3E}">
+        <p14:creationId xmlns:p14="http://schemas.microsoft.com/office/powerpoint/2010/main" val="3946202173"/>
+      </p:ext>
+    </p:extLst>
+  </p:cSld>
+  <p:clrMapOvr>
+    <a:masterClrMapping/>
+  </p:clrMapOvr>
+</p:sld>
+</file>
+
+<file path=ppt/slides/slide20.xml><?xml version="1.0" encoding="utf-8"?>
 <p:sld xmlns:a="http://schemas.openxmlformats.org/drawingml/2006/main" xmlns:r="http://schemas.openxmlformats.org/officeDocument/2006/relationships" xmlns:p="http://schemas.openxmlformats.org/presentationml/2006/main">
   <p:cSld>
     <p:spTree>
@@ -10277,21 +13145,8 @@
           <a:p>
             <a:r>
               <a:rPr lang="pt-BR" dirty="0"/>
-              <a:t>Combinando duas ondas </a:t>
-            </a:r>
-            <a:r>
-              <a:rPr lang="pt-BR" dirty="0" smtClean="0"/>
-              <a:t>perpendiculares, </a:t>
-            </a:r>
-            <a:r>
-              <a:rPr lang="pt-BR" dirty="0"/>
-              <a:t>nós obtemos uma função em formato </a:t>
-            </a:r>
-            <a:r>
-              <a:rPr lang="pt-BR" dirty="0" smtClean="0"/>
-              <a:t>cilíndrico.</a:t>
-            </a:r>
-            <a:endParaRPr lang="pt-BR" dirty="0"/>
+              <a:t>Combinando duas ondas perpendiculares, nós obtemos uma função em formato cilíndrico.</a:t>
+            </a:r>
           </a:p>
         </p:txBody>
       </p:sp>
@@ -10349,7 +13204,7 @@
 </p:sld>
 </file>
 
-<file path=ppt/slides/slide2.xml><?xml version="1.0" encoding="utf-8"?>
+<file path=ppt/slides/slide21.xml><?xml version="1.0" encoding="utf-8"?>
 <p:sld xmlns:a="http://schemas.openxmlformats.org/drawingml/2006/main" xmlns:r="http://schemas.openxmlformats.org/officeDocument/2006/relationships" xmlns:p="http://schemas.openxmlformats.org/presentationml/2006/main">
   <p:cSld>
     <p:spTree>
@@ -10382,213 +13237,6 @@
           <a:lstStyle/>
           <a:p>
             <a:r>
-              <a:rPr lang="pt-BR" dirty="0" smtClean="0"/>
-              <a:t>Recapitulando</a:t>
-            </a:r>
-            <a:endParaRPr lang="pt-BR" dirty="0"/>
-          </a:p>
-        </p:txBody>
-      </p:sp>
-      <p:sp>
-        <p:nvSpPr>
-          <p:cNvPr id="3" name="Content Placeholder 2"/>
-          <p:cNvSpPr>
-            <a:spLocks noGrp="1"/>
-          </p:cNvSpPr>
-          <p:nvPr>
-            <p:ph idx="1"/>
-          </p:nvPr>
-        </p:nvSpPr>
-        <p:spPr>
-          <a:xfrm>
-            <a:off x="838199" y="1825624"/>
-            <a:ext cx="10994409" cy="5032376"/>
-          </a:xfrm>
-        </p:spPr>
-        <p:txBody>
-          <a:bodyPr>
-            <a:normAutofit lnSpcReduction="10000"/>
-          </a:bodyPr>
-          <a:lstStyle/>
-          <a:p>
-            <a:r>
-              <a:rPr lang="pt-BR" dirty="0" smtClean="0"/>
-              <a:t>Fizemos </a:t>
-            </a:r>
-            <a:r>
-              <a:rPr lang="pt-BR" dirty="0"/>
-              <a:t>uma analogia entre um neurônio e os modelos de McCulloch e Pitts e do </a:t>
-            </a:r>
-            <a:r>
-              <a:rPr lang="pt-BR" dirty="0" smtClean="0"/>
-              <a:t>Perceptron.</a:t>
-            </a:r>
-          </a:p>
-          <a:p>
-            <a:r>
-              <a:rPr lang="pt-BR" dirty="0" smtClean="0"/>
-              <a:t>Vimos </a:t>
-            </a:r>
-            <a:r>
-              <a:rPr lang="pt-BR" dirty="0"/>
-              <a:t>a evolução </a:t>
-            </a:r>
-            <a:r>
-              <a:rPr lang="pt-BR" dirty="0" smtClean="0"/>
-              <a:t>do modelo </a:t>
-            </a:r>
-            <a:r>
-              <a:rPr lang="pt-BR" dirty="0"/>
-              <a:t>de McCulloch e Pitts para o </a:t>
-            </a:r>
-            <a:r>
-              <a:rPr lang="pt-BR" dirty="0" err="1" smtClean="0"/>
-              <a:t>Perceptron</a:t>
-            </a:r>
-            <a:r>
-              <a:rPr lang="pt-BR" dirty="0" smtClean="0"/>
-              <a:t>.</a:t>
-            </a:r>
-            <a:endParaRPr lang="pt-BR" dirty="0" smtClean="0"/>
-          </a:p>
-          <a:p>
-            <a:r>
-              <a:rPr lang="pt-BR" dirty="0" smtClean="0"/>
-              <a:t>Aprendemos </a:t>
-            </a:r>
-            <a:r>
-              <a:rPr lang="pt-BR" dirty="0"/>
-              <a:t>suas </a:t>
-            </a:r>
-            <a:r>
-              <a:rPr lang="pt-BR" dirty="0" smtClean="0"/>
-              <a:t>características, diferenças </a:t>
-            </a:r>
-            <a:r>
-              <a:rPr lang="pt-BR" dirty="0"/>
-              <a:t>e como ambos </a:t>
-            </a:r>
-            <a:r>
-              <a:rPr lang="pt-BR" dirty="0" smtClean="0"/>
-              <a:t>funcionam.</a:t>
-            </a:r>
-          </a:p>
-          <a:p>
-            <a:r>
-              <a:rPr lang="pt-BR" dirty="0" smtClean="0"/>
-              <a:t>Verificamos </a:t>
-            </a:r>
-            <a:r>
-              <a:rPr lang="pt-BR" dirty="0"/>
-              <a:t>que um Perceptron é semelhante ao regressor </a:t>
-            </a:r>
-            <a:r>
-              <a:rPr lang="pt-BR" dirty="0" smtClean="0"/>
-              <a:t>logístico.</a:t>
-            </a:r>
-          </a:p>
-          <a:p>
-            <a:r>
-              <a:rPr lang="pt-BR" dirty="0" smtClean="0"/>
-              <a:t>Constatamos </a:t>
-            </a:r>
-            <a:r>
-              <a:rPr lang="pt-BR" dirty="0"/>
-              <a:t>que um </a:t>
-            </a:r>
-            <a:r>
-              <a:rPr lang="pt-BR" b="1" i="1" dirty="0"/>
-              <a:t>único </a:t>
-            </a:r>
-            <a:r>
-              <a:rPr lang="pt-BR" dirty="0"/>
-              <a:t>Perceptron não é capaz de separar classes não-lineares, como por exemplo, o problema do </a:t>
-            </a:r>
-            <a:r>
-              <a:rPr lang="pt-BR" dirty="0" smtClean="0"/>
-              <a:t>XOR.</a:t>
-            </a:r>
-          </a:p>
-          <a:p>
-            <a:r>
-              <a:rPr lang="pt-BR" dirty="0" smtClean="0"/>
-              <a:t>Porém</a:t>
-            </a:r>
-            <a:r>
-              <a:rPr lang="pt-BR" dirty="0"/>
-              <a:t>, quando combinamos vários deles, conseguimos criar um separador </a:t>
-            </a:r>
-            <a:r>
-              <a:rPr lang="pt-BR" dirty="0" smtClean="0"/>
-              <a:t>não-linear.</a:t>
-            </a:r>
-          </a:p>
-          <a:p>
-            <a:r>
-              <a:rPr lang="pt-BR" dirty="0" smtClean="0"/>
-              <a:t>Neste </a:t>
-            </a:r>
-            <a:r>
-              <a:rPr lang="pt-BR" dirty="0"/>
-              <a:t>tópico, veremos que esta união de Perceptrons origina o que chamamos de </a:t>
-            </a:r>
-            <a:r>
-              <a:rPr lang="pt-BR" b="1" i="1" dirty="0"/>
-              <a:t>redes neurais artificiais</a:t>
-            </a:r>
-            <a:r>
-              <a:rPr lang="pt-BR" dirty="0"/>
-              <a:t>.</a:t>
-            </a:r>
-          </a:p>
-        </p:txBody>
-      </p:sp>
-    </p:spTree>
-    <p:extLst>
-      <p:ext uri="{BB962C8B-B14F-4D97-AF65-F5344CB8AC3E}">
-        <p14:creationId xmlns:p14="http://schemas.microsoft.com/office/powerpoint/2010/main" val="3946202173"/>
-      </p:ext>
-    </p:extLst>
-  </p:cSld>
-  <p:clrMapOvr>
-    <a:masterClrMapping/>
-  </p:clrMapOvr>
-</p:sld>
-</file>
-
-<file path=ppt/slides/slide20.xml><?xml version="1.0" encoding="utf-8"?>
-<p:sld xmlns:a="http://schemas.openxmlformats.org/drawingml/2006/main" xmlns:r="http://schemas.openxmlformats.org/officeDocument/2006/relationships" xmlns:p="http://schemas.openxmlformats.org/presentationml/2006/main">
-  <p:cSld>
-    <p:spTree>
-      <p:nvGrpSpPr>
-        <p:cNvPr id="1" name=""/>
-        <p:cNvGrpSpPr/>
-        <p:nvPr/>
-      </p:nvGrpSpPr>
-      <p:grpSpPr>
-        <a:xfrm>
-          <a:off x="0" y="0"/>
-          <a:ext cx="0" cy="0"/>
-          <a:chOff x="0" y="0"/>
-          <a:chExt cx="0" cy="0"/>
-        </a:xfrm>
-      </p:grpSpPr>
-      <p:sp>
-        <p:nvSpPr>
-          <p:cNvPr id="2" name="Title 1"/>
-          <p:cNvSpPr>
-            <a:spLocks noGrp="1"/>
-          </p:cNvSpPr>
-          <p:nvPr>
-            <p:ph type="title"/>
-          </p:nvPr>
-        </p:nvSpPr>
-        <p:spPr/>
-        <p:txBody>
-          <a:bodyPr/>
-          <a:lstStyle/>
-          <a:p>
-            <a:r>
               <a:rPr lang="pt-BR" dirty="0"/>
               <a:t>Aproximação universal de funções</a:t>
             </a:r>
@@ -10618,7 +13266,7 @@
               <a:lstStyle/>
               <a:p>
                 <a:r>
-                  <a:rPr lang="pt-BR" dirty="0" smtClean="0"/>
+                  <a:rPr lang="pt-BR" dirty="0"/>
                   <a:t>Redes neurais podem ser usadas para aproximar funções como as mostradas abaixo:</a:t>
                 </a:r>
               </a:p>
@@ -10708,7 +13356,7 @@
                     </m:r>
                   </m:oMath>
                 </a14:m>
-                <a:endParaRPr lang="pt-BR" dirty="0" smtClean="0"/>
+                <a:endParaRPr lang="pt-BR" dirty="0"/>
               </a:p>
               <a:p>
                 <a:pPr lvl="1"/>
@@ -10809,7 +13457,7 @@
                     </m:r>
                   </m:oMath>
                 </a14:m>
-                <a:endParaRPr lang="pt-BR" dirty="0" smtClean="0"/>
+                <a:endParaRPr lang="pt-BR" dirty="0"/>
               </a:p>
               <a:p>
                 <a:pPr lvl="1"/>
@@ -11327,7 +13975,7 @@
               <a:defRPr/>
             </a:pPr>
             <a:r>
-              <a:rPr lang="pt-BR" dirty="0" smtClean="0">
+              <a:rPr lang="pt-BR" dirty="0">
                 <a:solidFill>
                   <a:srgbClr val="00B0F0"/>
                 </a:solidFill>
@@ -11531,7 +14179,7 @@
 </p:sld>
 </file>
 
-<file path=ppt/slides/slide21.xml><?xml version="1.0" encoding="utf-8"?>
+<file path=ppt/slides/slide22.xml><?xml version="1.0" encoding="utf-8"?>
 <p:sld xmlns:a="http://schemas.openxmlformats.org/drawingml/2006/main" xmlns:r="http://schemas.openxmlformats.org/officeDocument/2006/relationships" xmlns:p="http://schemas.openxmlformats.org/presentationml/2006/main">
   <p:cSld>
     <p:spTree>
@@ -11564,10 +14212,9 @@
           <a:lstStyle/>
           <a:p>
             <a:r>
-              <a:rPr lang="pt-BR" dirty="0" smtClean="0"/>
+              <a:rPr lang="pt-BR" dirty="0"/>
               <a:t>Tarefas</a:t>
             </a:r>
-            <a:endParaRPr lang="pt-BR" dirty="0"/>
           </a:p>
         </p:txBody>
       </p:sp>
@@ -11610,12 +14257,8 @@
           </a:p>
           <a:p>
             <a:r>
-              <a:rPr lang="pt-BR" b="1" dirty="0" smtClean="0"/>
-              <a:t>Exercício </a:t>
-            </a:r>
-            <a:r>
               <a:rPr lang="pt-BR" b="1" dirty="0"/>
-              <a:t>Prático</a:t>
+              <a:t>Exercício Prático</a:t>
             </a:r>
             <a:r>
               <a:rPr lang="pt-BR" dirty="0"/>
@@ -11625,25 +14268,12 @@
               <a:rPr lang="pt-BR" b="1" dirty="0">
                 <a:hlinkClick r:id="rId3"/>
               </a:rPr>
-              <a:t>Laboratório </a:t>
-            </a:r>
-            <a:r>
-              <a:rPr lang="pt-BR" b="1" dirty="0" smtClean="0">
-                <a:hlinkClick r:id="rId3"/>
-              </a:rPr>
-              <a:t>#</a:t>
-            </a:r>
-            <a:r>
-              <a:rPr lang="pt-BR" b="1" dirty="0">
-                <a:hlinkClick r:id="rId3"/>
-              </a:rPr>
-              <a:t>7</a:t>
-            </a:r>
-            <a:r>
-              <a:rPr lang="pt-BR" dirty="0" smtClean="0"/>
+              <a:t>Laboratório #7</a:t>
+            </a:r>
+            <a:r>
+              <a:rPr lang="pt-BR" dirty="0"/>
               <a:t>.</a:t>
             </a:r>
-            <a:endParaRPr lang="pt-BR" dirty="0"/>
           </a:p>
           <a:p>
             <a:pPr lvl="1"/>
@@ -11668,7 +14298,7 @@
               <a:t>Instruções para resolução e entrega dos laboratórios</a:t>
             </a:r>
             <a:r>
-              <a:rPr lang="pt-BR" dirty="0" smtClean="0"/>
+              <a:rPr lang="pt-BR" dirty="0"/>
               <a:t>.</a:t>
             </a:r>
           </a:p>
@@ -11695,17 +14325,10 @@
   <p:clrMapOvr>
     <a:masterClrMapping/>
   </p:clrMapOvr>
-  <p:timing>
-    <p:tnLst>
-      <p:par>
-        <p:cTn id="1" dur="indefinite" restart="never" nodeType="tmRoot"/>
-      </p:par>
-    </p:tnLst>
-  </p:timing>
 </p:sld>
 </file>
 
-<file path=ppt/slides/slide22.xml><?xml version="1.0" encoding="utf-8"?>
+<file path=ppt/slides/slide23.xml><?xml version="1.0" encoding="utf-8"?>
 <p:sld xmlns:a="http://schemas.openxmlformats.org/drawingml/2006/main" xmlns:r="http://schemas.openxmlformats.org/officeDocument/2006/relationships" xmlns:p="http://schemas.openxmlformats.org/presentationml/2006/main">
   <p:cSld>
     <p:spTree>
@@ -11727,7 +14350,7 @@
           <p:cNvPr id="4" name="Título 1">
             <a:extLst>
               <a:ext uri="{FF2B5EF4-FFF2-40B4-BE49-F238E27FC236}">
-                <a16:creationId xmlns="" xmlns:a16="http://schemas.microsoft.com/office/drawing/2014/main" id="{32666AC8-2E17-4DB4-B0F5-60C640CCFD2E}"/>
+                <a16:creationId xmlns:a16="http://schemas.microsoft.com/office/drawing/2014/main" id="{32666AC8-2E17-4DB4-B0F5-60C640CCFD2E}"/>
               </a:ext>
             </a:extLst>
           </p:cNvPr>
@@ -11790,7 +14413,7 @@
 </p:sld>
 </file>
 
-<file path=ppt/slides/slide23.xml><?xml version="1.0" encoding="utf-8"?>
+<file path=ppt/slides/slide24.xml><?xml version="1.0" encoding="utf-8"?>
 <p:sld xmlns:a="http://schemas.openxmlformats.org/drawingml/2006/main" xmlns:r="http://schemas.openxmlformats.org/officeDocument/2006/relationships" xmlns:p="http://schemas.openxmlformats.org/presentationml/2006/main">
   <p:cSld>
     <p:spTree>
@@ -12064,7 +14687,7 @@
 </p:sld>
 </file>
 
-<file path=ppt/slides/slide24.xml><?xml version="1.0" encoding="utf-8"?>
+<file path=ppt/slides/slide25.xml><?xml version="1.0" encoding="utf-8"?>
 <p:sld xmlns:a="http://schemas.openxmlformats.org/drawingml/2006/main" xmlns:r="http://schemas.openxmlformats.org/officeDocument/2006/relationships" xmlns:p="http://schemas.openxmlformats.org/presentationml/2006/main">
   <p:cSld>
     <p:spTree>
@@ -12086,7 +14709,7 @@
           <p:cNvPr id="4" name="Título 1">
             <a:extLst>
               <a:ext uri="{FF2B5EF4-FFF2-40B4-BE49-F238E27FC236}">
-                <a16:creationId xmlns="" xmlns:a16="http://schemas.microsoft.com/office/drawing/2014/main" id="{32666AC8-2E17-4DB4-B0F5-60C640CCFD2E}"/>
+                <a16:creationId xmlns:a16="http://schemas.microsoft.com/office/drawing/2014/main" id="{32666AC8-2E17-4DB4-B0F5-60C640CCFD2E}"/>
               </a:ext>
             </a:extLst>
           </p:cNvPr>
@@ -12149,7 +14772,7 @@
 </p:sld>
 </file>
 
-<file path=ppt/slides/slide25.xml><?xml version="1.0" encoding="utf-8"?>
+<file path=ppt/slides/slide26.xml><?xml version="1.0" encoding="utf-8"?>
 <p:sld xmlns:a="http://schemas.openxmlformats.org/drawingml/2006/main" xmlns:r="http://schemas.openxmlformats.org/officeDocument/2006/relationships" xmlns:p="http://schemas.openxmlformats.org/presentationml/2006/main">
   <p:cSld>
     <p:spTree>
@@ -12217,18 +14840,13 @@
             <a:p>
               <a:pPr algn="ctr"/>
               <a:r>
-                <a:rPr lang="pt-BR" dirty="0" smtClean="0">
+                <a:rPr lang="pt-BR" dirty="0">
                   <a:solidFill>
                     <a:schemeClr val="tx1"/>
                   </a:solidFill>
                 </a:rPr>
                 <a:t>1</a:t>
               </a:r>
-              <a:endParaRPr lang="pt-BR" dirty="0">
-                <a:solidFill>
-                  <a:schemeClr val="tx1"/>
-                </a:solidFill>
-              </a:endParaRPr>
             </a:p>
           </p:txBody>
         </p:sp>
@@ -12269,18 +14887,13 @@
             <a:p>
               <a:pPr algn="ctr"/>
               <a:r>
-                <a:rPr lang="pt-BR" dirty="0" smtClean="0">
+                <a:rPr lang="pt-BR" dirty="0">
                   <a:solidFill>
                     <a:schemeClr val="tx1"/>
                   </a:solidFill>
                 </a:rPr>
                 <a:t>2</a:t>
               </a:r>
-              <a:endParaRPr lang="pt-BR" dirty="0">
-                <a:solidFill>
-                  <a:schemeClr val="tx1"/>
-                </a:solidFill>
-              </a:endParaRPr>
             </a:p>
           </p:txBody>
         </p:sp>
@@ -12321,18 +14934,13 @@
             <a:p>
               <a:pPr algn="ctr"/>
               <a:r>
-                <a:rPr lang="pt-BR" dirty="0" smtClean="0">
+                <a:rPr lang="pt-BR" dirty="0">
                   <a:solidFill>
                     <a:schemeClr val="tx1"/>
                   </a:solidFill>
                 </a:rPr>
                 <a:t>3</a:t>
               </a:r>
-              <a:endParaRPr lang="pt-BR" dirty="0">
-                <a:solidFill>
-                  <a:schemeClr val="tx1"/>
-                </a:solidFill>
-              </a:endParaRPr>
             </a:p>
           </p:txBody>
         </p:sp>
@@ -12704,8 +15312,8 @@
             </a:fontRef>
           </p:style>
         </p:cxnSp>
-        <mc:AlternateContent xmlns:mc="http://schemas.openxmlformats.org/markup-compatibility/2006">
-          <mc:Choice xmlns:a14="http://schemas.microsoft.com/office/drawing/2010/main" Requires="a14">
+        <mc:AlternateContent xmlns:mc="http://schemas.openxmlformats.org/markup-compatibility/2006" xmlns:a14="http://schemas.microsoft.com/office/drawing/2010/main">
+          <mc:Choice Requires="a14">
             <p:sp>
               <p:nvSpPr>
                 <p:cNvPr id="27" name="CaixaDeTexto 26"/>
@@ -12728,6 +15336,7 @@
                 </a:bodyPr>
                 <a:lstStyle/>
                 <a:p>
+                  <a:pPr/>
                   <a14:m>
                     <m:oMathPara xmlns:m="http://schemas.openxmlformats.org/officeDocument/2006/math">
                       <m:oMathParaPr>
@@ -12767,7 +15376,7 @@
               </p:txBody>
             </p:sp>
           </mc:Choice>
-          <mc:Fallback>
+          <mc:Fallback xmlns="">
             <p:sp>
               <p:nvSpPr>
                 <p:cNvPr id="27" name="CaixaDeTexto 26"/>
@@ -12806,8 +15415,8 @@
             </p:sp>
           </mc:Fallback>
         </mc:AlternateContent>
-        <mc:AlternateContent xmlns:mc="http://schemas.openxmlformats.org/markup-compatibility/2006">
-          <mc:Choice xmlns:a14="http://schemas.microsoft.com/office/drawing/2010/main" Requires="a14">
+        <mc:AlternateContent xmlns:mc="http://schemas.openxmlformats.org/markup-compatibility/2006" xmlns:a14="http://schemas.microsoft.com/office/drawing/2010/main">
+          <mc:Choice Requires="a14">
             <p:sp>
               <p:nvSpPr>
                 <p:cNvPr id="28" name="CaixaDeTexto 27"/>
@@ -12830,6 +15439,7 @@
                 </a:bodyPr>
                 <a:lstStyle/>
                 <a:p>
+                  <a:pPr/>
                   <a14:m>
                     <m:oMathPara xmlns:m="http://schemas.openxmlformats.org/officeDocument/2006/math">
                       <m:oMathParaPr>
@@ -12869,7 +15479,7 @@
               </p:txBody>
             </p:sp>
           </mc:Choice>
-          <mc:Fallback>
+          <mc:Fallback xmlns="">
             <p:sp>
               <p:nvSpPr>
                 <p:cNvPr id="28" name="CaixaDeTexto 27"/>
@@ -12908,8 +15518,8 @@
             </p:sp>
           </mc:Fallback>
         </mc:AlternateContent>
-        <mc:AlternateContent xmlns:mc="http://schemas.openxmlformats.org/markup-compatibility/2006">
-          <mc:Choice xmlns:a14="http://schemas.microsoft.com/office/drawing/2010/main" Requires="a14">
+        <mc:AlternateContent xmlns:mc="http://schemas.openxmlformats.org/markup-compatibility/2006" xmlns:a14="http://schemas.microsoft.com/office/drawing/2010/main">
+          <mc:Choice Requires="a14">
             <p:sp>
               <p:nvSpPr>
                 <p:cNvPr id="29" name="CaixaDeTexto 28"/>
@@ -12932,6 +15542,7 @@
                 </a:bodyPr>
                 <a:lstStyle/>
                 <a:p>
+                  <a:pPr/>
                   <a14:m>
                     <m:oMathPara xmlns:m="http://schemas.openxmlformats.org/officeDocument/2006/math">
                       <m:oMathParaPr>
@@ -12952,7 +15563,7 @@
               </p:txBody>
             </p:sp>
           </mc:Choice>
-          <mc:Fallback>
+          <mc:Fallback xmlns="">
             <p:sp>
               <p:nvSpPr>
                 <p:cNvPr id="29" name="CaixaDeTexto 28"/>
@@ -12991,8 +15602,8 @@
             </p:sp>
           </mc:Fallback>
         </mc:AlternateContent>
-        <mc:AlternateContent xmlns:mc="http://schemas.openxmlformats.org/markup-compatibility/2006">
-          <mc:Choice xmlns:a14="http://schemas.microsoft.com/office/drawing/2010/main" Requires="a14">
+        <mc:AlternateContent xmlns:mc="http://schemas.openxmlformats.org/markup-compatibility/2006" xmlns:a14="http://schemas.microsoft.com/office/drawing/2010/main">
+          <mc:Choice Requires="a14">
             <p:sp>
               <p:nvSpPr>
                 <p:cNvPr id="34" name="CaixaDeTexto 33"/>
@@ -13015,6 +15626,7 @@
                 </a:bodyPr>
                 <a:lstStyle/>
                 <a:p>
+                  <a:pPr/>
                   <a14:m>
                     <m:oMathPara xmlns:m="http://schemas.openxmlformats.org/officeDocument/2006/math">
                       <m:oMathParaPr>
@@ -13062,7 +15674,7 @@
               </p:txBody>
             </p:sp>
           </mc:Choice>
-          <mc:Fallback>
+          <mc:Fallback xmlns="">
             <p:sp>
               <p:nvSpPr>
                 <p:cNvPr id="34" name="CaixaDeTexto 33"/>
@@ -13101,8 +15713,8 @@
             </p:sp>
           </mc:Fallback>
         </mc:AlternateContent>
-        <mc:AlternateContent xmlns:mc="http://schemas.openxmlformats.org/markup-compatibility/2006">
-          <mc:Choice xmlns:a14="http://schemas.microsoft.com/office/drawing/2010/main" Requires="a14">
+        <mc:AlternateContent xmlns:mc="http://schemas.openxmlformats.org/markup-compatibility/2006" xmlns:a14="http://schemas.microsoft.com/office/drawing/2010/main">
+          <mc:Choice Requires="a14">
             <p:sp>
               <p:nvSpPr>
                 <p:cNvPr id="36" name="CaixaDeTexto 35"/>
@@ -13125,6 +15737,7 @@
                 </a:bodyPr>
                 <a:lstStyle/>
                 <a:p>
+                  <a:pPr/>
                   <a14:m>
                     <m:oMathPara xmlns:m="http://schemas.openxmlformats.org/officeDocument/2006/math">
                       <m:oMathParaPr>
@@ -13172,7 +15785,7 @@
               </p:txBody>
             </p:sp>
           </mc:Choice>
-          <mc:Fallback>
+          <mc:Fallback xmlns="">
             <p:sp>
               <p:nvSpPr>
                 <p:cNvPr id="36" name="CaixaDeTexto 35"/>
@@ -13211,8 +15824,8 @@
             </p:sp>
           </mc:Fallback>
         </mc:AlternateContent>
-        <mc:AlternateContent xmlns:mc="http://schemas.openxmlformats.org/markup-compatibility/2006">
-          <mc:Choice xmlns:a14="http://schemas.microsoft.com/office/drawing/2010/main" Requires="a14">
+        <mc:AlternateContent xmlns:mc="http://schemas.openxmlformats.org/markup-compatibility/2006" xmlns:a14="http://schemas.microsoft.com/office/drawing/2010/main">
+          <mc:Choice Requires="a14">
             <p:sp>
               <p:nvSpPr>
                 <p:cNvPr id="37" name="CaixaDeTexto 36"/>
@@ -13235,6 +15848,7 @@
                 </a:bodyPr>
                 <a:lstStyle/>
                 <a:p>
+                  <a:pPr/>
                   <a14:m>
                     <m:oMathPara xmlns:m="http://schemas.openxmlformats.org/officeDocument/2006/math">
                       <m:oMathParaPr>
@@ -13282,7 +15896,7 @@
               </p:txBody>
             </p:sp>
           </mc:Choice>
-          <mc:Fallback>
+          <mc:Fallback xmlns="">
             <p:sp>
               <p:nvSpPr>
                 <p:cNvPr id="37" name="CaixaDeTexto 36"/>
@@ -13321,8 +15935,8 @@
             </p:sp>
           </mc:Fallback>
         </mc:AlternateContent>
-        <mc:AlternateContent xmlns:mc="http://schemas.openxmlformats.org/markup-compatibility/2006">
-          <mc:Choice xmlns:a14="http://schemas.microsoft.com/office/drawing/2010/main" Requires="a14">
+        <mc:AlternateContent xmlns:mc="http://schemas.openxmlformats.org/markup-compatibility/2006" xmlns:a14="http://schemas.microsoft.com/office/drawing/2010/main">
+          <mc:Choice Requires="a14">
             <p:sp>
               <p:nvSpPr>
                 <p:cNvPr id="38" name="CaixaDeTexto 37"/>
@@ -13345,6 +15959,7 @@
                 </a:bodyPr>
                 <a:lstStyle/>
                 <a:p>
+                  <a:pPr/>
                   <a14:m>
                     <m:oMathPara xmlns:m="http://schemas.openxmlformats.org/officeDocument/2006/math">
                       <m:oMathParaPr>
@@ -13392,7 +16007,7 @@
               </p:txBody>
             </p:sp>
           </mc:Choice>
-          <mc:Fallback>
+          <mc:Fallback xmlns="">
             <p:sp>
               <p:nvSpPr>
                 <p:cNvPr id="38" name="CaixaDeTexto 37"/>
@@ -13431,8 +16046,8 @@
             </p:sp>
           </mc:Fallback>
         </mc:AlternateContent>
-        <mc:AlternateContent xmlns:mc="http://schemas.openxmlformats.org/markup-compatibility/2006">
-          <mc:Choice xmlns:a14="http://schemas.microsoft.com/office/drawing/2010/main" Requires="a14">
+        <mc:AlternateContent xmlns:mc="http://schemas.openxmlformats.org/markup-compatibility/2006" xmlns:a14="http://schemas.microsoft.com/office/drawing/2010/main">
+          <mc:Choice Requires="a14">
             <p:sp>
               <p:nvSpPr>
                 <p:cNvPr id="39" name="CaixaDeTexto 38"/>
@@ -13455,6 +16070,7 @@
                 </a:bodyPr>
                 <a:lstStyle/>
                 <a:p>
+                  <a:pPr/>
                   <a14:m>
                     <m:oMathPara xmlns:m="http://schemas.openxmlformats.org/officeDocument/2006/math">
                       <m:oMathParaPr>
@@ -13502,7 +16118,7 @@
               </p:txBody>
             </p:sp>
           </mc:Choice>
-          <mc:Fallback>
+          <mc:Fallback xmlns="">
             <p:sp>
               <p:nvSpPr>
                 <p:cNvPr id="39" name="CaixaDeTexto 38"/>
@@ -13541,8 +16157,8 @@
             </p:sp>
           </mc:Fallback>
         </mc:AlternateContent>
-        <mc:AlternateContent xmlns:mc="http://schemas.openxmlformats.org/markup-compatibility/2006">
-          <mc:Choice xmlns:a14="http://schemas.microsoft.com/office/drawing/2010/main" Requires="a14">
+        <mc:AlternateContent xmlns:mc="http://schemas.openxmlformats.org/markup-compatibility/2006" xmlns:a14="http://schemas.microsoft.com/office/drawing/2010/main">
+          <mc:Choice Requires="a14">
             <p:sp>
               <p:nvSpPr>
                 <p:cNvPr id="40" name="CaixaDeTexto 39"/>
@@ -13565,6 +16181,7 @@
                 </a:bodyPr>
                 <a:lstStyle/>
                 <a:p>
+                  <a:pPr/>
                   <a14:m>
                     <m:oMathPara xmlns:m="http://schemas.openxmlformats.org/officeDocument/2006/math">
                       <m:oMathParaPr>
@@ -13612,7 +16229,7 @@
               </p:txBody>
             </p:sp>
           </mc:Choice>
-          <mc:Fallback>
+          <mc:Fallback xmlns="">
             <p:sp>
               <p:nvSpPr>
                 <p:cNvPr id="40" name="CaixaDeTexto 39"/>
@@ -13748,26 +16365,17 @@
               <a:t>neurônios </a:t>
             </a:r>
             <a:r>
-              <a:rPr lang="pt-BR" dirty="0" smtClean="0"/>
-              <a:t>conectados </a:t>
-            </a:r>
-            <a:r>
               <a:rPr lang="pt-BR" dirty="0"/>
-              <a:t>entre si através de </a:t>
+              <a:t>conectados entre si através de </a:t>
             </a:r>
             <a:r>
               <a:rPr lang="pt-BR" b="1" i="1" dirty="0"/>
-              <a:t>ligações </a:t>
-            </a:r>
-            <a:r>
-              <a:rPr lang="pt-BR" b="1" i="1" dirty="0" smtClean="0"/>
-              <a:t>direcionadas </a:t>
-            </a:r>
-            <a:r>
-              <a:rPr lang="pt-BR" dirty="0" smtClean="0"/>
+              <a:t>ligações direcionadas </a:t>
+            </a:r>
+            <a:r>
+              <a:rPr lang="pt-BR" dirty="0"/>
               <a:t>(ou seja, as conexões têm uma direção associada). </a:t>
             </a:r>
-            <a:endParaRPr lang="pt-BR" dirty="0"/>
           </a:p>
           <a:p>
             <a:r>
@@ -13791,14 +16399,13 @@
               <a:t> e pelas propriedades dos </a:t>
             </a:r>
             <a:r>
-              <a:rPr lang="pt-BR" b="1" i="1" dirty="0" smtClean="0"/>
+              <a:rPr lang="pt-BR" b="1" i="1" dirty="0"/>
               <a:t>neurônios</a:t>
             </a:r>
             <a:r>
-              <a:rPr lang="pt-BR" dirty="0" smtClean="0"/>
+              <a:rPr lang="pt-BR" dirty="0"/>
               <a:t> (e.g., função de ativação e pesos).</a:t>
             </a:r>
-            <a:endParaRPr lang="pt-BR" dirty="0"/>
           </a:p>
           <a:p>
             <a:r>
@@ -13811,15 +16418,7 @@
             </a:r>
             <a:r>
               <a:rPr lang="pt-BR" dirty="0"/>
-              <a:t> (e.g., classificação apenas de classes linearmente separáveis) podem ser eliminadas adicionando-se camadas </a:t>
-            </a:r>
-            <a:r>
-              <a:rPr lang="pt-BR" dirty="0" smtClean="0"/>
-              <a:t>intermediárias (também chamadas de ocultas ou escondidas) </a:t>
-            </a:r>
-            <a:r>
-              <a:rPr lang="pt-BR" dirty="0"/>
-              <a:t>de </a:t>
+              <a:t> (e.g., classificação apenas de classes linearmente separáveis) podem ser eliminadas adicionando-se camadas intermediárias (também chamadas de ocultas ou escondidas) de </a:t>
             </a:r>
             <a:r>
               <a:rPr lang="pt-BR" b="1" i="1" dirty="0"/>
@@ -13841,11 +16440,7 @@
             </a:r>
             <a:r>
               <a:rPr lang="pt-BR" dirty="0"/>
-              <a:t> </a:t>
-            </a:r>
-            <a:r>
-              <a:rPr lang="pt-BR" dirty="0" smtClean="0"/>
-              <a:t>(em inglês, </a:t>
+              <a:t> (em inglês, </a:t>
             </a:r>
             <a:r>
               <a:rPr lang="pt-BR" i="1" dirty="0"/>
@@ -13915,18 +16510,13 @@
           <a:p>
             <a:pPr algn="ctr"/>
             <a:r>
-              <a:rPr lang="pt-BR" sz="1200" b="1" dirty="0" smtClean="0">
+              <a:rPr lang="pt-BR" sz="1200" b="1" dirty="0">
                 <a:solidFill>
                   <a:srgbClr val="FF0000"/>
                 </a:solidFill>
               </a:rPr>
               <a:t>Cada ligação tem um peso (sináptico) associado.</a:t>
             </a:r>
-            <a:endParaRPr lang="pt-BR" sz="1200" b="1" dirty="0">
-              <a:solidFill>
-                <a:srgbClr val="FF0000"/>
-              </a:solidFill>
-            </a:endParaRPr>
           </a:p>
         </p:txBody>
       </p:sp>
@@ -13953,16 +16543,12 @@
           <a:p>
             <a:pPr algn="ctr"/>
             <a:r>
-              <a:rPr lang="pt-BR" sz="1400" b="1" dirty="0" smtClean="0"/>
+              <a:rPr lang="pt-BR" sz="1400" b="1" dirty="0"/>
               <a:t>OBS.</a:t>
             </a:r>
             <a:r>
-              <a:rPr lang="pt-BR" sz="1400" dirty="0" smtClean="0"/>
-              <a:t>: Neurônios também </a:t>
-            </a:r>
-            <a:r>
               <a:rPr lang="pt-BR" sz="1400" dirty="0"/>
-              <a:t>são chamados de </a:t>
+              <a:t>: Neurônios também são chamados de </a:t>
             </a:r>
             <a:r>
               <a:rPr lang="pt-BR" sz="1400" b="1" i="1" dirty="0"/>
@@ -13973,14 +16559,13 @@
               <a:t> ou </a:t>
             </a:r>
             <a:r>
-              <a:rPr lang="pt-BR" sz="1400" b="1" i="1" dirty="0" smtClean="0"/>
+              <a:rPr lang="pt-BR" sz="1400" b="1" i="1" dirty="0"/>
               <a:t>unidades</a:t>
             </a:r>
             <a:r>
-              <a:rPr lang="pt-BR" sz="1400" dirty="0" smtClean="0"/>
+              <a:rPr lang="pt-BR" sz="1400" dirty="0"/>
               <a:t>.</a:t>
             </a:r>
-            <a:endParaRPr lang="pt-BR" sz="1400" dirty="0"/>
           </a:p>
         </p:txBody>
       </p:sp>
@@ -13994,13 +16579,6 @@
   <p:clrMapOvr>
     <a:masterClrMapping/>
   </p:clrMapOvr>
-  <p:timing>
-    <p:tnLst>
-      <p:par>
-        <p:cTn id="1" dur="indefinite" restart="never" nodeType="tmRoot"/>
-      </p:par>
-    </p:tnLst>
-  </p:timing>
 </p:sld>
 </file>
 
@@ -14072,23 +16650,7 @@
           <a:p>
             <a:r>
               <a:rPr lang="pt-BR" dirty="0"/>
-              <a:t>Um exemplo de rede </a:t>
-            </a:r>
-            <a:r>
-              <a:rPr lang="pt-BR" dirty="0" smtClean="0"/>
-              <a:t>MLP </a:t>
-            </a:r>
-            <a:r>
-              <a:rPr lang="pt-BR" dirty="0"/>
-              <a:t>com duas </a:t>
-            </a:r>
-            <a:r>
-              <a:rPr lang="pt-BR" dirty="0" smtClean="0"/>
-              <a:t>camadas intermediárias </a:t>
-            </a:r>
-            <a:r>
-              <a:rPr lang="pt-BR" dirty="0"/>
-              <a:t>é mostrado na figura ao lado.</a:t>
+              <a:t>Um exemplo de rede MLP com duas camadas intermediárias é mostrado na figura ao lado.</a:t>
             </a:r>
           </a:p>
           <a:p>
@@ -14096,7 +16658,6 @@
               <a:rPr lang="pt-BR" dirty="0"/>
               <a:t>As RNAs são o coração do Deep Learning. </a:t>
             </a:r>
-            <a:endParaRPr lang="pt-BR" dirty="0" smtClean="0"/>
           </a:p>
           <a:p>
             <a:pPr lvl="1">
@@ -14104,12 +16665,8 @@
               <a:buChar char="§"/>
             </a:pPr>
             <a:r>
-              <a:rPr lang="pt-BR" dirty="0" smtClean="0"/>
-              <a:t>Quando </a:t>
-            </a:r>
-            <a:r>
               <a:rPr lang="pt-BR" dirty="0"/>
-              <a:t>uma RNA tem duas ou mais camadas escondidas, ela é chamada de </a:t>
+              <a:t>Quando uma RNA tem duas ou mais camadas escondidas, ela é chamada de </a:t>
             </a:r>
             <a:r>
               <a:rPr lang="pt-BR" b="1" i="1" dirty="0"/>
@@ -14117,15 +16674,7 @@
             </a:r>
             <a:r>
               <a:rPr lang="pt-BR" dirty="0"/>
-              <a:t> (ou </a:t>
-            </a:r>
-            <a:r>
-              <a:rPr lang="pt-BR" dirty="0" smtClean="0"/>
-              <a:t>em </a:t>
-            </a:r>
-            <a:r>
-              <a:rPr lang="pt-BR" dirty="0"/>
-              <a:t>inglês </a:t>
+              <a:t> (ou em inglês </a:t>
             </a:r>
             <a:r>
               <a:rPr lang="pt-BR" i="1" dirty="0"/>
@@ -14143,11 +16692,7 @@
             </a:r>
             <a:r>
               <a:rPr lang="pt-BR" dirty="0"/>
-              <a:t>.: Em particular, uma MLP pode resolver o problema do XOR (lembre-se que </a:t>
-            </a:r>
-            <a:r>
-              <a:rPr lang="pt-BR" dirty="0" smtClean="0"/>
-              <a:t>um único </a:t>
+              <a:t>.: Em particular, uma MLP pode resolver o problema do XOR (lembre-se que um único </a:t>
             </a:r>
             <a:r>
               <a:rPr lang="pt-BR" b="1" i="1" dirty="0"/>
@@ -14155,13 +16700,8 @@
             </a:r>
             <a:r>
               <a:rPr lang="pt-BR" dirty="0"/>
-              <a:t> não é capaz de realizar essa tarefa</a:t>
-            </a:r>
-            <a:r>
-              <a:rPr lang="pt-BR" dirty="0" smtClean="0"/>
-              <a:t>).</a:t>
-            </a:r>
-            <a:endParaRPr lang="pt-BR" dirty="0"/>
+              <a:t> não é capaz de realizar essa tarefa).</a:t>
+            </a:r>
           </a:p>
         </p:txBody>
       </p:sp>
@@ -14219,18 +16759,13 @@
           <a:p>
             <a:pPr algn="ctr"/>
             <a:r>
-              <a:rPr lang="pt-BR" sz="1200" b="1" dirty="0" smtClean="0">
+              <a:rPr lang="pt-BR" sz="1200" b="1" dirty="0">
                 <a:solidFill>
                   <a:srgbClr val="FF0000"/>
                 </a:solidFill>
               </a:rPr>
               <a:t>Cada ligação tem um peso (sináptico) associado.</a:t>
             </a:r>
-            <a:endParaRPr lang="pt-BR" sz="1200" b="1" dirty="0">
-              <a:solidFill>
-                <a:srgbClr val="FF0000"/>
-              </a:solidFill>
-            </a:endParaRPr>
           </a:p>
         </p:txBody>
       </p:sp>
@@ -14312,13 +16847,6 @@
   <p:clrMapOvr>
     <a:masterClrMapping/>
   </p:clrMapOvr>
-  <p:timing>
-    <p:tnLst>
-      <p:par>
-        <p:cTn id="1" dur="indefinite" restart="never" nodeType="tmRoot"/>
-      </p:par>
-    </p:tnLst>
-  </p:timing>
 </p:sld>
 </file>
 
@@ -14433,7 +16961,6 @@
               <a:rPr lang="pt-BR" dirty="0"/>
               <a:t>do ponto de vista da tarefa que se deseja realizar. </a:t>
             </a:r>
-            <a:endParaRPr lang="pt-BR" dirty="0" smtClean="0"/>
           </a:p>
           <a:p>
             <a:pPr lvl="1">
@@ -14441,10 +16968,9 @@
               <a:buChar char="§"/>
             </a:pPr>
             <a:r>
-              <a:rPr lang="pt-BR" dirty="0" smtClean="0"/>
+              <a:rPr lang="pt-BR" dirty="0"/>
               <a:t>Os mapeamentos são não-lineares devido às funções de ativação utilizadas não serem lineares.</a:t>
             </a:r>
-            <a:endParaRPr lang="pt-BR" dirty="0"/>
           </a:p>
           <a:p>
             <a:r>
@@ -14489,23 +17015,11 @@
             </a:pPr>
             <a:r>
               <a:rPr lang="pt-BR" dirty="0"/>
-              <a:t>P</a:t>
-            </a:r>
-            <a:r>
-              <a:rPr lang="pt-BR" dirty="0" smtClean="0"/>
-              <a:t>ortanto</a:t>
-            </a:r>
-            <a:r>
-              <a:rPr lang="pt-BR" dirty="0"/>
-              <a:t>, tais redes têm por base o </a:t>
+              <a:t>Portanto, tais redes têm por base o </a:t>
             </a:r>
             <a:r>
               <a:rPr lang="pt-BR" b="1" i="1" dirty="0"/>
-              <a:t>modelo de neurônio do </a:t>
-            </a:r>
-            <a:r>
-              <a:rPr lang="pt-BR" b="1" i="1" dirty="0" smtClean="0"/>
-              <a:t>Perceptron</a:t>
+              <a:t>modelo de neurônio do Perceptron</a:t>
             </a:r>
             <a:r>
               <a:rPr lang="pt-BR" dirty="0"/>
@@ -14515,13 +17029,8 @@
           <a:p>
             <a:r>
               <a:rPr lang="pt-BR" dirty="0"/>
-              <a:t>Esse modelo, discutido anteriormente, é mostrado na figura seguinte</a:t>
-            </a:r>
-            <a:r>
-              <a:rPr lang="pt-BR" dirty="0" smtClean="0"/>
-              <a:t>.</a:t>
-            </a:r>
-            <a:endParaRPr lang="pt-BR" dirty="0"/>
+              <a:t>Esse modelo, discutido anteriormente, é mostrado na figura seguinte.</a:t>
+            </a:r>
           </a:p>
         </p:txBody>
       </p:sp>
@@ -14577,8 +17086,8 @@
           </a:p>
         </p:txBody>
       </p:sp>
-      <mc:AlternateContent xmlns:mc="http://schemas.openxmlformats.org/markup-compatibility/2006">
-        <mc:Choice xmlns:a14="http://schemas.microsoft.com/office/drawing/2010/main" Requires="a14">
+      <mc:AlternateContent xmlns:mc="http://schemas.openxmlformats.org/markup-compatibility/2006" xmlns:a14="http://schemas.microsoft.com/office/drawing/2010/main">
+        <mc:Choice Requires="a14">
           <p:sp>
             <p:nvSpPr>
               <p:cNvPr id="3" name="Content Placeholder 2"/>
@@ -14602,20 +17111,16 @@
               <a:lstStyle/>
               <a:p>
                 <a:r>
-                  <a:rPr lang="pt-BR" dirty="0" smtClean="0"/>
+                  <a:rPr lang="pt-BR" dirty="0"/>
                   <a:t>A </a:t>
                 </a:r>
                 <a:r>
-                  <a:rPr lang="pt-BR" b="1" i="1" dirty="0" smtClean="0"/>
+                  <a:rPr lang="pt-BR" b="1" i="1" dirty="0"/>
                   <a:t>ligação</a:t>
                 </a:r>
                 <a:r>
-                  <a:rPr lang="pt-BR" dirty="0" smtClean="0"/>
-                  <a:t> </a:t>
-                </a:r>
-                <a:r>
                   <a:rPr lang="pt-BR" dirty="0"/>
-                  <a:t>do </a:t>
+                  <a:t> do </a:t>
                 </a:r>
                 <a:r>
                   <a:rPr lang="pt-BR" b="1" i="1" dirty="0"/>
@@ -14659,18 +17164,14 @@
                 </a14:m>
                 <a:r>
                   <a:rPr lang="pt-BR" dirty="0"/>
-                  <a:t> </a:t>
+                  <a:t> é feita através do </a:t>
                 </a:r>
                 <a:r>
-                  <a:rPr lang="pt-BR" dirty="0" smtClean="0"/>
-                  <a:t>é feita através do </a:t>
-                </a:r>
-                <a:r>
-                  <a:rPr lang="pt-BR" b="1" i="1" dirty="0" smtClean="0"/>
+                  <a:rPr lang="pt-BR" b="1" i="1" dirty="0"/>
                   <a:t>peso</a:t>
                 </a:r>
                 <a:r>
-                  <a:rPr lang="pt-BR" dirty="0" smtClean="0"/>
+                  <a:rPr lang="pt-BR" dirty="0"/>
                   <a:t> </a:t>
                 </a:r>
                 <a14:m>
@@ -14703,12 +17204,8 @@
                   </m:oMath>
                 </a14:m>
                 <a:r>
-                  <a:rPr lang="pt-BR" dirty="0" smtClean="0"/>
-                  <a:t> e serve </a:t>
-                </a:r>
-                <a:r>
                   <a:rPr lang="pt-BR" dirty="0"/>
-                  <a:t>para propagar o sinal de ativação do </a:t>
+                  <a:t> e serve para propagar o sinal de ativação do </a:t>
                 </a:r>
                 <a:r>
                   <a:rPr lang="pt-BR" b="1" i="1" dirty="0"/>
@@ -14754,24 +17251,19 @@
                   <a:rPr lang="pt-BR" dirty="0"/>
                   <a:t>. </a:t>
                 </a:r>
-                <a:endParaRPr lang="pt-BR" dirty="0" smtClean="0"/>
               </a:p>
               <a:p>
                 <a:r>
-                  <a:rPr lang="pt-BR" dirty="0" smtClean="0"/>
+                  <a:rPr lang="pt-BR" dirty="0"/>
                   <a:t>O valor do </a:t>
                 </a:r>
                 <a:r>
-                  <a:rPr lang="pt-BR" b="1" i="1" dirty="0" smtClean="0"/>
+                  <a:rPr lang="pt-BR" b="1" i="1" dirty="0"/>
                   <a:t>peso</a:t>
                 </a:r>
                 <a:r>
-                  <a:rPr lang="pt-BR" dirty="0" smtClean="0"/>
-                  <a:t> determina </a:t>
-                </a:r>
-                <a:r>
                   <a:rPr lang="pt-BR" dirty="0"/>
-                  <a:t>a </a:t>
+                  <a:t> determina a </a:t>
                 </a:r>
                 <a:r>
                   <a:rPr lang="pt-BR" b="1" i="1" dirty="0"/>
@@ -14800,7 +17292,7 @@
               </a:p>
               <a:p>
                 <a:r>
-                  <a:rPr lang="pt-BR" dirty="0" smtClean="0"/>
+                  <a:rPr lang="pt-BR" dirty="0"/>
                   <a:t>Cada </a:t>
                 </a:r>
                 <a:r>
@@ -14841,12 +17333,8 @@
                   </m:oMath>
                 </a14:m>
                 <a:r>
-                  <a:rPr lang="pt-BR" dirty="0" smtClean="0"/>
-                  <a:t> sempre </a:t>
-                </a:r>
-                <a:r>
                   <a:rPr lang="pt-BR" dirty="0"/>
-                  <a:t>com valor igual a 1 e um peso associado </a:t>
+                  <a:t> sempre com valor igual a 1 e um peso associado </a:t>
                 </a:r>
                 <a14:m>
                   <m:oMath xmlns:m="http://schemas.openxmlformats.org/officeDocument/2006/math">
@@ -14921,15 +17409,7 @@
                 </a14:m>
                 <a:r>
                   <a:rPr lang="pt-BR" dirty="0"/>
-                  <a:t>, calcula </a:t>
-                </a:r>
-                <a:r>
-                  <a:rPr lang="pt-BR" dirty="0" smtClean="0"/>
-                  <a:t>a soma </a:t>
-                </a:r>
-                <a:r>
-                  <a:rPr lang="pt-BR" dirty="0"/>
-                  <a:t>ponderada de suas entrada da seguinte forma</a:t>
+                  <a:t>, calcula a soma ponderada de suas entrada da seguinte forma</a:t>
                 </a:r>
               </a:p>
               <a:p>
@@ -15355,32 +17835,16 @@
               </a:p>
               <a:p>
                 <a:r>
-                  <a:rPr lang="pt-BR" dirty="0" smtClean="0"/>
-                  <a:t>Existem </a:t>
+                  <a:rPr lang="pt-BR" dirty="0"/>
+                  <a:t>Existem vários tipos de </a:t>
+                </a:r>
+                <a:r>
+                  <a:rPr lang="pt-BR" b="1" i="1" dirty="0"/>
+                  <a:t>funções de ativação</a:t>
                 </a:r>
                 <a:r>
                   <a:rPr lang="pt-BR" dirty="0"/>
-                  <a:t>vários tipos de </a:t>
-                </a:r>
-                <a:r>
-                  <a:rPr lang="pt-BR" b="1" i="1" dirty="0"/>
-                  <a:t>funções de </a:t>
-                </a:r>
-                <a:r>
-                  <a:rPr lang="pt-BR" b="1" i="1" dirty="0" smtClean="0"/>
-                  <a:t>ativação</a:t>
-                </a:r>
-                <a:r>
-                  <a:rPr lang="pt-BR" dirty="0"/>
-                  <a:t> </a:t>
-                </a:r>
-                <a:r>
-                  <a:rPr lang="pt-BR" dirty="0" smtClean="0"/>
-                  <a:t>que </a:t>
-                </a:r>
-                <a:r>
-                  <a:rPr lang="pt-BR" dirty="0"/>
-                  <a:t>podem ser utilizadas pelos </a:t>
+                  <a:t> que podem ser utilizadas pelos </a:t>
                 </a:r>
                 <a:r>
                   <a:rPr lang="pt-BR" b="1" i="1" dirty="0"/>
@@ -15393,19 +17857,14 @@
               </a:p>
               <a:p>
                 <a:r>
-                  <a:rPr lang="pt-BR" dirty="0" smtClean="0"/>
-                  <a:t>Cada camada da rede pode usar funções de ativação diferentes</a:t>
+                  <a:rPr lang="pt-BR" dirty="0"/>
+                  <a:t>Cada camada da rede pode usar funções de ativação diferentes.</a:t>
                 </a:r>
-                <a:r>
-                  <a:rPr lang="pt-BR" dirty="0" smtClean="0"/>
-                  <a:t>.</a:t>
-                </a:r>
-                <a:endParaRPr lang="pt-BR" dirty="0"/>
               </a:p>
             </p:txBody>
           </p:sp>
         </mc:Choice>
-        <mc:Fallback>
+        <mc:Fallback xmlns="">
           <p:sp>
             <p:nvSpPr>
               <p:cNvPr id="3" name="Content Placeholder 2"/>
@@ -15473,8 +17932,8 @@
           </a:prstGeom>
         </p:spPr>
       </p:pic>
-      <mc:AlternateContent xmlns:mc="http://schemas.openxmlformats.org/markup-compatibility/2006">
-        <mc:Choice xmlns:a14="http://schemas.microsoft.com/office/drawing/2010/main" Requires="a14">
+      <mc:AlternateContent xmlns:mc="http://schemas.openxmlformats.org/markup-compatibility/2006" xmlns:a14="http://schemas.microsoft.com/office/drawing/2010/main">
+        <mc:Choice Requires="a14">
           <p:sp>
             <p:nvSpPr>
               <p:cNvPr id="5" name="TextBox 4"/>
@@ -15725,11 +18184,7 @@
                 </a14:m>
                 <a:r>
                   <a:rPr lang="pt-BR" dirty="0"/>
-                  <a:t> é a saída d</a:t>
-                </a:r>
-                <a:r>
-                  <a:rPr lang="pt-BR" dirty="0" smtClean="0"/>
-                  <a:t>o nó </a:t>
+                  <a:t> é a saída do nó </a:t>
                 </a:r>
                 <a14:m>
                   <m:oMath xmlns:m="http://schemas.openxmlformats.org/officeDocument/2006/math">
@@ -15776,11 +18231,7 @@
                 </a14:m>
                 <a:r>
                   <a:rPr lang="pt-BR" dirty="0"/>
-                  <a:t> é o peso conectando a saída d</a:t>
-                </a:r>
-                <a:r>
-                  <a:rPr lang="pt-BR" dirty="0" smtClean="0"/>
-                  <a:t>o nó </a:t>
+                  <a:t> é o peso conectando a saída do nó </a:t>
                 </a:r>
                 <a14:m>
                   <m:oMath xmlns:m="http://schemas.openxmlformats.org/officeDocument/2006/math">
@@ -15794,19 +18245,7 @@
                 </a14:m>
                 <a:r>
                   <a:rPr lang="pt-BR" dirty="0"/>
-                  <a:t> para </a:t>
-                </a:r>
-                <a:r>
-                  <a:rPr lang="pt-BR" dirty="0" smtClean="0"/>
-                  <a:t>este nó, </a:t>
-                </a:r>
-                <a:r>
-                  <a:rPr lang="pt-BR" dirty="0"/>
-                  <a:t>o</a:t>
-                </a:r>
-                <a:r>
-                  <a:rPr lang="pt-BR" dirty="0" smtClean="0"/>
-                  <a:t> nó </a:t>
+                  <a:t> para este nó, o nó </a:t>
                 </a:r>
                 <a14:m>
                   <m:oMath xmlns:m="http://schemas.openxmlformats.org/officeDocument/2006/math">
@@ -15826,7 +18265,7 @@
             </p:txBody>
           </p:sp>
         </mc:Choice>
-        <mc:Fallback>
+        <mc:Fallback xmlns="">
           <p:sp>
             <p:nvSpPr>
               <p:cNvPr id="5" name="TextBox 4"/>
@@ -15875,13 +18314,6 @@
   <p:clrMapOvr>
     <a:masterClrMapping/>
   </p:clrMapOvr>
-  <p:timing>
-    <p:tnLst>
-      <p:par>
-        <p:cTn id="1" dur="indefinite" restart="never" nodeType="tmRoot"/>
-      </p:par>
-    </p:tnLst>
-  </p:timing>
 </p:sld>
 </file>
 
@@ -15924,8 +18356,8 @@
           </a:p>
         </p:txBody>
       </p:sp>
-      <mc:AlternateContent xmlns:mc="http://schemas.openxmlformats.org/markup-compatibility/2006">
-        <mc:Choice xmlns:a14="http://schemas.microsoft.com/office/drawing/2010/main" Requires="a14">
+      <mc:AlternateContent xmlns:mc="http://schemas.openxmlformats.org/markup-compatibility/2006" xmlns:a14="http://schemas.microsoft.com/office/drawing/2010/main">
+        <mc:Choice Requires="a14">
           <p:sp>
             <p:nvSpPr>
               <p:cNvPr id="3" name="Content Placeholder 2"/>
@@ -15949,16 +18381,8 @@
               <a:lstStyle/>
               <a:p>
                 <a:r>
-                  <a:rPr lang="pt-BR" dirty="0" smtClean="0"/>
-                  <a:t>Devido às suas características</a:t>
-                </a:r>
-                <a:r>
                   <a:rPr lang="pt-BR" dirty="0"/>
-                  <a:t>, não </a:t>
-                </a:r>
-                <a:r>
-                  <a:rPr lang="pt-BR" dirty="0" smtClean="0"/>
-                  <a:t>se utiliza a </a:t>
+                  <a:t>Devido às suas características, não se utiliza a </a:t>
                 </a:r>
                 <a:r>
                   <a:rPr lang="pt-BR" b="1" i="1" dirty="0"/>
@@ -15966,13 +18390,8 @@
                 </a:r>
                 <a:r>
                   <a:rPr lang="pt-BR" dirty="0"/>
-                  <a:t> como função de ativação em </a:t>
+                  <a:t> como função de ativação em MLPs. </a:t>
                 </a:r>
-                <a:r>
-                  <a:rPr lang="pt-BR" dirty="0" smtClean="0"/>
-                  <a:t>MLPs. </a:t>
-                </a:r>
-                <a:endParaRPr lang="pt-BR" dirty="0"/>
               </a:p>
               <a:p>
                 <a:r>
@@ -15985,43 +18404,23 @@
                 </a:r>
                 <a:r>
                   <a:rPr lang="pt-BR" dirty="0"/>
-                  <a:t>, a regra </a:t>
-                </a:r>
-                <a:r>
-                  <a:rPr lang="pt-BR" dirty="0" smtClean="0"/>
-                  <a:t>era </a:t>
-                </a:r>
-                <a:r>
-                  <a:rPr lang="pt-BR" dirty="0"/>
-                  <a:t>utilizar </a:t>
-                </a:r>
-                <a:r>
-                  <a:rPr lang="pt-BR" dirty="0" smtClean="0"/>
-                  <a:t>as </a:t>
-                </a:r>
-                <a:r>
-                  <a:rPr lang="pt-BR" b="1" i="1" dirty="0" smtClean="0"/>
-                  <a:t>funções </a:t>
+                  <a:t>, a regra era utilizar as </a:t>
                 </a:r>
                 <a:r>
                   <a:rPr lang="pt-BR" b="1" i="1" dirty="0"/>
-                  <a:t>logística </a:t>
+                  <a:t>funções logística </a:t>
                 </a:r>
                 <a:r>
                   <a:rPr lang="pt-BR" dirty="0"/>
                   <a:t>ou </a:t>
                 </a:r>
                 <a:r>
-                  <a:rPr lang="pt-BR" b="1" i="1" dirty="0" smtClean="0"/>
+                  <a:rPr lang="pt-BR" b="1" i="1" dirty="0"/>
                   <a:t>tangente hiperbólica</a:t>
                 </a:r>
                 <a:r>
-                  <a:rPr lang="pt-BR" dirty="0" smtClean="0"/>
-                  <a:t>, que são versões suavizadas da função degrau</a:t>
-                </a:r>
-                <a:r>
                   <a:rPr lang="pt-BR" dirty="0"/>
-                  <a:t>.</a:t>
+                  <a:t>, que são versões suavizadas da função degrau.</a:t>
                 </a:r>
               </a:p>
               <a:p>
@@ -16611,26 +19010,14 @@
               </a:p>
               <a:p>
                 <a:r>
-                  <a:rPr lang="pt-BR" dirty="0" smtClean="0"/>
-                  <a:t>A </a:t>
-                </a:r>
-                <a:r>
                   <a:rPr lang="pt-BR" dirty="0"/>
-                  <a:t>derivada </a:t>
-                </a:r>
-                <a:r>
-                  <a:rPr lang="pt-BR" dirty="0" smtClean="0"/>
-                  <a:t>será importante durante o processo </a:t>
-                </a:r>
-                <a:r>
-                  <a:rPr lang="pt-BR" dirty="0"/>
-                  <a:t>de aprendizado da rede neural.</a:t>
+                  <a:t>A derivada será importante durante o processo de aprendizado da rede neural.</a:t>
                 </a:r>
               </a:p>
             </p:txBody>
           </p:sp>
         </mc:Choice>
-        <mc:Fallback>
+        <mc:Fallback xmlns="">
           <p:sp>
             <p:nvSpPr>
               <p:cNvPr id="3" name="Content Placeholder 2"/>
@@ -16678,13 +19065,6 @@
   <p:clrMapOvr>
     <a:masterClrMapping/>
   </p:clrMapOvr>
-  <p:timing>
-    <p:tnLst>
-      <p:par>
-        <p:cTn id="1" dur="indefinite" restart="never" nodeType="tmRoot"/>
-      </p:par>
-    </p:tnLst>
-  </p:timing>
 </p:sld>
 </file>
 
@@ -16727,8 +19107,8 @@
           </a:p>
         </p:txBody>
       </p:sp>
-      <mc:AlternateContent xmlns:mc="http://schemas.openxmlformats.org/markup-compatibility/2006">
-        <mc:Choice xmlns:a14="http://schemas.microsoft.com/office/drawing/2010/main" Requires="a14">
+      <mc:AlternateContent xmlns:mc="http://schemas.openxmlformats.org/markup-compatibility/2006" xmlns:a14="http://schemas.microsoft.com/office/drawing/2010/main">
+        <mc:Choice Requires="a14">
           <p:sp>
             <p:nvSpPr>
               <p:cNvPr id="3" name="Content Placeholder 2"/>
@@ -16750,7 +19130,7 @@
               <a:lstStyle/>
               <a:p>
                 <a:r>
-                  <a:rPr lang="pt-BR" dirty="0" smtClean="0"/>
+                  <a:rPr lang="pt-BR" dirty="0"/>
                   <a:t>A </a:t>
                 </a:r>
                 <a:r>
@@ -16759,24 +19139,12 @@
                 </a:r>
                 <a:r>
                   <a:rPr lang="pt-BR" dirty="0"/>
-                  <a:t> e sua derivada </a:t>
-                </a:r>
-                <a:r>
-                  <a:rPr lang="pt-BR" dirty="0" smtClean="0"/>
-                  <a:t>são </a:t>
-                </a:r>
-                <a:r>
-                  <a:rPr lang="pt-BR" dirty="0"/>
-                  <a:t>mostradas nas figuras </a:t>
-                </a:r>
-                <a:r>
-                  <a:rPr lang="pt-BR" dirty="0" smtClean="0"/>
-                  <a:t>abaixo.</a:t>
+                  <a:t> e sua derivada são mostradas nas figuras abaixo.</a:t>
                 </a:r>
               </a:p>
               <a:p>
                 <a:r>
-                  <a:rPr lang="pt-BR" dirty="0" smtClean="0"/>
+                  <a:rPr lang="pt-BR" dirty="0"/>
                   <a:t>Percebam que o valor da derivada, </a:t>
                 </a:r>
                 <a14:m>
@@ -16790,37 +19158,20 @@
                   </m:oMath>
                 </a14:m>
                 <a:r>
-                  <a:rPr lang="pt-BR" dirty="0" smtClean="0"/>
+                  <a:rPr lang="pt-BR" dirty="0"/>
                   <a:t>, sempre será menor do que 1.</a:t>
                 </a:r>
               </a:p>
               <a:p>
                 <a:r>
-                  <a:rPr lang="pt-BR" dirty="0" smtClean="0"/>
-                  <a:t>Na sequência, veremos que isso causa um problema </a:t>
+                  <a:rPr lang="pt-BR" dirty="0"/>
+                  <a:t>Na sequência, veremos que isso causa um problema no aprendizado de redes com muitas camadas, i.e., redes profundas.</a:t>
                 </a:r>
-                <a:r>
-                  <a:rPr lang="pt-BR" dirty="0" smtClean="0"/>
-                  <a:t>no </a:t>
-                </a:r>
-                <a:r>
-                  <a:rPr lang="pt-BR" dirty="0"/>
-                  <a:t>a</a:t>
-                </a:r>
-                <a:r>
-                  <a:rPr lang="pt-BR" dirty="0" smtClean="0"/>
-                  <a:t>prendizado de </a:t>
-                </a:r>
-                <a:r>
-                  <a:rPr lang="pt-BR" dirty="0" smtClean="0"/>
-                  <a:t>redes com muitas camadas, i.e., redes profundas.</a:t>
-                </a:r>
-                <a:endParaRPr lang="pt-BR" dirty="0" smtClean="0"/>
               </a:p>
             </p:txBody>
           </p:sp>
         </mc:Choice>
-        <mc:Fallback>
+        <mc:Fallback xmlns="">
           <p:sp>
             <p:nvSpPr>
               <p:cNvPr id="3" name="Content Placeholder 2"/>
@@ -16882,13 +19233,8 @@
             <a:pPr algn="ctr"/>
             <a:r>
               <a:rPr lang="pt-BR" dirty="0"/>
-              <a:t>Função </a:t>
-            </a:r>
-            <a:r>
-              <a:rPr lang="pt-BR" dirty="0" smtClean="0"/>
-              <a:t>Logística</a:t>
-            </a:r>
-            <a:endParaRPr lang="pt-BR" dirty="0"/>
+              <a:t>Função Logística</a:t>
+            </a:r>
           </a:p>
         </p:txBody>
       </p:sp>
@@ -16916,13 +19262,8 @@
             <a:pPr algn="ctr"/>
             <a:r>
               <a:rPr lang="pt-BR" dirty="0"/>
-              <a:t>Derivada da Função </a:t>
-            </a:r>
-            <a:r>
-              <a:rPr lang="pt-BR" dirty="0" smtClean="0"/>
-              <a:t>Logística</a:t>
-            </a:r>
-            <a:endParaRPr lang="pt-BR" dirty="0"/>
+              <a:t>Derivada da Função Logística</a:t>
+            </a:r>
           </a:p>
         </p:txBody>
       </p:sp>
@@ -16974,6 +19315,168 @@
           </a:prstGeom>
         </p:spPr>
       </p:pic>
+      <p:sp>
+        <p:nvSpPr>
+          <p:cNvPr id="4" name="CaixaDeTexto 3">
+            <a:extLst>
+              <a:ext uri="{FF2B5EF4-FFF2-40B4-BE49-F238E27FC236}">
+                <a16:creationId xmlns:a16="http://schemas.microsoft.com/office/drawing/2014/main" id="{BEC904AB-A007-4518-B54C-E95ABDC63626}"/>
+              </a:ext>
+            </a:extLst>
+          </p:cNvPr>
+          <p:cNvSpPr txBox="1"/>
+          <p:nvPr/>
+        </p:nvSpPr>
+        <p:spPr>
+          <a:xfrm>
+            <a:off x="4855751" y="4493340"/>
+            <a:ext cx="901954" cy="307777"/>
+          </a:xfrm>
+          <a:prstGeom prst="rect">
+            <a:avLst/>
+          </a:prstGeom>
+          <a:noFill/>
+        </p:spPr>
+        <p:txBody>
+          <a:bodyPr wrap="square" rtlCol="0">
+            <a:spAutoFit/>
+          </a:bodyPr>
+          <a:lstStyle/>
+          <a:p>
+            <a:pPr algn="ctr"/>
+            <a:r>
+              <a:rPr lang="en-US" sz="1400" dirty="0" err="1"/>
+              <a:t>saturação</a:t>
+            </a:r>
+            <a:endParaRPr lang="en-US" sz="1400" dirty="0"/>
+          </a:p>
+        </p:txBody>
+      </p:sp>
+      <p:sp>
+        <p:nvSpPr>
+          <p:cNvPr id="9" name="CaixaDeTexto 8">
+            <a:extLst>
+              <a:ext uri="{FF2B5EF4-FFF2-40B4-BE49-F238E27FC236}">
+                <a16:creationId xmlns:a16="http://schemas.microsoft.com/office/drawing/2014/main" id="{4CCEF927-B8CC-4C90-A772-24E6A0CFD474}"/>
+              </a:ext>
+            </a:extLst>
+          </p:cNvPr>
+          <p:cNvSpPr txBox="1"/>
+          <p:nvPr/>
+        </p:nvSpPr>
+        <p:spPr>
+          <a:xfrm>
+            <a:off x="584045" y="5230254"/>
+            <a:ext cx="968353" cy="307777"/>
+          </a:xfrm>
+          <a:prstGeom prst="rect">
+            <a:avLst/>
+          </a:prstGeom>
+          <a:noFill/>
+        </p:spPr>
+        <p:txBody>
+          <a:bodyPr wrap="square" rtlCol="0">
+            <a:spAutoFit/>
+          </a:bodyPr>
+          <a:lstStyle/>
+          <a:p>
+            <a:r>
+              <a:rPr lang="en-US" sz="1400" dirty="0" err="1"/>
+              <a:t>saturação</a:t>
+            </a:r>
+            <a:endParaRPr lang="en-US" sz="1400" dirty="0"/>
+          </a:p>
+        </p:txBody>
+      </p:sp>
+      <p:cxnSp>
+        <p:nvCxnSpPr>
+          <p:cNvPr id="6" name="Conector de Seta Reta 5">
+            <a:extLst>
+              <a:ext uri="{FF2B5EF4-FFF2-40B4-BE49-F238E27FC236}">
+                <a16:creationId xmlns:a16="http://schemas.microsoft.com/office/drawing/2014/main" id="{022BDF03-3B8A-4862-8739-B578666F19DF}"/>
+              </a:ext>
+            </a:extLst>
+          </p:cNvPr>
+          <p:cNvCxnSpPr>
+            <a:cxnSpLocks/>
+          </p:cNvCxnSpPr>
+          <p:nvPr/>
+        </p:nvCxnSpPr>
+        <p:spPr>
+          <a:xfrm flipH="1" flipV="1">
+            <a:off x="4510951" y="4001294"/>
+            <a:ext cx="814675" cy="492046"/>
+          </a:xfrm>
+          <a:prstGeom prst="straightConnector1">
+            <a:avLst/>
+          </a:prstGeom>
+          <a:ln>
+            <a:solidFill>
+              <a:srgbClr val="FF0000"/>
+            </a:solidFill>
+            <a:tailEnd type="triangle"/>
+          </a:ln>
+        </p:spPr>
+        <p:style>
+          <a:lnRef idx="1">
+            <a:schemeClr val="accent1"/>
+          </a:lnRef>
+          <a:fillRef idx="0">
+            <a:schemeClr val="accent1"/>
+          </a:fillRef>
+          <a:effectRef idx="0">
+            <a:schemeClr val="accent1"/>
+          </a:effectRef>
+          <a:fontRef idx="minor">
+            <a:schemeClr val="tx1"/>
+          </a:fontRef>
+        </p:style>
+      </p:cxnSp>
+      <p:cxnSp>
+        <p:nvCxnSpPr>
+          <p:cNvPr id="17" name="Conector de Seta Reta 16">
+            <a:extLst>
+              <a:ext uri="{FF2B5EF4-FFF2-40B4-BE49-F238E27FC236}">
+                <a16:creationId xmlns:a16="http://schemas.microsoft.com/office/drawing/2014/main" id="{073FE868-325A-4FF4-BD4C-B8FFB02A80A3}"/>
+              </a:ext>
+            </a:extLst>
+          </p:cNvPr>
+          <p:cNvCxnSpPr>
+            <a:cxnSpLocks/>
+            <a:stCxn id="9" idx="2"/>
+          </p:cNvCxnSpPr>
+          <p:nvPr/>
+        </p:nvCxnSpPr>
+        <p:spPr>
+          <a:xfrm>
+            <a:off x="1068222" y="5538031"/>
+            <a:ext cx="871110" cy="549386"/>
+          </a:xfrm>
+          <a:prstGeom prst="straightConnector1">
+            <a:avLst/>
+          </a:prstGeom>
+          <a:ln>
+            <a:solidFill>
+              <a:srgbClr val="FF0000"/>
+            </a:solidFill>
+            <a:tailEnd type="triangle"/>
+          </a:ln>
+        </p:spPr>
+        <p:style>
+          <a:lnRef idx="1">
+            <a:schemeClr val="accent1"/>
+          </a:lnRef>
+          <a:fillRef idx="0">
+            <a:schemeClr val="accent1"/>
+          </a:fillRef>
+          <a:effectRef idx="0">
+            <a:schemeClr val="accent1"/>
+          </a:effectRef>
+          <a:fontRef idx="minor">
+            <a:schemeClr val="tx1"/>
+          </a:fontRef>
+        </p:style>
+      </p:cxnSp>
     </p:spTree>
     <p:extLst>
       <p:ext uri="{BB962C8B-B14F-4D97-AF65-F5344CB8AC3E}">
@@ -16984,13 +19487,6 @@
   <p:clrMapOvr>
     <a:masterClrMapping/>
   </p:clrMapOvr>
-  <p:timing>
-    <p:tnLst>
-      <p:par>
-        <p:cTn id="1" dur="indefinite" restart="never" nodeType="tmRoot"/>
-      </p:par>
-    </p:tnLst>
-  </p:timing>
 </p:sld>
 </file>
 
@@ -17038,8 +19534,8 @@
           </a:p>
         </p:txBody>
       </p:sp>
-      <mc:AlternateContent xmlns:mc="http://schemas.openxmlformats.org/markup-compatibility/2006">
-        <mc:Choice xmlns:a14="http://schemas.microsoft.com/office/drawing/2010/main" Requires="a14">
+      <mc:AlternateContent xmlns:mc="http://schemas.openxmlformats.org/markup-compatibility/2006" xmlns:a14="http://schemas.microsoft.com/office/drawing/2010/main">
+        <mc:Choice Requires="a14">
           <p:sp>
             <p:nvSpPr>
               <p:cNvPr id="3" name="Content Placeholder 2"/>
@@ -17063,7 +19559,7 @@
               <a:lstStyle/>
               <a:p>
                 <a:r>
-                  <a:rPr lang="pt-BR" dirty="0" smtClean="0"/>
+                  <a:rPr lang="pt-BR" dirty="0"/>
                   <a:t>A </a:t>
                 </a:r>
                 <a:r>
@@ -17640,13 +20136,7 @@
                         <a:rPr lang="pt-BR" i="1">
                           <a:latin typeface="Cambria Math" panose="02040503050406030204" pitchFamily="18" charset="0"/>
                         </a:rPr>
-                        <m:t>=</m:t>
-                      </m:r>
-                      <m:r>
-                        <a:rPr lang="pt-BR" i="1">
-                          <a:latin typeface="Cambria Math" panose="02040503050406030204" pitchFamily="18" charset="0"/>
-                        </a:rPr>
-                        <m:t>1−</m:t>
+                        <m:t>=1−</m:t>
                       </m:r>
                       <m:sSup>
                         <m:sSupPr>
@@ -17731,22 +20221,14 @@
               </a:p>
               <a:p>
                 <a:r>
-                  <a:rPr lang="pt-BR" dirty="0" smtClean="0"/>
-                  <a:t>A função </a:t>
-                </a:r>
-                <a:r>
                   <a:rPr lang="pt-BR" dirty="0"/>
-                  <a:t>e sua derivada são mostradas nas figuras abaixo</a:t>
-                </a:r>
-                <a:r>
-                  <a:rPr lang="pt-BR" dirty="0" smtClean="0"/>
-                  <a:t>.</a:t>
+                  <a:t>A função e sua derivada são mostradas nas figuras abaixo.</a:t>
                 </a:r>
               </a:p>
             </p:txBody>
           </p:sp>
         </mc:Choice>
-        <mc:Fallback>
+        <mc:Fallback xmlns="">
           <p:sp>
             <p:nvSpPr>
               <p:cNvPr id="3" name="Content Placeholder 2"/>
@@ -17856,13 +20338,8 @@
             <a:pPr algn="ctr"/>
             <a:r>
               <a:rPr lang="pt-BR" dirty="0"/>
-              <a:t>Derivada da Tangente </a:t>
-            </a:r>
-            <a:r>
-              <a:rPr lang="pt-BR" dirty="0" smtClean="0"/>
-              <a:t>Hiperbólica</a:t>
-            </a:r>
-            <a:endParaRPr lang="pt-BR" dirty="0"/>
+              <a:t>Derivada da Tangente Hiperbólica</a:t>
+            </a:r>
           </a:p>
         </p:txBody>
       </p:sp>
@@ -17890,18 +20367,13 @@
             <a:pPr algn="ctr"/>
             <a:r>
               <a:rPr lang="pt-BR" dirty="0"/>
-              <a:t>Função Tangente </a:t>
-            </a:r>
-            <a:r>
-              <a:rPr lang="pt-BR" dirty="0" smtClean="0"/>
-              <a:t>Hiperbólica</a:t>
-            </a:r>
-            <a:endParaRPr lang="pt-BR" dirty="0"/>
+              <a:t>Função Tangente Hiperbólica</a:t>
+            </a:r>
           </a:p>
         </p:txBody>
       </p:sp>
-      <mc:AlternateContent xmlns:mc="http://schemas.openxmlformats.org/markup-compatibility/2006">
-        <mc:Choice xmlns:a14="http://schemas.microsoft.com/office/drawing/2010/main" Requires="a14">
+      <mc:AlternateContent xmlns:mc="http://schemas.openxmlformats.org/markup-compatibility/2006" xmlns:a14="http://schemas.microsoft.com/office/drawing/2010/main">
+        <mc:Choice Requires="a14">
           <p:sp>
             <p:nvSpPr>
               <p:cNvPr id="13" name="CaixaDeTexto 12"/>
@@ -17926,7 +20398,7 @@
               <a:p>
                 <a:pPr algn="ctr"/>
                 <a:r>
-                  <a:rPr lang="pt-BR" sz="1400" dirty="0" smtClean="0"/>
+                  <a:rPr lang="pt-BR" sz="1400" dirty="0"/>
                   <a:t>A derivada é no máximo igual a 1 quando </a:t>
                 </a:r>
                 <a14:m>
@@ -17940,15 +20412,14 @@
                   </m:oMath>
                 </a14:m>
                 <a:r>
-                  <a:rPr lang="pt-BR" sz="1400" dirty="0" smtClean="0"/>
+                  <a:rPr lang="pt-BR" sz="1400" dirty="0"/>
                   <a:t> é exatamente igual a 0. </a:t>
                 </a:r>
-                <a:endParaRPr lang="pt-BR" sz="1400" dirty="0"/>
               </a:p>
             </p:txBody>
           </p:sp>
         </mc:Choice>
-        <mc:Fallback>
+        <mc:Fallback xmlns="">
           <p:sp>
             <p:nvSpPr>
               <p:cNvPr id="13" name="CaixaDeTexto 12"/>
@@ -18025,6 +20496,168 @@
           </a:fontRef>
         </p:style>
       </p:cxnSp>
+      <p:sp>
+        <p:nvSpPr>
+          <p:cNvPr id="11" name="CaixaDeTexto 10">
+            <a:extLst>
+              <a:ext uri="{FF2B5EF4-FFF2-40B4-BE49-F238E27FC236}">
+                <a16:creationId xmlns:a16="http://schemas.microsoft.com/office/drawing/2014/main" id="{CCFCC359-B4F8-41A1-B341-4ABBACDCE636}"/>
+              </a:ext>
+            </a:extLst>
+          </p:cNvPr>
+          <p:cNvSpPr txBox="1"/>
+          <p:nvPr/>
+        </p:nvSpPr>
+        <p:spPr>
+          <a:xfrm>
+            <a:off x="4198600" y="4733745"/>
+            <a:ext cx="901954" cy="307777"/>
+          </a:xfrm>
+          <a:prstGeom prst="rect">
+            <a:avLst/>
+          </a:prstGeom>
+          <a:noFill/>
+        </p:spPr>
+        <p:txBody>
+          <a:bodyPr wrap="square" rtlCol="0">
+            <a:spAutoFit/>
+          </a:bodyPr>
+          <a:lstStyle/>
+          <a:p>
+            <a:pPr algn="ctr"/>
+            <a:r>
+              <a:rPr lang="en-US" sz="1400" dirty="0" err="1"/>
+              <a:t>saturação</a:t>
+            </a:r>
+            <a:endParaRPr lang="en-US" sz="1400" dirty="0"/>
+          </a:p>
+        </p:txBody>
+      </p:sp>
+      <p:sp>
+        <p:nvSpPr>
+          <p:cNvPr id="12" name="CaixaDeTexto 11">
+            <a:extLst>
+              <a:ext uri="{FF2B5EF4-FFF2-40B4-BE49-F238E27FC236}">
+                <a16:creationId xmlns:a16="http://schemas.microsoft.com/office/drawing/2014/main" id="{2D15771D-561A-4851-BEE3-494320A67726}"/>
+              </a:ext>
+            </a:extLst>
+          </p:cNvPr>
+          <p:cNvSpPr txBox="1"/>
+          <p:nvPr/>
+        </p:nvSpPr>
+        <p:spPr>
+          <a:xfrm>
+            <a:off x="81627" y="5564115"/>
+            <a:ext cx="968353" cy="307777"/>
+          </a:xfrm>
+          <a:prstGeom prst="rect">
+            <a:avLst/>
+          </a:prstGeom>
+          <a:noFill/>
+        </p:spPr>
+        <p:txBody>
+          <a:bodyPr wrap="square" rtlCol="0">
+            <a:spAutoFit/>
+          </a:bodyPr>
+          <a:lstStyle/>
+          <a:p>
+            <a:r>
+              <a:rPr lang="en-US" sz="1400" dirty="0" err="1"/>
+              <a:t>saturação</a:t>
+            </a:r>
+            <a:endParaRPr lang="en-US" sz="1400" dirty="0"/>
+          </a:p>
+        </p:txBody>
+      </p:sp>
+      <p:cxnSp>
+        <p:nvCxnSpPr>
+          <p:cNvPr id="14" name="Conector de Seta Reta 13">
+            <a:extLst>
+              <a:ext uri="{FF2B5EF4-FFF2-40B4-BE49-F238E27FC236}">
+                <a16:creationId xmlns:a16="http://schemas.microsoft.com/office/drawing/2014/main" id="{5C617E03-F638-4320-8FDA-A6A62315797C}"/>
+              </a:ext>
+            </a:extLst>
+          </p:cNvPr>
+          <p:cNvCxnSpPr>
+            <a:cxnSpLocks/>
+          </p:cNvCxnSpPr>
+          <p:nvPr/>
+        </p:nvCxnSpPr>
+        <p:spPr>
+          <a:xfrm flipH="1" flipV="1">
+            <a:off x="3853800" y="4241699"/>
+            <a:ext cx="814675" cy="492046"/>
+          </a:xfrm>
+          <a:prstGeom prst="straightConnector1">
+            <a:avLst/>
+          </a:prstGeom>
+          <a:ln>
+            <a:solidFill>
+              <a:srgbClr val="FF0000"/>
+            </a:solidFill>
+            <a:tailEnd type="triangle"/>
+          </a:ln>
+        </p:spPr>
+        <p:style>
+          <a:lnRef idx="1">
+            <a:schemeClr val="accent1"/>
+          </a:lnRef>
+          <a:fillRef idx="0">
+            <a:schemeClr val="accent1"/>
+          </a:fillRef>
+          <a:effectRef idx="0">
+            <a:schemeClr val="accent1"/>
+          </a:effectRef>
+          <a:fontRef idx="minor">
+            <a:schemeClr val="tx1"/>
+          </a:fontRef>
+        </p:style>
+      </p:cxnSp>
+      <p:cxnSp>
+        <p:nvCxnSpPr>
+          <p:cNvPr id="16" name="Conector de Seta Reta 15">
+            <a:extLst>
+              <a:ext uri="{FF2B5EF4-FFF2-40B4-BE49-F238E27FC236}">
+                <a16:creationId xmlns:a16="http://schemas.microsoft.com/office/drawing/2014/main" id="{9F0A5C87-8500-4308-83F7-0C62ED06739C}"/>
+              </a:ext>
+            </a:extLst>
+          </p:cNvPr>
+          <p:cNvCxnSpPr>
+            <a:cxnSpLocks/>
+            <a:stCxn id="12" idx="2"/>
+          </p:cNvCxnSpPr>
+          <p:nvPr/>
+        </p:nvCxnSpPr>
+        <p:spPr>
+          <a:xfrm>
+            <a:off x="565804" y="5871892"/>
+            <a:ext cx="991691" cy="549005"/>
+          </a:xfrm>
+          <a:prstGeom prst="straightConnector1">
+            <a:avLst/>
+          </a:prstGeom>
+          <a:ln>
+            <a:solidFill>
+              <a:srgbClr val="FF0000"/>
+            </a:solidFill>
+            <a:tailEnd type="triangle"/>
+          </a:ln>
+        </p:spPr>
+        <p:style>
+          <a:lnRef idx="1">
+            <a:schemeClr val="accent1"/>
+          </a:lnRef>
+          <a:fillRef idx="0">
+            <a:schemeClr val="accent1"/>
+          </a:fillRef>
+          <a:effectRef idx="0">
+            <a:schemeClr val="accent1"/>
+          </a:effectRef>
+          <a:fontRef idx="minor">
+            <a:schemeClr val="tx1"/>
+          </a:fontRef>
+        </p:style>
+      </p:cxnSp>
     </p:spTree>
     <p:extLst>
       <p:ext uri="{BB962C8B-B14F-4D97-AF65-F5344CB8AC3E}">
@@ -18035,13 +20668,6 @@
   <p:clrMapOvr>
     <a:masterClrMapping/>
   </p:clrMapOvr>
-  <p:timing>
-    <p:tnLst>
-      <p:par>
-        <p:cTn id="1" dur="indefinite" restart="never" nodeType="tmRoot"/>
-      </p:par>
-    </p:tnLst>
-  </p:timing>
 </p:sld>
 </file>
 

--- a/slides/T320_Redes_Neurais_Artificiais (Parte II).pptx
+++ b/slides/T320_Redes_Neurais_Artificiais (Parte II).pptx
@@ -1587,6 +1587,18 @@
           </a:p>
           <a:p>
             <a:pPr fontAlgn="base"/>
+            <a:r>
+              <a:rPr lang="en-US" sz="1200" b="0" i="0" kern="1200" dirty="0">
+                <a:solidFill>
+                  <a:schemeClr val="tx1"/>
+                </a:solidFill>
+                <a:effectLst/>
+                <a:latin typeface="+mn-lt"/>
+                <a:ea typeface="+mn-ea"/>
+                <a:cs typeface="+mn-cs"/>
+              </a:rPr>
+              <a:t/>
+            </a:r>
             <a:br>
               <a:rPr lang="en-US" sz="1200" b="0" i="0" kern="1200" dirty="0">
                 <a:solidFill>
@@ -2705,6 +2717,10 @@
               <a:rPr lang="pt-BR" baseline="0" dirty="0"/>
               <a:t> quando se usa a função degrau como função de limiar de decisão.</a:t>
             </a:r>
+            <a:r>
+              <a:rPr lang="pt-BR" dirty="0"/>
+              <a:t/>
+            </a:r>
             <a:br>
               <a:rPr lang="pt-BR" dirty="0"/>
             </a:br>
@@ -3458,9 +3474,58 @@
           <a:bodyPr/>
           <a:lstStyle/>
           <a:p>
+            <a:pPr marL="0" marR="0" lvl="0" indent="0" algn="l" defTabSz="914400" rtl="0" eaLnBrk="1" fontAlgn="auto" latinLnBrk="0" hangingPunct="1">
+              <a:lnSpc>
+                <a:spcPct val="100000"/>
+              </a:lnSpc>
+              <a:spcBef>
+                <a:spcPts val="0"/>
+              </a:spcBef>
+              <a:spcAft>
+                <a:spcPts val="0"/>
+              </a:spcAft>
+              <a:buClrTx/>
+              <a:buSzTx/>
+              <a:buFontTx/>
+              <a:buNone/>
+              <a:tabLst/>
+              <a:defRPr/>
+            </a:pPr>
+            <a:r>
+              <a:rPr lang="pt-BR" dirty="0" smtClean="0"/>
+              <a:t>O </a:t>
+            </a:r>
+            <a:r>
+              <a:rPr lang="pt-BR" b="1" i="1" dirty="0" smtClean="0"/>
+              <a:t>algoritmo de </a:t>
+            </a:r>
+            <a:r>
+              <a:rPr lang="pt-BR" b="1" i="1" dirty="0" err="1" smtClean="0"/>
+              <a:t>retropropagação</a:t>
+            </a:r>
+            <a:r>
+              <a:rPr lang="pt-BR" b="1" i="1" dirty="0" smtClean="0"/>
+              <a:t>  </a:t>
+            </a:r>
+            <a:r>
+              <a:rPr lang="pt-BR" dirty="0" smtClean="0"/>
+              <a:t>propaga o erro da saída para as camadas anteriores através da regra da cadeia.</a:t>
+            </a:r>
+          </a:p>
+          <a:p>
+            <a:endParaRPr lang="pt-BR" dirty="0" smtClean="0"/>
+          </a:p>
+          <a:p>
+            <a:endParaRPr lang="pt-BR" dirty="0" smtClean="0"/>
+          </a:p>
+          <a:p>
+            <a:r>
+              <a:rPr lang="pt-BR" dirty="0" smtClean="0"/>
+              <a:t>Referências</a:t>
+            </a:r>
             <a:r>
               <a:rPr lang="pt-BR" dirty="0"/>
-              <a:t>Referências:</a:t>
+              <a:t>:</a:t>
             </a:r>
           </a:p>
           <a:p>
@@ -6520,7 +6585,7 @@
           <p:cNvPr id="2" name="Título 1">
             <a:extLst>
               <a:ext uri="{FF2B5EF4-FFF2-40B4-BE49-F238E27FC236}">
-                <a16:creationId xmlns:a16="http://schemas.microsoft.com/office/drawing/2014/main" id="{32666AC8-2E17-4DB4-B0F5-60C640CCFD2E}"/>
+                <a16:creationId xmlns:a16="http://schemas.microsoft.com/office/drawing/2014/main" xmlns="" id="{32666AC8-2E17-4DB4-B0F5-60C640CCFD2E}"/>
               </a:ext>
             </a:extLst>
           </p:cNvPr>
@@ -6547,6 +6612,10 @@
               <a:rPr lang="pt-BR" sz="5400" dirty="0"/>
               <a:t>T320 - Introdução ao Aprendizado de Máquina II:</a:t>
             </a:r>
+            <a:r>
+              <a:rPr lang="pt-BR" dirty="0"/>
+              <a:t/>
+            </a:r>
             <a:br>
               <a:rPr lang="pt-BR" dirty="0"/>
             </a:br>
@@ -6562,7 +6631,7 @@
           <p:cNvPr id="4" name="CaixaDeTexto 3">
             <a:extLst>
               <a:ext uri="{FF2B5EF4-FFF2-40B4-BE49-F238E27FC236}">
-                <a16:creationId xmlns:a16="http://schemas.microsoft.com/office/drawing/2014/main" id="{430EB894-B7D4-434C-9D1A-A14094D9BEEC}"/>
+                <a16:creationId xmlns:a16="http://schemas.microsoft.com/office/drawing/2014/main" xmlns="" id="{430EB894-B7D4-434C-9D1A-A14094D9BEEC}"/>
               </a:ext>
             </a:extLst>
           </p:cNvPr>
@@ -6603,7 +6672,7 @@
           <p:cNvPr id="1026" name="Picture 2" descr="Logo">
             <a:extLst>
               <a:ext uri="{FF2B5EF4-FFF2-40B4-BE49-F238E27FC236}">
-                <a16:creationId xmlns:a16="http://schemas.microsoft.com/office/drawing/2014/main" id="{3F2642E0-4F6A-4196-8F58-E77D36E9A33F}"/>
+                <a16:creationId xmlns:a16="http://schemas.microsoft.com/office/drawing/2014/main" xmlns="" id="{3F2642E0-4F6A-4196-8F58-E77D36E9A33F}"/>
               </a:ext>
             </a:extLst>
           </p:cNvPr>
@@ -6648,7 +6717,7 @@
           <p:cNvPr id="5122" name="Picture 2" descr="Image result for machine learning">
             <a:extLst>
               <a:ext uri="{FF2B5EF4-FFF2-40B4-BE49-F238E27FC236}">
-                <a16:creationId xmlns:a16="http://schemas.microsoft.com/office/drawing/2014/main" id="{810CE0A2-4102-44A6-A370-175E7896CDCB}"/>
+                <a16:creationId xmlns:a16="http://schemas.microsoft.com/office/drawing/2014/main" xmlns="" id="{810CE0A2-4102-44A6-A370-175E7896CDCB}"/>
               </a:ext>
             </a:extLst>
           </p:cNvPr>
@@ -6753,12 +6822,12 @@
         <p:spPr>
           <a:xfrm>
             <a:off x="838200" y="1825624"/>
-            <a:ext cx="11112500" cy="2386691"/>
+            <a:ext cx="11112500" cy="2480905"/>
           </a:xfrm>
         </p:spPr>
         <p:txBody>
           <a:bodyPr>
-            <a:normAutofit lnSpcReduction="10000"/>
+            <a:normAutofit fontScale="92500" lnSpcReduction="10000"/>
           </a:bodyPr>
           <a:lstStyle/>
           <a:p>
@@ -6772,7 +6841,23 @@
             </a:r>
             <a:r>
               <a:rPr lang="pt-BR" dirty="0"/>
-              <a:t>, ou seja, com muitas camadas escondidas, com métodos de aprendizado baseados em informações do gradiente e funções de ativação sigmoide ou tangente hiperbólica.</a:t>
+              <a:t>, ou seja, com muitas camadas escondidas, com </a:t>
+            </a:r>
+            <a:r>
+              <a:rPr lang="pt-BR" b="1" i="1" dirty="0"/>
+              <a:t>métodos de aprendizado baseados em informações do gradiente</a:t>
+            </a:r>
+            <a:r>
+              <a:rPr lang="pt-BR" dirty="0"/>
+              <a:t> e </a:t>
+            </a:r>
+            <a:r>
+              <a:rPr lang="pt-BR" b="1" i="1" dirty="0"/>
+              <a:t>funções de ativação sigmoide ou tangente hiperbólica</a:t>
+            </a:r>
+            <a:r>
+              <a:rPr lang="pt-BR" dirty="0"/>
+              <a:t>.</a:t>
             </a:r>
           </a:p>
           <a:p>
@@ -6786,8 +6871,35 @@
             </a:r>
             <a:r>
               <a:rPr lang="pt-BR" dirty="0"/>
-              <a:t>usado para treinar a rede neural.</a:t>
-            </a:r>
+              <a:t>usado para treinar a rede neural</a:t>
+            </a:r>
+            <a:r>
+              <a:rPr lang="pt-BR" dirty="0" smtClean="0"/>
+              <a:t>.</a:t>
+            </a:r>
+          </a:p>
+          <a:p>
+            <a:pPr lvl="1">
+              <a:buFont typeface="Wingdings" panose="05000000000000000000" pitchFamily="2" charset="2"/>
+              <a:buChar char="§"/>
+            </a:pPr>
+            <a:r>
+              <a:rPr lang="pt-BR" dirty="0" smtClean="0"/>
+              <a:t>Ele </a:t>
+            </a:r>
+            <a:r>
+              <a:rPr lang="pt-BR" dirty="0"/>
+              <a:t>propaga o erro da saída para as camadas anteriores através da </a:t>
+            </a:r>
+            <a:r>
+              <a:rPr lang="pt-BR" b="1" i="1" dirty="0"/>
+              <a:t>regra da cadeia</a:t>
+            </a:r>
+            <a:r>
+              <a:rPr lang="pt-BR" dirty="0"/>
+              <a:t>.</a:t>
+            </a:r>
+            <a:endParaRPr lang="pt-BR" dirty="0" smtClean="0"/>
           </a:p>
         </p:txBody>
       </p:sp>
@@ -6813,7 +6925,7 @@
         </p:blipFill>
         <p:spPr>
           <a:xfrm>
-            <a:off x="2812764" y="4212316"/>
+            <a:off x="2812764" y="4281140"/>
             <a:ext cx="7163371" cy="2523991"/>
           </a:xfrm>
           <a:prstGeom prst="rect">
@@ -6873,8 +6985,8 @@
           </a:p>
         </p:txBody>
       </p:sp>
-      <mc:AlternateContent xmlns:mc="http://schemas.openxmlformats.org/markup-compatibility/2006" xmlns:a14="http://schemas.microsoft.com/office/drawing/2010/main">
-        <mc:Choice Requires="a14">
+      <mc:AlternateContent xmlns:mc="http://schemas.openxmlformats.org/markup-compatibility/2006">
+        <mc:Choice xmlns:a14="http://schemas.microsoft.com/office/drawing/2010/main" Requires="a14">
           <p:sp>
             <p:nvSpPr>
               <p:cNvPr id="3" name="Content Placeholder 2"/>
@@ -6888,7 +7000,7 @@
             <p:spPr>
               <a:xfrm>
                 <a:off x="838200" y="1825624"/>
-                <a:ext cx="11049000" cy="5032375"/>
+                <a:ext cx="10832690" cy="5032375"/>
               </a:xfrm>
             </p:spPr>
             <p:txBody>
@@ -6945,7 +7057,19 @@
                 </a:r>
                 <a:r>
                   <a:rPr lang="pt-BR" dirty="0"/>
-                  <a:t>calcula os gradientes através da </a:t>
+                  <a:t>calcula os </a:t>
+                </a:r>
+                <a:r>
+                  <a:rPr lang="pt-BR" dirty="0" smtClean="0"/>
+                  <a:t>gradientes das camadas anteriores à camada de saída </a:t>
+                </a:r>
+                <a:r>
+                  <a:rPr lang="pt-BR" dirty="0"/>
+                  <a:t>através </a:t>
+                </a:r>
+                <a:r>
+                  <a:rPr lang="pt-BR" dirty="0" smtClean="0"/>
+                  <a:t>do uso da </a:t>
                 </a:r>
                 <a:r>
                   <a:rPr lang="pt-BR" b="1" i="1" dirty="0"/>
@@ -7351,19 +7475,26 @@
               <a:p>
                 <a:r>
                   <a:rPr lang="pt-BR" dirty="0"/>
-                  <a:t>Em outras palavras, devido a regra da cadeia, a derivada de uma função de ativação em uma dada camada da rede neural é o produto das derivadas das funções de ativação no caminho desde a camada final até a camada atual.</a:t>
-                </a:r>
-              </a:p>
-              <a:p>
+                  <a:t>Em outras palavras, devido à regra da cadeia, o gradiente para </a:t>
+                </a:r>
+                <a:r>
+                  <a:rPr lang="pt-BR" dirty="0" smtClean="0"/>
+                  <a:t>a atualização </a:t>
+                </a:r>
                 <a:r>
                   <a:rPr lang="pt-BR" dirty="0"/>
-                  <a:t>Ou seja, no caminho inverso, da camada de saída para a camada de atual.</a:t>
-                </a:r>
+                  <a:t>dos pesos de uma dada camada da rede neural contém, além de outros termos, o produto das derivadas das funções de ativação desde a camada de saída até a camada desejada</a:t>
+                </a:r>
+                <a:r>
+                  <a:rPr lang="pt-BR" dirty="0" smtClean="0"/>
+                  <a:t>.</a:t>
+                </a:r>
+                <a:endParaRPr lang="pt-BR" dirty="0" smtClean="0"/>
               </a:p>
             </p:txBody>
           </p:sp>
         </mc:Choice>
-        <mc:Fallback xmlns="">
+        <mc:Fallback>
           <p:sp>
             <p:nvSpPr>
               <p:cNvPr id="3" name="Content Placeholder 2"/>
@@ -7377,12 +7508,12 @@
             <p:spPr>
               <a:xfrm>
                 <a:off x="838200" y="1825624"/>
-                <a:ext cx="11049000" cy="5032375"/>
+                <a:ext cx="10832690" cy="5032375"/>
               </a:xfrm>
               <a:blipFill rotWithShape="0">
                 <a:blip r:embed="rId3"/>
                 <a:stretch>
-                  <a:fillRect l="-993" t="-2663" r="-1490"/>
+                  <a:fillRect l="-1013" t="-2663" r="-1238" b="-2179"/>
                 </a:stretch>
               </a:blipFill>
             </p:spPr>
@@ -7493,7 +7624,27 @@
                 </a14:m>
                 <a:r>
                   <a:rPr lang="pt-BR" dirty="0"/>
-                  <a:t> camadas, isso tem o efeito de multiplicar </a:t>
+                  <a:t> camadas, </a:t>
+                </a:r>
+                <a:r>
+                  <a:rPr lang="pt-BR" dirty="0" smtClean="0"/>
+                  <a:t>a </a:t>
+                </a:r>
+                <a:r>
+                  <a:rPr lang="pt-BR" b="1" i="1" dirty="0" err="1"/>
+                  <a:t>retropropagação</a:t>
+                </a:r>
+                <a:r>
+                  <a:rPr lang="pt-BR" b="1" i="1" dirty="0"/>
+                  <a:t> </a:t>
+                </a:r>
+                <a:r>
+                  <a:rPr lang="pt-BR" dirty="0" smtClean="0"/>
+                  <a:t>tem </a:t>
+                </a:r>
+                <a:r>
+                  <a:rPr lang="pt-BR" dirty="0"/>
+                  <a:t>o efeito de multiplicar </a:t>
                 </a:r>
                 <a14:m>
                   <m:oMath xmlns:m="http://schemas.openxmlformats.org/officeDocument/2006/math">
@@ -7506,14 +7657,30 @@
                   </m:oMath>
                 </a14:m>
                 <a:r>
+                  <a:rPr lang="pt-BR" dirty="0" smtClean="0"/>
+                  <a:t> </a:t>
+                </a:r>
+                <a:r>
                   <a:rPr lang="pt-BR" dirty="0"/>
-                  <a:t> desses pequenos valores para calcular os gradientes das primeiras camadas.</a:t>
+                  <a:t>valores pequenos para </a:t>
+                </a:r>
+                <a:r>
+                  <a:rPr lang="pt-BR" dirty="0"/>
+                  <a:t>calcular os gradientes das primeiras camadas.</a:t>
                 </a:r>
               </a:p>
               <a:p>
                 <a:r>
                   <a:rPr lang="pt-BR" dirty="0"/>
-                  <a:t>O que significa que o gradiente (i.e., o erro propagado) diminui exponencialmente com </a:t>
+                  <a:t>O que significa que o gradiente </a:t>
+                </a:r>
+                <a:r>
+                  <a:rPr lang="pt-BR" dirty="0" smtClean="0"/>
+                  <a:t>diminui </a:t>
+                </a:r>
+                <a:r>
+                  <a:rPr lang="pt-BR" dirty="0"/>
+                  <a:t>exponencialmente com </a:t>
                 </a:r>
                 <a14:m>
                   <m:oMath xmlns:m="http://schemas.openxmlformats.org/officeDocument/2006/math">
@@ -7555,7 +7722,7 @@
                 <a:off x="838199" y="1825624"/>
                 <a:ext cx="11198470" cy="3022147"/>
               </a:xfrm>
-              <a:blipFill>
+              <a:blipFill rotWithShape="0">
                 <a:blip r:embed="rId3"/>
                 <a:stretch>
                   <a:fillRect l="-816" t="-3024"/>
@@ -7567,7 +7734,7 @@
               <a:lstStyle/>
               <a:p>
                 <a:r>
-                  <a:rPr lang="en-US">
+                  <a:rPr lang="pt-BR">
                     <a:noFill/>
                   </a:rPr>
                   <a:t> </a:t>
@@ -7599,8 +7766,8 @@
         </p:blipFill>
         <p:spPr>
           <a:xfrm>
-            <a:off x="3309257" y="4627182"/>
-            <a:ext cx="6144364" cy="2164947"/>
+            <a:off x="3003565" y="4357268"/>
+            <a:ext cx="6867737" cy="2419825"/>
           </a:xfrm>
           <a:prstGeom prst="rect">
             <a:avLst/>
@@ -7642,7 +7809,7 @@
           <p:cNvPr id="2" name="Título 1">
             <a:extLst>
               <a:ext uri="{FF2B5EF4-FFF2-40B4-BE49-F238E27FC236}">
-                <a16:creationId xmlns:a16="http://schemas.microsoft.com/office/drawing/2014/main" id="{4E991379-1C4F-4AB9-BB38-83C7CC20155D}"/>
+                <a16:creationId xmlns:a16="http://schemas.microsoft.com/office/drawing/2014/main" xmlns="" id="{4E991379-1C4F-4AB9-BB38-83C7CC20155D}"/>
               </a:ext>
             </a:extLst>
           </p:cNvPr>
@@ -7689,7 +7856,7 @@
               <p:cNvPr id="3" name="Espaço Reservado para Conteúdo 2">
                 <a:extLst>
                   <a:ext uri="{FF2B5EF4-FFF2-40B4-BE49-F238E27FC236}">
-                    <a16:creationId xmlns:a16="http://schemas.microsoft.com/office/drawing/2014/main" id="{68DBA540-3B58-4BC7-B375-23ABBBC057D3}"/>
+                    <a16:creationId xmlns:a16="http://schemas.microsoft.com/office/drawing/2014/main" xmlns="" id="{68DBA540-3B58-4BC7-B375-23ABBBC057D3}"/>
                   </a:ext>
                 </a:extLst>
               </p:cNvPr>
@@ -7716,19 +7883,19 @@
                   <a:buNone/>
                 </a:pPr>
                 <a:r>
-                  <a:rPr lang="en-US" dirty="0"/>
+                  <a:rPr lang="en-US" dirty="0" smtClean="0"/>
                   <a:t>Considerações: </a:t>
                 </a:r>
               </a:p>
               <a:p>
                 <a:pPr marL="285750" indent="-285750"/>
                 <a:r>
-                  <a:rPr lang="en-US" dirty="0" err="1"/>
-                  <a:t>Perceptrons</a:t>
+                  <a:rPr lang="en-US" dirty="0" smtClean="0"/>
+                  <a:t>2 x Perceptrons </a:t>
                 </a:r>
                 <a:r>
                   <a:rPr lang="en-US" dirty="0"/>
-                  <a:t> com </a:t>
+                  <a:t>com </a:t>
                 </a:r>
                 <a:r>
                   <a:rPr lang="en-US" dirty="0" err="1"/>
@@ -8062,8 +8229,27 @@
                         </m:r>
                       </m:sub>
                     </m:sSub>
+                    <m:r>
+                      <a:rPr lang="pt-BR" i="1" smtClean="0">
+                        <a:latin typeface="Cambria Math" panose="02040503050406030204" pitchFamily="18" charset="0"/>
+                        <a:ea typeface="Cambria Math" panose="02040503050406030204" pitchFamily="18" charset="0"/>
+                      </a:rPr>
+                      <m:t>→</m:t>
+                    </m:r>
                   </m:oMath>
                 </a14:m>
+                <a:r>
+                  <a:rPr lang="pt-BR" dirty="0" smtClean="0"/>
+                  <a:t> entrada do primeiro </a:t>
+                </a:r>
+                <a:r>
+                  <a:rPr lang="pt-BR" dirty="0" err="1" smtClean="0"/>
+                  <a:t>perceptron</a:t>
+                </a:r>
+                <a:r>
+                  <a:rPr lang="pt-BR" dirty="0" smtClean="0"/>
+                  <a:t>.</a:t>
+                </a:r>
                 <a:endParaRPr lang="pt-BR" dirty="0"/>
               </a:p>
               <a:p>
@@ -8150,8 +8336,35 @@
                       </a:rPr>
                       <m:t>)</m:t>
                     </m:r>
+                    <m:r>
+                      <a:rPr lang="pt-BR" i="1" smtClean="0">
+                        <a:latin typeface="Cambria Math" panose="02040503050406030204" pitchFamily="18" charset="0"/>
+                        <a:ea typeface="Cambria Math" panose="02040503050406030204" pitchFamily="18" charset="0"/>
+                      </a:rPr>
+                      <m:t>→</m:t>
+                    </m:r>
                   </m:oMath>
                 </a14:m>
+                <a:r>
+                  <a:rPr lang="en-US" dirty="0" smtClean="0"/>
+                  <a:t> </a:t>
+                </a:r>
+                <a:r>
+                  <a:rPr lang="pt-BR" dirty="0" smtClean="0"/>
+                  <a:t>saídado </a:t>
+                </a:r>
+                <a:r>
+                  <a:rPr lang="pt-BR" dirty="0"/>
+                  <a:t>primeiro </a:t>
+                </a:r>
+                <a:r>
+                  <a:rPr lang="pt-BR" dirty="0" err="1" smtClean="0"/>
+                  <a:t>perceptron</a:t>
+                </a:r>
+                <a:r>
+                  <a:rPr lang="pt-BR" dirty="0" smtClean="0"/>
+                  <a:t>.</a:t>
+                </a:r>
                 <a:endParaRPr lang="en-US" dirty="0"/>
               </a:p>
               <a:p>
@@ -8241,6 +8454,39 @@
                     </m:sSub>
                   </m:oMath>
                 </a14:m>
+                <a:r>
+                  <a:rPr lang="pt-BR" dirty="0">
+                    <a:ea typeface="Cambria Math" panose="02040503050406030204" pitchFamily="18" charset="0"/>
+                  </a:rPr>
+                  <a:t> </a:t>
+                </a:r>
+                <a14:m>
+                  <m:oMath xmlns:m="http://schemas.openxmlformats.org/officeDocument/2006/math">
+                    <m:r>
+                      <a:rPr lang="pt-BR" i="1">
+                        <a:latin typeface="Cambria Math" panose="02040503050406030204" pitchFamily="18" charset="0"/>
+                        <a:ea typeface="Cambria Math" panose="02040503050406030204" pitchFamily="18" charset="0"/>
+                      </a:rPr>
+                      <m:t>→</m:t>
+                    </m:r>
+                  </m:oMath>
+                </a14:m>
+                <a:r>
+                  <a:rPr lang="pt-BR" dirty="0"/>
+                  <a:t> entrada do </a:t>
+                </a:r>
+                <a:r>
+                  <a:rPr lang="pt-BR" dirty="0" smtClean="0"/>
+                  <a:t>segundo </a:t>
+                </a:r>
+                <a:r>
+                  <a:rPr lang="pt-BR" dirty="0" err="1" smtClean="0"/>
+                  <a:t>perceptron</a:t>
+                </a:r>
+                <a:r>
+                  <a:rPr lang="pt-BR" dirty="0" smtClean="0"/>
+                  <a:t>.</a:t>
+                </a:r>
                 <a:endParaRPr lang="pt-BR" dirty="0"/>
               </a:p>
               <a:p>
@@ -9533,7 +9779,7 @@
               <p:cNvPr id="3" name="Espaço Reservado para Conteúdo 2">
                 <a:extLst>
                   <a:ext uri="{FF2B5EF4-FFF2-40B4-BE49-F238E27FC236}">
-                    <a16:creationId xmlns:a16="http://schemas.microsoft.com/office/drawing/2014/main" id="{68DBA540-3B58-4BC7-B375-23ABBBC057D3}"/>
+                    <a16:creationId xmlns:a16="http://schemas.microsoft.com/office/drawing/2014/main" xmlns:a14="http://schemas.microsoft.com/office/drawing/2010/main" xmlns="" id="{68DBA540-3B58-4BC7-B375-23ABBBC057D3}"/>
                   </a:ext>
                 </a:extLst>
               </p:cNvPr>
@@ -9549,10 +9795,10 @@
                 <a:off x="838199" y="1898618"/>
                 <a:ext cx="11199725" cy="4959382"/>
               </a:xfrm>
-              <a:blipFill>
+              <a:blipFill rotWithShape="0">
                 <a:blip r:embed="rId2"/>
                 <a:stretch>
-                  <a:fillRect l="-653" t="-2457" b="-123"/>
+                  <a:fillRect l="-653" t="-2457"/>
                 </a:stretch>
               </a:blipFill>
             </p:spPr>
@@ -9561,7 +9807,7 @@
               <a:lstStyle/>
               <a:p>
                 <a:r>
-                  <a:rPr lang="en-US">
+                  <a:rPr lang="pt-BR">
                     <a:noFill/>
                   </a:rPr>
                   <a:t> </a:t>
@@ -9576,7 +9822,7 @@
           <p:cNvPr id="4" name="Agrupar 3">
             <a:extLst>
               <a:ext uri="{FF2B5EF4-FFF2-40B4-BE49-F238E27FC236}">
-                <a16:creationId xmlns:a16="http://schemas.microsoft.com/office/drawing/2014/main" id="{DDA32F11-9374-4C54-ABCD-0438654B8E82}"/>
+                <a16:creationId xmlns:a16="http://schemas.microsoft.com/office/drawing/2014/main" xmlns="" id="{DDA32F11-9374-4C54-ABCD-0438654B8E82}"/>
               </a:ext>
             </a:extLst>
           </p:cNvPr>
@@ -9596,7 +9842,7 @@
             <p:cNvPr id="5" name="Elipse 4">
               <a:extLst>
                 <a:ext uri="{FF2B5EF4-FFF2-40B4-BE49-F238E27FC236}">
-                  <a16:creationId xmlns:a16="http://schemas.microsoft.com/office/drawing/2014/main" id="{F8EDC3E8-17CE-4493-9271-98A945347FBE}"/>
+                  <a16:creationId xmlns:a16="http://schemas.microsoft.com/office/drawing/2014/main" xmlns="" id="{F8EDC3E8-17CE-4493-9271-98A945347FBE}"/>
                 </a:ext>
               </a:extLst>
             </p:cNvPr>
@@ -9649,7 +9895,7 @@
             <p:cNvPr id="6" name="Elipse 5">
               <a:extLst>
                 <a:ext uri="{FF2B5EF4-FFF2-40B4-BE49-F238E27FC236}">
-                  <a16:creationId xmlns:a16="http://schemas.microsoft.com/office/drawing/2014/main" id="{36E0141A-9275-43DA-B6B6-60E88BED5AD5}"/>
+                  <a16:creationId xmlns:a16="http://schemas.microsoft.com/office/drawing/2014/main" xmlns="" id="{36E0141A-9275-43DA-B6B6-60E88BED5AD5}"/>
                 </a:ext>
               </a:extLst>
             </p:cNvPr>
@@ -9702,7 +9948,7 @@
             <p:cNvPr id="7" name="Conector de seta reta 10">
               <a:extLst>
                 <a:ext uri="{FF2B5EF4-FFF2-40B4-BE49-F238E27FC236}">
-                  <a16:creationId xmlns:a16="http://schemas.microsoft.com/office/drawing/2014/main" id="{04E870F7-1DE5-4241-8990-14C74A492B08}"/>
+                  <a16:creationId xmlns:a16="http://schemas.microsoft.com/office/drawing/2014/main" xmlns="" id="{04E870F7-1DE5-4241-8990-14C74A492B08}"/>
                 </a:ext>
               </a:extLst>
             </p:cNvPr>
@@ -9746,7 +9992,7 @@
             <p:cNvPr id="8" name="Retângulo 7">
               <a:extLst>
                 <a:ext uri="{FF2B5EF4-FFF2-40B4-BE49-F238E27FC236}">
-                  <a16:creationId xmlns:a16="http://schemas.microsoft.com/office/drawing/2014/main" id="{BE31B3DC-1229-48D6-9A56-590F8FAD4CE1}"/>
+                  <a16:creationId xmlns:a16="http://schemas.microsoft.com/office/drawing/2014/main" xmlns="" id="{BE31B3DC-1229-48D6-9A56-590F8FAD4CE1}"/>
                 </a:ext>
               </a:extLst>
             </p:cNvPr>
@@ -9800,7 +10046,7 @@
             <p:cNvPr id="9" name="Conector de seta reta 15">
               <a:extLst>
                 <a:ext uri="{FF2B5EF4-FFF2-40B4-BE49-F238E27FC236}">
-                  <a16:creationId xmlns:a16="http://schemas.microsoft.com/office/drawing/2014/main" id="{2FD2427F-A5C3-4856-8D64-557FA8713A40}"/>
+                  <a16:creationId xmlns:a16="http://schemas.microsoft.com/office/drawing/2014/main" xmlns="" id="{2FD2427F-A5C3-4856-8D64-557FA8713A40}"/>
                 </a:ext>
               </a:extLst>
             </p:cNvPr>
@@ -9840,14 +10086,14 @@
             </a:fontRef>
           </p:style>
         </p:cxnSp>
-        <mc:AlternateContent xmlns:mc="http://schemas.openxmlformats.org/markup-compatibility/2006">
-          <mc:Choice xmlns:a14="http://schemas.microsoft.com/office/drawing/2010/main" Requires="a14">
+        <mc:AlternateContent xmlns:mc="http://schemas.openxmlformats.org/markup-compatibility/2006" xmlns:a14="http://schemas.microsoft.com/office/drawing/2010/main">
+          <mc:Choice Requires="a14">
             <p:sp>
               <p:nvSpPr>
                 <p:cNvPr id="10" name="CaixaDeTexto 9">
                   <a:extLst>
                     <a:ext uri="{FF2B5EF4-FFF2-40B4-BE49-F238E27FC236}">
-                      <a16:creationId xmlns:a16="http://schemas.microsoft.com/office/drawing/2014/main" id="{3463534E-1D58-4D6C-9ED5-2C2E4AA6B3A0}"/>
+                      <a16:creationId xmlns:a16="http://schemas.microsoft.com/office/drawing/2014/main" xmlns="" id="{3463534E-1D58-4D6C-9ED5-2C2E4AA6B3A0}"/>
                     </a:ext>
                   </a:extLst>
                 </p:cNvPr>
@@ -9891,7 +10137,7 @@
               </p:txBody>
             </p:sp>
           </mc:Choice>
-          <mc:Fallback>
+          <mc:Fallback xmlns="">
             <p:sp>
               <p:nvSpPr>
                 <p:cNvPr id="10" name="CaixaDeTexto 9">
@@ -9936,14 +10182,14 @@
             </p:sp>
           </mc:Fallback>
         </mc:AlternateContent>
-        <mc:AlternateContent xmlns:mc="http://schemas.openxmlformats.org/markup-compatibility/2006">
-          <mc:Choice xmlns:a14="http://schemas.microsoft.com/office/drawing/2010/main" Requires="a14">
+        <mc:AlternateContent xmlns:mc="http://schemas.openxmlformats.org/markup-compatibility/2006" xmlns:a14="http://schemas.microsoft.com/office/drawing/2010/main">
+          <mc:Choice Requires="a14">
             <p:sp>
               <p:nvSpPr>
                 <p:cNvPr id="11" name="CaixaDeTexto 10">
                   <a:extLst>
                     <a:ext uri="{FF2B5EF4-FFF2-40B4-BE49-F238E27FC236}">
-                      <a16:creationId xmlns:a16="http://schemas.microsoft.com/office/drawing/2014/main" id="{76F6A577-C410-4C4B-A220-E160EE1322EC}"/>
+                      <a16:creationId xmlns:a16="http://schemas.microsoft.com/office/drawing/2014/main" xmlns="" id="{76F6A577-C410-4C4B-A220-E160EE1322EC}"/>
                     </a:ext>
                   </a:extLst>
                 </p:cNvPr>
@@ -10006,7 +10252,7 @@
               </p:txBody>
             </p:sp>
           </mc:Choice>
-          <mc:Fallback>
+          <mc:Fallback xmlns="">
             <p:sp>
               <p:nvSpPr>
                 <p:cNvPr id="11" name="CaixaDeTexto 10">
@@ -10051,14 +10297,14 @@
             </p:sp>
           </mc:Fallback>
         </mc:AlternateContent>
-        <mc:AlternateContent xmlns:mc="http://schemas.openxmlformats.org/markup-compatibility/2006">
-          <mc:Choice xmlns:a14="http://schemas.microsoft.com/office/drawing/2010/main" Requires="a14">
+        <mc:AlternateContent xmlns:mc="http://schemas.openxmlformats.org/markup-compatibility/2006" xmlns:a14="http://schemas.microsoft.com/office/drawing/2010/main">
+          <mc:Choice Requires="a14">
             <p:sp>
               <p:nvSpPr>
                 <p:cNvPr id="12" name="CaixaDeTexto 11">
                   <a:extLst>
                     <a:ext uri="{FF2B5EF4-FFF2-40B4-BE49-F238E27FC236}">
-                      <a16:creationId xmlns:a16="http://schemas.microsoft.com/office/drawing/2014/main" id="{9046B972-AB0D-42CF-8F0B-04E856201DD0}"/>
+                      <a16:creationId xmlns:a16="http://schemas.microsoft.com/office/drawing/2014/main" xmlns="" id="{9046B972-AB0D-42CF-8F0B-04E856201DD0}"/>
                     </a:ext>
                   </a:extLst>
                 </p:cNvPr>
@@ -10114,7 +10360,7 @@
               </p:txBody>
             </p:sp>
           </mc:Choice>
-          <mc:Fallback>
+          <mc:Fallback xmlns="">
             <p:sp>
               <p:nvSpPr>
                 <p:cNvPr id="12" name="CaixaDeTexto 11">
@@ -10164,7 +10410,7 @@
             <p:cNvPr id="13" name="Conector de seta reta 15">
               <a:extLst>
                 <a:ext uri="{FF2B5EF4-FFF2-40B4-BE49-F238E27FC236}">
-                  <a16:creationId xmlns:a16="http://schemas.microsoft.com/office/drawing/2014/main" id="{E1B54AD2-596A-4DDC-8D0D-A2CD4C086E1F}"/>
+                  <a16:creationId xmlns:a16="http://schemas.microsoft.com/office/drawing/2014/main" xmlns="" id="{E1B54AD2-596A-4DDC-8D0D-A2CD4C086E1F}"/>
                 </a:ext>
               </a:extLst>
             </p:cNvPr>
@@ -10201,14 +10447,14 @@
             </a:fontRef>
           </p:style>
         </p:cxnSp>
-        <mc:AlternateContent xmlns:mc="http://schemas.openxmlformats.org/markup-compatibility/2006">
-          <mc:Choice xmlns:a14="http://schemas.microsoft.com/office/drawing/2010/main" Requires="a14">
+        <mc:AlternateContent xmlns:mc="http://schemas.openxmlformats.org/markup-compatibility/2006" xmlns:a14="http://schemas.microsoft.com/office/drawing/2010/main">
+          <mc:Choice Requires="a14">
             <p:sp>
               <p:nvSpPr>
                 <p:cNvPr id="14" name="CaixaDeTexto 13">
                   <a:extLst>
                     <a:ext uri="{FF2B5EF4-FFF2-40B4-BE49-F238E27FC236}">
-                      <a16:creationId xmlns:a16="http://schemas.microsoft.com/office/drawing/2014/main" id="{74120AF5-A30A-40B3-AD02-AA0A766B82AD}"/>
+                      <a16:creationId xmlns:a16="http://schemas.microsoft.com/office/drawing/2014/main" xmlns="" id="{74120AF5-A30A-40B3-AD02-AA0A766B82AD}"/>
                     </a:ext>
                   </a:extLst>
                 </p:cNvPr>
@@ -10271,7 +10517,7 @@
               </p:txBody>
             </p:sp>
           </mc:Choice>
-          <mc:Fallback>
+          <mc:Fallback xmlns="">
             <p:sp>
               <p:nvSpPr>
                 <p:cNvPr id="14" name="CaixaDeTexto 13">
@@ -10322,7 +10568,7 @@
           <p:cNvPr id="15" name="Elipse 14">
             <a:extLst>
               <a:ext uri="{FF2B5EF4-FFF2-40B4-BE49-F238E27FC236}">
-                <a16:creationId xmlns:a16="http://schemas.microsoft.com/office/drawing/2014/main" id="{E4EBB7CB-9B70-401A-B744-8CD1F89E3BB9}"/>
+                <a16:creationId xmlns:a16="http://schemas.microsoft.com/office/drawing/2014/main" xmlns="" id="{E4EBB7CB-9B70-401A-B744-8CD1F89E3BB9}"/>
               </a:ext>
             </a:extLst>
           </p:cNvPr>
@@ -10331,7 +10577,7 @@
         </p:nvSpPr>
         <p:spPr>
           <a:xfrm>
-            <a:off x="7857812" y="4551742"/>
+            <a:off x="7857812" y="4423926"/>
             <a:ext cx="504000" cy="864000"/>
           </a:xfrm>
           <a:prstGeom prst="ellipse">
@@ -10374,7 +10620,7 @@
           <p:cNvPr id="18" name="CaixaDeTexto 17">
             <a:extLst>
               <a:ext uri="{FF2B5EF4-FFF2-40B4-BE49-F238E27FC236}">
-                <a16:creationId xmlns:a16="http://schemas.microsoft.com/office/drawing/2014/main" id="{0DE351C4-0752-4411-9A3E-0EEE16B7BAF9}"/>
+                <a16:creationId xmlns:a16="http://schemas.microsoft.com/office/drawing/2014/main" xmlns="" id="{0DE351C4-0752-4411-9A3E-0EEE16B7BAF9}"/>
               </a:ext>
             </a:extLst>
           </p:cNvPr>
@@ -10383,8 +10629,8 @@
         </p:nvSpPr>
         <p:spPr>
           <a:xfrm>
-            <a:off x="9676410" y="5043685"/>
-            <a:ext cx="1567544" cy="523220"/>
+            <a:off x="9676410" y="4896203"/>
+            <a:ext cx="1677390" cy="523220"/>
           </a:xfrm>
           <a:prstGeom prst="rect">
             <a:avLst/>
@@ -10415,8 +10661,12 @@
               <a:t> de </a:t>
             </a:r>
             <a:r>
-              <a:rPr lang="en-US" sz="1400" dirty="0" err="1"/>
+              <a:rPr lang="en-US" sz="1400" dirty="0" err="1" smtClean="0"/>
               <a:t>ativação</a:t>
+            </a:r>
+            <a:r>
+              <a:rPr lang="en-US" sz="1400" dirty="0" smtClean="0"/>
+              <a:t>.</a:t>
             </a:r>
             <a:endParaRPr lang="en-US" sz="1400" dirty="0"/>
           </a:p>
@@ -10427,20 +10677,19 @@
           <p:cNvPr id="20" name="Conector de Seta Reta 19">
             <a:extLst>
               <a:ext uri="{FF2B5EF4-FFF2-40B4-BE49-F238E27FC236}">
-                <a16:creationId xmlns:a16="http://schemas.microsoft.com/office/drawing/2014/main" id="{938A7AF6-E11B-41A9-AA12-497491ADD98E}"/>
+                <a16:creationId xmlns:a16="http://schemas.microsoft.com/office/drawing/2014/main" xmlns="" id="{938A7AF6-E11B-41A9-AA12-497491ADD98E}"/>
               </a:ext>
             </a:extLst>
           </p:cNvPr>
           <p:cNvCxnSpPr>
             <a:cxnSpLocks/>
-            <a:endCxn id="18" idx="1"/>
           </p:cNvCxnSpPr>
           <p:nvPr/>
         </p:nvCxnSpPr>
         <p:spPr>
           <a:xfrm flipV="1">
-            <a:off x="7555743" y="5305295"/>
-            <a:ext cx="2120667" cy="213498"/>
+            <a:off x="7600335" y="5164529"/>
+            <a:ext cx="2076075" cy="230854"/>
           </a:xfrm>
           <a:prstGeom prst="straightConnector1">
             <a:avLst/>
@@ -10469,7 +10718,7 @@
           <p:cNvPr id="22" name="Conector de Seta Reta 21">
             <a:extLst>
               <a:ext uri="{FF2B5EF4-FFF2-40B4-BE49-F238E27FC236}">
-                <a16:creationId xmlns:a16="http://schemas.microsoft.com/office/drawing/2014/main" id="{E10310FC-5CF6-4BC7-A656-570DA30A65D9}"/>
+                <a16:creationId xmlns:a16="http://schemas.microsoft.com/office/drawing/2014/main" xmlns="" id="{E10310FC-5CF6-4BC7-A656-570DA30A65D9}"/>
               </a:ext>
             </a:extLst>
           </p:cNvPr>
@@ -10481,7 +10730,7 @@
         </p:nvCxnSpPr>
         <p:spPr>
           <a:xfrm>
-            <a:off x="8109812" y="4551742"/>
+            <a:off x="8109812" y="4423926"/>
             <a:ext cx="1566598" cy="593455"/>
           </a:xfrm>
           <a:prstGeom prst="straightConnector1">
@@ -10511,7 +10760,7 @@
           <p:cNvPr id="24" name="Conector de Seta Reta 23">
             <a:extLst>
               <a:ext uri="{FF2B5EF4-FFF2-40B4-BE49-F238E27FC236}">
-                <a16:creationId xmlns:a16="http://schemas.microsoft.com/office/drawing/2014/main" id="{3FE3BC92-DCED-4F47-B961-CD529C513E92}"/>
+                <a16:creationId xmlns:a16="http://schemas.microsoft.com/office/drawing/2014/main" xmlns="" id="{3FE3BC92-DCED-4F47-B961-CD529C513E92}"/>
               </a:ext>
             </a:extLst>
           </p:cNvPr>
@@ -10522,8 +10771,8 @@
         </p:nvCxnSpPr>
         <p:spPr>
           <a:xfrm flipV="1">
-            <a:off x="8757298" y="5486146"/>
-            <a:ext cx="860545" cy="136833"/>
+            <a:off x="8745834" y="5301437"/>
+            <a:ext cx="930576" cy="147700"/>
           </a:xfrm>
           <a:prstGeom prst="straightConnector1">
             <a:avLst/>
@@ -10552,7 +10801,7 @@
           <p:cNvPr id="26" name="Imagem 25">
             <a:extLst>
               <a:ext uri="{FF2B5EF4-FFF2-40B4-BE49-F238E27FC236}">
-                <a16:creationId xmlns:a16="http://schemas.microsoft.com/office/drawing/2014/main" id="{63AECB77-C03B-47D6-9FCF-1CB34C247480}"/>
+                <a16:creationId xmlns:a16="http://schemas.microsoft.com/office/drawing/2014/main" xmlns="" id="{63AECB77-C03B-47D6-9FCF-1CB34C247480}"/>
               </a:ext>
             </a:extLst>
           </p:cNvPr>
@@ -10569,7 +10818,7 @@
         </p:blipFill>
         <p:spPr>
           <a:xfrm>
-            <a:off x="9046004" y="2425237"/>
+            <a:off x="9046004" y="2277755"/>
             <a:ext cx="2787860" cy="2090896"/>
           </a:xfrm>
           <a:prstGeom prst="rect">
@@ -10582,7 +10831,7 @@
           <p:cNvPr id="27" name="Seta: para Baixo 26">
             <a:extLst>
               <a:ext uri="{FF2B5EF4-FFF2-40B4-BE49-F238E27FC236}">
-                <a16:creationId xmlns:a16="http://schemas.microsoft.com/office/drawing/2014/main" id="{F17E8019-DA59-4DA6-AC72-A647F45BB806}"/>
+                <a16:creationId xmlns:a16="http://schemas.microsoft.com/office/drawing/2014/main" xmlns="" id="{F17E8019-DA59-4DA6-AC72-A647F45BB806}"/>
               </a:ext>
             </a:extLst>
           </p:cNvPr>
@@ -10591,7 +10840,7 @@
         </p:nvSpPr>
         <p:spPr>
           <a:xfrm rot="10800000">
-            <a:off x="10274136" y="4547817"/>
+            <a:off x="10274136" y="4400335"/>
             <a:ext cx="331596" cy="432499"/>
           </a:xfrm>
           <a:prstGeom prst="downArrow">
@@ -10628,7 +10877,7 @@
           <p:cNvPr id="41" name="Elipse 40">
             <a:extLst>
               <a:ext uri="{FF2B5EF4-FFF2-40B4-BE49-F238E27FC236}">
-                <a16:creationId xmlns:a16="http://schemas.microsoft.com/office/drawing/2014/main" id="{921DA05B-3836-445F-BC79-728E549B3546}"/>
+                <a16:creationId xmlns:a16="http://schemas.microsoft.com/office/drawing/2014/main" xmlns="" id="{921DA05B-3836-445F-BC79-728E549B3546}"/>
               </a:ext>
             </a:extLst>
           </p:cNvPr>
@@ -10637,7 +10886,7 @@
         </p:nvSpPr>
         <p:spPr>
           <a:xfrm>
-            <a:off x="7344445" y="5533031"/>
+            <a:off x="7344445" y="5395383"/>
             <a:ext cx="504000" cy="864000"/>
           </a:xfrm>
           <a:prstGeom prst="ellipse">
@@ -10680,7 +10929,7 @@
           <p:cNvPr id="42" name="Elipse 41">
             <a:extLst>
               <a:ext uri="{FF2B5EF4-FFF2-40B4-BE49-F238E27FC236}">
-                <a16:creationId xmlns:a16="http://schemas.microsoft.com/office/drawing/2014/main" id="{B941F51B-31BC-4A18-8D32-EC0300AE86DD}"/>
+                <a16:creationId xmlns:a16="http://schemas.microsoft.com/office/drawing/2014/main" xmlns="" id="{B941F51B-31BC-4A18-8D32-EC0300AE86DD}"/>
               </a:ext>
             </a:extLst>
           </p:cNvPr>
@@ -10689,7 +10938,7 @@
         </p:nvSpPr>
         <p:spPr>
           <a:xfrm>
-            <a:off x="8334793" y="5512935"/>
+            <a:off x="8334793" y="5375287"/>
             <a:ext cx="504000" cy="864000"/>
           </a:xfrm>
           <a:prstGeom prst="ellipse">
@@ -11677,17 +11926,46 @@
             </a:r>
             <a:r>
               <a:rPr lang="pt-BR" b="1" i="1" dirty="0"/>
-              <a:t>problema da dissipação do gradiente </a:t>
+              <a:t>problema da dissipação do </a:t>
+            </a:r>
+            <a:r>
+              <a:rPr lang="pt-BR" b="1" i="1" dirty="0" smtClean="0"/>
+              <a:t>gradiente</a:t>
+            </a:r>
+            <a:r>
+              <a:rPr lang="pt-BR" dirty="0" smtClean="0"/>
+              <a:t>,</a:t>
+            </a:r>
+            <a:r>
+              <a:rPr lang="pt-BR" b="1" i="1" dirty="0" smtClean="0"/>
+              <a:t> </a:t>
             </a:r>
             <a:r>
               <a:rPr lang="pt-BR" dirty="0"/>
-              <a:t>pois seu gradiente é igual a 0 ou 1. Mesmo se multiplicarmos vários gradientes de várias camadas, não haverá diminuição do seu valor.</a:t>
-            </a:r>
-          </a:p>
-          <a:p>
+              <a:t>pois seu gradiente é igual a 0 ou 1. </a:t>
+            </a:r>
             <a:r>
               <a:rPr lang="pt-BR" dirty="0"/>
-              <a:t>Outras funções de ativação são:</a:t>
+              <a:t>O produto da derivada da função de ativação de </a:t>
+            </a:r>
+            <a:r>
+              <a:rPr lang="pt-BR" dirty="0" smtClean="0"/>
+              <a:t>várias </a:t>
+            </a:r>
+            <a:r>
+              <a:rPr lang="pt-BR" dirty="0"/>
+              <a:t>camadas sempre será igual a 1 ou 0.</a:t>
+            </a:r>
+            <a:endParaRPr lang="pt-BR" dirty="0" smtClean="0"/>
+          </a:p>
+          <a:p>
+            <a:r>
+              <a:rPr lang="pt-BR" dirty="0" smtClean="0"/>
+              <a:t>Outras </a:t>
+            </a:r>
+            <a:r>
+              <a:rPr lang="pt-BR" dirty="0"/>
+              <a:t>funções de ativação são:</a:t>
             </a:r>
           </a:p>
           <a:p>
@@ -14350,7 +14628,7 @@
           <p:cNvPr id="4" name="Título 1">
             <a:extLst>
               <a:ext uri="{FF2B5EF4-FFF2-40B4-BE49-F238E27FC236}">
-                <a16:creationId xmlns:a16="http://schemas.microsoft.com/office/drawing/2014/main" id="{32666AC8-2E17-4DB4-B0F5-60C640CCFD2E}"/>
+                <a16:creationId xmlns:a16="http://schemas.microsoft.com/office/drawing/2014/main" xmlns="" id="{32666AC8-2E17-4DB4-B0F5-60C640CCFD2E}"/>
               </a:ext>
             </a:extLst>
           </p:cNvPr>
@@ -14709,7 +14987,7 @@
           <p:cNvPr id="4" name="Título 1">
             <a:extLst>
               <a:ext uri="{FF2B5EF4-FFF2-40B4-BE49-F238E27FC236}">
-                <a16:creationId xmlns:a16="http://schemas.microsoft.com/office/drawing/2014/main" id="{32666AC8-2E17-4DB4-B0F5-60C640CCFD2E}"/>
+                <a16:creationId xmlns:a16="http://schemas.microsoft.com/office/drawing/2014/main" xmlns="" id="{32666AC8-2E17-4DB4-B0F5-60C640CCFD2E}"/>
               </a:ext>
             </a:extLst>
           </p:cNvPr>
@@ -19320,7 +19598,7 @@
           <p:cNvPr id="4" name="CaixaDeTexto 3">
             <a:extLst>
               <a:ext uri="{FF2B5EF4-FFF2-40B4-BE49-F238E27FC236}">
-                <a16:creationId xmlns:a16="http://schemas.microsoft.com/office/drawing/2014/main" id="{BEC904AB-A007-4518-B54C-E95ABDC63626}"/>
+                <a16:creationId xmlns:a16="http://schemas.microsoft.com/office/drawing/2014/main" xmlns="" id="{BEC904AB-A007-4518-B54C-E95ABDC63626}"/>
               </a:ext>
             </a:extLst>
           </p:cNvPr>
@@ -19357,7 +19635,7 @@
           <p:cNvPr id="9" name="CaixaDeTexto 8">
             <a:extLst>
               <a:ext uri="{FF2B5EF4-FFF2-40B4-BE49-F238E27FC236}">
-                <a16:creationId xmlns:a16="http://schemas.microsoft.com/office/drawing/2014/main" id="{4CCEF927-B8CC-4C90-A772-24E6A0CFD474}"/>
+                <a16:creationId xmlns:a16="http://schemas.microsoft.com/office/drawing/2014/main" xmlns="" id="{4CCEF927-B8CC-4C90-A772-24E6A0CFD474}"/>
               </a:ext>
             </a:extLst>
           </p:cNvPr>
@@ -19393,7 +19671,7 @@
           <p:cNvPr id="6" name="Conector de Seta Reta 5">
             <a:extLst>
               <a:ext uri="{FF2B5EF4-FFF2-40B4-BE49-F238E27FC236}">
-                <a16:creationId xmlns:a16="http://schemas.microsoft.com/office/drawing/2014/main" id="{022BDF03-3B8A-4862-8739-B578666F19DF}"/>
+                <a16:creationId xmlns:a16="http://schemas.microsoft.com/office/drawing/2014/main" xmlns="" id="{022BDF03-3B8A-4862-8739-B578666F19DF}"/>
               </a:ext>
             </a:extLst>
           </p:cNvPr>
@@ -19437,7 +19715,7 @@
           <p:cNvPr id="17" name="Conector de Seta Reta 16">
             <a:extLst>
               <a:ext uri="{FF2B5EF4-FFF2-40B4-BE49-F238E27FC236}">
-                <a16:creationId xmlns:a16="http://schemas.microsoft.com/office/drawing/2014/main" id="{073FE868-325A-4FF4-BD4C-B8FFB02A80A3}"/>
+                <a16:creationId xmlns:a16="http://schemas.microsoft.com/office/drawing/2014/main" xmlns="" id="{073FE868-325A-4FF4-BD4C-B8FFB02A80A3}"/>
               </a:ext>
             </a:extLst>
           </p:cNvPr>
@@ -20501,7 +20779,7 @@
           <p:cNvPr id="11" name="CaixaDeTexto 10">
             <a:extLst>
               <a:ext uri="{FF2B5EF4-FFF2-40B4-BE49-F238E27FC236}">
-                <a16:creationId xmlns:a16="http://schemas.microsoft.com/office/drawing/2014/main" id="{CCFCC359-B4F8-41A1-B341-4ABBACDCE636}"/>
+                <a16:creationId xmlns:a16="http://schemas.microsoft.com/office/drawing/2014/main" xmlns="" id="{CCFCC359-B4F8-41A1-B341-4ABBACDCE636}"/>
               </a:ext>
             </a:extLst>
           </p:cNvPr>
@@ -20538,7 +20816,7 @@
           <p:cNvPr id="12" name="CaixaDeTexto 11">
             <a:extLst>
               <a:ext uri="{FF2B5EF4-FFF2-40B4-BE49-F238E27FC236}">
-                <a16:creationId xmlns:a16="http://schemas.microsoft.com/office/drawing/2014/main" id="{2D15771D-561A-4851-BEE3-494320A67726}"/>
+                <a16:creationId xmlns:a16="http://schemas.microsoft.com/office/drawing/2014/main" xmlns="" id="{2D15771D-561A-4851-BEE3-494320A67726}"/>
               </a:ext>
             </a:extLst>
           </p:cNvPr>
@@ -20574,7 +20852,7 @@
           <p:cNvPr id="14" name="Conector de Seta Reta 13">
             <a:extLst>
               <a:ext uri="{FF2B5EF4-FFF2-40B4-BE49-F238E27FC236}">
-                <a16:creationId xmlns:a16="http://schemas.microsoft.com/office/drawing/2014/main" id="{5C617E03-F638-4320-8FDA-A6A62315797C}"/>
+                <a16:creationId xmlns:a16="http://schemas.microsoft.com/office/drawing/2014/main" xmlns="" id="{5C617E03-F638-4320-8FDA-A6A62315797C}"/>
               </a:ext>
             </a:extLst>
           </p:cNvPr>
@@ -20618,7 +20896,7 @@
           <p:cNvPr id="16" name="Conector de Seta Reta 15">
             <a:extLst>
               <a:ext uri="{FF2B5EF4-FFF2-40B4-BE49-F238E27FC236}">
-                <a16:creationId xmlns:a16="http://schemas.microsoft.com/office/drawing/2014/main" id="{9F0A5C87-8500-4308-83F7-0C62ED06739C}"/>
+                <a16:creationId xmlns:a16="http://schemas.microsoft.com/office/drawing/2014/main" xmlns="" id="{9F0A5C87-8500-4308-83F7-0C62ED06739C}"/>
               </a:ext>
             </a:extLst>
           </p:cNvPr>

--- a/slides/T320_Redes_Neurais_Artificiais (Parte II).pptx
+++ b/slides/T320_Redes_Neurais_Artificiais (Parte II).pptx
@@ -259,7 +259,7 @@
           <a:p>
             <a:fld id="{C3C82C08-3EFC-4473-8294-F0E229C19EFF}" type="datetimeFigureOut">
               <a:rPr lang="pt-BR" smtClean="0"/>
-              <a:t>06/05/2022</a:t>
+              <a:t>12/05/2022</a:t>
             </a:fld>
             <a:endParaRPr lang="pt-BR"/>
           </a:p>
@@ -1587,18 +1587,6 @@
           </a:p>
           <a:p>
             <a:pPr fontAlgn="base"/>
-            <a:r>
-              <a:rPr lang="en-US" sz="1200" b="0" i="0" kern="1200" dirty="0">
-                <a:solidFill>
-                  <a:schemeClr val="tx1"/>
-                </a:solidFill>
-                <a:effectLst/>
-                <a:latin typeface="+mn-lt"/>
-                <a:ea typeface="+mn-ea"/>
-                <a:cs typeface="+mn-cs"/>
-              </a:rPr>
-              <a:t/>
-            </a:r>
             <a:br>
               <a:rPr lang="en-US" sz="1200" b="0" i="0" kern="1200" dirty="0">
                 <a:solidFill>
@@ -2147,6 +2135,20 @@
           <a:bodyPr/>
           <a:lstStyle/>
           <a:p>
+            <a:r>
+              <a:rPr lang="pt-BR" dirty="0"/>
+              <a:t>Sistemas dinâmicos são sistemas fora do equilíbrio, caracterizados por estados que mudam com o tempo. </a:t>
+            </a:r>
+          </a:p>
+          <a:p>
+            <a:r>
+              <a:rPr lang="en-US" dirty="0"/>
+              <a:t>Sistema </a:t>
+            </a:r>
+            <a:r>
+              <a:rPr lang="en-US" dirty="0" err="1"/>
+              <a:t>massa-mola</a:t>
+            </a:r>
             <a:endParaRPr lang="pt-BR" dirty="0"/>
           </a:p>
         </p:txBody>
@@ -2540,6 +2542,77 @@
             </a:r>
           </a:p>
           <a:p>
+            <a:pPr marL="0" marR="0" lvl="0" indent="0" algn="l" defTabSz="914400" rtl="0" eaLnBrk="1" fontAlgn="auto" latinLnBrk="0" hangingPunct="1">
+              <a:lnSpc>
+                <a:spcPct val="100000"/>
+              </a:lnSpc>
+              <a:spcBef>
+                <a:spcPts val="0"/>
+              </a:spcBef>
+              <a:spcAft>
+                <a:spcPts val="0"/>
+              </a:spcAft>
+              <a:buClrTx/>
+              <a:buSzTx/>
+              <a:buFontTx/>
+              <a:buNone/>
+              <a:tabLst/>
+              <a:defRPr/>
+            </a:pPr>
+            <a:endParaRPr lang="pt-BR" sz="1200" dirty="0"/>
+          </a:p>
+          <a:p>
+            <a:pPr marL="0" marR="0" lvl="0" indent="0" algn="l" defTabSz="914400" rtl="0" eaLnBrk="1" fontAlgn="auto" latinLnBrk="0" hangingPunct="1">
+              <a:lnSpc>
+                <a:spcPct val="100000"/>
+              </a:lnSpc>
+              <a:spcBef>
+                <a:spcPts val="0"/>
+              </a:spcBef>
+              <a:spcAft>
+                <a:spcPts val="0"/>
+              </a:spcAft>
+              <a:buClrTx/>
+              <a:buSzTx/>
+              <a:buFontTx/>
+              <a:buNone/>
+              <a:tabLst/>
+              <a:defRPr/>
+            </a:pPr>
+            <a:r>
+              <a:rPr lang="pt-BR" sz="1200" b="1" dirty="0"/>
+              <a:t>Laboratório #7: </a:t>
+            </a:r>
+            <a:r>
+              <a:rPr lang="pt-BR" dirty="0"/>
+              <a:t>https://colab.research.google.com/github/zz4fap/t320_aprendizado_de_maquina/blob/main/labs/</a:t>
+            </a:r>
+            <a:r>
+              <a:rPr lang="pt-BR" sz="1200" dirty="0"/>
+              <a:t>Laboratorio7.ipynb</a:t>
+            </a:r>
+          </a:p>
+          <a:p>
+            <a:pPr marL="0" marR="0" lvl="0" indent="0" algn="l" defTabSz="914400" rtl="0" eaLnBrk="1" fontAlgn="auto" latinLnBrk="0" hangingPunct="1">
+              <a:lnSpc>
+                <a:spcPct val="100000"/>
+              </a:lnSpc>
+              <a:spcBef>
+                <a:spcPts val="0"/>
+              </a:spcBef>
+              <a:spcAft>
+                <a:spcPts val="0"/>
+              </a:spcAft>
+              <a:buClrTx/>
+              <a:buSzTx/>
+              <a:buFontTx/>
+              <a:buNone/>
+              <a:tabLst/>
+              <a:defRPr/>
+            </a:pPr>
+            <a:endParaRPr lang="pt-BR" sz="1200" dirty="0"/>
+          </a:p>
+          <a:p>
             <a:endParaRPr lang="pt-BR" dirty="0"/>
           </a:p>
         </p:txBody>
@@ -2717,10 +2790,6 @@
               <a:rPr lang="pt-BR" baseline="0" dirty="0"/>
               <a:t> quando se usa a função degrau como função de limiar de decisão.</a:t>
             </a:r>
-            <a:r>
-              <a:rPr lang="pt-BR" dirty="0"/>
-              <a:t/>
-            </a:r>
             <a:br>
               <a:rPr lang="pt-BR" dirty="0"/>
             </a:br>
@@ -3492,40 +3561,36 @@
               <a:defRPr/>
             </a:pPr>
             <a:r>
-              <a:rPr lang="pt-BR" dirty="0" smtClean="0"/>
+              <a:rPr lang="pt-BR" dirty="0"/>
               <a:t>O </a:t>
             </a:r>
             <a:r>
-              <a:rPr lang="pt-BR" b="1" i="1" dirty="0" smtClean="0"/>
+              <a:rPr lang="pt-BR" b="1" i="1" dirty="0"/>
               <a:t>algoritmo de </a:t>
             </a:r>
             <a:r>
-              <a:rPr lang="pt-BR" b="1" i="1" dirty="0" err="1" smtClean="0"/>
+              <a:rPr lang="pt-BR" b="1" i="1" dirty="0" err="1"/>
               <a:t>retropropagação</a:t>
             </a:r>
             <a:r>
-              <a:rPr lang="pt-BR" b="1" i="1" dirty="0" smtClean="0"/>
+              <a:rPr lang="pt-BR" b="1" i="1" dirty="0"/>
               <a:t>  </a:t>
             </a:r>
             <a:r>
-              <a:rPr lang="pt-BR" dirty="0" smtClean="0"/>
+              <a:rPr lang="pt-BR" dirty="0"/>
               <a:t>propaga o erro da saída para as camadas anteriores através da regra da cadeia.</a:t>
             </a:r>
           </a:p>
           <a:p>
-            <a:endParaRPr lang="pt-BR" dirty="0" smtClean="0"/>
-          </a:p>
-          <a:p>
-            <a:endParaRPr lang="pt-BR" dirty="0" smtClean="0"/>
-          </a:p>
-          <a:p>
-            <a:r>
-              <a:rPr lang="pt-BR" dirty="0" smtClean="0"/>
-              <a:t>Referências</a:t>
-            </a:r>
+            <a:endParaRPr lang="pt-BR" dirty="0"/>
+          </a:p>
+          <a:p>
+            <a:endParaRPr lang="pt-BR" dirty="0"/>
+          </a:p>
+          <a:p>
             <a:r>
               <a:rPr lang="pt-BR" dirty="0"/>
-              <a:t>:</a:t>
+              <a:t>Referências:</a:t>
             </a:r>
           </a:p>
           <a:p>
@@ -3854,7 +3919,7 @@
           <a:p>
             <a:fld id="{221D0464-8C8A-49C0-859F-777E51766A35}" type="datetimeFigureOut">
               <a:rPr lang="pt-BR" smtClean="0"/>
-              <a:t>06/05/2022</a:t>
+              <a:t>12/05/2022</a:t>
             </a:fld>
             <a:endParaRPr lang="pt-BR"/>
           </a:p>
@@ -4024,7 +4089,7 @@
           <a:p>
             <a:fld id="{221D0464-8C8A-49C0-859F-777E51766A35}" type="datetimeFigureOut">
               <a:rPr lang="pt-BR" smtClean="0"/>
-              <a:t>06/05/2022</a:t>
+              <a:t>12/05/2022</a:t>
             </a:fld>
             <a:endParaRPr lang="pt-BR"/>
           </a:p>
@@ -4204,7 +4269,7 @@
           <a:p>
             <a:fld id="{221D0464-8C8A-49C0-859F-777E51766A35}" type="datetimeFigureOut">
               <a:rPr lang="pt-BR" smtClean="0"/>
-              <a:t>06/05/2022</a:t>
+              <a:t>12/05/2022</a:t>
             </a:fld>
             <a:endParaRPr lang="pt-BR"/>
           </a:p>
@@ -4374,7 +4439,7 @@
           <a:p>
             <a:fld id="{221D0464-8C8A-49C0-859F-777E51766A35}" type="datetimeFigureOut">
               <a:rPr lang="pt-BR" smtClean="0"/>
-              <a:t>06/05/2022</a:t>
+              <a:t>12/05/2022</a:t>
             </a:fld>
             <a:endParaRPr lang="pt-BR"/>
           </a:p>
@@ -4620,7 +4685,7 @@
           <a:p>
             <a:fld id="{221D0464-8C8A-49C0-859F-777E51766A35}" type="datetimeFigureOut">
               <a:rPr lang="pt-BR" smtClean="0"/>
-              <a:t>06/05/2022</a:t>
+              <a:t>12/05/2022</a:t>
             </a:fld>
             <a:endParaRPr lang="pt-BR"/>
           </a:p>
@@ -4852,7 +4917,7 @@
           <a:p>
             <a:fld id="{221D0464-8C8A-49C0-859F-777E51766A35}" type="datetimeFigureOut">
               <a:rPr lang="pt-BR" smtClean="0"/>
-              <a:t>06/05/2022</a:t>
+              <a:t>12/05/2022</a:t>
             </a:fld>
             <a:endParaRPr lang="pt-BR"/>
           </a:p>
@@ -5219,7 +5284,7 @@
           <a:p>
             <a:fld id="{221D0464-8C8A-49C0-859F-777E51766A35}" type="datetimeFigureOut">
               <a:rPr lang="pt-BR" smtClean="0"/>
-              <a:t>06/05/2022</a:t>
+              <a:t>12/05/2022</a:t>
             </a:fld>
             <a:endParaRPr lang="pt-BR"/>
           </a:p>
@@ -5337,7 +5402,7 @@
           <a:p>
             <a:fld id="{221D0464-8C8A-49C0-859F-777E51766A35}" type="datetimeFigureOut">
               <a:rPr lang="pt-BR" smtClean="0"/>
-              <a:t>06/05/2022</a:t>
+              <a:t>12/05/2022</a:t>
             </a:fld>
             <a:endParaRPr lang="pt-BR"/>
           </a:p>
@@ -5432,7 +5497,7 @@
           <a:p>
             <a:fld id="{221D0464-8C8A-49C0-859F-777E51766A35}" type="datetimeFigureOut">
               <a:rPr lang="pt-BR" smtClean="0"/>
-              <a:t>06/05/2022</a:t>
+              <a:t>12/05/2022</a:t>
             </a:fld>
             <a:endParaRPr lang="pt-BR"/>
           </a:p>
@@ -5709,7 +5774,7 @@
           <a:p>
             <a:fld id="{221D0464-8C8A-49C0-859F-777E51766A35}" type="datetimeFigureOut">
               <a:rPr lang="pt-BR" smtClean="0"/>
-              <a:t>06/05/2022</a:t>
+              <a:t>12/05/2022</a:t>
             </a:fld>
             <a:endParaRPr lang="pt-BR"/>
           </a:p>
@@ -5962,7 +6027,7 @@
           <a:p>
             <a:fld id="{221D0464-8C8A-49C0-859F-777E51766A35}" type="datetimeFigureOut">
               <a:rPr lang="pt-BR" smtClean="0"/>
-              <a:t>06/05/2022</a:t>
+              <a:t>12/05/2022</a:t>
             </a:fld>
             <a:endParaRPr lang="pt-BR"/>
           </a:p>
@@ -6175,7 +6240,7 @@
           <a:p>
             <a:fld id="{221D0464-8C8A-49C0-859F-777E51766A35}" type="datetimeFigureOut">
               <a:rPr lang="pt-BR" smtClean="0"/>
-              <a:t>06/05/2022</a:t>
+              <a:t>12/05/2022</a:t>
             </a:fld>
             <a:endParaRPr lang="pt-BR"/>
           </a:p>
@@ -6585,7 +6650,7 @@
           <p:cNvPr id="2" name="Título 1">
             <a:extLst>
               <a:ext uri="{FF2B5EF4-FFF2-40B4-BE49-F238E27FC236}">
-                <a16:creationId xmlns:a16="http://schemas.microsoft.com/office/drawing/2014/main" xmlns="" id="{32666AC8-2E17-4DB4-B0F5-60C640CCFD2E}"/>
+                <a16:creationId xmlns:a16="http://schemas.microsoft.com/office/drawing/2014/main" id="{32666AC8-2E17-4DB4-B0F5-60C640CCFD2E}"/>
               </a:ext>
             </a:extLst>
           </p:cNvPr>
@@ -6612,10 +6677,6 @@
               <a:rPr lang="pt-BR" sz="5400" dirty="0"/>
               <a:t>T320 - Introdução ao Aprendizado de Máquina II:</a:t>
             </a:r>
-            <a:r>
-              <a:rPr lang="pt-BR" dirty="0"/>
-              <a:t/>
-            </a:r>
             <a:br>
               <a:rPr lang="pt-BR" dirty="0"/>
             </a:br>
@@ -6631,7 +6692,7 @@
           <p:cNvPr id="4" name="CaixaDeTexto 3">
             <a:extLst>
               <a:ext uri="{FF2B5EF4-FFF2-40B4-BE49-F238E27FC236}">
-                <a16:creationId xmlns:a16="http://schemas.microsoft.com/office/drawing/2014/main" xmlns="" id="{430EB894-B7D4-434C-9D1A-A14094D9BEEC}"/>
+                <a16:creationId xmlns:a16="http://schemas.microsoft.com/office/drawing/2014/main" id="{430EB894-B7D4-434C-9D1A-A14094D9BEEC}"/>
               </a:ext>
             </a:extLst>
           </p:cNvPr>
@@ -6672,7 +6733,7 @@
           <p:cNvPr id="1026" name="Picture 2" descr="Logo">
             <a:extLst>
               <a:ext uri="{FF2B5EF4-FFF2-40B4-BE49-F238E27FC236}">
-                <a16:creationId xmlns:a16="http://schemas.microsoft.com/office/drawing/2014/main" xmlns="" id="{3F2642E0-4F6A-4196-8F58-E77D36E9A33F}"/>
+                <a16:creationId xmlns:a16="http://schemas.microsoft.com/office/drawing/2014/main" id="{3F2642E0-4F6A-4196-8F58-E77D36E9A33F}"/>
               </a:ext>
             </a:extLst>
           </p:cNvPr>
@@ -6717,7 +6778,7 @@
           <p:cNvPr id="5122" name="Picture 2" descr="Image result for machine learning">
             <a:extLst>
               <a:ext uri="{FF2B5EF4-FFF2-40B4-BE49-F238E27FC236}">
-                <a16:creationId xmlns:a16="http://schemas.microsoft.com/office/drawing/2014/main" xmlns="" id="{810CE0A2-4102-44A6-A370-175E7896CDCB}"/>
+                <a16:creationId xmlns:a16="http://schemas.microsoft.com/office/drawing/2014/main" id="{810CE0A2-4102-44A6-A370-175E7896CDCB}"/>
               </a:ext>
             </a:extLst>
           </p:cNvPr>
@@ -6871,11 +6932,7 @@
             </a:r>
             <a:r>
               <a:rPr lang="pt-BR" dirty="0"/>
-              <a:t>usado para treinar a rede neural</a:t>
-            </a:r>
-            <a:r>
-              <a:rPr lang="pt-BR" dirty="0" smtClean="0"/>
-              <a:t>.</a:t>
+              <a:t>usado para treinar a rede neural.</a:t>
             </a:r>
           </a:p>
           <a:p>
@@ -6884,12 +6941,8 @@
               <a:buChar char="§"/>
             </a:pPr>
             <a:r>
-              <a:rPr lang="pt-BR" dirty="0" smtClean="0"/>
-              <a:t>Ele </a:t>
-            </a:r>
-            <a:r>
               <a:rPr lang="pt-BR" dirty="0"/>
-              <a:t>propaga o erro da saída para as camadas anteriores através da </a:t>
+              <a:t>Ele propaga o erro da saída para as camadas anteriores através da </a:t>
             </a:r>
             <a:r>
               <a:rPr lang="pt-BR" b="1" i="1" dirty="0"/>
@@ -6899,7 +6952,6 @@
               <a:rPr lang="pt-BR" dirty="0"/>
               <a:t>.</a:t>
             </a:r>
-            <a:endParaRPr lang="pt-BR" dirty="0" smtClean="0"/>
           </a:p>
         </p:txBody>
       </p:sp>
@@ -6985,8 +7037,8 @@
           </a:p>
         </p:txBody>
       </p:sp>
-      <mc:AlternateContent xmlns:mc="http://schemas.openxmlformats.org/markup-compatibility/2006">
-        <mc:Choice xmlns:a14="http://schemas.microsoft.com/office/drawing/2010/main" Requires="a14">
+      <mc:AlternateContent xmlns:mc="http://schemas.openxmlformats.org/markup-compatibility/2006" xmlns:a14="http://schemas.microsoft.com/office/drawing/2010/main">
+        <mc:Choice Requires="a14">
           <p:sp>
             <p:nvSpPr>
               <p:cNvPr id="3" name="Content Placeholder 2"/>
@@ -7057,19 +7109,7 @@
                 </a:r>
                 <a:r>
                   <a:rPr lang="pt-BR" dirty="0"/>
-                  <a:t>calcula os </a:t>
-                </a:r>
-                <a:r>
-                  <a:rPr lang="pt-BR" dirty="0" smtClean="0"/>
-                  <a:t>gradientes das camadas anteriores à camada de saída </a:t>
-                </a:r>
-                <a:r>
-                  <a:rPr lang="pt-BR" dirty="0"/>
-                  <a:t>através </a:t>
-                </a:r>
-                <a:r>
-                  <a:rPr lang="pt-BR" dirty="0" smtClean="0"/>
-                  <a:t>do uso da </a:t>
+                  <a:t>calcula os gradientes das camadas anteriores à camada de saída através do uso da </a:t>
                 </a:r>
                 <a:r>
                   <a:rPr lang="pt-BR" b="1" i="1" dirty="0"/>
@@ -7475,26 +7515,13 @@
               <a:p>
                 <a:r>
                   <a:rPr lang="pt-BR" dirty="0"/>
-                  <a:t>Em outras palavras, devido à regra da cadeia, o gradiente para </a:t>
+                  <a:t>Em outras palavras, devido à regra da cadeia, o gradiente para a atualização dos pesos de uma dada camada da rede neural contém, além de outros termos, o produto das derivadas das funções de ativação desde a camada de saída até a camada desejada.</a:t>
                 </a:r>
-                <a:r>
-                  <a:rPr lang="pt-BR" dirty="0" smtClean="0"/>
-                  <a:t>a atualização </a:t>
-                </a:r>
-                <a:r>
-                  <a:rPr lang="pt-BR" dirty="0"/>
-                  <a:t>dos pesos de uma dada camada da rede neural contém, além de outros termos, o produto das derivadas das funções de ativação desde a camada de saída até a camada desejada</a:t>
-                </a:r>
-                <a:r>
-                  <a:rPr lang="pt-BR" dirty="0" smtClean="0"/>
-                  <a:t>.</a:t>
-                </a:r>
-                <a:endParaRPr lang="pt-BR" dirty="0" smtClean="0"/>
               </a:p>
             </p:txBody>
           </p:sp>
         </mc:Choice>
-        <mc:Fallback>
+        <mc:Fallback xmlns="">
           <p:sp>
             <p:nvSpPr>
               <p:cNvPr id="3" name="Content Placeholder 2"/>
@@ -7584,8 +7611,8 @@
           </a:p>
         </p:txBody>
       </p:sp>
-      <mc:AlternateContent xmlns:mc="http://schemas.openxmlformats.org/markup-compatibility/2006">
-        <mc:Choice xmlns:a14="http://schemas.microsoft.com/office/drawing/2010/main" Requires="a14">
+      <mc:AlternateContent xmlns:mc="http://schemas.openxmlformats.org/markup-compatibility/2006" xmlns:a14="http://schemas.microsoft.com/office/drawing/2010/main">
+        <mc:Choice Requires="a14">
           <p:sp>
             <p:nvSpPr>
               <p:cNvPr id="3" name="Content Placeholder 2"/>
@@ -7624,11 +7651,7 @@
                 </a14:m>
                 <a:r>
                   <a:rPr lang="pt-BR" dirty="0"/>
-                  <a:t> camadas, </a:t>
-                </a:r>
-                <a:r>
-                  <a:rPr lang="pt-BR" dirty="0" smtClean="0"/>
-                  <a:t>a </a:t>
+                  <a:t> camadas, a </a:t>
                 </a:r>
                 <a:r>
                   <a:rPr lang="pt-BR" b="1" i="1" dirty="0" err="1"/>
@@ -7639,12 +7662,8 @@
                   <a:t> </a:t>
                 </a:r>
                 <a:r>
-                  <a:rPr lang="pt-BR" dirty="0" smtClean="0"/>
-                  <a:t>tem </a:t>
-                </a:r>
-                <a:r>
                   <a:rPr lang="pt-BR" dirty="0"/>
-                  <a:t>o efeito de multiplicar </a:t>
+                  <a:t>tem o efeito de multiplicar </a:t>
                 </a:r>
                 <a14:m>
                   <m:oMath xmlns:m="http://schemas.openxmlformats.org/officeDocument/2006/math">
@@ -7657,30 +7676,14 @@
                   </m:oMath>
                 </a14:m>
                 <a:r>
-                  <a:rPr lang="pt-BR" dirty="0" smtClean="0"/>
-                  <a:t> </a:t>
-                </a:r>
-                <a:r>
                   <a:rPr lang="pt-BR" dirty="0"/>
-                  <a:t>valores pequenos para </a:t>
-                </a:r>
-                <a:r>
-                  <a:rPr lang="pt-BR" dirty="0"/>
-                  <a:t>calcular os gradientes das primeiras camadas.</a:t>
+                  <a:t> valores pequenos para calcular os gradientes das primeiras camadas.</a:t>
                 </a:r>
               </a:p>
               <a:p>
                 <a:r>
                   <a:rPr lang="pt-BR" dirty="0"/>
-                  <a:t>O que significa que o gradiente </a:t>
-                </a:r>
-                <a:r>
-                  <a:rPr lang="pt-BR" dirty="0" smtClean="0"/>
-                  <a:t>diminui </a:t>
-                </a:r>
-                <a:r>
-                  <a:rPr lang="pt-BR" dirty="0"/>
-                  <a:t>exponencialmente com </a:t>
+                  <a:t>O que significa que o gradiente diminui exponencialmente com </a:t>
                 </a:r>
                 <a14:m>
                   <m:oMath xmlns:m="http://schemas.openxmlformats.org/officeDocument/2006/math">
@@ -7706,7 +7709,7 @@
             </p:txBody>
           </p:sp>
         </mc:Choice>
-        <mc:Fallback>
+        <mc:Fallback xmlns="">
           <p:sp>
             <p:nvSpPr>
               <p:cNvPr id="3" name="Content Placeholder 2"/>
@@ -7809,7 +7812,7 @@
           <p:cNvPr id="2" name="Título 1">
             <a:extLst>
               <a:ext uri="{FF2B5EF4-FFF2-40B4-BE49-F238E27FC236}">
-                <a16:creationId xmlns:a16="http://schemas.microsoft.com/office/drawing/2014/main" xmlns="" id="{4E991379-1C4F-4AB9-BB38-83C7CC20155D}"/>
+                <a16:creationId xmlns:a16="http://schemas.microsoft.com/office/drawing/2014/main" id="{4E991379-1C4F-4AB9-BB38-83C7CC20155D}"/>
               </a:ext>
             </a:extLst>
           </p:cNvPr>
@@ -7849,14 +7852,14 @@
           </a:p>
         </p:txBody>
       </p:sp>
-      <mc:AlternateContent xmlns:mc="http://schemas.openxmlformats.org/markup-compatibility/2006">
-        <mc:Choice xmlns:a14="http://schemas.microsoft.com/office/drawing/2010/main" Requires="a14">
+      <mc:AlternateContent xmlns:mc="http://schemas.openxmlformats.org/markup-compatibility/2006" xmlns:a14="http://schemas.microsoft.com/office/drawing/2010/main">
+        <mc:Choice Requires="a14">
           <p:sp>
             <p:nvSpPr>
               <p:cNvPr id="3" name="Espaço Reservado para Conteúdo 2">
                 <a:extLst>
                   <a:ext uri="{FF2B5EF4-FFF2-40B4-BE49-F238E27FC236}">
-                    <a16:creationId xmlns:a16="http://schemas.microsoft.com/office/drawing/2014/main" xmlns="" id="{68DBA540-3B58-4BC7-B375-23ABBBC057D3}"/>
+                    <a16:creationId xmlns:a16="http://schemas.microsoft.com/office/drawing/2014/main" id="{68DBA540-3B58-4BC7-B375-23ABBBC057D3}"/>
                   </a:ext>
                 </a:extLst>
               </p:cNvPr>
@@ -7883,19 +7886,15 @@
                   <a:buNone/>
                 </a:pPr>
                 <a:r>
-                  <a:rPr lang="en-US" dirty="0" smtClean="0"/>
+                  <a:rPr lang="en-US" dirty="0"/>
                   <a:t>Considerações: </a:t>
                 </a:r>
               </a:p>
               <a:p>
                 <a:pPr marL="285750" indent="-285750"/>
                 <a:r>
-                  <a:rPr lang="en-US" dirty="0" smtClean="0"/>
-                  <a:t>2 x Perceptrons </a:t>
-                </a:r>
-                <a:r>
                   <a:rPr lang="en-US" dirty="0"/>
-                  <a:t>com </a:t>
+                  <a:t>2 x Perceptrons com </a:t>
                 </a:r>
                 <a:r>
                   <a:rPr lang="en-US" dirty="0" err="1"/>
@@ -8239,18 +8238,17 @@
                   </m:oMath>
                 </a14:m>
                 <a:r>
-                  <a:rPr lang="pt-BR" dirty="0" smtClean="0"/>
+                  <a:rPr lang="pt-BR" dirty="0"/>
                   <a:t> entrada do primeiro </a:t>
                 </a:r>
                 <a:r>
-                  <a:rPr lang="pt-BR" dirty="0" err="1" smtClean="0"/>
+                  <a:rPr lang="pt-BR" dirty="0" err="1"/>
                   <a:t>perceptron</a:t>
                 </a:r>
                 <a:r>
-                  <a:rPr lang="pt-BR" dirty="0" smtClean="0"/>
+                  <a:rPr lang="pt-BR" dirty="0"/>
                   <a:t>.</a:t>
                 </a:r>
-                <a:endParaRPr lang="pt-BR" dirty="0"/>
               </a:p>
               <a:p>
                 <a:pPr marL="285750" indent="-285750"/>
@@ -8346,23 +8344,19 @@
                   </m:oMath>
                 </a14:m>
                 <a:r>
-                  <a:rPr lang="en-US" dirty="0" smtClean="0"/>
+                  <a:rPr lang="en-US" dirty="0"/>
                   <a:t> </a:t>
                 </a:r>
                 <a:r>
-                  <a:rPr lang="pt-BR" dirty="0" smtClean="0"/>
-                  <a:t>saídado </a:t>
+                  <a:rPr lang="pt-BR" dirty="0"/>
+                  <a:t>saídado primeiro </a:t>
+                </a:r>
+                <a:r>
+                  <a:rPr lang="pt-BR" dirty="0" err="1"/>
+                  <a:t>perceptron</a:t>
                 </a:r>
                 <a:r>
                   <a:rPr lang="pt-BR" dirty="0"/>
-                  <a:t>primeiro </a:t>
-                </a:r>
-                <a:r>
-                  <a:rPr lang="pt-BR" dirty="0" err="1" smtClean="0"/>
-                  <a:t>perceptron</a:t>
-                </a:r>
-                <a:r>
-                  <a:rPr lang="pt-BR" dirty="0" smtClean="0"/>
                   <a:t>.</a:t>
                 </a:r>
                 <a:endParaRPr lang="en-US" dirty="0"/>
@@ -8473,21 +8467,16 @@
                 </a14:m>
                 <a:r>
                   <a:rPr lang="pt-BR" dirty="0"/>
-                  <a:t> entrada do </a:t>
+                  <a:t> entrada do segundo </a:t>
                 </a:r>
                 <a:r>
-                  <a:rPr lang="pt-BR" dirty="0" smtClean="0"/>
-                  <a:t>segundo </a:t>
-                </a:r>
-                <a:r>
-                  <a:rPr lang="pt-BR" dirty="0" err="1" smtClean="0"/>
+                  <a:rPr lang="pt-BR" dirty="0" err="1"/>
                   <a:t>perceptron</a:t>
                 </a:r>
                 <a:r>
-                  <a:rPr lang="pt-BR" dirty="0" smtClean="0"/>
+                  <a:rPr lang="pt-BR" dirty="0"/>
                   <a:t>.</a:t>
                 </a:r>
-                <a:endParaRPr lang="pt-BR" dirty="0"/>
               </a:p>
               <a:p>
                 <a:pPr marL="285750" indent="-285750"/>
@@ -9773,7 +9762,7 @@
             </p:txBody>
           </p:sp>
         </mc:Choice>
-        <mc:Fallback>
+        <mc:Fallback xmlns="">
           <p:sp>
             <p:nvSpPr>
               <p:cNvPr id="3" name="Espaço Reservado para Conteúdo 2">
@@ -9822,7 +9811,7 @@
           <p:cNvPr id="4" name="Agrupar 3">
             <a:extLst>
               <a:ext uri="{FF2B5EF4-FFF2-40B4-BE49-F238E27FC236}">
-                <a16:creationId xmlns:a16="http://schemas.microsoft.com/office/drawing/2014/main" xmlns="" id="{DDA32F11-9374-4C54-ABCD-0438654B8E82}"/>
+                <a16:creationId xmlns:a16="http://schemas.microsoft.com/office/drawing/2014/main" id="{DDA32F11-9374-4C54-ABCD-0438654B8E82}"/>
               </a:ext>
             </a:extLst>
           </p:cNvPr>
@@ -9842,7 +9831,7 @@
             <p:cNvPr id="5" name="Elipse 4">
               <a:extLst>
                 <a:ext uri="{FF2B5EF4-FFF2-40B4-BE49-F238E27FC236}">
-                  <a16:creationId xmlns:a16="http://schemas.microsoft.com/office/drawing/2014/main" xmlns="" id="{F8EDC3E8-17CE-4493-9271-98A945347FBE}"/>
+                  <a16:creationId xmlns:a16="http://schemas.microsoft.com/office/drawing/2014/main" id="{F8EDC3E8-17CE-4493-9271-98A945347FBE}"/>
                 </a:ext>
               </a:extLst>
             </p:cNvPr>
@@ -9895,7 +9884,7 @@
             <p:cNvPr id="6" name="Elipse 5">
               <a:extLst>
                 <a:ext uri="{FF2B5EF4-FFF2-40B4-BE49-F238E27FC236}">
-                  <a16:creationId xmlns:a16="http://schemas.microsoft.com/office/drawing/2014/main" xmlns="" id="{36E0141A-9275-43DA-B6B6-60E88BED5AD5}"/>
+                  <a16:creationId xmlns:a16="http://schemas.microsoft.com/office/drawing/2014/main" id="{36E0141A-9275-43DA-B6B6-60E88BED5AD5}"/>
                 </a:ext>
               </a:extLst>
             </p:cNvPr>
@@ -9948,7 +9937,7 @@
             <p:cNvPr id="7" name="Conector de seta reta 10">
               <a:extLst>
                 <a:ext uri="{FF2B5EF4-FFF2-40B4-BE49-F238E27FC236}">
-                  <a16:creationId xmlns:a16="http://schemas.microsoft.com/office/drawing/2014/main" xmlns="" id="{04E870F7-1DE5-4241-8990-14C74A492B08}"/>
+                  <a16:creationId xmlns:a16="http://schemas.microsoft.com/office/drawing/2014/main" id="{04E870F7-1DE5-4241-8990-14C74A492B08}"/>
                 </a:ext>
               </a:extLst>
             </p:cNvPr>
@@ -9992,7 +9981,7 @@
             <p:cNvPr id="8" name="Retângulo 7">
               <a:extLst>
                 <a:ext uri="{FF2B5EF4-FFF2-40B4-BE49-F238E27FC236}">
-                  <a16:creationId xmlns:a16="http://schemas.microsoft.com/office/drawing/2014/main" xmlns="" id="{BE31B3DC-1229-48D6-9A56-590F8FAD4CE1}"/>
+                  <a16:creationId xmlns:a16="http://schemas.microsoft.com/office/drawing/2014/main" id="{BE31B3DC-1229-48D6-9A56-590F8FAD4CE1}"/>
                 </a:ext>
               </a:extLst>
             </p:cNvPr>
@@ -10046,7 +10035,7 @@
             <p:cNvPr id="9" name="Conector de seta reta 15">
               <a:extLst>
                 <a:ext uri="{FF2B5EF4-FFF2-40B4-BE49-F238E27FC236}">
-                  <a16:creationId xmlns:a16="http://schemas.microsoft.com/office/drawing/2014/main" xmlns="" id="{2FD2427F-A5C3-4856-8D64-557FA8713A40}"/>
+                  <a16:creationId xmlns:a16="http://schemas.microsoft.com/office/drawing/2014/main" id="{2FD2427F-A5C3-4856-8D64-557FA8713A40}"/>
                 </a:ext>
               </a:extLst>
             </p:cNvPr>
@@ -10093,7 +10082,7 @@
                 <p:cNvPr id="10" name="CaixaDeTexto 9">
                   <a:extLst>
                     <a:ext uri="{FF2B5EF4-FFF2-40B4-BE49-F238E27FC236}">
-                      <a16:creationId xmlns:a16="http://schemas.microsoft.com/office/drawing/2014/main" xmlns="" id="{3463534E-1D58-4D6C-9ED5-2C2E4AA6B3A0}"/>
+                      <a16:creationId xmlns:a16="http://schemas.microsoft.com/office/drawing/2014/main" id="{3463534E-1D58-4D6C-9ED5-2C2E4AA6B3A0}"/>
                     </a:ext>
                   </a:extLst>
                 </p:cNvPr>
@@ -10189,7 +10178,7 @@
                 <p:cNvPr id="11" name="CaixaDeTexto 10">
                   <a:extLst>
                     <a:ext uri="{FF2B5EF4-FFF2-40B4-BE49-F238E27FC236}">
-                      <a16:creationId xmlns:a16="http://schemas.microsoft.com/office/drawing/2014/main" xmlns="" id="{76F6A577-C410-4C4B-A220-E160EE1322EC}"/>
+                      <a16:creationId xmlns:a16="http://schemas.microsoft.com/office/drawing/2014/main" id="{76F6A577-C410-4C4B-A220-E160EE1322EC}"/>
                     </a:ext>
                   </a:extLst>
                 </p:cNvPr>
@@ -10304,7 +10293,7 @@
                 <p:cNvPr id="12" name="CaixaDeTexto 11">
                   <a:extLst>
                     <a:ext uri="{FF2B5EF4-FFF2-40B4-BE49-F238E27FC236}">
-                      <a16:creationId xmlns:a16="http://schemas.microsoft.com/office/drawing/2014/main" xmlns="" id="{9046B972-AB0D-42CF-8F0B-04E856201DD0}"/>
+                      <a16:creationId xmlns:a16="http://schemas.microsoft.com/office/drawing/2014/main" id="{9046B972-AB0D-42CF-8F0B-04E856201DD0}"/>
                     </a:ext>
                   </a:extLst>
                 </p:cNvPr>
@@ -10410,7 +10399,7 @@
             <p:cNvPr id="13" name="Conector de seta reta 15">
               <a:extLst>
                 <a:ext uri="{FF2B5EF4-FFF2-40B4-BE49-F238E27FC236}">
-                  <a16:creationId xmlns:a16="http://schemas.microsoft.com/office/drawing/2014/main" xmlns="" id="{E1B54AD2-596A-4DDC-8D0D-A2CD4C086E1F}"/>
+                  <a16:creationId xmlns:a16="http://schemas.microsoft.com/office/drawing/2014/main" id="{E1B54AD2-596A-4DDC-8D0D-A2CD4C086E1F}"/>
                 </a:ext>
               </a:extLst>
             </p:cNvPr>
@@ -10454,7 +10443,7 @@
                 <p:cNvPr id="14" name="CaixaDeTexto 13">
                   <a:extLst>
                     <a:ext uri="{FF2B5EF4-FFF2-40B4-BE49-F238E27FC236}">
-                      <a16:creationId xmlns:a16="http://schemas.microsoft.com/office/drawing/2014/main" xmlns="" id="{74120AF5-A30A-40B3-AD02-AA0A766B82AD}"/>
+                      <a16:creationId xmlns:a16="http://schemas.microsoft.com/office/drawing/2014/main" id="{74120AF5-A30A-40B3-AD02-AA0A766B82AD}"/>
                     </a:ext>
                   </a:extLst>
                 </p:cNvPr>
@@ -10568,7 +10557,7 @@
           <p:cNvPr id="15" name="Elipse 14">
             <a:extLst>
               <a:ext uri="{FF2B5EF4-FFF2-40B4-BE49-F238E27FC236}">
-                <a16:creationId xmlns:a16="http://schemas.microsoft.com/office/drawing/2014/main" xmlns="" id="{E4EBB7CB-9B70-401A-B744-8CD1F89E3BB9}"/>
+                <a16:creationId xmlns:a16="http://schemas.microsoft.com/office/drawing/2014/main" id="{E4EBB7CB-9B70-401A-B744-8CD1F89E3BB9}"/>
               </a:ext>
             </a:extLst>
           </p:cNvPr>
@@ -10620,7 +10609,7 @@
           <p:cNvPr id="18" name="CaixaDeTexto 17">
             <a:extLst>
               <a:ext uri="{FF2B5EF4-FFF2-40B4-BE49-F238E27FC236}">
-                <a16:creationId xmlns:a16="http://schemas.microsoft.com/office/drawing/2014/main" xmlns="" id="{0DE351C4-0752-4411-9A3E-0EEE16B7BAF9}"/>
+                <a16:creationId xmlns:a16="http://schemas.microsoft.com/office/drawing/2014/main" id="{0DE351C4-0752-4411-9A3E-0EEE16B7BAF9}"/>
               </a:ext>
             </a:extLst>
           </p:cNvPr>
@@ -10661,14 +10650,13 @@
               <a:t> de </a:t>
             </a:r>
             <a:r>
-              <a:rPr lang="en-US" sz="1400" dirty="0" err="1" smtClean="0"/>
+              <a:rPr lang="en-US" sz="1400" dirty="0" err="1"/>
               <a:t>ativação</a:t>
             </a:r>
             <a:r>
-              <a:rPr lang="en-US" sz="1400" dirty="0" smtClean="0"/>
+              <a:rPr lang="en-US" sz="1400" dirty="0"/>
               <a:t>.</a:t>
             </a:r>
-            <a:endParaRPr lang="en-US" sz="1400" dirty="0"/>
           </a:p>
         </p:txBody>
       </p:sp>
@@ -10677,7 +10665,7 @@
           <p:cNvPr id="20" name="Conector de Seta Reta 19">
             <a:extLst>
               <a:ext uri="{FF2B5EF4-FFF2-40B4-BE49-F238E27FC236}">
-                <a16:creationId xmlns:a16="http://schemas.microsoft.com/office/drawing/2014/main" xmlns="" id="{938A7AF6-E11B-41A9-AA12-497491ADD98E}"/>
+                <a16:creationId xmlns:a16="http://schemas.microsoft.com/office/drawing/2014/main" id="{938A7AF6-E11B-41A9-AA12-497491ADD98E}"/>
               </a:ext>
             </a:extLst>
           </p:cNvPr>
@@ -10718,7 +10706,7 @@
           <p:cNvPr id="22" name="Conector de Seta Reta 21">
             <a:extLst>
               <a:ext uri="{FF2B5EF4-FFF2-40B4-BE49-F238E27FC236}">
-                <a16:creationId xmlns:a16="http://schemas.microsoft.com/office/drawing/2014/main" xmlns="" id="{E10310FC-5CF6-4BC7-A656-570DA30A65D9}"/>
+                <a16:creationId xmlns:a16="http://schemas.microsoft.com/office/drawing/2014/main" id="{E10310FC-5CF6-4BC7-A656-570DA30A65D9}"/>
               </a:ext>
             </a:extLst>
           </p:cNvPr>
@@ -10760,7 +10748,7 @@
           <p:cNvPr id="24" name="Conector de Seta Reta 23">
             <a:extLst>
               <a:ext uri="{FF2B5EF4-FFF2-40B4-BE49-F238E27FC236}">
-                <a16:creationId xmlns:a16="http://schemas.microsoft.com/office/drawing/2014/main" xmlns="" id="{3FE3BC92-DCED-4F47-B961-CD529C513E92}"/>
+                <a16:creationId xmlns:a16="http://schemas.microsoft.com/office/drawing/2014/main" id="{3FE3BC92-DCED-4F47-B961-CD529C513E92}"/>
               </a:ext>
             </a:extLst>
           </p:cNvPr>
@@ -10801,7 +10789,7 @@
           <p:cNvPr id="26" name="Imagem 25">
             <a:extLst>
               <a:ext uri="{FF2B5EF4-FFF2-40B4-BE49-F238E27FC236}">
-                <a16:creationId xmlns:a16="http://schemas.microsoft.com/office/drawing/2014/main" xmlns="" id="{63AECB77-C03B-47D6-9FCF-1CB34C247480}"/>
+                <a16:creationId xmlns:a16="http://schemas.microsoft.com/office/drawing/2014/main" id="{63AECB77-C03B-47D6-9FCF-1CB34C247480}"/>
               </a:ext>
             </a:extLst>
           </p:cNvPr>
@@ -10831,7 +10819,7 @@
           <p:cNvPr id="27" name="Seta: para Baixo 26">
             <a:extLst>
               <a:ext uri="{FF2B5EF4-FFF2-40B4-BE49-F238E27FC236}">
-                <a16:creationId xmlns:a16="http://schemas.microsoft.com/office/drawing/2014/main" xmlns="" id="{F17E8019-DA59-4DA6-AC72-A647F45BB806}"/>
+                <a16:creationId xmlns:a16="http://schemas.microsoft.com/office/drawing/2014/main" id="{F17E8019-DA59-4DA6-AC72-A647F45BB806}"/>
               </a:ext>
             </a:extLst>
           </p:cNvPr>
@@ -10877,7 +10865,7 @@
           <p:cNvPr id="41" name="Elipse 40">
             <a:extLst>
               <a:ext uri="{FF2B5EF4-FFF2-40B4-BE49-F238E27FC236}">
-                <a16:creationId xmlns:a16="http://schemas.microsoft.com/office/drawing/2014/main" xmlns="" id="{921DA05B-3836-445F-BC79-728E549B3546}"/>
+                <a16:creationId xmlns:a16="http://schemas.microsoft.com/office/drawing/2014/main" id="{921DA05B-3836-445F-BC79-728E549B3546}"/>
               </a:ext>
             </a:extLst>
           </p:cNvPr>
@@ -10929,7 +10917,7 @@
           <p:cNvPr id="42" name="Elipse 41">
             <a:extLst>
               <a:ext uri="{FF2B5EF4-FFF2-40B4-BE49-F238E27FC236}">
-                <a16:creationId xmlns:a16="http://schemas.microsoft.com/office/drawing/2014/main" xmlns="" id="{B941F51B-31BC-4A18-8D32-EC0300AE86DD}"/>
+                <a16:creationId xmlns:a16="http://schemas.microsoft.com/office/drawing/2014/main" id="{B941F51B-31BC-4A18-8D32-EC0300AE86DD}"/>
               </a:ext>
             </a:extLst>
           </p:cNvPr>
@@ -11926,46 +11914,25 @@
             </a:r>
             <a:r>
               <a:rPr lang="pt-BR" b="1" i="1" dirty="0"/>
-              <a:t>problema da dissipação do </a:t>
-            </a:r>
-            <a:r>
-              <a:rPr lang="pt-BR" b="1" i="1" dirty="0" smtClean="0"/>
-              <a:t>gradiente</a:t>
-            </a:r>
-            <a:r>
-              <a:rPr lang="pt-BR" dirty="0" smtClean="0"/>
+              <a:t>problema da dissipação do gradiente</a:t>
+            </a:r>
+            <a:r>
+              <a:rPr lang="pt-BR" dirty="0"/>
               <a:t>,</a:t>
             </a:r>
             <a:r>
-              <a:rPr lang="pt-BR" b="1" i="1" dirty="0" smtClean="0"/>
+              <a:rPr lang="pt-BR" b="1" i="1" dirty="0"/>
               <a:t> </a:t>
             </a:r>
             <a:r>
               <a:rPr lang="pt-BR" dirty="0"/>
-              <a:t>pois seu gradiente é igual a 0 ou 1. </a:t>
-            </a:r>
+              <a:t>pois seu gradiente é igual a 0 ou 1. O produto da derivada da função de ativação de várias camadas sempre será igual a 1 ou 0.</a:t>
+            </a:r>
+          </a:p>
+          <a:p>
             <a:r>
               <a:rPr lang="pt-BR" dirty="0"/>
-              <a:t>O produto da derivada da função de ativação de </a:t>
-            </a:r>
-            <a:r>
-              <a:rPr lang="pt-BR" dirty="0" smtClean="0"/>
-              <a:t>várias </a:t>
-            </a:r>
-            <a:r>
-              <a:rPr lang="pt-BR" dirty="0"/>
-              <a:t>camadas sempre será igual a 1 ou 0.</a:t>
-            </a:r>
-            <a:endParaRPr lang="pt-BR" dirty="0" smtClean="0"/>
-          </a:p>
-          <a:p>
-            <a:r>
-              <a:rPr lang="pt-BR" dirty="0" smtClean="0"/>
-              <a:t>Outras </a:t>
-            </a:r>
-            <a:r>
-              <a:rPr lang="pt-BR" dirty="0"/>
-              <a:t>funções de ativação são:</a:t>
+              <a:t>Outras funções de ativação são:</a:t>
             </a:r>
           </a:p>
           <a:p>
@@ -12188,12 +12155,12 @@
         <p:spPr>
           <a:xfrm>
             <a:off x="838199" y="1825624"/>
-            <a:ext cx="7721640" cy="5032376"/>
+            <a:ext cx="7307180" cy="5032376"/>
           </a:xfrm>
         </p:spPr>
         <p:txBody>
           <a:bodyPr>
-            <a:normAutofit fontScale="92500" lnSpcReduction="10000"/>
+            <a:normAutofit fontScale="92500" lnSpcReduction="20000"/>
           </a:bodyPr>
           <a:lstStyle/>
           <a:p>
@@ -12235,10 +12202,10 @@
             </a:r>
             <a:r>
               <a:rPr lang="pt-BR" dirty="0"/>
-              <a:t>(</a:t>
-            </a:r>
-            <a:r>
-              <a:rPr lang="pt-BR" i="1" dirty="0"/>
+              <a:t>(do inglês, </a:t>
+            </a:r>
+            <a:r>
+              <a:rPr lang="pt-BR" i="1" dirty="0" err="1"/>
               <a:t>feedforward</a:t>
             </a:r>
             <a:r>
@@ -12271,7 +12238,7 @@
             </a:r>
             <a:r>
               <a:rPr lang="pt-BR" dirty="0"/>
-              <a:t> da mesma camada não são conectados.</a:t>
+              <a:t> da mesma camada não são conectados entre si.</a:t>
             </a:r>
           </a:p>
           <a:p>
@@ -12387,13 +12354,13 @@
         </p:nvSpPr>
         <p:spPr>
           <a:xfrm>
-            <a:off x="838200" y="1825625"/>
-            <a:ext cx="8054628" cy="4875426"/>
+            <a:off x="838200" y="1825624"/>
+            <a:ext cx="8305800" cy="5032375"/>
           </a:xfrm>
         </p:spPr>
         <p:txBody>
           <a:bodyPr>
-            <a:normAutofit fontScale="77500" lnSpcReduction="20000"/>
+            <a:normAutofit fontScale="85000" lnSpcReduction="20000"/>
           </a:bodyPr>
           <a:lstStyle/>
           <a:p>
@@ -12407,7 +12374,15 @@
             </a:r>
             <a:r>
               <a:rPr lang="pt-BR" dirty="0"/>
-              <a:t> da rede tem conexões em 2 direções, desta forma, o sinal percorre a rede nas direções direta e reversa.</a:t>
+              <a:t> da rede têm conexões em 2 direções, desta forma, o sinal percorre a rede nas direções </a:t>
+            </a:r>
+            <a:r>
+              <a:rPr lang="pt-BR" b="1" i="1" dirty="0"/>
+              <a:t>direta e reversa</a:t>
+            </a:r>
+            <a:r>
+              <a:rPr lang="pt-BR" dirty="0"/>
+              <a:t>.</a:t>
             </a:r>
           </a:p>
           <a:p>
@@ -12435,7 +12410,7 @@
           <a:p>
             <a:r>
               <a:rPr lang="pt-BR" dirty="0"/>
-              <a:t>Nessas redes, a saída de alguns </a:t>
+              <a:t>Nessas redes, a saída dos </a:t>
             </a:r>
             <a:r>
               <a:rPr lang="pt-BR" b="1" i="1" dirty="0"/>
@@ -12465,7 +12440,7 @@
           <a:p>
             <a:r>
               <a:rPr lang="pt-BR" dirty="0"/>
-              <a:t>Isso significa que os níveis de ativação da rede formam um </a:t>
+              <a:t>Isso significa que a rede forma um </a:t>
             </a:r>
             <a:r>
               <a:rPr lang="pt-BR" b="1" i="1" dirty="0"/>
@@ -12479,7 +12454,7 @@
           <a:p>
             <a:r>
               <a:rPr lang="pt-BR" dirty="0"/>
-              <a:t>Além disso, a resposta da rede a uma determinada entrada depende do seu estado inicial, que pode depender das entradas anteriores.</a:t>
+              <a:t>Além disso, a saída da rede é função da entrada atual e de seu estado interno, ou seja, de entradas anteriores.</a:t>
             </a:r>
           </a:p>
           <a:p>
@@ -12493,7 +12468,7 @@
             </a:r>
             <a:r>
               <a:rPr lang="pt-BR" dirty="0"/>
-              <a:t>podem suportar memória de curto prazo.</a:t>
+              <a:t>suportam memória de curto prazo.</a:t>
             </a:r>
           </a:p>
           <a:p>
@@ -12533,8 +12508,8 @@
         </p:blipFill>
         <p:spPr>
           <a:xfrm>
-            <a:off x="8715375" y="2908319"/>
-            <a:ext cx="3353795" cy="2308072"/>
+            <a:off x="8941975" y="2824097"/>
+            <a:ext cx="3250025" cy="2236658"/>
           </a:xfrm>
           <a:prstGeom prst="rect">
             <a:avLst/>
@@ -12593,8 +12568,8 @@
           </a:p>
         </p:txBody>
       </p:sp>
-      <mc:AlternateContent xmlns:mc="http://schemas.openxmlformats.org/markup-compatibility/2006" xmlns:a14="http://schemas.microsoft.com/office/drawing/2010/main">
-        <mc:Choice Requires="a14">
+      <mc:AlternateContent xmlns:mc="http://schemas.openxmlformats.org/markup-compatibility/2006">
+        <mc:Choice xmlns:a14="http://schemas.microsoft.com/office/drawing/2010/main" Requires="a14">
           <p:sp>
             <p:nvSpPr>
               <p:cNvPr id="5" name="Content Placeholder 4"/>
@@ -12655,6 +12630,31 @@
                         </m:ctrlPr>
                       </m:dPr>
                       <m:e>
+                        <m:sSup>
+                          <m:sSupPr>
+                            <m:ctrlPr>
+                              <a:rPr lang="pt-BR" b="0" i="1" smtClean="0">
+                                <a:latin typeface="Cambria Math" panose="02040503050406030204" pitchFamily="18" charset="0"/>
+                              </a:rPr>
+                            </m:ctrlPr>
+                          </m:sSupPr>
+                          <m:e>
+                            <m:r>
+                              <a:rPr lang="pt-BR" b="1" i="1">
+                                <a:latin typeface="Cambria Math" panose="02040503050406030204" pitchFamily="18" charset="0"/>
+                              </a:rPr>
+                              <m:t>𝒘</m:t>
+                            </m:r>
+                          </m:e>
+                          <m:sup>
+                            <m:r>
+                              <a:rPr lang="pt-BR" b="0" i="1" smtClean="0">
+                                <a:latin typeface="Cambria Math" panose="02040503050406030204" pitchFamily="18" charset="0"/>
+                              </a:rPr>
+                              <m:t>𝑇</m:t>
+                            </m:r>
+                          </m:sup>
+                        </m:sSup>
                         <m:r>
                           <a:rPr lang="pt-BR" i="1">
                             <a:latin typeface="Cambria Math" panose="02040503050406030204" pitchFamily="18" charset="0"/>
@@ -12664,26 +12664,45 @@
                         <m:d>
                           <m:dPr>
                             <m:ctrlPr>
-                              <a:rPr lang="pt-BR" i="1">
+                              <a:rPr lang="pt-BR" i="1" smtClean="0">
                                 <a:latin typeface="Cambria Math" panose="02040503050406030204" pitchFamily="18" charset="0"/>
                               </a:rPr>
                             </m:ctrlPr>
                           </m:dPr>
                           <m:e>
+                            <m:sSup>
+                              <m:sSupPr>
+                                <m:ctrlPr>
+                                  <a:rPr lang="pt-BR" i="1">
+                                    <a:latin typeface="Cambria Math" panose="02040503050406030204" pitchFamily="18" charset="0"/>
+                                  </a:rPr>
+                                </m:ctrlPr>
+                              </m:sSupPr>
+                              <m:e>
+                                <m:r>
+                                  <a:rPr lang="pt-BR" b="1" i="1">
+                                    <a:latin typeface="Cambria Math" panose="02040503050406030204" pitchFamily="18" charset="0"/>
+                                  </a:rPr>
+                                  <m:t>𝑾</m:t>
+                                </m:r>
+                              </m:e>
+                              <m:sup>
+                                <m:r>
+                                  <a:rPr lang="pt-BR" i="1">
+                                    <a:latin typeface="Cambria Math" panose="02040503050406030204" pitchFamily="18" charset="0"/>
+                                  </a:rPr>
+                                  <m:t>𝑇</m:t>
+                                </m:r>
+                              </m:sup>
+                            </m:sSup>
                             <m:r>
                               <a:rPr lang="pt-BR" b="1" i="1">
                                 <a:latin typeface="Cambria Math" panose="02040503050406030204" pitchFamily="18" charset="0"/>
                               </a:rPr>
-                              <m:t>𝑾𝒙</m:t>
+                              <m:t>𝒙</m:t>
                             </m:r>
                           </m:e>
                         </m:d>
-                        <m:r>
-                          <a:rPr lang="pt-BR" b="1" i="1" smtClean="0">
-                            <a:latin typeface="Cambria Math" panose="02040503050406030204" pitchFamily="18" charset="0"/>
-                          </a:rPr>
-                          <m:t>𝒘</m:t>
-                        </m:r>
                       </m:e>
                     </m:d>
                   </m:oMath>
@@ -12727,7 +12746,277 @@
                 </a:r>
                 <a:r>
                   <a:rPr lang="pt-BR" dirty="0"/>
-                  <a:t> escolhida.</a:t>
+                  <a:t> escolhida, </a:t>
+                </a:r>
+                <a14:m>
+                  <m:oMath xmlns:m="http://schemas.openxmlformats.org/officeDocument/2006/math">
+                    <m:r>
+                      <a:rPr lang="pt-BR" b="1" i="1" smtClean="0">
+                        <a:latin typeface="Cambria Math" panose="02040503050406030204" pitchFamily="18" charset="0"/>
+                      </a:rPr>
+                      <m:t>𝑾</m:t>
+                    </m:r>
+                    <m:r>
+                      <a:rPr lang="pt-BR" b="0" i="1" smtClean="0">
+                        <a:latin typeface="Cambria Math" panose="02040503050406030204" pitchFamily="18" charset="0"/>
+                      </a:rPr>
+                      <m:t>=</m:t>
+                    </m:r>
+                    <m:d>
+                      <m:dPr>
+                        <m:begChr m:val="["/>
+                        <m:endChr m:val="]"/>
+                        <m:ctrlPr>
+                          <a:rPr lang="pt-BR" b="0" i="1" smtClean="0">
+                            <a:latin typeface="Cambria Math" panose="02040503050406030204" pitchFamily="18" charset="0"/>
+                          </a:rPr>
+                        </m:ctrlPr>
+                      </m:dPr>
+                      <m:e>
+                        <m:m>
+                          <m:mPr>
+                            <m:mcs>
+                              <m:mc>
+                                <m:mcPr>
+                                  <m:count m:val="2"/>
+                                  <m:mcJc m:val="center"/>
+                                </m:mcPr>
+                              </m:mc>
+                            </m:mcs>
+                            <m:ctrlPr>
+                              <a:rPr lang="pt-BR" b="0" i="1" smtClean="0">
+                                <a:latin typeface="Cambria Math" panose="02040503050406030204" pitchFamily="18" charset="0"/>
+                              </a:rPr>
+                            </m:ctrlPr>
+                          </m:mPr>
+                          <m:mr>
+                            <m:e>
+                              <m:sSub>
+                                <m:sSubPr>
+                                  <m:ctrlPr>
+                                    <a:rPr lang="pt-BR" b="0" i="1" smtClean="0">
+                                      <a:latin typeface="Cambria Math" panose="02040503050406030204" pitchFamily="18" charset="0"/>
+                                    </a:rPr>
+                                  </m:ctrlPr>
+                                </m:sSubPr>
+                                <m:e>
+                                  <m:r>
+                                    <a:rPr lang="pt-BR" b="0" i="1" smtClean="0">
+                                      <a:latin typeface="Cambria Math" panose="02040503050406030204" pitchFamily="18" charset="0"/>
+                                    </a:rPr>
+                                    <m:t>𝑤</m:t>
+                                  </m:r>
+                                </m:e>
+                                <m:sub>
+                                  <m:r>
+                                    <a:rPr lang="pt-BR" b="0" i="1" smtClean="0">
+                                      <a:latin typeface="Cambria Math" panose="02040503050406030204" pitchFamily="18" charset="0"/>
+                                    </a:rPr>
+                                    <m:t>11</m:t>
+                                  </m:r>
+                                </m:sub>
+                              </m:sSub>
+                            </m:e>
+                            <m:e>
+                              <m:sSub>
+                                <m:sSubPr>
+                                  <m:ctrlPr>
+                                    <a:rPr lang="pt-BR" b="0" i="1" smtClean="0">
+                                      <a:latin typeface="Cambria Math" panose="02040503050406030204" pitchFamily="18" charset="0"/>
+                                    </a:rPr>
+                                  </m:ctrlPr>
+                                </m:sSubPr>
+                                <m:e>
+                                  <m:r>
+                                    <a:rPr lang="pt-BR" b="0" i="1" smtClean="0">
+                                      <a:latin typeface="Cambria Math" panose="02040503050406030204" pitchFamily="18" charset="0"/>
+                                    </a:rPr>
+                                    <m:t>𝑤</m:t>
+                                  </m:r>
+                                </m:e>
+                                <m:sub>
+                                  <m:r>
+                                    <a:rPr lang="pt-BR" b="0" i="1" smtClean="0">
+                                      <a:latin typeface="Cambria Math" panose="02040503050406030204" pitchFamily="18" charset="0"/>
+                                    </a:rPr>
+                                    <m:t>12</m:t>
+                                  </m:r>
+                                </m:sub>
+                              </m:sSub>
+                            </m:e>
+                          </m:mr>
+                          <m:mr>
+                            <m:e>
+                              <m:sSub>
+                                <m:sSubPr>
+                                  <m:ctrlPr>
+                                    <a:rPr lang="pt-BR" b="0" i="1" smtClean="0">
+                                      <a:latin typeface="Cambria Math" panose="02040503050406030204" pitchFamily="18" charset="0"/>
+                                    </a:rPr>
+                                  </m:ctrlPr>
+                                </m:sSubPr>
+                                <m:e>
+                                  <m:r>
+                                    <a:rPr lang="pt-BR" b="0" i="1" smtClean="0">
+                                      <a:latin typeface="Cambria Math" panose="02040503050406030204" pitchFamily="18" charset="0"/>
+                                    </a:rPr>
+                                    <m:t>𝑤</m:t>
+                                  </m:r>
+                                </m:e>
+                                <m:sub>
+                                  <m:r>
+                                    <a:rPr lang="pt-BR" b="0" i="1" smtClean="0">
+                                      <a:latin typeface="Cambria Math" panose="02040503050406030204" pitchFamily="18" charset="0"/>
+                                    </a:rPr>
+                                    <m:t>21</m:t>
+                                  </m:r>
+                                </m:sub>
+                              </m:sSub>
+                            </m:e>
+                            <m:e>
+                              <m:sSub>
+                                <m:sSubPr>
+                                  <m:ctrlPr>
+                                    <a:rPr lang="pt-BR" b="0" i="1" smtClean="0">
+                                      <a:latin typeface="Cambria Math" panose="02040503050406030204" pitchFamily="18" charset="0"/>
+                                    </a:rPr>
+                                  </m:ctrlPr>
+                                </m:sSubPr>
+                                <m:e>
+                                  <m:r>
+                                    <a:rPr lang="pt-BR" b="0" i="1" smtClean="0">
+                                      <a:latin typeface="Cambria Math" panose="02040503050406030204" pitchFamily="18" charset="0"/>
+                                    </a:rPr>
+                                    <m:t>𝑤</m:t>
+                                  </m:r>
+                                </m:e>
+                                <m:sub>
+                                  <m:r>
+                                    <a:rPr lang="pt-BR" b="0" i="1" smtClean="0">
+                                      <a:latin typeface="Cambria Math" panose="02040503050406030204" pitchFamily="18" charset="0"/>
+                                    </a:rPr>
+                                    <m:t>22</m:t>
+                                  </m:r>
+                                </m:sub>
+                              </m:sSub>
+                            </m:e>
+                          </m:mr>
+                        </m:m>
+                      </m:e>
+                    </m:d>
+                  </m:oMath>
+                </a14:m>
+                <a:r>
+                  <a:rPr lang="pt-BR" dirty="0"/>
+                  <a:t> e </a:t>
+                </a:r>
+                <a14:m>
+                  <m:oMath xmlns:m="http://schemas.openxmlformats.org/officeDocument/2006/math">
+                    <m:r>
+                      <a:rPr lang="pt-BR" b="1" i="1" smtClean="0">
+                        <a:latin typeface="Cambria Math" panose="02040503050406030204" pitchFamily="18" charset="0"/>
+                      </a:rPr>
+                      <m:t>𝒘</m:t>
+                    </m:r>
+                    <m:r>
+                      <a:rPr lang="pt-BR" b="0" i="1" smtClean="0">
+                        <a:latin typeface="Cambria Math" panose="02040503050406030204" pitchFamily="18" charset="0"/>
+                      </a:rPr>
+                      <m:t>=</m:t>
+                    </m:r>
+                    <m:d>
+                      <m:dPr>
+                        <m:begChr m:val="["/>
+                        <m:endChr m:val="]"/>
+                        <m:ctrlPr>
+                          <a:rPr lang="pt-BR" b="0" i="1" smtClean="0">
+                            <a:latin typeface="Cambria Math" panose="02040503050406030204" pitchFamily="18" charset="0"/>
+                          </a:rPr>
+                        </m:ctrlPr>
+                      </m:dPr>
+                      <m:e>
+                        <m:m>
+                          <m:mPr>
+                            <m:mcs>
+                              <m:mc>
+                                <m:mcPr>
+                                  <m:count m:val="1"/>
+                                  <m:mcJc m:val="center"/>
+                                </m:mcPr>
+                              </m:mc>
+                            </m:mcs>
+                            <m:ctrlPr>
+                              <a:rPr lang="pt-BR" b="0" i="1" smtClean="0">
+                                <a:latin typeface="Cambria Math" panose="02040503050406030204" pitchFamily="18" charset="0"/>
+                              </a:rPr>
+                            </m:ctrlPr>
+                          </m:mPr>
+                          <m:mr>
+                            <m:e>
+                              <m:sSub>
+                                <m:sSubPr>
+                                  <m:ctrlPr>
+                                    <a:rPr lang="pt-BR" i="1">
+                                      <a:latin typeface="Cambria Math" panose="02040503050406030204" pitchFamily="18" charset="0"/>
+                                    </a:rPr>
+                                  </m:ctrlPr>
+                                </m:sSubPr>
+                                <m:e>
+                                  <m:r>
+                                    <a:rPr lang="pt-BR" b="0" i="1" smtClean="0">
+                                      <a:latin typeface="Cambria Math" panose="02040503050406030204" pitchFamily="18" charset="0"/>
+                                    </a:rPr>
+                                    <m:t>𝑤</m:t>
+                                  </m:r>
+                                </m:e>
+                                <m:sub>
+                                  <m:r>
+                                    <a:rPr lang="pt-BR" b="0" i="1" smtClean="0">
+                                      <a:latin typeface="Cambria Math" panose="02040503050406030204" pitchFamily="18" charset="0"/>
+                                    </a:rPr>
+                                    <m:t>1</m:t>
+                                  </m:r>
+                                </m:sub>
+                              </m:sSub>
+                            </m:e>
+                          </m:mr>
+                          <m:mr>
+                            <m:e>
+                              <m:sSub>
+                                <m:sSubPr>
+                                  <m:ctrlPr>
+                                    <a:rPr lang="pt-BR" i="1">
+                                      <a:latin typeface="Cambria Math" panose="02040503050406030204" pitchFamily="18" charset="0"/>
+                                    </a:rPr>
+                                  </m:ctrlPr>
+                                </m:sSubPr>
+                                <m:e>
+                                  <m:r>
+                                    <a:rPr lang="pt-BR" b="0" i="1" smtClean="0">
+                                      <a:latin typeface="Cambria Math" panose="02040503050406030204" pitchFamily="18" charset="0"/>
+                                    </a:rPr>
+                                    <m:t>𝑤</m:t>
+                                  </m:r>
+                                </m:e>
+                                <m:sub>
+                                  <m:r>
+                                    <a:rPr lang="pt-BR" b="0" i="1" smtClean="0">
+                                      <a:latin typeface="Cambria Math" panose="02040503050406030204" pitchFamily="18" charset="0"/>
+                                    </a:rPr>
+                                    <m:t>2</m:t>
+                                  </m:r>
+                                </m:sub>
+                              </m:sSub>
+                            </m:e>
+                          </m:mr>
+                        </m:m>
+                      </m:e>
+                    </m:d>
+                  </m:oMath>
+                </a14:m>
+                <a:r>
+                  <a:rPr lang="pt-BR" dirty="0"/>
+                  <a:t>.</a:t>
                 </a:r>
               </a:p>
               <a:p>
@@ -12825,7 +13114,7 @@
               <a:p>
                 <a:r>
                   <a:rPr lang="pt-BR" dirty="0"/>
-                  <a:t>Veremos alguns exemplos a seguir desta capacidade de aproximação.</a:t>
+                  <a:t>Veremos alguns exemplos desta capacidade de aproximação a seguir.</a:t>
                 </a:r>
               </a:p>
               <a:p>
@@ -12837,7 +13126,7 @@
             </p:txBody>
           </p:sp>
         </mc:Choice>
-        <mc:Fallback xmlns="">
+        <mc:Fallback>
           <p:sp>
             <p:nvSpPr>
               <p:cNvPr id="5" name="Content Placeholder 4"/>
@@ -12853,10 +13142,10 @@
                 <a:off x="838199" y="1825624"/>
                 <a:ext cx="11182351" cy="5032376"/>
               </a:xfrm>
-              <a:blipFill rotWithShape="0">
+              <a:blipFill>
                 <a:blip r:embed="rId2"/>
                 <a:stretch>
-                  <a:fillRect l="-654" t="-2421"/>
+                  <a:fillRect l="-654" t="-2421" b="-969"/>
                 </a:stretch>
               </a:blipFill>
             </p:spPr>
@@ -12865,7 +13154,7 @@
               <a:lstStyle/>
               <a:p>
                 <a:r>
-                  <a:rPr lang="pt-BR">
+                  <a:rPr lang="en-US">
                     <a:noFill/>
                   </a:rPr>
                   <a:t> </a:t>
@@ -14628,7 +14917,7 @@
           <p:cNvPr id="4" name="Título 1">
             <a:extLst>
               <a:ext uri="{FF2B5EF4-FFF2-40B4-BE49-F238E27FC236}">
-                <a16:creationId xmlns:a16="http://schemas.microsoft.com/office/drawing/2014/main" xmlns="" id="{32666AC8-2E17-4DB4-B0F5-60C640CCFD2E}"/>
+                <a16:creationId xmlns:a16="http://schemas.microsoft.com/office/drawing/2014/main" id="{32666AC8-2E17-4DB4-B0F5-60C640CCFD2E}"/>
               </a:ext>
             </a:extLst>
           </p:cNvPr>
@@ -14987,7 +15276,7 @@
           <p:cNvPr id="4" name="Título 1">
             <a:extLst>
               <a:ext uri="{FF2B5EF4-FFF2-40B4-BE49-F238E27FC236}">
-                <a16:creationId xmlns:a16="http://schemas.microsoft.com/office/drawing/2014/main" xmlns="" id="{32666AC8-2E17-4DB4-B0F5-60C640CCFD2E}"/>
+                <a16:creationId xmlns:a16="http://schemas.microsoft.com/office/drawing/2014/main" id="{32666AC8-2E17-4DB4-B0F5-60C640CCFD2E}"/>
               </a:ext>
             </a:extLst>
           </p:cNvPr>
@@ -19598,7 +19887,7 @@
           <p:cNvPr id="4" name="CaixaDeTexto 3">
             <a:extLst>
               <a:ext uri="{FF2B5EF4-FFF2-40B4-BE49-F238E27FC236}">
-                <a16:creationId xmlns:a16="http://schemas.microsoft.com/office/drawing/2014/main" xmlns="" id="{BEC904AB-A007-4518-B54C-E95ABDC63626}"/>
+                <a16:creationId xmlns:a16="http://schemas.microsoft.com/office/drawing/2014/main" id="{BEC904AB-A007-4518-B54C-E95ABDC63626}"/>
               </a:ext>
             </a:extLst>
           </p:cNvPr>
@@ -19635,7 +19924,7 @@
           <p:cNvPr id="9" name="CaixaDeTexto 8">
             <a:extLst>
               <a:ext uri="{FF2B5EF4-FFF2-40B4-BE49-F238E27FC236}">
-                <a16:creationId xmlns:a16="http://schemas.microsoft.com/office/drawing/2014/main" xmlns="" id="{4CCEF927-B8CC-4C90-A772-24E6A0CFD474}"/>
+                <a16:creationId xmlns:a16="http://schemas.microsoft.com/office/drawing/2014/main" id="{4CCEF927-B8CC-4C90-A772-24E6A0CFD474}"/>
               </a:ext>
             </a:extLst>
           </p:cNvPr>
@@ -19671,7 +19960,7 @@
           <p:cNvPr id="6" name="Conector de Seta Reta 5">
             <a:extLst>
               <a:ext uri="{FF2B5EF4-FFF2-40B4-BE49-F238E27FC236}">
-                <a16:creationId xmlns:a16="http://schemas.microsoft.com/office/drawing/2014/main" xmlns="" id="{022BDF03-3B8A-4862-8739-B578666F19DF}"/>
+                <a16:creationId xmlns:a16="http://schemas.microsoft.com/office/drawing/2014/main" id="{022BDF03-3B8A-4862-8739-B578666F19DF}"/>
               </a:ext>
             </a:extLst>
           </p:cNvPr>
@@ -19715,7 +20004,7 @@
           <p:cNvPr id="17" name="Conector de Seta Reta 16">
             <a:extLst>
               <a:ext uri="{FF2B5EF4-FFF2-40B4-BE49-F238E27FC236}">
-                <a16:creationId xmlns:a16="http://schemas.microsoft.com/office/drawing/2014/main" xmlns="" id="{073FE868-325A-4FF4-BD4C-B8FFB02A80A3}"/>
+                <a16:creationId xmlns:a16="http://schemas.microsoft.com/office/drawing/2014/main" id="{073FE868-325A-4FF4-BD4C-B8FFB02A80A3}"/>
               </a:ext>
             </a:extLst>
           </p:cNvPr>
@@ -20779,7 +21068,7 @@
           <p:cNvPr id="11" name="CaixaDeTexto 10">
             <a:extLst>
               <a:ext uri="{FF2B5EF4-FFF2-40B4-BE49-F238E27FC236}">
-                <a16:creationId xmlns:a16="http://schemas.microsoft.com/office/drawing/2014/main" xmlns="" id="{CCFCC359-B4F8-41A1-B341-4ABBACDCE636}"/>
+                <a16:creationId xmlns:a16="http://schemas.microsoft.com/office/drawing/2014/main" id="{CCFCC359-B4F8-41A1-B341-4ABBACDCE636}"/>
               </a:ext>
             </a:extLst>
           </p:cNvPr>
@@ -20816,7 +21105,7 @@
           <p:cNvPr id="12" name="CaixaDeTexto 11">
             <a:extLst>
               <a:ext uri="{FF2B5EF4-FFF2-40B4-BE49-F238E27FC236}">
-                <a16:creationId xmlns:a16="http://schemas.microsoft.com/office/drawing/2014/main" xmlns="" id="{2D15771D-561A-4851-BEE3-494320A67726}"/>
+                <a16:creationId xmlns:a16="http://schemas.microsoft.com/office/drawing/2014/main" id="{2D15771D-561A-4851-BEE3-494320A67726}"/>
               </a:ext>
             </a:extLst>
           </p:cNvPr>
@@ -20852,7 +21141,7 @@
           <p:cNvPr id="14" name="Conector de Seta Reta 13">
             <a:extLst>
               <a:ext uri="{FF2B5EF4-FFF2-40B4-BE49-F238E27FC236}">
-                <a16:creationId xmlns:a16="http://schemas.microsoft.com/office/drawing/2014/main" xmlns="" id="{5C617E03-F638-4320-8FDA-A6A62315797C}"/>
+                <a16:creationId xmlns:a16="http://schemas.microsoft.com/office/drawing/2014/main" id="{5C617E03-F638-4320-8FDA-A6A62315797C}"/>
               </a:ext>
             </a:extLst>
           </p:cNvPr>
@@ -20896,7 +21185,7 @@
           <p:cNvPr id="16" name="Conector de Seta Reta 15">
             <a:extLst>
               <a:ext uri="{FF2B5EF4-FFF2-40B4-BE49-F238E27FC236}">
-                <a16:creationId xmlns:a16="http://schemas.microsoft.com/office/drawing/2014/main" xmlns="" id="{9F0A5C87-8500-4308-83F7-0C62ED06739C}"/>
+                <a16:creationId xmlns:a16="http://schemas.microsoft.com/office/drawing/2014/main" id="{9F0A5C87-8500-4308-83F7-0C62ED06739C}"/>
               </a:ext>
             </a:extLst>
           </p:cNvPr>

--- a/slides/T320_Redes_Neurais_Artificiais (Parte II).pptx
+++ b/slides/T320_Redes_Neurais_Artificiais (Parte II).pptx
@@ -259,7 +259,7 @@
           <a:p>
             <a:fld id="{C3C82C08-3EFC-4473-8294-F0E229C19EFF}" type="datetimeFigureOut">
               <a:rPr lang="pt-BR" smtClean="0"/>
-              <a:t>12/05/2022</a:t>
+              <a:t>13/05/2022</a:t>
             </a:fld>
             <a:endParaRPr lang="pt-BR"/>
           </a:p>
@@ -823,7 +823,7 @@
       </p:grpSpPr>
       <p:sp>
         <p:nvSpPr>
-          <p:cNvPr id="2" name="Slide Image Placeholder 1"/>
+          <p:cNvPr id="2" name="Espaço Reservado para Imagem de Slide 1"/>
           <p:cNvSpPr>
             <a:spLocks noGrp="1" noRot="1" noChangeAspect="1"/>
           </p:cNvSpPr>
@@ -835,7 +835,7 @@
       </p:sp>
       <p:sp>
         <p:nvSpPr>
-          <p:cNvPr id="3" name="Notes Placeholder 2"/>
+          <p:cNvPr id="3" name="Espaço Reservado para Anotações 2"/>
           <p:cNvSpPr>
             <a:spLocks noGrp="1"/>
           </p:cNvSpPr>
@@ -849,52 +849,151 @@
           <a:lstStyle/>
           <a:p>
             <a:r>
-              <a:rPr lang="pt-BR" dirty="0"/>
-              <a:t>Existem vários</a:t>
-            </a:r>
-            <a:r>
-              <a:rPr lang="pt-BR" baseline="0" dirty="0"/>
-              <a:t> outros tipos de funções de ativação, cada uma com suas vantagens e desvantagens.</a:t>
-            </a:r>
-          </a:p>
-          <a:p>
-            <a:r>
-              <a:rPr lang="pt-BR" baseline="0" dirty="0"/>
-              <a:t>O link abaixo contem uma lista com vários tipos de funções de ativação.</a:t>
-            </a:r>
-          </a:p>
-          <a:p>
-            <a:r>
-              <a:rPr lang="pt-BR" dirty="0">
-                <a:hlinkClick r:id="rId3"/>
+              <a:rPr lang="en-US" sz="1200" b="0" i="0" kern="1200" dirty="0" smtClean="0">
+                <a:solidFill>
+                  <a:schemeClr val="tx1"/>
+                </a:solidFill>
+                <a:effectLst/>
+                <a:latin typeface="+mn-lt"/>
+                <a:ea typeface="+mn-ea"/>
+                <a:cs typeface="+mn-cs"/>
               </a:rPr>
-              <a:t>https://en.wikipedia.org/wiki/Activation_function#Comparison_of_activation_functions</a:t>
-            </a:r>
-            <a:endParaRPr lang="pt-BR" dirty="0"/>
-          </a:p>
-          <a:p>
-            <a:endParaRPr lang="pt-BR" dirty="0"/>
-          </a:p>
-          <a:p>
-            <a:r>
-              <a:rPr lang="pt-BR" dirty="0"/>
-              <a:t>Referências</a:t>
-            </a:r>
-          </a:p>
-          <a:p>
-            <a:r>
-              <a:rPr lang="pt-BR" dirty="0"/>
-              <a:t>[1] https://en.wikipedia.org/wiki/Activation_function</a:t>
-            </a:r>
-          </a:p>
-          <a:p>
+              <a:t>In some cases, the opposite</a:t>
+            </a:r>
+            <a:r>
+              <a:rPr lang="en-US" sz="1200" b="0" i="0" kern="1200" baseline="0" dirty="0" smtClean="0">
+                <a:solidFill>
+                  <a:schemeClr val="tx1"/>
+                </a:solidFill>
+                <a:effectLst/>
+                <a:latin typeface="+mn-lt"/>
+                <a:ea typeface="+mn-ea"/>
+                <a:cs typeface="+mn-cs"/>
+              </a:rPr>
+              <a:t> </a:t>
+            </a:r>
+            <a:r>
+              <a:rPr lang="en-US" sz="1200" b="0" i="0" kern="1200" dirty="0" smtClean="0">
+                <a:solidFill>
+                  <a:schemeClr val="tx1"/>
+                </a:solidFill>
+                <a:effectLst/>
+                <a:latin typeface="+mn-lt"/>
+                <a:ea typeface="+mn-ea"/>
+                <a:cs typeface="+mn-cs"/>
+              </a:rPr>
+              <a:t>can happen: the gradients can grow bigger and bigger, so many layers get insanely</a:t>
+            </a:r>
+            <a:r>
+              <a:rPr lang="en-US" sz="1200" b="0" i="0" kern="1200" baseline="0" dirty="0" smtClean="0">
+                <a:solidFill>
+                  <a:schemeClr val="tx1"/>
+                </a:solidFill>
+                <a:effectLst/>
+                <a:latin typeface="+mn-lt"/>
+                <a:ea typeface="+mn-ea"/>
+                <a:cs typeface="+mn-cs"/>
+              </a:rPr>
+              <a:t> </a:t>
+            </a:r>
+            <a:r>
+              <a:rPr lang="en-US" sz="1200" b="0" i="0" kern="1200" dirty="0" smtClean="0">
+                <a:solidFill>
+                  <a:schemeClr val="tx1"/>
+                </a:solidFill>
+                <a:effectLst/>
+                <a:latin typeface="+mn-lt"/>
+                <a:ea typeface="+mn-ea"/>
+                <a:cs typeface="+mn-cs"/>
+              </a:rPr>
+              <a:t>large weight updates and the algorithm diverges. This is the </a:t>
+            </a:r>
+            <a:r>
+              <a:rPr lang="en-US" sz="1200" b="0" i="1" kern="1200" dirty="0" smtClean="0">
+                <a:solidFill>
+                  <a:schemeClr val="tx1"/>
+                </a:solidFill>
+                <a:effectLst/>
+                <a:latin typeface="+mn-lt"/>
+                <a:ea typeface="+mn-ea"/>
+                <a:cs typeface="+mn-cs"/>
+              </a:rPr>
+              <a:t>exploding gradients </a:t>
+            </a:r>
+            <a:r>
+              <a:rPr lang="en-US" sz="1200" b="0" i="0" kern="1200" dirty="0" smtClean="0">
+                <a:solidFill>
+                  <a:schemeClr val="tx1"/>
+                </a:solidFill>
+                <a:effectLst/>
+                <a:latin typeface="+mn-lt"/>
+                <a:ea typeface="+mn-ea"/>
+                <a:cs typeface="+mn-cs"/>
+              </a:rPr>
+              <a:t>problem, which is mostly encountered in recurrent neural networks (see Chapter 14).</a:t>
+            </a:r>
+            <a:r>
+              <a:rPr lang="en-US" sz="1200" b="0" i="0" kern="1200" baseline="0" dirty="0" smtClean="0">
+                <a:solidFill>
+                  <a:schemeClr val="tx1"/>
+                </a:solidFill>
+                <a:effectLst/>
+                <a:latin typeface="+mn-lt"/>
+                <a:ea typeface="+mn-ea"/>
+                <a:cs typeface="+mn-cs"/>
+              </a:rPr>
+              <a:t> </a:t>
+            </a:r>
+            <a:r>
+              <a:rPr lang="en-US" sz="1200" b="0" i="0" kern="1200" dirty="0" smtClean="0">
+                <a:solidFill>
+                  <a:schemeClr val="tx1"/>
+                </a:solidFill>
+                <a:effectLst/>
+                <a:latin typeface="+mn-lt"/>
+                <a:ea typeface="+mn-ea"/>
+                <a:cs typeface="+mn-cs"/>
+              </a:rPr>
+              <a:t>More generally, deep neural networks suffer from unstable gradients; different layers</a:t>
+            </a:r>
+            <a:r>
+              <a:rPr lang="en-US" sz="1200" b="0" i="0" kern="1200" baseline="0" dirty="0" smtClean="0">
+                <a:solidFill>
+                  <a:schemeClr val="tx1"/>
+                </a:solidFill>
+                <a:effectLst/>
+                <a:latin typeface="+mn-lt"/>
+                <a:ea typeface="+mn-ea"/>
+                <a:cs typeface="+mn-cs"/>
+              </a:rPr>
+              <a:t> </a:t>
+            </a:r>
+            <a:r>
+              <a:rPr lang="en-US" sz="1200" b="0" i="0" kern="1200" dirty="0" smtClean="0">
+                <a:solidFill>
+                  <a:schemeClr val="tx1"/>
+                </a:solidFill>
+                <a:effectLst/>
+                <a:latin typeface="+mn-lt"/>
+                <a:ea typeface="+mn-ea"/>
+                <a:cs typeface="+mn-cs"/>
+              </a:rPr>
+              <a:t>may learn at widely different speeds.</a:t>
+            </a:r>
+            <a:r>
+              <a:rPr lang="en-US" dirty="0" smtClean="0"/>
+              <a:t> </a:t>
+            </a:r>
+            <a:br>
+              <a:rPr lang="en-US" dirty="0" smtClean="0"/>
+            </a:br>
             <a:endParaRPr lang="pt-BR" dirty="0"/>
           </a:p>
         </p:txBody>
       </p:sp>
       <p:sp>
         <p:nvSpPr>
-          <p:cNvPr id="4" name="Slide Number Placeholder 3"/>
+          <p:cNvPr id="4" name="Espaço Reservado para Número de Slide 3"/>
           <p:cNvSpPr>
             <a:spLocks noGrp="1"/>
           </p:cNvSpPr>
@@ -909,7 +1008,7 @@
           <a:p>
             <a:fld id="{F430A2A4-8C14-4B1A-AD48-7B6401078BF7}" type="slidenum">
               <a:rPr lang="pt-BR" smtClean="0"/>
-              <a:t>14</a:t>
+              <a:t>13</a:t>
             </a:fld>
             <a:endParaRPr lang="pt-BR"/>
           </a:p>
@@ -918,7 +1017,7 @@
     </p:spTree>
     <p:extLst>
       <p:ext uri="{BB962C8B-B14F-4D97-AF65-F5344CB8AC3E}">
-        <p14:creationId xmlns:p14="http://schemas.microsoft.com/office/powerpoint/2010/main" val="4116391056"/>
+        <p14:creationId xmlns:p14="http://schemas.microsoft.com/office/powerpoint/2010/main" val="2710501978"/>
       </p:ext>
     </p:extLst>
   </p:cSld>
@@ -973,25 +1072,26 @@
           <a:lstStyle/>
           <a:p>
             <a:r>
-              <a:rPr lang="en-US" dirty="0"/>
-              <a:t>What are the advantages of </a:t>
-            </a:r>
-            <a:r>
-              <a:rPr lang="en-US" dirty="0" err="1"/>
-              <a:t>ReLU</a:t>
-            </a:r>
-            <a:r>
-              <a:rPr lang="en-US" dirty="0"/>
-              <a:t> over sigmoid function in deep neural networks?</a:t>
-            </a:r>
-            <a:endParaRPr lang="pt-BR" dirty="0"/>
+              <a:rPr lang="pt-BR" dirty="0"/>
+              <a:t>Existem vários</a:t>
+            </a:r>
+            <a:r>
+              <a:rPr lang="pt-BR" baseline="0" dirty="0"/>
+              <a:t> outros tipos de funções de ativação, cada uma com suas vantagens e desvantagens.</a:t>
+            </a:r>
+          </a:p>
+          <a:p>
+            <a:r>
+              <a:rPr lang="pt-BR" baseline="0" dirty="0"/>
+              <a:t>O link abaixo contem uma lista com vários tipos de funções de ativação.</a:t>
+            </a:r>
           </a:p>
           <a:p>
             <a:r>
               <a:rPr lang="pt-BR" dirty="0">
                 <a:hlinkClick r:id="rId3"/>
               </a:rPr>
-              <a:t>https://stats.stackexchange.com/questions/126238/what-are-the-advantages-of-relu-over-sigmoid-function-in-deep-neural-networks#:~:text=The%20main%20reason%20why%20ReLu,deep%20network%20with%20sigmoid%20activation.</a:t>
+              <a:t>https://en.wikipedia.org/wiki/Activation_function#Comparison_of_activation_functions</a:t>
             </a:r>
             <a:endParaRPr lang="pt-BR" dirty="0"/>
           </a:p>
@@ -999,878 +1099,16 @@
             <a:endParaRPr lang="pt-BR" dirty="0"/>
           </a:p>
           <a:p>
-            <a:pPr fontAlgn="base"/>
-            <a:r>
-              <a:rPr lang="en-US" sz="1200" b="1" i="0" kern="1200" dirty="0">
-                <a:solidFill>
-                  <a:schemeClr val="tx1"/>
-                </a:solidFill>
-                <a:effectLst/>
-                <a:latin typeface="+mn-lt"/>
-                <a:ea typeface="+mn-ea"/>
-                <a:cs typeface="+mn-cs"/>
-              </a:rPr>
-              <a:t>Advantage:</a:t>
-            </a:r>
-          </a:p>
-          <a:p>
-            <a:pPr fontAlgn="base"/>
-            <a:endParaRPr lang="en-US" sz="1200" b="0" i="0" kern="1200" dirty="0">
-              <a:solidFill>
-                <a:schemeClr val="tx1"/>
-              </a:solidFill>
-              <a:effectLst/>
-              <a:latin typeface="+mn-lt"/>
-              <a:ea typeface="+mn-ea"/>
-              <a:cs typeface="+mn-cs"/>
-            </a:endParaRPr>
-          </a:p>
-          <a:p>
-            <a:pPr fontAlgn="base"/>
-            <a:r>
-              <a:rPr lang="en-US" sz="1200" b="0" i="0" kern="1200" dirty="0">
-                <a:solidFill>
-                  <a:schemeClr val="tx1"/>
-                </a:solidFill>
-                <a:effectLst/>
-                <a:latin typeface="+mn-lt"/>
-                <a:ea typeface="+mn-ea"/>
-                <a:cs typeface="+mn-cs"/>
-              </a:rPr>
-              <a:t>Sigmoid: not blowing up activation</a:t>
-            </a:r>
-          </a:p>
-          <a:p>
-            <a:pPr fontAlgn="base"/>
-            <a:r>
-              <a:rPr lang="en-US" sz="1200" b="0" i="0" kern="1200" dirty="0" err="1">
-                <a:solidFill>
-                  <a:schemeClr val="tx1"/>
-                </a:solidFill>
-                <a:effectLst/>
-                <a:latin typeface="+mn-lt"/>
-                <a:ea typeface="+mn-ea"/>
-                <a:cs typeface="+mn-cs"/>
-              </a:rPr>
-              <a:t>Relu</a:t>
-            </a:r>
-            <a:r>
-              <a:rPr lang="en-US" sz="1200" b="0" i="0" kern="1200" dirty="0">
-                <a:solidFill>
-                  <a:schemeClr val="tx1"/>
-                </a:solidFill>
-                <a:effectLst/>
-                <a:latin typeface="+mn-lt"/>
-                <a:ea typeface="+mn-ea"/>
-                <a:cs typeface="+mn-cs"/>
-              </a:rPr>
-              <a:t> : not vanishing gradient</a:t>
-            </a:r>
-          </a:p>
-          <a:p>
-            <a:pPr fontAlgn="base"/>
-            <a:r>
-              <a:rPr lang="en-US" sz="1200" b="0" i="0" kern="1200" dirty="0" err="1">
-                <a:solidFill>
-                  <a:schemeClr val="tx1"/>
-                </a:solidFill>
-                <a:effectLst/>
-                <a:latin typeface="+mn-lt"/>
-                <a:ea typeface="+mn-ea"/>
-                <a:cs typeface="+mn-cs"/>
-              </a:rPr>
-              <a:t>Relu</a:t>
-            </a:r>
-            <a:r>
-              <a:rPr lang="en-US" sz="1200" b="0" i="0" kern="1200" dirty="0">
-                <a:solidFill>
-                  <a:schemeClr val="tx1"/>
-                </a:solidFill>
-                <a:effectLst/>
-                <a:latin typeface="+mn-lt"/>
-                <a:ea typeface="+mn-ea"/>
-                <a:cs typeface="+mn-cs"/>
-              </a:rPr>
-              <a:t> : More computationally efficient to compute than Sigmoid like functions since </a:t>
-            </a:r>
-            <a:r>
-              <a:rPr lang="en-US" sz="1200" b="0" i="0" kern="1200" dirty="0" err="1">
-                <a:solidFill>
-                  <a:schemeClr val="tx1"/>
-                </a:solidFill>
-                <a:effectLst/>
-                <a:latin typeface="+mn-lt"/>
-                <a:ea typeface="+mn-ea"/>
-                <a:cs typeface="+mn-cs"/>
-              </a:rPr>
-              <a:t>Relu</a:t>
-            </a:r>
-            <a:r>
-              <a:rPr lang="en-US" sz="1200" b="0" i="0" kern="1200" dirty="0">
-                <a:solidFill>
-                  <a:schemeClr val="tx1"/>
-                </a:solidFill>
-                <a:effectLst/>
-                <a:latin typeface="+mn-lt"/>
-                <a:ea typeface="+mn-ea"/>
-                <a:cs typeface="+mn-cs"/>
-              </a:rPr>
-              <a:t> just needs to pick max(0,</a:t>
-            </a:r>
-            <a:r>
-              <a:rPr lang="en-US" sz="1200" b="0" i="0" u="none" strike="noStrike" kern="1200" dirty="0">
-                <a:solidFill>
-                  <a:schemeClr val="tx1"/>
-                </a:solidFill>
-                <a:effectLst/>
-                <a:latin typeface="+mn-lt"/>
-                <a:ea typeface="+mn-ea"/>
-                <a:cs typeface="+mn-cs"/>
-              </a:rPr>
-              <a:t>xx</a:t>
-            </a:r>
-            <a:r>
-              <a:rPr lang="en-US" sz="1200" b="0" i="0" kern="1200" dirty="0">
-                <a:solidFill>
-                  <a:schemeClr val="tx1"/>
-                </a:solidFill>
-                <a:effectLst/>
-                <a:latin typeface="+mn-lt"/>
-                <a:ea typeface="+mn-ea"/>
-                <a:cs typeface="+mn-cs"/>
-              </a:rPr>
-              <a:t>) and not perform expensive exponential operations as in </a:t>
-            </a:r>
-            <a:r>
-              <a:rPr lang="en-US" sz="1200" b="0" i="0" kern="1200" dirty="0" err="1">
-                <a:solidFill>
-                  <a:schemeClr val="tx1"/>
-                </a:solidFill>
-                <a:effectLst/>
-                <a:latin typeface="+mn-lt"/>
-                <a:ea typeface="+mn-ea"/>
-                <a:cs typeface="+mn-cs"/>
-              </a:rPr>
-              <a:t>Sigmoids</a:t>
-            </a:r>
-            <a:endParaRPr lang="en-US" sz="1200" b="0" i="0" kern="1200" dirty="0">
-              <a:solidFill>
-                <a:schemeClr val="tx1"/>
-              </a:solidFill>
-              <a:effectLst/>
-              <a:latin typeface="+mn-lt"/>
-              <a:ea typeface="+mn-ea"/>
-              <a:cs typeface="+mn-cs"/>
-            </a:endParaRPr>
-          </a:p>
-          <a:p>
-            <a:pPr fontAlgn="base"/>
-            <a:r>
-              <a:rPr lang="en-US" sz="1200" b="0" i="0" kern="1200" dirty="0" err="1">
-                <a:solidFill>
-                  <a:schemeClr val="tx1"/>
-                </a:solidFill>
-                <a:effectLst/>
-                <a:latin typeface="+mn-lt"/>
-                <a:ea typeface="+mn-ea"/>
-                <a:cs typeface="+mn-cs"/>
-              </a:rPr>
-              <a:t>Relu</a:t>
-            </a:r>
-            <a:r>
-              <a:rPr lang="en-US" sz="1200" b="0" i="0" kern="1200" dirty="0">
-                <a:solidFill>
-                  <a:schemeClr val="tx1"/>
-                </a:solidFill>
-                <a:effectLst/>
-                <a:latin typeface="+mn-lt"/>
-                <a:ea typeface="+mn-ea"/>
-                <a:cs typeface="+mn-cs"/>
-              </a:rPr>
-              <a:t> : In practice, networks with </a:t>
-            </a:r>
-            <a:r>
-              <a:rPr lang="en-US" sz="1200" b="0" i="0" kern="1200" dirty="0" err="1">
-                <a:solidFill>
-                  <a:schemeClr val="tx1"/>
-                </a:solidFill>
-                <a:effectLst/>
-                <a:latin typeface="+mn-lt"/>
-                <a:ea typeface="+mn-ea"/>
-                <a:cs typeface="+mn-cs"/>
-              </a:rPr>
-              <a:t>Relu</a:t>
-            </a:r>
-            <a:r>
-              <a:rPr lang="en-US" sz="1200" b="0" i="0" kern="1200" dirty="0">
-                <a:solidFill>
-                  <a:schemeClr val="tx1"/>
-                </a:solidFill>
-                <a:effectLst/>
-                <a:latin typeface="+mn-lt"/>
-                <a:ea typeface="+mn-ea"/>
-                <a:cs typeface="+mn-cs"/>
-              </a:rPr>
-              <a:t> tend to show better convergence performance than sigmoid. (</a:t>
-            </a:r>
-            <a:r>
-              <a:rPr lang="en-US" sz="1200" b="0" i="0" u="sng" kern="1200" dirty="0" err="1">
-                <a:solidFill>
-                  <a:schemeClr val="tx1"/>
-                </a:solidFill>
-                <a:effectLst/>
-                <a:latin typeface="+mn-lt"/>
-                <a:ea typeface="+mn-ea"/>
-                <a:cs typeface="+mn-cs"/>
-                <a:hlinkClick r:id="rId4"/>
-              </a:rPr>
-              <a:t>Krizhevsky</a:t>
-            </a:r>
-            <a:r>
-              <a:rPr lang="en-US" sz="1200" b="0" i="0" u="sng" kern="1200" dirty="0">
-                <a:solidFill>
-                  <a:schemeClr val="tx1"/>
-                </a:solidFill>
-                <a:effectLst/>
-                <a:latin typeface="+mn-lt"/>
-                <a:ea typeface="+mn-ea"/>
-                <a:cs typeface="+mn-cs"/>
-                <a:hlinkClick r:id="rId4"/>
-              </a:rPr>
-              <a:t> et al.</a:t>
-            </a:r>
-            <a:r>
-              <a:rPr lang="en-US" sz="1200" b="0" i="0" kern="1200" dirty="0">
-                <a:solidFill>
-                  <a:schemeClr val="tx1"/>
-                </a:solidFill>
-                <a:effectLst/>
-                <a:latin typeface="+mn-lt"/>
-                <a:ea typeface="+mn-ea"/>
-                <a:cs typeface="+mn-cs"/>
-              </a:rPr>
-              <a:t>)</a:t>
-            </a:r>
-          </a:p>
-          <a:p>
-            <a:pPr fontAlgn="base"/>
-            <a:endParaRPr lang="en-US" sz="1200" b="0" i="0" kern="1200" dirty="0">
-              <a:solidFill>
-                <a:schemeClr val="tx1"/>
-              </a:solidFill>
-              <a:effectLst/>
-              <a:latin typeface="+mn-lt"/>
-              <a:ea typeface="+mn-ea"/>
-              <a:cs typeface="+mn-cs"/>
-            </a:endParaRPr>
-          </a:p>
-          <a:p>
-            <a:pPr fontAlgn="base"/>
-            <a:r>
-              <a:rPr lang="en-US" sz="1200" b="1" i="0" kern="1200" dirty="0">
-                <a:solidFill>
-                  <a:schemeClr val="tx1"/>
-                </a:solidFill>
-                <a:effectLst/>
-                <a:latin typeface="+mn-lt"/>
-                <a:ea typeface="+mn-ea"/>
-                <a:cs typeface="+mn-cs"/>
-              </a:rPr>
-              <a:t>Disadvantage:</a:t>
-            </a:r>
-            <a:endParaRPr lang="en-US" sz="1200" b="0" i="0" kern="1200" dirty="0">
-              <a:solidFill>
-                <a:schemeClr val="tx1"/>
-              </a:solidFill>
-              <a:effectLst/>
-              <a:latin typeface="+mn-lt"/>
-              <a:ea typeface="+mn-ea"/>
-              <a:cs typeface="+mn-cs"/>
-            </a:endParaRPr>
-          </a:p>
-          <a:p>
-            <a:pPr fontAlgn="base"/>
-            <a:r>
-              <a:rPr lang="en-US" sz="1200" b="0" i="0" kern="1200" dirty="0">
-                <a:solidFill>
-                  <a:schemeClr val="tx1"/>
-                </a:solidFill>
-                <a:effectLst/>
-                <a:latin typeface="+mn-lt"/>
-                <a:ea typeface="+mn-ea"/>
-                <a:cs typeface="+mn-cs"/>
-              </a:rPr>
-              <a:t>Sigmoid: tend to vanish gradient (cause there is a mechanism to reduce the gradient as "</a:t>
-            </a:r>
-            <a:r>
-              <a:rPr lang="en-US" sz="1200" b="0" i="0" u="none" strike="noStrike" kern="1200" dirty="0">
-                <a:solidFill>
-                  <a:schemeClr val="tx1"/>
-                </a:solidFill>
-                <a:effectLst/>
-                <a:latin typeface="+mn-lt"/>
-                <a:ea typeface="+mn-ea"/>
-                <a:cs typeface="+mn-cs"/>
-              </a:rPr>
-              <a:t>aa</a:t>
-            </a:r>
-            <a:r>
-              <a:rPr lang="en-US" sz="1200" b="0" i="0" kern="1200" dirty="0">
-                <a:solidFill>
-                  <a:schemeClr val="tx1"/>
-                </a:solidFill>
-                <a:effectLst/>
-                <a:latin typeface="+mn-lt"/>
-                <a:ea typeface="+mn-ea"/>
-                <a:cs typeface="+mn-cs"/>
-              </a:rPr>
-              <a:t>" increase, where "</a:t>
-            </a:r>
-            <a:r>
-              <a:rPr lang="en-US" sz="1200" b="0" i="0" u="none" strike="noStrike" kern="1200" dirty="0">
-                <a:solidFill>
-                  <a:schemeClr val="tx1"/>
-                </a:solidFill>
-                <a:effectLst/>
-                <a:latin typeface="+mn-lt"/>
-                <a:ea typeface="+mn-ea"/>
-                <a:cs typeface="+mn-cs"/>
-              </a:rPr>
-              <a:t>aa</a:t>
-            </a:r>
-            <a:r>
-              <a:rPr lang="en-US" sz="1200" b="0" i="0" kern="1200" dirty="0">
-                <a:solidFill>
-                  <a:schemeClr val="tx1"/>
-                </a:solidFill>
-                <a:effectLst/>
-                <a:latin typeface="+mn-lt"/>
-                <a:ea typeface="+mn-ea"/>
-                <a:cs typeface="+mn-cs"/>
-              </a:rPr>
-              <a:t>" is the input of a sigmoid function. Gradient of Sigmoid: </a:t>
-            </a:r>
-            <a:r>
-              <a:rPr lang="en-US" sz="1200" b="0" i="0" u="none" strike="noStrike" kern="1200" dirty="0">
-                <a:solidFill>
-                  <a:schemeClr val="tx1"/>
-                </a:solidFill>
-                <a:effectLst/>
-                <a:latin typeface="+mn-lt"/>
-                <a:ea typeface="+mn-ea"/>
-                <a:cs typeface="+mn-cs"/>
-              </a:rPr>
-              <a:t>S′(a)=S(a)(1−S(a))S′(a)=S(a)(1−S(a))</a:t>
-            </a:r>
-            <a:r>
-              <a:rPr lang="en-US" sz="1200" b="0" i="0" kern="1200" dirty="0">
-                <a:solidFill>
-                  <a:schemeClr val="tx1"/>
-                </a:solidFill>
-                <a:effectLst/>
-                <a:latin typeface="+mn-lt"/>
-                <a:ea typeface="+mn-ea"/>
-                <a:cs typeface="+mn-cs"/>
-              </a:rPr>
-              <a:t>. When "</a:t>
-            </a:r>
-            <a:r>
-              <a:rPr lang="en-US" sz="1200" b="0" i="0" u="none" strike="noStrike" kern="1200" dirty="0">
-                <a:solidFill>
-                  <a:schemeClr val="tx1"/>
-                </a:solidFill>
-                <a:effectLst/>
-                <a:latin typeface="+mn-lt"/>
-                <a:ea typeface="+mn-ea"/>
-                <a:cs typeface="+mn-cs"/>
-              </a:rPr>
-              <a:t>aa</a:t>
-            </a:r>
-            <a:r>
-              <a:rPr lang="en-US" sz="1200" b="0" i="0" kern="1200" dirty="0">
-                <a:solidFill>
-                  <a:schemeClr val="tx1"/>
-                </a:solidFill>
-                <a:effectLst/>
-                <a:latin typeface="+mn-lt"/>
-                <a:ea typeface="+mn-ea"/>
-                <a:cs typeface="+mn-cs"/>
-              </a:rPr>
-              <a:t>" grows to infinite large , </a:t>
-            </a:r>
-            <a:r>
-              <a:rPr lang="en-US" sz="1200" b="0" i="0" u="none" strike="noStrike" kern="1200" dirty="0">
-                <a:solidFill>
-                  <a:schemeClr val="tx1"/>
-                </a:solidFill>
-                <a:effectLst/>
-                <a:latin typeface="+mn-lt"/>
-                <a:ea typeface="+mn-ea"/>
-                <a:cs typeface="+mn-cs"/>
-              </a:rPr>
-              <a:t>S′(a)=S(a)(1−S(a))=1×(1−1)=0S′(a)=S(a)(1−S(a))=1×(1−1)=0</a:t>
-            </a:r>
-            <a:r>
-              <a:rPr lang="en-US" sz="1200" b="0" i="0" kern="1200" dirty="0">
-                <a:solidFill>
-                  <a:schemeClr val="tx1"/>
-                </a:solidFill>
-                <a:effectLst/>
-                <a:latin typeface="+mn-lt"/>
-                <a:ea typeface="+mn-ea"/>
-                <a:cs typeface="+mn-cs"/>
-              </a:rPr>
-              <a:t>).</a:t>
-            </a:r>
-          </a:p>
-          <a:p>
-            <a:pPr fontAlgn="base"/>
-            <a:r>
-              <a:rPr lang="en-US" sz="1200" b="0" i="0" kern="1200" dirty="0" err="1">
-                <a:solidFill>
-                  <a:schemeClr val="tx1"/>
-                </a:solidFill>
-                <a:effectLst/>
-                <a:latin typeface="+mn-lt"/>
-                <a:ea typeface="+mn-ea"/>
-                <a:cs typeface="+mn-cs"/>
-              </a:rPr>
-              <a:t>Relu</a:t>
-            </a:r>
-            <a:r>
-              <a:rPr lang="en-US" sz="1200" b="0" i="0" kern="1200" dirty="0">
-                <a:solidFill>
-                  <a:schemeClr val="tx1"/>
-                </a:solidFill>
-                <a:effectLst/>
-                <a:latin typeface="+mn-lt"/>
-                <a:ea typeface="+mn-ea"/>
-                <a:cs typeface="+mn-cs"/>
-              </a:rPr>
-              <a:t> : tend to blow up activation (there is no mechanism to constrain the output of the neuron, as "</a:t>
-            </a:r>
-            <a:r>
-              <a:rPr lang="en-US" sz="1200" b="0" i="0" u="none" strike="noStrike" kern="1200" dirty="0">
-                <a:solidFill>
-                  <a:schemeClr val="tx1"/>
-                </a:solidFill>
-                <a:effectLst/>
-                <a:latin typeface="+mn-lt"/>
-                <a:ea typeface="+mn-ea"/>
-                <a:cs typeface="+mn-cs"/>
-              </a:rPr>
-              <a:t>aa</a:t>
-            </a:r>
-            <a:r>
-              <a:rPr lang="en-US" sz="1200" b="0" i="0" kern="1200" dirty="0">
-                <a:solidFill>
-                  <a:schemeClr val="tx1"/>
-                </a:solidFill>
-                <a:effectLst/>
-                <a:latin typeface="+mn-lt"/>
-                <a:ea typeface="+mn-ea"/>
-                <a:cs typeface="+mn-cs"/>
-              </a:rPr>
-              <a:t>" itself is the output)</a:t>
-            </a:r>
-          </a:p>
-          <a:p>
-            <a:pPr fontAlgn="base"/>
-            <a:r>
-              <a:rPr lang="en-US" sz="1200" b="0" i="0" kern="1200" dirty="0" err="1">
-                <a:solidFill>
-                  <a:schemeClr val="tx1"/>
-                </a:solidFill>
-                <a:effectLst/>
-                <a:latin typeface="+mn-lt"/>
-                <a:ea typeface="+mn-ea"/>
-                <a:cs typeface="+mn-cs"/>
-              </a:rPr>
-              <a:t>Relu</a:t>
-            </a:r>
-            <a:r>
-              <a:rPr lang="en-US" sz="1200" b="0" i="0" kern="1200" dirty="0">
-                <a:solidFill>
-                  <a:schemeClr val="tx1"/>
-                </a:solidFill>
-                <a:effectLst/>
-                <a:latin typeface="+mn-lt"/>
-                <a:ea typeface="+mn-ea"/>
-                <a:cs typeface="+mn-cs"/>
-              </a:rPr>
-              <a:t> : Dying </a:t>
-            </a:r>
-            <a:r>
-              <a:rPr lang="en-US" sz="1200" b="0" i="0" kern="1200" dirty="0" err="1">
-                <a:solidFill>
-                  <a:schemeClr val="tx1"/>
-                </a:solidFill>
-                <a:effectLst/>
-                <a:latin typeface="+mn-lt"/>
-                <a:ea typeface="+mn-ea"/>
-                <a:cs typeface="+mn-cs"/>
-              </a:rPr>
-              <a:t>Relu</a:t>
-            </a:r>
-            <a:r>
-              <a:rPr lang="en-US" sz="1200" b="0" i="0" kern="1200" dirty="0">
-                <a:solidFill>
-                  <a:schemeClr val="tx1"/>
-                </a:solidFill>
-                <a:effectLst/>
-                <a:latin typeface="+mn-lt"/>
-                <a:ea typeface="+mn-ea"/>
-                <a:cs typeface="+mn-cs"/>
-              </a:rPr>
-              <a:t> problem - if too many activations get below zero then most of the units(neurons) in network with </a:t>
-            </a:r>
-            <a:r>
-              <a:rPr lang="en-US" sz="1200" b="0" i="0" kern="1200" dirty="0" err="1">
-                <a:solidFill>
-                  <a:schemeClr val="tx1"/>
-                </a:solidFill>
-                <a:effectLst/>
-                <a:latin typeface="+mn-lt"/>
-                <a:ea typeface="+mn-ea"/>
-                <a:cs typeface="+mn-cs"/>
-              </a:rPr>
-              <a:t>Relu</a:t>
-            </a:r>
-            <a:r>
-              <a:rPr lang="en-US" sz="1200" b="0" i="0" kern="1200" dirty="0">
-                <a:solidFill>
-                  <a:schemeClr val="tx1"/>
-                </a:solidFill>
-                <a:effectLst/>
-                <a:latin typeface="+mn-lt"/>
-                <a:ea typeface="+mn-ea"/>
-                <a:cs typeface="+mn-cs"/>
-              </a:rPr>
-              <a:t> will simply output zero, in other words, die and thereby prohibiting learning.(This can be handled, to some extent, by using Leaky-</a:t>
-            </a:r>
-            <a:r>
-              <a:rPr lang="en-US" sz="1200" b="0" i="0" kern="1200" dirty="0" err="1">
-                <a:solidFill>
-                  <a:schemeClr val="tx1"/>
-                </a:solidFill>
-                <a:effectLst/>
-                <a:latin typeface="+mn-lt"/>
-                <a:ea typeface="+mn-ea"/>
-                <a:cs typeface="+mn-cs"/>
-              </a:rPr>
-              <a:t>Relu</a:t>
-            </a:r>
-            <a:r>
-              <a:rPr lang="en-US" sz="1200" b="0" i="0" kern="1200" dirty="0">
-                <a:solidFill>
-                  <a:schemeClr val="tx1"/>
-                </a:solidFill>
-                <a:effectLst/>
-                <a:latin typeface="+mn-lt"/>
-                <a:ea typeface="+mn-ea"/>
-                <a:cs typeface="+mn-cs"/>
-              </a:rPr>
-              <a:t> instead.)</a:t>
-            </a:r>
-          </a:p>
-          <a:p>
-            <a:pPr fontAlgn="base"/>
-            <a:endParaRPr lang="en-US" sz="1200" b="0" i="0" kern="1200" dirty="0">
-              <a:solidFill>
-                <a:schemeClr val="tx1"/>
-              </a:solidFill>
-              <a:effectLst/>
-              <a:latin typeface="+mn-lt"/>
-              <a:ea typeface="+mn-ea"/>
-              <a:cs typeface="+mn-cs"/>
-            </a:endParaRPr>
-          </a:p>
-          <a:p>
-            <a:pPr fontAlgn="base"/>
-            <a:br>
-              <a:rPr lang="en-US" sz="1200" b="0" i="0" kern="1200" dirty="0">
-                <a:solidFill>
-                  <a:schemeClr val="tx1"/>
-                </a:solidFill>
-                <a:effectLst/>
-                <a:latin typeface="+mn-lt"/>
-                <a:ea typeface="+mn-ea"/>
-                <a:cs typeface="+mn-cs"/>
-              </a:rPr>
-            </a:br>
-            <a:r>
-              <a:rPr lang="en-US" sz="1200" b="0" i="0" kern="1200" dirty="0">
-                <a:solidFill>
-                  <a:schemeClr val="tx1"/>
-                </a:solidFill>
-                <a:effectLst/>
-                <a:latin typeface="+mn-lt"/>
-                <a:ea typeface="+mn-ea"/>
-                <a:cs typeface="+mn-cs"/>
-              </a:rPr>
-              <a:t>Just complementing the other answers:</a:t>
-            </a:r>
-          </a:p>
-          <a:p>
-            <a:pPr fontAlgn="base"/>
-            <a:r>
-              <a:rPr lang="en-US" sz="1200" b="1" i="0" kern="1200" dirty="0">
-                <a:solidFill>
-                  <a:schemeClr val="tx1"/>
-                </a:solidFill>
-                <a:effectLst/>
-                <a:latin typeface="+mn-lt"/>
-                <a:ea typeface="+mn-ea"/>
-                <a:cs typeface="+mn-cs"/>
-              </a:rPr>
-              <a:t>Vanishing Gradients</a:t>
-            </a:r>
-            <a:endParaRPr lang="en-US" sz="1200" b="0" i="0" kern="1200" dirty="0">
-              <a:solidFill>
-                <a:schemeClr val="tx1"/>
-              </a:solidFill>
-              <a:effectLst/>
-              <a:latin typeface="+mn-lt"/>
-              <a:ea typeface="+mn-ea"/>
-              <a:cs typeface="+mn-cs"/>
-            </a:endParaRPr>
-          </a:p>
-          <a:p>
-            <a:pPr fontAlgn="base"/>
-            <a:r>
-              <a:rPr lang="en-US" sz="1200" b="0" i="0" kern="1200" dirty="0">
-                <a:solidFill>
-                  <a:schemeClr val="tx1"/>
-                </a:solidFill>
-                <a:effectLst/>
-                <a:latin typeface="+mn-lt"/>
-                <a:ea typeface="+mn-ea"/>
-                <a:cs typeface="+mn-cs"/>
-              </a:rPr>
-              <a:t>The other answers are right to point out that the bigger the input (in absolute value) the smaller the gradient of the sigmoid function. But, probably an even more important effect is that the derivative of the sigmoid function is </a:t>
-            </a:r>
-            <a:r>
-              <a:rPr lang="en-US" sz="1200" b="1" i="0" kern="1200" dirty="0">
-                <a:solidFill>
-                  <a:schemeClr val="tx1"/>
-                </a:solidFill>
-                <a:effectLst/>
-                <a:latin typeface="+mn-lt"/>
-                <a:ea typeface="+mn-ea"/>
-                <a:cs typeface="+mn-cs"/>
-              </a:rPr>
-              <a:t>ALWAYS smaller than one</a:t>
-            </a:r>
-            <a:r>
-              <a:rPr lang="en-US" sz="1200" b="0" i="0" kern="1200" dirty="0">
-                <a:solidFill>
-                  <a:schemeClr val="tx1"/>
-                </a:solidFill>
-                <a:effectLst/>
-                <a:latin typeface="+mn-lt"/>
-                <a:ea typeface="+mn-ea"/>
-                <a:cs typeface="+mn-cs"/>
-              </a:rPr>
-              <a:t>. In fact it is at most 0.25!</a:t>
-            </a:r>
-          </a:p>
-          <a:p>
-            <a:pPr fontAlgn="base"/>
-            <a:r>
-              <a:rPr lang="en-US" sz="1200" b="0" i="0" kern="1200" dirty="0">
-                <a:solidFill>
-                  <a:schemeClr val="tx1"/>
-                </a:solidFill>
-                <a:effectLst/>
-                <a:latin typeface="+mn-lt"/>
-                <a:ea typeface="+mn-ea"/>
-                <a:cs typeface="+mn-cs"/>
-              </a:rPr>
-              <a:t>The down side of this is that if you have many layers, you will multiply these gradients, and the product of many smaller than 1 values goes to zero very quickly.</a:t>
-            </a:r>
-          </a:p>
-          <a:p>
-            <a:pPr fontAlgn="base"/>
-            <a:r>
-              <a:rPr lang="en-US" sz="1200" b="0" i="0" kern="1200" dirty="0">
-                <a:solidFill>
-                  <a:schemeClr val="tx1"/>
-                </a:solidFill>
-                <a:effectLst/>
-                <a:latin typeface="+mn-lt"/>
-                <a:ea typeface="+mn-ea"/>
-                <a:cs typeface="+mn-cs"/>
-              </a:rPr>
-              <a:t>Since the state of the art of for Deep Learning has shown that more layers helps a lot, then this disadvantage of the Sigmoid function is a game killer. </a:t>
-            </a:r>
-            <a:r>
-              <a:rPr lang="en-US" sz="1200" b="1" i="0" kern="1200" dirty="0">
-                <a:solidFill>
-                  <a:schemeClr val="tx1"/>
-                </a:solidFill>
-                <a:effectLst/>
-                <a:latin typeface="+mn-lt"/>
-                <a:ea typeface="+mn-ea"/>
-                <a:cs typeface="+mn-cs"/>
-              </a:rPr>
-              <a:t>You just can't do Deep Learning with Sigmoid.</a:t>
-            </a:r>
-            <a:endParaRPr lang="en-US" sz="1200" b="0" i="0" kern="1200" dirty="0">
-              <a:solidFill>
-                <a:schemeClr val="tx1"/>
-              </a:solidFill>
-              <a:effectLst/>
-              <a:latin typeface="+mn-lt"/>
-              <a:ea typeface="+mn-ea"/>
-              <a:cs typeface="+mn-cs"/>
-            </a:endParaRPr>
-          </a:p>
-          <a:p>
-            <a:pPr fontAlgn="base"/>
-            <a:r>
-              <a:rPr lang="en-US" sz="1200" b="0" i="0" kern="1200" dirty="0">
-                <a:solidFill>
-                  <a:schemeClr val="tx1"/>
-                </a:solidFill>
-                <a:effectLst/>
-                <a:latin typeface="+mn-lt"/>
-                <a:ea typeface="+mn-ea"/>
-                <a:cs typeface="+mn-cs"/>
-              </a:rPr>
-              <a:t>On the other hand the gradient of the </a:t>
-            </a:r>
-            <a:r>
-              <a:rPr lang="en-US" sz="1200" b="0" i="0" kern="1200" dirty="0" err="1">
-                <a:solidFill>
-                  <a:schemeClr val="tx1"/>
-                </a:solidFill>
-                <a:effectLst/>
-                <a:latin typeface="+mn-lt"/>
-                <a:ea typeface="+mn-ea"/>
-                <a:cs typeface="+mn-cs"/>
-              </a:rPr>
-              <a:t>ReLu</a:t>
-            </a:r>
-            <a:r>
-              <a:rPr lang="en-US" sz="1200" b="0" i="0" kern="1200" dirty="0">
-                <a:solidFill>
-                  <a:schemeClr val="tx1"/>
-                </a:solidFill>
-                <a:effectLst/>
-                <a:latin typeface="+mn-lt"/>
-                <a:ea typeface="+mn-ea"/>
-                <a:cs typeface="+mn-cs"/>
-              </a:rPr>
-              <a:t> function is either </a:t>
-            </a:r>
-            <a:r>
-              <a:rPr lang="en-US" sz="1200" b="0" i="0" u="none" strike="noStrike" kern="1200" dirty="0">
-                <a:solidFill>
-                  <a:schemeClr val="tx1"/>
-                </a:solidFill>
-                <a:effectLst/>
-                <a:latin typeface="+mn-lt"/>
-                <a:ea typeface="+mn-ea"/>
-                <a:cs typeface="+mn-cs"/>
-              </a:rPr>
-              <a:t>00</a:t>
-            </a:r>
-            <a:r>
-              <a:rPr lang="en-US" sz="1200" b="0" i="0" kern="1200" dirty="0">
-                <a:solidFill>
-                  <a:schemeClr val="tx1"/>
-                </a:solidFill>
-                <a:effectLst/>
-                <a:latin typeface="+mn-lt"/>
-                <a:ea typeface="+mn-ea"/>
-                <a:cs typeface="+mn-cs"/>
-              </a:rPr>
-              <a:t> for </a:t>
-            </a:r>
-            <a:r>
-              <a:rPr lang="en-US" sz="1200" b="0" i="0" u="none" strike="noStrike" kern="1200" dirty="0">
-                <a:solidFill>
-                  <a:schemeClr val="tx1"/>
-                </a:solidFill>
-                <a:effectLst/>
-                <a:latin typeface="+mn-lt"/>
-                <a:ea typeface="+mn-ea"/>
-                <a:cs typeface="+mn-cs"/>
-              </a:rPr>
-              <a:t>a&lt;0a&lt;0</a:t>
-            </a:r>
-            <a:r>
-              <a:rPr lang="en-US" sz="1200" b="0" i="0" kern="1200" dirty="0">
-                <a:solidFill>
-                  <a:schemeClr val="tx1"/>
-                </a:solidFill>
-                <a:effectLst/>
-                <a:latin typeface="+mn-lt"/>
-                <a:ea typeface="+mn-ea"/>
-                <a:cs typeface="+mn-cs"/>
-              </a:rPr>
-              <a:t> or </a:t>
-            </a:r>
-            <a:r>
-              <a:rPr lang="en-US" sz="1200" b="0" i="0" u="none" strike="noStrike" kern="1200" dirty="0">
-                <a:solidFill>
-                  <a:schemeClr val="tx1"/>
-                </a:solidFill>
-                <a:effectLst/>
-                <a:latin typeface="+mn-lt"/>
-                <a:ea typeface="+mn-ea"/>
-                <a:cs typeface="+mn-cs"/>
-              </a:rPr>
-              <a:t>11</a:t>
-            </a:r>
-            <a:r>
-              <a:rPr lang="en-US" sz="1200" b="0" i="0" kern="1200" dirty="0">
-                <a:solidFill>
-                  <a:schemeClr val="tx1"/>
-                </a:solidFill>
-                <a:effectLst/>
-                <a:latin typeface="+mn-lt"/>
-                <a:ea typeface="+mn-ea"/>
-                <a:cs typeface="+mn-cs"/>
-              </a:rPr>
-              <a:t> for </a:t>
-            </a:r>
-            <a:r>
-              <a:rPr lang="en-US" sz="1200" b="0" i="0" u="none" strike="noStrike" kern="1200" dirty="0">
-                <a:solidFill>
-                  <a:schemeClr val="tx1"/>
-                </a:solidFill>
-                <a:effectLst/>
-                <a:latin typeface="+mn-lt"/>
-                <a:ea typeface="+mn-ea"/>
-                <a:cs typeface="+mn-cs"/>
-              </a:rPr>
-              <a:t>a&gt;0a&gt;0</a:t>
-            </a:r>
-            <a:r>
-              <a:rPr lang="en-US" sz="1200" b="0" i="0" kern="1200" dirty="0">
-                <a:solidFill>
-                  <a:schemeClr val="tx1"/>
-                </a:solidFill>
-                <a:effectLst/>
-                <a:latin typeface="+mn-lt"/>
-                <a:ea typeface="+mn-ea"/>
-                <a:cs typeface="+mn-cs"/>
-              </a:rPr>
-              <a:t>. That means that you can put as many layers as you like, because multiplying the gradients will neither vanish nor explode.</a:t>
-            </a:r>
-          </a:p>
-          <a:p>
-            <a:pPr fontAlgn="base"/>
-            <a:endParaRPr lang="en-US" sz="1200" b="0" i="0" kern="1200" dirty="0">
-              <a:solidFill>
-                <a:schemeClr val="tx1"/>
-              </a:solidFill>
-              <a:effectLst/>
-              <a:latin typeface="+mn-lt"/>
-              <a:ea typeface="+mn-ea"/>
-              <a:cs typeface="+mn-cs"/>
-            </a:endParaRPr>
+            <a:r>
+              <a:rPr lang="pt-BR" dirty="0"/>
+              <a:t>Referências</a:t>
+            </a:r>
+          </a:p>
+          <a:p>
+            <a:r>
+              <a:rPr lang="pt-BR" dirty="0"/>
+              <a:t>[1] https://en.wikipedia.org/wiki/Activation_function</a:t>
+            </a:r>
           </a:p>
           <a:p>
             <a:endParaRPr lang="pt-BR" dirty="0"/>
@@ -1894,7 +1132,7 @@
           <a:p>
             <a:fld id="{F430A2A4-8C14-4B1A-AD48-7B6401078BF7}" type="slidenum">
               <a:rPr lang="pt-BR" smtClean="0"/>
-              <a:t>15</a:t>
+              <a:t>14</a:t>
             </a:fld>
             <a:endParaRPr lang="pt-BR"/>
           </a:p>
@@ -1903,7 +1141,7 @@
     </p:spTree>
     <p:extLst>
       <p:ext uri="{BB962C8B-B14F-4D97-AF65-F5344CB8AC3E}">
-        <p14:creationId xmlns:p14="http://schemas.microsoft.com/office/powerpoint/2010/main" val="343368178"/>
+        <p14:creationId xmlns:p14="http://schemas.microsoft.com/office/powerpoint/2010/main" val="4116391056"/>
       </p:ext>
     </p:extLst>
   </p:cSld>
@@ -1958,16 +1196,919 @@
           <a:lstStyle/>
           <a:p>
             <a:r>
-              <a:rPr lang="pt-BR" sz="1200" b="1" dirty="0"/>
-              <a:t>Laboratório #6:</a:t>
-            </a:r>
-            <a:r>
-              <a:rPr lang="pt-BR" sz="1200" dirty="0"/>
-              <a:t> https://mybinder.org/v2/gh/zz4fap/t320_aprendizado_de_maquina/main?filepath=labs%2FLaboratorio6.ipynb</a:t>
-            </a:r>
-          </a:p>
-          <a:p>
-            <a:endParaRPr lang="pt-BR" sz="1200" dirty="0"/>
+              <a:rPr lang="en-US" dirty="0"/>
+              <a:t>What are the advantages of </a:t>
+            </a:r>
+            <a:r>
+              <a:rPr lang="en-US" dirty="0" err="1"/>
+              <a:t>ReLU</a:t>
+            </a:r>
+            <a:r>
+              <a:rPr lang="en-US" dirty="0"/>
+              <a:t> over sigmoid function in deep neural networks?</a:t>
+            </a:r>
+            <a:endParaRPr lang="pt-BR" dirty="0"/>
+          </a:p>
+          <a:p>
+            <a:r>
+              <a:rPr lang="pt-BR" dirty="0">
+                <a:hlinkClick r:id="rId3"/>
+              </a:rPr>
+              <a:t>https://stats.stackexchange.com/questions/126238/what-are-the-advantages-of-relu-over-sigmoid-function-in-deep-neural-networks#:~:text=The%20main%20reason%20why%20ReLu,deep%20network%20with%20sigmoid%20activation.</a:t>
+            </a:r>
+            <a:endParaRPr lang="pt-BR" dirty="0"/>
+          </a:p>
+          <a:p>
+            <a:endParaRPr lang="pt-BR" dirty="0"/>
+          </a:p>
+          <a:p>
+            <a:pPr fontAlgn="base"/>
+            <a:r>
+              <a:rPr lang="en-US" sz="1200" b="1" i="0" kern="1200" dirty="0">
+                <a:solidFill>
+                  <a:schemeClr val="tx1"/>
+                </a:solidFill>
+                <a:effectLst/>
+                <a:latin typeface="+mn-lt"/>
+                <a:ea typeface="+mn-ea"/>
+                <a:cs typeface="+mn-cs"/>
+              </a:rPr>
+              <a:t>Advantage:</a:t>
+            </a:r>
+          </a:p>
+          <a:p>
+            <a:pPr fontAlgn="base"/>
+            <a:endParaRPr lang="en-US" sz="1200" b="0" i="0" kern="1200" dirty="0">
+              <a:solidFill>
+                <a:schemeClr val="tx1"/>
+              </a:solidFill>
+              <a:effectLst/>
+              <a:latin typeface="+mn-lt"/>
+              <a:ea typeface="+mn-ea"/>
+              <a:cs typeface="+mn-cs"/>
+            </a:endParaRPr>
+          </a:p>
+          <a:p>
+            <a:pPr fontAlgn="base"/>
+            <a:r>
+              <a:rPr lang="en-US" sz="1200" b="0" i="0" kern="1200" dirty="0">
+                <a:solidFill>
+                  <a:schemeClr val="tx1"/>
+                </a:solidFill>
+                <a:effectLst/>
+                <a:latin typeface="+mn-lt"/>
+                <a:ea typeface="+mn-ea"/>
+                <a:cs typeface="+mn-cs"/>
+              </a:rPr>
+              <a:t>Sigmoid: not blowing up activation</a:t>
+            </a:r>
+          </a:p>
+          <a:p>
+            <a:pPr fontAlgn="base"/>
+            <a:r>
+              <a:rPr lang="en-US" sz="1200" b="0" i="0" kern="1200" dirty="0" err="1">
+                <a:solidFill>
+                  <a:schemeClr val="tx1"/>
+                </a:solidFill>
+                <a:effectLst/>
+                <a:latin typeface="+mn-lt"/>
+                <a:ea typeface="+mn-ea"/>
+                <a:cs typeface="+mn-cs"/>
+              </a:rPr>
+              <a:t>Relu</a:t>
+            </a:r>
+            <a:r>
+              <a:rPr lang="en-US" sz="1200" b="0" i="0" kern="1200" dirty="0">
+                <a:solidFill>
+                  <a:schemeClr val="tx1"/>
+                </a:solidFill>
+                <a:effectLst/>
+                <a:latin typeface="+mn-lt"/>
+                <a:ea typeface="+mn-ea"/>
+                <a:cs typeface="+mn-cs"/>
+              </a:rPr>
+              <a:t> : not vanishing gradient</a:t>
+            </a:r>
+          </a:p>
+          <a:p>
+            <a:pPr fontAlgn="base"/>
+            <a:r>
+              <a:rPr lang="en-US" sz="1200" b="0" i="0" kern="1200" dirty="0" err="1">
+                <a:solidFill>
+                  <a:schemeClr val="tx1"/>
+                </a:solidFill>
+                <a:effectLst/>
+                <a:latin typeface="+mn-lt"/>
+                <a:ea typeface="+mn-ea"/>
+                <a:cs typeface="+mn-cs"/>
+              </a:rPr>
+              <a:t>Relu</a:t>
+            </a:r>
+            <a:r>
+              <a:rPr lang="en-US" sz="1200" b="0" i="0" kern="1200" dirty="0">
+                <a:solidFill>
+                  <a:schemeClr val="tx1"/>
+                </a:solidFill>
+                <a:effectLst/>
+                <a:latin typeface="+mn-lt"/>
+                <a:ea typeface="+mn-ea"/>
+                <a:cs typeface="+mn-cs"/>
+              </a:rPr>
+              <a:t> : More computationally efficient to compute than Sigmoid like functions since </a:t>
+            </a:r>
+            <a:r>
+              <a:rPr lang="en-US" sz="1200" b="0" i="0" kern="1200" dirty="0" err="1">
+                <a:solidFill>
+                  <a:schemeClr val="tx1"/>
+                </a:solidFill>
+                <a:effectLst/>
+                <a:latin typeface="+mn-lt"/>
+                <a:ea typeface="+mn-ea"/>
+                <a:cs typeface="+mn-cs"/>
+              </a:rPr>
+              <a:t>Relu</a:t>
+            </a:r>
+            <a:r>
+              <a:rPr lang="en-US" sz="1200" b="0" i="0" kern="1200" dirty="0">
+                <a:solidFill>
+                  <a:schemeClr val="tx1"/>
+                </a:solidFill>
+                <a:effectLst/>
+                <a:latin typeface="+mn-lt"/>
+                <a:ea typeface="+mn-ea"/>
+                <a:cs typeface="+mn-cs"/>
+              </a:rPr>
+              <a:t> just needs to pick max(0,</a:t>
+            </a:r>
+            <a:r>
+              <a:rPr lang="en-US" sz="1200" b="0" i="0" u="none" strike="noStrike" kern="1200" dirty="0">
+                <a:solidFill>
+                  <a:schemeClr val="tx1"/>
+                </a:solidFill>
+                <a:effectLst/>
+                <a:latin typeface="+mn-lt"/>
+                <a:ea typeface="+mn-ea"/>
+                <a:cs typeface="+mn-cs"/>
+              </a:rPr>
+              <a:t>xx</a:t>
+            </a:r>
+            <a:r>
+              <a:rPr lang="en-US" sz="1200" b="0" i="0" kern="1200" dirty="0">
+                <a:solidFill>
+                  <a:schemeClr val="tx1"/>
+                </a:solidFill>
+                <a:effectLst/>
+                <a:latin typeface="+mn-lt"/>
+                <a:ea typeface="+mn-ea"/>
+                <a:cs typeface="+mn-cs"/>
+              </a:rPr>
+              <a:t>) and not perform expensive exponential operations as in </a:t>
+            </a:r>
+            <a:r>
+              <a:rPr lang="en-US" sz="1200" b="0" i="0" kern="1200" dirty="0" err="1">
+                <a:solidFill>
+                  <a:schemeClr val="tx1"/>
+                </a:solidFill>
+                <a:effectLst/>
+                <a:latin typeface="+mn-lt"/>
+                <a:ea typeface="+mn-ea"/>
+                <a:cs typeface="+mn-cs"/>
+              </a:rPr>
+              <a:t>Sigmoids</a:t>
+            </a:r>
+            <a:endParaRPr lang="en-US" sz="1200" b="0" i="0" kern="1200" dirty="0">
+              <a:solidFill>
+                <a:schemeClr val="tx1"/>
+              </a:solidFill>
+              <a:effectLst/>
+              <a:latin typeface="+mn-lt"/>
+              <a:ea typeface="+mn-ea"/>
+              <a:cs typeface="+mn-cs"/>
+            </a:endParaRPr>
+          </a:p>
+          <a:p>
+            <a:pPr fontAlgn="base"/>
+            <a:r>
+              <a:rPr lang="en-US" sz="1200" b="0" i="0" kern="1200" dirty="0" err="1">
+                <a:solidFill>
+                  <a:schemeClr val="tx1"/>
+                </a:solidFill>
+                <a:effectLst/>
+                <a:latin typeface="+mn-lt"/>
+                <a:ea typeface="+mn-ea"/>
+                <a:cs typeface="+mn-cs"/>
+              </a:rPr>
+              <a:t>Relu</a:t>
+            </a:r>
+            <a:r>
+              <a:rPr lang="en-US" sz="1200" b="0" i="0" kern="1200" dirty="0">
+                <a:solidFill>
+                  <a:schemeClr val="tx1"/>
+                </a:solidFill>
+                <a:effectLst/>
+                <a:latin typeface="+mn-lt"/>
+                <a:ea typeface="+mn-ea"/>
+                <a:cs typeface="+mn-cs"/>
+              </a:rPr>
+              <a:t> : In practice, networks with </a:t>
+            </a:r>
+            <a:r>
+              <a:rPr lang="en-US" sz="1200" b="0" i="0" kern="1200" dirty="0" err="1">
+                <a:solidFill>
+                  <a:schemeClr val="tx1"/>
+                </a:solidFill>
+                <a:effectLst/>
+                <a:latin typeface="+mn-lt"/>
+                <a:ea typeface="+mn-ea"/>
+                <a:cs typeface="+mn-cs"/>
+              </a:rPr>
+              <a:t>Relu</a:t>
+            </a:r>
+            <a:r>
+              <a:rPr lang="en-US" sz="1200" b="0" i="0" kern="1200" dirty="0">
+                <a:solidFill>
+                  <a:schemeClr val="tx1"/>
+                </a:solidFill>
+                <a:effectLst/>
+                <a:latin typeface="+mn-lt"/>
+                <a:ea typeface="+mn-ea"/>
+                <a:cs typeface="+mn-cs"/>
+              </a:rPr>
+              <a:t> tend to show better convergence performance than sigmoid. (</a:t>
+            </a:r>
+            <a:r>
+              <a:rPr lang="en-US" sz="1200" b="0" i="0" u="sng" kern="1200" dirty="0" err="1">
+                <a:solidFill>
+                  <a:schemeClr val="tx1"/>
+                </a:solidFill>
+                <a:effectLst/>
+                <a:latin typeface="+mn-lt"/>
+                <a:ea typeface="+mn-ea"/>
+                <a:cs typeface="+mn-cs"/>
+                <a:hlinkClick r:id="rId4"/>
+              </a:rPr>
+              <a:t>Krizhevsky</a:t>
+            </a:r>
+            <a:r>
+              <a:rPr lang="en-US" sz="1200" b="0" i="0" u="sng" kern="1200" dirty="0">
+                <a:solidFill>
+                  <a:schemeClr val="tx1"/>
+                </a:solidFill>
+                <a:effectLst/>
+                <a:latin typeface="+mn-lt"/>
+                <a:ea typeface="+mn-ea"/>
+                <a:cs typeface="+mn-cs"/>
+                <a:hlinkClick r:id="rId4"/>
+              </a:rPr>
+              <a:t> et al.</a:t>
+            </a:r>
+            <a:r>
+              <a:rPr lang="en-US" sz="1200" b="0" i="0" kern="1200" dirty="0">
+                <a:solidFill>
+                  <a:schemeClr val="tx1"/>
+                </a:solidFill>
+                <a:effectLst/>
+                <a:latin typeface="+mn-lt"/>
+                <a:ea typeface="+mn-ea"/>
+                <a:cs typeface="+mn-cs"/>
+              </a:rPr>
+              <a:t>)</a:t>
+            </a:r>
+          </a:p>
+          <a:p>
+            <a:pPr fontAlgn="base"/>
+            <a:endParaRPr lang="en-US" sz="1200" b="0" i="0" kern="1200" dirty="0">
+              <a:solidFill>
+                <a:schemeClr val="tx1"/>
+              </a:solidFill>
+              <a:effectLst/>
+              <a:latin typeface="+mn-lt"/>
+              <a:ea typeface="+mn-ea"/>
+              <a:cs typeface="+mn-cs"/>
+            </a:endParaRPr>
+          </a:p>
+          <a:p>
+            <a:pPr fontAlgn="base"/>
+            <a:r>
+              <a:rPr lang="en-US" sz="1200" b="1" i="0" kern="1200" dirty="0">
+                <a:solidFill>
+                  <a:schemeClr val="tx1"/>
+                </a:solidFill>
+                <a:effectLst/>
+                <a:latin typeface="+mn-lt"/>
+                <a:ea typeface="+mn-ea"/>
+                <a:cs typeface="+mn-cs"/>
+              </a:rPr>
+              <a:t>Disadvantage:</a:t>
+            </a:r>
+            <a:endParaRPr lang="en-US" sz="1200" b="0" i="0" kern="1200" dirty="0">
+              <a:solidFill>
+                <a:schemeClr val="tx1"/>
+              </a:solidFill>
+              <a:effectLst/>
+              <a:latin typeface="+mn-lt"/>
+              <a:ea typeface="+mn-ea"/>
+              <a:cs typeface="+mn-cs"/>
+            </a:endParaRPr>
+          </a:p>
+          <a:p>
+            <a:pPr fontAlgn="base"/>
+            <a:r>
+              <a:rPr lang="en-US" sz="1200" b="0" i="0" kern="1200" dirty="0">
+                <a:solidFill>
+                  <a:schemeClr val="tx1"/>
+                </a:solidFill>
+                <a:effectLst/>
+                <a:latin typeface="+mn-lt"/>
+                <a:ea typeface="+mn-ea"/>
+                <a:cs typeface="+mn-cs"/>
+              </a:rPr>
+              <a:t>Sigmoid: tend to vanish gradient (cause there is a mechanism to reduce the gradient as "</a:t>
+            </a:r>
+            <a:r>
+              <a:rPr lang="en-US" sz="1200" b="0" i="0" u="none" strike="noStrike" kern="1200" dirty="0">
+                <a:solidFill>
+                  <a:schemeClr val="tx1"/>
+                </a:solidFill>
+                <a:effectLst/>
+                <a:latin typeface="+mn-lt"/>
+                <a:ea typeface="+mn-ea"/>
+                <a:cs typeface="+mn-cs"/>
+              </a:rPr>
+              <a:t>aa</a:t>
+            </a:r>
+            <a:r>
+              <a:rPr lang="en-US" sz="1200" b="0" i="0" kern="1200" dirty="0">
+                <a:solidFill>
+                  <a:schemeClr val="tx1"/>
+                </a:solidFill>
+                <a:effectLst/>
+                <a:latin typeface="+mn-lt"/>
+                <a:ea typeface="+mn-ea"/>
+                <a:cs typeface="+mn-cs"/>
+              </a:rPr>
+              <a:t>" increase, where "</a:t>
+            </a:r>
+            <a:r>
+              <a:rPr lang="en-US" sz="1200" b="0" i="0" u="none" strike="noStrike" kern="1200" dirty="0">
+                <a:solidFill>
+                  <a:schemeClr val="tx1"/>
+                </a:solidFill>
+                <a:effectLst/>
+                <a:latin typeface="+mn-lt"/>
+                <a:ea typeface="+mn-ea"/>
+                <a:cs typeface="+mn-cs"/>
+              </a:rPr>
+              <a:t>aa</a:t>
+            </a:r>
+            <a:r>
+              <a:rPr lang="en-US" sz="1200" b="0" i="0" kern="1200" dirty="0">
+                <a:solidFill>
+                  <a:schemeClr val="tx1"/>
+                </a:solidFill>
+                <a:effectLst/>
+                <a:latin typeface="+mn-lt"/>
+                <a:ea typeface="+mn-ea"/>
+                <a:cs typeface="+mn-cs"/>
+              </a:rPr>
+              <a:t>" is the input of a sigmoid function. Gradient of Sigmoid: </a:t>
+            </a:r>
+            <a:r>
+              <a:rPr lang="en-US" sz="1200" b="0" i="0" u="none" strike="noStrike" kern="1200" dirty="0">
+                <a:solidFill>
+                  <a:schemeClr val="tx1"/>
+                </a:solidFill>
+                <a:effectLst/>
+                <a:latin typeface="+mn-lt"/>
+                <a:ea typeface="+mn-ea"/>
+                <a:cs typeface="+mn-cs"/>
+              </a:rPr>
+              <a:t>S′(a)=S(a)(1−S(a))S′(a)=S(a)(1−S(a))</a:t>
+            </a:r>
+            <a:r>
+              <a:rPr lang="en-US" sz="1200" b="0" i="0" kern="1200" dirty="0">
+                <a:solidFill>
+                  <a:schemeClr val="tx1"/>
+                </a:solidFill>
+                <a:effectLst/>
+                <a:latin typeface="+mn-lt"/>
+                <a:ea typeface="+mn-ea"/>
+                <a:cs typeface="+mn-cs"/>
+              </a:rPr>
+              <a:t>. When "</a:t>
+            </a:r>
+            <a:r>
+              <a:rPr lang="en-US" sz="1200" b="0" i="0" u="none" strike="noStrike" kern="1200" dirty="0">
+                <a:solidFill>
+                  <a:schemeClr val="tx1"/>
+                </a:solidFill>
+                <a:effectLst/>
+                <a:latin typeface="+mn-lt"/>
+                <a:ea typeface="+mn-ea"/>
+                <a:cs typeface="+mn-cs"/>
+              </a:rPr>
+              <a:t>aa</a:t>
+            </a:r>
+            <a:r>
+              <a:rPr lang="en-US" sz="1200" b="0" i="0" kern="1200" dirty="0">
+                <a:solidFill>
+                  <a:schemeClr val="tx1"/>
+                </a:solidFill>
+                <a:effectLst/>
+                <a:latin typeface="+mn-lt"/>
+                <a:ea typeface="+mn-ea"/>
+                <a:cs typeface="+mn-cs"/>
+              </a:rPr>
+              <a:t>" grows to infinite large , </a:t>
+            </a:r>
+            <a:r>
+              <a:rPr lang="en-US" sz="1200" b="0" i="0" u="none" strike="noStrike" kern="1200" dirty="0">
+                <a:solidFill>
+                  <a:schemeClr val="tx1"/>
+                </a:solidFill>
+                <a:effectLst/>
+                <a:latin typeface="+mn-lt"/>
+                <a:ea typeface="+mn-ea"/>
+                <a:cs typeface="+mn-cs"/>
+              </a:rPr>
+              <a:t>S′(a)=S(a)(1−S(a))=1×(1−1)=0S′(a)=S(a)(1−S(a))=1×(1−1)=0</a:t>
+            </a:r>
+            <a:r>
+              <a:rPr lang="en-US" sz="1200" b="0" i="0" kern="1200" dirty="0">
+                <a:solidFill>
+                  <a:schemeClr val="tx1"/>
+                </a:solidFill>
+                <a:effectLst/>
+                <a:latin typeface="+mn-lt"/>
+                <a:ea typeface="+mn-ea"/>
+                <a:cs typeface="+mn-cs"/>
+              </a:rPr>
+              <a:t>).</a:t>
+            </a:r>
+          </a:p>
+          <a:p>
+            <a:pPr fontAlgn="base"/>
+            <a:r>
+              <a:rPr lang="en-US" sz="1200" b="0" i="0" kern="1200" dirty="0" err="1">
+                <a:solidFill>
+                  <a:schemeClr val="tx1"/>
+                </a:solidFill>
+                <a:effectLst/>
+                <a:latin typeface="+mn-lt"/>
+                <a:ea typeface="+mn-ea"/>
+                <a:cs typeface="+mn-cs"/>
+              </a:rPr>
+              <a:t>Relu</a:t>
+            </a:r>
+            <a:r>
+              <a:rPr lang="en-US" sz="1200" b="0" i="0" kern="1200" dirty="0">
+                <a:solidFill>
+                  <a:schemeClr val="tx1"/>
+                </a:solidFill>
+                <a:effectLst/>
+                <a:latin typeface="+mn-lt"/>
+                <a:ea typeface="+mn-ea"/>
+                <a:cs typeface="+mn-cs"/>
+              </a:rPr>
+              <a:t> : tend to blow up activation (there is no mechanism to constrain the output of the neuron, as "</a:t>
+            </a:r>
+            <a:r>
+              <a:rPr lang="en-US" sz="1200" b="0" i="0" u="none" strike="noStrike" kern="1200" dirty="0">
+                <a:solidFill>
+                  <a:schemeClr val="tx1"/>
+                </a:solidFill>
+                <a:effectLst/>
+                <a:latin typeface="+mn-lt"/>
+                <a:ea typeface="+mn-ea"/>
+                <a:cs typeface="+mn-cs"/>
+              </a:rPr>
+              <a:t>aa</a:t>
+            </a:r>
+            <a:r>
+              <a:rPr lang="en-US" sz="1200" b="0" i="0" kern="1200" dirty="0">
+                <a:solidFill>
+                  <a:schemeClr val="tx1"/>
+                </a:solidFill>
+                <a:effectLst/>
+                <a:latin typeface="+mn-lt"/>
+                <a:ea typeface="+mn-ea"/>
+                <a:cs typeface="+mn-cs"/>
+              </a:rPr>
+              <a:t>" itself is the output)</a:t>
+            </a:r>
+          </a:p>
+          <a:p>
+            <a:pPr fontAlgn="base"/>
+            <a:r>
+              <a:rPr lang="en-US" sz="1200" b="0" i="0" kern="1200" dirty="0" err="1">
+                <a:solidFill>
+                  <a:schemeClr val="tx1"/>
+                </a:solidFill>
+                <a:effectLst/>
+                <a:latin typeface="+mn-lt"/>
+                <a:ea typeface="+mn-ea"/>
+                <a:cs typeface="+mn-cs"/>
+              </a:rPr>
+              <a:t>Relu</a:t>
+            </a:r>
+            <a:r>
+              <a:rPr lang="en-US" sz="1200" b="0" i="0" kern="1200" dirty="0">
+                <a:solidFill>
+                  <a:schemeClr val="tx1"/>
+                </a:solidFill>
+                <a:effectLst/>
+                <a:latin typeface="+mn-lt"/>
+                <a:ea typeface="+mn-ea"/>
+                <a:cs typeface="+mn-cs"/>
+              </a:rPr>
+              <a:t> : Dying </a:t>
+            </a:r>
+            <a:r>
+              <a:rPr lang="en-US" sz="1200" b="0" i="0" kern="1200" dirty="0" err="1">
+                <a:solidFill>
+                  <a:schemeClr val="tx1"/>
+                </a:solidFill>
+                <a:effectLst/>
+                <a:latin typeface="+mn-lt"/>
+                <a:ea typeface="+mn-ea"/>
+                <a:cs typeface="+mn-cs"/>
+              </a:rPr>
+              <a:t>Relu</a:t>
+            </a:r>
+            <a:r>
+              <a:rPr lang="en-US" sz="1200" b="0" i="0" kern="1200" dirty="0">
+                <a:solidFill>
+                  <a:schemeClr val="tx1"/>
+                </a:solidFill>
+                <a:effectLst/>
+                <a:latin typeface="+mn-lt"/>
+                <a:ea typeface="+mn-ea"/>
+                <a:cs typeface="+mn-cs"/>
+              </a:rPr>
+              <a:t> problem - if too many activations get below zero then most of the units(neurons) in network with </a:t>
+            </a:r>
+            <a:r>
+              <a:rPr lang="en-US" sz="1200" b="0" i="0" kern="1200" dirty="0" err="1">
+                <a:solidFill>
+                  <a:schemeClr val="tx1"/>
+                </a:solidFill>
+                <a:effectLst/>
+                <a:latin typeface="+mn-lt"/>
+                <a:ea typeface="+mn-ea"/>
+                <a:cs typeface="+mn-cs"/>
+              </a:rPr>
+              <a:t>Relu</a:t>
+            </a:r>
+            <a:r>
+              <a:rPr lang="en-US" sz="1200" b="0" i="0" kern="1200" dirty="0">
+                <a:solidFill>
+                  <a:schemeClr val="tx1"/>
+                </a:solidFill>
+                <a:effectLst/>
+                <a:latin typeface="+mn-lt"/>
+                <a:ea typeface="+mn-ea"/>
+                <a:cs typeface="+mn-cs"/>
+              </a:rPr>
+              <a:t> will simply output zero, in other words, die and thereby prohibiting learning.(This can be handled, to some extent, by using Leaky-</a:t>
+            </a:r>
+            <a:r>
+              <a:rPr lang="en-US" sz="1200" b="0" i="0" kern="1200" dirty="0" err="1">
+                <a:solidFill>
+                  <a:schemeClr val="tx1"/>
+                </a:solidFill>
+                <a:effectLst/>
+                <a:latin typeface="+mn-lt"/>
+                <a:ea typeface="+mn-ea"/>
+                <a:cs typeface="+mn-cs"/>
+              </a:rPr>
+              <a:t>Relu</a:t>
+            </a:r>
+            <a:r>
+              <a:rPr lang="en-US" sz="1200" b="0" i="0" kern="1200" dirty="0">
+                <a:solidFill>
+                  <a:schemeClr val="tx1"/>
+                </a:solidFill>
+                <a:effectLst/>
+                <a:latin typeface="+mn-lt"/>
+                <a:ea typeface="+mn-ea"/>
+                <a:cs typeface="+mn-cs"/>
+              </a:rPr>
+              <a:t> instead.)</a:t>
+            </a:r>
+          </a:p>
+          <a:p>
+            <a:pPr fontAlgn="base"/>
+            <a:endParaRPr lang="en-US" sz="1200" b="0" i="0" kern="1200" dirty="0">
+              <a:solidFill>
+                <a:schemeClr val="tx1"/>
+              </a:solidFill>
+              <a:effectLst/>
+              <a:latin typeface="+mn-lt"/>
+              <a:ea typeface="+mn-ea"/>
+              <a:cs typeface="+mn-cs"/>
+            </a:endParaRPr>
+          </a:p>
+          <a:p>
+            <a:pPr fontAlgn="base"/>
+            <a:r>
+              <a:rPr lang="en-US" sz="1200" b="0" i="0" kern="1200" dirty="0">
+                <a:solidFill>
+                  <a:schemeClr val="tx1"/>
+                </a:solidFill>
+                <a:effectLst/>
+                <a:latin typeface="+mn-lt"/>
+                <a:ea typeface="+mn-ea"/>
+                <a:cs typeface="+mn-cs"/>
+              </a:rPr>
+              <a:t/>
+            </a:r>
+            <a:br>
+              <a:rPr lang="en-US" sz="1200" b="0" i="0" kern="1200" dirty="0">
+                <a:solidFill>
+                  <a:schemeClr val="tx1"/>
+                </a:solidFill>
+                <a:effectLst/>
+                <a:latin typeface="+mn-lt"/>
+                <a:ea typeface="+mn-ea"/>
+                <a:cs typeface="+mn-cs"/>
+              </a:rPr>
+            </a:br>
+            <a:r>
+              <a:rPr lang="en-US" sz="1200" b="0" i="0" kern="1200" dirty="0">
+                <a:solidFill>
+                  <a:schemeClr val="tx1"/>
+                </a:solidFill>
+                <a:effectLst/>
+                <a:latin typeface="+mn-lt"/>
+                <a:ea typeface="+mn-ea"/>
+                <a:cs typeface="+mn-cs"/>
+              </a:rPr>
+              <a:t>Just complementing the other answers:</a:t>
+            </a:r>
+          </a:p>
+          <a:p>
+            <a:pPr fontAlgn="base"/>
+            <a:r>
+              <a:rPr lang="en-US" sz="1200" b="1" i="0" kern="1200" dirty="0">
+                <a:solidFill>
+                  <a:schemeClr val="tx1"/>
+                </a:solidFill>
+                <a:effectLst/>
+                <a:latin typeface="+mn-lt"/>
+                <a:ea typeface="+mn-ea"/>
+                <a:cs typeface="+mn-cs"/>
+              </a:rPr>
+              <a:t>Vanishing Gradients</a:t>
+            </a:r>
+            <a:endParaRPr lang="en-US" sz="1200" b="0" i="0" kern="1200" dirty="0">
+              <a:solidFill>
+                <a:schemeClr val="tx1"/>
+              </a:solidFill>
+              <a:effectLst/>
+              <a:latin typeface="+mn-lt"/>
+              <a:ea typeface="+mn-ea"/>
+              <a:cs typeface="+mn-cs"/>
+            </a:endParaRPr>
+          </a:p>
+          <a:p>
+            <a:pPr fontAlgn="base"/>
+            <a:r>
+              <a:rPr lang="en-US" sz="1200" b="0" i="0" kern="1200" dirty="0">
+                <a:solidFill>
+                  <a:schemeClr val="tx1"/>
+                </a:solidFill>
+                <a:effectLst/>
+                <a:latin typeface="+mn-lt"/>
+                <a:ea typeface="+mn-ea"/>
+                <a:cs typeface="+mn-cs"/>
+              </a:rPr>
+              <a:t>The other answers are right to point out that the bigger the input (in absolute value) the smaller the gradient of the sigmoid function. But, probably an even more important effect is that the derivative of the sigmoid function is </a:t>
+            </a:r>
+            <a:r>
+              <a:rPr lang="en-US" sz="1200" b="1" i="0" kern="1200" dirty="0">
+                <a:solidFill>
+                  <a:schemeClr val="tx1"/>
+                </a:solidFill>
+                <a:effectLst/>
+                <a:latin typeface="+mn-lt"/>
+                <a:ea typeface="+mn-ea"/>
+                <a:cs typeface="+mn-cs"/>
+              </a:rPr>
+              <a:t>ALWAYS smaller than one</a:t>
+            </a:r>
+            <a:r>
+              <a:rPr lang="en-US" sz="1200" b="0" i="0" kern="1200" dirty="0">
+                <a:solidFill>
+                  <a:schemeClr val="tx1"/>
+                </a:solidFill>
+                <a:effectLst/>
+                <a:latin typeface="+mn-lt"/>
+                <a:ea typeface="+mn-ea"/>
+                <a:cs typeface="+mn-cs"/>
+              </a:rPr>
+              <a:t>. In fact it is at most 0.25!</a:t>
+            </a:r>
+          </a:p>
+          <a:p>
+            <a:pPr fontAlgn="base"/>
+            <a:r>
+              <a:rPr lang="en-US" sz="1200" b="0" i="0" kern="1200" dirty="0">
+                <a:solidFill>
+                  <a:schemeClr val="tx1"/>
+                </a:solidFill>
+                <a:effectLst/>
+                <a:latin typeface="+mn-lt"/>
+                <a:ea typeface="+mn-ea"/>
+                <a:cs typeface="+mn-cs"/>
+              </a:rPr>
+              <a:t>The down side of this is that if you have many layers, you will multiply these gradients, and the product of many smaller than 1 values goes to zero very quickly.</a:t>
+            </a:r>
+          </a:p>
+          <a:p>
+            <a:pPr fontAlgn="base"/>
+            <a:r>
+              <a:rPr lang="en-US" sz="1200" b="0" i="0" kern="1200" dirty="0">
+                <a:solidFill>
+                  <a:schemeClr val="tx1"/>
+                </a:solidFill>
+                <a:effectLst/>
+                <a:latin typeface="+mn-lt"/>
+                <a:ea typeface="+mn-ea"/>
+                <a:cs typeface="+mn-cs"/>
+              </a:rPr>
+              <a:t>Since the state of the art of for Deep Learning has shown that more layers helps a lot, then this disadvantage of the Sigmoid function is a game killer. </a:t>
+            </a:r>
+            <a:r>
+              <a:rPr lang="en-US" sz="1200" b="1" i="0" kern="1200" dirty="0">
+                <a:solidFill>
+                  <a:schemeClr val="tx1"/>
+                </a:solidFill>
+                <a:effectLst/>
+                <a:latin typeface="+mn-lt"/>
+                <a:ea typeface="+mn-ea"/>
+                <a:cs typeface="+mn-cs"/>
+              </a:rPr>
+              <a:t>You just can't do Deep Learning with Sigmoid.</a:t>
+            </a:r>
+            <a:endParaRPr lang="en-US" sz="1200" b="0" i="0" kern="1200" dirty="0">
+              <a:solidFill>
+                <a:schemeClr val="tx1"/>
+              </a:solidFill>
+              <a:effectLst/>
+              <a:latin typeface="+mn-lt"/>
+              <a:ea typeface="+mn-ea"/>
+              <a:cs typeface="+mn-cs"/>
+            </a:endParaRPr>
+          </a:p>
+          <a:p>
+            <a:pPr fontAlgn="base"/>
+            <a:r>
+              <a:rPr lang="en-US" sz="1200" b="0" i="0" kern="1200" dirty="0">
+                <a:solidFill>
+                  <a:schemeClr val="tx1"/>
+                </a:solidFill>
+                <a:effectLst/>
+                <a:latin typeface="+mn-lt"/>
+                <a:ea typeface="+mn-ea"/>
+                <a:cs typeface="+mn-cs"/>
+              </a:rPr>
+              <a:t>On the other hand the gradient of the </a:t>
+            </a:r>
+            <a:r>
+              <a:rPr lang="en-US" sz="1200" b="0" i="0" kern="1200" dirty="0" err="1">
+                <a:solidFill>
+                  <a:schemeClr val="tx1"/>
+                </a:solidFill>
+                <a:effectLst/>
+                <a:latin typeface="+mn-lt"/>
+                <a:ea typeface="+mn-ea"/>
+                <a:cs typeface="+mn-cs"/>
+              </a:rPr>
+              <a:t>ReLu</a:t>
+            </a:r>
+            <a:r>
+              <a:rPr lang="en-US" sz="1200" b="0" i="0" kern="1200" dirty="0">
+                <a:solidFill>
+                  <a:schemeClr val="tx1"/>
+                </a:solidFill>
+                <a:effectLst/>
+                <a:latin typeface="+mn-lt"/>
+                <a:ea typeface="+mn-ea"/>
+                <a:cs typeface="+mn-cs"/>
+              </a:rPr>
+              <a:t> function is either </a:t>
+            </a:r>
+            <a:r>
+              <a:rPr lang="en-US" sz="1200" b="0" i="0" u="none" strike="noStrike" kern="1200" dirty="0">
+                <a:solidFill>
+                  <a:schemeClr val="tx1"/>
+                </a:solidFill>
+                <a:effectLst/>
+                <a:latin typeface="+mn-lt"/>
+                <a:ea typeface="+mn-ea"/>
+                <a:cs typeface="+mn-cs"/>
+              </a:rPr>
+              <a:t>00</a:t>
+            </a:r>
+            <a:r>
+              <a:rPr lang="en-US" sz="1200" b="0" i="0" kern="1200" dirty="0">
+                <a:solidFill>
+                  <a:schemeClr val="tx1"/>
+                </a:solidFill>
+                <a:effectLst/>
+                <a:latin typeface="+mn-lt"/>
+                <a:ea typeface="+mn-ea"/>
+                <a:cs typeface="+mn-cs"/>
+              </a:rPr>
+              <a:t> for </a:t>
+            </a:r>
+            <a:r>
+              <a:rPr lang="en-US" sz="1200" b="0" i="0" u="none" strike="noStrike" kern="1200" dirty="0">
+                <a:solidFill>
+                  <a:schemeClr val="tx1"/>
+                </a:solidFill>
+                <a:effectLst/>
+                <a:latin typeface="+mn-lt"/>
+                <a:ea typeface="+mn-ea"/>
+                <a:cs typeface="+mn-cs"/>
+              </a:rPr>
+              <a:t>a&lt;0a&lt;0</a:t>
+            </a:r>
+            <a:r>
+              <a:rPr lang="en-US" sz="1200" b="0" i="0" kern="1200" dirty="0">
+                <a:solidFill>
+                  <a:schemeClr val="tx1"/>
+                </a:solidFill>
+                <a:effectLst/>
+                <a:latin typeface="+mn-lt"/>
+                <a:ea typeface="+mn-ea"/>
+                <a:cs typeface="+mn-cs"/>
+              </a:rPr>
+              <a:t> or </a:t>
+            </a:r>
+            <a:r>
+              <a:rPr lang="en-US" sz="1200" b="0" i="0" u="none" strike="noStrike" kern="1200" dirty="0">
+                <a:solidFill>
+                  <a:schemeClr val="tx1"/>
+                </a:solidFill>
+                <a:effectLst/>
+                <a:latin typeface="+mn-lt"/>
+                <a:ea typeface="+mn-ea"/>
+                <a:cs typeface="+mn-cs"/>
+              </a:rPr>
+              <a:t>11</a:t>
+            </a:r>
+            <a:r>
+              <a:rPr lang="en-US" sz="1200" b="0" i="0" kern="1200" dirty="0">
+                <a:solidFill>
+                  <a:schemeClr val="tx1"/>
+                </a:solidFill>
+                <a:effectLst/>
+                <a:latin typeface="+mn-lt"/>
+                <a:ea typeface="+mn-ea"/>
+                <a:cs typeface="+mn-cs"/>
+              </a:rPr>
+              <a:t> for </a:t>
+            </a:r>
+            <a:r>
+              <a:rPr lang="en-US" sz="1200" b="0" i="0" u="none" strike="noStrike" kern="1200" dirty="0">
+                <a:solidFill>
+                  <a:schemeClr val="tx1"/>
+                </a:solidFill>
+                <a:effectLst/>
+                <a:latin typeface="+mn-lt"/>
+                <a:ea typeface="+mn-ea"/>
+                <a:cs typeface="+mn-cs"/>
+              </a:rPr>
+              <a:t>a&gt;0a&gt;0</a:t>
+            </a:r>
+            <a:r>
+              <a:rPr lang="en-US" sz="1200" b="0" i="0" kern="1200" dirty="0">
+                <a:solidFill>
+                  <a:schemeClr val="tx1"/>
+                </a:solidFill>
+                <a:effectLst/>
+                <a:latin typeface="+mn-lt"/>
+                <a:ea typeface="+mn-ea"/>
+                <a:cs typeface="+mn-cs"/>
+              </a:rPr>
+              <a:t>. That means that you can put as many layers as you like, because multiplying the gradients will neither vanish nor explode.</a:t>
+            </a:r>
+          </a:p>
+          <a:p>
+            <a:pPr fontAlgn="base"/>
+            <a:endParaRPr lang="en-US" sz="1200" b="0" i="0" kern="1200" dirty="0">
+              <a:solidFill>
+                <a:schemeClr val="tx1"/>
+              </a:solidFill>
+              <a:effectLst/>
+              <a:latin typeface="+mn-lt"/>
+              <a:ea typeface="+mn-ea"/>
+              <a:cs typeface="+mn-cs"/>
+            </a:endParaRPr>
+          </a:p>
+          <a:p>
+            <a:endParaRPr lang="pt-BR" dirty="0"/>
           </a:p>
         </p:txBody>
       </p:sp>
@@ -1986,9 +2127,9 @@
           <a:bodyPr/>
           <a:lstStyle/>
           <a:p>
-            <a:fld id="{6FC8D850-966F-45A6-8DE7-15B891E7D40D}" type="slidenum">
+            <a:fld id="{F430A2A4-8C14-4B1A-AD48-7B6401078BF7}" type="slidenum">
               <a:rPr lang="pt-BR" smtClean="0"/>
-              <a:t>16</a:t>
+              <a:t>15</a:t>
             </a:fld>
             <a:endParaRPr lang="pt-BR"/>
           </a:p>
@@ -1997,7 +2138,7 @@
     </p:spTree>
     <p:extLst>
       <p:ext uri="{BB962C8B-B14F-4D97-AF65-F5344CB8AC3E}">
-        <p14:creationId xmlns:p14="http://schemas.microsoft.com/office/powerpoint/2010/main" val="1080561815"/>
+        <p14:creationId xmlns:p14="http://schemas.microsoft.com/office/powerpoint/2010/main" val="343368178"/>
       </p:ext>
     </p:extLst>
   </p:cSld>
@@ -2051,7 +2192,17 @@
           <a:bodyPr/>
           <a:lstStyle/>
           <a:p>
-            <a:endParaRPr lang="pt-BR" dirty="0"/>
+            <a:r>
+              <a:rPr lang="pt-BR" sz="1200" b="1" dirty="0"/>
+              <a:t>Laboratório #6:</a:t>
+            </a:r>
+            <a:r>
+              <a:rPr lang="pt-BR" sz="1200" dirty="0"/>
+              <a:t> https://mybinder.org/v2/gh/zz4fap/t320_aprendizado_de_maquina/main?filepath=labs%2FLaboratorio6.ipynb</a:t>
+            </a:r>
+          </a:p>
+          <a:p>
+            <a:endParaRPr lang="pt-BR" sz="1200" dirty="0"/>
           </a:p>
         </p:txBody>
       </p:sp>
@@ -2070,9 +2221,9 @@
           <a:bodyPr/>
           <a:lstStyle/>
           <a:p>
-            <a:fld id="{F430A2A4-8C14-4B1A-AD48-7B6401078BF7}" type="slidenum">
+            <a:fld id="{6FC8D850-966F-45A6-8DE7-15B891E7D40D}" type="slidenum">
               <a:rPr lang="pt-BR" smtClean="0"/>
-              <a:t>17</a:t>
+              <a:t>16</a:t>
             </a:fld>
             <a:endParaRPr lang="pt-BR"/>
           </a:p>
@@ -2081,7 +2232,7 @@
     </p:spTree>
     <p:extLst>
       <p:ext uri="{BB962C8B-B14F-4D97-AF65-F5344CB8AC3E}">
-        <p14:creationId xmlns:p14="http://schemas.microsoft.com/office/powerpoint/2010/main" val="3715571900"/>
+        <p14:creationId xmlns:p14="http://schemas.microsoft.com/office/powerpoint/2010/main" val="1080561815"/>
       </p:ext>
     </p:extLst>
   </p:cSld>
@@ -2135,20 +2286,6 @@
           <a:bodyPr/>
           <a:lstStyle/>
           <a:p>
-            <a:r>
-              <a:rPr lang="pt-BR" dirty="0"/>
-              <a:t>Sistemas dinâmicos são sistemas fora do equilíbrio, caracterizados por estados que mudam com o tempo. </a:t>
-            </a:r>
-          </a:p>
-          <a:p>
-            <a:r>
-              <a:rPr lang="en-US" dirty="0"/>
-              <a:t>Sistema </a:t>
-            </a:r>
-            <a:r>
-              <a:rPr lang="en-US" dirty="0" err="1"/>
-              <a:t>massa-mola</a:t>
-            </a:r>
             <a:endParaRPr lang="pt-BR" dirty="0"/>
           </a:p>
         </p:txBody>
@@ -2170,7 +2307,7 @@
           <a:p>
             <a:fld id="{F430A2A4-8C14-4B1A-AD48-7B6401078BF7}" type="slidenum">
               <a:rPr lang="pt-BR" smtClean="0"/>
-              <a:t>18</a:t>
+              <a:t>17</a:t>
             </a:fld>
             <a:endParaRPr lang="pt-BR"/>
           </a:p>
@@ -2179,7 +2316,7 @@
     </p:spTree>
     <p:extLst>
       <p:ext uri="{BB962C8B-B14F-4D97-AF65-F5344CB8AC3E}">
-        <p14:creationId xmlns:p14="http://schemas.microsoft.com/office/powerpoint/2010/main" val="3431715387"/>
+        <p14:creationId xmlns:p14="http://schemas.microsoft.com/office/powerpoint/2010/main" val="3715571900"/>
       </p:ext>
     </p:extLst>
   </p:cSld>
@@ -2233,73 +2370,23 @@
           <a:bodyPr/>
           <a:lstStyle/>
           <a:p>
-            <a:pPr marL="0" marR="0" lvl="0" indent="0" algn="l" defTabSz="914400" rtl="0" eaLnBrk="1" fontAlgn="auto" latinLnBrk="0" hangingPunct="1">
-              <a:lnSpc>
-                <a:spcPct val="100000"/>
-              </a:lnSpc>
-              <a:spcBef>
-                <a:spcPts val="0"/>
-              </a:spcBef>
-              <a:spcAft>
-                <a:spcPts val="0"/>
-              </a:spcAft>
-              <a:buClrTx/>
-              <a:buSzTx/>
-              <a:buFontTx/>
-              <a:buNone/>
-              <a:tabLst/>
-              <a:defRPr/>
-            </a:pPr>
-            <a:r>
-              <a:rPr lang="pt-BR" sz="1200" b="0" dirty="0">
-                <a:solidFill>
-                  <a:srgbClr val="00B0F0"/>
-                </a:solidFill>
-              </a:rPr>
-              <a:t>E</a:t>
-            </a:r>
             <a:r>
               <a:rPr lang="pt-BR" dirty="0"/>
-              <a:t>xemplo:</a:t>
-            </a:r>
-            <a:r>
-              <a:rPr lang="pt-BR" baseline="0" dirty="0"/>
-              <a:t> </a:t>
-            </a:r>
-            <a:r>
-              <a:rPr lang="pt-BR" dirty="0"/>
-              <a:t>https://colab.research.google.com/github/zz4fap/t320_aprendizado_de_maquina/blob/main/notebooks/mlp/</a:t>
-            </a:r>
-            <a:r>
-              <a:rPr lang="pt-BR" sz="1200" b="0" dirty="0">
-                <a:solidFill>
-                  <a:srgbClr val="00B0F0"/>
-                </a:solidFill>
-              </a:rPr>
-              <a:t>FunctionApproximationWithMLP.ipynb</a:t>
-            </a:r>
-          </a:p>
-          <a:p>
-            <a:pPr marL="0" marR="0" lvl="0" indent="0" algn="l" defTabSz="914400" rtl="0" eaLnBrk="1" fontAlgn="auto" latinLnBrk="0" hangingPunct="1">
-              <a:lnSpc>
-                <a:spcPct val="100000"/>
-              </a:lnSpc>
-              <a:spcBef>
-                <a:spcPts val="0"/>
-              </a:spcBef>
-              <a:spcAft>
-                <a:spcPts val="0"/>
-              </a:spcAft>
-              <a:buClrTx/>
-              <a:buSzTx/>
-              <a:buFontTx/>
-              <a:buNone/>
-              <a:tabLst/>
-              <a:defRPr/>
-            </a:pPr>
-            <a:endParaRPr lang="pt-BR" dirty="0"/>
-          </a:p>
-          <a:p>
+              <a:t>Sistemas dinâmicos são sistemas fora do equilíbrio, caracterizados por estados que mudam com o tempo. </a:t>
+            </a:r>
+          </a:p>
+          <a:p>
+            <a:endParaRPr lang="en-US" dirty="0" smtClean="0"/>
+          </a:p>
+          <a:p>
+            <a:r>
+              <a:rPr lang="en-US" dirty="0" smtClean="0"/>
+              <a:t>Sistema </a:t>
+            </a:r>
+            <a:r>
+              <a:rPr lang="en-US" dirty="0" err="1"/>
+              <a:t>massa-mola</a:t>
+            </a:r>
             <a:endParaRPr lang="pt-BR" dirty="0"/>
           </a:p>
         </p:txBody>
@@ -2321,7 +2408,7 @@
           <a:p>
             <a:fld id="{F430A2A4-8C14-4B1A-AD48-7B6401078BF7}" type="slidenum">
               <a:rPr lang="pt-BR" smtClean="0"/>
-              <a:t>20</a:t>
+              <a:t>18</a:t>
             </a:fld>
             <a:endParaRPr lang="pt-BR"/>
           </a:p>
@@ -2330,7 +2417,7 @@
     </p:spTree>
     <p:extLst>
       <p:ext uri="{BB962C8B-B14F-4D97-AF65-F5344CB8AC3E}">
-        <p14:creationId xmlns:p14="http://schemas.microsoft.com/office/powerpoint/2010/main" val="1798508464"/>
+        <p14:creationId xmlns:p14="http://schemas.microsoft.com/office/powerpoint/2010/main" val="3431715387"/>
       </p:ext>
     </p:extLst>
   </p:cSld>
@@ -2359,7 +2446,7 @@
       </p:grpSpPr>
       <p:sp>
         <p:nvSpPr>
-          <p:cNvPr id="2" name="Slide Image Placeholder 1"/>
+          <p:cNvPr id="2" name="Espaço Reservado para Imagem de Slide 1"/>
           <p:cNvSpPr>
             <a:spLocks noGrp="1" noRot="1" noChangeAspect="1"/>
           </p:cNvSpPr>
@@ -2371,7 +2458,7 @@
       </p:sp>
       <p:sp>
         <p:nvSpPr>
-          <p:cNvPr id="3" name="Notes Placeholder 2"/>
+          <p:cNvPr id="3" name="Espaço Reservado para Anotações 2"/>
           <p:cNvSpPr>
             <a:spLocks noGrp="1"/>
           </p:cNvSpPr>
@@ -2384,60 +2471,92 @@
           <a:bodyPr/>
           <a:lstStyle/>
           <a:p>
-            <a:pPr marL="0" marR="0" lvl="0" indent="0" algn="l" defTabSz="914400" rtl="0" eaLnBrk="1" fontAlgn="auto" latinLnBrk="0" hangingPunct="1">
-              <a:lnSpc>
-                <a:spcPct val="100000"/>
-              </a:lnSpc>
-              <a:spcBef>
-                <a:spcPts val="0"/>
-              </a:spcBef>
-              <a:spcAft>
-                <a:spcPts val="0"/>
-              </a:spcAft>
-              <a:buClrTx/>
-              <a:buSzTx/>
-              <a:buFontTx/>
-              <a:buNone/>
-              <a:tabLst/>
-              <a:defRPr/>
-            </a:pPr>
-            <a:r>
-              <a:rPr lang="pt-BR" sz="1200" b="0" dirty="0">
+            <a:r>
+              <a:rPr lang="pt-BR" sz="1200" b="0" i="1" kern="1200" dirty="0" smtClean="0">
                 <a:solidFill>
-                  <a:srgbClr val="00B0F0"/>
+                  <a:schemeClr val="tx1"/>
                 </a:solidFill>
+                <a:effectLst/>
+                <a:latin typeface="+mn-lt"/>
+                <a:ea typeface="+mn-ea"/>
+                <a:cs typeface="+mn-cs"/>
               </a:rPr>
-              <a:t>E</a:t>
-            </a:r>
-            <a:r>
-              <a:rPr lang="pt-BR" dirty="0"/>
-              <a:t>xemplo:</a:t>
-            </a:r>
-            <a:r>
-              <a:rPr lang="pt-BR" baseline="0" dirty="0"/>
+              <a:t>“Qualquer função contínua no intervalo fechado [a, b] pode ser uniformemente aproximada</a:t>
+            </a:r>
+            <a:r>
+              <a:rPr lang="pt-BR" sz="1200" b="0" i="1" kern="1200" baseline="0" dirty="0" smtClean="0">
+                <a:solidFill>
+                  <a:schemeClr val="tx1"/>
+                </a:solidFill>
+                <a:effectLst/>
+                <a:latin typeface="+mn-lt"/>
+                <a:ea typeface="+mn-ea"/>
+                <a:cs typeface="+mn-cs"/>
+              </a:rPr>
               <a:t> </a:t>
             </a:r>
             <a:r>
-              <a:rPr lang="pt-BR" dirty="0"/>
-              <a:t>https://colab.research.google.com/github/zz4fap/t320_aprendizado_de_maquina/blob/main/notebooks/mlp/</a:t>
-            </a:r>
-            <a:r>
-              <a:rPr lang="pt-BR" sz="1200" b="0" dirty="0">
+              <a:rPr lang="pt-BR" sz="1200" b="0" i="1" kern="1200" dirty="0" smtClean="0">
                 <a:solidFill>
-                  <a:srgbClr val="00B0F0"/>
+                  <a:schemeClr val="tx1"/>
                 </a:solidFill>
+                <a:effectLst/>
+                <a:latin typeface="+mn-lt"/>
+                <a:ea typeface="+mn-ea"/>
+                <a:cs typeface="+mn-cs"/>
               </a:rPr>
-              <a:t>function_approximation.ipynb</a:t>
-            </a:r>
-          </a:p>
-          <a:p>
+              <a:t>tão bem quanto desejado por um polinômio”, </a:t>
+            </a:r>
+            <a:r>
+              <a:rPr lang="pt-BR" sz="1200" b="1" i="1" kern="1200" dirty="0" smtClean="0">
+                <a:solidFill>
+                  <a:schemeClr val="tx1"/>
+                </a:solidFill>
+                <a:effectLst/>
+                <a:latin typeface="+mn-lt"/>
+                <a:ea typeface="+mn-ea"/>
+                <a:cs typeface="+mn-cs"/>
+              </a:rPr>
+              <a:t>Teorema da aproximação de </a:t>
+            </a:r>
+            <a:r>
+              <a:rPr lang="pt-BR" sz="1200" b="1" i="1" kern="1200" dirty="0" err="1" smtClean="0">
+                <a:solidFill>
+                  <a:schemeClr val="tx1"/>
+                </a:solidFill>
+                <a:effectLst/>
+                <a:latin typeface="+mn-lt"/>
+                <a:ea typeface="+mn-ea"/>
+                <a:cs typeface="+mn-cs"/>
+              </a:rPr>
+              <a:t>Weierstrass</a:t>
+            </a:r>
+            <a:r>
+              <a:rPr lang="pt-BR" sz="1200" b="0" i="0" kern="1200" dirty="0" smtClean="0">
+                <a:solidFill>
+                  <a:schemeClr val="tx1"/>
+                </a:solidFill>
+                <a:effectLst/>
+                <a:latin typeface="+mn-lt"/>
+                <a:ea typeface="+mn-ea"/>
+                <a:cs typeface="+mn-cs"/>
+              </a:rPr>
+              <a:t>.</a:t>
+            </a:r>
+            <a:r>
+              <a:rPr lang="pt-BR" dirty="0" smtClean="0"/>
+              <a:t> </a:t>
+            </a:r>
+            <a:br>
+              <a:rPr lang="pt-BR" dirty="0" smtClean="0"/>
+            </a:br>
             <a:endParaRPr lang="pt-BR" dirty="0"/>
           </a:p>
         </p:txBody>
       </p:sp>
       <p:sp>
         <p:nvSpPr>
-          <p:cNvPr id="4" name="Slide Number Placeholder 3"/>
+          <p:cNvPr id="4" name="Espaço Reservado para Número de Slide 3"/>
           <p:cNvSpPr>
             <a:spLocks noGrp="1"/>
           </p:cNvSpPr>
@@ -2452,7 +2571,7 @@
           <a:p>
             <a:fld id="{F430A2A4-8C14-4B1A-AD48-7B6401078BF7}" type="slidenum">
               <a:rPr lang="pt-BR" smtClean="0"/>
-              <a:t>21</a:t>
+              <a:t>19</a:t>
             </a:fld>
             <a:endParaRPr lang="pt-BR"/>
           </a:p>
@@ -2461,7 +2580,7 @@
     </p:spTree>
     <p:extLst>
       <p:ext uri="{BB962C8B-B14F-4D97-AF65-F5344CB8AC3E}">
-        <p14:creationId xmlns:p14="http://schemas.microsoft.com/office/powerpoint/2010/main" val="114609286"/>
+        <p14:creationId xmlns:p14="http://schemas.microsoft.com/office/powerpoint/2010/main" val="600031105"/>
       </p:ext>
     </p:extLst>
   </p:cSld>
@@ -2533,12 +2652,32 @@
               <a:defRPr/>
             </a:pPr>
             <a:r>
-              <a:rPr lang="pt-BR" sz="1200" b="1" dirty="0"/>
-              <a:t>Laboratório #7:</a:t>
-            </a:r>
-            <a:r>
-              <a:rPr lang="pt-BR" sz="1200" dirty="0"/>
-              <a:t> https://mybinder.org/v2/gh/zz4fap/t320_aprendizado_de_maquina/main?filepath=labs%2FLaboratorio7.ipynb</a:t>
+              <a:rPr lang="pt-BR" sz="1200" b="0" dirty="0">
+                <a:solidFill>
+                  <a:srgbClr val="00B0F0"/>
+                </a:solidFill>
+              </a:rPr>
+              <a:t>E</a:t>
+            </a:r>
+            <a:r>
+              <a:rPr lang="pt-BR" dirty="0"/>
+              <a:t>xemplo:</a:t>
+            </a:r>
+            <a:r>
+              <a:rPr lang="pt-BR" baseline="0" dirty="0"/>
+              <a:t> </a:t>
+            </a:r>
+            <a:r>
+              <a:rPr lang="pt-BR" dirty="0"/>
+              <a:t>https://colab.research.google.com/github/zz4fap/t320_aprendizado_de_maquina/blob/main/notebooks/mlp/</a:t>
+            </a:r>
+            <a:r>
+              <a:rPr lang="pt-BR" sz="1200" b="0" dirty="0">
+                <a:solidFill>
+                  <a:srgbClr val="00B0F0"/>
+                </a:solidFill>
+              </a:rPr>
+              <a:t>FunctionApproximationWithMLP.ipynb</a:t>
             </a:r>
           </a:p>
           <a:p>
@@ -2559,8 +2698,92 @@
               <a:tabLst/>
               <a:defRPr/>
             </a:pPr>
-            <a:endParaRPr lang="pt-BR" sz="1200" dirty="0"/>
-          </a:p>
+            <a:endParaRPr lang="pt-BR" dirty="0"/>
+          </a:p>
+          <a:p>
+            <a:endParaRPr lang="pt-BR" dirty="0"/>
+          </a:p>
+        </p:txBody>
+      </p:sp>
+      <p:sp>
+        <p:nvSpPr>
+          <p:cNvPr id="4" name="Slide Number Placeholder 3"/>
+          <p:cNvSpPr>
+            <a:spLocks noGrp="1"/>
+          </p:cNvSpPr>
+          <p:nvPr>
+            <p:ph type="sldNum" sz="quarter" idx="10"/>
+          </p:nvPr>
+        </p:nvSpPr>
+        <p:spPr/>
+        <p:txBody>
+          <a:bodyPr/>
+          <a:lstStyle/>
+          <a:p>
+            <a:fld id="{F430A2A4-8C14-4B1A-AD48-7B6401078BF7}" type="slidenum">
+              <a:rPr lang="pt-BR" smtClean="0"/>
+              <a:t>20</a:t>
+            </a:fld>
+            <a:endParaRPr lang="pt-BR"/>
+          </a:p>
+        </p:txBody>
+      </p:sp>
+    </p:spTree>
+    <p:extLst>
+      <p:ext uri="{BB962C8B-B14F-4D97-AF65-F5344CB8AC3E}">
+        <p14:creationId xmlns:p14="http://schemas.microsoft.com/office/powerpoint/2010/main" val="1798508464"/>
+      </p:ext>
+    </p:extLst>
+  </p:cSld>
+  <p:clrMapOvr>
+    <a:masterClrMapping/>
+  </p:clrMapOvr>
+</p:notes>
+</file>
+
+<file path=ppt/notesSlides/notesSlide19.xml><?xml version="1.0" encoding="utf-8"?>
+<p:notes xmlns:a="http://schemas.openxmlformats.org/drawingml/2006/main" xmlns:r="http://schemas.openxmlformats.org/officeDocument/2006/relationships" xmlns:p="http://schemas.openxmlformats.org/presentationml/2006/main">
+  <p:cSld>
+    <p:spTree>
+      <p:nvGrpSpPr>
+        <p:cNvPr id="1" name=""/>
+        <p:cNvGrpSpPr/>
+        <p:nvPr/>
+      </p:nvGrpSpPr>
+      <p:grpSpPr>
+        <a:xfrm>
+          <a:off x="0" y="0"/>
+          <a:ext cx="0" cy="0"/>
+          <a:chOff x="0" y="0"/>
+          <a:chExt cx="0" cy="0"/>
+        </a:xfrm>
+      </p:grpSpPr>
+      <p:sp>
+        <p:nvSpPr>
+          <p:cNvPr id="2" name="Slide Image Placeholder 1"/>
+          <p:cNvSpPr>
+            <a:spLocks noGrp="1" noRot="1" noChangeAspect="1"/>
+          </p:cNvSpPr>
+          <p:nvPr>
+            <p:ph type="sldImg"/>
+          </p:nvPr>
+        </p:nvSpPr>
+        <p:spPr/>
+      </p:sp>
+      <p:sp>
+        <p:nvSpPr>
+          <p:cNvPr id="3" name="Notes Placeholder 2"/>
+          <p:cNvSpPr>
+            <a:spLocks noGrp="1"/>
+          </p:cNvSpPr>
+          <p:nvPr>
+            <p:ph type="body" idx="1"/>
+          </p:nvPr>
+        </p:nvSpPr>
+        <p:spPr/>
+        <p:txBody>
+          <a:bodyPr/>
+          <a:lstStyle/>
           <a:p>
             <a:pPr marL="0" marR="0" lvl="0" indent="0" algn="l" defTabSz="914400" rtl="0" eaLnBrk="1" fontAlgn="auto" latinLnBrk="0" hangingPunct="1">
               <a:lnSpc>
@@ -2580,37 +2803,33 @@
               <a:defRPr/>
             </a:pPr>
             <a:r>
-              <a:rPr lang="pt-BR" sz="1200" b="1" dirty="0"/>
-              <a:t>Laboratório #7: </a:t>
+              <a:rPr lang="pt-BR" sz="1200" b="0" dirty="0">
+                <a:solidFill>
+                  <a:srgbClr val="00B0F0"/>
+                </a:solidFill>
+              </a:rPr>
+              <a:t>E</a:t>
             </a:r>
             <a:r>
               <a:rPr lang="pt-BR" dirty="0"/>
-              <a:t>https://colab.research.google.com/github/zz4fap/t320_aprendizado_de_maquina/blob/main/labs/</a:t>
-            </a:r>
-            <a:r>
-              <a:rPr lang="pt-BR" sz="1200" dirty="0"/>
-              <a:t>Laboratorio7.ipynb</a:t>
-            </a:r>
-          </a:p>
-          <a:p>
-            <a:pPr marL="0" marR="0" lvl="0" indent="0" algn="l" defTabSz="914400" rtl="0" eaLnBrk="1" fontAlgn="auto" latinLnBrk="0" hangingPunct="1">
-              <a:lnSpc>
-                <a:spcPct val="100000"/>
-              </a:lnSpc>
-              <a:spcBef>
-                <a:spcPts val="0"/>
-              </a:spcBef>
-              <a:spcAft>
-                <a:spcPts val="0"/>
-              </a:spcAft>
-              <a:buClrTx/>
-              <a:buSzTx/>
-              <a:buFontTx/>
-              <a:buNone/>
-              <a:tabLst/>
-              <a:defRPr/>
-            </a:pPr>
-            <a:endParaRPr lang="pt-BR" sz="1200" dirty="0"/>
+              <a:t>xemplo:</a:t>
+            </a:r>
+            <a:r>
+              <a:rPr lang="pt-BR" baseline="0" dirty="0"/>
+              <a:t> </a:t>
+            </a:r>
+            <a:r>
+              <a:rPr lang="pt-BR" dirty="0"/>
+              <a:t>https://colab.research.google.com/github/zz4fap/t320_aprendizado_de_maquina/blob/main/notebooks/mlp/</a:t>
+            </a:r>
+            <a:r>
+              <a:rPr lang="pt-BR" sz="1200" b="0" dirty="0">
+                <a:solidFill>
+                  <a:srgbClr val="00B0F0"/>
+                </a:solidFill>
+              </a:rPr>
+              <a:t>function_approximation.ipynb</a:t>
+            </a:r>
           </a:p>
           <a:p>
             <a:endParaRPr lang="pt-BR" dirty="0"/>
@@ -2632,18 +2851,18 @@
           <a:bodyPr/>
           <a:lstStyle/>
           <a:p>
-            <a:fld id="{DA8B99DF-01BC-492A-8CEF-4FD88D18DD9D}" type="slidenum">
-              <a:rPr lang="nl-BE" smtClean="0"/>
-              <a:t>22</a:t>
+            <a:fld id="{F430A2A4-8C14-4B1A-AD48-7B6401078BF7}" type="slidenum">
+              <a:rPr lang="pt-BR" smtClean="0"/>
+              <a:t>21</a:t>
             </a:fld>
-            <a:endParaRPr lang="nl-BE"/>
+            <a:endParaRPr lang="pt-BR"/>
           </a:p>
         </p:txBody>
       </p:sp>
     </p:spTree>
     <p:extLst>
       <p:ext uri="{BB962C8B-B14F-4D97-AF65-F5344CB8AC3E}">
-        <p14:creationId xmlns:p14="http://schemas.microsoft.com/office/powerpoint/2010/main" val="915223451"/>
+        <p14:creationId xmlns:p14="http://schemas.microsoft.com/office/powerpoint/2010/main" val="114609286"/>
       </p:ext>
     </p:extLst>
   </p:cSld>
@@ -2790,6 +3009,10 @@
               <a:rPr lang="pt-BR" baseline="0" dirty="0"/>
               <a:t> quando se usa a função degrau como função de limiar de decisão.</a:t>
             </a:r>
+            <a:r>
+              <a:rPr lang="pt-BR" dirty="0"/>
+              <a:t/>
+            </a:r>
             <a:br>
               <a:rPr lang="pt-BR" dirty="0"/>
             </a:br>
@@ -2824,6 +3047,188 @@
     <p:extLst>
       <p:ext uri="{BB962C8B-B14F-4D97-AF65-F5344CB8AC3E}">
         <p14:creationId xmlns:p14="http://schemas.microsoft.com/office/powerpoint/2010/main" val="594965044"/>
+      </p:ext>
+    </p:extLst>
+  </p:cSld>
+  <p:clrMapOvr>
+    <a:masterClrMapping/>
+  </p:clrMapOvr>
+</p:notes>
+</file>
+
+<file path=ppt/notesSlides/notesSlide20.xml><?xml version="1.0" encoding="utf-8"?>
+<p:notes xmlns:a="http://schemas.openxmlformats.org/drawingml/2006/main" xmlns:r="http://schemas.openxmlformats.org/officeDocument/2006/relationships" xmlns:p="http://schemas.openxmlformats.org/presentationml/2006/main">
+  <p:cSld>
+    <p:spTree>
+      <p:nvGrpSpPr>
+        <p:cNvPr id="1" name=""/>
+        <p:cNvGrpSpPr/>
+        <p:nvPr/>
+      </p:nvGrpSpPr>
+      <p:grpSpPr>
+        <a:xfrm>
+          <a:off x="0" y="0"/>
+          <a:ext cx="0" cy="0"/>
+          <a:chOff x="0" y="0"/>
+          <a:chExt cx="0" cy="0"/>
+        </a:xfrm>
+      </p:grpSpPr>
+      <p:sp>
+        <p:nvSpPr>
+          <p:cNvPr id="2" name="Slide Image Placeholder 1"/>
+          <p:cNvSpPr>
+            <a:spLocks noGrp="1" noRot="1" noChangeAspect="1"/>
+          </p:cNvSpPr>
+          <p:nvPr>
+            <p:ph type="sldImg"/>
+          </p:nvPr>
+        </p:nvSpPr>
+        <p:spPr/>
+      </p:sp>
+      <p:sp>
+        <p:nvSpPr>
+          <p:cNvPr id="3" name="Notes Placeholder 2"/>
+          <p:cNvSpPr>
+            <a:spLocks noGrp="1"/>
+          </p:cNvSpPr>
+          <p:nvPr>
+            <p:ph type="body" idx="1"/>
+          </p:nvPr>
+        </p:nvSpPr>
+        <p:spPr/>
+        <p:txBody>
+          <a:bodyPr/>
+          <a:lstStyle/>
+          <a:p>
+            <a:pPr marL="0" marR="0" lvl="0" indent="0" algn="l" defTabSz="914400" rtl="0" eaLnBrk="1" fontAlgn="auto" latinLnBrk="0" hangingPunct="1">
+              <a:lnSpc>
+                <a:spcPct val="100000"/>
+              </a:lnSpc>
+              <a:spcBef>
+                <a:spcPts val="0"/>
+              </a:spcBef>
+              <a:spcAft>
+                <a:spcPts val="0"/>
+              </a:spcAft>
+              <a:buClrTx/>
+              <a:buSzTx/>
+              <a:buFontTx/>
+              <a:buNone/>
+              <a:tabLst/>
+              <a:defRPr/>
+            </a:pPr>
+            <a:r>
+              <a:rPr lang="pt-BR" sz="1200" b="1" dirty="0"/>
+              <a:t>Laboratório #7:</a:t>
+            </a:r>
+            <a:r>
+              <a:rPr lang="pt-BR" sz="1200" dirty="0"/>
+              <a:t> https://mybinder.org/v2/gh/zz4fap/t320_aprendizado_de_maquina/main?filepath=labs%2FLaboratorio7.ipynb</a:t>
+            </a:r>
+          </a:p>
+          <a:p>
+            <a:pPr marL="0" marR="0" lvl="0" indent="0" algn="l" defTabSz="914400" rtl="0" eaLnBrk="1" fontAlgn="auto" latinLnBrk="0" hangingPunct="1">
+              <a:lnSpc>
+                <a:spcPct val="100000"/>
+              </a:lnSpc>
+              <a:spcBef>
+                <a:spcPts val="0"/>
+              </a:spcBef>
+              <a:spcAft>
+                <a:spcPts val="0"/>
+              </a:spcAft>
+              <a:buClrTx/>
+              <a:buSzTx/>
+              <a:buFontTx/>
+              <a:buNone/>
+              <a:tabLst/>
+              <a:defRPr/>
+            </a:pPr>
+            <a:endParaRPr lang="pt-BR" sz="1200" dirty="0"/>
+          </a:p>
+          <a:p>
+            <a:pPr marL="0" marR="0" lvl="0" indent="0" algn="l" defTabSz="914400" rtl="0" eaLnBrk="1" fontAlgn="auto" latinLnBrk="0" hangingPunct="1">
+              <a:lnSpc>
+                <a:spcPct val="100000"/>
+              </a:lnSpc>
+              <a:spcBef>
+                <a:spcPts val="0"/>
+              </a:spcBef>
+              <a:spcAft>
+                <a:spcPts val="0"/>
+              </a:spcAft>
+              <a:buClrTx/>
+              <a:buSzTx/>
+              <a:buFontTx/>
+              <a:buNone/>
+              <a:tabLst/>
+              <a:defRPr/>
+            </a:pPr>
+            <a:r>
+              <a:rPr lang="pt-BR" sz="1200" b="1" dirty="0"/>
+              <a:t>Laboratório #7: </a:t>
+            </a:r>
+            <a:r>
+              <a:rPr lang="pt-BR" dirty="0"/>
+              <a:t>https://colab.research.google.com/github/zz4fap/t320_aprendizado_de_maquina/blob/main/labs/</a:t>
+            </a:r>
+            <a:r>
+              <a:rPr lang="pt-BR" sz="1200" dirty="0"/>
+              <a:t>Laboratorio7.ipynb</a:t>
+            </a:r>
+          </a:p>
+          <a:p>
+            <a:pPr marL="0" marR="0" lvl="0" indent="0" algn="l" defTabSz="914400" rtl="0" eaLnBrk="1" fontAlgn="auto" latinLnBrk="0" hangingPunct="1">
+              <a:lnSpc>
+                <a:spcPct val="100000"/>
+              </a:lnSpc>
+              <a:spcBef>
+                <a:spcPts val="0"/>
+              </a:spcBef>
+              <a:spcAft>
+                <a:spcPts val="0"/>
+              </a:spcAft>
+              <a:buClrTx/>
+              <a:buSzTx/>
+              <a:buFontTx/>
+              <a:buNone/>
+              <a:tabLst/>
+              <a:defRPr/>
+            </a:pPr>
+            <a:endParaRPr lang="pt-BR" sz="1200" dirty="0"/>
+          </a:p>
+          <a:p>
+            <a:endParaRPr lang="pt-BR" dirty="0"/>
+          </a:p>
+        </p:txBody>
+      </p:sp>
+      <p:sp>
+        <p:nvSpPr>
+          <p:cNvPr id="4" name="Slide Number Placeholder 3"/>
+          <p:cNvSpPr>
+            <a:spLocks noGrp="1"/>
+          </p:cNvSpPr>
+          <p:nvPr>
+            <p:ph type="sldNum" sz="quarter" idx="10"/>
+          </p:nvPr>
+        </p:nvSpPr>
+        <p:spPr/>
+        <p:txBody>
+          <a:bodyPr/>
+          <a:lstStyle/>
+          <a:p>
+            <a:fld id="{DA8B99DF-01BC-492A-8CEF-4FD88D18DD9D}" type="slidenum">
+              <a:rPr lang="nl-BE" smtClean="0"/>
+              <a:t>22</a:t>
+            </a:fld>
+            <a:endParaRPr lang="nl-BE"/>
+          </a:p>
+        </p:txBody>
+      </p:sp>
+    </p:spTree>
+    <p:extLst>
+      <p:ext uri="{BB962C8B-B14F-4D97-AF65-F5344CB8AC3E}">
+        <p14:creationId xmlns:p14="http://schemas.microsoft.com/office/powerpoint/2010/main" val="915223451"/>
       </p:ext>
     </p:extLst>
   </p:cSld>
@@ -3919,7 +4324,7 @@
           <a:p>
             <a:fld id="{221D0464-8C8A-49C0-859F-777E51766A35}" type="datetimeFigureOut">
               <a:rPr lang="pt-BR" smtClean="0"/>
-              <a:t>12/05/2022</a:t>
+              <a:t>13/05/2022</a:t>
             </a:fld>
             <a:endParaRPr lang="pt-BR"/>
           </a:p>
@@ -4089,7 +4494,7 @@
           <a:p>
             <a:fld id="{221D0464-8C8A-49C0-859F-777E51766A35}" type="datetimeFigureOut">
               <a:rPr lang="pt-BR" smtClean="0"/>
-              <a:t>12/05/2022</a:t>
+              <a:t>13/05/2022</a:t>
             </a:fld>
             <a:endParaRPr lang="pt-BR"/>
           </a:p>
@@ -4269,7 +4674,7 @@
           <a:p>
             <a:fld id="{221D0464-8C8A-49C0-859F-777E51766A35}" type="datetimeFigureOut">
               <a:rPr lang="pt-BR" smtClean="0"/>
-              <a:t>12/05/2022</a:t>
+              <a:t>13/05/2022</a:t>
             </a:fld>
             <a:endParaRPr lang="pt-BR"/>
           </a:p>
@@ -4439,7 +4844,7 @@
           <a:p>
             <a:fld id="{221D0464-8C8A-49C0-859F-777E51766A35}" type="datetimeFigureOut">
               <a:rPr lang="pt-BR" smtClean="0"/>
-              <a:t>12/05/2022</a:t>
+              <a:t>13/05/2022</a:t>
             </a:fld>
             <a:endParaRPr lang="pt-BR"/>
           </a:p>
@@ -4685,7 +5090,7 @@
           <a:p>
             <a:fld id="{221D0464-8C8A-49C0-859F-777E51766A35}" type="datetimeFigureOut">
               <a:rPr lang="pt-BR" smtClean="0"/>
-              <a:t>12/05/2022</a:t>
+              <a:t>13/05/2022</a:t>
             </a:fld>
             <a:endParaRPr lang="pt-BR"/>
           </a:p>
@@ -4917,7 +5322,7 @@
           <a:p>
             <a:fld id="{221D0464-8C8A-49C0-859F-777E51766A35}" type="datetimeFigureOut">
               <a:rPr lang="pt-BR" smtClean="0"/>
-              <a:t>12/05/2022</a:t>
+              <a:t>13/05/2022</a:t>
             </a:fld>
             <a:endParaRPr lang="pt-BR"/>
           </a:p>
@@ -5284,7 +5689,7 @@
           <a:p>
             <a:fld id="{221D0464-8C8A-49C0-859F-777E51766A35}" type="datetimeFigureOut">
               <a:rPr lang="pt-BR" smtClean="0"/>
-              <a:t>12/05/2022</a:t>
+              <a:t>13/05/2022</a:t>
             </a:fld>
             <a:endParaRPr lang="pt-BR"/>
           </a:p>
@@ -5402,7 +5807,7 @@
           <a:p>
             <a:fld id="{221D0464-8C8A-49C0-859F-777E51766A35}" type="datetimeFigureOut">
               <a:rPr lang="pt-BR" smtClean="0"/>
-              <a:t>12/05/2022</a:t>
+              <a:t>13/05/2022</a:t>
             </a:fld>
             <a:endParaRPr lang="pt-BR"/>
           </a:p>
@@ -5497,7 +5902,7 @@
           <a:p>
             <a:fld id="{221D0464-8C8A-49C0-859F-777E51766A35}" type="datetimeFigureOut">
               <a:rPr lang="pt-BR" smtClean="0"/>
-              <a:t>12/05/2022</a:t>
+              <a:t>13/05/2022</a:t>
             </a:fld>
             <a:endParaRPr lang="pt-BR"/>
           </a:p>
@@ -5774,7 +6179,7 @@
           <a:p>
             <a:fld id="{221D0464-8C8A-49C0-859F-777E51766A35}" type="datetimeFigureOut">
               <a:rPr lang="pt-BR" smtClean="0"/>
-              <a:t>12/05/2022</a:t>
+              <a:t>13/05/2022</a:t>
             </a:fld>
             <a:endParaRPr lang="pt-BR"/>
           </a:p>
@@ -6027,7 +6432,7 @@
           <a:p>
             <a:fld id="{221D0464-8C8A-49C0-859F-777E51766A35}" type="datetimeFigureOut">
               <a:rPr lang="pt-BR" smtClean="0"/>
-              <a:t>12/05/2022</a:t>
+              <a:t>13/05/2022</a:t>
             </a:fld>
             <a:endParaRPr lang="pt-BR"/>
           </a:p>
@@ -6240,7 +6645,7 @@
           <a:p>
             <a:fld id="{221D0464-8C8A-49C0-859F-777E51766A35}" type="datetimeFigureOut">
               <a:rPr lang="pt-BR" smtClean="0"/>
-              <a:t>12/05/2022</a:t>
+              <a:t>13/05/2022</a:t>
             </a:fld>
             <a:endParaRPr lang="pt-BR"/>
           </a:p>
@@ -6650,7 +7055,7 @@
           <p:cNvPr id="2" name="Título 1">
             <a:extLst>
               <a:ext uri="{FF2B5EF4-FFF2-40B4-BE49-F238E27FC236}">
-                <a16:creationId xmlns:a16="http://schemas.microsoft.com/office/drawing/2014/main" id="{32666AC8-2E17-4DB4-B0F5-60C640CCFD2E}"/>
+                <a16:creationId xmlns:a16="http://schemas.microsoft.com/office/drawing/2014/main" xmlns="" id="{32666AC8-2E17-4DB4-B0F5-60C640CCFD2E}"/>
               </a:ext>
             </a:extLst>
           </p:cNvPr>
@@ -6677,6 +7082,10 @@
               <a:rPr lang="pt-BR" sz="5400" dirty="0"/>
               <a:t>T320 - Introdução ao Aprendizado de Máquina II:</a:t>
             </a:r>
+            <a:r>
+              <a:rPr lang="pt-BR" dirty="0"/>
+              <a:t/>
+            </a:r>
             <a:br>
               <a:rPr lang="pt-BR" dirty="0"/>
             </a:br>
@@ -6692,7 +7101,7 @@
           <p:cNvPr id="4" name="CaixaDeTexto 3">
             <a:extLst>
               <a:ext uri="{FF2B5EF4-FFF2-40B4-BE49-F238E27FC236}">
-                <a16:creationId xmlns:a16="http://schemas.microsoft.com/office/drawing/2014/main" id="{430EB894-B7D4-434C-9D1A-A14094D9BEEC}"/>
+                <a16:creationId xmlns:a16="http://schemas.microsoft.com/office/drawing/2014/main" xmlns="" id="{430EB894-B7D4-434C-9D1A-A14094D9BEEC}"/>
               </a:ext>
             </a:extLst>
           </p:cNvPr>
@@ -6733,7 +7142,7 @@
           <p:cNvPr id="1026" name="Picture 2" descr="Logo">
             <a:extLst>
               <a:ext uri="{FF2B5EF4-FFF2-40B4-BE49-F238E27FC236}">
-                <a16:creationId xmlns:a16="http://schemas.microsoft.com/office/drawing/2014/main" id="{3F2642E0-4F6A-4196-8F58-E77D36E9A33F}"/>
+                <a16:creationId xmlns:a16="http://schemas.microsoft.com/office/drawing/2014/main" xmlns="" id="{3F2642E0-4F6A-4196-8F58-E77D36E9A33F}"/>
               </a:ext>
             </a:extLst>
           </p:cNvPr>
@@ -6778,7 +7187,7 @@
           <p:cNvPr id="5122" name="Picture 2" descr="Image result for machine learning">
             <a:extLst>
               <a:ext uri="{FF2B5EF4-FFF2-40B4-BE49-F238E27FC236}">
-                <a16:creationId xmlns:a16="http://schemas.microsoft.com/office/drawing/2014/main" id="{810CE0A2-4102-44A6-A370-175E7896CDCB}"/>
+                <a16:creationId xmlns:a16="http://schemas.microsoft.com/office/drawing/2014/main" xmlns="" id="{810CE0A2-4102-44A6-A370-175E7896CDCB}"/>
               </a:ext>
             </a:extLst>
           </p:cNvPr>
@@ -7812,7 +8221,7 @@
           <p:cNvPr id="2" name="Título 1">
             <a:extLst>
               <a:ext uri="{FF2B5EF4-FFF2-40B4-BE49-F238E27FC236}">
-                <a16:creationId xmlns:a16="http://schemas.microsoft.com/office/drawing/2014/main" id="{4E991379-1C4F-4AB9-BB38-83C7CC20155D}"/>
+                <a16:creationId xmlns:a16="http://schemas.microsoft.com/office/drawing/2014/main" xmlns="" id="{4E991379-1C4F-4AB9-BB38-83C7CC20155D}"/>
               </a:ext>
             </a:extLst>
           </p:cNvPr>
@@ -7859,7 +8268,7 @@
               <p:cNvPr id="3" name="Espaço Reservado para Conteúdo 2">
                 <a:extLst>
                   <a:ext uri="{FF2B5EF4-FFF2-40B4-BE49-F238E27FC236}">
-                    <a16:creationId xmlns:a16="http://schemas.microsoft.com/office/drawing/2014/main" id="{68DBA540-3B58-4BC7-B375-23ABBBC057D3}"/>
+                    <a16:creationId xmlns:a16="http://schemas.microsoft.com/office/drawing/2014/main" xmlns="" id="{68DBA540-3B58-4BC7-B375-23ABBBC057D3}"/>
                   </a:ext>
                 </a:extLst>
               </p:cNvPr>
@@ -9785,7 +10194,7 @@
                 <a:ext cx="11199725" cy="4959382"/>
               </a:xfrm>
               <a:blipFill rotWithShape="0">
-                <a:blip r:embed="rId2"/>
+                <a:blip r:embed="rId3"/>
                 <a:stretch>
                   <a:fillRect l="-653" t="-2457"/>
                 </a:stretch>
@@ -9811,7 +10220,7 @@
           <p:cNvPr id="4" name="Agrupar 3">
             <a:extLst>
               <a:ext uri="{FF2B5EF4-FFF2-40B4-BE49-F238E27FC236}">
-                <a16:creationId xmlns:a16="http://schemas.microsoft.com/office/drawing/2014/main" id="{DDA32F11-9374-4C54-ABCD-0438654B8E82}"/>
+                <a16:creationId xmlns:a16="http://schemas.microsoft.com/office/drawing/2014/main" xmlns="" id="{DDA32F11-9374-4C54-ABCD-0438654B8E82}"/>
               </a:ext>
             </a:extLst>
           </p:cNvPr>
@@ -9831,7 +10240,7 @@
             <p:cNvPr id="5" name="Elipse 4">
               <a:extLst>
                 <a:ext uri="{FF2B5EF4-FFF2-40B4-BE49-F238E27FC236}">
-                  <a16:creationId xmlns:a16="http://schemas.microsoft.com/office/drawing/2014/main" id="{F8EDC3E8-17CE-4493-9271-98A945347FBE}"/>
+                  <a16:creationId xmlns:a16="http://schemas.microsoft.com/office/drawing/2014/main" xmlns="" id="{F8EDC3E8-17CE-4493-9271-98A945347FBE}"/>
                 </a:ext>
               </a:extLst>
             </p:cNvPr>
@@ -9884,7 +10293,7 @@
             <p:cNvPr id="6" name="Elipse 5">
               <a:extLst>
                 <a:ext uri="{FF2B5EF4-FFF2-40B4-BE49-F238E27FC236}">
-                  <a16:creationId xmlns:a16="http://schemas.microsoft.com/office/drawing/2014/main" id="{36E0141A-9275-43DA-B6B6-60E88BED5AD5}"/>
+                  <a16:creationId xmlns:a16="http://schemas.microsoft.com/office/drawing/2014/main" xmlns="" id="{36E0141A-9275-43DA-B6B6-60E88BED5AD5}"/>
                 </a:ext>
               </a:extLst>
             </p:cNvPr>
@@ -9937,7 +10346,7 @@
             <p:cNvPr id="7" name="Conector de seta reta 10">
               <a:extLst>
                 <a:ext uri="{FF2B5EF4-FFF2-40B4-BE49-F238E27FC236}">
-                  <a16:creationId xmlns:a16="http://schemas.microsoft.com/office/drawing/2014/main" id="{04E870F7-1DE5-4241-8990-14C74A492B08}"/>
+                  <a16:creationId xmlns:a16="http://schemas.microsoft.com/office/drawing/2014/main" xmlns="" id="{04E870F7-1DE5-4241-8990-14C74A492B08}"/>
                 </a:ext>
               </a:extLst>
             </p:cNvPr>
@@ -9981,7 +10390,7 @@
             <p:cNvPr id="8" name="Retângulo 7">
               <a:extLst>
                 <a:ext uri="{FF2B5EF4-FFF2-40B4-BE49-F238E27FC236}">
-                  <a16:creationId xmlns:a16="http://schemas.microsoft.com/office/drawing/2014/main" id="{BE31B3DC-1229-48D6-9A56-590F8FAD4CE1}"/>
+                  <a16:creationId xmlns:a16="http://schemas.microsoft.com/office/drawing/2014/main" xmlns="" id="{BE31B3DC-1229-48D6-9A56-590F8FAD4CE1}"/>
                 </a:ext>
               </a:extLst>
             </p:cNvPr>
@@ -10035,7 +10444,7 @@
             <p:cNvPr id="9" name="Conector de seta reta 15">
               <a:extLst>
                 <a:ext uri="{FF2B5EF4-FFF2-40B4-BE49-F238E27FC236}">
-                  <a16:creationId xmlns:a16="http://schemas.microsoft.com/office/drawing/2014/main" id="{2FD2427F-A5C3-4856-8D64-557FA8713A40}"/>
+                  <a16:creationId xmlns:a16="http://schemas.microsoft.com/office/drawing/2014/main" xmlns="" id="{2FD2427F-A5C3-4856-8D64-557FA8713A40}"/>
                 </a:ext>
               </a:extLst>
             </p:cNvPr>
@@ -10082,7 +10491,7 @@
                 <p:cNvPr id="10" name="CaixaDeTexto 9">
                   <a:extLst>
                     <a:ext uri="{FF2B5EF4-FFF2-40B4-BE49-F238E27FC236}">
-                      <a16:creationId xmlns:a16="http://schemas.microsoft.com/office/drawing/2014/main" id="{3463534E-1D58-4D6C-9ED5-2C2E4AA6B3A0}"/>
+                      <a16:creationId xmlns:a16="http://schemas.microsoft.com/office/drawing/2014/main" xmlns="" id="{3463534E-1D58-4D6C-9ED5-2C2E4AA6B3A0}"/>
                     </a:ext>
                   </a:extLst>
                 </p:cNvPr>
@@ -10150,7 +10559,7 @@
                   <a:avLst/>
                 </a:prstGeom>
                 <a:blipFill>
-                  <a:blip r:embed="rId3"/>
+                  <a:blip r:embed="rId4"/>
                   <a:stretch>
                     <a:fillRect/>
                   </a:stretch>
@@ -10178,7 +10587,7 @@
                 <p:cNvPr id="11" name="CaixaDeTexto 10">
                   <a:extLst>
                     <a:ext uri="{FF2B5EF4-FFF2-40B4-BE49-F238E27FC236}">
-                      <a16:creationId xmlns:a16="http://schemas.microsoft.com/office/drawing/2014/main" id="{76F6A577-C410-4C4B-A220-E160EE1322EC}"/>
+                      <a16:creationId xmlns:a16="http://schemas.microsoft.com/office/drawing/2014/main" xmlns="" id="{76F6A577-C410-4C4B-A220-E160EE1322EC}"/>
                     </a:ext>
                   </a:extLst>
                 </p:cNvPr>
@@ -10265,7 +10674,7 @@
                   <a:avLst/>
                 </a:prstGeom>
                 <a:blipFill>
-                  <a:blip r:embed="rId4"/>
+                  <a:blip r:embed="rId5"/>
                   <a:stretch>
                     <a:fillRect r="-22917"/>
                   </a:stretch>
@@ -10293,7 +10702,7 @@
                 <p:cNvPr id="12" name="CaixaDeTexto 11">
                   <a:extLst>
                     <a:ext uri="{FF2B5EF4-FFF2-40B4-BE49-F238E27FC236}">
-                      <a16:creationId xmlns:a16="http://schemas.microsoft.com/office/drawing/2014/main" id="{9046B972-AB0D-42CF-8F0B-04E856201DD0}"/>
+                      <a16:creationId xmlns:a16="http://schemas.microsoft.com/office/drawing/2014/main" xmlns="" id="{9046B972-AB0D-42CF-8F0B-04E856201DD0}"/>
                     </a:ext>
                   </a:extLst>
                 </p:cNvPr>
@@ -10373,7 +10782,7 @@
                   <a:avLst/>
                 </a:prstGeom>
                 <a:blipFill>
-                  <a:blip r:embed="rId5"/>
+                  <a:blip r:embed="rId6"/>
                   <a:stretch>
                     <a:fillRect r="-4167" b="-3636"/>
                   </a:stretch>
@@ -10399,7 +10808,7 @@
             <p:cNvPr id="13" name="Conector de seta reta 15">
               <a:extLst>
                 <a:ext uri="{FF2B5EF4-FFF2-40B4-BE49-F238E27FC236}">
-                  <a16:creationId xmlns:a16="http://schemas.microsoft.com/office/drawing/2014/main" id="{E1B54AD2-596A-4DDC-8D0D-A2CD4C086E1F}"/>
+                  <a16:creationId xmlns:a16="http://schemas.microsoft.com/office/drawing/2014/main" xmlns="" id="{E1B54AD2-596A-4DDC-8D0D-A2CD4C086E1F}"/>
                 </a:ext>
               </a:extLst>
             </p:cNvPr>
@@ -10443,7 +10852,7 @@
                 <p:cNvPr id="14" name="CaixaDeTexto 13">
                   <a:extLst>
                     <a:ext uri="{FF2B5EF4-FFF2-40B4-BE49-F238E27FC236}">
-                      <a16:creationId xmlns:a16="http://schemas.microsoft.com/office/drawing/2014/main" id="{74120AF5-A30A-40B3-AD02-AA0A766B82AD}"/>
+                      <a16:creationId xmlns:a16="http://schemas.microsoft.com/office/drawing/2014/main" xmlns="" id="{74120AF5-A30A-40B3-AD02-AA0A766B82AD}"/>
                     </a:ext>
                   </a:extLst>
                 </p:cNvPr>
@@ -10530,7 +10939,7 @@
                   <a:avLst/>
                 </a:prstGeom>
                 <a:blipFill>
-                  <a:blip r:embed="rId6"/>
+                  <a:blip r:embed="rId7"/>
                   <a:stretch>
                     <a:fillRect r="-25000"/>
                   </a:stretch>
@@ -10557,7 +10966,7 @@
           <p:cNvPr id="15" name="Elipse 14">
             <a:extLst>
               <a:ext uri="{FF2B5EF4-FFF2-40B4-BE49-F238E27FC236}">
-                <a16:creationId xmlns:a16="http://schemas.microsoft.com/office/drawing/2014/main" id="{E4EBB7CB-9B70-401A-B744-8CD1F89E3BB9}"/>
+                <a16:creationId xmlns:a16="http://schemas.microsoft.com/office/drawing/2014/main" xmlns="" id="{E4EBB7CB-9B70-401A-B744-8CD1F89E3BB9}"/>
               </a:ext>
             </a:extLst>
           </p:cNvPr>
@@ -10609,7 +11018,7 @@
           <p:cNvPr id="18" name="CaixaDeTexto 17">
             <a:extLst>
               <a:ext uri="{FF2B5EF4-FFF2-40B4-BE49-F238E27FC236}">
-                <a16:creationId xmlns:a16="http://schemas.microsoft.com/office/drawing/2014/main" id="{0DE351C4-0752-4411-9A3E-0EEE16B7BAF9}"/>
+                <a16:creationId xmlns:a16="http://schemas.microsoft.com/office/drawing/2014/main" xmlns="" id="{0DE351C4-0752-4411-9A3E-0EEE16B7BAF9}"/>
               </a:ext>
             </a:extLst>
           </p:cNvPr>
@@ -10665,7 +11074,7 @@
           <p:cNvPr id="20" name="Conector de Seta Reta 19">
             <a:extLst>
               <a:ext uri="{FF2B5EF4-FFF2-40B4-BE49-F238E27FC236}">
-                <a16:creationId xmlns:a16="http://schemas.microsoft.com/office/drawing/2014/main" id="{938A7AF6-E11B-41A9-AA12-497491ADD98E}"/>
+                <a16:creationId xmlns:a16="http://schemas.microsoft.com/office/drawing/2014/main" xmlns="" id="{938A7AF6-E11B-41A9-AA12-497491ADD98E}"/>
               </a:ext>
             </a:extLst>
           </p:cNvPr>
@@ -10706,7 +11115,7 @@
           <p:cNvPr id="22" name="Conector de Seta Reta 21">
             <a:extLst>
               <a:ext uri="{FF2B5EF4-FFF2-40B4-BE49-F238E27FC236}">
-                <a16:creationId xmlns:a16="http://schemas.microsoft.com/office/drawing/2014/main" id="{E10310FC-5CF6-4BC7-A656-570DA30A65D9}"/>
+                <a16:creationId xmlns:a16="http://schemas.microsoft.com/office/drawing/2014/main" xmlns="" id="{E10310FC-5CF6-4BC7-A656-570DA30A65D9}"/>
               </a:ext>
             </a:extLst>
           </p:cNvPr>
@@ -10748,7 +11157,7 @@
           <p:cNvPr id="24" name="Conector de Seta Reta 23">
             <a:extLst>
               <a:ext uri="{FF2B5EF4-FFF2-40B4-BE49-F238E27FC236}">
-                <a16:creationId xmlns:a16="http://schemas.microsoft.com/office/drawing/2014/main" id="{3FE3BC92-DCED-4F47-B961-CD529C513E92}"/>
+                <a16:creationId xmlns:a16="http://schemas.microsoft.com/office/drawing/2014/main" xmlns="" id="{3FE3BC92-DCED-4F47-B961-CD529C513E92}"/>
               </a:ext>
             </a:extLst>
           </p:cNvPr>
@@ -10789,7 +11198,7 @@
           <p:cNvPr id="26" name="Imagem 25">
             <a:extLst>
               <a:ext uri="{FF2B5EF4-FFF2-40B4-BE49-F238E27FC236}">
-                <a16:creationId xmlns:a16="http://schemas.microsoft.com/office/drawing/2014/main" id="{63AECB77-C03B-47D6-9FCF-1CB34C247480}"/>
+                <a16:creationId xmlns:a16="http://schemas.microsoft.com/office/drawing/2014/main" xmlns="" id="{63AECB77-C03B-47D6-9FCF-1CB34C247480}"/>
               </a:ext>
             </a:extLst>
           </p:cNvPr>
@@ -10799,7 +11208,7 @@
           <p:nvPr/>
         </p:nvPicPr>
         <p:blipFill>
-          <a:blip r:embed="rId7"/>
+          <a:blip r:embed="rId8"/>
           <a:stretch>
             <a:fillRect/>
           </a:stretch>
@@ -10819,7 +11228,7 @@
           <p:cNvPr id="27" name="Seta: para Baixo 26">
             <a:extLst>
               <a:ext uri="{FF2B5EF4-FFF2-40B4-BE49-F238E27FC236}">
-                <a16:creationId xmlns:a16="http://schemas.microsoft.com/office/drawing/2014/main" id="{F17E8019-DA59-4DA6-AC72-A647F45BB806}"/>
+                <a16:creationId xmlns:a16="http://schemas.microsoft.com/office/drawing/2014/main" xmlns="" id="{F17E8019-DA59-4DA6-AC72-A647F45BB806}"/>
               </a:ext>
             </a:extLst>
           </p:cNvPr>
@@ -10865,7 +11274,7 @@
           <p:cNvPr id="41" name="Elipse 40">
             <a:extLst>
               <a:ext uri="{FF2B5EF4-FFF2-40B4-BE49-F238E27FC236}">
-                <a16:creationId xmlns:a16="http://schemas.microsoft.com/office/drawing/2014/main" id="{921DA05B-3836-445F-BC79-728E549B3546}"/>
+                <a16:creationId xmlns:a16="http://schemas.microsoft.com/office/drawing/2014/main" xmlns="" id="{921DA05B-3836-445F-BC79-728E549B3546}"/>
               </a:ext>
             </a:extLst>
           </p:cNvPr>
@@ -10917,7 +11326,7 @@
           <p:cNvPr id="42" name="Elipse 41">
             <a:extLst>
               <a:ext uri="{FF2B5EF4-FFF2-40B4-BE49-F238E27FC236}">
-                <a16:creationId xmlns:a16="http://schemas.microsoft.com/office/drawing/2014/main" id="{B941F51B-31BC-4A18-8D32-EC0300AE86DD}"/>
+                <a16:creationId xmlns:a16="http://schemas.microsoft.com/office/drawing/2014/main" xmlns="" id="{B941F51B-31BC-4A18-8D32-EC0300AE86DD}"/>
               </a:ext>
             </a:extLst>
           </p:cNvPr>
@@ -12355,7 +12764,7 @@
         <p:spPr>
           <a:xfrm>
             <a:off x="838200" y="1825624"/>
-            <a:ext cx="8305800" cy="5032375"/>
+            <a:ext cx="8582026" cy="5032375"/>
           </a:xfrm>
         </p:spPr>
         <p:txBody>
@@ -12454,7 +12863,15 @@
           <a:p>
             <a:r>
               <a:rPr lang="pt-BR" dirty="0"/>
-              <a:t>Além disso, a saída da rede é função da entrada atual e de seu estado interno, ou seja, de entradas anteriores.</a:t>
+              <a:t>Além disso, a saída da rede é </a:t>
+            </a:r>
+            <a:r>
+              <a:rPr lang="pt-BR" b="1" i="1" dirty="0"/>
+              <a:t>função da entrada atual e de seu estado interno</a:t>
+            </a:r>
+            <a:r>
+              <a:rPr lang="pt-BR" dirty="0"/>
+              <a:t>, ou seja, de entradas anteriores.</a:t>
             </a:r>
           </a:p>
           <a:p>
@@ -12482,7 +12899,15 @@
             </a:r>
             <a:r>
               <a:rPr lang="pt-BR" dirty="0"/>
-              <a:t>, como som, dados de séries temporais ou linguagem natural (escrita e fala).</a:t>
+              <a:t>, como som, dados de séries </a:t>
+            </a:r>
+            <a:r>
+              <a:rPr lang="pt-BR" dirty="0" smtClean="0"/>
+              <a:t>temporais (preços de ações, padrões cerebrais, etc.) </a:t>
+            </a:r>
+            <a:r>
+              <a:rPr lang="pt-BR" dirty="0"/>
+              <a:t>ou linguagem natural (escrita e fala).</a:t>
             </a:r>
           </a:p>
         </p:txBody>
@@ -12508,8 +12933,8 @@
         </p:blipFill>
         <p:spPr>
           <a:xfrm>
-            <a:off x="8941975" y="2824097"/>
-            <a:ext cx="3250025" cy="2236658"/>
+            <a:off x="9125338" y="3043172"/>
+            <a:ext cx="3038087" cy="2090803"/>
           </a:xfrm>
           <a:prstGeom prst="rect">
             <a:avLst/>
@@ -12568,8 +12993,8 @@
           </a:p>
         </p:txBody>
       </p:sp>
-      <mc:AlternateContent xmlns:mc="http://schemas.openxmlformats.org/markup-compatibility/2006">
-        <mc:Choice xmlns:a14="http://schemas.microsoft.com/office/drawing/2010/main" Requires="a14">
+      <mc:AlternateContent xmlns:mc="http://schemas.openxmlformats.org/markup-compatibility/2006" xmlns:a14="http://schemas.microsoft.com/office/drawing/2010/main">
+        <mc:Choice Requires="a14">
           <p:sp>
             <p:nvSpPr>
               <p:cNvPr id="5" name="Content Placeholder 4"/>
@@ -13126,7 +13551,7 @@
             </p:txBody>
           </p:sp>
         </mc:Choice>
-        <mc:Fallback>
+        <mc:Fallback xmlns="">
           <p:sp>
             <p:nvSpPr>
               <p:cNvPr id="5" name="Content Placeholder 4"/>
@@ -13143,7 +13568,7 @@
                 <a:ext cx="11182351" cy="5032376"/>
               </a:xfrm>
               <a:blipFill>
-                <a:blip r:embed="rId2"/>
+                <a:blip r:embed="rId3"/>
                 <a:stretch>
                   <a:fillRect l="-654" t="-2421" b="-969"/>
                 </a:stretch>
@@ -13173,7 +13598,7 @@
           <p:nvPr/>
         </p:nvPicPr>
         <p:blipFill rotWithShape="1">
-          <a:blip r:embed="rId3">
+          <a:blip r:embed="rId4">
             <a:extLst>
               <a:ext uri="{28A0092B-C50C-407E-A947-70E740481C1C}">
                 <a14:useLocalDpi xmlns:a14="http://schemas.microsoft.com/office/drawing/2010/main" val="0"/>
@@ -13185,8 +13610,8 @@
         </p:blipFill>
         <p:spPr>
           <a:xfrm>
-            <a:off x="8014182" y="179159"/>
-            <a:ext cx="4006368" cy="2364016"/>
+            <a:off x="8267699" y="189604"/>
+            <a:ext cx="3552825" cy="2096396"/>
           </a:xfrm>
           <a:prstGeom prst="rect">
             <a:avLst/>
@@ -13694,25 +14119,37 @@
         </p:spPr>
         <p:txBody>
           <a:bodyPr>
-            <a:normAutofit lnSpcReduction="10000"/>
+            <a:normAutofit fontScale="92500"/>
           </a:bodyPr>
           <a:lstStyle/>
           <a:p>
             <a:r>
+              <a:rPr lang="pt-BR" dirty="0" smtClean="0"/>
+              <a:t>Fig. 1: Um </a:t>
+            </a:r>
+            <a:r>
               <a:rPr lang="pt-BR" dirty="0"/>
-              <a:t>Um nó aproxima uma função de limiar suave. </a:t>
-            </a:r>
-          </a:p>
-          <a:p>
+              <a:t>nó aproxima uma função de limiar suave. </a:t>
+            </a:r>
+          </a:p>
+          <a:p>
+            <a:r>
+              <a:rPr lang="pt-BR" dirty="0" smtClean="0"/>
+              <a:t>Fig. 2: Combinando </a:t>
+            </a:r>
             <a:r>
               <a:rPr lang="pt-BR" dirty="0"/>
-              <a:t>Combinando duas funções de limiar suave com direções opostas, podemos obter uma função em formato de onda.</a:t>
-            </a:r>
-          </a:p>
-          <a:p>
+              <a:t>duas funções de limiar suave com direções opostas, podemos obter uma função em formato de onda.</a:t>
+            </a:r>
+          </a:p>
+          <a:p>
+            <a:r>
+              <a:rPr lang="pt-BR" dirty="0" smtClean="0"/>
+              <a:t>Fig. 3: Combinando </a:t>
+            </a:r>
             <a:r>
               <a:rPr lang="pt-BR" dirty="0"/>
-              <a:t>Combinando duas ondas perpendiculares, nós obtemos uma função em formato cilíndrico.</a:t>
+              <a:t>duas ondas perpendiculares, nós obtemos uma função em formato cilíndrico.</a:t>
             </a:r>
           </a:p>
         </p:txBody>
@@ -13768,6 +14205,13 @@
   <p:clrMapOvr>
     <a:masterClrMapping/>
   </p:clrMapOvr>
+  <p:timing>
+    <p:tnLst>
+      <p:par>
+        <p:cTn id="1" dur="indefinite" restart="never" nodeType="tmRoot"/>
+      </p:par>
+    </p:tnLst>
+  </p:timing>
 </p:sld>
 </file>
 
@@ -14743,6 +15187,13 @@
   <p:clrMapOvr>
     <a:masterClrMapping/>
   </p:clrMapOvr>
+  <p:timing>
+    <p:tnLst>
+      <p:par>
+        <p:cTn id="1" dur="indefinite" restart="never" nodeType="tmRoot"/>
+      </p:par>
+    </p:tnLst>
+  </p:timing>
 </p:sld>
 </file>
 
@@ -14917,7 +15368,7 @@
           <p:cNvPr id="4" name="Título 1">
             <a:extLst>
               <a:ext uri="{FF2B5EF4-FFF2-40B4-BE49-F238E27FC236}">
-                <a16:creationId xmlns:a16="http://schemas.microsoft.com/office/drawing/2014/main" id="{32666AC8-2E17-4DB4-B0F5-60C640CCFD2E}"/>
+                <a16:creationId xmlns:a16="http://schemas.microsoft.com/office/drawing/2014/main" xmlns="" id="{32666AC8-2E17-4DB4-B0F5-60C640CCFD2E}"/>
               </a:ext>
             </a:extLst>
           </p:cNvPr>
@@ -15276,7 +15727,7 @@
           <p:cNvPr id="4" name="Título 1">
             <a:extLst>
               <a:ext uri="{FF2B5EF4-FFF2-40B4-BE49-F238E27FC236}">
-                <a16:creationId xmlns:a16="http://schemas.microsoft.com/office/drawing/2014/main" id="{32666AC8-2E17-4DB4-B0F5-60C640CCFD2E}"/>
+                <a16:creationId xmlns:a16="http://schemas.microsoft.com/office/drawing/2014/main" xmlns="" id="{32666AC8-2E17-4DB4-B0F5-60C640CCFD2E}"/>
               </a:ext>
             </a:extLst>
           </p:cNvPr>
@@ -19887,7 +20338,7 @@
           <p:cNvPr id="4" name="CaixaDeTexto 3">
             <a:extLst>
               <a:ext uri="{FF2B5EF4-FFF2-40B4-BE49-F238E27FC236}">
-                <a16:creationId xmlns:a16="http://schemas.microsoft.com/office/drawing/2014/main" id="{BEC904AB-A007-4518-B54C-E95ABDC63626}"/>
+                <a16:creationId xmlns:a16="http://schemas.microsoft.com/office/drawing/2014/main" xmlns="" id="{BEC904AB-A007-4518-B54C-E95ABDC63626}"/>
               </a:ext>
             </a:extLst>
           </p:cNvPr>
@@ -19924,7 +20375,7 @@
           <p:cNvPr id="9" name="CaixaDeTexto 8">
             <a:extLst>
               <a:ext uri="{FF2B5EF4-FFF2-40B4-BE49-F238E27FC236}">
-                <a16:creationId xmlns:a16="http://schemas.microsoft.com/office/drawing/2014/main" id="{4CCEF927-B8CC-4C90-A772-24E6A0CFD474}"/>
+                <a16:creationId xmlns:a16="http://schemas.microsoft.com/office/drawing/2014/main" xmlns="" id="{4CCEF927-B8CC-4C90-A772-24E6A0CFD474}"/>
               </a:ext>
             </a:extLst>
           </p:cNvPr>
@@ -19960,7 +20411,7 @@
           <p:cNvPr id="6" name="Conector de Seta Reta 5">
             <a:extLst>
               <a:ext uri="{FF2B5EF4-FFF2-40B4-BE49-F238E27FC236}">
-                <a16:creationId xmlns:a16="http://schemas.microsoft.com/office/drawing/2014/main" id="{022BDF03-3B8A-4862-8739-B578666F19DF}"/>
+                <a16:creationId xmlns:a16="http://schemas.microsoft.com/office/drawing/2014/main" xmlns="" id="{022BDF03-3B8A-4862-8739-B578666F19DF}"/>
               </a:ext>
             </a:extLst>
           </p:cNvPr>
@@ -20004,7 +20455,7 @@
           <p:cNvPr id="17" name="Conector de Seta Reta 16">
             <a:extLst>
               <a:ext uri="{FF2B5EF4-FFF2-40B4-BE49-F238E27FC236}">
-                <a16:creationId xmlns:a16="http://schemas.microsoft.com/office/drawing/2014/main" id="{073FE868-325A-4FF4-BD4C-B8FFB02A80A3}"/>
+                <a16:creationId xmlns:a16="http://schemas.microsoft.com/office/drawing/2014/main" xmlns="" id="{073FE868-325A-4FF4-BD4C-B8FFB02A80A3}"/>
               </a:ext>
             </a:extLst>
           </p:cNvPr>
@@ -21068,7 +21519,7 @@
           <p:cNvPr id="11" name="CaixaDeTexto 10">
             <a:extLst>
               <a:ext uri="{FF2B5EF4-FFF2-40B4-BE49-F238E27FC236}">
-                <a16:creationId xmlns:a16="http://schemas.microsoft.com/office/drawing/2014/main" id="{CCFCC359-B4F8-41A1-B341-4ABBACDCE636}"/>
+                <a16:creationId xmlns:a16="http://schemas.microsoft.com/office/drawing/2014/main" xmlns="" id="{CCFCC359-B4F8-41A1-B341-4ABBACDCE636}"/>
               </a:ext>
             </a:extLst>
           </p:cNvPr>
@@ -21105,7 +21556,7 @@
           <p:cNvPr id="12" name="CaixaDeTexto 11">
             <a:extLst>
               <a:ext uri="{FF2B5EF4-FFF2-40B4-BE49-F238E27FC236}">
-                <a16:creationId xmlns:a16="http://schemas.microsoft.com/office/drawing/2014/main" id="{2D15771D-561A-4851-BEE3-494320A67726}"/>
+                <a16:creationId xmlns:a16="http://schemas.microsoft.com/office/drawing/2014/main" xmlns="" id="{2D15771D-561A-4851-BEE3-494320A67726}"/>
               </a:ext>
             </a:extLst>
           </p:cNvPr>
@@ -21141,7 +21592,7 @@
           <p:cNvPr id="14" name="Conector de Seta Reta 13">
             <a:extLst>
               <a:ext uri="{FF2B5EF4-FFF2-40B4-BE49-F238E27FC236}">
-                <a16:creationId xmlns:a16="http://schemas.microsoft.com/office/drawing/2014/main" id="{5C617E03-F638-4320-8FDA-A6A62315797C}"/>
+                <a16:creationId xmlns:a16="http://schemas.microsoft.com/office/drawing/2014/main" xmlns="" id="{5C617E03-F638-4320-8FDA-A6A62315797C}"/>
               </a:ext>
             </a:extLst>
           </p:cNvPr>
@@ -21185,7 +21636,7 @@
           <p:cNvPr id="16" name="Conector de Seta Reta 15">
             <a:extLst>
               <a:ext uri="{FF2B5EF4-FFF2-40B4-BE49-F238E27FC236}">
-                <a16:creationId xmlns:a16="http://schemas.microsoft.com/office/drawing/2014/main" id="{9F0A5C87-8500-4308-83F7-0C62ED06739C}"/>
+                <a16:creationId xmlns:a16="http://schemas.microsoft.com/office/drawing/2014/main" xmlns="" id="{9F0A5C87-8500-4308-83F7-0C62ED06739C}"/>
               </a:ext>
             </a:extLst>
           </p:cNvPr>

--- a/slides/T320_Redes_Neurais_Artificiais (Parte II).pptx
+++ b/slides/T320_Redes_Neurais_Artificiais (Parte II).pptx
@@ -7055,7 +7055,7 @@
           <p:cNvPr id="2" name="Título 1">
             <a:extLst>
               <a:ext uri="{FF2B5EF4-FFF2-40B4-BE49-F238E27FC236}">
-                <a16:creationId xmlns:a16="http://schemas.microsoft.com/office/drawing/2014/main" xmlns="" id="{32666AC8-2E17-4DB4-B0F5-60C640CCFD2E}"/>
+                <a16:creationId xmlns="" xmlns:a16="http://schemas.microsoft.com/office/drawing/2014/main" id="{32666AC8-2E17-4DB4-B0F5-60C640CCFD2E}"/>
               </a:ext>
             </a:extLst>
           </p:cNvPr>
@@ -7101,7 +7101,7 @@
           <p:cNvPr id="4" name="CaixaDeTexto 3">
             <a:extLst>
               <a:ext uri="{FF2B5EF4-FFF2-40B4-BE49-F238E27FC236}">
-                <a16:creationId xmlns:a16="http://schemas.microsoft.com/office/drawing/2014/main" xmlns="" id="{430EB894-B7D4-434C-9D1A-A14094D9BEEC}"/>
+                <a16:creationId xmlns="" xmlns:a16="http://schemas.microsoft.com/office/drawing/2014/main" id="{430EB894-B7D4-434C-9D1A-A14094D9BEEC}"/>
               </a:ext>
             </a:extLst>
           </p:cNvPr>
@@ -7142,7 +7142,7 @@
           <p:cNvPr id="1026" name="Picture 2" descr="Logo">
             <a:extLst>
               <a:ext uri="{FF2B5EF4-FFF2-40B4-BE49-F238E27FC236}">
-                <a16:creationId xmlns:a16="http://schemas.microsoft.com/office/drawing/2014/main" xmlns="" id="{3F2642E0-4F6A-4196-8F58-E77D36E9A33F}"/>
+                <a16:creationId xmlns="" xmlns:a16="http://schemas.microsoft.com/office/drawing/2014/main" id="{3F2642E0-4F6A-4196-8F58-E77D36E9A33F}"/>
               </a:ext>
             </a:extLst>
           </p:cNvPr>
@@ -7187,7 +7187,7 @@
           <p:cNvPr id="5122" name="Picture 2" descr="Image result for machine learning">
             <a:extLst>
               <a:ext uri="{FF2B5EF4-FFF2-40B4-BE49-F238E27FC236}">
-                <a16:creationId xmlns:a16="http://schemas.microsoft.com/office/drawing/2014/main" xmlns="" id="{810CE0A2-4102-44A6-A370-175E7896CDCB}"/>
+                <a16:creationId xmlns="" xmlns:a16="http://schemas.microsoft.com/office/drawing/2014/main" id="{810CE0A2-4102-44A6-A370-175E7896CDCB}"/>
               </a:ext>
             </a:extLst>
           </p:cNvPr>
@@ -8221,7 +8221,7 @@
           <p:cNvPr id="2" name="Título 1">
             <a:extLst>
               <a:ext uri="{FF2B5EF4-FFF2-40B4-BE49-F238E27FC236}">
-                <a16:creationId xmlns:a16="http://schemas.microsoft.com/office/drawing/2014/main" xmlns="" id="{4E991379-1C4F-4AB9-BB38-83C7CC20155D}"/>
+                <a16:creationId xmlns="" xmlns:a16="http://schemas.microsoft.com/office/drawing/2014/main" id="{4E991379-1C4F-4AB9-BB38-83C7CC20155D}"/>
               </a:ext>
             </a:extLst>
           </p:cNvPr>
@@ -8268,7 +8268,7 @@
               <p:cNvPr id="3" name="Espaço Reservado para Conteúdo 2">
                 <a:extLst>
                   <a:ext uri="{FF2B5EF4-FFF2-40B4-BE49-F238E27FC236}">
-                    <a16:creationId xmlns:a16="http://schemas.microsoft.com/office/drawing/2014/main" xmlns="" id="{68DBA540-3B58-4BC7-B375-23ABBBC057D3}"/>
+                    <a16:creationId xmlns="" xmlns:a16="http://schemas.microsoft.com/office/drawing/2014/main" id="{68DBA540-3B58-4BC7-B375-23ABBBC057D3}"/>
                   </a:ext>
                 </a:extLst>
               </p:cNvPr>
@@ -10220,7 +10220,7 @@
           <p:cNvPr id="4" name="Agrupar 3">
             <a:extLst>
               <a:ext uri="{FF2B5EF4-FFF2-40B4-BE49-F238E27FC236}">
-                <a16:creationId xmlns:a16="http://schemas.microsoft.com/office/drawing/2014/main" xmlns="" id="{DDA32F11-9374-4C54-ABCD-0438654B8E82}"/>
+                <a16:creationId xmlns="" xmlns:a16="http://schemas.microsoft.com/office/drawing/2014/main" id="{DDA32F11-9374-4C54-ABCD-0438654B8E82}"/>
               </a:ext>
             </a:extLst>
           </p:cNvPr>
@@ -10240,7 +10240,7 @@
             <p:cNvPr id="5" name="Elipse 4">
               <a:extLst>
                 <a:ext uri="{FF2B5EF4-FFF2-40B4-BE49-F238E27FC236}">
-                  <a16:creationId xmlns:a16="http://schemas.microsoft.com/office/drawing/2014/main" xmlns="" id="{F8EDC3E8-17CE-4493-9271-98A945347FBE}"/>
+                  <a16:creationId xmlns="" xmlns:a16="http://schemas.microsoft.com/office/drawing/2014/main" id="{F8EDC3E8-17CE-4493-9271-98A945347FBE}"/>
                 </a:ext>
               </a:extLst>
             </p:cNvPr>
@@ -10293,7 +10293,7 @@
             <p:cNvPr id="6" name="Elipse 5">
               <a:extLst>
                 <a:ext uri="{FF2B5EF4-FFF2-40B4-BE49-F238E27FC236}">
-                  <a16:creationId xmlns:a16="http://schemas.microsoft.com/office/drawing/2014/main" xmlns="" id="{36E0141A-9275-43DA-B6B6-60E88BED5AD5}"/>
+                  <a16:creationId xmlns="" xmlns:a16="http://schemas.microsoft.com/office/drawing/2014/main" id="{36E0141A-9275-43DA-B6B6-60E88BED5AD5}"/>
                 </a:ext>
               </a:extLst>
             </p:cNvPr>
@@ -10346,7 +10346,7 @@
             <p:cNvPr id="7" name="Conector de seta reta 10">
               <a:extLst>
                 <a:ext uri="{FF2B5EF4-FFF2-40B4-BE49-F238E27FC236}">
-                  <a16:creationId xmlns:a16="http://schemas.microsoft.com/office/drawing/2014/main" xmlns="" id="{04E870F7-1DE5-4241-8990-14C74A492B08}"/>
+                  <a16:creationId xmlns="" xmlns:a16="http://schemas.microsoft.com/office/drawing/2014/main" id="{04E870F7-1DE5-4241-8990-14C74A492B08}"/>
                 </a:ext>
               </a:extLst>
             </p:cNvPr>
@@ -10390,7 +10390,7 @@
             <p:cNvPr id="8" name="Retângulo 7">
               <a:extLst>
                 <a:ext uri="{FF2B5EF4-FFF2-40B4-BE49-F238E27FC236}">
-                  <a16:creationId xmlns:a16="http://schemas.microsoft.com/office/drawing/2014/main" xmlns="" id="{BE31B3DC-1229-48D6-9A56-590F8FAD4CE1}"/>
+                  <a16:creationId xmlns="" xmlns:a16="http://schemas.microsoft.com/office/drawing/2014/main" id="{BE31B3DC-1229-48D6-9A56-590F8FAD4CE1}"/>
                 </a:ext>
               </a:extLst>
             </p:cNvPr>
@@ -10444,7 +10444,7 @@
             <p:cNvPr id="9" name="Conector de seta reta 15">
               <a:extLst>
                 <a:ext uri="{FF2B5EF4-FFF2-40B4-BE49-F238E27FC236}">
-                  <a16:creationId xmlns:a16="http://schemas.microsoft.com/office/drawing/2014/main" xmlns="" id="{2FD2427F-A5C3-4856-8D64-557FA8713A40}"/>
+                  <a16:creationId xmlns="" xmlns:a16="http://schemas.microsoft.com/office/drawing/2014/main" id="{2FD2427F-A5C3-4856-8D64-557FA8713A40}"/>
                 </a:ext>
               </a:extLst>
             </p:cNvPr>
@@ -10491,7 +10491,7 @@
                 <p:cNvPr id="10" name="CaixaDeTexto 9">
                   <a:extLst>
                     <a:ext uri="{FF2B5EF4-FFF2-40B4-BE49-F238E27FC236}">
-                      <a16:creationId xmlns:a16="http://schemas.microsoft.com/office/drawing/2014/main" xmlns="" id="{3463534E-1D58-4D6C-9ED5-2C2E4AA6B3A0}"/>
+                      <a16:creationId xmlns="" xmlns:a16="http://schemas.microsoft.com/office/drawing/2014/main" id="{3463534E-1D58-4D6C-9ED5-2C2E4AA6B3A0}"/>
                     </a:ext>
                   </a:extLst>
                 </p:cNvPr>
@@ -10587,7 +10587,7 @@
                 <p:cNvPr id="11" name="CaixaDeTexto 10">
                   <a:extLst>
                     <a:ext uri="{FF2B5EF4-FFF2-40B4-BE49-F238E27FC236}">
-                      <a16:creationId xmlns:a16="http://schemas.microsoft.com/office/drawing/2014/main" xmlns="" id="{76F6A577-C410-4C4B-A220-E160EE1322EC}"/>
+                      <a16:creationId xmlns="" xmlns:a16="http://schemas.microsoft.com/office/drawing/2014/main" id="{76F6A577-C410-4C4B-A220-E160EE1322EC}"/>
                     </a:ext>
                   </a:extLst>
                 </p:cNvPr>
@@ -10702,7 +10702,7 @@
                 <p:cNvPr id="12" name="CaixaDeTexto 11">
                   <a:extLst>
                     <a:ext uri="{FF2B5EF4-FFF2-40B4-BE49-F238E27FC236}">
-                      <a16:creationId xmlns:a16="http://schemas.microsoft.com/office/drawing/2014/main" xmlns="" id="{9046B972-AB0D-42CF-8F0B-04E856201DD0}"/>
+                      <a16:creationId xmlns="" xmlns:a16="http://schemas.microsoft.com/office/drawing/2014/main" id="{9046B972-AB0D-42CF-8F0B-04E856201DD0}"/>
                     </a:ext>
                   </a:extLst>
                 </p:cNvPr>
@@ -10808,7 +10808,7 @@
             <p:cNvPr id="13" name="Conector de seta reta 15">
               <a:extLst>
                 <a:ext uri="{FF2B5EF4-FFF2-40B4-BE49-F238E27FC236}">
-                  <a16:creationId xmlns:a16="http://schemas.microsoft.com/office/drawing/2014/main" xmlns="" id="{E1B54AD2-596A-4DDC-8D0D-A2CD4C086E1F}"/>
+                  <a16:creationId xmlns="" xmlns:a16="http://schemas.microsoft.com/office/drawing/2014/main" id="{E1B54AD2-596A-4DDC-8D0D-A2CD4C086E1F}"/>
                 </a:ext>
               </a:extLst>
             </p:cNvPr>
@@ -10852,7 +10852,7 @@
                 <p:cNvPr id="14" name="CaixaDeTexto 13">
                   <a:extLst>
                     <a:ext uri="{FF2B5EF4-FFF2-40B4-BE49-F238E27FC236}">
-                      <a16:creationId xmlns:a16="http://schemas.microsoft.com/office/drawing/2014/main" xmlns="" id="{74120AF5-A30A-40B3-AD02-AA0A766B82AD}"/>
+                      <a16:creationId xmlns="" xmlns:a16="http://schemas.microsoft.com/office/drawing/2014/main" id="{74120AF5-A30A-40B3-AD02-AA0A766B82AD}"/>
                     </a:ext>
                   </a:extLst>
                 </p:cNvPr>
@@ -10966,7 +10966,7 @@
           <p:cNvPr id="15" name="Elipse 14">
             <a:extLst>
               <a:ext uri="{FF2B5EF4-FFF2-40B4-BE49-F238E27FC236}">
-                <a16:creationId xmlns:a16="http://schemas.microsoft.com/office/drawing/2014/main" xmlns="" id="{E4EBB7CB-9B70-401A-B744-8CD1F89E3BB9}"/>
+                <a16:creationId xmlns="" xmlns:a16="http://schemas.microsoft.com/office/drawing/2014/main" id="{E4EBB7CB-9B70-401A-B744-8CD1F89E3BB9}"/>
               </a:ext>
             </a:extLst>
           </p:cNvPr>
@@ -11018,7 +11018,7 @@
           <p:cNvPr id="18" name="CaixaDeTexto 17">
             <a:extLst>
               <a:ext uri="{FF2B5EF4-FFF2-40B4-BE49-F238E27FC236}">
-                <a16:creationId xmlns:a16="http://schemas.microsoft.com/office/drawing/2014/main" xmlns="" id="{0DE351C4-0752-4411-9A3E-0EEE16B7BAF9}"/>
+                <a16:creationId xmlns="" xmlns:a16="http://schemas.microsoft.com/office/drawing/2014/main" id="{0DE351C4-0752-4411-9A3E-0EEE16B7BAF9}"/>
               </a:ext>
             </a:extLst>
           </p:cNvPr>
@@ -11074,7 +11074,7 @@
           <p:cNvPr id="20" name="Conector de Seta Reta 19">
             <a:extLst>
               <a:ext uri="{FF2B5EF4-FFF2-40B4-BE49-F238E27FC236}">
-                <a16:creationId xmlns:a16="http://schemas.microsoft.com/office/drawing/2014/main" xmlns="" id="{938A7AF6-E11B-41A9-AA12-497491ADD98E}"/>
+                <a16:creationId xmlns="" xmlns:a16="http://schemas.microsoft.com/office/drawing/2014/main" id="{938A7AF6-E11B-41A9-AA12-497491ADD98E}"/>
               </a:ext>
             </a:extLst>
           </p:cNvPr>
@@ -11115,7 +11115,7 @@
           <p:cNvPr id="22" name="Conector de Seta Reta 21">
             <a:extLst>
               <a:ext uri="{FF2B5EF4-FFF2-40B4-BE49-F238E27FC236}">
-                <a16:creationId xmlns:a16="http://schemas.microsoft.com/office/drawing/2014/main" xmlns="" id="{E10310FC-5CF6-4BC7-A656-570DA30A65D9}"/>
+                <a16:creationId xmlns="" xmlns:a16="http://schemas.microsoft.com/office/drawing/2014/main" id="{E10310FC-5CF6-4BC7-A656-570DA30A65D9}"/>
               </a:ext>
             </a:extLst>
           </p:cNvPr>
@@ -11157,7 +11157,7 @@
           <p:cNvPr id="24" name="Conector de Seta Reta 23">
             <a:extLst>
               <a:ext uri="{FF2B5EF4-FFF2-40B4-BE49-F238E27FC236}">
-                <a16:creationId xmlns:a16="http://schemas.microsoft.com/office/drawing/2014/main" xmlns="" id="{3FE3BC92-DCED-4F47-B961-CD529C513E92}"/>
+                <a16:creationId xmlns="" xmlns:a16="http://schemas.microsoft.com/office/drawing/2014/main" id="{3FE3BC92-DCED-4F47-B961-CD529C513E92}"/>
               </a:ext>
             </a:extLst>
           </p:cNvPr>
@@ -11198,7 +11198,7 @@
           <p:cNvPr id="26" name="Imagem 25">
             <a:extLst>
               <a:ext uri="{FF2B5EF4-FFF2-40B4-BE49-F238E27FC236}">
-                <a16:creationId xmlns:a16="http://schemas.microsoft.com/office/drawing/2014/main" xmlns="" id="{63AECB77-C03B-47D6-9FCF-1CB34C247480}"/>
+                <a16:creationId xmlns="" xmlns:a16="http://schemas.microsoft.com/office/drawing/2014/main" id="{63AECB77-C03B-47D6-9FCF-1CB34C247480}"/>
               </a:ext>
             </a:extLst>
           </p:cNvPr>
@@ -11228,7 +11228,7 @@
           <p:cNvPr id="27" name="Seta: para Baixo 26">
             <a:extLst>
               <a:ext uri="{FF2B5EF4-FFF2-40B4-BE49-F238E27FC236}">
-                <a16:creationId xmlns:a16="http://schemas.microsoft.com/office/drawing/2014/main" xmlns="" id="{F17E8019-DA59-4DA6-AC72-A647F45BB806}"/>
+                <a16:creationId xmlns="" xmlns:a16="http://schemas.microsoft.com/office/drawing/2014/main" id="{F17E8019-DA59-4DA6-AC72-A647F45BB806}"/>
               </a:ext>
             </a:extLst>
           </p:cNvPr>
@@ -11274,7 +11274,7 @@
           <p:cNvPr id="41" name="Elipse 40">
             <a:extLst>
               <a:ext uri="{FF2B5EF4-FFF2-40B4-BE49-F238E27FC236}">
-                <a16:creationId xmlns:a16="http://schemas.microsoft.com/office/drawing/2014/main" xmlns="" id="{921DA05B-3836-445F-BC79-728E549B3546}"/>
+                <a16:creationId xmlns="" xmlns:a16="http://schemas.microsoft.com/office/drawing/2014/main" id="{921DA05B-3836-445F-BC79-728E549B3546}"/>
               </a:ext>
             </a:extLst>
           </p:cNvPr>
@@ -11326,7 +11326,7 @@
           <p:cNvPr id="42" name="Elipse 41">
             <a:extLst>
               <a:ext uri="{FF2B5EF4-FFF2-40B4-BE49-F238E27FC236}">
-                <a16:creationId xmlns:a16="http://schemas.microsoft.com/office/drawing/2014/main" xmlns="" id="{B941F51B-31BC-4A18-8D32-EC0300AE86DD}"/>
+                <a16:creationId xmlns="" xmlns:a16="http://schemas.microsoft.com/office/drawing/2014/main" id="{B941F51B-31BC-4A18-8D32-EC0300AE86DD}"/>
               </a:ext>
             </a:extLst>
           </p:cNvPr>
@@ -12583,8 +12583,29 @@
             </a:r>
             <a:r>
               <a:rPr lang="pt-BR" dirty="0"/>
-              <a:t> de uma rede.</a:t>
-            </a:r>
+              <a:t> de uma </a:t>
+            </a:r>
+            <a:r>
+              <a:rPr lang="pt-BR" dirty="0" smtClean="0"/>
+              <a:t>rede, </a:t>
+            </a:r>
+            <a:r>
+              <a:rPr lang="pt-BR" b="1" i="1" dirty="0" smtClean="0"/>
+              <a:t>direta</a:t>
+            </a:r>
+            <a:r>
+              <a:rPr lang="pt-BR" dirty="0" smtClean="0"/>
+              <a:t> e </a:t>
+            </a:r>
+            <a:r>
+              <a:rPr lang="pt-BR" b="1" i="1" dirty="0" smtClean="0"/>
+              <a:t>reversa</a:t>
+            </a:r>
+            <a:r>
+              <a:rPr lang="pt-BR" dirty="0" smtClean="0"/>
+              <a:t>.</a:t>
+            </a:r>
+            <a:endParaRPr lang="pt-BR" dirty="0"/>
           </a:p>
           <a:p>
             <a:r>
@@ -12597,8 +12618,13 @@
             </a:r>
             <a:r>
               <a:rPr lang="pt-BR" dirty="0"/>
-              <a:t> da rede têm conexões em apenas uma única direção. </a:t>
-            </a:r>
+              <a:t> da rede têm conexões em apenas uma única </a:t>
+            </a:r>
+            <a:r>
+              <a:rPr lang="pt-BR" dirty="0" smtClean="0"/>
+              <a:t>direção. </a:t>
+            </a:r>
+            <a:endParaRPr lang="pt-BR" dirty="0"/>
           </a:p>
           <a:p>
             <a:r>
@@ -12884,9 +12910,10 @@
               <a:t>redes recorrentes </a:t>
             </a:r>
             <a:r>
-              <a:rPr lang="pt-BR" dirty="0"/>
-              <a:t>suportam memória de curto prazo.</a:t>
-            </a:r>
+              <a:rPr lang="pt-BR" dirty="0" smtClean="0"/>
+              <a:t>possuem memória.</a:t>
+            </a:r>
+            <a:endParaRPr lang="pt-BR" dirty="0"/>
           </a:p>
           <a:p>
             <a:r>
@@ -12993,8 +13020,8 @@
           </a:p>
         </p:txBody>
       </p:sp>
-      <mc:AlternateContent xmlns:mc="http://schemas.openxmlformats.org/markup-compatibility/2006" xmlns:a14="http://schemas.microsoft.com/office/drawing/2010/main">
-        <mc:Choice Requires="a14">
+      <mc:AlternateContent xmlns:mc="http://schemas.openxmlformats.org/markup-compatibility/2006">
+        <mc:Choice xmlns:a14="http://schemas.microsoft.com/office/drawing/2010/main" Requires="a14">
           <p:sp>
             <p:nvSpPr>
               <p:cNvPr id="5" name="Content Placeholder 4"/>
@@ -13505,8 +13532,13 @@
                 </a:r>
                 <a:r>
                   <a:rPr lang="pt-BR" dirty="0"/>
-                  <a:t> das entradas com uma precisão arbitrária.</a:t>
+                  <a:t> das entradas com uma precisão </a:t>
                 </a:r>
+                <a:r>
+                  <a:rPr lang="pt-BR" dirty="0" smtClean="0"/>
+                  <a:t>arbitrária (depende da topologia).</a:t>
+                </a:r>
+                <a:endParaRPr lang="pt-BR" dirty="0"/>
               </a:p>
               <a:p>
                 <a:r>
@@ -13551,7 +13583,7 @@
             </p:txBody>
           </p:sp>
         </mc:Choice>
-        <mc:Fallback xmlns="">
+        <mc:Fallback>
           <p:sp>
             <p:nvSpPr>
               <p:cNvPr id="5" name="Content Placeholder 4"/>
@@ -13567,7 +13599,7 @@
                 <a:off x="838199" y="1825624"/>
                 <a:ext cx="11182351" cy="5032376"/>
               </a:xfrm>
-              <a:blipFill>
+              <a:blipFill rotWithShape="0">
                 <a:blip r:embed="rId3"/>
                 <a:stretch>
                   <a:fillRect l="-654" t="-2421" b="-969"/>
@@ -13579,7 +13611,7 @@
               <a:lstStyle/>
               <a:p>
                 <a:r>
-                  <a:rPr lang="en-US">
+                  <a:rPr lang="pt-BR">
                     <a:noFill/>
                   </a:rPr>
                   <a:t> </a:t>
@@ -15368,7 +15400,7 @@
           <p:cNvPr id="4" name="Título 1">
             <a:extLst>
               <a:ext uri="{FF2B5EF4-FFF2-40B4-BE49-F238E27FC236}">
-                <a16:creationId xmlns:a16="http://schemas.microsoft.com/office/drawing/2014/main" xmlns="" id="{32666AC8-2E17-4DB4-B0F5-60C640CCFD2E}"/>
+                <a16:creationId xmlns="" xmlns:a16="http://schemas.microsoft.com/office/drawing/2014/main" id="{32666AC8-2E17-4DB4-B0F5-60C640CCFD2E}"/>
               </a:ext>
             </a:extLst>
           </p:cNvPr>
@@ -15727,7 +15759,7 @@
           <p:cNvPr id="4" name="Título 1">
             <a:extLst>
               <a:ext uri="{FF2B5EF4-FFF2-40B4-BE49-F238E27FC236}">
-                <a16:creationId xmlns:a16="http://schemas.microsoft.com/office/drawing/2014/main" xmlns="" id="{32666AC8-2E17-4DB4-B0F5-60C640CCFD2E}"/>
+                <a16:creationId xmlns="" xmlns:a16="http://schemas.microsoft.com/office/drawing/2014/main" id="{32666AC8-2E17-4DB4-B0F5-60C640CCFD2E}"/>
               </a:ext>
             </a:extLst>
           </p:cNvPr>
@@ -20338,7 +20370,7 @@
           <p:cNvPr id="4" name="CaixaDeTexto 3">
             <a:extLst>
               <a:ext uri="{FF2B5EF4-FFF2-40B4-BE49-F238E27FC236}">
-                <a16:creationId xmlns:a16="http://schemas.microsoft.com/office/drawing/2014/main" xmlns="" id="{BEC904AB-A007-4518-B54C-E95ABDC63626}"/>
+                <a16:creationId xmlns="" xmlns:a16="http://schemas.microsoft.com/office/drawing/2014/main" id="{BEC904AB-A007-4518-B54C-E95ABDC63626}"/>
               </a:ext>
             </a:extLst>
           </p:cNvPr>
@@ -20375,7 +20407,7 @@
           <p:cNvPr id="9" name="CaixaDeTexto 8">
             <a:extLst>
               <a:ext uri="{FF2B5EF4-FFF2-40B4-BE49-F238E27FC236}">
-                <a16:creationId xmlns:a16="http://schemas.microsoft.com/office/drawing/2014/main" xmlns="" id="{4CCEF927-B8CC-4C90-A772-24E6A0CFD474}"/>
+                <a16:creationId xmlns="" xmlns:a16="http://schemas.microsoft.com/office/drawing/2014/main" id="{4CCEF927-B8CC-4C90-A772-24E6A0CFD474}"/>
               </a:ext>
             </a:extLst>
           </p:cNvPr>
@@ -20411,7 +20443,7 @@
           <p:cNvPr id="6" name="Conector de Seta Reta 5">
             <a:extLst>
               <a:ext uri="{FF2B5EF4-FFF2-40B4-BE49-F238E27FC236}">
-                <a16:creationId xmlns:a16="http://schemas.microsoft.com/office/drawing/2014/main" xmlns="" id="{022BDF03-3B8A-4862-8739-B578666F19DF}"/>
+                <a16:creationId xmlns="" xmlns:a16="http://schemas.microsoft.com/office/drawing/2014/main" id="{022BDF03-3B8A-4862-8739-B578666F19DF}"/>
               </a:ext>
             </a:extLst>
           </p:cNvPr>
@@ -20455,7 +20487,7 @@
           <p:cNvPr id="17" name="Conector de Seta Reta 16">
             <a:extLst>
               <a:ext uri="{FF2B5EF4-FFF2-40B4-BE49-F238E27FC236}">
-                <a16:creationId xmlns:a16="http://schemas.microsoft.com/office/drawing/2014/main" xmlns="" id="{073FE868-325A-4FF4-BD4C-B8FFB02A80A3}"/>
+                <a16:creationId xmlns="" xmlns:a16="http://schemas.microsoft.com/office/drawing/2014/main" id="{073FE868-325A-4FF4-BD4C-B8FFB02A80A3}"/>
               </a:ext>
             </a:extLst>
           </p:cNvPr>
@@ -21519,7 +21551,7 @@
           <p:cNvPr id="11" name="CaixaDeTexto 10">
             <a:extLst>
               <a:ext uri="{FF2B5EF4-FFF2-40B4-BE49-F238E27FC236}">
-                <a16:creationId xmlns:a16="http://schemas.microsoft.com/office/drawing/2014/main" xmlns="" id="{CCFCC359-B4F8-41A1-B341-4ABBACDCE636}"/>
+                <a16:creationId xmlns="" xmlns:a16="http://schemas.microsoft.com/office/drawing/2014/main" id="{CCFCC359-B4F8-41A1-B341-4ABBACDCE636}"/>
               </a:ext>
             </a:extLst>
           </p:cNvPr>
@@ -21556,7 +21588,7 @@
           <p:cNvPr id="12" name="CaixaDeTexto 11">
             <a:extLst>
               <a:ext uri="{FF2B5EF4-FFF2-40B4-BE49-F238E27FC236}">
-                <a16:creationId xmlns:a16="http://schemas.microsoft.com/office/drawing/2014/main" xmlns="" id="{2D15771D-561A-4851-BEE3-494320A67726}"/>
+                <a16:creationId xmlns="" xmlns:a16="http://schemas.microsoft.com/office/drawing/2014/main" id="{2D15771D-561A-4851-BEE3-494320A67726}"/>
               </a:ext>
             </a:extLst>
           </p:cNvPr>
@@ -21592,7 +21624,7 @@
           <p:cNvPr id="14" name="Conector de Seta Reta 13">
             <a:extLst>
               <a:ext uri="{FF2B5EF4-FFF2-40B4-BE49-F238E27FC236}">
-                <a16:creationId xmlns:a16="http://schemas.microsoft.com/office/drawing/2014/main" xmlns="" id="{5C617E03-F638-4320-8FDA-A6A62315797C}"/>
+                <a16:creationId xmlns="" xmlns:a16="http://schemas.microsoft.com/office/drawing/2014/main" id="{5C617E03-F638-4320-8FDA-A6A62315797C}"/>
               </a:ext>
             </a:extLst>
           </p:cNvPr>
@@ -21636,7 +21668,7 @@
           <p:cNvPr id="16" name="Conector de Seta Reta 15">
             <a:extLst>
               <a:ext uri="{FF2B5EF4-FFF2-40B4-BE49-F238E27FC236}">
-                <a16:creationId xmlns:a16="http://schemas.microsoft.com/office/drawing/2014/main" xmlns="" id="{9F0A5C87-8500-4308-83F7-0C62ED06739C}"/>
+                <a16:creationId xmlns="" xmlns:a16="http://schemas.microsoft.com/office/drawing/2014/main" id="{9F0A5C87-8500-4308-83F7-0C62ED06739C}"/>
               </a:ext>
             </a:extLst>
           </p:cNvPr>

--- a/slides/T320_Redes_Neurais_Artificiais (Parte II).pptx
+++ b/slides/T320_Redes_Neurais_Artificiais (Parte II).pptx
@@ -259,7 +259,7 @@
           <a:p>
             <a:fld id="{C3C82C08-3EFC-4473-8294-F0E229C19EFF}" type="datetimeFigureOut">
               <a:rPr lang="pt-BR" smtClean="0"/>
-              <a:t>13/05/2022</a:t>
+              <a:t>21/10/2022</a:t>
             </a:fld>
             <a:endParaRPr lang="pt-BR"/>
           </a:p>
@@ -657,24 +657,13 @@
           <a:p>
             <a:r>
               <a:rPr lang="pt-BR" dirty="0"/>
-              <a:t>O problema é que, em alguns casos, o gradiente em camadas iniciais será extremamente pequeno, fazendo</a:t>
-            </a:r>
-            <a:r>
-              <a:rPr lang="pt-BR" baseline="0" dirty="0"/>
-              <a:t> com </a:t>
-            </a:r>
+              <a:t>O problema é que, em alguns casos, o gradiente será extremamente pequeno, evitando efetivamente que o peso mude de valor. </a:t>
+            </a:r>
+          </a:p>
+          <a:p>
             <a:r>
               <a:rPr lang="pt-BR" dirty="0"/>
-              <a:t>que os pesos desta camada praticamente não mudem de valor. </a:t>
-            </a:r>
-          </a:p>
-          <a:p>
-            <a:endParaRPr lang="pt-BR" dirty="0"/>
-          </a:p>
-          <a:p>
-            <a:r>
-              <a:rPr lang="pt-BR" dirty="0"/>
-              <a:t>Na pior das hipóteses, isso pode impedir completamente o aprendizado da rede neural.</a:t>
+              <a:t>Na pior das hipóteses, isso pode impedir completamente o treinamento adicional da rede neural.</a:t>
             </a:r>
           </a:p>
           <a:p>
@@ -688,29 +677,8 @@
                 <a:ea typeface="+mn-ea"/>
                 <a:cs typeface="+mn-cs"/>
               </a:rPr>
-              <a:t>Temos aqui uma observação importante: em pelo menos algumas redes neurais profundas, o gradiente tende a diminuir à medida que nos movemos para trás através das camadas ocultas. Isso significa que os neurônios nas camadas anteriores aprendem</a:t>
-            </a:r>
-            <a:r>
-              <a:rPr lang="pt-BR" sz="1200" b="0" i="0" kern="1200" baseline="0" dirty="0">
-                <a:solidFill>
-                  <a:schemeClr val="tx1"/>
-                </a:solidFill>
-                <a:effectLst/>
-                <a:latin typeface="+mn-lt"/>
-                <a:ea typeface="+mn-ea"/>
-                <a:cs typeface="+mn-cs"/>
-              </a:rPr>
-              <a:t> mais vagarosamente ou nem aprendem.</a:t>
-            </a:r>
-            <a:endParaRPr lang="pt-BR" sz="1200" b="0" i="0" kern="1200" dirty="0">
-              <a:solidFill>
-                <a:schemeClr val="tx1"/>
-              </a:solidFill>
-              <a:effectLst/>
-              <a:latin typeface="+mn-lt"/>
-              <a:ea typeface="+mn-ea"/>
-              <a:cs typeface="+mn-cs"/>
-            </a:endParaRPr>
+              <a:t>Temos aqui uma observação importante: em pelo menos algumas redes neurais profundas, o gradiente tende a diminuir à medida que nos movemos para trás através das camadas ocultas. Isso significa que os neurônios nas camadas anteriores apr</a:t>
+            </a:r>
           </a:p>
           <a:p>
             <a:endParaRPr lang="pt-BR" sz="1200" b="0" i="0" kern="1200" dirty="0">
@@ -748,23 +716,7 @@
               </a:rPr>
               <a:t>endem muito mais lentamente que os neurônios nas camadas posteriores.</a:t>
             </a:r>
-          </a:p>
-          <a:p>
-            <a:endParaRPr lang="pt-BR" sz="1200" b="0" i="0" kern="1200" dirty="0">
-              <a:solidFill>
-                <a:schemeClr val="tx1"/>
-              </a:solidFill>
-              <a:effectLst/>
-              <a:latin typeface="+mn-lt"/>
-              <a:ea typeface="+mn-ea"/>
-              <a:cs typeface="+mn-cs"/>
-            </a:endParaRPr>
-          </a:p>
-          <a:p>
-            <a:r>
-              <a:rPr lang="pt-BR" dirty="0"/>
-              <a:t>Como os gradientes frequentemente se tornam menores até ficarem próximos de zero, os novos pesos do modelo (das camadas iniciais) serão praticamente idênticos aos pesos antigos sem nenhuma atualização. Como resultado, o algoritmo do gradiente descendente nunca converge para a solução ótima.</a:t>
-            </a:r>
+            <a:endParaRPr lang="pt-BR" dirty="0"/>
           </a:p>
         </p:txBody>
       </p:sp>
@@ -785,6 +737,199 @@
           <a:p>
             <a:fld id="{F430A2A4-8C14-4B1A-AD48-7B6401078BF7}" type="slidenum">
               <a:rPr lang="pt-BR" smtClean="0"/>
+              <a:t>11</a:t>
+            </a:fld>
+            <a:endParaRPr lang="pt-BR"/>
+          </a:p>
+        </p:txBody>
+      </p:sp>
+    </p:spTree>
+    <p:extLst>
+      <p:ext uri="{BB962C8B-B14F-4D97-AF65-F5344CB8AC3E}">
+        <p14:creationId xmlns:p14="http://schemas.microsoft.com/office/powerpoint/2010/main" val="522192254"/>
+      </p:ext>
+    </p:extLst>
+  </p:cSld>
+  <p:clrMapOvr>
+    <a:masterClrMapping/>
+  </p:clrMapOvr>
+</p:notes>
+</file>
+
+<file path=ppt/notesSlides/notesSlide11.xml><?xml version="1.0" encoding="utf-8"?>
+<p:notes xmlns:a="http://schemas.openxmlformats.org/drawingml/2006/main" xmlns:r="http://schemas.openxmlformats.org/officeDocument/2006/relationships" xmlns:p="http://schemas.openxmlformats.org/presentationml/2006/main">
+  <p:cSld>
+    <p:spTree>
+      <p:nvGrpSpPr>
+        <p:cNvPr id="1" name=""/>
+        <p:cNvGrpSpPr/>
+        <p:nvPr/>
+      </p:nvGrpSpPr>
+      <p:grpSpPr>
+        <a:xfrm>
+          <a:off x="0" y="0"/>
+          <a:ext cx="0" cy="0"/>
+          <a:chOff x="0" y="0"/>
+          <a:chExt cx="0" cy="0"/>
+        </a:xfrm>
+      </p:grpSpPr>
+      <p:sp>
+        <p:nvSpPr>
+          <p:cNvPr id="2" name="Slide Image Placeholder 1"/>
+          <p:cNvSpPr>
+            <a:spLocks noGrp="1" noRot="1" noChangeAspect="1"/>
+          </p:cNvSpPr>
+          <p:nvPr>
+            <p:ph type="sldImg"/>
+          </p:nvPr>
+        </p:nvSpPr>
+        <p:spPr/>
+      </p:sp>
+      <p:sp>
+        <p:nvSpPr>
+          <p:cNvPr id="3" name="Notes Placeholder 2"/>
+          <p:cNvSpPr>
+            <a:spLocks noGrp="1"/>
+          </p:cNvSpPr>
+          <p:nvPr>
+            <p:ph type="body" idx="1"/>
+          </p:nvPr>
+        </p:nvSpPr>
+        <p:spPr/>
+        <p:txBody>
+          <a:bodyPr/>
+          <a:lstStyle/>
+          <a:p>
+            <a:r>
+              <a:rPr lang="pt-BR" dirty="0"/>
+              <a:t>O problema é que, em alguns casos, o gradiente em camadas iniciais será extremamente pequeno, fazendo</a:t>
+            </a:r>
+            <a:r>
+              <a:rPr lang="pt-BR" baseline="0" dirty="0"/>
+              <a:t> com </a:t>
+            </a:r>
+            <a:r>
+              <a:rPr lang="pt-BR" dirty="0"/>
+              <a:t>que os pesos desta camada praticamente não mudem de valor. </a:t>
+            </a:r>
+          </a:p>
+          <a:p>
+            <a:endParaRPr lang="pt-BR" dirty="0"/>
+          </a:p>
+          <a:p>
+            <a:r>
+              <a:rPr lang="pt-BR" dirty="0"/>
+              <a:t>Na pior das hipóteses, isso pode impedir completamente o aprendizado da rede neural.</a:t>
+            </a:r>
+          </a:p>
+          <a:p>
+            <a:r>
+              <a:rPr lang="pt-BR" sz="1200" b="0" i="0" kern="1200" dirty="0">
+                <a:solidFill>
+                  <a:schemeClr val="tx1"/>
+                </a:solidFill>
+                <a:effectLst/>
+                <a:latin typeface="+mn-lt"/>
+                <a:ea typeface="+mn-ea"/>
+                <a:cs typeface="+mn-cs"/>
+              </a:rPr>
+              <a:t>Temos aqui uma observação importante: em pelo menos algumas redes neurais profundas, o gradiente tende a diminuir à medida que nos movemos para trás através das camadas ocultas. Isso significa que os neurônios nas camadas anteriores aprendem</a:t>
+            </a:r>
+            <a:r>
+              <a:rPr lang="pt-BR" sz="1200" b="0" i="0" kern="1200" baseline="0" dirty="0">
+                <a:solidFill>
+                  <a:schemeClr val="tx1"/>
+                </a:solidFill>
+                <a:effectLst/>
+                <a:latin typeface="+mn-lt"/>
+                <a:ea typeface="+mn-ea"/>
+                <a:cs typeface="+mn-cs"/>
+              </a:rPr>
+              <a:t> mais vagarosamente ou nem aprendem.</a:t>
+            </a:r>
+            <a:endParaRPr lang="pt-BR" sz="1200" b="0" i="0" kern="1200" dirty="0">
+              <a:solidFill>
+                <a:schemeClr val="tx1"/>
+              </a:solidFill>
+              <a:effectLst/>
+              <a:latin typeface="+mn-lt"/>
+              <a:ea typeface="+mn-ea"/>
+              <a:cs typeface="+mn-cs"/>
+            </a:endParaRPr>
+          </a:p>
+          <a:p>
+            <a:endParaRPr lang="pt-BR" sz="1200" b="0" i="0" kern="1200" dirty="0">
+              <a:solidFill>
+                <a:schemeClr val="tx1"/>
+              </a:solidFill>
+              <a:effectLst/>
+              <a:latin typeface="+mn-lt"/>
+              <a:ea typeface="+mn-ea"/>
+              <a:cs typeface="+mn-cs"/>
+            </a:endParaRPr>
+          </a:p>
+          <a:p>
+            <a:r>
+              <a:rPr lang="pt-BR" dirty="0"/>
+              <a:t>o gradiente é multiplicado várias vezes com o algoritmo da </a:t>
+            </a:r>
+            <a:r>
+              <a:rPr lang="pt-BR" b="1" i="1" dirty="0"/>
+              <a:t>retropropagação</a:t>
+            </a:r>
+            <a:r>
+              <a:rPr lang="pt-BR" dirty="0"/>
+              <a:t>, o que faz com que o gradiente se torne menor para as camadas inferiores, levando a uma mudança muito pequena ou até mesmo nenhuma mudança nos pesos das camadas inferiores</a:t>
+            </a:r>
+            <a:r>
+              <a:rPr lang="pt-BR" sz="1200" b="0" i="0" kern="1200" dirty="0">
+                <a:solidFill>
+                  <a:schemeClr val="tx1"/>
+                </a:solidFill>
+                <a:effectLst/>
+                <a:latin typeface="+mn-lt"/>
+                <a:ea typeface="+mn-ea"/>
+                <a:cs typeface="+mn-cs"/>
+              </a:rPr>
+              <a:t>endem muito mais lentamente que os neurônios nas camadas posteriores.</a:t>
+            </a:r>
+          </a:p>
+          <a:p>
+            <a:endParaRPr lang="pt-BR" sz="1200" b="0" i="0" kern="1200" dirty="0">
+              <a:solidFill>
+                <a:schemeClr val="tx1"/>
+              </a:solidFill>
+              <a:effectLst/>
+              <a:latin typeface="+mn-lt"/>
+              <a:ea typeface="+mn-ea"/>
+              <a:cs typeface="+mn-cs"/>
+            </a:endParaRPr>
+          </a:p>
+          <a:p>
+            <a:r>
+              <a:rPr lang="pt-BR" dirty="0"/>
+              <a:t>Como os gradientes frequentemente se tornam menores até ficarem próximos de zero, os novos pesos do modelo (das camadas iniciais) serão praticamente idênticos aos pesos antigos sem nenhuma atualização. Como resultado, o algoritmo do gradiente descendente nunca converge para a solução ótima.</a:t>
+            </a:r>
+          </a:p>
+        </p:txBody>
+      </p:sp>
+      <p:sp>
+        <p:nvSpPr>
+          <p:cNvPr id="4" name="Slide Number Placeholder 3"/>
+          <p:cNvSpPr>
+            <a:spLocks noGrp="1"/>
+          </p:cNvSpPr>
+          <p:nvPr>
+            <p:ph type="sldNum" sz="quarter" idx="10"/>
+          </p:nvPr>
+        </p:nvSpPr>
+        <p:spPr/>
+        <p:txBody>
+          <a:bodyPr/>
+          <a:lstStyle/>
+          <a:p>
+            <a:fld id="{F430A2A4-8C14-4B1A-AD48-7B6401078BF7}" type="slidenum">
+              <a:rPr lang="pt-BR" smtClean="0"/>
               <a:t>12</a:t>
             </a:fld>
             <a:endParaRPr lang="pt-BR"/>
@@ -804,7 +949,7 @@
 </p:notes>
 </file>
 
-<file path=ppt/notesSlides/notesSlide11.xml><?xml version="1.0" encoding="utf-8"?>
+<file path=ppt/notesSlides/notesSlide12.xml><?xml version="1.0" encoding="utf-8"?>
 <p:notes xmlns:a="http://schemas.openxmlformats.org/drawingml/2006/main" xmlns:r="http://schemas.openxmlformats.org/officeDocument/2006/relationships" xmlns:p="http://schemas.openxmlformats.org/presentationml/2006/main">
   <p:cSld>
     <p:spTree>
@@ -1018,130 +1163,6 @@
     <p:extLst>
       <p:ext uri="{BB962C8B-B14F-4D97-AF65-F5344CB8AC3E}">
         <p14:creationId xmlns:p14="http://schemas.microsoft.com/office/powerpoint/2010/main" val="2710501978"/>
-      </p:ext>
-    </p:extLst>
-  </p:cSld>
-  <p:clrMapOvr>
-    <a:masterClrMapping/>
-  </p:clrMapOvr>
-</p:notes>
-</file>
-
-<file path=ppt/notesSlides/notesSlide12.xml><?xml version="1.0" encoding="utf-8"?>
-<p:notes xmlns:a="http://schemas.openxmlformats.org/drawingml/2006/main" xmlns:r="http://schemas.openxmlformats.org/officeDocument/2006/relationships" xmlns:p="http://schemas.openxmlformats.org/presentationml/2006/main">
-  <p:cSld>
-    <p:spTree>
-      <p:nvGrpSpPr>
-        <p:cNvPr id="1" name=""/>
-        <p:cNvGrpSpPr/>
-        <p:nvPr/>
-      </p:nvGrpSpPr>
-      <p:grpSpPr>
-        <a:xfrm>
-          <a:off x="0" y="0"/>
-          <a:ext cx="0" cy="0"/>
-          <a:chOff x="0" y="0"/>
-          <a:chExt cx="0" cy="0"/>
-        </a:xfrm>
-      </p:grpSpPr>
-      <p:sp>
-        <p:nvSpPr>
-          <p:cNvPr id="2" name="Slide Image Placeholder 1"/>
-          <p:cNvSpPr>
-            <a:spLocks noGrp="1" noRot="1" noChangeAspect="1"/>
-          </p:cNvSpPr>
-          <p:nvPr>
-            <p:ph type="sldImg"/>
-          </p:nvPr>
-        </p:nvSpPr>
-        <p:spPr/>
-      </p:sp>
-      <p:sp>
-        <p:nvSpPr>
-          <p:cNvPr id="3" name="Notes Placeholder 2"/>
-          <p:cNvSpPr>
-            <a:spLocks noGrp="1"/>
-          </p:cNvSpPr>
-          <p:nvPr>
-            <p:ph type="body" idx="1"/>
-          </p:nvPr>
-        </p:nvSpPr>
-        <p:spPr/>
-        <p:txBody>
-          <a:bodyPr/>
-          <a:lstStyle/>
-          <a:p>
-            <a:r>
-              <a:rPr lang="pt-BR" dirty="0"/>
-              <a:t>Existem vários</a:t>
-            </a:r>
-            <a:r>
-              <a:rPr lang="pt-BR" baseline="0" dirty="0"/>
-              <a:t> outros tipos de funções de ativação, cada uma com suas vantagens e desvantagens.</a:t>
-            </a:r>
-          </a:p>
-          <a:p>
-            <a:r>
-              <a:rPr lang="pt-BR" baseline="0" dirty="0"/>
-              <a:t>O link abaixo contem uma lista com vários tipos de funções de ativação.</a:t>
-            </a:r>
-          </a:p>
-          <a:p>
-            <a:r>
-              <a:rPr lang="pt-BR" dirty="0">
-                <a:hlinkClick r:id="rId3"/>
-              </a:rPr>
-              <a:t>https://en.wikipedia.org/wiki/Activation_function#Comparison_of_activation_functions</a:t>
-            </a:r>
-            <a:endParaRPr lang="pt-BR" dirty="0"/>
-          </a:p>
-          <a:p>
-            <a:endParaRPr lang="pt-BR" dirty="0"/>
-          </a:p>
-          <a:p>
-            <a:r>
-              <a:rPr lang="pt-BR" dirty="0"/>
-              <a:t>Referências</a:t>
-            </a:r>
-          </a:p>
-          <a:p>
-            <a:r>
-              <a:rPr lang="pt-BR" dirty="0"/>
-              <a:t>[1] https://en.wikipedia.org/wiki/Activation_function</a:t>
-            </a:r>
-          </a:p>
-          <a:p>
-            <a:endParaRPr lang="pt-BR" dirty="0"/>
-          </a:p>
-        </p:txBody>
-      </p:sp>
-      <p:sp>
-        <p:nvSpPr>
-          <p:cNvPr id="4" name="Slide Number Placeholder 3"/>
-          <p:cNvSpPr>
-            <a:spLocks noGrp="1"/>
-          </p:cNvSpPr>
-          <p:nvPr>
-            <p:ph type="sldNum" sz="quarter" idx="10"/>
-          </p:nvPr>
-        </p:nvSpPr>
-        <p:spPr/>
-        <p:txBody>
-          <a:bodyPr/>
-          <a:lstStyle/>
-          <a:p>
-            <a:fld id="{F430A2A4-8C14-4B1A-AD48-7B6401078BF7}" type="slidenum">
-              <a:rPr lang="pt-BR" smtClean="0"/>
-              <a:t>14</a:t>
-            </a:fld>
-            <a:endParaRPr lang="pt-BR"/>
-          </a:p>
-        </p:txBody>
-      </p:sp>
-    </p:spTree>
-    <p:extLst>
-      <p:ext uri="{BB962C8B-B14F-4D97-AF65-F5344CB8AC3E}">
-        <p14:creationId xmlns:p14="http://schemas.microsoft.com/office/powerpoint/2010/main" val="4116391056"/>
       </p:ext>
     </p:extLst>
   </p:cSld>
@@ -1196,25 +1217,26 @@
           <a:lstStyle/>
           <a:p>
             <a:r>
-              <a:rPr lang="en-US" dirty="0"/>
-              <a:t>What are the advantages of </a:t>
-            </a:r>
-            <a:r>
-              <a:rPr lang="en-US" dirty="0" err="1"/>
-              <a:t>ReLU</a:t>
-            </a:r>
-            <a:r>
-              <a:rPr lang="en-US" dirty="0"/>
-              <a:t> over sigmoid function in deep neural networks?</a:t>
-            </a:r>
-            <a:endParaRPr lang="pt-BR" dirty="0"/>
+              <a:rPr lang="pt-BR" dirty="0"/>
+              <a:t>Existem vários</a:t>
+            </a:r>
+            <a:r>
+              <a:rPr lang="pt-BR" baseline="0" dirty="0"/>
+              <a:t> outros tipos de funções de ativação, cada uma com suas vantagens e desvantagens.</a:t>
+            </a:r>
+          </a:p>
+          <a:p>
+            <a:r>
+              <a:rPr lang="pt-BR" baseline="0" dirty="0"/>
+              <a:t>O link abaixo contem uma lista com vários tipos de funções de ativação.</a:t>
+            </a:r>
           </a:p>
           <a:p>
             <a:r>
               <a:rPr lang="pt-BR" dirty="0">
                 <a:hlinkClick r:id="rId3"/>
               </a:rPr>
-              <a:t>https://stats.stackexchange.com/questions/126238/what-are-the-advantages-of-relu-over-sigmoid-function-in-deep-neural-networks#:~:text=The%20main%20reason%20why%20ReLu,deep%20network%20with%20sigmoid%20activation.</a:t>
+              <a:t>https://en.wikipedia.org/wiki/Activation_function#Comparison_of_activation_functions</a:t>
             </a:r>
             <a:endParaRPr lang="pt-BR" dirty="0"/>
           </a:p>
@@ -1222,890 +1244,16 @@
             <a:endParaRPr lang="pt-BR" dirty="0"/>
           </a:p>
           <a:p>
-            <a:pPr fontAlgn="base"/>
-            <a:r>
-              <a:rPr lang="en-US" sz="1200" b="1" i="0" kern="1200" dirty="0">
-                <a:solidFill>
-                  <a:schemeClr val="tx1"/>
-                </a:solidFill>
-                <a:effectLst/>
-                <a:latin typeface="+mn-lt"/>
-                <a:ea typeface="+mn-ea"/>
-                <a:cs typeface="+mn-cs"/>
-              </a:rPr>
-              <a:t>Advantage:</a:t>
-            </a:r>
-          </a:p>
-          <a:p>
-            <a:pPr fontAlgn="base"/>
-            <a:endParaRPr lang="en-US" sz="1200" b="0" i="0" kern="1200" dirty="0">
-              <a:solidFill>
-                <a:schemeClr val="tx1"/>
-              </a:solidFill>
-              <a:effectLst/>
-              <a:latin typeface="+mn-lt"/>
-              <a:ea typeface="+mn-ea"/>
-              <a:cs typeface="+mn-cs"/>
-            </a:endParaRPr>
-          </a:p>
-          <a:p>
-            <a:pPr fontAlgn="base"/>
-            <a:r>
-              <a:rPr lang="en-US" sz="1200" b="0" i="0" kern="1200" dirty="0">
-                <a:solidFill>
-                  <a:schemeClr val="tx1"/>
-                </a:solidFill>
-                <a:effectLst/>
-                <a:latin typeface="+mn-lt"/>
-                <a:ea typeface="+mn-ea"/>
-                <a:cs typeface="+mn-cs"/>
-              </a:rPr>
-              <a:t>Sigmoid: not blowing up activation</a:t>
-            </a:r>
-          </a:p>
-          <a:p>
-            <a:pPr fontAlgn="base"/>
-            <a:r>
-              <a:rPr lang="en-US" sz="1200" b="0" i="0" kern="1200" dirty="0" err="1">
-                <a:solidFill>
-                  <a:schemeClr val="tx1"/>
-                </a:solidFill>
-                <a:effectLst/>
-                <a:latin typeface="+mn-lt"/>
-                <a:ea typeface="+mn-ea"/>
-                <a:cs typeface="+mn-cs"/>
-              </a:rPr>
-              <a:t>Relu</a:t>
-            </a:r>
-            <a:r>
-              <a:rPr lang="en-US" sz="1200" b="0" i="0" kern="1200" dirty="0">
-                <a:solidFill>
-                  <a:schemeClr val="tx1"/>
-                </a:solidFill>
-                <a:effectLst/>
-                <a:latin typeface="+mn-lt"/>
-                <a:ea typeface="+mn-ea"/>
-                <a:cs typeface="+mn-cs"/>
-              </a:rPr>
-              <a:t> : not vanishing gradient</a:t>
-            </a:r>
-          </a:p>
-          <a:p>
-            <a:pPr fontAlgn="base"/>
-            <a:r>
-              <a:rPr lang="en-US" sz="1200" b="0" i="0" kern="1200" dirty="0" err="1">
-                <a:solidFill>
-                  <a:schemeClr val="tx1"/>
-                </a:solidFill>
-                <a:effectLst/>
-                <a:latin typeface="+mn-lt"/>
-                <a:ea typeface="+mn-ea"/>
-                <a:cs typeface="+mn-cs"/>
-              </a:rPr>
-              <a:t>Relu</a:t>
-            </a:r>
-            <a:r>
-              <a:rPr lang="en-US" sz="1200" b="0" i="0" kern="1200" dirty="0">
-                <a:solidFill>
-                  <a:schemeClr val="tx1"/>
-                </a:solidFill>
-                <a:effectLst/>
-                <a:latin typeface="+mn-lt"/>
-                <a:ea typeface="+mn-ea"/>
-                <a:cs typeface="+mn-cs"/>
-              </a:rPr>
-              <a:t> : More computationally efficient to compute than Sigmoid like functions since </a:t>
-            </a:r>
-            <a:r>
-              <a:rPr lang="en-US" sz="1200" b="0" i="0" kern="1200" dirty="0" err="1">
-                <a:solidFill>
-                  <a:schemeClr val="tx1"/>
-                </a:solidFill>
-                <a:effectLst/>
-                <a:latin typeface="+mn-lt"/>
-                <a:ea typeface="+mn-ea"/>
-                <a:cs typeface="+mn-cs"/>
-              </a:rPr>
-              <a:t>Relu</a:t>
-            </a:r>
-            <a:r>
-              <a:rPr lang="en-US" sz="1200" b="0" i="0" kern="1200" dirty="0">
-                <a:solidFill>
-                  <a:schemeClr val="tx1"/>
-                </a:solidFill>
-                <a:effectLst/>
-                <a:latin typeface="+mn-lt"/>
-                <a:ea typeface="+mn-ea"/>
-                <a:cs typeface="+mn-cs"/>
-              </a:rPr>
-              <a:t> just needs to pick max(0,</a:t>
-            </a:r>
-            <a:r>
-              <a:rPr lang="en-US" sz="1200" b="0" i="0" u="none" strike="noStrike" kern="1200" dirty="0">
-                <a:solidFill>
-                  <a:schemeClr val="tx1"/>
-                </a:solidFill>
-                <a:effectLst/>
-                <a:latin typeface="+mn-lt"/>
-                <a:ea typeface="+mn-ea"/>
-                <a:cs typeface="+mn-cs"/>
-              </a:rPr>
-              <a:t>xx</a:t>
-            </a:r>
-            <a:r>
-              <a:rPr lang="en-US" sz="1200" b="0" i="0" kern="1200" dirty="0">
-                <a:solidFill>
-                  <a:schemeClr val="tx1"/>
-                </a:solidFill>
-                <a:effectLst/>
-                <a:latin typeface="+mn-lt"/>
-                <a:ea typeface="+mn-ea"/>
-                <a:cs typeface="+mn-cs"/>
-              </a:rPr>
-              <a:t>) and not perform expensive exponential operations as in </a:t>
-            </a:r>
-            <a:r>
-              <a:rPr lang="en-US" sz="1200" b="0" i="0" kern="1200" dirty="0" err="1">
-                <a:solidFill>
-                  <a:schemeClr val="tx1"/>
-                </a:solidFill>
-                <a:effectLst/>
-                <a:latin typeface="+mn-lt"/>
-                <a:ea typeface="+mn-ea"/>
-                <a:cs typeface="+mn-cs"/>
-              </a:rPr>
-              <a:t>Sigmoids</a:t>
-            </a:r>
-            <a:endParaRPr lang="en-US" sz="1200" b="0" i="0" kern="1200" dirty="0">
-              <a:solidFill>
-                <a:schemeClr val="tx1"/>
-              </a:solidFill>
-              <a:effectLst/>
-              <a:latin typeface="+mn-lt"/>
-              <a:ea typeface="+mn-ea"/>
-              <a:cs typeface="+mn-cs"/>
-            </a:endParaRPr>
-          </a:p>
-          <a:p>
-            <a:pPr fontAlgn="base"/>
-            <a:r>
-              <a:rPr lang="en-US" sz="1200" b="0" i="0" kern="1200" dirty="0" err="1">
-                <a:solidFill>
-                  <a:schemeClr val="tx1"/>
-                </a:solidFill>
-                <a:effectLst/>
-                <a:latin typeface="+mn-lt"/>
-                <a:ea typeface="+mn-ea"/>
-                <a:cs typeface="+mn-cs"/>
-              </a:rPr>
-              <a:t>Relu</a:t>
-            </a:r>
-            <a:r>
-              <a:rPr lang="en-US" sz="1200" b="0" i="0" kern="1200" dirty="0">
-                <a:solidFill>
-                  <a:schemeClr val="tx1"/>
-                </a:solidFill>
-                <a:effectLst/>
-                <a:latin typeface="+mn-lt"/>
-                <a:ea typeface="+mn-ea"/>
-                <a:cs typeface="+mn-cs"/>
-              </a:rPr>
-              <a:t> : In practice, networks with </a:t>
-            </a:r>
-            <a:r>
-              <a:rPr lang="en-US" sz="1200" b="0" i="0" kern="1200" dirty="0" err="1">
-                <a:solidFill>
-                  <a:schemeClr val="tx1"/>
-                </a:solidFill>
-                <a:effectLst/>
-                <a:latin typeface="+mn-lt"/>
-                <a:ea typeface="+mn-ea"/>
-                <a:cs typeface="+mn-cs"/>
-              </a:rPr>
-              <a:t>Relu</a:t>
-            </a:r>
-            <a:r>
-              <a:rPr lang="en-US" sz="1200" b="0" i="0" kern="1200" dirty="0">
-                <a:solidFill>
-                  <a:schemeClr val="tx1"/>
-                </a:solidFill>
-                <a:effectLst/>
-                <a:latin typeface="+mn-lt"/>
-                <a:ea typeface="+mn-ea"/>
-                <a:cs typeface="+mn-cs"/>
-              </a:rPr>
-              <a:t> tend to show better convergence performance than sigmoid. (</a:t>
-            </a:r>
-            <a:r>
-              <a:rPr lang="en-US" sz="1200" b="0" i="0" u="sng" kern="1200" dirty="0" err="1">
-                <a:solidFill>
-                  <a:schemeClr val="tx1"/>
-                </a:solidFill>
-                <a:effectLst/>
-                <a:latin typeface="+mn-lt"/>
-                <a:ea typeface="+mn-ea"/>
-                <a:cs typeface="+mn-cs"/>
-                <a:hlinkClick r:id="rId4"/>
-              </a:rPr>
-              <a:t>Krizhevsky</a:t>
-            </a:r>
-            <a:r>
-              <a:rPr lang="en-US" sz="1200" b="0" i="0" u="sng" kern="1200" dirty="0">
-                <a:solidFill>
-                  <a:schemeClr val="tx1"/>
-                </a:solidFill>
-                <a:effectLst/>
-                <a:latin typeface="+mn-lt"/>
-                <a:ea typeface="+mn-ea"/>
-                <a:cs typeface="+mn-cs"/>
-                <a:hlinkClick r:id="rId4"/>
-              </a:rPr>
-              <a:t> et al.</a:t>
-            </a:r>
-            <a:r>
-              <a:rPr lang="en-US" sz="1200" b="0" i="0" kern="1200" dirty="0">
-                <a:solidFill>
-                  <a:schemeClr val="tx1"/>
-                </a:solidFill>
-                <a:effectLst/>
-                <a:latin typeface="+mn-lt"/>
-                <a:ea typeface="+mn-ea"/>
-                <a:cs typeface="+mn-cs"/>
-              </a:rPr>
-              <a:t>)</a:t>
-            </a:r>
-          </a:p>
-          <a:p>
-            <a:pPr fontAlgn="base"/>
-            <a:endParaRPr lang="en-US" sz="1200" b="0" i="0" kern="1200" dirty="0">
-              <a:solidFill>
-                <a:schemeClr val="tx1"/>
-              </a:solidFill>
-              <a:effectLst/>
-              <a:latin typeface="+mn-lt"/>
-              <a:ea typeface="+mn-ea"/>
-              <a:cs typeface="+mn-cs"/>
-            </a:endParaRPr>
-          </a:p>
-          <a:p>
-            <a:pPr fontAlgn="base"/>
-            <a:r>
-              <a:rPr lang="en-US" sz="1200" b="1" i="0" kern="1200" dirty="0">
-                <a:solidFill>
-                  <a:schemeClr val="tx1"/>
-                </a:solidFill>
-                <a:effectLst/>
-                <a:latin typeface="+mn-lt"/>
-                <a:ea typeface="+mn-ea"/>
-                <a:cs typeface="+mn-cs"/>
-              </a:rPr>
-              <a:t>Disadvantage:</a:t>
-            </a:r>
-            <a:endParaRPr lang="en-US" sz="1200" b="0" i="0" kern="1200" dirty="0">
-              <a:solidFill>
-                <a:schemeClr val="tx1"/>
-              </a:solidFill>
-              <a:effectLst/>
-              <a:latin typeface="+mn-lt"/>
-              <a:ea typeface="+mn-ea"/>
-              <a:cs typeface="+mn-cs"/>
-            </a:endParaRPr>
-          </a:p>
-          <a:p>
-            <a:pPr fontAlgn="base"/>
-            <a:r>
-              <a:rPr lang="en-US" sz="1200" b="0" i="0" kern="1200" dirty="0">
-                <a:solidFill>
-                  <a:schemeClr val="tx1"/>
-                </a:solidFill>
-                <a:effectLst/>
-                <a:latin typeface="+mn-lt"/>
-                <a:ea typeface="+mn-ea"/>
-                <a:cs typeface="+mn-cs"/>
-              </a:rPr>
-              <a:t>Sigmoid: tend to vanish gradient (cause there is a mechanism to reduce the gradient as "</a:t>
-            </a:r>
-            <a:r>
-              <a:rPr lang="en-US" sz="1200" b="0" i="0" u="none" strike="noStrike" kern="1200" dirty="0">
-                <a:solidFill>
-                  <a:schemeClr val="tx1"/>
-                </a:solidFill>
-                <a:effectLst/>
-                <a:latin typeface="+mn-lt"/>
-                <a:ea typeface="+mn-ea"/>
-                <a:cs typeface="+mn-cs"/>
-              </a:rPr>
-              <a:t>aa</a:t>
-            </a:r>
-            <a:r>
-              <a:rPr lang="en-US" sz="1200" b="0" i="0" kern="1200" dirty="0">
-                <a:solidFill>
-                  <a:schemeClr val="tx1"/>
-                </a:solidFill>
-                <a:effectLst/>
-                <a:latin typeface="+mn-lt"/>
-                <a:ea typeface="+mn-ea"/>
-                <a:cs typeface="+mn-cs"/>
-              </a:rPr>
-              <a:t>" increase, where "</a:t>
-            </a:r>
-            <a:r>
-              <a:rPr lang="en-US" sz="1200" b="0" i="0" u="none" strike="noStrike" kern="1200" dirty="0">
-                <a:solidFill>
-                  <a:schemeClr val="tx1"/>
-                </a:solidFill>
-                <a:effectLst/>
-                <a:latin typeface="+mn-lt"/>
-                <a:ea typeface="+mn-ea"/>
-                <a:cs typeface="+mn-cs"/>
-              </a:rPr>
-              <a:t>aa</a:t>
-            </a:r>
-            <a:r>
-              <a:rPr lang="en-US" sz="1200" b="0" i="0" kern="1200" dirty="0">
-                <a:solidFill>
-                  <a:schemeClr val="tx1"/>
-                </a:solidFill>
-                <a:effectLst/>
-                <a:latin typeface="+mn-lt"/>
-                <a:ea typeface="+mn-ea"/>
-                <a:cs typeface="+mn-cs"/>
-              </a:rPr>
-              <a:t>" is the input of a sigmoid function. Gradient of Sigmoid: </a:t>
-            </a:r>
-            <a:r>
-              <a:rPr lang="en-US" sz="1200" b="0" i="0" u="none" strike="noStrike" kern="1200" dirty="0">
-                <a:solidFill>
-                  <a:schemeClr val="tx1"/>
-                </a:solidFill>
-                <a:effectLst/>
-                <a:latin typeface="+mn-lt"/>
-                <a:ea typeface="+mn-ea"/>
-                <a:cs typeface="+mn-cs"/>
-              </a:rPr>
-              <a:t>S′(a)=S(a)(1−S(a))S′(a)=S(a)(1−S(a))</a:t>
-            </a:r>
-            <a:r>
-              <a:rPr lang="en-US" sz="1200" b="0" i="0" kern="1200" dirty="0">
-                <a:solidFill>
-                  <a:schemeClr val="tx1"/>
-                </a:solidFill>
-                <a:effectLst/>
-                <a:latin typeface="+mn-lt"/>
-                <a:ea typeface="+mn-ea"/>
-                <a:cs typeface="+mn-cs"/>
-              </a:rPr>
-              <a:t>. When "</a:t>
-            </a:r>
-            <a:r>
-              <a:rPr lang="en-US" sz="1200" b="0" i="0" u="none" strike="noStrike" kern="1200" dirty="0">
-                <a:solidFill>
-                  <a:schemeClr val="tx1"/>
-                </a:solidFill>
-                <a:effectLst/>
-                <a:latin typeface="+mn-lt"/>
-                <a:ea typeface="+mn-ea"/>
-                <a:cs typeface="+mn-cs"/>
-              </a:rPr>
-              <a:t>aa</a:t>
-            </a:r>
-            <a:r>
-              <a:rPr lang="en-US" sz="1200" b="0" i="0" kern="1200" dirty="0">
-                <a:solidFill>
-                  <a:schemeClr val="tx1"/>
-                </a:solidFill>
-                <a:effectLst/>
-                <a:latin typeface="+mn-lt"/>
-                <a:ea typeface="+mn-ea"/>
-                <a:cs typeface="+mn-cs"/>
-              </a:rPr>
-              <a:t>" grows to infinite large , </a:t>
-            </a:r>
-            <a:r>
-              <a:rPr lang="en-US" sz="1200" b="0" i="0" u="none" strike="noStrike" kern="1200" dirty="0">
-                <a:solidFill>
-                  <a:schemeClr val="tx1"/>
-                </a:solidFill>
-                <a:effectLst/>
-                <a:latin typeface="+mn-lt"/>
-                <a:ea typeface="+mn-ea"/>
-                <a:cs typeface="+mn-cs"/>
-              </a:rPr>
-              <a:t>S′(a)=S(a)(1−S(a))=1×(1−1)=0S′(a)=S(a)(1−S(a))=1×(1−1)=0</a:t>
-            </a:r>
-            <a:r>
-              <a:rPr lang="en-US" sz="1200" b="0" i="0" kern="1200" dirty="0">
-                <a:solidFill>
-                  <a:schemeClr val="tx1"/>
-                </a:solidFill>
-                <a:effectLst/>
-                <a:latin typeface="+mn-lt"/>
-                <a:ea typeface="+mn-ea"/>
-                <a:cs typeface="+mn-cs"/>
-              </a:rPr>
-              <a:t>).</a:t>
-            </a:r>
-          </a:p>
-          <a:p>
-            <a:pPr fontAlgn="base"/>
-            <a:r>
-              <a:rPr lang="en-US" sz="1200" b="0" i="0" kern="1200" dirty="0" err="1">
-                <a:solidFill>
-                  <a:schemeClr val="tx1"/>
-                </a:solidFill>
-                <a:effectLst/>
-                <a:latin typeface="+mn-lt"/>
-                <a:ea typeface="+mn-ea"/>
-                <a:cs typeface="+mn-cs"/>
-              </a:rPr>
-              <a:t>Relu</a:t>
-            </a:r>
-            <a:r>
-              <a:rPr lang="en-US" sz="1200" b="0" i="0" kern="1200" dirty="0">
-                <a:solidFill>
-                  <a:schemeClr val="tx1"/>
-                </a:solidFill>
-                <a:effectLst/>
-                <a:latin typeface="+mn-lt"/>
-                <a:ea typeface="+mn-ea"/>
-                <a:cs typeface="+mn-cs"/>
-              </a:rPr>
-              <a:t> : tend to blow up activation (there is no mechanism to constrain the output of the neuron, as "</a:t>
-            </a:r>
-            <a:r>
-              <a:rPr lang="en-US" sz="1200" b="0" i="0" u="none" strike="noStrike" kern="1200" dirty="0">
-                <a:solidFill>
-                  <a:schemeClr val="tx1"/>
-                </a:solidFill>
-                <a:effectLst/>
-                <a:latin typeface="+mn-lt"/>
-                <a:ea typeface="+mn-ea"/>
-                <a:cs typeface="+mn-cs"/>
-              </a:rPr>
-              <a:t>aa</a:t>
-            </a:r>
-            <a:r>
-              <a:rPr lang="en-US" sz="1200" b="0" i="0" kern="1200" dirty="0">
-                <a:solidFill>
-                  <a:schemeClr val="tx1"/>
-                </a:solidFill>
-                <a:effectLst/>
-                <a:latin typeface="+mn-lt"/>
-                <a:ea typeface="+mn-ea"/>
-                <a:cs typeface="+mn-cs"/>
-              </a:rPr>
-              <a:t>" itself is the output)</a:t>
-            </a:r>
-          </a:p>
-          <a:p>
-            <a:pPr fontAlgn="base"/>
-            <a:r>
-              <a:rPr lang="en-US" sz="1200" b="0" i="0" kern="1200" dirty="0" err="1">
-                <a:solidFill>
-                  <a:schemeClr val="tx1"/>
-                </a:solidFill>
-                <a:effectLst/>
-                <a:latin typeface="+mn-lt"/>
-                <a:ea typeface="+mn-ea"/>
-                <a:cs typeface="+mn-cs"/>
-              </a:rPr>
-              <a:t>Relu</a:t>
-            </a:r>
-            <a:r>
-              <a:rPr lang="en-US" sz="1200" b="0" i="0" kern="1200" dirty="0">
-                <a:solidFill>
-                  <a:schemeClr val="tx1"/>
-                </a:solidFill>
-                <a:effectLst/>
-                <a:latin typeface="+mn-lt"/>
-                <a:ea typeface="+mn-ea"/>
-                <a:cs typeface="+mn-cs"/>
-              </a:rPr>
-              <a:t> : Dying </a:t>
-            </a:r>
-            <a:r>
-              <a:rPr lang="en-US" sz="1200" b="0" i="0" kern="1200" dirty="0" err="1">
-                <a:solidFill>
-                  <a:schemeClr val="tx1"/>
-                </a:solidFill>
-                <a:effectLst/>
-                <a:latin typeface="+mn-lt"/>
-                <a:ea typeface="+mn-ea"/>
-                <a:cs typeface="+mn-cs"/>
-              </a:rPr>
-              <a:t>Relu</a:t>
-            </a:r>
-            <a:r>
-              <a:rPr lang="en-US" sz="1200" b="0" i="0" kern="1200" dirty="0">
-                <a:solidFill>
-                  <a:schemeClr val="tx1"/>
-                </a:solidFill>
-                <a:effectLst/>
-                <a:latin typeface="+mn-lt"/>
-                <a:ea typeface="+mn-ea"/>
-                <a:cs typeface="+mn-cs"/>
-              </a:rPr>
-              <a:t> problem - if too many activations get below zero then most of the units(neurons) in network with </a:t>
-            </a:r>
-            <a:r>
-              <a:rPr lang="en-US" sz="1200" b="0" i="0" kern="1200" dirty="0" err="1">
-                <a:solidFill>
-                  <a:schemeClr val="tx1"/>
-                </a:solidFill>
-                <a:effectLst/>
-                <a:latin typeface="+mn-lt"/>
-                <a:ea typeface="+mn-ea"/>
-                <a:cs typeface="+mn-cs"/>
-              </a:rPr>
-              <a:t>Relu</a:t>
-            </a:r>
-            <a:r>
-              <a:rPr lang="en-US" sz="1200" b="0" i="0" kern="1200" dirty="0">
-                <a:solidFill>
-                  <a:schemeClr val="tx1"/>
-                </a:solidFill>
-                <a:effectLst/>
-                <a:latin typeface="+mn-lt"/>
-                <a:ea typeface="+mn-ea"/>
-                <a:cs typeface="+mn-cs"/>
-              </a:rPr>
-              <a:t> will simply output zero, in other words, die and thereby prohibiting learning.(This can be handled, to some extent, by using Leaky-</a:t>
-            </a:r>
-            <a:r>
-              <a:rPr lang="en-US" sz="1200" b="0" i="0" kern="1200" dirty="0" err="1">
-                <a:solidFill>
-                  <a:schemeClr val="tx1"/>
-                </a:solidFill>
-                <a:effectLst/>
-                <a:latin typeface="+mn-lt"/>
-                <a:ea typeface="+mn-ea"/>
-                <a:cs typeface="+mn-cs"/>
-              </a:rPr>
-              <a:t>Relu</a:t>
-            </a:r>
-            <a:r>
-              <a:rPr lang="en-US" sz="1200" b="0" i="0" kern="1200" dirty="0">
-                <a:solidFill>
-                  <a:schemeClr val="tx1"/>
-                </a:solidFill>
-                <a:effectLst/>
-                <a:latin typeface="+mn-lt"/>
-                <a:ea typeface="+mn-ea"/>
-                <a:cs typeface="+mn-cs"/>
-              </a:rPr>
-              <a:t> instead.)</a:t>
-            </a:r>
-          </a:p>
-          <a:p>
-            <a:pPr fontAlgn="base"/>
-            <a:endParaRPr lang="en-US" sz="1200" b="0" i="0" kern="1200" dirty="0">
-              <a:solidFill>
-                <a:schemeClr val="tx1"/>
-              </a:solidFill>
-              <a:effectLst/>
-              <a:latin typeface="+mn-lt"/>
-              <a:ea typeface="+mn-ea"/>
-              <a:cs typeface="+mn-cs"/>
-            </a:endParaRPr>
-          </a:p>
-          <a:p>
-            <a:pPr fontAlgn="base"/>
-            <a:r>
-              <a:rPr lang="en-US" sz="1200" b="0" i="0" kern="1200" dirty="0">
-                <a:solidFill>
-                  <a:schemeClr val="tx1"/>
-                </a:solidFill>
-                <a:effectLst/>
-                <a:latin typeface="+mn-lt"/>
-                <a:ea typeface="+mn-ea"/>
-                <a:cs typeface="+mn-cs"/>
-              </a:rPr>
-              <a:t/>
-            </a:r>
-            <a:br>
-              <a:rPr lang="en-US" sz="1200" b="0" i="0" kern="1200" dirty="0">
-                <a:solidFill>
-                  <a:schemeClr val="tx1"/>
-                </a:solidFill>
-                <a:effectLst/>
-                <a:latin typeface="+mn-lt"/>
-                <a:ea typeface="+mn-ea"/>
-                <a:cs typeface="+mn-cs"/>
-              </a:rPr>
-            </a:br>
-            <a:r>
-              <a:rPr lang="en-US" sz="1200" b="0" i="0" kern="1200" dirty="0">
-                <a:solidFill>
-                  <a:schemeClr val="tx1"/>
-                </a:solidFill>
-                <a:effectLst/>
-                <a:latin typeface="+mn-lt"/>
-                <a:ea typeface="+mn-ea"/>
-                <a:cs typeface="+mn-cs"/>
-              </a:rPr>
-              <a:t>Just complementing the other answers:</a:t>
-            </a:r>
-          </a:p>
-          <a:p>
-            <a:pPr fontAlgn="base"/>
-            <a:r>
-              <a:rPr lang="en-US" sz="1200" b="1" i="0" kern="1200" dirty="0">
-                <a:solidFill>
-                  <a:schemeClr val="tx1"/>
-                </a:solidFill>
-                <a:effectLst/>
-                <a:latin typeface="+mn-lt"/>
-                <a:ea typeface="+mn-ea"/>
-                <a:cs typeface="+mn-cs"/>
-              </a:rPr>
-              <a:t>Vanishing Gradients</a:t>
-            </a:r>
-            <a:endParaRPr lang="en-US" sz="1200" b="0" i="0" kern="1200" dirty="0">
-              <a:solidFill>
-                <a:schemeClr val="tx1"/>
-              </a:solidFill>
-              <a:effectLst/>
-              <a:latin typeface="+mn-lt"/>
-              <a:ea typeface="+mn-ea"/>
-              <a:cs typeface="+mn-cs"/>
-            </a:endParaRPr>
-          </a:p>
-          <a:p>
-            <a:pPr fontAlgn="base"/>
-            <a:r>
-              <a:rPr lang="en-US" sz="1200" b="0" i="0" kern="1200" dirty="0">
-                <a:solidFill>
-                  <a:schemeClr val="tx1"/>
-                </a:solidFill>
-                <a:effectLst/>
-                <a:latin typeface="+mn-lt"/>
-                <a:ea typeface="+mn-ea"/>
-                <a:cs typeface="+mn-cs"/>
-              </a:rPr>
-              <a:t>The other answers are right to point out that the bigger the input (in absolute value) the smaller the gradient of the sigmoid function. But, probably an even more important effect is that the derivative of the sigmoid function is </a:t>
-            </a:r>
-            <a:r>
-              <a:rPr lang="en-US" sz="1200" b="1" i="0" kern="1200" dirty="0">
-                <a:solidFill>
-                  <a:schemeClr val="tx1"/>
-                </a:solidFill>
-                <a:effectLst/>
-                <a:latin typeface="+mn-lt"/>
-                <a:ea typeface="+mn-ea"/>
-                <a:cs typeface="+mn-cs"/>
-              </a:rPr>
-              <a:t>ALWAYS smaller than one</a:t>
-            </a:r>
-            <a:r>
-              <a:rPr lang="en-US" sz="1200" b="0" i="0" kern="1200" dirty="0">
-                <a:solidFill>
-                  <a:schemeClr val="tx1"/>
-                </a:solidFill>
-                <a:effectLst/>
-                <a:latin typeface="+mn-lt"/>
-                <a:ea typeface="+mn-ea"/>
-                <a:cs typeface="+mn-cs"/>
-              </a:rPr>
-              <a:t>. In fact it is at most 0.25!</a:t>
-            </a:r>
-          </a:p>
-          <a:p>
-            <a:pPr fontAlgn="base"/>
-            <a:r>
-              <a:rPr lang="en-US" sz="1200" b="0" i="0" kern="1200" dirty="0">
-                <a:solidFill>
-                  <a:schemeClr val="tx1"/>
-                </a:solidFill>
-                <a:effectLst/>
-                <a:latin typeface="+mn-lt"/>
-                <a:ea typeface="+mn-ea"/>
-                <a:cs typeface="+mn-cs"/>
-              </a:rPr>
-              <a:t>The down side of this is that if you have many layers, you will multiply these gradients, and the product of many smaller than 1 values goes to zero very quickly.</a:t>
-            </a:r>
-          </a:p>
-          <a:p>
-            <a:pPr fontAlgn="base"/>
-            <a:r>
-              <a:rPr lang="en-US" sz="1200" b="0" i="0" kern="1200" dirty="0">
-                <a:solidFill>
-                  <a:schemeClr val="tx1"/>
-                </a:solidFill>
-                <a:effectLst/>
-                <a:latin typeface="+mn-lt"/>
-                <a:ea typeface="+mn-ea"/>
-                <a:cs typeface="+mn-cs"/>
-              </a:rPr>
-              <a:t>Since the state of the art of for Deep Learning has shown that more layers helps a lot, then this disadvantage of the Sigmoid function is a game killer. </a:t>
-            </a:r>
-            <a:r>
-              <a:rPr lang="en-US" sz="1200" b="1" i="0" kern="1200" dirty="0">
-                <a:solidFill>
-                  <a:schemeClr val="tx1"/>
-                </a:solidFill>
-                <a:effectLst/>
-                <a:latin typeface="+mn-lt"/>
-                <a:ea typeface="+mn-ea"/>
-                <a:cs typeface="+mn-cs"/>
-              </a:rPr>
-              <a:t>You just can't do Deep Learning with Sigmoid.</a:t>
-            </a:r>
-            <a:endParaRPr lang="en-US" sz="1200" b="0" i="0" kern="1200" dirty="0">
-              <a:solidFill>
-                <a:schemeClr val="tx1"/>
-              </a:solidFill>
-              <a:effectLst/>
-              <a:latin typeface="+mn-lt"/>
-              <a:ea typeface="+mn-ea"/>
-              <a:cs typeface="+mn-cs"/>
-            </a:endParaRPr>
-          </a:p>
-          <a:p>
-            <a:pPr fontAlgn="base"/>
-            <a:r>
-              <a:rPr lang="en-US" sz="1200" b="0" i="0" kern="1200" dirty="0">
-                <a:solidFill>
-                  <a:schemeClr val="tx1"/>
-                </a:solidFill>
-                <a:effectLst/>
-                <a:latin typeface="+mn-lt"/>
-                <a:ea typeface="+mn-ea"/>
-                <a:cs typeface="+mn-cs"/>
-              </a:rPr>
-              <a:t>On the other hand the gradient of the </a:t>
-            </a:r>
-            <a:r>
-              <a:rPr lang="en-US" sz="1200" b="0" i="0" kern="1200" dirty="0" err="1">
-                <a:solidFill>
-                  <a:schemeClr val="tx1"/>
-                </a:solidFill>
-                <a:effectLst/>
-                <a:latin typeface="+mn-lt"/>
-                <a:ea typeface="+mn-ea"/>
-                <a:cs typeface="+mn-cs"/>
-              </a:rPr>
-              <a:t>ReLu</a:t>
-            </a:r>
-            <a:r>
-              <a:rPr lang="en-US" sz="1200" b="0" i="0" kern="1200" dirty="0">
-                <a:solidFill>
-                  <a:schemeClr val="tx1"/>
-                </a:solidFill>
-                <a:effectLst/>
-                <a:latin typeface="+mn-lt"/>
-                <a:ea typeface="+mn-ea"/>
-                <a:cs typeface="+mn-cs"/>
-              </a:rPr>
-              <a:t> function is either </a:t>
-            </a:r>
-            <a:r>
-              <a:rPr lang="en-US" sz="1200" b="0" i="0" u="none" strike="noStrike" kern="1200" dirty="0">
-                <a:solidFill>
-                  <a:schemeClr val="tx1"/>
-                </a:solidFill>
-                <a:effectLst/>
-                <a:latin typeface="+mn-lt"/>
-                <a:ea typeface="+mn-ea"/>
-                <a:cs typeface="+mn-cs"/>
-              </a:rPr>
-              <a:t>00</a:t>
-            </a:r>
-            <a:r>
-              <a:rPr lang="en-US" sz="1200" b="0" i="0" kern="1200" dirty="0">
-                <a:solidFill>
-                  <a:schemeClr val="tx1"/>
-                </a:solidFill>
-                <a:effectLst/>
-                <a:latin typeface="+mn-lt"/>
-                <a:ea typeface="+mn-ea"/>
-                <a:cs typeface="+mn-cs"/>
-              </a:rPr>
-              <a:t> for </a:t>
-            </a:r>
-            <a:r>
-              <a:rPr lang="en-US" sz="1200" b="0" i="0" u="none" strike="noStrike" kern="1200" dirty="0">
-                <a:solidFill>
-                  <a:schemeClr val="tx1"/>
-                </a:solidFill>
-                <a:effectLst/>
-                <a:latin typeface="+mn-lt"/>
-                <a:ea typeface="+mn-ea"/>
-                <a:cs typeface="+mn-cs"/>
-              </a:rPr>
-              <a:t>a&lt;0a&lt;0</a:t>
-            </a:r>
-            <a:r>
-              <a:rPr lang="en-US" sz="1200" b="0" i="0" kern="1200" dirty="0">
-                <a:solidFill>
-                  <a:schemeClr val="tx1"/>
-                </a:solidFill>
-                <a:effectLst/>
-                <a:latin typeface="+mn-lt"/>
-                <a:ea typeface="+mn-ea"/>
-                <a:cs typeface="+mn-cs"/>
-              </a:rPr>
-              <a:t> or </a:t>
-            </a:r>
-            <a:r>
-              <a:rPr lang="en-US" sz="1200" b="0" i="0" u="none" strike="noStrike" kern="1200" dirty="0">
-                <a:solidFill>
-                  <a:schemeClr val="tx1"/>
-                </a:solidFill>
-                <a:effectLst/>
-                <a:latin typeface="+mn-lt"/>
-                <a:ea typeface="+mn-ea"/>
-                <a:cs typeface="+mn-cs"/>
-              </a:rPr>
-              <a:t>11</a:t>
-            </a:r>
-            <a:r>
-              <a:rPr lang="en-US" sz="1200" b="0" i="0" kern="1200" dirty="0">
-                <a:solidFill>
-                  <a:schemeClr val="tx1"/>
-                </a:solidFill>
-                <a:effectLst/>
-                <a:latin typeface="+mn-lt"/>
-                <a:ea typeface="+mn-ea"/>
-                <a:cs typeface="+mn-cs"/>
-              </a:rPr>
-              <a:t> for </a:t>
-            </a:r>
-            <a:r>
-              <a:rPr lang="en-US" sz="1200" b="0" i="0" u="none" strike="noStrike" kern="1200" dirty="0">
-                <a:solidFill>
-                  <a:schemeClr val="tx1"/>
-                </a:solidFill>
-                <a:effectLst/>
-                <a:latin typeface="+mn-lt"/>
-                <a:ea typeface="+mn-ea"/>
-                <a:cs typeface="+mn-cs"/>
-              </a:rPr>
-              <a:t>a&gt;0a&gt;0</a:t>
-            </a:r>
-            <a:r>
-              <a:rPr lang="en-US" sz="1200" b="0" i="0" kern="1200" dirty="0">
-                <a:solidFill>
-                  <a:schemeClr val="tx1"/>
-                </a:solidFill>
-                <a:effectLst/>
-                <a:latin typeface="+mn-lt"/>
-                <a:ea typeface="+mn-ea"/>
-                <a:cs typeface="+mn-cs"/>
-              </a:rPr>
-              <a:t>. That means that you can put as many layers as you like, because multiplying the gradients will neither vanish nor explode.</a:t>
-            </a:r>
-          </a:p>
-          <a:p>
-            <a:pPr fontAlgn="base"/>
-            <a:endParaRPr lang="en-US" sz="1200" b="0" i="0" kern="1200" dirty="0">
-              <a:solidFill>
-                <a:schemeClr val="tx1"/>
-              </a:solidFill>
-              <a:effectLst/>
-              <a:latin typeface="+mn-lt"/>
-              <a:ea typeface="+mn-ea"/>
-              <a:cs typeface="+mn-cs"/>
-            </a:endParaRPr>
+            <a:r>
+              <a:rPr lang="pt-BR" dirty="0"/>
+              <a:t>Referências</a:t>
+            </a:r>
+          </a:p>
+          <a:p>
+            <a:r>
+              <a:rPr lang="pt-BR" dirty="0"/>
+              <a:t>[1] https://en.wikipedia.org/wiki/Activation_function</a:t>
+            </a:r>
           </a:p>
           <a:p>
             <a:endParaRPr lang="pt-BR" dirty="0"/>
@@ -2129,7 +1277,7 @@
           <a:p>
             <a:fld id="{F430A2A4-8C14-4B1A-AD48-7B6401078BF7}" type="slidenum">
               <a:rPr lang="pt-BR" smtClean="0"/>
-              <a:t>15</a:t>
+              <a:t>14</a:t>
             </a:fld>
             <a:endParaRPr lang="pt-BR"/>
           </a:p>
@@ -2138,7 +1286,7 @@
     </p:spTree>
     <p:extLst>
       <p:ext uri="{BB962C8B-B14F-4D97-AF65-F5344CB8AC3E}">
-        <p14:creationId xmlns:p14="http://schemas.microsoft.com/office/powerpoint/2010/main" val="343368178"/>
+        <p14:creationId xmlns:p14="http://schemas.microsoft.com/office/powerpoint/2010/main" val="4116391056"/>
       </p:ext>
     </p:extLst>
   </p:cSld>
@@ -2193,16 +1341,919 @@
           <a:lstStyle/>
           <a:p>
             <a:r>
-              <a:rPr lang="pt-BR" sz="1200" b="1" dirty="0"/>
-              <a:t>Laboratório #6:</a:t>
-            </a:r>
-            <a:r>
-              <a:rPr lang="pt-BR" sz="1200" dirty="0"/>
-              <a:t> https://mybinder.org/v2/gh/zz4fap/t320_aprendizado_de_maquina/main?filepath=labs%2FLaboratorio6.ipynb</a:t>
-            </a:r>
-          </a:p>
-          <a:p>
-            <a:endParaRPr lang="pt-BR" sz="1200" dirty="0"/>
+              <a:rPr lang="en-US" dirty="0"/>
+              <a:t>What are the advantages of </a:t>
+            </a:r>
+            <a:r>
+              <a:rPr lang="en-US" dirty="0" err="1"/>
+              <a:t>ReLU</a:t>
+            </a:r>
+            <a:r>
+              <a:rPr lang="en-US" dirty="0"/>
+              <a:t> over sigmoid function in deep neural networks?</a:t>
+            </a:r>
+            <a:endParaRPr lang="pt-BR" dirty="0"/>
+          </a:p>
+          <a:p>
+            <a:r>
+              <a:rPr lang="pt-BR" dirty="0">
+                <a:hlinkClick r:id="rId3"/>
+              </a:rPr>
+              <a:t>https://stats.stackexchange.com/questions/126238/what-are-the-advantages-of-relu-over-sigmoid-function-in-deep-neural-networks#:~:text=The%20main%20reason%20why%20ReLu,deep%20network%20with%20sigmoid%20activation.</a:t>
+            </a:r>
+            <a:endParaRPr lang="pt-BR" dirty="0"/>
+          </a:p>
+          <a:p>
+            <a:endParaRPr lang="pt-BR" dirty="0"/>
+          </a:p>
+          <a:p>
+            <a:pPr fontAlgn="base"/>
+            <a:r>
+              <a:rPr lang="en-US" sz="1200" b="1" i="0" kern="1200" dirty="0">
+                <a:solidFill>
+                  <a:schemeClr val="tx1"/>
+                </a:solidFill>
+                <a:effectLst/>
+                <a:latin typeface="+mn-lt"/>
+                <a:ea typeface="+mn-ea"/>
+                <a:cs typeface="+mn-cs"/>
+              </a:rPr>
+              <a:t>Advantage:</a:t>
+            </a:r>
+          </a:p>
+          <a:p>
+            <a:pPr fontAlgn="base"/>
+            <a:endParaRPr lang="en-US" sz="1200" b="0" i="0" kern="1200" dirty="0">
+              <a:solidFill>
+                <a:schemeClr val="tx1"/>
+              </a:solidFill>
+              <a:effectLst/>
+              <a:latin typeface="+mn-lt"/>
+              <a:ea typeface="+mn-ea"/>
+              <a:cs typeface="+mn-cs"/>
+            </a:endParaRPr>
+          </a:p>
+          <a:p>
+            <a:pPr fontAlgn="base"/>
+            <a:r>
+              <a:rPr lang="en-US" sz="1200" b="0" i="0" kern="1200" dirty="0">
+                <a:solidFill>
+                  <a:schemeClr val="tx1"/>
+                </a:solidFill>
+                <a:effectLst/>
+                <a:latin typeface="+mn-lt"/>
+                <a:ea typeface="+mn-ea"/>
+                <a:cs typeface="+mn-cs"/>
+              </a:rPr>
+              <a:t>Sigmoid: not blowing up activation</a:t>
+            </a:r>
+          </a:p>
+          <a:p>
+            <a:pPr fontAlgn="base"/>
+            <a:r>
+              <a:rPr lang="en-US" sz="1200" b="0" i="0" kern="1200" dirty="0" err="1">
+                <a:solidFill>
+                  <a:schemeClr val="tx1"/>
+                </a:solidFill>
+                <a:effectLst/>
+                <a:latin typeface="+mn-lt"/>
+                <a:ea typeface="+mn-ea"/>
+                <a:cs typeface="+mn-cs"/>
+              </a:rPr>
+              <a:t>Relu</a:t>
+            </a:r>
+            <a:r>
+              <a:rPr lang="en-US" sz="1200" b="0" i="0" kern="1200" dirty="0">
+                <a:solidFill>
+                  <a:schemeClr val="tx1"/>
+                </a:solidFill>
+                <a:effectLst/>
+                <a:latin typeface="+mn-lt"/>
+                <a:ea typeface="+mn-ea"/>
+                <a:cs typeface="+mn-cs"/>
+              </a:rPr>
+              <a:t> : not vanishing gradient</a:t>
+            </a:r>
+          </a:p>
+          <a:p>
+            <a:pPr fontAlgn="base"/>
+            <a:r>
+              <a:rPr lang="en-US" sz="1200" b="0" i="0" kern="1200" dirty="0" err="1">
+                <a:solidFill>
+                  <a:schemeClr val="tx1"/>
+                </a:solidFill>
+                <a:effectLst/>
+                <a:latin typeface="+mn-lt"/>
+                <a:ea typeface="+mn-ea"/>
+                <a:cs typeface="+mn-cs"/>
+              </a:rPr>
+              <a:t>Relu</a:t>
+            </a:r>
+            <a:r>
+              <a:rPr lang="en-US" sz="1200" b="0" i="0" kern="1200" dirty="0">
+                <a:solidFill>
+                  <a:schemeClr val="tx1"/>
+                </a:solidFill>
+                <a:effectLst/>
+                <a:latin typeface="+mn-lt"/>
+                <a:ea typeface="+mn-ea"/>
+                <a:cs typeface="+mn-cs"/>
+              </a:rPr>
+              <a:t> : More computationally efficient to compute than Sigmoid like functions since </a:t>
+            </a:r>
+            <a:r>
+              <a:rPr lang="en-US" sz="1200" b="0" i="0" kern="1200" dirty="0" err="1">
+                <a:solidFill>
+                  <a:schemeClr val="tx1"/>
+                </a:solidFill>
+                <a:effectLst/>
+                <a:latin typeface="+mn-lt"/>
+                <a:ea typeface="+mn-ea"/>
+                <a:cs typeface="+mn-cs"/>
+              </a:rPr>
+              <a:t>Relu</a:t>
+            </a:r>
+            <a:r>
+              <a:rPr lang="en-US" sz="1200" b="0" i="0" kern="1200" dirty="0">
+                <a:solidFill>
+                  <a:schemeClr val="tx1"/>
+                </a:solidFill>
+                <a:effectLst/>
+                <a:latin typeface="+mn-lt"/>
+                <a:ea typeface="+mn-ea"/>
+                <a:cs typeface="+mn-cs"/>
+              </a:rPr>
+              <a:t> just needs to pick max(0,</a:t>
+            </a:r>
+            <a:r>
+              <a:rPr lang="en-US" sz="1200" b="0" i="0" u="none" strike="noStrike" kern="1200" dirty="0">
+                <a:solidFill>
+                  <a:schemeClr val="tx1"/>
+                </a:solidFill>
+                <a:effectLst/>
+                <a:latin typeface="+mn-lt"/>
+                <a:ea typeface="+mn-ea"/>
+                <a:cs typeface="+mn-cs"/>
+              </a:rPr>
+              <a:t>xx</a:t>
+            </a:r>
+            <a:r>
+              <a:rPr lang="en-US" sz="1200" b="0" i="0" kern="1200" dirty="0">
+                <a:solidFill>
+                  <a:schemeClr val="tx1"/>
+                </a:solidFill>
+                <a:effectLst/>
+                <a:latin typeface="+mn-lt"/>
+                <a:ea typeface="+mn-ea"/>
+                <a:cs typeface="+mn-cs"/>
+              </a:rPr>
+              <a:t>) and not perform expensive exponential operations as in </a:t>
+            </a:r>
+            <a:r>
+              <a:rPr lang="en-US" sz="1200" b="0" i="0" kern="1200" dirty="0" err="1">
+                <a:solidFill>
+                  <a:schemeClr val="tx1"/>
+                </a:solidFill>
+                <a:effectLst/>
+                <a:latin typeface="+mn-lt"/>
+                <a:ea typeface="+mn-ea"/>
+                <a:cs typeface="+mn-cs"/>
+              </a:rPr>
+              <a:t>Sigmoids</a:t>
+            </a:r>
+            <a:endParaRPr lang="en-US" sz="1200" b="0" i="0" kern="1200" dirty="0">
+              <a:solidFill>
+                <a:schemeClr val="tx1"/>
+              </a:solidFill>
+              <a:effectLst/>
+              <a:latin typeface="+mn-lt"/>
+              <a:ea typeface="+mn-ea"/>
+              <a:cs typeface="+mn-cs"/>
+            </a:endParaRPr>
+          </a:p>
+          <a:p>
+            <a:pPr fontAlgn="base"/>
+            <a:r>
+              <a:rPr lang="en-US" sz="1200" b="0" i="0" kern="1200" dirty="0" err="1">
+                <a:solidFill>
+                  <a:schemeClr val="tx1"/>
+                </a:solidFill>
+                <a:effectLst/>
+                <a:latin typeface="+mn-lt"/>
+                <a:ea typeface="+mn-ea"/>
+                <a:cs typeface="+mn-cs"/>
+              </a:rPr>
+              <a:t>Relu</a:t>
+            </a:r>
+            <a:r>
+              <a:rPr lang="en-US" sz="1200" b="0" i="0" kern="1200" dirty="0">
+                <a:solidFill>
+                  <a:schemeClr val="tx1"/>
+                </a:solidFill>
+                <a:effectLst/>
+                <a:latin typeface="+mn-lt"/>
+                <a:ea typeface="+mn-ea"/>
+                <a:cs typeface="+mn-cs"/>
+              </a:rPr>
+              <a:t> : In practice, networks with </a:t>
+            </a:r>
+            <a:r>
+              <a:rPr lang="en-US" sz="1200" b="0" i="0" kern="1200" dirty="0" err="1">
+                <a:solidFill>
+                  <a:schemeClr val="tx1"/>
+                </a:solidFill>
+                <a:effectLst/>
+                <a:latin typeface="+mn-lt"/>
+                <a:ea typeface="+mn-ea"/>
+                <a:cs typeface="+mn-cs"/>
+              </a:rPr>
+              <a:t>Relu</a:t>
+            </a:r>
+            <a:r>
+              <a:rPr lang="en-US" sz="1200" b="0" i="0" kern="1200" dirty="0">
+                <a:solidFill>
+                  <a:schemeClr val="tx1"/>
+                </a:solidFill>
+                <a:effectLst/>
+                <a:latin typeface="+mn-lt"/>
+                <a:ea typeface="+mn-ea"/>
+                <a:cs typeface="+mn-cs"/>
+              </a:rPr>
+              <a:t> tend to show better convergence performance than sigmoid. (</a:t>
+            </a:r>
+            <a:r>
+              <a:rPr lang="en-US" sz="1200" b="0" i="0" u="sng" kern="1200" dirty="0" err="1">
+                <a:solidFill>
+                  <a:schemeClr val="tx1"/>
+                </a:solidFill>
+                <a:effectLst/>
+                <a:latin typeface="+mn-lt"/>
+                <a:ea typeface="+mn-ea"/>
+                <a:cs typeface="+mn-cs"/>
+                <a:hlinkClick r:id="rId4"/>
+              </a:rPr>
+              <a:t>Krizhevsky</a:t>
+            </a:r>
+            <a:r>
+              <a:rPr lang="en-US" sz="1200" b="0" i="0" u="sng" kern="1200" dirty="0">
+                <a:solidFill>
+                  <a:schemeClr val="tx1"/>
+                </a:solidFill>
+                <a:effectLst/>
+                <a:latin typeface="+mn-lt"/>
+                <a:ea typeface="+mn-ea"/>
+                <a:cs typeface="+mn-cs"/>
+                <a:hlinkClick r:id="rId4"/>
+              </a:rPr>
+              <a:t> et al.</a:t>
+            </a:r>
+            <a:r>
+              <a:rPr lang="en-US" sz="1200" b="0" i="0" kern="1200" dirty="0">
+                <a:solidFill>
+                  <a:schemeClr val="tx1"/>
+                </a:solidFill>
+                <a:effectLst/>
+                <a:latin typeface="+mn-lt"/>
+                <a:ea typeface="+mn-ea"/>
+                <a:cs typeface="+mn-cs"/>
+              </a:rPr>
+              <a:t>)</a:t>
+            </a:r>
+          </a:p>
+          <a:p>
+            <a:pPr fontAlgn="base"/>
+            <a:endParaRPr lang="en-US" sz="1200" b="0" i="0" kern="1200" dirty="0">
+              <a:solidFill>
+                <a:schemeClr val="tx1"/>
+              </a:solidFill>
+              <a:effectLst/>
+              <a:latin typeface="+mn-lt"/>
+              <a:ea typeface="+mn-ea"/>
+              <a:cs typeface="+mn-cs"/>
+            </a:endParaRPr>
+          </a:p>
+          <a:p>
+            <a:pPr fontAlgn="base"/>
+            <a:r>
+              <a:rPr lang="en-US" sz="1200" b="1" i="0" kern="1200" dirty="0">
+                <a:solidFill>
+                  <a:schemeClr val="tx1"/>
+                </a:solidFill>
+                <a:effectLst/>
+                <a:latin typeface="+mn-lt"/>
+                <a:ea typeface="+mn-ea"/>
+                <a:cs typeface="+mn-cs"/>
+              </a:rPr>
+              <a:t>Disadvantage:</a:t>
+            </a:r>
+            <a:endParaRPr lang="en-US" sz="1200" b="0" i="0" kern="1200" dirty="0">
+              <a:solidFill>
+                <a:schemeClr val="tx1"/>
+              </a:solidFill>
+              <a:effectLst/>
+              <a:latin typeface="+mn-lt"/>
+              <a:ea typeface="+mn-ea"/>
+              <a:cs typeface="+mn-cs"/>
+            </a:endParaRPr>
+          </a:p>
+          <a:p>
+            <a:pPr fontAlgn="base"/>
+            <a:r>
+              <a:rPr lang="en-US" sz="1200" b="0" i="0" kern="1200" dirty="0">
+                <a:solidFill>
+                  <a:schemeClr val="tx1"/>
+                </a:solidFill>
+                <a:effectLst/>
+                <a:latin typeface="+mn-lt"/>
+                <a:ea typeface="+mn-ea"/>
+                <a:cs typeface="+mn-cs"/>
+              </a:rPr>
+              <a:t>Sigmoid: tend to vanish gradient (cause there is a mechanism to reduce the gradient as "</a:t>
+            </a:r>
+            <a:r>
+              <a:rPr lang="en-US" sz="1200" b="0" i="0" u="none" strike="noStrike" kern="1200" dirty="0">
+                <a:solidFill>
+                  <a:schemeClr val="tx1"/>
+                </a:solidFill>
+                <a:effectLst/>
+                <a:latin typeface="+mn-lt"/>
+                <a:ea typeface="+mn-ea"/>
+                <a:cs typeface="+mn-cs"/>
+              </a:rPr>
+              <a:t>aa</a:t>
+            </a:r>
+            <a:r>
+              <a:rPr lang="en-US" sz="1200" b="0" i="0" kern="1200" dirty="0">
+                <a:solidFill>
+                  <a:schemeClr val="tx1"/>
+                </a:solidFill>
+                <a:effectLst/>
+                <a:latin typeface="+mn-lt"/>
+                <a:ea typeface="+mn-ea"/>
+                <a:cs typeface="+mn-cs"/>
+              </a:rPr>
+              <a:t>" increase, where "</a:t>
+            </a:r>
+            <a:r>
+              <a:rPr lang="en-US" sz="1200" b="0" i="0" u="none" strike="noStrike" kern="1200" dirty="0">
+                <a:solidFill>
+                  <a:schemeClr val="tx1"/>
+                </a:solidFill>
+                <a:effectLst/>
+                <a:latin typeface="+mn-lt"/>
+                <a:ea typeface="+mn-ea"/>
+                <a:cs typeface="+mn-cs"/>
+              </a:rPr>
+              <a:t>aa</a:t>
+            </a:r>
+            <a:r>
+              <a:rPr lang="en-US" sz="1200" b="0" i="0" kern="1200" dirty="0">
+                <a:solidFill>
+                  <a:schemeClr val="tx1"/>
+                </a:solidFill>
+                <a:effectLst/>
+                <a:latin typeface="+mn-lt"/>
+                <a:ea typeface="+mn-ea"/>
+                <a:cs typeface="+mn-cs"/>
+              </a:rPr>
+              <a:t>" is the input of a sigmoid function. Gradient of Sigmoid: </a:t>
+            </a:r>
+            <a:r>
+              <a:rPr lang="en-US" sz="1200" b="0" i="0" u="none" strike="noStrike" kern="1200" dirty="0">
+                <a:solidFill>
+                  <a:schemeClr val="tx1"/>
+                </a:solidFill>
+                <a:effectLst/>
+                <a:latin typeface="+mn-lt"/>
+                <a:ea typeface="+mn-ea"/>
+                <a:cs typeface="+mn-cs"/>
+              </a:rPr>
+              <a:t>S′(a)=S(a)(1−S(a))S′(a)=S(a)(1−S(a))</a:t>
+            </a:r>
+            <a:r>
+              <a:rPr lang="en-US" sz="1200" b="0" i="0" kern="1200" dirty="0">
+                <a:solidFill>
+                  <a:schemeClr val="tx1"/>
+                </a:solidFill>
+                <a:effectLst/>
+                <a:latin typeface="+mn-lt"/>
+                <a:ea typeface="+mn-ea"/>
+                <a:cs typeface="+mn-cs"/>
+              </a:rPr>
+              <a:t>. When "</a:t>
+            </a:r>
+            <a:r>
+              <a:rPr lang="en-US" sz="1200" b="0" i="0" u="none" strike="noStrike" kern="1200" dirty="0">
+                <a:solidFill>
+                  <a:schemeClr val="tx1"/>
+                </a:solidFill>
+                <a:effectLst/>
+                <a:latin typeface="+mn-lt"/>
+                <a:ea typeface="+mn-ea"/>
+                <a:cs typeface="+mn-cs"/>
+              </a:rPr>
+              <a:t>aa</a:t>
+            </a:r>
+            <a:r>
+              <a:rPr lang="en-US" sz="1200" b="0" i="0" kern="1200" dirty="0">
+                <a:solidFill>
+                  <a:schemeClr val="tx1"/>
+                </a:solidFill>
+                <a:effectLst/>
+                <a:latin typeface="+mn-lt"/>
+                <a:ea typeface="+mn-ea"/>
+                <a:cs typeface="+mn-cs"/>
+              </a:rPr>
+              <a:t>" grows to infinite large , </a:t>
+            </a:r>
+            <a:r>
+              <a:rPr lang="en-US" sz="1200" b="0" i="0" u="none" strike="noStrike" kern="1200" dirty="0">
+                <a:solidFill>
+                  <a:schemeClr val="tx1"/>
+                </a:solidFill>
+                <a:effectLst/>
+                <a:latin typeface="+mn-lt"/>
+                <a:ea typeface="+mn-ea"/>
+                <a:cs typeface="+mn-cs"/>
+              </a:rPr>
+              <a:t>S′(a)=S(a)(1−S(a))=1×(1−1)=0S′(a)=S(a)(1−S(a))=1×(1−1)=0</a:t>
+            </a:r>
+            <a:r>
+              <a:rPr lang="en-US" sz="1200" b="0" i="0" kern="1200" dirty="0">
+                <a:solidFill>
+                  <a:schemeClr val="tx1"/>
+                </a:solidFill>
+                <a:effectLst/>
+                <a:latin typeface="+mn-lt"/>
+                <a:ea typeface="+mn-ea"/>
+                <a:cs typeface="+mn-cs"/>
+              </a:rPr>
+              <a:t>).</a:t>
+            </a:r>
+          </a:p>
+          <a:p>
+            <a:pPr fontAlgn="base"/>
+            <a:r>
+              <a:rPr lang="en-US" sz="1200" b="0" i="0" kern="1200" dirty="0" err="1">
+                <a:solidFill>
+                  <a:schemeClr val="tx1"/>
+                </a:solidFill>
+                <a:effectLst/>
+                <a:latin typeface="+mn-lt"/>
+                <a:ea typeface="+mn-ea"/>
+                <a:cs typeface="+mn-cs"/>
+              </a:rPr>
+              <a:t>Relu</a:t>
+            </a:r>
+            <a:r>
+              <a:rPr lang="en-US" sz="1200" b="0" i="0" kern="1200" dirty="0">
+                <a:solidFill>
+                  <a:schemeClr val="tx1"/>
+                </a:solidFill>
+                <a:effectLst/>
+                <a:latin typeface="+mn-lt"/>
+                <a:ea typeface="+mn-ea"/>
+                <a:cs typeface="+mn-cs"/>
+              </a:rPr>
+              <a:t> : tend to blow up activation (there is no mechanism to constrain the output of the neuron, as "</a:t>
+            </a:r>
+            <a:r>
+              <a:rPr lang="en-US" sz="1200" b="0" i="0" u="none" strike="noStrike" kern="1200" dirty="0">
+                <a:solidFill>
+                  <a:schemeClr val="tx1"/>
+                </a:solidFill>
+                <a:effectLst/>
+                <a:latin typeface="+mn-lt"/>
+                <a:ea typeface="+mn-ea"/>
+                <a:cs typeface="+mn-cs"/>
+              </a:rPr>
+              <a:t>aa</a:t>
+            </a:r>
+            <a:r>
+              <a:rPr lang="en-US" sz="1200" b="0" i="0" kern="1200" dirty="0">
+                <a:solidFill>
+                  <a:schemeClr val="tx1"/>
+                </a:solidFill>
+                <a:effectLst/>
+                <a:latin typeface="+mn-lt"/>
+                <a:ea typeface="+mn-ea"/>
+                <a:cs typeface="+mn-cs"/>
+              </a:rPr>
+              <a:t>" itself is the output)</a:t>
+            </a:r>
+          </a:p>
+          <a:p>
+            <a:pPr fontAlgn="base"/>
+            <a:r>
+              <a:rPr lang="en-US" sz="1200" b="0" i="0" kern="1200" dirty="0" err="1">
+                <a:solidFill>
+                  <a:schemeClr val="tx1"/>
+                </a:solidFill>
+                <a:effectLst/>
+                <a:latin typeface="+mn-lt"/>
+                <a:ea typeface="+mn-ea"/>
+                <a:cs typeface="+mn-cs"/>
+              </a:rPr>
+              <a:t>Relu</a:t>
+            </a:r>
+            <a:r>
+              <a:rPr lang="en-US" sz="1200" b="0" i="0" kern="1200" dirty="0">
+                <a:solidFill>
+                  <a:schemeClr val="tx1"/>
+                </a:solidFill>
+                <a:effectLst/>
+                <a:latin typeface="+mn-lt"/>
+                <a:ea typeface="+mn-ea"/>
+                <a:cs typeface="+mn-cs"/>
+              </a:rPr>
+              <a:t> : Dying </a:t>
+            </a:r>
+            <a:r>
+              <a:rPr lang="en-US" sz="1200" b="0" i="0" kern="1200" dirty="0" err="1">
+                <a:solidFill>
+                  <a:schemeClr val="tx1"/>
+                </a:solidFill>
+                <a:effectLst/>
+                <a:latin typeface="+mn-lt"/>
+                <a:ea typeface="+mn-ea"/>
+                <a:cs typeface="+mn-cs"/>
+              </a:rPr>
+              <a:t>Relu</a:t>
+            </a:r>
+            <a:r>
+              <a:rPr lang="en-US" sz="1200" b="0" i="0" kern="1200" dirty="0">
+                <a:solidFill>
+                  <a:schemeClr val="tx1"/>
+                </a:solidFill>
+                <a:effectLst/>
+                <a:latin typeface="+mn-lt"/>
+                <a:ea typeface="+mn-ea"/>
+                <a:cs typeface="+mn-cs"/>
+              </a:rPr>
+              <a:t> problem - if too many activations get below zero then most of the units(neurons) in network with </a:t>
+            </a:r>
+            <a:r>
+              <a:rPr lang="en-US" sz="1200" b="0" i="0" kern="1200" dirty="0" err="1">
+                <a:solidFill>
+                  <a:schemeClr val="tx1"/>
+                </a:solidFill>
+                <a:effectLst/>
+                <a:latin typeface="+mn-lt"/>
+                <a:ea typeface="+mn-ea"/>
+                <a:cs typeface="+mn-cs"/>
+              </a:rPr>
+              <a:t>Relu</a:t>
+            </a:r>
+            <a:r>
+              <a:rPr lang="en-US" sz="1200" b="0" i="0" kern="1200" dirty="0">
+                <a:solidFill>
+                  <a:schemeClr val="tx1"/>
+                </a:solidFill>
+                <a:effectLst/>
+                <a:latin typeface="+mn-lt"/>
+                <a:ea typeface="+mn-ea"/>
+                <a:cs typeface="+mn-cs"/>
+              </a:rPr>
+              <a:t> will simply output zero, in other words, die and thereby prohibiting learning.(This can be handled, to some extent, by using Leaky-</a:t>
+            </a:r>
+            <a:r>
+              <a:rPr lang="en-US" sz="1200" b="0" i="0" kern="1200" dirty="0" err="1">
+                <a:solidFill>
+                  <a:schemeClr val="tx1"/>
+                </a:solidFill>
+                <a:effectLst/>
+                <a:latin typeface="+mn-lt"/>
+                <a:ea typeface="+mn-ea"/>
+                <a:cs typeface="+mn-cs"/>
+              </a:rPr>
+              <a:t>Relu</a:t>
+            </a:r>
+            <a:r>
+              <a:rPr lang="en-US" sz="1200" b="0" i="0" kern="1200" dirty="0">
+                <a:solidFill>
+                  <a:schemeClr val="tx1"/>
+                </a:solidFill>
+                <a:effectLst/>
+                <a:latin typeface="+mn-lt"/>
+                <a:ea typeface="+mn-ea"/>
+                <a:cs typeface="+mn-cs"/>
+              </a:rPr>
+              <a:t> instead.)</a:t>
+            </a:r>
+          </a:p>
+          <a:p>
+            <a:pPr fontAlgn="base"/>
+            <a:endParaRPr lang="en-US" sz="1200" b="0" i="0" kern="1200" dirty="0">
+              <a:solidFill>
+                <a:schemeClr val="tx1"/>
+              </a:solidFill>
+              <a:effectLst/>
+              <a:latin typeface="+mn-lt"/>
+              <a:ea typeface="+mn-ea"/>
+              <a:cs typeface="+mn-cs"/>
+            </a:endParaRPr>
+          </a:p>
+          <a:p>
+            <a:pPr fontAlgn="base"/>
+            <a:r>
+              <a:rPr lang="en-US" sz="1200" b="0" i="0" kern="1200" dirty="0">
+                <a:solidFill>
+                  <a:schemeClr val="tx1"/>
+                </a:solidFill>
+                <a:effectLst/>
+                <a:latin typeface="+mn-lt"/>
+                <a:ea typeface="+mn-ea"/>
+                <a:cs typeface="+mn-cs"/>
+              </a:rPr>
+              <a:t/>
+            </a:r>
+            <a:br>
+              <a:rPr lang="en-US" sz="1200" b="0" i="0" kern="1200" dirty="0">
+                <a:solidFill>
+                  <a:schemeClr val="tx1"/>
+                </a:solidFill>
+                <a:effectLst/>
+                <a:latin typeface="+mn-lt"/>
+                <a:ea typeface="+mn-ea"/>
+                <a:cs typeface="+mn-cs"/>
+              </a:rPr>
+            </a:br>
+            <a:r>
+              <a:rPr lang="en-US" sz="1200" b="0" i="0" kern="1200" dirty="0">
+                <a:solidFill>
+                  <a:schemeClr val="tx1"/>
+                </a:solidFill>
+                <a:effectLst/>
+                <a:latin typeface="+mn-lt"/>
+                <a:ea typeface="+mn-ea"/>
+                <a:cs typeface="+mn-cs"/>
+              </a:rPr>
+              <a:t>Just complementing the other answers:</a:t>
+            </a:r>
+          </a:p>
+          <a:p>
+            <a:pPr fontAlgn="base"/>
+            <a:r>
+              <a:rPr lang="en-US" sz="1200" b="1" i="0" kern="1200" dirty="0">
+                <a:solidFill>
+                  <a:schemeClr val="tx1"/>
+                </a:solidFill>
+                <a:effectLst/>
+                <a:latin typeface="+mn-lt"/>
+                <a:ea typeface="+mn-ea"/>
+                <a:cs typeface="+mn-cs"/>
+              </a:rPr>
+              <a:t>Vanishing Gradients</a:t>
+            </a:r>
+            <a:endParaRPr lang="en-US" sz="1200" b="0" i="0" kern="1200" dirty="0">
+              <a:solidFill>
+                <a:schemeClr val="tx1"/>
+              </a:solidFill>
+              <a:effectLst/>
+              <a:latin typeface="+mn-lt"/>
+              <a:ea typeface="+mn-ea"/>
+              <a:cs typeface="+mn-cs"/>
+            </a:endParaRPr>
+          </a:p>
+          <a:p>
+            <a:pPr fontAlgn="base"/>
+            <a:r>
+              <a:rPr lang="en-US" sz="1200" b="0" i="0" kern="1200" dirty="0">
+                <a:solidFill>
+                  <a:schemeClr val="tx1"/>
+                </a:solidFill>
+                <a:effectLst/>
+                <a:latin typeface="+mn-lt"/>
+                <a:ea typeface="+mn-ea"/>
+                <a:cs typeface="+mn-cs"/>
+              </a:rPr>
+              <a:t>The other answers are right to point out that the bigger the input (in absolute value) the smaller the gradient of the sigmoid function. But, probably an even more important effect is that the derivative of the sigmoid function is </a:t>
+            </a:r>
+            <a:r>
+              <a:rPr lang="en-US" sz="1200" b="1" i="0" kern="1200" dirty="0">
+                <a:solidFill>
+                  <a:schemeClr val="tx1"/>
+                </a:solidFill>
+                <a:effectLst/>
+                <a:latin typeface="+mn-lt"/>
+                <a:ea typeface="+mn-ea"/>
+                <a:cs typeface="+mn-cs"/>
+              </a:rPr>
+              <a:t>ALWAYS smaller than one</a:t>
+            </a:r>
+            <a:r>
+              <a:rPr lang="en-US" sz="1200" b="0" i="0" kern="1200" dirty="0">
+                <a:solidFill>
+                  <a:schemeClr val="tx1"/>
+                </a:solidFill>
+                <a:effectLst/>
+                <a:latin typeface="+mn-lt"/>
+                <a:ea typeface="+mn-ea"/>
+                <a:cs typeface="+mn-cs"/>
+              </a:rPr>
+              <a:t>. In fact it is at most 0.25!</a:t>
+            </a:r>
+          </a:p>
+          <a:p>
+            <a:pPr fontAlgn="base"/>
+            <a:r>
+              <a:rPr lang="en-US" sz="1200" b="0" i="0" kern="1200" dirty="0">
+                <a:solidFill>
+                  <a:schemeClr val="tx1"/>
+                </a:solidFill>
+                <a:effectLst/>
+                <a:latin typeface="+mn-lt"/>
+                <a:ea typeface="+mn-ea"/>
+                <a:cs typeface="+mn-cs"/>
+              </a:rPr>
+              <a:t>The down side of this is that if you have many layers, you will multiply these gradients, and the product of many smaller than 1 values goes to zero very quickly.</a:t>
+            </a:r>
+          </a:p>
+          <a:p>
+            <a:pPr fontAlgn="base"/>
+            <a:r>
+              <a:rPr lang="en-US" sz="1200" b="0" i="0" kern="1200" dirty="0">
+                <a:solidFill>
+                  <a:schemeClr val="tx1"/>
+                </a:solidFill>
+                <a:effectLst/>
+                <a:latin typeface="+mn-lt"/>
+                <a:ea typeface="+mn-ea"/>
+                <a:cs typeface="+mn-cs"/>
+              </a:rPr>
+              <a:t>Since the state of the art of for Deep Learning has shown that more layers helps a lot, then this disadvantage of the Sigmoid function is a game killer. </a:t>
+            </a:r>
+            <a:r>
+              <a:rPr lang="en-US" sz="1200" b="1" i="0" kern="1200" dirty="0">
+                <a:solidFill>
+                  <a:schemeClr val="tx1"/>
+                </a:solidFill>
+                <a:effectLst/>
+                <a:latin typeface="+mn-lt"/>
+                <a:ea typeface="+mn-ea"/>
+                <a:cs typeface="+mn-cs"/>
+              </a:rPr>
+              <a:t>You just can't do Deep Learning with Sigmoid.</a:t>
+            </a:r>
+            <a:endParaRPr lang="en-US" sz="1200" b="0" i="0" kern="1200" dirty="0">
+              <a:solidFill>
+                <a:schemeClr val="tx1"/>
+              </a:solidFill>
+              <a:effectLst/>
+              <a:latin typeface="+mn-lt"/>
+              <a:ea typeface="+mn-ea"/>
+              <a:cs typeface="+mn-cs"/>
+            </a:endParaRPr>
+          </a:p>
+          <a:p>
+            <a:pPr fontAlgn="base"/>
+            <a:r>
+              <a:rPr lang="en-US" sz="1200" b="0" i="0" kern="1200" dirty="0">
+                <a:solidFill>
+                  <a:schemeClr val="tx1"/>
+                </a:solidFill>
+                <a:effectLst/>
+                <a:latin typeface="+mn-lt"/>
+                <a:ea typeface="+mn-ea"/>
+                <a:cs typeface="+mn-cs"/>
+              </a:rPr>
+              <a:t>On the other hand the gradient of the </a:t>
+            </a:r>
+            <a:r>
+              <a:rPr lang="en-US" sz="1200" b="0" i="0" kern="1200" dirty="0" err="1">
+                <a:solidFill>
+                  <a:schemeClr val="tx1"/>
+                </a:solidFill>
+                <a:effectLst/>
+                <a:latin typeface="+mn-lt"/>
+                <a:ea typeface="+mn-ea"/>
+                <a:cs typeface="+mn-cs"/>
+              </a:rPr>
+              <a:t>ReLu</a:t>
+            </a:r>
+            <a:r>
+              <a:rPr lang="en-US" sz="1200" b="0" i="0" kern="1200" dirty="0">
+                <a:solidFill>
+                  <a:schemeClr val="tx1"/>
+                </a:solidFill>
+                <a:effectLst/>
+                <a:latin typeface="+mn-lt"/>
+                <a:ea typeface="+mn-ea"/>
+                <a:cs typeface="+mn-cs"/>
+              </a:rPr>
+              <a:t> function is either </a:t>
+            </a:r>
+            <a:r>
+              <a:rPr lang="en-US" sz="1200" b="0" i="0" u="none" strike="noStrike" kern="1200" dirty="0">
+                <a:solidFill>
+                  <a:schemeClr val="tx1"/>
+                </a:solidFill>
+                <a:effectLst/>
+                <a:latin typeface="+mn-lt"/>
+                <a:ea typeface="+mn-ea"/>
+                <a:cs typeface="+mn-cs"/>
+              </a:rPr>
+              <a:t>00</a:t>
+            </a:r>
+            <a:r>
+              <a:rPr lang="en-US" sz="1200" b="0" i="0" kern="1200" dirty="0">
+                <a:solidFill>
+                  <a:schemeClr val="tx1"/>
+                </a:solidFill>
+                <a:effectLst/>
+                <a:latin typeface="+mn-lt"/>
+                <a:ea typeface="+mn-ea"/>
+                <a:cs typeface="+mn-cs"/>
+              </a:rPr>
+              <a:t> for </a:t>
+            </a:r>
+            <a:r>
+              <a:rPr lang="en-US" sz="1200" b="0" i="0" u="none" strike="noStrike" kern="1200" dirty="0">
+                <a:solidFill>
+                  <a:schemeClr val="tx1"/>
+                </a:solidFill>
+                <a:effectLst/>
+                <a:latin typeface="+mn-lt"/>
+                <a:ea typeface="+mn-ea"/>
+                <a:cs typeface="+mn-cs"/>
+              </a:rPr>
+              <a:t>a&lt;0a&lt;0</a:t>
+            </a:r>
+            <a:r>
+              <a:rPr lang="en-US" sz="1200" b="0" i="0" kern="1200" dirty="0">
+                <a:solidFill>
+                  <a:schemeClr val="tx1"/>
+                </a:solidFill>
+                <a:effectLst/>
+                <a:latin typeface="+mn-lt"/>
+                <a:ea typeface="+mn-ea"/>
+                <a:cs typeface="+mn-cs"/>
+              </a:rPr>
+              <a:t> or </a:t>
+            </a:r>
+            <a:r>
+              <a:rPr lang="en-US" sz="1200" b="0" i="0" u="none" strike="noStrike" kern="1200" dirty="0">
+                <a:solidFill>
+                  <a:schemeClr val="tx1"/>
+                </a:solidFill>
+                <a:effectLst/>
+                <a:latin typeface="+mn-lt"/>
+                <a:ea typeface="+mn-ea"/>
+                <a:cs typeface="+mn-cs"/>
+              </a:rPr>
+              <a:t>11</a:t>
+            </a:r>
+            <a:r>
+              <a:rPr lang="en-US" sz="1200" b="0" i="0" kern="1200" dirty="0">
+                <a:solidFill>
+                  <a:schemeClr val="tx1"/>
+                </a:solidFill>
+                <a:effectLst/>
+                <a:latin typeface="+mn-lt"/>
+                <a:ea typeface="+mn-ea"/>
+                <a:cs typeface="+mn-cs"/>
+              </a:rPr>
+              <a:t> for </a:t>
+            </a:r>
+            <a:r>
+              <a:rPr lang="en-US" sz="1200" b="0" i="0" u="none" strike="noStrike" kern="1200" dirty="0">
+                <a:solidFill>
+                  <a:schemeClr val="tx1"/>
+                </a:solidFill>
+                <a:effectLst/>
+                <a:latin typeface="+mn-lt"/>
+                <a:ea typeface="+mn-ea"/>
+                <a:cs typeface="+mn-cs"/>
+              </a:rPr>
+              <a:t>a&gt;0a&gt;0</a:t>
+            </a:r>
+            <a:r>
+              <a:rPr lang="en-US" sz="1200" b="0" i="0" kern="1200" dirty="0">
+                <a:solidFill>
+                  <a:schemeClr val="tx1"/>
+                </a:solidFill>
+                <a:effectLst/>
+                <a:latin typeface="+mn-lt"/>
+                <a:ea typeface="+mn-ea"/>
+                <a:cs typeface="+mn-cs"/>
+              </a:rPr>
+              <a:t>. That means that you can put as many layers as you like, because multiplying the gradients will neither vanish nor explode.</a:t>
+            </a:r>
+          </a:p>
+          <a:p>
+            <a:pPr fontAlgn="base"/>
+            <a:endParaRPr lang="en-US" sz="1200" b="0" i="0" kern="1200" dirty="0">
+              <a:solidFill>
+                <a:schemeClr val="tx1"/>
+              </a:solidFill>
+              <a:effectLst/>
+              <a:latin typeface="+mn-lt"/>
+              <a:ea typeface="+mn-ea"/>
+              <a:cs typeface="+mn-cs"/>
+            </a:endParaRPr>
+          </a:p>
+          <a:p>
+            <a:endParaRPr lang="pt-BR" dirty="0"/>
           </a:p>
         </p:txBody>
       </p:sp>
@@ -2221,9 +2272,9 @@
           <a:bodyPr/>
           <a:lstStyle/>
           <a:p>
-            <a:fld id="{6FC8D850-966F-45A6-8DE7-15B891E7D40D}" type="slidenum">
+            <a:fld id="{F430A2A4-8C14-4B1A-AD48-7B6401078BF7}" type="slidenum">
               <a:rPr lang="pt-BR" smtClean="0"/>
-              <a:t>16</a:t>
+              <a:t>15</a:t>
             </a:fld>
             <a:endParaRPr lang="pt-BR"/>
           </a:p>
@@ -2232,7 +2283,7 @@
     </p:spTree>
     <p:extLst>
       <p:ext uri="{BB962C8B-B14F-4D97-AF65-F5344CB8AC3E}">
-        <p14:creationId xmlns:p14="http://schemas.microsoft.com/office/powerpoint/2010/main" val="1080561815"/>
+        <p14:creationId xmlns:p14="http://schemas.microsoft.com/office/powerpoint/2010/main" val="343368178"/>
       </p:ext>
     </p:extLst>
   </p:cSld>
@@ -2286,7 +2337,17 @@
           <a:bodyPr/>
           <a:lstStyle/>
           <a:p>
-            <a:endParaRPr lang="pt-BR" dirty="0"/>
+            <a:r>
+              <a:rPr lang="pt-BR" sz="1200" b="1" dirty="0"/>
+              <a:t>Laboratório #6:</a:t>
+            </a:r>
+            <a:r>
+              <a:rPr lang="pt-BR" sz="1200" dirty="0"/>
+              <a:t> https://mybinder.org/v2/gh/zz4fap/t320_aprendizado_de_maquina/main?filepath=labs%2FLaboratorio6.ipynb</a:t>
+            </a:r>
+          </a:p>
+          <a:p>
+            <a:endParaRPr lang="pt-BR" sz="1200" dirty="0"/>
           </a:p>
         </p:txBody>
       </p:sp>
@@ -2305,9 +2366,9 @@
           <a:bodyPr/>
           <a:lstStyle/>
           <a:p>
-            <a:fld id="{F430A2A4-8C14-4B1A-AD48-7B6401078BF7}" type="slidenum">
+            <a:fld id="{6FC8D850-966F-45A6-8DE7-15B891E7D40D}" type="slidenum">
               <a:rPr lang="pt-BR" smtClean="0"/>
-              <a:t>17</a:t>
+              <a:t>16</a:t>
             </a:fld>
             <a:endParaRPr lang="pt-BR"/>
           </a:p>
@@ -2316,7 +2377,7 @@
     </p:spTree>
     <p:extLst>
       <p:ext uri="{BB962C8B-B14F-4D97-AF65-F5344CB8AC3E}">
-        <p14:creationId xmlns:p14="http://schemas.microsoft.com/office/powerpoint/2010/main" val="3715571900"/>
+        <p14:creationId xmlns:p14="http://schemas.microsoft.com/office/powerpoint/2010/main" val="1080561815"/>
       </p:ext>
     </p:extLst>
   </p:cSld>
@@ -2370,23 +2431,6 @@
           <a:bodyPr/>
           <a:lstStyle/>
           <a:p>
-            <a:r>
-              <a:rPr lang="pt-BR" dirty="0"/>
-              <a:t>Sistemas dinâmicos são sistemas fora do equilíbrio, caracterizados por estados que mudam com o tempo. </a:t>
-            </a:r>
-          </a:p>
-          <a:p>
-            <a:endParaRPr lang="en-US" dirty="0" smtClean="0"/>
-          </a:p>
-          <a:p>
-            <a:r>
-              <a:rPr lang="en-US" dirty="0" smtClean="0"/>
-              <a:t>Sistema </a:t>
-            </a:r>
-            <a:r>
-              <a:rPr lang="en-US" dirty="0" err="1"/>
-              <a:t>massa-mola</a:t>
-            </a:r>
             <a:endParaRPr lang="pt-BR" dirty="0"/>
           </a:p>
         </p:txBody>
@@ -2408,6 +2452,107 @@
           <a:p>
             <a:fld id="{F430A2A4-8C14-4B1A-AD48-7B6401078BF7}" type="slidenum">
               <a:rPr lang="pt-BR" smtClean="0"/>
+              <a:t>17</a:t>
+            </a:fld>
+            <a:endParaRPr lang="pt-BR"/>
+          </a:p>
+        </p:txBody>
+      </p:sp>
+    </p:spTree>
+    <p:extLst>
+      <p:ext uri="{BB962C8B-B14F-4D97-AF65-F5344CB8AC3E}">
+        <p14:creationId xmlns:p14="http://schemas.microsoft.com/office/powerpoint/2010/main" val="3715571900"/>
+      </p:ext>
+    </p:extLst>
+  </p:cSld>
+  <p:clrMapOvr>
+    <a:masterClrMapping/>
+  </p:clrMapOvr>
+</p:notes>
+</file>
+
+<file path=ppt/notesSlides/notesSlide17.xml><?xml version="1.0" encoding="utf-8"?>
+<p:notes xmlns:a="http://schemas.openxmlformats.org/drawingml/2006/main" xmlns:r="http://schemas.openxmlformats.org/officeDocument/2006/relationships" xmlns:p="http://schemas.openxmlformats.org/presentationml/2006/main">
+  <p:cSld>
+    <p:spTree>
+      <p:nvGrpSpPr>
+        <p:cNvPr id="1" name=""/>
+        <p:cNvGrpSpPr/>
+        <p:nvPr/>
+      </p:nvGrpSpPr>
+      <p:grpSpPr>
+        <a:xfrm>
+          <a:off x="0" y="0"/>
+          <a:ext cx="0" cy="0"/>
+          <a:chOff x="0" y="0"/>
+          <a:chExt cx="0" cy="0"/>
+        </a:xfrm>
+      </p:grpSpPr>
+      <p:sp>
+        <p:nvSpPr>
+          <p:cNvPr id="2" name="Slide Image Placeholder 1"/>
+          <p:cNvSpPr>
+            <a:spLocks noGrp="1" noRot="1" noChangeAspect="1"/>
+          </p:cNvSpPr>
+          <p:nvPr>
+            <p:ph type="sldImg"/>
+          </p:nvPr>
+        </p:nvSpPr>
+        <p:spPr/>
+      </p:sp>
+      <p:sp>
+        <p:nvSpPr>
+          <p:cNvPr id="3" name="Notes Placeholder 2"/>
+          <p:cNvSpPr>
+            <a:spLocks noGrp="1"/>
+          </p:cNvSpPr>
+          <p:nvPr>
+            <p:ph type="body" idx="1"/>
+          </p:nvPr>
+        </p:nvSpPr>
+        <p:spPr/>
+        <p:txBody>
+          <a:bodyPr/>
+          <a:lstStyle/>
+          <a:p>
+            <a:r>
+              <a:rPr lang="pt-BR" dirty="0"/>
+              <a:t>Sistemas dinâmicos são sistemas fora do equilíbrio, caracterizados por estados que mudam com o tempo. </a:t>
+            </a:r>
+          </a:p>
+          <a:p>
+            <a:endParaRPr lang="en-US" dirty="0" smtClean="0"/>
+          </a:p>
+          <a:p>
+            <a:r>
+              <a:rPr lang="en-US" dirty="0" smtClean="0"/>
+              <a:t>Sistema </a:t>
+            </a:r>
+            <a:r>
+              <a:rPr lang="en-US" dirty="0" err="1"/>
+              <a:t>massa-mola</a:t>
+            </a:r>
+            <a:endParaRPr lang="pt-BR" dirty="0"/>
+          </a:p>
+        </p:txBody>
+      </p:sp>
+      <p:sp>
+        <p:nvSpPr>
+          <p:cNvPr id="4" name="Slide Number Placeholder 3"/>
+          <p:cNvSpPr>
+            <a:spLocks noGrp="1"/>
+          </p:cNvSpPr>
+          <p:nvPr>
+            <p:ph type="sldNum" sz="quarter" idx="10"/>
+          </p:nvPr>
+        </p:nvSpPr>
+        <p:spPr/>
+        <p:txBody>
+          <a:bodyPr/>
+          <a:lstStyle/>
+          <a:p>
+            <a:fld id="{F430A2A4-8C14-4B1A-AD48-7B6401078BF7}" type="slidenum">
+              <a:rPr lang="pt-BR" smtClean="0"/>
               <a:t>18</a:t>
             </a:fld>
             <a:endParaRPr lang="pt-BR"/>
@@ -2427,7 +2572,7 @@
 </p:notes>
 </file>
 
-<file path=ppt/notesSlides/notesSlide17.xml><?xml version="1.0" encoding="utf-8"?>
+<file path=ppt/notesSlides/notesSlide18.xml><?xml version="1.0" encoding="utf-8"?>
 <p:notes xmlns:a="http://schemas.openxmlformats.org/drawingml/2006/main" xmlns:r="http://schemas.openxmlformats.org/officeDocument/2006/relationships" xmlns:p="http://schemas.openxmlformats.org/presentationml/2006/main">
   <p:cSld>
     <p:spTree>
@@ -2581,157 +2726,6 @@
     <p:extLst>
       <p:ext uri="{BB962C8B-B14F-4D97-AF65-F5344CB8AC3E}">
         <p14:creationId xmlns:p14="http://schemas.microsoft.com/office/powerpoint/2010/main" val="600031105"/>
-      </p:ext>
-    </p:extLst>
-  </p:cSld>
-  <p:clrMapOvr>
-    <a:masterClrMapping/>
-  </p:clrMapOvr>
-</p:notes>
-</file>
-
-<file path=ppt/notesSlides/notesSlide18.xml><?xml version="1.0" encoding="utf-8"?>
-<p:notes xmlns:a="http://schemas.openxmlformats.org/drawingml/2006/main" xmlns:r="http://schemas.openxmlformats.org/officeDocument/2006/relationships" xmlns:p="http://schemas.openxmlformats.org/presentationml/2006/main">
-  <p:cSld>
-    <p:spTree>
-      <p:nvGrpSpPr>
-        <p:cNvPr id="1" name=""/>
-        <p:cNvGrpSpPr/>
-        <p:nvPr/>
-      </p:nvGrpSpPr>
-      <p:grpSpPr>
-        <a:xfrm>
-          <a:off x="0" y="0"/>
-          <a:ext cx="0" cy="0"/>
-          <a:chOff x="0" y="0"/>
-          <a:chExt cx="0" cy="0"/>
-        </a:xfrm>
-      </p:grpSpPr>
-      <p:sp>
-        <p:nvSpPr>
-          <p:cNvPr id="2" name="Slide Image Placeholder 1"/>
-          <p:cNvSpPr>
-            <a:spLocks noGrp="1" noRot="1" noChangeAspect="1"/>
-          </p:cNvSpPr>
-          <p:nvPr>
-            <p:ph type="sldImg"/>
-          </p:nvPr>
-        </p:nvSpPr>
-        <p:spPr/>
-      </p:sp>
-      <p:sp>
-        <p:nvSpPr>
-          <p:cNvPr id="3" name="Notes Placeholder 2"/>
-          <p:cNvSpPr>
-            <a:spLocks noGrp="1"/>
-          </p:cNvSpPr>
-          <p:nvPr>
-            <p:ph type="body" idx="1"/>
-          </p:nvPr>
-        </p:nvSpPr>
-        <p:spPr/>
-        <p:txBody>
-          <a:bodyPr/>
-          <a:lstStyle/>
-          <a:p>
-            <a:pPr marL="0" marR="0" lvl="0" indent="0" algn="l" defTabSz="914400" rtl="0" eaLnBrk="1" fontAlgn="auto" latinLnBrk="0" hangingPunct="1">
-              <a:lnSpc>
-                <a:spcPct val="100000"/>
-              </a:lnSpc>
-              <a:spcBef>
-                <a:spcPts val="0"/>
-              </a:spcBef>
-              <a:spcAft>
-                <a:spcPts val="0"/>
-              </a:spcAft>
-              <a:buClrTx/>
-              <a:buSzTx/>
-              <a:buFontTx/>
-              <a:buNone/>
-              <a:tabLst/>
-              <a:defRPr/>
-            </a:pPr>
-            <a:r>
-              <a:rPr lang="pt-BR" sz="1200" b="0" dirty="0">
-                <a:solidFill>
-                  <a:srgbClr val="00B0F0"/>
-                </a:solidFill>
-              </a:rPr>
-              <a:t>E</a:t>
-            </a:r>
-            <a:r>
-              <a:rPr lang="pt-BR" dirty="0"/>
-              <a:t>xemplo:</a:t>
-            </a:r>
-            <a:r>
-              <a:rPr lang="pt-BR" baseline="0" dirty="0"/>
-              <a:t> </a:t>
-            </a:r>
-            <a:r>
-              <a:rPr lang="pt-BR" dirty="0"/>
-              <a:t>https://colab.research.google.com/github/zz4fap/t320_aprendizado_de_maquina/blob/main/notebooks/mlp/</a:t>
-            </a:r>
-            <a:r>
-              <a:rPr lang="pt-BR" sz="1200" b="0" dirty="0">
-                <a:solidFill>
-                  <a:srgbClr val="00B0F0"/>
-                </a:solidFill>
-              </a:rPr>
-              <a:t>FunctionApproximationWithMLP.ipynb</a:t>
-            </a:r>
-          </a:p>
-          <a:p>
-            <a:pPr marL="0" marR="0" lvl="0" indent="0" algn="l" defTabSz="914400" rtl="0" eaLnBrk="1" fontAlgn="auto" latinLnBrk="0" hangingPunct="1">
-              <a:lnSpc>
-                <a:spcPct val="100000"/>
-              </a:lnSpc>
-              <a:spcBef>
-                <a:spcPts val="0"/>
-              </a:spcBef>
-              <a:spcAft>
-                <a:spcPts val="0"/>
-              </a:spcAft>
-              <a:buClrTx/>
-              <a:buSzTx/>
-              <a:buFontTx/>
-              <a:buNone/>
-              <a:tabLst/>
-              <a:defRPr/>
-            </a:pPr>
-            <a:endParaRPr lang="pt-BR" dirty="0"/>
-          </a:p>
-          <a:p>
-            <a:endParaRPr lang="pt-BR" dirty="0"/>
-          </a:p>
-        </p:txBody>
-      </p:sp>
-      <p:sp>
-        <p:nvSpPr>
-          <p:cNvPr id="4" name="Slide Number Placeholder 3"/>
-          <p:cNvSpPr>
-            <a:spLocks noGrp="1"/>
-          </p:cNvSpPr>
-          <p:nvPr>
-            <p:ph type="sldNum" sz="quarter" idx="10"/>
-          </p:nvPr>
-        </p:nvSpPr>
-        <p:spPr/>
-        <p:txBody>
-          <a:bodyPr/>
-          <a:lstStyle/>
-          <a:p>
-            <a:fld id="{F430A2A4-8C14-4B1A-AD48-7B6401078BF7}" type="slidenum">
-              <a:rPr lang="pt-BR" smtClean="0"/>
-              <a:t>20</a:t>
-            </a:fld>
-            <a:endParaRPr lang="pt-BR"/>
-          </a:p>
-        </p:txBody>
-      </p:sp>
-    </p:spTree>
-    <p:extLst>
-      <p:ext uri="{BB962C8B-B14F-4D97-AF65-F5344CB8AC3E}">
-        <p14:creationId xmlns:p14="http://schemas.microsoft.com/office/powerpoint/2010/main" val="1798508464"/>
       </p:ext>
     </p:extLst>
   </p:cSld>
@@ -2828,8 +2822,28 @@
                   <a:srgbClr val="00B0F0"/>
                 </a:solidFill>
               </a:rPr>
-              <a:t>function_approximation.ipynb</a:t>
-            </a:r>
+              <a:t>FunctionApproximationWithMLP.ipynb</a:t>
+            </a:r>
+          </a:p>
+          <a:p>
+            <a:pPr marL="0" marR="0" lvl="0" indent="0" algn="l" defTabSz="914400" rtl="0" eaLnBrk="1" fontAlgn="auto" latinLnBrk="0" hangingPunct="1">
+              <a:lnSpc>
+                <a:spcPct val="100000"/>
+              </a:lnSpc>
+              <a:spcBef>
+                <a:spcPts val="0"/>
+              </a:spcBef>
+              <a:spcAft>
+                <a:spcPts val="0"/>
+              </a:spcAft>
+              <a:buClrTx/>
+              <a:buSzTx/>
+              <a:buFontTx/>
+              <a:buNone/>
+              <a:tabLst/>
+              <a:defRPr/>
+            </a:pPr>
+            <a:endParaRPr lang="pt-BR" dirty="0"/>
           </a:p>
           <a:p>
             <a:endParaRPr lang="pt-BR" dirty="0"/>
@@ -2853,7 +2867,7 @@
           <a:p>
             <a:fld id="{F430A2A4-8C14-4B1A-AD48-7B6401078BF7}" type="slidenum">
               <a:rPr lang="pt-BR" smtClean="0"/>
-              <a:t>21</a:t>
+              <a:t>20</a:t>
             </a:fld>
             <a:endParaRPr lang="pt-BR"/>
           </a:p>
@@ -2862,7 +2876,7 @@
     </p:spTree>
     <p:extLst>
       <p:ext uri="{BB962C8B-B14F-4D97-AF65-F5344CB8AC3E}">
-        <p14:creationId xmlns:p14="http://schemas.microsoft.com/office/powerpoint/2010/main" val="114609286"/>
+        <p14:creationId xmlns:p14="http://schemas.microsoft.com/office/powerpoint/2010/main" val="1798508464"/>
       </p:ext>
     </p:extLst>
   </p:cSld>
@@ -3118,6 +3132,137 @@
               <a:defRPr/>
             </a:pPr>
             <a:r>
+              <a:rPr lang="pt-BR" sz="1200" b="0" dirty="0">
+                <a:solidFill>
+                  <a:srgbClr val="00B0F0"/>
+                </a:solidFill>
+              </a:rPr>
+              <a:t>E</a:t>
+            </a:r>
+            <a:r>
+              <a:rPr lang="pt-BR" dirty="0"/>
+              <a:t>xemplo:</a:t>
+            </a:r>
+            <a:r>
+              <a:rPr lang="pt-BR" baseline="0" dirty="0"/>
+              <a:t> </a:t>
+            </a:r>
+            <a:r>
+              <a:rPr lang="pt-BR" dirty="0"/>
+              <a:t>https://colab.research.google.com/github/zz4fap/t320_aprendizado_de_maquina/blob/main/notebooks/mlp/</a:t>
+            </a:r>
+            <a:r>
+              <a:rPr lang="pt-BR" sz="1200" b="0" dirty="0">
+                <a:solidFill>
+                  <a:srgbClr val="00B0F0"/>
+                </a:solidFill>
+              </a:rPr>
+              <a:t>function_approximation.ipynb</a:t>
+            </a:r>
+          </a:p>
+          <a:p>
+            <a:endParaRPr lang="pt-BR" dirty="0"/>
+          </a:p>
+        </p:txBody>
+      </p:sp>
+      <p:sp>
+        <p:nvSpPr>
+          <p:cNvPr id="4" name="Slide Number Placeholder 3"/>
+          <p:cNvSpPr>
+            <a:spLocks noGrp="1"/>
+          </p:cNvSpPr>
+          <p:nvPr>
+            <p:ph type="sldNum" sz="quarter" idx="10"/>
+          </p:nvPr>
+        </p:nvSpPr>
+        <p:spPr/>
+        <p:txBody>
+          <a:bodyPr/>
+          <a:lstStyle/>
+          <a:p>
+            <a:fld id="{F430A2A4-8C14-4B1A-AD48-7B6401078BF7}" type="slidenum">
+              <a:rPr lang="pt-BR" smtClean="0"/>
+              <a:t>21</a:t>
+            </a:fld>
+            <a:endParaRPr lang="pt-BR"/>
+          </a:p>
+        </p:txBody>
+      </p:sp>
+    </p:spTree>
+    <p:extLst>
+      <p:ext uri="{BB962C8B-B14F-4D97-AF65-F5344CB8AC3E}">
+        <p14:creationId xmlns:p14="http://schemas.microsoft.com/office/powerpoint/2010/main" val="114609286"/>
+      </p:ext>
+    </p:extLst>
+  </p:cSld>
+  <p:clrMapOvr>
+    <a:masterClrMapping/>
+  </p:clrMapOvr>
+</p:notes>
+</file>
+
+<file path=ppt/notesSlides/notesSlide21.xml><?xml version="1.0" encoding="utf-8"?>
+<p:notes xmlns:a="http://schemas.openxmlformats.org/drawingml/2006/main" xmlns:r="http://schemas.openxmlformats.org/officeDocument/2006/relationships" xmlns:p="http://schemas.openxmlformats.org/presentationml/2006/main">
+  <p:cSld>
+    <p:spTree>
+      <p:nvGrpSpPr>
+        <p:cNvPr id="1" name=""/>
+        <p:cNvGrpSpPr/>
+        <p:nvPr/>
+      </p:nvGrpSpPr>
+      <p:grpSpPr>
+        <a:xfrm>
+          <a:off x="0" y="0"/>
+          <a:ext cx="0" cy="0"/>
+          <a:chOff x="0" y="0"/>
+          <a:chExt cx="0" cy="0"/>
+        </a:xfrm>
+      </p:grpSpPr>
+      <p:sp>
+        <p:nvSpPr>
+          <p:cNvPr id="2" name="Slide Image Placeholder 1"/>
+          <p:cNvSpPr>
+            <a:spLocks noGrp="1" noRot="1" noChangeAspect="1"/>
+          </p:cNvSpPr>
+          <p:nvPr>
+            <p:ph type="sldImg"/>
+          </p:nvPr>
+        </p:nvSpPr>
+        <p:spPr/>
+      </p:sp>
+      <p:sp>
+        <p:nvSpPr>
+          <p:cNvPr id="3" name="Notes Placeholder 2"/>
+          <p:cNvSpPr>
+            <a:spLocks noGrp="1"/>
+          </p:cNvSpPr>
+          <p:nvPr>
+            <p:ph type="body" idx="1"/>
+          </p:nvPr>
+        </p:nvSpPr>
+        <p:spPr/>
+        <p:txBody>
+          <a:bodyPr/>
+          <a:lstStyle/>
+          <a:p>
+            <a:pPr marL="0" marR="0" lvl="0" indent="0" algn="l" defTabSz="914400" rtl="0" eaLnBrk="1" fontAlgn="auto" latinLnBrk="0" hangingPunct="1">
+              <a:lnSpc>
+                <a:spcPct val="100000"/>
+              </a:lnSpc>
+              <a:spcBef>
+                <a:spcPts val="0"/>
+              </a:spcBef>
+              <a:spcAft>
+                <a:spcPts val="0"/>
+              </a:spcAft>
+              <a:buClrTx/>
+              <a:buSzTx/>
+              <a:buFontTx/>
+              <a:buNone/>
+              <a:tabLst/>
+              <a:defRPr/>
+            </a:pPr>
+            <a:r>
               <a:rPr lang="pt-BR" sz="1200" b="1" dirty="0"/>
               <a:t>Laboratório #7:</a:t>
             </a:r>
@@ -3786,7 +3931,7 @@
       </p:grpSpPr>
       <p:sp>
         <p:nvSpPr>
-          <p:cNvPr id="2" name="Slide Image Placeholder 1"/>
+          <p:cNvPr id="2" name="Espaço Reservado para Imagem de Slide 1"/>
           <p:cNvSpPr>
             <a:spLocks noGrp="1" noRot="1" noChangeAspect="1"/>
           </p:cNvSpPr>
@@ -3798,7 +3943,7 @@
       </p:sp>
       <p:sp>
         <p:nvSpPr>
-          <p:cNvPr id="3" name="Notes Placeholder 2"/>
+          <p:cNvPr id="3" name="Espaço Reservado para Anotações 2"/>
           <p:cNvSpPr>
             <a:spLocks noGrp="1"/>
           </p:cNvSpPr>
@@ -3811,66 +3956,13 @@
           <a:bodyPr/>
           <a:lstStyle/>
           <a:p>
-            <a:pPr marL="0" marR="0" lvl="0" indent="0" algn="l" defTabSz="914400" rtl="0" eaLnBrk="1" fontAlgn="auto" latinLnBrk="0" hangingPunct="1">
-              <a:lnSpc>
-                <a:spcPct val="100000"/>
-              </a:lnSpc>
-              <a:spcBef>
-                <a:spcPts val="0"/>
-              </a:spcBef>
-              <a:spcAft>
-                <a:spcPts val="0"/>
-              </a:spcAft>
-              <a:buClrTx/>
-              <a:buSzTx/>
-              <a:buFontTx/>
-              <a:buNone/>
-              <a:tabLst/>
-              <a:defRPr/>
-            </a:pPr>
-            <a:r>
-              <a:rPr lang="pt-BR" b="1" dirty="0"/>
-              <a:t>OBS</a:t>
-            </a:r>
-            <a:r>
-              <a:rPr lang="pt-BR" dirty="0"/>
-              <a:t>.: As funções de ativação logística e tangente hiperbólica não podem ser usadas em redes neurais profundas devido ao problema do desvanecimento do gradiente.</a:t>
-            </a:r>
-          </a:p>
-          <a:p>
-            <a:pPr marL="0" marR="0" lvl="0" indent="0" algn="l" defTabSz="914400" rtl="0" eaLnBrk="1" fontAlgn="auto" latinLnBrk="0" hangingPunct="1">
-              <a:lnSpc>
-                <a:spcPct val="100000"/>
-              </a:lnSpc>
-              <a:spcBef>
-                <a:spcPts val="0"/>
-              </a:spcBef>
-              <a:spcAft>
-                <a:spcPts val="0"/>
-              </a:spcAft>
-              <a:buClrTx/>
-              <a:buSzTx/>
-              <a:buFontTx/>
-              <a:buNone/>
-              <a:tabLst/>
-              <a:defRPr/>
-            </a:pPr>
-            <a:r>
-              <a:rPr lang="pt-BR" dirty="0">
-                <a:hlinkClick r:id="rId3"/>
-              </a:rPr>
-              <a:t>https://en.wikipedia.org/wiki/Vanishing_gradient_problem</a:t>
-            </a:r>
-            <a:endParaRPr lang="pt-BR" dirty="0"/>
-          </a:p>
-          <a:p>
             <a:endParaRPr lang="pt-BR" dirty="0"/>
           </a:p>
         </p:txBody>
       </p:sp>
       <p:sp>
         <p:nvSpPr>
-          <p:cNvPr id="4" name="Slide Number Placeholder 3"/>
+          <p:cNvPr id="4" name="Espaço Reservado para Número de Slide 3"/>
           <p:cNvSpPr>
             <a:spLocks noGrp="1"/>
           </p:cNvSpPr>
@@ -3885,7 +3977,7 @@
           <a:p>
             <a:fld id="{F430A2A4-8C14-4B1A-AD48-7B6401078BF7}" type="slidenum">
               <a:rPr lang="pt-BR" smtClean="0"/>
-              <a:t>9</a:t>
+              <a:t>8</a:t>
             </a:fld>
             <a:endParaRPr lang="pt-BR"/>
           </a:p>
@@ -3894,7 +3986,7 @@
     </p:spTree>
     <p:extLst>
       <p:ext uri="{BB962C8B-B14F-4D97-AF65-F5344CB8AC3E}">
-        <p14:creationId xmlns:p14="http://schemas.microsoft.com/office/powerpoint/2010/main" val="505246051"/>
+        <p14:creationId xmlns:p14="http://schemas.microsoft.com/office/powerpoint/2010/main" val="3860085713"/>
       </p:ext>
     </p:extLst>
   </p:cSld>
@@ -3966,49 +4058,42 @@
               <a:defRPr/>
             </a:pPr>
             <a:r>
+              <a:rPr lang="pt-BR" b="1" dirty="0"/>
+              <a:t>OBS</a:t>
+            </a:r>
+            <a:r>
               <a:rPr lang="pt-BR" dirty="0"/>
-              <a:t>O </a:t>
-            </a:r>
-            <a:r>
-              <a:rPr lang="pt-BR" b="1" i="1" dirty="0"/>
-              <a:t>algoritmo de </a:t>
-            </a:r>
-            <a:r>
-              <a:rPr lang="pt-BR" b="1" i="1" dirty="0" err="1"/>
-              <a:t>retropropagação</a:t>
-            </a:r>
-            <a:r>
-              <a:rPr lang="pt-BR" b="1" i="1" dirty="0"/>
-              <a:t>  </a:t>
-            </a:r>
-            <a:r>
-              <a:rPr lang="pt-BR" dirty="0"/>
-              <a:t>propaga o erro da saída para as camadas anteriores através da regra da cadeia.</a:t>
-            </a:r>
-          </a:p>
-          <a:p>
+              <a:t>.: As funções de ativação logística e tangente hiperbólica não podem ser usadas em redes neurais profundas devido ao problema do desvanecimento do gradiente.</a:t>
+            </a:r>
+          </a:p>
+          <a:p>
+            <a:pPr marL="0" marR="0" lvl="0" indent="0" algn="l" defTabSz="914400" rtl="0" eaLnBrk="1" fontAlgn="auto" latinLnBrk="0" hangingPunct="1">
+              <a:lnSpc>
+                <a:spcPct val="100000"/>
+              </a:lnSpc>
+              <a:spcBef>
+                <a:spcPts val="0"/>
+              </a:spcBef>
+              <a:spcAft>
+                <a:spcPts val="0"/>
+              </a:spcAft>
+              <a:buClrTx/>
+              <a:buSzTx/>
+              <a:buFontTx/>
+              <a:buNone/>
+              <a:tabLst/>
+              <a:defRPr/>
+            </a:pPr>
+            <a:r>
+              <a:rPr lang="pt-BR" dirty="0">
+                <a:hlinkClick r:id="rId3"/>
+              </a:rPr>
+              <a:t>https://en.wikipedia.org/wiki/Vanishing_gradient_problem</a:t>
+            </a:r>
             <a:endParaRPr lang="pt-BR" dirty="0"/>
           </a:p>
           <a:p>
             <a:endParaRPr lang="pt-BR" dirty="0"/>
-          </a:p>
-          <a:p>
-            <a:r>
-              <a:rPr lang="pt-BR" dirty="0"/>
-              <a:t>Referências:</a:t>
-            </a:r>
-          </a:p>
-          <a:p>
-            <a:r>
-              <a:rPr lang="pt-BR" dirty="0"/>
-              <a:t>[1] https://www.kaggle.com/getting-started/118228</a:t>
-            </a:r>
-          </a:p>
-          <a:p>
-            <a:r>
-              <a:rPr lang="pt-BR" dirty="0"/>
-              <a:t>[2] https://medium.com/analytics-vidhya/how-batch-normalization-and-relu-solve-vanishing-gradients-3f1a8ace1c88</a:t>
-            </a:r>
           </a:p>
         </p:txBody>
       </p:sp>
@@ -4029,7 +4114,7 @@
           <a:p>
             <a:fld id="{F430A2A4-8C14-4B1A-AD48-7B6401078BF7}" type="slidenum">
               <a:rPr lang="pt-BR" smtClean="0"/>
-              <a:t>10</a:t>
+              <a:t>9</a:t>
             </a:fld>
             <a:endParaRPr lang="pt-BR"/>
           </a:p>
@@ -4038,7 +4123,7 @@
     </p:spTree>
     <p:extLst>
       <p:ext uri="{BB962C8B-B14F-4D97-AF65-F5344CB8AC3E}">
-        <p14:creationId xmlns:p14="http://schemas.microsoft.com/office/powerpoint/2010/main" val="892391279"/>
+        <p14:creationId xmlns:p14="http://schemas.microsoft.com/office/powerpoint/2010/main" val="505246051"/>
       </p:ext>
     </p:extLst>
   </p:cSld>
@@ -4092,68 +4177,72 @@
           <a:bodyPr/>
           <a:lstStyle/>
           <a:p>
+            <a:pPr marL="0" marR="0" lvl="0" indent="0" algn="l" defTabSz="914400" rtl="0" eaLnBrk="1" fontAlgn="auto" latinLnBrk="0" hangingPunct="1">
+              <a:lnSpc>
+                <a:spcPct val="100000"/>
+              </a:lnSpc>
+              <a:spcBef>
+                <a:spcPts val="0"/>
+              </a:spcBef>
+              <a:spcAft>
+                <a:spcPts val="0"/>
+              </a:spcAft>
+              <a:buClrTx/>
+              <a:buSzTx/>
+              <a:buFontTx/>
+              <a:buNone/>
+              <a:tabLst/>
+              <a:defRPr/>
+            </a:pPr>
             <a:r>
               <a:rPr lang="pt-BR" dirty="0"/>
-              <a:t>O problema é que, em alguns casos, o gradiente será extremamente pequeno, evitando efetivamente que o peso mude de valor. </a:t>
-            </a:r>
-          </a:p>
-          <a:p>
+              <a:t>O </a:t>
+            </a:r>
+            <a:r>
+              <a:rPr lang="pt-BR" b="1" i="1" dirty="0"/>
+              <a:t>algoritmo de </a:t>
+            </a:r>
+            <a:r>
+              <a:rPr lang="pt-BR" b="1" i="1" dirty="0" err="1"/>
+              <a:t>retropropagação</a:t>
+            </a:r>
+            <a:r>
+              <a:rPr lang="pt-BR" b="1" i="1" dirty="0"/>
+              <a:t>  </a:t>
+            </a:r>
             <a:r>
               <a:rPr lang="pt-BR" dirty="0"/>
-              <a:t>Na pior das hipóteses, isso pode impedir completamente o treinamento adicional da rede neural.</a:t>
-            </a:r>
-          </a:p>
-          <a:p>
-            <a:r>
-              <a:rPr lang="pt-BR" sz="1200" b="0" i="0" kern="1200" dirty="0">
-                <a:solidFill>
-                  <a:schemeClr val="tx1"/>
-                </a:solidFill>
-                <a:effectLst/>
-                <a:latin typeface="+mn-lt"/>
-                <a:ea typeface="+mn-ea"/>
-                <a:cs typeface="+mn-cs"/>
-              </a:rPr>
-              <a:t>Temos aqui uma observação importante: em pelo menos algumas redes neurais profundas, o gradiente tende a diminuir à medida que nos movemos para trás através das camadas ocultas. Isso significa que os neurônios nas camadas anteriores apr</a:t>
-            </a:r>
-          </a:p>
-          <a:p>
-            <a:endParaRPr lang="pt-BR" sz="1200" b="0" i="0" kern="1200" dirty="0">
-              <a:solidFill>
-                <a:schemeClr val="tx1"/>
-              </a:solidFill>
-              <a:effectLst/>
-              <a:latin typeface="+mn-lt"/>
-              <a:ea typeface="+mn-ea"/>
-              <a:cs typeface="+mn-cs"/>
-            </a:endParaRPr>
+              <a:t>propaga o erro da saída para as camadas anteriores através da regra da cadeia</a:t>
+            </a:r>
+            <a:r>
+              <a:rPr lang="pt-BR" dirty="0" smtClean="0"/>
+              <a:t>.</a:t>
+            </a:r>
+            <a:endParaRPr lang="pt-BR" dirty="0"/>
+          </a:p>
+          <a:p>
+            <a:endParaRPr lang="pt-BR" dirty="0"/>
+          </a:p>
+          <a:p>
+            <a:endParaRPr lang="pt-BR" dirty="0"/>
           </a:p>
           <a:p>
             <a:r>
               <a:rPr lang="pt-BR" dirty="0"/>
-              <a:t>o gradiente é multiplicado várias vezes com o algoritmo da </a:t>
-            </a:r>
-            <a:r>
-              <a:rPr lang="pt-BR" b="1" i="1" dirty="0"/>
-              <a:t>retropropagação</a:t>
-            </a:r>
+              <a:t>Referências:</a:t>
+            </a:r>
+          </a:p>
+          <a:p>
             <a:r>
               <a:rPr lang="pt-BR" dirty="0"/>
-              <a:t>, o que faz com que o gradiente se torne menor para as camadas inferiores, levando a uma mudança muito pequena ou até mesmo nenhuma mudança nos pesos das camadas inferiores</a:t>
-            </a:r>
-            <a:r>
-              <a:rPr lang="pt-BR" sz="1200" b="0" i="0" kern="1200" dirty="0">
-                <a:solidFill>
-                  <a:schemeClr val="tx1"/>
-                </a:solidFill>
-                <a:effectLst/>
-                <a:latin typeface="+mn-lt"/>
-                <a:ea typeface="+mn-ea"/>
-                <a:cs typeface="+mn-cs"/>
-              </a:rPr>
-              <a:t>endem muito mais lentamente que os neurônios nas camadas posteriores.</a:t>
-            </a:r>
-            <a:endParaRPr lang="pt-BR" dirty="0"/>
+              <a:t>[1] https://www.kaggle.com/getting-started/118228</a:t>
+            </a:r>
+          </a:p>
+          <a:p>
+            <a:r>
+              <a:rPr lang="pt-BR" dirty="0"/>
+              <a:t>[2] https://medium.com/analytics-vidhya/how-batch-normalization-and-relu-solve-vanishing-gradients-3f1a8ace1c88</a:t>
+            </a:r>
           </a:p>
         </p:txBody>
       </p:sp>
@@ -4174,7 +4263,7 @@
           <a:p>
             <a:fld id="{F430A2A4-8C14-4B1A-AD48-7B6401078BF7}" type="slidenum">
               <a:rPr lang="pt-BR" smtClean="0"/>
-              <a:t>11</a:t>
+              <a:t>10</a:t>
             </a:fld>
             <a:endParaRPr lang="pt-BR"/>
           </a:p>
@@ -4183,7 +4272,7 @@
     </p:spTree>
     <p:extLst>
       <p:ext uri="{BB962C8B-B14F-4D97-AF65-F5344CB8AC3E}">
-        <p14:creationId xmlns:p14="http://schemas.microsoft.com/office/powerpoint/2010/main" val="522192254"/>
+        <p14:creationId xmlns:p14="http://schemas.microsoft.com/office/powerpoint/2010/main" val="892391279"/>
       </p:ext>
     </p:extLst>
   </p:cSld>
@@ -4324,7 +4413,7 @@
           <a:p>
             <a:fld id="{221D0464-8C8A-49C0-859F-777E51766A35}" type="datetimeFigureOut">
               <a:rPr lang="pt-BR" smtClean="0"/>
-              <a:t>13/05/2022</a:t>
+              <a:t>21/10/2022</a:t>
             </a:fld>
             <a:endParaRPr lang="pt-BR"/>
           </a:p>
@@ -4494,7 +4583,7 @@
           <a:p>
             <a:fld id="{221D0464-8C8A-49C0-859F-777E51766A35}" type="datetimeFigureOut">
               <a:rPr lang="pt-BR" smtClean="0"/>
-              <a:t>13/05/2022</a:t>
+              <a:t>21/10/2022</a:t>
             </a:fld>
             <a:endParaRPr lang="pt-BR"/>
           </a:p>
@@ -4674,7 +4763,7 @@
           <a:p>
             <a:fld id="{221D0464-8C8A-49C0-859F-777E51766A35}" type="datetimeFigureOut">
               <a:rPr lang="pt-BR" smtClean="0"/>
-              <a:t>13/05/2022</a:t>
+              <a:t>21/10/2022</a:t>
             </a:fld>
             <a:endParaRPr lang="pt-BR"/>
           </a:p>
@@ -4844,7 +4933,7 @@
           <a:p>
             <a:fld id="{221D0464-8C8A-49C0-859F-777E51766A35}" type="datetimeFigureOut">
               <a:rPr lang="pt-BR" smtClean="0"/>
-              <a:t>13/05/2022</a:t>
+              <a:t>21/10/2022</a:t>
             </a:fld>
             <a:endParaRPr lang="pt-BR"/>
           </a:p>
@@ -5090,7 +5179,7 @@
           <a:p>
             <a:fld id="{221D0464-8C8A-49C0-859F-777E51766A35}" type="datetimeFigureOut">
               <a:rPr lang="pt-BR" smtClean="0"/>
-              <a:t>13/05/2022</a:t>
+              <a:t>21/10/2022</a:t>
             </a:fld>
             <a:endParaRPr lang="pt-BR"/>
           </a:p>
@@ -5322,7 +5411,7 @@
           <a:p>
             <a:fld id="{221D0464-8C8A-49C0-859F-777E51766A35}" type="datetimeFigureOut">
               <a:rPr lang="pt-BR" smtClean="0"/>
-              <a:t>13/05/2022</a:t>
+              <a:t>21/10/2022</a:t>
             </a:fld>
             <a:endParaRPr lang="pt-BR"/>
           </a:p>
@@ -5689,7 +5778,7 @@
           <a:p>
             <a:fld id="{221D0464-8C8A-49C0-859F-777E51766A35}" type="datetimeFigureOut">
               <a:rPr lang="pt-BR" smtClean="0"/>
-              <a:t>13/05/2022</a:t>
+              <a:t>21/10/2022</a:t>
             </a:fld>
             <a:endParaRPr lang="pt-BR"/>
           </a:p>
@@ -5807,7 +5896,7 @@
           <a:p>
             <a:fld id="{221D0464-8C8A-49C0-859F-777E51766A35}" type="datetimeFigureOut">
               <a:rPr lang="pt-BR" smtClean="0"/>
-              <a:t>13/05/2022</a:t>
+              <a:t>21/10/2022</a:t>
             </a:fld>
             <a:endParaRPr lang="pt-BR"/>
           </a:p>
@@ -5902,7 +5991,7 @@
           <a:p>
             <a:fld id="{221D0464-8C8A-49C0-859F-777E51766A35}" type="datetimeFigureOut">
               <a:rPr lang="pt-BR" smtClean="0"/>
-              <a:t>13/05/2022</a:t>
+              <a:t>21/10/2022</a:t>
             </a:fld>
             <a:endParaRPr lang="pt-BR"/>
           </a:p>
@@ -6179,7 +6268,7 @@
           <a:p>
             <a:fld id="{221D0464-8C8A-49C0-859F-777E51766A35}" type="datetimeFigureOut">
               <a:rPr lang="pt-BR" smtClean="0"/>
-              <a:t>13/05/2022</a:t>
+              <a:t>21/10/2022</a:t>
             </a:fld>
             <a:endParaRPr lang="pt-BR"/>
           </a:p>
@@ -6432,7 +6521,7 @@
           <a:p>
             <a:fld id="{221D0464-8C8A-49C0-859F-777E51766A35}" type="datetimeFigureOut">
               <a:rPr lang="pt-BR" smtClean="0"/>
-              <a:t>13/05/2022</a:t>
+              <a:t>21/10/2022</a:t>
             </a:fld>
             <a:endParaRPr lang="pt-BR"/>
           </a:p>
@@ -6645,7 +6734,7 @@
           <a:p>
             <a:fld id="{221D0464-8C8A-49C0-859F-777E51766A35}" type="datetimeFigureOut">
               <a:rPr lang="pt-BR" smtClean="0"/>
-              <a:t>13/05/2022</a:t>
+              <a:t>21/10/2022</a:t>
             </a:fld>
             <a:endParaRPr lang="pt-BR"/>
           </a:p>
@@ -7055,7 +7144,7 @@
           <p:cNvPr id="2" name="Título 1">
             <a:extLst>
               <a:ext uri="{FF2B5EF4-FFF2-40B4-BE49-F238E27FC236}">
-                <a16:creationId xmlns="" xmlns:a16="http://schemas.microsoft.com/office/drawing/2014/main" id="{32666AC8-2E17-4DB4-B0F5-60C640CCFD2E}"/>
+                <a16:creationId xmlns:a16="http://schemas.microsoft.com/office/drawing/2014/main" xmlns="" id="{32666AC8-2E17-4DB4-B0F5-60C640CCFD2E}"/>
               </a:ext>
             </a:extLst>
           </p:cNvPr>
@@ -7101,7 +7190,7 @@
           <p:cNvPr id="4" name="CaixaDeTexto 3">
             <a:extLst>
               <a:ext uri="{FF2B5EF4-FFF2-40B4-BE49-F238E27FC236}">
-                <a16:creationId xmlns="" xmlns:a16="http://schemas.microsoft.com/office/drawing/2014/main" id="{430EB894-B7D4-434C-9D1A-A14094D9BEEC}"/>
+                <a16:creationId xmlns:a16="http://schemas.microsoft.com/office/drawing/2014/main" xmlns="" id="{430EB894-B7D4-434C-9D1A-A14094D9BEEC}"/>
               </a:ext>
             </a:extLst>
           </p:cNvPr>
@@ -7142,7 +7231,7 @@
           <p:cNvPr id="1026" name="Picture 2" descr="Logo">
             <a:extLst>
               <a:ext uri="{FF2B5EF4-FFF2-40B4-BE49-F238E27FC236}">
-                <a16:creationId xmlns="" xmlns:a16="http://schemas.microsoft.com/office/drawing/2014/main" id="{3F2642E0-4F6A-4196-8F58-E77D36E9A33F}"/>
+                <a16:creationId xmlns:a16="http://schemas.microsoft.com/office/drawing/2014/main" xmlns="" id="{3F2642E0-4F6A-4196-8F58-E77D36E9A33F}"/>
               </a:ext>
             </a:extLst>
           </p:cNvPr>
@@ -7187,7 +7276,7 @@
           <p:cNvPr id="5122" name="Picture 2" descr="Image result for machine learning">
             <a:extLst>
               <a:ext uri="{FF2B5EF4-FFF2-40B4-BE49-F238E27FC236}">
-                <a16:creationId xmlns="" xmlns:a16="http://schemas.microsoft.com/office/drawing/2014/main" id="{810CE0A2-4102-44A6-A370-175E7896CDCB}"/>
+                <a16:creationId xmlns:a16="http://schemas.microsoft.com/office/drawing/2014/main" xmlns="" id="{810CE0A2-4102-44A6-A370-175E7896CDCB}"/>
               </a:ext>
             </a:extLst>
           </p:cNvPr>
@@ -7292,12 +7381,12 @@
         <p:spPr>
           <a:xfrm>
             <a:off x="838200" y="1825624"/>
-            <a:ext cx="11112500" cy="2480905"/>
+            <a:ext cx="11112500" cy="2832101"/>
           </a:xfrm>
         </p:spPr>
         <p:txBody>
           <a:bodyPr>
-            <a:normAutofit fontScale="92500" lnSpcReduction="10000"/>
+            <a:normAutofit fontScale="92500" lnSpcReduction="20000"/>
           </a:bodyPr>
           <a:lstStyle/>
           <a:p>
@@ -7315,7 +7404,15 @@
             </a:r>
             <a:r>
               <a:rPr lang="pt-BR" b="1" i="1" dirty="0"/>
-              <a:t>métodos de aprendizado baseados em informações do gradiente</a:t>
+              <a:t>métodos de aprendizado baseados </a:t>
+            </a:r>
+            <a:r>
+              <a:rPr lang="pt-BR" b="1" i="1" dirty="0" smtClean="0"/>
+              <a:t>no </a:t>
+            </a:r>
+            <a:r>
+              <a:rPr lang="pt-BR" b="1" i="1" dirty="0"/>
+              <a:t>gradiente</a:t>
             </a:r>
             <a:r>
               <a:rPr lang="pt-BR" dirty="0"/>
@@ -7337,11 +7434,19 @@
             </a:r>
             <a:r>
               <a:rPr lang="pt-BR" b="1" i="1" dirty="0"/>
-              <a:t>algoritmo de retropropagação </a:t>
+              <a:t>algoritmo de </a:t>
+            </a:r>
+            <a:r>
+              <a:rPr lang="pt-BR" b="1" i="1" dirty="0" err="1" smtClean="0"/>
+              <a:t>retropropagação</a:t>
+            </a:r>
+            <a:r>
+              <a:rPr lang="pt-BR" dirty="0" smtClean="0"/>
+              <a:t>, que é usado </a:t>
             </a:r>
             <a:r>
               <a:rPr lang="pt-BR" dirty="0"/>
-              <a:t>usado para treinar a rede neural.</a:t>
+              <a:t>para treinar a rede neural.</a:t>
             </a:r>
           </a:p>
           <a:p>
@@ -7350,17 +7455,56 @@
               <a:buChar char="§"/>
             </a:pPr>
             <a:r>
+              <a:rPr lang="pt-BR" dirty="0" smtClean="0"/>
+              <a:t>Para </a:t>
+            </a:r>
+            <a:r>
               <a:rPr lang="pt-BR" dirty="0"/>
-              <a:t>Ele propaga o erro da saída para as camadas anteriores através da </a:t>
+              <a:t>atualizar os </a:t>
+            </a:r>
+            <a:r>
+              <a:rPr lang="pt-BR" dirty="0"/>
+              <a:t>pesos </a:t>
+            </a:r>
+            <a:r>
+              <a:rPr lang="pt-BR" dirty="0"/>
+              <a:t>de nós </a:t>
+            </a:r>
+            <a:r>
+              <a:rPr lang="pt-BR" dirty="0" smtClean="0"/>
+              <a:t>das </a:t>
+            </a:r>
+            <a:r>
+              <a:rPr lang="pt-BR" dirty="0"/>
+              <a:t>camadas ocultas, calcula-se a derivada do erro de saída em relação àquele peso e, para isso, usamos a </a:t>
             </a:r>
             <a:r>
               <a:rPr lang="pt-BR" b="1" i="1" dirty="0"/>
               <a:t>regra da cadeia</a:t>
             </a:r>
             <a:r>
-              <a:rPr lang="pt-BR" dirty="0"/>
+              <a:rPr lang="pt-BR" dirty="0" smtClean="0"/>
               <a:t>.</a:t>
             </a:r>
+          </a:p>
+          <a:p>
+            <a:pPr lvl="1">
+              <a:buFont typeface="Wingdings" panose="05000000000000000000" pitchFamily="2" charset="2"/>
+              <a:buChar char="§"/>
+            </a:pPr>
+            <a:r>
+              <a:rPr lang="pt-BR" dirty="0" smtClean="0"/>
+              <a:t>Ou seja, o algoritmo </a:t>
+            </a:r>
+            <a:r>
+              <a:rPr lang="pt-BR" b="1" i="1" dirty="0" smtClean="0"/>
+              <a:t>propaga o erro de saída para as camadas ocultas </a:t>
+            </a:r>
+            <a:r>
+              <a:rPr lang="pt-BR" dirty="0" smtClean="0"/>
+              <a:t>usando a regra da cadeia.</a:t>
+            </a:r>
+            <a:endParaRPr lang="pt-BR" dirty="0"/>
           </a:p>
         </p:txBody>
       </p:sp>
@@ -7373,7 +7517,7 @@
           <p:nvPr/>
         </p:nvPicPr>
         <p:blipFill>
-          <a:blip r:embed="rId3">
+          <a:blip r:embed="rId3" cstate="print">
             <a:extLst>
               <a:ext uri="{28A0092B-C50C-407E-A947-70E740481C1C}">
                 <a14:useLocalDpi xmlns:a14="http://schemas.microsoft.com/office/drawing/2010/main" val="0"/>
@@ -7386,8 +7530,8 @@
         </p:blipFill>
         <p:spPr>
           <a:xfrm>
-            <a:off x="2812764" y="4281140"/>
-            <a:ext cx="7163371" cy="2523991"/>
+            <a:off x="2747525" y="4314826"/>
+            <a:ext cx="7028586" cy="2476500"/>
           </a:xfrm>
           <a:prstGeom prst="rect">
             <a:avLst/>
@@ -7446,8 +7590,8 @@
           </a:p>
         </p:txBody>
       </p:sp>
-      <mc:AlternateContent xmlns:mc="http://schemas.openxmlformats.org/markup-compatibility/2006" xmlns:a14="http://schemas.microsoft.com/office/drawing/2010/main">
-        <mc:Choice Requires="a14">
+      <mc:AlternateContent xmlns:mc="http://schemas.openxmlformats.org/markup-compatibility/2006">
+        <mc:Choice xmlns:a14="http://schemas.microsoft.com/office/drawing/2010/main" Requires="a14">
           <p:sp>
             <p:nvSpPr>
               <p:cNvPr id="3" name="Content Placeholder 2"/>
@@ -7461,12 +7605,12 @@
             <p:spPr>
               <a:xfrm>
                 <a:off x="838200" y="1825624"/>
-                <a:ext cx="10832690" cy="5032375"/>
+                <a:ext cx="11010900" cy="5032375"/>
               </a:xfrm>
             </p:spPr>
             <p:txBody>
               <a:bodyPr>
-                <a:normAutofit lnSpcReduction="10000"/>
+                <a:normAutofit/>
               </a:bodyPr>
               <a:lstStyle/>
               <a:p>
@@ -7518,7 +7662,15 @@
                 </a:r>
                 <a:r>
                   <a:rPr lang="pt-BR" dirty="0"/>
-                  <a:t>calcula os gradientes das camadas anteriores à camada de saída através do uso da </a:t>
+                  <a:t>calcula os gradientes das camadas </a:t>
+                </a:r>
+                <a:r>
+                  <a:rPr lang="pt-BR" dirty="0" smtClean="0"/>
+                  <a:t>ocultas através </a:t>
+                </a:r>
+                <a:r>
+                  <a:rPr lang="pt-BR" dirty="0"/>
+                  <a:t>do uso da </a:t>
                 </a:r>
                 <a:r>
                   <a:rPr lang="pt-BR" b="1" i="1" dirty="0"/>
@@ -7924,13 +8076,29 @@
               <a:p>
                 <a:r>
                   <a:rPr lang="pt-BR" dirty="0"/>
-                  <a:t>Em outras palavras, devido à regra da cadeia, o gradiente para a atualização dos pesos de uma dada camada da rede neural contém, além de outros termos, o produto das derivadas das funções de ativação desde a camada de saída até a camada desejada.</a:t>
+                  <a:t>Em outras palavras, devido à regra da cadeia, o gradiente para a atualização dos pesos de uma dada camada da rede neural </a:t>
+                </a:r>
+                <a:r>
+                  <a:rPr lang="pt-BR" b="1" i="1" dirty="0"/>
+                  <a:t>contém</a:t>
+                </a:r>
+                <a:r>
+                  <a:rPr lang="pt-BR" dirty="0"/>
+                  <a:t>, além de outros termos, </a:t>
+                </a:r>
+                <a:r>
+                  <a:rPr lang="pt-BR" b="1" i="1" dirty="0"/>
+                  <a:t>o produto das derivadas das funções de ativação desde a camada de saída até a camada desejada</a:t>
+                </a:r>
+                <a:r>
+                  <a:rPr lang="pt-BR" dirty="0"/>
+                  <a:t>.</a:t>
                 </a:r>
               </a:p>
             </p:txBody>
           </p:sp>
         </mc:Choice>
-        <mc:Fallback xmlns="">
+        <mc:Fallback>
           <p:sp>
             <p:nvSpPr>
               <p:cNvPr id="3" name="Content Placeholder 2"/>
@@ -7944,12 +8112,12 @@
             <p:spPr>
               <a:xfrm>
                 <a:off x="838200" y="1825624"/>
-                <a:ext cx="10832690" cy="5032375"/>
+                <a:ext cx="11010900" cy="5032375"/>
               </a:xfrm>
               <a:blipFill rotWithShape="0">
                 <a:blip r:embed="rId3"/>
                 <a:stretch>
-                  <a:fillRect l="-1013" t="-2663" r="-1238" b="-2179"/>
+                  <a:fillRect l="-997" t="-1937" r="-1218"/>
                 </a:stretch>
               </a:blipFill>
             </p:spPr>
@@ -8221,7 +8389,7 @@
           <p:cNvPr id="2" name="Título 1">
             <a:extLst>
               <a:ext uri="{FF2B5EF4-FFF2-40B4-BE49-F238E27FC236}">
-                <a16:creationId xmlns="" xmlns:a16="http://schemas.microsoft.com/office/drawing/2014/main" id="{4E991379-1C4F-4AB9-BB38-83C7CC20155D}"/>
+                <a16:creationId xmlns:a16="http://schemas.microsoft.com/office/drawing/2014/main" xmlns="" id="{4E991379-1C4F-4AB9-BB38-83C7CC20155D}"/>
               </a:ext>
             </a:extLst>
           </p:cNvPr>
@@ -8268,7 +8436,7 @@
               <p:cNvPr id="3" name="Espaço Reservado para Conteúdo 2">
                 <a:extLst>
                   <a:ext uri="{FF2B5EF4-FFF2-40B4-BE49-F238E27FC236}">
-                    <a16:creationId xmlns="" xmlns:a16="http://schemas.microsoft.com/office/drawing/2014/main" id="{68DBA540-3B58-4BC7-B375-23ABBBC057D3}"/>
+                    <a16:creationId xmlns:a16="http://schemas.microsoft.com/office/drawing/2014/main" xmlns="" id="{68DBA540-3B58-4BC7-B375-23ABBBC057D3}"/>
                   </a:ext>
                 </a:extLst>
               </p:cNvPr>
@@ -10220,7 +10388,7 @@
           <p:cNvPr id="4" name="Agrupar 3">
             <a:extLst>
               <a:ext uri="{FF2B5EF4-FFF2-40B4-BE49-F238E27FC236}">
-                <a16:creationId xmlns="" xmlns:a16="http://schemas.microsoft.com/office/drawing/2014/main" id="{DDA32F11-9374-4C54-ABCD-0438654B8E82}"/>
+                <a16:creationId xmlns:a16="http://schemas.microsoft.com/office/drawing/2014/main" xmlns="" id="{DDA32F11-9374-4C54-ABCD-0438654B8E82}"/>
               </a:ext>
             </a:extLst>
           </p:cNvPr>
@@ -10240,7 +10408,7 @@
             <p:cNvPr id="5" name="Elipse 4">
               <a:extLst>
                 <a:ext uri="{FF2B5EF4-FFF2-40B4-BE49-F238E27FC236}">
-                  <a16:creationId xmlns="" xmlns:a16="http://schemas.microsoft.com/office/drawing/2014/main" id="{F8EDC3E8-17CE-4493-9271-98A945347FBE}"/>
+                  <a16:creationId xmlns:a16="http://schemas.microsoft.com/office/drawing/2014/main" xmlns="" id="{F8EDC3E8-17CE-4493-9271-98A945347FBE}"/>
                 </a:ext>
               </a:extLst>
             </p:cNvPr>
@@ -10293,7 +10461,7 @@
             <p:cNvPr id="6" name="Elipse 5">
               <a:extLst>
                 <a:ext uri="{FF2B5EF4-FFF2-40B4-BE49-F238E27FC236}">
-                  <a16:creationId xmlns="" xmlns:a16="http://schemas.microsoft.com/office/drawing/2014/main" id="{36E0141A-9275-43DA-B6B6-60E88BED5AD5}"/>
+                  <a16:creationId xmlns:a16="http://schemas.microsoft.com/office/drawing/2014/main" xmlns="" id="{36E0141A-9275-43DA-B6B6-60E88BED5AD5}"/>
                 </a:ext>
               </a:extLst>
             </p:cNvPr>
@@ -10346,7 +10514,7 @@
             <p:cNvPr id="7" name="Conector de seta reta 10">
               <a:extLst>
                 <a:ext uri="{FF2B5EF4-FFF2-40B4-BE49-F238E27FC236}">
-                  <a16:creationId xmlns="" xmlns:a16="http://schemas.microsoft.com/office/drawing/2014/main" id="{04E870F7-1DE5-4241-8990-14C74A492B08}"/>
+                  <a16:creationId xmlns:a16="http://schemas.microsoft.com/office/drawing/2014/main" xmlns="" id="{04E870F7-1DE5-4241-8990-14C74A492B08}"/>
                 </a:ext>
               </a:extLst>
             </p:cNvPr>
@@ -10390,7 +10558,7 @@
             <p:cNvPr id="8" name="Retângulo 7">
               <a:extLst>
                 <a:ext uri="{FF2B5EF4-FFF2-40B4-BE49-F238E27FC236}">
-                  <a16:creationId xmlns="" xmlns:a16="http://schemas.microsoft.com/office/drawing/2014/main" id="{BE31B3DC-1229-48D6-9A56-590F8FAD4CE1}"/>
+                  <a16:creationId xmlns:a16="http://schemas.microsoft.com/office/drawing/2014/main" xmlns="" id="{BE31B3DC-1229-48D6-9A56-590F8FAD4CE1}"/>
                 </a:ext>
               </a:extLst>
             </p:cNvPr>
@@ -10444,7 +10612,7 @@
             <p:cNvPr id="9" name="Conector de seta reta 15">
               <a:extLst>
                 <a:ext uri="{FF2B5EF4-FFF2-40B4-BE49-F238E27FC236}">
-                  <a16:creationId xmlns="" xmlns:a16="http://schemas.microsoft.com/office/drawing/2014/main" id="{2FD2427F-A5C3-4856-8D64-557FA8713A40}"/>
+                  <a16:creationId xmlns:a16="http://schemas.microsoft.com/office/drawing/2014/main" xmlns="" id="{2FD2427F-A5C3-4856-8D64-557FA8713A40}"/>
                 </a:ext>
               </a:extLst>
             </p:cNvPr>
@@ -10491,7 +10659,7 @@
                 <p:cNvPr id="10" name="CaixaDeTexto 9">
                   <a:extLst>
                     <a:ext uri="{FF2B5EF4-FFF2-40B4-BE49-F238E27FC236}">
-                      <a16:creationId xmlns="" xmlns:a16="http://schemas.microsoft.com/office/drawing/2014/main" id="{3463534E-1D58-4D6C-9ED5-2C2E4AA6B3A0}"/>
+                      <a16:creationId xmlns:a16="http://schemas.microsoft.com/office/drawing/2014/main" xmlns="" id="{3463534E-1D58-4D6C-9ED5-2C2E4AA6B3A0}"/>
                     </a:ext>
                   </a:extLst>
                 </p:cNvPr>
@@ -10587,7 +10755,7 @@
                 <p:cNvPr id="11" name="CaixaDeTexto 10">
                   <a:extLst>
                     <a:ext uri="{FF2B5EF4-FFF2-40B4-BE49-F238E27FC236}">
-                      <a16:creationId xmlns="" xmlns:a16="http://schemas.microsoft.com/office/drawing/2014/main" id="{76F6A577-C410-4C4B-A220-E160EE1322EC}"/>
+                      <a16:creationId xmlns:a16="http://schemas.microsoft.com/office/drawing/2014/main" xmlns="" id="{76F6A577-C410-4C4B-A220-E160EE1322EC}"/>
                     </a:ext>
                   </a:extLst>
                 </p:cNvPr>
@@ -10702,7 +10870,7 @@
                 <p:cNvPr id="12" name="CaixaDeTexto 11">
                   <a:extLst>
                     <a:ext uri="{FF2B5EF4-FFF2-40B4-BE49-F238E27FC236}">
-                      <a16:creationId xmlns="" xmlns:a16="http://schemas.microsoft.com/office/drawing/2014/main" id="{9046B972-AB0D-42CF-8F0B-04E856201DD0}"/>
+                      <a16:creationId xmlns:a16="http://schemas.microsoft.com/office/drawing/2014/main" xmlns="" id="{9046B972-AB0D-42CF-8F0B-04E856201DD0}"/>
                     </a:ext>
                   </a:extLst>
                 </p:cNvPr>
@@ -10808,7 +10976,7 @@
             <p:cNvPr id="13" name="Conector de seta reta 15">
               <a:extLst>
                 <a:ext uri="{FF2B5EF4-FFF2-40B4-BE49-F238E27FC236}">
-                  <a16:creationId xmlns="" xmlns:a16="http://schemas.microsoft.com/office/drawing/2014/main" id="{E1B54AD2-596A-4DDC-8D0D-A2CD4C086E1F}"/>
+                  <a16:creationId xmlns:a16="http://schemas.microsoft.com/office/drawing/2014/main" xmlns="" id="{E1B54AD2-596A-4DDC-8D0D-A2CD4C086E1F}"/>
                 </a:ext>
               </a:extLst>
             </p:cNvPr>
@@ -10852,7 +11020,7 @@
                 <p:cNvPr id="14" name="CaixaDeTexto 13">
                   <a:extLst>
                     <a:ext uri="{FF2B5EF4-FFF2-40B4-BE49-F238E27FC236}">
-                      <a16:creationId xmlns="" xmlns:a16="http://schemas.microsoft.com/office/drawing/2014/main" id="{74120AF5-A30A-40B3-AD02-AA0A766B82AD}"/>
+                      <a16:creationId xmlns:a16="http://schemas.microsoft.com/office/drawing/2014/main" xmlns="" id="{74120AF5-A30A-40B3-AD02-AA0A766B82AD}"/>
                     </a:ext>
                   </a:extLst>
                 </p:cNvPr>
@@ -10966,7 +11134,7 @@
           <p:cNvPr id="15" name="Elipse 14">
             <a:extLst>
               <a:ext uri="{FF2B5EF4-FFF2-40B4-BE49-F238E27FC236}">
-                <a16:creationId xmlns="" xmlns:a16="http://schemas.microsoft.com/office/drawing/2014/main" id="{E4EBB7CB-9B70-401A-B744-8CD1F89E3BB9}"/>
+                <a16:creationId xmlns:a16="http://schemas.microsoft.com/office/drawing/2014/main" xmlns="" id="{E4EBB7CB-9B70-401A-B744-8CD1F89E3BB9}"/>
               </a:ext>
             </a:extLst>
           </p:cNvPr>
@@ -11018,7 +11186,7 @@
           <p:cNvPr id="18" name="CaixaDeTexto 17">
             <a:extLst>
               <a:ext uri="{FF2B5EF4-FFF2-40B4-BE49-F238E27FC236}">
-                <a16:creationId xmlns="" xmlns:a16="http://schemas.microsoft.com/office/drawing/2014/main" id="{0DE351C4-0752-4411-9A3E-0EEE16B7BAF9}"/>
+                <a16:creationId xmlns:a16="http://schemas.microsoft.com/office/drawing/2014/main" xmlns="" id="{0DE351C4-0752-4411-9A3E-0EEE16B7BAF9}"/>
               </a:ext>
             </a:extLst>
           </p:cNvPr>
@@ -11074,7 +11242,7 @@
           <p:cNvPr id="20" name="Conector de Seta Reta 19">
             <a:extLst>
               <a:ext uri="{FF2B5EF4-FFF2-40B4-BE49-F238E27FC236}">
-                <a16:creationId xmlns="" xmlns:a16="http://schemas.microsoft.com/office/drawing/2014/main" id="{938A7AF6-E11B-41A9-AA12-497491ADD98E}"/>
+                <a16:creationId xmlns:a16="http://schemas.microsoft.com/office/drawing/2014/main" xmlns="" id="{938A7AF6-E11B-41A9-AA12-497491ADD98E}"/>
               </a:ext>
             </a:extLst>
           </p:cNvPr>
@@ -11115,7 +11283,7 @@
           <p:cNvPr id="22" name="Conector de Seta Reta 21">
             <a:extLst>
               <a:ext uri="{FF2B5EF4-FFF2-40B4-BE49-F238E27FC236}">
-                <a16:creationId xmlns="" xmlns:a16="http://schemas.microsoft.com/office/drawing/2014/main" id="{E10310FC-5CF6-4BC7-A656-570DA30A65D9}"/>
+                <a16:creationId xmlns:a16="http://schemas.microsoft.com/office/drawing/2014/main" xmlns="" id="{E10310FC-5CF6-4BC7-A656-570DA30A65D9}"/>
               </a:ext>
             </a:extLst>
           </p:cNvPr>
@@ -11157,7 +11325,7 @@
           <p:cNvPr id="24" name="Conector de Seta Reta 23">
             <a:extLst>
               <a:ext uri="{FF2B5EF4-FFF2-40B4-BE49-F238E27FC236}">
-                <a16:creationId xmlns="" xmlns:a16="http://schemas.microsoft.com/office/drawing/2014/main" id="{3FE3BC92-DCED-4F47-B961-CD529C513E92}"/>
+                <a16:creationId xmlns:a16="http://schemas.microsoft.com/office/drawing/2014/main" xmlns="" id="{3FE3BC92-DCED-4F47-B961-CD529C513E92}"/>
               </a:ext>
             </a:extLst>
           </p:cNvPr>
@@ -11198,7 +11366,7 @@
           <p:cNvPr id="26" name="Imagem 25">
             <a:extLst>
               <a:ext uri="{FF2B5EF4-FFF2-40B4-BE49-F238E27FC236}">
-                <a16:creationId xmlns="" xmlns:a16="http://schemas.microsoft.com/office/drawing/2014/main" id="{63AECB77-C03B-47D6-9FCF-1CB34C247480}"/>
+                <a16:creationId xmlns:a16="http://schemas.microsoft.com/office/drawing/2014/main" xmlns="" id="{63AECB77-C03B-47D6-9FCF-1CB34C247480}"/>
               </a:ext>
             </a:extLst>
           </p:cNvPr>
@@ -11228,7 +11396,7 @@
           <p:cNvPr id="27" name="Seta: para Baixo 26">
             <a:extLst>
               <a:ext uri="{FF2B5EF4-FFF2-40B4-BE49-F238E27FC236}">
-                <a16:creationId xmlns="" xmlns:a16="http://schemas.microsoft.com/office/drawing/2014/main" id="{F17E8019-DA59-4DA6-AC72-A647F45BB806}"/>
+                <a16:creationId xmlns:a16="http://schemas.microsoft.com/office/drawing/2014/main" xmlns="" id="{F17E8019-DA59-4DA6-AC72-A647F45BB806}"/>
               </a:ext>
             </a:extLst>
           </p:cNvPr>
@@ -11274,7 +11442,7 @@
           <p:cNvPr id="41" name="Elipse 40">
             <a:extLst>
               <a:ext uri="{FF2B5EF4-FFF2-40B4-BE49-F238E27FC236}">
-                <a16:creationId xmlns="" xmlns:a16="http://schemas.microsoft.com/office/drawing/2014/main" id="{921DA05B-3836-445F-BC79-728E549B3546}"/>
+                <a16:creationId xmlns:a16="http://schemas.microsoft.com/office/drawing/2014/main" xmlns="" id="{921DA05B-3836-445F-BC79-728E549B3546}"/>
               </a:ext>
             </a:extLst>
           </p:cNvPr>
@@ -11326,7 +11494,7 @@
           <p:cNvPr id="42" name="Elipse 41">
             <a:extLst>
               <a:ext uri="{FF2B5EF4-FFF2-40B4-BE49-F238E27FC236}">
-                <a16:creationId xmlns="" xmlns:a16="http://schemas.microsoft.com/office/drawing/2014/main" id="{B941F51B-31BC-4A18-8D32-EC0300AE86DD}"/>
+                <a16:creationId xmlns:a16="http://schemas.microsoft.com/office/drawing/2014/main" xmlns="" id="{B941F51B-31BC-4A18-8D32-EC0300AE86DD}"/>
               </a:ext>
             </a:extLst>
           </p:cNvPr>
@@ -13020,8 +13188,8 @@
           </a:p>
         </p:txBody>
       </p:sp>
-      <mc:AlternateContent xmlns:mc="http://schemas.openxmlformats.org/markup-compatibility/2006">
-        <mc:Choice xmlns:a14="http://schemas.microsoft.com/office/drawing/2010/main" Requires="a14">
+      <mc:AlternateContent xmlns:mc="http://schemas.openxmlformats.org/markup-compatibility/2006" xmlns:a14="http://schemas.microsoft.com/office/drawing/2010/main">
+        <mc:Choice Requires="a14">
           <p:sp>
             <p:nvSpPr>
               <p:cNvPr id="5" name="Content Placeholder 4"/>
@@ -13583,7 +13751,7 @@
             </p:txBody>
           </p:sp>
         </mc:Choice>
-        <mc:Fallback>
+        <mc:Fallback xmlns="">
           <p:sp>
             <p:nvSpPr>
               <p:cNvPr id="5" name="Content Placeholder 4"/>
@@ -15400,7 +15568,7 @@
           <p:cNvPr id="4" name="Título 1">
             <a:extLst>
               <a:ext uri="{FF2B5EF4-FFF2-40B4-BE49-F238E27FC236}">
-                <a16:creationId xmlns="" xmlns:a16="http://schemas.microsoft.com/office/drawing/2014/main" id="{32666AC8-2E17-4DB4-B0F5-60C640CCFD2E}"/>
+                <a16:creationId xmlns:a16="http://schemas.microsoft.com/office/drawing/2014/main" xmlns="" id="{32666AC8-2E17-4DB4-B0F5-60C640CCFD2E}"/>
               </a:ext>
             </a:extLst>
           </p:cNvPr>
@@ -15759,7 +15927,7 @@
           <p:cNvPr id="4" name="Título 1">
             <a:extLst>
               <a:ext uri="{FF2B5EF4-FFF2-40B4-BE49-F238E27FC236}">
-                <a16:creationId xmlns="" xmlns:a16="http://schemas.microsoft.com/office/drawing/2014/main" id="{32666AC8-2E17-4DB4-B0F5-60C640CCFD2E}"/>
+                <a16:creationId xmlns:a16="http://schemas.microsoft.com/office/drawing/2014/main" xmlns="" id="{32666AC8-2E17-4DB4-B0F5-60C640CCFD2E}"/>
               </a:ext>
             </a:extLst>
           </p:cNvPr>
@@ -17430,11 +17598,11 @@
           <a:p>
             <a:r>
               <a:rPr lang="pt-BR" dirty="0"/>
-              <a:t>As propriedades da </a:t>
+              <a:t>As </a:t>
             </a:r>
             <a:r>
               <a:rPr lang="pt-BR" b="1" i="1" dirty="0"/>
-              <a:t>rede neural </a:t>
+              <a:t>propriedades da rede neural </a:t>
             </a:r>
             <a:r>
               <a:rPr lang="pt-BR" dirty="0"/>
@@ -17446,11 +17614,11 @@
             </a:r>
             <a:r>
               <a:rPr lang="pt-BR" dirty="0"/>
-              <a:t> e pelas propriedades dos </a:t>
+              <a:t> e pelas </a:t>
             </a:r>
             <a:r>
               <a:rPr lang="pt-BR" b="1" i="1" dirty="0"/>
-              <a:t>neurônios</a:t>
+              <a:t>propriedades dos neurônios</a:t>
             </a:r>
             <a:r>
               <a:rPr lang="pt-BR" dirty="0"/>
@@ -17460,7 +17628,23 @@
           <a:p>
             <a:r>
               <a:rPr lang="pt-BR" dirty="0"/>
-              <a:t>Algumas das limitações dos </a:t>
+              <a:t>Algumas das </a:t>
+            </a:r>
+            <a:r>
+              <a:rPr lang="pt-BR" b="1" i="1" dirty="0"/>
+              <a:t>limitações dos perceptrons</a:t>
+            </a:r>
+            <a:r>
+              <a:rPr lang="pt-BR" dirty="0"/>
+              <a:t> (e.g., classificação apenas de classes linearmente separáveis) podem ser </a:t>
+            </a:r>
+            <a:r>
+              <a:rPr lang="pt-BR" b="1" i="1" dirty="0"/>
+              <a:t>eliminadas adicionando-se camadas intermediárias</a:t>
+            </a:r>
+            <a:r>
+              <a:rPr lang="pt-BR" dirty="0"/>
+              <a:t> (também chamadas de ocultas ou escondidas) de </a:t>
             </a:r>
             <a:r>
               <a:rPr lang="pt-BR" b="1" i="1" dirty="0"/>
@@ -17468,14 +17652,6 @@
             </a:r>
             <a:r>
               <a:rPr lang="pt-BR" dirty="0"/>
-              <a:t> (e.g., classificação apenas de classes linearmente separáveis) podem ser eliminadas adicionando-se camadas intermediárias (também chamadas de ocultas ou escondidas) de </a:t>
-            </a:r>
-            <a:r>
-              <a:rPr lang="pt-BR" b="1" i="1" dirty="0"/>
-              <a:t>perceptrons</a:t>
-            </a:r>
-            <a:r>
-              <a:rPr lang="pt-BR" dirty="0"/>
               <a:t>. </a:t>
             </a:r>
           </a:p>
@@ -17490,7 +17666,15 @@
             </a:r>
             <a:r>
               <a:rPr lang="pt-BR" dirty="0"/>
-              <a:t> (em inglês, </a:t>
+              <a:t> </a:t>
+            </a:r>
+            <a:r>
+              <a:rPr lang="pt-BR" dirty="0" smtClean="0"/>
+              <a:t>(do inglês</a:t>
+            </a:r>
+            <a:r>
+              <a:rPr lang="pt-BR" dirty="0"/>
+              <a:t>, </a:t>
             </a:r>
             <a:r>
               <a:rPr lang="pt-BR" i="1" dirty="0"/>
@@ -17594,11 +17778,11 @@
             <a:pPr algn="ctr"/>
             <a:r>
               <a:rPr lang="pt-BR" sz="1400" b="1" dirty="0"/>
-              <a:t>OBS.</a:t>
+              <a:t>OBS</a:t>
             </a:r>
             <a:r>
               <a:rPr lang="pt-BR" sz="1400" dirty="0"/>
-              <a:t>: Neurônios também são chamados de </a:t>
+              <a:t>.: Neurônios também são chamados de </a:t>
             </a:r>
             <a:r>
               <a:rPr lang="pt-BR" sz="1400" b="1" i="1" dirty="0"/>
@@ -17688,25 +17872,19 @@
         </p:nvSpPr>
         <p:spPr>
           <a:xfrm>
-            <a:off x="838200" y="1778614"/>
-            <a:ext cx="6387656" cy="5079386"/>
+            <a:off x="838199" y="1778614"/>
+            <a:ext cx="6981825" cy="5079386"/>
           </a:xfrm>
         </p:spPr>
         <p:txBody>
           <a:bodyPr>
-            <a:normAutofit/>
+            <a:normAutofit fontScale="92500" lnSpcReduction="10000"/>
           </a:bodyPr>
           <a:lstStyle/>
           <a:p>
             <a:r>
-              <a:rPr lang="pt-BR" dirty="0"/>
-              <a:t>Um exemplo de rede MLP com duas camadas intermediárias é mostrado na figura ao lado.</a:t>
-            </a:r>
-          </a:p>
-          <a:p>
-            <a:r>
-              <a:rPr lang="pt-BR" dirty="0"/>
-              <a:t>As RNAs são o coração do Deep Learning. </a:t>
+              <a:rPr lang="pt-BR" dirty="0" smtClean="0"/>
+              <a:t>Uma rede MLP é sempre densamente conectada.</a:t>
             </a:r>
           </a:p>
           <a:p>
@@ -17715,8 +17893,59 @@
               <a:buChar char="§"/>
             </a:pPr>
             <a:r>
+              <a:rPr lang="pt-BR" dirty="0" smtClean="0"/>
+              <a:t>Cada </a:t>
+            </a:r>
+            <a:r>
               <a:rPr lang="pt-BR" dirty="0"/>
-              <a:t>Quando uma RNA tem duas ou mais camadas escondidas, ela é chamada de </a:t>
+              <a:t>nó em uma camada se conecta a cada nó na camada </a:t>
+            </a:r>
+            <a:r>
+              <a:rPr lang="pt-BR" dirty="0" smtClean="0"/>
+              <a:t>seguinte através de um peso sináptico.</a:t>
+            </a:r>
+            <a:endParaRPr lang="pt-BR" dirty="0" smtClean="0"/>
+          </a:p>
+          <a:p>
+            <a:r>
+              <a:rPr lang="pt-BR" dirty="0" smtClean="0"/>
+              <a:t>Um </a:t>
+            </a:r>
+            <a:r>
+              <a:rPr lang="pt-BR" dirty="0"/>
+              <a:t>exemplo de rede </a:t>
+            </a:r>
+            <a:r>
+              <a:rPr lang="pt-BR" b="1" i="1" dirty="0"/>
+              <a:t>MLP com duas camadas intermediárias</a:t>
+            </a:r>
+            <a:r>
+              <a:rPr lang="pt-BR" dirty="0"/>
+              <a:t> é mostrado na figura ao lado.</a:t>
+            </a:r>
+          </a:p>
+          <a:p>
+            <a:r>
+              <a:rPr lang="pt-BR" dirty="0"/>
+              <a:t>As RNAs são o coração do Deep Learning. </a:t>
+            </a:r>
+          </a:p>
+          <a:p>
+            <a:pPr lvl="1">
+              <a:buFont typeface="Wingdings" panose="05000000000000000000" pitchFamily="2" charset="2"/>
+              <a:buChar char="§"/>
+            </a:pPr>
+            <a:r>
+              <a:rPr lang="pt-BR" dirty="0"/>
+              <a:t>Quando uma RNA tem </a:t>
+            </a:r>
+            <a:r>
+              <a:rPr lang="pt-BR" dirty="0" smtClean="0"/>
+              <a:t>duas ou </a:t>
+            </a:r>
+            <a:r>
+              <a:rPr lang="pt-BR" dirty="0"/>
+              <a:t>mais camadas escondidas, ela é chamada de </a:t>
             </a:r>
             <a:r>
               <a:rPr lang="pt-BR" b="1" i="1" dirty="0"/>
@@ -17742,7 +17971,25 @@
             </a:r>
             <a:r>
               <a:rPr lang="pt-BR" dirty="0"/>
-              <a:t>.: Em particular, uma MLP pode resolver o problema do XOR (lembre-se que um único </a:t>
+              <a:t>.: Em particular, uma MLP pode resolver o problema do </a:t>
+            </a:r>
+            <a:r>
+              <a:rPr lang="pt-BR" dirty="0" smtClean="0"/>
+              <a:t>XOR.</a:t>
+            </a:r>
+          </a:p>
+          <a:p>
+            <a:pPr lvl="1">
+              <a:buFont typeface="Wingdings" panose="05000000000000000000" pitchFamily="2" charset="2"/>
+              <a:buChar char="§"/>
+            </a:pPr>
+            <a:r>
+              <a:rPr lang="pt-BR" dirty="0" smtClean="0"/>
+              <a:t>Lembrem-se </a:t>
+            </a:r>
+            <a:r>
+              <a:rPr lang="pt-BR" dirty="0"/>
+              <a:t>que um único </a:t>
             </a:r>
             <a:r>
               <a:rPr lang="pt-BR" b="1" i="1" dirty="0"/>
@@ -17750,8 +17997,13 @@
             </a:r>
             <a:r>
               <a:rPr lang="pt-BR" dirty="0"/>
-              <a:t> não é capaz de realizar essa tarefa).</a:t>
-            </a:r>
+              <a:t> não é capaz de realizar essa </a:t>
+            </a:r>
+            <a:r>
+              <a:rPr lang="pt-BR" dirty="0" smtClean="0"/>
+              <a:t>tarefa.</a:t>
+            </a:r>
+            <a:endParaRPr lang="pt-BR" dirty="0"/>
           </a:p>
         </p:txBody>
       </p:sp>
@@ -17777,7 +18029,7 @@
         </p:blipFill>
         <p:spPr>
           <a:xfrm>
-            <a:off x="7400018" y="1571967"/>
+            <a:off x="7733393" y="1571967"/>
             <a:ext cx="4188708" cy="3425908"/>
           </a:xfrm>
           <a:prstGeom prst="rect">
@@ -17793,7 +18045,7 @@
         </p:nvSpPr>
         <p:spPr>
           <a:xfrm>
-            <a:off x="8296323" y="1110302"/>
+            <a:off x="8629698" y="1110302"/>
             <a:ext cx="1877369" cy="461665"/>
           </a:xfrm>
           <a:prstGeom prst="rect">
@@ -17841,7 +18093,7 @@
         </p:blipFill>
         <p:spPr>
           <a:xfrm>
-            <a:off x="8296323" y="5363308"/>
+            <a:off x="8629698" y="5363308"/>
             <a:ext cx="2946903" cy="1344102"/>
           </a:xfrm>
           <a:prstGeom prst="rect">
@@ -17859,8 +18111,8 @@
         </p:nvCxnSpPr>
         <p:spPr>
           <a:xfrm>
-            <a:off x="6559062" y="5767754"/>
-            <a:ext cx="1737261" cy="267605"/>
+            <a:off x="7343775" y="5572125"/>
+            <a:ext cx="1285923" cy="463234"/>
           </a:xfrm>
           <a:prstGeom prst="straightConnector1">
             <a:avLst/>
@@ -18019,8 +18271,29 @@
             </a:pPr>
             <a:r>
               <a:rPr lang="pt-BR" dirty="0"/>
-              <a:t>Os mapeamentos são não-lineares devido às funções de ativação utilizadas não serem lineares.</a:t>
-            </a:r>
+              <a:t>Os mapeamentos são </a:t>
+            </a:r>
+            <a:r>
+              <a:rPr lang="pt-BR" b="1" i="1" dirty="0"/>
+              <a:t>não-lineares devido às funções de ativação </a:t>
+            </a:r>
+            <a:r>
+              <a:rPr lang="pt-BR" dirty="0"/>
+              <a:t>utilizadas não serem </a:t>
+            </a:r>
+            <a:r>
+              <a:rPr lang="pt-BR" dirty="0" smtClean="0"/>
+              <a:t>lineares, e.g</a:t>
+            </a:r>
+            <a:r>
+              <a:rPr lang="pt-BR" dirty="0" smtClean="0"/>
+              <a:t>., função logística, tangente hiperbólica, etc</a:t>
+            </a:r>
+            <a:r>
+              <a:rPr lang="pt-BR" dirty="0" smtClean="0"/>
+              <a:t>.</a:t>
+            </a:r>
+            <a:endParaRPr lang="pt-BR" dirty="0"/>
           </a:p>
           <a:p>
             <a:r>
@@ -18037,11 +18310,19 @@
             </a:r>
             <a:r>
               <a:rPr lang="pt-BR" b="1" i="1" dirty="0"/>
-              <a:t>camada de saída </a:t>
+              <a:t>camada de saída combinam a informação </a:t>
             </a:r>
             <a:r>
               <a:rPr lang="pt-BR" dirty="0"/>
-              <a:t>combinam a informação que lhes é oferecida pela última camada intermediária para formar as saídas.</a:t>
+              <a:t>que lhes é </a:t>
+            </a:r>
+            <a:r>
+              <a:rPr lang="pt-BR" b="1" i="1" dirty="0"/>
+              <a:t>oferecida pela última camada intermediária </a:t>
+            </a:r>
+            <a:r>
+              <a:rPr lang="pt-BR" dirty="0"/>
+              <a:t>para formar as saídas.</a:t>
             </a:r>
           </a:p>
           <a:p>
@@ -18136,8 +18417,8 @@
           </a:p>
         </p:txBody>
       </p:sp>
-      <mc:AlternateContent xmlns:mc="http://schemas.openxmlformats.org/markup-compatibility/2006" xmlns:a14="http://schemas.microsoft.com/office/drawing/2010/main">
-        <mc:Choice Requires="a14">
+      <mc:AlternateContent xmlns:mc="http://schemas.openxmlformats.org/markup-compatibility/2006">
+        <mc:Choice xmlns:a14="http://schemas.microsoft.com/office/drawing/2010/main" Requires="a14">
           <p:sp>
             <p:nvSpPr>
               <p:cNvPr id="3" name="Content Placeholder 2"/>
@@ -18151,7 +18432,7 @@
             <p:spPr>
               <a:xfrm>
                 <a:off x="838200" y="1825624"/>
-                <a:ext cx="7077075" cy="5032376"/>
+                <a:ext cx="7343775" cy="5032376"/>
               </a:xfrm>
             </p:spPr>
             <p:txBody>
@@ -18255,7 +18536,15 @@
                 </a14:m>
                 <a:r>
                   <a:rPr lang="pt-BR" dirty="0"/>
-                  <a:t> e serve para propagar o sinal de ativação do </a:t>
+                  <a:t> e serve para </a:t>
+                </a:r>
+                <a:r>
+                  <a:rPr lang="pt-BR" b="1" i="1" dirty="0"/>
+                  <a:t>propagar</a:t>
+                </a:r>
+                <a:r>
+                  <a:rPr lang="pt-BR" dirty="0"/>
+                  <a:t> o sinal de ativação do </a:t>
                 </a:r>
                 <a:r>
                   <a:rPr lang="pt-BR" b="1" i="1" dirty="0"/>
@@ -18384,7 +18673,15 @@
                 </a14:m>
                 <a:r>
                   <a:rPr lang="pt-BR" dirty="0"/>
-                  <a:t> sempre com valor igual a 1 e um peso associado </a:t>
+                  <a:t> </a:t>
+                </a:r>
+                <a:r>
+                  <a:rPr lang="pt-BR" dirty="0" smtClean="0"/>
+                  <a:t>(o atributo de bias) sempre </a:t>
+                </a:r>
+                <a:r>
+                  <a:rPr lang="pt-BR" dirty="0"/>
+                  <a:t>com valor igual a 1 e um peso associado </a:t>
                 </a:r>
                 <a14:m>
                   <m:oMath xmlns:m="http://schemas.openxmlformats.org/officeDocument/2006/math">
@@ -18423,11 +18720,26 @@
                 </a14:m>
                 <a:r>
                   <a:rPr lang="pt-BR" dirty="0"/>
-                  <a:t>. Ou seja, esta entrada não está conectada a nenhum outro </a:t>
+                  <a:t>. </a:t>
+                </a:r>
+                <a:endParaRPr lang="pt-BR" dirty="0" smtClean="0"/>
+              </a:p>
+              <a:p>
+                <a:pPr lvl="1">
+                  <a:buFont typeface="Wingdings" panose="05000000000000000000" pitchFamily="2" charset="2"/>
+                  <a:buChar char="§"/>
+                </a:pPr>
+                <a:r>
+                  <a:rPr lang="pt-BR" dirty="0" smtClean="0"/>
+                  <a:t>Ou </a:t>
+                </a:r>
+                <a:r>
+                  <a:rPr lang="pt-BR" dirty="0"/>
+                  <a:t>seja, esta entrada </a:t>
                 </a:r>
                 <a:r>
                   <a:rPr lang="pt-BR" b="1" i="1" dirty="0"/>
-                  <a:t>nó</a:t>
+                  <a:t>não está conectada a nenhum outro nó</a:t>
                 </a:r>
                 <a:r>
                   <a:rPr lang="pt-BR" dirty="0"/>
@@ -18459,7 +18771,15 @@
                 </a14:m>
                 <a:r>
                   <a:rPr lang="pt-BR" dirty="0"/>
-                  <a:t>, calcula a soma ponderada de suas entrada da seguinte forma</a:t>
+                  <a:t>, calcula a </a:t>
+                </a:r>
+                <a:r>
+                  <a:rPr lang="pt-BR" b="1" i="1" dirty="0"/>
+                  <a:t>soma ponderada </a:t>
+                </a:r>
+                <a:r>
+                  <a:rPr lang="pt-BR" dirty="0"/>
+                  <a:t>de suas entrada da seguinte forma</a:t>
                 </a:r>
               </a:p>
               <a:p>
@@ -18611,7 +18931,15 @@
                 </a:r>
                 <a:r>
                   <a:rPr lang="pt-BR" dirty="0"/>
-                  <a:t> (ou de limiar), </a:t>
+                  <a:t> </a:t>
+                </a:r>
+                <a:r>
+                  <a:rPr lang="pt-BR" dirty="0" smtClean="0"/>
+                  <a:t>(i.e., de limiar</a:t>
+                </a:r>
+                <a:r>
+                  <a:rPr lang="pt-BR" dirty="0"/>
+                  <a:t>), </a:t>
                 </a:r>
                 <a14:m>
                   <m:oMath xmlns:m="http://schemas.openxmlformats.org/officeDocument/2006/math">
@@ -18908,13 +19236,30 @@
               <a:p>
                 <a:r>
                   <a:rPr lang="pt-BR" dirty="0"/>
-                  <a:t>Cada camada da rede pode usar funções de ativação diferentes.</a:t>
-                </a:r>
+                  <a:t>Cada camada </a:t>
+                </a:r>
+                <a:r>
+                  <a:rPr lang="pt-BR" dirty="0" smtClean="0"/>
+                  <a:t>pode </a:t>
+                </a:r>
+                <a:r>
+                  <a:rPr lang="pt-BR" dirty="0"/>
+                  <a:t>usar funções de ativação </a:t>
+                </a:r>
+                <a:r>
+                  <a:rPr lang="pt-BR" dirty="0" smtClean="0"/>
+                  <a:t>diferentes, mas a mesma camada usa a </a:t>
+                </a:r>
+                <a:r>
+                  <a:rPr lang="pt-BR" dirty="0"/>
+                  <a:t>mesma função, em geral.</a:t>
+                </a:r>
+                <a:endParaRPr lang="pt-BR" dirty="0"/>
               </a:p>
             </p:txBody>
           </p:sp>
         </mc:Choice>
-        <mc:Fallback xmlns="">
+        <mc:Fallback>
           <p:sp>
             <p:nvSpPr>
               <p:cNvPr id="3" name="Content Placeholder 2"/>
@@ -18928,12 +19273,12 @@
             <p:spPr>
               <a:xfrm>
                 <a:off x="838200" y="1825624"/>
-                <a:ext cx="7077075" cy="5032376"/>
+                <a:ext cx="7343775" cy="5032376"/>
               </a:xfrm>
               <a:blipFill rotWithShape="0">
                 <a:blip r:embed="rId3"/>
                 <a:stretch>
-                  <a:fillRect l="-1034" t="-2300" r="-1983" b="-1453"/>
+                  <a:fillRect l="-997" t="-2300" r="-332" b="-2058"/>
                 </a:stretch>
               </a:blipFill>
             </p:spPr>
@@ -18961,7 +19306,7 @@
           <p:nvPr/>
         </p:nvPicPr>
         <p:blipFill>
-          <a:blip r:embed="rId4">
+          <a:blip r:embed="rId4" cstate="print">
             <a:extLst>
               <a:ext uri="{28A0092B-C50C-407E-A947-70E740481C1C}">
                 <a14:useLocalDpi xmlns:a14="http://schemas.microsoft.com/office/drawing/2010/main" val="0"/>
@@ -18974,16 +19319,16 @@
         </p:blipFill>
         <p:spPr>
           <a:xfrm>
-            <a:off x="7742062" y="2313816"/>
-            <a:ext cx="4449938" cy="2058534"/>
+            <a:off x="8010545" y="3704466"/>
+            <a:ext cx="4181455" cy="1934334"/>
           </a:xfrm>
           <a:prstGeom prst="rect">
             <a:avLst/>
           </a:prstGeom>
         </p:spPr>
       </p:pic>
-      <mc:AlternateContent xmlns:mc="http://schemas.openxmlformats.org/markup-compatibility/2006" xmlns:a14="http://schemas.microsoft.com/office/drawing/2010/main">
-        <mc:Choice Requires="a14">
+      <mc:AlternateContent xmlns:mc="http://schemas.openxmlformats.org/markup-compatibility/2006">
+        <mc:Choice xmlns:a14="http://schemas.microsoft.com/office/drawing/2010/main" Requires="a14">
           <p:sp>
             <p:nvSpPr>
               <p:cNvPr id="5" name="TextBox 4"/>
@@ -18992,8 +19337,8 @@
             </p:nvSpPr>
             <p:spPr>
               <a:xfrm>
-                <a:off x="8026400" y="4536939"/>
-                <a:ext cx="4086942" cy="1264705"/>
+                <a:off x="8057801" y="5773736"/>
+                <a:ext cx="4086942" cy="788677"/>
               </a:xfrm>
               <a:prstGeom prst="rect">
                 <a:avLst/>
@@ -19012,14 +19357,14 @@
                     <m:sSub>
                       <m:sSubPr>
                         <m:ctrlPr>
-                          <a:rPr lang="pt-BR" i="1" smtClean="0">
+                          <a:rPr lang="pt-BR" sz="1400" i="1" smtClean="0">
                             <a:latin typeface="Cambria Math" panose="02040503050406030204" pitchFamily="18" charset="0"/>
                           </a:rPr>
                         </m:ctrlPr>
                       </m:sSubPr>
                       <m:e>
                         <m:r>
-                          <a:rPr lang="pt-BR" b="0" i="1" smtClean="0">
+                          <a:rPr lang="pt-BR" sz="1400" b="0" i="1" smtClean="0">
                             <a:latin typeface="Cambria Math" panose="02040503050406030204" pitchFamily="18" charset="0"/>
                           </a:rPr>
                           <m:t>𝑦</m:t>
@@ -19027,7 +19372,7 @@
                       </m:e>
                       <m:sub>
                         <m:r>
-                          <a:rPr lang="pt-BR" b="0" i="1" smtClean="0">
+                          <a:rPr lang="pt-BR" sz="1400" b="0" i="1" smtClean="0">
                             <a:latin typeface="Cambria Math" panose="02040503050406030204" pitchFamily="18" charset="0"/>
                           </a:rPr>
                           <m:t>𝑗</m:t>
@@ -19035,13 +19380,13 @@
                       </m:sub>
                     </m:sSub>
                     <m:r>
-                      <a:rPr lang="pt-BR" b="0" i="1" smtClean="0">
+                      <a:rPr lang="pt-BR" sz="1400" b="0" i="1" smtClean="0">
                         <a:latin typeface="Cambria Math" panose="02040503050406030204" pitchFamily="18" charset="0"/>
                       </a:rPr>
                       <m:t>=</m:t>
                     </m:r>
                     <m:r>
-                      <a:rPr lang="pt-BR" i="1">
+                      <a:rPr lang="pt-BR" sz="1400" i="1">
                         <a:latin typeface="Cambria Math" panose="02040503050406030204" pitchFamily="18" charset="0"/>
                       </a:rPr>
                       <m:t>𝑓</m:t>
@@ -19049,32 +19394,32 @@
                     <m:d>
                       <m:dPr>
                         <m:ctrlPr>
-                          <a:rPr lang="pt-BR" i="1">
+                          <a:rPr lang="pt-BR" sz="1400" i="1">
                             <a:latin typeface="Cambria Math" panose="02040503050406030204" pitchFamily="18" charset="0"/>
                           </a:rPr>
                         </m:ctrlPr>
                       </m:dPr>
                       <m:e>
                         <m:r>
-                          <a:rPr lang="pt-BR" i="1">
+                          <a:rPr lang="pt-BR" sz="1400" i="1">
                             <a:latin typeface="Cambria Math" panose="02040503050406030204" pitchFamily="18" charset="0"/>
                           </a:rPr>
                           <m:t>𝑔</m:t>
                         </m:r>
                         <m:r>
-                          <a:rPr lang="pt-BR" i="1">
+                          <a:rPr lang="pt-BR" sz="1400" i="1">
                             <a:latin typeface="Cambria Math" panose="02040503050406030204" pitchFamily="18" charset="0"/>
                           </a:rPr>
                           <m:t>(</m:t>
                         </m:r>
                         <m:r>
-                          <a:rPr lang="pt-BR" b="1" i="1">
+                          <a:rPr lang="pt-BR" sz="1400" b="1" i="1">
                             <a:latin typeface="Cambria Math" panose="02040503050406030204" pitchFamily="18" charset="0"/>
                           </a:rPr>
                           <m:t>𝒙</m:t>
                         </m:r>
                         <m:r>
-                          <a:rPr lang="pt-BR" i="1">
+                          <a:rPr lang="pt-BR" sz="1400" i="1">
                             <a:latin typeface="Cambria Math" panose="02040503050406030204" pitchFamily="18" charset="0"/>
                           </a:rPr>
                           <m:t>)</m:t>
@@ -19082,13 +19427,13 @@
                       </m:e>
                     </m:d>
                     <m:r>
-                      <a:rPr lang="pt-BR" b="0" i="1" smtClean="0">
+                      <a:rPr lang="pt-BR" sz="1400" b="0" i="1" smtClean="0">
                         <a:latin typeface="Cambria Math" panose="02040503050406030204" pitchFamily="18" charset="0"/>
                       </a:rPr>
                       <m:t>=</m:t>
                     </m:r>
                     <m:r>
-                      <a:rPr lang="pt-BR" b="0" i="1" smtClean="0">
+                      <a:rPr lang="pt-BR" sz="1400" b="0" i="1" smtClean="0">
                         <a:latin typeface="Cambria Math" panose="02040503050406030204" pitchFamily="18" charset="0"/>
                       </a:rPr>
                       <m:t>𝑓</m:t>
@@ -19096,7 +19441,7 @@
                     <m:d>
                       <m:dPr>
                         <m:ctrlPr>
-                          <a:rPr lang="pt-BR" b="0" i="1" smtClean="0">
+                          <a:rPr lang="pt-BR" sz="1400" b="0" i="1" smtClean="0">
                             <a:latin typeface="Cambria Math" panose="02040503050406030204" pitchFamily="18" charset="0"/>
                           </a:rPr>
                         </m:ctrlPr>
@@ -19106,7 +19451,7 @@
                           <m:naryPr>
                             <m:chr m:val="∑"/>
                             <m:ctrlPr>
-                              <a:rPr lang="pt-BR" b="0" i="1" smtClean="0">
+                              <a:rPr lang="pt-BR" sz="1400" b="0" i="1" smtClean="0">
                                 <a:latin typeface="Cambria Math" panose="02040503050406030204" pitchFamily="18" charset="0"/>
                               </a:rPr>
                             </m:ctrlPr>
@@ -19116,13 +19461,13 @@
                               <m:rPr>
                                 <m:brk m:alnAt="23"/>
                               </m:rPr>
-                              <a:rPr lang="pt-BR" b="0" i="1" smtClean="0">
+                              <a:rPr lang="pt-BR" sz="1400" b="0" i="1" smtClean="0">
                                 <a:latin typeface="Cambria Math" panose="02040503050406030204" pitchFamily="18" charset="0"/>
                               </a:rPr>
                               <m:t>𝑖</m:t>
                             </m:r>
                             <m:r>
-                              <a:rPr lang="pt-BR" b="0" i="1" smtClean="0">
+                              <a:rPr lang="pt-BR" sz="1400" b="0" i="1" smtClean="0">
                                 <a:latin typeface="Cambria Math" panose="02040503050406030204" pitchFamily="18" charset="0"/>
                               </a:rPr>
                               <m:t>=0</m:t>
@@ -19130,7 +19475,7 @@
                           </m:sub>
                           <m:sup>
                             <m:r>
-                              <a:rPr lang="pt-BR" b="0" i="1" smtClean="0">
+                              <a:rPr lang="pt-BR" sz="1400" b="0" i="1" smtClean="0">
                                 <a:latin typeface="Cambria Math" panose="02040503050406030204" pitchFamily="18" charset="0"/>
                               </a:rPr>
                               <m:t>𝐾</m:t>
@@ -19140,14 +19485,14 @@
                             <m:sSub>
                               <m:sSubPr>
                                 <m:ctrlPr>
-                                  <a:rPr lang="pt-BR" b="0" i="1" smtClean="0">
+                                  <a:rPr lang="pt-BR" sz="1400" b="0" i="1" smtClean="0">
                                     <a:latin typeface="Cambria Math" panose="02040503050406030204" pitchFamily="18" charset="0"/>
                                   </a:rPr>
                                 </m:ctrlPr>
                               </m:sSubPr>
                               <m:e>
                                 <m:r>
-                                  <a:rPr lang="pt-BR" b="0" i="1" smtClean="0">
+                                  <a:rPr lang="pt-BR" sz="1400" b="0" i="1" smtClean="0">
                                     <a:latin typeface="Cambria Math" panose="02040503050406030204" pitchFamily="18" charset="0"/>
                                   </a:rPr>
                                   <m:t>𝑤</m:t>
@@ -19155,7 +19500,7 @@
                               </m:e>
                               <m:sub>
                                 <m:r>
-                                  <a:rPr lang="pt-BR" b="0" i="1" smtClean="0">
+                                  <a:rPr lang="pt-BR" sz="1400" b="0" i="1" smtClean="0">
                                     <a:latin typeface="Cambria Math" panose="02040503050406030204" pitchFamily="18" charset="0"/>
                                   </a:rPr>
                                   <m:t>𝑖𝑗</m:t>
@@ -19165,14 +19510,14 @@
                             <m:sSub>
                               <m:sSubPr>
                                 <m:ctrlPr>
-                                  <a:rPr lang="pt-BR" b="0" i="1" smtClean="0">
+                                  <a:rPr lang="pt-BR" sz="1400" b="0" i="1" smtClean="0">
                                     <a:latin typeface="Cambria Math" panose="02040503050406030204" pitchFamily="18" charset="0"/>
                                   </a:rPr>
                                 </m:ctrlPr>
                               </m:sSubPr>
                               <m:e>
                                 <m:r>
-                                  <a:rPr lang="pt-BR" b="0" i="1" smtClean="0">
+                                  <a:rPr lang="pt-BR" sz="1400" b="0" i="1" smtClean="0">
                                     <a:latin typeface="Cambria Math" panose="02040503050406030204" pitchFamily="18" charset="0"/>
                                   </a:rPr>
                                   <m:t>𝑥</m:t>
@@ -19180,7 +19525,7 @@
                               </m:e>
                               <m:sub>
                                 <m:r>
-                                  <a:rPr lang="pt-BR" b="0" i="1" smtClean="0">
+                                  <a:rPr lang="pt-BR" sz="1400" b="0" i="1" smtClean="0">
                                     <a:latin typeface="Cambria Math" panose="02040503050406030204" pitchFamily="18" charset="0"/>
                                   </a:rPr>
                                   <m:t>𝑖</m:t>
@@ -19194,13 +19539,13 @@
                   </m:oMath>
                 </a14:m>
                 <a:r>
-                  <a:rPr lang="pt-BR" dirty="0"/>
+                  <a:rPr lang="pt-BR" sz="1400" dirty="0"/>
                   <a:t>,</a:t>
                 </a:r>
               </a:p>
               <a:p>
                 <a:r>
-                  <a:rPr lang="pt-BR" dirty="0"/>
+                  <a:rPr lang="pt-BR" sz="1400" dirty="0"/>
                   <a:t>onde </a:t>
                 </a:r>
                 <a14:m>
@@ -19208,14 +19553,14 @@
                     <m:sSub>
                       <m:sSubPr>
                         <m:ctrlPr>
-                          <a:rPr lang="pt-BR" i="1">
+                          <a:rPr lang="pt-BR" sz="1400" i="1">
                             <a:latin typeface="Cambria Math" panose="02040503050406030204" pitchFamily="18" charset="0"/>
                           </a:rPr>
                         </m:ctrlPr>
                       </m:sSubPr>
                       <m:e>
                         <m:r>
-                          <a:rPr lang="pt-BR" i="1">
+                          <a:rPr lang="pt-BR" sz="1400" i="1">
                             <a:latin typeface="Cambria Math" panose="02040503050406030204" pitchFamily="18" charset="0"/>
                           </a:rPr>
                           <m:t>𝑥</m:t>
@@ -19223,7 +19568,7 @@
                       </m:e>
                       <m:sub>
                         <m:r>
-                          <a:rPr lang="pt-BR" i="1">
+                          <a:rPr lang="pt-BR" sz="1400" i="1">
                             <a:latin typeface="Cambria Math" panose="02040503050406030204" pitchFamily="18" charset="0"/>
                           </a:rPr>
                           <m:t>𝑖</m:t>
@@ -19233,13 +19578,13 @@
                   </m:oMath>
                 </a14:m>
                 <a:r>
-                  <a:rPr lang="pt-BR" dirty="0"/>
+                  <a:rPr lang="pt-BR" sz="1400" dirty="0"/>
                   <a:t> é a saída do nó </a:t>
                 </a:r>
                 <a14:m>
                   <m:oMath xmlns:m="http://schemas.openxmlformats.org/officeDocument/2006/math">
                     <m:r>
-                      <a:rPr lang="pt-BR" i="1">
+                      <a:rPr lang="pt-BR" sz="1400" i="1">
                         <a:latin typeface="Cambria Math" panose="02040503050406030204" pitchFamily="18" charset="0"/>
                       </a:rPr>
                       <m:t>𝑖</m:t>
@@ -19247,7 +19592,7 @@
                   </m:oMath>
                 </a14:m>
                 <a:r>
-                  <a:rPr lang="pt-BR" dirty="0"/>
+                  <a:rPr lang="pt-BR" sz="1400" dirty="0"/>
                   <a:t> e </a:t>
                 </a:r>
                 <a14:m>
@@ -19255,14 +19600,14 @@
                     <m:sSub>
                       <m:sSubPr>
                         <m:ctrlPr>
-                          <a:rPr lang="pt-BR" i="1">
+                          <a:rPr lang="pt-BR" sz="1400" i="1">
                             <a:latin typeface="Cambria Math" panose="02040503050406030204" pitchFamily="18" charset="0"/>
                           </a:rPr>
                         </m:ctrlPr>
                       </m:sSubPr>
                       <m:e>
                         <m:r>
-                          <a:rPr lang="pt-BR" i="1">
+                          <a:rPr lang="pt-BR" sz="1400" i="1">
                             <a:latin typeface="Cambria Math" panose="02040503050406030204" pitchFamily="18" charset="0"/>
                           </a:rPr>
                           <m:t>𝑤</m:t>
@@ -19270,7 +19615,7 @@
                       </m:e>
                       <m:sub>
                         <m:r>
-                          <a:rPr lang="pt-BR" i="1">
+                          <a:rPr lang="pt-BR" sz="1400" i="1">
                             <a:latin typeface="Cambria Math" panose="02040503050406030204" pitchFamily="18" charset="0"/>
                           </a:rPr>
                           <m:t>𝑖𝑗</m:t>
@@ -19280,13 +19625,13 @@
                   </m:oMath>
                 </a14:m>
                 <a:r>
-                  <a:rPr lang="pt-BR" dirty="0"/>
+                  <a:rPr lang="pt-BR" sz="1400" dirty="0"/>
                   <a:t> é o peso conectando a saída do nó </a:t>
                 </a:r>
                 <a14:m>
                   <m:oMath xmlns:m="http://schemas.openxmlformats.org/officeDocument/2006/math">
                     <m:r>
-                      <a:rPr lang="pt-BR" i="1">
+                      <a:rPr lang="pt-BR" sz="1400" i="1">
                         <a:latin typeface="Cambria Math" panose="02040503050406030204" pitchFamily="18" charset="0"/>
                       </a:rPr>
                       <m:t>𝑖</m:t>
@@ -19294,13 +19639,13 @@
                   </m:oMath>
                 </a14:m>
                 <a:r>
-                  <a:rPr lang="pt-BR" dirty="0"/>
+                  <a:rPr lang="pt-BR" sz="1400" dirty="0"/>
                   <a:t> para este nó, o nó </a:t>
                 </a:r>
                 <a14:m>
                   <m:oMath xmlns:m="http://schemas.openxmlformats.org/officeDocument/2006/math">
                     <m:r>
-                      <a:rPr lang="pt-BR" b="0" i="1" smtClean="0">
+                      <a:rPr lang="pt-BR" sz="1400" b="0" i="1" smtClean="0">
                         <a:latin typeface="Cambria Math" panose="02040503050406030204" pitchFamily="18" charset="0"/>
                       </a:rPr>
                       <m:t>𝑗</m:t>
@@ -19308,14 +19653,14 @@
                   </m:oMath>
                 </a14:m>
                 <a:r>
-                  <a:rPr lang="pt-BR" dirty="0"/>
+                  <a:rPr lang="pt-BR" sz="1400" dirty="0"/>
                   <a:t>.</a:t>
                 </a:r>
               </a:p>
             </p:txBody>
           </p:sp>
         </mc:Choice>
-        <mc:Fallback xmlns="">
+        <mc:Fallback>
           <p:sp>
             <p:nvSpPr>
               <p:cNvPr id="5" name="TextBox 4"/>
@@ -19326,8 +19671,8 @@
             </p:nvSpPr>
             <p:spPr>
               <a:xfrm>
-                <a:off x="8026400" y="4536939"/>
-                <a:ext cx="4086942" cy="1264705"/>
+                <a:off x="8057801" y="5773736"/>
+                <a:ext cx="4086942" cy="788677"/>
               </a:xfrm>
               <a:prstGeom prst="rect">
                 <a:avLst/>
@@ -19335,7 +19680,7 @@
               <a:blipFill rotWithShape="0">
                 <a:blip r:embed="rId5"/>
                 <a:stretch>
-                  <a:fillRect l="-1343" t="-33173" b="-6731"/>
+                  <a:fillRect l="-448" t="-37692" r="-448" b="-7692"/>
                 </a:stretch>
               </a:blipFill>
             </p:spPr>
@@ -19354,6 +19699,35 @@
           </p:sp>
         </mc:Fallback>
       </mc:AlternateContent>
+      <p:pic>
+        <p:nvPicPr>
+          <p:cNvPr id="6" name="Picture 3"/>
+          <p:cNvPicPr>
+            <a:picLocks noChangeAspect="1"/>
+          </p:cNvPicPr>
+          <p:nvPr/>
+        </p:nvPicPr>
+        <p:blipFill rotWithShape="1">
+          <a:blip r:embed="rId6" cstate="print">
+            <a:extLst>
+              <a:ext uri="{28A0092B-C50C-407E-A947-70E740481C1C}">
+                <a14:useLocalDpi xmlns:a14="http://schemas.microsoft.com/office/drawing/2010/main" val="0"/>
+              </a:ext>
+            </a:extLst>
+          </a:blip>
+          <a:srcRect b="26054"/>
+          <a:stretch/>
+        </p:blipFill>
+        <p:spPr>
+          <a:xfrm>
+            <a:off x="8382001" y="1253206"/>
+            <a:ext cx="3673294" cy="2221589"/>
+          </a:xfrm>
+          <a:prstGeom prst="rect">
+            <a:avLst/>
+          </a:prstGeom>
+        </p:spPr>
+      </p:pic>
     </p:spTree>
     <p:extLst>
       <p:ext uri="{BB962C8B-B14F-4D97-AF65-F5344CB8AC3E}">
@@ -19406,8 +19780,8 @@
           </a:p>
         </p:txBody>
       </p:sp>
-      <mc:AlternateContent xmlns:mc="http://schemas.openxmlformats.org/markup-compatibility/2006" xmlns:a14="http://schemas.microsoft.com/office/drawing/2010/main">
-        <mc:Choice Requires="a14">
+      <mc:AlternateContent xmlns:mc="http://schemas.openxmlformats.org/markup-compatibility/2006">
+        <mc:Choice xmlns:a14="http://schemas.microsoft.com/office/drawing/2010/main" Requires="a14">
           <p:sp>
             <p:nvSpPr>
               <p:cNvPr id="3" name="Content Placeholder 2"/>
@@ -19426,13 +19800,17 @@
             </p:spPr>
             <p:txBody>
               <a:bodyPr>
-                <a:normAutofit fontScale="92500"/>
+                <a:normAutofit fontScale="92500" lnSpcReduction="20000"/>
               </a:bodyPr>
               <a:lstStyle/>
               <a:p>
                 <a:r>
+                  <a:rPr lang="pt-BR" dirty="0" smtClean="0"/>
+                  <a:t>Devido </a:t>
+                </a:r>
+                <a:r>
                   <a:rPr lang="pt-BR" dirty="0"/>
-                  <a:t>Devido às suas características, não se utiliza a </a:t>
+                  <a:t>suas características, não se utiliza a </a:t>
                 </a:r>
                 <a:r>
                   <a:rPr lang="pt-BR" b="1" i="1" dirty="0"/>
@@ -19440,37 +19818,15 @@
                 </a:r>
                 <a:r>
                   <a:rPr lang="pt-BR" dirty="0"/>
-                  <a:t> como função de ativação em MLPs. </a:t>
-                </a:r>
-              </a:p>
-              <a:p>
-                <a:r>
-                  <a:rPr lang="pt-BR" dirty="0"/>
-                  <a:t>Até o surgimento das </a:t>
-                </a:r>
-                <a:r>
-                  <a:rPr lang="pt-BR" b="1" i="1" dirty="0"/>
-                  <a:t>redes neurais profundas</a:t>
-                </a:r>
-                <a:r>
-                  <a:rPr lang="pt-BR" dirty="0"/>
-                  <a:t>, a regra era utilizar as </a:t>
-                </a:r>
-                <a:r>
-                  <a:rPr lang="pt-BR" b="1" i="1" dirty="0"/>
-                  <a:t>funções logística </a:t>
-                </a:r>
-                <a:r>
-                  <a:rPr lang="pt-BR" dirty="0"/>
-                  <a:t>ou </a:t>
-                </a:r>
-                <a:r>
-                  <a:rPr lang="pt-BR" b="1" i="1" dirty="0"/>
-                  <a:t>tangente hiperbólica</a:t>
-                </a:r>
-                <a:r>
-                  <a:rPr lang="pt-BR" dirty="0"/>
-                  <a:t>, que são versões suavizadas da função degrau.</a:t>
+                  <a:t> como função de ativação em </a:t>
+                </a:r>
+                <a:r>
+                  <a:rPr lang="pt-BR" dirty="0" err="1" smtClean="0"/>
+                  <a:t>MLPs</a:t>
+                </a:r>
+                <a:r>
+                  <a:rPr lang="pt-BR" dirty="0" smtClean="0"/>
+                  <a:t>.</a:t>
                 </a:r>
               </a:p>
               <a:p>
@@ -19479,8 +19835,57 @@
                   <a:buChar char="§"/>
                 </a:pPr>
                 <a:r>
+                  <a:rPr lang="pt-BR" dirty="0" smtClean="0"/>
+                  <a:t>Derivada sempre igual a zero, exceto na origem, onde é indeterminada. </a:t>
+                </a:r>
+                <a:endParaRPr lang="pt-BR" dirty="0"/>
+              </a:p>
+              <a:p>
+                <a:r>
                   <a:rPr lang="pt-BR" dirty="0"/>
-                  <a:t>Essas funções possuem derivada definida e diferente de 0 em todos os pontos.</a:t>
+                  <a:t>Até o surgimento das </a:t>
+                </a:r>
+                <a:r>
+                  <a:rPr lang="pt-BR" b="1" i="1" dirty="0"/>
+                  <a:t>redes neurais profundas</a:t>
+                </a:r>
+                <a:r>
+                  <a:rPr lang="pt-BR" dirty="0"/>
+                  <a:t>, a regra era utilizar as </a:t>
+                </a:r>
+                <a:r>
+                  <a:rPr lang="pt-BR" b="1" i="1" dirty="0"/>
+                  <a:t>funções logística </a:t>
+                </a:r>
+                <a:r>
+                  <a:rPr lang="pt-BR" dirty="0"/>
+                  <a:t>ou </a:t>
+                </a:r>
+                <a:r>
+                  <a:rPr lang="pt-BR" b="1" i="1" dirty="0"/>
+                  <a:t>tangente hiperbólica</a:t>
+                </a:r>
+                <a:r>
+                  <a:rPr lang="pt-BR" dirty="0"/>
+                  <a:t>, que são versões suavizadas da função degrau.</a:t>
+                </a:r>
+              </a:p>
+              <a:p>
+                <a:pPr lvl="1">
+                  <a:buFont typeface="Wingdings" panose="05000000000000000000" pitchFamily="2" charset="2"/>
+                  <a:buChar char="§"/>
+                </a:pPr>
+                <a:r>
+                  <a:rPr lang="pt-BR" dirty="0"/>
+                  <a:t>Essas funções </a:t>
+                </a:r>
+                <a:r>
+                  <a:rPr lang="pt-BR" b="1" i="1" dirty="0"/>
+                  <a:t>possuem derivada definida e diferente de 0 em todos os pontos</a:t>
+                </a:r>
+                <a:r>
+                  <a:rPr lang="pt-BR" dirty="0"/>
+                  <a:t>.</a:t>
                 </a:r>
               </a:p>
               <a:p>
@@ -19778,11 +20183,98 @@
                         <a:rPr lang="pt-BR" b="0" i="1" smtClean="0">
                           <a:latin typeface="Cambria Math" panose="02040503050406030204" pitchFamily="18" charset="0"/>
                         </a:rPr>
-                        <m:t>.</m:t>
+                        <m:t>,</m:t>
                       </m:r>
                     </m:oMath>
                   </m:oMathPara>
                 </a14:m>
+                <a:endParaRPr lang="pt-BR" dirty="0" smtClean="0"/>
+              </a:p>
+              <a:p>
+                <a:pPr marL="0" indent="0">
+                  <a:buNone/>
+                </a:pPr>
+                <a:r>
+                  <a:rPr lang="pt-BR" dirty="0"/>
+                  <a:t>o</a:t>
+                </a:r>
+                <a:r>
+                  <a:rPr lang="pt-BR" dirty="0" smtClean="0"/>
+                  <a:t>nde </a:t>
+                </a:r>
+                <a14:m>
+                  <m:oMath xmlns:m="http://schemas.openxmlformats.org/officeDocument/2006/math">
+                    <m:sSub>
+                      <m:sSubPr>
+                        <m:ctrlPr>
+                          <a:rPr lang="pt-BR" i="1">
+                            <a:latin typeface="Cambria Math" panose="02040503050406030204" pitchFamily="18" charset="0"/>
+                          </a:rPr>
+                        </m:ctrlPr>
+                      </m:sSubPr>
+                      <m:e>
+                        <m:r>
+                          <a:rPr lang="pt-BR" i="1">
+                            <a:latin typeface="Cambria Math" panose="02040503050406030204" pitchFamily="18" charset="0"/>
+                          </a:rPr>
+                          <m:t>𝑧</m:t>
+                        </m:r>
+                      </m:e>
+                      <m:sub>
+                        <m:r>
+                          <a:rPr lang="pt-BR" i="1">
+                            <a:latin typeface="Cambria Math" panose="02040503050406030204" pitchFamily="18" charset="0"/>
+                          </a:rPr>
+                          <m:t>𝑗</m:t>
+                        </m:r>
+                      </m:sub>
+                    </m:sSub>
+                  </m:oMath>
+                </a14:m>
+                <a:r>
+                  <a:rPr lang="pt-BR" dirty="0" smtClean="0"/>
+                  <a:t> é a </a:t>
+                </a:r>
+                <a:r>
+                  <a:rPr lang="pt-BR" b="1" i="1" dirty="0" smtClean="0"/>
+                  <a:t>combinação linear das entradas do nó</a:t>
+                </a:r>
+                <a:r>
+                  <a:rPr lang="pt-BR" dirty="0" smtClean="0"/>
+                  <a:t>, i.e., </a:t>
+                </a:r>
+                <a14:m>
+                  <m:oMath xmlns:m="http://schemas.openxmlformats.org/officeDocument/2006/math">
+                    <m:r>
+                      <a:rPr lang="pt-BR" i="1">
+                        <a:latin typeface="Cambria Math" panose="02040503050406030204" pitchFamily="18" charset="0"/>
+                      </a:rPr>
+                      <m:t>𝑔</m:t>
+                    </m:r>
+                    <m:r>
+                      <a:rPr lang="pt-BR" i="1">
+                        <a:latin typeface="Cambria Math" panose="02040503050406030204" pitchFamily="18" charset="0"/>
+                      </a:rPr>
+                      <m:t>(</m:t>
+                    </m:r>
+                    <m:r>
+                      <a:rPr lang="pt-BR" b="1" i="1">
+                        <a:latin typeface="Cambria Math" panose="02040503050406030204" pitchFamily="18" charset="0"/>
+                      </a:rPr>
+                      <m:t>𝒙</m:t>
+                    </m:r>
+                    <m:r>
+                      <a:rPr lang="pt-BR" i="1">
+                        <a:latin typeface="Cambria Math" panose="02040503050406030204" pitchFamily="18" charset="0"/>
+                      </a:rPr>
+                      <m:t>)</m:t>
+                    </m:r>
+                  </m:oMath>
+                </a14:m>
+                <a:r>
+                  <a:rPr lang="pt-BR" dirty="0" smtClean="0"/>
+                  <a:t>.</a:t>
+                </a:r>
                 <a:endParaRPr lang="pt-BR" dirty="0"/>
               </a:p>
               <a:p>
@@ -20042,10 +20534,17 @@
                         </m:e>
                       </m:d>
                       <m:r>
+                        <a:rPr lang="pt-BR" i="1" smtClean="0">
+                          <a:latin typeface="Cambria Math" panose="02040503050406030204" pitchFamily="18" charset="0"/>
+                          <a:ea typeface="Cambria Math" panose="02040503050406030204" pitchFamily="18" charset="0"/>
+                        </a:rPr>
+                        <m:t>≥</m:t>
+                      </m:r>
+                      <m:r>
                         <a:rPr lang="pt-BR" b="0" i="1" smtClean="0">
                           <a:latin typeface="Cambria Math" panose="02040503050406030204" pitchFamily="18" charset="0"/>
                         </a:rPr>
-                        <m:t>&gt;0</m:t>
+                        <m:t>0</m:t>
                       </m:r>
                       <m:r>
                         <a:rPr lang="pt-BR" b="0" i="0" smtClean="0">
@@ -20067,7 +20566,7 @@
             </p:txBody>
           </p:sp>
         </mc:Choice>
-        <mc:Fallback xmlns="">
+        <mc:Fallback>
           <p:sp>
             <p:nvSpPr>
               <p:cNvPr id="3" name="Content Placeholder 2"/>
@@ -20086,7 +20585,7 @@
               <a:blipFill rotWithShape="0">
                 <a:blip r:embed="rId3"/>
                 <a:stretch>
-                  <a:fillRect l="-869" t="-1769" r="-434"/>
+                  <a:fillRect l="-977" t="-2948" r="-434" b="-2358"/>
                 </a:stretch>
               </a:blipFill>
             </p:spPr>
@@ -20157,8 +20656,8 @@
           </a:p>
         </p:txBody>
       </p:sp>
-      <mc:AlternateContent xmlns:mc="http://schemas.openxmlformats.org/markup-compatibility/2006" xmlns:a14="http://schemas.microsoft.com/office/drawing/2010/main">
-        <mc:Choice Requires="a14">
+      <mc:AlternateContent xmlns:mc="http://schemas.openxmlformats.org/markup-compatibility/2006">
+        <mc:Choice xmlns:a14="http://schemas.microsoft.com/office/drawing/2010/main" Requires="a14">
           <p:sp>
             <p:nvSpPr>
               <p:cNvPr id="3" name="Content Placeholder 2"/>
@@ -20209,8 +20708,21 @@
                 </a14:m>
                 <a:r>
                   <a:rPr lang="pt-BR" dirty="0"/>
-                  <a:t>, sempre será menor do que 1.</a:t>
-                </a:r>
+                  <a:t>, </a:t>
+                </a:r>
+                <a:r>
+                  <a:rPr lang="pt-BR" b="1" i="1" dirty="0"/>
+                  <a:t>sempre será menor do que </a:t>
+                </a:r>
+                <a:r>
+                  <a:rPr lang="pt-BR" b="1" i="1" dirty="0" smtClean="0"/>
+                  <a:t>1, sendo no máximo igual a 0.25</a:t>
+                </a:r>
+                <a:r>
+                  <a:rPr lang="pt-BR" dirty="0" smtClean="0"/>
+                  <a:t>.</a:t>
+                </a:r>
+                <a:endParaRPr lang="pt-BR" dirty="0"/>
               </a:p>
               <a:p>
                 <a:r>
@@ -20221,7 +20733,7 @@
             </p:txBody>
           </p:sp>
         </mc:Choice>
-        <mc:Fallback xmlns="">
+        <mc:Fallback>
           <p:sp>
             <p:nvSpPr>
               <p:cNvPr id="3" name="Content Placeholder 2"/>
@@ -20238,7 +20750,7 @@
                 <a:ext cx="11010900" cy="4351338"/>
               </a:xfrm>
               <a:blipFill rotWithShape="0">
-                <a:blip r:embed="rId2"/>
+                <a:blip r:embed="rId3"/>
                 <a:stretch>
                   <a:fillRect l="-997" t="-2241"/>
                 </a:stretch>
@@ -20267,7 +20779,7 @@
         </p:nvSpPr>
         <p:spPr>
           <a:xfrm>
-            <a:off x="1342550" y="6431882"/>
+            <a:off x="1342550" y="6489032"/>
             <a:ext cx="3619500" cy="369332"/>
           </a:xfrm>
           <a:prstGeom prst="rect">
@@ -20296,7 +20808,7 @@
         </p:nvSpPr>
         <p:spPr>
           <a:xfrm>
-            <a:off x="7242650" y="6431882"/>
+            <a:off x="7242650" y="6489032"/>
             <a:ext cx="3594100" cy="369332"/>
           </a:xfrm>
           <a:prstGeom prst="rect">
@@ -20326,14 +20838,14 @@
           <p:nvPr/>
         </p:nvPicPr>
         <p:blipFill>
-          <a:blip r:embed="rId3"/>
+          <a:blip r:embed="rId4"/>
           <a:stretch>
             <a:fillRect/>
           </a:stretch>
         </p:blipFill>
         <p:spPr>
           <a:xfrm>
-            <a:off x="1342550" y="3726781"/>
+            <a:off x="1342550" y="3831556"/>
             <a:ext cx="3656650" cy="2742488"/>
           </a:xfrm>
           <a:prstGeom prst="rect">
@@ -20350,14 +20862,14 @@
           <p:nvPr/>
         </p:nvPicPr>
         <p:blipFill>
-          <a:blip r:embed="rId4"/>
+          <a:blip r:embed="rId5"/>
           <a:stretch>
             <a:fillRect/>
           </a:stretch>
         </p:blipFill>
         <p:spPr>
           <a:xfrm>
-            <a:off x="7205500" y="3726781"/>
+            <a:off x="7205500" y="3831556"/>
             <a:ext cx="3606800" cy="2705101"/>
           </a:xfrm>
           <a:prstGeom prst="rect">
@@ -20365,85 +20877,12 @@
           </a:prstGeom>
         </p:spPr>
       </p:pic>
-      <p:sp>
-        <p:nvSpPr>
-          <p:cNvPr id="4" name="CaixaDeTexto 3">
-            <a:extLst>
-              <a:ext uri="{FF2B5EF4-FFF2-40B4-BE49-F238E27FC236}">
-                <a16:creationId xmlns="" xmlns:a16="http://schemas.microsoft.com/office/drawing/2014/main" id="{BEC904AB-A007-4518-B54C-E95ABDC63626}"/>
-              </a:ext>
-            </a:extLst>
-          </p:cNvPr>
-          <p:cNvSpPr txBox="1"/>
-          <p:nvPr/>
-        </p:nvSpPr>
-        <p:spPr>
-          <a:xfrm>
-            <a:off x="4855751" y="4493340"/>
-            <a:ext cx="901954" cy="307777"/>
-          </a:xfrm>
-          <a:prstGeom prst="rect">
-            <a:avLst/>
-          </a:prstGeom>
-          <a:noFill/>
-        </p:spPr>
-        <p:txBody>
-          <a:bodyPr wrap="square" rtlCol="0">
-            <a:spAutoFit/>
-          </a:bodyPr>
-          <a:lstStyle/>
-          <a:p>
-            <a:pPr algn="ctr"/>
-            <a:r>
-              <a:rPr lang="en-US" sz="1400" dirty="0" err="1"/>
-              <a:t>saturação</a:t>
-            </a:r>
-            <a:endParaRPr lang="en-US" sz="1400" dirty="0"/>
-          </a:p>
-        </p:txBody>
-      </p:sp>
-      <p:sp>
-        <p:nvSpPr>
-          <p:cNvPr id="9" name="CaixaDeTexto 8">
-            <a:extLst>
-              <a:ext uri="{FF2B5EF4-FFF2-40B4-BE49-F238E27FC236}">
-                <a16:creationId xmlns="" xmlns:a16="http://schemas.microsoft.com/office/drawing/2014/main" id="{4CCEF927-B8CC-4C90-A772-24E6A0CFD474}"/>
-              </a:ext>
-            </a:extLst>
-          </p:cNvPr>
-          <p:cNvSpPr txBox="1"/>
-          <p:nvPr/>
-        </p:nvSpPr>
-        <p:spPr>
-          <a:xfrm>
-            <a:off x="584045" y="5230254"/>
-            <a:ext cx="968353" cy="307777"/>
-          </a:xfrm>
-          <a:prstGeom prst="rect">
-            <a:avLst/>
-          </a:prstGeom>
-          <a:noFill/>
-        </p:spPr>
-        <p:txBody>
-          <a:bodyPr wrap="square" rtlCol="0">
-            <a:spAutoFit/>
-          </a:bodyPr>
-          <a:lstStyle/>
-          <a:p>
-            <a:r>
-              <a:rPr lang="en-US" sz="1400" dirty="0" err="1"/>
-              <a:t>saturação</a:t>
-            </a:r>
-            <a:endParaRPr lang="en-US" sz="1400" dirty="0"/>
-          </a:p>
-        </p:txBody>
-      </p:sp>
       <p:cxnSp>
         <p:nvCxnSpPr>
           <p:cNvPr id="6" name="Conector de Seta Reta 5">
             <a:extLst>
               <a:ext uri="{FF2B5EF4-FFF2-40B4-BE49-F238E27FC236}">
-                <a16:creationId xmlns="" xmlns:a16="http://schemas.microsoft.com/office/drawing/2014/main" id="{022BDF03-3B8A-4862-8739-B578666F19DF}"/>
+                <a16:creationId xmlns:a16="http://schemas.microsoft.com/office/drawing/2014/main" xmlns="" id="{022BDF03-3B8A-4862-8739-B578666F19DF}"/>
               </a:ext>
             </a:extLst>
           </p:cNvPr>
@@ -20454,7 +20893,7 @@
         </p:nvCxnSpPr>
         <p:spPr>
           <a:xfrm flipH="1" flipV="1">
-            <a:off x="4510951" y="4001294"/>
+            <a:off x="4510951" y="4106069"/>
             <a:ext cx="814675" cy="492046"/>
           </a:xfrm>
           <a:prstGeom prst="straightConnector1">
@@ -20487,20 +20926,741 @@
           <p:cNvPr id="17" name="Conector de Seta Reta 16">
             <a:extLst>
               <a:ext uri="{FF2B5EF4-FFF2-40B4-BE49-F238E27FC236}">
-                <a16:creationId xmlns="" xmlns:a16="http://schemas.microsoft.com/office/drawing/2014/main" id="{073FE868-325A-4FF4-BD4C-B8FFB02A80A3}"/>
+                <a16:creationId xmlns:a16="http://schemas.microsoft.com/office/drawing/2014/main" xmlns="" id="{073FE868-325A-4FF4-BD4C-B8FFB02A80A3}"/>
               </a:ext>
             </a:extLst>
           </p:cNvPr>
           <p:cNvCxnSpPr>
             <a:cxnSpLocks/>
-            <a:stCxn id="9" idx="2"/>
           </p:cNvCxnSpPr>
           <p:nvPr/>
         </p:nvCxnSpPr>
         <p:spPr>
           <a:xfrm>
-            <a:off x="1068222" y="5538031"/>
-            <a:ext cx="871110" cy="549386"/>
+            <a:off x="838200" y="5809214"/>
+            <a:ext cx="1136982" cy="395498"/>
+          </a:xfrm>
+          <a:prstGeom prst="straightConnector1">
+            <a:avLst/>
+          </a:prstGeom>
+          <a:ln>
+            <a:solidFill>
+              <a:srgbClr val="FF0000"/>
+            </a:solidFill>
+            <a:tailEnd type="triangle"/>
+          </a:ln>
+        </p:spPr>
+        <p:style>
+          <a:lnRef idx="1">
+            <a:schemeClr val="accent1"/>
+          </a:lnRef>
+          <a:fillRef idx="0">
+            <a:schemeClr val="accent1"/>
+          </a:fillRef>
+          <a:effectRef idx="0">
+            <a:schemeClr val="accent1"/>
+          </a:effectRef>
+          <a:fontRef idx="minor">
+            <a:schemeClr val="tx1"/>
+          </a:fontRef>
+        </p:style>
+      </p:cxnSp>
+      <p:cxnSp>
+        <p:nvCxnSpPr>
+          <p:cNvPr id="13" name="Conector de Seta Reta 5">
+            <a:extLst>
+              <a:ext uri="{FF2B5EF4-FFF2-40B4-BE49-F238E27FC236}">
+                <a16:creationId xmlns:a16="http://schemas.microsoft.com/office/drawing/2014/main" xmlns="" id="{022BDF03-3B8A-4862-8739-B578666F19DF}"/>
+              </a:ext>
+            </a:extLst>
+          </p:cNvPr>
+          <p:cNvCxnSpPr>
+            <a:cxnSpLocks/>
+          </p:cNvCxnSpPr>
+          <p:nvPr/>
+        </p:nvCxnSpPr>
+        <p:spPr>
+          <a:xfrm flipH="1">
+            <a:off x="10382250" y="5809214"/>
+            <a:ext cx="710850" cy="358111"/>
+          </a:xfrm>
+          <a:prstGeom prst="straightConnector1">
+            <a:avLst/>
+          </a:prstGeom>
+          <a:ln>
+            <a:solidFill>
+              <a:srgbClr val="FF0000"/>
+            </a:solidFill>
+            <a:tailEnd type="triangle"/>
+          </a:ln>
+        </p:spPr>
+        <p:style>
+          <a:lnRef idx="1">
+            <a:schemeClr val="accent1"/>
+          </a:lnRef>
+          <a:fillRef idx="0">
+            <a:schemeClr val="accent1"/>
+          </a:fillRef>
+          <a:effectRef idx="0">
+            <a:schemeClr val="accent1"/>
+          </a:effectRef>
+          <a:fontRef idx="minor">
+            <a:schemeClr val="tx1"/>
+          </a:fontRef>
+        </p:style>
+      </p:cxnSp>
+      <mc:AlternateContent xmlns:mc="http://schemas.openxmlformats.org/markup-compatibility/2006">
+        <mc:Choice xmlns:a14="http://schemas.microsoft.com/office/drawing/2010/main" Requires="a14">
+          <p:sp>
+            <p:nvSpPr>
+              <p:cNvPr id="18" name="CaixaDeTexto 17">
+                <a:extLst>
+                  <a:ext uri="{FF2B5EF4-FFF2-40B4-BE49-F238E27FC236}">
+                    <a16:creationId xmlns:a16="http://schemas.microsoft.com/office/drawing/2014/main" xmlns="" id="{4CCEF927-B8CC-4C90-A772-24E6A0CFD474}"/>
+                  </a:ext>
+                </a:extLst>
+              </p:cNvPr>
+              <p:cNvSpPr txBox="1"/>
+              <p:nvPr/>
+            </p:nvSpPr>
+            <p:spPr>
+              <a:xfrm>
+                <a:off x="4668601" y="4598115"/>
+                <a:ext cx="1500099" cy="646331"/>
+              </a:xfrm>
+              <a:prstGeom prst="rect">
+                <a:avLst/>
+              </a:prstGeom>
+              <a:noFill/>
+            </p:spPr>
+            <p:txBody>
+              <a:bodyPr wrap="square" rtlCol="0">
+                <a:spAutoFit/>
+              </a:bodyPr>
+              <a:lstStyle/>
+              <a:p>
+                <a:pPr algn="ctr"/>
+                <a:r>
+                  <a:rPr lang="en-US" sz="1200" dirty="0" smtClean="0"/>
+                  <a:t>s</a:t>
+                </a:r>
+                <a:r>
+                  <a:rPr lang="en-US" sz="1200" dirty="0" err="1" smtClean="0"/>
+                  <a:t>aturação</a:t>
+                </a:r>
+                <a:r>
+                  <a:rPr lang="en-US" sz="1200" dirty="0" smtClean="0"/>
+                  <a:t>:</a:t>
+                </a:r>
+              </a:p>
+              <a:p>
+                <a:pPr algn="ctr"/>
+                <a:r>
+                  <a:rPr lang="en-US" sz="1200" dirty="0" smtClean="0"/>
+                  <a:t>valor de </a:t>
+                </a:r>
+                <a14:m>
+                  <m:oMath xmlns:m="http://schemas.openxmlformats.org/officeDocument/2006/math">
+                    <m:r>
+                      <a:rPr lang="pt-BR" sz="1200" b="0" i="1" smtClean="0">
+                        <a:latin typeface="Cambria Math" panose="02040503050406030204" pitchFamily="18" charset="0"/>
+                      </a:rPr>
+                      <m:t>𝑦</m:t>
+                    </m:r>
+                  </m:oMath>
+                </a14:m>
+                <a:r>
+                  <a:rPr lang="en-US" sz="1200" dirty="0" smtClean="0"/>
+                  <a:t> </a:t>
+                </a:r>
+                <a:r>
+                  <a:rPr lang="en-US" sz="1200" dirty="0" err="1" smtClean="0"/>
+                  <a:t>tende</a:t>
+                </a:r>
+                <a:r>
+                  <a:rPr lang="en-US" sz="1200" dirty="0" smtClean="0"/>
+                  <a:t> a 1 </a:t>
+                </a:r>
+                <a:r>
+                  <a:rPr lang="en-US" sz="1200" dirty="0" err="1" smtClean="0"/>
+                  <a:t>quando</a:t>
+                </a:r>
+                <a:r>
+                  <a:rPr lang="en-US" sz="1200" dirty="0" smtClean="0"/>
+                  <a:t> </a:t>
+                </a:r>
+                <a14:m>
+                  <m:oMath xmlns:m="http://schemas.openxmlformats.org/officeDocument/2006/math">
+                    <m:r>
+                      <a:rPr lang="pt-BR" sz="1200" i="1">
+                        <a:latin typeface="Cambria Math" panose="02040503050406030204" pitchFamily="18" charset="0"/>
+                      </a:rPr>
+                      <m:t>𝑔</m:t>
+                    </m:r>
+                    <m:r>
+                      <a:rPr lang="pt-BR" sz="1200" i="1">
+                        <a:latin typeface="Cambria Math" panose="02040503050406030204" pitchFamily="18" charset="0"/>
+                      </a:rPr>
+                      <m:t>(</m:t>
+                    </m:r>
+                    <m:r>
+                      <a:rPr lang="pt-BR" sz="1200" b="1" i="1">
+                        <a:latin typeface="Cambria Math" panose="02040503050406030204" pitchFamily="18" charset="0"/>
+                      </a:rPr>
+                      <m:t>𝒙</m:t>
+                    </m:r>
+                    <m:r>
+                      <a:rPr lang="pt-BR" sz="1200" i="1">
+                        <a:latin typeface="Cambria Math" panose="02040503050406030204" pitchFamily="18" charset="0"/>
+                      </a:rPr>
+                      <m:t>)</m:t>
+                    </m:r>
+                    <m:r>
+                      <a:rPr lang="pt-BR" sz="1200" i="1" smtClean="0">
+                        <a:latin typeface="Cambria Math" panose="02040503050406030204" pitchFamily="18" charset="0"/>
+                        <a:ea typeface="Cambria Math" panose="02040503050406030204" pitchFamily="18" charset="0"/>
+                      </a:rPr>
+                      <m:t>→∞</m:t>
+                    </m:r>
+                  </m:oMath>
+                </a14:m>
+                <a:r>
+                  <a:rPr lang="en-US" sz="1200" dirty="0" smtClean="0"/>
+                  <a:t>. </a:t>
+                </a:r>
+                <a:endParaRPr lang="en-US" sz="1200" dirty="0"/>
+              </a:p>
+            </p:txBody>
+          </p:sp>
+        </mc:Choice>
+        <mc:Fallback>
+          <p:sp>
+            <p:nvSpPr>
+              <p:cNvPr id="18" name="CaixaDeTexto 17">
+                <a:extLst>
+                  <a:ext uri="{FF2B5EF4-FFF2-40B4-BE49-F238E27FC236}">
+                    <a16:creationId xmlns:a16="http://schemas.microsoft.com/office/drawing/2014/main" xmlns="" id="{4CCEF927-B8CC-4C90-A772-24E6A0CFD474}"/>
+                  </a:ext>
+                </a:extLst>
+              </p:cNvPr>
+              <p:cNvSpPr txBox="1">
+                <a:spLocks noRot="1" noChangeAspect="1" noMove="1" noResize="1" noEditPoints="1" noAdjustHandles="1" noChangeArrowheads="1" noChangeShapeType="1" noTextEdit="1"/>
+              </p:cNvSpPr>
+              <p:nvPr/>
+            </p:nvSpPr>
+            <p:spPr>
+              <a:xfrm>
+                <a:off x="4668601" y="4598115"/>
+                <a:ext cx="1500099" cy="646331"/>
+              </a:xfrm>
+              <a:prstGeom prst="rect">
+                <a:avLst/>
+              </a:prstGeom>
+              <a:blipFill rotWithShape="0">
+                <a:blip r:embed="rId6"/>
+                <a:stretch>
+                  <a:fillRect b="-6604"/>
+                </a:stretch>
+              </a:blipFill>
+            </p:spPr>
+            <p:txBody>
+              <a:bodyPr/>
+              <a:lstStyle/>
+              <a:p>
+                <a:r>
+                  <a:rPr lang="pt-BR">
+                    <a:noFill/>
+                  </a:rPr>
+                  <a:t> </a:t>
+                </a:r>
+              </a:p>
+            </p:txBody>
+          </p:sp>
+        </mc:Fallback>
+      </mc:AlternateContent>
+      <mc:AlternateContent xmlns:mc="http://schemas.openxmlformats.org/markup-compatibility/2006">
+        <mc:Choice xmlns:a14="http://schemas.microsoft.com/office/drawing/2010/main" Requires="a14">
+          <p:sp>
+            <p:nvSpPr>
+              <p:cNvPr id="20" name="CaixaDeTexto 19">
+                <a:extLst>
+                  <a:ext uri="{FF2B5EF4-FFF2-40B4-BE49-F238E27FC236}">
+                    <a16:creationId xmlns:a16="http://schemas.microsoft.com/office/drawing/2014/main" xmlns="" id="{4CCEF927-B8CC-4C90-A772-24E6A0CFD474}"/>
+                  </a:ext>
+                </a:extLst>
+              </p:cNvPr>
+              <p:cNvSpPr txBox="1"/>
+              <p:nvPr/>
+            </p:nvSpPr>
+            <p:spPr>
+              <a:xfrm>
+                <a:off x="10580651" y="5160645"/>
+                <a:ext cx="1500099" cy="646331"/>
+              </a:xfrm>
+              <a:prstGeom prst="rect">
+                <a:avLst/>
+              </a:prstGeom>
+              <a:noFill/>
+            </p:spPr>
+            <p:txBody>
+              <a:bodyPr wrap="square" rtlCol="0">
+                <a:spAutoFit/>
+              </a:bodyPr>
+              <a:lstStyle/>
+              <a:p>
+                <a:pPr algn="ctr"/>
+                <a:r>
+                  <a:rPr lang="en-US" sz="1200" dirty="0" err="1" smtClean="0"/>
+                  <a:t>s</a:t>
+                </a:r>
+                <a:r>
+                  <a:rPr lang="en-US" sz="1200" dirty="0" err="1" smtClean="0"/>
+                  <a:t>aturação</a:t>
+                </a:r>
+                <a:r>
+                  <a:rPr lang="en-US" sz="1200" dirty="0" smtClean="0"/>
+                  <a:t>: </a:t>
+                </a:r>
+              </a:p>
+              <a:p>
+                <a:pPr algn="ctr"/>
+                <a:r>
+                  <a:rPr lang="en-US" sz="1200" dirty="0" err="1" smtClean="0"/>
+                  <a:t>quando</a:t>
+                </a:r>
+                <a:r>
+                  <a:rPr lang="en-US" sz="1200" dirty="0" smtClean="0"/>
+                  <a:t> </a:t>
+                </a:r>
+                <a14:m>
+                  <m:oMath xmlns:m="http://schemas.openxmlformats.org/officeDocument/2006/math">
+                    <m:r>
+                      <a:rPr lang="pt-BR" sz="1200" i="1">
+                        <a:latin typeface="Cambria Math" panose="02040503050406030204" pitchFamily="18" charset="0"/>
+                      </a:rPr>
+                      <m:t>𝑦</m:t>
+                    </m:r>
+                  </m:oMath>
+                </a14:m>
+                <a:r>
+                  <a:rPr lang="en-US" sz="1200" dirty="0" smtClean="0"/>
+                  <a:t> </a:t>
+                </a:r>
+                <a:r>
+                  <a:rPr lang="en-US" sz="1200" dirty="0" err="1" smtClean="0"/>
+                  <a:t>tende</a:t>
+                </a:r>
+                <a:r>
+                  <a:rPr lang="en-US" sz="1200" dirty="0" smtClean="0"/>
+                  <a:t> a 1, a </a:t>
+                </a:r>
+                <a:r>
+                  <a:rPr lang="en-US" sz="1200" dirty="0" err="1" smtClean="0"/>
+                  <a:t>derivada</a:t>
+                </a:r>
+                <a:r>
+                  <a:rPr lang="en-US" sz="1200" dirty="0" smtClean="0"/>
+                  <a:t> </a:t>
+                </a:r>
+                <a:r>
+                  <a:rPr lang="en-US" sz="1200" dirty="0" err="1" smtClean="0"/>
+                  <a:t>tende</a:t>
+                </a:r>
+                <a:r>
+                  <a:rPr lang="en-US" sz="1200" dirty="0" smtClean="0"/>
+                  <a:t> a 0.</a:t>
+                </a:r>
+              </a:p>
+            </p:txBody>
+          </p:sp>
+        </mc:Choice>
+        <mc:Fallback>
+          <p:sp>
+            <p:nvSpPr>
+              <p:cNvPr id="20" name="CaixaDeTexto 19">
+                <a:extLst>
+                  <a:ext uri="{FF2B5EF4-FFF2-40B4-BE49-F238E27FC236}">
+                    <a16:creationId xmlns:a16="http://schemas.microsoft.com/office/drawing/2014/main" xmlns="" id="{4CCEF927-B8CC-4C90-A772-24E6A0CFD474}"/>
+                  </a:ext>
+                </a:extLst>
+              </p:cNvPr>
+              <p:cNvSpPr txBox="1">
+                <a:spLocks noRot="1" noChangeAspect="1" noMove="1" noResize="1" noEditPoints="1" noAdjustHandles="1" noChangeArrowheads="1" noChangeShapeType="1" noTextEdit="1"/>
+              </p:cNvSpPr>
+              <p:nvPr/>
+            </p:nvSpPr>
+            <p:spPr>
+              <a:xfrm>
+                <a:off x="10580651" y="5160645"/>
+                <a:ext cx="1500099" cy="646331"/>
+              </a:xfrm>
+              <a:prstGeom prst="rect">
+                <a:avLst/>
+              </a:prstGeom>
+              <a:blipFill rotWithShape="0">
+                <a:blip r:embed="rId7"/>
+                <a:stretch>
+                  <a:fillRect t="-943" b="-6604"/>
+                </a:stretch>
+              </a:blipFill>
+            </p:spPr>
+            <p:txBody>
+              <a:bodyPr/>
+              <a:lstStyle/>
+              <a:p>
+                <a:r>
+                  <a:rPr lang="pt-BR">
+                    <a:noFill/>
+                  </a:rPr>
+                  <a:t> </a:t>
+                </a:r>
+              </a:p>
+            </p:txBody>
+          </p:sp>
+        </mc:Fallback>
+      </mc:AlternateContent>
+      <mc:AlternateContent xmlns:mc="http://schemas.openxmlformats.org/markup-compatibility/2006">
+        <mc:Choice xmlns:a14="http://schemas.microsoft.com/office/drawing/2010/main" Requires="a14">
+          <p:sp>
+            <p:nvSpPr>
+              <p:cNvPr id="21" name="CaixaDeTexto 20">
+                <a:extLst>
+                  <a:ext uri="{FF2B5EF4-FFF2-40B4-BE49-F238E27FC236}">
+                    <a16:creationId xmlns:a16="http://schemas.microsoft.com/office/drawing/2014/main" xmlns="" id="{4CCEF927-B8CC-4C90-A772-24E6A0CFD474}"/>
+                  </a:ext>
+                </a:extLst>
+              </p:cNvPr>
+              <p:cNvSpPr txBox="1"/>
+              <p:nvPr/>
+            </p:nvSpPr>
+            <p:spPr>
+              <a:xfrm>
+                <a:off x="5705401" y="5312855"/>
+                <a:ext cx="1500099" cy="646331"/>
+              </a:xfrm>
+              <a:prstGeom prst="rect">
+                <a:avLst/>
+              </a:prstGeom>
+              <a:noFill/>
+            </p:spPr>
+            <p:txBody>
+              <a:bodyPr wrap="square" rtlCol="0">
+                <a:spAutoFit/>
+              </a:bodyPr>
+              <a:lstStyle/>
+              <a:p>
+                <a:pPr algn="ctr"/>
+                <a:r>
+                  <a:rPr lang="en-US" sz="1200" dirty="0" err="1" smtClean="0"/>
+                  <a:t>s</a:t>
+                </a:r>
+                <a:r>
+                  <a:rPr lang="en-US" sz="1200" dirty="0" err="1" smtClean="0"/>
+                  <a:t>aturação</a:t>
+                </a:r>
+                <a:r>
+                  <a:rPr lang="en-US" sz="1200" dirty="0" smtClean="0"/>
+                  <a:t>: </a:t>
+                </a:r>
+              </a:p>
+              <a:p>
+                <a:pPr algn="ctr"/>
+                <a:r>
+                  <a:rPr lang="en-US" sz="1200" dirty="0" err="1" smtClean="0"/>
+                  <a:t>quando</a:t>
+                </a:r>
+                <a:r>
+                  <a:rPr lang="en-US" sz="1200" dirty="0" smtClean="0"/>
+                  <a:t> </a:t>
+                </a:r>
+                <a14:m>
+                  <m:oMath xmlns:m="http://schemas.openxmlformats.org/officeDocument/2006/math">
+                    <m:r>
+                      <a:rPr lang="pt-BR" sz="1200" i="1">
+                        <a:latin typeface="Cambria Math" panose="02040503050406030204" pitchFamily="18" charset="0"/>
+                      </a:rPr>
+                      <m:t>𝑦</m:t>
+                    </m:r>
+                  </m:oMath>
+                </a14:m>
+                <a:r>
+                  <a:rPr lang="en-US" sz="1200" dirty="0" smtClean="0"/>
+                  <a:t> </a:t>
+                </a:r>
+                <a:r>
+                  <a:rPr lang="en-US" sz="1200" dirty="0" err="1" smtClean="0"/>
+                  <a:t>tende</a:t>
+                </a:r>
+                <a:r>
+                  <a:rPr lang="en-US" sz="1200" dirty="0" smtClean="0"/>
+                  <a:t> a 0, a </a:t>
+                </a:r>
+                <a:r>
+                  <a:rPr lang="en-US" sz="1200" dirty="0" err="1" smtClean="0"/>
+                  <a:t>derivada</a:t>
+                </a:r>
+                <a:r>
+                  <a:rPr lang="en-US" sz="1200" dirty="0" smtClean="0"/>
+                  <a:t> </a:t>
+                </a:r>
+                <a:r>
+                  <a:rPr lang="en-US" sz="1200" dirty="0" err="1" smtClean="0"/>
+                  <a:t>tende</a:t>
+                </a:r>
+                <a:r>
+                  <a:rPr lang="en-US" sz="1200" dirty="0" smtClean="0"/>
+                  <a:t> a 0.</a:t>
+                </a:r>
+              </a:p>
+            </p:txBody>
+          </p:sp>
+        </mc:Choice>
+        <mc:Fallback>
+          <p:sp>
+            <p:nvSpPr>
+              <p:cNvPr id="21" name="CaixaDeTexto 20">
+                <a:extLst>
+                  <a:ext uri="{FF2B5EF4-FFF2-40B4-BE49-F238E27FC236}">
+                    <a16:creationId xmlns:a16="http://schemas.microsoft.com/office/drawing/2014/main" xmlns="" id="{4CCEF927-B8CC-4C90-A772-24E6A0CFD474}"/>
+                  </a:ext>
+                </a:extLst>
+              </p:cNvPr>
+              <p:cNvSpPr txBox="1">
+                <a:spLocks noRot="1" noChangeAspect="1" noMove="1" noResize="1" noEditPoints="1" noAdjustHandles="1" noChangeArrowheads="1" noChangeShapeType="1" noTextEdit="1"/>
+              </p:cNvSpPr>
+              <p:nvPr/>
+            </p:nvSpPr>
+            <p:spPr>
+              <a:xfrm>
+                <a:off x="5705401" y="5312855"/>
+                <a:ext cx="1500099" cy="646331"/>
+              </a:xfrm>
+              <a:prstGeom prst="rect">
+                <a:avLst/>
+              </a:prstGeom>
+              <a:blipFill rotWithShape="0">
+                <a:blip r:embed="rId8"/>
+                <a:stretch>
+                  <a:fillRect t="-943" r="-407" b="-6604"/>
+                </a:stretch>
+              </a:blipFill>
+            </p:spPr>
+            <p:txBody>
+              <a:bodyPr/>
+              <a:lstStyle/>
+              <a:p>
+                <a:r>
+                  <a:rPr lang="pt-BR">
+                    <a:noFill/>
+                  </a:rPr>
+                  <a:t> </a:t>
+                </a:r>
+              </a:p>
+            </p:txBody>
+          </p:sp>
+        </mc:Fallback>
+      </mc:AlternateContent>
+      <mc:AlternateContent xmlns:mc="http://schemas.openxmlformats.org/markup-compatibility/2006">
+        <mc:Choice xmlns:a14="http://schemas.microsoft.com/office/drawing/2010/main" Requires="a14">
+          <p:sp>
+            <p:nvSpPr>
+              <p:cNvPr id="22" name="CaixaDeTexto 21">
+                <a:extLst>
+                  <a:ext uri="{FF2B5EF4-FFF2-40B4-BE49-F238E27FC236}">
+                    <a16:creationId xmlns:a16="http://schemas.microsoft.com/office/drawing/2014/main" xmlns="" id="{4CCEF927-B8CC-4C90-A772-24E6A0CFD474}"/>
+                  </a:ext>
+                </a:extLst>
+              </p:cNvPr>
+              <p:cNvSpPr txBox="1"/>
+              <p:nvPr/>
+            </p:nvSpPr>
+            <p:spPr>
+              <a:xfrm>
+                <a:off x="69826" y="5095414"/>
+                <a:ext cx="1500099" cy="646331"/>
+              </a:xfrm>
+              <a:prstGeom prst="rect">
+                <a:avLst/>
+              </a:prstGeom>
+              <a:noFill/>
+            </p:spPr>
+            <p:txBody>
+              <a:bodyPr wrap="square" rtlCol="0">
+                <a:spAutoFit/>
+              </a:bodyPr>
+              <a:lstStyle/>
+              <a:p>
+                <a:pPr algn="ctr"/>
+                <a:r>
+                  <a:rPr lang="en-US" sz="1200" dirty="0" smtClean="0"/>
+                  <a:t>s</a:t>
+                </a:r>
+                <a:r>
+                  <a:rPr lang="en-US" sz="1200" dirty="0" err="1" smtClean="0"/>
+                  <a:t>aturação</a:t>
+                </a:r>
+                <a:r>
+                  <a:rPr lang="en-US" sz="1200" dirty="0" smtClean="0"/>
+                  <a:t>:</a:t>
+                </a:r>
+              </a:p>
+              <a:p>
+                <a:pPr algn="ctr"/>
+                <a:r>
+                  <a:rPr lang="en-US" sz="1200" dirty="0" smtClean="0"/>
+                  <a:t>valor de </a:t>
+                </a:r>
+                <a14:m>
+                  <m:oMath xmlns:m="http://schemas.openxmlformats.org/officeDocument/2006/math">
+                    <m:r>
+                      <a:rPr lang="pt-BR" sz="1200" b="0" i="1" smtClean="0">
+                        <a:latin typeface="Cambria Math" panose="02040503050406030204" pitchFamily="18" charset="0"/>
+                      </a:rPr>
+                      <m:t>𝑦</m:t>
+                    </m:r>
+                  </m:oMath>
+                </a14:m>
+                <a:r>
+                  <a:rPr lang="en-US" sz="1200" dirty="0" smtClean="0"/>
+                  <a:t> </a:t>
+                </a:r>
+                <a:r>
+                  <a:rPr lang="en-US" sz="1200" dirty="0" err="1" smtClean="0"/>
+                  <a:t>tende</a:t>
+                </a:r>
+                <a:r>
+                  <a:rPr lang="en-US" sz="1200" dirty="0" smtClean="0"/>
+                  <a:t> a 0 </a:t>
+                </a:r>
+                <a:r>
+                  <a:rPr lang="en-US" sz="1200" dirty="0" err="1" smtClean="0"/>
+                  <a:t>quando</a:t>
+                </a:r>
+                <a:r>
+                  <a:rPr lang="en-US" sz="1200" dirty="0" smtClean="0"/>
+                  <a:t> </a:t>
+                </a:r>
+                <a14:m>
+                  <m:oMath xmlns:m="http://schemas.openxmlformats.org/officeDocument/2006/math">
+                    <m:r>
+                      <a:rPr lang="pt-BR" sz="1200" i="1">
+                        <a:latin typeface="Cambria Math" panose="02040503050406030204" pitchFamily="18" charset="0"/>
+                      </a:rPr>
+                      <m:t>𝑔</m:t>
+                    </m:r>
+                    <m:d>
+                      <m:dPr>
+                        <m:ctrlPr>
+                          <a:rPr lang="pt-BR" sz="1200" i="1">
+                            <a:latin typeface="Cambria Math" panose="02040503050406030204" pitchFamily="18" charset="0"/>
+                          </a:rPr>
+                        </m:ctrlPr>
+                      </m:dPr>
+                      <m:e>
+                        <m:r>
+                          <a:rPr lang="pt-BR" sz="1200" b="1" i="1">
+                            <a:latin typeface="Cambria Math" panose="02040503050406030204" pitchFamily="18" charset="0"/>
+                          </a:rPr>
+                          <m:t>𝒙</m:t>
+                        </m:r>
+                      </m:e>
+                    </m:d>
+                    <m:r>
+                      <a:rPr lang="pt-BR" sz="1200" i="1" smtClean="0">
+                        <a:latin typeface="Cambria Math" panose="02040503050406030204" pitchFamily="18" charset="0"/>
+                        <a:ea typeface="Cambria Math" panose="02040503050406030204" pitchFamily="18" charset="0"/>
+                      </a:rPr>
+                      <m:t>→</m:t>
+                    </m:r>
+                    <m:r>
+                      <a:rPr lang="pt-BR" sz="1200" b="0" i="1" smtClean="0">
+                        <a:latin typeface="Cambria Math" panose="02040503050406030204" pitchFamily="18" charset="0"/>
+                        <a:ea typeface="Cambria Math" panose="02040503050406030204" pitchFamily="18" charset="0"/>
+                      </a:rPr>
+                      <m:t>−</m:t>
+                    </m:r>
+                    <m:r>
+                      <a:rPr lang="pt-BR" sz="1200" i="1" smtClean="0">
+                        <a:latin typeface="Cambria Math" panose="02040503050406030204" pitchFamily="18" charset="0"/>
+                        <a:ea typeface="Cambria Math" panose="02040503050406030204" pitchFamily="18" charset="0"/>
+                      </a:rPr>
+                      <m:t>∞</m:t>
+                    </m:r>
+                  </m:oMath>
+                </a14:m>
+                <a:r>
+                  <a:rPr lang="en-US" sz="1200" dirty="0" smtClean="0"/>
+                  <a:t>. </a:t>
+                </a:r>
+                <a:endParaRPr lang="en-US" sz="1200" dirty="0"/>
+              </a:p>
+            </p:txBody>
+          </p:sp>
+        </mc:Choice>
+        <mc:Fallback>
+          <p:sp>
+            <p:nvSpPr>
+              <p:cNvPr id="22" name="CaixaDeTexto 21">
+                <a:extLst>
+                  <a:ext uri="{FF2B5EF4-FFF2-40B4-BE49-F238E27FC236}">
+                    <a16:creationId xmlns:a16="http://schemas.microsoft.com/office/drawing/2014/main" xmlns="" id="{4CCEF927-B8CC-4C90-A772-24E6A0CFD474}"/>
+                  </a:ext>
+                </a:extLst>
+              </p:cNvPr>
+              <p:cNvSpPr txBox="1">
+                <a:spLocks noRot="1" noChangeAspect="1" noMove="1" noResize="1" noEditPoints="1" noAdjustHandles="1" noChangeArrowheads="1" noChangeShapeType="1" noTextEdit="1"/>
+              </p:cNvSpPr>
+              <p:nvPr/>
+            </p:nvSpPr>
+            <p:spPr>
+              <a:xfrm>
+                <a:off x="69826" y="5095414"/>
+                <a:ext cx="1500099" cy="646331"/>
+              </a:xfrm>
+              <a:prstGeom prst="rect">
+                <a:avLst/>
+              </a:prstGeom>
+              <a:blipFill rotWithShape="0">
+                <a:blip r:embed="rId9"/>
+                <a:stretch>
+                  <a:fillRect t="-943" r="-2024" b="-6604"/>
+                </a:stretch>
+              </a:blipFill>
+            </p:spPr>
+            <p:txBody>
+              <a:bodyPr/>
+              <a:lstStyle/>
+              <a:p>
+                <a:r>
+                  <a:rPr lang="pt-BR">
+                    <a:noFill/>
+                  </a:rPr>
+                  <a:t> </a:t>
+                </a:r>
+              </a:p>
+            </p:txBody>
+          </p:sp>
+        </mc:Fallback>
+      </mc:AlternateContent>
+      <p:cxnSp>
+        <p:nvCxnSpPr>
+          <p:cNvPr id="23" name="Conector de Seta Reta 5">
+            <a:extLst>
+              <a:ext uri="{FF2B5EF4-FFF2-40B4-BE49-F238E27FC236}">
+                <a16:creationId xmlns:a16="http://schemas.microsoft.com/office/drawing/2014/main" xmlns="" id="{022BDF03-3B8A-4862-8739-B578666F19DF}"/>
+              </a:ext>
+            </a:extLst>
+          </p:cNvPr>
+          <p:cNvCxnSpPr>
+            <a:cxnSpLocks/>
+            <a:stCxn id="21" idx="2"/>
+          </p:cNvCxnSpPr>
+          <p:nvPr/>
+        </p:nvCxnSpPr>
+        <p:spPr>
+          <a:xfrm>
+            <a:off x="6455451" y="5959186"/>
+            <a:ext cx="1307424" cy="149972"/>
           </a:xfrm>
           <a:prstGeom prst="straightConnector1">
             <a:avLst/>
@@ -21332,7 +22492,7 @@
         </p:blipFill>
         <p:spPr>
           <a:xfrm>
-            <a:off x="838200" y="3941962"/>
+            <a:off x="1390650" y="3941962"/>
             <a:ext cx="3882075" cy="2911556"/>
           </a:xfrm>
           <a:prstGeom prst="rect">
@@ -21401,7 +22561,7 @@
         </p:nvSpPr>
         <p:spPr>
           <a:xfrm>
-            <a:off x="1218479" y="4208545"/>
+            <a:off x="1841486" y="4203733"/>
             <a:ext cx="1718234" cy="923330"/>
           </a:xfrm>
           <a:prstGeom prst="rect">
@@ -21422,8 +22582,8 @@
           </a:p>
         </p:txBody>
       </p:sp>
-      <mc:AlternateContent xmlns:mc="http://schemas.openxmlformats.org/markup-compatibility/2006" xmlns:a14="http://schemas.microsoft.com/office/drawing/2010/main">
-        <mc:Choice Requires="a14">
+      <mc:AlternateContent xmlns:mc="http://schemas.openxmlformats.org/markup-compatibility/2006">
+        <mc:Choice xmlns:a14="http://schemas.microsoft.com/office/drawing/2010/main" Requires="a14">
           <p:sp>
             <p:nvSpPr>
               <p:cNvPr id="13" name="CaixaDeTexto 12"/>
@@ -21433,7 +22593,7 @@
             <p:spPr>
               <a:xfrm>
                 <a:off x="9714019" y="2862049"/>
-                <a:ext cx="2049356" cy="738664"/>
+                <a:ext cx="2049356" cy="646331"/>
               </a:xfrm>
               <a:prstGeom prst="rect">
                 <a:avLst/>
@@ -21448,13 +22608,13 @@
               <a:p>
                 <a:pPr algn="ctr"/>
                 <a:r>
-                  <a:rPr lang="pt-BR" sz="1400" dirty="0"/>
+                  <a:rPr lang="pt-BR" sz="1200" dirty="0" smtClean="0"/>
                   <a:t>A derivada é no máximo igual a 1 quando </a:t>
                 </a:r>
                 <a14:m>
                   <m:oMath xmlns:m="http://schemas.openxmlformats.org/officeDocument/2006/math">
                     <m:r>
-                      <a:rPr lang="pt-BR" sz="1400" b="0" i="1" smtClean="0">
+                      <a:rPr lang="pt-BR" sz="1200" b="0" i="1" smtClean="0">
                         <a:latin typeface="Cambria Math" panose="02040503050406030204" pitchFamily="18" charset="0"/>
                       </a:rPr>
                       <m:t>𝑧</m:t>
@@ -21462,14 +22622,50 @@
                   </m:oMath>
                 </a14:m>
                 <a:r>
-                  <a:rPr lang="pt-BR" sz="1400" dirty="0"/>
-                  <a:t> é exatamente igual a 0. </a:t>
+                  <a:rPr lang="pt-BR" sz="1200" dirty="0" smtClean="0"/>
+                  <a:t>, </a:t>
+                </a:r>
+                <a14:m>
+                  <m:oMath xmlns:m="http://schemas.openxmlformats.org/officeDocument/2006/math">
+                    <m:r>
+                      <a:rPr lang="pt-BR" sz="1200" i="1">
+                        <a:latin typeface="Cambria Math" panose="02040503050406030204" pitchFamily="18" charset="0"/>
+                      </a:rPr>
+                      <m:t>𝑔</m:t>
+                    </m:r>
+                    <m:r>
+                      <a:rPr lang="pt-BR" sz="1200" i="1">
+                        <a:latin typeface="Cambria Math" panose="02040503050406030204" pitchFamily="18" charset="0"/>
+                      </a:rPr>
+                      <m:t>(</m:t>
+                    </m:r>
+                    <m:r>
+                      <a:rPr lang="pt-BR" sz="1200" b="1" i="1">
+                        <a:latin typeface="Cambria Math" panose="02040503050406030204" pitchFamily="18" charset="0"/>
+                      </a:rPr>
+                      <m:t>𝒙</m:t>
+                    </m:r>
+                    <m:r>
+                      <a:rPr lang="pt-BR" sz="1200" i="1">
+                        <a:latin typeface="Cambria Math" panose="02040503050406030204" pitchFamily="18" charset="0"/>
+                      </a:rPr>
+                      <m:t>)</m:t>
+                    </m:r>
+                  </m:oMath>
+                </a14:m>
+                <a:r>
+                  <a:rPr lang="pt-BR" sz="1200" dirty="0" smtClean="0"/>
+                  <a:t>, </a:t>
+                </a:r>
+                <a:r>
+                  <a:rPr lang="pt-BR" sz="1200" dirty="0"/>
+                  <a:t>é exatamente igual a 0. </a:t>
                 </a:r>
               </a:p>
             </p:txBody>
           </p:sp>
         </mc:Choice>
-        <mc:Fallback xmlns="">
+        <mc:Fallback>
           <p:sp>
             <p:nvSpPr>
               <p:cNvPr id="13" name="CaixaDeTexto 12"/>
@@ -21481,7 +22677,7 @@
             <p:spPr>
               <a:xfrm>
                 <a:off x="9714019" y="2862049"/>
-                <a:ext cx="2049356" cy="738664"/>
+                <a:ext cx="2049356" cy="646331"/>
               </a:xfrm>
               <a:prstGeom prst="rect">
                 <a:avLst/>
@@ -21489,7 +22685,7 @@
               <a:blipFill rotWithShape="0">
                 <a:blip r:embed="rId6"/>
                 <a:stretch>
-                  <a:fillRect t="-820" b="-7377"/>
+                  <a:fillRect r="-595" b="-5607"/>
                 </a:stretch>
               </a:blipFill>
             </p:spPr>
@@ -21518,8 +22714,8 @@
         </p:nvCxnSpPr>
         <p:spPr>
           <a:xfrm flipH="1">
-            <a:off x="9505951" y="3600713"/>
-            <a:ext cx="1232746" cy="452254"/>
+            <a:off x="9505951" y="3508380"/>
+            <a:ext cx="1232746" cy="544587"/>
           </a:xfrm>
           <a:prstGeom prst="straightConnector1">
             <a:avLst/>
@@ -21546,85 +22742,12 @@
           </a:fontRef>
         </p:style>
       </p:cxnSp>
-      <p:sp>
-        <p:nvSpPr>
-          <p:cNvPr id="11" name="CaixaDeTexto 10">
-            <a:extLst>
-              <a:ext uri="{FF2B5EF4-FFF2-40B4-BE49-F238E27FC236}">
-                <a16:creationId xmlns="" xmlns:a16="http://schemas.microsoft.com/office/drawing/2014/main" id="{CCFCC359-B4F8-41A1-B341-4ABBACDCE636}"/>
-              </a:ext>
-            </a:extLst>
-          </p:cNvPr>
-          <p:cNvSpPr txBox="1"/>
-          <p:nvPr/>
-        </p:nvSpPr>
-        <p:spPr>
-          <a:xfrm>
-            <a:off x="4198600" y="4733745"/>
-            <a:ext cx="901954" cy="307777"/>
-          </a:xfrm>
-          <a:prstGeom prst="rect">
-            <a:avLst/>
-          </a:prstGeom>
-          <a:noFill/>
-        </p:spPr>
-        <p:txBody>
-          <a:bodyPr wrap="square" rtlCol="0">
-            <a:spAutoFit/>
-          </a:bodyPr>
-          <a:lstStyle/>
-          <a:p>
-            <a:pPr algn="ctr"/>
-            <a:r>
-              <a:rPr lang="en-US" sz="1400" dirty="0" err="1"/>
-              <a:t>saturação</a:t>
-            </a:r>
-            <a:endParaRPr lang="en-US" sz="1400" dirty="0"/>
-          </a:p>
-        </p:txBody>
-      </p:sp>
-      <p:sp>
-        <p:nvSpPr>
-          <p:cNvPr id="12" name="CaixaDeTexto 11">
-            <a:extLst>
-              <a:ext uri="{FF2B5EF4-FFF2-40B4-BE49-F238E27FC236}">
-                <a16:creationId xmlns="" xmlns:a16="http://schemas.microsoft.com/office/drawing/2014/main" id="{2D15771D-561A-4851-BEE3-494320A67726}"/>
-              </a:ext>
-            </a:extLst>
-          </p:cNvPr>
-          <p:cNvSpPr txBox="1"/>
-          <p:nvPr/>
-        </p:nvSpPr>
-        <p:spPr>
-          <a:xfrm>
-            <a:off x="81627" y="5564115"/>
-            <a:ext cx="968353" cy="307777"/>
-          </a:xfrm>
-          <a:prstGeom prst="rect">
-            <a:avLst/>
-          </a:prstGeom>
-          <a:noFill/>
-        </p:spPr>
-        <p:txBody>
-          <a:bodyPr wrap="square" rtlCol="0">
-            <a:spAutoFit/>
-          </a:bodyPr>
-          <a:lstStyle/>
-          <a:p>
-            <a:r>
-              <a:rPr lang="en-US" sz="1400" dirty="0" err="1"/>
-              <a:t>saturação</a:t>
-            </a:r>
-            <a:endParaRPr lang="en-US" sz="1400" dirty="0"/>
-          </a:p>
-        </p:txBody>
-      </p:sp>
       <p:cxnSp>
         <p:nvCxnSpPr>
           <p:cNvPr id="14" name="Conector de Seta Reta 13">
             <a:extLst>
               <a:ext uri="{FF2B5EF4-FFF2-40B4-BE49-F238E27FC236}">
-                <a16:creationId xmlns="" xmlns:a16="http://schemas.microsoft.com/office/drawing/2014/main" id="{5C617E03-F638-4320-8FDA-A6A62315797C}"/>
+                <a16:creationId xmlns:a16="http://schemas.microsoft.com/office/drawing/2014/main" xmlns="" id="{5C617E03-F638-4320-8FDA-A6A62315797C}"/>
               </a:ext>
             </a:extLst>
           </p:cNvPr>
@@ -21635,7 +22758,7 @@
         </p:nvCxnSpPr>
         <p:spPr>
           <a:xfrm flipH="1" flipV="1">
-            <a:off x="3853800" y="4241699"/>
+            <a:off x="4406250" y="4241699"/>
             <a:ext cx="814675" cy="492046"/>
           </a:xfrm>
           <a:prstGeom prst="straightConnector1">
@@ -21668,19 +22791,18 @@
           <p:cNvPr id="16" name="Conector de Seta Reta 15">
             <a:extLst>
               <a:ext uri="{FF2B5EF4-FFF2-40B4-BE49-F238E27FC236}">
-                <a16:creationId xmlns="" xmlns:a16="http://schemas.microsoft.com/office/drawing/2014/main" id="{9F0A5C87-8500-4308-83F7-0C62ED06739C}"/>
+                <a16:creationId xmlns:a16="http://schemas.microsoft.com/office/drawing/2014/main" xmlns="" id="{9F0A5C87-8500-4308-83F7-0C62ED06739C}"/>
               </a:ext>
             </a:extLst>
           </p:cNvPr>
           <p:cNvCxnSpPr>
             <a:cxnSpLocks/>
-            <a:stCxn id="12" idx="2"/>
           </p:cNvCxnSpPr>
           <p:nvPr/>
         </p:nvCxnSpPr>
         <p:spPr>
           <a:xfrm>
-            <a:off x="565804" y="5871892"/>
+            <a:off x="1203979" y="5904055"/>
             <a:ext cx="991691" cy="549005"/>
           </a:xfrm>
           <a:prstGeom prst="straightConnector1">
@@ -21708,6 +22830,357 @@
           </a:fontRef>
         </p:style>
       </p:cxnSp>
+      <mc:AlternateContent xmlns:mc="http://schemas.openxmlformats.org/markup-compatibility/2006">
+        <mc:Choice xmlns:a14="http://schemas.microsoft.com/office/drawing/2010/main" Requires="a14">
+          <p:sp>
+            <p:nvSpPr>
+              <p:cNvPr id="17" name="CaixaDeTexto 16">
+                <a:extLst>
+                  <a:ext uri="{FF2B5EF4-FFF2-40B4-BE49-F238E27FC236}">
+                    <a16:creationId xmlns:a16="http://schemas.microsoft.com/office/drawing/2014/main" xmlns="" id="{4CCEF927-B8CC-4C90-A772-24E6A0CFD474}"/>
+                  </a:ext>
+                </a:extLst>
+              </p:cNvPr>
+              <p:cNvSpPr txBox="1"/>
+              <p:nvPr/>
+            </p:nvSpPr>
+            <p:spPr>
+              <a:xfrm>
+                <a:off x="4981219" y="4599311"/>
+                <a:ext cx="1500099" cy="646331"/>
+              </a:xfrm>
+              <a:prstGeom prst="rect">
+                <a:avLst/>
+              </a:prstGeom>
+              <a:noFill/>
+            </p:spPr>
+            <p:txBody>
+              <a:bodyPr wrap="square" rtlCol="0">
+                <a:spAutoFit/>
+              </a:bodyPr>
+              <a:lstStyle/>
+              <a:p>
+                <a:pPr algn="ctr"/>
+                <a:r>
+                  <a:rPr lang="en-US" sz="1200" dirty="0" smtClean="0"/>
+                  <a:t>s</a:t>
+                </a:r>
+                <a:r>
+                  <a:rPr lang="en-US" sz="1200" dirty="0" err="1" smtClean="0"/>
+                  <a:t>aturação</a:t>
+                </a:r>
+                <a:r>
+                  <a:rPr lang="en-US" sz="1200" dirty="0" smtClean="0"/>
+                  <a:t>:</a:t>
+                </a:r>
+              </a:p>
+              <a:p>
+                <a:pPr algn="ctr"/>
+                <a:r>
+                  <a:rPr lang="en-US" sz="1200" dirty="0" smtClean="0"/>
+                  <a:t>valor de </a:t>
+                </a:r>
+                <a14:m>
+                  <m:oMath xmlns:m="http://schemas.openxmlformats.org/officeDocument/2006/math">
+                    <m:r>
+                      <a:rPr lang="pt-BR" sz="1200" b="0" i="1" smtClean="0">
+                        <a:latin typeface="Cambria Math" panose="02040503050406030204" pitchFamily="18" charset="0"/>
+                      </a:rPr>
+                      <m:t>𝑦</m:t>
+                    </m:r>
+                  </m:oMath>
+                </a14:m>
+                <a:r>
+                  <a:rPr lang="en-US" sz="1200" dirty="0" smtClean="0"/>
+                  <a:t> </a:t>
+                </a:r>
+                <a:r>
+                  <a:rPr lang="en-US" sz="1200" dirty="0" err="1" smtClean="0"/>
+                  <a:t>tende</a:t>
+                </a:r>
+                <a:r>
+                  <a:rPr lang="en-US" sz="1200" dirty="0" smtClean="0"/>
+                  <a:t> a 1 </a:t>
+                </a:r>
+                <a:r>
+                  <a:rPr lang="en-US" sz="1200" dirty="0" err="1" smtClean="0"/>
+                  <a:t>quando</a:t>
+                </a:r>
+                <a:r>
+                  <a:rPr lang="en-US" sz="1200" dirty="0" smtClean="0"/>
+                  <a:t> </a:t>
+                </a:r>
+                <a14:m>
+                  <m:oMath xmlns:m="http://schemas.openxmlformats.org/officeDocument/2006/math">
+                    <m:r>
+                      <a:rPr lang="pt-BR" sz="1200" i="1">
+                        <a:latin typeface="Cambria Math" panose="02040503050406030204" pitchFamily="18" charset="0"/>
+                      </a:rPr>
+                      <m:t>𝑔</m:t>
+                    </m:r>
+                    <m:r>
+                      <a:rPr lang="pt-BR" sz="1200" i="1">
+                        <a:latin typeface="Cambria Math" panose="02040503050406030204" pitchFamily="18" charset="0"/>
+                      </a:rPr>
+                      <m:t>(</m:t>
+                    </m:r>
+                    <m:r>
+                      <a:rPr lang="pt-BR" sz="1200" b="1" i="1">
+                        <a:latin typeface="Cambria Math" panose="02040503050406030204" pitchFamily="18" charset="0"/>
+                      </a:rPr>
+                      <m:t>𝒙</m:t>
+                    </m:r>
+                    <m:r>
+                      <a:rPr lang="pt-BR" sz="1200" i="1">
+                        <a:latin typeface="Cambria Math" panose="02040503050406030204" pitchFamily="18" charset="0"/>
+                      </a:rPr>
+                      <m:t>)</m:t>
+                    </m:r>
+                    <m:r>
+                      <a:rPr lang="pt-BR" sz="1200" i="1" smtClean="0">
+                        <a:latin typeface="Cambria Math" panose="02040503050406030204" pitchFamily="18" charset="0"/>
+                        <a:ea typeface="Cambria Math" panose="02040503050406030204" pitchFamily="18" charset="0"/>
+                      </a:rPr>
+                      <m:t>→∞</m:t>
+                    </m:r>
+                  </m:oMath>
+                </a14:m>
+                <a:r>
+                  <a:rPr lang="en-US" sz="1200" dirty="0" smtClean="0"/>
+                  <a:t>. </a:t>
+                </a:r>
+                <a:endParaRPr lang="en-US" sz="1200" dirty="0"/>
+              </a:p>
+            </p:txBody>
+          </p:sp>
+        </mc:Choice>
+        <mc:Fallback>
+          <p:sp>
+            <p:nvSpPr>
+              <p:cNvPr id="17" name="CaixaDeTexto 16">
+                <a:extLst>
+                  <a:ext uri="{FF2B5EF4-FFF2-40B4-BE49-F238E27FC236}">
+                    <a16:creationId xmlns:a16="http://schemas.microsoft.com/office/drawing/2014/main" xmlns="" id="{4CCEF927-B8CC-4C90-A772-24E6A0CFD474}"/>
+                  </a:ext>
+                </a:extLst>
+              </p:cNvPr>
+              <p:cNvSpPr txBox="1">
+                <a:spLocks noRot="1" noChangeAspect="1" noMove="1" noResize="1" noEditPoints="1" noAdjustHandles="1" noChangeArrowheads="1" noChangeShapeType="1" noTextEdit="1"/>
+              </p:cNvSpPr>
+              <p:nvPr/>
+            </p:nvSpPr>
+            <p:spPr>
+              <a:xfrm>
+                <a:off x="4981219" y="4599311"/>
+                <a:ext cx="1500099" cy="646331"/>
+              </a:xfrm>
+              <a:prstGeom prst="rect">
+                <a:avLst/>
+              </a:prstGeom>
+              <a:blipFill rotWithShape="0">
+                <a:blip r:embed="rId7"/>
+                <a:stretch>
+                  <a:fillRect b="-5607"/>
+                </a:stretch>
+              </a:blipFill>
+            </p:spPr>
+            <p:txBody>
+              <a:bodyPr/>
+              <a:lstStyle/>
+              <a:p>
+                <a:r>
+                  <a:rPr lang="pt-BR">
+                    <a:noFill/>
+                  </a:rPr>
+                  <a:t> </a:t>
+                </a:r>
+              </a:p>
+            </p:txBody>
+          </p:sp>
+        </mc:Fallback>
+      </mc:AlternateContent>
+      <mc:AlternateContent xmlns:mc="http://schemas.openxmlformats.org/markup-compatibility/2006">
+        <mc:Choice xmlns:a14="http://schemas.microsoft.com/office/drawing/2010/main" Requires="a14">
+          <p:sp>
+            <p:nvSpPr>
+              <p:cNvPr id="18" name="CaixaDeTexto 17">
+                <a:extLst>
+                  <a:ext uri="{FF2B5EF4-FFF2-40B4-BE49-F238E27FC236}">
+                    <a16:creationId xmlns:a16="http://schemas.microsoft.com/office/drawing/2014/main" xmlns="" id="{4CCEF927-B8CC-4C90-A772-24E6A0CFD474}"/>
+                  </a:ext>
+                </a:extLst>
+              </p:cNvPr>
+              <p:cNvSpPr txBox="1"/>
+              <p:nvPr/>
+            </p:nvSpPr>
+            <p:spPr>
+              <a:xfrm>
+                <a:off x="88150" y="5257724"/>
+                <a:ext cx="1500099" cy="646331"/>
+              </a:xfrm>
+              <a:prstGeom prst="rect">
+                <a:avLst/>
+              </a:prstGeom>
+              <a:noFill/>
+            </p:spPr>
+            <p:txBody>
+              <a:bodyPr wrap="square" rtlCol="0">
+                <a:spAutoFit/>
+              </a:bodyPr>
+              <a:lstStyle/>
+              <a:p>
+                <a:pPr algn="ctr"/>
+                <a:r>
+                  <a:rPr lang="en-US" sz="1200" dirty="0" smtClean="0"/>
+                  <a:t>s</a:t>
+                </a:r>
+                <a:r>
+                  <a:rPr lang="en-US" sz="1200" dirty="0" err="1" smtClean="0"/>
+                  <a:t>aturação</a:t>
+                </a:r>
+                <a:r>
+                  <a:rPr lang="en-US" sz="1200" dirty="0" smtClean="0"/>
+                  <a:t>:</a:t>
+                </a:r>
+              </a:p>
+              <a:p>
+                <a:pPr algn="ctr"/>
+                <a:r>
+                  <a:rPr lang="en-US" sz="1200" dirty="0" smtClean="0"/>
+                  <a:t>valor de </a:t>
+                </a:r>
+                <a14:m>
+                  <m:oMath xmlns:m="http://schemas.openxmlformats.org/officeDocument/2006/math">
+                    <m:r>
+                      <a:rPr lang="pt-BR" sz="1200" b="0" i="1" smtClean="0">
+                        <a:latin typeface="Cambria Math" panose="02040503050406030204" pitchFamily="18" charset="0"/>
+                      </a:rPr>
+                      <m:t>𝑦</m:t>
+                    </m:r>
+                  </m:oMath>
+                </a14:m>
+                <a:r>
+                  <a:rPr lang="en-US" sz="1200" dirty="0" smtClean="0"/>
+                  <a:t> </a:t>
+                </a:r>
+                <a:r>
+                  <a:rPr lang="en-US" sz="1200" dirty="0" err="1" smtClean="0"/>
+                  <a:t>tende</a:t>
+                </a:r>
+                <a:r>
+                  <a:rPr lang="en-US" sz="1200" dirty="0" smtClean="0"/>
+                  <a:t> a 0 </a:t>
+                </a:r>
+                <a:r>
+                  <a:rPr lang="en-US" sz="1200" dirty="0" err="1" smtClean="0"/>
+                  <a:t>quando</a:t>
+                </a:r>
+                <a:r>
+                  <a:rPr lang="en-US" sz="1200" dirty="0" smtClean="0"/>
+                  <a:t> </a:t>
+                </a:r>
+                <a14:m>
+                  <m:oMath xmlns:m="http://schemas.openxmlformats.org/officeDocument/2006/math">
+                    <m:r>
+                      <a:rPr lang="pt-BR" sz="1200" i="1">
+                        <a:latin typeface="Cambria Math" panose="02040503050406030204" pitchFamily="18" charset="0"/>
+                      </a:rPr>
+                      <m:t>𝑔</m:t>
+                    </m:r>
+                    <m:d>
+                      <m:dPr>
+                        <m:ctrlPr>
+                          <a:rPr lang="pt-BR" sz="1200" i="1">
+                            <a:latin typeface="Cambria Math" panose="02040503050406030204" pitchFamily="18" charset="0"/>
+                          </a:rPr>
+                        </m:ctrlPr>
+                      </m:dPr>
+                      <m:e>
+                        <m:r>
+                          <a:rPr lang="pt-BR" sz="1200" b="1" i="1">
+                            <a:latin typeface="Cambria Math" panose="02040503050406030204" pitchFamily="18" charset="0"/>
+                          </a:rPr>
+                          <m:t>𝒙</m:t>
+                        </m:r>
+                      </m:e>
+                    </m:d>
+                    <m:r>
+                      <a:rPr lang="pt-BR" sz="1200" i="1" smtClean="0">
+                        <a:latin typeface="Cambria Math" panose="02040503050406030204" pitchFamily="18" charset="0"/>
+                        <a:ea typeface="Cambria Math" panose="02040503050406030204" pitchFamily="18" charset="0"/>
+                      </a:rPr>
+                      <m:t>→</m:t>
+                    </m:r>
+                    <m:r>
+                      <a:rPr lang="pt-BR" sz="1200" b="0" i="1" smtClean="0">
+                        <a:latin typeface="Cambria Math" panose="02040503050406030204" pitchFamily="18" charset="0"/>
+                        <a:ea typeface="Cambria Math" panose="02040503050406030204" pitchFamily="18" charset="0"/>
+                      </a:rPr>
+                      <m:t>−</m:t>
+                    </m:r>
+                    <m:r>
+                      <a:rPr lang="pt-BR" sz="1200" i="1" smtClean="0">
+                        <a:latin typeface="Cambria Math" panose="02040503050406030204" pitchFamily="18" charset="0"/>
+                        <a:ea typeface="Cambria Math" panose="02040503050406030204" pitchFamily="18" charset="0"/>
+                      </a:rPr>
+                      <m:t>∞</m:t>
+                    </m:r>
+                  </m:oMath>
+                </a14:m>
+                <a:r>
+                  <a:rPr lang="en-US" sz="1200" dirty="0" smtClean="0"/>
+                  <a:t>. </a:t>
+                </a:r>
+                <a:endParaRPr lang="en-US" sz="1200" dirty="0"/>
+              </a:p>
+            </p:txBody>
+          </p:sp>
+        </mc:Choice>
+        <mc:Fallback>
+          <p:sp>
+            <p:nvSpPr>
+              <p:cNvPr id="18" name="CaixaDeTexto 17">
+                <a:extLst>
+                  <a:ext uri="{FF2B5EF4-FFF2-40B4-BE49-F238E27FC236}">
+                    <a16:creationId xmlns:a16="http://schemas.microsoft.com/office/drawing/2014/main" xmlns="" id="{4CCEF927-B8CC-4C90-A772-24E6A0CFD474}"/>
+                  </a:ext>
+                </a:extLst>
+              </p:cNvPr>
+              <p:cNvSpPr txBox="1">
+                <a:spLocks noRot="1" noChangeAspect="1" noMove="1" noResize="1" noEditPoints="1" noAdjustHandles="1" noChangeArrowheads="1" noChangeShapeType="1" noTextEdit="1"/>
+              </p:cNvSpPr>
+              <p:nvPr/>
+            </p:nvSpPr>
+            <p:spPr>
+              <a:xfrm>
+                <a:off x="88150" y="5257724"/>
+                <a:ext cx="1500099" cy="646331"/>
+              </a:xfrm>
+              <a:prstGeom prst="rect">
+                <a:avLst/>
+              </a:prstGeom>
+              <a:blipFill rotWithShape="0">
+                <a:blip r:embed="rId8"/>
+                <a:stretch>
+                  <a:fillRect r="-2024" b="-5607"/>
+                </a:stretch>
+              </a:blipFill>
+            </p:spPr>
+            <p:txBody>
+              <a:bodyPr/>
+              <a:lstStyle/>
+              <a:p>
+                <a:r>
+                  <a:rPr lang="pt-BR">
+                    <a:noFill/>
+                  </a:rPr>
+                  <a:t> </a:t>
+                </a:r>
+              </a:p>
+            </p:txBody>
+          </p:sp>
+        </mc:Fallback>
+      </mc:AlternateContent>
     </p:spTree>
     <p:extLst>
       <p:ext uri="{BB962C8B-B14F-4D97-AF65-F5344CB8AC3E}">

--- a/slides/T320_Redes_Neurais_Artificiais (Parte II).pptx
+++ b/slides/T320_Redes_Neurais_Artificiais (Parte II).pptx
@@ -5,7 +5,7 @@
     <p:sldMasterId id="2147483648" r:id="rId1"/>
   </p:sldMasterIdLst>
   <p:notesMasterIdLst>
-    <p:notesMasterId r:id="rId28"/>
+    <p:notesMasterId r:id="rId30"/>
   </p:notesMasterIdLst>
   <p:sldIdLst>
     <p:sldId id="300" r:id="rId2"/>
@@ -19,21 +19,23 @@
     <p:sldId id="310" r:id="rId10"/>
     <p:sldId id="356" r:id="rId11"/>
     <p:sldId id="358" r:id="rId12"/>
-    <p:sldId id="359" r:id="rId13"/>
-    <p:sldId id="367" r:id="rId14"/>
-    <p:sldId id="311" r:id="rId15"/>
-    <p:sldId id="312" r:id="rId16"/>
-    <p:sldId id="360" r:id="rId17"/>
-    <p:sldId id="313" r:id="rId18"/>
-    <p:sldId id="314" r:id="rId19"/>
-    <p:sldId id="315" r:id="rId20"/>
-    <p:sldId id="316" r:id="rId21"/>
-    <p:sldId id="364" r:id="rId22"/>
-    <p:sldId id="363" r:id="rId23"/>
-    <p:sldId id="269" r:id="rId24"/>
-    <p:sldId id="303" r:id="rId25"/>
-    <p:sldId id="271" r:id="rId26"/>
-    <p:sldId id="365" r:id="rId27"/>
+    <p:sldId id="368" r:id="rId13"/>
+    <p:sldId id="369" r:id="rId14"/>
+    <p:sldId id="359" r:id="rId15"/>
+    <p:sldId id="367" r:id="rId16"/>
+    <p:sldId id="311" r:id="rId17"/>
+    <p:sldId id="312" r:id="rId18"/>
+    <p:sldId id="360" r:id="rId19"/>
+    <p:sldId id="313" r:id="rId20"/>
+    <p:sldId id="314" r:id="rId21"/>
+    <p:sldId id="315" r:id="rId22"/>
+    <p:sldId id="316" r:id="rId23"/>
+    <p:sldId id="364" r:id="rId24"/>
+    <p:sldId id="363" r:id="rId25"/>
+    <p:sldId id="269" r:id="rId26"/>
+    <p:sldId id="303" r:id="rId27"/>
+    <p:sldId id="271" r:id="rId28"/>
+    <p:sldId id="365" r:id="rId29"/>
   </p:sldIdLst>
   <p:sldSz cx="12192000" cy="6858000"/>
   <p:notesSz cx="6858000" cy="9144000"/>
@@ -930,7 +932,7 @@
           <a:p>
             <a:fld id="{F430A2A4-8C14-4B1A-AD48-7B6401078BF7}" type="slidenum">
               <a:rPr lang="pt-BR" smtClean="0"/>
-              <a:t>12</a:t>
+              <a:t>14</a:t>
             </a:fld>
             <a:endParaRPr lang="pt-BR"/>
           </a:p>
@@ -994,7 +996,7 @@
           <a:lstStyle/>
           <a:p>
             <a:r>
-              <a:rPr lang="en-US" sz="1200" b="0" i="0" kern="1200" dirty="0" smtClean="0">
+              <a:rPr lang="en-US" sz="1200" b="0" i="0" kern="1200" dirty="0">
                 <a:solidFill>
                   <a:schemeClr val="tx1"/>
                 </a:solidFill>
@@ -1006,7 +1008,7 @@
               <a:t>In some cases, the opposite</a:t>
             </a:r>
             <a:r>
-              <a:rPr lang="en-US" sz="1200" b="0" i="0" kern="1200" baseline="0" dirty="0" smtClean="0">
+              <a:rPr lang="en-US" sz="1200" b="0" i="0" kern="1200" baseline="0" dirty="0">
                 <a:solidFill>
                   <a:schemeClr val="tx1"/>
                 </a:solidFill>
@@ -1018,7 +1020,7 @@
               <a:t> </a:t>
             </a:r>
             <a:r>
-              <a:rPr lang="en-US" sz="1200" b="0" i="0" kern="1200" dirty="0" smtClean="0">
+              <a:rPr lang="en-US" sz="1200" b="0" i="0" kern="1200" dirty="0">
                 <a:solidFill>
                   <a:schemeClr val="tx1"/>
                 </a:solidFill>
@@ -1030,7 +1032,7 @@
               <a:t>can happen: the gradients can grow bigger and bigger, so many layers get insanely</a:t>
             </a:r>
             <a:r>
-              <a:rPr lang="en-US" sz="1200" b="0" i="0" kern="1200" baseline="0" dirty="0" smtClean="0">
+              <a:rPr lang="en-US" sz="1200" b="0" i="0" kern="1200" baseline="0" dirty="0">
                 <a:solidFill>
                   <a:schemeClr val="tx1"/>
                 </a:solidFill>
@@ -1042,7 +1044,7 @@
               <a:t> </a:t>
             </a:r>
             <a:r>
-              <a:rPr lang="en-US" sz="1200" b="0" i="0" kern="1200" dirty="0" smtClean="0">
+              <a:rPr lang="en-US" sz="1200" b="0" i="0" kern="1200" dirty="0">
                 <a:solidFill>
                   <a:schemeClr val="tx1"/>
                 </a:solidFill>
@@ -1054,7 +1056,7 @@
               <a:t>large weight updates and the algorithm diverges. This is the </a:t>
             </a:r>
             <a:r>
-              <a:rPr lang="en-US" sz="1200" b="0" i="1" kern="1200" dirty="0" smtClean="0">
+              <a:rPr lang="en-US" sz="1200" b="0" i="1" kern="1200" dirty="0">
                 <a:solidFill>
                   <a:schemeClr val="tx1"/>
                 </a:solidFill>
@@ -1066,7 +1068,7 @@
               <a:t>exploding gradients </a:t>
             </a:r>
             <a:r>
-              <a:rPr lang="en-US" sz="1200" b="0" i="0" kern="1200" dirty="0" smtClean="0">
+              <a:rPr lang="en-US" sz="1200" b="0" i="0" kern="1200" dirty="0">
                 <a:solidFill>
                   <a:schemeClr val="tx1"/>
                 </a:solidFill>
@@ -1078,7 +1080,7 @@
               <a:t>problem, which is mostly encountered in recurrent neural networks (see Chapter 14).</a:t>
             </a:r>
             <a:r>
-              <a:rPr lang="en-US" sz="1200" b="0" i="0" kern="1200" baseline="0" dirty="0" smtClean="0">
+              <a:rPr lang="en-US" sz="1200" b="0" i="0" kern="1200" baseline="0" dirty="0">
                 <a:solidFill>
                   <a:schemeClr val="tx1"/>
                 </a:solidFill>
@@ -1090,7 +1092,7 @@
               <a:t> </a:t>
             </a:r>
             <a:r>
-              <a:rPr lang="en-US" sz="1200" b="0" i="0" kern="1200" dirty="0" smtClean="0">
+              <a:rPr lang="en-US" sz="1200" b="0" i="0" kern="1200" dirty="0">
                 <a:solidFill>
                   <a:schemeClr val="tx1"/>
                 </a:solidFill>
@@ -1102,7 +1104,7 @@
               <a:t>More generally, deep neural networks suffer from unstable gradients; different layers</a:t>
             </a:r>
             <a:r>
-              <a:rPr lang="en-US" sz="1200" b="0" i="0" kern="1200" baseline="0" dirty="0" smtClean="0">
+              <a:rPr lang="en-US" sz="1200" b="0" i="0" kern="1200" baseline="0" dirty="0">
                 <a:solidFill>
                   <a:schemeClr val="tx1"/>
                 </a:solidFill>
@@ -1114,7 +1116,7 @@
               <a:t> </a:t>
             </a:r>
             <a:r>
-              <a:rPr lang="en-US" sz="1200" b="0" i="0" kern="1200" dirty="0" smtClean="0">
+              <a:rPr lang="en-US" sz="1200" b="0" i="0" kern="1200" dirty="0">
                 <a:solidFill>
                   <a:schemeClr val="tx1"/>
                 </a:solidFill>
@@ -1126,11 +1128,11 @@
               <a:t>may learn at widely different speeds.</a:t>
             </a:r>
             <a:r>
-              <a:rPr lang="en-US" dirty="0" smtClean="0"/>
+              <a:rPr lang="en-US" dirty="0"/>
               <a:t> </a:t>
             </a:r>
             <a:br>
-              <a:rPr lang="en-US" dirty="0" smtClean="0"/>
+              <a:rPr lang="en-US" dirty="0"/>
             </a:br>
             <a:endParaRPr lang="pt-BR" dirty="0"/>
           </a:p>
@@ -1153,7 +1155,7 @@
           <a:p>
             <a:fld id="{F430A2A4-8C14-4B1A-AD48-7B6401078BF7}" type="slidenum">
               <a:rPr lang="pt-BR" smtClean="0"/>
-              <a:t>13</a:t>
+              <a:t>15</a:t>
             </a:fld>
             <a:endParaRPr lang="pt-BR"/>
           </a:p>
@@ -1277,7 +1279,7 @@
           <a:p>
             <a:fld id="{F430A2A4-8C14-4B1A-AD48-7B6401078BF7}" type="slidenum">
               <a:rPr lang="pt-BR" smtClean="0"/>
-              <a:t>14</a:t>
+              <a:t>16</a:t>
             </a:fld>
             <a:endParaRPr lang="pt-BR"/>
           </a:p>
@@ -1955,18 +1957,6 @@
           </a:p>
           <a:p>
             <a:pPr fontAlgn="base"/>
-            <a:r>
-              <a:rPr lang="en-US" sz="1200" b="0" i="0" kern="1200" dirty="0">
-                <a:solidFill>
-                  <a:schemeClr val="tx1"/>
-                </a:solidFill>
-                <a:effectLst/>
-                <a:latin typeface="+mn-lt"/>
-                <a:ea typeface="+mn-ea"/>
-                <a:cs typeface="+mn-cs"/>
-              </a:rPr>
-              <a:t/>
-            </a:r>
             <a:br>
               <a:rPr lang="en-US" sz="1200" b="0" i="0" kern="1200" dirty="0">
                 <a:solidFill>
@@ -2274,7 +2264,7 @@
           <a:p>
             <a:fld id="{F430A2A4-8C14-4B1A-AD48-7B6401078BF7}" type="slidenum">
               <a:rPr lang="pt-BR" smtClean="0"/>
-              <a:t>15</a:t>
+              <a:t>17</a:t>
             </a:fld>
             <a:endParaRPr lang="pt-BR"/>
           </a:p>
@@ -2368,7 +2358,7 @@
           <a:p>
             <a:fld id="{6FC8D850-966F-45A6-8DE7-15B891E7D40D}" type="slidenum">
               <a:rPr lang="pt-BR" smtClean="0"/>
-              <a:t>16</a:t>
+              <a:t>18</a:t>
             </a:fld>
             <a:endParaRPr lang="pt-BR"/>
           </a:p>
@@ -2452,7 +2442,7 @@
           <a:p>
             <a:fld id="{F430A2A4-8C14-4B1A-AD48-7B6401078BF7}" type="slidenum">
               <a:rPr lang="pt-BR" smtClean="0"/>
-              <a:t>17</a:t>
+              <a:t>19</a:t>
             </a:fld>
             <a:endParaRPr lang="pt-BR"/>
           </a:p>
@@ -2521,11 +2511,11 @@
             </a:r>
           </a:p>
           <a:p>
-            <a:endParaRPr lang="en-US" dirty="0" smtClean="0"/>
-          </a:p>
-          <a:p>
-            <a:r>
-              <a:rPr lang="en-US" dirty="0" smtClean="0"/>
+            <a:endParaRPr lang="en-US" dirty="0"/>
+          </a:p>
+          <a:p>
+            <a:r>
+              <a:rPr lang="en-US" dirty="0"/>
               <a:t>Sistema </a:t>
             </a:r>
             <a:r>
@@ -2553,7 +2543,7 @@
           <a:p>
             <a:fld id="{F430A2A4-8C14-4B1A-AD48-7B6401078BF7}" type="slidenum">
               <a:rPr lang="pt-BR" smtClean="0"/>
-              <a:t>18</a:t>
+              <a:t>20</a:t>
             </a:fld>
             <a:endParaRPr lang="pt-BR"/>
           </a:p>
@@ -2617,7 +2607,7 @@
           <a:lstStyle/>
           <a:p>
             <a:r>
-              <a:rPr lang="pt-BR" sz="1200" b="0" i="1" kern="1200" dirty="0" smtClean="0">
+              <a:rPr lang="pt-BR" sz="1200" b="0" i="1" kern="1200" dirty="0">
                 <a:solidFill>
                   <a:schemeClr val="tx1"/>
                 </a:solidFill>
@@ -2629,7 +2619,7 @@
               <a:t>“Qualquer função contínua no intervalo fechado [a, b] pode ser uniformemente aproximada</a:t>
             </a:r>
             <a:r>
-              <a:rPr lang="pt-BR" sz="1200" b="0" i="1" kern="1200" baseline="0" dirty="0" smtClean="0">
+              <a:rPr lang="pt-BR" sz="1200" b="0" i="1" kern="1200" baseline="0" dirty="0">
                 <a:solidFill>
                   <a:schemeClr val="tx1"/>
                 </a:solidFill>
@@ -2641,7 +2631,7 @@
               <a:t> </a:t>
             </a:r>
             <a:r>
-              <a:rPr lang="pt-BR" sz="1200" b="0" i="1" kern="1200" dirty="0" smtClean="0">
+              <a:rPr lang="pt-BR" sz="1200" b="0" i="1" kern="1200" dirty="0">
                 <a:solidFill>
                   <a:schemeClr val="tx1"/>
                 </a:solidFill>
@@ -2653,7 +2643,7 @@
               <a:t>tão bem quanto desejado por um polinômio”, </a:t>
             </a:r>
             <a:r>
-              <a:rPr lang="pt-BR" sz="1200" b="1" i="1" kern="1200" dirty="0" smtClean="0">
+              <a:rPr lang="pt-BR" sz="1200" b="1" i="1" kern="1200" dirty="0">
                 <a:solidFill>
                   <a:schemeClr val="tx1"/>
                 </a:solidFill>
@@ -2665,7 +2655,7 @@
               <a:t>Teorema da aproximação de </a:t>
             </a:r>
             <a:r>
-              <a:rPr lang="pt-BR" sz="1200" b="1" i="1" kern="1200" dirty="0" err="1" smtClean="0">
+              <a:rPr lang="pt-BR" sz="1200" b="1" i="1" kern="1200" dirty="0" err="1">
                 <a:solidFill>
                   <a:schemeClr val="tx1"/>
                 </a:solidFill>
@@ -2677,7 +2667,7 @@
               <a:t>Weierstrass</a:t>
             </a:r>
             <a:r>
-              <a:rPr lang="pt-BR" sz="1200" b="0" i="0" kern="1200" dirty="0" smtClean="0">
+              <a:rPr lang="pt-BR" sz="1200" b="0" i="0" kern="1200" dirty="0">
                 <a:solidFill>
                   <a:schemeClr val="tx1"/>
                 </a:solidFill>
@@ -2689,11 +2679,11 @@
               <a:t>.</a:t>
             </a:r>
             <a:r>
-              <a:rPr lang="pt-BR" dirty="0" smtClean="0"/>
+              <a:rPr lang="pt-BR" dirty="0"/>
               <a:t> </a:t>
             </a:r>
             <a:br>
-              <a:rPr lang="pt-BR" dirty="0" smtClean="0"/>
+              <a:rPr lang="pt-BR" dirty="0"/>
             </a:br>
             <a:endParaRPr lang="pt-BR" dirty="0"/>
           </a:p>
@@ -2716,7 +2706,7 @@
           <a:p>
             <a:fld id="{F430A2A4-8C14-4B1A-AD48-7B6401078BF7}" type="slidenum">
               <a:rPr lang="pt-BR" smtClean="0"/>
-              <a:t>19</a:t>
+              <a:t>21</a:t>
             </a:fld>
             <a:endParaRPr lang="pt-BR"/>
           </a:p>
@@ -2867,7 +2857,7 @@
           <a:p>
             <a:fld id="{F430A2A4-8C14-4B1A-AD48-7B6401078BF7}" type="slidenum">
               <a:rPr lang="pt-BR" smtClean="0"/>
-              <a:t>20</a:t>
+              <a:t>22</a:t>
             </a:fld>
             <a:endParaRPr lang="pt-BR"/>
           </a:p>
@@ -3023,10 +3013,6 @@
               <a:rPr lang="pt-BR" baseline="0" dirty="0"/>
               <a:t> quando se usa a função degrau como função de limiar de decisão.</a:t>
             </a:r>
-            <a:r>
-              <a:rPr lang="pt-BR" dirty="0"/>
-              <a:t/>
-            </a:r>
             <a:br>
               <a:rPr lang="pt-BR" dirty="0"/>
             </a:br>
@@ -3182,7 +3168,7 @@
           <a:p>
             <a:fld id="{F430A2A4-8C14-4B1A-AD48-7B6401078BF7}" type="slidenum">
               <a:rPr lang="pt-BR" smtClean="0"/>
-              <a:t>21</a:t>
+              <a:t>23</a:t>
             </a:fld>
             <a:endParaRPr lang="pt-BR"/>
           </a:p>
@@ -3364,7 +3350,7 @@
           <a:p>
             <a:fld id="{DA8B99DF-01BC-492A-8CEF-4FD88D18DD9D}" type="slidenum">
               <a:rPr lang="nl-BE" smtClean="0"/>
-              <a:t>22</a:t>
+              <a:t>24</a:t>
             </a:fld>
             <a:endParaRPr lang="nl-BE"/>
           </a:p>
@@ -4212,13 +4198,8 @@
             </a:r>
             <a:r>
               <a:rPr lang="pt-BR" dirty="0"/>
-              <a:t>propaga o erro da saída para as camadas anteriores através da regra da cadeia</a:t>
-            </a:r>
-            <a:r>
-              <a:rPr lang="pt-BR" dirty="0" smtClean="0"/>
-              <a:t>.</a:t>
-            </a:r>
-            <a:endParaRPr lang="pt-BR" dirty="0"/>
+              <a:t>propaga o erro da saída para as camadas anteriores através da regra da cadeia.</a:t>
+            </a:r>
           </a:p>
           <a:p>
             <a:endParaRPr lang="pt-BR" dirty="0"/>
@@ -7144,7 +7125,7 @@
           <p:cNvPr id="2" name="Título 1">
             <a:extLst>
               <a:ext uri="{FF2B5EF4-FFF2-40B4-BE49-F238E27FC236}">
-                <a16:creationId xmlns:a16="http://schemas.microsoft.com/office/drawing/2014/main" xmlns="" id="{32666AC8-2E17-4DB4-B0F5-60C640CCFD2E}"/>
+                <a16:creationId xmlns:a16="http://schemas.microsoft.com/office/drawing/2014/main" id="{32666AC8-2E17-4DB4-B0F5-60C640CCFD2E}"/>
               </a:ext>
             </a:extLst>
           </p:cNvPr>
@@ -7171,10 +7152,6 @@
               <a:rPr lang="pt-BR" sz="5400" dirty="0"/>
               <a:t>T320 - Introdução ao Aprendizado de Máquina II:</a:t>
             </a:r>
-            <a:r>
-              <a:rPr lang="pt-BR" dirty="0"/>
-              <a:t/>
-            </a:r>
             <a:br>
               <a:rPr lang="pt-BR" dirty="0"/>
             </a:br>
@@ -7190,7 +7167,7 @@
           <p:cNvPr id="4" name="CaixaDeTexto 3">
             <a:extLst>
               <a:ext uri="{FF2B5EF4-FFF2-40B4-BE49-F238E27FC236}">
-                <a16:creationId xmlns:a16="http://schemas.microsoft.com/office/drawing/2014/main" xmlns="" id="{430EB894-B7D4-434C-9D1A-A14094D9BEEC}"/>
+                <a16:creationId xmlns:a16="http://schemas.microsoft.com/office/drawing/2014/main" id="{430EB894-B7D4-434C-9D1A-A14094D9BEEC}"/>
               </a:ext>
             </a:extLst>
           </p:cNvPr>
@@ -7231,7 +7208,7 @@
           <p:cNvPr id="1026" name="Picture 2" descr="Logo">
             <a:extLst>
               <a:ext uri="{FF2B5EF4-FFF2-40B4-BE49-F238E27FC236}">
-                <a16:creationId xmlns:a16="http://schemas.microsoft.com/office/drawing/2014/main" xmlns="" id="{3F2642E0-4F6A-4196-8F58-E77D36E9A33F}"/>
+                <a16:creationId xmlns:a16="http://schemas.microsoft.com/office/drawing/2014/main" id="{3F2642E0-4F6A-4196-8F58-E77D36E9A33F}"/>
               </a:ext>
             </a:extLst>
           </p:cNvPr>
@@ -7276,7 +7253,7 @@
           <p:cNvPr id="5122" name="Picture 2" descr="Image result for machine learning">
             <a:extLst>
               <a:ext uri="{FF2B5EF4-FFF2-40B4-BE49-F238E27FC236}">
-                <a16:creationId xmlns:a16="http://schemas.microsoft.com/office/drawing/2014/main" xmlns="" id="{810CE0A2-4102-44A6-A370-175E7896CDCB}"/>
+                <a16:creationId xmlns:a16="http://schemas.microsoft.com/office/drawing/2014/main" id="{810CE0A2-4102-44A6-A370-175E7896CDCB}"/>
               </a:ext>
             </a:extLst>
           </p:cNvPr>
@@ -7404,15 +7381,7 @@
             </a:r>
             <a:r>
               <a:rPr lang="pt-BR" b="1" i="1" dirty="0"/>
-              <a:t>métodos de aprendizado baseados </a:t>
-            </a:r>
-            <a:r>
-              <a:rPr lang="pt-BR" b="1" i="1" dirty="0" smtClean="0"/>
-              <a:t>no </a:t>
-            </a:r>
-            <a:r>
-              <a:rPr lang="pt-BR" b="1" i="1" dirty="0"/>
-              <a:t>gradiente</a:t>
+              <a:t>métodos de aprendizado baseados no gradiente</a:t>
             </a:r>
             <a:r>
               <a:rPr lang="pt-BR" dirty="0"/>
@@ -7437,16 +7406,12 @@
               <a:t>algoritmo de </a:t>
             </a:r>
             <a:r>
-              <a:rPr lang="pt-BR" b="1" i="1" dirty="0" err="1" smtClean="0"/>
+              <a:rPr lang="pt-BR" b="1" i="1" dirty="0" err="1"/>
               <a:t>retropropagação</a:t>
             </a:r>
             <a:r>
-              <a:rPr lang="pt-BR" dirty="0" smtClean="0"/>
-              <a:t>, que é usado </a:t>
-            </a:r>
-            <a:r>
               <a:rPr lang="pt-BR" dirty="0"/>
-              <a:t>para treinar a rede neural.</a:t>
+              <a:t>, que é usado para treinar a rede neural.</a:t>
             </a:r>
           </a:p>
           <a:p>
@@ -7455,35 +7420,15 @@
               <a:buChar char="§"/>
             </a:pPr>
             <a:r>
-              <a:rPr lang="pt-BR" dirty="0" smtClean="0"/>
-              <a:t>Para </a:t>
-            </a:r>
-            <a:r>
               <a:rPr lang="pt-BR" dirty="0"/>
-              <a:t>atualizar os </a:t>
-            </a:r>
-            <a:r>
-              <a:rPr lang="pt-BR" dirty="0"/>
-              <a:t>pesos </a:t>
-            </a:r>
-            <a:r>
-              <a:rPr lang="pt-BR" dirty="0"/>
-              <a:t>de nós </a:t>
-            </a:r>
-            <a:r>
-              <a:rPr lang="pt-BR" dirty="0" smtClean="0"/>
-              <a:t>das </a:t>
-            </a:r>
-            <a:r>
-              <a:rPr lang="pt-BR" dirty="0"/>
-              <a:t>camadas ocultas, calcula-se a derivada do erro de saída em relação àquele peso e, para isso, usamos a </a:t>
+              <a:t>Para atualizar os pesos de nós das camadas ocultas, calcula-se a derivada do erro de saída em relação àquele peso e, para isso, usamos a </a:t>
             </a:r>
             <a:r>
               <a:rPr lang="pt-BR" b="1" i="1" dirty="0"/>
               <a:t>regra da cadeia</a:t>
             </a:r>
             <a:r>
-              <a:rPr lang="pt-BR" dirty="0" smtClean="0"/>
+              <a:rPr lang="pt-BR" dirty="0"/>
               <a:t>.</a:t>
             </a:r>
           </a:p>
@@ -7493,18 +7438,17 @@
               <a:buChar char="§"/>
             </a:pPr>
             <a:r>
-              <a:rPr lang="pt-BR" dirty="0" smtClean="0"/>
+              <a:rPr lang="pt-BR" dirty="0"/>
               <a:t>Ou seja, o algoritmo </a:t>
             </a:r>
             <a:r>
-              <a:rPr lang="pt-BR" b="1" i="1" dirty="0" smtClean="0"/>
+              <a:rPr lang="pt-BR" b="1" i="1" dirty="0"/>
               <a:t>propaga o erro de saída para as camadas ocultas </a:t>
             </a:r>
             <a:r>
-              <a:rPr lang="pt-BR" dirty="0" smtClean="0"/>
+              <a:rPr lang="pt-BR" dirty="0"/>
               <a:t>usando a regra da cadeia.</a:t>
             </a:r>
-            <a:endParaRPr lang="pt-BR" dirty="0"/>
           </a:p>
         </p:txBody>
       </p:sp>
@@ -7662,15 +7606,7 @@
                 </a:r>
                 <a:r>
                   <a:rPr lang="pt-BR" dirty="0"/>
-                  <a:t>calcula os gradientes das camadas </a:t>
-                </a:r>
-                <a:r>
-                  <a:rPr lang="pt-BR" dirty="0" smtClean="0"/>
-                  <a:t>ocultas através </a:t>
-                </a:r>
-                <a:r>
-                  <a:rPr lang="pt-BR" dirty="0"/>
-                  <a:t>do uso da </a:t>
+                  <a:t>calcula os gradientes das camadas ocultas através do uso da </a:t>
                 </a:r>
                 <a:r>
                   <a:rPr lang="pt-BR" b="1" i="1" dirty="0"/>
@@ -7678,8 +7614,2125 @@
                 </a:r>
                 <a:r>
                   <a:rPr lang="pt-BR" dirty="0"/>
-                  <a:t>. </a:t>
-                </a:r>
+                  <a:t>.</a:t>
+                </a:r>
+              </a:p>
+              <a:p>
+                <a:r>
+                  <a:rPr lang="pt-BR" dirty="0"/>
+                  <a:t>Vamos ver isso através de </a:t>
+                </a:r>
+                <a:r>
+                  <a:rPr lang="pt-BR"/>
+                  <a:t>um exemplo.</a:t>
+                </a:r>
+                <a:endParaRPr lang="pt-BR" dirty="0"/>
+              </a:p>
+              <a:p>
+                <a:r>
+                  <a:rPr lang="pt-BR" dirty="0"/>
+                  <a:t>Dada a simplificação de uma rede neural mostrada na figura abaixo, a qual contém</a:t>
+                </a:r>
+              </a:p>
+              <a:p>
+                <a:pPr lvl="1">
+                  <a:buFont typeface="Wingdings" panose="05000000000000000000" pitchFamily="2" charset="2"/>
+                  <a:buChar char="§"/>
+                </a:pPr>
+                <a:r>
+                  <a:rPr lang="pt-BR" dirty="0"/>
+                  <a:t>Três nós com as seguintes funções de ativação </a:t>
+                </a:r>
+                <a14:m>
+                  <m:oMath xmlns:m="http://schemas.openxmlformats.org/officeDocument/2006/math">
+                    <m:r>
+                      <a:rPr lang="pt-BR" i="1">
+                        <a:latin typeface="Cambria Math" panose="02040503050406030204" pitchFamily="18" charset="0"/>
+                      </a:rPr>
+                      <m:t>h</m:t>
+                    </m:r>
+                    <m:d>
+                      <m:dPr>
+                        <m:ctrlPr>
+                          <a:rPr lang="pt-BR" i="1">
+                            <a:latin typeface="Cambria Math" panose="02040503050406030204" pitchFamily="18" charset="0"/>
+                          </a:rPr>
+                        </m:ctrlPr>
+                      </m:dPr>
+                      <m:e>
+                        <m:r>
+                          <a:rPr lang="pt-BR" i="1">
+                            <a:latin typeface="Cambria Math" panose="02040503050406030204" pitchFamily="18" charset="0"/>
+                          </a:rPr>
+                          <m:t>.</m:t>
+                        </m:r>
+                      </m:e>
+                    </m:d>
+                  </m:oMath>
+                </a14:m>
+                <a:r>
+                  <a:rPr lang="pt-BR" dirty="0"/>
+                  <a:t>, </a:t>
+                </a:r>
+                <a14:m>
+                  <m:oMath xmlns:m="http://schemas.openxmlformats.org/officeDocument/2006/math">
+                    <m:r>
+                      <a:rPr lang="pt-BR" i="1">
+                        <a:latin typeface="Cambria Math" panose="02040503050406030204" pitchFamily="18" charset="0"/>
+                      </a:rPr>
+                      <m:t>𝑔</m:t>
+                    </m:r>
+                    <m:d>
+                      <m:dPr>
+                        <m:ctrlPr>
+                          <a:rPr lang="pt-BR" i="1">
+                            <a:latin typeface="Cambria Math" panose="02040503050406030204" pitchFamily="18" charset="0"/>
+                          </a:rPr>
+                        </m:ctrlPr>
+                      </m:dPr>
+                      <m:e>
+                        <m:r>
+                          <a:rPr lang="pt-BR" i="1">
+                            <a:latin typeface="Cambria Math" panose="02040503050406030204" pitchFamily="18" charset="0"/>
+                          </a:rPr>
+                          <m:t>.</m:t>
+                        </m:r>
+                      </m:e>
+                    </m:d>
+                  </m:oMath>
+                </a14:m>
+                <a:r>
+                  <a:rPr lang="pt-BR" dirty="0"/>
+                  <a:t> e </a:t>
+                </a:r>
+                <a14:m>
+                  <m:oMath xmlns:m="http://schemas.openxmlformats.org/officeDocument/2006/math">
+                    <m:r>
+                      <a:rPr lang="pt-BR" i="1">
+                        <a:latin typeface="Cambria Math" panose="02040503050406030204" pitchFamily="18" charset="0"/>
+                      </a:rPr>
+                      <m:t>𝑓</m:t>
+                    </m:r>
+                    <m:d>
+                      <m:dPr>
+                        <m:ctrlPr>
+                          <a:rPr lang="pt-BR" i="1">
+                            <a:latin typeface="Cambria Math" panose="02040503050406030204" pitchFamily="18" charset="0"/>
+                          </a:rPr>
+                        </m:ctrlPr>
+                      </m:dPr>
+                      <m:e>
+                        <m:r>
+                          <a:rPr lang="pt-BR" i="1">
+                            <a:latin typeface="Cambria Math" panose="02040503050406030204" pitchFamily="18" charset="0"/>
+                          </a:rPr>
+                          <m:t>.</m:t>
+                        </m:r>
+                      </m:e>
+                    </m:d>
+                  </m:oMath>
+                </a14:m>
+                <a:r>
+                  <a:rPr lang="pt-BR" dirty="0"/>
+                  <a:t>.</a:t>
+                </a:r>
+              </a:p>
+              <a:p>
+                <a:pPr lvl="1">
+                  <a:buFont typeface="Wingdings" panose="05000000000000000000" pitchFamily="2" charset="2"/>
+                  <a:buChar char="§"/>
+                </a:pPr>
+                <a:r>
+                  <a:rPr lang="pt-BR" dirty="0"/>
+                  <a:t>Pesos </a:t>
+                </a:r>
+                <a14:m>
+                  <m:oMath xmlns:m="http://schemas.openxmlformats.org/officeDocument/2006/math">
+                    <m:r>
+                      <a:rPr lang="pt-BR" i="1">
+                        <a:latin typeface="Cambria Math" panose="02040503050406030204" pitchFamily="18" charset="0"/>
+                      </a:rPr>
+                      <m:t>𝑤</m:t>
+                    </m:r>
+                  </m:oMath>
+                </a14:m>
+                <a:r>
+                  <a:rPr lang="pt-BR" dirty="0"/>
+                  <a:t>, 1 e 1, conectando os três nós, respectivamente.</a:t>
+                </a:r>
+              </a:p>
+              <a:p>
+                <a:pPr lvl="1">
+                  <a:buFont typeface="Wingdings" panose="05000000000000000000" pitchFamily="2" charset="2"/>
+                  <a:buChar char="§"/>
+                </a:pPr>
+                <a:r>
+                  <a:rPr lang="pt-BR" dirty="0"/>
+                  <a:t>Entrada </a:t>
+                </a:r>
+                <a14:m>
+                  <m:oMath xmlns:m="http://schemas.openxmlformats.org/officeDocument/2006/math">
+                    <m:r>
+                      <a:rPr lang="pt-BR" i="1">
+                        <a:latin typeface="Cambria Math" panose="02040503050406030204" pitchFamily="18" charset="0"/>
+                      </a:rPr>
+                      <m:t>𝑥</m:t>
+                    </m:r>
+                    <m:r>
+                      <a:rPr lang="pt-BR" i="1">
+                        <a:latin typeface="Cambria Math" panose="02040503050406030204" pitchFamily="18" charset="0"/>
+                      </a:rPr>
+                      <m:t>=1</m:t>
+                    </m:r>
+                  </m:oMath>
+                </a14:m>
+                <a:r>
+                  <a:rPr lang="pt-BR" dirty="0"/>
+                  <a:t>.</a:t>
+                </a:r>
+              </a:p>
+              <a:p>
+                <a:pPr marL="0" indent="0">
+                  <a:buNone/>
+                </a:pPr>
+                <a:endParaRPr lang="pt-BR" dirty="0"/>
+              </a:p>
+              <a:p>
+                <a:endParaRPr lang="pt-BR" dirty="0"/>
+              </a:p>
+            </p:txBody>
+          </p:sp>
+        </mc:Choice>
+        <mc:Fallback>
+          <p:sp>
+            <p:nvSpPr>
+              <p:cNvPr id="3" name="Content Placeholder 2"/>
+              <p:cNvSpPr>
+                <a:spLocks noGrp="1" noRot="1" noChangeAspect="1" noMove="1" noResize="1" noEditPoints="1" noAdjustHandles="1" noChangeArrowheads="1" noChangeShapeType="1" noTextEdit="1"/>
+              </p:cNvSpPr>
+              <p:nvPr>
+                <p:ph idx="1"/>
+              </p:nvPr>
+            </p:nvSpPr>
+            <p:spPr>
+              <a:xfrm>
+                <a:off x="838200" y="1825624"/>
+                <a:ext cx="11010900" cy="5032375"/>
+              </a:xfrm>
+              <a:blipFill>
+                <a:blip r:embed="rId3"/>
+                <a:stretch>
+                  <a:fillRect l="-997" t="-1937"/>
+                </a:stretch>
+              </a:blipFill>
+            </p:spPr>
+            <p:txBody>
+              <a:bodyPr/>
+              <a:lstStyle/>
+              <a:p>
+                <a:r>
+                  <a:rPr lang="en-US">
+                    <a:noFill/>
+                  </a:rPr>
+                  <a:t> </a:t>
+                </a:r>
+              </a:p>
+            </p:txBody>
+          </p:sp>
+        </mc:Fallback>
+      </mc:AlternateContent>
+      <p:pic>
+        <p:nvPicPr>
+          <p:cNvPr id="5" name="Imagem 4">
+            <a:extLst>
+              <a:ext uri="{FF2B5EF4-FFF2-40B4-BE49-F238E27FC236}">
+                <a16:creationId xmlns:a16="http://schemas.microsoft.com/office/drawing/2014/main" id="{3AFC392A-3939-4041-A21D-270BBF678B90}"/>
+              </a:ext>
+            </a:extLst>
+          </p:cNvPr>
+          <p:cNvPicPr>
+            <a:picLocks noChangeAspect="1"/>
+          </p:cNvPicPr>
+          <p:nvPr/>
+        </p:nvPicPr>
+        <p:blipFill>
+          <a:blip r:embed="rId4">
+            <a:extLst>
+              <a:ext uri="{28A0092B-C50C-407E-A947-70E740481C1C}">
+                <a14:useLocalDpi xmlns:a14="http://schemas.microsoft.com/office/drawing/2010/main" val="0"/>
+              </a:ext>
+            </a:extLst>
+          </a:blip>
+          <a:stretch>
+            <a:fillRect/>
+          </a:stretch>
+        </p:blipFill>
+        <p:spPr>
+          <a:xfrm>
+            <a:off x="4004772" y="5842981"/>
+            <a:ext cx="6925656" cy="810838"/>
+          </a:xfrm>
+          <a:prstGeom prst="rect">
+            <a:avLst/>
+          </a:prstGeom>
+        </p:spPr>
+      </p:pic>
+    </p:spTree>
+    <p:extLst>
+      <p:ext uri="{BB962C8B-B14F-4D97-AF65-F5344CB8AC3E}">
+        <p14:creationId xmlns:p14="http://schemas.microsoft.com/office/powerpoint/2010/main" val="2379275093"/>
+      </p:ext>
+    </p:extLst>
+  </p:cSld>
+  <p:clrMapOvr>
+    <a:masterClrMapping/>
+  </p:clrMapOvr>
+</p:sld>
+</file>
+
+<file path=ppt/slides/slide12.xml><?xml version="1.0" encoding="utf-8"?>
+<p:sld xmlns:a="http://schemas.openxmlformats.org/drawingml/2006/main" xmlns:r="http://schemas.openxmlformats.org/officeDocument/2006/relationships" xmlns:p="http://schemas.openxmlformats.org/presentationml/2006/main">
+  <p:cSld>
+    <p:spTree>
+      <p:nvGrpSpPr>
+        <p:cNvPr id="1" name=""/>
+        <p:cNvGrpSpPr/>
+        <p:nvPr/>
+      </p:nvGrpSpPr>
+      <p:grpSpPr>
+        <a:xfrm>
+          <a:off x="0" y="0"/>
+          <a:ext cx="0" cy="0"/>
+          <a:chOff x="0" y="0"/>
+          <a:chExt cx="0" cy="0"/>
+        </a:xfrm>
+      </p:grpSpPr>
+      <p:grpSp>
+        <p:nvGrpSpPr>
+          <p:cNvPr id="24" name="Agrupar 23">
+            <a:extLst>
+              <a:ext uri="{FF2B5EF4-FFF2-40B4-BE49-F238E27FC236}">
+                <a16:creationId xmlns:a16="http://schemas.microsoft.com/office/drawing/2014/main" id="{B2B2E9E4-40EA-4EF3-A1B4-7C4B37E726F4}"/>
+              </a:ext>
+            </a:extLst>
+          </p:cNvPr>
+          <p:cNvGrpSpPr/>
+          <p:nvPr/>
+        </p:nvGrpSpPr>
+        <p:grpSpPr>
+          <a:xfrm>
+            <a:off x="2644144" y="3054167"/>
+            <a:ext cx="6903711" cy="749666"/>
+            <a:chOff x="4473339" y="2985718"/>
+            <a:chExt cx="6903711" cy="749666"/>
+          </a:xfrm>
+        </p:grpSpPr>
+        <mc:AlternateContent xmlns:mc="http://schemas.openxmlformats.org/markup-compatibility/2006" xmlns:a14="http://schemas.microsoft.com/office/drawing/2010/main">
+          <mc:Choice Requires="a14">
+            <p:sp>
+              <p:nvSpPr>
+                <p:cNvPr id="4" name="Elipse 3">
+                  <a:extLst>
+                    <a:ext uri="{FF2B5EF4-FFF2-40B4-BE49-F238E27FC236}">
+                      <a16:creationId xmlns:a16="http://schemas.microsoft.com/office/drawing/2014/main" id="{6E02C4AE-F573-42F7-B89A-4B4B97A1874A}"/>
+                    </a:ext>
+                  </a:extLst>
+                </p:cNvPr>
+                <p:cNvSpPr/>
+                <p:nvPr/>
+              </p:nvSpPr>
+              <p:spPr>
+                <a:xfrm>
+                  <a:off x="5610225" y="3067050"/>
+                  <a:ext cx="576000" cy="576000"/>
+                </a:xfrm>
+                <a:prstGeom prst="ellipse">
+                  <a:avLst/>
+                </a:prstGeom>
+              </p:spPr>
+              <p:style>
+                <a:lnRef idx="2">
+                  <a:schemeClr val="accent1">
+                    <a:shade val="50000"/>
+                  </a:schemeClr>
+                </a:lnRef>
+                <a:fillRef idx="1">
+                  <a:schemeClr val="accent1"/>
+                </a:fillRef>
+                <a:effectRef idx="0">
+                  <a:schemeClr val="accent1"/>
+                </a:effectRef>
+                <a:fontRef idx="minor">
+                  <a:schemeClr val="lt1"/>
+                </a:fontRef>
+              </p:style>
+              <p:txBody>
+                <a:bodyPr rtlCol="0" anchor="ctr"/>
+                <a:lstStyle/>
+                <a:p>
+                  <a:pPr algn="ctr"/>
+                  <a14:m>
+                    <m:oMathPara xmlns:m="http://schemas.openxmlformats.org/officeDocument/2006/math">
+                      <m:oMathParaPr>
+                        <m:jc m:val="center"/>
+                      </m:oMathParaPr>
+                      <m:oMath xmlns:m="http://schemas.openxmlformats.org/officeDocument/2006/math">
+                        <m:r>
+                          <a:rPr lang="pt-BR" b="0" i="1" smtClean="0">
+                            <a:solidFill>
+                              <a:schemeClr val="tx1"/>
+                            </a:solidFill>
+                            <a:latin typeface="Cambria Math" panose="02040503050406030204" pitchFamily="18" charset="0"/>
+                          </a:rPr>
+                          <m:t> </m:t>
+                        </m:r>
+                        <m:r>
+                          <a:rPr lang="pt-BR" b="0" i="1" smtClean="0">
+                            <a:solidFill>
+                              <a:schemeClr val="tx1"/>
+                            </a:solidFill>
+                            <a:latin typeface="Cambria Math" panose="02040503050406030204" pitchFamily="18" charset="0"/>
+                          </a:rPr>
+                          <m:t>h</m:t>
+                        </m:r>
+                        <m:r>
+                          <a:rPr lang="pt-BR" b="0" i="1" smtClean="0">
+                            <a:solidFill>
+                              <a:schemeClr val="tx1"/>
+                            </a:solidFill>
+                            <a:latin typeface="Cambria Math" panose="02040503050406030204" pitchFamily="18" charset="0"/>
+                          </a:rPr>
+                          <m:t>(.)</m:t>
+                        </m:r>
+                      </m:oMath>
+                    </m:oMathPara>
+                  </a14:m>
+                  <a:endParaRPr lang="en-US" dirty="0">
+                    <a:solidFill>
+                      <a:schemeClr val="tx1"/>
+                    </a:solidFill>
+                  </a:endParaRPr>
+                </a:p>
+              </p:txBody>
+            </p:sp>
+          </mc:Choice>
+          <mc:Fallback xmlns="">
+            <p:sp>
+              <p:nvSpPr>
+                <p:cNvPr id="4" name="Elipse 3">
+                  <a:extLst>
+                    <a:ext uri="{FF2B5EF4-FFF2-40B4-BE49-F238E27FC236}">
+                      <a16:creationId xmlns:a16="http://schemas.microsoft.com/office/drawing/2014/main" id="{6E02C4AE-F573-42F7-B89A-4B4B97A1874A}"/>
+                    </a:ext>
+                  </a:extLst>
+                </p:cNvPr>
+                <p:cNvSpPr>
+                  <a:spLocks noRot="1" noChangeAspect="1" noMove="1" noResize="1" noEditPoints="1" noAdjustHandles="1" noChangeArrowheads="1" noChangeShapeType="1" noTextEdit="1"/>
+                </p:cNvSpPr>
+                <p:nvPr/>
+              </p:nvSpPr>
+              <p:spPr>
+                <a:xfrm>
+                  <a:off x="5610225" y="3067050"/>
+                  <a:ext cx="576000" cy="576000"/>
+                </a:xfrm>
+                <a:prstGeom prst="ellipse">
+                  <a:avLst/>
+                </a:prstGeom>
+                <a:blipFill>
+                  <a:blip r:embed="rId2"/>
+                  <a:stretch>
+                    <a:fillRect r="-4124"/>
+                  </a:stretch>
+                </a:blipFill>
+              </p:spPr>
+              <p:txBody>
+                <a:bodyPr/>
+                <a:lstStyle/>
+                <a:p>
+                  <a:r>
+                    <a:rPr lang="en-US">
+                      <a:noFill/>
+                    </a:rPr>
+                    <a:t> </a:t>
+                  </a:r>
+                </a:p>
+              </p:txBody>
+            </p:sp>
+          </mc:Fallback>
+        </mc:AlternateContent>
+        <mc:AlternateContent xmlns:mc="http://schemas.openxmlformats.org/markup-compatibility/2006" xmlns:a14="http://schemas.microsoft.com/office/drawing/2010/main">
+          <mc:Choice Requires="a14">
+            <p:sp>
+              <p:nvSpPr>
+                <p:cNvPr id="5" name="Elipse 4">
+                  <a:extLst>
+                    <a:ext uri="{FF2B5EF4-FFF2-40B4-BE49-F238E27FC236}">
+                      <a16:creationId xmlns:a16="http://schemas.microsoft.com/office/drawing/2014/main" id="{72D7C50D-C426-411D-8AD2-049893155314}"/>
+                    </a:ext>
+                  </a:extLst>
+                </p:cNvPr>
+                <p:cNvSpPr/>
+                <p:nvPr/>
+              </p:nvSpPr>
+              <p:spPr>
+                <a:xfrm>
+                  <a:off x="7129462" y="3067050"/>
+                  <a:ext cx="576000" cy="576000"/>
+                </a:xfrm>
+                <a:prstGeom prst="ellipse">
+                  <a:avLst/>
+                </a:prstGeom>
+              </p:spPr>
+              <p:style>
+                <a:lnRef idx="2">
+                  <a:schemeClr val="accent1">
+                    <a:shade val="50000"/>
+                  </a:schemeClr>
+                </a:lnRef>
+                <a:fillRef idx="1">
+                  <a:schemeClr val="accent1"/>
+                </a:fillRef>
+                <a:effectRef idx="0">
+                  <a:schemeClr val="accent1"/>
+                </a:effectRef>
+                <a:fontRef idx="minor">
+                  <a:schemeClr val="lt1"/>
+                </a:fontRef>
+              </p:style>
+              <p:txBody>
+                <a:bodyPr rtlCol="0" anchor="ctr"/>
+                <a:lstStyle/>
+                <a:p>
+                  <a:pPr algn="ctr"/>
+                  <a14:m>
+                    <m:oMathPara xmlns:m="http://schemas.openxmlformats.org/officeDocument/2006/math">
+                      <m:oMathParaPr>
+                        <m:jc m:val="center"/>
+                      </m:oMathParaPr>
+                      <m:oMath xmlns:m="http://schemas.openxmlformats.org/officeDocument/2006/math">
+                        <m:r>
+                          <a:rPr lang="pt-BR" b="0" i="1" smtClean="0">
+                            <a:solidFill>
+                              <a:schemeClr val="tx1"/>
+                            </a:solidFill>
+                            <a:latin typeface="Cambria Math" panose="02040503050406030204" pitchFamily="18" charset="0"/>
+                          </a:rPr>
+                          <m:t> </m:t>
+                        </m:r>
+                        <m:r>
+                          <a:rPr lang="pt-BR" b="0" i="1" smtClean="0">
+                            <a:solidFill>
+                              <a:schemeClr val="tx1"/>
+                            </a:solidFill>
+                            <a:latin typeface="Cambria Math" panose="02040503050406030204" pitchFamily="18" charset="0"/>
+                          </a:rPr>
+                          <m:t>𝑔</m:t>
+                        </m:r>
+                        <m:r>
+                          <a:rPr lang="pt-BR" i="1">
+                            <a:solidFill>
+                              <a:schemeClr val="tx1"/>
+                            </a:solidFill>
+                            <a:latin typeface="Cambria Math" panose="02040503050406030204" pitchFamily="18" charset="0"/>
+                          </a:rPr>
+                          <m:t>(.)</m:t>
+                        </m:r>
+                      </m:oMath>
+                    </m:oMathPara>
+                  </a14:m>
+                  <a:endParaRPr lang="en-US" dirty="0">
+                    <a:solidFill>
+                      <a:schemeClr val="tx1"/>
+                    </a:solidFill>
+                  </a:endParaRPr>
+                </a:p>
+              </p:txBody>
+            </p:sp>
+          </mc:Choice>
+          <mc:Fallback xmlns="">
+            <p:sp>
+              <p:nvSpPr>
+                <p:cNvPr id="5" name="Elipse 4">
+                  <a:extLst>
+                    <a:ext uri="{FF2B5EF4-FFF2-40B4-BE49-F238E27FC236}">
+                      <a16:creationId xmlns:a16="http://schemas.microsoft.com/office/drawing/2014/main" id="{72D7C50D-C426-411D-8AD2-049893155314}"/>
+                    </a:ext>
+                  </a:extLst>
+                </p:cNvPr>
+                <p:cNvSpPr>
+                  <a:spLocks noRot="1" noChangeAspect="1" noMove="1" noResize="1" noEditPoints="1" noAdjustHandles="1" noChangeArrowheads="1" noChangeShapeType="1" noTextEdit="1"/>
+                </p:cNvSpPr>
+                <p:nvPr/>
+              </p:nvSpPr>
+              <p:spPr>
+                <a:xfrm>
+                  <a:off x="7129462" y="3067050"/>
+                  <a:ext cx="576000" cy="576000"/>
+                </a:xfrm>
+                <a:prstGeom prst="ellipse">
+                  <a:avLst/>
+                </a:prstGeom>
+                <a:blipFill>
+                  <a:blip r:embed="rId3"/>
+                  <a:stretch>
+                    <a:fillRect r="-5155"/>
+                  </a:stretch>
+                </a:blipFill>
+              </p:spPr>
+              <p:txBody>
+                <a:bodyPr/>
+                <a:lstStyle/>
+                <a:p>
+                  <a:r>
+                    <a:rPr lang="en-US">
+                      <a:noFill/>
+                    </a:rPr>
+                    <a:t> </a:t>
+                  </a:r>
+                </a:p>
+              </p:txBody>
+            </p:sp>
+          </mc:Fallback>
+        </mc:AlternateContent>
+        <mc:AlternateContent xmlns:mc="http://schemas.openxmlformats.org/markup-compatibility/2006" xmlns:a14="http://schemas.microsoft.com/office/drawing/2010/main">
+          <mc:Choice Requires="a14">
+            <p:sp>
+              <p:nvSpPr>
+                <p:cNvPr id="6" name="Elipse 5">
+                  <a:extLst>
+                    <a:ext uri="{FF2B5EF4-FFF2-40B4-BE49-F238E27FC236}">
+                      <a16:creationId xmlns:a16="http://schemas.microsoft.com/office/drawing/2014/main" id="{F3B03121-AED8-4DD2-BFA9-11F1631876D1}"/>
+                    </a:ext>
+                  </a:extLst>
+                </p:cNvPr>
+                <p:cNvSpPr/>
+                <p:nvPr/>
+              </p:nvSpPr>
+              <p:spPr>
+                <a:xfrm>
+                  <a:off x="8677275" y="3067050"/>
+                  <a:ext cx="576000" cy="576000"/>
+                </a:xfrm>
+                <a:prstGeom prst="ellipse">
+                  <a:avLst/>
+                </a:prstGeom>
+              </p:spPr>
+              <p:style>
+                <a:lnRef idx="2">
+                  <a:schemeClr val="accent1">
+                    <a:shade val="50000"/>
+                  </a:schemeClr>
+                </a:lnRef>
+                <a:fillRef idx="1">
+                  <a:schemeClr val="accent1"/>
+                </a:fillRef>
+                <a:effectRef idx="0">
+                  <a:schemeClr val="accent1"/>
+                </a:effectRef>
+                <a:fontRef idx="minor">
+                  <a:schemeClr val="lt1"/>
+                </a:fontRef>
+              </p:style>
+              <p:txBody>
+                <a:bodyPr rtlCol="0" anchor="ctr"/>
+                <a:lstStyle/>
+                <a:p>
+                  <a:pPr algn="ctr"/>
+                  <a14:m>
+                    <m:oMathPara xmlns:m="http://schemas.openxmlformats.org/officeDocument/2006/math">
+                      <m:oMathParaPr>
+                        <m:jc m:val="center"/>
+                      </m:oMathParaPr>
+                      <m:oMath xmlns:m="http://schemas.openxmlformats.org/officeDocument/2006/math">
+                        <m:r>
+                          <a:rPr lang="pt-BR" b="0" i="1" smtClean="0">
+                            <a:solidFill>
+                              <a:schemeClr val="tx1"/>
+                            </a:solidFill>
+                            <a:latin typeface="Cambria Math" panose="02040503050406030204" pitchFamily="18" charset="0"/>
+                          </a:rPr>
+                          <m:t> </m:t>
+                        </m:r>
+                        <m:r>
+                          <a:rPr lang="pt-BR" b="0" i="1" smtClean="0">
+                            <a:solidFill>
+                              <a:schemeClr val="tx1"/>
+                            </a:solidFill>
+                            <a:latin typeface="Cambria Math" panose="02040503050406030204" pitchFamily="18" charset="0"/>
+                          </a:rPr>
+                          <m:t>𝑓</m:t>
+                        </m:r>
+                        <m:r>
+                          <a:rPr lang="pt-BR" i="1">
+                            <a:solidFill>
+                              <a:schemeClr val="tx1"/>
+                            </a:solidFill>
+                            <a:latin typeface="Cambria Math" panose="02040503050406030204" pitchFamily="18" charset="0"/>
+                          </a:rPr>
+                          <m:t>(.)</m:t>
+                        </m:r>
+                      </m:oMath>
+                    </m:oMathPara>
+                  </a14:m>
+                  <a:endParaRPr lang="en-US" dirty="0">
+                    <a:solidFill>
+                      <a:schemeClr val="tx1"/>
+                    </a:solidFill>
+                  </a:endParaRPr>
+                </a:p>
+              </p:txBody>
+            </p:sp>
+          </mc:Choice>
+          <mc:Fallback xmlns="">
+            <p:sp>
+              <p:nvSpPr>
+                <p:cNvPr id="6" name="Elipse 5">
+                  <a:extLst>
+                    <a:ext uri="{FF2B5EF4-FFF2-40B4-BE49-F238E27FC236}">
+                      <a16:creationId xmlns:a16="http://schemas.microsoft.com/office/drawing/2014/main" id="{F3B03121-AED8-4DD2-BFA9-11F1631876D1}"/>
+                    </a:ext>
+                  </a:extLst>
+                </p:cNvPr>
+                <p:cNvSpPr>
+                  <a:spLocks noRot="1" noChangeAspect="1" noMove="1" noResize="1" noEditPoints="1" noAdjustHandles="1" noChangeArrowheads="1" noChangeShapeType="1" noTextEdit="1"/>
+                </p:cNvSpPr>
+                <p:nvPr/>
+              </p:nvSpPr>
+              <p:spPr>
+                <a:xfrm>
+                  <a:off x="8677275" y="3067050"/>
+                  <a:ext cx="576000" cy="576000"/>
+                </a:xfrm>
+                <a:prstGeom prst="ellipse">
+                  <a:avLst/>
+                </a:prstGeom>
+                <a:blipFill>
+                  <a:blip r:embed="rId4"/>
+                  <a:stretch>
+                    <a:fillRect l="-3093" r="-4124"/>
+                  </a:stretch>
+                </a:blipFill>
+              </p:spPr>
+              <p:txBody>
+                <a:bodyPr/>
+                <a:lstStyle/>
+                <a:p>
+                  <a:r>
+                    <a:rPr lang="en-US">
+                      <a:noFill/>
+                    </a:rPr>
+                    <a:t> </a:t>
+                  </a:r>
+                </a:p>
+              </p:txBody>
+            </p:sp>
+          </mc:Fallback>
+        </mc:AlternateContent>
+        <p:cxnSp>
+          <p:nvCxnSpPr>
+            <p:cNvPr id="8" name="Conector de Seta Reta 7">
+              <a:extLst>
+                <a:ext uri="{FF2B5EF4-FFF2-40B4-BE49-F238E27FC236}">
+                  <a16:creationId xmlns:a16="http://schemas.microsoft.com/office/drawing/2014/main" id="{4DB247EE-A5CD-4605-B5AE-0574C92FD396}"/>
+                </a:ext>
+              </a:extLst>
+            </p:cNvPr>
+            <p:cNvCxnSpPr>
+              <a:cxnSpLocks/>
+              <a:stCxn id="4" idx="6"/>
+              <a:endCxn id="5" idx="2"/>
+            </p:cNvCxnSpPr>
+            <p:nvPr/>
+          </p:nvCxnSpPr>
+          <p:spPr>
+            <a:xfrm>
+              <a:off x="6186225" y="3355050"/>
+              <a:ext cx="943237" cy="0"/>
+            </a:xfrm>
+            <a:prstGeom prst="straightConnector1">
+              <a:avLst/>
+            </a:prstGeom>
+            <a:ln>
+              <a:solidFill>
+                <a:schemeClr val="tx1"/>
+              </a:solidFill>
+              <a:tailEnd type="triangle"/>
+            </a:ln>
+          </p:spPr>
+          <p:style>
+            <a:lnRef idx="1">
+              <a:schemeClr val="accent1"/>
+            </a:lnRef>
+            <a:fillRef idx="0">
+              <a:schemeClr val="accent1"/>
+            </a:fillRef>
+            <a:effectRef idx="0">
+              <a:schemeClr val="accent1"/>
+            </a:effectRef>
+            <a:fontRef idx="minor">
+              <a:schemeClr val="tx1"/>
+            </a:fontRef>
+          </p:style>
+        </p:cxnSp>
+        <p:cxnSp>
+          <p:nvCxnSpPr>
+            <p:cNvPr id="10" name="Conector de Seta Reta 9">
+              <a:extLst>
+                <a:ext uri="{FF2B5EF4-FFF2-40B4-BE49-F238E27FC236}">
+                  <a16:creationId xmlns:a16="http://schemas.microsoft.com/office/drawing/2014/main" id="{8FDC2F6D-7AEF-4D5B-AD32-8005F3C27C47}"/>
+                </a:ext>
+              </a:extLst>
+            </p:cNvPr>
+            <p:cNvCxnSpPr>
+              <a:stCxn id="5" idx="6"/>
+              <a:endCxn id="6" idx="2"/>
+            </p:cNvCxnSpPr>
+            <p:nvPr/>
+          </p:nvCxnSpPr>
+          <p:spPr>
+            <a:xfrm>
+              <a:off x="7705462" y="3355050"/>
+              <a:ext cx="971813" cy="0"/>
+            </a:xfrm>
+            <a:prstGeom prst="straightConnector1">
+              <a:avLst/>
+            </a:prstGeom>
+            <a:ln>
+              <a:solidFill>
+                <a:schemeClr val="tx1"/>
+              </a:solidFill>
+              <a:tailEnd type="triangle"/>
+            </a:ln>
+          </p:spPr>
+          <p:style>
+            <a:lnRef idx="1">
+              <a:schemeClr val="accent1"/>
+            </a:lnRef>
+            <a:fillRef idx="0">
+              <a:schemeClr val="accent1"/>
+            </a:fillRef>
+            <a:effectRef idx="0">
+              <a:schemeClr val="accent1"/>
+            </a:effectRef>
+            <a:fontRef idx="minor">
+              <a:schemeClr val="tx1"/>
+            </a:fontRef>
+          </p:style>
+        </p:cxnSp>
+        <p:cxnSp>
+          <p:nvCxnSpPr>
+            <p:cNvPr id="13" name="Conector de Seta Reta 12">
+              <a:extLst>
+                <a:ext uri="{FF2B5EF4-FFF2-40B4-BE49-F238E27FC236}">
+                  <a16:creationId xmlns:a16="http://schemas.microsoft.com/office/drawing/2014/main" id="{894AD04A-1FF4-48E9-81C3-E481324E92F6}"/>
+                </a:ext>
+              </a:extLst>
+            </p:cNvPr>
+            <p:cNvCxnSpPr/>
+            <p:nvPr/>
+          </p:nvCxnSpPr>
+          <p:spPr>
+            <a:xfrm>
+              <a:off x="9253275" y="3355050"/>
+              <a:ext cx="360000" cy="0"/>
+            </a:xfrm>
+            <a:prstGeom prst="straightConnector1">
+              <a:avLst/>
+            </a:prstGeom>
+            <a:ln>
+              <a:solidFill>
+                <a:schemeClr val="tx1"/>
+              </a:solidFill>
+              <a:tailEnd type="triangle"/>
+            </a:ln>
+          </p:spPr>
+          <p:style>
+            <a:lnRef idx="1">
+              <a:schemeClr val="accent1"/>
+            </a:lnRef>
+            <a:fillRef idx="0">
+              <a:schemeClr val="accent1"/>
+            </a:fillRef>
+            <a:effectRef idx="0">
+              <a:schemeClr val="accent1"/>
+            </a:effectRef>
+            <a:fontRef idx="minor">
+              <a:schemeClr val="tx1"/>
+            </a:fontRef>
+          </p:style>
+        </p:cxnSp>
+        <mc:AlternateContent xmlns:mc="http://schemas.openxmlformats.org/markup-compatibility/2006" xmlns:a14="http://schemas.microsoft.com/office/drawing/2010/main">
+          <mc:Choice Requires="a14">
+            <p:sp>
+              <p:nvSpPr>
+                <p:cNvPr id="14" name="Retângulo 13">
+                  <a:extLst>
+                    <a:ext uri="{FF2B5EF4-FFF2-40B4-BE49-F238E27FC236}">
+                      <a16:creationId xmlns:a16="http://schemas.microsoft.com/office/drawing/2014/main" id="{BB399603-1FD4-44D2-8C65-4FA371297954}"/>
+                    </a:ext>
+                  </a:extLst>
+                </p:cNvPr>
+                <p:cNvSpPr/>
+                <p:nvPr/>
+              </p:nvSpPr>
+              <p:spPr>
+                <a:xfrm>
+                  <a:off x="9488648" y="3133618"/>
+                  <a:ext cx="1888402" cy="369332"/>
+                </a:xfrm>
+                <a:prstGeom prst="rect">
+                  <a:avLst/>
+                </a:prstGeom>
+              </p:spPr>
+              <p:txBody>
+                <a:bodyPr wrap="none">
+                  <a:spAutoFit/>
+                </a:bodyPr>
+                <a:lstStyle/>
+                <a:p>
+                  <a:pPr algn="ctr"/>
+                  <a14:m>
+                    <m:oMathPara xmlns:m="http://schemas.openxmlformats.org/officeDocument/2006/math">
+                      <m:oMathParaPr>
+                        <m:jc m:val="center"/>
+                      </m:oMathParaPr>
+                      <m:oMath xmlns:m="http://schemas.openxmlformats.org/officeDocument/2006/math">
+                        <m:r>
+                          <a:rPr lang="pt-BR" i="1" smtClean="0">
+                            <a:latin typeface="Cambria Math" panose="02040503050406030204" pitchFamily="18" charset="0"/>
+                          </a:rPr>
+                          <m:t> </m:t>
+                        </m:r>
+                        <m:r>
+                          <a:rPr lang="pt-BR" b="0" i="1" smtClean="0">
+                            <a:latin typeface="Cambria Math" panose="02040503050406030204" pitchFamily="18" charset="0"/>
+                          </a:rPr>
+                          <m:t>𝑦</m:t>
+                        </m:r>
+                        <m:r>
+                          <a:rPr lang="pt-BR" b="0" i="1" smtClean="0">
+                            <a:latin typeface="Cambria Math" panose="02040503050406030204" pitchFamily="18" charset="0"/>
+                          </a:rPr>
+                          <m:t>=</m:t>
+                        </m:r>
+                        <m:r>
+                          <a:rPr lang="pt-BR" i="1">
+                            <a:latin typeface="Cambria Math" panose="02040503050406030204" pitchFamily="18" charset="0"/>
+                          </a:rPr>
+                          <m:t>𝑓</m:t>
+                        </m:r>
+                        <m:r>
+                          <a:rPr lang="pt-BR" i="1">
+                            <a:latin typeface="Cambria Math" panose="02040503050406030204" pitchFamily="18" charset="0"/>
+                          </a:rPr>
+                          <m:t>(</m:t>
+                        </m:r>
+                        <m:r>
+                          <a:rPr lang="pt-BR" i="1">
+                            <a:latin typeface="Cambria Math" panose="02040503050406030204" pitchFamily="18" charset="0"/>
+                          </a:rPr>
+                          <m:t>𝑔</m:t>
+                        </m:r>
+                        <m:r>
+                          <a:rPr lang="pt-BR" i="1">
+                            <a:latin typeface="Cambria Math" panose="02040503050406030204" pitchFamily="18" charset="0"/>
+                          </a:rPr>
+                          <m:t>(</m:t>
+                        </m:r>
+                        <m:r>
+                          <a:rPr lang="pt-BR" i="1">
+                            <a:latin typeface="Cambria Math" panose="02040503050406030204" pitchFamily="18" charset="0"/>
+                          </a:rPr>
+                          <m:t>h</m:t>
+                        </m:r>
+                        <m:r>
+                          <a:rPr lang="pt-BR" i="1">
+                            <a:latin typeface="Cambria Math" panose="02040503050406030204" pitchFamily="18" charset="0"/>
+                          </a:rPr>
+                          <m:t>(</m:t>
+                        </m:r>
+                        <m:r>
+                          <a:rPr lang="pt-BR" i="1">
+                            <a:latin typeface="Cambria Math" panose="02040503050406030204" pitchFamily="18" charset="0"/>
+                          </a:rPr>
+                          <m:t>𝑤</m:t>
+                        </m:r>
+                        <m:r>
+                          <a:rPr lang="pt-BR" i="1">
+                            <a:latin typeface="Cambria Math" panose="02040503050406030204" pitchFamily="18" charset="0"/>
+                          </a:rPr>
+                          <m:t>)))</m:t>
+                        </m:r>
+                      </m:oMath>
+                    </m:oMathPara>
+                  </a14:m>
+                  <a:endParaRPr lang="en-US" dirty="0"/>
+                </a:p>
+              </p:txBody>
+            </p:sp>
+          </mc:Choice>
+          <mc:Fallback xmlns="">
+            <p:sp>
+              <p:nvSpPr>
+                <p:cNvPr id="14" name="Retângulo 13">
+                  <a:extLst>
+                    <a:ext uri="{FF2B5EF4-FFF2-40B4-BE49-F238E27FC236}">
+                      <a16:creationId xmlns:a16="http://schemas.microsoft.com/office/drawing/2014/main" id="{BB399603-1FD4-44D2-8C65-4FA371297954}"/>
+                    </a:ext>
+                  </a:extLst>
+                </p:cNvPr>
+                <p:cNvSpPr>
+                  <a:spLocks noRot="1" noChangeAspect="1" noMove="1" noResize="1" noEditPoints="1" noAdjustHandles="1" noChangeArrowheads="1" noChangeShapeType="1" noTextEdit="1"/>
+                </p:cNvSpPr>
+                <p:nvPr/>
+              </p:nvSpPr>
+              <p:spPr>
+                <a:xfrm>
+                  <a:off x="9488648" y="3133618"/>
+                  <a:ext cx="1888402" cy="369332"/>
+                </a:xfrm>
+                <a:prstGeom prst="rect">
+                  <a:avLst/>
+                </a:prstGeom>
+                <a:blipFill>
+                  <a:blip r:embed="rId5"/>
+                  <a:stretch>
+                    <a:fillRect b="-13115"/>
+                  </a:stretch>
+                </a:blipFill>
+              </p:spPr>
+              <p:txBody>
+                <a:bodyPr/>
+                <a:lstStyle/>
+                <a:p>
+                  <a:r>
+                    <a:rPr lang="en-US">
+                      <a:noFill/>
+                    </a:rPr>
+                    <a:t> </a:t>
+                  </a:r>
+                </a:p>
+              </p:txBody>
+            </p:sp>
+          </mc:Fallback>
+        </mc:AlternateContent>
+        <mc:AlternateContent xmlns:mc="http://schemas.openxmlformats.org/markup-compatibility/2006" xmlns:a14="http://schemas.microsoft.com/office/drawing/2010/main">
+          <mc:Choice Requires="a14">
+            <p:sp>
+              <p:nvSpPr>
+                <p:cNvPr id="15" name="Retângulo 14">
+                  <a:extLst>
+                    <a:ext uri="{FF2B5EF4-FFF2-40B4-BE49-F238E27FC236}">
+                      <a16:creationId xmlns:a16="http://schemas.microsoft.com/office/drawing/2014/main" id="{FAB24333-A3E1-42FB-A469-DC8B3C8AE5A8}"/>
+                    </a:ext>
+                  </a:extLst>
+                </p:cNvPr>
+                <p:cNvSpPr/>
+                <p:nvPr/>
+              </p:nvSpPr>
+              <p:spPr>
+                <a:xfrm>
+                  <a:off x="7705461" y="3366052"/>
+                  <a:ext cx="971813" cy="369332"/>
+                </a:xfrm>
+                <a:prstGeom prst="rect">
+                  <a:avLst/>
+                </a:prstGeom>
+              </p:spPr>
+              <p:txBody>
+                <a:bodyPr wrap="square">
+                  <a:spAutoFit/>
+                </a:bodyPr>
+                <a:lstStyle/>
+                <a:p>
+                  <a:pPr algn="ctr"/>
+                  <a14:m>
+                    <m:oMathPara xmlns:m="http://schemas.openxmlformats.org/officeDocument/2006/math">
+                      <m:oMathParaPr>
+                        <m:jc m:val="center"/>
+                      </m:oMathParaPr>
+                      <m:oMath xmlns:m="http://schemas.openxmlformats.org/officeDocument/2006/math">
+                        <m:r>
+                          <a:rPr lang="pt-BR" i="1">
+                            <a:latin typeface="Cambria Math" panose="02040503050406030204" pitchFamily="18" charset="0"/>
+                          </a:rPr>
+                          <m:t> </m:t>
+                        </m:r>
+                        <m:r>
+                          <a:rPr lang="pt-BR" i="1">
+                            <a:latin typeface="Cambria Math" panose="02040503050406030204" pitchFamily="18" charset="0"/>
+                          </a:rPr>
+                          <m:t>𝑔</m:t>
+                        </m:r>
+                        <m:r>
+                          <a:rPr lang="pt-BR" i="1">
+                            <a:latin typeface="Cambria Math" panose="02040503050406030204" pitchFamily="18" charset="0"/>
+                          </a:rPr>
+                          <m:t>(</m:t>
+                        </m:r>
+                        <m:r>
+                          <a:rPr lang="pt-BR" i="1">
+                            <a:latin typeface="Cambria Math" panose="02040503050406030204" pitchFamily="18" charset="0"/>
+                          </a:rPr>
+                          <m:t>h</m:t>
+                        </m:r>
+                        <m:r>
+                          <a:rPr lang="pt-BR" i="1">
+                            <a:latin typeface="Cambria Math" panose="02040503050406030204" pitchFamily="18" charset="0"/>
+                          </a:rPr>
+                          <m:t>(</m:t>
+                        </m:r>
+                        <m:r>
+                          <a:rPr lang="pt-BR" i="1">
+                            <a:latin typeface="Cambria Math" panose="02040503050406030204" pitchFamily="18" charset="0"/>
+                          </a:rPr>
+                          <m:t>𝑤</m:t>
+                        </m:r>
+                        <m:r>
+                          <a:rPr lang="pt-BR" i="1">
+                            <a:latin typeface="Cambria Math" panose="02040503050406030204" pitchFamily="18" charset="0"/>
+                          </a:rPr>
+                          <m:t>))</m:t>
+                        </m:r>
+                      </m:oMath>
+                    </m:oMathPara>
+                  </a14:m>
+                  <a:endParaRPr lang="en-US" dirty="0"/>
+                </a:p>
+              </p:txBody>
+            </p:sp>
+          </mc:Choice>
+          <mc:Fallback xmlns="">
+            <p:sp>
+              <p:nvSpPr>
+                <p:cNvPr id="15" name="Retângulo 14">
+                  <a:extLst>
+                    <a:ext uri="{FF2B5EF4-FFF2-40B4-BE49-F238E27FC236}">
+                      <a16:creationId xmlns:a16="http://schemas.microsoft.com/office/drawing/2014/main" id="{FAB24333-A3E1-42FB-A469-DC8B3C8AE5A8}"/>
+                    </a:ext>
+                  </a:extLst>
+                </p:cNvPr>
+                <p:cNvSpPr>
+                  <a:spLocks noRot="1" noChangeAspect="1" noMove="1" noResize="1" noEditPoints="1" noAdjustHandles="1" noChangeArrowheads="1" noChangeShapeType="1" noTextEdit="1"/>
+                </p:cNvSpPr>
+                <p:nvPr/>
+              </p:nvSpPr>
+              <p:spPr>
+                <a:xfrm>
+                  <a:off x="7705461" y="3366052"/>
+                  <a:ext cx="971813" cy="369332"/>
+                </a:xfrm>
+                <a:prstGeom prst="rect">
+                  <a:avLst/>
+                </a:prstGeom>
+                <a:blipFill>
+                  <a:blip r:embed="rId6"/>
+                  <a:stretch>
+                    <a:fillRect l="-1887" r="-4403" b="-13115"/>
+                  </a:stretch>
+                </a:blipFill>
+              </p:spPr>
+              <p:txBody>
+                <a:bodyPr/>
+                <a:lstStyle/>
+                <a:p>
+                  <a:r>
+                    <a:rPr lang="en-US">
+                      <a:noFill/>
+                    </a:rPr>
+                    <a:t> </a:t>
+                  </a:r>
+                </a:p>
+              </p:txBody>
+            </p:sp>
+          </mc:Fallback>
+        </mc:AlternateContent>
+        <mc:AlternateContent xmlns:mc="http://schemas.openxmlformats.org/markup-compatibility/2006" xmlns:a14="http://schemas.microsoft.com/office/drawing/2010/main">
+          <mc:Choice Requires="a14">
+            <p:sp>
+              <p:nvSpPr>
+                <p:cNvPr id="16" name="Retângulo 15">
+                  <a:extLst>
+                    <a:ext uri="{FF2B5EF4-FFF2-40B4-BE49-F238E27FC236}">
+                      <a16:creationId xmlns:a16="http://schemas.microsoft.com/office/drawing/2014/main" id="{F6753DB7-75B6-4A62-9915-3372A17CDB94}"/>
+                    </a:ext>
+                  </a:extLst>
+                </p:cNvPr>
+                <p:cNvSpPr/>
+                <p:nvPr/>
+              </p:nvSpPr>
+              <p:spPr>
+                <a:xfrm>
+                  <a:off x="6186223" y="3359550"/>
+                  <a:ext cx="943237" cy="369332"/>
+                </a:xfrm>
+                <a:prstGeom prst="rect">
+                  <a:avLst/>
+                </a:prstGeom>
+              </p:spPr>
+              <p:txBody>
+                <a:bodyPr wrap="square">
+                  <a:spAutoFit/>
+                </a:bodyPr>
+                <a:lstStyle/>
+                <a:p>
+                  <a:pPr algn="ctr"/>
+                  <a14:m>
+                    <m:oMathPara xmlns:m="http://schemas.openxmlformats.org/officeDocument/2006/math">
+                      <m:oMathParaPr>
+                        <m:jc m:val="center"/>
+                      </m:oMathParaPr>
+                      <m:oMath xmlns:m="http://schemas.openxmlformats.org/officeDocument/2006/math">
+                        <m:r>
+                          <a:rPr lang="pt-BR" i="1" smtClean="0">
+                            <a:latin typeface="Cambria Math" panose="02040503050406030204" pitchFamily="18" charset="0"/>
+                          </a:rPr>
+                          <m:t> </m:t>
+                        </m:r>
+                        <m:r>
+                          <a:rPr lang="pt-BR" b="0" i="1" smtClean="0">
+                            <a:latin typeface="Cambria Math" panose="02040503050406030204" pitchFamily="18" charset="0"/>
+                          </a:rPr>
+                          <m:t>h</m:t>
+                        </m:r>
+                        <m:r>
+                          <a:rPr lang="pt-BR" i="1">
+                            <a:latin typeface="Cambria Math" panose="02040503050406030204" pitchFamily="18" charset="0"/>
+                          </a:rPr>
+                          <m:t>(</m:t>
+                        </m:r>
+                        <m:r>
+                          <a:rPr lang="pt-BR" b="0" i="1" smtClean="0">
+                            <a:latin typeface="Cambria Math" panose="02040503050406030204" pitchFamily="18" charset="0"/>
+                          </a:rPr>
+                          <m:t>𝑤</m:t>
+                        </m:r>
+                        <m:r>
+                          <a:rPr lang="pt-BR" i="1">
+                            <a:latin typeface="Cambria Math" panose="02040503050406030204" pitchFamily="18" charset="0"/>
+                          </a:rPr>
+                          <m:t>)</m:t>
+                        </m:r>
+                      </m:oMath>
+                    </m:oMathPara>
+                  </a14:m>
+                  <a:endParaRPr lang="en-US" dirty="0"/>
+                </a:p>
+              </p:txBody>
+            </p:sp>
+          </mc:Choice>
+          <mc:Fallback xmlns="">
+            <p:sp>
+              <p:nvSpPr>
+                <p:cNvPr id="16" name="Retângulo 15">
+                  <a:extLst>
+                    <a:ext uri="{FF2B5EF4-FFF2-40B4-BE49-F238E27FC236}">
+                      <a16:creationId xmlns:a16="http://schemas.microsoft.com/office/drawing/2014/main" id="{F6753DB7-75B6-4A62-9915-3372A17CDB94}"/>
+                    </a:ext>
+                  </a:extLst>
+                </p:cNvPr>
+                <p:cNvSpPr>
+                  <a:spLocks noRot="1" noChangeAspect="1" noMove="1" noResize="1" noEditPoints="1" noAdjustHandles="1" noChangeArrowheads="1" noChangeShapeType="1" noTextEdit="1"/>
+                </p:cNvSpPr>
+                <p:nvPr/>
+              </p:nvSpPr>
+              <p:spPr>
+                <a:xfrm>
+                  <a:off x="6186223" y="3359550"/>
+                  <a:ext cx="943237" cy="369332"/>
+                </a:xfrm>
+                <a:prstGeom prst="rect">
+                  <a:avLst/>
+                </a:prstGeom>
+                <a:blipFill>
+                  <a:blip r:embed="rId7"/>
+                  <a:stretch>
+                    <a:fillRect b="-13115"/>
+                  </a:stretch>
+                </a:blipFill>
+              </p:spPr>
+              <p:txBody>
+                <a:bodyPr/>
+                <a:lstStyle/>
+                <a:p>
+                  <a:r>
+                    <a:rPr lang="en-US">
+                      <a:noFill/>
+                    </a:rPr>
+                    <a:t> </a:t>
+                  </a:r>
+                </a:p>
+              </p:txBody>
+            </p:sp>
+          </mc:Fallback>
+        </mc:AlternateContent>
+        <mc:AlternateContent xmlns:mc="http://schemas.openxmlformats.org/markup-compatibility/2006" xmlns:a14="http://schemas.microsoft.com/office/drawing/2010/main">
+          <mc:Choice Requires="a14">
+            <p:sp>
+              <p:nvSpPr>
+                <p:cNvPr id="17" name="Retângulo 16">
+                  <a:extLst>
+                    <a:ext uri="{FF2B5EF4-FFF2-40B4-BE49-F238E27FC236}">
+                      <a16:creationId xmlns:a16="http://schemas.microsoft.com/office/drawing/2014/main" id="{8BEB5D43-CA6F-418B-AC1B-D8E50C603710}"/>
+                    </a:ext>
+                  </a:extLst>
+                </p:cNvPr>
+                <p:cNvSpPr/>
+                <p:nvPr/>
+              </p:nvSpPr>
+              <p:spPr>
+                <a:xfrm>
+                  <a:off x="4473339" y="3170384"/>
+                  <a:ext cx="848886" cy="369332"/>
+                </a:xfrm>
+                <a:prstGeom prst="rect">
+                  <a:avLst/>
+                </a:prstGeom>
+              </p:spPr>
+              <p:txBody>
+                <a:bodyPr wrap="none">
+                  <a:spAutoFit/>
+                </a:bodyPr>
+                <a:lstStyle/>
+                <a:p>
+                  <a:pPr algn="ctr"/>
+                  <a14:m>
+                    <m:oMathPara xmlns:m="http://schemas.openxmlformats.org/officeDocument/2006/math">
+                      <m:oMathParaPr>
+                        <m:jc m:val="center"/>
+                      </m:oMathParaPr>
+                      <m:oMath xmlns:m="http://schemas.openxmlformats.org/officeDocument/2006/math">
+                        <m:r>
+                          <a:rPr lang="pt-BR" i="1" smtClean="0">
+                            <a:latin typeface="Cambria Math" panose="02040503050406030204" pitchFamily="18" charset="0"/>
+                          </a:rPr>
+                          <m:t> </m:t>
+                        </m:r>
+                        <m:r>
+                          <a:rPr lang="pt-BR" b="0" i="1" smtClean="0">
+                            <a:latin typeface="Cambria Math" panose="02040503050406030204" pitchFamily="18" charset="0"/>
+                          </a:rPr>
+                          <m:t>𝑥</m:t>
+                        </m:r>
+                        <m:r>
+                          <a:rPr lang="pt-BR" b="0" i="1" smtClean="0">
+                            <a:latin typeface="Cambria Math" panose="02040503050406030204" pitchFamily="18" charset="0"/>
+                          </a:rPr>
+                          <m:t>=1</m:t>
+                        </m:r>
+                      </m:oMath>
+                    </m:oMathPara>
+                  </a14:m>
+                  <a:endParaRPr lang="en-US" dirty="0"/>
+                </a:p>
+              </p:txBody>
+            </p:sp>
+          </mc:Choice>
+          <mc:Fallback xmlns="">
+            <p:sp>
+              <p:nvSpPr>
+                <p:cNvPr id="17" name="Retângulo 16">
+                  <a:extLst>
+                    <a:ext uri="{FF2B5EF4-FFF2-40B4-BE49-F238E27FC236}">
+                      <a16:creationId xmlns:a16="http://schemas.microsoft.com/office/drawing/2014/main" id="{8BEB5D43-CA6F-418B-AC1B-D8E50C603710}"/>
+                    </a:ext>
+                  </a:extLst>
+                </p:cNvPr>
+                <p:cNvSpPr>
+                  <a:spLocks noRot="1" noChangeAspect="1" noMove="1" noResize="1" noEditPoints="1" noAdjustHandles="1" noChangeArrowheads="1" noChangeShapeType="1" noTextEdit="1"/>
+                </p:cNvSpPr>
+                <p:nvPr/>
+              </p:nvSpPr>
+              <p:spPr>
+                <a:xfrm>
+                  <a:off x="4473339" y="3170384"/>
+                  <a:ext cx="848886" cy="369332"/>
+                </a:xfrm>
+                <a:prstGeom prst="rect">
+                  <a:avLst/>
+                </a:prstGeom>
+                <a:blipFill>
+                  <a:blip r:embed="rId8"/>
+                  <a:stretch>
+                    <a:fillRect/>
+                  </a:stretch>
+                </a:blipFill>
+              </p:spPr>
+              <p:txBody>
+                <a:bodyPr/>
+                <a:lstStyle/>
+                <a:p>
+                  <a:r>
+                    <a:rPr lang="en-US">
+                      <a:noFill/>
+                    </a:rPr>
+                    <a:t> </a:t>
+                  </a:r>
+                </a:p>
+              </p:txBody>
+            </p:sp>
+          </mc:Fallback>
+        </mc:AlternateContent>
+        <p:cxnSp>
+          <p:nvCxnSpPr>
+            <p:cNvPr id="18" name="Conector de Seta Reta 17">
+              <a:extLst>
+                <a:ext uri="{FF2B5EF4-FFF2-40B4-BE49-F238E27FC236}">
+                  <a16:creationId xmlns:a16="http://schemas.microsoft.com/office/drawing/2014/main" id="{54CB43BD-2566-471D-88EE-64FDFF39B9D8}"/>
+                </a:ext>
+              </a:extLst>
+            </p:cNvPr>
+            <p:cNvCxnSpPr/>
+            <p:nvPr/>
+          </p:nvCxnSpPr>
+          <p:spPr>
+            <a:xfrm>
+              <a:off x="5250225" y="3360359"/>
+              <a:ext cx="360000" cy="0"/>
+            </a:xfrm>
+            <a:prstGeom prst="straightConnector1">
+              <a:avLst/>
+            </a:prstGeom>
+            <a:ln>
+              <a:solidFill>
+                <a:schemeClr val="tx1"/>
+              </a:solidFill>
+              <a:tailEnd type="triangle"/>
+            </a:ln>
+          </p:spPr>
+          <p:style>
+            <a:lnRef idx="1">
+              <a:schemeClr val="accent1"/>
+            </a:lnRef>
+            <a:fillRef idx="0">
+              <a:schemeClr val="accent1"/>
+            </a:fillRef>
+            <a:effectRef idx="0">
+              <a:schemeClr val="accent1"/>
+            </a:effectRef>
+            <a:fontRef idx="minor">
+              <a:schemeClr val="tx1"/>
+            </a:fontRef>
+          </p:style>
+        </p:cxnSp>
+        <mc:AlternateContent xmlns:mc="http://schemas.openxmlformats.org/markup-compatibility/2006" xmlns:a14="http://schemas.microsoft.com/office/drawing/2010/main">
+          <mc:Choice Requires="a14">
+            <p:sp>
+              <p:nvSpPr>
+                <p:cNvPr id="19" name="Retângulo 18">
+                  <a:extLst>
+                    <a:ext uri="{FF2B5EF4-FFF2-40B4-BE49-F238E27FC236}">
+                      <a16:creationId xmlns:a16="http://schemas.microsoft.com/office/drawing/2014/main" id="{D9842835-461A-4F7C-8DC5-389F1085CC06}"/>
+                    </a:ext>
+                  </a:extLst>
+                </p:cNvPr>
+                <p:cNvSpPr/>
+                <p:nvPr/>
+              </p:nvSpPr>
+              <p:spPr>
+                <a:xfrm>
+                  <a:off x="5223117" y="3020937"/>
+                  <a:ext cx="414216" cy="369332"/>
+                </a:xfrm>
+                <a:prstGeom prst="rect">
+                  <a:avLst/>
+                </a:prstGeom>
+              </p:spPr>
+              <p:txBody>
+                <a:bodyPr wrap="none">
+                  <a:spAutoFit/>
+                </a:bodyPr>
+                <a:lstStyle/>
+                <a:p>
+                  <a:pPr/>
+                  <a14:m>
+                    <m:oMathPara xmlns:m="http://schemas.openxmlformats.org/officeDocument/2006/math">
+                      <m:oMathParaPr>
+                        <m:jc m:val="centerGroup"/>
+                      </m:oMathParaPr>
+                      <m:oMath xmlns:m="http://schemas.openxmlformats.org/officeDocument/2006/math">
+                        <m:r>
+                          <a:rPr lang="pt-BR" i="1">
+                            <a:latin typeface="Cambria Math" panose="02040503050406030204" pitchFamily="18" charset="0"/>
+                          </a:rPr>
+                          <m:t>𝑤</m:t>
+                        </m:r>
+                      </m:oMath>
+                    </m:oMathPara>
+                  </a14:m>
+                  <a:endParaRPr lang="en-US" dirty="0"/>
+                </a:p>
+              </p:txBody>
+            </p:sp>
+          </mc:Choice>
+          <mc:Fallback xmlns="">
+            <p:sp>
+              <p:nvSpPr>
+                <p:cNvPr id="19" name="Retângulo 18">
+                  <a:extLst>
+                    <a:ext uri="{FF2B5EF4-FFF2-40B4-BE49-F238E27FC236}">
+                      <a16:creationId xmlns:a16="http://schemas.microsoft.com/office/drawing/2014/main" id="{D9842835-461A-4F7C-8DC5-389F1085CC06}"/>
+                    </a:ext>
+                  </a:extLst>
+                </p:cNvPr>
+                <p:cNvSpPr>
+                  <a:spLocks noRot="1" noChangeAspect="1" noMove="1" noResize="1" noEditPoints="1" noAdjustHandles="1" noChangeArrowheads="1" noChangeShapeType="1" noTextEdit="1"/>
+                </p:cNvSpPr>
+                <p:nvPr/>
+              </p:nvSpPr>
+              <p:spPr>
+                <a:xfrm>
+                  <a:off x="5223117" y="3020937"/>
+                  <a:ext cx="414216" cy="369332"/>
+                </a:xfrm>
+                <a:prstGeom prst="rect">
+                  <a:avLst/>
+                </a:prstGeom>
+                <a:blipFill>
+                  <a:blip r:embed="rId9"/>
+                  <a:stretch>
+                    <a:fillRect/>
+                  </a:stretch>
+                </a:blipFill>
+              </p:spPr>
+              <p:txBody>
+                <a:bodyPr/>
+                <a:lstStyle/>
+                <a:p>
+                  <a:r>
+                    <a:rPr lang="en-US">
+                      <a:noFill/>
+                    </a:rPr>
+                    <a:t> </a:t>
+                  </a:r>
+                </a:p>
+              </p:txBody>
+            </p:sp>
+          </mc:Fallback>
+        </mc:AlternateContent>
+        <mc:AlternateContent xmlns:mc="http://schemas.openxmlformats.org/markup-compatibility/2006" xmlns:a14="http://schemas.microsoft.com/office/drawing/2010/main">
+          <mc:Choice Requires="a14">
+            <p:sp>
+              <p:nvSpPr>
+                <p:cNvPr id="20" name="Retângulo 19">
+                  <a:extLst>
+                    <a:ext uri="{FF2B5EF4-FFF2-40B4-BE49-F238E27FC236}">
+                      <a16:creationId xmlns:a16="http://schemas.microsoft.com/office/drawing/2014/main" id="{ACDAE330-BCC1-4F77-8EA6-C3DB7D574120}"/>
+                    </a:ext>
+                  </a:extLst>
+                </p:cNvPr>
+                <p:cNvSpPr/>
+                <p:nvPr/>
+              </p:nvSpPr>
+              <p:spPr>
+                <a:xfrm>
+                  <a:off x="6184759" y="2985718"/>
+                  <a:ext cx="944702" cy="369332"/>
+                </a:xfrm>
+                <a:prstGeom prst="rect">
+                  <a:avLst/>
+                </a:prstGeom>
+              </p:spPr>
+              <p:txBody>
+                <a:bodyPr wrap="square">
+                  <a:spAutoFit/>
+                </a:bodyPr>
+                <a:lstStyle/>
+                <a:p>
+                  <a:pPr/>
+                  <a14:m>
+                    <m:oMathPara xmlns:m="http://schemas.openxmlformats.org/officeDocument/2006/math">
+                      <m:oMathParaPr>
+                        <m:jc m:val="centerGroup"/>
+                      </m:oMathParaPr>
+                      <m:oMath xmlns:m="http://schemas.openxmlformats.org/officeDocument/2006/math">
+                        <m:r>
+                          <a:rPr lang="pt-BR" b="0" i="1" smtClean="0">
+                            <a:latin typeface="Cambria Math" panose="02040503050406030204" pitchFamily="18" charset="0"/>
+                          </a:rPr>
+                          <m:t>1</m:t>
+                        </m:r>
+                      </m:oMath>
+                    </m:oMathPara>
+                  </a14:m>
+                  <a:endParaRPr lang="en-US" dirty="0"/>
+                </a:p>
+              </p:txBody>
+            </p:sp>
+          </mc:Choice>
+          <mc:Fallback xmlns="">
+            <p:sp>
+              <p:nvSpPr>
+                <p:cNvPr id="20" name="Retângulo 19">
+                  <a:extLst>
+                    <a:ext uri="{FF2B5EF4-FFF2-40B4-BE49-F238E27FC236}">
+                      <a16:creationId xmlns:a16="http://schemas.microsoft.com/office/drawing/2014/main" id="{ACDAE330-BCC1-4F77-8EA6-C3DB7D574120}"/>
+                    </a:ext>
+                  </a:extLst>
+                </p:cNvPr>
+                <p:cNvSpPr>
+                  <a:spLocks noRot="1" noChangeAspect="1" noMove="1" noResize="1" noEditPoints="1" noAdjustHandles="1" noChangeArrowheads="1" noChangeShapeType="1" noTextEdit="1"/>
+                </p:cNvSpPr>
+                <p:nvPr/>
+              </p:nvSpPr>
+              <p:spPr>
+                <a:xfrm>
+                  <a:off x="6184759" y="2985718"/>
+                  <a:ext cx="944702" cy="369332"/>
+                </a:xfrm>
+                <a:prstGeom prst="rect">
+                  <a:avLst/>
+                </a:prstGeom>
+                <a:blipFill>
+                  <a:blip r:embed="rId10"/>
+                  <a:stretch>
+                    <a:fillRect/>
+                  </a:stretch>
+                </a:blipFill>
+              </p:spPr>
+              <p:txBody>
+                <a:bodyPr/>
+                <a:lstStyle/>
+                <a:p>
+                  <a:r>
+                    <a:rPr lang="en-US">
+                      <a:noFill/>
+                    </a:rPr>
+                    <a:t> </a:t>
+                  </a:r>
+                </a:p>
+              </p:txBody>
+            </p:sp>
+          </mc:Fallback>
+        </mc:AlternateContent>
+        <mc:AlternateContent xmlns:mc="http://schemas.openxmlformats.org/markup-compatibility/2006" xmlns:a14="http://schemas.microsoft.com/office/drawing/2010/main">
+          <mc:Choice Requires="a14">
+            <p:sp>
+              <p:nvSpPr>
+                <p:cNvPr id="21" name="Retângulo 20">
+                  <a:extLst>
+                    <a:ext uri="{FF2B5EF4-FFF2-40B4-BE49-F238E27FC236}">
+                      <a16:creationId xmlns:a16="http://schemas.microsoft.com/office/drawing/2014/main" id="{D7251400-1BF3-4485-B8CB-FDE69339835B}"/>
+                    </a:ext>
+                  </a:extLst>
+                </p:cNvPr>
+                <p:cNvSpPr/>
+                <p:nvPr/>
+              </p:nvSpPr>
+              <p:spPr>
+                <a:xfrm>
+                  <a:off x="7705459" y="2996720"/>
+                  <a:ext cx="971816" cy="369332"/>
+                </a:xfrm>
+                <a:prstGeom prst="rect">
+                  <a:avLst/>
+                </a:prstGeom>
+              </p:spPr>
+              <p:txBody>
+                <a:bodyPr wrap="square">
+                  <a:spAutoFit/>
+                </a:bodyPr>
+                <a:lstStyle/>
+                <a:p>
+                  <a:pPr/>
+                  <a14:m>
+                    <m:oMathPara xmlns:m="http://schemas.openxmlformats.org/officeDocument/2006/math">
+                      <m:oMathParaPr>
+                        <m:jc m:val="centerGroup"/>
+                      </m:oMathParaPr>
+                      <m:oMath xmlns:m="http://schemas.openxmlformats.org/officeDocument/2006/math">
+                        <m:r>
+                          <a:rPr lang="pt-BR" b="0" i="1" smtClean="0">
+                            <a:latin typeface="Cambria Math" panose="02040503050406030204" pitchFamily="18" charset="0"/>
+                          </a:rPr>
+                          <m:t>1</m:t>
+                        </m:r>
+                      </m:oMath>
+                    </m:oMathPara>
+                  </a14:m>
+                  <a:endParaRPr lang="en-US" dirty="0"/>
+                </a:p>
+              </p:txBody>
+            </p:sp>
+          </mc:Choice>
+          <mc:Fallback xmlns="">
+            <p:sp>
+              <p:nvSpPr>
+                <p:cNvPr id="21" name="Retângulo 20">
+                  <a:extLst>
+                    <a:ext uri="{FF2B5EF4-FFF2-40B4-BE49-F238E27FC236}">
+                      <a16:creationId xmlns:a16="http://schemas.microsoft.com/office/drawing/2014/main" id="{D7251400-1BF3-4485-B8CB-FDE69339835B}"/>
+                    </a:ext>
+                  </a:extLst>
+                </p:cNvPr>
+                <p:cNvSpPr>
+                  <a:spLocks noRot="1" noChangeAspect="1" noMove="1" noResize="1" noEditPoints="1" noAdjustHandles="1" noChangeArrowheads="1" noChangeShapeType="1" noTextEdit="1"/>
+                </p:cNvSpPr>
+                <p:nvPr/>
+              </p:nvSpPr>
+              <p:spPr>
+                <a:xfrm>
+                  <a:off x="7705459" y="2996720"/>
+                  <a:ext cx="971816" cy="369332"/>
+                </a:xfrm>
+                <a:prstGeom prst="rect">
+                  <a:avLst/>
+                </a:prstGeom>
+                <a:blipFill>
+                  <a:blip r:embed="rId11"/>
+                  <a:stretch>
+                    <a:fillRect/>
+                  </a:stretch>
+                </a:blipFill>
+              </p:spPr>
+              <p:txBody>
+                <a:bodyPr/>
+                <a:lstStyle/>
+                <a:p>
+                  <a:r>
+                    <a:rPr lang="en-US">
+                      <a:noFill/>
+                    </a:rPr>
+                    <a:t> </a:t>
+                  </a:r>
+                </a:p>
+              </p:txBody>
+            </p:sp>
+          </mc:Fallback>
+        </mc:AlternateContent>
+      </p:grpSp>
+      <mc:AlternateContent xmlns:mc="http://schemas.openxmlformats.org/markup-compatibility/2006" xmlns:a14="http://schemas.microsoft.com/office/drawing/2010/main">
+        <mc:Choice Requires="a14">
+          <p:sp>
+            <p:nvSpPr>
+              <p:cNvPr id="26" name="CaixaDeTexto 25">
+                <a:extLst>
+                  <a:ext uri="{FF2B5EF4-FFF2-40B4-BE49-F238E27FC236}">
+                    <a16:creationId xmlns:a16="http://schemas.microsoft.com/office/drawing/2014/main" id="{B0C1766B-AC68-4522-86A8-1EE21FE3A7A4}"/>
+                  </a:ext>
+                </a:extLst>
+              </p:cNvPr>
+              <p:cNvSpPr txBox="1"/>
+              <p:nvPr/>
+            </p:nvSpPr>
+            <p:spPr>
+              <a:xfrm>
+                <a:off x="1031279" y="352425"/>
+                <a:ext cx="7572375" cy="2308324"/>
+              </a:xfrm>
+              <a:prstGeom prst="rect">
+                <a:avLst/>
+              </a:prstGeom>
+              <a:noFill/>
+            </p:spPr>
+            <p:txBody>
+              <a:bodyPr wrap="square" rtlCol="0">
+                <a:spAutoFit/>
+              </a:bodyPr>
+              <a:lstStyle/>
+              <a:p>
+                <a:r>
+                  <a:rPr lang="pt-BR" dirty="0"/>
+                  <a:t>Dada a simplificação de uma rede neural mostrada na figura abaixo, a qual contém</a:t>
+                </a:r>
+              </a:p>
+              <a:p>
+                <a:pPr marL="285750" indent="-285750">
+                  <a:buFont typeface="Arial" panose="020B0604020202020204" pitchFamily="34" charset="0"/>
+                  <a:buChar char="•"/>
+                </a:pPr>
+                <a:r>
+                  <a:rPr lang="pt-BR" dirty="0"/>
+                  <a:t>Três nós com as seguintes funções de ativação </a:t>
+                </a:r>
+                <a14:m>
+                  <m:oMath xmlns:m="http://schemas.openxmlformats.org/officeDocument/2006/math">
+                    <m:r>
+                      <a:rPr lang="pt-BR" i="1">
+                        <a:latin typeface="Cambria Math" panose="02040503050406030204" pitchFamily="18" charset="0"/>
+                      </a:rPr>
+                      <m:t>h</m:t>
+                    </m:r>
+                    <m:d>
+                      <m:dPr>
+                        <m:ctrlPr>
+                          <a:rPr lang="pt-BR" i="1">
+                            <a:latin typeface="Cambria Math" panose="02040503050406030204" pitchFamily="18" charset="0"/>
+                          </a:rPr>
+                        </m:ctrlPr>
+                      </m:dPr>
+                      <m:e>
+                        <m:r>
+                          <a:rPr lang="pt-BR" i="1">
+                            <a:latin typeface="Cambria Math" panose="02040503050406030204" pitchFamily="18" charset="0"/>
+                          </a:rPr>
+                          <m:t>.</m:t>
+                        </m:r>
+                      </m:e>
+                    </m:d>
+                  </m:oMath>
+                </a14:m>
+                <a:r>
+                  <a:rPr lang="pt-BR" dirty="0"/>
+                  <a:t>, </a:t>
+                </a:r>
+                <a14:m>
+                  <m:oMath xmlns:m="http://schemas.openxmlformats.org/officeDocument/2006/math">
+                    <m:r>
+                      <a:rPr lang="pt-BR" i="1">
+                        <a:latin typeface="Cambria Math" panose="02040503050406030204" pitchFamily="18" charset="0"/>
+                      </a:rPr>
+                      <m:t>𝑔</m:t>
+                    </m:r>
+                    <m:d>
+                      <m:dPr>
+                        <m:ctrlPr>
+                          <a:rPr lang="pt-BR" i="1">
+                            <a:latin typeface="Cambria Math" panose="02040503050406030204" pitchFamily="18" charset="0"/>
+                          </a:rPr>
+                        </m:ctrlPr>
+                      </m:dPr>
+                      <m:e>
+                        <m:r>
+                          <a:rPr lang="pt-BR" i="1">
+                            <a:latin typeface="Cambria Math" panose="02040503050406030204" pitchFamily="18" charset="0"/>
+                          </a:rPr>
+                          <m:t>.</m:t>
+                        </m:r>
+                      </m:e>
+                    </m:d>
+                  </m:oMath>
+                </a14:m>
+                <a:r>
+                  <a:rPr lang="pt-BR" dirty="0"/>
+                  <a:t> e </a:t>
+                </a:r>
+                <a14:m>
+                  <m:oMath xmlns:m="http://schemas.openxmlformats.org/officeDocument/2006/math">
+                    <m:r>
+                      <a:rPr lang="pt-BR" i="1">
+                        <a:latin typeface="Cambria Math" panose="02040503050406030204" pitchFamily="18" charset="0"/>
+                      </a:rPr>
+                      <m:t>𝑓</m:t>
+                    </m:r>
+                    <m:d>
+                      <m:dPr>
+                        <m:ctrlPr>
+                          <a:rPr lang="pt-BR" i="1">
+                            <a:latin typeface="Cambria Math" panose="02040503050406030204" pitchFamily="18" charset="0"/>
+                          </a:rPr>
+                        </m:ctrlPr>
+                      </m:dPr>
+                      <m:e>
+                        <m:r>
+                          <a:rPr lang="pt-BR" i="1">
+                            <a:latin typeface="Cambria Math" panose="02040503050406030204" pitchFamily="18" charset="0"/>
+                          </a:rPr>
+                          <m:t>.</m:t>
+                        </m:r>
+                      </m:e>
+                    </m:d>
+                  </m:oMath>
+                </a14:m>
+                <a:r>
+                  <a:rPr lang="pt-BR" dirty="0"/>
+                  <a:t>.</a:t>
+                </a:r>
+              </a:p>
+              <a:p>
+                <a:pPr marL="285750" indent="-285750">
+                  <a:buFont typeface="Arial" panose="020B0604020202020204" pitchFamily="34" charset="0"/>
+                  <a:buChar char="•"/>
+                </a:pPr>
+                <a:r>
+                  <a:rPr lang="pt-BR" dirty="0"/>
+                  <a:t>Pesos </a:t>
+                </a:r>
+                <a14:m>
+                  <m:oMath xmlns:m="http://schemas.openxmlformats.org/officeDocument/2006/math">
+                    <m:r>
+                      <a:rPr lang="pt-BR" i="1">
+                        <a:latin typeface="Cambria Math" panose="02040503050406030204" pitchFamily="18" charset="0"/>
+                      </a:rPr>
+                      <m:t>𝑤</m:t>
+                    </m:r>
+                  </m:oMath>
+                </a14:m>
+                <a:r>
+                  <a:rPr lang="pt-BR" dirty="0"/>
+                  <a:t>, 1 e 1, conectando os três nós, respectivamente.</a:t>
+                </a:r>
+              </a:p>
+              <a:p>
+                <a:pPr marL="285750" indent="-285750">
+                  <a:buFont typeface="Arial" panose="020B0604020202020204" pitchFamily="34" charset="0"/>
+                  <a:buChar char="•"/>
+                </a:pPr>
+                <a:r>
+                  <a:rPr lang="pt-BR" dirty="0"/>
+                  <a:t>Entrada </a:t>
+                </a:r>
+                <a14:m>
+                  <m:oMath xmlns:m="http://schemas.openxmlformats.org/officeDocument/2006/math">
+                    <m:r>
+                      <a:rPr lang="pt-BR" i="1">
+                        <a:latin typeface="Cambria Math" panose="02040503050406030204" pitchFamily="18" charset="0"/>
+                      </a:rPr>
+                      <m:t>𝑥</m:t>
+                    </m:r>
+                    <m:r>
+                      <a:rPr lang="pt-BR" i="1">
+                        <a:latin typeface="Cambria Math" panose="02040503050406030204" pitchFamily="18" charset="0"/>
+                      </a:rPr>
+                      <m:t>=1</m:t>
+                    </m:r>
+                  </m:oMath>
+                </a14:m>
+                <a:endParaRPr lang="pt-BR" dirty="0"/>
+              </a:p>
+              <a:p>
+                <a:r>
+                  <a:rPr lang="pt-BR" dirty="0"/>
+                  <a:t>Para atualizarmos o valor do peso </a:t>
+                </a:r>
+                <a14:m>
+                  <m:oMath xmlns:m="http://schemas.openxmlformats.org/officeDocument/2006/math">
+                    <m:r>
+                      <a:rPr lang="pt-BR" i="1">
+                        <a:latin typeface="Cambria Math" panose="02040503050406030204" pitchFamily="18" charset="0"/>
+                      </a:rPr>
+                      <m:t>𝑤</m:t>
+                    </m:r>
+                  </m:oMath>
+                </a14:m>
+                <a:r>
+                  <a:rPr lang="pt-BR" dirty="0"/>
+                  <a:t> com o gradiente descendente, precisamos encontrar a derivada parcial de </a:t>
+                </a:r>
+                <a14:m>
+                  <m:oMath xmlns:m="http://schemas.openxmlformats.org/officeDocument/2006/math">
+                    <m:r>
+                      <a:rPr lang="pt-BR" i="1">
+                        <a:latin typeface="Cambria Math" panose="02040503050406030204" pitchFamily="18" charset="0"/>
+                      </a:rPr>
+                      <m:t>𝑦</m:t>
+                    </m:r>
+                  </m:oMath>
+                </a14:m>
+                <a:r>
+                  <a:rPr lang="pt-BR" dirty="0"/>
+                  <a:t> em relação à </a:t>
+                </a:r>
+                <a14:m>
+                  <m:oMath xmlns:m="http://schemas.openxmlformats.org/officeDocument/2006/math">
+                    <m:r>
+                      <a:rPr lang="pt-BR" i="1">
+                        <a:latin typeface="Cambria Math" panose="02040503050406030204" pitchFamily="18" charset="0"/>
+                      </a:rPr>
+                      <m:t>𝑤</m:t>
+                    </m:r>
+                  </m:oMath>
+                </a14:m>
+                <a:r>
+                  <a:rPr lang="pt-BR" dirty="0"/>
+                  <a:t>.</a:t>
+                </a:r>
+              </a:p>
+              <a:p>
+                <a:r>
+                  <a:rPr lang="pt-BR" dirty="0"/>
+                  <a:t>Para encontrar a derivada, usamos a regra da cadeia</a:t>
+                </a:r>
+              </a:p>
+            </p:txBody>
+          </p:sp>
+        </mc:Choice>
+        <mc:Fallback xmlns="">
+          <p:sp>
+            <p:nvSpPr>
+              <p:cNvPr id="26" name="CaixaDeTexto 25">
+                <a:extLst>
+                  <a:ext uri="{FF2B5EF4-FFF2-40B4-BE49-F238E27FC236}">
+                    <a16:creationId xmlns:a16="http://schemas.microsoft.com/office/drawing/2014/main" id="{B0C1766B-AC68-4522-86A8-1EE21FE3A7A4}"/>
+                  </a:ext>
+                </a:extLst>
+              </p:cNvPr>
+              <p:cNvSpPr txBox="1">
+                <a:spLocks noRot="1" noChangeAspect="1" noMove="1" noResize="1" noEditPoints="1" noAdjustHandles="1" noChangeArrowheads="1" noChangeShapeType="1" noTextEdit="1"/>
+              </p:cNvSpPr>
+              <p:nvPr/>
+            </p:nvSpPr>
+            <p:spPr>
+              <a:xfrm>
+                <a:off x="1031279" y="352425"/>
+                <a:ext cx="7572375" cy="2308324"/>
+              </a:xfrm>
+              <a:prstGeom prst="rect">
+                <a:avLst/>
+              </a:prstGeom>
+              <a:blipFill>
+                <a:blip r:embed="rId12"/>
+                <a:stretch>
+                  <a:fillRect l="-644" t="-1587" r="-564" b="-3439"/>
+                </a:stretch>
+              </a:blipFill>
+            </p:spPr>
+            <p:txBody>
+              <a:bodyPr/>
+              <a:lstStyle/>
+              <a:p>
+                <a:r>
+                  <a:rPr lang="en-US">
+                    <a:noFill/>
+                  </a:rPr>
+                  <a:t> </a:t>
+                </a:r>
+              </a:p>
+            </p:txBody>
+          </p:sp>
+        </mc:Fallback>
+      </mc:AlternateContent>
+    </p:spTree>
+    <p:extLst>
+      <p:ext uri="{BB962C8B-B14F-4D97-AF65-F5344CB8AC3E}">
+        <p14:creationId xmlns:p14="http://schemas.microsoft.com/office/powerpoint/2010/main" val="4286225398"/>
+      </p:ext>
+    </p:extLst>
+  </p:cSld>
+  <p:clrMapOvr>
+    <a:masterClrMapping/>
+  </p:clrMapOvr>
+</p:sld>
+</file>
+
+<file path=ppt/slides/slide13.xml><?xml version="1.0" encoding="utf-8"?>
+<p:sld xmlns:a="http://schemas.openxmlformats.org/drawingml/2006/main" xmlns:r="http://schemas.openxmlformats.org/officeDocument/2006/relationships" xmlns:p="http://schemas.openxmlformats.org/presentationml/2006/main">
+  <p:cSld>
+    <p:spTree>
+      <p:nvGrpSpPr>
+        <p:cNvPr id="1" name=""/>
+        <p:cNvGrpSpPr/>
+        <p:nvPr/>
+      </p:nvGrpSpPr>
+      <p:grpSpPr>
+        <a:xfrm>
+          <a:off x="0" y="0"/>
+          <a:ext cx="0" cy="0"/>
+          <a:chOff x="0" y="0"/>
+          <a:chExt cx="0" cy="0"/>
+        </a:xfrm>
+      </p:grpSpPr>
+      <p:sp>
+        <p:nvSpPr>
+          <p:cNvPr id="2" name="Título 1">
+            <a:extLst>
+              <a:ext uri="{FF2B5EF4-FFF2-40B4-BE49-F238E27FC236}">
+                <a16:creationId xmlns:a16="http://schemas.microsoft.com/office/drawing/2014/main" id="{66FB0E78-D3AC-4CD1-B362-6EF9B6C0C826}"/>
+              </a:ext>
+            </a:extLst>
+          </p:cNvPr>
+          <p:cNvSpPr>
+            <a:spLocks noGrp="1"/>
+          </p:cNvSpPr>
+          <p:nvPr>
+            <p:ph type="title"/>
+          </p:nvPr>
+        </p:nvSpPr>
+        <p:spPr/>
+        <p:txBody>
+          <a:bodyPr/>
+          <a:lstStyle/>
+          <a:p>
+            <a:endParaRPr lang="en-US"/>
+          </a:p>
+        </p:txBody>
+      </p:sp>
+      <mc:AlternateContent xmlns:mc="http://schemas.openxmlformats.org/markup-compatibility/2006" xmlns:a14="http://schemas.microsoft.com/office/drawing/2010/main">
+        <mc:Choice Requires="a14">
+          <p:sp>
+            <p:nvSpPr>
+              <p:cNvPr id="3" name="Espaço Reservado para Conteúdo 2">
+                <a:extLst>
+                  <a:ext uri="{FF2B5EF4-FFF2-40B4-BE49-F238E27FC236}">
+                    <a16:creationId xmlns:a16="http://schemas.microsoft.com/office/drawing/2014/main" id="{742E3544-9C46-4A3A-A735-0DD5C78EE3F7}"/>
+                  </a:ext>
+                </a:extLst>
+              </p:cNvPr>
+              <p:cNvSpPr>
+                <a:spLocks noGrp="1"/>
+              </p:cNvSpPr>
+              <p:nvPr>
+                <p:ph idx="1"/>
+              </p:nvPr>
+            </p:nvSpPr>
+            <p:spPr/>
+            <p:txBody>
+              <a:bodyPr>
+                <a:normAutofit lnSpcReduction="10000"/>
+              </a:bodyPr>
+              <a:lstStyle/>
+              <a:p>
+                <a:r>
+                  <a:rPr lang="pt-BR" dirty="0"/>
+                  <a:t>Para atualizarmos o valor do peso </a:t>
+                </a:r>
+                <a14:m>
+                  <m:oMath xmlns:m="http://schemas.openxmlformats.org/officeDocument/2006/math">
+                    <m:r>
+                      <a:rPr lang="pt-BR" i="1">
+                        <a:latin typeface="Cambria Math" panose="02040503050406030204" pitchFamily="18" charset="0"/>
+                      </a:rPr>
+                      <m:t>𝑤</m:t>
+                    </m:r>
+                  </m:oMath>
+                </a14:m>
+                <a:r>
+                  <a:rPr lang="pt-BR" dirty="0"/>
+                  <a:t> com o gradiente descendente, precisamos encontrar a derivada parcial de </a:t>
+                </a:r>
+                <a14:m>
+                  <m:oMath xmlns:m="http://schemas.openxmlformats.org/officeDocument/2006/math">
+                    <m:r>
+                      <a:rPr lang="pt-BR" i="1">
+                        <a:latin typeface="Cambria Math" panose="02040503050406030204" pitchFamily="18" charset="0"/>
+                      </a:rPr>
+                      <m:t>𝑦</m:t>
+                    </m:r>
+                  </m:oMath>
+                </a14:m>
+                <a:r>
+                  <a:rPr lang="pt-BR" dirty="0"/>
+                  <a:t> em relação à </a:t>
+                </a:r>
+                <a14:m>
+                  <m:oMath xmlns:m="http://schemas.openxmlformats.org/officeDocument/2006/math">
+                    <m:r>
+                      <a:rPr lang="pt-BR" i="1">
+                        <a:latin typeface="Cambria Math" panose="02040503050406030204" pitchFamily="18" charset="0"/>
+                      </a:rPr>
+                      <m:t>𝑤</m:t>
+                    </m:r>
+                  </m:oMath>
+                </a14:m>
+                <a:r>
+                  <a:rPr lang="pt-BR" dirty="0"/>
+                  <a:t>.</a:t>
+                </a:r>
+              </a:p>
+              <a:p>
+                <a:r>
+                  <a:rPr lang="pt-BR" dirty="0"/>
+                  <a:t>Para encontrar a derivada, usamos a regra da cadeia</a:t>
+                </a:r>
+              </a:p>
+              <a:p>
+                <a:pPr marL="0" indent="0">
+                  <a:buNone/>
+                </a:pPr>
+                <a:endParaRPr lang="pt-BR" i="1" dirty="0">
+                  <a:latin typeface="Cambria Math" panose="02040503050406030204" pitchFamily="18" charset="0"/>
+                </a:endParaRPr>
               </a:p>
               <a:p>
                 <a:pPr marL="0" indent="0">
@@ -7701,7 +9754,7 @@
                         </m:fPr>
                         <m:num>
                           <m:r>
-                            <a:rPr lang="pt-BR" i="1" smtClean="0">
+                            <a:rPr lang="pt-BR" i="1">
                               <a:latin typeface="Cambria Math" panose="02040503050406030204" pitchFamily="18" charset="0"/>
                               <a:ea typeface="Cambria Math" panose="02040503050406030204" pitchFamily="18" charset="0"/>
                             </a:rPr>
@@ -7710,76 +9763,25 @@
                           <m:r>
                             <a:rPr lang="pt-BR" i="1">
                               <a:latin typeface="Cambria Math" panose="02040503050406030204" pitchFamily="18" charset="0"/>
+                              <a:ea typeface="Cambria Math" panose="02040503050406030204" pitchFamily="18" charset="0"/>
                             </a:rPr>
-                            <m:t>𝑓</m:t>
+                            <m:t>𝑦</m:t>
                           </m:r>
-                          <m:d>
-                            <m:dPr>
-                              <m:ctrlPr>
-                                <a:rPr lang="pt-BR" i="1">
-                                  <a:latin typeface="Cambria Math" panose="02040503050406030204" pitchFamily="18" charset="0"/>
-                                </a:rPr>
-                              </m:ctrlPr>
-                            </m:dPr>
-                            <m:e>
-                              <m:r>
-                                <a:rPr lang="pt-BR" i="1">
-                                  <a:latin typeface="Cambria Math" panose="02040503050406030204" pitchFamily="18" charset="0"/>
-                                </a:rPr>
-                                <m:t>𝑔</m:t>
-                              </m:r>
-                              <m:d>
-                                <m:dPr>
-                                  <m:ctrlPr>
-                                    <a:rPr lang="pt-BR" i="1">
-                                      <a:latin typeface="Cambria Math" panose="02040503050406030204" pitchFamily="18" charset="0"/>
-                                    </a:rPr>
-                                  </m:ctrlPr>
-                                </m:dPr>
-                                <m:e>
-                                  <m:r>
-                                    <a:rPr lang="pt-BR" b="0" i="1" smtClean="0">
-                                      <a:latin typeface="Cambria Math" panose="02040503050406030204" pitchFamily="18" charset="0"/>
-                                    </a:rPr>
-                                    <m:t>h</m:t>
-                                  </m:r>
-                                  <m:r>
-                                    <a:rPr lang="pt-BR" b="0" i="1" smtClean="0">
-                                      <a:latin typeface="Cambria Math" panose="02040503050406030204" pitchFamily="18" charset="0"/>
-                                    </a:rPr>
-                                    <m:t>(</m:t>
-                                  </m:r>
-                                  <m:r>
-                                    <a:rPr lang="pt-BR" b="0" i="1" smtClean="0">
-                                      <a:latin typeface="Cambria Math" panose="02040503050406030204" pitchFamily="18" charset="0"/>
-                                    </a:rPr>
-                                    <m:t>𝑥</m:t>
-                                  </m:r>
-                                  <m:r>
-                                    <a:rPr lang="pt-BR" b="0" i="1" smtClean="0">
-                                      <a:latin typeface="Cambria Math" panose="02040503050406030204" pitchFamily="18" charset="0"/>
-                                    </a:rPr>
-                                    <m:t>)</m:t>
-                                  </m:r>
-                                </m:e>
-                              </m:d>
-                            </m:e>
-                          </m:d>
                         </m:num>
                         <m:den>
                           <m:r>
-                            <a:rPr lang="pt-BR" i="1" smtClean="0">
+                            <a:rPr lang="pt-BR" i="1">
                               <a:latin typeface="Cambria Math" panose="02040503050406030204" pitchFamily="18" charset="0"/>
                               <a:ea typeface="Cambria Math" panose="02040503050406030204" pitchFamily="18" charset="0"/>
                             </a:rPr>
                             <m:t>𝜕</m:t>
                           </m:r>
                           <m:r>
-                            <a:rPr lang="pt-BR" b="0" i="1" smtClean="0">
+                            <a:rPr lang="pt-BR" i="1">
                               <a:latin typeface="Cambria Math" panose="02040503050406030204" pitchFamily="18" charset="0"/>
                               <a:ea typeface="Cambria Math" panose="02040503050406030204" pitchFamily="18" charset="0"/>
                             </a:rPr>
-                            <m:t>𝑥</m:t>
+                            <m:t>𝑤</m:t>
                           </m:r>
                         </m:den>
                       </m:f>
@@ -7836,25 +9838,25 @@
                                 </m:dPr>
                                 <m:e>
                                   <m:r>
-                                    <a:rPr lang="pt-BR" b="0" i="1" smtClean="0">
+                                    <a:rPr lang="pt-BR" i="1">
                                       <a:latin typeface="Cambria Math" panose="02040503050406030204" pitchFamily="18" charset="0"/>
                                     </a:rPr>
                                     <m:t>h</m:t>
                                   </m:r>
                                   <m:r>
-                                    <a:rPr lang="pt-BR" b="0" i="1" smtClean="0">
+                                    <a:rPr lang="pt-BR" i="1">
                                       <a:latin typeface="Cambria Math" panose="02040503050406030204" pitchFamily="18" charset="0"/>
                                     </a:rPr>
                                     <m:t>(</m:t>
                                   </m:r>
                                   <m:r>
-                                    <a:rPr lang="pt-BR" b="0" i="1" smtClean="0">
+                                    <a:rPr lang="pt-BR" i="1">
                                       <a:latin typeface="Cambria Math" panose="02040503050406030204" pitchFamily="18" charset="0"/>
                                     </a:rPr>
-                                    <m:t>𝑥</m:t>
+                                    <m:t>𝑤</m:t>
                                   </m:r>
                                   <m:r>
-                                    <a:rPr lang="pt-BR" b="0" i="1" smtClean="0">
+                                    <a:rPr lang="pt-BR" i="1">
                                       <a:latin typeface="Cambria Math" panose="02040503050406030204" pitchFamily="18" charset="0"/>
                                     </a:rPr>
                                     <m:t>)</m:t>
@@ -7873,7 +9875,105 @@
                             <m:t>𝜕</m:t>
                           </m:r>
                           <m:r>
-                            <a:rPr lang="pt-BR" b="0" i="1" smtClean="0">
+                            <a:rPr lang="pt-BR" i="1">
+                              <a:latin typeface="Cambria Math" panose="02040503050406030204" pitchFamily="18" charset="0"/>
+                              <a:ea typeface="Cambria Math" panose="02040503050406030204" pitchFamily="18" charset="0"/>
+                            </a:rPr>
+                            <m:t>𝑤</m:t>
+                          </m:r>
+                        </m:den>
+                      </m:f>
+                      <m:r>
+                        <a:rPr lang="pt-BR" i="1">
+                          <a:latin typeface="Cambria Math" panose="02040503050406030204" pitchFamily="18" charset="0"/>
+                        </a:rPr>
+                        <m:t>=</m:t>
+                      </m:r>
+                      <m:f>
+                        <m:fPr>
+                          <m:ctrlPr>
+                            <a:rPr lang="pt-BR" i="1">
+                              <a:latin typeface="Cambria Math" panose="02040503050406030204" pitchFamily="18" charset="0"/>
+                            </a:rPr>
+                          </m:ctrlPr>
+                        </m:fPr>
+                        <m:num>
+                          <m:r>
+                            <a:rPr lang="pt-BR" i="1">
+                              <a:latin typeface="Cambria Math" panose="02040503050406030204" pitchFamily="18" charset="0"/>
+                              <a:ea typeface="Cambria Math" panose="02040503050406030204" pitchFamily="18" charset="0"/>
+                            </a:rPr>
+                            <m:t>𝜕</m:t>
+                          </m:r>
+                          <m:r>
+                            <a:rPr lang="pt-BR" i="1">
+                              <a:latin typeface="Cambria Math" panose="02040503050406030204" pitchFamily="18" charset="0"/>
+                            </a:rPr>
+                            <m:t>𝑓</m:t>
+                          </m:r>
+                          <m:d>
+                            <m:dPr>
+                              <m:ctrlPr>
+                                <a:rPr lang="pt-BR" i="1">
+                                  <a:latin typeface="Cambria Math" panose="02040503050406030204" pitchFamily="18" charset="0"/>
+                                </a:rPr>
+                              </m:ctrlPr>
+                            </m:dPr>
+                            <m:e>
+                              <m:r>
+                                <a:rPr lang="pt-BR" i="1">
+                                  <a:latin typeface="Cambria Math" panose="02040503050406030204" pitchFamily="18" charset="0"/>
+                                </a:rPr>
+                                <m:t>𝑔</m:t>
+                              </m:r>
+                              <m:d>
+                                <m:dPr>
+                                  <m:ctrlPr>
+                                    <a:rPr lang="pt-BR" i="1">
+                                      <a:latin typeface="Cambria Math" panose="02040503050406030204" pitchFamily="18" charset="0"/>
+                                    </a:rPr>
+                                  </m:ctrlPr>
+                                </m:dPr>
+                                <m:e>
+                                  <m:r>
+                                    <a:rPr lang="pt-BR" i="1">
+                                      <a:latin typeface="Cambria Math" panose="02040503050406030204" pitchFamily="18" charset="0"/>
+                                    </a:rPr>
+                                    <m:t>h</m:t>
+                                  </m:r>
+                                  <m:r>
+                                    <a:rPr lang="pt-BR" i="1">
+                                      <a:latin typeface="Cambria Math" panose="02040503050406030204" pitchFamily="18" charset="0"/>
+                                    </a:rPr>
+                                    <m:t>(</m:t>
+                                  </m:r>
+                                  <m:r>
+                                    <a:rPr lang="pt-BR" i="1">
+                                      <a:latin typeface="Cambria Math" panose="02040503050406030204" pitchFamily="18" charset="0"/>
+                                    </a:rPr>
+                                    <m:t>𝑤</m:t>
+                                  </m:r>
+                                  <m:r>
+                                    <a:rPr lang="pt-BR" i="1">
+                                      <a:latin typeface="Cambria Math" panose="02040503050406030204" pitchFamily="18" charset="0"/>
+                                    </a:rPr>
+                                    <m:t>)</m:t>
+                                  </m:r>
+                                </m:e>
+                              </m:d>
+                            </m:e>
+                          </m:d>
+                        </m:num>
+                        <m:den>
+                          <m:r>
+                            <a:rPr lang="pt-BR" i="1">
+                              <a:latin typeface="Cambria Math" panose="02040503050406030204" pitchFamily="18" charset="0"/>
+                              <a:ea typeface="Cambria Math" panose="02040503050406030204" pitchFamily="18" charset="0"/>
+                            </a:rPr>
+                            <m:t>𝜕</m:t>
+                          </m:r>
+                          <m:r>
+                            <a:rPr lang="pt-BR" i="1">
                               <a:latin typeface="Cambria Math" panose="02040503050406030204" pitchFamily="18" charset="0"/>
                               <a:ea typeface="Cambria Math" panose="02040503050406030204" pitchFamily="18" charset="0"/>
                             </a:rPr>
@@ -7889,25 +9989,25 @@
                             </m:dPr>
                             <m:e>
                               <m:r>
-                                <a:rPr lang="pt-BR" b="0" i="1" smtClean="0">
+                                <a:rPr lang="pt-BR" i="1">
                                   <a:latin typeface="Cambria Math" panose="02040503050406030204" pitchFamily="18" charset="0"/>
                                 </a:rPr>
                                 <m:t>h</m:t>
                               </m:r>
                               <m:r>
-                                <a:rPr lang="pt-BR" b="0" i="1" smtClean="0">
+                                <a:rPr lang="pt-BR" i="1">
                                   <a:latin typeface="Cambria Math" panose="02040503050406030204" pitchFamily="18" charset="0"/>
                                 </a:rPr>
                                 <m:t>(</m:t>
                               </m:r>
                               <m:r>
-                                <a:rPr lang="pt-BR" b="0" i="1" smtClean="0">
+                                <a:rPr lang="pt-BR" i="1">
                                   <a:latin typeface="Cambria Math" panose="02040503050406030204" pitchFamily="18" charset="0"/>
                                 </a:rPr>
-                                <m:t>𝑥</m:t>
+                                <m:t>𝑤</m:t>
                               </m:r>
                               <m:r>
-                                <a:rPr lang="pt-BR" b="0" i="1" smtClean="0">
+                                <a:rPr lang="pt-BR" i="1">
                                   <a:latin typeface="Cambria Math" panose="02040503050406030204" pitchFamily="18" charset="0"/>
                                 </a:rPr>
                                 <m:t>)</m:t>
@@ -7933,21 +10033,21 @@
                             <m:t>𝜕</m:t>
                           </m:r>
                           <m:r>
-                            <a:rPr lang="pt-BR" b="0" i="1" smtClean="0">
+                            <a:rPr lang="pt-BR" i="1">
                               <a:latin typeface="Cambria Math" panose="02040503050406030204" pitchFamily="18" charset="0"/>
                               <a:ea typeface="Cambria Math" panose="02040503050406030204" pitchFamily="18" charset="0"/>
                             </a:rPr>
                             <m:t>𝑔</m:t>
                           </m:r>
                           <m:r>
-                            <a:rPr lang="pt-BR" b="0" i="1" smtClean="0">
+                            <a:rPr lang="pt-BR" i="1">
                               <a:latin typeface="Cambria Math" panose="02040503050406030204" pitchFamily="18" charset="0"/>
                               <a:ea typeface="Cambria Math" panose="02040503050406030204" pitchFamily="18" charset="0"/>
                             </a:rPr>
                             <m:t>(</m:t>
                           </m:r>
                           <m:r>
-                            <a:rPr lang="pt-BR" b="0" i="1" smtClean="0">
+                            <a:rPr lang="pt-BR" i="1">
                               <a:latin typeface="Cambria Math" panose="02040503050406030204" pitchFamily="18" charset="0"/>
                             </a:rPr>
                             <m:t>h</m:t>
@@ -7965,12 +10065,12 @@
                                 <a:rPr lang="pt-BR" i="1">
                                   <a:latin typeface="Cambria Math" panose="02040503050406030204" pitchFamily="18" charset="0"/>
                                 </a:rPr>
-                                <m:t>𝑥</m:t>
+                                <m:t>𝑤</m:t>
                               </m:r>
                             </m:e>
                           </m:d>
                           <m:r>
-                            <a:rPr lang="pt-BR" b="0" i="1" smtClean="0">
+                            <a:rPr lang="pt-BR" i="1">
                               <a:latin typeface="Cambria Math" panose="02040503050406030204" pitchFamily="18" charset="0"/>
                             </a:rPr>
                             <m:t>)</m:t>
@@ -7985,14 +10085,14 @@
                             <m:t>𝜕</m:t>
                           </m:r>
                           <m:r>
-                            <a:rPr lang="pt-BR" b="0" i="1" smtClean="0">
+                            <a:rPr lang="pt-BR" i="1">
                               <a:latin typeface="Cambria Math" panose="02040503050406030204" pitchFamily="18" charset="0"/>
                               <a:ea typeface="Cambria Math" panose="02040503050406030204" pitchFamily="18" charset="0"/>
                             </a:rPr>
                             <m:t>h</m:t>
                           </m:r>
                           <m:r>
-                            <a:rPr lang="pt-BR" b="0" i="1" smtClean="0">
+                            <a:rPr lang="pt-BR" i="1">
                               <a:latin typeface="Cambria Math" panose="02040503050406030204" pitchFamily="18" charset="0"/>
                               <a:ea typeface="Cambria Math" panose="02040503050406030204" pitchFamily="18" charset="0"/>
                             </a:rPr>
@@ -8001,11 +10101,12 @@
                           <m:r>
                             <a:rPr lang="pt-BR" i="1">
                               <a:latin typeface="Cambria Math" panose="02040503050406030204" pitchFamily="18" charset="0"/>
+                              <a:ea typeface="Cambria Math" panose="02040503050406030204" pitchFamily="18" charset="0"/>
                             </a:rPr>
-                            <m:t>𝑥</m:t>
+                            <m:t>𝑤</m:t>
                           </m:r>
                           <m:r>
-                            <a:rPr lang="pt-BR" b="0" i="1" smtClean="0">
+                            <a:rPr lang="pt-BR" i="1">
                               <a:latin typeface="Cambria Math" panose="02040503050406030204" pitchFamily="18" charset="0"/>
                             </a:rPr>
                             <m:t>)</m:t>
@@ -8047,7 +10148,7 @@
                                 <a:rPr lang="pt-BR" i="1">
                                   <a:latin typeface="Cambria Math" panose="02040503050406030204" pitchFamily="18" charset="0"/>
                                 </a:rPr>
-                                <m:t>𝑥</m:t>
+                                <m:t>𝑤</m:t>
                               </m:r>
                             </m:e>
                           </m:d>
@@ -8063,8 +10164,9 @@
                           <m:r>
                             <a:rPr lang="pt-BR" i="1">
                               <a:latin typeface="Cambria Math" panose="02040503050406030204" pitchFamily="18" charset="0"/>
+                              <a:ea typeface="Cambria Math" panose="02040503050406030204" pitchFamily="18" charset="0"/>
                             </a:rPr>
-                            <m:t>𝑥</m:t>
+                            <m:t>𝑤</m:t>
                           </m:r>
                         </m:den>
                       </m:f>
@@ -8095,13 +10197,22 @@
                   <a:t>.</a:t>
                 </a:r>
               </a:p>
+              <a:p>
+                <a:endParaRPr lang="en-US" dirty="0"/>
+              </a:p>
             </p:txBody>
           </p:sp>
         </mc:Choice>
-        <mc:Fallback>
+        <mc:Fallback xmlns="">
           <p:sp>
             <p:nvSpPr>
-              <p:cNvPr id="3" name="Content Placeholder 2"/>
+              <p:cNvPr id="3" name="Espaço Reservado para Conteúdo 2">
+                <a:extLst>
+                  <a:ext uri="{FF2B5EF4-FFF2-40B4-BE49-F238E27FC236}">
+                    <a16:creationId xmlns:a16="http://schemas.microsoft.com/office/drawing/2014/main" id="{742E3544-9C46-4A3A-A735-0DD5C78EE3F7}"/>
+                  </a:ext>
+                </a:extLst>
+              </p:cNvPr>
               <p:cNvSpPr>
                 <a:spLocks noGrp="1" noRot="1" noChangeAspect="1" noMove="1" noResize="1" noEditPoints="1" noAdjustHandles="1" noChangeArrowheads="1" noChangeShapeType="1" noTextEdit="1"/>
               </p:cNvSpPr>
@@ -8110,14 +10221,10 @@
               </p:nvPr>
             </p:nvSpPr>
             <p:spPr>
-              <a:xfrm>
-                <a:off x="838200" y="1825624"/>
-                <a:ext cx="11010900" cy="5032375"/>
-              </a:xfrm>
-              <a:blipFill rotWithShape="0">
-                <a:blip r:embed="rId3"/>
+              <a:blipFill>
+                <a:blip r:embed="rId2"/>
                 <a:stretch>
-                  <a:fillRect l="-997" t="-1937" r="-1218"/>
+                  <a:fillRect l="-1043" t="-3081"/>
                 </a:stretch>
               </a:blipFill>
             </p:spPr>
@@ -8126,7 +10233,7 @@
               <a:lstStyle/>
               <a:p>
                 <a:r>
-                  <a:rPr lang="pt-BR">
+                  <a:rPr lang="en-US">
                     <a:noFill/>
                   </a:rPr>
                   <a:t> </a:t>
@@ -8139,7 +10246,7 @@
     </p:spTree>
     <p:extLst>
       <p:ext uri="{BB962C8B-B14F-4D97-AF65-F5344CB8AC3E}">
-        <p14:creationId xmlns:p14="http://schemas.microsoft.com/office/powerpoint/2010/main" val="2379275093"/>
+        <p14:creationId xmlns:p14="http://schemas.microsoft.com/office/powerpoint/2010/main" val="3738296953"/>
       </p:ext>
     </p:extLst>
   </p:cSld>
@@ -8149,7 +10256,7 @@
 </p:sld>
 </file>
 
-<file path=ppt/slides/slide12.xml><?xml version="1.0" encoding="utf-8"?>
+<file path=ppt/slides/slide14.xml><?xml version="1.0" encoding="utf-8"?>
 <p:sld xmlns:a="http://schemas.openxmlformats.org/drawingml/2006/main" xmlns:r="http://schemas.openxmlformats.org/officeDocument/2006/relationships" xmlns:p="http://schemas.openxmlformats.org/presentationml/2006/main">
   <p:cSld>
     <p:spTree>
@@ -8367,7 +10474,7 @@
 </p:sld>
 </file>
 
-<file path=ppt/slides/slide13.xml><?xml version="1.0" encoding="utf-8"?>
+<file path=ppt/slides/slide15.xml><?xml version="1.0" encoding="utf-8"?>
 <p:sld xmlns:a="http://schemas.openxmlformats.org/drawingml/2006/main" xmlns:r="http://schemas.openxmlformats.org/officeDocument/2006/relationships" xmlns:p="http://schemas.openxmlformats.org/presentationml/2006/main">
   <p:cSld>
     <p:spTree>
@@ -8389,7 +10496,7 @@
           <p:cNvPr id="2" name="Título 1">
             <a:extLst>
               <a:ext uri="{FF2B5EF4-FFF2-40B4-BE49-F238E27FC236}">
-                <a16:creationId xmlns:a16="http://schemas.microsoft.com/office/drawing/2014/main" xmlns="" id="{4E991379-1C4F-4AB9-BB38-83C7CC20155D}"/>
+                <a16:creationId xmlns:a16="http://schemas.microsoft.com/office/drawing/2014/main" id="{4E991379-1C4F-4AB9-BB38-83C7CC20155D}"/>
               </a:ext>
             </a:extLst>
           </p:cNvPr>
@@ -8436,7 +10543,7 @@
               <p:cNvPr id="3" name="Espaço Reservado para Conteúdo 2">
                 <a:extLst>
                   <a:ext uri="{FF2B5EF4-FFF2-40B4-BE49-F238E27FC236}">
-                    <a16:creationId xmlns:a16="http://schemas.microsoft.com/office/drawing/2014/main" xmlns="" id="{68DBA540-3B58-4BC7-B375-23ABBBC057D3}"/>
+                    <a16:creationId xmlns:a16="http://schemas.microsoft.com/office/drawing/2014/main" id="{68DBA540-3B58-4BC7-B375-23ABBBC057D3}"/>
                   </a:ext>
                 </a:extLst>
               </p:cNvPr>
@@ -10388,7 +12495,7 @@
           <p:cNvPr id="4" name="Agrupar 3">
             <a:extLst>
               <a:ext uri="{FF2B5EF4-FFF2-40B4-BE49-F238E27FC236}">
-                <a16:creationId xmlns:a16="http://schemas.microsoft.com/office/drawing/2014/main" xmlns="" id="{DDA32F11-9374-4C54-ABCD-0438654B8E82}"/>
+                <a16:creationId xmlns:a16="http://schemas.microsoft.com/office/drawing/2014/main" id="{DDA32F11-9374-4C54-ABCD-0438654B8E82}"/>
               </a:ext>
             </a:extLst>
           </p:cNvPr>
@@ -10408,7 +12515,7 @@
             <p:cNvPr id="5" name="Elipse 4">
               <a:extLst>
                 <a:ext uri="{FF2B5EF4-FFF2-40B4-BE49-F238E27FC236}">
-                  <a16:creationId xmlns:a16="http://schemas.microsoft.com/office/drawing/2014/main" xmlns="" id="{F8EDC3E8-17CE-4493-9271-98A945347FBE}"/>
+                  <a16:creationId xmlns:a16="http://schemas.microsoft.com/office/drawing/2014/main" id="{F8EDC3E8-17CE-4493-9271-98A945347FBE}"/>
                 </a:ext>
               </a:extLst>
             </p:cNvPr>
@@ -10461,7 +12568,7 @@
             <p:cNvPr id="6" name="Elipse 5">
               <a:extLst>
                 <a:ext uri="{FF2B5EF4-FFF2-40B4-BE49-F238E27FC236}">
-                  <a16:creationId xmlns:a16="http://schemas.microsoft.com/office/drawing/2014/main" xmlns="" id="{36E0141A-9275-43DA-B6B6-60E88BED5AD5}"/>
+                  <a16:creationId xmlns:a16="http://schemas.microsoft.com/office/drawing/2014/main" id="{36E0141A-9275-43DA-B6B6-60E88BED5AD5}"/>
                 </a:ext>
               </a:extLst>
             </p:cNvPr>
@@ -10514,7 +12621,7 @@
             <p:cNvPr id="7" name="Conector de seta reta 10">
               <a:extLst>
                 <a:ext uri="{FF2B5EF4-FFF2-40B4-BE49-F238E27FC236}">
-                  <a16:creationId xmlns:a16="http://schemas.microsoft.com/office/drawing/2014/main" xmlns="" id="{04E870F7-1DE5-4241-8990-14C74A492B08}"/>
+                  <a16:creationId xmlns:a16="http://schemas.microsoft.com/office/drawing/2014/main" id="{04E870F7-1DE5-4241-8990-14C74A492B08}"/>
                 </a:ext>
               </a:extLst>
             </p:cNvPr>
@@ -10558,7 +12665,7 @@
             <p:cNvPr id="8" name="Retângulo 7">
               <a:extLst>
                 <a:ext uri="{FF2B5EF4-FFF2-40B4-BE49-F238E27FC236}">
-                  <a16:creationId xmlns:a16="http://schemas.microsoft.com/office/drawing/2014/main" xmlns="" id="{BE31B3DC-1229-48D6-9A56-590F8FAD4CE1}"/>
+                  <a16:creationId xmlns:a16="http://schemas.microsoft.com/office/drawing/2014/main" id="{BE31B3DC-1229-48D6-9A56-590F8FAD4CE1}"/>
                 </a:ext>
               </a:extLst>
             </p:cNvPr>
@@ -10612,7 +12719,7 @@
             <p:cNvPr id="9" name="Conector de seta reta 15">
               <a:extLst>
                 <a:ext uri="{FF2B5EF4-FFF2-40B4-BE49-F238E27FC236}">
-                  <a16:creationId xmlns:a16="http://schemas.microsoft.com/office/drawing/2014/main" xmlns="" id="{2FD2427F-A5C3-4856-8D64-557FA8713A40}"/>
+                  <a16:creationId xmlns:a16="http://schemas.microsoft.com/office/drawing/2014/main" id="{2FD2427F-A5C3-4856-8D64-557FA8713A40}"/>
                 </a:ext>
               </a:extLst>
             </p:cNvPr>
@@ -10659,7 +12766,7 @@
                 <p:cNvPr id="10" name="CaixaDeTexto 9">
                   <a:extLst>
                     <a:ext uri="{FF2B5EF4-FFF2-40B4-BE49-F238E27FC236}">
-                      <a16:creationId xmlns:a16="http://schemas.microsoft.com/office/drawing/2014/main" xmlns="" id="{3463534E-1D58-4D6C-9ED5-2C2E4AA6B3A0}"/>
+                      <a16:creationId xmlns:a16="http://schemas.microsoft.com/office/drawing/2014/main" id="{3463534E-1D58-4D6C-9ED5-2C2E4AA6B3A0}"/>
                     </a:ext>
                   </a:extLst>
                 </p:cNvPr>
@@ -10755,7 +12862,7 @@
                 <p:cNvPr id="11" name="CaixaDeTexto 10">
                   <a:extLst>
                     <a:ext uri="{FF2B5EF4-FFF2-40B4-BE49-F238E27FC236}">
-                      <a16:creationId xmlns:a16="http://schemas.microsoft.com/office/drawing/2014/main" xmlns="" id="{76F6A577-C410-4C4B-A220-E160EE1322EC}"/>
+                      <a16:creationId xmlns:a16="http://schemas.microsoft.com/office/drawing/2014/main" id="{76F6A577-C410-4C4B-A220-E160EE1322EC}"/>
                     </a:ext>
                   </a:extLst>
                 </p:cNvPr>
@@ -10870,7 +12977,7 @@
                 <p:cNvPr id="12" name="CaixaDeTexto 11">
                   <a:extLst>
                     <a:ext uri="{FF2B5EF4-FFF2-40B4-BE49-F238E27FC236}">
-                      <a16:creationId xmlns:a16="http://schemas.microsoft.com/office/drawing/2014/main" xmlns="" id="{9046B972-AB0D-42CF-8F0B-04E856201DD0}"/>
+                      <a16:creationId xmlns:a16="http://schemas.microsoft.com/office/drawing/2014/main" id="{9046B972-AB0D-42CF-8F0B-04E856201DD0}"/>
                     </a:ext>
                   </a:extLst>
                 </p:cNvPr>
@@ -10976,7 +13083,7 @@
             <p:cNvPr id="13" name="Conector de seta reta 15">
               <a:extLst>
                 <a:ext uri="{FF2B5EF4-FFF2-40B4-BE49-F238E27FC236}">
-                  <a16:creationId xmlns:a16="http://schemas.microsoft.com/office/drawing/2014/main" xmlns="" id="{E1B54AD2-596A-4DDC-8D0D-A2CD4C086E1F}"/>
+                  <a16:creationId xmlns:a16="http://schemas.microsoft.com/office/drawing/2014/main" id="{E1B54AD2-596A-4DDC-8D0D-A2CD4C086E1F}"/>
                 </a:ext>
               </a:extLst>
             </p:cNvPr>
@@ -11020,7 +13127,7 @@
                 <p:cNvPr id="14" name="CaixaDeTexto 13">
                   <a:extLst>
                     <a:ext uri="{FF2B5EF4-FFF2-40B4-BE49-F238E27FC236}">
-                      <a16:creationId xmlns:a16="http://schemas.microsoft.com/office/drawing/2014/main" xmlns="" id="{74120AF5-A30A-40B3-AD02-AA0A766B82AD}"/>
+                      <a16:creationId xmlns:a16="http://schemas.microsoft.com/office/drawing/2014/main" id="{74120AF5-A30A-40B3-AD02-AA0A766B82AD}"/>
                     </a:ext>
                   </a:extLst>
                 </p:cNvPr>
@@ -11134,7 +13241,7 @@
           <p:cNvPr id="15" name="Elipse 14">
             <a:extLst>
               <a:ext uri="{FF2B5EF4-FFF2-40B4-BE49-F238E27FC236}">
-                <a16:creationId xmlns:a16="http://schemas.microsoft.com/office/drawing/2014/main" xmlns="" id="{E4EBB7CB-9B70-401A-B744-8CD1F89E3BB9}"/>
+                <a16:creationId xmlns:a16="http://schemas.microsoft.com/office/drawing/2014/main" id="{E4EBB7CB-9B70-401A-B744-8CD1F89E3BB9}"/>
               </a:ext>
             </a:extLst>
           </p:cNvPr>
@@ -11186,7 +13293,7 @@
           <p:cNvPr id="18" name="CaixaDeTexto 17">
             <a:extLst>
               <a:ext uri="{FF2B5EF4-FFF2-40B4-BE49-F238E27FC236}">
-                <a16:creationId xmlns:a16="http://schemas.microsoft.com/office/drawing/2014/main" xmlns="" id="{0DE351C4-0752-4411-9A3E-0EEE16B7BAF9}"/>
+                <a16:creationId xmlns:a16="http://schemas.microsoft.com/office/drawing/2014/main" id="{0DE351C4-0752-4411-9A3E-0EEE16B7BAF9}"/>
               </a:ext>
             </a:extLst>
           </p:cNvPr>
@@ -11242,7 +13349,7 @@
           <p:cNvPr id="20" name="Conector de Seta Reta 19">
             <a:extLst>
               <a:ext uri="{FF2B5EF4-FFF2-40B4-BE49-F238E27FC236}">
-                <a16:creationId xmlns:a16="http://schemas.microsoft.com/office/drawing/2014/main" xmlns="" id="{938A7AF6-E11B-41A9-AA12-497491ADD98E}"/>
+                <a16:creationId xmlns:a16="http://schemas.microsoft.com/office/drawing/2014/main" id="{938A7AF6-E11B-41A9-AA12-497491ADD98E}"/>
               </a:ext>
             </a:extLst>
           </p:cNvPr>
@@ -11283,7 +13390,7 @@
           <p:cNvPr id="22" name="Conector de Seta Reta 21">
             <a:extLst>
               <a:ext uri="{FF2B5EF4-FFF2-40B4-BE49-F238E27FC236}">
-                <a16:creationId xmlns:a16="http://schemas.microsoft.com/office/drawing/2014/main" xmlns="" id="{E10310FC-5CF6-4BC7-A656-570DA30A65D9}"/>
+                <a16:creationId xmlns:a16="http://schemas.microsoft.com/office/drawing/2014/main" id="{E10310FC-5CF6-4BC7-A656-570DA30A65D9}"/>
               </a:ext>
             </a:extLst>
           </p:cNvPr>
@@ -11325,7 +13432,7 @@
           <p:cNvPr id="24" name="Conector de Seta Reta 23">
             <a:extLst>
               <a:ext uri="{FF2B5EF4-FFF2-40B4-BE49-F238E27FC236}">
-                <a16:creationId xmlns:a16="http://schemas.microsoft.com/office/drawing/2014/main" xmlns="" id="{3FE3BC92-DCED-4F47-B961-CD529C513E92}"/>
+                <a16:creationId xmlns:a16="http://schemas.microsoft.com/office/drawing/2014/main" id="{3FE3BC92-DCED-4F47-B961-CD529C513E92}"/>
               </a:ext>
             </a:extLst>
           </p:cNvPr>
@@ -11366,7 +13473,7 @@
           <p:cNvPr id="26" name="Imagem 25">
             <a:extLst>
               <a:ext uri="{FF2B5EF4-FFF2-40B4-BE49-F238E27FC236}">
-                <a16:creationId xmlns:a16="http://schemas.microsoft.com/office/drawing/2014/main" xmlns="" id="{63AECB77-C03B-47D6-9FCF-1CB34C247480}"/>
+                <a16:creationId xmlns:a16="http://schemas.microsoft.com/office/drawing/2014/main" id="{63AECB77-C03B-47D6-9FCF-1CB34C247480}"/>
               </a:ext>
             </a:extLst>
           </p:cNvPr>
@@ -11396,7 +13503,7 @@
           <p:cNvPr id="27" name="Seta: para Baixo 26">
             <a:extLst>
               <a:ext uri="{FF2B5EF4-FFF2-40B4-BE49-F238E27FC236}">
-                <a16:creationId xmlns:a16="http://schemas.microsoft.com/office/drawing/2014/main" xmlns="" id="{F17E8019-DA59-4DA6-AC72-A647F45BB806}"/>
+                <a16:creationId xmlns:a16="http://schemas.microsoft.com/office/drawing/2014/main" id="{F17E8019-DA59-4DA6-AC72-A647F45BB806}"/>
               </a:ext>
             </a:extLst>
           </p:cNvPr>
@@ -11442,7 +13549,7 @@
           <p:cNvPr id="41" name="Elipse 40">
             <a:extLst>
               <a:ext uri="{FF2B5EF4-FFF2-40B4-BE49-F238E27FC236}">
-                <a16:creationId xmlns:a16="http://schemas.microsoft.com/office/drawing/2014/main" xmlns="" id="{921DA05B-3836-445F-BC79-728E549B3546}"/>
+                <a16:creationId xmlns:a16="http://schemas.microsoft.com/office/drawing/2014/main" id="{921DA05B-3836-445F-BC79-728E549B3546}"/>
               </a:ext>
             </a:extLst>
           </p:cNvPr>
@@ -11494,7 +13601,7 @@
           <p:cNvPr id="42" name="Elipse 41">
             <a:extLst>
               <a:ext uri="{FF2B5EF4-FFF2-40B4-BE49-F238E27FC236}">
-                <a16:creationId xmlns:a16="http://schemas.microsoft.com/office/drawing/2014/main" xmlns="" id="{B941F51B-31BC-4A18-8D32-EC0300AE86DD}"/>
+                <a16:creationId xmlns:a16="http://schemas.microsoft.com/office/drawing/2014/main" id="{B941F51B-31BC-4A18-8D32-EC0300AE86DD}"/>
               </a:ext>
             </a:extLst>
           </p:cNvPr>
@@ -11554,7 +13661,7 @@
 </p:sld>
 </file>
 
-<file path=ppt/slides/slide14.xml><?xml version="1.0" encoding="utf-8"?>
+<file path=ppt/slides/slide16.xml><?xml version="1.0" encoding="utf-8"?>
 <p:sld xmlns:a="http://schemas.openxmlformats.org/drawingml/2006/main" xmlns:r="http://schemas.openxmlformats.org/officeDocument/2006/relationships" xmlns:p="http://schemas.openxmlformats.org/presentationml/2006/main">
   <p:cSld>
     <p:spTree>
@@ -12388,298 +14495,6 @@
 </p:sld>
 </file>
 
-<file path=ppt/slides/slide15.xml><?xml version="1.0" encoding="utf-8"?>
-<p:sld xmlns:a="http://schemas.openxmlformats.org/drawingml/2006/main" xmlns:r="http://schemas.openxmlformats.org/officeDocument/2006/relationships" xmlns:p="http://schemas.openxmlformats.org/presentationml/2006/main">
-  <p:cSld>
-    <p:spTree>
-      <p:nvGrpSpPr>
-        <p:cNvPr id="1" name=""/>
-        <p:cNvGrpSpPr/>
-        <p:nvPr/>
-      </p:nvGrpSpPr>
-      <p:grpSpPr>
-        <a:xfrm>
-          <a:off x="0" y="0"/>
-          <a:ext cx="0" cy="0"/>
-          <a:chOff x="0" y="0"/>
-          <a:chExt cx="0" cy="0"/>
-        </a:xfrm>
-      </p:grpSpPr>
-      <p:sp>
-        <p:nvSpPr>
-          <p:cNvPr id="2" name="Title 1"/>
-          <p:cNvSpPr>
-            <a:spLocks noGrp="1"/>
-          </p:cNvSpPr>
-          <p:nvPr>
-            <p:ph type="title"/>
-          </p:nvPr>
-        </p:nvSpPr>
-        <p:spPr/>
-        <p:txBody>
-          <a:bodyPr/>
-          <a:lstStyle/>
-          <a:p>
-            <a:r>
-              <a:rPr lang="pt-BR" dirty="0"/>
-              <a:t>Funções de ativação</a:t>
-            </a:r>
-          </a:p>
-        </p:txBody>
-      </p:sp>
-      <p:sp>
-        <p:nvSpPr>
-          <p:cNvPr id="3" name="Content Placeholder 2"/>
-          <p:cNvSpPr>
-            <a:spLocks noGrp="1"/>
-          </p:cNvSpPr>
-          <p:nvPr>
-            <p:ph idx="1"/>
-          </p:nvPr>
-        </p:nvSpPr>
-        <p:spPr>
-          <a:xfrm>
-            <a:off x="838200" y="1825624"/>
-            <a:ext cx="11120438" cy="5032376"/>
-          </a:xfrm>
-        </p:spPr>
-        <p:txBody>
-          <a:bodyPr>
-            <a:normAutofit/>
-          </a:bodyPr>
-          <a:lstStyle/>
-          <a:p>
-            <a:r>
-              <a:rPr lang="pt-BR" dirty="0"/>
-              <a:t>Vantagens da </a:t>
-            </a:r>
-            <a:r>
-              <a:rPr lang="pt-BR" b="1" i="1" dirty="0"/>
-              <a:t>função retificadora</a:t>
-            </a:r>
-            <a:r>
-              <a:rPr lang="pt-BR" dirty="0"/>
-              <a:t>:</a:t>
-            </a:r>
-          </a:p>
-          <a:p>
-            <a:pPr lvl="1">
-              <a:buFont typeface="Wingdings" panose="05000000000000000000" pitchFamily="2" charset="2"/>
-              <a:buChar char="§"/>
-            </a:pPr>
-            <a:r>
-              <a:rPr lang="pt-BR" dirty="0"/>
-              <a:t>A função e sua derivada são </a:t>
-            </a:r>
-            <a:r>
-              <a:rPr lang="pt-BR" b="1" i="1" dirty="0"/>
-              <a:t>mais rápidas de se calcular </a:t>
-            </a:r>
-            <a:r>
-              <a:rPr lang="pt-BR" dirty="0"/>
-              <a:t>do que as funções sigmóide e tangente hiperbólica.</a:t>
-            </a:r>
-          </a:p>
-          <a:p>
-            <a:pPr lvl="1">
-              <a:buFont typeface="Wingdings" panose="05000000000000000000" pitchFamily="2" charset="2"/>
-              <a:buChar char="§"/>
-            </a:pPr>
-            <a:r>
-              <a:rPr lang="pt-BR" dirty="0"/>
-              <a:t>Não sofre com o </a:t>
-            </a:r>
-            <a:r>
-              <a:rPr lang="pt-BR" b="1" i="1" dirty="0"/>
-              <a:t>problema da dissipação do gradiente</a:t>
-            </a:r>
-            <a:r>
-              <a:rPr lang="pt-BR" dirty="0"/>
-              <a:t>,</a:t>
-            </a:r>
-            <a:r>
-              <a:rPr lang="pt-BR" b="1" i="1" dirty="0"/>
-              <a:t> </a:t>
-            </a:r>
-            <a:r>
-              <a:rPr lang="pt-BR" dirty="0"/>
-              <a:t>pois seu gradiente é igual a 0 ou 1. O produto da derivada da função de ativação de várias camadas sempre será igual a 1 ou 0.</a:t>
-            </a:r>
-          </a:p>
-          <a:p>
-            <a:r>
-              <a:rPr lang="pt-BR" dirty="0"/>
-              <a:t>Outras funções de ativação são:</a:t>
-            </a:r>
-          </a:p>
-          <a:p>
-            <a:pPr lvl="1">
-              <a:buFont typeface="Wingdings" panose="05000000000000000000" pitchFamily="2" charset="2"/>
-              <a:buChar char="§"/>
-            </a:pPr>
-            <a:r>
-              <a:rPr lang="pt-BR" dirty="0"/>
-              <a:t>Identidade ou linear.</a:t>
-            </a:r>
-          </a:p>
-          <a:p>
-            <a:pPr lvl="1">
-              <a:buFont typeface="Wingdings" panose="05000000000000000000" pitchFamily="2" charset="2"/>
-              <a:buChar char="§"/>
-            </a:pPr>
-            <a:r>
-              <a:rPr lang="pt-BR" dirty="0"/>
-              <a:t>Gaussian Error Linear Unit (GELU).</a:t>
-            </a:r>
-          </a:p>
-          <a:p>
-            <a:pPr lvl="1">
-              <a:buFont typeface="Wingdings" panose="05000000000000000000" pitchFamily="2" charset="2"/>
-              <a:buChar char="§"/>
-            </a:pPr>
-            <a:r>
-              <a:rPr lang="en-US" dirty="0"/>
-              <a:t>Leaky rectified linear unit (Leaky </a:t>
-            </a:r>
-            <a:r>
-              <a:rPr lang="en-US" dirty="0" err="1"/>
-              <a:t>ReLU</a:t>
-            </a:r>
-            <a:r>
-              <a:rPr lang="en-US" dirty="0"/>
-              <a:t>).</a:t>
-            </a:r>
-            <a:endParaRPr lang="pt-BR" dirty="0"/>
-          </a:p>
-          <a:p>
-            <a:pPr lvl="1">
-              <a:buFont typeface="Wingdings" panose="05000000000000000000" pitchFamily="2" charset="2"/>
-              <a:buChar char="§"/>
-            </a:pPr>
-            <a:r>
-              <a:rPr lang="pt-BR" dirty="0"/>
-              <a:t>Gaussiana.</a:t>
-            </a:r>
-          </a:p>
-          <a:p>
-            <a:pPr lvl="1">
-              <a:buFont typeface="Wingdings" panose="05000000000000000000" pitchFamily="2" charset="2"/>
-              <a:buChar char="§"/>
-            </a:pPr>
-            <a:r>
-              <a:rPr lang="pt-BR" dirty="0">
-                <a:hlinkClick r:id="rId3"/>
-              </a:rPr>
-              <a:t>https://en.wikipedia.org/wiki/Activation_function#Table_of_activation_functions</a:t>
-            </a:r>
-            <a:endParaRPr lang="pt-BR" dirty="0"/>
-          </a:p>
-        </p:txBody>
-      </p:sp>
-    </p:spTree>
-    <p:extLst>
-      <p:ext uri="{BB962C8B-B14F-4D97-AF65-F5344CB8AC3E}">
-        <p14:creationId xmlns:p14="http://schemas.microsoft.com/office/powerpoint/2010/main" val="2996423218"/>
-      </p:ext>
-    </p:extLst>
-  </p:cSld>
-  <p:clrMapOvr>
-    <a:masterClrMapping/>
-  </p:clrMapOvr>
-</p:sld>
-</file>
-
-<file path=ppt/slides/slide16.xml><?xml version="1.0" encoding="utf-8"?>
-<p:sld xmlns:a="http://schemas.openxmlformats.org/drawingml/2006/main" xmlns:r="http://schemas.openxmlformats.org/officeDocument/2006/relationships" xmlns:p="http://schemas.openxmlformats.org/presentationml/2006/main">
-  <p:cSld>
-    <p:spTree>
-      <p:nvGrpSpPr>
-        <p:cNvPr id="1" name=""/>
-        <p:cNvGrpSpPr/>
-        <p:nvPr/>
-      </p:nvGrpSpPr>
-      <p:grpSpPr>
-        <a:xfrm>
-          <a:off x="0" y="0"/>
-          <a:ext cx="0" cy="0"/>
-          <a:chOff x="0" y="0"/>
-          <a:chExt cx="0" cy="0"/>
-        </a:xfrm>
-      </p:grpSpPr>
-      <p:sp>
-        <p:nvSpPr>
-          <p:cNvPr id="2" name="Title 1"/>
-          <p:cNvSpPr>
-            <a:spLocks noGrp="1"/>
-          </p:cNvSpPr>
-          <p:nvPr>
-            <p:ph type="title"/>
-          </p:nvPr>
-        </p:nvSpPr>
-        <p:spPr/>
-        <p:txBody>
-          <a:bodyPr/>
-          <a:lstStyle/>
-          <a:p>
-            <a:r>
-              <a:rPr lang="pt-BR" dirty="0"/>
-              <a:t>Tarefa</a:t>
-            </a:r>
-          </a:p>
-        </p:txBody>
-      </p:sp>
-      <p:sp>
-        <p:nvSpPr>
-          <p:cNvPr id="3" name="Content Placeholder 2"/>
-          <p:cNvSpPr>
-            <a:spLocks noGrp="1"/>
-          </p:cNvSpPr>
-          <p:nvPr>
-            <p:ph idx="1"/>
-          </p:nvPr>
-        </p:nvSpPr>
-        <p:spPr>
-          <a:xfrm>
-            <a:off x="838199" y="1825624"/>
-            <a:ext cx="10994409" cy="4547879"/>
-          </a:xfrm>
-        </p:spPr>
-        <p:txBody>
-          <a:bodyPr/>
-          <a:lstStyle/>
-          <a:p>
-            <a:r>
-              <a:rPr lang="pt-BR" b="1" dirty="0"/>
-              <a:t>Quiz</a:t>
-            </a:r>
-            <a:r>
-              <a:rPr lang="pt-BR" dirty="0"/>
-              <a:t>: “</a:t>
-            </a:r>
-            <a:r>
-              <a:rPr lang="pt-BR" i="1" dirty="0"/>
-              <a:t>T320 - Quiz – Redes Neurais Artificiais (Parte III)</a:t>
-            </a:r>
-            <a:r>
-              <a:rPr lang="pt-BR" dirty="0"/>
-              <a:t>” que se encontra no MS Teams.</a:t>
-            </a:r>
-          </a:p>
-        </p:txBody>
-      </p:sp>
-    </p:spTree>
-    <p:extLst>
-      <p:ext uri="{BB962C8B-B14F-4D97-AF65-F5344CB8AC3E}">
-        <p14:creationId xmlns:p14="http://schemas.microsoft.com/office/powerpoint/2010/main" val="3718311278"/>
-      </p:ext>
-    </p:extLst>
-  </p:cSld>
-  <p:clrMapOvr>
-    <a:masterClrMapping/>
-  </p:clrMapOvr>
-</p:sld>
-</file>
-
 <file path=ppt/slides/slide17.xml><?xml version="1.0" encoding="utf-8"?>
 <p:sld xmlns:a="http://schemas.openxmlformats.org/drawingml/2006/main" xmlns:r="http://schemas.openxmlformats.org/officeDocument/2006/relationships" xmlns:p="http://schemas.openxmlformats.org/presentationml/2006/main">
   <p:cSld>
@@ -12714,6 +14529,298 @@
           <a:p>
             <a:r>
               <a:rPr lang="pt-BR" dirty="0"/>
+              <a:t>Funções de ativação</a:t>
+            </a:r>
+          </a:p>
+        </p:txBody>
+      </p:sp>
+      <p:sp>
+        <p:nvSpPr>
+          <p:cNvPr id="3" name="Content Placeholder 2"/>
+          <p:cNvSpPr>
+            <a:spLocks noGrp="1"/>
+          </p:cNvSpPr>
+          <p:nvPr>
+            <p:ph idx="1"/>
+          </p:nvPr>
+        </p:nvSpPr>
+        <p:spPr>
+          <a:xfrm>
+            <a:off x="838200" y="1825624"/>
+            <a:ext cx="11120438" cy="5032376"/>
+          </a:xfrm>
+        </p:spPr>
+        <p:txBody>
+          <a:bodyPr>
+            <a:normAutofit/>
+          </a:bodyPr>
+          <a:lstStyle/>
+          <a:p>
+            <a:r>
+              <a:rPr lang="pt-BR" dirty="0"/>
+              <a:t>Vantagens da </a:t>
+            </a:r>
+            <a:r>
+              <a:rPr lang="pt-BR" b="1" i="1" dirty="0"/>
+              <a:t>função retificadora</a:t>
+            </a:r>
+            <a:r>
+              <a:rPr lang="pt-BR" dirty="0"/>
+              <a:t>:</a:t>
+            </a:r>
+          </a:p>
+          <a:p>
+            <a:pPr lvl="1">
+              <a:buFont typeface="Wingdings" panose="05000000000000000000" pitchFamily="2" charset="2"/>
+              <a:buChar char="§"/>
+            </a:pPr>
+            <a:r>
+              <a:rPr lang="pt-BR" dirty="0"/>
+              <a:t>A função e sua derivada são </a:t>
+            </a:r>
+            <a:r>
+              <a:rPr lang="pt-BR" b="1" i="1" dirty="0"/>
+              <a:t>mais rápidas de se calcular </a:t>
+            </a:r>
+            <a:r>
+              <a:rPr lang="pt-BR" dirty="0"/>
+              <a:t>do que as funções sigmóide e tangente hiperbólica.</a:t>
+            </a:r>
+          </a:p>
+          <a:p>
+            <a:pPr lvl="1">
+              <a:buFont typeface="Wingdings" panose="05000000000000000000" pitchFamily="2" charset="2"/>
+              <a:buChar char="§"/>
+            </a:pPr>
+            <a:r>
+              <a:rPr lang="pt-BR" dirty="0"/>
+              <a:t>Não sofre com o </a:t>
+            </a:r>
+            <a:r>
+              <a:rPr lang="pt-BR" b="1" i="1" dirty="0"/>
+              <a:t>problema da dissipação do gradiente</a:t>
+            </a:r>
+            <a:r>
+              <a:rPr lang="pt-BR" dirty="0"/>
+              <a:t>,</a:t>
+            </a:r>
+            <a:r>
+              <a:rPr lang="pt-BR" b="1" i="1" dirty="0"/>
+              <a:t> </a:t>
+            </a:r>
+            <a:r>
+              <a:rPr lang="pt-BR" dirty="0"/>
+              <a:t>pois seu gradiente é igual a 0 ou 1. O produto da derivada da função de ativação de várias camadas sempre será igual a 1 ou 0.</a:t>
+            </a:r>
+          </a:p>
+          <a:p>
+            <a:r>
+              <a:rPr lang="pt-BR" dirty="0"/>
+              <a:t>Outras funções de ativação são:</a:t>
+            </a:r>
+          </a:p>
+          <a:p>
+            <a:pPr lvl="1">
+              <a:buFont typeface="Wingdings" panose="05000000000000000000" pitchFamily="2" charset="2"/>
+              <a:buChar char="§"/>
+            </a:pPr>
+            <a:r>
+              <a:rPr lang="pt-BR" dirty="0"/>
+              <a:t>Identidade ou linear.</a:t>
+            </a:r>
+          </a:p>
+          <a:p>
+            <a:pPr lvl="1">
+              <a:buFont typeface="Wingdings" panose="05000000000000000000" pitchFamily="2" charset="2"/>
+              <a:buChar char="§"/>
+            </a:pPr>
+            <a:r>
+              <a:rPr lang="pt-BR" dirty="0"/>
+              <a:t>Gaussian Error Linear Unit (GELU).</a:t>
+            </a:r>
+          </a:p>
+          <a:p>
+            <a:pPr lvl="1">
+              <a:buFont typeface="Wingdings" panose="05000000000000000000" pitchFamily="2" charset="2"/>
+              <a:buChar char="§"/>
+            </a:pPr>
+            <a:r>
+              <a:rPr lang="en-US" dirty="0"/>
+              <a:t>Leaky rectified linear unit (Leaky </a:t>
+            </a:r>
+            <a:r>
+              <a:rPr lang="en-US" dirty="0" err="1"/>
+              <a:t>ReLU</a:t>
+            </a:r>
+            <a:r>
+              <a:rPr lang="en-US" dirty="0"/>
+              <a:t>).</a:t>
+            </a:r>
+            <a:endParaRPr lang="pt-BR" dirty="0"/>
+          </a:p>
+          <a:p>
+            <a:pPr lvl="1">
+              <a:buFont typeface="Wingdings" panose="05000000000000000000" pitchFamily="2" charset="2"/>
+              <a:buChar char="§"/>
+            </a:pPr>
+            <a:r>
+              <a:rPr lang="pt-BR" dirty="0"/>
+              <a:t>Gaussiana.</a:t>
+            </a:r>
+          </a:p>
+          <a:p>
+            <a:pPr lvl="1">
+              <a:buFont typeface="Wingdings" panose="05000000000000000000" pitchFamily="2" charset="2"/>
+              <a:buChar char="§"/>
+            </a:pPr>
+            <a:r>
+              <a:rPr lang="pt-BR" dirty="0">
+                <a:hlinkClick r:id="rId3"/>
+              </a:rPr>
+              <a:t>https://en.wikipedia.org/wiki/Activation_function#Table_of_activation_functions</a:t>
+            </a:r>
+            <a:endParaRPr lang="pt-BR" dirty="0"/>
+          </a:p>
+        </p:txBody>
+      </p:sp>
+    </p:spTree>
+    <p:extLst>
+      <p:ext uri="{BB962C8B-B14F-4D97-AF65-F5344CB8AC3E}">
+        <p14:creationId xmlns:p14="http://schemas.microsoft.com/office/powerpoint/2010/main" val="2996423218"/>
+      </p:ext>
+    </p:extLst>
+  </p:cSld>
+  <p:clrMapOvr>
+    <a:masterClrMapping/>
+  </p:clrMapOvr>
+</p:sld>
+</file>
+
+<file path=ppt/slides/slide18.xml><?xml version="1.0" encoding="utf-8"?>
+<p:sld xmlns:a="http://schemas.openxmlformats.org/drawingml/2006/main" xmlns:r="http://schemas.openxmlformats.org/officeDocument/2006/relationships" xmlns:p="http://schemas.openxmlformats.org/presentationml/2006/main">
+  <p:cSld>
+    <p:spTree>
+      <p:nvGrpSpPr>
+        <p:cNvPr id="1" name=""/>
+        <p:cNvGrpSpPr/>
+        <p:nvPr/>
+      </p:nvGrpSpPr>
+      <p:grpSpPr>
+        <a:xfrm>
+          <a:off x="0" y="0"/>
+          <a:ext cx="0" cy="0"/>
+          <a:chOff x="0" y="0"/>
+          <a:chExt cx="0" cy="0"/>
+        </a:xfrm>
+      </p:grpSpPr>
+      <p:sp>
+        <p:nvSpPr>
+          <p:cNvPr id="2" name="Title 1"/>
+          <p:cNvSpPr>
+            <a:spLocks noGrp="1"/>
+          </p:cNvSpPr>
+          <p:nvPr>
+            <p:ph type="title"/>
+          </p:nvPr>
+        </p:nvSpPr>
+        <p:spPr/>
+        <p:txBody>
+          <a:bodyPr/>
+          <a:lstStyle/>
+          <a:p>
+            <a:r>
+              <a:rPr lang="pt-BR" dirty="0"/>
+              <a:t>Tarefa</a:t>
+            </a:r>
+          </a:p>
+        </p:txBody>
+      </p:sp>
+      <p:sp>
+        <p:nvSpPr>
+          <p:cNvPr id="3" name="Content Placeholder 2"/>
+          <p:cNvSpPr>
+            <a:spLocks noGrp="1"/>
+          </p:cNvSpPr>
+          <p:nvPr>
+            <p:ph idx="1"/>
+          </p:nvPr>
+        </p:nvSpPr>
+        <p:spPr>
+          <a:xfrm>
+            <a:off x="838199" y="1825624"/>
+            <a:ext cx="10994409" cy="4547879"/>
+          </a:xfrm>
+        </p:spPr>
+        <p:txBody>
+          <a:bodyPr/>
+          <a:lstStyle/>
+          <a:p>
+            <a:r>
+              <a:rPr lang="pt-BR" b="1" dirty="0"/>
+              <a:t>Quiz</a:t>
+            </a:r>
+            <a:r>
+              <a:rPr lang="pt-BR" dirty="0"/>
+              <a:t>: “</a:t>
+            </a:r>
+            <a:r>
+              <a:rPr lang="pt-BR" i="1" dirty="0"/>
+              <a:t>T320 - Quiz – Redes Neurais Artificiais (Parte III)</a:t>
+            </a:r>
+            <a:r>
+              <a:rPr lang="pt-BR" dirty="0"/>
+              <a:t>” que se encontra no MS Teams.</a:t>
+            </a:r>
+          </a:p>
+        </p:txBody>
+      </p:sp>
+    </p:spTree>
+    <p:extLst>
+      <p:ext uri="{BB962C8B-B14F-4D97-AF65-F5344CB8AC3E}">
+        <p14:creationId xmlns:p14="http://schemas.microsoft.com/office/powerpoint/2010/main" val="3718311278"/>
+      </p:ext>
+    </p:extLst>
+  </p:cSld>
+  <p:clrMapOvr>
+    <a:masterClrMapping/>
+  </p:clrMapOvr>
+</p:sld>
+</file>
+
+<file path=ppt/slides/slide19.xml><?xml version="1.0" encoding="utf-8"?>
+<p:sld xmlns:a="http://schemas.openxmlformats.org/drawingml/2006/main" xmlns:r="http://schemas.openxmlformats.org/officeDocument/2006/relationships" xmlns:p="http://schemas.openxmlformats.org/presentationml/2006/main">
+  <p:cSld>
+    <p:spTree>
+      <p:nvGrpSpPr>
+        <p:cNvPr id="1" name=""/>
+        <p:cNvGrpSpPr/>
+        <p:nvPr/>
+      </p:nvGrpSpPr>
+      <p:grpSpPr>
+        <a:xfrm>
+          <a:off x="0" y="0"/>
+          <a:ext cx="0" cy="0"/>
+          <a:chOff x="0" y="0"/>
+          <a:chExt cx="0" cy="0"/>
+        </a:xfrm>
+      </p:grpSpPr>
+      <p:sp>
+        <p:nvSpPr>
+          <p:cNvPr id="2" name="Title 1"/>
+          <p:cNvSpPr>
+            <a:spLocks noGrp="1"/>
+          </p:cNvSpPr>
+          <p:nvPr>
+            <p:ph type="title"/>
+          </p:nvPr>
+        </p:nvSpPr>
+        <p:spPr/>
+        <p:txBody>
+          <a:bodyPr/>
+          <a:lstStyle/>
+          <a:p>
+            <a:r>
+              <a:rPr lang="pt-BR" dirty="0"/>
               <a:t>Conectando Neurônios</a:t>
             </a:r>
           </a:p>
@@ -12751,29 +14858,24 @@
             </a:r>
             <a:r>
               <a:rPr lang="pt-BR" dirty="0"/>
-              <a:t> de uma </a:t>
-            </a:r>
-            <a:r>
-              <a:rPr lang="pt-BR" dirty="0" smtClean="0"/>
-              <a:t>rede, </a:t>
-            </a:r>
-            <a:r>
-              <a:rPr lang="pt-BR" b="1" i="1" dirty="0" smtClean="0"/>
+              <a:t> de uma rede, </a:t>
+            </a:r>
+            <a:r>
+              <a:rPr lang="pt-BR" b="1" i="1" dirty="0"/>
               <a:t>direta</a:t>
             </a:r>
             <a:r>
-              <a:rPr lang="pt-BR" dirty="0" smtClean="0"/>
+              <a:rPr lang="pt-BR" dirty="0"/>
               <a:t> e </a:t>
             </a:r>
             <a:r>
-              <a:rPr lang="pt-BR" b="1" i="1" dirty="0" smtClean="0"/>
+              <a:rPr lang="pt-BR" b="1" i="1" dirty="0"/>
               <a:t>reversa</a:t>
             </a:r>
             <a:r>
-              <a:rPr lang="pt-BR" dirty="0" smtClean="0"/>
+              <a:rPr lang="pt-BR" dirty="0"/>
               <a:t>.</a:t>
             </a:r>
-            <a:endParaRPr lang="pt-BR" dirty="0"/>
           </a:p>
           <a:p>
             <a:r>
@@ -12786,13 +14888,8 @@
             </a:r>
             <a:r>
               <a:rPr lang="pt-BR" dirty="0"/>
-              <a:t> da rede têm conexões em apenas uma única </a:t>
-            </a:r>
-            <a:r>
-              <a:rPr lang="pt-BR" dirty="0" smtClean="0"/>
-              <a:t>direção. </a:t>
-            </a:r>
-            <a:endParaRPr lang="pt-BR" dirty="0"/>
+              <a:t> da rede têm conexões em apenas uma única direção. </a:t>
+            </a:r>
           </a:p>
           <a:p>
             <a:r>
@@ -12906,7 +15003,7 @@
 </p:sld>
 </file>
 
-<file path=ppt/slides/slide18.xml><?xml version="1.0" encoding="utf-8"?>
+<file path=ppt/slides/slide2.xml><?xml version="1.0" encoding="utf-8"?>
 <p:sld xmlns:a="http://schemas.openxmlformats.org/drawingml/2006/main" xmlns:r="http://schemas.openxmlformats.org/officeDocument/2006/relationships" xmlns:p="http://schemas.openxmlformats.org/presentationml/2006/main">
   <p:cSld>
     <p:spTree>
@@ -12940,6 +15037,147 @@
           <a:p>
             <a:r>
               <a:rPr lang="pt-BR" dirty="0"/>
+              <a:t>Recapitulando</a:t>
+            </a:r>
+          </a:p>
+        </p:txBody>
+      </p:sp>
+      <p:sp>
+        <p:nvSpPr>
+          <p:cNvPr id="3" name="Content Placeholder 2"/>
+          <p:cNvSpPr>
+            <a:spLocks noGrp="1"/>
+          </p:cNvSpPr>
+          <p:nvPr>
+            <p:ph idx="1"/>
+          </p:nvPr>
+        </p:nvSpPr>
+        <p:spPr>
+          <a:xfrm>
+            <a:off x="838199" y="1825624"/>
+            <a:ext cx="10994409" cy="5032376"/>
+          </a:xfrm>
+        </p:spPr>
+        <p:txBody>
+          <a:bodyPr>
+            <a:normAutofit lnSpcReduction="10000"/>
+          </a:bodyPr>
+          <a:lstStyle/>
+          <a:p>
+            <a:r>
+              <a:rPr lang="pt-BR" dirty="0"/>
+              <a:t>Fizemos uma analogia entre um neurônio e os modelos de McCulloch e Pitts e do Perceptron.</a:t>
+            </a:r>
+          </a:p>
+          <a:p>
+            <a:r>
+              <a:rPr lang="pt-BR" dirty="0"/>
+              <a:t>Vimos a evolução do modelo de McCulloch e Pitts para o </a:t>
+            </a:r>
+            <a:r>
+              <a:rPr lang="pt-BR" dirty="0" err="1"/>
+              <a:t>Perceptron</a:t>
+            </a:r>
+            <a:r>
+              <a:rPr lang="pt-BR" dirty="0"/>
+              <a:t>.</a:t>
+            </a:r>
+          </a:p>
+          <a:p>
+            <a:r>
+              <a:rPr lang="pt-BR" dirty="0"/>
+              <a:t>Aprendemos suas características, diferenças e como ambos funcionam.</a:t>
+            </a:r>
+          </a:p>
+          <a:p>
+            <a:r>
+              <a:rPr lang="pt-BR" dirty="0"/>
+              <a:t>Verificamos que um Perceptron é semelhante ao regressor logístico.</a:t>
+            </a:r>
+          </a:p>
+          <a:p>
+            <a:r>
+              <a:rPr lang="pt-BR" dirty="0"/>
+              <a:t>Constatamos que um </a:t>
+            </a:r>
+            <a:r>
+              <a:rPr lang="pt-BR" b="1" i="1" dirty="0"/>
+              <a:t>único </a:t>
+            </a:r>
+            <a:r>
+              <a:rPr lang="pt-BR" dirty="0"/>
+              <a:t>Perceptron não é capaz de separar classes não-lineares, como por exemplo, o problema do XOR.</a:t>
+            </a:r>
+          </a:p>
+          <a:p>
+            <a:r>
+              <a:rPr lang="pt-BR" dirty="0"/>
+              <a:t>Porém, quando combinamos vários deles, conseguimos criar um separador não-linear.</a:t>
+            </a:r>
+          </a:p>
+          <a:p>
+            <a:r>
+              <a:rPr lang="pt-BR" dirty="0"/>
+              <a:t>Neste tópico, veremos que esta união de Perceptrons origina o que chamamos de </a:t>
+            </a:r>
+            <a:r>
+              <a:rPr lang="pt-BR" b="1" i="1" dirty="0"/>
+              <a:t>redes neurais artificiais</a:t>
+            </a:r>
+            <a:r>
+              <a:rPr lang="pt-BR" dirty="0"/>
+              <a:t>.</a:t>
+            </a:r>
+          </a:p>
+        </p:txBody>
+      </p:sp>
+    </p:spTree>
+    <p:extLst>
+      <p:ext uri="{BB962C8B-B14F-4D97-AF65-F5344CB8AC3E}">
+        <p14:creationId xmlns:p14="http://schemas.microsoft.com/office/powerpoint/2010/main" val="3946202173"/>
+      </p:ext>
+    </p:extLst>
+  </p:cSld>
+  <p:clrMapOvr>
+    <a:masterClrMapping/>
+  </p:clrMapOvr>
+</p:sld>
+</file>
+
+<file path=ppt/slides/slide20.xml><?xml version="1.0" encoding="utf-8"?>
+<p:sld xmlns:a="http://schemas.openxmlformats.org/drawingml/2006/main" xmlns:r="http://schemas.openxmlformats.org/officeDocument/2006/relationships" xmlns:p="http://schemas.openxmlformats.org/presentationml/2006/main">
+  <p:cSld>
+    <p:spTree>
+      <p:nvGrpSpPr>
+        <p:cNvPr id="1" name=""/>
+        <p:cNvGrpSpPr/>
+        <p:nvPr/>
+      </p:nvGrpSpPr>
+      <p:grpSpPr>
+        <a:xfrm>
+          <a:off x="0" y="0"/>
+          <a:ext cx="0" cy="0"/>
+          <a:chOff x="0" y="0"/>
+          <a:chExt cx="0" cy="0"/>
+        </a:xfrm>
+      </p:grpSpPr>
+      <p:sp>
+        <p:nvSpPr>
+          <p:cNvPr id="2" name="Title 1"/>
+          <p:cNvSpPr>
+            <a:spLocks noGrp="1"/>
+          </p:cNvSpPr>
+          <p:nvPr>
+            <p:ph type="title"/>
+          </p:nvPr>
+        </p:nvSpPr>
+        <p:spPr/>
+        <p:txBody>
+          <a:bodyPr/>
+          <a:lstStyle/>
+          <a:p>
+            <a:r>
+              <a:rPr lang="pt-BR" dirty="0"/>
               <a:t>Conectando Neurônios</a:t>
             </a:r>
           </a:p>
@@ -13078,10 +15316,9 @@
               <a:t>redes recorrentes </a:t>
             </a:r>
             <a:r>
-              <a:rPr lang="pt-BR" dirty="0" smtClean="0"/>
+              <a:rPr lang="pt-BR" dirty="0"/>
               <a:t>possuem memória.</a:t>
             </a:r>
-            <a:endParaRPr lang="pt-BR" dirty="0"/>
           </a:p>
           <a:p>
             <a:r>
@@ -13094,15 +15331,7 @@
             </a:r>
             <a:r>
               <a:rPr lang="pt-BR" dirty="0"/>
-              <a:t>, como som, dados de séries </a:t>
-            </a:r>
-            <a:r>
-              <a:rPr lang="pt-BR" dirty="0" smtClean="0"/>
-              <a:t>temporais (preços de ações, padrões cerebrais, etc.) </a:t>
-            </a:r>
-            <a:r>
-              <a:rPr lang="pt-BR" dirty="0"/>
-              <a:t>ou linguagem natural (escrita e fala).</a:t>
+              <a:t>, como som, dados de séries temporais (preços de ações, padrões cerebrais, etc.) ou linguagem natural (escrita e fala).</a:t>
             </a:r>
           </a:p>
         </p:txBody>
@@ -13149,7 +15378,7 @@
 </p:sld>
 </file>
 
-<file path=ppt/slides/slide19.xml><?xml version="1.0" encoding="utf-8"?>
+<file path=ppt/slides/slide21.xml><?xml version="1.0" encoding="utf-8"?>
 <p:sld xmlns:a="http://schemas.openxmlformats.org/drawingml/2006/main" xmlns:r="http://schemas.openxmlformats.org/officeDocument/2006/relationships" xmlns:p="http://schemas.openxmlformats.org/presentationml/2006/main">
   <p:cSld>
     <p:spTree>
@@ -13700,13 +15929,8 @@
                 </a:r>
                 <a:r>
                   <a:rPr lang="pt-BR" dirty="0"/>
-                  <a:t> das entradas com uma precisão </a:t>
-                </a:r>
-                <a:r>
-                  <a:rPr lang="pt-BR" dirty="0" smtClean="0"/>
-                  <a:t>arbitrária (depende da topologia).</a:t>
-                </a:r>
-                <a:endParaRPr lang="pt-BR" dirty="0"/>
+                  <a:t> das entradas com uma precisão arbitrária (depende da topologia).</a:t>
+                </a:r>
               </a:p>
               <a:p>
                 <a:r>
@@ -13831,148 +16055,7 @@
 </p:sld>
 </file>
 
-<file path=ppt/slides/slide2.xml><?xml version="1.0" encoding="utf-8"?>
-<p:sld xmlns:a="http://schemas.openxmlformats.org/drawingml/2006/main" xmlns:r="http://schemas.openxmlformats.org/officeDocument/2006/relationships" xmlns:p="http://schemas.openxmlformats.org/presentationml/2006/main">
-  <p:cSld>
-    <p:spTree>
-      <p:nvGrpSpPr>
-        <p:cNvPr id="1" name=""/>
-        <p:cNvGrpSpPr/>
-        <p:nvPr/>
-      </p:nvGrpSpPr>
-      <p:grpSpPr>
-        <a:xfrm>
-          <a:off x="0" y="0"/>
-          <a:ext cx="0" cy="0"/>
-          <a:chOff x="0" y="0"/>
-          <a:chExt cx="0" cy="0"/>
-        </a:xfrm>
-      </p:grpSpPr>
-      <p:sp>
-        <p:nvSpPr>
-          <p:cNvPr id="2" name="Title 1"/>
-          <p:cNvSpPr>
-            <a:spLocks noGrp="1"/>
-          </p:cNvSpPr>
-          <p:nvPr>
-            <p:ph type="title"/>
-          </p:nvPr>
-        </p:nvSpPr>
-        <p:spPr/>
-        <p:txBody>
-          <a:bodyPr/>
-          <a:lstStyle/>
-          <a:p>
-            <a:r>
-              <a:rPr lang="pt-BR" dirty="0"/>
-              <a:t>Recapitulando</a:t>
-            </a:r>
-          </a:p>
-        </p:txBody>
-      </p:sp>
-      <p:sp>
-        <p:nvSpPr>
-          <p:cNvPr id="3" name="Content Placeholder 2"/>
-          <p:cNvSpPr>
-            <a:spLocks noGrp="1"/>
-          </p:cNvSpPr>
-          <p:nvPr>
-            <p:ph idx="1"/>
-          </p:nvPr>
-        </p:nvSpPr>
-        <p:spPr>
-          <a:xfrm>
-            <a:off x="838199" y="1825624"/>
-            <a:ext cx="10994409" cy="5032376"/>
-          </a:xfrm>
-        </p:spPr>
-        <p:txBody>
-          <a:bodyPr>
-            <a:normAutofit lnSpcReduction="10000"/>
-          </a:bodyPr>
-          <a:lstStyle/>
-          <a:p>
-            <a:r>
-              <a:rPr lang="pt-BR" dirty="0"/>
-              <a:t>Fizemos uma analogia entre um neurônio e os modelos de McCulloch e Pitts e do Perceptron.</a:t>
-            </a:r>
-          </a:p>
-          <a:p>
-            <a:r>
-              <a:rPr lang="pt-BR" dirty="0"/>
-              <a:t>Vimos a evolução do modelo de McCulloch e Pitts para o </a:t>
-            </a:r>
-            <a:r>
-              <a:rPr lang="pt-BR" dirty="0" err="1"/>
-              <a:t>Perceptron</a:t>
-            </a:r>
-            <a:r>
-              <a:rPr lang="pt-BR" dirty="0"/>
-              <a:t>.</a:t>
-            </a:r>
-          </a:p>
-          <a:p>
-            <a:r>
-              <a:rPr lang="pt-BR" dirty="0"/>
-              <a:t>Aprendemos suas características, diferenças e como ambos funcionam.</a:t>
-            </a:r>
-          </a:p>
-          <a:p>
-            <a:r>
-              <a:rPr lang="pt-BR" dirty="0"/>
-              <a:t>Verificamos que um Perceptron é semelhante ao regressor logístico.</a:t>
-            </a:r>
-          </a:p>
-          <a:p>
-            <a:r>
-              <a:rPr lang="pt-BR" dirty="0"/>
-              <a:t>Constatamos que um </a:t>
-            </a:r>
-            <a:r>
-              <a:rPr lang="pt-BR" b="1" i="1" dirty="0"/>
-              <a:t>único </a:t>
-            </a:r>
-            <a:r>
-              <a:rPr lang="pt-BR" dirty="0"/>
-              <a:t>Perceptron não é capaz de separar classes não-lineares, como por exemplo, o problema do XOR.</a:t>
-            </a:r>
-          </a:p>
-          <a:p>
-            <a:r>
-              <a:rPr lang="pt-BR" dirty="0"/>
-              <a:t>Porém, quando combinamos vários deles, conseguimos criar um separador não-linear.</a:t>
-            </a:r>
-          </a:p>
-          <a:p>
-            <a:r>
-              <a:rPr lang="pt-BR" dirty="0"/>
-              <a:t>Neste tópico, veremos que esta união de Perceptrons origina o que chamamos de </a:t>
-            </a:r>
-            <a:r>
-              <a:rPr lang="pt-BR" b="1" i="1" dirty="0"/>
-              <a:t>redes neurais artificiais</a:t>
-            </a:r>
-            <a:r>
-              <a:rPr lang="pt-BR" dirty="0"/>
-              <a:t>.</a:t>
-            </a:r>
-          </a:p>
-        </p:txBody>
-      </p:sp>
-    </p:spTree>
-    <p:extLst>
-      <p:ext uri="{BB962C8B-B14F-4D97-AF65-F5344CB8AC3E}">
-        <p14:creationId xmlns:p14="http://schemas.microsoft.com/office/powerpoint/2010/main" val="3946202173"/>
-      </p:ext>
-    </p:extLst>
-  </p:cSld>
-  <p:clrMapOvr>
-    <a:masterClrMapping/>
-  </p:clrMapOvr>
-</p:sld>
-</file>
-
-<file path=ppt/slides/slide20.xml><?xml version="1.0" encoding="utf-8"?>
+<file path=ppt/slides/slide22.xml><?xml version="1.0" encoding="utf-8"?>
 <p:sld xmlns:a="http://schemas.openxmlformats.org/drawingml/2006/main" xmlns:r="http://schemas.openxmlformats.org/officeDocument/2006/relationships" xmlns:p="http://schemas.openxmlformats.org/presentationml/2006/main">
   <p:cSld>
     <p:spTree>
@@ -14324,32 +16407,20 @@
           <a:lstStyle/>
           <a:p>
             <a:r>
-              <a:rPr lang="pt-BR" dirty="0" smtClean="0"/>
-              <a:t>Fig. 1: Um </a:t>
-            </a:r>
-            <a:r>
               <a:rPr lang="pt-BR" dirty="0"/>
-              <a:t>nó aproxima uma função de limiar suave. </a:t>
-            </a:r>
-          </a:p>
-          <a:p>
-            <a:r>
-              <a:rPr lang="pt-BR" dirty="0" smtClean="0"/>
-              <a:t>Fig. 2: Combinando </a:t>
-            </a:r>
+              <a:t>Fig. 1: Um nó aproxima uma função de limiar suave. </a:t>
+            </a:r>
+          </a:p>
+          <a:p>
             <a:r>
               <a:rPr lang="pt-BR" dirty="0"/>
-              <a:t>duas funções de limiar suave com direções opostas, podemos obter uma função em formato de onda.</a:t>
-            </a:r>
-          </a:p>
-          <a:p>
-            <a:r>
-              <a:rPr lang="pt-BR" dirty="0" smtClean="0"/>
-              <a:t>Fig. 3: Combinando </a:t>
-            </a:r>
+              <a:t>Fig. 2: Combinando duas funções de limiar suave com direções opostas, podemos obter uma função em formato de onda.</a:t>
+            </a:r>
+          </a:p>
+          <a:p>
             <a:r>
               <a:rPr lang="pt-BR" dirty="0"/>
-              <a:t>duas ondas perpendiculares, nós obtemos uma função em formato cilíndrico.</a:t>
+              <a:t>Fig. 3: Combinando duas ondas perpendiculares, nós obtemos uma função em formato cilíndrico.</a:t>
             </a:r>
           </a:p>
         </p:txBody>
@@ -14405,17 +16476,10 @@
   <p:clrMapOvr>
     <a:masterClrMapping/>
   </p:clrMapOvr>
-  <p:timing>
-    <p:tnLst>
-      <p:par>
-        <p:cTn id="1" dur="indefinite" restart="never" nodeType="tmRoot"/>
-      </p:par>
-    </p:tnLst>
-  </p:timing>
 </p:sld>
 </file>
 
-<file path=ppt/slides/slide21.xml><?xml version="1.0" encoding="utf-8"?>
+<file path=ppt/slides/slide23.xml><?xml version="1.0" encoding="utf-8"?>
 <p:sld xmlns:a="http://schemas.openxmlformats.org/drawingml/2006/main" xmlns:r="http://schemas.openxmlformats.org/officeDocument/2006/relationships" xmlns:p="http://schemas.openxmlformats.org/presentationml/2006/main">
   <p:cSld>
     <p:spTree>
@@ -15387,17 +17451,10 @@
   <p:clrMapOvr>
     <a:masterClrMapping/>
   </p:clrMapOvr>
-  <p:timing>
-    <p:tnLst>
-      <p:par>
-        <p:cTn id="1" dur="indefinite" restart="never" nodeType="tmRoot"/>
-      </p:par>
-    </p:tnLst>
-  </p:timing>
 </p:sld>
 </file>
 
-<file path=ppt/slides/slide22.xml><?xml version="1.0" encoding="utf-8"?>
+<file path=ppt/slides/slide24.xml><?xml version="1.0" encoding="utf-8"?>
 <p:sld xmlns:a="http://schemas.openxmlformats.org/drawingml/2006/main" xmlns:r="http://schemas.openxmlformats.org/officeDocument/2006/relationships" xmlns:p="http://schemas.openxmlformats.org/presentationml/2006/main">
   <p:cSld>
     <p:spTree>
@@ -15546,7 +17603,7 @@
 </p:sld>
 </file>
 
-<file path=ppt/slides/slide23.xml><?xml version="1.0" encoding="utf-8"?>
+<file path=ppt/slides/slide25.xml><?xml version="1.0" encoding="utf-8"?>
 <p:sld xmlns:a="http://schemas.openxmlformats.org/drawingml/2006/main" xmlns:r="http://schemas.openxmlformats.org/officeDocument/2006/relationships" xmlns:p="http://schemas.openxmlformats.org/presentationml/2006/main">
   <p:cSld>
     <p:spTree>
@@ -15568,7 +17625,7 @@
           <p:cNvPr id="4" name="Título 1">
             <a:extLst>
               <a:ext uri="{FF2B5EF4-FFF2-40B4-BE49-F238E27FC236}">
-                <a16:creationId xmlns:a16="http://schemas.microsoft.com/office/drawing/2014/main" xmlns="" id="{32666AC8-2E17-4DB4-B0F5-60C640CCFD2E}"/>
+                <a16:creationId xmlns:a16="http://schemas.microsoft.com/office/drawing/2014/main" id="{32666AC8-2E17-4DB4-B0F5-60C640CCFD2E}"/>
               </a:ext>
             </a:extLst>
           </p:cNvPr>
@@ -15631,7 +17688,7 @@
 </p:sld>
 </file>
 
-<file path=ppt/slides/slide24.xml><?xml version="1.0" encoding="utf-8"?>
+<file path=ppt/slides/slide26.xml><?xml version="1.0" encoding="utf-8"?>
 <p:sld xmlns:a="http://schemas.openxmlformats.org/drawingml/2006/main" xmlns:r="http://schemas.openxmlformats.org/officeDocument/2006/relationships" xmlns:p="http://schemas.openxmlformats.org/presentationml/2006/main">
   <p:cSld>
     <p:spTree>
@@ -15905,7 +17962,7 @@
 </p:sld>
 </file>
 
-<file path=ppt/slides/slide25.xml><?xml version="1.0" encoding="utf-8"?>
+<file path=ppt/slides/slide27.xml><?xml version="1.0" encoding="utf-8"?>
 <p:sld xmlns:a="http://schemas.openxmlformats.org/drawingml/2006/main" xmlns:r="http://schemas.openxmlformats.org/officeDocument/2006/relationships" xmlns:p="http://schemas.openxmlformats.org/presentationml/2006/main">
   <p:cSld>
     <p:spTree>
@@ -15927,7 +17984,7 @@
           <p:cNvPr id="4" name="Título 1">
             <a:extLst>
               <a:ext uri="{FF2B5EF4-FFF2-40B4-BE49-F238E27FC236}">
-                <a16:creationId xmlns:a16="http://schemas.microsoft.com/office/drawing/2014/main" xmlns="" id="{32666AC8-2E17-4DB4-B0F5-60C640CCFD2E}"/>
+                <a16:creationId xmlns:a16="http://schemas.microsoft.com/office/drawing/2014/main" id="{32666AC8-2E17-4DB4-B0F5-60C640CCFD2E}"/>
               </a:ext>
             </a:extLst>
           </p:cNvPr>
@@ -15990,7 +18047,7 @@
 </p:sld>
 </file>
 
-<file path=ppt/slides/slide26.xml><?xml version="1.0" encoding="utf-8"?>
+<file path=ppt/slides/slide28.xml><?xml version="1.0" encoding="utf-8"?>
 <p:sld xmlns:a="http://schemas.openxmlformats.org/drawingml/2006/main" xmlns:r="http://schemas.openxmlformats.org/officeDocument/2006/relationships" xmlns:p="http://schemas.openxmlformats.org/presentationml/2006/main">
   <p:cSld>
     <p:spTree>
@@ -17666,15 +19723,7 @@
             </a:r>
             <a:r>
               <a:rPr lang="pt-BR" dirty="0"/>
-              <a:t> </a:t>
-            </a:r>
-            <a:r>
-              <a:rPr lang="pt-BR" dirty="0" smtClean="0"/>
-              <a:t>(do inglês</a:t>
-            </a:r>
-            <a:r>
-              <a:rPr lang="pt-BR" dirty="0"/>
-              <a:t>, </a:t>
+              <a:t> (do inglês, </a:t>
             </a:r>
             <a:r>
               <a:rPr lang="pt-BR" i="1" dirty="0"/>
@@ -17883,7 +19932,7 @@
           <a:lstStyle/>
           <a:p>
             <a:r>
-              <a:rPr lang="pt-BR" dirty="0" smtClean="0"/>
+              <a:rPr lang="pt-BR" dirty="0"/>
               <a:t>Uma rede MLP é sempre densamente conectada.</a:t>
             </a:r>
           </a:p>
@@ -17893,27 +19942,14 @@
               <a:buChar char="§"/>
             </a:pPr>
             <a:r>
-              <a:rPr lang="pt-BR" dirty="0" smtClean="0"/>
-              <a:t>Cada </a:t>
-            </a:r>
-            <a:r>
               <a:rPr lang="pt-BR" dirty="0"/>
-              <a:t>nó em uma camada se conecta a cada nó na camada </a:t>
-            </a:r>
-            <a:r>
-              <a:rPr lang="pt-BR" dirty="0" smtClean="0"/>
-              <a:t>seguinte através de um peso sináptico.</a:t>
-            </a:r>
-            <a:endParaRPr lang="pt-BR" dirty="0" smtClean="0"/>
-          </a:p>
-          <a:p>
-            <a:r>
-              <a:rPr lang="pt-BR" dirty="0" smtClean="0"/>
-              <a:t>Um </a:t>
-            </a:r>
+              <a:t>Cada nó em uma camada se conecta a cada nó na camada seguinte através de um peso sináptico.</a:t>
+            </a:r>
+          </a:p>
+          <a:p>
             <a:r>
               <a:rPr lang="pt-BR" dirty="0"/>
-              <a:t>exemplo de rede </a:t>
+              <a:t>Um exemplo de rede </a:t>
             </a:r>
             <a:r>
               <a:rPr lang="pt-BR" b="1" i="1" dirty="0"/>
@@ -17937,15 +19973,7 @@
             </a:pPr>
             <a:r>
               <a:rPr lang="pt-BR" dirty="0"/>
-              <a:t>Quando uma RNA tem </a:t>
-            </a:r>
-            <a:r>
-              <a:rPr lang="pt-BR" dirty="0" smtClean="0"/>
-              <a:t>duas ou </a:t>
-            </a:r>
-            <a:r>
-              <a:rPr lang="pt-BR" dirty="0"/>
-              <a:t>mais camadas escondidas, ela é chamada de </a:t>
+              <a:t>Quando uma RNA tem duas ou mais camadas escondidas, ela é chamada de </a:t>
             </a:r>
             <a:r>
               <a:rPr lang="pt-BR" b="1" i="1" dirty="0"/>
@@ -17971,11 +19999,7 @@
             </a:r>
             <a:r>
               <a:rPr lang="pt-BR" dirty="0"/>
-              <a:t>.: Em particular, uma MLP pode resolver o problema do </a:t>
-            </a:r>
-            <a:r>
-              <a:rPr lang="pt-BR" dirty="0" smtClean="0"/>
-              <a:t>XOR.</a:t>
+              <a:t>.: Em particular, uma MLP pode resolver o problema do XOR.</a:t>
             </a:r>
           </a:p>
           <a:p>
@@ -17984,12 +20008,8 @@
               <a:buChar char="§"/>
             </a:pPr>
             <a:r>
-              <a:rPr lang="pt-BR" dirty="0" smtClean="0"/>
-              <a:t>Lembrem-se </a:t>
-            </a:r>
-            <a:r>
               <a:rPr lang="pt-BR" dirty="0"/>
-              <a:t>que um único </a:t>
+              <a:t>Lembrem-se que um único </a:t>
             </a:r>
             <a:r>
               <a:rPr lang="pt-BR" b="1" i="1" dirty="0"/>
@@ -17997,13 +20017,8 @@
             </a:r>
             <a:r>
               <a:rPr lang="pt-BR" dirty="0"/>
-              <a:t> não é capaz de realizar essa </a:t>
-            </a:r>
-            <a:r>
-              <a:rPr lang="pt-BR" dirty="0" smtClean="0"/>
-              <a:t>tarefa.</a:t>
-            </a:r>
-            <a:endParaRPr lang="pt-BR" dirty="0"/>
+              <a:t> não é capaz de realizar essa tarefa.</a:t>
+            </a:r>
           </a:p>
         </p:txBody>
       </p:sp>
@@ -18279,21 +20294,8 @@
             </a:r>
             <a:r>
               <a:rPr lang="pt-BR" dirty="0"/>
-              <a:t>utilizadas não serem </a:t>
-            </a:r>
-            <a:r>
-              <a:rPr lang="pt-BR" dirty="0" smtClean="0"/>
-              <a:t>lineares, e.g</a:t>
-            </a:r>
-            <a:r>
-              <a:rPr lang="pt-BR" dirty="0" smtClean="0"/>
-              <a:t>., função logística, tangente hiperbólica, etc</a:t>
-            </a:r>
-            <a:r>
-              <a:rPr lang="pt-BR" dirty="0" smtClean="0"/>
-              <a:t>.</a:t>
-            </a:r>
-            <a:endParaRPr lang="pt-BR" dirty="0"/>
+              <a:t>utilizadas não serem lineares, e.g., função logística, tangente hiperbólica, etc.</a:t>
+            </a:r>
           </a:p>
           <a:p>
             <a:r>
@@ -18417,8 +20419,8 @@
           </a:p>
         </p:txBody>
       </p:sp>
-      <mc:AlternateContent xmlns:mc="http://schemas.openxmlformats.org/markup-compatibility/2006">
-        <mc:Choice xmlns:a14="http://schemas.microsoft.com/office/drawing/2010/main" Requires="a14">
+      <mc:AlternateContent xmlns:mc="http://schemas.openxmlformats.org/markup-compatibility/2006" xmlns:a14="http://schemas.microsoft.com/office/drawing/2010/main">
+        <mc:Choice Requires="a14">
           <p:sp>
             <p:nvSpPr>
               <p:cNvPr id="3" name="Content Placeholder 2"/>
@@ -18673,15 +20675,7 @@
                 </a14:m>
                 <a:r>
                   <a:rPr lang="pt-BR" dirty="0"/>
-                  <a:t> </a:t>
-                </a:r>
-                <a:r>
-                  <a:rPr lang="pt-BR" dirty="0" smtClean="0"/>
-                  <a:t>(o atributo de bias) sempre </a:t>
-                </a:r>
-                <a:r>
-                  <a:rPr lang="pt-BR" dirty="0"/>
-                  <a:t>com valor igual a 1 e um peso associado </a:t>
+                  <a:t> (o atributo de bias) sempre com valor igual a 1 e um peso associado </a:t>
                 </a:r>
                 <a14:m>
                   <m:oMath xmlns:m="http://schemas.openxmlformats.org/officeDocument/2006/math">
@@ -18722,7 +20716,6 @@
                   <a:rPr lang="pt-BR" dirty="0"/>
                   <a:t>. </a:t>
                 </a:r>
-                <a:endParaRPr lang="pt-BR" dirty="0" smtClean="0"/>
               </a:p>
               <a:p>
                 <a:pPr lvl="1">
@@ -18730,12 +20723,8 @@
                   <a:buChar char="§"/>
                 </a:pPr>
                 <a:r>
-                  <a:rPr lang="pt-BR" dirty="0" smtClean="0"/>
-                  <a:t>Ou </a:t>
-                </a:r>
-                <a:r>
                   <a:rPr lang="pt-BR" dirty="0"/>
-                  <a:t>seja, esta entrada </a:t>
+                  <a:t>Ou seja, esta entrada </a:t>
                 </a:r>
                 <a:r>
                   <a:rPr lang="pt-BR" b="1" i="1" dirty="0"/>
@@ -18931,15 +20920,7 @@
                 </a:r>
                 <a:r>
                   <a:rPr lang="pt-BR" dirty="0"/>
-                  <a:t> </a:t>
-                </a:r>
-                <a:r>
-                  <a:rPr lang="pt-BR" dirty="0" smtClean="0"/>
-                  <a:t>(i.e., de limiar</a:t>
-                </a:r>
-                <a:r>
-                  <a:rPr lang="pt-BR" dirty="0"/>
-                  <a:t>), </a:t>
+                  <a:t> (i.e., de limiar), </a:t>
                 </a:r>
                 <a14:m>
                   <m:oMath xmlns:m="http://schemas.openxmlformats.org/officeDocument/2006/math">
@@ -19236,30 +21217,13 @@
               <a:p>
                 <a:r>
                   <a:rPr lang="pt-BR" dirty="0"/>
-                  <a:t>Cada camada </a:t>
-                </a:r>
-                <a:r>
-                  <a:rPr lang="pt-BR" dirty="0" smtClean="0"/>
-                  <a:t>pode </a:t>
-                </a:r>
-                <a:r>
-                  <a:rPr lang="pt-BR" dirty="0"/>
-                  <a:t>usar funções de ativação </a:t>
-                </a:r>
-                <a:r>
-                  <a:rPr lang="pt-BR" dirty="0" smtClean="0"/>
-                  <a:t>diferentes, mas a mesma camada usa a </a:t>
-                </a:r>
-                <a:r>
-                  <a:rPr lang="pt-BR" dirty="0"/>
-                  <a:t>mesma função, em geral.</a:t>
-                </a:r>
-                <a:endParaRPr lang="pt-BR" dirty="0"/>
+                  <a:t>Cada camada pode usar funções de ativação diferentes, mas a mesma camada usa a mesma função, em geral.</a:t>
+                </a:r>
               </a:p>
             </p:txBody>
           </p:sp>
         </mc:Choice>
-        <mc:Fallback>
+        <mc:Fallback xmlns="">
           <p:sp>
             <p:nvSpPr>
               <p:cNvPr id="3" name="Content Placeholder 2"/>
@@ -19327,8 +21291,8 @@
           </a:prstGeom>
         </p:spPr>
       </p:pic>
-      <mc:AlternateContent xmlns:mc="http://schemas.openxmlformats.org/markup-compatibility/2006">
-        <mc:Choice xmlns:a14="http://schemas.microsoft.com/office/drawing/2010/main" Requires="a14">
+      <mc:AlternateContent xmlns:mc="http://schemas.openxmlformats.org/markup-compatibility/2006" xmlns:a14="http://schemas.microsoft.com/office/drawing/2010/main">
+        <mc:Choice Requires="a14">
           <p:sp>
             <p:nvSpPr>
               <p:cNvPr id="5" name="TextBox 4"/>
@@ -19660,7 +21624,7 @@
             </p:txBody>
           </p:sp>
         </mc:Choice>
-        <mc:Fallback>
+        <mc:Fallback xmlns="">
           <p:sp>
             <p:nvSpPr>
               <p:cNvPr id="5" name="TextBox 4"/>
@@ -19780,8 +21744,8 @@
           </a:p>
         </p:txBody>
       </p:sp>
-      <mc:AlternateContent xmlns:mc="http://schemas.openxmlformats.org/markup-compatibility/2006">
-        <mc:Choice xmlns:a14="http://schemas.microsoft.com/office/drawing/2010/main" Requires="a14">
+      <mc:AlternateContent xmlns:mc="http://schemas.openxmlformats.org/markup-compatibility/2006" xmlns:a14="http://schemas.microsoft.com/office/drawing/2010/main">
+        <mc:Choice Requires="a14">
           <p:sp>
             <p:nvSpPr>
               <p:cNvPr id="3" name="Content Placeholder 2"/>
@@ -19805,12 +21769,8 @@
               <a:lstStyle/>
               <a:p>
                 <a:r>
-                  <a:rPr lang="pt-BR" dirty="0" smtClean="0"/>
-                  <a:t>Devido </a:t>
-                </a:r>
-                <a:r>
                   <a:rPr lang="pt-BR" dirty="0"/>
-                  <a:t>suas características, não se utiliza a </a:t>
+                  <a:t>Devido suas características, não se utiliza a </a:t>
                 </a:r>
                 <a:r>
                   <a:rPr lang="pt-BR" b="1" i="1" dirty="0"/>
@@ -19821,11 +21781,11 @@
                   <a:t> como função de ativação em </a:t>
                 </a:r>
                 <a:r>
-                  <a:rPr lang="pt-BR" dirty="0" err="1" smtClean="0"/>
+                  <a:rPr lang="pt-BR" dirty="0" err="1"/>
                   <a:t>MLPs</a:t>
                 </a:r>
                 <a:r>
-                  <a:rPr lang="pt-BR" dirty="0" smtClean="0"/>
+                  <a:rPr lang="pt-BR" dirty="0"/>
                   <a:t>.</a:t>
                 </a:r>
               </a:p>
@@ -19835,10 +21795,9 @@
                   <a:buChar char="§"/>
                 </a:pPr>
                 <a:r>
-                  <a:rPr lang="pt-BR" dirty="0" smtClean="0"/>
+                  <a:rPr lang="pt-BR" dirty="0"/>
                   <a:t>Derivada sempre igual a zero, exceto na origem, onde é indeterminada. </a:t>
                 </a:r>
-                <a:endParaRPr lang="pt-BR" dirty="0"/>
               </a:p>
               <a:p>
                 <a:r>
@@ -20188,7 +22147,7 @@
                     </m:oMath>
                   </m:oMathPara>
                 </a14:m>
-                <a:endParaRPr lang="pt-BR" dirty="0" smtClean="0"/>
+                <a:endParaRPr lang="pt-BR" dirty="0"/>
               </a:p>
               <a:p>
                 <a:pPr marL="0" indent="0">
@@ -20196,11 +22155,7 @@
                 </a:pPr>
                 <a:r>
                   <a:rPr lang="pt-BR" dirty="0"/>
-                  <a:t>o</a:t>
-                </a:r>
-                <a:r>
-                  <a:rPr lang="pt-BR" dirty="0" smtClean="0"/>
-                  <a:t>nde </a:t>
+                  <a:t>onde </a:t>
                 </a:r>
                 <a14:m>
                   <m:oMath xmlns:m="http://schemas.openxmlformats.org/officeDocument/2006/math">
@@ -20232,15 +22187,15 @@
                   </m:oMath>
                 </a14:m>
                 <a:r>
-                  <a:rPr lang="pt-BR" dirty="0" smtClean="0"/>
+                  <a:rPr lang="pt-BR" dirty="0"/>
                   <a:t> é a </a:t>
                 </a:r>
                 <a:r>
-                  <a:rPr lang="pt-BR" b="1" i="1" dirty="0" smtClean="0"/>
+                  <a:rPr lang="pt-BR" b="1" i="1" dirty="0"/>
                   <a:t>combinação linear das entradas do nó</a:t>
                 </a:r>
                 <a:r>
-                  <a:rPr lang="pt-BR" dirty="0" smtClean="0"/>
+                  <a:rPr lang="pt-BR" dirty="0"/>
                   <a:t>, i.e., </a:t>
                 </a:r>
                 <a14:m>
@@ -20272,10 +22227,9 @@
                   </m:oMath>
                 </a14:m>
                 <a:r>
-                  <a:rPr lang="pt-BR" dirty="0" smtClean="0"/>
+                  <a:rPr lang="pt-BR" dirty="0"/>
                   <a:t>.</a:t>
                 </a:r>
-                <a:endParaRPr lang="pt-BR" dirty="0"/>
               </a:p>
               <a:p>
                 <a:r>
@@ -20566,7 +22520,7 @@
             </p:txBody>
           </p:sp>
         </mc:Choice>
-        <mc:Fallback>
+        <mc:Fallback xmlns="">
           <p:sp>
             <p:nvSpPr>
               <p:cNvPr id="3" name="Content Placeholder 2"/>
@@ -20656,8 +22610,8 @@
           </a:p>
         </p:txBody>
       </p:sp>
-      <mc:AlternateContent xmlns:mc="http://schemas.openxmlformats.org/markup-compatibility/2006">
-        <mc:Choice xmlns:a14="http://schemas.microsoft.com/office/drawing/2010/main" Requires="a14">
+      <mc:AlternateContent xmlns:mc="http://schemas.openxmlformats.org/markup-compatibility/2006" xmlns:a14="http://schemas.microsoft.com/office/drawing/2010/main">
+        <mc:Choice Requires="a14">
           <p:sp>
             <p:nvSpPr>
               <p:cNvPr id="3" name="Content Placeholder 2"/>
@@ -20712,17 +22666,12 @@
                 </a:r>
                 <a:r>
                   <a:rPr lang="pt-BR" b="1" i="1" dirty="0"/>
-                  <a:t>sempre será menor do que </a:t>
-                </a:r>
-                <a:r>
-                  <a:rPr lang="pt-BR" b="1" i="1" dirty="0" smtClean="0"/>
-                  <a:t>1, sendo no máximo igual a 0.25</a:t>
-                </a:r>
-                <a:r>
-                  <a:rPr lang="pt-BR" dirty="0" smtClean="0"/>
+                  <a:t>sempre será menor do que 1, sendo no máximo igual a 0.25</a:t>
+                </a:r>
+                <a:r>
+                  <a:rPr lang="pt-BR" dirty="0"/>
                   <a:t>.</a:t>
                 </a:r>
-                <a:endParaRPr lang="pt-BR" dirty="0"/>
               </a:p>
               <a:p>
                 <a:r>
@@ -20733,7 +22682,7 @@
             </p:txBody>
           </p:sp>
         </mc:Choice>
-        <mc:Fallback>
+        <mc:Fallback xmlns="">
           <p:sp>
             <p:nvSpPr>
               <p:cNvPr id="3" name="Content Placeholder 2"/>
@@ -20882,7 +22831,7 @@
           <p:cNvPr id="6" name="Conector de Seta Reta 5">
             <a:extLst>
               <a:ext uri="{FF2B5EF4-FFF2-40B4-BE49-F238E27FC236}">
-                <a16:creationId xmlns:a16="http://schemas.microsoft.com/office/drawing/2014/main" xmlns="" id="{022BDF03-3B8A-4862-8739-B578666F19DF}"/>
+                <a16:creationId xmlns:a16="http://schemas.microsoft.com/office/drawing/2014/main" id="{022BDF03-3B8A-4862-8739-B578666F19DF}"/>
               </a:ext>
             </a:extLst>
           </p:cNvPr>
@@ -20926,7 +22875,7 @@
           <p:cNvPr id="17" name="Conector de Seta Reta 16">
             <a:extLst>
               <a:ext uri="{FF2B5EF4-FFF2-40B4-BE49-F238E27FC236}">
-                <a16:creationId xmlns:a16="http://schemas.microsoft.com/office/drawing/2014/main" xmlns="" id="{073FE868-325A-4FF4-BD4C-B8FFB02A80A3}"/>
+                <a16:creationId xmlns:a16="http://schemas.microsoft.com/office/drawing/2014/main" id="{073FE868-325A-4FF4-BD4C-B8FFB02A80A3}"/>
               </a:ext>
             </a:extLst>
           </p:cNvPr>
@@ -20970,7 +22919,7 @@
           <p:cNvPr id="13" name="Conector de Seta Reta 5">
             <a:extLst>
               <a:ext uri="{FF2B5EF4-FFF2-40B4-BE49-F238E27FC236}">
-                <a16:creationId xmlns:a16="http://schemas.microsoft.com/office/drawing/2014/main" xmlns="" id="{022BDF03-3B8A-4862-8739-B578666F19DF}"/>
+                <a16:creationId xmlns:a16="http://schemas.microsoft.com/office/drawing/2014/main" id="{022BDF03-3B8A-4862-8739-B578666F19DF}"/>
               </a:ext>
             </a:extLst>
           </p:cNvPr>
@@ -21009,14 +22958,14 @@
           </a:fontRef>
         </p:style>
       </p:cxnSp>
-      <mc:AlternateContent xmlns:mc="http://schemas.openxmlformats.org/markup-compatibility/2006">
-        <mc:Choice xmlns:a14="http://schemas.microsoft.com/office/drawing/2010/main" Requires="a14">
+      <mc:AlternateContent xmlns:mc="http://schemas.openxmlformats.org/markup-compatibility/2006" xmlns:a14="http://schemas.microsoft.com/office/drawing/2010/main">
+        <mc:Choice Requires="a14">
           <p:sp>
             <p:nvSpPr>
               <p:cNvPr id="18" name="CaixaDeTexto 17">
                 <a:extLst>
                   <a:ext uri="{FF2B5EF4-FFF2-40B4-BE49-F238E27FC236}">
-                    <a16:creationId xmlns:a16="http://schemas.microsoft.com/office/drawing/2014/main" xmlns="" id="{4CCEF927-B8CC-4C90-A772-24E6A0CFD474}"/>
+                    <a16:creationId xmlns:a16="http://schemas.microsoft.com/office/drawing/2014/main" id="{4CCEF927-B8CC-4C90-A772-24E6A0CFD474}"/>
                   </a:ext>
                 </a:extLst>
               </p:cNvPr>
@@ -21041,22 +22990,22 @@
               <a:p>
                 <a:pPr algn="ctr"/>
                 <a:r>
-                  <a:rPr lang="en-US" sz="1200" dirty="0" smtClean="0"/>
+                  <a:rPr lang="en-US" sz="1200" dirty="0"/>
                   <a:t>s</a:t>
                 </a:r>
                 <a:r>
-                  <a:rPr lang="en-US" sz="1200" dirty="0" err="1" smtClean="0"/>
+                  <a:rPr lang="en-US" sz="1200" dirty="0" err="1"/>
                   <a:t>aturação</a:t>
                 </a:r>
                 <a:r>
-                  <a:rPr lang="en-US" sz="1200" dirty="0" smtClean="0"/>
+                  <a:rPr lang="en-US" sz="1200" dirty="0"/>
                   <a:t>:</a:t>
                 </a:r>
               </a:p>
               <a:p>
                 <a:pPr algn="ctr"/>
                 <a:r>
-                  <a:rPr lang="en-US" sz="1200" dirty="0" smtClean="0"/>
+                  <a:rPr lang="en-US" sz="1200" dirty="0"/>
                   <a:t>valor de </a:t>
                 </a:r>
                 <a14:m>
@@ -21070,23 +23019,23 @@
                   </m:oMath>
                 </a14:m>
                 <a:r>
-                  <a:rPr lang="en-US" sz="1200" dirty="0" smtClean="0"/>
+                  <a:rPr lang="en-US" sz="1200" dirty="0"/>
                   <a:t> </a:t>
                 </a:r>
                 <a:r>
-                  <a:rPr lang="en-US" sz="1200" dirty="0" err="1" smtClean="0"/>
+                  <a:rPr lang="en-US" sz="1200" dirty="0" err="1"/>
                   <a:t>tende</a:t>
                 </a:r>
                 <a:r>
-                  <a:rPr lang="en-US" sz="1200" dirty="0" smtClean="0"/>
+                  <a:rPr lang="en-US" sz="1200" dirty="0"/>
                   <a:t> a 1 </a:t>
                 </a:r>
                 <a:r>
-                  <a:rPr lang="en-US" sz="1200" dirty="0" err="1" smtClean="0"/>
+                  <a:rPr lang="en-US" sz="1200" dirty="0" err="1"/>
                   <a:t>quando</a:t>
                 </a:r>
                 <a:r>
-                  <a:rPr lang="en-US" sz="1200" dirty="0" smtClean="0"/>
+                  <a:rPr lang="en-US" sz="1200" dirty="0"/>
                   <a:t> </a:t>
                 </a:r>
                 <a14:m>
@@ -21125,15 +23074,14 @@
                   </m:oMath>
                 </a14:m>
                 <a:r>
-                  <a:rPr lang="en-US" sz="1200" dirty="0" smtClean="0"/>
+                  <a:rPr lang="en-US" sz="1200" dirty="0"/>
                   <a:t>. </a:t>
                 </a:r>
-                <a:endParaRPr lang="en-US" sz="1200" dirty="0"/>
               </a:p>
             </p:txBody>
           </p:sp>
         </mc:Choice>
-        <mc:Fallback>
+        <mc:Fallback xmlns="">
           <p:sp>
             <p:nvSpPr>
               <p:cNvPr id="18" name="CaixaDeTexto 17">
@@ -21178,14 +23126,14 @@
           </p:sp>
         </mc:Fallback>
       </mc:AlternateContent>
-      <mc:AlternateContent xmlns:mc="http://schemas.openxmlformats.org/markup-compatibility/2006">
-        <mc:Choice xmlns:a14="http://schemas.microsoft.com/office/drawing/2010/main" Requires="a14">
+      <mc:AlternateContent xmlns:mc="http://schemas.openxmlformats.org/markup-compatibility/2006" xmlns:a14="http://schemas.microsoft.com/office/drawing/2010/main">
+        <mc:Choice Requires="a14">
           <p:sp>
             <p:nvSpPr>
               <p:cNvPr id="20" name="CaixaDeTexto 19">
                 <a:extLst>
                   <a:ext uri="{FF2B5EF4-FFF2-40B4-BE49-F238E27FC236}">
-                    <a16:creationId xmlns:a16="http://schemas.microsoft.com/office/drawing/2014/main" xmlns="" id="{4CCEF927-B8CC-4C90-A772-24E6A0CFD474}"/>
+                    <a16:creationId xmlns:a16="http://schemas.microsoft.com/office/drawing/2014/main" id="{4CCEF927-B8CC-4C90-A772-24E6A0CFD474}"/>
                   </a:ext>
                 </a:extLst>
               </p:cNvPr>
@@ -21210,26 +23158,22 @@
               <a:p>
                 <a:pPr algn="ctr"/>
                 <a:r>
-                  <a:rPr lang="en-US" sz="1200" dirty="0" err="1" smtClean="0"/>
-                  <a:t>s</a:t>
-                </a:r>
-                <a:r>
-                  <a:rPr lang="en-US" sz="1200" dirty="0" err="1" smtClean="0"/>
-                  <a:t>aturação</a:t>
-                </a:r>
-                <a:r>
-                  <a:rPr lang="en-US" sz="1200" dirty="0" smtClean="0"/>
+                  <a:rPr lang="en-US" sz="1200" dirty="0" err="1"/>
+                  <a:t>saturação</a:t>
+                </a:r>
+                <a:r>
+                  <a:rPr lang="en-US" sz="1200" dirty="0"/>
                   <a:t>: </a:t>
                 </a:r>
               </a:p>
               <a:p>
                 <a:pPr algn="ctr"/>
                 <a:r>
-                  <a:rPr lang="en-US" sz="1200" dirty="0" err="1" smtClean="0"/>
+                  <a:rPr lang="en-US" sz="1200" dirty="0" err="1"/>
                   <a:t>quando</a:t>
                 </a:r>
                 <a:r>
-                  <a:rPr lang="en-US" sz="1200" dirty="0" smtClean="0"/>
+                  <a:rPr lang="en-US" sz="1200" dirty="0"/>
                   <a:t> </a:t>
                 </a:r>
                 <a14:m>
@@ -21243,38 +23187,38 @@
                   </m:oMath>
                 </a14:m>
                 <a:r>
-                  <a:rPr lang="en-US" sz="1200" dirty="0" smtClean="0"/>
+                  <a:rPr lang="en-US" sz="1200" dirty="0"/>
                   <a:t> </a:t>
                 </a:r>
                 <a:r>
-                  <a:rPr lang="en-US" sz="1200" dirty="0" err="1" smtClean="0"/>
+                  <a:rPr lang="en-US" sz="1200" dirty="0" err="1"/>
                   <a:t>tende</a:t>
                 </a:r>
                 <a:r>
-                  <a:rPr lang="en-US" sz="1200" dirty="0" smtClean="0"/>
+                  <a:rPr lang="en-US" sz="1200" dirty="0"/>
                   <a:t> a 1, a </a:t>
                 </a:r>
                 <a:r>
-                  <a:rPr lang="en-US" sz="1200" dirty="0" err="1" smtClean="0"/>
+                  <a:rPr lang="en-US" sz="1200" dirty="0" err="1"/>
                   <a:t>derivada</a:t>
                 </a:r>
                 <a:r>
-                  <a:rPr lang="en-US" sz="1200" dirty="0" smtClean="0"/>
+                  <a:rPr lang="en-US" sz="1200" dirty="0"/>
                   <a:t> </a:t>
                 </a:r>
                 <a:r>
-                  <a:rPr lang="en-US" sz="1200" dirty="0" err="1" smtClean="0"/>
+                  <a:rPr lang="en-US" sz="1200" dirty="0" err="1"/>
                   <a:t>tende</a:t>
                 </a:r>
                 <a:r>
-                  <a:rPr lang="en-US" sz="1200" dirty="0" smtClean="0"/>
+                  <a:rPr lang="en-US" sz="1200" dirty="0"/>
                   <a:t> a 0.</a:t>
                 </a:r>
               </a:p>
             </p:txBody>
           </p:sp>
         </mc:Choice>
-        <mc:Fallback>
+        <mc:Fallback xmlns="">
           <p:sp>
             <p:nvSpPr>
               <p:cNvPr id="20" name="CaixaDeTexto 19">
@@ -21319,14 +23263,14 @@
           </p:sp>
         </mc:Fallback>
       </mc:AlternateContent>
-      <mc:AlternateContent xmlns:mc="http://schemas.openxmlformats.org/markup-compatibility/2006">
-        <mc:Choice xmlns:a14="http://schemas.microsoft.com/office/drawing/2010/main" Requires="a14">
+      <mc:AlternateContent xmlns:mc="http://schemas.openxmlformats.org/markup-compatibility/2006" xmlns:a14="http://schemas.microsoft.com/office/drawing/2010/main">
+        <mc:Choice Requires="a14">
           <p:sp>
             <p:nvSpPr>
               <p:cNvPr id="21" name="CaixaDeTexto 20">
                 <a:extLst>
                   <a:ext uri="{FF2B5EF4-FFF2-40B4-BE49-F238E27FC236}">
-                    <a16:creationId xmlns:a16="http://schemas.microsoft.com/office/drawing/2014/main" xmlns="" id="{4CCEF927-B8CC-4C90-A772-24E6A0CFD474}"/>
+                    <a16:creationId xmlns:a16="http://schemas.microsoft.com/office/drawing/2014/main" id="{4CCEF927-B8CC-4C90-A772-24E6A0CFD474}"/>
                   </a:ext>
                 </a:extLst>
               </p:cNvPr>
@@ -21351,26 +23295,22 @@
               <a:p>
                 <a:pPr algn="ctr"/>
                 <a:r>
-                  <a:rPr lang="en-US" sz="1200" dirty="0" err="1" smtClean="0"/>
-                  <a:t>s</a:t>
-                </a:r>
-                <a:r>
-                  <a:rPr lang="en-US" sz="1200" dirty="0" err="1" smtClean="0"/>
-                  <a:t>aturação</a:t>
-                </a:r>
-                <a:r>
-                  <a:rPr lang="en-US" sz="1200" dirty="0" smtClean="0"/>
+                  <a:rPr lang="en-US" sz="1200" dirty="0" err="1"/>
+                  <a:t>saturação</a:t>
+                </a:r>
+                <a:r>
+                  <a:rPr lang="en-US" sz="1200" dirty="0"/>
                   <a:t>: </a:t>
                 </a:r>
               </a:p>
               <a:p>
                 <a:pPr algn="ctr"/>
                 <a:r>
-                  <a:rPr lang="en-US" sz="1200" dirty="0" err="1" smtClean="0"/>
+                  <a:rPr lang="en-US" sz="1200" dirty="0" err="1"/>
                   <a:t>quando</a:t>
                 </a:r>
                 <a:r>
-                  <a:rPr lang="en-US" sz="1200" dirty="0" smtClean="0"/>
+                  <a:rPr lang="en-US" sz="1200" dirty="0"/>
                   <a:t> </a:t>
                 </a:r>
                 <a14:m>
@@ -21384,38 +23324,38 @@
                   </m:oMath>
                 </a14:m>
                 <a:r>
-                  <a:rPr lang="en-US" sz="1200" dirty="0" smtClean="0"/>
+                  <a:rPr lang="en-US" sz="1200" dirty="0"/>
                   <a:t> </a:t>
                 </a:r>
                 <a:r>
-                  <a:rPr lang="en-US" sz="1200" dirty="0" err="1" smtClean="0"/>
+                  <a:rPr lang="en-US" sz="1200" dirty="0" err="1"/>
                   <a:t>tende</a:t>
                 </a:r>
                 <a:r>
-                  <a:rPr lang="en-US" sz="1200" dirty="0" smtClean="0"/>
+                  <a:rPr lang="en-US" sz="1200" dirty="0"/>
                   <a:t> a 0, a </a:t>
                 </a:r>
                 <a:r>
-                  <a:rPr lang="en-US" sz="1200" dirty="0" err="1" smtClean="0"/>
+                  <a:rPr lang="en-US" sz="1200" dirty="0" err="1"/>
                   <a:t>derivada</a:t>
                 </a:r>
                 <a:r>
-                  <a:rPr lang="en-US" sz="1200" dirty="0" smtClean="0"/>
+                  <a:rPr lang="en-US" sz="1200" dirty="0"/>
                   <a:t> </a:t>
                 </a:r>
                 <a:r>
-                  <a:rPr lang="en-US" sz="1200" dirty="0" err="1" smtClean="0"/>
+                  <a:rPr lang="en-US" sz="1200" dirty="0" err="1"/>
                   <a:t>tende</a:t>
                 </a:r>
                 <a:r>
-                  <a:rPr lang="en-US" sz="1200" dirty="0" smtClean="0"/>
+                  <a:rPr lang="en-US" sz="1200" dirty="0"/>
                   <a:t> a 0.</a:t>
                 </a:r>
               </a:p>
             </p:txBody>
           </p:sp>
         </mc:Choice>
-        <mc:Fallback>
+        <mc:Fallback xmlns="">
           <p:sp>
             <p:nvSpPr>
               <p:cNvPr id="21" name="CaixaDeTexto 20">
@@ -21460,14 +23400,14 @@
           </p:sp>
         </mc:Fallback>
       </mc:AlternateContent>
-      <mc:AlternateContent xmlns:mc="http://schemas.openxmlformats.org/markup-compatibility/2006">
-        <mc:Choice xmlns:a14="http://schemas.microsoft.com/office/drawing/2010/main" Requires="a14">
+      <mc:AlternateContent xmlns:mc="http://schemas.openxmlformats.org/markup-compatibility/2006" xmlns:a14="http://schemas.microsoft.com/office/drawing/2010/main">
+        <mc:Choice Requires="a14">
           <p:sp>
             <p:nvSpPr>
               <p:cNvPr id="22" name="CaixaDeTexto 21">
                 <a:extLst>
                   <a:ext uri="{FF2B5EF4-FFF2-40B4-BE49-F238E27FC236}">
-                    <a16:creationId xmlns:a16="http://schemas.microsoft.com/office/drawing/2014/main" xmlns="" id="{4CCEF927-B8CC-4C90-A772-24E6A0CFD474}"/>
+                    <a16:creationId xmlns:a16="http://schemas.microsoft.com/office/drawing/2014/main" id="{4CCEF927-B8CC-4C90-A772-24E6A0CFD474}"/>
                   </a:ext>
                 </a:extLst>
               </p:cNvPr>
@@ -21492,22 +23432,22 @@
               <a:p>
                 <a:pPr algn="ctr"/>
                 <a:r>
-                  <a:rPr lang="en-US" sz="1200" dirty="0" smtClean="0"/>
+                  <a:rPr lang="en-US" sz="1200" dirty="0"/>
                   <a:t>s</a:t>
                 </a:r>
                 <a:r>
-                  <a:rPr lang="en-US" sz="1200" dirty="0" err="1" smtClean="0"/>
+                  <a:rPr lang="en-US" sz="1200" dirty="0" err="1"/>
                   <a:t>aturação</a:t>
                 </a:r>
                 <a:r>
-                  <a:rPr lang="en-US" sz="1200" dirty="0" smtClean="0"/>
+                  <a:rPr lang="en-US" sz="1200" dirty="0"/>
                   <a:t>:</a:t>
                 </a:r>
               </a:p>
               <a:p>
                 <a:pPr algn="ctr"/>
                 <a:r>
-                  <a:rPr lang="en-US" sz="1200" dirty="0" smtClean="0"/>
+                  <a:rPr lang="en-US" sz="1200" dirty="0"/>
                   <a:t>valor de </a:t>
                 </a:r>
                 <a14:m>
@@ -21521,23 +23461,23 @@
                   </m:oMath>
                 </a14:m>
                 <a:r>
-                  <a:rPr lang="en-US" sz="1200" dirty="0" smtClean="0"/>
+                  <a:rPr lang="en-US" sz="1200" dirty="0"/>
                   <a:t> </a:t>
                 </a:r>
                 <a:r>
-                  <a:rPr lang="en-US" sz="1200" dirty="0" err="1" smtClean="0"/>
+                  <a:rPr lang="en-US" sz="1200" dirty="0" err="1"/>
                   <a:t>tende</a:t>
                 </a:r>
                 <a:r>
-                  <a:rPr lang="en-US" sz="1200" dirty="0" smtClean="0"/>
+                  <a:rPr lang="en-US" sz="1200" dirty="0"/>
                   <a:t> a 0 </a:t>
                 </a:r>
                 <a:r>
-                  <a:rPr lang="en-US" sz="1200" dirty="0" err="1" smtClean="0"/>
+                  <a:rPr lang="en-US" sz="1200" dirty="0" err="1"/>
                   <a:t>quando</a:t>
                 </a:r>
                 <a:r>
-                  <a:rPr lang="en-US" sz="1200" dirty="0" smtClean="0"/>
+                  <a:rPr lang="en-US" sz="1200" dirty="0"/>
                   <a:t> </a:t>
                 </a:r>
                 <a14:m>
@@ -21589,15 +23529,14 @@
                   </m:oMath>
                 </a14:m>
                 <a:r>
-                  <a:rPr lang="en-US" sz="1200" dirty="0" smtClean="0"/>
+                  <a:rPr lang="en-US" sz="1200" dirty="0"/>
                   <a:t>. </a:t>
                 </a:r>
-                <a:endParaRPr lang="en-US" sz="1200" dirty="0"/>
               </a:p>
             </p:txBody>
           </p:sp>
         </mc:Choice>
-        <mc:Fallback>
+        <mc:Fallback xmlns="">
           <p:sp>
             <p:nvSpPr>
               <p:cNvPr id="22" name="CaixaDeTexto 21">
@@ -21647,7 +23586,7 @@
           <p:cNvPr id="23" name="Conector de Seta Reta 5">
             <a:extLst>
               <a:ext uri="{FF2B5EF4-FFF2-40B4-BE49-F238E27FC236}">
-                <a16:creationId xmlns:a16="http://schemas.microsoft.com/office/drawing/2014/main" xmlns="" id="{022BDF03-3B8A-4862-8739-B578666F19DF}"/>
+                <a16:creationId xmlns:a16="http://schemas.microsoft.com/office/drawing/2014/main" id="{022BDF03-3B8A-4862-8739-B578666F19DF}"/>
               </a:ext>
             </a:extLst>
           </p:cNvPr>
@@ -22582,8 +24521,8 @@
           </a:p>
         </p:txBody>
       </p:sp>
-      <mc:AlternateContent xmlns:mc="http://schemas.openxmlformats.org/markup-compatibility/2006">
-        <mc:Choice xmlns:a14="http://schemas.microsoft.com/office/drawing/2010/main" Requires="a14">
+      <mc:AlternateContent xmlns:mc="http://schemas.openxmlformats.org/markup-compatibility/2006" xmlns:a14="http://schemas.microsoft.com/office/drawing/2010/main">
+        <mc:Choice Requires="a14">
           <p:sp>
             <p:nvSpPr>
               <p:cNvPr id="13" name="CaixaDeTexto 12"/>
@@ -22608,7 +24547,7 @@
               <a:p>
                 <a:pPr algn="ctr"/>
                 <a:r>
-                  <a:rPr lang="pt-BR" sz="1200" dirty="0" smtClean="0"/>
+                  <a:rPr lang="pt-BR" sz="1200" dirty="0"/>
                   <a:t>A derivada é no máximo igual a 1 quando </a:t>
                 </a:r>
                 <a14:m>
@@ -22622,7 +24561,7 @@
                   </m:oMath>
                 </a14:m>
                 <a:r>
-                  <a:rPr lang="pt-BR" sz="1200" dirty="0" smtClean="0"/>
+                  <a:rPr lang="pt-BR" sz="1200" dirty="0"/>
                   <a:t>, </a:t>
                 </a:r>
                 <a14:m>
@@ -22654,18 +24593,14 @@
                   </m:oMath>
                 </a14:m>
                 <a:r>
-                  <a:rPr lang="pt-BR" sz="1200" dirty="0" smtClean="0"/>
-                  <a:t>, </a:t>
-                </a:r>
-                <a:r>
                   <a:rPr lang="pt-BR" sz="1200" dirty="0"/>
-                  <a:t>é exatamente igual a 0. </a:t>
+                  <a:t>, é exatamente igual a 0. </a:t>
                 </a:r>
               </a:p>
             </p:txBody>
           </p:sp>
         </mc:Choice>
-        <mc:Fallback>
+        <mc:Fallback xmlns="">
           <p:sp>
             <p:nvSpPr>
               <p:cNvPr id="13" name="CaixaDeTexto 12"/>
@@ -22747,7 +24682,7 @@
           <p:cNvPr id="14" name="Conector de Seta Reta 13">
             <a:extLst>
               <a:ext uri="{FF2B5EF4-FFF2-40B4-BE49-F238E27FC236}">
-                <a16:creationId xmlns:a16="http://schemas.microsoft.com/office/drawing/2014/main" xmlns="" id="{5C617E03-F638-4320-8FDA-A6A62315797C}"/>
+                <a16:creationId xmlns:a16="http://schemas.microsoft.com/office/drawing/2014/main" id="{5C617E03-F638-4320-8FDA-A6A62315797C}"/>
               </a:ext>
             </a:extLst>
           </p:cNvPr>
@@ -22791,7 +24726,7 @@
           <p:cNvPr id="16" name="Conector de Seta Reta 15">
             <a:extLst>
               <a:ext uri="{FF2B5EF4-FFF2-40B4-BE49-F238E27FC236}">
-                <a16:creationId xmlns:a16="http://schemas.microsoft.com/office/drawing/2014/main" xmlns="" id="{9F0A5C87-8500-4308-83F7-0C62ED06739C}"/>
+                <a16:creationId xmlns:a16="http://schemas.microsoft.com/office/drawing/2014/main" id="{9F0A5C87-8500-4308-83F7-0C62ED06739C}"/>
               </a:ext>
             </a:extLst>
           </p:cNvPr>
@@ -22830,14 +24765,14 @@
           </a:fontRef>
         </p:style>
       </p:cxnSp>
-      <mc:AlternateContent xmlns:mc="http://schemas.openxmlformats.org/markup-compatibility/2006">
-        <mc:Choice xmlns:a14="http://schemas.microsoft.com/office/drawing/2010/main" Requires="a14">
+      <mc:AlternateContent xmlns:mc="http://schemas.openxmlformats.org/markup-compatibility/2006" xmlns:a14="http://schemas.microsoft.com/office/drawing/2010/main">
+        <mc:Choice Requires="a14">
           <p:sp>
             <p:nvSpPr>
               <p:cNvPr id="17" name="CaixaDeTexto 16">
                 <a:extLst>
                   <a:ext uri="{FF2B5EF4-FFF2-40B4-BE49-F238E27FC236}">
-                    <a16:creationId xmlns:a16="http://schemas.microsoft.com/office/drawing/2014/main" xmlns="" id="{4CCEF927-B8CC-4C90-A772-24E6A0CFD474}"/>
+                    <a16:creationId xmlns:a16="http://schemas.microsoft.com/office/drawing/2014/main" id="{4CCEF927-B8CC-4C90-A772-24E6A0CFD474}"/>
                   </a:ext>
                 </a:extLst>
               </p:cNvPr>
@@ -22862,22 +24797,22 @@
               <a:p>
                 <a:pPr algn="ctr"/>
                 <a:r>
-                  <a:rPr lang="en-US" sz="1200" dirty="0" smtClean="0"/>
+                  <a:rPr lang="en-US" sz="1200" dirty="0"/>
                   <a:t>s</a:t>
                 </a:r>
                 <a:r>
-                  <a:rPr lang="en-US" sz="1200" dirty="0" err="1" smtClean="0"/>
+                  <a:rPr lang="en-US" sz="1200" dirty="0" err="1"/>
                   <a:t>aturação</a:t>
                 </a:r>
                 <a:r>
-                  <a:rPr lang="en-US" sz="1200" dirty="0" smtClean="0"/>
+                  <a:rPr lang="en-US" sz="1200" dirty="0"/>
                   <a:t>:</a:t>
                 </a:r>
               </a:p>
               <a:p>
                 <a:pPr algn="ctr"/>
                 <a:r>
-                  <a:rPr lang="en-US" sz="1200" dirty="0" smtClean="0"/>
+                  <a:rPr lang="en-US" sz="1200" dirty="0"/>
                   <a:t>valor de </a:t>
                 </a:r>
                 <a14:m>
@@ -22891,23 +24826,23 @@
                   </m:oMath>
                 </a14:m>
                 <a:r>
-                  <a:rPr lang="en-US" sz="1200" dirty="0" smtClean="0"/>
+                  <a:rPr lang="en-US" sz="1200" dirty="0"/>
                   <a:t> </a:t>
                 </a:r>
                 <a:r>
-                  <a:rPr lang="en-US" sz="1200" dirty="0" err="1" smtClean="0"/>
+                  <a:rPr lang="en-US" sz="1200" dirty="0" err="1"/>
                   <a:t>tende</a:t>
                 </a:r>
                 <a:r>
-                  <a:rPr lang="en-US" sz="1200" dirty="0" smtClean="0"/>
+                  <a:rPr lang="en-US" sz="1200" dirty="0"/>
                   <a:t> a 1 </a:t>
                 </a:r>
                 <a:r>
-                  <a:rPr lang="en-US" sz="1200" dirty="0" err="1" smtClean="0"/>
+                  <a:rPr lang="en-US" sz="1200" dirty="0" err="1"/>
                   <a:t>quando</a:t>
                 </a:r>
                 <a:r>
-                  <a:rPr lang="en-US" sz="1200" dirty="0" smtClean="0"/>
+                  <a:rPr lang="en-US" sz="1200" dirty="0"/>
                   <a:t> </a:t>
                 </a:r>
                 <a14:m>
@@ -22946,15 +24881,14 @@
                   </m:oMath>
                 </a14:m>
                 <a:r>
-                  <a:rPr lang="en-US" sz="1200" dirty="0" smtClean="0"/>
+                  <a:rPr lang="en-US" sz="1200" dirty="0"/>
                   <a:t>. </a:t>
                 </a:r>
-                <a:endParaRPr lang="en-US" sz="1200" dirty="0"/>
               </a:p>
             </p:txBody>
           </p:sp>
         </mc:Choice>
-        <mc:Fallback>
+        <mc:Fallback xmlns="">
           <p:sp>
             <p:nvSpPr>
               <p:cNvPr id="17" name="CaixaDeTexto 16">
@@ -22999,14 +24933,14 @@
           </p:sp>
         </mc:Fallback>
       </mc:AlternateContent>
-      <mc:AlternateContent xmlns:mc="http://schemas.openxmlformats.org/markup-compatibility/2006">
-        <mc:Choice xmlns:a14="http://schemas.microsoft.com/office/drawing/2010/main" Requires="a14">
+      <mc:AlternateContent xmlns:mc="http://schemas.openxmlformats.org/markup-compatibility/2006" xmlns:a14="http://schemas.microsoft.com/office/drawing/2010/main">
+        <mc:Choice Requires="a14">
           <p:sp>
             <p:nvSpPr>
               <p:cNvPr id="18" name="CaixaDeTexto 17">
                 <a:extLst>
                   <a:ext uri="{FF2B5EF4-FFF2-40B4-BE49-F238E27FC236}">
-                    <a16:creationId xmlns:a16="http://schemas.microsoft.com/office/drawing/2014/main" xmlns="" id="{4CCEF927-B8CC-4C90-A772-24E6A0CFD474}"/>
+                    <a16:creationId xmlns:a16="http://schemas.microsoft.com/office/drawing/2014/main" id="{4CCEF927-B8CC-4C90-A772-24E6A0CFD474}"/>
                   </a:ext>
                 </a:extLst>
               </p:cNvPr>
@@ -23031,22 +24965,22 @@
               <a:p>
                 <a:pPr algn="ctr"/>
                 <a:r>
-                  <a:rPr lang="en-US" sz="1200" dirty="0" smtClean="0"/>
+                  <a:rPr lang="en-US" sz="1200" dirty="0"/>
                   <a:t>s</a:t>
                 </a:r>
                 <a:r>
-                  <a:rPr lang="en-US" sz="1200" dirty="0" err="1" smtClean="0"/>
+                  <a:rPr lang="en-US" sz="1200" dirty="0" err="1"/>
                   <a:t>aturação</a:t>
                 </a:r>
                 <a:r>
-                  <a:rPr lang="en-US" sz="1200" dirty="0" smtClean="0"/>
+                  <a:rPr lang="en-US" sz="1200" dirty="0"/>
                   <a:t>:</a:t>
                 </a:r>
               </a:p>
               <a:p>
                 <a:pPr algn="ctr"/>
                 <a:r>
-                  <a:rPr lang="en-US" sz="1200" dirty="0" smtClean="0"/>
+                  <a:rPr lang="en-US" sz="1200" dirty="0"/>
                   <a:t>valor de </a:t>
                 </a:r>
                 <a14:m>
@@ -23060,23 +24994,23 @@
                   </m:oMath>
                 </a14:m>
                 <a:r>
-                  <a:rPr lang="en-US" sz="1200" dirty="0" smtClean="0"/>
+                  <a:rPr lang="en-US" sz="1200" dirty="0"/>
                   <a:t> </a:t>
                 </a:r>
                 <a:r>
-                  <a:rPr lang="en-US" sz="1200" dirty="0" err="1" smtClean="0"/>
+                  <a:rPr lang="en-US" sz="1200" dirty="0" err="1"/>
                   <a:t>tende</a:t>
                 </a:r>
                 <a:r>
-                  <a:rPr lang="en-US" sz="1200" dirty="0" smtClean="0"/>
+                  <a:rPr lang="en-US" sz="1200" dirty="0"/>
                   <a:t> a 0 </a:t>
                 </a:r>
                 <a:r>
-                  <a:rPr lang="en-US" sz="1200" dirty="0" err="1" smtClean="0"/>
+                  <a:rPr lang="en-US" sz="1200" dirty="0" err="1"/>
                   <a:t>quando</a:t>
                 </a:r>
                 <a:r>
-                  <a:rPr lang="en-US" sz="1200" dirty="0" smtClean="0"/>
+                  <a:rPr lang="en-US" sz="1200" dirty="0"/>
                   <a:t> </a:t>
                 </a:r>
                 <a14:m>
@@ -23128,15 +25062,14 @@
                   </m:oMath>
                 </a14:m>
                 <a:r>
-                  <a:rPr lang="en-US" sz="1200" dirty="0" smtClean="0"/>
+                  <a:rPr lang="en-US" sz="1200" dirty="0"/>
                   <a:t>. </a:t>
                 </a:r>
-                <a:endParaRPr lang="en-US" sz="1200" dirty="0"/>
               </a:p>
             </p:txBody>
           </p:sp>
         </mc:Choice>
-        <mc:Fallback>
+        <mc:Fallback xmlns="">
           <p:sp>
             <p:nvSpPr>
               <p:cNvPr id="18" name="CaixaDeTexto 17">

--- a/slides/T320_Redes_Neurais_Artificiais (Parte II).pptx
+++ b/slides/T320_Redes_Neurais_Artificiais (Parte II).pptx
@@ -19,23 +19,23 @@
     <p:sldId id="310" r:id="rId10"/>
     <p:sldId id="356" r:id="rId11"/>
     <p:sldId id="358" r:id="rId12"/>
-    <p:sldId id="368" r:id="rId13"/>
-    <p:sldId id="369" r:id="rId14"/>
-    <p:sldId id="359" r:id="rId15"/>
-    <p:sldId id="367" r:id="rId16"/>
-    <p:sldId id="311" r:id="rId17"/>
-    <p:sldId id="312" r:id="rId18"/>
-    <p:sldId id="360" r:id="rId19"/>
-    <p:sldId id="313" r:id="rId20"/>
-    <p:sldId id="314" r:id="rId21"/>
-    <p:sldId id="315" r:id="rId22"/>
-    <p:sldId id="316" r:id="rId23"/>
-    <p:sldId id="364" r:id="rId24"/>
-    <p:sldId id="363" r:id="rId25"/>
-    <p:sldId id="269" r:id="rId26"/>
-    <p:sldId id="303" r:id="rId27"/>
-    <p:sldId id="271" r:id="rId28"/>
-    <p:sldId id="365" r:id="rId29"/>
+    <p:sldId id="359" r:id="rId13"/>
+    <p:sldId id="367" r:id="rId14"/>
+    <p:sldId id="311" r:id="rId15"/>
+    <p:sldId id="312" r:id="rId16"/>
+    <p:sldId id="360" r:id="rId17"/>
+    <p:sldId id="313" r:id="rId18"/>
+    <p:sldId id="314" r:id="rId19"/>
+    <p:sldId id="315" r:id="rId20"/>
+    <p:sldId id="316" r:id="rId21"/>
+    <p:sldId id="364" r:id="rId22"/>
+    <p:sldId id="363" r:id="rId23"/>
+    <p:sldId id="269" r:id="rId24"/>
+    <p:sldId id="303" r:id="rId25"/>
+    <p:sldId id="271" r:id="rId26"/>
+    <p:sldId id="365" r:id="rId27"/>
+    <p:sldId id="369" r:id="rId28"/>
+    <p:sldId id="370" r:id="rId29"/>
   </p:sldIdLst>
   <p:sldSz cx="12192000" cy="6858000"/>
   <p:notesSz cx="6858000" cy="9144000"/>
@@ -932,7 +932,7 @@
           <a:p>
             <a:fld id="{F430A2A4-8C14-4B1A-AD48-7B6401078BF7}" type="slidenum">
               <a:rPr lang="pt-BR" smtClean="0"/>
-              <a:t>14</a:t>
+              <a:t>12</a:t>
             </a:fld>
             <a:endParaRPr lang="pt-BR"/>
           </a:p>
@@ -1155,7 +1155,7 @@
           <a:p>
             <a:fld id="{F430A2A4-8C14-4B1A-AD48-7B6401078BF7}" type="slidenum">
               <a:rPr lang="pt-BR" smtClean="0"/>
-              <a:t>15</a:t>
+              <a:t>13</a:t>
             </a:fld>
             <a:endParaRPr lang="pt-BR"/>
           </a:p>
@@ -1279,7 +1279,7 @@
           <a:p>
             <a:fld id="{F430A2A4-8C14-4B1A-AD48-7B6401078BF7}" type="slidenum">
               <a:rPr lang="pt-BR" smtClean="0"/>
-              <a:t>16</a:t>
+              <a:t>14</a:t>
             </a:fld>
             <a:endParaRPr lang="pt-BR"/>
           </a:p>
@@ -1366,6 +1366,315 @@
             <a:endParaRPr lang="pt-BR" dirty="0"/>
           </a:p>
           <a:p>
+            <a:endParaRPr lang="pt-BR" dirty="0" smtClean="0"/>
+          </a:p>
+          <a:p>
+            <a:r>
+              <a:rPr lang="en-US" sz="1200" b="0" i="0" kern="1200" dirty="0" smtClean="0">
+                <a:solidFill>
+                  <a:schemeClr val="tx1"/>
+                </a:solidFill>
+                <a:effectLst/>
+                <a:latin typeface="+mn-lt"/>
+                <a:ea typeface="+mn-ea"/>
+                <a:cs typeface="+mn-cs"/>
+              </a:rPr>
+              <a:t>The problem with the use of </a:t>
+            </a:r>
+            <a:r>
+              <a:rPr lang="en-US" sz="1200" b="0" i="0" kern="1200" dirty="0" err="1" smtClean="0">
+                <a:solidFill>
+                  <a:schemeClr val="tx1"/>
+                </a:solidFill>
+                <a:effectLst/>
+                <a:latin typeface="+mn-lt"/>
+                <a:ea typeface="+mn-ea"/>
+                <a:cs typeface="+mn-cs"/>
+              </a:rPr>
+              <a:t>ReLU</a:t>
+            </a:r>
+            <a:r>
+              <a:rPr lang="en-US" sz="1200" b="0" i="0" kern="1200" dirty="0" smtClean="0">
+                <a:solidFill>
+                  <a:schemeClr val="tx1"/>
+                </a:solidFill>
+                <a:effectLst/>
+                <a:latin typeface="+mn-lt"/>
+                <a:ea typeface="+mn-ea"/>
+                <a:cs typeface="+mn-cs"/>
+              </a:rPr>
+              <a:t> is when the gradient has a value of 0. In such cases, the node is considered as a dead node since the old and new values of the weights remain the same. This situation can be avoided by the use of a leaky </a:t>
+            </a:r>
+            <a:r>
+              <a:rPr lang="en-US" sz="1200" b="0" i="0" kern="1200" dirty="0" err="1" smtClean="0">
+                <a:solidFill>
+                  <a:schemeClr val="tx1"/>
+                </a:solidFill>
+                <a:effectLst/>
+                <a:latin typeface="+mn-lt"/>
+                <a:ea typeface="+mn-ea"/>
+                <a:cs typeface="+mn-cs"/>
+              </a:rPr>
+              <a:t>ReLU</a:t>
+            </a:r>
+            <a:r>
+              <a:rPr lang="en-US" sz="1200" b="0" i="0" kern="1200" dirty="0" smtClean="0">
+                <a:solidFill>
+                  <a:schemeClr val="tx1"/>
+                </a:solidFill>
+                <a:effectLst/>
+                <a:latin typeface="+mn-lt"/>
+                <a:ea typeface="+mn-ea"/>
+                <a:cs typeface="+mn-cs"/>
+              </a:rPr>
+              <a:t> function which prevents the gradient from falling to the zero value.</a:t>
+            </a:r>
+          </a:p>
+          <a:p>
+            <a:endParaRPr lang="en-US" sz="1200" b="0" i="0" kern="1200" dirty="0" smtClean="0">
+              <a:solidFill>
+                <a:schemeClr val="tx1"/>
+              </a:solidFill>
+              <a:effectLst/>
+              <a:latin typeface="+mn-lt"/>
+              <a:ea typeface="+mn-ea"/>
+              <a:cs typeface="+mn-cs"/>
+            </a:endParaRPr>
+          </a:p>
+          <a:p>
+            <a:r>
+              <a:rPr lang="en-US" sz="1200" b="0" i="0" kern="1200" dirty="0" err="1" smtClean="0">
+                <a:solidFill>
+                  <a:schemeClr val="tx1"/>
+                </a:solidFill>
+                <a:effectLst/>
+                <a:latin typeface="+mn-lt"/>
+                <a:ea typeface="+mn-ea"/>
+                <a:cs typeface="+mn-cs"/>
+              </a:rPr>
+              <a:t>ReLUs</a:t>
+            </a:r>
+            <a:r>
+              <a:rPr lang="en-US" sz="1200" b="0" i="0" kern="1200" dirty="0" smtClean="0">
+                <a:solidFill>
+                  <a:schemeClr val="tx1"/>
+                </a:solidFill>
+                <a:effectLst/>
+                <a:latin typeface="+mn-lt"/>
+                <a:ea typeface="+mn-ea"/>
+                <a:cs typeface="+mn-cs"/>
+              </a:rPr>
+              <a:t> have one caveat though: they “die” (output zero) when the input to it is negative. This can, in many cases, completely block backpropagation because the gradients will just be zero after one negative value has been inputted to the </a:t>
+            </a:r>
+            <a:r>
+              <a:rPr lang="en-US" sz="1200" b="0" i="0" kern="1200" dirty="0" err="1" smtClean="0">
+                <a:solidFill>
+                  <a:schemeClr val="tx1"/>
+                </a:solidFill>
+                <a:effectLst/>
+                <a:latin typeface="+mn-lt"/>
+                <a:ea typeface="+mn-ea"/>
+                <a:cs typeface="+mn-cs"/>
+              </a:rPr>
+              <a:t>ReLU</a:t>
+            </a:r>
+            <a:r>
+              <a:rPr lang="en-US" sz="1200" b="0" i="0" kern="1200" dirty="0" smtClean="0">
+                <a:solidFill>
+                  <a:schemeClr val="tx1"/>
+                </a:solidFill>
+                <a:effectLst/>
+                <a:latin typeface="+mn-lt"/>
+                <a:ea typeface="+mn-ea"/>
+                <a:cs typeface="+mn-cs"/>
+              </a:rPr>
+              <a:t> function. This would also be an issue if a large negative bias term / constant term is learned — the weighted sum fed into neurons may end up being negative because the positive weights cannot compensate for the significance of the bias term. Negative weights also come to mind, or negative input (or some combination that gives a negative weighted sum). The dead </a:t>
+            </a:r>
+            <a:r>
+              <a:rPr lang="en-US" sz="1200" b="0" i="0" kern="1200" dirty="0" err="1" smtClean="0">
+                <a:solidFill>
+                  <a:schemeClr val="tx1"/>
+                </a:solidFill>
+                <a:effectLst/>
+                <a:latin typeface="+mn-lt"/>
+                <a:ea typeface="+mn-ea"/>
+                <a:cs typeface="+mn-cs"/>
+              </a:rPr>
+              <a:t>ReLU</a:t>
+            </a:r>
+            <a:r>
+              <a:rPr lang="en-US" sz="1200" b="0" i="0" kern="1200" dirty="0" smtClean="0">
+                <a:solidFill>
+                  <a:schemeClr val="tx1"/>
+                </a:solidFill>
+                <a:effectLst/>
+                <a:latin typeface="+mn-lt"/>
+                <a:ea typeface="+mn-ea"/>
+                <a:cs typeface="+mn-cs"/>
+              </a:rPr>
+              <a:t> will hence output the same value for almost all of your activities — zero. </a:t>
+            </a:r>
+            <a:r>
+              <a:rPr lang="en-US" sz="1200" b="0" i="0" kern="1200" dirty="0" err="1" smtClean="0">
+                <a:solidFill>
+                  <a:schemeClr val="tx1"/>
+                </a:solidFill>
+                <a:effectLst/>
+                <a:latin typeface="+mn-lt"/>
+                <a:ea typeface="+mn-ea"/>
+                <a:cs typeface="+mn-cs"/>
+              </a:rPr>
+              <a:t>ReLUs</a:t>
+            </a:r>
+            <a:r>
+              <a:rPr lang="en-US" sz="1200" b="0" i="0" kern="1200" dirty="0" smtClean="0">
+                <a:solidFill>
+                  <a:schemeClr val="tx1"/>
+                </a:solidFill>
+                <a:effectLst/>
+                <a:latin typeface="+mn-lt"/>
+                <a:ea typeface="+mn-ea"/>
+                <a:cs typeface="+mn-cs"/>
+              </a:rPr>
+              <a:t> cannot “recover” from this problem because they will not modify the weights in anyway, since not only is the output for any negative input zero, the </a:t>
+            </a:r>
+            <a:r>
+              <a:rPr lang="en-US" sz="1200" b="1" i="0" kern="1200" dirty="0" smtClean="0">
+                <a:solidFill>
+                  <a:schemeClr val="tx1"/>
+                </a:solidFill>
+                <a:effectLst/>
+                <a:latin typeface="+mn-lt"/>
+                <a:ea typeface="+mn-ea"/>
+                <a:cs typeface="+mn-cs"/>
+              </a:rPr>
+              <a:t>derivative </a:t>
+            </a:r>
+            <a:r>
+              <a:rPr lang="en-US" sz="1200" b="0" i="0" kern="1200" dirty="0" smtClean="0">
+                <a:solidFill>
+                  <a:schemeClr val="tx1"/>
+                </a:solidFill>
+                <a:effectLst/>
+                <a:latin typeface="+mn-lt"/>
+                <a:ea typeface="+mn-ea"/>
+                <a:cs typeface="+mn-cs"/>
+              </a:rPr>
+              <a:t>is too. No updates will be made to modify the (for example) bias term to be a lesser magnitude of negative such that the neural net can escape from corruption of the entire network. </a:t>
+            </a:r>
+            <a:r>
+              <a:rPr lang="en-US" sz="1200" b="0" i="0" kern="1200" smtClean="0">
+                <a:solidFill>
+                  <a:schemeClr val="tx1"/>
+                </a:solidFill>
+                <a:effectLst/>
+                <a:latin typeface="+mn-lt"/>
+                <a:ea typeface="+mn-ea"/>
+                <a:cs typeface="+mn-cs"/>
+              </a:rPr>
+              <a:t>It doesn’t happen </a:t>
+            </a:r>
+            <a:r>
+              <a:rPr lang="en-US" sz="1200" b="0" i="1" kern="1200" smtClean="0">
+                <a:solidFill>
+                  <a:schemeClr val="tx1"/>
+                </a:solidFill>
+                <a:effectLst/>
+                <a:latin typeface="+mn-lt"/>
+                <a:ea typeface="+mn-ea"/>
+                <a:cs typeface="+mn-cs"/>
+              </a:rPr>
+              <a:t>all </a:t>
+            </a:r>
+            <a:r>
+              <a:rPr lang="en-US" sz="1200" b="0" i="0" kern="1200" smtClean="0">
+                <a:solidFill>
+                  <a:schemeClr val="tx1"/>
+                </a:solidFill>
+                <a:effectLst/>
+                <a:latin typeface="+mn-lt"/>
+                <a:ea typeface="+mn-ea"/>
+                <a:cs typeface="+mn-cs"/>
+              </a:rPr>
+              <a:t>that often that the weighted sum ends up negative, though; and we can indeed initialize weights to be only positive and/or normalize input between 0 and 1 if we are concerned about the chance of an issue like this occurring.</a:t>
+            </a:r>
+            <a:endParaRPr lang="en-US" sz="1200" b="0" i="0" kern="1200" dirty="0" smtClean="0">
+              <a:solidFill>
+                <a:schemeClr val="tx1"/>
+              </a:solidFill>
+              <a:effectLst/>
+              <a:latin typeface="+mn-lt"/>
+              <a:ea typeface="+mn-ea"/>
+              <a:cs typeface="+mn-cs"/>
+            </a:endParaRPr>
+          </a:p>
+          <a:p>
+            <a:endParaRPr lang="en-US" sz="1200" b="0" i="0" kern="1200" dirty="0" smtClean="0">
+              <a:solidFill>
+                <a:schemeClr val="tx1"/>
+              </a:solidFill>
+              <a:effectLst/>
+              <a:latin typeface="+mn-lt"/>
+              <a:ea typeface="+mn-ea"/>
+              <a:cs typeface="+mn-cs"/>
+            </a:endParaRPr>
+          </a:p>
+          <a:p>
+            <a:r>
+              <a:rPr lang="en-US" sz="1200" b="0" i="0" kern="1200" dirty="0" smtClean="0">
+                <a:solidFill>
+                  <a:schemeClr val="tx1"/>
+                </a:solidFill>
+                <a:effectLst/>
+                <a:latin typeface="+mn-lt"/>
+                <a:ea typeface="+mn-ea"/>
+                <a:cs typeface="+mn-cs"/>
+              </a:rPr>
+              <a:t>References</a:t>
+            </a:r>
+          </a:p>
+          <a:p>
+            <a:r>
+              <a:rPr lang="en-US" sz="1200" b="0" i="0" kern="1200" dirty="0" smtClean="0">
+                <a:solidFill>
+                  <a:schemeClr val="tx1"/>
+                </a:solidFill>
+                <a:effectLst/>
+                <a:latin typeface="+mn-lt"/>
+                <a:ea typeface="+mn-ea"/>
+                <a:cs typeface="+mn-cs"/>
+              </a:rPr>
+              <a:t>[1]</a:t>
+            </a:r>
+            <a:r>
+              <a:rPr lang="en-US" sz="1200" b="0" i="0" kern="1200" baseline="0" dirty="0" smtClean="0">
+                <a:solidFill>
+                  <a:schemeClr val="tx1"/>
+                </a:solidFill>
+                <a:effectLst/>
+                <a:latin typeface="+mn-lt"/>
+                <a:ea typeface="+mn-ea"/>
+                <a:cs typeface="+mn-cs"/>
+              </a:rPr>
+              <a:t> https://www.kdnuggets.com/2022/02/vanishing-gradient-problem.html</a:t>
+            </a:r>
+          </a:p>
+          <a:p>
+            <a:r>
+              <a:rPr lang="en-US" sz="1200" b="0" i="0" kern="1200" baseline="0" dirty="0" smtClean="0">
+                <a:solidFill>
+                  <a:schemeClr val="tx1"/>
+                </a:solidFill>
+                <a:effectLst/>
+                <a:latin typeface="+mn-lt"/>
+                <a:ea typeface="+mn-ea"/>
+                <a:cs typeface="+mn-cs"/>
+              </a:rPr>
+              <a:t>[2] https://ayearofai.com/rohan-4-the-vanishing-gradient-problem-ec68f76ffb9b</a:t>
+            </a:r>
+            <a:endParaRPr lang="pt-BR" dirty="0" smtClean="0"/>
+          </a:p>
+          <a:p>
             <a:endParaRPr lang="pt-BR" dirty="0"/>
           </a:p>
           <a:p>
@@ -1670,7 +1979,31 @@
                 <a:ea typeface="+mn-ea"/>
                 <a:cs typeface="+mn-cs"/>
               </a:rPr>
-              <a:t>Sigmoid: tend to vanish gradient (cause there is a mechanism to reduce the gradient as "</a:t>
+              <a:t>Sigmoid: </a:t>
+            </a:r>
+            <a:r>
+              <a:rPr lang="en-US" sz="1200" b="0" i="0" kern="1200" dirty="0" smtClean="0">
+                <a:solidFill>
+                  <a:schemeClr val="tx1"/>
+                </a:solidFill>
+                <a:effectLst/>
+                <a:latin typeface="+mn-lt"/>
+                <a:ea typeface="+mn-ea"/>
+                <a:cs typeface="+mn-cs"/>
+              </a:rPr>
+              <a:t>tends </a:t>
+            </a:r>
+            <a:r>
+              <a:rPr lang="en-US" sz="1200" b="0" i="0" kern="1200" dirty="0">
+                <a:solidFill>
+                  <a:schemeClr val="tx1"/>
+                </a:solidFill>
+                <a:effectLst/>
+                <a:latin typeface="+mn-lt"/>
+                <a:ea typeface="+mn-ea"/>
+                <a:cs typeface="+mn-cs"/>
+              </a:rPr>
+              <a:t>to vanish gradient (cause there is a mechanism to reduce the gradient as "</a:t>
             </a:r>
             <a:r>
               <a:rPr lang="en-US" sz="1200" b="0" i="0" u="none" strike="noStrike" kern="1200" dirty="0">
@@ -1957,6 +2290,18 @@
           </a:p>
           <a:p>
             <a:pPr fontAlgn="base"/>
+            <a:r>
+              <a:rPr lang="en-US" sz="1200" b="0" i="0" kern="1200" dirty="0">
+                <a:solidFill>
+                  <a:schemeClr val="tx1"/>
+                </a:solidFill>
+                <a:effectLst/>
+                <a:latin typeface="+mn-lt"/>
+                <a:ea typeface="+mn-ea"/>
+                <a:cs typeface="+mn-cs"/>
+              </a:rPr>
+              <a:t/>
+            </a:r>
             <a:br>
               <a:rPr lang="en-US" sz="1200" b="0" i="0" kern="1200" dirty="0">
                 <a:solidFill>
@@ -2264,7 +2609,7 @@
           <a:p>
             <a:fld id="{F430A2A4-8C14-4B1A-AD48-7B6401078BF7}" type="slidenum">
               <a:rPr lang="pt-BR" smtClean="0"/>
-              <a:t>17</a:t>
+              <a:t>15</a:t>
             </a:fld>
             <a:endParaRPr lang="pt-BR"/>
           </a:p>
@@ -2358,7 +2703,7 @@
           <a:p>
             <a:fld id="{6FC8D850-966F-45A6-8DE7-15B891E7D40D}" type="slidenum">
               <a:rPr lang="pt-BR" smtClean="0"/>
-              <a:t>18</a:t>
+              <a:t>16</a:t>
             </a:fld>
             <a:endParaRPr lang="pt-BR"/>
           </a:p>
@@ -2442,7 +2787,7 @@
           <a:p>
             <a:fld id="{F430A2A4-8C14-4B1A-AD48-7B6401078BF7}" type="slidenum">
               <a:rPr lang="pt-BR" smtClean="0"/>
-              <a:t>19</a:t>
+              <a:t>17</a:t>
             </a:fld>
             <a:endParaRPr lang="pt-BR"/>
           </a:p>
@@ -2543,7 +2888,7 @@
           <a:p>
             <a:fld id="{F430A2A4-8C14-4B1A-AD48-7B6401078BF7}" type="slidenum">
               <a:rPr lang="pt-BR" smtClean="0"/>
-              <a:t>20</a:t>
+              <a:t>18</a:t>
             </a:fld>
             <a:endParaRPr lang="pt-BR"/>
           </a:p>
@@ -2706,7 +3051,7 @@
           <a:p>
             <a:fld id="{F430A2A4-8C14-4B1A-AD48-7B6401078BF7}" type="slidenum">
               <a:rPr lang="pt-BR" smtClean="0"/>
-              <a:t>21</a:t>
+              <a:t>19</a:t>
             </a:fld>
             <a:endParaRPr lang="pt-BR"/>
           </a:p>
@@ -2857,7 +3202,7 @@
           <a:p>
             <a:fld id="{F430A2A4-8C14-4B1A-AD48-7B6401078BF7}" type="slidenum">
               <a:rPr lang="pt-BR" smtClean="0"/>
-              <a:t>22</a:t>
+              <a:t>20</a:t>
             </a:fld>
             <a:endParaRPr lang="pt-BR"/>
           </a:p>
@@ -3013,6 +3358,10 @@
               <a:rPr lang="pt-BR" baseline="0" dirty="0"/>
               <a:t> quando se usa a função degrau como função de limiar de decisão.</a:t>
             </a:r>
+            <a:r>
+              <a:rPr lang="pt-BR" dirty="0"/>
+              <a:t/>
+            </a:r>
             <a:br>
               <a:rPr lang="pt-BR" dirty="0"/>
             </a:br>
@@ -3168,7 +3517,7 @@
           <a:p>
             <a:fld id="{F430A2A4-8C14-4B1A-AD48-7B6401078BF7}" type="slidenum">
               <a:rPr lang="pt-BR" smtClean="0"/>
-              <a:t>23</a:t>
+              <a:t>21</a:t>
             </a:fld>
             <a:endParaRPr lang="pt-BR"/>
           </a:p>
@@ -3350,7 +3699,7 @@
           <a:p>
             <a:fld id="{DA8B99DF-01BC-492A-8CEF-4FD88D18DD9D}" type="slidenum">
               <a:rPr lang="nl-BE" smtClean="0"/>
-              <a:t>24</a:t>
+              <a:t>22</a:t>
             </a:fld>
             <a:endParaRPr lang="nl-BE"/>
           </a:p>
@@ -3360,6 +3709,90 @@
     <p:extLst>
       <p:ext uri="{BB962C8B-B14F-4D97-AF65-F5344CB8AC3E}">
         <p14:creationId xmlns:p14="http://schemas.microsoft.com/office/powerpoint/2010/main" val="915223451"/>
+      </p:ext>
+    </p:extLst>
+  </p:cSld>
+  <p:clrMapOvr>
+    <a:masterClrMapping/>
+  </p:clrMapOvr>
+</p:notes>
+</file>
+
+<file path=ppt/notesSlides/notesSlide22.xml><?xml version="1.0" encoding="utf-8"?>
+<p:notes xmlns:a="http://schemas.openxmlformats.org/drawingml/2006/main" xmlns:r="http://schemas.openxmlformats.org/officeDocument/2006/relationships" xmlns:p="http://schemas.openxmlformats.org/presentationml/2006/main">
+  <p:cSld>
+    <p:spTree>
+      <p:nvGrpSpPr>
+        <p:cNvPr id="1" name=""/>
+        <p:cNvGrpSpPr/>
+        <p:nvPr/>
+      </p:nvGrpSpPr>
+      <p:grpSpPr>
+        <a:xfrm>
+          <a:off x="0" y="0"/>
+          <a:ext cx="0" cy="0"/>
+          <a:chOff x="0" y="0"/>
+          <a:chExt cx="0" cy="0"/>
+        </a:xfrm>
+      </p:grpSpPr>
+      <p:sp>
+        <p:nvSpPr>
+          <p:cNvPr id="2" name="Espaço Reservado para Imagem de Slide 1"/>
+          <p:cNvSpPr>
+            <a:spLocks noGrp="1" noRot="1" noChangeAspect="1"/>
+          </p:cNvSpPr>
+          <p:nvPr>
+            <p:ph type="sldImg"/>
+          </p:nvPr>
+        </p:nvSpPr>
+        <p:spPr/>
+      </p:sp>
+      <p:sp>
+        <p:nvSpPr>
+          <p:cNvPr id="3" name="Espaço Reservado para Anotações 2"/>
+          <p:cNvSpPr>
+            <a:spLocks noGrp="1"/>
+          </p:cNvSpPr>
+          <p:nvPr>
+            <p:ph type="body" idx="1"/>
+          </p:nvPr>
+        </p:nvSpPr>
+        <p:spPr/>
+        <p:txBody>
+          <a:bodyPr/>
+          <a:lstStyle/>
+          <a:p>
+            <a:endParaRPr lang="pt-BR" dirty="0"/>
+          </a:p>
+        </p:txBody>
+      </p:sp>
+      <p:sp>
+        <p:nvSpPr>
+          <p:cNvPr id="4" name="Espaço Reservado para Número de Slide 3"/>
+          <p:cNvSpPr>
+            <a:spLocks noGrp="1"/>
+          </p:cNvSpPr>
+          <p:nvPr>
+            <p:ph type="sldNum" sz="quarter" idx="10"/>
+          </p:nvPr>
+        </p:nvSpPr>
+        <p:spPr/>
+        <p:txBody>
+          <a:bodyPr/>
+          <a:lstStyle/>
+          <a:p>
+            <a:fld id="{F430A2A4-8C14-4B1A-AD48-7B6401078BF7}" type="slidenum">
+              <a:rPr lang="pt-BR" smtClean="0"/>
+              <a:t>27</a:t>
+            </a:fld>
+            <a:endParaRPr lang="pt-BR"/>
+          </a:p>
+        </p:txBody>
+      </p:sp>
+    </p:spTree>
+    <p:extLst>
+      <p:ext uri="{BB962C8B-B14F-4D97-AF65-F5344CB8AC3E}">
+        <p14:creationId xmlns:p14="http://schemas.microsoft.com/office/powerpoint/2010/main" val="1395316981"/>
       </p:ext>
     </p:extLst>
   </p:cSld>
@@ -7125,7 +7558,7 @@
           <p:cNvPr id="2" name="Título 1">
             <a:extLst>
               <a:ext uri="{FF2B5EF4-FFF2-40B4-BE49-F238E27FC236}">
-                <a16:creationId xmlns:a16="http://schemas.microsoft.com/office/drawing/2014/main" id="{32666AC8-2E17-4DB4-B0F5-60C640CCFD2E}"/>
+                <a16:creationId xmlns:a16="http://schemas.microsoft.com/office/drawing/2014/main" xmlns="" id="{32666AC8-2E17-4DB4-B0F5-60C640CCFD2E}"/>
               </a:ext>
             </a:extLst>
           </p:cNvPr>
@@ -7152,6 +7585,10 @@
               <a:rPr lang="pt-BR" sz="5400" dirty="0"/>
               <a:t>T320 - Introdução ao Aprendizado de Máquina II:</a:t>
             </a:r>
+            <a:r>
+              <a:rPr lang="pt-BR" dirty="0"/>
+              <a:t/>
+            </a:r>
             <a:br>
               <a:rPr lang="pt-BR" dirty="0"/>
             </a:br>
@@ -7167,7 +7604,7 @@
           <p:cNvPr id="4" name="CaixaDeTexto 3">
             <a:extLst>
               <a:ext uri="{FF2B5EF4-FFF2-40B4-BE49-F238E27FC236}">
-                <a16:creationId xmlns:a16="http://schemas.microsoft.com/office/drawing/2014/main" id="{430EB894-B7D4-434C-9D1A-A14094D9BEEC}"/>
+                <a16:creationId xmlns:a16="http://schemas.microsoft.com/office/drawing/2014/main" xmlns="" id="{430EB894-B7D4-434C-9D1A-A14094D9BEEC}"/>
               </a:ext>
             </a:extLst>
           </p:cNvPr>
@@ -7208,7 +7645,7 @@
           <p:cNvPr id="1026" name="Picture 2" descr="Logo">
             <a:extLst>
               <a:ext uri="{FF2B5EF4-FFF2-40B4-BE49-F238E27FC236}">
-                <a16:creationId xmlns:a16="http://schemas.microsoft.com/office/drawing/2014/main" id="{3F2642E0-4F6A-4196-8F58-E77D36E9A33F}"/>
+                <a16:creationId xmlns:a16="http://schemas.microsoft.com/office/drawing/2014/main" xmlns="" id="{3F2642E0-4F6A-4196-8F58-E77D36E9A33F}"/>
               </a:ext>
             </a:extLst>
           </p:cNvPr>
@@ -7253,7 +7690,7 @@
           <p:cNvPr id="5122" name="Picture 2" descr="Image result for machine learning">
             <a:extLst>
               <a:ext uri="{FF2B5EF4-FFF2-40B4-BE49-F238E27FC236}">
-                <a16:creationId xmlns:a16="http://schemas.microsoft.com/office/drawing/2014/main" id="{810CE0A2-4102-44A6-A370-175E7896CDCB}"/>
+                <a16:creationId xmlns:a16="http://schemas.microsoft.com/office/drawing/2014/main" xmlns="" id="{810CE0A2-4102-44A6-A370-175E7896CDCB}"/>
               </a:ext>
             </a:extLst>
           </p:cNvPr>
@@ -7522,7 +7959,12 @@
             <p:ph type="title"/>
           </p:nvPr>
         </p:nvSpPr>
-        <p:spPr/>
+        <p:spPr>
+          <a:xfrm>
+            <a:off x="838200" y="365125"/>
+            <a:ext cx="10515600" cy="1063625"/>
+          </a:xfrm>
+        </p:spPr>
         <p:txBody>
           <a:bodyPr/>
           <a:lstStyle/>
@@ -7548,18 +7990,18 @@
             </p:nvSpPr>
             <p:spPr>
               <a:xfrm>
-                <a:off x="838200" y="1825624"/>
-                <a:ext cx="11010900" cy="5032375"/>
+                <a:off x="838200" y="1600200"/>
+                <a:ext cx="11182350" cy="5257799"/>
               </a:xfrm>
             </p:spPr>
             <p:txBody>
               <a:bodyPr>
-                <a:normAutofit/>
+                <a:normAutofit lnSpcReduction="10000"/>
               </a:bodyPr>
               <a:lstStyle/>
               <a:p>
                 <a:r>
-                  <a:rPr lang="pt-BR" dirty="0"/>
+                  <a:rPr lang="pt-BR" dirty="0" smtClean="0"/>
                   <a:t>Lembrem-se que as </a:t>
                 </a:r>
                 <a:r>
@@ -7610,185 +8052,15 @@
                 </a:r>
                 <a:r>
                   <a:rPr lang="pt-BR" b="1" i="1" dirty="0"/>
-                  <a:t>regra da cadeia</a:t>
-                </a:r>
-                <a:r>
-                  <a:rPr lang="pt-BR" dirty="0"/>
-                  <a:t>.</a:t>
-                </a:r>
-              </a:p>
-              <a:p>
-                <a:r>
-                  <a:rPr lang="pt-BR" dirty="0"/>
-                  <a:t>Vamos ver isso através de </a:t>
-                </a:r>
-                <a:r>
-                  <a:rPr lang="pt-BR"/>
-                  <a:t>um exemplo.</a:t>
-                </a:r>
-                <a:endParaRPr lang="pt-BR" dirty="0"/>
-              </a:p>
-              <a:p>
-                <a:r>
-                  <a:rPr lang="pt-BR" dirty="0"/>
-                  <a:t>Dada a simplificação de uma rede neural mostrada na figura abaixo, a qual contém</a:t>
-                </a:r>
-              </a:p>
-              <a:p>
-                <a:pPr lvl="1">
-                  <a:buFont typeface="Wingdings" panose="05000000000000000000" pitchFamily="2" charset="2"/>
-                  <a:buChar char="§"/>
-                </a:pPr>
-                <a:r>
-                  <a:rPr lang="pt-BR" dirty="0"/>
-                  <a:t>Três nós com as seguintes funções de ativação </a:t>
-                </a:r>
-                <a14:m>
-                  <m:oMath xmlns:m="http://schemas.openxmlformats.org/officeDocument/2006/math">
-                    <m:r>
-                      <a:rPr lang="pt-BR" i="1">
-                        <a:latin typeface="Cambria Math" panose="02040503050406030204" pitchFamily="18" charset="0"/>
-                      </a:rPr>
-                      <m:t>h</m:t>
-                    </m:r>
-                    <m:d>
-                      <m:dPr>
-                        <m:ctrlPr>
-                          <a:rPr lang="pt-BR" i="1">
-                            <a:latin typeface="Cambria Math" panose="02040503050406030204" pitchFamily="18" charset="0"/>
-                          </a:rPr>
-                        </m:ctrlPr>
-                      </m:dPr>
-                      <m:e>
-                        <m:r>
-                          <a:rPr lang="pt-BR" i="1">
-                            <a:latin typeface="Cambria Math" panose="02040503050406030204" pitchFamily="18" charset="0"/>
-                          </a:rPr>
-                          <m:t>.</m:t>
-                        </m:r>
-                      </m:e>
-                    </m:d>
-                  </m:oMath>
-                </a14:m>
-                <a:r>
-                  <a:rPr lang="pt-BR" dirty="0"/>
-                  <a:t>, </a:t>
-                </a:r>
-                <a14:m>
-                  <m:oMath xmlns:m="http://schemas.openxmlformats.org/officeDocument/2006/math">
-                    <m:r>
-                      <a:rPr lang="pt-BR" i="1">
-                        <a:latin typeface="Cambria Math" panose="02040503050406030204" pitchFamily="18" charset="0"/>
-                      </a:rPr>
-                      <m:t>𝑔</m:t>
-                    </m:r>
-                    <m:d>
-                      <m:dPr>
-                        <m:ctrlPr>
-                          <a:rPr lang="pt-BR" i="1">
-                            <a:latin typeface="Cambria Math" panose="02040503050406030204" pitchFamily="18" charset="0"/>
-                          </a:rPr>
-                        </m:ctrlPr>
-                      </m:dPr>
-                      <m:e>
-                        <m:r>
-                          <a:rPr lang="pt-BR" i="1">
-                            <a:latin typeface="Cambria Math" panose="02040503050406030204" pitchFamily="18" charset="0"/>
-                          </a:rPr>
-                          <m:t>.</m:t>
-                        </m:r>
-                      </m:e>
-                    </m:d>
-                  </m:oMath>
-                </a14:m>
-                <a:r>
-                  <a:rPr lang="pt-BR" dirty="0"/>
-                  <a:t> e </a:t>
-                </a:r>
-                <a14:m>
-                  <m:oMath xmlns:m="http://schemas.openxmlformats.org/officeDocument/2006/math">
-                    <m:r>
-                      <a:rPr lang="pt-BR" i="1">
-                        <a:latin typeface="Cambria Math" panose="02040503050406030204" pitchFamily="18" charset="0"/>
-                      </a:rPr>
-                      <m:t>𝑓</m:t>
-                    </m:r>
-                    <m:d>
-                      <m:dPr>
-                        <m:ctrlPr>
-                          <a:rPr lang="pt-BR" i="1">
-                            <a:latin typeface="Cambria Math" panose="02040503050406030204" pitchFamily="18" charset="0"/>
-                          </a:rPr>
-                        </m:ctrlPr>
-                      </m:dPr>
-                      <m:e>
-                        <m:r>
-                          <a:rPr lang="pt-BR" i="1">
-                            <a:latin typeface="Cambria Math" panose="02040503050406030204" pitchFamily="18" charset="0"/>
-                          </a:rPr>
-                          <m:t>.</m:t>
-                        </m:r>
-                      </m:e>
-                    </m:d>
-                  </m:oMath>
-                </a14:m>
-                <a:r>
-                  <a:rPr lang="pt-BR" dirty="0"/>
-                  <a:t>.</a:t>
-                </a:r>
-              </a:p>
-              <a:p>
-                <a:pPr lvl="1">
-                  <a:buFont typeface="Wingdings" panose="05000000000000000000" pitchFamily="2" charset="2"/>
-                  <a:buChar char="§"/>
-                </a:pPr>
-                <a:r>
-                  <a:rPr lang="pt-BR" dirty="0"/>
-                  <a:t>Pesos </a:t>
-                </a:r>
-                <a14:m>
-                  <m:oMath xmlns:m="http://schemas.openxmlformats.org/officeDocument/2006/math">
-                    <m:r>
-                      <a:rPr lang="pt-BR" i="1">
-                        <a:latin typeface="Cambria Math" panose="02040503050406030204" pitchFamily="18" charset="0"/>
-                      </a:rPr>
-                      <m:t>𝑤</m:t>
-                    </m:r>
-                  </m:oMath>
-                </a14:m>
-                <a:r>
-                  <a:rPr lang="pt-BR" dirty="0"/>
-                  <a:t>, 1 e 1, conectando os três nós, respectivamente.</a:t>
-                </a:r>
-              </a:p>
-              <a:p>
-                <a:pPr lvl="1">
-                  <a:buFont typeface="Wingdings" panose="05000000000000000000" pitchFamily="2" charset="2"/>
-                  <a:buChar char="§"/>
-                </a:pPr>
-                <a:r>
-                  <a:rPr lang="pt-BR" dirty="0"/>
-                  <a:t>Entrada </a:t>
-                </a:r>
-                <a14:m>
-                  <m:oMath xmlns:m="http://schemas.openxmlformats.org/officeDocument/2006/math">
-                    <m:r>
-                      <a:rPr lang="pt-BR" i="1">
-                        <a:latin typeface="Cambria Math" panose="02040503050406030204" pitchFamily="18" charset="0"/>
-                      </a:rPr>
-                      <m:t>𝑥</m:t>
-                    </m:r>
-                    <m:r>
-                      <a:rPr lang="pt-BR" i="1">
-                        <a:latin typeface="Cambria Math" panose="02040503050406030204" pitchFamily="18" charset="0"/>
-                      </a:rPr>
-                      <m:t>=1</m:t>
-                    </m:r>
-                  </m:oMath>
-                </a14:m>
-                <a:r>
-                  <a:rPr lang="pt-BR" dirty="0"/>
-                  <a:t>.</a:t>
+                  <a:t>regra da </a:t>
+                </a:r>
+                <a:r>
+                  <a:rPr lang="pt-BR" b="1" i="1" dirty="0" smtClean="0"/>
+                  <a:t>cadeia</a:t>
+                </a:r>
+                <a:r>
+                  <a:rPr lang="pt-BR" dirty="0" smtClean="0"/>
+                  <a:t> (exemplo abaixo).</a:t>
                 </a:r>
               </a:p>
               <a:p>
@@ -7798,6 +8070,473 @@
                 <a:endParaRPr lang="pt-BR" dirty="0"/>
               </a:p>
               <a:p>
+                <a:pPr marL="0" indent="0">
+                  <a:buNone/>
+                </a:pPr>
+                <a:endParaRPr lang="pt-BR" dirty="0" smtClean="0"/>
+              </a:p>
+              <a:p>
+                <a:pPr marL="0" indent="0">
+                  <a:buNone/>
+                </a:pPr>
+                <a14:m>
+                  <m:oMathPara xmlns:m="http://schemas.openxmlformats.org/officeDocument/2006/math">
+                    <m:oMathParaPr>
+                      <m:jc m:val="centerGroup"/>
+                    </m:oMathParaPr>
+                    <m:oMath xmlns:m="http://schemas.openxmlformats.org/officeDocument/2006/math">
+                      <m:f>
+                        <m:fPr>
+                          <m:ctrlPr>
+                            <a:rPr lang="pt-BR" sz="2400" i="1">
+                              <a:latin typeface="Cambria Math" panose="02040503050406030204" pitchFamily="18" charset="0"/>
+                            </a:rPr>
+                          </m:ctrlPr>
+                        </m:fPr>
+                        <m:num>
+                          <m:r>
+                            <a:rPr lang="pt-BR" sz="2400" i="1">
+                              <a:latin typeface="Cambria Math" panose="02040503050406030204" pitchFamily="18" charset="0"/>
+                              <a:ea typeface="Cambria Math" panose="02040503050406030204" pitchFamily="18" charset="0"/>
+                            </a:rPr>
+                            <m:t>𝜕</m:t>
+                          </m:r>
+                          <m:r>
+                            <a:rPr lang="pt-BR" sz="2400" i="1">
+                              <a:latin typeface="Cambria Math" panose="02040503050406030204" pitchFamily="18" charset="0"/>
+                              <a:ea typeface="Cambria Math" panose="02040503050406030204" pitchFamily="18" charset="0"/>
+                            </a:rPr>
+                            <m:t>𝑦</m:t>
+                          </m:r>
+                        </m:num>
+                        <m:den>
+                          <m:r>
+                            <a:rPr lang="pt-BR" sz="2400" i="1">
+                              <a:latin typeface="Cambria Math" panose="02040503050406030204" pitchFamily="18" charset="0"/>
+                              <a:ea typeface="Cambria Math" panose="02040503050406030204" pitchFamily="18" charset="0"/>
+                            </a:rPr>
+                            <m:t>𝜕</m:t>
+                          </m:r>
+                          <m:r>
+                            <a:rPr lang="pt-BR" sz="2400" b="0" i="1" smtClean="0">
+                              <a:latin typeface="Cambria Math" panose="02040503050406030204" pitchFamily="18" charset="0"/>
+                              <a:ea typeface="Cambria Math" panose="02040503050406030204" pitchFamily="18" charset="0"/>
+                            </a:rPr>
+                            <m:t>𝑥</m:t>
+                          </m:r>
+                        </m:den>
+                      </m:f>
+                      <m:r>
+                        <a:rPr lang="pt-BR" sz="2400" i="1">
+                          <a:latin typeface="Cambria Math" panose="02040503050406030204" pitchFamily="18" charset="0"/>
+                        </a:rPr>
+                        <m:t>=</m:t>
+                      </m:r>
+                      <m:f>
+                        <m:fPr>
+                          <m:ctrlPr>
+                            <a:rPr lang="pt-BR" sz="2400" i="1">
+                              <a:latin typeface="Cambria Math" panose="02040503050406030204" pitchFamily="18" charset="0"/>
+                            </a:rPr>
+                          </m:ctrlPr>
+                        </m:fPr>
+                        <m:num>
+                          <m:r>
+                            <a:rPr lang="pt-BR" sz="2400" i="1">
+                              <a:latin typeface="Cambria Math" panose="02040503050406030204" pitchFamily="18" charset="0"/>
+                              <a:ea typeface="Cambria Math" panose="02040503050406030204" pitchFamily="18" charset="0"/>
+                            </a:rPr>
+                            <m:t>𝜕</m:t>
+                          </m:r>
+                          <m:r>
+                            <a:rPr lang="pt-BR" sz="2400" i="1">
+                              <a:latin typeface="Cambria Math" panose="02040503050406030204" pitchFamily="18" charset="0"/>
+                            </a:rPr>
+                            <m:t>𝑓</m:t>
+                          </m:r>
+                          <m:d>
+                            <m:dPr>
+                              <m:ctrlPr>
+                                <a:rPr lang="pt-BR" sz="2400" i="1">
+                                  <a:latin typeface="Cambria Math" panose="02040503050406030204" pitchFamily="18" charset="0"/>
+                                </a:rPr>
+                              </m:ctrlPr>
+                            </m:dPr>
+                            <m:e>
+                              <m:r>
+                                <a:rPr lang="pt-BR" sz="2400" i="1">
+                                  <a:latin typeface="Cambria Math" panose="02040503050406030204" pitchFamily="18" charset="0"/>
+                                </a:rPr>
+                                <m:t>𝑔</m:t>
+                              </m:r>
+                              <m:d>
+                                <m:dPr>
+                                  <m:ctrlPr>
+                                    <a:rPr lang="pt-BR" sz="2400" i="1">
+                                      <a:latin typeface="Cambria Math" panose="02040503050406030204" pitchFamily="18" charset="0"/>
+                                    </a:rPr>
+                                  </m:ctrlPr>
+                                </m:dPr>
+                                <m:e>
+                                  <m:r>
+                                    <a:rPr lang="pt-BR" sz="2400" i="1">
+                                      <a:latin typeface="Cambria Math" panose="02040503050406030204" pitchFamily="18" charset="0"/>
+                                    </a:rPr>
+                                    <m:t>h</m:t>
+                                  </m:r>
+                                  <m:r>
+                                    <a:rPr lang="pt-BR" sz="2400" i="1">
+                                      <a:latin typeface="Cambria Math" panose="02040503050406030204" pitchFamily="18" charset="0"/>
+                                    </a:rPr>
+                                    <m:t>(</m:t>
+                                  </m:r>
+                                  <m:r>
+                                    <a:rPr lang="pt-BR" sz="2400" b="0" i="1" smtClean="0">
+                                      <a:latin typeface="Cambria Math" panose="02040503050406030204" pitchFamily="18" charset="0"/>
+                                    </a:rPr>
+                                    <m:t>𝑥</m:t>
+                                  </m:r>
+                                  <m:r>
+                                    <a:rPr lang="pt-BR" sz="2400" i="1">
+                                      <a:latin typeface="Cambria Math" panose="02040503050406030204" pitchFamily="18" charset="0"/>
+                                    </a:rPr>
+                                    <m:t>)</m:t>
+                                  </m:r>
+                                </m:e>
+                              </m:d>
+                            </m:e>
+                          </m:d>
+                        </m:num>
+                        <m:den>
+                          <m:r>
+                            <a:rPr lang="pt-BR" sz="2400" i="1">
+                              <a:latin typeface="Cambria Math" panose="02040503050406030204" pitchFamily="18" charset="0"/>
+                              <a:ea typeface="Cambria Math" panose="02040503050406030204" pitchFamily="18" charset="0"/>
+                            </a:rPr>
+                            <m:t>𝜕</m:t>
+                          </m:r>
+                          <m:r>
+                            <a:rPr lang="pt-BR" sz="2400" b="0" i="1" smtClean="0">
+                              <a:latin typeface="Cambria Math" panose="02040503050406030204" pitchFamily="18" charset="0"/>
+                              <a:ea typeface="Cambria Math" panose="02040503050406030204" pitchFamily="18" charset="0"/>
+                            </a:rPr>
+                            <m:t>𝑥</m:t>
+                          </m:r>
+                        </m:den>
+                      </m:f>
+                      <m:r>
+                        <a:rPr lang="pt-BR" sz="2400" i="1">
+                          <a:latin typeface="Cambria Math" panose="02040503050406030204" pitchFamily="18" charset="0"/>
+                        </a:rPr>
+                        <m:t>=</m:t>
+                      </m:r>
+                      <m:f>
+                        <m:fPr>
+                          <m:ctrlPr>
+                            <a:rPr lang="pt-BR" sz="2400" i="1">
+                              <a:latin typeface="Cambria Math" panose="02040503050406030204" pitchFamily="18" charset="0"/>
+                            </a:rPr>
+                          </m:ctrlPr>
+                        </m:fPr>
+                        <m:num>
+                          <m:r>
+                            <a:rPr lang="pt-BR" sz="2400" i="1">
+                              <a:latin typeface="Cambria Math" panose="02040503050406030204" pitchFamily="18" charset="0"/>
+                              <a:ea typeface="Cambria Math" panose="02040503050406030204" pitchFamily="18" charset="0"/>
+                            </a:rPr>
+                            <m:t>𝜕</m:t>
+                          </m:r>
+                          <m:r>
+                            <a:rPr lang="pt-BR" sz="2400" i="1">
+                              <a:latin typeface="Cambria Math" panose="02040503050406030204" pitchFamily="18" charset="0"/>
+                            </a:rPr>
+                            <m:t>𝑓</m:t>
+                          </m:r>
+                          <m:d>
+                            <m:dPr>
+                              <m:ctrlPr>
+                                <a:rPr lang="pt-BR" sz="2400" i="1">
+                                  <a:latin typeface="Cambria Math" panose="02040503050406030204" pitchFamily="18" charset="0"/>
+                                </a:rPr>
+                              </m:ctrlPr>
+                            </m:dPr>
+                            <m:e>
+                              <m:r>
+                                <a:rPr lang="pt-BR" sz="2400" i="1">
+                                  <a:latin typeface="Cambria Math" panose="02040503050406030204" pitchFamily="18" charset="0"/>
+                                </a:rPr>
+                                <m:t>𝑔</m:t>
+                              </m:r>
+                              <m:d>
+                                <m:dPr>
+                                  <m:ctrlPr>
+                                    <a:rPr lang="pt-BR" sz="2400" i="1">
+                                      <a:latin typeface="Cambria Math" panose="02040503050406030204" pitchFamily="18" charset="0"/>
+                                    </a:rPr>
+                                  </m:ctrlPr>
+                                </m:dPr>
+                                <m:e>
+                                  <m:r>
+                                    <a:rPr lang="pt-BR" sz="2400" i="1">
+                                      <a:latin typeface="Cambria Math" panose="02040503050406030204" pitchFamily="18" charset="0"/>
+                                    </a:rPr>
+                                    <m:t>h</m:t>
+                                  </m:r>
+                                  <m:r>
+                                    <a:rPr lang="pt-BR" sz="2400" i="1">
+                                      <a:latin typeface="Cambria Math" panose="02040503050406030204" pitchFamily="18" charset="0"/>
+                                    </a:rPr>
+                                    <m:t>(</m:t>
+                                  </m:r>
+                                  <m:r>
+                                    <a:rPr lang="pt-BR" sz="2400" b="0" i="1" smtClean="0">
+                                      <a:latin typeface="Cambria Math" panose="02040503050406030204" pitchFamily="18" charset="0"/>
+                                    </a:rPr>
+                                    <m:t>𝑥</m:t>
+                                  </m:r>
+                                  <m:r>
+                                    <a:rPr lang="pt-BR" sz="2400" i="1">
+                                      <a:latin typeface="Cambria Math" panose="02040503050406030204" pitchFamily="18" charset="0"/>
+                                    </a:rPr>
+                                    <m:t>)</m:t>
+                                  </m:r>
+                                </m:e>
+                              </m:d>
+                            </m:e>
+                          </m:d>
+                        </m:num>
+                        <m:den>
+                          <m:r>
+                            <a:rPr lang="pt-BR" sz="2400" i="1">
+                              <a:latin typeface="Cambria Math" panose="02040503050406030204" pitchFamily="18" charset="0"/>
+                              <a:ea typeface="Cambria Math" panose="02040503050406030204" pitchFamily="18" charset="0"/>
+                            </a:rPr>
+                            <m:t>𝜕</m:t>
+                          </m:r>
+                          <m:r>
+                            <a:rPr lang="pt-BR" sz="2400" i="1">
+                              <a:latin typeface="Cambria Math" panose="02040503050406030204" pitchFamily="18" charset="0"/>
+                              <a:ea typeface="Cambria Math" panose="02040503050406030204" pitchFamily="18" charset="0"/>
+                            </a:rPr>
+                            <m:t>𝑔</m:t>
+                          </m:r>
+                          <m:d>
+                            <m:dPr>
+                              <m:ctrlPr>
+                                <a:rPr lang="pt-BR" sz="2400" i="1">
+                                  <a:latin typeface="Cambria Math" panose="02040503050406030204" pitchFamily="18" charset="0"/>
+                                </a:rPr>
+                              </m:ctrlPr>
+                            </m:dPr>
+                            <m:e>
+                              <m:r>
+                                <a:rPr lang="pt-BR" sz="2400" i="1">
+                                  <a:latin typeface="Cambria Math" panose="02040503050406030204" pitchFamily="18" charset="0"/>
+                                </a:rPr>
+                                <m:t>h</m:t>
+                              </m:r>
+                              <m:r>
+                                <a:rPr lang="pt-BR" sz="2400" i="1">
+                                  <a:latin typeface="Cambria Math" panose="02040503050406030204" pitchFamily="18" charset="0"/>
+                                </a:rPr>
+                                <m:t>(</m:t>
+                              </m:r>
+                              <m:r>
+                                <a:rPr lang="pt-BR" sz="2400" b="0" i="1" smtClean="0">
+                                  <a:latin typeface="Cambria Math" panose="02040503050406030204" pitchFamily="18" charset="0"/>
+                                </a:rPr>
+                                <m:t>𝑥</m:t>
+                              </m:r>
+                              <m:r>
+                                <a:rPr lang="pt-BR" sz="2400" i="1">
+                                  <a:latin typeface="Cambria Math" panose="02040503050406030204" pitchFamily="18" charset="0"/>
+                                </a:rPr>
+                                <m:t>)</m:t>
+                              </m:r>
+                            </m:e>
+                          </m:d>
+                        </m:den>
+                      </m:f>
+                      <m:f>
+                        <m:fPr>
+                          <m:ctrlPr>
+                            <a:rPr lang="pt-BR" sz="2400" i="1">
+                              <a:latin typeface="Cambria Math" panose="02040503050406030204" pitchFamily="18" charset="0"/>
+                            </a:rPr>
+                          </m:ctrlPr>
+                        </m:fPr>
+                        <m:num>
+                          <m:r>
+                            <a:rPr lang="pt-BR" sz="2400" i="1">
+                              <a:latin typeface="Cambria Math" panose="02040503050406030204" pitchFamily="18" charset="0"/>
+                              <a:ea typeface="Cambria Math" panose="02040503050406030204" pitchFamily="18" charset="0"/>
+                            </a:rPr>
+                            <m:t>𝜕</m:t>
+                          </m:r>
+                          <m:r>
+                            <a:rPr lang="pt-BR" sz="2400" i="1">
+                              <a:latin typeface="Cambria Math" panose="02040503050406030204" pitchFamily="18" charset="0"/>
+                              <a:ea typeface="Cambria Math" panose="02040503050406030204" pitchFamily="18" charset="0"/>
+                            </a:rPr>
+                            <m:t>𝑔</m:t>
+                          </m:r>
+                          <m:r>
+                            <a:rPr lang="pt-BR" sz="2400" i="1">
+                              <a:latin typeface="Cambria Math" panose="02040503050406030204" pitchFamily="18" charset="0"/>
+                              <a:ea typeface="Cambria Math" panose="02040503050406030204" pitchFamily="18" charset="0"/>
+                            </a:rPr>
+                            <m:t>(</m:t>
+                          </m:r>
+                          <m:r>
+                            <a:rPr lang="pt-BR" sz="2400" i="1">
+                              <a:latin typeface="Cambria Math" panose="02040503050406030204" pitchFamily="18" charset="0"/>
+                            </a:rPr>
+                            <m:t>h</m:t>
+                          </m:r>
+                          <m:d>
+                            <m:dPr>
+                              <m:ctrlPr>
+                                <a:rPr lang="pt-BR" sz="2400" i="1">
+                                  <a:latin typeface="Cambria Math" panose="02040503050406030204" pitchFamily="18" charset="0"/>
+                                </a:rPr>
+                              </m:ctrlPr>
+                            </m:dPr>
+                            <m:e>
+                              <m:r>
+                                <a:rPr lang="pt-BR" sz="2400" b="0" i="1" smtClean="0">
+                                  <a:latin typeface="Cambria Math" panose="02040503050406030204" pitchFamily="18" charset="0"/>
+                                </a:rPr>
+                                <m:t>𝑥</m:t>
+                              </m:r>
+                            </m:e>
+                          </m:d>
+                          <m:r>
+                            <a:rPr lang="pt-BR" sz="2400" i="1">
+                              <a:latin typeface="Cambria Math" panose="02040503050406030204" pitchFamily="18" charset="0"/>
+                            </a:rPr>
+                            <m:t>)</m:t>
+                          </m:r>
+                        </m:num>
+                        <m:den>
+                          <m:r>
+                            <a:rPr lang="pt-BR" sz="2400" i="1">
+                              <a:latin typeface="Cambria Math" panose="02040503050406030204" pitchFamily="18" charset="0"/>
+                              <a:ea typeface="Cambria Math" panose="02040503050406030204" pitchFamily="18" charset="0"/>
+                            </a:rPr>
+                            <m:t>𝜕</m:t>
+                          </m:r>
+                          <m:r>
+                            <a:rPr lang="pt-BR" sz="2400" i="1">
+                              <a:latin typeface="Cambria Math" panose="02040503050406030204" pitchFamily="18" charset="0"/>
+                              <a:ea typeface="Cambria Math" panose="02040503050406030204" pitchFamily="18" charset="0"/>
+                            </a:rPr>
+                            <m:t>h</m:t>
+                          </m:r>
+                          <m:r>
+                            <a:rPr lang="pt-BR" sz="2400" i="1">
+                              <a:latin typeface="Cambria Math" panose="02040503050406030204" pitchFamily="18" charset="0"/>
+                              <a:ea typeface="Cambria Math" panose="02040503050406030204" pitchFamily="18" charset="0"/>
+                            </a:rPr>
+                            <m:t>(</m:t>
+                          </m:r>
+                          <m:r>
+                            <a:rPr lang="pt-BR" sz="2400" b="0" i="1" smtClean="0">
+                              <a:latin typeface="Cambria Math" panose="02040503050406030204" pitchFamily="18" charset="0"/>
+                              <a:ea typeface="Cambria Math" panose="02040503050406030204" pitchFamily="18" charset="0"/>
+                            </a:rPr>
+                            <m:t>𝑥</m:t>
+                          </m:r>
+                          <m:r>
+                            <a:rPr lang="pt-BR" sz="2400" i="1">
+                              <a:latin typeface="Cambria Math" panose="02040503050406030204" pitchFamily="18" charset="0"/>
+                            </a:rPr>
+                            <m:t>)</m:t>
+                          </m:r>
+                        </m:den>
+                      </m:f>
+                      <m:f>
+                        <m:fPr>
+                          <m:ctrlPr>
+                            <a:rPr lang="pt-BR" sz="2400" i="1">
+                              <a:latin typeface="Cambria Math" panose="02040503050406030204" pitchFamily="18" charset="0"/>
+                            </a:rPr>
+                          </m:ctrlPr>
+                        </m:fPr>
+                        <m:num>
+                          <m:r>
+                            <a:rPr lang="pt-BR" sz="2400" i="1">
+                              <a:latin typeface="Cambria Math" panose="02040503050406030204" pitchFamily="18" charset="0"/>
+                              <a:ea typeface="Cambria Math" panose="02040503050406030204" pitchFamily="18" charset="0"/>
+                            </a:rPr>
+                            <m:t>𝜕</m:t>
+                          </m:r>
+                          <m:r>
+                            <a:rPr lang="pt-BR" sz="2400" i="1">
+                              <a:latin typeface="Cambria Math" panose="02040503050406030204" pitchFamily="18" charset="0"/>
+                            </a:rPr>
+                            <m:t>h</m:t>
+                          </m:r>
+                          <m:d>
+                            <m:dPr>
+                              <m:ctrlPr>
+                                <a:rPr lang="pt-BR" sz="2400" i="1">
+                                  <a:latin typeface="Cambria Math" panose="02040503050406030204" pitchFamily="18" charset="0"/>
+                                </a:rPr>
+                              </m:ctrlPr>
+                            </m:dPr>
+                            <m:e>
+                              <m:r>
+                                <a:rPr lang="pt-BR" sz="2400" b="0" i="1" smtClean="0">
+                                  <a:latin typeface="Cambria Math" panose="02040503050406030204" pitchFamily="18" charset="0"/>
+                                </a:rPr>
+                                <m:t>𝑥</m:t>
+                              </m:r>
+                            </m:e>
+                          </m:d>
+                        </m:num>
+                        <m:den>
+                          <m:r>
+                            <a:rPr lang="pt-BR" sz="2400" i="1">
+                              <a:latin typeface="Cambria Math" panose="02040503050406030204" pitchFamily="18" charset="0"/>
+                              <a:ea typeface="Cambria Math" panose="02040503050406030204" pitchFamily="18" charset="0"/>
+                            </a:rPr>
+                            <m:t>𝜕</m:t>
+                          </m:r>
+                          <m:r>
+                            <a:rPr lang="pt-BR" sz="2400" b="0" i="1" smtClean="0">
+                              <a:latin typeface="Cambria Math" panose="02040503050406030204" pitchFamily="18" charset="0"/>
+                              <a:ea typeface="Cambria Math" panose="02040503050406030204" pitchFamily="18" charset="0"/>
+                            </a:rPr>
+                            <m:t>𝑥</m:t>
+                          </m:r>
+                        </m:den>
+                      </m:f>
+                    </m:oMath>
+                  </m:oMathPara>
+                </a14:m>
+                <a:endParaRPr lang="pt-BR" dirty="0"/>
+              </a:p>
+              <a:p>
+                <a:r>
+                  <a:rPr lang="pt-BR" dirty="0"/>
+                  <a:t>Em outras palavras, devido à regra da cadeia, o gradiente para a atualização dos pesos de uma dada camada da rede neural </a:t>
+                </a:r>
+                <a:r>
+                  <a:rPr lang="pt-BR" dirty="0" smtClean="0"/>
+                  <a:t>inclui </a:t>
+                </a:r>
+                <a:r>
+                  <a:rPr lang="pt-BR" b="1" i="1" dirty="0" smtClean="0"/>
+                  <a:t>o </a:t>
+                </a:r>
+                <a:r>
+                  <a:rPr lang="pt-BR" b="1" i="1" dirty="0"/>
+                  <a:t>produto das derivadas das funções de ativação desde a camada de saída até a camada desejada</a:t>
+                </a:r>
+                <a:r>
+                  <a:rPr lang="pt-BR" dirty="0" smtClean="0"/>
+                  <a:t>.</a:t>
+                </a:r>
                 <a:endParaRPr lang="pt-BR" dirty="0"/>
               </a:p>
             </p:txBody>
@@ -7816,13 +8555,13 @@
             </p:nvSpPr>
             <p:spPr>
               <a:xfrm>
-                <a:off x="838200" y="1825624"/>
-                <a:ext cx="11010900" cy="5032375"/>
+                <a:off x="838200" y="1600200"/>
+                <a:ext cx="11182350" cy="5257799"/>
               </a:xfrm>
-              <a:blipFill>
+              <a:blipFill rotWithShape="0">
                 <a:blip r:embed="rId3"/>
                 <a:stretch>
-                  <a:fillRect l="-997" t="-1937"/>
+                  <a:fillRect l="-981" t="-2668" r="-1145" b="-232"/>
                 </a:stretch>
               </a:blipFill>
             </p:spPr>
@@ -7831,7 +8570,7 @@
               <a:lstStyle/>
               <a:p>
                 <a:r>
-                  <a:rPr lang="en-US">
+                  <a:rPr lang="pt-BR">
                     <a:noFill/>
                   </a:rPr>
                   <a:t> </a:t>
@@ -7843,13 +8582,7 @@
       </mc:AlternateContent>
       <p:pic>
         <p:nvPicPr>
-          <p:cNvPr id="5" name="Imagem 4">
-            <a:extLst>
-              <a:ext uri="{FF2B5EF4-FFF2-40B4-BE49-F238E27FC236}">
-                <a16:creationId xmlns:a16="http://schemas.microsoft.com/office/drawing/2014/main" id="{3AFC392A-3939-4041-A21D-270BBF678B90}"/>
-              </a:ext>
-            </a:extLst>
-          </p:cNvPr>
+          <p:cNvPr id="4" name="Imagem 3"/>
           <p:cNvPicPr>
             <a:picLocks noChangeAspect="1"/>
           </p:cNvPicPr>
@@ -7869,8 +8602,8 @@
         </p:blipFill>
         <p:spPr>
           <a:xfrm>
-            <a:off x="4004772" y="5842981"/>
-            <a:ext cx="6925656" cy="810838"/>
+            <a:off x="3781425" y="3576774"/>
+            <a:ext cx="5215788" cy="557074"/>
           </a:xfrm>
           <a:prstGeom prst="rect">
             <a:avLst/>
@@ -7907,2372 +8640,6 @@
           <a:chExt cx="0" cy="0"/>
         </a:xfrm>
       </p:grpSpPr>
-      <p:grpSp>
-        <p:nvGrpSpPr>
-          <p:cNvPr id="24" name="Agrupar 23">
-            <a:extLst>
-              <a:ext uri="{FF2B5EF4-FFF2-40B4-BE49-F238E27FC236}">
-                <a16:creationId xmlns:a16="http://schemas.microsoft.com/office/drawing/2014/main" id="{B2B2E9E4-40EA-4EF3-A1B4-7C4B37E726F4}"/>
-              </a:ext>
-            </a:extLst>
-          </p:cNvPr>
-          <p:cNvGrpSpPr/>
-          <p:nvPr/>
-        </p:nvGrpSpPr>
-        <p:grpSpPr>
-          <a:xfrm>
-            <a:off x="2644144" y="3054167"/>
-            <a:ext cx="6903711" cy="749666"/>
-            <a:chOff x="4473339" y="2985718"/>
-            <a:chExt cx="6903711" cy="749666"/>
-          </a:xfrm>
-        </p:grpSpPr>
-        <mc:AlternateContent xmlns:mc="http://schemas.openxmlformats.org/markup-compatibility/2006" xmlns:a14="http://schemas.microsoft.com/office/drawing/2010/main">
-          <mc:Choice Requires="a14">
-            <p:sp>
-              <p:nvSpPr>
-                <p:cNvPr id="4" name="Elipse 3">
-                  <a:extLst>
-                    <a:ext uri="{FF2B5EF4-FFF2-40B4-BE49-F238E27FC236}">
-                      <a16:creationId xmlns:a16="http://schemas.microsoft.com/office/drawing/2014/main" id="{6E02C4AE-F573-42F7-B89A-4B4B97A1874A}"/>
-                    </a:ext>
-                  </a:extLst>
-                </p:cNvPr>
-                <p:cNvSpPr/>
-                <p:nvPr/>
-              </p:nvSpPr>
-              <p:spPr>
-                <a:xfrm>
-                  <a:off x="5610225" y="3067050"/>
-                  <a:ext cx="576000" cy="576000"/>
-                </a:xfrm>
-                <a:prstGeom prst="ellipse">
-                  <a:avLst/>
-                </a:prstGeom>
-              </p:spPr>
-              <p:style>
-                <a:lnRef idx="2">
-                  <a:schemeClr val="accent1">
-                    <a:shade val="50000"/>
-                  </a:schemeClr>
-                </a:lnRef>
-                <a:fillRef idx="1">
-                  <a:schemeClr val="accent1"/>
-                </a:fillRef>
-                <a:effectRef idx="0">
-                  <a:schemeClr val="accent1"/>
-                </a:effectRef>
-                <a:fontRef idx="minor">
-                  <a:schemeClr val="lt1"/>
-                </a:fontRef>
-              </p:style>
-              <p:txBody>
-                <a:bodyPr rtlCol="0" anchor="ctr"/>
-                <a:lstStyle/>
-                <a:p>
-                  <a:pPr algn="ctr"/>
-                  <a14:m>
-                    <m:oMathPara xmlns:m="http://schemas.openxmlformats.org/officeDocument/2006/math">
-                      <m:oMathParaPr>
-                        <m:jc m:val="center"/>
-                      </m:oMathParaPr>
-                      <m:oMath xmlns:m="http://schemas.openxmlformats.org/officeDocument/2006/math">
-                        <m:r>
-                          <a:rPr lang="pt-BR" b="0" i="1" smtClean="0">
-                            <a:solidFill>
-                              <a:schemeClr val="tx1"/>
-                            </a:solidFill>
-                            <a:latin typeface="Cambria Math" panose="02040503050406030204" pitchFamily="18" charset="0"/>
-                          </a:rPr>
-                          <m:t> </m:t>
-                        </m:r>
-                        <m:r>
-                          <a:rPr lang="pt-BR" b="0" i="1" smtClean="0">
-                            <a:solidFill>
-                              <a:schemeClr val="tx1"/>
-                            </a:solidFill>
-                            <a:latin typeface="Cambria Math" panose="02040503050406030204" pitchFamily="18" charset="0"/>
-                          </a:rPr>
-                          <m:t>h</m:t>
-                        </m:r>
-                        <m:r>
-                          <a:rPr lang="pt-BR" b="0" i="1" smtClean="0">
-                            <a:solidFill>
-                              <a:schemeClr val="tx1"/>
-                            </a:solidFill>
-                            <a:latin typeface="Cambria Math" panose="02040503050406030204" pitchFamily="18" charset="0"/>
-                          </a:rPr>
-                          <m:t>(.)</m:t>
-                        </m:r>
-                      </m:oMath>
-                    </m:oMathPara>
-                  </a14:m>
-                  <a:endParaRPr lang="en-US" dirty="0">
-                    <a:solidFill>
-                      <a:schemeClr val="tx1"/>
-                    </a:solidFill>
-                  </a:endParaRPr>
-                </a:p>
-              </p:txBody>
-            </p:sp>
-          </mc:Choice>
-          <mc:Fallback xmlns="">
-            <p:sp>
-              <p:nvSpPr>
-                <p:cNvPr id="4" name="Elipse 3">
-                  <a:extLst>
-                    <a:ext uri="{FF2B5EF4-FFF2-40B4-BE49-F238E27FC236}">
-                      <a16:creationId xmlns:a16="http://schemas.microsoft.com/office/drawing/2014/main" id="{6E02C4AE-F573-42F7-B89A-4B4B97A1874A}"/>
-                    </a:ext>
-                  </a:extLst>
-                </p:cNvPr>
-                <p:cNvSpPr>
-                  <a:spLocks noRot="1" noChangeAspect="1" noMove="1" noResize="1" noEditPoints="1" noAdjustHandles="1" noChangeArrowheads="1" noChangeShapeType="1" noTextEdit="1"/>
-                </p:cNvSpPr>
-                <p:nvPr/>
-              </p:nvSpPr>
-              <p:spPr>
-                <a:xfrm>
-                  <a:off x="5610225" y="3067050"/>
-                  <a:ext cx="576000" cy="576000"/>
-                </a:xfrm>
-                <a:prstGeom prst="ellipse">
-                  <a:avLst/>
-                </a:prstGeom>
-                <a:blipFill>
-                  <a:blip r:embed="rId2"/>
-                  <a:stretch>
-                    <a:fillRect r="-4124"/>
-                  </a:stretch>
-                </a:blipFill>
-              </p:spPr>
-              <p:txBody>
-                <a:bodyPr/>
-                <a:lstStyle/>
-                <a:p>
-                  <a:r>
-                    <a:rPr lang="en-US">
-                      <a:noFill/>
-                    </a:rPr>
-                    <a:t> </a:t>
-                  </a:r>
-                </a:p>
-              </p:txBody>
-            </p:sp>
-          </mc:Fallback>
-        </mc:AlternateContent>
-        <mc:AlternateContent xmlns:mc="http://schemas.openxmlformats.org/markup-compatibility/2006" xmlns:a14="http://schemas.microsoft.com/office/drawing/2010/main">
-          <mc:Choice Requires="a14">
-            <p:sp>
-              <p:nvSpPr>
-                <p:cNvPr id="5" name="Elipse 4">
-                  <a:extLst>
-                    <a:ext uri="{FF2B5EF4-FFF2-40B4-BE49-F238E27FC236}">
-                      <a16:creationId xmlns:a16="http://schemas.microsoft.com/office/drawing/2014/main" id="{72D7C50D-C426-411D-8AD2-049893155314}"/>
-                    </a:ext>
-                  </a:extLst>
-                </p:cNvPr>
-                <p:cNvSpPr/>
-                <p:nvPr/>
-              </p:nvSpPr>
-              <p:spPr>
-                <a:xfrm>
-                  <a:off x="7129462" y="3067050"/>
-                  <a:ext cx="576000" cy="576000"/>
-                </a:xfrm>
-                <a:prstGeom prst="ellipse">
-                  <a:avLst/>
-                </a:prstGeom>
-              </p:spPr>
-              <p:style>
-                <a:lnRef idx="2">
-                  <a:schemeClr val="accent1">
-                    <a:shade val="50000"/>
-                  </a:schemeClr>
-                </a:lnRef>
-                <a:fillRef idx="1">
-                  <a:schemeClr val="accent1"/>
-                </a:fillRef>
-                <a:effectRef idx="0">
-                  <a:schemeClr val="accent1"/>
-                </a:effectRef>
-                <a:fontRef idx="minor">
-                  <a:schemeClr val="lt1"/>
-                </a:fontRef>
-              </p:style>
-              <p:txBody>
-                <a:bodyPr rtlCol="0" anchor="ctr"/>
-                <a:lstStyle/>
-                <a:p>
-                  <a:pPr algn="ctr"/>
-                  <a14:m>
-                    <m:oMathPara xmlns:m="http://schemas.openxmlformats.org/officeDocument/2006/math">
-                      <m:oMathParaPr>
-                        <m:jc m:val="center"/>
-                      </m:oMathParaPr>
-                      <m:oMath xmlns:m="http://schemas.openxmlformats.org/officeDocument/2006/math">
-                        <m:r>
-                          <a:rPr lang="pt-BR" b="0" i="1" smtClean="0">
-                            <a:solidFill>
-                              <a:schemeClr val="tx1"/>
-                            </a:solidFill>
-                            <a:latin typeface="Cambria Math" panose="02040503050406030204" pitchFamily="18" charset="0"/>
-                          </a:rPr>
-                          <m:t> </m:t>
-                        </m:r>
-                        <m:r>
-                          <a:rPr lang="pt-BR" b="0" i="1" smtClean="0">
-                            <a:solidFill>
-                              <a:schemeClr val="tx1"/>
-                            </a:solidFill>
-                            <a:latin typeface="Cambria Math" panose="02040503050406030204" pitchFamily="18" charset="0"/>
-                          </a:rPr>
-                          <m:t>𝑔</m:t>
-                        </m:r>
-                        <m:r>
-                          <a:rPr lang="pt-BR" i="1">
-                            <a:solidFill>
-                              <a:schemeClr val="tx1"/>
-                            </a:solidFill>
-                            <a:latin typeface="Cambria Math" panose="02040503050406030204" pitchFamily="18" charset="0"/>
-                          </a:rPr>
-                          <m:t>(.)</m:t>
-                        </m:r>
-                      </m:oMath>
-                    </m:oMathPara>
-                  </a14:m>
-                  <a:endParaRPr lang="en-US" dirty="0">
-                    <a:solidFill>
-                      <a:schemeClr val="tx1"/>
-                    </a:solidFill>
-                  </a:endParaRPr>
-                </a:p>
-              </p:txBody>
-            </p:sp>
-          </mc:Choice>
-          <mc:Fallback xmlns="">
-            <p:sp>
-              <p:nvSpPr>
-                <p:cNvPr id="5" name="Elipse 4">
-                  <a:extLst>
-                    <a:ext uri="{FF2B5EF4-FFF2-40B4-BE49-F238E27FC236}">
-                      <a16:creationId xmlns:a16="http://schemas.microsoft.com/office/drawing/2014/main" id="{72D7C50D-C426-411D-8AD2-049893155314}"/>
-                    </a:ext>
-                  </a:extLst>
-                </p:cNvPr>
-                <p:cNvSpPr>
-                  <a:spLocks noRot="1" noChangeAspect="1" noMove="1" noResize="1" noEditPoints="1" noAdjustHandles="1" noChangeArrowheads="1" noChangeShapeType="1" noTextEdit="1"/>
-                </p:cNvSpPr>
-                <p:nvPr/>
-              </p:nvSpPr>
-              <p:spPr>
-                <a:xfrm>
-                  <a:off x="7129462" y="3067050"/>
-                  <a:ext cx="576000" cy="576000"/>
-                </a:xfrm>
-                <a:prstGeom prst="ellipse">
-                  <a:avLst/>
-                </a:prstGeom>
-                <a:blipFill>
-                  <a:blip r:embed="rId3"/>
-                  <a:stretch>
-                    <a:fillRect r="-5155"/>
-                  </a:stretch>
-                </a:blipFill>
-              </p:spPr>
-              <p:txBody>
-                <a:bodyPr/>
-                <a:lstStyle/>
-                <a:p>
-                  <a:r>
-                    <a:rPr lang="en-US">
-                      <a:noFill/>
-                    </a:rPr>
-                    <a:t> </a:t>
-                  </a:r>
-                </a:p>
-              </p:txBody>
-            </p:sp>
-          </mc:Fallback>
-        </mc:AlternateContent>
-        <mc:AlternateContent xmlns:mc="http://schemas.openxmlformats.org/markup-compatibility/2006" xmlns:a14="http://schemas.microsoft.com/office/drawing/2010/main">
-          <mc:Choice Requires="a14">
-            <p:sp>
-              <p:nvSpPr>
-                <p:cNvPr id="6" name="Elipse 5">
-                  <a:extLst>
-                    <a:ext uri="{FF2B5EF4-FFF2-40B4-BE49-F238E27FC236}">
-                      <a16:creationId xmlns:a16="http://schemas.microsoft.com/office/drawing/2014/main" id="{F3B03121-AED8-4DD2-BFA9-11F1631876D1}"/>
-                    </a:ext>
-                  </a:extLst>
-                </p:cNvPr>
-                <p:cNvSpPr/>
-                <p:nvPr/>
-              </p:nvSpPr>
-              <p:spPr>
-                <a:xfrm>
-                  <a:off x="8677275" y="3067050"/>
-                  <a:ext cx="576000" cy="576000"/>
-                </a:xfrm>
-                <a:prstGeom prst="ellipse">
-                  <a:avLst/>
-                </a:prstGeom>
-              </p:spPr>
-              <p:style>
-                <a:lnRef idx="2">
-                  <a:schemeClr val="accent1">
-                    <a:shade val="50000"/>
-                  </a:schemeClr>
-                </a:lnRef>
-                <a:fillRef idx="1">
-                  <a:schemeClr val="accent1"/>
-                </a:fillRef>
-                <a:effectRef idx="0">
-                  <a:schemeClr val="accent1"/>
-                </a:effectRef>
-                <a:fontRef idx="minor">
-                  <a:schemeClr val="lt1"/>
-                </a:fontRef>
-              </p:style>
-              <p:txBody>
-                <a:bodyPr rtlCol="0" anchor="ctr"/>
-                <a:lstStyle/>
-                <a:p>
-                  <a:pPr algn="ctr"/>
-                  <a14:m>
-                    <m:oMathPara xmlns:m="http://schemas.openxmlformats.org/officeDocument/2006/math">
-                      <m:oMathParaPr>
-                        <m:jc m:val="center"/>
-                      </m:oMathParaPr>
-                      <m:oMath xmlns:m="http://schemas.openxmlformats.org/officeDocument/2006/math">
-                        <m:r>
-                          <a:rPr lang="pt-BR" b="0" i="1" smtClean="0">
-                            <a:solidFill>
-                              <a:schemeClr val="tx1"/>
-                            </a:solidFill>
-                            <a:latin typeface="Cambria Math" panose="02040503050406030204" pitchFamily="18" charset="0"/>
-                          </a:rPr>
-                          <m:t> </m:t>
-                        </m:r>
-                        <m:r>
-                          <a:rPr lang="pt-BR" b="0" i="1" smtClean="0">
-                            <a:solidFill>
-                              <a:schemeClr val="tx1"/>
-                            </a:solidFill>
-                            <a:latin typeface="Cambria Math" panose="02040503050406030204" pitchFamily="18" charset="0"/>
-                          </a:rPr>
-                          <m:t>𝑓</m:t>
-                        </m:r>
-                        <m:r>
-                          <a:rPr lang="pt-BR" i="1">
-                            <a:solidFill>
-                              <a:schemeClr val="tx1"/>
-                            </a:solidFill>
-                            <a:latin typeface="Cambria Math" panose="02040503050406030204" pitchFamily="18" charset="0"/>
-                          </a:rPr>
-                          <m:t>(.)</m:t>
-                        </m:r>
-                      </m:oMath>
-                    </m:oMathPara>
-                  </a14:m>
-                  <a:endParaRPr lang="en-US" dirty="0">
-                    <a:solidFill>
-                      <a:schemeClr val="tx1"/>
-                    </a:solidFill>
-                  </a:endParaRPr>
-                </a:p>
-              </p:txBody>
-            </p:sp>
-          </mc:Choice>
-          <mc:Fallback xmlns="">
-            <p:sp>
-              <p:nvSpPr>
-                <p:cNvPr id="6" name="Elipse 5">
-                  <a:extLst>
-                    <a:ext uri="{FF2B5EF4-FFF2-40B4-BE49-F238E27FC236}">
-                      <a16:creationId xmlns:a16="http://schemas.microsoft.com/office/drawing/2014/main" id="{F3B03121-AED8-4DD2-BFA9-11F1631876D1}"/>
-                    </a:ext>
-                  </a:extLst>
-                </p:cNvPr>
-                <p:cNvSpPr>
-                  <a:spLocks noRot="1" noChangeAspect="1" noMove="1" noResize="1" noEditPoints="1" noAdjustHandles="1" noChangeArrowheads="1" noChangeShapeType="1" noTextEdit="1"/>
-                </p:cNvSpPr>
-                <p:nvPr/>
-              </p:nvSpPr>
-              <p:spPr>
-                <a:xfrm>
-                  <a:off x="8677275" y="3067050"/>
-                  <a:ext cx="576000" cy="576000"/>
-                </a:xfrm>
-                <a:prstGeom prst="ellipse">
-                  <a:avLst/>
-                </a:prstGeom>
-                <a:blipFill>
-                  <a:blip r:embed="rId4"/>
-                  <a:stretch>
-                    <a:fillRect l="-3093" r="-4124"/>
-                  </a:stretch>
-                </a:blipFill>
-              </p:spPr>
-              <p:txBody>
-                <a:bodyPr/>
-                <a:lstStyle/>
-                <a:p>
-                  <a:r>
-                    <a:rPr lang="en-US">
-                      <a:noFill/>
-                    </a:rPr>
-                    <a:t> </a:t>
-                  </a:r>
-                </a:p>
-              </p:txBody>
-            </p:sp>
-          </mc:Fallback>
-        </mc:AlternateContent>
-        <p:cxnSp>
-          <p:nvCxnSpPr>
-            <p:cNvPr id="8" name="Conector de Seta Reta 7">
-              <a:extLst>
-                <a:ext uri="{FF2B5EF4-FFF2-40B4-BE49-F238E27FC236}">
-                  <a16:creationId xmlns:a16="http://schemas.microsoft.com/office/drawing/2014/main" id="{4DB247EE-A5CD-4605-B5AE-0574C92FD396}"/>
-                </a:ext>
-              </a:extLst>
-            </p:cNvPr>
-            <p:cNvCxnSpPr>
-              <a:cxnSpLocks/>
-              <a:stCxn id="4" idx="6"/>
-              <a:endCxn id="5" idx="2"/>
-            </p:cNvCxnSpPr>
-            <p:nvPr/>
-          </p:nvCxnSpPr>
-          <p:spPr>
-            <a:xfrm>
-              <a:off x="6186225" y="3355050"/>
-              <a:ext cx="943237" cy="0"/>
-            </a:xfrm>
-            <a:prstGeom prst="straightConnector1">
-              <a:avLst/>
-            </a:prstGeom>
-            <a:ln>
-              <a:solidFill>
-                <a:schemeClr val="tx1"/>
-              </a:solidFill>
-              <a:tailEnd type="triangle"/>
-            </a:ln>
-          </p:spPr>
-          <p:style>
-            <a:lnRef idx="1">
-              <a:schemeClr val="accent1"/>
-            </a:lnRef>
-            <a:fillRef idx="0">
-              <a:schemeClr val="accent1"/>
-            </a:fillRef>
-            <a:effectRef idx="0">
-              <a:schemeClr val="accent1"/>
-            </a:effectRef>
-            <a:fontRef idx="minor">
-              <a:schemeClr val="tx1"/>
-            </a:fontRef>
-          </p:style>
-        </p:cxnSp>
-        <p:cxnSp>
-          <p:nvCxnSpPr>
-            <p:cNvPr id="10" name="Conector de Seta Reta 9">
-              <a:extLst>
-                <a:ext uri="{FF2B5EF4-FFF2-40B4-BE49-F238E27FC236}">
-                  <a16:creationId xmlns:a16="http://schemas.microsoft.com/office/drawing/2014/main" id="{8FDC2F6D-7AEF-4D5B-AD32-8005F3C27C47}"/>
-                </a:ext>
-              </a:extLst>
-            </p:cNvPr>
-            <p:cNvCxnSpPr>
-              <a:stCxn id="5" idx="6"/>
-              <a:endCxn id="6" idx="2"/>
-            </p:cNvCxnSpPr>
-            <p:nvPr/>
-          </p:nvCxnSpPr>
-          <p:spPr>
-            <a:xfrm>
-              <a:off x="7705462" y="3355050"/>
-              <a:ext cx="971813" cy="0"/>
-            </a:xfrm>
-            <a:prstGeom prst="straightConnector1">
-              <a:avLst/>
-            </a:prstGeom>
-            <a:ln>
-              <a:solidFill>
-                <a:schemeClr val="tx1"/>
-              </a:solidFill>
-              <a:tailEnd type="triangle"/>
-            </a:ln>
-          </p:spPr>
-          <p:style>
-            <a:lnRef idx="1">
-              <a:schemeClr val="accent1"/>
-            </a:lnRef>
-            <a:fillRef idx="0">
-              <a:schemeClr val="accent1"/>
-            </a:fillRef>
-            <a:effectRef idx="0">
-              <a:schemeClr val="accent1"/>
-            </a:effectRef>
-            <a:fontRef idx="minor">
-              <a:schemeClr val="tx1"/>
-            </a:fontRef>
-          </p:style>
-        </p:cxnSp>
-        <p:cxnSp>
-          <p:nvCxnSpPr>
-            <p:cNvPr id="13" name="Conector de Seta Reta 12">
-              <a:extLst>
-                <a:ext uri="{FF2B5EF4-FFF2-40B4-BE49-F238E27FC236}">
-                  <a16:creationId xmlns:a16="http://schemas.microsoft.com/office/drawing/2014/main" id="{894AD04A-1FF4-48E9-81C3-E481324E92F6}"/>
-                </a:ext>
-              </a:extLst>
-            </p:cNvPr>
-            <p:cNvCxnSpPr/>
-            <p:nvPr/>
-          </p:nvCxnSpPr>
-          <p:spPr>
-            <a:xfrm>
-              <a:off x="9253275" y="3355050"/>
-              <a:ext cx="360000" cy="0"/>
-            </a:xfrm>
-            <a:prstGeom prst="straightConnector1">
-              <a:avLst/>
-            </a:prstGeom>
-            <a:ln>
-              <a:solidFill>
-                <a:schemeClr val="tx1"/>
-              </a:solidFill>
-              <a:tailEnd type="triangle"/>
-            </a:ln>
-          </p:spPr>
-          <p:style>
-            <a:lnRef idx="1">
-              <a:schemeClr val="accent1"/>
-            </a:lnRef>
-            <a:fillRef idx="0">
-              <a:schemeClr val="accent1"/>
-            </a:fillRef>
-            <a:effectRef idx="0">
-              <a:schemeClr val="accent1"/>
-            </a:effectRef>
-            <a:fontRef idx="minor">
-              <a:schemeClr val="tx1"/>
-            </a:fontRef>
-          </p:style>
-        </p:cxnSp>
-        <mc:AlternateContent xmlns:mc="http://schemas.openxmlformats.org/markup-compatibility/2006" xmlns:a14="http://schemas.microsoft.com/office/drawing/2010/main">
-          <mc:Choice Requires="a14">
-            <p:sp>
-              <p:nvSpPr>
-                <p:cNvPr id="14" name="Retângulo 13">
-                  <a:extLst>
-                    <a:ext uri="{FF2B5EF4-FFF2-40B4-BE49-F238E27FC236}">
-                      <a16:creationId xmlns:a16="http://schemas.microsoft.com/office/drawing/2014/main" id="{BB399603-1FD4-44D2-8C65-4FA371297954}"/>
-                    </a:ext>
-                  </a:extLst>
-                </p:cNvPr>
-                <p:cNvSpPr/>
-                <p:nvPr/>
-              </p:nvSpPr>
-              <p:spPr>
-                <a:xfrm>
-                  <a:off x="9488648" y="3133618"/>
-                  <a:ext cx="1888402" cy="369332"/>
-                </a:xfrm>
-                <a:prstGeom prst="rect">
-                  <a:avLst/>
-                </a:prstGeom>
-              </p:spPr>
-              <p:txBody>
-                <a:bodyPr wrap="none">
-                  <a:spAutoFit/>
-                </a:bodyPr>
-                <a:lstStyle/>
-                <a:p>
-                  <a:pPr algn="ctr"/>
-                  <a14:m>
-                    <m:oMathPara xmlns:m="http://schemas.openxmlformats.org/officeDocument/2006/math">
-                      <m:oMathParaPr>
-                        <m:jc m:val="center"/>
-                      </m:oMathParaPr>
-                      <m:oMath xmlns:m="http://schemas.openxmlformats.org/officeDocument/2006/math">
-                        <m:r>
-                          <a:rPr lang="pt-BR" i="1" smtClean="0">
-                            <a:latin typeface="Cambria Math" panose="02040503050406030204" pitchFamily="18" charset="0"/>
-                          </a:rPr>
-                          <m:t> </m:t>
-                        </m:r>
-                        <m:r>
-                          <a:rPr lang="pt-BR" b="0" i="1" smtClean="0">
-                            <a:latin typeface="Cambria Math" panose="02040503050406030204" pitchFamily="18" charset="0"/>
-                          </a:rPr>
-                          <m:t>𝑦</m:t>
-                        </m:r>
-                        <m:r>
-                          <a:rPr lang="pt-BR" b="0" i="1" smtClean="0">
-                            <a:latin typeface="Cambria Math" panose="02040503050406030204" pitchFamily="18" charset="0"/>
-                          </a:rPr>
-                          <m:t>=</m:t>
-                        </m:r>
-                        <m:r>
-                          <a:rPr lang="pt-BR" i="1">
-                            <a:latin typeface="Cambria Math" panose="02040503050406030204" pitchFamily="18" charset="0"/>
-                          </a:rPr>
-                          <m:t>𝑓</m:t>
-                        </m:r>
-                        <m:r>
-                          <a:rPr lang="pt-BR" i="1">
-                            <a:latin typeface="Cambria Math" panose="02040503050406030204" pitchFamily="18" charset="0"/>
-                          </a:rPr>
-                          <m:t>(</m:t>
-                        </m:r>
-                        <m:r>
-                          <a:rPr lang="pt-BR" i="1">
-                            <a:latin typeface="Cambria Math" panose="02040503050406030204" pitchFamily="18" charset="0"/>
-                          </a:rPr>
-                          <m:t>𝑔</m:t>
-                        </m:r>
-                        <m:r>
-                          <a:rPr lang="pt-BR" i="1">
-                            <a:latin typeface="Cambria Math" panose="02040503050406030204" pitchFamily="18" charset="0"/>
-                          </a:rPr>
-                          <m:t>(</m:t>
-                        </m:r>
-                        <m:r>
-                          <a:rPr lang="pt-BR" i="1">
-                            <a:latin typeface="Cambria Math" panose="02040503050406030204" pitchFamily="18" charset="0"/>
-                          </a:rPr>
-                          <m:t>h</m:t>
-                        </m:r>
-                        <m:r>
-                          <a:rPr lang="pt-BR" i="1">
-                            <a:latin typeface="Cambria Math" panose="02040503050406030204" pitchFamily="18" charset="0"/>
-                          </a:rPr>
-                          <m:t>(</m:t>
-                        </m:r>
-                        <m:r>
-                          <a:rPr lang="pt-BR" i="1">
-                            <a:latin typeface="Cambria Math" panose="02040503050406030204" pitchFamily="18" charset="0"/>
-                          </a:rPr>
-                          <m:t>𝑤</m:t>
-                        </m:r>
-                        <m:r>
-                          <a:rPr lang="pt-BR" i="1">
-                            <a:latin typeface="Cambria Math" panose="02040503050406030204" pitchFamily="18" charset="0"/>
-                          </a:rPr>
-                          <m:t>)))</m:t>
-                        </m:r>
-                      </m:oMath>
-                    </m:oMathPara>
-                  </a14:m>
-                  <a:endParaRPr lang="en-US" dirty="0"/>
-                </a:p>
-              </p:txBody>
-            </p:sp>
-          </mc:Choice>
-          <mc:Fallback xmlns="">
-            <p:sp>
-              <p:nvSpPr>
-                <p:cNvPr id="14" name="Retângulo 13">
-                  <a:extLst>
-                    <a:ext uri="{FF2B5EF4-FFF2-40B4-BE49-F238E27FC236}">
-                      <a16:creationId xmlns:a16="http://schemas.microsoft.com/office/drawing/2014/main" id="{BB399603-1FD4-44D2-8C65-4FA371297954}"/>
-                    </a:ext>
-                  </a:extLst>
-                </p:cNvPr>
-                <p:cNvSpPr>
-                  <a:spLocks noRot="1" noChangeAspect="1" noMove="1" noResize="1" noEditPoints="1" noAdjustHandles="1" noChangeArrowheads="1" noChangeShapeType="1" noTextEdit="1"/>
-                </p:cNvSpPr>
-                <p:nvPr/>
-              </p:nvSpPr>
-              <p:spPr>
-                <a:xfrm>
-                  <a:off x="9488648" y="3133618"/>
-                  <a:ext cx="1888402" cy="369332"/>
-                </a:xfrm>
-                <a:prstGeom prst="rect">
-                  <a:avLst/>
-                </a:prstGeom>
-                <a:blipFill>
-                  <a:blip r:embed="rId5"/>
-                  <a:stretch>
-                    <a:fillRect b="-13115"/>
-                  </a:stretch>
-                </a:blipFill>
-              </p:spPr>
-              <p:txBody>
-                <a:bodyPr/>
-                <a:lstStyle/>
-                <a:p>
-                  <a:r>
-                    <a:rPr lang="en-US">
-                      <a:noFill/>
-                    </a:rPr>
-                    <a:t> </a:t>
-                  </a:r>
-                </a:p>
-              </p:txBody>
-            </p:sp>
-          </mc:Fallback>
-        </mc:AlternateContent>
-        <mc:AlternateContent xmlns:mc="http://schemas.openxmlformats.org/markup-compatibility/2006" xmlns:a14="http://schemas.microsoft.com/office/drawing/2010/main">
-          <mc:Choice Requires="a14">
-            <p:sp>
-              <p:nvSpPr>
-                <p:cNvPr id="15" name="Retângulo 14">
-                  <a:extLst>
-                    <a:ext uri="{FF2B5EF4-FFF2-40B4-BE49-F238E27FC236}">
-                      <a16:creationId xmlns:a16="http://schemas.microsoft.com/office/drawing/2014/main" id="{FAB24333-A3E1-42FB-A469-DC8B3C8AE5A8}"/>
-                    </a:ext>
-                  </a:extLst>
-                </p:cNvPr>
-                <p:cNvSpPr/>
-                <p:nvPr/>
-              </p:nvSpPr>
-              <p:spPr>
-                <a:xfrm>
-                  <a:off x="7705461" y="3366052"/>
-                  <a:ext cx="971813" cy="369332"/>
-                </a:xfrm>
-                <a:prstGeom prst="rect">
-                  <a:avLst/>
-                </a:prstGeom>
-              </p:spPr>
-              <p:txBody>
-                <a:bodyPr wrap="square">
-                  <a:spAutoFit/>
-                </a:bodyPr>
-                <a:lstStyle/>
-                <a:p>
-                  <a:pPr algn="ctr"/>
-                  <a14:m>
-                    <m:oMathPara xmlns:m="http://schemas.openxmlformats.org/officeDocument/2006/math">
-                      <m:oMathParaPr>
-                        <m:jc m:val="center"/>
-                      </m:oMathParaPr>
-                      <m:oMath xmlns:m="http://schemas.openxmlformats.org/officeDocument/2006/math">
-                        <m:r>
-                          <a:rPr lang="pt-BR" i="1">
-                            <a:latin typeface="Cambria Math" panose="02040503050406030204" pitchFamily="18" charset="0"/>
-                          </a:rPr>
-                          <m:t> </m:t>
-                        </m:r>
-                        <m:r>
-                          <a:rPr lang="pt-BR" i="1">
-                            <a:latin typeface="Cambria Math" panose="02040503050406030204" pitchFamily="18" charset="0"/>
-                          </a:rPr>
-                          <m:t>𝑔</m:t>
-                        </m:r>
-                        <m:r>
-                          <a:rPr lang="pt-BR" i="1">
-                            <a:latin typeface="Cambria Math" panose="02040503050406030204" pitchFamily="18" charset="0"/>
-                          </a:rPr>
-                          <m:t>(</m:t>
-                        </m:r>
-                        <m:r>
-                          <a:rPr lang="pt-BR" i="1">
-                            <a:latin typeface="Cambria Math" panose="02040503050406030204" pitchFamily="18" charset="0"/>
-                          </a:rPr>
-                          <m:t>h</m:t>
-                        </m:r>
-                        <m:r>
-                          <a:rPr lang="pt-BR" i="1">
-                            <a:latin typeface="Cambria Math" panose="02040503050406030204" pitchFamily="18" charset="0"/>
-                          </a:rPr>
-                          <m:t>(</m:t>
-                        </m:r>
-                        <m:r>
-                          <a:rPr lang="pt-BR" i="1">
-                            <a:latin typeface="Cambria Math" panose="02040503050406030204" pitchFamily="18" charset="0"/>
-                          </a:rPr>
-                          <m:t>𝑤</m:t>
-                        </m:r>
-                        <m:r>
-                          <a:rPr lang="pt-BR" i="1">
-                            <a:latin typeface="Cambria Math" panose="02040503050406030204" pitchFamily="18" charset="0"/>
-                          </a:rPr>
-                          <m:t>))</m:t>
-                        </m:r>
-                      </m:oMath>
-                    </m:oMathPara>
-                  </a14:m>
-                  <a:endParaRPr lang="en-US" dirty="0"/>
-                </a:p>
-              </p:txBody>
-            </p:sp>
-          </mc:Choice>
-          <mc:Fallback xmlns="">
-            <p:sp>
-              <p:nvSpPr>
-                <p:cNvPr id="15" name="Retângulo 14">
-                  <a:extLst>
-                    <a:ext uri="{FF2B5EF4-FFF2-40B4-BE49-F238E27FC236}">
-                      <a16:creationId xmlns:a16="http://schemas.microsoft.com/office/drawing/2014/main" id="{FAB24333-A3E1-42FB-A469-DC8B3C8AE5A8}"/>
-                    </a:ext>
-                  </a:extLst>
-                </p:cNvPr>
-                <p:cNvSpPr>
-                  <a:spLocks noRot="1" noChangeAspect="1" noMove="1" noResize="1" noEditPoints="1" noAdjustHandles="1" noChangeArrowheads="1" noChangeShapeType="1" noTextEdit="1"/>
-                </p:cNvSpPr>
-                <p:nvPr/>
-              </p:nvSpPr>
-              <p:spPr>
-                <a:xfrm>
-                  <a:off x="7705461" y="3366052"/>
-                  <a:ext cx="971813" cy="369332"/>
-                </a:xfrm>
-                <a:prstGeom prst="rect">
-                  <a:avLst/>
-                </a:prstGeom>
-                <a:blipFill>
-                  <a:blip r:embed="rId6"/>
-                  <a:stretch>
-                    <a:fillRect l="-1887" r="-4403" b="-13115"/>
-                  </a:stretch>
-                </a:blipFill>
-              </p:spPr>
-              <p:txBody>
-                <a:bodyPr/>
-                <a:lstStyle/>
-                <a:p>
-                  <a:r>
-                    <a:rPr lang="en-US">
-                      <a:noFill/>
-                    </a:rPr>
-                    <a:t> </a:t>
-                  </a:r>
-                </a:p>
-              </p:txBody>
-            </p:sp>
-          </mc:Fallback>
-        </mc:AlternateContent>
-        <mc:AlternateContent xmlns:mc="http://schemas.openxmlformats.org/markup-compatibility/2006" xmlns:a14="http://schemas.microsoft.com/office/drawing/2010/main">
-          <mc:Choice Requires="a14">
-            <p:sp>
-              <p:nvSpPr>
-                <p:cNvPr id="16" name="Retângulo 15">
-                  <a:extLst>
-                    <a:ext uri="{FF2B5EF4-FFF2-40B4-BE49-F238E27FC236}">
-                      <a16:creationId xmlns:a16="http://schemas.microsoft.com/office/drawing/2014/main" id="{F6753DB7-75B6-4A62-9915-3372A17CDB94}"/>
-                    </a:ext>
-                  </a:extLst>
-                </p:cNvPr>
-                <p:cNvSpPr/>
-                <p:nvPr/>
-              </p:nvSpPr>
-              <p:spPr>
-                <a:xfrm>
-                  <a:off x="6186223" y="3359550"/>
-                  <a:ext cx="943237" cy="369332"/>
-                </a:xfrm>
-                <a:prstGeom prst="rect">
-                  <a:avLst/>
-                </a:prstGeom>
-              </p:spPr>
-              <p:txBody>
-                <a:bodyPr wrap="square">
-                  <a:spAutoFit/>
-                </a:bodyPr>
-                <a:lstStyle/>
-                <a:p>
-                  <a:pPr algn="ctr"/>
-                  <a14:m>
-                    <m:oMathPara xmlns:m="http://schemas.openxmlformats.org/officeDocument/2006/math">
-                      <m:oMathParaPr>
-                        <m:jc m:val="center"/>
-                      </m:oMathParaPr>
-                      <m:oMath xmlns:m="http://schemas.openxmlformats.org/officeDocument/2006/math">
-                        <m:r>
-                          <a:rPr lang="pt-BR" i="1" smtClean="0">
-                            <a:latin typeface="Cambria Math" panose="02040503050406030204" pitchFamily="18" charset="0"/>
-                          </a:rPr>
-                          <m:t> </m:t>
-                        </m:r>
-                        <m:r>
-                          <a:rPr lang="pt-BR" b="0" i="1" smtClean="0">
-                            <a:latin typeface="Cambria Math" panose="02040503050406030204" pitchFamily="18" charset="0"/>
-                          </a:rPr>
-                          <m:t>h</m:t>
-                        </m:r>
-                        <m:r>
-                          <a:rPr lang="pt-BR" i="1">
-                            <a:latin typeface="Cambria Math" panose="02040503050406030204" pitchFamily="18" charset="0"/>
-                          </a:rPr>
-                          <m:t>(</m:t>
-                        </m:r>
-                        <m:r>
-                          <a:rPr lang="pt-BR" b="0" i="1" smtClean="0">
-                            <a:latin typeface="Cambria Math" panose="02040503050406030204" pitchFamily="18" charset="0"/>
-                          </a:rPr>
-                          <m:t>𝑤</m:t>
-                        </m:r>
-                        <m:r>
-                          <a:rPr lang="pt-BR" i="1">
-                            <a:latin typeface="Cambria Math" panose="02040503050406030204" pitchFamily="18" charset="0"/>
-                          </a:rPr>
-                          <m:t>)</m:t>
-                        </m:r>
-                      </m:oMath>
-                    </m:oMathPara>
-                  </a14:m>
-                  <a:endParaRPr lang="en-US" dirty="0"/>
-                </a:p>
-              </p:txBody>
-            </p:sp>
-          </mc:Choice>
-          <mc:Fallback xmlns="">
-            <p:sp>
-              <p:nvSpPr>
-                <p:cNvPr id="16" name="Retângulo 15">
-                  <a:extLst>
-                    <a:ext uri="{FF2B5EF4-FFF2-40B4-BE49-F238E27FC236}">
-                      <a16:creationId xmlns:a16="http://schemas.microsoft.com/office/drawing/2014/main" id="{F6753DB7-75B6-4A62-9915-3372A17CDB94}"/>
-                    </a:ext>
-                  </a:extLst>
-                </p:cNvPr>
-                <p:cNvSpPr>
-                  <a:spLocks noRot="1" noChangeAspect="1" noMove="1" noResize="1" noEditPoints="1" noAdjustHandles="1" noChangeArrowheads="1" noChangeShapeType="1" noTextEdit="1"/>
-                </p:cNvSpPr>
-                <p:nvPr/>
-              </p:nvSpPr>
-              <p:spPr>
-                <a:xfrm>
-                  <a:off x="6186223" y="3359550"/>
-                  <a:ext cx="943237" cy="369332"/>
-                </a:xfrm>
-                <a:prstGeom prst="rect">
-                  <a:avLst/>
-                </a:prstGeom>
-                <a:blipFill>
-                  <a:blip r:embed="rId7"/>
-                  <a:stretch>
-                    <a:fillRect b="-13115"/>
-                  </a:stretch>
-                </a:blipFill>
-              </p:spPr>
-              <p:txBody>
-                <a:bodyPr/>
-                <a:lstStyle/>
-                <a:p>
-                  <a:r>
-                    <a:rPr lang="en-US">
-                      <a:noFill/>
-                    </a:rPr>
-                    <a:t> </a:t>
-                  </a:r>
-                </a:p>
-              </p:txBody>
-            </p:sp>
-          </mc:Fallback>
-        </mc:AlternateContent>
-        <mc:AlternateContent xmlns:mc="http://schemas.openxmlformats.org/markup-compatibility/2006" xmlns:a14="http://schemas.microsoft.com/office/drawing/2010/main">
-          <mc:Choice Requires="a14">
-            <p:sp>
-              <p:nvSpPr>
-                <p:cNvPr id="17" name="Retângulo 16">
-                  <a:extLst>
-                    <a:ext uri="{FF2B5EF4-FFF2-40B4-BE49-F238E27FC236}">
-                      <a16:creationId xmlns:a16="http://schemas.microsoft.com/office/drawing/2014/main" id="{8BEB5D43-CA6F-418B-AC1B-D8E50C603710}"/>
-                    </a:ext>
-                  </a:extLst>
-                </p:cNvPr>
-                <p:cNvSpPr/>
-                <p:nvPr/>
-              </p:nvSpPr>
-              <p:spPr>
-                <a:xfrm>
-                  <a:off x="4473339" y="3170384"/>
-                  <a:ext cx="848886" cy="369332"/>
-                </a:xfrm>
-                <a:prstGeom prst="rect">
-                  <a:avLst/>
-                </a:prstGeom>
-              </p:spPr>
-              <p:txBody>
-                <a:bodyPr wrap="none">
-                  <a:spAutoFit/>
-                </a:bodyPr>
-                <a:lstStyle/>
-                <a:p>
-                  <a:pPr algn="ctr"/>
-                  <a14:m>
-                    <m:oMathPara xmlns:m="http://schemas.openxmlformats.org/officeDocument/2006/math">
-                      <m:oMathParaPr>
-                        <m:jc m:val="center"/>
-                      </m:oMathParaPr>
-                      <m:oMath xmlns:m="http://schemas.openxmlformats.org/officeDocument/2006/math">
-                        <m:r>
-                          <a:rPr lang="pt-BR" i="1" smtClean="0">
-                            <a:latin typeface="Cambria Math" panose="02040503050406030204" pitchFamily="18" charset="0"/>
-                          </a:rPr>
-                          <m:t> </m:t>
-                        </m:r>
-                        <m:r>
-                          <a:rPr lang="pt-BR" b="0" i="1" smtClean="0">
-                            <a:latin typeface="Cambria Math" panose="02040503050406030204" pitchFamily="18" charset="0"/>
-                          </a:rPr>
-                          <m:t>𝑥</m:t>
-                        </m:r>
-                        <m:r>
-                          <a:rPr lang="pt-BR" b="0" i="1" smtClean="0">
-                            <a:latin typeface="Cambria Math" panose="02040503050406030204" pitchFamily="18" charset="0"/>
-                          </a:rPr>
-                          <m:t>=1</m:t>
-                        </m:r>
-                      </m:oMath>
-                    </m:oMathPara>
-                  </a14:m>
-                  <a:endParaRPr lang="en-US" dirty="0"/>
-                </a:p>
-              </p:txBody>
-            </p:sp>
-          </mc:Choice>
-          <mc:Fallback xmlns="">
-            <p:sp>
-              <p:nvSpPr>
-                <p:cNvPr id="17" name="Retângulo 16">
-                  <a:extLst>
-                    <a:ext uri="{FF2B5EF4-FFF2-40B4-BE49-F238E27FC236}">
-                      <a16:creationId xmlns:a16="http://schemas.microsoft.com/office/drawing/2014/main" id="{8BEB5D43-CA6F-418B-AC1B-D8E50C603710}"/>
-                    </a:ext>
-                  </a:extLst>
-                </p:cNvPr>
-                <p:cNvSpPr>
-                  <a:spLocks noRot="1" noChangeAspect="1" noMove="1" noResize="1" noEditPoints="1" noAdjustHandles="1" noChangeArrowheads="1" noChangeShapeType="1" noTextEdit="1"/>
-                </p:cNvSpPr>
-                <p:nvPr/>
-              </p:nvSpPr>
-              <p:spPr>
-                <a:xfrm>
-                  <a:off x="4473339" y="3170384"/>
-                  <a:ext cx="848886" cy="369332"/>
-                </a:xfrm>
-                <a:prstGeom prst="rect">
-                  <a:avLst/>
-                </a:prstGeom>
-                <a:blipFill>
-                  <a:blip r:embed="rId8"/>
-                  <a:stretch>
-                    <a:fillRect/>
-                  </a:stretch>
-                </a:blipFill>
-              </p:spPr>
-              <p:txBody>
-                <a:bodyPr/>
-                <a:lstStyle/>
-                <a:p>
-                  <a:r>
-                    <a:rPr lang="en-US">
-                      <a:noFill/>
-                    </a:rPr>
-                    <a:t> </a:t>
-                  </a:r>
-                </a:p>
-              </p:txBody>
-            </p:sp>
-          </mc:Fallback>
-        </mc:AlternateContent>
-        <p:cxnSp>
-          <p:nvCxnSpPr>
-            <p:cNvPr id="18" name="Conector de Seta Reta 17">
-              <a:extLst>
-                <a:ext uri="{FF2B5EF4-FFF2-40B4-BE49-F238E27FC236}">
-                  <a16:creationId xmlns:a16="http://schemas.microsoft.com/office/drawing/2014/main" id="{54CB43BD-2566-471D-88EE-64FDFF39B9D8}"/>
-                </a:ext>
-              </a:extLst>
-            </p:cNvPr>
-            <p:cNvCxnSpPr/>
-            <p:nvPr/>
-          </p:nvCxnSpPr>
-          <p:spPr>
-            <a:xfrm>
-              <a:off x="5250225" y="3360359"/>
-              <a:ext cx="360000" cy="0"/>
-            </a:xfrm>
-            <a:prstGeom prst="straightConnector1">
-              <a:avLst/>
-            </a:prstGeom>
-            <a:ln>
-              <a:solidFill>
-                <a:schemeClr val="tx1"/>
-              </a:solidFill>
-              <a:tailEnd type="triangle"/>
-            </a:ln>
-          </p:spPr>
-          <p:style>
-            <a:lnRef idx="1">
-              <a:schemeClr val="accent1"/>
-            </a:lnRef>
-            <a:fillRef idx="0">
-              <a:schemeClr val="accent1"/>
-            </a:fillRef>
-            <a:effectRef idx="0">
-              <a:schemeClr val="accent1"/>
-            </a:effectRef>
-            <a:fontRef idx="minor">
-              <a:schemeClr val="tx1"/>
-            </a:fontRef>
-          </p:style>
-        </p:cxnSp>
-        <mc:AlternateContent xmlns:mc="http://schemas.openxmlformats.org/markup-compatibility/2006" xmlns:a14="http://schemas.microsoft.com/office/drawing/2010/main">
-          <mc:Choice Requires="a14">
-            <p:sp>
-              <p:nvSpPr>
-                <p:cNvPr id="19" name="Retângulo 18">
-                  <a:extLst>
-                    <a:ext uri="{FF2B5EF4-FFF2-40B4-BE49-F238E27FC236}">
-                      <a16:creationId xmlns:a16="http://schemas.microsoft.com/office/drawing/2014/main" id="{D9842835-461A-4F7C-8DC5-389F1085CC06}"/>
-                    </a:ext>
-                  </a:extLst>
-                </p:cNvPr>
-                <p:cNvSpPr/>
-                <p:nvPr/>
-              </p:nvSpPr>
-              <p:spPr>
-                <a:xfrm>
-                  <a:off x="5223117" y="3020937"/>
-                  <a:ext cx="414216" cy="369332"/>
-                </a:xfrm>
-                <a:prstGeom prst="rect">
-                  <a:avLst/>
-                </a:prstGeom>
-              </p:spPr>
-              <p:txBody>
-                <a:bodyPr wrap="none">
-                  <a:spAutoFit/>
-                </a:bodyPr>
-                <a:lstStyle/>
-                <a:p>
-                  <a:pPr/>
-                  <a14:m>
-                    <m:oMathPara xmlns:m="http://schemas.openxmlformats.org/officeDocument/2006/math">
-                      <m:oMathParaPr>
-                        <m:jc m:val="centerGroup"/>
-                      </m:oMathParaPr>
-                      <m:oMath xmlns:m="http://schemas.openxmlformats.org/officeDocument/2006/math">
-                        <m:r>
-                          <a:rPr lang="pt-BR" i="1">
-                            <a:latin typeface="Cambria Math" panose="02040503050406030204" pitchFamily="18" charset="0"/>
-                          </a:rPr>
-                          <m:t>𝑤</m:t>
-                        </m:r>
-                      </m:oMath>
-                    </m:oMathPara>
-                  </a14:m>
-                  <a:endParaRPr lang="en-US" dirty="0"/>
-                </a:p>
-              </p:txBody>
-            </p:sp>
-          </mc:Choice>
-          <mc:Fallback xmlns="">
-            <p:sp>
-              <p:nvSpPr>
-                <p:cNvPr id="19" name="Retângulo 18">
-                  <a:extLst>
-                    <a:ext uri="{FF2B5EF4-FFF2-40B4-BE49-F238E27FC236}">
-                      <a16:creationId xmlns:a16="http://schemas.microsoft.com/office/drawing/2014/main" id="{D9842835-461A-4F7C-8DC5-389F1085CC06}"/>
-                    </a:ext>
-                  </a:extLst>
-                </p:cNvPr>
-                <p:cNvSpPr>
-                  <a:spLocks noRot="1" noChangeAspect="1" noMove="1" noResize="1" noEditPoints="1" noAdjustHandles="1" noChangeArrowheads="1" noChangeShapeType="1" noTextEdit="1"/>
-                </p:cNvSpPr>
-                <p:nvPr/>
-              </p:nvSpPr>
-              <p:spPr>
-                <a:xfrm>
-                  <a:off x="5223117" y="3020937"/>
-                  <a:ext cx="414216" cy="369332"/>
-                </a:xfrm>
-                <a:prstGeom prst="rect">
-                  <a:avLst/>
-                </a:prstGeom>
-                <a:blipFill>
-                  <a:blip r:embed="rId9"/>
-                  <a:stretch>
-                    <a:fillRect/>
-                  </a:stretch>
-                </a:blipFill>
-              </p:spPr>
-              <p:txBody>
-                <a:bodyPr/>
-                <a:lstStyle/>
-                <a:p>
-                  <a:r>
-                    <a:rPr lang="en-US">
-                      <a:noFill/>
-                    </a:rPr>
-                    <a:t> </a:t>
-                  </a:r>
-                </a:p>
-              </p:txBody>
-            </p:sp>
-          </mc:Fallback>
-        </mc:AlternateContent>
-        <mc:AlternateContent xmlns:mc="http://schemas.openxmlformats.org/markup-compatibility/2006" xmlns:a14="http://schemas.microsoft.com/office/drawing/2010/main">
-          <mc:Choice Requires="a14">
-            <p:sp>
-              <p:nvSpPr>
-                <p:cNvPr id="20" name="Retângulo 19">
-                  <a:extLst>
-                    <a:ext uri="{FF2B5EF4-FFF2-40B4-BE49-F238E27FC236}">
-                      <a16:creationId xmlns:a16="http://schemas.microsoft.com/office/drawing/2014/main" id="{ACDAE330-BCC1-4F77-8EA6-C3DB7D574120}"/>
-                    </a:ext>
-                  </a:extLst>
-                </p:cNvPr>
-                <p:cNvSpPr/>
-                <p:nvPr/>
-              </p:nvSpPr>
-              <p:spPr>
-                <a:xfrm>
-                  <a:off x="6184759" y="2985718"/>
-                  <a:ext cx="944702" cy="369332"/>
-                </a:xfrm>
-                <a:prstGeom prst="rect">
-                  <a:avLst/>
-                </a:prstGeom>
-              </p:spPr>
-              <p:txBody>
-                <a:bodyPr wrap="square">
-                  <a:spAutoFit/>
-                </a:bodyPr>
-                <a:lstStyle/>
-                <a:p>
-                  <a:pPr/>
-                  <a14:m>
-                    <m:oMathPara xmlns:m="http://schemas.openxmlformats.org/officeDocument/2006/math">
-                      <m:oMathParaPr>
-                        <m:jc m:val="centerGroup"/>
-                      </m:oMathParaPr>
-                      <m:oMath xmlns:m="http://schemas.openxmlformats.org/officeDocument/2006/math">
-                        <m:r>
-                          <a:rPr lang="pt-BR" b="0" i="1" smtClean="0">
-                            <a:latin typeface="Cambria Math" panose="02040503050406030204" pitchFamily="18" charset="0"/>
-                          </a:rPr>
-                          <m:t>1</m:t>
-                        </m:r>
-                      </m:oMath>
-                    </m:oMathPara>
-                  </a14:m>
-                  <a:endParaRPr lang="en-US" dirty="0"/>
-                </a:p>
-              </p:txBody>
-            </p:sp>
-          </mc:Choice>
-          <mc:Fallback xmlns="">
-            <p:sp>
-              <p:nvSpPr>
-                <p:cNvPr id="20" name="Retângulo 19">
-                  <a:extLst>
-                    <a:ext uri="{FF2B5EF4-FFF2-40B4-BE49-F238E27FC236}">
-                      <a16:creationId xmlns:a16="http://schemas.microsoft.com/office/drawing/2014/main" id="{ACDAE330-BCC1-4F77-8EA6-C3DB7D574120}"/>
-                    </a:ext>
-                  </a:extLst>
-                </p:cNvPr>
-                <p:cNvSpPr>
-                  <a:spLocks noRot="1" noChangeAspect="1" noMove="1" noResize="1" noEditPoints="1" noAdjustHandles="1" noChangeArrowheads="1" noChangeShapeType="1" noTextEdit="1"/>
-                </p:cNvSpPr>
-                <p:nvPr/>
-              </p:nvSpPr>
-              <p:spPr>
-                <a:xfrm>
-                  <a:off x="6184759" y="2985718"/>
-                  <a:ext cx="944702" cy="369332"/>
-                </a:xfrm>
-                <a:prstGeom prst="rect">
-                  <a:avLst/>
-                </a:prstGeom>
-                <a:blipFill>
-                  <a:blip r:embed="rId10"/>
-                  <a:stretch>
-                    <a:fillRect/>
-                  </a:stretch>
-                </a:blipFill>
-              </p:spPr>
-              <p:txBody>
-                <a:bodyPr/>
-                <a:lstStyle/>
-                <a:p>
-                  <a:r>
-                    <a:rPr lang="en-US">
-                      <a:noFill/>
-                    </a:rPr>
-                    <a:t> </a:t>
-                  </a:r>
-                </a:p>
-              </p:txBody>
-            </p:sp>
-          </mc:Fallback>
-        </mc:AlternateContent>
-        <mc:AlternateContent xmlns:mc="http://schemas.openxmlformats.org/markup-compatibility/2006" xmlns:a14="http://schemas.microsoft.com/office/drawing/2010/main">
-          <mc:Choice Requires="a14">
-            <p:sp>
-              <p:nvSpPr>
-                <p:cNvPr id="21" name="Retângulo 20">
-                  <a:extLst>
-                    <a:ext uri="{FF2B5EF4-FFF2-40B4-BE49-F238E27FC236}">
-                      <a16:creationId xmlns:a16="http://schemas.microsoft.com/office/drawing/2014/main" id="{D7251400-1BF3-4485-B8CB-FDE69339835B}"/>
-                    </a:ext>
-                  </a:extLst>
-                </p:cNvPr>
-                <p:cNvSpPr/>
-                <p:nvPr/>
-              </p:nvSpPr>
-              <p:spPr>
-                <a:xfrm>
-                  <a:off x="7705459" y="2996720"/>
-                  <a:ext cx="971816" cy="369332"/>
-                </a:xfrm>
-                <a:prstGeom prst="rect">
-                  <a:avLst/>
-                </a:prstGeom>
-              </p:spPr>
-              <p:txBody>
-                <a:bodyPr wrap="square">
-                  <a:spAutoFit/>
-                </a:bodyPr>
-                <a:lstStyle/>
-                <a:p>
-                  <a:pPr/>
-                  <a14:m>
-                    <m:oMathPara xmlns:m="http://schemas.openxmlformats.org/officeDocument/2006/math">
-                      <m:oMathParaPr>
-                        <m:jc m:val="centerGroup"/>
-                      </m:oMathParaPr>
-                      <m:oMath xmlns:m="http://schemas.openxmlformats.org/officeDocument/2006/math">
-                        <m:r>
-                          <a:rPr lang="pt-BR" b="0" i="1" smtClean="0">
-                            <a:latin typeface="Cambria Math" panose="02040503050406030204" pitchFamily="18" charset="0"/>
-                          </a:rPr>
-                          <m:t>1</m:t>
-                        </m:r>
-                      </m:oMath>
-                    </m:oMathPara>
-                  </a14:m>
-                  <a:endParaRPr lang="en-US" dirty="0"/>
-                </a:p>
-              </p:txBody>
-            </p:sp>
-          </mc:Choice>
-          <mc:Fallback xmlns="">
-            <p:sp>
-              <p:nvSpPr>
-                <p:cNvPr id="21" name="Retângulo 20">
-                  <a:extLst>
-                    <a:ext uri="{FF2B5EF4-FFF2-40B4-BE49-F238E27FC236}">
-                      <a16:creationId xmlns:a16="http://schemas.microsoft.com/office/drawing/2014/main" id="{D7251400-1BF3-4485-B8CB-FDE69339835B}"/>
-                    </a:ext>
-                  </a:extLst>
-                </p:cNvPr>
-                <p:cNvSpPr>
-                  <a:spLocks noRot="1" noChangeAspect="1" noMove="1" noResize="1" noEditPoints="1" noAdjustHandles="1" noChangeArrowheads="1" noChangeShapeType="1" noTextEdit="1"/>
-                </p:cNvSpPr>
-                <p:nvPr/>
-              </p:nvSpPr>
-              <p:spPr>
-                <a:xfrm>
-                  <a:off x="7705459" y="2996720"/>
-                  <a:ext cx="971816" cy="369332"/>
-                </a:xfrm>
-                <a:prstGeom prst="rect">
-                  <a:avLst/>
-                </a:prstGeom>
-                <a:blipFill>
-                  <a:blip r:embed="rId11"/>
-                  <a:stretch>
-                    <a:fillRect/>
-                  </a:stretch>
-                </a:blipFill>
-              </p:spPr>
-              <p:txBody>
-                <a:bodyPr/>
-                <a:lstStyle/>
-                <a:p>
-                  <a:r>
-                    <a:rPr lang="en-US">
-                      <a:noFill/>
-                    </a:rPr>
-                    <a:t> </a:t>
-                  </a:r>
-                </a:p>
-              </p:txBody>
-            </p:sp>
-          </mc:Fallback>
-        </mc:AlternateContent>
-      </p:grpSp>
-      <mc:AlternateContent xmlns:mc="http://schemas.openxmlformats.org/markup-compatibility/2006" xmlns:a14="http://schemas.microsoft.com/office/drawing/2010/main">
-        <mc:Choice Requires="a14">
-          <p:sp>
-            <p:nvSpPr>
-              <p:cNvPr id="26" name="CaixaDeTexto 25">
-                <a:extLst>
-                  <a:ext uri="{FF2B5EF4-FFF2-40B4-BE49-F238E27FC236}">
-                    <a16:creationId xmlns:a16="http://schemas.microsoft.com/office/drawing/2014/main" id="{B0C1766B-AC68-4522-86A8-1EE21FE3A7A4}"/>
-                  </a:ext>
-                </a:extLst>
-              </p:cNvPr>
-              <p:cNvSpPr txBox="1"/>
-              <p:nvPr/>
-            </p:nvSpPr>
-            <p:spPr>
-              <a:xfrm>
-                <a:off x="1031279" y="352425"/>
-                <a:ext cx="7572375" cy="2308324"/>
-              </a:xfrm>
-              <a:prstGeom prst="rect">
-                <a:avLst/>
-              </a:prstGeom>
-              <a:noFill/>
-            </p:spPr>
-            <p:txBody>
-              <a:bodyPr wrap="square" rtlCol="0">
-                <a:spAutoFit/>
-              </a:bodyPr>
-              <a:lstStyle/>
-              <a:p>
-                <a:r>
-                  <a:rPr lang="pt-BR" dirty="0"/>
-                  <a:t>Dada a simplificação de uma rede neural mostrada na figura abaixo, a qual contém</a:t>
-                </a:r>
-              </a:p>
-              <a:p>
-                <a:pPr marL="285750" indent="-285750">
-                  <a:buFont typeface="Arial" panose="020B0604020202020204" pitchFamily="34" charset="0"/>
-                  <a:buChar char="•"/>
-                </a:pPr>
-                <a:r>
-                  <a:rPr lang="pt-BR" dirty="0"/>
-                  <a:t>Três nós com as seguintes funções de ativação </a:t>
-                </a:r>
-                <a14:m>
-                  <m:oMath xmlns:m="http://schemas.openxmlformats.org/officeDocument/2006/math">
-                    <m:r>
-                      <a:rPr lang="pt-BR" i="1">
-                        <a:latin typeface="Cambria Math" panose="02040503050406030204" pitchFamily="18" charset="0"/>
-                      </a:rPr>
-                      <m:t>h</m:t>
-                    </m:r>
-                    <m:d>
-                      <m:dPr>
-                        <m:ctrlPr>
-                          <a:rPr lang="pt-BR" i="1">
-                            <a:latin typeface="Cambria Math" panose="02040503050406030204" pitchFamily="18" charset="0"/>
-                          </a:rPr>
-                        </m:ctrlPr>
-                      </m:dPr>
-                      <m:e>
-                        <m:r>
-                          <a:rPr lang="pt-BR" i="1">
-                            <a:latin typeface="Cambria Math" panose="02040503050406030204" pitchFamily="18" charset="0"/>
-                          </a:rPr>
-                          <m:t>.</m:t>
-                        </m:r>
-                      </m:e>
-                    </m:d>
-                  </m:oMath>
-                </a14:m>
-                <a:r>
-                  <a:rPr lang="pt-BR" dirty="0"/>
-                  <a:t>, </a:t>
-                </a:r>
-                <a14:m>
-                  <m:oMath xmlns:m="http://schemas.openxmlformats.org/officeDocument/2006/math">
-                    <m:r>
-                      <a:rPr lang="pt-BR" i="1">
-                        <a:latin typeface="Cambria Math" panose="02040503050406030204" pitchFamily="18" charset="0"/>
-                      </a:rPr>
-                      <m:t>𝑔</m:t>
-                    </m:r>
-                    <m:d>
-                      <m:dPr>
-                        <m:ctrlPr>
-                          <a:rPr lang="pt-BR" i="1">
-                            <a:latin typeface="Cambria Math" panose="02040503050406030204" pitchFamily="18" charset="0"/>
-                          </a:rPr>
-                        </m:ctrlPr>
-                      </m:dPr>
-                      <m:e>
-                        <m:r>
-                          <a:rPr lang="pt-BR" i="1">
-                            <a:latin typeface="Cambria Math" panose="02040503050406030204" pitchFamily="18" charset="0"/>
-                          </a:rPr>
-                          <m:t>.</m:t>
-                        </m:r>
-                      </m:e>
-                    </m:d>
-                  </m:oMath>
-                </a14:m>
-                <a:r>
-                  <a:rPr lang="pt-BR" dirty="0"/>
-                  <a:t> e </a:t>
-                </a:r>
-                <a14:m>
-                  <m:oMath xmlns:m="http://schemas.openxmlformats.org/officeDocument/2006/math">
-                    <m:r>
-                      <a:rPr lang="pt-BR" i="1">
-                        <a:latin typeface="Cambria Math" panose="02040503050406030204" pitchFamily="18" charset="0"/>
-                      </a:rPr>
-                      <m:t>𝑓</m:t>
-                    </m:r>
-                    <m:d>
-                      <m:dPr>
-                        <m:ctrlPr>
-                          <a:rPr lang="pt-BR" i="1">
-                            <a:latin typeface="Cambria Math" panose="02040503050406030204" pitchFamily="18" charset="0"/>
-                          </a:rPr>
-                        </m:ctrlPr>
-                      </m:dPr>
-                      <m:e>
-                        <m:r>
-                          <a:rPr lang="pt-BR" i="1">
-                            <a:latin typeface="Cambria Math" panose="02040503050406030204" pitchFamily="18" charset="0"/>
-                          </a:rPr>
-                          <m:t>.</m:t>
-                        </m:r>
-                      </m:e>
-                    </m:d>
-                  </m:oMath>
-                </a14:m>
-                <a:r>
-                  <a:rPr lang="pt-BR" dirty="0"/>
-                  <a:t>.</a:t>
-                </a:r>
-              </a:p>
-              <a:p>
-                <a:pPr marL="285750" indent="-285750">
-                  <a:buFont typeface="Arial" panose="020B0604020202020204" pitchFamily="34" charset="0"/>
-                  <a:buChar char="•"/>
-                </a:pPr>
-                <a:r>
-                  <a:rPr lang="pt-BR" dirty="0"/>
-                  <a:t>Pesos </a:t>
-                </a:r>
-                <a14:m>
-                  <m:oMath xmlns:m="http://schemas.openxmlformats.org/officeDocument/2006/math">
-                    <m:r>
-                      <a:rPr lang="pt-BR" i="1">
-                        <a:latin typeface="Cambria Math" panose="02040503050406030204" pitchFamily="18" charset="0"/>
-                      </a:rPr>
-                      <m:t>𝑤</m:t>
-                    </m:r>
-                  </m:oMath>
-                </a14:m>
-                <a:r>
-                  <a:rPr lang="pt-BR" dirty="0"/>
-                  <a:t>, 1 e 1, conectando os três nós, respectivamente.</a:t>
-                </a:r>
-              </a:p>
-              <a:p>
-                <a:pPr marL="285750" indent="-285750">
-                  <a:buFont typeface="Arial" panose="020B0604020202020204" pitchFamily="34" charset="0"/>
-                  <a:buChar char="•"/>
-                </a:pPr>
-                <a:r>
-                  <a:rPr lang="pt-BR" dirty="0"/>
-                  <a:t>Entrada </a:t>
-                </a:r>
-                <a14:m>
-                  <m:oMath xmlns:m="http://schemas.openxmlformats.org/officeDocument/2006/math">
-                    <m:r>
-                      <a:rPr lang="pt-BR" i="1">
-                        <a:latin typeface="Cambria Math" panose="02040503050406030204" pitchFamily="18" charset="0"/>
-                      </a:rPr>
-                      <m:t>𝑥</m:t>
-                    </m:r>
-                    <m:r>
-                      <a:rPr lang="pt-BR" i="1">
-                        <a:latin typeface="Cambria Math" panose="02040503050406030204" pitchFamily="18" charset="0"/>
-                      </a:rPr>
-                      <m:t>=1</m:t>
-                    </m:r>
-                  </m:oMath>
-                </a14:m>
-                <a:endParaRPr lang="pt-BR" dirty="0"/>
-              </a:p>
-              <a:p>
-                <a:r>
-                  <a:rPr lang="pt-BR" dirty="0"/>
-                  <a:t>Para atualizarmos o valor do peso </a:t>
-                </a:r>
-                <a14:m>
-                  <m:oMath xmlns:m="http://schemas.openxmlformats.org/officeDocument/2006/math">
-                    <m:r>
-                      <a:rPr lang="pt-BR" i="1">
-                        <a:latin typeface="Cambria Math" panose="02040503050406030204" pitchFamily="18" charset="0"/>
-                      </a:rPr>
-                      <m:t>𝑤</m:t>
-                    </m:r>
-                  </m:oMath>
-                </a14:m>
-                <a:r>
-                  <a:rPr lang="pt-BR" dirty="0"/>
-                  <a:t> com o gradiente descendente, precisamos encontrar a derivada parcial de </a:t>
-                </a:r>
-                <a14:m>
-                  <m:oMath xmlns:m="http://schemas.openxmlformats.org/officeDocument/2006/math">
-                    <m:r>
-                      <a:rPr lang="pt-BR" i="1">
-                        <a:latin typeface="Cambria Math" panose="02040503050406030204" pitchFamily="18" charset="0"/>
-                      </a:rPr>
-                      <m:t>𝑦</m:t>
-                    </m:r>
-                  </m:oMath>
-                </a14:m>
-                <a:r>
-                  <a:rPr lang="pt-BR" dirty="0"/>
-                  <a:t> em relação à </a:t>
-                </a:r>
-                <a14:m>
-                  <m:oMath xmlns:m="http://schemas.openxmlformats.org/officeDocument/2006/math">
-                    <m:r>
-                      <a:rPr lang="pt-BR" i="1">
-                        <a:latin typeface="Cambria Math" panose="02040503050406030204" pitchFamily="18" charset="0"/>
-                      </a:rPr>
-                      <m:t>𝑤</m:t>
-                    </m:r>
-                  </m:oMath>
-                </a14:m>
-                <a:r>
-                  <a:rPr lang="pt-BR" dirty="0"/>
-                  <a:t>.</a:t>
-                </a:r>
-              </a:p>
-              <a:p>
-                <a:r>
-                  <a:rPr lang="pt-BR" dirty="0"/>
-                  <a:t>Para encontrar a derivada, usamos a regra da cadeia</a:t>
-                </a:r>
-              </a:p>
-            </p:txBody>
-          </p:sp>
-        </mc:Choice>
-        <mc:Fallback xmlns="">
-          <p:sp>
-            <p:nvSpPr>
-              <p:cNvPr id="26" name="CaixaDeTexto 25">
-                <a:extLst>
-                  <a:ext uri="{FF2B5EF4-FFF2-40B4-BE49-F238E27FC236}">
-                    <a16:creationId xmlns:a16="http://schemas.microsoft.com/office/drawing/2014/main" id="{B0C1766B-AC68-4522-86A8-1EE21FE3A7A4}"/>
-                  </a:ext>
-                </a:extLst>
-              </p:cNvPr>
-              <p:cNvSpPr txBox="1">
-                <a:spLocks noRot="1" noChangeAspect="1" noMove="1" noResize="1" noEditPoints="1" noAdjustHandles="1" noChangeArrowheads="1" noChangeShapeType="1" noTextEdit="1"/>
-              </p:cNvSpPr>
-              <p:nvPr/>
-            </p:nvSpPr>
-            <p:spPr>
-              <a:xfrm>
-                <a:off x="1031279" y="352425"/>
-                <a:ext cx="7572375" cy="2308324"/>
-              </a:xfrm>
-              <a:prstGeom prst="rect">
-                <a:avLst/>
-              </a:prstGeom>
-              <a:blipFill>
-                <a:blip r:embed="rId12"/>
-                <a:stretch>
-                  <a:fillRect l="-644" t="-1587" r="-564" b="-3439"/>
-                </a:stretch>
-              </a:blipFill>
-            </p:spPr>
-            <p:txBody>
-              <a:bodyPr/>
-              <a:lstStyle/>
-              <a:p>
-                <a:r>
-                  <a:rPr lang="en-US">
-                    <a:noFill/>
-                  </a:rPr>
-                  <a:t> </a:t>
-                </a:r>
-              </a:p>
-            </p:txBody>
-          </p:sp>
-        </mc:Fallback>
-      </mc:AlternateContent>
-    </p:spTree>
-    <p:extLst>
-      <p:ext uri="{BB962C8B-B14F-4D97-AF65-F5344CB8AC3E}">
-        <p14:creationId xmlns:p14="http://schemas.microsoft.com/office/powerpoint/2010/main" val="4286225398"/>
-      </p:ext>
-    </p:extLst>
-  </p:cSld>
-  <p:clrMapOvr>
-    <a:masterClrMapping/>
-  </p:clrMapOvr>
-</p:sld>
-</file>
-
-<file path=ppt/slides/slide13.xml><?xml version="1.0" encoding="utf-8"?>
-<p:sld xmlns:a="http://schemas.openxmlformats.org/drawingml/2006/main" xmlns:r="http://schemas.openxmlformats.org/officeDocument/2006/relationships" xmlns:p="http://schemas.openxmlformats.org/presentationml/2006/main">
-  <p:cSld>
-    <p:spTree>
-      <p:nvGrpSpPr>
-        <p:cNvPr id="1" name=""/>
-        <p:cNvGrpSpPr/>
-        <p:nvPr/>
-      </p:nvGrpSpPr>
-      <p:grpSpPr>
-        <a:xfrm>
-          <a:off x="0" y="0"/>
-          <a:ext cx="0" cy="0"/>
-          <a:chOff x="0" y="0"/>
-          <a:chExt cx="0" cy="0"/>
-        </a:xfrm>
-      </p:grpSpPr>
-      <p:sp>
-        <p:nvSpPr>
-          <p:cNvPr id="2" name="Título 1">
-            <a:extLst>
-              <a:ext uri="{FF2B5EF4-FFF2-40B4-BE49-F238E27FC236}">
-                <a16:creationId xmlns:a16="http://schemas.microsoft.com/office/drawing/2014/main" id="{66FB0E78-D3AC-4CD1-B362-6EF9B6C0C826}"/>
-              </a:ext>
-            </a:extLst>
-          </p:cNvPr>
-          <p:cNvSpPr>
-            <a:spLocks noGrp="1"/>
-          </p:cNvSpPr>
-          <p:nvPr>
-            <p:ph type="title"/>
-          </p:nvPr>
-        </p:nvSpPr>
-        <p:spPr/>
-        <p:txBody>
-          <a:bodyPr/>
-          <a:lstStyle/>
-          <a:p>
-            <a:endParaRPr lang="en-US"/>
-          </a:p>
-        </p:txBody>
-      </p:sp>
-      <mc:AlternateContent xmlns:mc="http://schemas.openxmlformats.org/markup-compatibility/2006" xmlns:a14="http://schemas.microsoft.com/office/drawing/2010/main">
-        <mc:Choice Requires="a14">
-          <p:sp>
-            <p:nvSpPr>
-              <p:cNvPr id="3" name="Espaço Reservado para Conteúdo 2">
-                <a:extLst>
-                  <a:ext uri="{FF2B5EF4-FFF2-40B4-BE49-F238E27FC236}">
-                    <a16:creationId xmlns:a16="http://schemas.microsoft.com/office/drawing/2014/main" id="{742E3544-9C46-4A3A-A735-0DD5C78EE3F7}"/>
-                  </a:ext>
-                </a:extLst>
-              </p:cNvPr>
-              <p:cNvSpPr>
-                <a:spLocks noGrp="1"/>
-              </p:cNvSpPr>
-              <p:nvPr>
-                <p:ph idx="1"/>
-              </p:nvPr>
-            </p:nvSpPr>
-            <p:spPr/>
-            <p:txBody>
-              <a:bodyPr>
-                <a:normAutofit lnSpcReduction="10000"/>
-              </a:bodyPr>
-              <a:lstStyle/>
-              <a:p>
-                <a:r>
-                  <a:rPr lang="pt-BR" dirty="0"/>
-                  <a:t>Para atualizarmos o valor do peso </a:t>
-                </a:r>
-                <a14:m>
-                  <m:oMath xmlns:m="http://schemas.openxmlformats.org/officeDocument/2006/math">
-                    <m:r>
-                      <a:rPr lang="pt-BR" i="1">
-                        <a:latin typeface="Cambria Math" panose="02040503050406030204" pitchFamily="18" charset="0"/>
-                      </a:rPr>
-                      <m:t>𝑤</m:t>
-                    </m:r>
-                  </m:oMath>
-                </a14:m>
-                <a:r>
-                  <a:rPr lang="pt-BR" dirty="0"/>
-                  <a:t> com o gradiente descendente, precisamos encontrar a derivada parcial de </a:t>
-                </a:r>
-                <a14:m>
-                  <m:oMath xmlns:m="http://schemas.openxmlformats.org/officeDocument/2006/math">
-                    <m:r>
-                      <a:rPr lang="pt-BR" i="1">
-                        <a:latin typeface="Cambria Math" panose="02040503050406030204" pitchFamily="18" charset="0"/>
-                      </a:rPr>
-                      <m:t>𝑦</m:t>
-                    </m:r>
-                  </m:oMath>
-                </a14:m>
-                <a:r>
-                  <a:rPr lang="pt-BR" dirty="0"/>
-                  <a:t> em relação à </a:t>
-                </a:r>
-                <a14:m>
-                  <m:oMath xmlns:m="http://schemas.openxmlformats.org/officeDocument/2006/math">
-                    <m:r>
-                      <a:rPr lang="pt-BR" i="1">
-                        <a:latin typeface="Cambria Math" panose="02040503050406030204" pitchFamily="18" charset="0"/>
-                      </a:rPr>
-                      <m:t>𝑤</m:t>
-                    </m:r>
-                  </m:oMath>
-                </a14:m>
-                <a:r>
-                  <a:rPr lang="pt-BR" dirty="0"/>
-                  <a:t>.</a:t>
-                </a:r>
-              </a:p>
-              <a:p>
-                <a:r>
-                  <a:rPr lang="pt-BR" dirty="0"/>
-                  <a:t>Para encontrar a derivada, usamos a regra da cadeia</a:t>
-                </a:r>
-              </a:p>
-              <a:p>
-                <a:pPr marL="0" indent="0">
-                  <a:buNone/>
-                </a:pPr>
-                <a:endParaRPr lang="pt-BR" i="1" dirty="0">
-                  <a:latin typeface="Cambria Math" panose="02040503050406030204" pitchFamily="18" charset="0"/>
-                </a:endParaRPr>
-              </a:p>
-              <a:p>
-                <a:pPr marL="0" indent="0">
-                  <a:buNone/>
-                </a:pPr>
-                <a14:m>
-                  <m:oMathPara xmlns:m="http://schemas.openxmlformats.org/officeDocument/2006/math">
-                    <m:oMathParaPr>
-                      <m:jc m:val="centerGroup"/>
-                    </m:oMathParaPr>
-                    <m:oMath xmlns:m="http://schemas.openxmlformats.org/officeDocument/2006/math">
-                      <m:f>
-                        <m:fPr>
-                          <m:ctrlPr>
-                            <a:rPr lang="pt-BR" i="1">
-                              <a:latin typeface="Cambria Math" panose="02040503050406030204" pitchFamily="18" charset="0"/>
-                            </a:rPr>
-                          </m:ctrlPr>
-                        </m:fPr>
-                        <m:num>
-                          <m:r>
-                            <a:rPr lang="pt-BR" i="1">
-                              <a:latin typeface="Cambria Math" panose="02040503050406030204" pitchFamily="18" charset="0"/>
-                              <a:ea typeface="Cambria Math" panose="02040503050406030204" pitchFamily="18" charset="0"/>
-                            </a:rPr>
-                            <m:t>𝜕</m:t>
-                          </m:r>
-                          <m:r>
-                            <a:rPr lang="pt-BR" i="1">
-                              <a:latin typeface="Cambria Math" panose="02040503050406030204" pitchFamily="18" charset="0"/>
-                              <a:ea typeface="Cambria Math" panose="02040503050406030204" pitchFamily="18" charset="0"/>
-                            </a:rPr>
-                            <m:t>𝑦</m:t>
-                          </m:r>
-                        </m:num>
-                        <m:den>
-                          <m:r>
-                            <a:rPr lang="pt-BR" i="1">
-                              <a:latin typeface="Cambria Math" panose="02040503050406030204" pitchFamily="18" charset="0"/>
-                              <a:ea typeface="Cambria Math" panose="02040503050406030204" pitchFamily="18" charset="0"/>
-                            </a:rPr>
-                            <m:t>𝜕</m:t>
-                          </m:r>
-                          <m:r>
-                            <a:rPr lang="pt-BR" i="1">
-                              <a:latin typeface="Cambria Math" panose="02040503050406030204" pitchFamily="18" charset="0"/>
-                              <a:ea typeface="Cambria Math" panose="02040503050406030204" pitchFamily="18" charset="0"/>
-                            </a:rPr>
-                            <m:t>𝑤</m:t>
-                          </m:r>
-                        </m:den>
-                      </m:f>
-                      <m:r>
-                        <a:rPr lang="pt-BR" i="1">
-                          <a:latin typeface="Cambria Math" panose="02040503050406030204" pitchFamily="18" charset="0"/>
-                        </a:rPr>
-                        <m:t>=</m:t>
-                      </m:r>
-                      <m:f>
-                        <m:fPr>
-                          <m:ctrlPr>
-                            <a:rPr lang="pt-BR" i="1">
-                              <a:latin typeface="Cambria Math" panose="02040503050406030204" pitchFamily="18" charset="0"/>
-                            </a:rPr>
-                          </m:ctrlPr>
-                        </m:fPr>
-                        <m:num>
-                          <m:r>
-                            <a:rPr lang="pt-BR" i="1">
-                              <a:latin typeface="Cambria Math" panose="02040503050406030204" pitchFamily="18" charset="0"/>
-                              <a:ea typeface="Cambria Math" panose="02040503050406030204" pitchFamily="18" charset="0"/>
-                            </a:rPr>
-                            <m:t>𝜕</m:t>
-                          </m:r>
-                          <m:r>
-                            <a:rPr lang="pt-BR" i="1">
-                              <a:latin typeface="Cambria Math" panose="02040503050406030204" pitchFamily="18" charset="0"/>
-                            </a:rPr>
-                            <m:t>𝑓</m:t>
-                          </m:r>
-                          <m:d>
-                            <m:dPr>
-                              <m:ctrlPr>
-                                <a:rPr lang="pt-BR" i="1">
-                                  <a:latin typeface="Cambria Math" panose="02040503050406030204" pitchFamily="18" charset="0"/>
-                                </a:rPr>
-                              </m:ctrlPr>
-                            </m:dPr>
-                            <m:e>
-                              <m:r>
-                                <a:rPr lang="pt-BR" i="1">
-                                  <a:latin typeface="Cambria Math" panose="02040503050406030204" pitchFamily="18" charset="0"/>
-                                </a:rPr>
-                                <m:t>𝑔</m:t>
-                              </m:r>
-                              <m:d>
-                                <m:dPr>
-                                  <m:ctrlPr>
-                                    <a:rPr lang="pt-BR" i="1">
-                                      <a:latin typeface="Cambria Math" panose="02040503050406030204" pitchFamily="18" charset="0"/>
-                                    </a:rPr>
-                                  </m:ctrlPr>
-                                </m:dPr>
-                                <m:e>
-                                  <m:r>
-                                    <a:rPr lang="pt-BR" i="1">
-                                      <a:latin typeface="Cambria Math" panose="02040503050406030204" pitchFamily="18" charset="0"/>
-                                    </a:rPr>
-                                    <m:t>h</m:t>
-                                  </m:r>
-                                  <m:r>
-                                    <a:rPr lang="pt-BR" i="1">
-                                      <a:latin typeface="Cambria Math" panose="02040503050406030204" pitchFamily="18" charset="0"/>
-                                    </a:rPr>
-                                    <m:t>(</m:t>
-                                  </m:r>
-                                  <m:r>
-                                    <a:rPr lang="pt-BR" i="1">
-                                      <a:latin typeface="Cambria Math" panose="02040503050406030204" pitchFamily="18" charset="0"/>
-                                    </a:rPr>
-                                    <m:t>𝑤</m:t>
-                                  </m:r>
-                                  <m:r>
-                                    <a:rPr lang="pt-BR" i="1">
-                                      <a:latin typeface="Cambria Math" panose="02040503050406030204" pitchFamily="18" charset="0"/>
-                                    </a:rPr>
-                                    <m:t>)</m:t>
-                                  </m:r>
-                                </m:e>
-                              </m:d>
-                            </m:e>
-                          </m:d>
-                        </m:num>
-                        <m:den>
-                          <m:r>
-                            <a:rPr lang="pt-BR" i="1">
-                              <a:latin typeface="Cambria Math" panose="02040503050406030204" pitchFamily="18" charset="0"/>
-                              <a:ea typeface="Cambria Math" panose="02040503050406030204" pitchFamily="18" charset="0"/>
-                            </a:rPr>
-                            <m:t>𝜕</m:t>
-                          </m:r>
-                          <m:r>
-                            <a:rPr lang="pt-BR" i="1">
-                              <a:latin typeface="Cambria Math" panose="02040503050406030204" pitchFamily="18" charset="0"/>
-                              <a:ea typeface="Cambria Math" panose="02040503050406030204" pitchFamily="18" charset="0"/>
-                            </a:rPr>
-                            <m:t>𝑤</m:t>
-                          </m:r>
-                        </m:den>
-                      </m:f>
-                      <m:r>
-                        <a:rPr lang="pt-BR" i="1">
-                          <a:latin typeface="Cambria Math" panose="02040503050406030204" pitchFamily="18" charset="0"/>
-                        </a:rPr>
-                        <m:t>=</m:t>
-                      </m:r>
-                      <m:f>
-                        <m:fPr>
-                          <m:ctrlPr>
-                            <a:rPr lang="pt-BR" i="1">
-                              <a:latin typeface="Cambria Math" panose="02040503050406030204" pitchFamily="18" charset="0"/>
-                            </a:rPr>
-                          </m:ctrlPr>
-                        </m:fPr>
-                        <m:num>
-                          <m:r>
-                            <a:rPr lang="pt-BR" i="1">
-                              <a:latin typeface="Cambria Math" panose="02040503050406030204" pitchFamily="18" charset="0"/>
-                              <a:ea typeface="Cambria Math" panose="02040503050406030204" pitchFamily="18" charset="0"/>
-                            </a:rPr>
-                            <m:t>𝜕</m:t>
-                          </m:r>
-                          <m:r>
-                            <a:rPr lang="pt-BR" i="1">
-                              <a:latin typeface="Cambria Math" panose="02040503050406030204" pitchFamily="18" charset="0"/>
-                            </a:rPr>
-                            <m:t>𝑓</m:t>
-                          </m:r>
-                          <m:d>
-                            <m:dPr>
-                              <m:ctrlPr>
-                                <a:rPr lang="pt-BR" i="1">
-                                  <a:latin typeface="Cambria Math" panose="02040503050406030204" pitchFamily="18" charset="0"/>
-                                </a:rPr>
-                              </m:ctrlPr>
-                            </m:dPr>
-                            <m:e>
-                              <m:r>
-                                <a:rPr lang="pt-BR" i="1">
-                                  <a:latin typeface="Cambria Math" panose="02040503050406030204" pitchFamily="18" charset="0"/>
-                                </a:rPr>
-                                <m:t>𝑔</m:t>
-                              </m:r>
-                              <m:d>
-                                <m:dPr>
-                                  <m:ctrlPr>
-                                    <a:rPr lang="pt-BR" i="1">
-                                      <a:latin typeface="Cambria Math" panose="02040503050406030204" pitchFamily="18" charset="0"/>
-                                    </a:rPr>
-                                  </m:ctrlPr>
-                                </m:dPr>
-                                <m:e>
-                                  <m:r>
-                                    <a:rPr lang="pt-BR" i="1">
-                                      <a:latin typeface="Cambria Math" panose="02040503050406030204" pitchFamily="18" charset="0"/>
-                                    </a:rPr>
-                                    <m:t>h</m:t>
-                                  </m:r>
-                                  <m:r>
-                                    <a:rPr lang="pt-BR" i="1">
-                                      <a:latin typeface="Cambria Math" panose="02040503050406030204" pitchFamily="18" charset="0"/>
-                                    </a:rPr>
-                                    <m:t>(</m:t>
-                                  </m:r>
-                                  <m:r>
-                                    <a:rPr lang="pt-BR" i="1">
-                                      <a:latin typeface="Cambria Math" panose="02040503050406030204" pitchFamily="18" charset="0"/>
-                                    </a:rPr>
-                                    <m:t>𝑤</m:t>
-                                  </m:r>
-                                  <m:r>
-                                    <a:rPr lang="pt-BR" i="1">
-                                      <a:latin typeface="Cambria Math" panose="02040503050406030204" pitchFamily="18" charset="0"/>
-                                    </a:rPr>
-                                    <m:t>)</m:t>
-                                  </m:r>
-                                </m:e>
-                              </m:d>
-                            </m:e>
-                          </m:d>
-                        </m:num>
-                        <m:den>
-                          <m:r>
-                            <a:rPr lang="pt-BR" i="1">
-                              <a:latin typeface="Cambria Math" panose="02040503050406030204" pitchFamily="18" charset="0"/>
-                              <a:ea typeface="Cambria Math" panose="02040503050406030204" pitchFamily="18" charset="0"/>
-                            </a:rPr>
-                            <m:t>𝜕</m:t>
-                          </m:r>
-                          <m:r>
-                            <a:rPr lang="pt-BR" i="1">
-                              <a:latin typeface="Cambria Math" panose="02040503050406030204" pitchFamily="18" charset="0"/>
-                              <a:ea typeface="Cambria Math" panose="02040503050406030204" pitchFamily="18" charset="0"/>
-                            </a:rPr>
-                            <m:t>𝑔</m:t>
-                          </m:r>
-                          <m:d>
-                            <m:dPr>
-                              <m:ctrlPr>
-                                <a:rPr lang="pt-BR" i="1">
-                                  <a:latin typeface="Cambria Math" panose="02040503050406030204" pitchFamily="18" charset="0"/>
-                                </a:rPr>
-                              </m:ctrlPr>
-                            </m:dPr>
-                            <m:e>
-                              <m:r>
-                                <a:rPr lang="pt-BR" i="1">
-                                  <a:latin typeface="Cambria Math" panose="02040503050406030204" pitchFamily="18" charset="0"/>
-                                </a:rPr>
-                                <m:t>h</m:t>
-                              </m:r>
-                              <m:r>
-                                <a:rPr lang="pt-BR" i="1">
-                                  <a:latin typeface="Cambria Math" panose="02040503050406030204" pitchFamily="18" charset="0"/>
-                                </a:rPr>
-                                <m:t>(</m:t>
-                              </m:r>
-                              <m:r>
-                                <a:rPr lang="pt-BR" i="1">
-                                  <a:latin typeface="Cambria Math" panose="02040503050406030204" pitchFamily="18" charset="0"/>
-                                </a:rPr>
-                                <m:t>𝑤</m:t>
-                              </m:r>
-                              <m:r>
-                                <a:rPr lang="pt-BR" i="1">
-                                  <a:latin typeface="Cambria Math" panose="02040503050406030204" pitchFamily="18" charset="0"/>
-                                </a:rPr>
-                                <m:t>)</m:t>
-                              </m:r>
-                            </m:e>
-                          </m:d>
-                        </m:den>
-                      </m:f>
-                      <m:f>
-                        <m:fPr>
-                          <m:ctrlPr>
-                            <a:rPr lang="pt-BR" i="1">
-                              <a:latin typeface="Cambria Math" panose="02040503050406030204" pitchFamily="18" charset="0"/>
-                            </a:rPr>
-                          </m:ctrlPr>
-                        </m:fPr>
-                        <m:num>
-                          <m:r>
-                            <a:rPr lang="pt-BR" i="1">
-                              <a:latin typeface="Cambria Math" panose="02040503050406030204" pitchFamily="18" charset="0"/>
-                              <a:ea typeface="Cambria Math" panose="02040503050406030204" pitchFamily="18" charset="0"/>
-                            </a:rPr>
-                            <m:t>𝜕</m:t>
-                          </m:r>
-                          <m:r>
-                            <a:rPr lang="pt-BR" i="1">
-                              <a:latin typeface="Cambria Math" panose="02040503050406030204" pitchFamily="18" charset="0"/>
-                              <a:ea typeface="Cambria Math" panose="02040503050406030204" pitchFamily="18" charset="0"/>
-                            </a:rPr>
-                            <m:t>𝑔</m:t>
-                          </m:r>
-                          <m:r>
-                            <a:rPr lang="pt-BR" i="1">
-                              <a:latin typeface="Cambria Math" panose="02040503050406030204" pitchFamily="18" charset="0"/>
-                              <a:ea typeface="Cambria Math" panose="02040503050406030204" pitchFamily="18" charset="0"/>
-                            </a:rPr>
-                            <m:t>(</m:t>
-                          </m:r>
-                          <m:r>
-                            <a:rPr lang="pt-BR" i="1">
-                              <a:latin typeface="Cambria Math" panose="02040503050406030204" pitchFamily="18" charset="0"/>
-                            </a:rPr>
-                            <m:t>h</m:t>
-                          </m:r>
-                          <m:d>
-                            <m:dPr>
-                              <m:ctrlPr>
-                                <a:rPr lang="pt-BR" i="1">
-                                  <a:latin typeface="Cambria Math" panose="02040503050406030204" pitchFamily="18" charset="0"/>
-                                </a:rPr>
-                              </m:ctrlPr>
-                            </m:dPr>
-                            <m:e>
-                              <m:r>
-                                <a:rPr lang="pt-BR" i="1">
-                                  <a:latin typeface="Cambria Math" panose="02040503050406030204" pitchFamily="18" charset="0"/>
-                                </a:rPr>
-                                <m:t>𝑤</m:t>
-                              </m:r>
-                            </m:e>
-                          </m:d>
-                          <m:r>
-                            <a:rPr lang="pt-BR" i="1">
-                              <a:latin typeface="Cambria Math" panose="02040503050406030204" pitchFamily="18" charset="0"/>
-                            </a:rPr>
-                            <m:t>)</m:t>
-                          </m:r>
-                        </m:num>
-                        <m:den>
-                          <m:r>
-                            <a:rPr lang="pt-BR" i="1">
-                              <a:latin typeface="Cambria Math" panose="02040503050406030204" pitchFamily="18" charset="0"/>
-                              <a:ea typeface="Cambria Math" panose="02040503050406030204" pitchFamily="18" charset="0"/>
-                            </a:rPr>
-                            <m:t>𝜕</m:t>
-                          </m:r>
-                          <m:r>
-                            <a:rPr lang="pt-BR" i="1">
-                              <a:latin typeface="Cambria Math" panose="02040503050406030204" pitchFamily="18" charset="0"/>
-                              <a:ea typeface="Cambria Math" panose="02040503050406030204" pitchFamily="18" charset="0"/>
-                            </a:rPr>
-                            <m:t>h</m:t>
-                          </m:r>
-                          <m:r>
-                            <a:rPr lang="pt-BR" i="1">
-                              <a:latin typeface="Cambria Math" panose="02040503050406030204" pitchFamily="18" charset="0"/>
-                              <a:ea typeface="Cambria Math" panose="02040503050406030204" pitchFamily="18" charset="0"/>
-                            </a:rPr>
-                            <m:t>(</m:t>
-                          </m:r>
-                          <m:r>
-                            <a:rPr lang="pt-BR" i="1">
-                              <a:latin typeface="Cambria Math" panose="02040503050406030204" pitchFamily="18" charset="0"/>
-                              <a:ea typeface="Cambria Math" panose="02040503050406030204" pitchFamily="18" charset="0"/>
-                            </a:rPr>
-                            <m:t>𝑤</m:t>
-                          </m:r>
-                          <m:r>
-                            <a:rPr lang="pt-BR" i="1">
-                              <a:latin typeface="Cambria Math" panose="02040503050406030204" pitchFamily="18" charset="0"/>
-                            </a:rPr>
-                            <m:t>)</m:t>
-                          </m:r>
-                        </m:den>
-                      </m:f>
-                      <m:f>
-                        <m:fPr>
-                          <m:ctrlPr>
-                            <a:rPr lang="pt-BR" i="1">
-                              <a:latin typeface="Cambria Math" panose="02040503050406030204" pitchFamily="18" charset="0"/>
-                            </a:rPr>
-                          </m:ctrlPr>
-                        </m:fPr>
-                        <m:num>
-                          <m:r>
-                            <a:rPr lang="pt-BR" i="1">
-                              <a:latin typeface="Cambria Math" panose="02040503050406030204" pitchFamily="18" charset="0"/>
-                              <a:ea typeface="Cambria Math" panose="02040503050406030204" pitchFamily="18" charset="0"/>
-                            </a:rPr>
-                            <m:t>𝜕</m:t>
-                          </m:r>
-                          <m:r>
-                            <a:rPr lang="pt-BR" i="1">
-                              <a:latin typeface="Cambria Math" panose="02040503050406030204" pitchFamily="18" charset="0"/>
-                            </a:rPr>
-                            <m:t>h</m:t>
-                          </m:r>
-                          <m:d>
-                            <m:dPr>
-                              <m:ctrlPr>
-                                <a:rPr lang="pt-BR" i="1">
-                                  <a:latin typeface="Cambria Math" panose="02040503050406030204" pitchFamily="18" charset="0"/>
-                                </a:rPr>
-                              </m:ctrlPr>
-                            </m:dPr>
-                            <m:e>
-                              <m:r>
-                                <a:rPr lang="pt-BR" i="1">
-                                  <a:latin typeface="Cambria Math" panose="02040503050406030204" pitchFamily="18" charset="0"/>
-                                </a:rPr>
-                                <m:t>𝑤</m:t>
-                              </m:r>
-                            </m:e>
-                          </m:d>
-                        </m:num>
-                        <m:den>
-                          <m:r>
-                            <a:rPr lang="pt-BR" i="1">
-                              <a:latin typeface="Cambria Math" panose="02040503050406030204" pitchFamily="18" charset="0"/>
-                              <a:ea typeface="Cambria Math" panose="02040503050406030204" pitchFamily="18" charset="0"/>
-                            </a:rPr>
-                            <m:t>𝜕</m:t>
-                          </m:r>
-                          <m:r>
-                            <a:rPr lang="pt-BR" i="1">
-                              <a:latin typeface="Cambria Math" panose="02040503050406030204" pitchFamily="18" charset="0"/>
-                              <a:ea typeface="Cambria Math" panose="02040503050406030204" pitchFamily="18" charset="0"/>
-                            </a:rPr>
-                            <m:t>𝑤</m:t>
-                          </m:r>
-                        </m:den>
-                      </m:f>
-                    </m:oMath>
-                  </m:oMathPara>
-                </a14:m>
-                <a:endParaRPr lang="pt-BR" dirty="0"/>
-              </a:p>
-              <a:p>
-                <a:r>
-                  <a:rPr lang="pt-BR" dirty="0"/>
-                  <a:t>Em outras palavras, devido à regra da cadeia, o gradiente para a atualização dos pesos de uma dada camada da rede neural </a:t>
-                </a:r>
-                <a:r>
-                  <a:rPr lang="pt-BR" b="1" i="1" dirty="0"/>
-                  <a:t>contém</a:t>
-                </a:r>
-                <a:r>
-                  <a:rPr lang="pt-BR" dirty="0"/>
-                  <a:t>, além de outros termos, </a:t>
-                </a:r>
-                <a:r>
-                  <a:rPr lang="pt-BR" b="1" i="1" dirty="0"/>
-                  <a:t>o produto das derivadas das funções de ativação desde a camada de saída até a camada desejada</a:t>
-                </a:r>
-                <a:r>
-                  <a:rPr lang="pt-BR" dirty="0"/>
-                  <a:t>.</a:t>
-                </a:r>
-              </a:p>
-              <a:p>
-                <a:endParaRPr lang="en-US" dirty="0"/>
-              </a:p>
-            </p:txBody>
-          </p:sp>
-        </mc:Choice>
-        <mc:Fallback xmlns="">
-          <p:sp>
-            <p:nvSpPr>
-              <p:cNvPr id="3" name="Espaço Reservado para Conteúdo 2">
-                <a:extLst>
-                  <a:ext uri="{FF2B5EF4-FFF2-40B4-BE49-F238E27FC236}">
-                    <a16:creationId xmlns:a16="http://schemas.microsoft.com/office/drawing/2014/main" id="{742E3544-9C46-4A3A-A735-0DD5C78EE3F7}"/>
-                  </a:ext>
-                </a:extLst>
-              </p:cNvPr>
-              <p:cNvSpPr>
-                <a:spLocks noGrp="1" noRot="1" noChangeAspect="1" noMove="1" noResize="1" noEditPoints="1" noAdjustHandles="1" noChangeArrowheads="1" noChangeShapeType="1" noTextEdit="1"/>
-              </p:cNvSpPr>
-              <p:nvPr>
-                <p:ph idx="1"/>
-              </p:nvPr>
-            </p:nvSpPr>
-            <p:spPr>
-              <a:blipFill>
-                <a:blip r:embed="rId2"/>
-                <a:stretch>
-                  <a:fillRect l="-1043" t="-3081"/>
-                </a:stretch>
-              </a:blipFill>
-            </p:spPr>
-            <p:txBody>
-              <a:bodyPr/>
-              <a:lstStyle/>
-              <a:p>
-                <a:r>
-                  <a:rPr lang="en-US">
-                    <a:noFill/>
-                  </a:rPr>
-                  <a:t> </a:t>
-                </a:r>
-              </a:p>
-            </p:txBody>
-          </p:sp>
-        </mc:Fallback>
-      </mc:AlternateContent>
-    </p:spTree>
-    <p:extLst>
-      <p:ext uri="{BB962C8B-B14F-4D97-AF65-F5344CB8AC3E}">
-        <p14:creationId xmlns:p14="http://schemas.microsoft.com/office/powerpoint/2010/main" val="3738296953"/>
-      </p:ext>
-    </p:extLst>
-  </p:cSld>
-  <p:clrMapOvr>
-    <a:masterClrMapping/>
-  </p:clrMapOvr>
-</p:sld>
-</file>
-
-<file path=ppt/slides/slide14.xml><?xml version="1.0" encoding="utf-8"?>
-<p:sld xmlns:a="http://schemas.openxmlformats.org/drawingml/2006/main" xmlns:r="http://schemas.openxmlformats.org/officeDocument/2006/relationships" xmlns:p="http://schemas.openxmlformats.org/presentationml/2006/main">
-  <p:cSld>
-    <p:spTree>
-      <p:nvGrpSpPr>
-        <p:cNvPr id="1" name=""/>
-        <p:cNvGrpSpPr/>
-        <p:nvPr/>
-      </p:nvGrpSpPr>
-      <p:grpSpPr>
-        <a:xfrm>
-          <a:off x="0" y="0"/>
-          <a:ext cx="0" cy="0"/>
-          <a:chOff x="0" y="0"/>
-          <a:chExt cx="0" cy="0"/>
-        </a:xfrm>
-      </p:grpSpPr>
       <p:sp>
         <p:nvSpPr>
           <p:cNvPr id="2" name="Title 1"/>
@@ -10295,8 +8662,8 @@
           </a:p>
         </p:txBody>
       </p:sp>
-      <mc:AlternateContent xmlns:mc="http://schemas.openxmlformats.org/markup-compatibility/2006" xmlns:a14="http://schemas.microsoft.com/office/drawing/2010/main">
-        <mc:Choice Requires="a14">
+      <mc:AlternateContent xmlns:mc="http://schemas.openxmlformats.org/markup-compatibility/2006">
+        <mc:Choice xmlns:a14="http://schemas.microsoft.com/office/drawing/2010/main" Requires="a14">
           <p:sp>
             <p:nvSpPr>
               <p:cNvPr id="3" name="Content Placeholder 2"/>
@@ -10367,7 +8734,15 @@
               <a:p>
                 <a:r>
                   <a:rPr lang="pt-BR" dirty="0"/>
-                  <a:t>O que significa que o gradiente diminui exponencialmente com </a:t>
+                  <a:t>O que significa que o </a:t>
+                </a:r>
+                <a:r>
+                  <a:rPr lang="pt-BR" b="1" i="1" dirty="0"/>
+                  <a:t>gradiente diminui exponencialmente </a:t>
+                </a:r>
+                <a:r>
+                  <a:rPr lang="pt-BR" dirty="0"/>
+                  <a:t>com </a:t>
                 </a:r>
                 <a14:m>
                   <m:oMath xmlns:m="http://schemas.openxmlformats.org/officeDocument/2006/math">
@@ -10387,13 +8762,29 @@
               <a:p>
                 <a:r>
                   <a:rPr lang="pt-BR" dirty="0"/>
-                  <a:t>Isso significa que os nós das camadas iniciais aprendem muito mais lentamente do que os nós das camadas finais, pois o valor do gradiente é muito pequeno, fazendo com que a atualização dos pesos também seja pequena (i.e., lenta).</a:t>
+                  <a:t>Isso significa que os </a:t>
+                </a:r>
+                <a:r>
+                  <a:rPr lang="pt-BR" b="1" i="1" dirty="0"/>
+                  <a:t>nós das camadas iniciais aprendem muito mais lentamente do que os nós das camadas finais</a:t>
+                </a:r>
+                <a:r>
+                  <a:rPr lang="pt-BR" dirty="0"/>
+                  <a:t>, pois o valor do gradiente é muito pequeno, fazendo com que a </a:t>
+                </a:r>
+                <a:r>
+                  <a:rPr lang="pt-BR" b="1" i="1" dirty="0"/>
+                  <a:t>atualização dos pesos também seja pequena </a:t>
+                </a:r>
+                <a:r>
+                  <a:rPr lang="pt-BR" dirty="0"/>
+                  <a:t>(i.e., lenta).</a:t>
                 </a:r>
               </a:p>
             </p:txBody>
           </p:sp>
         </mc:Choice>
-        <mc:Fallback xmlns="">
+        <mc:Fallback>
           <p:sp>
             <p:nvSpPr>
               <p:cNvPr id="3" name="Content Placeholder 2"/>
@@ -10412,7 +8803,7 @@
               <a:blipFill rotWithShape="0">
                 <a:blip r:embed="rId3"/>
                 <a:stretch>
-                  <a:fillRect l="-816" t="-3024"/>
+                  <a:fillRect l="-816" t="-3024" r="-1523"/>
                 </a:stretch>
               </a:blipFill>
             </p:spPr>
@@ -10474,7 +8865,7 @@
 </p:sld>
 </file>
 
-<file path=ppt/slides/slide15.xml><?xml version="1.0" encoding="utf-8"?>
+<file path=ppt/slides/slide13.xml><?xml version="1.0" encoding="utf-8"?>
 <p:sld xmlns:a="http://schemas.openxmlformats.org/drawingml/2006/main" xmlns:r="http://schemas.openxmlformats.org/officeDocument/2006/relationships" xmlns:p="http://schemas.openxmlformats.org/presentationml/2006/main">
   <p:cSld>
     <p:spTree>
@@ -10496,7 +8887,7 @@
           <p:cNvPr id="2" name="Título 1">
             <a:extLst>
               <a:ext uri="{FF2B5EF4-FFF2-40B4-BE49-F238E27FC236}">
-                <a16:creationId xmlns:a16="http://schemas.microsoft.com/office/drawing/2014/main" id="{4E991379-1C4F-4AB9-BB38-83C7CC20155D}"/>
+                <a16:creationId xmlns:a16="http://schemas.microsoft.com/office/drawing/2014/main" xmlns="" id="{4E991379-1C4F-4AB9-BB38-83C7CC20155D}"/>
               </a:ext>
             </a:extLst>
           </p:cNvPr>
@@ -10536,14 +8927,14 @@
           </a:p>
         </p:txBody>
       </p:sp>
-      <mc:AlternateContent xmlns:mc="http://schemas.openxmlformats.org/markup-compatibility/2006" xmlns:a14="http://schemas.microsoft.com/office/drawing/2010/main">
-        <mc:Choice Requires="a14">
+      <mc:AlternateContent xmlns:mc="http://schemas.openxmlformats.org/markup-compatibility/2006">
+        <mc:Choice xmlns:a14="http://schemas.microsoft.com/office/drawing/2010/main" Requires="a14">
           <p:sp>
             <p:nvSpPr>
               <p:cNvPr id="3" name="Espaço Reservado para Conteúdo 2">
                 <a:extLst>
                   <a:ext uri="{FF2B5EF4-FFF2-40B4-BE49-F238E27FC236}">
-                    <a16:creationId xmlns:a16="http://schemas.microsoft.com/office/drawing/2014/main" id="{68DBA540-3B58-4BC7-B375-23ABBBC057D3}"/>
+                    <a16:creationId xmlns:a16="http://schemas.microsoft.com/office/drawing/2014/main" xmlns="" id="{68DBA540-3B58-4BC7-B375-23ABBBC057D3}"/>
                   </a:ext>
                 </a:extLst>
               </p:cNvPr>
@@ -10562,7 +8953,7 @@
             </p:spPr>
             <p:txBody>
               <a:bodyPr>
-                <a:normAutofit fontScale="77500" lnSpcReduction="20000"/>
+                <a:normAutofit fontScale="70000" lnSpcReduction="20000"/>
               </a:bodyPr>
               <a:lstStyle/>
               <a:p>
@@ -10570,8 +8961,12 @@
                   <a:buNone/>
                 </a:pPr>
                 <a:r>
-                  <a:rPr lang="en-US" dirty="0"/>
-                  <a:t>Considerações: </a:t>
+                  <a:rPr lang="en-US" b="1" i="1" dirty="0" smtClean="0"/>
+                  <a:t>Considerações</a:t>
+                </a:r>
+                <a:r>
+                  <a:rPr lang="en-US" dirty="0" smtClean="0"/>
+                  <a:t>: </a:t>
                 </a:r>
               </a:p>
               <a:p>
@@ -11032,8 +9427,12 @@
                   <a:t> </a:t>
                 </a:r>
                 <a:r>
+                  <a:rPr lang="pt-BR" dirty="0" smtClean="0"/>
+                  <a:t>saída do </a:t>
+                </a:r>
+                <a:r>
                   <a:rPr lang="pt-BR" dirty="0"/>
-                  <a:t>saídado primeiro </a:t>
+                  <a:t>primeiro </a:t>
                 </a:r>
                 <a:r>
                   <a:rPr lang="pt-BR" dirty="0" err="1"/>
@@ -11130,6 +9529,228 @@
                         </m:r>
                       </m:sub>
                     </m:sSub>
+                    <m:r>
+                      <a:rPr lang="pt-BR" b="0" i="1" smtClean="0">
+                        <a:latin typeface="Cambria Math" panose="02040503050406030204" pitchFamily="18" charset="0"/>
+                      </a:rPr>
+                      <m:t>=</m:t>
+                    </m:r>
+                    <m:r>
+                      <a:rPr lang="pt-BR" i="1">
+                        <a:latin typeface="Cambria Math" panose="02040503050406030204" pitchFamily="18" charset="0"/>
+                      </a:rPr>
+                      <m:t>𝑓</m:t>
+                    </m:r>
+                    <m:r>
+                      <a:rPr lang="pt-BR" i="1">
+                        <a:latin typeface="Cambria Math" panose="02040503050406030204" pitchFamily="18" charset="0"/>
+                      </a:rPr>
+                      <m:t>(</m:t>
+                    </m:r>
+                    <m:r>
+                      <a:rPr lang="pt-BR" i="1">
+                        <a:latin typeface="Cambria Math" panose="02040503050406030204" pitchFamily="18" charset="0"/>
+                      </a:rPr>
+                      <m:t>𝑥</m:t>
+                    </m:r>
+                    <m:sSub>
+                      <m:sSubPr>
+                        <m:ctrlPr>
+                          <a:rPr lang="pt-BR" i="1">
+                            <a:latin typeface="Cambria Math" panose="02040503050406030204" pitchFamily="18" charset="0"/>
+                          </a:rPr>
+                        </m:ctrlPr>
+                      </m:sSubPr>
+                      <m:e>
+                        <m:r>
+                          <a:rPr lang="pt-BR" i="1">
+                            <a:latin typeface="Cambria Math" panose="02040503050406030204" pitchFamily="18" charset="0"/>
+                          </a:rPr>
+                          <m:t>𝑤</m:t>
+                        </m:r>
+                      </m:e>
+                      <m:sub>
+                        <m:r>
+                          <a:rPr lang="pt-BR" i="1">
+                            <a:latin typeface="Cambria Math" panose="02040503050406030204" pitchFamily="18" charset="0"/>
+                          </a:rPr>
+                          <m:t>1</m:t>
+                        </m:r>
+                      </m:sub>
+                    </m:sSub>
+                    <m:r>
+                      <a:rPr lang="pt-BR" i="1">
+                        <a:latin typeface="Cambria Math" panose="02040503050406030204" pitchFamily="18" charset="0"/>
+                      </a:rPr>
+                      <m:t>)</m:t>
+                    </m:r>
+                    <m:sSub>
+                      <m:sSubPr>
+                        <m:ctrlPr>
+                          <a:rPr lang="pt-BR" i="1">
+                            <a:latin typeface="Cambria Math" panose="02040503050406030204" pitchFamily="18" charset="0"/>
+                          </a:rPr>
+                        </m:ctrlPr>
+                      </m:sSubPr>
+                      <m:e>
+                        <m:r>
+                          <a:rPr lang="pt-BR" i="1">
+                            <a:latin typeface="Cambria Math" panose="02040503050406030204" pitchFamily="18" charset="0"/>
+                          </a:rPr>
+                          <m:t>𝑤</m:t>
+                        </m:r>
+                      </m:e>
+                      <m:sub>
+                        <m:r>
+                          <a:rPr lang="pt-BR" i="1">
+                            <a:latin typeface="Cambria Math" panose="02040503050406030204" pitchFamily="18" charset="0"/>
+                          </a:rPr>
+                          <m:t>2</m:t>
+                        </m:r>
+                      </m:sub>
+                    </m:sSub>
+                    <m:r>
+                      <a:rPr lang="pt-BR" i="1">
+                        <a:latin typeface="Cambria Math" panose="02040503050406030204" pitchFamily="18" charset="0"/>
+                        <a:ea typeface="Cambria Math" panose="02040503050406030204" pitchFamily="18" charset="0"/>
+                      </a:rPr>
+                      <m:t>→</m:t>
+                    </m:r>
+                  </m:oMath>
+                </a14:m>
+                <a:r>
+                  <a:rPr lang="pt-BR" dirty="0"/>
+                  <a:t> entrada do segundo </a:t>
+                </a:r>
+                <a:r>
+                  <a:rPr lang="pt-BR" dirty="0" err="1"/>
+                  <a:t>perceptron</a:t>
+                </a:r>
+                <a:r>
+                  <a:rPr lang="pt-BR" dirty="0" smtClean="0"/>
+                  <a:t>.</a:t>
+                </a:r>
+              </a:p>
+              <a:p>
+                <a:pPr marL="285750" indent="-285750"/>
+                <a14:m>
+                  <m:oMath xmlns:m="http://schemas.openxmlformats.org/officeDocument/2006/math">
+                    <m:acc>
+                      <m:accPr>
+                        <m:chr m:val="̂"/>
+                        <m:ctrlPr>
+                          <a:rPr lang="pt-BR" i="1">
+                            <a:latin typeface="Cambria Math" panose="02040503050406030204" pitchFamily="18" charset="0"/>
+                          </a:rPr>
+                        </m:ctrlPr>
+                      </m:accPr>
+                      <m:e>
+                        <m:r>
+                          <a:rPr lang="pt-BR" i="1">
+                            <a:latin typeface="Cambria Math" panose="02040503050406030204" pitchFamily="18" charset="0"/>
+                          </a:rPr>
+                          <m:t>𝑦</m:t>
+                        </m:r>
+                      </m:e>
+                    </m:acc>
+                    <m:r>
+                      <a:rPr lang="pt-BR" b="0" i="1" smtClean="0">
+                        <a:latin typeface="Cambria Math" panose="02040503050406030204" pitchFamily="18" charset="0"/>
+                      </a:rPr>
+                      <m:t>=</m:t>
+                    </m:r>
+                    <m:r>
+                      <a:rPr lang="pt-BR" i="1">
+                        <a:latin typeface="Cambria Math" panose="02040503050406030204" pitchFamily="18" charset="0"/>
+                      </a:rPr>
+                      <m:t>𝑓</m:t>
+                    </m:r>
+                    <m:r>
+                      <a:rPr lang="pt-BR" i="1">
+                        <a:latin typeface="Cambria Math" panose="02040503050406030204" pitchFamily="18" charset="0"/>
+                      </a:rPr>
+                      <m:t>(</m:t>
+                    </m:r>
+                    <m:r>
+                      <a:rPr lang="pt-BR" i="1">
+                        <a:latin typeface="Cambria Math" panose="02040503050406030204" pitchFamily="18" charset="0"/>
+                      </a:rPr>
+                      <m:t>𝑓</m:t>
+                    </m:r>
+                    <m:r>
+                      <a:rPr lang="pt-BR" i="1">
+                        <a:latin typeface="Cambria Math" panose="02040503050406030204" pitchFamily="18" charset="0"/>
+                      </a:rPr>
+                      <m:t>(</m:t>
+                    </m:r>
+                    <m:r>
+                      <a:rPr lang="pt-BR" i="1">
+                        <a:latin typeface="Cambria Math" panose="02040503050406030204" pitchFamily="18" charset="0"/>
+                      </a:rPr>
+                      <m:t>𝑥</m:t>
+                    </m:r>
+                    <m:sSub>
+                      <m:sSubPr>
+                        <m:ctrlPr>
+                          <a:rPr lang="pt-BR" i="1">
+                            <a:latin typeface="Cambria Math" panose="02040503050406030204" pitchFamily="18" charset="0"/>
+                          </a:rPr>
+                        </m:ctrlPr>
+                      </m:sSubPr>
+                      <m:e>
+                        <m:r>
+                          <a:rPr lang="pt-BR" i="1">
+                            <a:latin typeface="Cambria Math" panose="02040503050406030204" pitchFamily="18" charset="0"/>
+                          </a:rPr>
+                          <m:t>𝑤</m:t>
+                        </m:r>
+                      </m:e>
+                      <m:sub>
+                        <m:r>
+                          <a:rPr lang="pt-BR" i="1">
+                            <a:latin typeface="Cambria Math" panose="02040503050406030204" pitchFamily="18" charset="0"/>
+                          </a:rPr>
+                          <m:t>1</m:t>
+                        </m:r>
+                      </m:sub>
+                    </m:sSub>
+                    <m:r>
+                      <a:rPr lang="pt-BR" i="1">
+                        <a:latin typeface="Cambria Math" panose="02040503050406030204" pitchFamily="18" charset="0"/>
+                      </a:rPr>
+                      <m:t>)</m:t>
+                    </m:r>
+                    <m:sSub>
+                      <m:sSubPr>
+                        <m:ctrlPr>
+                          <a:rPr lang="pt-BR" i="1">
+                            <a:latin typeface="Cambria Math" panose="02040503050406030204" pitchFamily="18" charset="0"/>
+                          </a:rPr>
+                        </m:ctrlPr>
+                      </m:sSubPr>
+                      <m:e>
+                        <m:r>
+                          <a:rPr lang="pt-BR" i="1">
+                            <a:latin typeface="Cambria Math" panose="02040503050406030204" pitchFamily="18" charset="0"/>
+                          </a:rPr>
+                          <m:t>𝑤</m:t>
+                        </m:r>
+                      </m:e>
+                      <m:sub>
+                        <m:r>
+                          <a:rPr lang="pt-BR" i="1">
+                            <a:latin typeface="Cambria Math" panose="02040503050406030204" pitchFamily="18" charset="0"/>
+                          </a:rPr>
+                          <m:t>2</m:t>
+                        </m:r>
+                      </m:sub>
+                    </m:sSub>
+                    <m:r>
+                      <a:rPr lang="pt-BR" i="1">
+                        <a:latin typeface="Cambria Math" panose="02040503050406030204" pitchFamily="18" charset="0"/>
+                      </a:rPr>
+                      <m:t>)</m:t>
+                    </m:r>
                   </m:oMath>
                 </a14:m>
                 <a:r>
@@ -11151,22 +9772,51 @@
                 </a14:m>
                 <a:r>
                   <a:rPr lang="pt-BR" dirty="0"/>
-                  <a:t> entrada do segundo </a:t>
-                </a:r>
-                <a:r>
-                  <a:rPr lang="pt-BR" dirty="0" err="1"/>
+                  <a:t> </a:t>
+                </a:r>
+                <a:r>
+                  <a:rPr lang="pt-BR" dirty="0" smtClean="0"/>
+                  <a:t>saída do </a:t>
+                </a:r>
+                <a:r>
+                  <a:rPr lang="pt-BR" dirty="0"/>
+                  <a:t>segundo </a:t>
+                </a:r>
+                <a:r>
+                  <a:rPr lang="pt-BR" dirty="0" err="1" smtClean="0"/>
                   <a:t>perceptron</a:t>
                 </a:r>
                 <a:r>
-                  <a:rPr lang="pt-BR" dirty="0"/>
+                  <a:rPr lang="pt-BR" dirty="0" smtClean="0"/>
                   <a:t>.</a:t>
                 </a:r>
+                <a:endParaRPr lang="pt-BR" dirty="0"/>
               </a:p>
               <a:p>
                 <a:pPr marL="285750" indent="-285750"/>
                 <a:r>
+                  <a:rPr lang="pt-BR" dirty="0" smtClean="0"/>
+                  <a:t>As </a:t>
+                </a:r>
+                <a:r>
+                  <a:rPr lang="pt-BR" b="1" i="1" dirty="0" smtClean="0"/>
+                  <a:t>regras </a:t>
+                </a:r>
+                <a:r>
+                  <a:rPr lang="pt-BR" b="1" i="1" dirty="0"/>
+                  <a:t>de atualização </a:t>
+                </a:r>
+                <a:r>
                   <a:rPr lang="pt-BR" dirty="0"/>
-                  <a:t>Regras de atualização dos pesos dadas por</a:t>
+                  <a:t>dos </a:t>
+                </a:r>
+                <a:r>
+                  <a:rPr lang="pt-BR" dirty="0" smtClean="0"/>
+                  <a:t>dois pesos são dadas </a:t>
+                </a:r>
+                <a:r>
+                  <a:rPr lang="pt-BR" dirty="0"/>
+                  <a:t>por</a:t>
                 </a:r>
               </a:p>
               <a:p>
@@ -12446,7 +11096,7 @@
             </p:txBody>
           </p:sp>
         </mc:Choice>
-        <mc:Fallback xmlns="">
+        <mc:Fallback>
           <p:sp>
             <p:nvSpPr>
               <p:cNvPr id="3" name="Espaço Reservado para Conteúdo 2">
@@ -12471,7 +11121,7 @@
               <a:blipFill rotWithShape="0">
                 <a:blip r:embed="rId3"/>
                 <a:stretch>
-                  <a:fillRect l="-653" t="-2457"/>
+                  <a:fillRect l="-544" t="-2211"/>
                 </a:stretch>
               </a:blipFill>
             </p:spPr>
@@ -12495,7 +11145,7 @@
           <p:cNvPr id="4" name="Agrupar 3">
             <a:extLst>
               <a:ext uri="{FF2B5EF4-FFF2-40B4-BE49-F238E27FC236}">
-                <a16:creationId xmlns:a16="http://schemas.microsoft.com/office/drawing/2014/main" id="{DDA32F11-9374-4C54-ABCD-0438654B8E82}"/>
+                <a16:creationId xmlns:a16="http://schemas.microsoft.com/office/drawing/2014/main" xmlns="" id="{DDA32F11-9374-4C54-ABCD-0438654B8E82}"/>
               </a:ext>
             </a:extLst>
           </p:cNvPr>
@@ -12510,118 +11160,280 @@
             <a:chExt cx="3070723" cy="538650"/>
           </a:xfrm>
         </p:grpSpPr>
-        <p:sp>
-          <p:nvSpPr>
-            <p:cNvPr id="5" name="Elipse 4">
-              <a:extLst>
-                <a:ext uri="{FF2B5EF4-FFF2-40B4-BE49-F238E27FC236}">
-                  <a16:creationId xmlns:a16="http://schemas.microsoft.com/office/drawing/2014/main" id="{F8EDC3E8-17CE-4493-9271-98A945347FBE}"/>
-                </a:ext>
-              </a:extLst>
-            </p:cNvPr>
-            <p:cNvSpPr/>
-            <p:nvPr/>
-          </p:nvSpPr>
-          <p:spPr>
-            <a:xfrm>
-              <a:off x="4475285" y="2409092"/>
-              <a:ext cx="468000" cy="468000"/>
-            </a:xfrm>
-            <a:prstGeom prst="ellipse">
-              <a:avLst/>
-            </a:prstGeom>
-          </p:spPr>
-          <p:style>
-            <a:lnRef idx="2">
-              <a:schemeClr val="accent1">
-                <a:shade val="50000"/>
-              </a:schemeClr>
-            </a:lnRef>
-            <a:fillRef idx="1">
-              <a:schemeClr val="accent1"/>
-            </a:fillRef>
-            <a:effectRef idx="0">
-              <a:schemeClr val="accent1"/>
-            </a:effectRef>
-            <a:fontRef idx="minor">
-              <a:schemeClr val="lt1"/>
-            </a:fontRef>
-          </p:style>
-          <p:txBody>
-            <a:bodyPr rtlCol="0" anchor="ctr"/>
-            <a:lstStyle/>
-            <a:p>
-              <a:pPr algn="ctr"/>
-              <a:r>
-                <a:rPr lang="pt-BR" dirty="0">
-                  <a:solidFill>
-                    <a:schemeClr val="tx1"/>
-                  </a:solidFill>
-                </a:rPr>
-                <a:t>1</a:t>
-              </a:r>
-            </a:p>
-          </p:txBody>
-        </p:sp>
-        <p:sp>
-          <p:nvSpPr>
-            <p:cNvPr id="6" name="Elipse 5">
-              <a:extLst>
-                <a:ext uri="{FF2B5EF4-FFF2-40B4-BE49-F238E27FC236}">
-                  <a16:creationId xmlns:a16="http://schemas.microsoft.com/office/drawing/2014/main" id="{36E0141A-9275-43DA-B6B6-60E88BED5AD5}"/>
-                </a:ext>
-              </a:extLst>
-            </p:cNvPr>
-            <p:cNvSpPr/>
-            <p:nvPr/>
-          </p:nvSpPr>
-          <p:spPr>
-            <a:xfrm>
-              <a:off x="5477467" y="2409092"/>
-              <a:ext cx="468000" cy="468000"/>
-            </a:xfrm>
-            <a:prstGeom prst="ellipse">
-              <a:avLst/>
-            </a:prstGeom>
-          </p:spPr>
-          <p:style>
-            <a:lnRef idx="2">
-              <a:schemeClr val="accent1">
-                <a:shade val="50000"/>
-              </a:schemeClr>
-            </a:lnRef>
-            <a:fillRef idx="1">
-              <a:schemeClr val="accent1"/>
-            </a:fillRef>
-            <a:effectRef idx="0">
-              <a:schemeClr val="accent1"/>
-            </a:effectRef>
-            <a:fontRef idx="minor">
-              <a:schemeClr val="lt1"/>
-            </a:fontRef>
-          </p:style>
-          <p:txBody>
-            <a:bodyPr rtlCol="0" anchor="ctr"/>
-            <a:lstStyle/>
-            <a:p>
-              <a:pPr algn="ctr"/>
-              <a:r>
-                <a:rPr lang="pt-BR" dirty="0">
-                  <a:solidFill>
-                    <a:schemeClr val="tx1"/>
-                  </a:solidFill>
-                </a:rPr>
-                <a:t>2</a:t>
-              </a:r>
-            </a:p>
-          </p:txBody>
-        </p:sp>
+        <mc:AlternateContent xmlns:mc="http://schemas.openxmlformats.org/markup-compatibility/2006">
+          <mc:Choice xmlns:a14="http://schemas.microsoft.com/office/drawing/2010/main" Requires="a14">
+            <p:sp>
+              <p:nvSpPr>
+                <p:cNvPr id="5" name="Elipse 4">
+                  <a:extLst>
+                    <a:ext uri="{FF2B5EF4-FFF2-40B4-BE49-F238E27FC236}">
+                      <a16:creationId xmlns:a16="http://schemas.microsoft.com/office/drawing/2014/main" xmlns="" id="{F8EDC3E8-17CE-4493-9271-98A945347FBE}"/>
+                    </a:ext>
+                  </a:extLst>
+                </p:cNvPr>
+                <p:cNvSpPr/>
+                <p:nvPr/>
+              </p:nvSpPr>
+              <p:spPr>
+                <a:xfrm>
+                  <a:off x="4475285" y="2409092"/>
+                  <a:ext cx="468000" cy="468000"/>
+                </a:xfrm>
+                <a:prstGeom prst="ellipse">
+                  <a:avLst/>
+                </a:prstGeom>
+              </p:spPr>
+              <p:style>
+                <a:lnRef idx="2">
+                  <a:schemeClr val="accent1">
+                    <a:shade val="50000"/>
+                  </a:schemeClr>
+                </a:lnRef>
+                <a:fillRef idx="1">
+                  <a:schemeClr val="accent1"/>
+                </a:fillRef>
+                <a:effectRef idx="0">
+                  <a:schemeClr val="accent1"/>
+                </a:effectRef>
+                <a:fontRef idx="minor">
+                  <a:schemeClr val="lt1"/>
+                </a:fontRef>
+              </p:style>
+              <p:txBody>
+                <a:bodyPr rtlCol="0" anchor="ctr"/>
+                <a:lstStyle/>
+                <a:p>
+                  <a:pPr algn="ctr"/>
+                  <a14:m>
+                    <m:oMathPara xmlns:m="http://schemas.openxmlformats.org/officeDocument/2006/math">
+                      <m:oMathParaPr>
+                        <m:jc m:val="centerGroup"/>
+                      </m:oMathParaPr>
+                      <m:oMath xmlns:m="http://schemas.openxmlformats.org/officeDocument/2006/math">
+                        <m:r>
+                          <a:rPr lang="pt-BR" sz="1400" b="0" i="1" smtClean="0">
+                            <a:solidFill>
+                              <a:schemeClr val="tx1"/>
+                            </a:solidFill>
+                            <a:latin typeface="Cambria Math" panose="02040503050406030204" pitchFamily="18" charset="0"/>
+                          </a:rPr>
+                          <m:t> </m:t>
+                        </m:r>
+                        <m:r>
+                          <a:rPr lang="pt-BR" sz="1400" i="1">
+                            <a:solidFill>
+                              <a:schemeClr val="tx1"/>
+                            </a:solidFill>
+                            <a:latin typeface="Cambria Math" panose="02040503050406030204" pitchFamily="18" charset="0"/>
+                          </a:rPr>
+                          <m:t>𝑓</m:t>
+                        </m:r>
+                        <m:r>
+                          <a:rPr lang="pt-BR" sz="1400" i="1">
+                            <a:solidFill>
+                              <a:schemeClr val="tx1"/>
+                            </a:solidFill>
+                            <a:latin typeface="Cambria Math" panose="02040503050406030204" pitchFamily="18" charset="0"/>
+                          </a:rPr>
+                          <m:t>(.)</m:t>
+                        </m:r>
+                      </m:oMath>
+                    </m:oMathPara>
+                  </a14:m>
+                  <a:endParaRPr lang="pt-BR" sz="1400" dirty="0">
+                    <a:solidFill>
+                      <a:schemeClr val="tx1"/>
+                    </a:solidFill>
+                  </a:endParaRPr>
+                </a:p>
+              </p:txBody>
+            </p:sp>
+          </mc:Choice>
+          <mc:Fallback>
+            <p:sp>
+              <p:nvSpPr>
+                <p:cNvPr id="5" name="Elipse 4">
+                  <a:extLst>
+                    <a:ext uri="{FF2B5EF4-FFF2-40B4-BE49-F238E27FC236}">
+                      <a16:creationId xmlns:a16="http://schemas.microsoft.com/office/drawing/2014/main" xmlns="" id="{F8EDC3E8-17CE-4493-9271-98A945347FBE}"/>
+                    </a:ext>
+                  </a:extLst>
+                </p:cNvPr>
+                <p:cNvSpPr>
+                  <a:spLocks noRot="1" noChangeAspect="1" noMove="1" noResize="1" noEditPoints="1" noAdjustHandles="1" noChangeArrowheads="1" noChangeShapeType="1" noTextEdit="1"/>
+                </p:cNvSpPr>
+                <p:nvPr/>
+              </p:nvSpPr>
+              <p:spPr>
+                <a:xfrm>
+                  <a:off x="4475285" y="2409092"/>
+                  <a:ext cx="468000" cy="468000"/>
+                </a:xfrm>
+                <a:prstGeom prst="ellipse">
+                  <a:avLst/>
+                </a:prstGeom>
+                <a:blipFill rotWithShape="0">
+                  <a:blip r:embed="rId4"/>
+                  <a:stretch>
+                    <a:fillRect/>
+                  </a:stretch>
+                </a:blipFill>
+              </p:spPr>
+              <p:txBody>
+                <a:bodyPr/>
+                <a:lstStyle/>
+                <a:p>
+                  <a:r>
+                    <a:rPr lang="pt-BR">
+                      <a:noFill/>
+                    </a:rPr>
+                    <a:t> </a:t>
+                  </a:r>
+                </a:p>
+              </p:txBody>
+            </p:sp>
+          </mc:Fallback>
+        </mc:AlternateContent>
+        <mc:AlternateContent xmlns:mc="http://schemas.openxmlformats.org/markup-compatibility/2006">
+          <mc:Choice xmlns:a14="http://schemas.microsoft.com/office/drawing/2010/main" Requires="a14">
+            <p:sp>
+              <p:nvSpPr>
+                <p:cNvPr id="6" name="Elipse 5">
+                  <a:extLst>
+                    <a:ext uri="{FF2B5EF4-FFF2-40B4-BE49-F238E27FC236}">
+                      <a16:creationId xmlns:a16="http://schemas.microsoft.com/office/drawing/2014/main" xmlns="" id="{36E0141A-9275-43DA-B6B6-60E88BED5AD5}"/>
+                    </a:ext>
+                  </a:extLst>
+                </p:cNvPr>
+                <p:cNvSpPr/>
+                <p:nvPr/>
+              </p:nvSpPr>
+              <p:spPr>
+                <a:xfrm>
+                  <a:off x="5477467" y="2409092"/>
+                  <a:ext cx="468000" cy="468000"/>
+                </a:xfrm>
+                <a:prstGeom prst="ellipse">
+                  <a:avLst/>
+                </a:prstGeom>
+              </p:spPr>
+              <p:style>
+                <a:lnRef idx="2">
+                  <a:schemeClr val="accent1">
+                    <a:shade val="50000"/>
+                  </a:schemeClr>
+                </a:lnRef>
+                <a:fillRef idx="1">
+                  <a:schemeClr val="accent1"/>
+                </a:fillRef>
+                <a:effectRef idx="0">
+                  <a:schemeClr val="accent1"/>
+                </a:effectRef>
+                <a:fontRef idx="minor">
+                  <a:schemeClr val="lt1"/>
+                </a:fontRef>
+              </p:style>
+              <p:txBody>
+                <a:bodyPr rtlCol="0" anchor="ctr"/>
+                <a:lstStyle/>
+                <a:p>
+                  <a:pPr algn="ctr"/>
+                  <a14:m>
+                    <m:oMathPara xmlns:m="http://schemas.openxmlformats.org/officeDocument/2006/math">
+                      <m:oMathParaPr>
+                        <m:jc m:val="centerGroup"/>
+                      </m:oMathParaPr>
+                      <m:oMath xmlns:m="http://schemas.openxmlformats.org/officeDocument/2006/math">
+                        <m:r>
+                          <a:rPr lang="pt-BR" sz="1400" b="0" i="1" smtClean="0">
+                            <a:solidFill>
+                              <a:schemeClr val="tx1"/>
+                            </a:solidFill>
+                            <a:latin typeface="Cambria Math" panose="02040503050406030204" pitchFamily="18" charset="0"/>
+                          </a:rPr>
+                          <m:t> </m:t>
+                        </m:r>
+                        <m:r>
+                          <a:rPr lang="pt-BR" sz="1400" i="1">
+                            <a:solidFill>
+                              <a:schemeClr val="tx1"/>
+                            </a:solidFill>
+                            <a:latin typeface="Cambria Math" panose="02040503050406030204" pitchFamily="18" charset="0"/>
+                          </a:rPr>
+                          <m:t>𝑓</m:t>
+                        </m:r>
+                        <m:r>
+                          <a:rPr lang="pt-BR" sz="1400" i="1">
+                            <a:solidFill>
+                              <a:schemeClr val="tx1"/>
+                            </a:solidFill>
+                            <a:latin typeface="Cambria Math" panose="02040503050406030204" pitchFamily="18" charset="0"/>
+                          </a:rPr>
+                          <m:t>(.)</m:t>
+                        </m:r>
+                      </m:oMath>
+                    </m:oMathPara>
+                  </a14:m>
+                  <a:endParaRPr lang="pt-BR" dirty="0">
+                    <a:solidFill>
+                      <a:schemeClr val="tx1"/>
+                    </a:solidFill>
+                  </a:endParaRPr>
+                </a:p>
+              </p:txBody>
+            </p:sp>
+          </mc:Choice>
+          <mc:Fallback>
+            <p:sp>
+              <p:nvSpPr>
+                <p:cNvPr id="6" name="Elipse 5">
+                  <a:extLst>
+                    <a:ext uri="{FF2B5EF4-FFF2-40B4-BE49-F238E27FC236}">
+                      <a16:creationId xmlns:a16="http://schemas.microsoft.com/office/drawing/2014/main" xmlns="" id="{36E0141A-9275-43DA-B6B6-60E88BED5AD5}"/>
+                    </a:ext>
+                  </a:extLst>
+                </p:cNvPr>
+                <p:cNvSpPr>
+                  <a:spLocks noRot="1" noChangeAspect="1" noMove="1" noResize="1" noEditPoints="1" noAdjustHandles="1" noChangeArrowheads="1" noChangeShapeType="1" noTextEdit="1"/>
+                </p:cNvSpPr>
+                <p:nvPr/>
+              </p:nvSpPr>
+              <p:spPr>
+                <a:xfrm>
+                  <a:off x="5477467" y="2409092"/>
+                  <a:ext cx="468000" cy="468000"/>
+                </a:xfrm>
+                <a:prstGeom prst="ellipse">
+                  <a:avLst/>
+                </a:prstGeom>
+                <a:blipFill rotWithShape="0">
+                  <a:blip r:embed="rId5"/>
+                  <a:stretch>
+                    <a:fillRect/>
+                  </a:stretch>
+                </a:blipFill>
+              </p:spPr>
+              <p:txBody>
+                <a:bodyPr/>
+                <a:lstStyle/>
+                <a:p>
+                  <a:r>
+                    <a:rPr lang="pt-BR">
+                      <a:noFill/>
+                    </a:rPr>
+                    <a:t> </a:t>
+                  </a:r>
+                </a:p>
+              </p:txBody>
+            </p:sp>
+          </mc:Fallback>
+        </mc:AlternateContent>
         <p:cxnSp>
           <p:nvCxnSpPr>
             <p:cNvPr id="7" name="Conector de seta reta 10">
               <a:extLst>
                 <a:ext uri="{FF2B5EF4-FFF2-40B4-BE49-F238E27FC236}">
-                  <a16:creationId xmlns:a16="http://schemas.microsoft.com/office/drawing/2014/main" id="{04E870F7-1DE5-4241-8990-14C74A492B08}"/>
+                  <a16:creationId xmlns:a16="http://schemas.microsoft.com/office/drawing/2014/main" xmlns="" id="{04E870F7-1DE5-4241-8990-14C74A492B08}"/>
                 </a:ext>
               </a:extLst>
             </p:cNvPr>
@@ -12665,7 +11477,7 @@
             <p:cNvPr id="8" name="Retângulo 7">
               <a:extLst>
                 <a:ext uri="{FF2B5EF4-FFF2-40B4-BE49-F238E27FC236}">
-                  <a16:creationId xmlns:a16="http://schemas.microsoft.com/office/drawing/2014/main" id="{BE31B3DC-1229-48D6-9A56-590F8FAD4CE1}"/>
+                  <a16:creationId xmlns:a16="http://schemas.microsoft.com/office/drawing/2014/main" xmlns="" id="{BE31B3DC-1229-48D6-9A56-590F8FAD4CE1}"/>
                 </a:ext>
               </a:extLst>
             </p:cNvPr>
@@ -12719,7 +11531,7 @@
             <p:cNvPr id="9" name="Conector de seta reta 15">
               <a:extLst>
                 <a:ext uri="{FF2B5EF4-FFF2-40B4-BE49-F238E27FC236}">
-                  <a16:creationId xmlns:a16="http://schemas.microsoft.com/office/drawing/2014/main" id="{2FD2427F-A5C3-4856-8D64-557FA8713A40}"/>
+                  <a16:creationId xmlns:a16="http://schemas.microsoft.com/office/drawing/2014/main" xmlns="" id="{2FD2427F-A5C3-4856-8D64-557FA8713A40}"/>
                 </a:ext>
               </a:extLst>
             </p:cNvPr>
@@ -12766,7 +11578,7 @@
                 <p:cNvPr id="10" name="CaixaDeTexto 9">
                   <a:extLst>
                     <a:ext uri="{FF2B5EF4-FFF2-40B4-BE49-F238E27FC236}">
-                      <a16:creationId xmlns:a16="http://schemas.microsoft.com/office/drawing/2014/main" id="{3463534E-1D58-4D6C-9ED5-2C2E4AA6B3A0}"/>
+                      <a16:creationId xmlns:a16="http://schemas.microsoft.com/office/drawing/2014/main" xmlns="" id="{3463534E-1D58-4D6C-9ED5-2C2E4AA6B3A0}"/>
                     </a:ext>
                   </a:extLst>
                 </p:cNvPr>
@@ -12834,7 +11646,7 @@
                   <a:avLst/>
                 </a:prstGeom>
                 <a:blipFill>
-                  <a:blip r:embed="rId4"/>
+                  <a:blip r:embed="rId6"/>
                   <a:stretch>
                     <a:fillRect/>
                   </a:stretch>
@@ -12862,7 +11674,7 @@
                 <p:cNvPr id="11" name="CaixaDeTexto 10">
                   <a:extLst>
                     <a:ext uri="{FF2B5EF4-FFF2-40B4-BE49-F238E27FC236}">
-                      <a16:creationId xmlns:a16="http://schemas.microsoft.com/office/drawing/2014/main" id="{76F6A577-C410-4C4B-A220-E160EE1322EC}"/>
+                      <a16:creationId xmlns:a16="http://schemas.microsoft.com/office/drawing/2014/main" xmlns="" id="{76F6A577-C410-4C4B-A220-E160EE1322EC}"/>
                     </a:ext>
                   </a:extLst>
                 </p:cNvPr>
@@ -12949,7 +11761,7 @@
                   <a:avLst/>
                 </a:prstGeom>
                 <a:blipFill>
-                  <a:blip r:embed="rId5"/>
+                  <a:blip r:embed="rId7"/>
                   <a:stretch>
                     <a:fillRect r="-22917"/>
                   </a:stretch>
@@ -12977,7 +11789,7 @@
                 <p:cNvPr id="12" name="CaixaDeTexto 11">
                   <a:extLst>
                     <a:ext uri="{FF2B5EF4-FFF2-40B4-BE49-F238E27FC236}">
-                      <a16:creationId xmlns:a16="http://schemas.microsoft.com/office/drawing/2014/main" id="{9046B972-AB0D-42CF-8F0B-04E856201DD0}"/>
+                      <a16:creationId xmlns:a16="http://schemas.microsoft.com/office/drawing/2014/main" xmlns="" id="{9046B972-AB0D-42CF-8F0B-04E856201DD0}"/>
                     </a:ext>
                   </a:extLst>
                 </p:cNvPr>
@@ -13057,7 +11869,7 @@
                   <a:avLst/>
                 </a:prstGeom>
                 <a:blipFill>
-                  <a:blip r:embed="rId6"/>
+                  <a:blip r:embed="rId8"/>
                   <a:stretch>
                     <a:fillRect r="-4167" b="-3636"/>
                   </a:stretch>
@@ -13083,7 +11895,7 @@
             <p:cNvPr id="13" name="Conector de seta reta 15">
               <a:extLst>
                 <a:ext uri="{FF2B5EF4-FFF2-40B4-BE49-F238E27FC236}">
-                  <a16:creationId xmlns:a16="http://schemas.microsoft.com/office/drawing/2014/main" id="{E1B54AD2-596A-4DDC-8D0D-A2CD4C086E1F}"/>
+                  <a16:creationId xmlns:a16="http://schemas.microsoft.com/office/drawing/2014/main" xmlns="" id="{E1B54AD2-596A-4DDC-8D0D-A2CD4C086E1F}"/>
                 </a:ext>
               </a:extLst>
             </p:cNvPr>
@@ -13127,7 +11939,7 @@
                 <p:cNvPr id="14" name="CaixaDeTexto 13">
                   <a:extLst>
                     <a:ext uri="{FF2B5EF4-FFF2-40B4-BE49-F238E27FC236}">
-                      <a16:creationId xmlns:a16="http://schemas.microsoft.com/office/drawing/2014/main" id="{74120AF5-A30A-40B3-AD02-AA0A766B82AD}"/>
+                      <a16:creationId xmlns:a16="http://schemas.microsoft.com/office/drawing/2014/main" xmlns="" id="{74120AF5-A30A-40B3-AD02-AA0A766B82AD}"/>
                     </a:ext>
                   </a:extLst>
                 </p:cNvPr>
@@ -13214,7 +12026,7 @@
                   <a:avLst/>
                 </a:prstGeom>
                 <a:blipFill>
-                  <a:blip r:embed="rId7"/>
+                  <a:blip r:embed="rId9"/>
                   <a:stretch>
                     <a:fillRect r="-25000"/>
                   </a:stretch>
@@ -13241,7 +12053,7 @@
           <p:cNvPr id="15" name="Elipse 14">
             <a:extLst>
               <a:ext uri="{FF2B5EF4-FFF2-40B4-BE49-F238E27FC236}">
-                <a16:creationId xmlns:a16="http://schemas.microsoft.com/office/drawing/2014/main" id="{E4EBB7CB-9B70-401A-B744-8CD1F89E3BB9}"/>
+                <a16:creationId xmlns:a16="http://schemas.microsoft.com/office/drawing/2014/main" xmlns="" id="{E4EBB7CB-9B70-401A-B744-8CD1F89E3BB9}"/>
               </a:ext>
             </a:extLst>
           </p:cNvPr>
@@ -13250,7 +12062,7 @@
         </p:nvSpPr>
         <p:spPr>
           <a:xfrm>
-            <a:off x="7857812" y="4423926"/>
+            <a:off x="7709987" y="4466012"/>
             <a:ext cx="504000" cy="864000"/>
           </a:xfrm>
           <a:prstGeom prst="ellipse">
@@ -13293,7 +12105,7 @@
           <p:cNvPr id="18" name="CaixaDeTexto 17">
             <a:extLst>
               <a:ext uri="{FF2B5EF4-FFF2-40B4-BE49-F238E27FC236}">
-                <a16:creationId xmlns:a16="http://schemas.microsoft.com/office/drawing/2014/main" id="{0DE351C4-0752-4411-9A3E-0EEE16B7BAF9}"/>
+                <a16:creationId xmlns:a16="http://schemas.microsoft.com/office/drawing/2014/main" xmlns="" id="{0DE351C4-0752-4411-9A3E-0EEE16B7BAF9}"/>
               </a:ext>
             </a:extLst>
           </p:cNvPr>
@@ -13349,19 +12161,20 @@
           <p:cNvPr id="20" name="Conector de Seta Reta 19">
             <a:extLst>
               <a:ext uri="{FF2B5EF4-FFF2-40B4-BE49-F238E27FC236}">
-                <a16:creationId xmlns:a16="http://schemas.microsoft.com/office/drawing/2014/main" id="{938A7AF6-E11B-41A9-AA12-497491ADD98E}"/>
+                <a16:creationId xmlns:a16="http://schemas.microsoft.com/office/drawing/2014/main" xmlns="" id="{938A7AF6-E11B-41A9-AA12-497491ADD98E}"/>
               </a:ext>
             </a:extLst>
           </p:cNvPr>
           <p:cNvCxnSpPr>
             <a:cxnSpLocks/>
+            <a:endCxn id="18" idx="1"/>
           </p:cNvCxnSpPr>
           <p:nvPr/>
         </p:nvCxnSpPr>
         <p:spPr>
           <a:xfrm flipV="1">
-            <a:off x="7600335" y="5164529"/>
-            <a:ext cx="2076075" cy="230854"/>
+            <a:off x="7600335" y="5157813"/>
+            <a:ext cx="2076075" cy="237570"/>
           </a:xfrm>
           <a:prstGeom prst="straightConnector1">
             <a:avLst/>
@@ -13390,20 +12203,19 @@
           <p:cNvPr id="22" name="Conector de Seta Reta 21">
             <a:extLst>
               <a:ext uri="{FF2B5EF4-FFF2-40B4-BE49-F238E27FC236}">
-                <a16:creationId xmlns:a16="http://schemas.microsoft.com/office/drawing/2014/main" id="{E10310FC-5CF6-4BC7-A656-570DA30A65D9}"/>
+                <a16:creationId xmlns:a16="http://schemas.microsoft.com/office/drawing/2014/main" xmlns="" id="{E10310FC-5CF6-4BC7-A656-570DA30A65D9}"/>
               </a:ext>
             </a:extLst>
           </p:cNvPr>
           <p:cNvCxnSpPr>
             <a:cxnSpLocks/>
-            <a:stCxn id="15" idx="0"/>
           </p:cNvCxnSpPr>
           <p:nvPr/>
         </p:nvCxnSpPr>
         <p:spPr>
           <a:xfrm>
-            <a:off x="8109812" y="4423926"/>
-            <a:ext cx="1566598" cy="593455"/>
+            <a:off x="7973422" y="4466012"/>
+            <a:ext cx="1702988" cy="523775"/>
           </a:xfrm>
           <a:prstGeom prst="straightConnector1">
             <a:avLst/>
@@ -13432,7 +12244,7 @@
           <p:cNvPr id="24" name="Conector de Seta Reta 23">
             <a:extLst>
               <a:ext uri="{FF2B5EF4-FFF2-40B4-BE49-F238E27FC236}">
-                <a16:creationId xmlns:a16="http://schemas.microsoft.com/office/drawing/2014/main" id="{3FE3BC92-DCED-4F47-B961-CD529C513E92}"/>
+                <a16:creationId xmlns:a16="http://schemas.microsoft.com/office/drawing/2014/main" xmlns="" id="{3FE3BC92-DCED-4F47-B961-CD529C513E92}"/>
               </a:ext>
             </a:extLst>
           </p:cNvPr>
@@ -13443,8 +12255,8 @@
         </p:nvCxnSpPr>
         <p:spPr>
           <a:xfrm flipV="1">
-            <a:off x="8745834" y="5301437"/>
-            <a:ext cx="930576" cy="147700"/>
+            <a:off x="8564846" y="5301437"/>
+            <a:ext cx="1111564" cy="159317"/>
           </a:xfrm>
           <a:prstGeom prst="straightConnector1">
             <a:avLst/>
@@ -13473,7 +12285,7 @@
           <p:cNvPr id="26" name="Imagem 25">
             <a:extLst>
               <a:ext uri="{FF2B5EF4-FFF2-40B4-BE49-F238E27FC236}">
-                <a16:creationId xmlns:a16="http://schemas.microsoft.com/office/drawing/2014/main" id="{63AECB77-C03B-47D6-9FCF-1CB34C247480}"/>
+                <a16:creationId xmlns:a16="http://schemas.microsoft.com/office/drawing/2014/main" xmlns="" id="{63AECB77-C03B-47D6-9FCF-1CB34C247480}"/>
               </a:ext>
             </a:extLst>
           </p:cNvPr>
@@ -13483,7 +12295,7 @@
           <p:nvPr/>
         </p:nvPicPr>
         <p:blipFill>
-          <a:blip r:embed="rId8"/>
+          <a:blip r:embed="rId10"/>
           <a:stretch>
             <a:fillRect/>
           </a:stretch>
@@ -13503,7 +12315,7 @@
           <p:cNvPr id="27" name="Seta: para Baixo 26">
             <a:extLst>
               <a:ext uri="{FF2B5EF4-FFF2-40B4-BE49-F238E27FC236}">
-                <a16:creationId xmlns:a16="http://schemas.microsoft.com/office/drawing/2014/main" id="{F17E8019-DA59-4DA6-AC72-A647F45BB806}"/>
+                <a16:creationId xmlns:a16="http://schemas.microsoft.com/office/drawing/2014/main" xmlns="" id="{F17E8019-DA59-4DA6-AC72-A647F45BB806}"/>
               </a:ext>
             </a:extLst>
           </p:cNvPr>
@@ -13549,7 +12361,7 @@
           <p:cNvPr id="41" name="Elipse 40">
             <a:extLst>
               <a:ext uri="{FF2B5EF4-FFF2-40B4-BE49-F238E27FC236}">
-                <a16:creationId xmlns:a16="http://schemas.microsoft.com/office/drawing/2014/main" id="{921DA05B-3836-445F-BC79-728E549B3546}"/>
+                <a16:creationId xmlns:a16="http://schemas.microsoft.com/office/drawing/2014/main" xmlns="" id="{921DA05B-3836-445F-BC79-728E549B3546}"/>
               </a:ext>
             </a:extLst>
           </p:cNvPr>
@@ -13558,7 +12370,7 @@
         </p:nvSpPr>
         <p:spPr>
           <a:xfrm>
-            <a:off x="7344445" y="5395383"/>
+            <a:off x="7238994" y="5395383"/>
             <a:ext cx="504000" cy="864000"/>
           </a:xfrm>
           <a:prstGeom prst="ellipse">
@@ -13601,7 +12413,7 @@
           <p:cNvPr id="42" name="Elipse 41">
             <a:extLst>
               <a:ext uri="{FF2B5EF4-FFF2-40B4-BE49-F238E27FC236}">
-                <a16:creationId xmlns:a16="http://schemas.microsoft.com/office/drawing/2014/main" id="{B941F51B-31BC-4A18-8D32-EC0300AE86DD}"/>
+                <a16:creationId xmlns:a16="http://schemas.microsoft.com/office/drawing/2014/main" xmlns="" id="{B941F51B-31BC-4A18-8D32-EC0300AE86DD}"/>
               </a:ext>
             </a:extLst>
           </p:cNvPr>
@@ -13610,7 +12422,7 @@
         </p:nvSpPr>
         <p:spPr>
           <a:xfrm>
-            <a:off x="8334793" y="5375287"/>
+            <a:off x="8145781" y="5395383"/>
             <a:ext cx="504000" cy="864000"/>
           </a:xfrm>
           <a:prstGeom prst="ellipse">
@@ -13648,6 +12460,66 @@
           </a:p>
         </p:txBody>
       </p:sp>
+      <p:sp>
+        <p:nvSpPr>
+          <p:cNvPr id="16" name="CaixaDeTexto 15"/>
+          <p:cNvSpPr txBox="1"/>
+          <p:nvPr/>
+        </p:nvSpPr>
+        <p:spPr>
+          <a:xfrm>
+            <a:off x="6022367" y="1016331"/>
+            <a:ext cx="342900" cy="276999"/>
+          </a:xfrm>
+          <a:prstGeom prst="rect">
+            <a:avLst/>
+          </a:prstGeom>
+          <a:noFill/>
+        </p:spPr>
+        <p:txBody>
+          <a:bodyPr wrap="square" rtlCol="0">
+            <a:spAutoFit/>
+          </a:bodyPr>
+          <a:lstStyle/>
+          <a:p>
+            <a:r>
+              <a:rPr lang="pt-BR" sz="1200" dirty="0" smtClean="0"/>
+              <a:t>1</a:t>
+            </a:r>
+            <a:endParaRPr lang="pt-BR" sz="1200" dirty="0"/>
+          </a:p>
+        </p:txBody>
+      </p:sp>
+      <p:sp>
+        <p:nvSpPr>
+          <p:cNvPr id="25" name="CaixaDeTexto 24"/>
+          <p:cNvSpPr txBox="1"/>
+          <p:nvPr/>
+        </p:nvSpPr>
+        <p:spPr>
+          <a:xfrm>
+            <a:off x="7017382" y="1016331"/>
+            <a:ext cx="342900" cy="276999"/>
+          </a:xfrm>
+          <a:prstGeom prst="rect">
+            <a:avLst/>
+          </a:prstGeom>
+          <a:noFill/>
+        </p:spPr>
+        <p:txBody>
+          <a:bodyPr wrap="square" rtlCol="0">
+            <a:spAutoFit/>
+          </a:bodyPr>
+          <a:lstStyle/>
+          <a:p>
+            <a:r>
+              <a:rPr lang="pt-BR" sz="1200" dirty="0"/>
+              <a:t>2</a:t>
+            </a:r>
+            <a:endParaRPr lang="pt-BR" sz="1200" dirty="0"/>
+          </a:p>
+        </p:txBody>
+      </p:sp>
     </p:spTree>
     <p:extLst>
       <p:ext uri="{BB962C8B-B14F-4D97-AF65-F5344CB8AC3E}">
@@ -13661,7 +12533,7 @@
 </p:sld>
 </file>
 
-<file path=ppt/slides/slide16.xml><?xml version="1.0" encoding="utf-8"?>
+<file path=ppt/slides/slide14.xml><?xml version="1.0" encoding="utf-8"?>
 <p:sld xmlns:a="http://schemas.openxmlformats.org/drawingml/2006/main" xmlns:r="http://schemas.openxmlformats.org/officeDocument/2006/relationships" xmlns:p="http://schemas.openxmlformats.org/presentationml/2006/main">
   <p:cSld>
     <p:spTree>
@@ -14482,10 +13354,525 @@
           </a:p>
         </p:txBody>
       </p:sp>
+      <p:sp>
+        <p:nvSpPr>
+          <p:cNvPr id="4" name="CaixaDeTexto 3"/>
+          <p:cNvSpPr txBox="1"/>
+          <p:nvPr/>
+        </p:nvSpPr>
+        <p:spPr>
+          <a:xfrm>
+            <a:off x="6858000" y="3953437"/>
+            <a:ext cx="923925" cy="646331"/>
+          </a:xfrm>
+          <a:prstGeom prst="rect">
+            <a:avLst/>
+          </a:prstGeom>
+          <a:noFill/>
+        </p:spPr>
+        <p:txBody>
+          <a:bodyPr wrap="square" rtlCol="0">
+            <a:spAutoFit/>
+          </a:bodyPr>
+          <a:lstStyle/>
+          <a:p>
+            <a:pPr algn="ctr"/>
+            <a:r>
+              <a:rPr lang="pt-BR" dirty="0" smtClean="0">
+                <a:solidFill>
+                  <a:srgbClr val="00B0F0"/>
+                </a:solidFill>
+              </a:rPr>
+              <a:t>Função degrau</a:t>
+            </a:r>
+            <a:endParaRPr lang="pt-BR" dirty="0">
+              <a:solidFill>
+                <a:srgbClr val="00B0F0"/>
+              </a:solidFill>
+            </a:endParaRPr>
+          </a:p>
+        </p:txBody>
+      </p:sp>
     </p:spTree>
     <p:extLst>
       <p:ext uri="{BB962C8B-B14F-4D97-AF65-F5344CB8AC3E}">
         <p14:creationId xmlns:p14="http://schemas.microsoft.com/office/powerpoint/2010/main" val="4107372802"/>
+      </p:ext>
+    </p:extLst>
+  </p:cSld>
+  <p:clrMapOvr>
+    <a:masterClrMapping/>
+  </p:clrMapOvr>
+</p:sld>
+</file>
+
+<file path=ppt/slides/slide15.xml><?xml version="1.0" encoding="utf-8"?>
+<p:sld xmlns:a="http://schemas.openxmlformats.org/drawingml/2006/main" xmlns:r="http://schemas.openxmlformats.org/officeDocument/2006/relationships" xmlns:p="http://schemas.openxmlformats.org/presentationml/2006/main">
+  <p:cSld>
+    <p:spTree>
+      <p:nvGrpSpPr>
+        <p:cNvPr id="1" name=""/>
+        <p:cNvGrpSpPr/>
+        <p:nvPr/>
+      </p:nvGrpSpPr>
+      <p:grpSpPr>
+        <a:xfrm>
+          <a:off x="0" y="0"/>
+          <a:ext cx="0" cy="0"/>
+          <a:chOff x="0" y="0"/>
+          <a:chExt cx="0" cy="0"/>
+        </a:xfrm>
+      </p:grpSpPr>
+      <p:sp>
+        <p:nvSpPr>
+          <p:cNvPr id="2" name="Title 1"/>
+          <p:cNvSpPr>
+            <a:spLocks noGrp="1"/>
+          </p:cNvSpPr>
+          <p:nvPr>
+            <p:ph type="title"/>
+          </p:nvPr>
+        </p:nvSpPr>
+        <p:spPr>
+          <a:xfrm>
+            <a:off x="838200" y="365126"/>
+            <a:ext cx="10515600" cy="945060"/>
+          </a:xfrm>
+        </p:spPr>
+        <p:txBody>
+          <a:bodyPr/>
+          <a:lstStyle/>
+          <a:p>
+            <a:r>
+              <a:rPr lang="pt-BR" dirty="0"/>
+              <a:t>Funções de ativação</a:t>
+            </a:r>
+          </a:p>
+        </p:txBody>
+      </p:sp>
+      <p:sp>
+        <p:nvSpPr>
+          <p:cNvPr id="3" name="Content Placeholder 2"/>
+          <p:cNvSpPr>
+            <a:spLocks noGrp="1"/>
+          </p:cNvSpPr>
+          <p:nvPr>
+            <p:ph idx="1"/>
+          </p:nvPr>
+        </p:nvSpPr>
+        <p:spPr>
+          <a:xfrm>
+            <a:off x="838200" y="1569493"/>
+            <a:ext cx="11120438" cy="5288507"/>
+          </a:xfrm>
+        </p:spPr>
+        <p:txBody>
+          <a:bodyPr>
+            <a:normAutofit/>
+          </a:bodyPr>
+          <a:lstStyle/>
+          <a:p>
+            <a:r>
+              <a:rPr lang="pt-BR" dirty="0" smtClean="0"/>
+              <a:t>Vantagens da </a:t>
+            </a:r>
+            <a:r>
+              <a:rPr lang="pt-BR" b="1" i="1" dirty="0"/>
+              <a:t>função retificadora</a:t>
+            </a:r>
+            <a:r>
+              <a:rPr lang="pt-BR" dirty="0"/>
+              <a:t>:</a:t>
+            </a:r>
+          </a:p>
+          <a:p>
+            <a:pPr lvl="1">
+              <a:buFont typeface="Wingdings" panose="05000000000000000000" pitchFamily="2" charset="2"/>
+              <a:buChar char="§"/>
+            </a:pPr>
+            <a:r>
+              <a:rPr lang="pt-BR" dirty="0"/>
+              <a:t>A função e sua derivada são </a:t>
+            </a:r>
+            <a:r>
+              <a:rPr lang="pt-BR" b="1" i="1" dirty="0"/>
+              <a:t>mais rápidas de se calcular </a:t>
+            </a:r>
+            <a:r>
+              <a:rPr lang="pt-BR" dirty="0"/>
+              <a:t>do que as funções sigmóide e tangente hiperbólica.</a:t>
+            </a:r>
+          </a:p>
+          <a:p>
+            <a:pPr lvl="1">
+              <a:buFont typeface="Wingdings" panose="05000000000000000000" pitchFamily="2" charset="2"/>
+              <a:buChar char="§"/>
+            </a:pPr>
+            <a:r>
+              <a:rPr lang="pt-BR" dirty="0"/>
+              <a:t>Não sofre com o </a:t>
+            </a:r>
+            <a:r>
+              <a:rPr lang="pt-BR" b="1" i="1" dirty="0"/>
+              <a:t>problema da dissipação do gradiente</a:t>
+            </a:r>
+            <a:r>
+              <a:rPr lang="pt-BR" dirty="0"/>
+              <a:t>,</a:t>
+            </a:r>
+            <a:r>
+              <a:rPr lang="pt-BR" b="1" i="1" dirty="0"/>
+              <a:t> </a:t>
+            </a:r>
+            <a:r>
+              <a:rPr lang="pt-BR" dirty="0"/>
+              <a:t>pois seu gradiente é igual a 0 ou 1. O produto da derivada da função de ativação de várias camadas sempre será igual a 1 ou 0</a:t>
+            </a:r>
+            <a:r>
+              <a:rPr lang="pt-BR" dirty="0" smtClean="0"/>
+              <a:t>.</a:t>
+            </a:r>
+          </a:p>
+          <a:p>
+            <a:r>
+              <a:rPr lang="pt-BR" dirty="0" smtClean="0"/>
+              <a:t>Desvantagem</a:t>
+            </a:r>
+          </a:p>
+          <a:p>
+            <a:pPr lvl="1">
+              <a:buFont typeface="Wingdings" panose="05000000000000000000" pitchFamily="2" charset="2"/>
+              <a:buChar char="§"/>
+            </a:pPr>
+            <a:r>
+              <a:rPr lang="pt-BR" dirty="0" smtClean="0"/>
+              <a:t>O nó é considerado morto quando o gradiente é igual a 0, pois os valores dos pesos permanecem inalterados (i.e., não há atualização).</a:t>
+            </a:r>
+            <a:endParaRPr lang="pt-BR" dirty="0"/>
+          </a:p>
+          <a:p>
+            <a:r>
+              <a:rPr lang="pt-BR" dirty="0"/>
+              <a:t>Outras funções de ativação são:</a:t>
+            </a:r>
+          </a:p>
+          <a:p>
+            <a:pPr lvl="1">
+              <a:buFont typeface="Wingdings" panose="05000000000000000000" pitchFamily="2" charset="2"/>
+              <a:buChar char="§"/>
+            </a:pPr>
+            <a:r>
+              <a:rPr lang="en-US" dirty="0" smtClean="0"/>
+              <a:t>Parametric </a:t>
+            </a:r>
+            <a:r>
+              <a:rPr lang="en-US" dirty="0"/>
+              <a:t>rectified linear unit (</a:t>
+            </a:r>
+            <a:r>
+              <a:rPr lang="en-US" dirty="0" err="1" smtClean="0"/>
+              <a:t>PReLU</a:t>
+            </a:r>
+            <a:r>
+              <a:rPr lang="en-US" dirty="0" smtClean="0"/>
+              <a:t>).</a:t>
+            </a:r>
+            <a:endParaRPr lang="en-US" baseline="30000" dirty="0"/>
+          </a:p>
+          <a:p>
+            <a:pPr lvl="1">
+              <a:buFont typeface="Wingdings" panose="05000000000000000000" pitchFamily="2" charset="2"/>
+              <a:buChar char="§"/>
+            </a:pPr>
+            <a:r>
+              <a:rPr lang="en-US" dirty="0" smtClean="0"/>
+              <a:t>Leaky </a:t>
+            </a:r>
+            <a:r>
+              <a:rPr lang="en-US" dirty="0"/>
+              <a:t>rectified linear unit (Leaky </a:t>
+            </a:r>
+            <a:r>
+              <a:rPr lang="en-US" dirty="0" err="1"/>
+              <a:t>ReLU</a:t>
+            </a:r>
+            <a:r>
+              <a:rPr lang="en-US" dirty="0" smtClean="0"/>
+              <a:t>).</a:t>
+            </a:r>
+          </a:p>
+          <a:p>
+            <a:pPr lvl="1">
+              <a:buFont typeface="Wingdings" panose="05000000000000000000" pitchFamily="2" charset="2"/>
+              <a:buChar char="§"/>
+            </a:pPr>
+            <a:r>
+              <a:rPr lang="pt-BR" dirty="0" smtClean="0">
+                <a:hlinkClick r:id="rId3"/>
+              </a:rPr>
+              <a:t>https</a:t>
+            </a:r>
+            <a:r>
+              <a:rPr lang="pt-BR" dirty="0">
+                <a:hlinkClick r:id="rId3"/>
+              </a:rPr>
+              <a:t>://en.wikipedia.org/wiki/Activation_function#Table_of_activation_functions</a:t>
+            </a:r>
+            <a:endParaRPr lang="pt-BR" dirty="0"/>
+          </a:p>
+        </p:txBody>
+      </p:sp>
+      <mc:AlternateContent xmlns:mc="http://schemas.openxmlformats.org/markup-compatibility/2006">
+        <mc:Choice xmlns:a14="http://schemas.microsoft.com/office/drawing/2010/main" Requires="a14">
+          <p:sp>
+            <p:nvSpPr>
+              <p:cNvPr id="4" name="Retângulo 3"/>
+              <p:cNvSpPr/>
+              <p:nvPr/>
+            </p:nvSpPr>
+            <p:spPr>
+              <a:xfrm>
+                <a:off x="6872533" y="5650172"/>
+                <a:ext cx="5043304" cy="391646"/>
+              </a:xfrm>
+              <a:prstGeom prst="rect">
+                <a:avLst/>
+              </a:prstGeom>
+            </p:spPr>
+            <p:txBody>
+              <a:bodyPr wrap="none">
+                <a:spAutoFit/>
+              </a:bodyPr>
+              <a:lstStyle/>
+              <a:p>
+                <a:r>
+                  <a:rPr lang="pt-BR" dirty="0" smtClean="0"/>
+                  <a:t>Ambas têm gradiente diferente de zero para </a:t>
+                </a:r>
+                <a14:m>
+                  <m:oMath xmlns:m="http://schemas.openxmlformats.org/officeDocument/2006/math">
+                    <m:sSub>
+                      <m:sSubPr>
+                        <m:ctrlPr>
+                          <a:rPr lang="pt-BR" i="1">
+                            <a:latin typeface="Cambria Math" panose="02040503050406030204" pitchFamily="18" charset="0"/>
+                          </a:rPr>
+                        </m:ctrlPr>
+                      </m:sSubPr>
+                      <m:e>
+                        <m:r>
+                          <a:rPr lang="pt-BR" i="1">
+                            <a:latin typeface="Cambria Math" panose="02040503050406030204" pitchFamily="18" charset="0"/>
+                          </a:rPr>
+                          <m:t>𝑧</m:t>
+                        </m:r>
+                      </m:e>
+                      <m:sub>
+                        <m:r>
+                          <a:rPr lang="pt-BR" i="1">
+                            <a:latin typeface="Cambria Math" panose="02040503050406030204" pitchFamily="18" charset="0"/>
+                          </a:rPr>
+                          <m:t>𝑗</m:t>
+                        </m:r>
+                      </m:sub>
+                    </m:sSub>
+                    <m:r>
+                      <a:rPr lang="pt-BR" b="0" i="1" smtClean="0">
+                        <a:latin typeface="Cambria Math" panose="02040503050406030204" pitchFamily="18" charset="0"/>
+                      </a:rPr>
+                      <m:t>&lt;0</m:t>
+                    </m:r>
+                  </m:oMath>
+                </a14:m>
+                <a:r>
+                  <a:rPr lang="pt-BR" dirty="0" smtClean="0"/>
+                  <a:t>.</a:t>
+                </a:r>
+                <a:endParaRPr lang="pt-BR" dirty="0"/>
+              </a:p>
+            </p:txBody>
+          </p:sp>
+        </mc:Choice>
+        <mc:Fallback>
+          <p:sp>
+            <p:nvSpPr>
+              <p:cNvPr id="4" name="Retângulo 3"/>
+              <p:cNvSpPr>
+                <a:spLocks noRot="1" noChangeAspect="1" noMove="1" noResize="1" noEditPoints="1" noAdjustHandles="1" noChangeArrowheads="1" noChangeShapeType="1" noTextEdit="1"/>
+              </p:cNvSpPr>
+              <p:nvPr/>
+            </p:nvSpPr>
+            <p:spPr>
+              <a:xfrm>
+                <a:off x="6872533" y="5650172"/>
+                <a:ext cx="5043304" cy="391646"/>
+              </a:xfrm>
+              <a:prstGeom prst="rect">
+                <a:avLst/>
+              </a:prstGeom>
+              <a:blipFill rotWithShape="0">
+                <a:blip r:embed="rId4"/>
+                <a:stretch>
+                  <a:fillRect l="-966" t="-7813" r="-121" b="-20313"/>
+                </a:stretch>
+              </a:blipFill>
+            </p:spPr>
+            <p:txBody>
+              <a:bodyPr/>
+              <a:lstStyle/>
+              <a:p>
+                <a:r>
+                  <a:rPr lang="pt-BR">
+                    <a:noFill/>
+                  </a:rPr>
+                  <a:t> </a:t>
+                </a:r>
+              </a:p>
+            </p:txBody>
+          </p:sp>
+        </mc:Fallback>
+      </mc:AlternateContent>
+      <p:sp>
+        <p:nvSpPr>
+          <p:cNvPr id="7" name="Chave direita 6"/>
+          <p:cNvSpPr/>
+          <p:nvPr/>
+        </p:nvSpPr>
+        <p:spPr>
+          <a:xfrm>
+            <a:off x="6466659" y="5479481"/>
+            <a:ext cx="256927" cy="814916"/>
+          </a:xfrm>
+          <a:prstGeom prst="rightBrace">
+            <a:avLst>
+              <a:gd name="adj1" fmla="val 8333"/>
+              <a:gd name="adj2" fmla="val 46650"/>
+            </a:avLst>
+          </a:prstGeom>
+          <a:ln>
+            <a:solidFill>
+              <a:schemeClr val="tx1"/>
+            </a:solidFill>
+          </a:ln>
+        </p:spPr>
+        <p:style>
+          <a:lnRef idx="1">
+            <a:schemeClr val="accent1"/>
+          </a:lnRef>
+          <a:fillRef idx="0">
+            <a:schemeClr val="accent1"/>
+          </a:fillRef>
+          <a:effectRef idx="0">
+            <a:schemeClr val="accent1"/>
+          </a:effectRef>
+          <a:fontRef idx="minor">
+            <a:schemeClr val="tx1"/>
+          </a:fontRef>
+        </p:style>
+        <p:txBody>
+          <a:bodyPr rtlCol="0" anchor="ctr"/>
+          <a:lstStyle/>
+          <a:p>
+            <a:pPr algn="ctr"/>
+            <a:endParaRPr lang="pt-BR"/>
+          </a:p>
+        </p:txBody>
+      </p:sp>
+    </p:spTree>
+    <p:extLst>
+      <p:ext uri="{BB962C8B-B14F-4D97-AF65-F5344CB8AC3E}">
+        <p14:creationId xmlns:p14="http://schemas.microsoft.com/office/powerpoint/2010/main" val="2996423218"/>
+      </p:ext>
+    </p:extLst>
+  </p:cSld>
+  <p:clrMapOvr>
+    <a:masterClrMapping/>
+  </p:clrMapOvr>
+</p:sld>
+</file>
+
+<file path=ppt/slides/slide16.xml><?xml version="1.0" encoding="utf-8"?>
+<p:sld xmlns:a="http://schemas.openxmlformats.org/drawingml/2006/main" xmlns:r="http://schemas.openxmlformats.org/officeDocument/2006/relationships" xmlns:p="http://schemas.openxmlformats.org/presentationml/2006/main">
+  <p:cSld>
+    <p:spTree>
+      <p:nvGrpSpPr>
+        <p:cNvPr id="1" name=""/>
+        <p:cNvGrpSpPr/>
+        <p:nvPr/>
+      </p:nvGrpSpPr>
+      <p:grpSpPr>
+        <a:xfrm>
+          <a:off x="0" y="0"/>
+          <a:ext cx="0" cy="0"/>
+          <a:chOff x="0" y="0"/>
+          <a:chExt cx="0" cy="0"/>
+        </a:xfrm>
+      </p:grpSpPr>
+      <p:sp>
+        <p:nvSpPr>
+          <p:cNvPr id="2" name="Title 1"/>
+          <p:cNvSpPr>
+            <a:spLocks noGrp="1"/>
+          </p:cNvSpPr>
+          <p:nvPr>
+            <p:ph type="title"/>
+          </p:nvPr>
+        </p:nvSpPr>
+        <p:spPr/>
+        <p:txBody>
+          <a:bodyPr/>
+          <a:lstStyle/>
+          <a:p>
+            <a:r>
+              <a:rPr lang="pt-BR" dirty="0"/>
+              <a:t>Tarefa</a:t>
+            </a:r>
+          </a:p>
+        </p:txBody>
+      </p:sp>
+      <p:sp>
+        <p:nvSpPr>
+          <p:cNvPr id="3" name="Content Placeholder 2"/>
+          <p:cNvSpPr>
+            <a:spLocks noGrp="1"/>
+          </p:cNvSpPr>
+          <p:nvPr>
+            <p:ph idx="1"/>
+          </p:nvPr>
+        </p:nvSpPr>
+        <p:spPr>
+          <a:xfrm>
+            <a:off x="838199" y="1825624"/>
+            <a:ext cx="10994409" cy="4547879"/>
+          </a:xfrm>
+        </p:spPr>
+        <p:txBody>
+          <a:bodyPr/>
+          <a:lstStyle/>
+          <a:p>
+            <a:r>
+              <a:rPr lang="pt-BR" b="1" dirty="0"/>
+              <a:t>Quiz</a:t>
+            </a:r>
+            <a:r>
+              <a:rPr lang="pt-BR" dirty="0"/>
+              <a:t>: “</a:t>
+            </a:r>
+            <a:r>
+              <a:rPr lang="pt-BR" i="1" dirty="0"/>
+              <a:t>T320 - Quiz – Redes Neurais Artificiais (Parte III)</a:t>
+            </a:r>
+            <a:r>
+              <a:rPr lang="pt-BR" dirty="0"/>
+              <a:t>” que se encontra no MS Teams.</a:t>
+            </a:r>
+          </a:p>
+        </p:txBody>
+      </p:sp>
+    </p:spTree>
+    <p:extLst>
+      <p:ext uri="{BB962C8B-B14F-4D97-AF65-F5344CB8AC3E}">
+        <p14:creationId xmlns:p14="http://schemas.microsoft.com/office/powerpoint/2010/main" val="3718311278"/>
       </p:ext>
     </p:extLst>
   </p:cSld>
@@ -14529,298 +13916,6 @@
           <a:p>
             <a:r>
               <a:rPr lang="pt-BR" dirty="0"/>
-              <a:t>Funções de ativação</a:t>
-            </a:r>
-          </a:p>
-        </p:txBody>
-      </p:sp>
-      <p:sp>
-        <p:nvSpPr>
-          <p:cNvPr id="3" name="Content Placeholder 2"/>
-          <p:cNvSpPr>
-            <a:spLocks noGrp="1"/>
-          </p:cNvSpPr>
-          <p:nvPr>
-            <p:ph idx="1"/>
-          </p:nvPr>
-        </p:nvSpPr>
-        <p:spPr>
-          <a:xfrm>
-            <a:off x="838200" y="1825624"/>
-            <a:ext cx="11120438" cy="5032376"/>
-          </a:xfrm>
-        </p:spPr>
-        <p:txBody>
-          <a:bodyPr>
-            <a:normAutofit/>
-          </a:bodyPr>
-          <a:lstStyle/>
-          <a:p>
-            <a:r>
-              <a:rPr lang="pt-BR" dirty="0"/>
-              <a:t>Vantagens da </a:t>
-            </a:r>
-            <a:r>
-              <a:rPr lang="pt-BR" b="1" i="1" dirty="0"/>
-              <a:t>função retificadora</a:t>
-            </a:r>
-            <a:r>
-              <a:rPr lang="pt-BR" dirty="0"/>
-              <a:t>:</a:t>
-            </a:r>
-          </a:p>
-          <a:p>
-            <a:pPr lvl="1">
-              <a:buFont typeface="Wingdings" panose="05000000000000000000" pitchFamily="2" charset="2"/>
-              <a:buChar char="§"/>
-            </a:pPr>
-            <a:r>
-              <a:rPr lang="pt-BR" dirty="0"/>
-              <a:t>A função e sua derivada são </a:t>
-            </a:r>
-            <a:r>
-              <a:rPr lang="pt-BR" b="1" i="1" dirty="0"/>
-              <a:t>mais rápidas de se calcular </a:t>
-            </a:r>
-            <a:r>
-              <a:rPr lang="pt-BR" dirty="0"/>
-              <a:t>do que as funções sigmóide e tangente hiperbólica.</a:t>
-            </a:r>
-          </a:p>
-          <a:p>
-            <a:pPr lvl="1">
-              <a:buFont typeface="Wingdings" panose="05000000000000000000" pitchFamily="2" charset="2"/>
-              <a:buChar char="§"/>
-            </a:pPr>
-            <a:r>
-              <a:rPr lang="pt-BR" dirty="0"/>
-              <a:t>Não sofre com o </a:t>
-            </a:r>
-            <a:r>
-              <a:rPr lang="pt-BR" b="1" i="1" dirty="0"/>
-              <a:t>problema da dissipação do gradiente</a:t>
-            </a:r>
-            <a:r>
-              <a:rPr lang="pt-BR" dirty="0"/>
-              <a:t>,</a:t>
-            </a:r>
-            <a:r>
-              <a:rPr lang="pt-BR" b="1" i="1" dirty="0"/>
-              <a:t> </a:t>
-            </a:r>
-            <a:r>
-              <a:rPr lang="pt-BR" dirty="0"/>
-              <a:t>pois seu gradiente é igual a 0 ou 1. O produto da derivada da função de ativação de várias camadas sempre será igual a 1 ou 0.</a:t>
-            </a:r>
-          </a:p>
-          <a:p>
-            <a:r>
-              <a:rPr lang="pt-BR" dirty="0"/>
-              <a:t>Outras funções de ativação são:</a:t>
-            </a:r>
-          </a:p>
-          <a:p>
-            <a:pPr lvl="1">
-              <a:buFont typeface="Wingdings" panose="05000000000000000000" pitchFamily="2" charset="2"/>
-              <a:buChar char="§"/>
-            </a:pPr>
-            <a:r>
-              <a:rPr lang="pt-BR" dirty="0"/>
-              <a:t>Identidade ou linear.</a:t>
-            </a:r>
-          </a:p>
-          <a:p>
-            <a:pPr lvl="1">
-              <a:buFont typeface="Wingdings" panose="05000000000000000000" pitchFamily="2" charset="2"/>
-              <a:buChar char="§"/>
-            </a:pPr>
-            <a:r>
-              <a:rPr lang="pt-BR" dirty="0"/>
-              <a:t>Gaussian Error Linear Unit (GELU).</a:t>
-            </a:r>
-          </a:p>
-          <a:p>
-            <a:pPr lvl="1">
-              <a:buFont typeface="Wingdings" panose="05000000000000000000" pitchFamily="2" charset="2"/>
-              <a:buChar char="§"/>
-            </a:pPr>
-            <a:r>
-              <a:rPr lang="en-US" dirty="0"/>
-              <a:t>Leaky rectified linear unit (Leaky </a:t>
-            </a:r>
-            <a:r>
-              <a:rPr lang="en-US" dirty="0" err="1"/>
-              <a:t>ReLU</a:t>
-            </a:r>
-            <a:r>
-              <a:rPr lang="en-US" dirty="0"/>
-              <a:t>).</a:t>
-            </a:r>
-            <a:endParaRPr lang="pt-BR" dirty="0"/>
-          </a:p>
-          <a:p>
-            <a:pPr lvl="1">
-              <a:buFont typeface="Wingdings" panose="05000000000000000000" pitchFamily="2" charset="2"/>
-              <a:buChar char="§"/>
-            </a:pPr>
-            <a:r>
-              <a:rPr lang="pt-BR" dirty="0"/>
-              <a:t>Gaussiana.</a:t>
-            </a:r>
-          </a:p>
-          <a:p>
-            <a:pPr lvl="1">
-              <a:buFont typeface="Wingdings" panose="05000000000000000000" pitchFamily="2" charset="2"/>
-              <a:buChar char="§"/>
-            </a:pPr>
-            <a:r>
-              <a:rPr lang="pt-BR" dirty="0">
-                <a:hlinkClick r:id="rId3"/>
-              </a:rPr>
-              <a:t>https://en.wikipedia.org/wiki/Activation_function#Table_of_activation_functions</a:t>
-            </a:r>
-            <a:endParaRPr lang="pt-BR" dirty="0"/>
-          </a:p>
-        </p:txBody>
-      </p:sp>
-    </p:spTree>
-    <p:extLst>
-      <p:ext uri="{BB962C8B-B14F-4D97-AF65-F5344CB8AC3E}">
-        <p14:creationId xmlns:p14="http://schemas.microsoft.com/office/powerpoint/2010/main" val="2996423218"/>
-      </p:ext>
-    </p:extLst>
-  </p:cSld>
-  <p:clrMapOvr>
-    <a:masterClrMapping/>
-  </p:clrMapOvr>
-</p:sld>
-</file>
-
-<file path=ppt/slides/slide18.xml><?xml version="1.0" encoding="utf-8"?>
-<p:sld xmlns:a="http://schemas.openxmlformats.org/drawingml/2006/main" xmlns:r="http://schemas.openxmlformats.org/officeDocument/2006/relationships" xmlns:p="http://schemas.openxmlformats.org/presentationml/2006/main">
-  <p:cSld>
-    <p:spTree>
-      <p:nvGrpSpPr>
-        <p:cNvPr id="1" name=""/>
-        <p:cNvGrpSpPr/>
-        <p:nvPr/>
-      </p:nvGrpSpPr>
-      <p:grpSpPr>
-        <a:xfrm>
-          <a:off x="0" y="0"/>
-          <a:ext cx="0" cy="0"/>
-          <a:chOff x="0" y="0"/>
-          <a:chExt cx="0" cy="0"/>
-        </a:xfrm>
-      </p:grpSpPr>
-      <p:sp>
-        <p:nvSpPr>
-          <p:cNvPr id="2" name="Title 1"/>
-          <p:cNvSpPr>
-            <a:spLocks noGrp="1"/>
-          </p:cNvSpPr>
-          <p:nvPr>
-            <p:ph type="title"/>
-          </p:nvPr>
-        </p:nvSpPr>
-        <p:spPr/>
-        <p:txBody>
-          <a:bodyPr/>
-          <a:lstStyle/>
-          <a:p>
-            <a:r>
-              <a:rPr lang="pt-BR" dirty="0"/>
-              <a:t>Tarefa</a:t>
-            </a:r>
-          </a:p>
-        </p:txBody>
-      </p:sp>
-      <p:sp>
-        <p:nvSpPr>
-          <p:cNvPr id="3" name="Content Placeholder 2"/>
-          <p:cNvSpPr>
-            <a:spLocks noGrp="1"/>
-          </p:cNvSpPr>
-          <p:nvPr>
-            <p:ph idx="1"/>
-          </p:nvPr>
-        </p:nvSpPr>
-        <p:spPr>
-          <a:xfrm>
-            <a:off x="838199" y="1825624"/>
-            <a:ext cx="10994409" cy="4547879"/>
-          </a:xfrm>
-        </p:spPr>
-        <p:txBody>
-          <a:bodyPr/>
-          <a:lstStyle/>
-          <a:p>
-            <a:r>
-              <a:rPr lang="pt-BR" b="1" dirty="0"/>
-              <a:t>Quiz</a:t>
-            </a:r>
-            <a:r>
-              <a:rPr lang="pt-BR" dirty="0"/>
-              <a:t>: “</a:t>
-            </a:r>
-            <a:r>
-              <a:rPr lang="pt-BR" i="1" dirty="0"/>
-              <a:t>T320 - Quiz – Redes Neurais Artificiais (Parte III)</a:t>
-            </a:r>
-            <a:r>
-              <a:rPr lang="pt-BR" dirty="0"/>
-              <a:t>” que se encontra no MS Teams.</a:t>
-            </a:r>
-          </a:p>
-        </p:txBody>
-      </p:sp>
-    </p:spTree>
-    <p:extLst>
-      <p:ext uri="{BB962C8B-B14F-4D97-AF65-F5344CB8AC3E}">
-        <p14:creationId xmlns:p14="http://schemas.microsoft.com/office/powerpoint/2010/main" val="3718311278"/>
-      </p:ext>
-    </p:extLst>
-  </p:cSld>
-  <p:clrMapOvr>
-    <a:masterClrMapping/>
-  </p:clrMapOvr>
-</p:sld>
-</file>
-
-<file path=ppt/slides/slide19.xml><?xml version="1.0" encoding="utf-8"?>
-<p:sld xmlns:a="http://schemas.openxmlformats.org/drawingml/2006/main" xmlns:r="http://schemas.openxmlformats.org/officeDocument/2006/relationships" xmlns:p="http://schemas.openxmlformats.org/presentationml/2006/main">
-  <p:cSld>
-    <p:spTree>
-      <p:nvGrpSpPr>
-        <p:cNvPr id="1" name=""/>
-        <p:cNvGrpSpPr/>
-        <p:nvPr/>
-      </p:nvGrpSpPr>
-      <p:grpSpPr>
-        <a:xfrm>
-          <a:off x="0" y="0"/>
-          <a:ext cx="0" cy="0"/>
-          <a:chOff x="0" y="0"/>
-          <a:chExt cx="0" cy="0"/>
-        </a:xfrm>
-      </p:grpSpPr>
-      <p:sp>
-        <p:nvSpPr>
-          <p:cNvPr id="2" name="Title 1"/>
-          <p:cNvSpPr>
-            <a:spLocks noGrp="1"/>
-          </p:cNvSpPr>
-          <p:nvPr>
-            <p:ph type="title"/>
-          </p:nvPr>
-        </p:nvSpPr>
-        <p:spPr/>
-        <p:txBody>
-          <a:bodyPr/>
-          <a:lstStyle/>
-          <a:p>
-            <a:r>
-              <a:rPr lang="pt-BR" dirty="0"/>
               <a:t>Conectando Neurônios</a:t>
             </a:r>
           </a:p>
@@ -14938,7 +14033,15 @@
             </a:r>
             <a:r>
               <a:rPr lang="pt-BR" dirty="0"/>
-              <a:t> da mesma camada não são conectados entre si.</a:t>
+              <a:t> da mesma camada </a:t>
+            </a:r>
+            <a:r>
+              <a:rPr lang="pt-BR" b="1" i="1" dirty="0"/>
+              <a:t>não são conectados entre si</a:t>
+            </a:r>
+            <a:r>
+              <a:rPr lang="pt-BR" dirty="0"/>
+              <a:t>.</a:t>
             </a:r>
           </a:p>
           <a:p>
@@ -15003,148 +14106,7 @@
 </p:sld>
 </file>
 
-<file path=ppt/slides/slide2.xml><?xml version="1.0" encoding="utf-8"?>
-<p:sld xmlns:a="http://schemas.openxmlformats.org/drawingml/2006/main" xmlns:r="http://schemas.openxmlformats.org/officeDocument/2006/relationships" xmlns:p="http://schemas.openxmlformats.org/presentationml/2006/main">
-  <p:cSld>
-    <p:spTree>
-      <p:nvGrpSpPr>
-        <p:cNvPr id="1" name=""/>
-        <p:cNvGrpSpPr/>
-        <p:nvPr/>
-      </p:nvGrpSpPr>
-      <p:grpSpPr>
-        <a:xfrm>
-          <a:off x="0" y="0"/>
-          <a:ext cx="0" cy="0"/>
-          <a:chOff x="0" y="0"/>
-          <a:chExt cx="0" cy="0"/>
-        </a:xfrm>
-      </p:grpSpPr>
-      <p:sp>
-        <p:nvSpPr>
-          <p:cNvPr id="2" name="Title 1"/>
-          <p:cNvSpPr>
-            <a:spLocks noGrp="1"/>
-          </p:cNvSpPr>
-          <p:nvPr>
-            <p:ph type="title"/>
-          </p:nvPr>
-        </p:nvSpPr>
-        <p:spPr/>
-        <p:txBody>
-          <a:bodyPr/>
-          <a:lstStyle/>
-          <a:p>
-            <a:r>
-              <a:rPr lang="pt-BR" dirty="0"/>
-              <a:t>Recapitulando</a:t>
-            </a:r>
-          </a:p>
-        </p:txBody>
-      </p:sp>
-      <p:sp>
-        <p:nvSpPr>
-          <p:cNvPr id="3" name="Content Placeholder 2"/>
-          <p:cNvSpPr>
-            <a:spLocks noGrp="1"/>
-          </p:cNvSpPr>
-          <p:nvPr>
-            <p:ph idx="1"/>
-          </p:nvPr>
-        </p:nvSpPr>
-        <p:spPr>
-          <a:xfrm>
-            <a:off x="838199" y="1825624"/>
-            <a:ext cx="10994409" cy="5032376"/>
-          </a:xfrm>
-        </p:spPr>
-        <p:txBody>
-          <a:bodyPr>
-            <a:normAutofit lnSpcReduction="10000"/>
-          </a:bodyPr>
-          <a:lstStyle/>
-          <a:p>
-            <a:r>
-              <a:rPr lang="pt-BR" dirty="0"/>
-              <a:t>Fizemos uma analogia entre um neurônio e os modelos de McCulloch e Pitts e do Perceptron.</a:t>
-            </a:r>
-          </a:p>
-          <a:p>
-            <a:r>
-              <a:rPr lang="pt-BR" dirty="0"/>
-              <a:t>Vimos a evolução do modelo de McCulloch e Pitts para o </a:t>
-            </a:r>
-            <a:r>
-              <a:rPr lang="pt-BR" dirty="0" err="1"/>
-              <a:t>Perceptron</a:t>
-            </a:r>
-            <a:r>
-              <a:rPr lang="pt-BR" dirty="0"/>
-              <a:t>.</a:t>
-            </a:r>
-          </a:p>
-          <a:p>
-            <a:r>
-              <a:rPr lang="pt-BR" dirty="0"/>
-              <a:t>Aprendemos suas características, diferenças e como ambos funcionam.</a:t>
-            </a:r>
-          </a:p>
-          <a:p>
-            <a:r>
-              <a:rPr lang="pt-BR" dirty="0"/>
-              <a:t>Verificamos que um Perceptron é semelhante ao regressor logístico.</a:t>
-            </a:r>
-          </a:p>
-          <a:p>
-            <a:r>
-              <a:rPr lang="pt-BR" dirty="0"/>
-              <a:t>Constatamos que um </a:t>
-            </a:r>
-            <a:r>
-              <a:rPr lang="pt-BR" b="1" i="1" dirty="0"/>
-              <a:t>único </a:t>
-            </a:r>
-            <a:r>
-              <a:rPr lang="pt-BR" dirty="0"/>
-              <a:t>Perceptron não é capaz de separar classes não-lineares, como por exemplo, o problema do XOR.</a:t>
-            </a:r>
-          </a:p>
-          <a:p>
-            <a:r>
-              <a:rPr lang="pt-BR" dirty="0"/>
-              <a:t>Porém, quando combinamos vários deles, conseguimos criar um separador não-linear.</a:t>
-            </a:r>
-          </a:p>
-          <a:p>
-            <a:r>
-              <a:rPr lang="pt-BR" dirty="0"/>
-              <a:t>Neste tópico, veremos que esta união de Perceptrons origina o que chamamos de </a:t>
-            </a:r>
-            <a:r>
-              <a:rPr lang="pt-BR" b="1" i="1" dirty="0"/>
-              <a:t>redes neurais artificiais</a:t>
-            </a:r>
-            <a:r>
-              <a:rPr lang="pt-BR" dirty="0"/>
-              <a:t>.</a:t>
-            </a:r>
-          </a:p>
-        </p:txBody>
-      </p:sp>
-    </p:spTree>
-    <p:extLst>
-      <p:ext uri="{BB962C8B-B14F-4D97-AF65-F5344CB8AC3E}">
-        <p14:creationId xmlns:p14="http://schemas.microsoft.com/office/powerpoint/2010/main" val="3946202173"/>
-      </p:ext>
-    </p:extLst>
-  </p:cSld>
-  <p:clrMapOvr>
-    <a:masterClrMapping/>
-  </p:clrMapOvr>
-</p:sld>
-</file>
-
-<file path=ppt/slides/slide20.xml><?xml version="1.0" encoding="utf-8"?>
+<file path=ppt/slides/slide18.xml><?xml version="1.0" encoding="utf-8"?>
 <p:sld xmlns:a="http://schemas.openxmlformats.org/drawingml/2006/main" xmlns:r="http://schemas.openxmlformats.org/officeDocument/2006/relationships" xmlns:p="http://schemas.openxmlformats.org/presentationml/2006/main">
   <p:cSld>
     <p:spTree>
@@ -15378,7 +14340,7 @@
 </p:sld>
 </file>
 
-<file path=ppt/slides/slide21.xml><?xml version="1.0" encoding="utf-8"?>
+<file path=ppt/slides/slide19.xml><?xml version="1.0" encoding="utf-8"?>
 <p:sld xmlns:a="http://schemas.openxmlformats.org/drawingml/2006/main" xmlns:r="http://schemas.openxmlformats.org/officeDocument/2006/relationships" xmlns:p="http://schemas.openxmlformats.org/presentationml/2006/main">
   <p:cSld>
     <p:spTree>
@@ -16055,7 +15017,148 @@
 </p:sld>
 </file>
 
-<file path=ppt/slides/slide22.xml><?xml version="1.0" encoding="utf-8"?>
+<file path=ppt/slides/slide2.xml><?xml version="1.0" encoding="utf-8"?>
+<p:sld xmlns:a="http://schemas.openxmlformats.org/drawingml/2006/main" xmlns:r="http://schemas.openxmlformats.org/officeDocument/2006/relationships" xmlns:p="http://schemas.openxmlformats.org/presentationml/2006/main">
+  <p:cSld>
+    <p:spTree>
+      <p:nvGrpSpPr>
+        <p:cNvPr id="1" name=""/>
+        <p:cNvGrpSpPr/>
+        <p:nvPr/>
+      </p:nvGrpSpPr>
+      <p:grpSpPr>
+        <a:xfrm>
+          <a:off x="0" y="0"/>
+          <a:ext cx="0" cy="0"/>
+          <a:chOff x="0" y="0"/>
+          <a:chExt cx="0" cy="0"/>
+        </a:xfrm>
+      </p:grpSpPr>
+      <p:sp>
+        <p:nvSpPr>
+          <p:cNvPr id="2" name="Title 1"/>
+          <p:cNvSpPr>
+            <a:spLocks noGrp="1"/>
+          </p:cNvSpPr>
+          <p:nvPr>
+            <p:ph type="title"/>
+          </p:nvPr>
+        </p:nvSpPr>
+        <p:spPr/>
+        <p:txBody>
+          <a:bodyPr/>
+          <a:lstStyle/>
+          <a:p>
+            <a:r>
+              <a:rPr lang="pt-BR" dirty="0"/>
+              <a:t>Recapitulando</a:t>
+            </a:r>
+          </a:p>
+        </p:txBody>
+      </p:sp>
+      <p:sp>
+        <p:nvSpPr>
+          <p:cNvPr id="3" name="Content Placeholder 2"/>
+          <p:cNvSpPr>
+            <a:spLocks noGrp="1"/>
+          </p:cNvSpPr>
+          <p:nvPr>
+            <p:ph idx="1"/>
+          </p:nvPr>
+        </p:nvSpPr>
+        <p:spPr>
+          <a:xfrm>
+            <a:off x="838199" y="1825624"/>
+            <a:ext cx="10994409" cy="5032376"/>
+          </a:xfrm>
+        </p:spPr>
+        <p:txBody>
+          <a:bodyPr>
+            <a:normAutofit lnSpcReduction="10000"/>
+          </a:bodyPr>
+          <a:lstStyle/>
+          <a:p>
+            <a:r>
+              <a:rPr lang="pt-BR" dirty="0"/>
+              <a:t>Fizemos uma analogia entre um neurônio e os modelos de McCulloch e Pitts e do Perceptron.</a:t>
+            </a:r>
+          </a:p>
+          <a:p>
+            <a:r>
+              <a:rPr lang="pt-BR" dirty="0"/>
+              <a:t>Vimos a evolução do modelo de McCulloch e Pitts para o </a:t>
+            </a:r>
+            <a:r>
+              <a:rPr lang="pt-BR" dirty="0" err="1"/>
+              <a:t>Perceptron</a:t>
+            </a:r>
+            <a:r>
+              <a:rPr lang="pt-BR" dirty="0"/>
+              <a:t>.</a:t>
+            </a:r>
+          </a:p>
+          <a:p>
+            <a:r>
+              <a:rPr lang="pt-BR" dirty="0"/>
+              <a:t>Aprendemos suas características, diferenças e como ambos funcionam.</a:t>
+            </a:r>
+          </a:p>
+          <a:p>
+            <a:r>
+              <a:rPr lang="pt-BR" dirty="0"/>
+              <a:t>Verificamos que um Perceptron é semelhante ao regressor logístico.</a:t>
+            </a:r>
+          </a:p>
+          <a:p>
+            <a:r>
+              <a:rPr lang="pt-BR" dirty="0"/>
+              <a:t>Constatamos que um </a:t>
+            </a:r>
+            <a:r>
+              <a:rPr lang="pt-BR" b="1" i="1" dirty="0"/>
+              <a:t>único </a:t>
+            </a:r>
+            <a:r>
+              <a:rPr lang="pt-BR" dirty="0"/>
+              <a:t>Perceptron não é capaz de separar classes não-lineares, como por exemplo, o problema do XOR.</a:t>
+            </a:r>
+          </a:p>
+          <a:p>
+            <a:r>
+              <a:rPr lang="pt-BR" dirty="0"/>
+              <a:t>Porém, quando combinamos vários deles, conseguimos criar um separador não-linear.</a:t>
+            </a:r>
+          </a:p>
+          <a:p>
+            <a:r>
+              <a:rPr lang="pt-BR" dirty="0"/>
+              <a:t>Neste tópico, veremos que esta união de Perceptrons origina o que chamamos de </a:t>
+            </a:r>
+            <a:r>
+              <a:rPr lang="pt-BR" b="1" i="1" dirty="0"/>
+              <a:t>redes neurais artificiais</a:t>
+            </a:r>
+            <a:r>
+              <a:rPr lang="pt-BR" dirty="0"/>
+              <a:t>.</a:t>
+            </a:r>
+          </a:p>
+        </p:txBody>
+      </p:sp>
+    </p:spTree>
+    <p:extLst>
+      <p:ext uri="{BB962C8B-B14F-4D97-AF65-F5344CB8AC3E}">
+        <p14:creationId xmlns:p14="http://schemas.microsoft.com/office/powerpoint/2010/main" val="3946202173"/>
+      </p:ext>
+    </p:extLst>
+  </p:cSld>
+  <p:clrMapOvr>
+    <a:masterClrMapping/>
+  </p:clrMapOvr>
+</p:sld>
+</file>
+
+<file path=ppt/slides/slide20.xml><?xml version="1.0" encoding="utf-8"?>
 <p:sld xmlns:a="http://schemas.openxmlformats.org/drawingml/2006/main" xmlns:r="http://schemas.openxmlformats.org/officeDocument/2006/relationships" xmlns:p="http://schemas.openxmlformats.org/presentationml/2006/main">
   <p:cSld>
     <p:spTree>
@@ -16479,7 +15582,7 @@
 </p:sld>
 </file>
 
-<file path=ppt/slides/slide23.xml><?xml version="1.0" encoding="utf-8"?>
+<file path=ppt/slides/slide21.xml><?xml version="1.0" encoding="utf-8"?>
 <p:sld xmlns:a="http://schemas.openxmlformats.org/drawingml/2006/main" xmlns:r="http://schemas.openxmlformats.org/officeDocument/2006/relationships" xmlns:p="http://schemas.openxmlformats.org/presentationml/2006/main">
   <p:cSld>
     <p:spTree>
@@ -17454,7 +16557,7 @@
 </p:sld>
 </file>
 
-<file path=ppt/slides/slide24.xml><?xml version="1.0" encoding="utf-8"?>
+<file path=ppt/slides/slide22.xml><?xml version="1.0" encoding="utf-8"?>
 <p:sld xmlns:a="http://schemas.openxmlformats.org/drawingml/2006/main" xmlns:r="http://schemas.openxmlformats.org/officeDocument/2006/relationships" xmlns:p="http://schemas.openxmlformats.org/presentationml/2006/main">
   <p:cSld>
     <p:spTree>
@@ -17603,7 +16706,7 @@
 </p:sld>
 </file>
 
-<file path=ppt/slides/slide25.xml><?xml version="1.0" encoding="utf-8"?>
+<file path=ppt/slides/slide23.xml><?xml version="1.0" encoding="utf-8"?>
 <p:sld xmlns:a="http://schemas.openxmlformats.org/drawingml/2006/main" xmlns:r="http://schemas.openxmlformats.org/officeDocument/2006/relationships" xmlns:p="http://schemas.openxmlformats.org/presentationml/2006/main">
   <p:cSld>
     <p:spTree>
@@ -17625,7 +16728,7 @@
           <p:cNvPr id="4" name="Título 1">
             <a:extLst>
               <a:ext uri="{FF2B5EF4-FFF2-40B4-BE49-F238E27FC236}">
-                <a16:creationId xmlns:a16="http://schemas.microsoft.com/office/drawing/2014/main" id="{32666AC8-2E17-4DB4-B0F5-60C640CCFD2E}"/>
+                <a16:creationId xmlns:a16="http://schemas.microsoft.com/office/drawing/2014/main" xmlns="" id="{32666AC8-2E17-4DB4-B0F5-60C640CCFD2E}"/>
               </a:ext>
             </a:extLst>
           </p:cNvPr>
@@ -17688,7 +16791,7 @@
 </p:sld>
 </file>
 
-<file path=ppt/slides/slide26.xml><?xml version="1.0" encoding="utf-8"?>
+<file path=ppt/slides/slide24.xml><?xml version="1.0" encoding="utf-8"?>
 <p:sld xmlns:a="http://schemas.openxmlformats.org/drawingml/2006/main" xmlns:r="http://schemas.openxmlformats.org/officeDocument/2006/relationships" xmlns:p="http://schemas.openxmlformats.org/presentationml/2006/main">
   <p:cSld>
     <p:spTree>
@@ -17962,7 +17065,7 @@
 </p:sld>
 </file>
 
-<file path=ppt/slides/slide27.xml><?xml version="1.0" encoding="utf-8"?>
+<file path=ppt/slides/slide25.xml><?xml version="1.0" encoding="utf-8"?>
 <p:sld xmlns:a="http://schemas.openxmlformats.org/drawingml/2006/main" xmlns:r="http://schemas.openxmlformats.org/officeDocument/2006/relationships" xmlns:p="http://schemas.openxmlformats.org/presentationml/2006/main">
   <p:cSld>
     <p:spTree>
@@ -17984,7 +17087,7 @@
           <p:cNvPr id="4" name="Título 1">
             <a:extLst>
               <a:ext uri="{FF2B5EF4-FFF2-40B4-BE49-F238E27FC236}">
-                <a16:creationId xmlns:a16="http://schemas.microsoft.com/office/drawing/2014/main" id="{32666AC8-2E17-4DB4-B0F5-60C640CCFD2E}"/>
+                <a16:creationId xmlns:a16="http://schemas.microsoft.com/office/drawing/2014/main" xmlns="" id="{32666AC8-2E17-4DB4-B0F5-60C640CCFD2E}"/>
               </a:ext>
             </a:extLst>
           </p:cNvPr>
@@ -18047,7 +17150,7 @@
 </p:sld>
 </file>
 
-<file path=ppt/slides/slide28.xml><?xml version="1.0" encoding="utf-8"?>
+<file path=ppt/slides/slide26.xml><?xml version="1.0" encoding="utf-8"?>
 <p:sld xmlns:a="http://schemas.openxmlformats.org/drawingml/2006/main" xmlns:r="http://schemas.openxmlformats.org/officeDocument/2006/relationships" xmlns:p="http://schemas.openxmlformats.org/presentationml/2006/main">
   <p:cSld>
     <p:spTree>
@@ -19557,6 +18660,3315 @@
 </p:sld>
 </file>
 
+<file path=ppt/slides/slide27.xml><?xml version="1.0" encoding="utf-8"?>
+<p:sld xmlns:a="http://schemas.openxmlformats.org/drawingml/2006/main" xmlns:r="http://schemas.openxmlformats.org/officeDocument/2006/relationships" xmlns:p="http://schemas.openxmlformats.org/presentationml/2006/main">
+  <p:cSld>
+    <p:spTree>
+      <p:nvGrpSpPr>
+        <p:cNvPr id="1" name=""/>
+        <p:cNvGrpSpPr/>
+        <p:nvPr/>
+      </p:nvGrpSpPr>
+      <p:grpSpPr>
+        <a:xfrm>
+          <a:off x="0" y="0"/>
+          <a:ext cx="0" cy="0"/>
+          <a:chOff x="0" y="0"/>
+          <a:chExt cx="0" cy="0"/>
+        </a:xfrm>
+      </p:grpSpPr>
+      <p:sp>
+        <p:nvSpPr>
+          <p:cNvPr id="2" name="Título 1"/>
+          <p:cNvSpPr>
+            <a:spLocks noGrp="1"/>
+          </p:cNvSpPr>
+          <p:nvPr>
+            <p:ph type="title"/>
+          </p:nvPr>
+        </p:nvSpPr>
+        <p:spPr/>
+        <p:txBody>
+          <a:bodyPr/>
+          <a:lstStyle/>
+          <a:p>
+            <a:r>
+              <a:rPr lang="pt-BR" dirty="0"/>
+              <a:t>O Problema da Dissipação do Gradiente</a:t>
+            </a:r>
+          </a:p>
+        </p:txBody>
+      </p:sp>
+      <mc:AlternateContent xmlns:mc="http://schemas.openxmlformats.org/markup-compatibility/2006">
+        <mc:Choice xmlns:a14="http://schemas.microsoft.com/office/drawing/2010/main" Requires="a14">
+          <p:sp>
+            <p:nvSpPr>
+              <p:cNvPr id="3" name="Espaço Reservado para Conteúdo 2"/>
+              <p:cNvSpPr>
+                <a:spLocks noGrp="1"/>
+              </p:cNvSpPr>
+              <p:nvPr>
+                <p:ph idx="1"/>
+              </p:nvPr>
+            </p:nvSpPr>
+            <p:spPr/>
+            <p:txBody>
+              <a:bodyPr>
+                <a:normAutofit fontScale="92500" lnSpcReduction="10000"/>
+              </a:bodyPr>
+              <a:lstStyle/>
+              <a:p>
+                <a:r>
+                  <a:rPr lang="pt-BR" dirty="0"/>
+                  <a:t>Vamos </a:t>
+                </a:r>
+                <a:r>
+                  <a:rPr lang="pt-BR" dirty="0" smtClean="0"/>
+                  <a:t>entender esse problema </a:t>
+                </a:r>
+                <a:r>
+                  <a:rPr lang="pt-BR" dirty="0"/>
+                  <a:t>através de um exemplo.</a:t>
+                </a:r>
+              </a:p>
+              <a:p>
+                <a:r>
+                  <a:rPr lang="pt-BR" dirty="0"/>
+                  <a:t>Dada a simplificação de uma rede neural mostrada na figura abaixo, a qual contém</a:t>
+                </a:r>
+              </a:p>
+              <a:p>
+                <a:pPr lvl="1">
+                  <a:buFont typeface="Wingdings" panose="05000000000000000000" pitchFamily="2" charset="2"/>
+                  <a:buChar char="§"/>
+                </a:pPr>
+                <a:r>
+                  <a:rPr lang="pt-BR" dirty="0"/>
+                  <a:t>Três nós com as seguintes funções de ativação </a:t>
+                </a:r>
+                <a14:m>
+                  <m:oMath xmlns:m="http://schemas.openxmlformats.org/officeDocument/2006/math">
+                    <m:r>
+                      <a:rPr lang="pt-BR" i="1">
+                        <a:latin typeface="Cambria Math" panose="02040503050406030204" pitchFamily="18" charset="0"/>
+                      </a:rPr>
+                      <m:t>h</m:t>
+                    </m:r>
+                    <m:d>
+                      <m:dPr>
+                        <m:ctrlPr>
+                          <a:rPr lang="pt-BR" i="1">
+                            <a:latin typeface="Cambria Math" panose="02040503050406030204" pitchFamily="18" charset="0"/>
+                          </a:rPr>
+                        </m:ctrlPr>
+                      </m:dPr>
+                      <m:e>
+                        <m:r>
+                          <a:rPr lang="pt-BR" i="1">
+                            <a:latin typeface="Cambria Math" panose="02040503050406030204" pitchFamily="18" charset="0"/>
+                          </a:rPr>
+                          <m:t>.</m:t>
+                        </m:r>
+                      </m:e>
+                    </m:d>
+                  </m:oMath>
+                </a14:m>
+                <a:r>
+                  <a:rPr lang="pt-BR" dirty="0"/>
+                  <a:t>, </a:t>
+                </a:r>
+                <a14:m>
+                  <m:oMath xmlns:m="http://schemas.openxmlformats.org/officeDocument/2006/math">
+                    <m:r>
+                      <a:rPr lang="pt-BR" i="1">
+                        <a:latin typeface="Cambria Math" panose="02040503050406030204" pitchFamily="18" charset="0"/>
+                      </a:rPr>
+                      <m:t>𝑔</m:t>
+                    </m:r>
+                    <m:d>
+                      <m:dPr>
+                        <m:ctrlPr>
+                          <a:rPr lang="pt-BR" i="1">
+                            <a:latin typeface="Cambria Math" panose="02040503050406030204" pitchFamily="18" charset="0"/>
+                          </a:rPr>
+                        </m:ctrlPr>
+                      </m:dPr>
+                      <m:e>
+                        <m:r>
+                          <a:rPr lang="pt-BR" i="1">
+                            <a:latin typeface="Cambria Math" panose="02040503050406030204" pitchFamily="18" charset="0"/>
+                          </a:rPr>
+                          <m:t>.</m:t>
+                        </m:r>
+                      </m:e>
+                    </m:d>
+                  </m:oMath>
+                </a14:m>
+                <a:r>
+                  <a:rPr lang="pt-BR" dirty="0"/>
+                  <a:t> e </a:t>
+                </a:r>
+                <a14:m>
+                  <m:oMath xmlns:m="http://schemas.openxmlformats.org/officeDocument/2006/math">
+                    <m:r>
+                      <a:rPr lang="pt-BR" i="1">
+                        <a:latin typeface="Cambria Math" panose="02040503050406030204" pitchFamily="18" charset="0"/>
+                      </a:rPr>
+                      <m:t>𝑓</m:t>
+                    </m:r>
+                    <m:d>
+                      <m:dPr>
+                        <m:ctrlPr>
+                          <a:rPr lang="pt-BR" i="1">
+                            <a:latin typeface="Cambria Math" panose="02040503050406030204" pitchFamily="18" charset="0"/>
+                          </a:rPr>
+                        </m:ctrlPr>
+                      </m:dPr>
+                      <m:e>
+                        <m:r>
+                          <a:rPr lang="pt-BR" i="1">
+                            <a:latin typeface="Cambria Math" panose="02040503050406030204" pitchFamily="18" charset="0"/>
+                          </a:rPr>
+                          <m:t>.</m:t>
+                        </m:r>
+                      </m:e>
+                    </m:d>
+                  </m:oMath>
+                </a14:m>
+                <a:r>
+                  <a:rPr lang="pt-BR" dirty="0"/>
+                  <a:t>.</a:t>
+                </a:r>
+              </a:p>
+              <a:p>
+                <a:pPr lvl="1">
+                  <a:buFont typeface="Wingdings" panose="05000000000000000000" pitchFamily="2" charset="2"/>
+                  <a:buChar char="§"/>
+                </a:pPr>
+                <a:r>
+                  <a:rPr lang="pt-BR" dirty="0"/>
+                  <a:t>Pesos </a:t>
+                </a:r>
+                <a14:m>
+                  <m:oMath xmlns:m="http://schemas.openxmlformats.org/officeDocument/2006/math">
+                    <m:r>
+                      <a:rPr lang="pt-BR" i="1">
+                        <a:latin typeface="Cambria Math" panose="02040503050406030204" pitchFamily="18" charset="0"/>
+                      </a:rPr>
+                      <m:t>𝑤</m:t>
+                    </m:r>
+                  </m:oMath>
+                </a14:m>
+                <a:r>
+                  <a:rPr lang="pt-BR" dirty="0"/>
+                  <a:t>, 1 e 1, conectando os três nós, respectivamente.</a:t>
+                </a:r>
+              </a:p>
+              <a:p>
+                <a:pPr lvl="1">
+                  <a:buFont typeface="Wingdings" panose="05000000000000000000" pitchFamily="2" charset="2"/>
+                  <a:buChar char="§"/>
+                </a:pPr>
+                <a:r>
+                  <a:rPr lang="pt-BR" dirty="0"/>
+                  <a:t>Entrada </a:t>
+                </a:r>
+                <a14:m>
+                  <m:oMath xmlns:m="http://schemas.openxmlformats.org/officeDocument/2006/math">
+                    <m:r>
+                      <a:rPr lang="pt-BR" i="1">
+                        <a:latin typeface="Cambria Math" panose="02040503050406030204" pitchFamily="18" charset="0"/>
+                      </a:rPr>
+                      <m:t>𝑥</m:t>
+                    </m:r>
+                    <m:r>
+                      <a:rPr lang="pt-BR" i="1">
+                        <a:latin typeface="Cambria Math" panose="02040503050406030204" pitchFamily="18" charset="0"/>
+                      </a:rPr>
+                      <m:t>=1</m:t>
+                    </m:r>
+                  </m:oMath>
+                </a14:m>
+                <a:r>
+                  <a:rPr lang="pt-BR" dirty="0" smtClean="0"/>
+                  <a:t>.</a:t>
+                </a:r>
+              </a:p>
+              <a:p>
+                <a:r>
+                  <a:rPr lang="pt-BR" dirty="0"/>
+                  <a:t>Para atualizarmos o valor do peso </a:t>
+                </a:r>
+                <a14:m>
+                  <m:oMath xmlns:m="http://schemas.openxmlformats.org/officeDocument/2006/math">
+                    <m:r>
+                      <a:rPr lang="pt-BR" i="1">
+                        <a:latin typeface="Cambria Math" panose="02040503050406030204" pitchFamily="18" charset="0"/>
+                      </a:rPr>
+                      <m:t>𝑤</m:t>
+                    </m:r>
+                  </m:oMath>
+                </a14:m>
+                <a:r>
+                  <a:rPr lang="pt-BR" dirty="0"/>
+                  <a:t> com o gradiente descendente, precisamos encontrar a derivada parcial de </a:t>
+                </a:r>
+                <a14:m>
+                  <m:oMath xmlns:m="http://schemas.openxmlformats.org/officeDocument/2006/math">
+                    <m:r>
+                      <a:rPr lang="pt-BR" i="1">
+                        <a:latin typeface="Cambria Math" panose="02040503050406030204" pitchFamily="18" charset="0"/>
+                      </a:rPr>
+                      <m:t>𝑦</m:t>
+                    </m:r>
+                  </m:oMath>
+                </a14:m>
+                <a:r>
+                  <a:rPr lang="pt-BR" dirty="0"/>
+                  <a:t> em relação à </a:t>
+                </a:r>
+                <a14:m>
+                  <m:oMath xmlns:m="http://schemas.openxmlformats.org/officeDocument/2006/math">
+                    <m:r>
+                      <a:rPr lang="pt-BR" i="1">
+                        <a:latin typeface="Cambria Math" panose="02040503050406030204" pitchFamily="18" charset="0"/>
+                      </a:rPr>
+                      <m:t>𝑤</m:t>
+                    </m:r>
+                  </m:oMath>
+                </a14:m>
+                <a:r>
+                  <a:rPr lang="pt-BR" dirty="0"/>
+                  <a:t>.</a:t>
+                </a:r>
+              </a:p>
+              <a:p>
+                <a:r>
+                  <a:rPr lang="pt-BR" dirty="0"/>
+                  <a:t>Para encontrar a derivada, usamos a regra da </a:t>
+                </a:r>
+                <a:r>
+                  <a:rPr lang="pt-BR" dirty="0" smtClean="0"/>
+                  <a:t>cadeia</a:t>
+            